--- a/Documents/Design_Demo.pptx
+++ b/Documents/Design_Demo.pptx
@@ -113,7 +113,7 @@
   <p:extLst>
     <p:ext uri="{EFAFB233-063F-42B5-8137-9DF3F51BA10A}">
       <p15:sldGuideLst xmlns:p15="http://schemas.microsoft.com/office/powerpoint/2012/main">
-        <p15:guide id="1" orient="horz" pos="2160" userDrawn="1">
+        <p15:guide id="1" orient="horz" pos="2047" userDrawn="1">
           <p15:clr>
             <a:srgbClr val="A4A3A4"/>
           </p15:clr>
@@ -4977,10 +4977,10 @@
       </p:grpSpPr>
       <p:sp>
         <p:nvSpPr>
-          <p:cNvPr id="4" name="직사각형 3">
-            <a:extLst>
-              <a:ext uri="{FF2B5EF4-FFF2-40B4-BE49-F238E27FC236}">
-                <a16:creationId xmlns:a16="http://schemas.microsoft.com/office/drawing/2014/main" id="{EA2D8D37-742E-EF4A-A579-D4FCE47462A2}"/>
+          <p:cNvPr id="18" name="직사각형 17">
+            <a:extLst>
+              <a:ext uri="{FF2B5EF4-FFF2-40B4-BE49-F238E27FC236}">
+                <a16:creationId xmlns:a16="http://schemas.microsoft.com/office/drawing/2014/main" id="{94CC8541-38E6-5E43-8CE8-D0B034C3220B}"/>
               </a:ext>
             </a:extLst>
           </p:cNvPr>
@@ -4989,8 +4989,8 @@
         </p:nvSpPr>
         <p:spPr>
           <a:xfrm>
-            <a:off x="4894025" y="1661451"/>
-            <a:ext cx="2403951" cy="2333999"/>
+            <a:off x="4894025" y="2537440"/>
+            <a:ext cx="2403951" cy="3437693"/>
           </a:xfrm>
           <a:prstGeom prst="rect">
             <a:avLst/>
@@ -5027,78 +5027,32 @@
           <a:lstStyle/>
           <a:p>
             <a:pPr algn="ctr"/>
-            <a:endParaRPr kumimoji="1" lang="ko-KR" altLang="en-US" dirty="0"/>
-          </a:p>
-        </p:txBody>
-      </p:sp>
-      <p:sp>
-        <p:nvSpPr>
-          <p:cNvPr id="8" name="TextBox 7">
-            <a:extLst>
-              <a:ext uri="{FF2B5EF4-FFF2-40B4-BE49-F238E27FC236}">
-                <a16:creationId xmlns:a16="http://schemas.microsoft.com/office/drawing/2014/main" id="{2719254F-8374-AF4D-8DE1-35E108E43518}"/>
-              </a:ext>
-            </a:extLst>
-          </p:cNvPr>
-          <p:cNvSpPr txBox="1"/>
+            <a:endParaRPr kumimoji="1" lang="ko-KR" altLang="en-US"/>
+          </a:p>
+        </p:txBody>
+      </p:sp>
+      <p:sp>
+        <p:nvSpPr>
+          <p:cNvPr id="4" name="직사각형 3">
+            <a:extLst>
+              <a:ext uri="{FF2B5EF4-FFF2-40B4-BE49-F238E27FC236}">
+                <a16:creationId xmlns:a16="http://schemas.microsoft.com/office/drawing/2014/main" id="{EA2D8D37-742E-EF4A-A579-D4FCE47462A2}"/>
+              </a:ext>
+            </a:extLst>
+          </p:cNvPr>
+          <p:cNvSpPr/>
           <p:nvPr/>
         </p:nvSpPr>
         <p:spPr>
           <a:xfrm>
-            <a:off x="5412321" y="1814593"/>
-            <a:ext cx="1367361" cy="584775"/>
+            <a:off x="0" y="0"/>
+            <a:ext cx="12192000" cy="563417"/>
           </a:xfrm>
           <a:prstGeom prst="rect">
             <a:avLst/>
           </a:prstGeom>
-          <a:noFill/>
-        </p:spPr>
-        <p:txBody>
-          <a:bodyPr wrap="none" rtlCol="0">
-            <a:spAutoFit/>
-          </a:bodyPr>
-          <a:lstStyle/>
-          <a:p>
-            <a:pPr algn="ctr"/>
-            <a:r>
-              <a:rPr kumimoji="1" lang="en-US" altLang="ko-KR" sz="1600" b="1" dirty="0"/>
-              <a:t>Dutch </a:t>
-            </a:r>
-          </a:p>
-          <a:p>
-            <a:pPr algn="ctr"/>
-            <a:r>
-              <a:rPr kumimoji="1" lang="en-US" altLang="ko-KR" sz="1600" b="1" dirty="0"/>
-              <a:t>Broom Stick</a:t>
-            </a:r>
-            <a:endParaRPr kumimoji="1" lang="ko-KR" altLang="en-US" sz="1600" b="1" dirty="0"/>
-          </a:p>
-        </p:txBody>
-      </p:sp>
-      <p:sp>
-        <p:nvSpPr>
-          <p:cNvPr id="10" name="모서리가 둥근 직사각형 9">
-            <a:extLst>
-              <a:ext uri="{FF2B5EF4-FFF2-40B4-BE49-F238E27FC236}">
-                <a16:creationId xmlns:a16="http://schemas.microsoft.com/office/drawing/2014/main" id="{C5146231-6C8A-1246-B88B-938550474F2E}"/>
-              </a:ext>
-            </a:extLst>
-          </p:cNvPr>
-          <p:cNvSpPr/>
-          <p:nvPr/>
-        </p:nvSpPr>
-        <p:spPr>
-          <a:xfrm>
-            <a:off x="5171838" y="2839891"/>
-            <a:ext cx="1848323" cy="234616"/>
-          </a:xfrm>
-          <a:prstGeom prst="roundRect">
-            <a:avLst>
-              <a:gd name="adj" fmla="val 12230"/>
-            </a:avLst>
-          </a:prstGeom>
           <a:solidFill>
-            <a:srgbClr val="F6F6F6"/>
+            <a:schemeClr val="bg1"/>
           </a:solidFill>
           <a:ln>
             <a:solidFill>
@@ -5125,26 +5079,140 @@
           </a:fontRef>
         </p:style>
         <p:txBody>
-          <a:bodyPr rot="0" spcFirstLastPara="0" vertOverflow="overflow" horzOverflow="overflow" vert="horz" wrap="square" lIns="91440" tIns="45720" rIns="91440" bIns="45720" numCol="1" spcCol="0" rtlCol="0" fromWordArt="0" anchor="ctr" anchorCtr="0" forceAA="0" compatLnSpc="1">
-            <a:prstTxWarp prst="textNoShape">
-              <a:avLst/>
-            </a:prstTxWarp>
-            <a:noAutofit/>
+          <a:bodyPr rtlCol="0" anchor="ctr"/>
+          <a:lstStyle/>
+          <a:p>
+            <a:pPr algn="ctr"/>
+            <a:endParaRPr kumimoji="1" lang="ko-KR" altLang="en-US" dirty="0"/>
+          </a:p>
+        </p:txBody>
+      </p:sp>
+      <p:sp>
+        <p:nvSpPr>
+          <p:cNvPr id="8" name="TextBox 7">
+            <a:extLst>
+              <a:ext uri="{FF2B5EF4-FFF2-40B4-BE49-F238E27FC236}">
+                <a16:creationId xmlns:a16="http://schemas.microsoft.com/office/drawing/2014/main" id="{2719254F-8374-AF4D-8DE1-35E108E43518}"/>
+              </a:ext>
+            </a:extLst>
+          </p:cNvPr>
+          <p:cNvSpPr txBox="1"/>
+          <p:nvPr/>
+        </p:nvSpPr>
+        <p:spPr>
+          <a:xfrm>
+            <a:off x="5093702" y="112431"/>
+            <a:ext cx="2018759" cy="338554"/>
+          </a:xfrm>
+          <a:prstGeom prst="rect">
+            <a:avLst/>
+          </a:prstGeom>
+          <a:noFill/>
+        </p:spPr>
+        <p:txBody>
+          <a:bodyPr wrap="none" rtlCol="0">
+            <a:spAutoFit/>
           </a:bodyPr>
           <a:lstStyle/>
           <a:p>
             <a:pPr algn="ctr"/>
             <a:r>
-              <a:rPr kumimoji="1" lang="en-US" altLang="ko-KR" sz="1000" dirty="0">
+              <a:rPr kumimoji="1" lang="en-US" altLang="ko-KR" sz="1600" b="1" dirty="0"/>
+              <a:t>Dutch Broom Stick</a:t>
+            </a:r>
+            <a:endParaRPr kumimoji="1" lang="ko-KR" altLang="en-US" sz="1600" b="1" dirty="0"/>
+          </a:p>
+        </p:txBody>
+      </p:sp>
+      <p:sp>
+        <p:nvSpPr>
+          <p:cNvPr id="19" name="TextBox 18">
+            <a:extLst>
+              <a:ext uri="{FF2B5EF4-FFF2-40B4-BE49-F238E27FC236}">
+                <a16:creationId xmlns:a16="http://schemas.microsoft.com/office/drawing/2014/main" id="{D267E09F-DCEC-D348-8198-26F7B7296F3C}"/>
+              </a:ext>
+            </a:extLst>
+          </p:cNvPr>
+          <p:cNvSpPr txBox="1"/>
+          <p:nvPr/>
+        </p:nvSpPr>
+        <p:spPr>
+          <a:xfrm>
+            <a:off x="5754268" y="6227856"/>
+            <a:ext cx="697627" cy="246221"/>
+          </a:xfrm>
+          <a:prstGeom prst="rect">
+            <a:avLst/>
+          </a:prstGeom>
+          <a:noFill/>
+        </p:spPr>
+        <p:txBody>
+          <a:bodyPr wrap="none" rtlCol="0">
+            <a:spAutoFit/>
+          </a:bodyPr>
+          <a:lstStyle/>
+          <a:p>
+            <a:pPr algn="ctr"/>
+            <a:r>
+              <a:rPr kumimoji="1" lang="ko-KR" altLang="en-US" sz="1000" dirty="0">
+                <a:solidFill>
+                  <a:srgbClr val="00B0F0"/>
+                </a:solidFill>
+              </a:rPr>
+              <a:t>로그아웃</a:t>
+            </a:r>
+          </a:p>
+        </p:txBody>
+      </p:sp>
+      <p:sp>
+        <p:nvSpPr>
+          <p:cNvPr id="20" name="TextBox 19">
+            <a:extLst>
+              <a:ext uri="{FF2B5EF4-FFF2-40B4-BE49-F238E27FC236}">
+                <a16:creationId xmlns:a16="http://schemas.microsoft.com/office/drawing/2014/main" id="{78BA95C5-988B-C34C-B3F8-B13EA895B436}"/>
+              </a:ext>
+            </a:extLst>
+          </p:cNvPr>
+          <p:cNvSpPr txBox="1"/>
+          <p:nvPr/>
+        </p:nvSpPr>
+        <p:spPr>
+          <a:xfrm>
+            <a:off x="5525535" y="6485507"/>
+            <a:ext cx="1141659" cy="253916"/>
+          </a:xfrm>
+          <a:prstGeom prst="rect">
+            <a:avLst/>
+          </a:prstGeom>
+          <a:noFill/>
+        </p:spPr>
+        <p:txBody>
+          <a:bodyPr wrap="none" rtlCol="0">
+            <a:spAutoFit/>
+          </a:bodyPr>
+          <a:lstStyle/>
+          <a:p>
+            <a:r>
+              <a:rPr kumimoji="1" lang="en-US" altLang="ko-KR" sz="1050" dirty="0">
                 <a:solidFill>
                   <a:schemeClr val="bg1">
                     <a:lumMod val="50000"/>
                   </a:schemeClr>
                 </a:solidFill>
               </a:rPr>
-              <a:t>Password</a:t>
-            </a:r>
-            <a:endParaRPr kumimoji="1" lang="ko-KR" altLang="en-US" sz="1000" dirty="0">
+              <a:t>@ </a:t>
+            </a:r>
+            <a:r>
+              <a:rPr kumimoji="1" lang="en-US" altLang="ko-KR" sz="1050" dirty="0" err="1">
+                <a:solidFill>
+                  <a:schemeClr val="bg1">
+                    <a:lumMod val="50000"/>
+                  </a:schemeClr>
+                </a:solidFill>
+              </a:rPr>
+              <a:t>about_JCube</a:t>
+            </a:r>
+            <a:endParaRPr kumimoji="1" lang="en-US" altLang="ko-KR" sz="1050" dirty="0">
               <a:solidFill>
                 <a:schemeClr val="bg1">
                   <a:lumMod val="50000"/>
@@ -5156,10 +5224,10 @@
       </p:sp>
       <p:sp>
         <p:nvSpPr>
-          <p:cNvPr id="11" name="모서리가 둥근 직사각형 10">
-            <a:extLst>
-              <a:ext uri="{FF2B5EF4-FFF2-40B4-BE49-F238E27FC236}">
-                <a16:creationId xmlns:a16="http://schemas.microsoft.com/office/drawing/2014/main" id="{431DDE67-59BE-C741-A92A-B9FDB6578F05}"/>
+          <p:cNvPr id="2" name="타원 1">
+            <a:extLst>
+              <a:ext uri="{FF2B5EF4-FFF2-40B4-BE49-F238E27FC236}">
+                <a16:creationId xmlns:a16="http://schemas.microsoft.com/office/drawing/2014/main" id="{B1E60D62-FE22-E048-88E9-0DD5F5BCAD9B}"/>
               </a:ext>
             </a:extLst>
           </p:cNvPr>
@@ -5168,16 +5236,14 @@
         </p:nvSpPr>
         <p:spPr>
           <a:xfrm>
-            <a:off x="5171838" y="2535091"/>
-            <a:ext cx="1848323" cy="234616"/>
-          </a:xfrm>
-          <a:prstGeom prst="roundRect">
-            <a:avLst>
-              <a:gd name="adj" fmla="val 12230"/>
-            </a:avLst>
+            <a:off x="5043373" y="776420"/>
+            <a:ext cx="631510" cy="631510"/>
+          </a:xfrm>
+          <a:prstGeom prst="ellipse">
+            <a:avLst/>
           </a:prstGeom>
           <a:solidFill>
-            <a:srgbClr val="F6F6F6"/>
+            <a:schemeClr val="bg1"/>
           </a:solidFill>
           <a:ln>
             <a:solidFill>
@@ -5204,41 +5270,62 @@
           </a:fontRef>
         </p:style>
         <p:txBody>
-          <a:bodyPr rot="0" spcFirstLastPara="0" vertOverflow="overflow" horzOverflow="overflow" vert="horz" wrap="square" lIns="91440" tIns="45720" rIns="91440" bIns="45720" numCol="1" spcCol="0" rtlCol="0" fromWordArt="0" anchor="ctr" anchorCtr="0" forceAA="0" compatLnSpc="1">
-            <a:prstTxWarp prst="textNoShape">
-              <a:avLst/>
-            </a:prstTxWarp>
-            <a:noAutofit/>
+          <a:bodyPr rtlCol="0" anchor="ctr"/>
+          <a:lstStyle/>
+          <a:p>
+            <a:pPr algn="ctr"/>
+            <a:endParaRPr kumimoji="1" lang="ko-KR" altLang="en-US"/>
+          </a:p>
+        </p:txBody>
+      </p:sp>
+      <p:sp>
+        <p:nvSpPr>
+          <p:cNvPr id="3" name="TextBox 2">
+            <a:extLst>
+              <a:ext uri="{FF2B5EF4-FFF2-40B4-BE49-F238E27FC236}">
+                <a16:creationId xmlns:a16="http://schemas.microsoft.com/office/drawing/2014/main" id="{1E856193-7D66-474C-B81B-812565E29730}"/>
+              </a:ext>
+            </a:extLst>
+          </p:cNvPr>
+          <p:cNvSpPr txBox="1"/>
+          <p:nvPr/>
+        </p:nvSpPr>
+        <p:spPr>
+          <a:xfrm>
+            <a:off x="5772833" y="866156"/>
+            <a:ext cx="646331" cy="276999"/>
+          </a:xfrm>
+          <a:prstGeom prst="rect">
+            <a:avLst/>
+          </a:prstGeom>
+          <a:noFill/>
+        </p:spPr>
+        <p:txBody>
+          <a:bodyPr wrap="none" rtlCol="0">
+            <a:spAutoFit/>
           </a:bodyPr>
           <a:lstStyle/>
           <a:p>
-            <a:pPr algn="ctr"/>
-            <a:r>
-              <a:rPr kumimoji="1" lang="en-US" altLang="ko-KR" sz="1000" dirty="0">
+            <a:pPr algn="l"/>
+            <a:r>
+              <a:rPr kumimoji="1" lang="ko-KR" altLang="en-US" sz="1200" dirty="0">
                 <a:solidFill>
                   <a:schemeClr val="bg1">
                     <a:lumMod val="50000"/>
                   </a:schemeClr>
                 </a:solidFill>
               </a:rPr>
-              <a:t>Username</a:t>
-            </a:r>
-            <a:endParaRPr kumimoji="1" lang="ko-KR" altLang="en-US" sz="1000" dirty="0">
-              <a:solidFill>
-                <a:schemeClr val="bg1">
-                  <a:lumMod val="50000"/>
-                </a:schemeClr>
-              </a:solidFill>
-            </a:endParaRPr>
-          </a:p>
-        </p:txBody>
-      </p:sp>
-      <p:sp>
-        <p:nvSpPr>
-          <p:cNvPr id="12" name="모서리가 둥근 직사각형 11">
-            <a:extLst>
-              <a:ext uri="{FF2B5EF4-FFF2-40B4-BE49-F238E27FC236}">
-                <a16:creationId xmlns:a16="http://schemas.microsoft.com/office/drawing/2014/main" id="{C5488FC6-282C-7148-82F7-288317848D5E}"/>
+              <a:t>홍길동</a:t>
+            </a:r>
+          </a:p>
+        </p:txBody>
+      </p:sp>
+      <p:sp>
+        <p:nvSpPr>
+          <p:cNvPr id="13" name="직사각형 12">
+            <a:extLst>
+              <a:ext uri="{FF2B5EF4-FFF2-40B4-BE49-F238E27FC236}">
+                <a16:creationId xmlns:a16="http://schemas.microsoft.com/office/drawing/2014/main" id="{8F233606-B346-4F46-B031-5FB758227888}"/>
               </a:ext>
             </a:extLst>
           </p:cNvPr>
@@ -5247,20 +5334,20 @@
         </p:nvSpPr>
         <p:spPr>
           <a:xfrm>
-            <a:off x="5171838" y="3472059"/>
-            <a:ext cx="1848323" cy="234616"/>
-          </a:xfrm>
-          <a:prstGeom prst="roundRect">
-            <a:avLst>
-              <a:gd name="adj" fmla="val 12230"/>
-            </a:avLst>
+            <a:off x="4894025" y="1593226"/>
+            <a:ext cx="2403951" cy="842653"/>
+          </a:xfrm>
+          <a:prstGeom prst="rect">
+            <a:avLst/>
           </a:prstGeom>
           <a:solidFill>
-            <a:srgbClr val="00A5FA"/>
+            <a:schemeClr val="bg1"/>
           </a:solidFill>
           <a:ln>
             <a:solidFill>
-              <a:srgbClr val="00B0F0"/>
+              <a:schemeClr val="bg1">
+                <a:lumMod val="75000"/>
+              </a:schemeClr>
             </a:solidFill>
           </a:ln>
         </p:spPr>
@@ -5281,32 +5368,71 @@
           </a:fontRef>
         </p:style>
         <p:txBody>
-          <a:bodyPr rot="0" spcFirstLastPara="0" vertOverflow="overflow" horzOverflow="overflow" vert="horz" wrap="square" lIns="91440" tIns="45720" rIns="91440" bIns="45720" numCol="1" spcCol="0" rtlCol="0" fromWordArt="0" anchor="ctr" anchorCtr="0" forceAA="0" compatLnSpc="1">
-            <a:prstTxWarp prst="textNoShape">
-              <a:avLst/>
-            </a:prstTxWarp>
-            <a:noAutofit/>
+          <a:bodyPr rtlCol="0" anchor="ctr"/>
+          <a:lstStyle/>
+          <a:p>
+            <a:pPr algn="ctr"/>
+            <a:endParaRPr kumimoji="1" lang="ko-KR" altLang="en-US"/>
+          </a:p>
+        </p:txBody>
+      </p:sp>
+      <p:sp>
+        <p:nvSpPr>
+          <p:cNvPr id="14" name="TextBox 13">
+            <a:extLst>
+              <a:ext uri="{FF2B5EF4-FFF2-40B4-BE49-F238E27FC236}">
+                <a16:creationId xmlns:a16="http://schemas.microsoft.com/office/drawing/2014/main" id="{1CA1A22B-0D6C-F14D-9A1B-6A8AE894BDA5}"/>
+              </a:ext>
+            </a:extLst>
+          </p:cNvPr>
+          <p:cNvSpPr txBox="1"/>
+          <p:nvPr/>
+        </p:nvSpPr>
+        <p:spPr>
+          <a:xfrm>
+            <a:off x="5772834" y="1089768"/>
+            <a:ext cx="1135247" cy="261610"/>
+          </a:xfrm>
+          <a:prstGeom prst="rect">
+            <a:avLst/>
+          </a:prstGeom>
+          <a:noFill/>
+        </p:spPr>
+        <p:txBody>
+          <a:bodyPr wrap="none" rtlCol="0">
+            <a:spAutoFit/>
           </a:bodyPr>
           <a:lstStyle/>
           <a:p>
-            <a:pPr algn="ctr"/>
-            <a:r>
-              <a:rPr kumimoji="1" lang="ko-KR" altLang="en-US" sz="1000" dirty="0">
+            <a:pPr algn="l"/>
+            <a:r>
+              <a:rPr kumimoji="1" lang="en-US" altLang="ko-KR" sz="1050" dirty="0">
                 <a:solidFill>
-                  <a:schemeClr val="bg1"/>
+                  <a:schemeClr val="tx1">
+                    <a:lumMod val="65000"/>
+                    <a:lumOff val="35000"/>
+                  </a:schemeClr>
                 </a:solidFill>
               </a:rPr>
-              <a:t>로그인</a:t>
-            </a:r>
-          </a:p>
-        </p:txBody>
-      </p:sp>
-      <p:sp>
-        <p:nvSpPr>
-          <p:cNvPr id="17" name="모서리가 둥근 직사각형 16">
-            <a:extLst>
-              <a:ext uri="{FF2B5EF4-FFF2-40B4-BE49-F238E27FC236}">
-                <a16:creationId xmlns:a16="http://schemas.microsoft.com/office/drawing/2014/main" id="{E2BABE5E-2C5B-1544-9595-954E364F1BF3}"/>
+              <a:t>redRoadEast13</a:t>
+            </a:r>
+            <a:endParaRPr kumimoji="1" lang="ko-KR" altLang="en-US" sz="1050" dirty="0">
+              <a:solidFill>
+                <a:schemeClr val="tx1">
+                  <a:lumMod val="65000"/>
+                  <a:lumOff val="35000"/>
+                </a:schemeClr>
+              </a:solidFill>
+            </a:endParaRPr>
+          </a:p>
+        </p:txBody>
+      </p:sp>
+      <p:sp>
+        <p:nvSpPr>
+          <p:cNvPr id="23" name="자유형 22">
+            <a:extLst>
+              <a:ext uri="{FF2B5EF4-FFF2-40B4-BE49-F238E27FC236}">
+                <a16:creationId xmlns:a16="http://schemas.microsoft.com/office/drawing/2014/main" id="{5E9A23AE-BAC6-E245-89C0-DB5FE7E85968}"/>
               </a:ext>
             </a:extLst>
           </p:cNvPr>
@@ -5315,23 +5441,160 @@
         </p:nvSpPr>
         <p:spPr>
           <a:xfrm>
-            <a:off x="5171838" y="3138137"/>
-            <a:ext cx="1848323" cy="234616"/>
-          </a:xfrm>
-          <a:prstGeom prst="roundRect">
-            <a:avLst>
-              <a:gd name="adj" fmla="val 12230"/>
-            </a:avLst>
-          </a:prstGeom>
+            <a:off x="5163271" y="957345"/>
+            <a:ext cx="391715" cy="450585"/>
+          </a:xfrm>
+          <a:custGeom>
+            <a:avLst/>
+            <a:gdLst>
+              <a:gd name="connsiteX0" fmla="*/ 286755 w 573510"/>
+              <a:gd name="connsiteY0" fmla="*/ 416016 h 659701"/>
+              <a:gd name="connsiteX1" fmla="*/ 567734 w 573510"/>
+              <a:gd name="connsiteY1" fmla="*/ 543224 h 659701"/>
+              <a:gd name="connsiteX2" fmla="*/ 573510 w 573510"/>
+              <a:gd name="connsiteY2" fmla="*/ 555934 h 659701"/>
+              <a:gd name="connsiteX3" fmla="*/ 542380 w 573510"/>
+              <a:gd name="connsiteY3" fmla="*/ 581619 h 659701"/>
+              <a:gd name="connsiteX4" fmla="*/ 286755 w 573510"/>
+              <a:gd name="connsiteY4" fmla="*/ 659701 h 659701"/>
+              <a:gd name="connsiteX5" fmla="*/ 31130 w 573510"/>
+              <a:gd name="connsiteY5" fmla="*/ 581619 h 659701"/>
+              <a:gd name="connsiteX6" fmla="*/ 0 w 573510"/>
+              <a:gd name="connsiteY6" fmla="*/ 555934 h 659701"/>
+              <a:gd name="connsiteX7" fmla="*/ 5776 w 573510"/>
+              <a:gd name="connsiteY7" fmla="*/ 543224 h 659701"/>
+              <a:gd name="connsiteX8" fmla="*/ 286755 w 573510"/>
+              <a:gd name="connsiteY8" fmla="*/ 416016 h 659701"/>
+              <a:gd name="connsiteX9" fmla="*/ 286754 w 573510"/>
+              <a:gd name="connsiteY9" fmla="*/ 0 h 659701"/>
+              <a:gd name="connsiteX10" fmla="*/ 476099 w 573510"/>
+              <a:gd name="connsiteY10" fmla="*/ 189345 h 659701"/>
+              <a:gd name="connsiteX11" fmla="*/ 286754 w 573510"/>
+              <a:gd name="connsiteY11" fmla="*/ 378690 h 659701"/>
+              <a:gd name="connsiteX12" fmla="*/ 97409 w 573510"/>
+              <a:gd name="connsiteY12" fmla="*/ 189345 h 659701"/>
+              <a:gd name="connsiteX13" fmla="*/ 286754 w 573510"/>
+              <a:gd name="connsiteY13" fmla="*/ 0 h 659701"/>
+            </a:gdLst>
+            <a:ahLst/>
+            <a:cxnLst>
+              <a:cxn ang="0">
+                <a:pos x="connsiteX0" y="connsiteY0"/>
+              </a:cxn>
+              <a:cxn ang="0">
+                <a:pos x="connsiteX1" y="connsiteY1"/>
+              </a:cxn>
+              <a:cxn ang="0">
+                <a:pos x="connsiteX2" y="connsiteY2"/>
+              </a:cxn>
+              <a:cxn ang="0">
+                <a:pos x="connsiteX3" y="connsiteY3"/>
+              </a:cxn>
+              <a:cxn ang="0">
+                <a:pos x="connsiteX4" y="connsiteY4"/>
+              </a:cxn>
+              <a:cxn ang="0">
+                <a:pos x="connsiteX5" y="connsiteY5"/>
+              </a:cxn>
+              <a:cxn ang="0">
+                <a:pos x="connsiteX6" y="connsiteY6"/>
+              </a:cxn>
+              <a:cxn ang="0">
+                <a:pos x="connsiteX7" y="connsiteY7"/>
+              </a:cxn>
+              <a:cxn ang="0">
+                <a:pos x="connsiteX8" y="connsiteY8"/>
+              </a:cxn>
+              <a:cxn ang="0">
+                <a:pos x="connsiteX9" y="connsiteY9"/>
+              </a:cxn>
+              <a:cxn ang="0">
+                <a:pos x="connsiteX10" y="connsiteY10"/>
+              </a:cxn>
+              <a:cxn ang="0">
+                <a:pos x="connsiteX11" y="connsiteY11"/>
+              </a:cxn>
+              <a:cxn ang="0">
+                <a:pos x="connsiteX12" y="connsiteY12"/>
+              </a:cxn>
+              <a:cxn ang="0">
+                <a:pos x="connsiteX13" y="connsiteY13"/>
+              </a:cxn>
+            </a:cxnLst>
+            <a:rect l="l" t="t" r="r" b="b"/>
+            <a:pathLst>
+              <a:path w="573510" h="659701">
+                <a:moveTo>
+                  <a:pt x="286755" y="416016"/>
+                </a:moveTo>
+                <a:cubicBezTo>
+                  <a:pt x="413066" y="416016"/>
+                  <a:pt x="521441" y="468469"/>
+                  <a:pt x="567734" y="543224"/>
+                </a:cubicBezTo>
+                <a:lnTo>
+                  <a:pt x="573510" y="555934"/>
+                </a:lnTo>
+                <a:lnTo>
+                  <a:pt x="542380" y="581619"/>
+                </a:lnTo>
+                <a:cubicBezTo>
+                  <a:pt x="469410" y="630916"/>
+                  <a:pt x="381444" y="659701"/>
+                  <a:pt x="286755" y="659701"/>
+                </a:cubicBezTo>
+                <a:cubicBezTo>
+                  <a:pt x="192066" y="659701"/>
+                  <a:pt x="104100" y="630916"/>
+                  <a:pt x="31130" y="581619"/>
+                </a:cubicBezTo>
+                <a:lnTo>
+                  <a:pt x="0" y="555934"/>
+                </a:lnTo>
+                <a:lnTo>
+                  <a:pt x="5776" y="543224"/>
+                </a:lnTo>
+                <a:cubicBezTo>
+                  <a:pt x="52069" y="468469"/>
+                  <a:pt x="160444" y="416016"/>
+                  <a:pt x="286755" y="416016"/>
+                </a:cubicBezTo>
+                <a:close/>
+                <a:moveTo>
+                  <a:pt x="286754" y="0"/>
+                </a:moveTo>
+                <a:cubicBezTo>
+                  <a:pt x="391326" y="0"/>
+                  <a:pt x="476099" y="84773"/>
+                  <a:pt x="476099" y="189345"/>
+                </a:cubicBezTo>
+                <a:cubicBezTo>
+                  <a:pt x="476099" y="293917"/>
+                  <a:pt x="391326" y="378690"/>
+                  <a:pt x="286754" y="378690"/>
+                </a:cubicBezTo>
+                <a:cubicBezTo>
+                  <a:pt x="182182" y="378690"/>
+                  <a:pt x="97409" y="293917"/>
+                  <a:pt x="97409" y="189345"/>
+                </a:cubicBezTo>
+                <a:cubicBezTo>
+                  <a:pt x="97409" y="84773"/>
+                  <a:pt x="182182" y="0"/>
+                  <a:pt x="286754" y="0"/>
+                </a:cubicBezTo>
+                <a:close/>
+              </a:path>
+            </a:pathLst>
+          </a:custGeom>
           <a:solidFill>
-            <a:srgbClr val="F6F6F6"/>
+            <a:schemeClr val="tx1">
+              <a:lumMod val="50000"/>
+              <a:lumOff val="50000"/>
+            </a:schemeClr>
           </a:solidFill>
           <a:ln>
-            <a:solidFill>
-              <a:schemeClr val="bg1">
-                <a:lumMod val="75000"/>
-              </a:schemeClr>
-            </a:solidFill>
+            <a:noFill/>
           </a:ln>
         </p:spPr>
         <p:style>
@@ -5351,41 +5614,20 @@
           </a:fontRef>
         </p:style>
         <p:txBody>
-          <a:bodyPr rot="0" spcFirstLastPara="0" vertOverflow="overflow" horzOverflow="overflow" vert="horz" wrap="square" lIns="91440" tIns="45720" rIns="91440" bIns="45720" numCol="1" spcCol="0" rtlCol="0" fromWordArt="0" anchor="ctr" anchorCtr="0" forceAA="0" compatLnSpc="1">
-            <a:prstTxWarp prst="textNoShape">
-              <a:avLst/>
-            </a:prstTxWarp>
-            <a:noAutofit/>
-          </a:bodyPr>
+          <a:bodyPr rtlCol="0" anchor="ctr"/>
           <a:lstStyle/>
           <a:p>
             <a:pPr algn="ctr"/>
-            <a:r>
-              <a:rPr kumimoji="1" lang="en-US" altLang="ko-KR" sz="1000" dirty="0">
-                <a:solidFill>
-                  <a:schemeClr val="bg1">
-                    <a:lumMod val="50000"/>
-                  </a:schemeClr>
-                </a:solidFill>
-              </a:rPr>
-              <a:t>Confirm Password</a:t>
-            </a:r>
-            <a:endParaRPr kumimoji="1" lang="ko-KR" altLang="en-US" sz="1000" dirty="0">
-              <a:solidFill>
-                <a:schemeClr val="bg1">
-                  <a:lumMod val="50000"/>
-                </a:schemeClr>
-              </a:solidFill>
-            </a:endParaRPr>
-          </a:p>
-        </p:txBody>
-      </p:sp>
-      <p:sp>
-        <p:nvSpPr>
-          <p:cNvPr id="18" name="직사각형 17">
-            <a:extLst>
-              <a:ext uri="{FF2B5EF4-FFF2-40B4-BE49-F238E27FC236}">
-                <a16:creationId xmlns:a16="http://schemas.microsoft.com/office/drawing/2014/main" id="{94CC8541-38E6-5E43-8CE8-D0B034C3220B}"/>
+            <a:endParaRPr kumimoji="1" lang="ko-KR" altLang="en-US"/>
+          </a:p>
+        </p:txBody>
+      </p:sp>
+      <p:sp>
+        <p:nvSpPr>
+          <p:cNvPr id="12" name="모서리가 둥근 직사각형 11">
+            <a:extLst>
+              <a:ext uri="{FF2B5EF4-FFF2-40B4-BE49-F238E27FC236}">
+                <a16:creationId xmlns:a16="http://schemas.microsoft.com/office/drawing/2014/main" id="{C5488FC6-282C-7148-82F7-288317848D5E}"/>
               </a:ext>
             </a:extLst>
           </p:cNvPr>
@@ -5394,20 +5636,20 @@
         </p:nvSpPr>
         <p:spPr>
           <a:xfrm>
-            <a:off x="4894025" y="4065634"/>
-            <a:ext cx="2403951" cy="722021"/>
-          </a:xfrm>
-          <a:prstGeom prst="rect">
-            <a:avLst/>
+            <a:off x="5171838" y="2020351"/>
+            <a:ext cx="1848323" cy="234616"/>
+          </a:xfrm>
+          <a:prstGeom prst="roundRect">
+            <a:avLst>
+              <a:gd name="adj" fmla="val 12230"/>
+            </a:avLst>
           </a:prstGeom>
           <a:solidFill>
-            <a:schemeClr val="bg1"/>
+            <a:srgbClr val="00A5FA"/>
           </a:solidFill>
           <a:ln>
             <a:solidFill>
-              <a:schemeClr val="bg1">
-                <a:lumMod val="75000"/>
-              </a:schemeClr>
+              <a:srgbClr val="00B0F0"/>
             </a:solidFill>
           </a:ln>
         </p:spPr>
@@ -5428,20 +5670,32 @@
           </a:fontRef>
         </p:style>
         <p:txBody>
-          <a:bodyPr rtlCol="0" anchor="ctr"/>
+          <a:bodyPr rot="0" spcFirstLastPara="0" vertOverflow="overflow" horzOverflow="overflow" vert="horz" wrap="square" lIns="91440" tIns="45720" rIns="91440" bIns="45720" numCol="1" spcCol="0" rtlCol="0" fromWordArt="0" anchor="ctr" anchorCtr="0" forceAA="0" compatLnSpc="1">
+            <a:prstTxWarp prst="textNoShape">
+              <a:avLst/>
+            </a:prstTxWarp>
+            <a:noAutofit/>
+          </a:bodyPr>
           <a:lstStyle/>
           <a:p>
             <a:pPr algn="ctr"/>
-            <a:endParaRPr kumimoji="1" lang="ko-KR" altLang="en-US"/>
-          </a:p>
-        </p:txBody>
-      </p:sp>
-      <p:sp>
-        <p:nvSpPr>
-          <p:cNvPr id="19" name="TextBox 18">
-            <a:extLst>
-              <a:ext uri="{FF2B5EF4-FFF2-40B4-BE49-F238E27FC236}">
-                <a16:creationId xmlns:a16="http://schemas.microsoft.com/office/drawing/2014/main" id="{D267E09F-DCEC-D348-8198-26F7B7296F3C}"/>
+            <a:r>
+              <a:rPr kumimoji="1" lang="ko-KR" altLang="en-US" sz="1000" dirty="0">
+                <a:solidFill>
+                  <a:schemeClr val="bg1"/>
+                </a:solidFill>
+              </a:rPr>
+              <a:t>방 생성</a:t>
+            </a:r>
+          </a:p>
+        </p:txBody>
+      </p:sp>
+      <p:sp>
+        <p:nvSpPr>
+          <p:cNvPr id="25" name="TextBox 24">
+            <a:extLst>
+              <a:ext uri="{FF2B5EF4-FFF2-40B4-BE49-F238E27FC236}">
+                <a16:creationId xmlns:a16="http://schemas.microsoft.com/office/drawing/2014/main" id="{39E75C3F-FA95-8447-9B24-FB475B7F29A0}"/>
               </a:ext>
             </a:extLst>
           </p:cNvPr>
@@ -5450,7 +5704,7 @@
         </p:nvSpPr>
         <p:spPr>
           <a:xfrm>
-            <a:off x="5359128" y="4240274"/>
+            <a:off x="5359130" y="1749358"/>
             <a:ext cx="1487908" cy="246221"/>
           </a:xfrm>
           <a:prstGeom prst="rect">
@@ -5466,83 +5720,272 @@
           <a:p>
             <a:pPr algn="ctr"/>
             <a:r>
-              <a:rPr kumimoji="1" lang="ko-KR" altLang="en-US" sz="1000" dirty="0"/>
-              <a:t>계정이 있다면</a:t>
-            </a:r>
-            <a:r>
-              <a:rPr kumimoji="1" lang="en-US" altLang="ko-KR" sz="1000" dirty="0"/>
-              <a:t>?</a:t>
-            </a:r>
-            <a:r>
-              <a:rPr kumimoji="1" lang="ko-KR" altLang="en-US" sz="1000" dirty="0"/>
-              <a:t> </a:t>
-            </a:r>
-            <a:r>
               <a:rPr kumimoji="1" lang="ko-KR" altLang="en-US" sz="1000" dirty="0">
                 <a:solidFill>
-                  <a:srgbClr val="00B0F0"/>
+                  <a:schemeClr val="tx1">
+                    <a:lumMod val="65000"/>
+                    <a:lumOff val="35000"/>
+                  </a:schemeClr>
                 </a:solidFill>
               </a:rPr>
-              <a:t>로그인</a:t>
-            </a:r>
-          </a:p>
-        </p:txBody>
-      </p:sp>
-      <p:sp>
-        <p:nvSpPr>
-          <p:cNvPr id="20" name="TextBox 19">
-            <a:extLst>
-              <a:ext uri="{FF2B5EF4-FFF2-40B4-BE49-F238E27FC236}">
-                <a16:creationId xmlns:a16="http://schemas.microsoft.com/office/drawing/2014/main" id="{78BA95C5-988B-C34C-B3F8-B13EA895B436}"/>
-              </a:ext>
-            </a:extLst>
-          </p:cNvPr>
-          <p:cNvSpPr txBox="1"/>
+              <a:t>새로운 방을 원한다면</a:t>
+            </a:r>
+            <a:r>
+              <a:rPr kumimoji="1" lang="en-US" altLang="ko-KR" sz="1000" dirty="0">
+                <a:solidFill>
+                  <a:schemeClr val="tx1">
+                    <a:lumMod val="65000"/>
+                    <a:lumOff val="35000"/>
+                  </a:schemeClr>
+                </a:solidFill>
+              </a:rPr>
+              <a:t>?</a:t>
+            </a:r>
+            <a:endParaRPr kumimoji="1" lang="ko-KR" altLang="en-US" sz="1000" dirty="0">
+              <a:solidFill>
+                <a:schemeClr val="tx1">
+                  <a:lumMod val="65000"/>
+                  <a:lumOff val="35000"/>
+                </a:schemeClr>
+              </a:solidFill>
+            </a:endParaRPr>
+          </a:p>
+        </p:txBody>
+      </p:sp>
+      <p:sp>
+        <p:nvSpPr>
+          <p:cNvPr id="28" name="모서리가 둥근 직사각형 27">
+            <a:extLst>
+              <a:ext uri="{FF2B5EF4-FFF2-40B4-BE49-F238E27FC236}">
+                <a16:creationId xmlns:a16="http://schemas.microsoft.com/office/drawing/2014/main" id="{5EA70F12-2295-E046-9411-913AA836BD3F}"/>
+              </a:ext>
+            </a:extLst>
+          </p:cNvPr>
+          <p:cNvSpPr/>
           <p:nvPr/>
         </p:nvSpPr>
         <p:spPr>
           <a:xfrm>
-            <a:off x="5525535" y="4481216"/>
-            <a:ext cx="1141659" cy="253916"/>
-          </a:xfrm>
-          <a:prstGeom prst="rect">
-            <a:avLst/>
+            <a:off x="5079422" y="2704233"/>
+            <a:ext cx="2033155" cy="484040"/>
+          </a:xfrm>
+          <a:prstGeom prst="roundRect">
+            <a:avLst>
+              <a:gd name="adj" fmla="val 12230"/>
+            </a:avLst>
           </a:prstGeom>
-          <a:noFill/>
-        </p:spPr>
-        <p:txBody>
-          <a:bodyPr wrap="none" rtlCol="0">
-            <a:spAutoFit/>
+          <a:solidFill>
+            <a:schemeClr val="bg1"/>
+          </a:solidFill>
+          <a:ln>
+            <a:solidFill>
+              <a:schemeClr val="bg1">
+                <a:lumMod val="75000"/>
+              </a:schemeClr>
+            </a:solidFill>
+          </a:ln>
+        </p:spPr>
+        <p:style>
+          <a:lnRef idx="2">
+            <a:schemeClr val="accent1">
+              <a:shade val="50000"/>
+            </a:schemeClr>
+          </a:lnRef>
+          <a:fillRef idx="1">
+            <a:schemeClr val="accent1"/>
+          </a:fillRef>
+          <a:effectRef idx="0">
+            <a:schemeClr val="accent1"/>
+          </a:effectRef>
+          <a:fontRef idx="minor">
+            <a:schemeClr val="lt1"/>
+          </a:fontRef>
+        </p:style>
+        <p:txBody>
+          <a:bodyPr rot="0" spcFirstLastPara="0" vertOverflow="overflow" horzOverflow="overflow" vert="horz" wrap="square" lIns="91440" tIns="45720" rIns="91440" bIns="45720" numCol="1" spcCol="0" rtlCol="0" fromWordArt="0" anchor="ctr" anchorCtr="0" forceAA="0" compatLnSpc="1">
+            <a:prstTxWarp prst="textNoShape">
+              <a:avLst/>
+            </a:prstTxWarp>
+            <a:noAutofit/>
           </a:bodyPr>
           <a:lstStyle/>
           <a:p>
             <a:r>
-              <a:rPr kumimoji="1" lang="en-US" altLang="ko-KR" sz="1050" dirty="0">
+              <a:rPr kumimoji="1" lang="ko-KR" altLang="en-US" sz="1100" b="1" dirty="0">
+                <a:solidFill>
+                  <a:schemeClr val="tx1">
+                    <a:lumMod val="75000"/>
+                    <a:lumOff val="25000"/>
+                  </a:schemeClr>
+                </a:solidFill>
+              </a:rPr>
+              <a:t>활빈당</a:t>
+            </a:r>
+            <a:r>
+              <a:rPr kumimoji="1" lang="ko-KR" altLang="en-US" sz="1100" b="1" dirty="0">
                 <a:solidFill>
                   <a:schemeClr val="bg1">
                     <a:lumMod val="50000"/>
                   </a:schemeClr>
                 </a:solidFill>
               </a:rPr>
-              <a:t>@ </a:t>
-            </a:r>
-            <a:r>
-              <a:rPr kumimoji="1" lang="en-US" altLang="ko-KR" sz="1050" dirty="0" err="1">
+              <a:t>  </a:t>
+            </a:r>
+            <a:r>
+              <a:rPr kumimoji="1" lang="en-US" altLang="ko-KR" sz="1100" b="1" dirty="0">
+                <a:solidFill>
+                  <a:srgbClr val="00B0F0"/>
+                </a:solidFill>
+              </a:rPr>
+              <a:t>Link</a:t>
+            </a:r>
+          </a:p>
+          <a:p>
+            <a:pPr algn="r"/>
+            <a:r>
+              <a:rPr kumimoji="1" lang="en-US" altLang="ko-KR" sz="1000" dirty="0">
                 <a:solidFill>
                   <a:schemeClr val="bg1">
                     <a:lumMod val="50000"/>
                   </a:schemeClr>
                 </a:solidFill>
               </a:rPr>
-              <a:t>about_JCube</a:t>
-            </a:r>
-            <a:endParaRPr kumimoji="1" lang="en-US" altLang="ko-KR" sz="1050" dirty="0">
-              <a:solidFill>
-                <a:schemeClr val="bg1">
-                  <a:lumMod val="50000"/>
-                </a:schemeClr>
-              </a:solidFill>
-            </a:endParaRPr>
+              <a:t>321</a:t>
+            </a:r>
+            <a:r>
+              <a:rPr kumimoji="1" lang="ko-KR" altLang="en-US" sz="1000" dirty="0">
+                <a:solidFill>
+                  <a:schemeClr val="bg1">
+                    <a:lumMod val="50000"/>
+                  </a:schemeClr>
+                </a:solidFill>
+              </a:rPr>
+              <a:t>명 </a:t>
+            </a:r>
+          </a:p>
+        </p:txBody>
+      </p:sp>
+      <p:sp>
+        <p:nvSpPr>
+          <p:cNvPr id="29" name="모서리가 둥근 직사각형 28">
+            <a:extLst>
+              <a:ext uri="{FF2B5EF4-FFF2-40B4-BE49-F238E27FC236}">
+                <a16:creationId xmlns:a16="http://schemas.microsoft.com/office/drawing/2014/main" id="{C52A8C88-D55D-0544-80B9-A1D53A49E471}"/>
+              </a:ext>
+            </a:extLst>
+          </p:cNvPr>
+          <p:cNvSpPr/>
+          <p:nvPr/>
+        </p:nvSpPr>
+        <p:spPr>
+          <a:xfrm>
+            <a:off x="5079422" y="3289834"/>
+            <a:ext cx="2033155" cy="484040"/>
+          </a:xfrm>
+          <a:prstGeom prst="roundRect">
+            <a:avLst>
+              <a:gd name="adj" fmla="val 12230"/>
+            </a:avLst>
+          </a:prstGeom>
+          <a:solidFill>
+            <a:schemeClr val="bg1"/>
+          </a:solidFill>
+          <a:ln>
+            <a:solidFill>
+              <a:schemeClr val="bg1">
+                <a:lumMod val="75000"/>
+              </a:schemeClr>
+            </a:solidFill>
+          </a:ln>
+        </p:spPr>
+        <p:style>
+          <a:lnRef idx="2">
+            <a:schemeClr val="accent1">
+              <a:shade val="50000"/>
+            </a:schemeClr>
+          </a:lnRef>
+          <a:fillRef idx="1">
+            <a:schemeClr val="accent1"/>
+          </a:fillRef>
+          <a:effectRef idx="0">
+            <a:schemeClr val="accent1"/>
+          </a:effectRef>
+          <a:fontRef idx="minor">
+            <a:schemeClr val="lt1"/>
+          </a:fontRef>
+        </p:style>
+        <p:txBody>
+          <a:bodyPr rot="0" spcFirstLastPara="0" vertOverflow="overflow" horzOverflow="overflow" vert="horz" wrap="square" lIns="91440" tIns="45720" rIns="91440" bIns="45720" numCol="1" spcCol="0" rtlCol="0" fromWordArt="0" anchor="ctr" anchorCtr="0" forceAA="0" compatLnSpc="1">
+            <a:prstTxWarp prst="textNoShape">
+              <a:avLst/>
+            </a:prstTxWarp>
+            <a:noAutofit/>
+          </a:bodyPr>
+          <a:lstStyle/>
+          <a:p>
+            <a:r>
+              <a:rPr kumimoji="1" lang="ko-KR" altLang="en-US" sz="1100" b="1" dirty="0" err="1">
+                <a:solidFill>
+                  <a:schemeClr val="tx1">
+                    <a:lumMod val="75000"/>
+                    <a:lumOff val="25000"/>
+                  </a:schemeClr>
+                </a:solidFill>
+              </a:rPr>
+              <a:t>홍가네</a:t>
+            </a:r>
+            <a:r>
+              <a:rPr kumimoji="1" lang="ko-KR" altLang="en-US" sz="1100" b="1" dirty="0">
+                <a:solidFill>
+                  <a:schemeClr val="tx1">
+                    <a:lumMod val="75000"/>
+                    <a:lumOff val="25000"/>
+                  </a:schemeClr>
+                </a:solidFill>
+              </a:rPr>
+              <a:t> </a:t>
+            </a:r>
+            <a:r>
+              <a:rPr kumimoji="1" lang="ko-KR" altLang="en-US" sz="1100" b="1" dirty="0">
+                <a:solidFill>
+                  <a:schemeClr val="bg1">
+                    <a:lumMod val="50000"/>
+                  </a:schemeClr>
+                </a:solidFill>
+              </a:rPr>
+              <a:t> </a:t>
+            </a:r>
+            <a:r>
+              <a:rPr kumimoji="1" lang="en-US" altLang="ko-KR" sz="1100" b="1" dirty="0">
+                <a:solidFill>
+                  <a:srgbClr val="00B0F0"/>
+                </a:solidFill>
+              </a:rPr>
+              <a:t>Link</a:t>
+            </a:r>
+          </a:p>
+          <a:p>
+            <a:pPr algn="r"/>
+            <a:r>
+              <a:rPr kumimoji="1" lang="en-US" altLang="ko-KR" sz="1000" dirty="0">
+                <a:solidFill>
+                  <a:schemeClr val="bg1">
+                    <a:lumMod val="50000"/>
+                  </a:schemeClr>
+                </a:solidFill>
+              </a:rPr>
+              <a:t>5</a:t>
+            </a:r>
+            <a:r>
+              <a:rPr kumimoji="1" lang="ko-KR" altLang="en-US" sz="1000" dirty="0">
+                <a:solidFill>
+                  <a:schemeClr val="bg1">
+                    <a:lumMod val="50000"/>
+                  </a:schemeClr>
+                </a:solidFill>
+              </a:rPr>
+              <a:t>명 </a:t>
+            </a:r>
           </a:p>
         </p:txBody>
       </p:sp>
@@ -5578,10 +6021,10 @@
       </p:grpSpPr>
       <p:sp>
         <p:nvSpPr>
-          <p:cNvPr id="4" name="직사각형 3">
-            <a:extLst>
-              <a:ext uri="{FF2B5EF4-FFF2-40B4-BE49-F238E27FC236}">
-                <a16:creationId xmlns:a16="http://schemas.microsoft.com/office/drawing/2014/main" id="{EA2D8D37-742E-EF4A-A579-D4FCE47462A2}"/>
+          <p:cNvPr id="13" name="직사각형 12">
+            <a:extLst>
+              <a:ext uri="{FF2B5EF4-FFF2-40B4-BE49-F238E27FC236}">
+                <a16:creationId xmlns:a16="http://schemas.microsoft.com/office/drawing/2014/main" id="{1A09CB1E-61C8-BF41-8166-783D974FF436}"/>
               </a:ext>
             </a:extLst>
           </p:cNvPr>
@@ -5590,8 +6033,8 @@
         </p:nvSpPr>
         <p:spPr>
           <a:xfrm>
-            <a:off x="4894025" y="1661451"/>
-            <a:ext cx="2403951" cy="2333999"/>
+            <a:off x="0" y="0"/>
+            <a:ext cx="12192000" cy="563417"/>
           </a:xfrm>
           <a:prstGeom prst="rect">
             <a:avLst/>
@@ -5634,10 +6077,10 @@
       </p:sp>
       <p:sp>
         <p:nvSpPr>
-          <p:cNvPr id="8" name="TextBox 7">
-            <a:extLst>
-              <a:ext uri="{FF2B5EF4-FFF2-40B4-BE49-F238E27FC236}">
-                <a16:creationId xmlns:a16="http://schemas.microsoft.com/office/drawing/2014/main" id="{2719254F-8374-AF4D-8DE1-35E108E43518}"/>
+          <p:cNvPr id="14" name="TextBox 13">
+            <a:extLst>
+              <a:ext uri="{FF2B5EF4-FFF2-40B4-BE49-F238E27FC236}">
+                <a16:creationId xmlns:a16="http://schemas.microsoft.com/office/drawing/2014/main" id="{D92B28E7-D15C-C445-8715-5E7C0DEAE706}"/>
               </a:ext>
             </a:extLst>
           </p:cNvPr>
@@ -5646,8 +6089,8 @@
         </p:nvSpPr>
         <p:spPr>
           <a:xfrm>
-            <a:off x="5412321" y="1814593"/>
-            <a:ext cx="1367361" cy="584775"/>
+            <a:off x="5093702" y="112431"/>
+            <a:ext cx="2018759" cy="338554"/>
           </a:xfrm>
           <a:prstGeom prst="rect">
             <a:avLst/>
@@ -5663,25 +6106,116 @@
             <a:pPr algn="ctr"/>
             <a:r>
               <a:rPr kumimoji="1" lang="en-US" altLang="ko-KR" sz="1600" b="1" dirty="0"/>
-              <a:t>Dutch </a:t>
-            </a:r>
-          </a:p>
+              <a:t>Dutch Broom Stick</a:t>
+            </a:r>
+            <a:endParaRPr kumimoji="1" lang="ko-KR" altLang="en-US" sz="1600" b="1" dirty="0"/>
+          </a:p>
+        </p:txBody>
+      </p:sp>
+      <p:sp>
+        <p:nvSpPr>
+          <p:cNvPr id="15" name="TextBox 14">
+            <a:extLst>
+              <a:ext uri="{FF2B5EF4-FFF2-40B4-BE49-F238E27FC236}">
+                <a16:creationId xmlns:a16="http://schemas.microsoft.com/office/drawing/2014/main" id="{001529B2-C00D-4D4F-BEB9-70140837CDB4}"/>
+              </a:ext>
+            </a:extLst>
+          </p:cNvPr>
+          <p:cNvSpPr txBox="1"/>
+          <p:nvPr/>
+        </p:nvSpPr>
+        <p:spPr>
+          <a:xfrm>
+            <a:off x="5754268" y="6227856"/>
+            <a:ext cx="697627" cy="246221"/>
+          </a:xfrm>
+          <a:prstGeom prst="rect">
+            <a:avLst/>
+          </a:prstGeom>
+          <a:noFill/>
+        </p:spPr>
+        <p:txBody>
+          <a:bodyPr wrap="none" rtlCol="0">
+            <a:spAutoFit/>
+          </a:bodyPr>
+          <a:lstStyle/>
           <a:p>
             <a:pPr algn="ctr"/>
             <a:r>
-              <a:rPr kumimoji="1" lang="en-US" altLang="ko-KR" sz="1600" b="1" dirty="0"/>
-              <a:t>Broom Stick</a:t>
-            </a:r>
-            <a:endParaRPr kumimoji="1" lang="ko-KR" altLang="en-US" sz="1600" b="1" dirty="0"/>
-          </a:p>
-        </p:txBody>
-      </p:sp>
-      <p:sp>
-        <p:nvSpPr>
-          <p:cNvPr id="10" name="모서리가 둥근 직사각형 9">
-            <a:extLst>
-              <a:ext uri="{FF2B5EF4-FFF2-40B4-BE49-F238E27FC236}">
-                <a16:creationId xmlns:a16="http://schemas.microsoft.com/office/drawing/2014/main" id="{C5146231-6C8A-1246-B88B-938550474F2E}"/>
+              <a:rPr kumimoji="1" lang="ko-KR" altLang="en-US" sz="1000" dirty="0">
+                <a:solidFill>
+                  <a:srgbClr val="00B0F0"/>
+                </a:solidFill>
+              </a:rPr>
+              <a:t>로그아웃</a:t>
+            </a:r>
+          </a:p>
+        </p:txBody>
+      </p:sp>
+      <p:sp>
+        <p:nvSpPr>
+          <p:cNvPr id="16" name="TextBox 15">
+            <a:extLst>
+              <a:ext uri="{FF2B5EF4-FFF2-40B4-BE49-F238E27FC236}">
+                <a16:creationId xmlns:a16="http://schemas.microsoft.com/office/drawing/2014/main" id="{69074E22-F89C-A349-8330-71928693398F}"/>
+              </a:ext>
+            </a:extLst>
+          </p:cNvPr>
+          <p:cNvSpPr txBox="1"/>
+          <p:nvPr/>
+        </p:nvSpPr>
+        <p:spPr>
+          <a:xfrm>
+            <a:off x="5525535" y="6485507"/>
+            <a:ext cx="1141659" cy="253916"/>
+          </a:xfrm>
+          <a:prstGeom prst="rect">
+            <a:avLst/>
+          </a:prstGeom>
+          <a:noFill/>
+        </p:spPr>
+        <p:txBody>
+          <a:bodyPr wrap="none" rtlCol="0">
+            <a:spAutoFit/>
+          </a:bodyPr>
+          <a:lstStyle/>
+          <a:p>
+            <a:r>
+              <a:rPr kumimoji="1" lang="en-US" altLang="ko-KR" sz="1050" dirty="0">
+                <a:solidFill>
+                  <a:schemeClr val="bg1">
+                    <a:lumMod val="50000"/>
+                  </a:schemeClr>
+                </a:solidFill>
+              </a:rPr>
+              <a:t>@ </a:t>
+            </a:r>
+            <a:r>
+              <a:rPr kumimoji="1" lang="en-US" altLang="ko-KR" sz="1050" dirty="0" err="1">
+                <a:solidFill>
+                  <a:schemeClr val="bg1">
+                    <a:lumMod val="50000"/>
+                  </a:schemeClr>
+                </a:solidFill>
+              </a:rPr>
+              <a:t>about_JCube</a:t>
+            </a:r>
+            <a:endParaRPr kumimoji="1" lang="en-US" altLang="ko-KR" sz="1050" dirty="0">
+              <a:solidFill>
+                <a:schemeClr val="bg1">
+                  <a:lumMod val="50000"/>
+                </a:schemeClr>
+              </a:solidFill>
+            </a:endParaRPr>
+          </a:p>
+        </p:txBody>
+      </p:sp>
+      <p:sp>
+        <p:nvSpPr>
+          <p:cNvPr id="21" name="직사각형 20">
+            <a:extLst>
+              <a:ext uri="{FF2B5EF4-FFF2-40B4-BE49-F238E27FC236}">
+                <a16:creationId xmlns:a16="http://schemas.microsoft.com/office/drawing/2014/main" id="{A871EC61-223C-0447-B82C-FEE0B482521B}"/>
               </a:ext>
             </a:extLst>
           </p:cNvPr>
@@ -5690,16 +6224,14 @@
         </p:nvSpPr>
         <p:spPr>
           <a:xfrm>
-            <a:off x="5171838" y="2839891"/>
-            <a:ext cx="1848323" cy="234616"/>
-          </a:xfrm>
-          <a:prstGeom prst="roundRect">
-            <a:avLst>
-              <a:gd name="adj" fmla="val 12230"/>
-            </a:avLst>
+            <a:off x="4894025" y="4107568"/>
+            <a:ext cx="2403951" cy="1867566"/>
+          </a:xfrm>
+          <a:prstGeom prst="rect">
+            <a:avLst/>
           </a:prstGeom>
           <a:solidFill>
-            <a:srgbClr val="F6F6F6"/>
+            <a:schemeClr val="bg1"/>
           </a:solidFill>
           <a:ln>
             <a:solidFill>
@@ -5726,41 +6258,20 @@
           </a:fontRef>
         </p:style>
         <p:txBody>
-          <a:bodyPr rot="0" spcFirstLastPara="0" vertOverflow="overflow" horzOverflow="overflow" vert="horz" wrap="square" lIns="91440" tIns="45720" rIns="91440" bIns="45720" numCol="1" spcCol="0" rtlCol="0" fromWordArt="0" anchor="ctr" anchorCtr="0" forceAA="0" compatLnSpc="1">
-            <a:prstTxWarp prst="textNoShape">
-              <a:avLst/>
-            </a:prstTxWarp>
-            <a:noAutofit/>
-          </a:bodyPr>
+          <a:bodyPr rtlCol="0" anchor="ctr"/>
           <a:lstStyle/>
           <a:p>
             <a:pPr algn="ctr"/>
-            <a:r>
-              <a:rPr kumimoji="1" lang="en-US" altLang="ko-KR" sz="1000" dirty="0">
-                <a:solidFill>
-                  <a:schemeClr val="bg1">
-                    <a:lumMod val="50000"/>
-                  </a:schemeClr>
-                </a:solidFill>
-              </a:rPr>
-              <a:t>Password</a:t>
-            </a:r>
-            <a:endParaRPr kumimoji="1" lang="ko-KR" altLang="en-US" sz="1000" dirty="0">
-              <a:solidFill>
-                <a:schemeClr val="bg1">
-                  <a:lumMod val="50000"/>
-                </a:schemeClr>
-              </a:solidFill>
-            </a:endParaRPr>
-          </a:p>
-        </p:txBody>
-      </p:sp>
-      <p:sp>
-        <p:nvSpPr>
-          <p:cNvPr id="11" name="모서리가 둥근 직사각형 10">
-            <a:extLst>
-              <a:ext uri="{FF2B5EF4-FFF2-40B4-BE49-F238E27FC236}">
-                <a16:creationId xmlns:a16="http://schemas.microsoft.com/office/drawing/2014/main" id="{431DDE67-59BE-C741-A92A-B9FDB6578F05}"/>
+            <a:endParaRPr kumimoji="1" lang="ko-KR" altLang="en-US"/>
+          </a:p>
+        </p:txBody>
+      </p:sp>
+      <p:sp>
+        <p:nvSpPr>
+          <p:cNvPr id="22" name="직사각형 21">
+            <a:extLst>
+              <a:ext uri="{FF2B5EF4-FFF2-40B4-BE49-F238E27FC236}">
+                <a16:creationId xmlns:a16="http://schemas.microsoft.com/office/drawing/2014/main" id="{1DF4C30D-B860-CF42-A2D2-8933EF262E6F}"/>
               </a:ext>
             </a:extLst>
           </p:cNvPr>
@@ -5769,16 +6280,14 @@
         </p:nvSpPr>
         <p:spPr>
           <a:xfrm>
-            <a:off x="5171838" y="2535091"/>
-            <a:ext cx="1848323" cy="234616"/>
-          </a:xfrm>
-          <a:prstGeom prst="roundRect">
-            <a:avLst>
-              <a:gd name="adj" fmla="val 12230"/>
-            </a:avLst>
+            <a:off x="4894025" y="3181594"/>
+            <a:ext cx="2403951" cy="842653"/>
+          </a:xfrm>
+          <a:prstGeom prst="rect">
+            <a:avLst/>
           </a:prstGeom>
           <a:solidFill>
-            <a:srgbClr val="F6F6F6"/>
+            <a:schemeClr val="bg1"/>
           </a:solidFill>
           <a:ln>
             <a:solidFill>
@@ -5805,41 +6314,20 @@
           </a:fontRef>
         </p:style>
         <p:txBody>
-          <a:bodyPr rot="0" spcFirstLastPara="0" vertOverflow="overflow" horzOverflow="overflow" vert="horz" wrap="square" lIns="91440" tIns="45720" rIns="91440" bIns="45720" numCol="1" spcCol="0" rtlCol="0" fromWordArt="0" anchor="ctr" anchorCtr="0" forceAA="0" compatLnSpc="1">
-            <a:prstTxWarp prst="textNoShape">
-              <a:avLst/>
-            </a:prstTxWarp>
-            <a:noAutofit/>
-          </a:bodyPr>
+          <a:bodyPr rtlCol="0" anchor="ctr"/>
           <a:lstStyle/>
           <a:p>
             <a:pPr algn="ctr"/>
-            <a:r>
-              <a:rPr kumimoji="1" lang="en-US" altLang="ko-KR" sz="1000" dirty="0">
-                <a:solidFill>
-                  <a:schemeClr val="bg1">
-                    <a:lumMod val="50000"/>
-                  </a:schemeClr>
-                </a:solidFill>
-              </a:rPr>
-              <a:t>Username</a:t>
-            </a:r>
-            <a:endParaRPr kumimoji="1" lang="ko-KR" altLang="en-US" sz="1000" dirty="0">
-              <a:solidFill>
-                <a:schemeClr val="bg1">
-                  <a:lumMod val="50000"/>
-                </a:schemeClr>
-              </a:solidFill>
-            </a:endParaRPr>
-          </a:p>
-        </p:txBody>
-      </p:sp>
-      <p:sp>
-        <p:nvSpPr>
-          <p:cNvPr id="12" name="모서리가 둥근 직사각형 11">
-            <a:extLst>
-              <a:ext uri="{FF2B5EF4-FFF2-40B4-BE49-F238E27FC236}">
-                <a16:creationId xmlns:a16="http://schemas.microsoft.com/office/drawing/2014/main" id="{C5488FC6-282C-7148-82F7-288317848D5E}"/>
+            <a:endParaRPr kumimoji="1" lang="ko-KR" altLang="en-US"/>
+          </a:p>
+        </p:txBody>
+      </p:sp>
+      <p:sp>
+        <p:nvSpPr>
+          <p:cNvPr id="23" name="모서리가 둥근 직사각형 22">
+            <a:extLst>
+              <a:ext uri="{FF2B5EF4-FFF2-40B4-BE49-F238E27FC236}">
+                <a16:creationId xmlns:a16="http://schemas.microsoft.com/office/drawing/2014/main" id="{A63988F2-FAC3-5045-8EA4-4720DBA24757}"/>
               </a:ext>
             </a:extLst>
           </p:cNvPr>
@@ -5848,7 +6336,7 @@
         </p:nvSpPr>
         <p:spPr>
           <a:xfrm>
-            <a:off x="5171838" y="3472059"/>
+            <a:off x="5171838" y="3608719"/>
             <a:ext cx="1848323" cy="234616"/>
           </a:xfrm>
           <a:prstGeom prst="roundRect">
@@ -5897,17 +6385,79 @@
                   <a:schemeClr val="bg1"/>
                 </a:solidFill>
               </a:rPr>
-              <a:t>로그인</a:t>
-            </a:r>
-          </a:p>
-        </p:txBody>
-      </p:sp>
-      <p:sp>
-        <p:nvSpPr>
-          <p:cNvPr id="17" name="모서리가 둥근 직사각형 16">
-            <a:extLst>
-              <a:ext uri="{FF2B5EF4-FFF2-40B4-BE49-F238E27FC236}">
-                <a16:creationId xmlns:a16="http://schemas.microsoft.com/office/drawing/2014/main" id="{E2BABE5E-2C5B-1544-9595-954E364F1BF3}"/>
+              <a:t>내역 추가</a:t>
+            </a:r>
+          </a:p>
+        </p:txBody>
+      </p:sp>
+      <p:sp>
+        <p:nvSpPr>
+          <p:cNvPr id="24" name="TextBox 23">
+            <a:extLst>
+              <a:ext uri="{FF2B5EF4-FFF2-40B4-BE49-F238E27FC236}">
+                <a16:creationId xmlns:a16="http://schemas.microsoft.com/office/drawing/2014/main" id="{A10A7A5C-B1F8-864F-8E88-3E5791A48547}"/>
+              </a:ext>
+            </a:extLst>
+          </p:cNvPr>
+          <p:cNvSpPr txBox="1"/>
+          <p:nvPr/>
+        </p:nvSpPr>
+        <p:spPr>
+          <a:xfrm>
+            <a:off x="5295014" y="3337726"/>
+            <a:ext cx="1616148" cy="246221"/>
+          </a:xfrm>
+          <a:prstGeom prst="rect">
+            <a:avLst/>
+          </a:prstGeom>
+          <a:noFill/>
+        </p:spPr>
+        <p:txBody>
+          <a:bodyPr wrap="none" rtlCol="0">
+            <a:spAutoFit/>
+          </a:bodyPr>
+          <a:lstStyle/>
+          <a:p>
+            <a:pPr algn="ctr"/>
+            <a:r>
+              <a:rPr kumimoji="1" lang="ko-KR" altLang="en-US" sz="1000" dirty="0">
+                <a:solidFill>
+                  <a:schemeClr val="tx1">
+                    <a:lumMod val="65000"/>
+                    <a:lumOff val="35000"/>
+                  </a:schemeClr>
+                </a:solidFill>
+              </a:rPr>
+              <a:t>새로운 계산이 생겼다면</a:t>
+            </a:r>
+            <a:r>
+              <a:rPr kumimoji="1" lang="en-US" altLang="ko-KR" sz="1000" dirty="0">
+                <a:solidFill>
+                  <a:schemeClr val="tx1">
+                    <a:lumMod val="65000"/>
+                    <a:lumOff val="35000"/>
+                  </a:schemeClr>
+                </a:solidFill>
+              </a:rPr>
+              <a:t>?</a:t>
+            </a:r>
+            <a:endParaRPr kumimoji="1" lang="ko-KR" altLang="en-US" sz="1000" dirty="0">
+              <a:solidFill>
+                <a:schemeClr val="tx1">
+                  <a:lumMod val="65000"/>
+                  <a:lumOff val="35000"/>
+                </a:schemeClr>
+              </a:solidFill>
+            </a:endParaRPr>
+          </a:p>
+        </p:txBody>
+      </p:sp>
+      <p:sp>
+        <p:nvSpPr>
+          <p:cNvPr id="25" name="모서리가 둥근 직사각형 24">
+            <a:extLst>
+              <a:ext uri="{FF2B5EF4-FFF2-40B4-BE49-F238E27FC236}">
+                <a16:creationId xmlns:a16="http://schemas.microsoft.com/office/drawing/2014/main" id="{09A9694D-0652-AE48-A0AC-1AAC084FD95D}"/>
               </a:ext>
             </a:extLst>
           </p:cNvPr>
@@ -5916,8 +6466,8 @@
         </p:nvSpPr>
         <p:spPr>
           <a:xfrm>
-            <a:off x="5171838" y="3138137"/>
-            <a:ext cx="1848323" cy="234616"/>
+            <a:off x="5079422" y="5062733"/>
+            <a:ext cx="2033155" cy="484040"/>
           </a:xfrm>
           <a:prstGeom prst="roundRect">
             <a:avLst>
@@ -5925,7 +6475,7 @@
             </a:avLst>
           </a:prstGeom>
           <a:solidFill>
-            <a:srgbClr val="F6F6F6"/>
+            <a:schemeClr val="bg1"/>
           </a:solidFill>
           <a:ln>
             <a:solidFill>
@@ -5960,7 +6510,43 @@
           </a:bodyPr>
           <a:lstStyle/>
           <a:p>
-            <a:pPr algn="ctr"/>
+            <a:r>
+              <a:rPr kumimoji="1" lang="ko-KR" altLang="en-US" sz="1100" b="1" dirty="0">
+                <a:solidFill>
+                  <a:schemeClr val="tx1">
+                    <a:lumMod val="75000"/>
+                    <a:lumOff val="25000"/>
+                  </a:schemeClr>
+                </a:solidFill>
+              </a:rPr>
+              <a:t>노래방</a:t>
+            </a:r>
+            <a:r>
+              <a:rPr kumimoji="1" lang="ko-KR" altLang="en-US" sz="1100" b="1" dirty="0">
+                <a:solidFill>
+                  <a:schemeClr val="bg1">
+                    <a:lumMod val="50000"/>
+                  </a:schemeClr>
+                </a:solidFill>
+              </a:rPr>
+              <a:t>  </a:t>
+            </a:r>
+            <a:r>
+              <a:rPr kumimoji="1" lang="ko-KR" altLang="en-US" sz="1100" b="1" dirty="0">
+                <a:solidFill>
+                  <a:srgbClr val="00B0F0"/>
+                </a:solidFill>
+              </a:rPr>
+              <a:t>홍진영</a:t>
+            </a:r>
+            <a:endParaRPr kumimoji="1" lang="en-US" altLang="ko-KR" sz="1100" b="1" dirty="0">
+              <a:solidFill>
+                <a:srgbClr val="00B0F0"/>
+              </a:solidFill>
+            </a:endParaRPr>
+          </a:p>
+          <a:p>
+            <a:pPr algn="r"/>
             <a:r>
               <a:rPr kumimoji="1" lang="en-US" altLang="ko-KR" sz="1000" dirty="0">
                 <a:solidFill>
@@ -5969,24 +6555,27 @@
                   </a:schemeClr>
                 </a:solidFill>
               </a:rPr>
-              <a:t>Confirm Password</a:t>
-            </a:r>
-            <a:endParaRPr kumimoji="1" lang="ko-KR" altLang="en-US" sz="1000" dirty="0">
-              <a:solidFill>
-                <a:schemeClr val="bg1">
-                  <a:lumMod val="50000"/>
-                </a:schemeClr>
-              </a:solidFill>
-            </a:endParaRPr>
-          </a:p>
-        </p:txBody>
-      </p:sp>
-      <p:sp>
-        <p:nvSpPr>
-          <p:cNvPr id="18" name="직사각형 17">
-            <a:extLst>
-              <a:ext uri="{FF2B5EF4-FFF2-40B4-BE49-F238E27FC236}">
-                <a16:creationId xmlns:a16="http://schemas.microsoft.com/office/drawing/2014/main" id="{94CC8541-38E6-5E43-8CE8-D0B034C3220B}"/>
+              <a:t>25,000</a:t>
+            </a:r>
+            <a:r>
+              <a:rPr kumimoji="1" lang="ko-KR" altLang="en-US" sz="1000" dirty="0">
+                <a:solidFill>
+                  <a:schemeClr val="bg1">
+                    <a:lumMod val="50000"/>
+                  </a:schemeClr>
+                </a:solidFill>
+              </a:rPr>
+              <a:t>원</a:t>
+            </a:r>
+          </a:p>
+        </p:txBody>
+      </p:sp>
+      <p:sp>
+        <p:nvSpPr>
+          <p:cNvPr id="26" name="모서리가 둥근 직사각형 25">
+            <a:extLst>
+              <a:ext uri="{FF2B5EF4-FFF2-40B4-BE49-F238E27FC236}">
+                <a16:creationId xmlns:a16="http://schemas.microsoft.com/office/drawing/2014/main" id="{2D84FF30-0FEE-3A49-937B-6991B10B5CD3}"/>
               </a:ext>
             </a:extLst>
           </p:cNvPr>
@@ -5995,11 +6584,13 @@
         </p:nvSpPr>
         <p:spPr>
           <a:xfrm>
-            <a:off x="4894025" y="4065634"/>
-            <a:ext cx="2403951" cy="722021"/>
-          </a:xfrm>
-          <a:prstGeom prst="rect">
-            <a:avLst/>
+            <a:off x="5079422" y="5648334"/>
+            <a:ext cx="2033155" cy="484040"/>
+          </a:xfrm>
+          <a:prstGeom prst="roundRect">
+            <a:avLst>
+              <a:gd name="adj" fmla="val 12230"/>
+            </a:avLst>
           </a:prstGeom>
           <a:solidFill>
             <a:schemeClr val="bg1"/>
@@ -6029,124 +6620,603 @@
           </a:fontRef>
         </p:style>
         <p:txBody>
-          <a:bodyPr rtlCol="0" anchor="ctr"/>
-          <a:lstStyle/>
-          <a:p>
-            <a:pPr algn="ctr"/>
-            <a:endParaRPr kumimoji="1" lang="ko-KR" altLang="en-US"/>
-          </a:p>
-        </p:txBody>
-      </p:sp>
-      <p:sp>
-        <p:nvSpPr>
-          <p:cNvPr id="19" name="TextBox 18">
-            <a:extLst>
-              <a:ext uri="{FF2B5EF4-FFF2-40B4-BE49-F238E27FC236}">
-                <a16:creationId xmlns:a16="http://schemas.microsoft.com/office/drawing/2014/main" id="{D267E09F-DCEC-D348-8198-26F7B7296F3C}"/>
-              </a:ext>
-            </a:extLst>
-          </p:cNvPr>
-          <p:cNvSpPr txBox="1"/>
-          <p:nvPr/>
-        </p:nvSpPr>
-        <p:spPr>
-          <a:xfrm>
-            <a:off x="5359128" y="4240274"/>
-            <a:ext cx="1487908" cy="246221"/>
-          </a:xfrm>
-          <a:prstGeom prst="rect">
-            <a:avLst/>
-          </a:prstGeom>
-          <a:noFill/>
-        </p:spPr>
-        <p:txBody>
-          <a:bodyPr wrap="none" rtlCol="0">
-            <a:spAutoFit/>
+          <a:bodyPr rot="0" spcFirstLastPara="0" vertOverflow="overflow" horzOverflow="overflow" vert="horz" wrap="square" lIns="91440" tIns="45720" rIns="91440" bIns="45720" numCol="1" spcCol="0" rtlCol="0" fromWordArt="0" anchor="ctr" anchorCtr="0" forceAA="0" compatLnSpc="1">
+            <a:prstTxWarp prst="textNoShape">
+              <a:avLst/>
+            </a:prstTxWarp>
+            <a:noAutofit/>
           </a:bodyPr>
           <a:lstStyle/>
           <a:p>
-            <a:pPr algn="ctr"/>
-            <a:r>
-              <a:rPr kumimoji="1" lang="ko-KR" altLang="en-US" sz="1000" dirty="0"/>
-              <a:t>계정이 있다면</a:t>
-            </a:r>
-            <a:r>
-              <a:rPr kumimoji="1" lang="en-US" altLang="ko-KR" sz="1000" dirty="0"/>
-              <a:t>?</a:t>
-            </a:r>
-            <a:r>
-              <a:rPr kumimoji="1" lang="ko-KR" altLang="en-US" sz="1000" dirty="0"/>
-              <a:t> </a:t>
-            </a:r>
-            <a:r>
-              <a:rPr kumimoji="1" lang="ko-KR" altLang="en-US" sz="1000" dirty="0">
+            <a:r>
+              <a:rPr kumimoji="1" lang="ko-KR" altLang="en-US" sz="1100" b="1" dirty="0">
                 <a:solidFill>
-                  <a:srgbClr val="00B0F0"/>
+                  <a:schemeClr val="tx1">
+                    <a:lumMod val="75000"/>
+                    <a:lumOff val="25000"/>
+                  </a:schemeClr>
                 </a:solidFill>
               </a:rPr>
-              <a:t>로그인</a:t>
-            </a:r>
-          </a:p>
-        </p:txBody>
-      </p:sp>
-      <p:sp>
-        <p:nvSpPr>
-          <p:cNvPr id="20" name="TextBox 19">
-            <a:extLst>
-              <a:ext uri="{FF2B5EF4-FFF2-40B4-BE49-F238E27FC236}">
-                <a16:creationId xmlns:a16="http://schemas.microsoft.com/office/drawing/2014/main" id="{78BA95C5-988B-C34C-B3F8-B13EA895B436}"/>
-              </a:ext>
-            </a:extLst>
-          </p:cNvPr>
-          <p:cNvSpPr txBox="1"/>
-          <p:nvPr/>
-        </p:nvSpPr>
-        <p:spPr>
-          <a:xfrm>
-            <a:off x="5525535" y="4481216"/>
-            <a:ext cx="1141659" cy="253916"/>
-          </a:xfrm>
-          <a:prstGeom prst="rect">
-            <a:avLst/>
-          </a:prstGeom>
-          <a:noFill/>
-        </p:spPr>
-        <p:txBody>
-          <a:bodyPr wrap="none" rtlCol="0">
-            <a:spAutoFit/>
-          </a:bodyPr>
-          <a:lstStyle/>
-          <a:p>
-            <a:r>
-              <a:rPr kumimoji="1" lang="en-US" altLang="ko-KR" sz="1050" dirty="0">
+              <a:t>카페 </a:t>
+            </a:r>
+            <a:r>
+              <a:rPr kumimoji="1" lang="ko-KR" altLang="en-US" sz="1100" b="1" dirty="0">
                 <a:solidFill>
                   <a:schemeClr val="bg1">
                     <a:lumMod val="50000"/>
                   </a:schemeClr>
                 </a:solidFill>
               </a:rPr>
-              <a:t>@ </a:t>
-            </a:r>
-            <a:r>
-              <a:rPr kumimoji="1" lang="en-US" altLang="ko-KR" sz="1050" dirty="0" err="1">
+              <a:t> </a:t>
+            </a:r>
+            <a:r>
+              <a:rPr kumimoji="1" lang="ko-KR" altLang="en-US" sz="1100" b="1" dirty="0" err="1">
+                <a:solidFill>
+                  <a:srgbClr val="00B0F0"/>
+                </a:solidFill>
+              </a:rPr>
+              <a:t>홍록기</a:t>
+            </a:r>
+            <a:endParaRPr kumimoji="1" lang="en-US" altLang="ko-KR" sz="1100" b="1" dirty="0">
+              <a:solidFill>
+                <a:srgbClr val="00B0F0"/>
+              </a:solidFill>
+            </a:endParaRPr>
+          </a:p>
+          <a:p>
+            <a:pPr algn="r"/>
+            <a:r>
+              <a:rPr kumimoji="1" lang="en-US" altLang="ko-KR" sz="1000" dirty="0">
                 <a:solidFill>
                   <a:schemeClr val="bg1">
                     <a:lumMod val="50000"/>
                   </a:schemeClr>
                 </a:solidFill>
               </a:rPr>
-              <a:t>about_JCube</a:t>
+              <a:t>30,000</a:t>
+            </a:r>
+            <a:r>
+              <a:rPr kumimoji="1" lang="ko-KR" altLang="en-US" sz="1000" dirty="0">
+                <a:solidFill>
+                  <a:schemeClr val="bg1">
+                    <a:lumMod val="50000"/>
+                  </a:schemeClr>
+                </a:solidFill>
+              </a:rPr>
+              <a:t>원 </a:t>
+            </a:r>
+          </a:p>
+        </p:txBody>
+      </p:sp>
+      <p:sp>
+        <p:nvSpPr>
+          <p:cNvPr id="27" name="직사각형 26">
+            <a:extLst>
+              <a:ext uri="{FF2B5EF4-FFF2-40B4-BE49-F238E27FC236}">
+                <a16:creationId xmlns:a16="http://schemas.microsoft.com/office/drawing/2014/main" id="{324B93C4-54CD-364D-AE04-E89369BD362F}"/>
+              </a:ext>
+            </a:extLst>
+          </p:cNvPr>
+          <p:cNvSpPr/>
+          <p:nvPr/>
+        </p:nvSpPr>
+        <p:spPr>
+          <a:xfrm>
+            <a:off x="4901105" y="5974221"/>
+            <a:ext cx="2403951" cy="253636"/>
+          </a:xfrm>
+          <a:prstGeom prst="rect">
+            <a:avLst/>
+          </a:prstGeom>
+          <a:solidFill>
+            <a:srgbClr val="F6F6F6"/>
+          </a:solidFill>
+          <a:ln>
+            <a:noFill/>
+          </a:ln>
+        </p:spPr>
+        <p:style>
+          <a:lnRef idx="2">
+            <a:schemeClr val="accent1">
+              <a:shade val="50000"/>
+            </a:schemeClr>
+          </a:lnRef>
+          <a:fillRef idx="1">
+            <a:schemeClr val="accent1"/>
+          </a:fillRef>
+          <a:effectRef idx="0">
+            <a:schemeClr val="accent1"/>
+          </a:effectRef>
+          <a:fontRef idx="minor">
+            <a:schemeClr val="lt1"/>
+          </a:fontRef>
+        </p:style>
+        <p:txBody>
+          <a:bodyPr rtlCol="0" anchor="ctr"/>
+          <a:lstStyle/>
+          <a:p>
+            <a:pPr algn="ctr"/>
+            <a:endParaRPr kumimoji="1" lang="ko-KR" altLang="en-US"/>
+          </a:p>
+        </p:txBody>
+      </p:sp>
+      <p:cxnSp>
+        <p:nvCxnSpPr>
+          <p:cNvPr id="3" name="직선 연결선[R] 2">
+            <a:extLst>
+              <a:ext uri="{FF2B5EF4-FFF2-40B4-BE49-F238E27FC236}">
+                <a16:creationId xmlns:a16="http://schemas.microsoft.com/office/drawing/2014/main" id="{703E2DF6-4AB2-EF49-A3C5-F19D70859C0E}"/>
+              </a:ext>
+            </a:extLst>
+          </p:cNvPr>
+          <p:cNvCxnSpPr/>
+          <p:nvPr/>
+        </p:nvCxnSpPr>
+        <p:spPr>
+          <a:xfrm>
+            <a:off x="4901105" y="5981148"/>
+            <a:ext cx="2403951" cy="0"/>
+          </a:xfrm>
+          <a:prstGeom prst="line">
+            <a:avLst/>
+          </a:prstGeom>
+          <a:ln w="12700">
+            <a:solidFill>
+              <a:schemeClr val="bg1">
+                <a:lumMod val="75000"/>
+              </a:schemeClr>
+            </a:solidFill>
+          </a:ln>
+        </p:spPr>
+        <p:style>
+          <a:lnRef idx="1">
+            <a:schemeClr val="accent1"/>
+          </a:lnRef>
+          <a:fillRef idx="0">
+            <a:schemeClr val="accent1"/>
+          </a:fillRef>
+          <a:effectRef idx="0">
+            <a:schemeClr val="accent1"/>
+          </a:effectRef>
+          <a:fontRef idx="minor">
+            <a:schemeClr val="tx1"/>
+          </a:fontRef>
+        </p:style>
+      </p:cxnSp>
+      <p:sp>
+        <p:nvSpPr>
+          <p:cNvPr id="28" name="모서리가 둥근 직사각형 27">
+            <a:extLst>
+              <a:ext uri="{FF2B5EF4-FFF2-40B4-BE49-F238E27FC236}">
+                <a16:creationId xmlns:a16="http://schemas.microsoft.com/office/drawing/2014/main" id="{777FA8F5-1A96-B147-83BA-21C0D5D60CB4}"/>
+              </a:ext>
+            </a:extLst>
+          </p:cNvPr>
+          <p:cNvSpPr/>
+          <p:nvPr/>
+        </p:nvSpPr>
+        <p:spPr>
+          <a:xfrm>
+            <a:off x="5079422" y="4480886"/>
+            <a:ext cx="2033155" cy="484040"/>
+          </a:xfrm>
+          <a:prstGeom prst="roundRect">
+            <a:avLst>
+              <a:gd name="adj" fmla="val 12230"/>
+            </a:avLst>
+          </a:prstGeom>
+          <a:solidFill>
+            <a:schemeClr val="bg1"/>
+          </a:solidFill>
+          <a:ln>
+            <a:solidFill>
+              <a:schemeClr val="bg1">
+                <a:lumMod val="75000"/>
+              </a:schemeClr>
+            </a:solidFill>
+          </a:ln>
+        </p:spPr>
+        <p:style>
+          <a:lnRef idx="2">
+            <a:schemeClr val="accent1">
+              <a:shade val="50000"/>
+            </a:schemeClr>
+          </a:lnRef>
+          <a:fillRef idx="1">
+            <a:schemeClr val="accent1"/>
+          </a:fillRef>
+          <a:effectRef idx="0">
+            <a:schemeClr val="accent1"/>
+          </a:effectRef>
+          <a:fontRef idx="minor">
+            <a:schemeClr val="lt1"/>
+          </a:fontRef>
+        </p:style>
+        <p:txBody>
+          <a:bodyPr rot="0" spcFirstLastPara="0" vertOverflow="overflow" horzOverflow="overflow" vert="horz" wrap="square" lIns="91440" tIns="45720" rIns="91440" bIns="45720" numCol="1" spcCol="0" rtlCol="0" fromWordArt="0" anchor="ctr" anchorCtr="0" forceAA="0" compatLnSpc="1">
+            <a:prstTxWarp prst="textNoShape">
+              <a:avLst/>
+            </a:prstTxWarp>
+            <a:noAutofit/>
+          </a:bodyPr>
+          <a:lstStyle/>
+          <a:p>
+            <a:r>
+              <a:rPr kumimoji="1" lang="ko-KR" altLang="en-US" sz="1100" b="1" dirty="0">
+                <a:solidFill>
+                  <a:schemeClr val="tx1">
+                    <a:lumMod val="75000"/>
+                    <a:lumOff val="25000"/>
+                  </a:schemeClr>
+                </a:solidFill>
+              </a:rPr>
+              <a:t>삼겹살</a:t>
+            </a:r>
+            <a:r>
+              <a:rPr kumimoji="1" lang="ko-KR" altLang="en-US" sz="1100" b="1" dirty="0">
+                <a:solidFill>
+                  <a:schemeClr val="bg1">
+                    <a:lumMod val="50000"/>
+                  </a:schemeClr>
+                </a:solidFill>
+              </a:rPr>
+              <a:t>  </a:t>
+            </a:r>
+            <a:r>
+              <a:rPr kumimoji="1" lang="ko-KR" altLang="en-US" sz="1100" b="1" dirty="0" err="1">
+                <a:solidFill>
+                  <a:srgbClr val="00B0F0"/>
+                </a:solidFill>
+              </a:rPr>
+              <a:t>홍인형</a:t>
+            </a:r>
+            <a:endParaRPr kumimoji="1" lang="en-US" altLang="ko-KR" sz="1100" b="1" dirty="0">
+              <a:solidFill>
+                <a:srgbClr val="00B0F0"/>
+              </a:solidFill>
+            </a:endParaRPr>
+          </a:p>
+          <a:p>
+            <a:pPr algn="r"/>
+            <a:r>
+              <a:rPr kumimoji="1" lang="en-US" altLang="ko-KR" sz="1000" dirty="0">
+                <a:solidFill>
+                  <a:schemeClr val="bg1">
+                    <a:lumMod val="50000"/>
+                  </a:schemeClr>
+                </a:solidFill>
+              </a:rPr>
+              <a:t>35,000</a:t>
+            </a:r>
+            <a:r>
+              <a:rPr kumimoji="1" lang="ko-KR" altLang="en-US" sz="1000" dirty="0">
+                <a:solidFill>
+                  <a:schemeClr val="bg1">
+                    <a:lumMod val="50000"/>
+                  </a:schemeClr>
+                </a:solidFill>
+              </a:rPr>
+              <a:t>원</a:t>
+            </a:r>
+          </a:p>
+        </p:txBody>
+      </p:sp>
+      <p:sp>
+        <p:nvSpPr>
+          <p:cNvPr id="29" name="TextBox 28">
+            <a:extLst>
+              <a:ext uri="{FF2B5EF4-FFF2-40B4-BE49-F238E27FC236}">
+                <a16:creationId xmlns:a16="http://schemas.microsoft.com/office/drawing/2014/main" id="{ADA8295D-F93C-3047-AEE6-7A0499D3324A}"/>
+              </a:ext>
+            </a:extLst>
+          </p:cNvPr>
+          <p:cNvSpPr txBox="1"/>
+          <p:nvPr/>
+        </p:nvSpPr>
+        <p:spPr>
+          <a:xfrm>
+            <a:off x="4982903" y="4167269"/>
+            <a:ext cx="771365" cy="253916"/>
+          </a:xfrm>
+          <a:prstGeom prst="rect">
+            <a:avLst/>
+          </a:prstGeom>
+          <a:noFill/>
+        </p:spPr>
+        <p:txBody>
+          <a:bodyPr wrap="none" rtlCol="0">
+            <a:spAutoFit/>
+          </a:bodyPr>
+          <a:lstStyle/>
+          <a:p>
+            <a:r>
+              <a:rPr kumimoji="1" lang="ko-KR" altLang="en-US" sz="1050" dirty="0">
+                <a:solidFill>
+                  <a:schemeClr val="tx1">
+                    <a:lumMod val="75000"/>
+                    <a:lumOff val="25000"/>
+                  </a:schemeClr>
+                </a:solidFill>
+              </a:rPr>
+              <a:t>계산 내역</a:t>
             </a:r>
             <a:endParaRPr kumimoji="1" lang="en-US" altLang="ko-KR" sz="1050" dirty="0">
               <a:solidFill>
-                <a:schemeClr val="bg1">
-                  <a:lumMod val="50000"/>
+                <a:schemeClr val="tx1">
+                  <a:lumMod val="75000"/>
+                  <a:lumOff val="25000"/>
                 </a:schemeClr>
               </a:solidFill>
             </a:endParaRPr>
           </a:p>
         </p:txBody>
       </p:sp>
+      <p:sp>
+        <p:nvSpPr>
+          <p:cNvPr id="30" name="타원 29">
+            <a:extLst>
+              <a:ext uri="{FF2B5EF4-FFF2-40B4-BE49-F238E27FC236}">
+                <a16:creationId xmlns:a16="http://schemas.microsoft.com/office/drawing/2014/main" id="{4378C55F-C43E-3645-A977-16D320171DCA}"/>
+              </a:ext>
+            </a:extLst>
+          </p:cNvPr>
+          <p:cNvSpPr/>
+          <p:nvPr/>
+        </p:nvSpPr>
+        <p:spPr>
+          <a:xfrm rot="495444">
+            <a:off x="5213914" y="990542"/>
+            <a:ext cx="631510" cy="631510"/>
+          </a:xfrm>
+          <a:prstGeom prst="ellipse">
+            <a:avLst/>
+          </a:prstGeom>
+          <a:solidFill>
+            <a:schemeClr val="bg1"/>
+          </a:solidFill>
+          <a:ln>
+            <a:solidFill>
+              <a:schemeClr val="bg1">
+                <a:lumMod val="75000"/>
+              </a:schemeClr>
+            </a:solidFill>
+          </a:ln>
+        </p:spPr>
+        <p:style>
+          <a:lnRef idx="2">
+            <a:schemeClr val="accent1">
+              <a:shade val="50000"/>
+            </a:schemeClr>
+          </a:lnRef>
+          <a:fillRef idx="1">
+            <a:schemeClr val="accent1"/>
+          </a:fillRef>
+          <a:effectRef idx="0">
+            <a:schemeClr val="accent1"/>
+          </a:effectRef>
+          <a:fontRef idx="minor">
+            <a:schemeClr val="lt1"/>
+          </a:fontRef>
+        </p:style>
+        <p:txBody>
+          <a:bodyPr rtlCol="0" anchor="ctr"/>
+          <a:lstStyle/>
+          <a:p>
+            <a:pPr algn="ctr"/>
+            <a:endParaRPr kumimoji="1" lang="ko-KR" altLang="en-US"/>
+          </a:p>
+        </p:txBody>
+      </p:sp>
+      <p:sp>
+        <p:nvSpPr>
+          <p:cNvPr id="31" name="타원 30">
+            <a:extLst>
+              <a:ext uri="{FF2B5EF4-FFF2-40B4-BE49-F238E27FC236}">
+                <a16:creationId xmlns:a16="http://schemas.microsoft.com/office/drawing/2014/main" id="{9D665A84-4DD5-744D-95F4-C99B5584D600}"/>
+              </a:ext>
+            </a:extLst>
+          </p:cNvPr>
+          <p:cNvSpPr/>
+          <p:nvPr/>
+        </p:nvSpPr>
+        <p:spPr>
+          <a:xfrm>
+            <a:off x="6678107" y="1539744"/>
+            <a:ext cx="521909" cy="521909"/>
+          </a:xfrm>
+          <a:prstGeom prst="ellipse">
+            <a:avLst/>
+          </a:prstGeom>
+          <a:solidFill>
+            <a:schemeClr val="bg1"/>
+          </a:solidFill>
+          <a:ln>
+            <a:solidFill>
+              <a:schemeClr val="bg1">
+                <a:lumMod val="75000"/>
+              </a:schemeClr>
+            </a:solidFill>
+          </a:ln>
+        </p:spPr>
+        <p:style>
+          <a:lnRef idx="2">
+            <a:schemeClr val="accent1">
+              <a:shade val="50000"/>
+            </a:schemeClr>
+          </a:lnRef>
+          <a:fillRef idx="1">
+            <a:schemeClr val="accent1"/>
+          </a:fillRef>
+          <a:effectRef idx="0">
+            <a:schemeClr val="accent1"/>
+          </a:effectRef>
+          <a:fontRef idx="minor">
+            <a:schemeClr val="lt1"/>
+          </a:fontRef>
+        </p:style>
+        <p:txBody>
+          <a:bodyPr rtlCol="0" anchor="ctr"/>
+          <a:lstStyle/>
+          <a:p>
+            <a:pPr algn="ctr"/>
+            <a:endParaRPr kumimoji="1" lang="ko-KR" altLang="en-US"/>
+          </a:p>
+        </p:txBody>
+      </p:sp>
+      <p:sp>
+        <p:nvSpPr>
+          <p:cNvPr id="32" name="타원 31">
+            <a:extLst>
+              <a:ext uri="{FF2B5EF4-FFF2-40B4-BE49-F238E27FC236}">
+                <a16:creationId xmlns:a16="http://schemas.microsoft.com/office/drawing/2014/main" id="{E3D6360C-A35B-8747-9D88-9602F5D7F2F9}"/>
+              </a:ext>
+            </a:extLst>
+          </p:cNvPr>
+          <p:cNvSpPr/>
+          <p:nvPr/>
+        </p:nvSpPr>
+        <p:spPr>
+          <a:xfrm rot="20528155">
+            <a:off x="5221973" y="2089955"/>
+            <a:ext cx="764127" cy="764127"/>
+          </a:xfrm>
+          <a:prstGeom prst="ellipse">
+            <a:avLst/>
+          </a:prstGeom>
+          <a:solidFill>
+            <a:schemeClr val="bg1"/>
+          </a:solidFill>
+          <a:ln>
+            <a:solidFill>
+              <a:schemeClr val="bg1">
+                <a:lumMod val="75000"/>
+              </a:schemeClr>
+            </a:solidFill>
+          </a:ln>
+        </p:spPr>
+        <p:style>
+          <a:lnRef idx="2">
+            <a:schemeClr val="accent1">
+              <a:shade val="50000"/>
+            </a:schemeClr>
+          </a:lnRef>
+          <a:fillRef idx="1">
+            <a:schemeClr val="accent1"/>
+          </a:fillRef>
+          <a:effectRef idx="0">
+            <a:schemeClr val="accent1"/>
+          </a:effectRef>
+          <a:fontRef idx="minor">
+            <a:schemeClr val="lt1"/>
+          </a:fontRef>
+        </p:style>
+        <p:txBody>
+          <a:bodyPr rtlCol="0" anchor="ctr"/>
+          <a:lstStyle/>
+          <a:p>
+            <a:pPr algn="ctr"/>
+            <a:endParaRPr kumimoji="1" lang="ko-KR" altLang="en-US"/>
+          </a:p>
+        </p:txBody>
+      </p:sp>
+      <p:cxnSp>
+        <p:nvCxnSpPr>
+          <p:cNvPr id="6" name="직선 화살표 연결선 5">
+            <a:extLst>
+              <a:ext uri="{FF2B5EF4-FFF2-40B4-BE49-F238E27FC236}">
+                <a16:creationId xmlns:a16="http://schemas.microsoft.com/office/drawing/2014/main" id="{9DD873BD-4080-5D47-BE24-FA181ACEB8EB}"/>
+              </a:ext>
+            </a:extLst>
+          </p:cNvPr>
+          <p:cNvCxnSpPr>
+            <a:cxnSpLocks/>
+            <a:stCxn id="32" idx="6"/>
+            <a:endCxn id="31" idx="3"/>
+          </p:cNvCxnSpPr>
+          <p:nvPr/>
+        </p:nvCxnSpPr>
+        <p:spPr>
+          <a:xfrm flipV="1">
+            <a:off x="5967680" y="1985221"/>
+            <a:ext cx="786859" cy="369596"/>
+          </a:xfrm>
+          <a:prstGeom prst="straightConnector1">
+            <a:avLst/>
+          </a:prstGeom>
+          <a:ln>
+            <a:solidFill>
+              <a:schemeClr val="tx1">
+                <a:lumMod val="65000"/>
+                <a:lumOff val="35000"/>
+              </a:schemeClr>
+            </a:solidFill>
+            <a:tailEnd type="triangle"/>
+          </a:ln>
+        </p:spPr>
+        <p:style>
+          <a:lnRef idx="1">
+            <a:schemeClr val="accent1"/>
+          </a:lnRef>
+          <a:fillRef idx="0">
+            <a:schemeClr val="accent1"/>
+          </a:fillRef>
+          <a:effectRef idx="0">
+            <a:schemeClr val="accent1"/>
+          </a:effectRef>
+          <a:fontRef idx="minor">
+            <a:schemeClr val="tx1"/>
+          </a:fontRef>
+        </p:style>
+      </p:cxnSp>
+      <p:cxnSp>
+        <p:nvCxnSpPr>
+          <p:cNvPr id="33" name="직선 화살표 연결선 32">
+            <a:extLst>
+              <a:ext uri="{FF2B5EF4-FFF2-40B4-BE49-F238E27FC236}">
+                <a16:creationId xmlns:a16="http://schemas.microsoft.com/office/drawing/2014/main" id="{146458F6-23DD-AB45-BC92-EBD3FF4E8A36}"/>
+              </a:ext>
+            </a:extLst>
+          </p:cNvPr>
+          <p:cNvCxnSpPr>
+            <a:cxnSpLocks/>
+            <a:stCxn id="30" idx="6"/>
+            <a:endCxn id="31" idx="1"/>
+          </p:cNvCxnSpPr>
+          <p:nvPr/>
+        </p:nvCxnSpPr>
+        <p:spPr>
+          <a:xfrm>
+            <a:off x="5842151" y="1351646"/>
+            <a:ext cx="912388" cy="264530"/>
+          </a:xfrm>
+          <a:prstGeom prst="straightConnector1">
+            <a:avLst/>
+          </a:prstGeom>
+          <a:ln>
+            <a:solidFill>
+              <a:schemeClr val="tx1">
+                <a:lumMod val="65000"/>
+                <a:lumOff val="35000"/>
+              </a:schemeClr>
+            </a:solidFill>
+            <a:tailEnd type="triangle"/>
+          </a:ln>
+        </p:spPr>
+        <p:style>
+          <a:lnRef idx="1">
+            <a:schemeClr val="accent1"/>
+          </a:lnRef>
+          <a:fillRef idx="0">
+            <a:schemeClr val="accent1"/>
+          </a:fillRef>
+          <a:effectRef idx="0">
+            <a:schemeClr val="accent1"/>
+          </a:effectRef>
+          <a:fontRef idx="minor">
+            <a:schemeClr val="tx1"/>
+          </a:fontRef>
+        </p:style>
+      </p:cxnSp>
     </p:spTree>
     <p:extLst>
       <p:ext uri="{BB962C8B-B14F-4D97-AF65-F5344CB8AC3E}">

--- a/Documents/Design_Demo.pptx
+++ b/Documents/Design_Demo.pptx
@@ -5,13 +5,17 @@
     <p:sldMasterId id="2147483648" r:id="rId1"/>
   </p:sldMasterIdLst>
   <p:notesMasterIdLst>
-    <p:notesMasterId r:id="rId6"/>
+    <p:notesMasterId r:id="rId10"/>
   </p:notesMasterIdLst>
   <p:sldIdLst>
     <p:sldId id="257" r:id="rId2"/>
     <p:sldId id="256" r:id="rId3"/>
     <p:sldId id="258" r:id="rId4"/>
-    <p:sldId id="259" r:id="rId5"/>
+    <p:sldId id="265" r:id="rId5"/>
+    <p:sldId id="259" r:id="rId6"/>
+    <p:sldId id="261" r:id="rId7"/>
+    <p:sldId id="262" r:id="rId8"/>
+    <p:sldId id="264" r:id="rId9"/>
   </p:sldIdLst>
   <p:sldSz cx="12192000" cy="6858000"/>
   <p:notesSz cx="6858000" cy="9144000"/>
@@ -111,6 +115,34 @@
     </a:lvl9pPr>
   </p:defaultTextStyle>
   <p:extLst>
+    <p:ext uri="{521415D9-36F7-43E2-AB2F-B90AF26B5E84}">
+      <p14:sectionLst xmlns:p14="http://schemas.microsoft.com/office/powerpoint/2010/main">
+        <p14:section name="SIgn In &amp; Up" id="{5654896B-9CE6-5C43-85D1-7D717D8D2A4E}">
+          <p14:sldIdLst>
+            <p14:sldId id="257"/>
+            <p14:sldId id="256"/>
+          </p14:sldIdLst>
+        </p14:section>
+        <p14:section name=" User Page" id="{DB35F89F-8527-0A43-AB01-9E65E8DE7C37}">
+          <p14:sldIdLst>
+            <p14:sldId id="258"/>
+          </p14:sldIdLst>
+        </p14:section>
+        <p14:section name="Room Page" id="{93E26BFF-8C5C-2249-BFF9-AC14FC198EDA}">
+          <p14:sldIdLst>
+            <p14:sldId id="265"/>
+            <p14:sldId id="259"/>
+          </p14:sldIdLst>
+        </p14:section>
+        <p14:section name="Entrance Page" id="{B780990A-304E-234D-BF90-456592660905}">
+          <p14:sldIdLst>
+            <p14:sldId id="261"/>
+            <p14:sldId id="262"/>
+            <p14:sldId id="264"/>
+          </p14:sldIdLst>
+        </p14:section>
+      </p14:sectionLst>
+    </p:ext>
     <p:ext uri="{EFAFB233-063F-42B5-8137-9DF3F51BA10A}">
       <p15:sldGuideLst xmlns:p15="http://schemas.microsoft.com/office/powerpoint/2012/main">
         <p15:guide id="1" orient="horz" pos="2047" userDrawn="1">
@@ -211,7 +243,7 @@
           <a:p>
             <a:fld id="{CFACB741-F634-C24E-ACDA-3F21EA7175DC}" type="datetimeFigureOut">
               <a:rPr kumimoji="1" lang="ko-KR" altLang="en-US" smtClean="0"/>
-              <a:t>2019. 5. 21.</a:t>
+              <a:t>2019. 6. 3.</a:t>
             </a:fld>
             <a:endParaRPr kumimoji="1" lang="ko-KR" altLang="en-US"/>
           </a:p>
@@ -763,7 +795,15 @@
           <a:p>
             <a:r>
               <a:rPr kumimoji="1" lang="en-US" altLang="ko-KR" dirty="0"/>
-              <a:t>Room Page</a:t>
+              <a:t>Room Create</a:t>
+            </a:r>
+            <a:r>
+              <a:rPr kumimoji="1" lang="ko-KR" altLang="en-US" dirty="0"/>
+              <a:t> </a:t>
+            </a:r>
+            <a:r>
+              <a:rPr kumimoji="1" lang="en-US" altLang="ko-KR" dirty="0"/>
+              <a:t>Page</a:t>
             </a:r>
             <a:endParaRPr kumimoji="1" lang="ko-KR" altLang="en-US" dirty="0"/>
           </a:p>
@@ -795,7 +835,363 @@
     </p:spTree>
     <p:extLst>
       <p:ext uri="{BB962C8B-B14F-4D97-AF65-F5344CB8AC3E}">
+        <p14:creationId xmlns:p14="http://schemas.microsoft.com/office/powerpoint/2010/main" val="4233698825"/>
+      </p:ext>
+    </p:extLst>
+  </p:cSld>
+  <p:clrMapOvr>
+    <a:masterClrMapping/>
+  </p:clrMapOvr>
+</p:notes>
+</file>
+
+<file path=ppt/notesSlides/notesSlide5.xml><?xml version="1.0" encoding="utf-8"?>
+<p:notes xmlns:a="http://schemas.openxmlformats.org/drawingml/2006/main" xmlns:r="http://schemas.openxmlformats.org/officeDocument/2006/relationships" xmlns:p="http://schemas.openxmlformats.org/presentationml/2006/main">
+  <p:cSld>
+    <p:spTree>
+      <p:nvGrpSpPr>
+        <p:cNvPr id="1" name=""/>
+        <p:cNvGrpSpPr/>
+        <p:nvPr/>
+      </p:nvGrpSpPr>
+      <p:grpSpPr>
+        <a:xfrm>
+          <a:off x="0" y="0"/>
+          <a:ext cx="0" cy="0"/>
+          <a:chOff x="0" y="0"/>
+          <a:chExt cx="0" cy="0"/>
+        </a:xfrm>
+      </p:grpSpPr>
+      <p:sp>
+        <p:nvSpPr>
+          <p:cNvPr id="2" name="슬라이드 이미지 개체 틀 1"/>
+          <p:cNvSpPr>
+            <a:spLocks noGrp="1" noRot="1" noChangeAspect="1"/>
+          </p:cNvSpPr>
+          <p:nvPr>
+            <p:ph type="sldImg"/>
+          </p:nvPr>
+        </p:nvSpPr>
+        <p:spPr/>
+      </p:sp>
+      <p:sp>
+        <p:nvSpPr>
+          <p:cNvPr id="3" name="슬라이드 노트 개체 틀 2"/>
+          <p:cNvSpPr>
+            <a:spLocks noGrp="1"/>
+          </p:cNvSpPr>
+          <p:nvPr>
+            <p:ph type="body" idx="1"/>
+          </p:nvPr>
+        </p:nvSpPr>
+        <p:spPr/>
+        <p:txBody>
+          <a:bodyPr/>
+          <a:lstStyle/>
+          <a:p>
+            <a:r>
+              <a:rPr kumimoji="1" lang="en-US" altLang="ko-KR" dirty="0"/>
+              <a:t>Room Page</a:t>
+            </a:r>
+            <a:endParaRPr kumimoji="1" lang="ko-KR" altLang="en-US" dirty="0"/>
+          </a:p>
+        </p:txBody>
+      </p:sp>
+      <p:sp>
+        <p:nvSpPr>
+          <p:cNvPr id="4" name="슬라이드 번호 개체 틀 3"/>
+          <p:cNvSpPr>
+            <a:spLocks noGrp="1"/>
+          </p:cNvSpPr>
+          <p:nvPr>
+            <p:ph type="sldNum" sz="quarter" idx="5"/>
+          </p:nvPr>
+        </p:nvSpPr>
+        <p:spPr/>
+        <p:txBody>
+          <a:bodyPr/>
+          <a:lstStyle/>
+          <a:p>
+            <a:fld id="{BF3A642A-6642-CD43-931E-A8C786FEBA0D}" type="slidenum">
+              <a:rPr kumimoji="1" lang="ko-KR" altLang="en-US" smtClean="0"/>
+              <a:t>5</a:t>
+            </a:fld>
+            <a:endParaRPr kumimoji="1" lang="ko-KR" altLang="en-US"/>
+          </a:p>
+        </p:txBody>
+      </p:sp>
+    </p:spTree>
+    <p:extLst>
+      <p:ext uri="{BB962C8B-B14F-4D97-AF65-F5344CB8AC3E}">
         <p14:creationId xmlns:p14="http://schemas.microsoft.com/office/powerpoint/2010/main" val="3799409945"/>
+      </p:ext>
+    </p:extLst>
+  </p:cSld>
+  <p:clrMapOvr>
+    <a:masterClrMapping/>
+  </p:clrMapOvr>
+</p:notes>
+</file>
+
+<file path=ppt/notesSlides/notesSlide6.xml><?xml version="1.0" encoding="utf-8"?>
+<p:notes xmlns:a="http://schemas.openxmlformats.org/drawingml/2006/main" xmlns:r="http://schemas.openxmlformats.org/officeDocument/2006/relationships" xmlns:p="http://schemas.openxmlformats.org/presentationml/2006/main">
+  <p:cSld>
+    <p:spTree>
+      <p:nvGrpSpPr>
+        <p:cNvPr id="1" name=""/>
+        <p:cNvGrpSpPr/>
+        <p:nvPr/>
+      </p:nvGrpSpPr>
+      <p:grpSpPr>
+        <a:xfrm>
+          <a:off x="0" y="0"/>
+          <a:ext cx="0" cy="0"/>
+          <a:chOff x="0" y="0"/>
+          <a:chExt cx="0" cy="0"/>
+        </a:xfrm>
+      </p:grpSpPr>
+      <p:sp>
+        <p:nvSpPr>
+          <p:cNvPr id="2" name="슬라이드 이미지 개체 틀 1"/>
+          <p:cNvSpPr>
+            <a:spLocks noGrp="1" noRot="1" noChangeAspect="1"/>
+          </p:cNvSpPr>
+          <p:nvPr>
+            <p:ph type="sldImg"/>
+          </p:nvPr>
+        </p:nvSpPr>
+        <p:spPr/>
+      </p:sp>
+      <p:sp>
+        <p:nvSpPr>
+          <p:cNvPr id="3" name="슬라이드 노트 개체 틀 2"/>
+          <p:cNvSpPr>
+            <a:spLocks noGrp="1"/>
+          </p:cNvSpPr>
+          <p:nvPr>
+            <p:ph type="body" idx="1"/>
+          </p:nvPr>
+        </p:nvSpPr>
+        <p:spPr/>
+        <p:txBody>
+          <a:bodyPr/>
+          <a:lstStyle/>
+          <a:p>
+            <a:r>
+              <a:rPr kumimoji="1" lang="en-US" altLang="ko-KR" dirty="0"/>
+              <a:t>Entrance Page : main</a:t>
+            </a:r>
+            <a:endParaRPr kumimoji="1" lang="ko-KR" altLang="en-US" dirty="0"/>
+          </a:p>
+        </p:txBody>
+      </p:sp>
+      <p:sp>
+        <p:nvSpPr>
+          <p:cNvPr id="4" name="슬라이드 번호 개체 틀 3"/>
+          <p:cNvSpPr>
+            <a:spLocks noGrp="1"/>
+          </p:cNvSpPr>
+          <p:nvPr>
+            <p:ph type="sldNum" sz="quarter" idx="5"/>
+          </p:nvPr>
+        </p:nvSpPr>
+        <p:spPr/>
+        <p:txBody>
+          <a:bodyPr/>
+          <a:lstStyle/>
+          <a:p>
+            <a:fld id="{BF3A642A-6642-CD43-931E-A8C786FEBA0D}" type="slidenum">
+              <a:rPr kumimoji="1" lang="ko-KR" altLang="en-US" smtClean="0"/>
+              <a:t>6</a:t>
+            </a:fld>
+            <a:endParaRPr kumimoji="1" lang="ko-KR" altLang="en-US"/>
+          </a:p>
+        </p:txBody>
+      </p:sp>
+    </p:spTree>
+    <p:extLst>
+      <p:ext uri="{BB962C8B-B14F-4D97-AF65-F5344CB8AC3E}">
+        <p14:creationId xmlns:p14="http://schemas.microsoft.com/office/powerpoint/2010/main" val="242833347"/>
+      </p:ext>
+    </p:extLst>
+  </p:cSld>
+  <p:clrMapOvr>
+    <a:masterClrMapping/>
+  </p:clrMapOvr>
+</p:notes>
+</file>
+
+<file path=ppt/notesSlides/notesSlide7.xml><?xml version="1.0" encoding="utf-8"?>
+<p:notes xmlns:a="http://schemas.openxmlformats.org/drawingml/2006/main" xmlns:r="http://schemas.openxmlformats.org/officeDocument/2006/relationships" xmlns:p="http://schemas.openxmlformats.org/presentationml/2006/main">
+  <p:cSld>
+    <p:spTree>
+      <p:nvGrpSpPr>
+        <p:cNvPr id="1" name=""/>
+        <p:cNvGrpSpPr/>
+        <p:nvPr/>
+      </p:nvGrpSpPr>
+      <p:grpSpPr>
+        <a:xfrm>
+          <a:off x="0" y="0"/>
+          <a:ext cx="0" cy="0"/>
+          <a:chOff x="0" y="0"/>
+          <a:chExt cx="0" cy="0"/>
+        </a:xfrm>
+      </p:grpSpPr>
+      <p:sp>
+        <p:nvSpPr>
+          <p:cNvPr id="2" name="슬라이드 이미지 개체 틀 1"/>
+          <p:cNvSpPr>
+            <a:spLocks noGrp="1" noRot="1" noChangeAspect="1"/>
+          </p:cNvSpPr>
+          <p:nvPr>
+            <p:ph type="sldImg"/>
+          </p:nvPr>
+        </p:nvSpPr>
+        <p:spPr/>
+      </p:sp>
+      <p:sp>
+        <p:nvSpPr>
+          <p:cNvPr id="3" name="슬라이드 노트 개체 틀 2"/>
+          <p:cNvSpPr>
+            <a:spLocks noGrp="1"/>
+          </p:cNvSpPr>
+          <p:nvPr>
+            <p:ph type="body" idx="1"/>
+          </p:nvPr>
+        </p:nvSpPr>
+        <p:spPr/>
+        <p:txBody>
+          <a:bodyPr/>
+          <a:lstStyle/>
+          <a:p>
+            <a:r>
+              <a:rPr kumimoji="1" lang="en-US" altLang="ko-KR" dirty="0"/>
+              <a:t>Entrance Page : signup</a:t>
+            </a:r>
+            <a:endParaRPr kumimoji="1" lang="ko-KR" altLang="en-US" dirty="0"/>
+          </a:p>
+        </p:txBody>
+      </p:sp>
+      <p:sp>
+        <p:nvSpPr>
+          <p:cNvPr id="4" name="슬라이드 번호 개체 틀 3"/>
+          <p:cNvSpPr>
+            <a:spLocks noGrp="1"/>
+          </p:cNvSpPr>
+          <p:nvPr>
+            <p:ph type="sldNum" sz="quarter" idx="5"/>
+          </p:nvPr>
+        </p:nvSpPr>
+        <p:spPr/>
+        <p:txBody>
+          <a:bodyPr/>
+          <a:lstStyle/>
+          <a:p>
+            <a:fld id="{BF3A642A-6642-CD43-931E-A8C786FEBA0D}" type="slidenum">
+              <a:rPr kumimoji="1" lang="ko-KR" altLang="en-US" smtClean="0"/>
+              <a:t>7</a:t>
+            </a:fld>
+            <a:endParaRPr kumimoji="1" lang="ko-KR" altLang="en-US"/>
+          </a:p>
+        </p:txBody>
+      </p:sp>
+    </p:spTree>
+    <p:extLst>
+      <p:ext uri="{BB962C8B-B14F-4D97-AF65-F5344CB8AC3E}">
+        <p14:creationId xmlns:p14="http://schemas.microsoft.com/office/powerpoint/2010/main" val="961999558"/>
+      </p:ext>
+    </p:extLst>
+  </p:cSld>
+  <p:clrMapOvr>
+    <a:masterClrMapping/>
+  </p:clrMapOvr>
+</p:notes>
+</file>
+
+<file path=ppt/notesSlides/notesSlide8.xml><?xml version="1.0" encoding="utf-8"?>
+<p:notes xmlns:a="http://schemas.openxmlformats.org/drawingml/2006/main" xmlns:r="http://schemas.openxmlformats.org/officeDocument/2006/relationships" xmlns:p="http://schemas.openxmlformats.org/presentationml/2006/main">
+  <p:cSld>
+    <p:spTree>
+      <p:nvGrpSpPr>
+        <p:cNvPr id="1" name=""/>
+        <p:cNvGrpSpPr/>
+        <p:nvPr/>
+      </p:nvGrpSpPr>
+      <p:grpSpPr>
+        <a:xfrm>
+          <a:off x="0" y="0"/>
+          <a:ext cx="0" cy="0"/>
+          <a:chOff x="0" y="0"/>
+          <a:chExt cx="0" cy="0"/>
+        </a:xfrm>
+      </p:grpSpPr>
+      <p:sp>
+        <p:nvSpPr>
+          <p:cNvPr id="2" name="슬라이드 이미지 개체 틀 1"/>
+          <p:cNvSpPr>
+            <a:spLocks noGrp="1" noRot="1" noChangeAspect="1"/>
+          </p:cNvSpPr>
+          <p:nvPr>
+            <p:ph type="sldImg"/>
+          </p:nvPr>
+        </p:nvSpPr>
+        <p:spPr/>
+      </p:sp>
+      <p:sp>
+        <p:nvSpPr>
+          <p:cNvPr id="3" name="슬라이드 노트 개체 틀 2"/>
+          <p:cNvSpPr>
+            <a:spLocks noGrp="1"/>
+          </p:cNvSpPr>
+          <p:nvPr>
+            <p:ph type="body" idx="1"/>
+          </p:nvPr>
+        </p:nvSpPr>
+        <p:spPr/>
+        <p:txBody>
+          <a:bodyPr/>
+          <a:lstStyle/>
+          <a:p>
+            <a:r>
+              <a:rPr kumimoji="1" lang="en-US" altLang="ko-KR" dirty="0"/>
+              <a:t>Entrance Page : already </a:t>
+            </a:r>
+            <a:r>
+              <a:rPr kumimoji="1" lang="en-US" altLang="ko-KR" dirty="0" err="1"/>
+              <a:t>signin</a:t>
+            </a:r>
+            <a:endParaRPr kumimoji="1" lang="ko-KR" altLang="en-US" dirty="0"/>
+          </a:p>
+        </p:txBody>
+      </p:sp>
+      <p:sp>
+        <p:nvSpPr>
+          <p:cNvPr id="4" name="슬라이드 번호 개체 틀 3"/>
+          <p:cNvSpPr>
+            <a:spLocks noGrp="1"/>
+          </p:cNvSpPr>
+          <p:nvPr>
+            <p:ph type="sldNum" sz="quarter" idx="5"/>
+          </p:nvPr>
+        </p:nvSpPr>
+        <p:spPr/>
+        <p:txBody>
+          <a:bodyPr/>
+          <a:lstStyle/>
+          <a:p>
+            <a:fld id="{BF3A642A-6642-CD43-931E-A8C786FEBA0D}" type="slidenum">
+              <a:rPr kumimoji="1" lang="ko-KR" altLang="en-US" smtClean="0"/>
+              <a:t>8</a:t>
+            </a:fld>
+            <a:endParaRPr kumimoji="1" lang="ko-KR" altLang="en-US"/>
+          </a:p>
+        </p:txBody>
+      </p:sp>
+    </p:spTree>
+    <p:extLst>
+      <p:ext uri="{BB962C8B-B14F-4D97-AF65-F5344CB8AC3E}">
+        <p14:creationId xmlns:p14="http://schemas.microsoft.com/office/powerpoint/2010/main" val="643733136"/>
       </p:ext>
     </p:extLst>
   </p:cSld>
@@ -952,7 +1348,7 @@
           <a:p>
             <a:fld id="{B8694C9C-6BB6-9342-9726-5E25EC0060D1}" type="datetimeFigureOut">
               <a:rPr kumimoji="1" lang="ko-KR" altLang="en-US" smtClean="0"/>
-              <a:t>2019. 5. 21.</a:t>
+              <a:t>2019. 6. 3.</a:t>
             </a:fld>
             <a:endParaRPr kumimoji="1" lang="ko-KR" altLang="en-US"/>
           </a:p>
@@ -1125,7 +1521,7 @@
           <a:p>
             <a:fld id="{B8694C9C-6BB6-9342-9726-5E25EC0060D1}" type="datetimeFigureOut">
               <a:rPr kumimoji="1" lang="ko-KR" altLang="en-US" smtClean="0"/>
-              <a:t>2019. 5. 21.</a:t>
+              <a:t>2019. 6. 3.</a:t>
             </a:fld>
             <a:endParaRPr kumimoji="1" lang="ko-KR" altLang="en-US"/>
           </a:p>
@@ -1308,7 +1704,7 @@
           <a:p>
             <a:fld id="{B8694C9C-6BB6-9342-9726-5E25EC0060D1}" type="datetimeFigureOut">
               <a:rPr kumimoji="1" lang="ko-KR" altLang="en-US" smtClean="0"/>
-              <a:t>2019. 5. 21.</a:t>
+              <a:t>2019. 6. 3.</a:t>
             </a:fld>
             <a:endParaRPr kumimoji="1" lang="ko-KR" altLang="en-US"/>
           </a:p>
@@ -1481,7 +1877,7 @@
           <a:p>
             <a:fld id="{B8694C9C-6BB6-9342-9726-5E25EC0060D1}" type="datetimeFigureOut">
               <a:rPr kumimoji="1" lang="ko-KR" altLang="en-US" smtClean="0"/>
-              <a:t>2019. 5. 21.</a:t>
+              <a:t>2019. 6. 3.</a:t>
             </a:fld>
             <a:endParaRPr kumimoji="1" lang="ko-KR" altLang="en-US"/>
           </a:p>
@@ -1759,7 +2155,7 @@
           <a:p>
             <a:fld id="{B8694C9C-6BB6-9342-9726-5E25EC0060D1}" type="datetimeFigureOut">
               <a:rPr kumimoji="1" lang="ko-KR" altLang="en-US" smtClean="0"/>
-              <a:t>2019. 5. 21.</a:t>
+              <a:t>2019. 6. 3.</a:t>
             </a:fld>
             <a:endParaRPr kumimoji="1" lang="ko-KR" altLang="en-US"/>
           </a:p>
@@ -1974,7 +2370,7 @@
           <a:p>
             <a:fld id="{B8694C9C-6BB6-9342-9726-5E25EC0060D1}" type="datetimeFigureOut">
               <a:rPr kumimoji="1" lang="ko-KR" altLang="en-US" smtClean="0"/>
-              <a:t>2019. 5. 21.</a:t>
+              <a:t>2019. 6. 3.</a:t>
             </a:fld>
             <a:endParaRPr kumimoji="1" lang="ko-KR" altLang="en-US"/>
           </a:p>
@@ -2342,7 +2738,7 @@
           <a:p>
             <a:fld id="{B8694C9C-6BB6-9342-9726-5E25EC0060D1}" type="datetimeFigureOut">
               <a:rPr kumimoji="1" lang="ko-KR" altLang="en-US" smtClean="0"/>
-              <a:t>2019. 5. 21.</a:t>
+              <a:t>2019. 6. 3.</a:t>
             </a:fld>
             <a:endParaRPr kumimoji="1" lang="ko-KR" altLang="en-US"/>
           </a:p>
@@ -2483,7 +2879,7 @@
           <a:p>
             <a:fld id="{B8694C9C-6BB6-9342-9726-5E25EC0060D1}" type="datetimeFigureOut">
               <a:rPr kumimoji="1" lang="ko-KR" altLang="en-US" smtClean="0"/>
-              <a:t>2019. 5. 21.</a:t>
+              <a:t>2019. 6. 3.</a:t>
             </a:fld>
             <a:endParaRPr kumimoji="1" lang="ko-KR" altLang="en-US"/>
           </a:p>
@@ -2596,7 +2992,7 @@
           <a:p>
             <a:fld id="{B8694C9C-6BB6-9342-9726-5E25EC0060D1}" type="datetimeFigureOut">
               <a:rPr kumimoji="1" lang="ko-KR" altLang="en-US" smtClean="0"/>
-              <a:t>2019. 5. 21.</a:t>
+              <a:t>2019. 6. 3.</a:t>
             </a:fld>
             <a:endParaRPr kumimoji="1" lang="ko-KR" altLang="en-US"/>
           </a:p>
@@ -2885,7 +3281,7 @@
           <a:p>
             <a:fld id="{B8694C9C-6BB6-9342-9726-5E25EC0060D1}" type="datetimeFigureOut">
               <a:rPr kumimoji="1" lang="ko-KR" altLang="en-US" smtClean="0"/>
-              <a:t>2019. 5. 21.</a:t>
+              <a:t>2019. 6. 3.</a:t>
             </a:fld>
             <a:endParaRPr kumimoji="1" lang="ko-KR" altLang="en-US"/>
           </a:p>
@@ -3176,7 +3572,7 @@
           <a:p>
             <a:fld id="{B8694C9C-6BB6-9342-9726-5E25EC0060D1}" type="datetimeFigureOut">
               <a:rPr kumimoji="1" lang="ko-KR" altLang="en-US" smtClean="0"/>
-              <a:t>2019. 5. 21.</a:t>
+              <a:t>2019. 6. 3.</a:t>
             </a:fld>
             <a:endParaRPr kumimoji="1" lang="ko-KR" altLang="en-US"/>
           </a:p>
@@ -3395,7 +3791,7 @@
           <a:p>
             <a:fld id="{B8694C9C-6BB6-9342-9726-5E25EC0060D1}" type="datetimeFigureOut">
               <a:rPr kumimoji="1" lang="ko-KR" altLang="en-US" smtClean="0"/>
-              <a:t>2019. 5. 21.</a:t>
+              <a:t>2019. 6. 3.</a:t>
             </a:fld>
             <a:endParaRPr kumimoji="1" lang="ko-KR" altLang="en-US"/>
           </a:p>
@@ -6224,7 +6620,7 @@
         </p:nvSpPr>
         <p:spPr>
           <a:xfrm>
-            <a:off x="4894025" y="4107568"/>
+            <a:off x="4894025" y="3995135"/>
             <a:ext cx="2403951" cy="1867566"/>
           </a:xfrm>
           <a:prstGeom prst="rect">
@@ -6280,8 +6676,8 @@
         </p:nvSpPr>
         <p:spPr>
           <a:xfrm>
-            <a:off x="4894025" y="3181594"/>
-            <a:ext cx="2403951" cy="842653"/>
+            <a:off x="4894025" y="3010305"/>
+            <a:ext cx="2403951" cy="901509"/>
           </a:xfrm>
           <a:prstGeom prst="rect">
             <a:avLst/>
@@ -6336,7 +6732,7 @@
         </p:nvSpPr>
         <p:spPr>
           <a:xfrm>
-            <a:off x="5171838" y="3608719"/>
+            <a:off x="5171838" y="3531215"/>
             <a:ext cx="1848323" cy="234616"/>
           </a:xfrm>
           <a:prstGeom prst="roundRect">
@@ -6385,70 +6781,8 @@
                   <a:schemeClr val="bg1"/>
                 </a:solidFill>
               </a:rPr>
-              <a:t>내역 추가</a:t>
-            </a:r>
-          </a:p>
-        </p:txBody>
-      </p:sp>
-      <p:sp>
-        <p:nvSpPr>
-          <p:cNvPr id="24" name="TextBox 23">
-            <a:extLst>
-              <a:ext uri="{FF2B5EF4-FFF2-40B4-BE49-F238E27FC236}">
-                <a16:creationId xmlns:a16="http://schemas.microsoft.com/office/drawing/2014/main" id="{A10A7A5C-B1F8-864F-8E88-3E5791A48547}"/>
-              </a:ext>
-            </a:extLst>
-          </p:cNvPr>
-          <p:cNvSpPr txBox="1"/>
-          <p:nvPr/>
-        </p:nvSpPr>
-        <p:spPr>
-          <a:xfrm>
-            <a:off x="5295014" y="3337726"/>
-            <a:ext cx="1616148" cy="246221"/>
-          </a:xfrm>
-          <a:prstGeom prst="rect">
-            <a:avLst/>
-          </a:prstGeom>
-          <a:noFill/>
-        </p:spPr>
-        <p:txBody>
-          <a:bodyPr wrap="none" rtlCol="0">
-            <a:spAutoFit/>
-          </a:bodyPr>
-          <a:lstStyle/>
-          <a:p>
-            <a:pPr algn="ctr"/>
-            <a:r>
-              <a:rPr kumimoji="1" lang="ko-KR" altLang="en-US" sz="1000" dirty="0">
-                <a:solidFill>
-                  <a:schemeClr val="tx1">
-                    <a:lumMod val="65000"/>
-                    <a:lumOff val="35000"/>
-                  </a:schemeClr>
-                </a:solidFill>
-              </a:rPr>
-              <a:t>새로운 계산이 생겼다면</a:t>
-            </a:r>
-            <a:r>
-              <a:rPr kumimoji="1" lang="en-US" altLang="ko-KR" sz="1000" dirty="0">
-                <a:solidFill>
-                  <a:schemeClr val="tx1">
-                    <a:lumMod val="65000"/>
-                    <a:lumOff val="35000"/>
-                  </a:schemeClr>
-                </a:solidFill>
-              </a:rPr>
-              <a:t>?</a:t>
-            </a:r>
-            <a:endParaRPr kumimoji="1" lang="ko-KR" altLang="en-US" sz="1000" dirty="0">
-              <a:solidFill>
-                <a:schemeClr val="tx1">
-                  <a:lumMod val="65000"/>
-                  <a:lumOff val="35000"/>
-                </a:schemeClr>
-              </a:solidFill>
-            </a:endParaRPr>
+              <a:t>멤버 추가</a:t>
+            </a:r>
           </a:p>
         </p:txBody>
       </p:sp>
@@ -6466,7 +6800,7 @@
         </p:nvSpPr>
         <p:spPr>
           <a:xfrm>
-            <a:off x="5079422" y="5062733"/>
+            <a:off x="5079422" y="4950300"/>
             <a:ext cx="2033155" cy="484040"/>
           </a:xfrm>
           <a:prstGeom prst="roundRect">
@@ -6510,34 +6844,28 @@
           </a:bodyPr>
           <a:lstStyle/>
           <a:p>
+            <a:pPr lvl="0"/>
+            <a:r>
+              <a:rPr kumimoji="1" lang="en-US" altLang="ko-KR" sz="1100" b="1" dirty="0">
+                <a:solidFill>
+                  <a:prstClr val="black">
+                    <a:lumMod val="75000"/>
+                    <a:lumOff val="25000"/>
+                  </a:prstClr>
+                </a:solidFill>
+              </a:rPr>
+              <a:t>2.</a:t>
+            </a:r>
             <a:r>
               <a:rPr kumimoji="1" lang="ko-KR" altLang="en-US" sz="1100" b="1" dirty="0">
                 <a:solidFill>
-                  <a:schemeClr val="tx1">
+                  <a:prstClr val="black">
                     <a:lumMod val="75000"/>
                     <a:lumOff val="25000"/>
-                  </a:schemeClr>
+                  </a:prstClr>
                 </a:solidFill>
               </a:rPr>
-              <a:t>노래방</a:t>
-            </a:r>
-            <a:r>
-              <a:rPr kumimoji="1" lang="ko-KR" altLang="en-US" sz="1100" b="1" dirty="0">
-                <a:solidFill>
-                  <a:schemeClr val="bg1">
-                    <a:lumMod val="50000"/>
-                  </a:schemeClr>
-                </a:solidFill>
-              </a:rPr>
-              <a:t>  </a:t>
-            </a:r>
-            <a:r>
-              <a:rPr kumimoji="1" lang="ko-KR" altLang="en-US" sz="1100" b="1" dirty="0">
-                <a:solidFill>
-                  <a:srgbClr val="00B0F0"/>
-                </a:solidFill>
-              </a:rPr>
-              <a:t>홍진영</a:t>
+              <a:t> 홍진영</a:t>
             </a:r>
             <a:endParaRPr kumimoji="1" lang="en-US" altLang="ko-KR" sz="1100" b="1" dirty="0">
               <a:solidFill>
@@ -6546,26 +6874,14 @@
             </a:endParaRPr>
           </a:p>
           <a:p>
-            <a:pPr algn="r"/>
-            <a:r>
-              <a:rPr kumimoji="1" lang="en-US" altLang="ko-KR" sz="1000" dirty="0">
+            <a:pPr lvl="0" algn="r"/>
+            <a:r>
+              <a:rPr kumimoji="1" lang="ko-KR" altLang="en-US" sz="1000" b="1" dirty="0">
                 <a:solidFill>
-                  <a:schemeClr val="bg1">
-                    <a:lumMod val="50000"/>
-                  </a:schemeClr>
+                  <a:srgbClr val="FF0000"/>
                 </a:solidFill>
               </a:rPr>
-              <a:t>25,000</a:t>
-            </a:r>
-            <a:r>
-              <a:rPr kumimoji="1" lang="ko-KR" altLang="en-US" sz="1000" dirty="0">
-                <a:solidFill>
-                  <a:schemeClr val="bg1">
-                    <a:lumMod val="50000"/>
-                  </a:schemeClr>
-                </a:solidFill>
-              </a:rPr>
-              <a:t>원</a:t>
+              <a:t>삭제</a:t>
             </a:r>
           </a:p>
         </p:txBody>
@@ -6584,7 +6900,7 @@
         </p:nvSpPr>
         <p:spPr>
           <a:xfrm>
-            <a:off x="5079422" y="5648334"/>
+            <a:off x="5079422" y="5535901"/>
             <a:ext cx="2033155" cy="484040"/>
           </a:xfrm>
           <a:prstGeom prst="roundRect">
@@ -6628,23 +6944,25 @@
           </a:bodyPr>
           <a:lstStyle/>
           <a:p>
+            <a:pPr lvl="0"/>
+            <a:r>
+              <a:rPr kumimoji="1" lang="en-US" altLang="ko-KR" sz="1100" b="1" dirty="0">
+                <a:solidFill>
+                  <a:prstClr val="black">
+                    <a:lumMod val="75000"/>
+                    <a:lumOff val="25000"/>
+                  </a:prstClr>
+                </a:solidFill>
+              </a:rPr>
+              <a:t>3.</a:t>
+            </a:r>
             <a:r>
               <a:rPr kumimoji="1" lang="ko-KR" altLang="en-US" sz="1100" b="1" dirty="0">
                 <a:solidFill>
-                  <a:schemeClr val="tx1">
+                  <a:prstClr val="black">
                     <a:lumMod val="75000"/>
                     <a:lumOff val="25000"/>
-                  </a:schemeClr>
-                </a:solidFill>
-              </a:rPr>
-              <a:t>카페 </a:t>
-            </a:r>
-            <a:r>
-              <a:rPr kumimoji="1" lang="ko-KR" altLang="en-US" sz="1100" b="1" dirty="0">
-                <a:solidFill>
-                  <a:schemeClr val="bg1">
-                    <a:lumMod val="50000"/>
-                  </a:schemeClr>
+                  </a:prstClr>
                 </a:solidFill>
               </a:rPr>
               <a:t> </a:t>
@@ -6652,10 +6970,13 @@
             <a:r>
               <a:rPr kumimoji="1" lang="ko-KR" altLang="en-US" sz="1100" b="1" dirty="0" err="1">
                 <a:solidFill>
-                  <a:srgbClr val="00B0F0"/>
+                  <a:prstClr val="black">
+                    <a:lumMod val="75000"/>
+                    <a:lumOff val="25000"/>
+                  </a:prstClr>
                 </a:solidFill>
               </a:rPr>
-              <a:t>홍록기</a:t>
+              <a:t>홍데니스</a:t>
             </a:r>
             <a:endParaRPr kumimoji="1" lang="en-US" altLang="ko-KR" sz="1100" b="1" dirty="0">
               <a:solidFill>
@@ -6664,26 +6985,14 @@
             </a:endParaRPr>
           </a:p>
           <a:p>
-            <a:pPr algn="r"/>
-            <a:r>
-              <a:rPr kumimoji="1" lang="en-US" altLang="ko-KR" sz="1000" dirty="0">
+            <a:pPr lvl="0" algn="r"/>
+            <a:r>
+              <a:rPr kumimoji="1" lang="ko-KR" altLang="en-US" sz="1000" b="1" dirty="0">
                 <a:solidFill>
-                  <a:schemeClr val="bg1">
-                    <a:lumMod val="50000"/>
-                  </a:schemeClr>
+                  <a:srgbClr val="FF0000"/>
                 </a:solidFill>
               </a:rPr>
-              <a:t>30,000</a:t>
-            </a:r>
-            <a:r>
-              <a:rPr kumimoji="1" lang="ko-KR" altLang="en-US" sz="1000" dirty="0">
-                <a:solidFill>
-                  <a:schemeClr val="bg1">
-                    <a:lumMod val="50000"/>
-                  </a:schemeClr>
-                </a:solidFill>
-              </a:rPr>
-              <a:t>원 </a:t>
+              <a:t>삭제</a:t>
             </a:r>
           </a:p>
         </p:txBody>
@@ -6702,7 +7011,7 @@
         </p:nvSpPr>
         <p:spPr>
           <a:xfrm>
-            <a:off x="4901105" y="5974221"/>
+            <a:off x="4901105" y="5861788"/>
             <a:ext cx="2403951" cy="253636"/>
           </a:xfrm>
           <a:prstGeom prst="rect">
@@ -6754,7 +7063,7 @@
         </p:nvCxnSpPr>
         <p:spPr>
           <a:xfrm>
-            <a:off x="4901105" y="5981148"/>
+            <a:off x="4901105" y="5868715"/>
             <a:ext cx="2403951" cy="0"/>
           </a:xfrm>
           <a:prstGeom prst="line">
@@ -6797,7 +7106,7 @@
         </p:nvSpPr>
         <p:spPr>
           <a:xfrm>
-            <a:off x="5079422" y="4480886"/>
+            <a:off x="5079422" y="4368453"/>
             <a:ext cx="2033155" cy="484040"/>
           </a:xfrm>
           <a:prstGeom prst="roundRect">
@@ -6842,6 +7151,1309 @@
           <a:lstStyle/>
           <a:p>
             <a:r>
+              <a:rPr kumimoji="1" lang="en-US" altLang="ko-KR" sz="1100" b="1" dirty="0">
+                <a:solidFill>
+                  <a:schemeClr val="tx1">
+                    <a:lumMod val="75000"/>
+                    <a:lumOff val="25000"/>
+                  </a:schemeClr>
+                </a:solidFill>
+              </a:rPr>
+              <a:t>1.</a:t>
+            </a:r>
+            <a:r>
+              <a:rPr kumimoji="1" lang="ko-KR" altLang="en-US" sz="1100" b="1" dirty="0">
+                <a:solidFill>
+                  <a:schemeClr val="tx1">
+                    <a:lumMod val="75000"/>
+                    <a:lumOff val="25000"/>
+                  </a:schemeClr>
+                </a:solidFill>
+              </a:rPr>
+              <a:t> </a:t>
+            </a:r>
+            <a:r>
+              <a:rPr kumimoji="1" lang="ko-KR" altLang="en-US" sz="1100" b="1" dirty="0" err="1">
+                <a:solidFill>
+                  <a:schemeClr val="tx1">
+                    <a:lumMod val="75000"/>
+                    <a:lumOff val="25000"/>
+                  </a:schemeClr>
+                </a:solidFill>
+              </a:rPr>
+              <a:t>홍인형</a:t>
+            </a:r>
+            <a:endParaRPr kumimoji="1" lang="en-US" altLang="ko-KR" sz="1100" b="1" dirty="0">
+              <a:solidFill>
+                <a:srgbClr val="00B0F0"/>
+              </a:solidFill>
+            </a:endParaRPr>
+          </a:p>
+          <a:p>
+            <a:pPr algn="r"/>
+            <a:r>
+              <a:rPr kumimoji="1" lang="ko-KR" altLang="en-US" sz="1000" b="1" dirty="0">
+                <a:solidFill>
+                  <a:srgbClr val="FF0000"/>
+                </a:solidFill>
+              </a:rPr>
+              <a:t>삭제</a:t>
+            </a:r>
+          </a:p>
+        </p:txBody>
+      </p:sp>
+      <p:sp>
+        <p:nvSpPr>
+          <p:cNvPr id="29" name="TextBox 28">
+            <a:extLst>
+              <a:ext uri="{FF2B5EF4-FFF2-40B4-BE49-F238E27FC236}">
+                <a16:creationId xmlns:a16="http://schemas.microsoft.com/office/drawing/2014/main" id="{ADA8295D-F93C-3047-AEE6-7A0499D3324A}"/>
+              </a:ext>
+            </a:extLst>
+          </p:cNvPr>
+          <p:cNvSpPr txBox="1"/>
+          <p:nvPr/>
+        </p:nvSpPr>
+        <p:spPr>
+          <a:xfrm>
+            <a:off x="4982903" y="4054836"/>
+            <a:ext cx="771365" cy="253916"/>
+          </a:xfrm>
+          <a:prstGeom prst="rect">
+            <a:avLst/>
+          </a:prstGeom>
+          <a:noFill/>
+        </p:spPr>
+        <p:txBody>
+          <a:bodyPr wrap="none" rtlCol="0">
+            <a:spAutoFit/>
+          </a:bodyPr>
+          <a:lstStyle/>
+          <a:p>
+            <a:r>
+              <a:rPr kumimoji="1" lang="ko-KR" altLang="en-US" sz="1050" dirty="0">
+                <a:solidFill>
+                  <a:schemeClr val="tx1">
+                    <a:lumMod val="75000"/>
+                    <a:lumOff val="25000"/>
+                  </a:schemeClr>
+                </a:solidFill>
+              </a:rPr>
+              <a:t>멤버 목록</a:t>
+            </a:r>
+            <a:endParaRPr kumimoji="1" lang="en-US" altLang="ko-KR" sz="1050" dirty="0">
+              <a:solidFill>
+                <a:schemeClr val="tx1">
+                  <a:lumMod val="75000"/>
+                  <a:lumOff val="25000"/>
+                </a:schemeClr>
+              </a:solidFill>
+            </a:endParaRPr>
+          </a:p>
+        </p:txBody>
+      </p:sp>
+      <p:sp>
+        <p:nvSpPr>
+          <p:cNvPr id="34" name="직사각형 33">
+            <a:extLst>
+              <a:ext uri="{FF2B5EF4-FFF2-40B4-BE49-F238E27FC236}">
+                <a16:creationId xmlns:a16="http://schemas.microsoft.com/office/drawing/2014/main" id="{85AE415A-F52E-6849-89F6-B7DF9B5D0D2D}"/>
+              </a:ext>
+            </a:extLst>
+          </p:cNvPr>
+          <p:cNvSpPr/>
+          <p:nvPr/>
+        </p:nvSpPr>
+        <p:spPr>
+          <a:xfrm>
+            <a:off x="4894025" y="1276420"/>
+            <a:ext cx="2403951" cy="1674184"/>
+          </a:xfrm>
+          <a:prstGeom prst="rect">
+            <a:avLst/>
+          </a:prstGeom>
+          <a:solidFill>
+            <a:schemeClr val="bg1"/>
+          </a:solidFill>
+          <a:ln>
+            <a:solidFill>
+              <a:schemeClr val="bg1">
+                <a:lumMod val="75000"/>
+              </a:schemeClr>
+            </a:solidFill>
+          </a:ln>
+        </p:spPr>
+        <p:style>
+          <a:lnRef idx="2">
+            <a:schemeClr val="accent1">
+              <a:shade val="50000"/>
+            </a:schemeClr>
+          </a:lnRef>
+          <a:fillRef idx="1">
+            <a:schemeClr val="accent1"/>
+          </a:fillRef>
+          <a:effectRef idx="0">
+            <a:schemeClr val="accent1"/>
+          </a:effectRef>
+          <a:fontRef idx="minor">
+            <a:schemeClr val="lt1"/>
+          </a:fontRef>
+        </p:style>
+        <p:txBody>
+          <a:bodyPr rtlCol="0" anchor="ctr"/>
+          <a:lstStyle/>
+          <a:p>
+            <a:pPr algn="ctr"/>
+            <a:endParaRPr kumimoji="1" lang="ko-KR" altLang="en-US" dirty="0"/>
+          </a:p>
+        </p:txBody>
+      </p:sp>
+      <p:sp>
+        <p:nvSpPr>
+          <p:cNvPr id="35" name="모서리가 둥근 직사각형 34">
+            <a:extLst>
+              <a:ext uri="{FF2B5EF4-FFF2-40B4-BE49-F238E27FC236}">
+                <a16:creationId xmlns:a16="http://schemas.microsoft.com/office/drawing/2014/main" id="{A4971372-9237-B048-B2E9-0A06977A32A0}"/>
+              </a:ext>
+            </a:extLst>
+          </p:cNvPr>
+          <p:cNvSpPr/>
+          <p:nvPr/>
+        </p:nvSpPr>
+        <p:spPr>
+          <a:xfrm>
+            <a:off x="5171838" y="2506380"/>
+            <a:ext cx="1848323" cy="234616"/>
+          </a:xfrm>
+          <a:prstGeom prst="roundRect">
+            <a:avLst>
+              <a:gd name="adj" fmla="val 12230"/>
+            </a:avLst>
+          </a:prstGeom>
+          <a:solidFill>
+            <a:srgbClr val="00A5FA"/>
+          </a:solidFill>
+          <a:ln>
+            <a:solidFill>
+              <a:srgbClr val="00B0F0"/>
+            </a:solidFill>
+          </a:ln>
+        </p:spPr>
+        <p:style>
+          <a:lnRef idx="2">
+            <a:schemeClr val="accent1">
+              <a:shade val="50000"/>
+            </a:schemeClr>
+          </a:lnRef>
+          <a:fillRef idx="1">
+            <a:schemeClr val="accent1"/>
+          </a:fillRef>
+          <a:effectRef idx="0">
+            <a:schemeClr val="accent1"/>
+          </a:effectRef>
+          <a:fontRef idx="minor">
+            <a:schemeClr val="lt1"/>
+          </a:fontRef>
+        </p:style>
+        <p:txBody>
+          <a:bodyPr rot="0" spcFirstLastPara="0" vertOverflow="overflow" horzOverflow="overflow" vert="horz" wrap="square" lIns="91440" tIns="45720" rIns="91440" bIns="45720" numCol="1" spcCol="0" rtlCol="0" fromWordArt="0" anchor="ctr" anchorCtr="0" forceAA="0" compatLnSpc="1">
+            <a:prstTxWarp prst="textNoShape">
+              <a:avLst/>
+            </a:prstTxWarp>
+            <a:noAutofit/>
+          </a:bodyPr>
+          <a:lstStyle/>
+          <a:p>
+            <a:pPr algn="ctr"/>
+            <a:r>
+              <a:rPr kumimoji="1" lang="ko-KR" altLang="en-US" sz="1000" dirty="0">
+                <a:solidFill>
+                  <a:schemeClr val="bg1"/>
+                </a:solidFill>
+              </a:rPr>
+              <a:t>생성</a:t>
+            </a:r>
+            <a:r>
+              <a:rPr kumimoji="1" lang="en-US" altLang="ko-KR" sz="1000" dirty="0">
+                <a:solidFill>
+                  <a:schemeClr val="bg1"/>
+                </a:solidFill>
+              </a:rPr>
+              <a:t>!</a:t>
+            </a:r>
+            <a:endParaRPr kumimoji="1" lang="ko-KR" altLang="en-US" sz="1000" dirty="0">
+              <a:solidFill>
+                <a:schemeClr val="bg1"/>
+              </a:solidFill>
+            </a:endParaRPr>
+          </a:p>
+        </p:txBody>
+      </p:sp>
+      <p:sp>
+        <p:nvSpPr>
+          <p:cNvPr id="37" name="TextBox 36">
+            <a:extLst>
+              <a:ext uri="{FF2B5EF4-FFF2-40B4-BE49-F238E27FC236}">
+                <a16:creationId xmlns:a16="http://schemas.microsoft.com/office/drawing/2014/main" id="{985B151C-01C4-014A-B006-E8E125897B00}"/>
+              </a:ext>
+            </a:extLst>
+          </p:cNvPr>
+          <p:cNvSpPr txBox="1"/>
+          <p:nvPr/>
+        </p:nvSpPr>
+        <p:spPr>
+          <a:xfrm>
+            <a:off x="5342435" y="1975906"/>
+            <a:ext cx="1507144" cy="338554"/>
+          </a:xfrm>
+          <a:prstGeom prst="rect">
+            <a:avLst/>
+          </a:prstGeom>
+          <a:noFill/>
+        </p:spPr>
+        <p:txBody>
+          <a:bodyPr wrap="none" rtlCol="0">
+            <a:spAutoFit/>
+          </a:bodyPr>
+          <a:lstStyle/>
+          <a:p>
+            <a:pPr algn="ctr"/>
+            <a:r>
+              <a:rPr kumimoji="1" lang="en-US" altLang="ko-KR" sz="1600" b="1" dirty="0"/>
+              <a:t>_______________</a:t>
+            </a:r>
+            <a:endParaRPr kumimoji="1" lang="ko-KR" altLang="en-US" sz="1600" b="1" dirty="0"/>
+          </a:p>
+        </p:txBody>
+      </p:sp>
+      <p:sp>
+        <p:nvSpPr>
+          <p:cNvPr id="40" name="TextBox 39">
+            <a:extLst>
+              <a:ext uri="{FF2B5EF4-FFF2-40B4-BE49-F238E27FC236}">
+                <a16:creationId xmlns:a16="http://schemas.microsoft.com/office/drawing/2014/main" id="{FF2CD8B2-D563-3246-A9AF-E3C8601CB67D}"/>
+              </a:ext>
+            </a:extLst>
+          </p:cNvPr>
+          <p:cNvSpPr txBox="1"/>
+          <p:nvPr/>
+        </p:nvSpPr>
+        <p:spPr>
+          <a:xfrm>
+            <a:off x="5659825" y="1439220"/>
+            <a:ext cx="872355" cy="338554"/>
+          </a:xfrm>
+          <a:prstGeom prst="rect">
+            <a:avLst/>
+          </a:prstGeom>
+          <a:noFill/>
+        </p:spPr>
+        <p:txBody>
+          <a:bodyPr wrap="none" rtlCol="0">
+            <a:spAutoFit/>
+          </a:bodyPr>
+          <a:lstStyle/>
+          <a:p>
+            <a:pPr algn="ctr"/>
+            <a:r>
+              <a:rPr kumimoji="1" lang="ko-KR" altLang="en-US" sz="1600" b="1" dirty="0">
+                <a:solidFill>
+                  <a:srgbClr val="00A5FA"/>
+                </a:solidFill>
+              </a:rPr>
+              <a:t>방 생성</a:t>
+            </a:r>
+          </a:p>
+        </p:txBody>
+      </p:sp>
+      <p:sp>
+        <p:nvSpPr>
+          <p:cNvPr id="2" name="TextBox 1">
+            <a:extLst>
+              <a:ext uri="{FF2B5EF4-FFF2-40B4-BE49-F238E27FC236}">
+                <a16:creationId xmlns:a16="http://schemas.microsoft.com/office/drawing/2014/main" id="{342D94B4-3572-1345-95DA-6137D8C8DE3B}"/>
+              </a:ext>
+            </a:extLst>
+          </p:cNvPr>
+          <p:cNvSpPr txBox="1"/>
+          <p:nvPr/>
+        </p:nvSpPr>
+        <p:spPr>
+          <a:xfrm>
+            <a:off x="5571524" y="1958240"/>
+            <a:ext cx="1063112" cy="276999"/>
+          </a:xfrm>
+          <a:prstGeom prst="rect">
+            <a:avLst/>
+          </a:prstGeom>
+          <a:noFill/>
+        </p:spPr>
+        <p:txBody>
+          <a:bodyPr wrap="none" rtlCol="0">
+            <a:spAutoFit/>
+          </a:bodyPr>
+          <a:lstStyle/>
+          <a:p>
+            <a:pPr algn="ctr"/>
+            <a:r>
+              <a:rPr kumimoji="1" lang="en-US" altLang="ko-KR" sz="1200" dirty="0">
+                <a:solidFill>
+                  <a:schemeClr val="bg1">
+                    <a:lumMod val="75000"/>
+                  </a:schemeClr>
+                </a:solidFill>
+              </a:rPr>
+              <a:t>Room Name</a:t>
+            </a:r>
+            <a:endParaRPr kumimoji="1" lang="ko-KR" altLang="en-US" sz="1200" dirty="0">
+              <a:solidFill>
+                <a:schemeClr val="bg1">
+                  <a:lumMod val="75000"/>
+                </a:schemeClr>
+              </a:solidFill>
+            </a:endParaRPr>
+          </a:p>
+        </p:txBody>
+      </p:sp>
+      <p:sp>
+        <p:nvSpPr>
+          <p:cNvPr id="30" name="TextBox 29">
+            <a:extLst>
+              <a:ext uri="{FF2B5EF4-FFF2-40B4-BE49-F238E27FC236}">
+                <a16:creationId xmlns:a16="http://schemas.microsoft.com/office/drawing/2014/main" id="{7EA72A3F-E96E-304A-A796-093F9BD31F91}"/>
+              </a:ext>
+            </a:extLst>
+          </p:cNvPr>
+          <p:cNvSpPr txBox="1"/>
+          <p:nvPr/>
+        </p:nvSpPr>
+        <p:spPr>
+          <a:xfrm>
+            <a:off x="5342435" y="3151001"/>
+            <a:ext cx="1507144" cy="338554"/>
+          </a:xfrm>
+          <a:prstGeom prst="rect">
+            <a:avLst/>
+          </a:prstGeom>
+          <a:noFill/>
+        </p:spPr>
+        <p:txBody>
+          <a:bodyPr wrap="none" rtlCol="0">
+            <a:spAutoFit/>
+          </a:bodyPr>
+          <a:lstStyle/>
+          <a:p>
+            <a:pPr algn="ctr"/>
+            <a:r>
+              <a:rPr kumimoji="1" lang="en-US" altLang="ko-KR" sz="1600" b="1" dirty="0"/>
+              <a:t>_______________</a:t>
+            </a:r>
+            <a:endParaRPr kumimoji="1" lang="ko-KR" altLang="en-US" sz="1600" b="1" dirty="0"/>
+          </a:p>
+        </p:txBody>
+      </p:sp>
+      <p:sp>
+        <p:nvSpPr>
+          <p:cNvPr id="31" name="TextBox 30">
+            <a:extLst>
+              <a:ext uri="{FF2B5EF4-FFF2-40B4-BE49-F238E27FC236}">
+                <a16:creationId xmlns:a16="http://schemas.microsoft.com/office/drawing/2014/main" id="{5D2E1DD5-0404-C645-B052-08F3ACE0FF8C}"/>
+              </a:ext>
+            </a:extLst>
+          </p:cNvPr>
+          <p:cNvSpPr txBox="1"/>
+          <p:nvPr/>
+        </p:nvSpPr>
+        <p:spPr>
+          <a:xfrm>
+            <a:off x="5481493" y="3123270"/>
+            <a:ext cx="1239442" cy="276999"/>
+          </a:xfrm>
+          <a:prstGeom prst="rect">
+            <a:avLst/>
+          </a:prstGeom>
+          <a:noFill/>
+        </p:spPr>
+        <p:txBody>
+          <a:bodyPr wrap="none" rtlCol="0">
+            <a:spAutoFit/>
+          </a:bodyPr>
+          <a:lstStyle/>
+          <a:p>
+            <a:pPr algn="ctr"/>
+            <a:r>
+              <a:rPr kumimoji="1" lang="en-US" altLang="ko-KR" sz="1200" dirty="0">
+                <a:solidFill>
+                  <a:schemeClr val="bg1">
+                    <a:lumMod val="75000"/>
+                  </a:schemeClr>
+                </a:solidFill>
+              </a:rPr>
+              <a:t>Member Name</a:t>
+            </a:r>
+            <a:endParaRPr kumimoji="1" lang="ko-KR" altLang="en-US" sz="1200" dirty="0">
+              <a:solidFill>
+                <a:schemeClr val="bg1">
+                  <a:lumMod val="75000"/>
+                </a:schemeClr>
+              </a:solidFill>
+            </a:endParaRPr>
+          </a:p>
+        </p:txBody>
+      </p:sp>
+    </p:spTree>
+    <p:extLst>
+      <p:ext uri="{BB962C8B-B14F-4D97-AF65-F5344CB8AC3E}">
+        <p14:creationId xmlns:p14="http://schemas.microsoft.com/office/powerpoint/2010/main" val="2282857764"/>
+      </p:ext>
+    </p:extLst>
+  </p:cSld>
+  <p:clrMapOvr>
+    <a:masterClrMapping/>
+  </p:clrMapOvr>
+</p:sld>
+</file>
+
+<file path=ppt/slides/slide5.xml><?xml version="1.0" encoding="utf-8"?>
+<p:sld xmlns:a="http://schemas.openxmlformats.org/drawingml/2006/main" xmlns:r="http://schemas.openxmlformats.org/officeDocument/2006/relationships" xmlns:p="http://schemas.openxmlformats.org/presentationml/2006/main">
+  <p:cSld>
+    <p:spTree>
+      <p:nvGrpSpPr>
+        <p:cNvPr id="1" name=""/>
+        <p:cNvGrpSpPr/>
+        <p:nvPr/>
+      </p:nvGrpSpPr>
+      <p:grpSpPr>
+        <a:xfrm>
+          <a:off x="0" y="0"/>
+          <a:ext cx="0" cy="0"/>
+          <a:chOff x="0" y="0"/>
+          <a:chExt cx="0" cy="0"/>
+        </a:xfrm>
+      </p:grpSpPr>
+      <p:sp>
+        <p:nvSpPr>
+          <p:cNvPr id="13" name="직사각형 12">
+            <a:extLst>
+              <a:ext uri="{FF2B5EF4-FFF2-40B4-BE49-F238E27FC236}">
+                <a16:creationId xmlns:a16="http://schemas.microsoft.com/office/drawing/2014/main" id="{1A09CB1E-61C8-BF41-8166-783D974FF436}"/>
+              </a:ext>
+            </a:extLst>
+          </p:cNvPr>
+          <p:cNvSpPr/>
+          <p:nvPr/>
+        </p:nvSpPr>
+        <p:spPr>
+          <a:xfrm>
+            <a:off x="0" y="0"/>
+            <a:ext cx="12192000" cy="563417"/>
+          </a:xfrm>
+          <a:prstGeom prst="rect">
+            <a:avLst/>
+          </a:prstGeom>
+          <a:solidFill>
+            <a:schemeClr val="bg1"/>
+          </a:solidFill>
+          <a:ln>
+            <a:solidFill>
+              <a:schemeClr val="bg1">
+                <a:lumMod val="75000"/>
+              </a:schemeClr>
+            </a:solidFill>
+          </a:ln>
+        </p:spPr>
+        <p:style>
+          <a:lnRef idx="2">
+            <a:schemeClr val="accent1">
+              <a:shade val="50000"/>
+            </a:schemeClr>
+          </a:lnRef>
+          <a:fillRef idx="1">
+            <a:schemeClr val="accent1"/>
+          </a:fillRef>
+          <a:effectRef idx="0">
+            <a:schemeClr val="accent1"/>
+          </a:effectRef>
+          <a:fontRef idx="minor">
+            <a:schemeClr val="lt1"/>
+          </a:fontRef>
+        </p:style>
+        <p:txBody>
+          <a:bodyPr rtlCol="0" anchor="ctr"/>
+          <a:lstStyle/>
+          <a:p>
+            <a:pPr algn="ctr"/>
+            <a:endParaRPr kumimoji="1" lang="ko-KR" altLang="en-US" dirty="0"/>
+          </a:p>
+        </p:txBody>
+      </p:sp>
+      <p:sp>
+        <p:nvSpPr>
+          <p:cNvPr id="14" name="TextBox 13">
+            <a:extLst>
+              <a:ext uri="{FF2B5EF4-FFF2-40B4-BE49-F238E27FC236}">
+                <a16:creationId xmlns:a16="http://schemas.microsoft.com/office/drawing/2014/main" id="{D92B28E7-D15C-C445-8715-5E7C0DEAE706}"/>
+              </a:ext>
+            </a:extLst>
+          </p:cNvPr>
+          <p:cNvSpPr txBox="1"/>
+          <p:nvPr/>
+        </p:nvSpPr>
+        <p:spPr>
+          <a:xfrm>
+            <a:off x="5093702" y="112431"/>
+            <a:ext cx="2018759" cy="338554"/>
+          </a:xfrm>
+          <a:prstGeom prst="rect">
+            <a:avLst/>
+          </a:prstGeom>
+          <a:noFill/>
+        </p:spPr>
+        <p:txBody>
+          <a:bodyPr wrap="none" rtlCol="0">
+            <a:spAutoFit/>
+          </a:bodyPr>
+          <a:lstStyle/>
+          <a:p>
+            <a:pPr algn="ctr"/>
+            <a:r>
+              <a:rPr kumimoji="1" lang="en-US" altLang="ko-KR" sz="1600" b="1" dirty="0"/>
+              <a:t>Dutch Broom Stick</a:t>
+            </a:r>
+            <a:endParaRPr kumimoji="1" lang="ko-KR" altLang="en-US" sz="1600" b="1" dirty="0"/>
+          </a:p>
+        </p:txBody>
+      </p:sp>
+      <p:sp>
+        <p:nvSpPr>
+          <p:cNvPr id="15" name="TextBox 14">
+            <a:extLst>
+              <a:ext uri="{FF2B5EF4-FFF2-40B4-BE49-F238E27FC236}">
+                <a16:creationId xmlns:a16="http://schemas.microsoft.com/office/drawing/2014/main" id="{001529B2-C00D-4D4F-BEB9-70140837CDB4}"/>
+              </a:ext>
+            </a:extLst>
+          </p:cNvPr>
+          <p:cNvSpPr txBox="1"/>
+          <p:nvPr/>
+        </p:nvSpPr>
+        <p:spPr>
+          <a:xfrm>
+            <a:off x="5754268" y="6227856"/>
+            <a:ext cx="697627" cy="246221"/>
+          </a:xfrm>
+          <a:prstGeom prst="rect">
+            <a:avLst/>
+          </a:prstGeom>
+          <a:noFill/>
+        </p:spPr>
+        <p:txBody>
+          <a:bodyPr wrap="none" rtlCol="0">
+            <a:spAutoFit/>
+          </a:bodyPr>
+          <a:lstStyle/>
+          <a:p>
+            <a:pPr algn="ctr"/>
+            <a:r>
+              <a:rPr kumimoji="1" lang="ko-KR" altLang="en-US" sz="1000" dirty="0">
+                <a:solidFill>
+                  <a:srgbClr val="00B0F0"/>
+                </a:solidFill>
+              </a:rPr>
+              <a:t>로그아웃</a:t>
+            </a:r>
+          </a:p>
+        </p:txBody>
+      </p:sp>
+      <p:sp>
+        <p:nvSpPr>
+          <p:cNvPr id="16" name="TextBox 15">
+            <a:extLst>
+              <a:ext uri="{FF2B5EF4-FFF2-40B4-BE49-F238E27FC236}">
+                <a16:creationId xmlns:a16="http://schemas.microsoft.com/office/drawing/2014/main" id="{69074E22-F89C-A349-8330-71928693398F}"/>
+              </a:ext>
+            </a:extLst>
+          </p:cNvPr>
+          <p:cNvSpPr txBox="1"/>
+          <p:nvPr/>
+        </p:nvSpPr>
+        <p:spPr>
+          <a:xfrm>
+            <a:off x="5525535" y="6485507"/>
+            <a:ext cx="1141659" cy="253916"/>
+          </a:xfrm>
+          <a:prstGeom prst="rect">
+            <a:avLst/>
+          </a:prstGeom>
+          <a:noFill/>
+        </p:spPr>
+        <p:txBody>
+          <a:bodyPr wrap="none" rtlCol="0">
+            <a:spAutoFit/>
+          </a:bodyPr>
+          <a:lstStyle/>
+          <a:p>
+            <a:r>
+              <a:rPr kumimoji="1" lang="en-US" altLang="ko-KR" sz="1050" dirty="0">
+                <a:solidFill>
+                  <a:schemeClr val="bg1">
+                    <a:lumMod val="50000"/>
+                  </a:schemeClr>
+                </a:solidFill>
+              </a:rPr>
+              <a:t>@ </a:t>
+            </a:r>
+            <a:r>
+              <a:rPr kumimoji="1" lang="en-US" altLang="ko-KR" sz="1050" dirty="0" err="1">
+                <a:solidFill>
+                  <a:schemeClr val="bg1">
+                    <a:lumMod val="50000"/>
+                  </a:schemeClr>
+                </a:solidFill>
+              </a:rPr>
+              <a:t>about_JCube</a:t>
+            </a:r>
+            <a:endParaRPr kumimoji="1" lang="en-US" altLang="ko-KR" sz="1050" dirty="0">
+              <a:solidFill>
+                <a:schemeClr val="bg1">
+                  <a:lumMod val="50000"/>
+                </a:schemeClr>
+              </a:solidFill>
+            </a:endParaRPr>
+          </a:p>
+        </p:txBody>
+      </p:sp>
+      <p:sp>
+        <p:nvSpPr>
+          <p:cNvPr id="21" name="직사각형 20">
+            <a:extLst>
+              <a:ext uri="{FF2B5EF4-FFF2-40B4-BE49-F238E27FC236}">
+                <a16:creationId xmlns:a16="http://schemas.microsoft.com/office/drawing/2014/main" id="{A871EC61-223C-0447-B82C-FEE0B482521B}"/>
+              </a:ext>
+            </a:extLst>
+          </p:cNvPr>
+          <p:cNvSpPr/>
+          <p:nvPr/>
+        </p:nvSpPr>
+        <p:spPr>
+          <a:xfrm>
+            <a:off x="4894025" y="4107568"/>
+            <a:ext cx="2403951" cy="1867566"/>
+          </a:xfrm>
+          <a:prstGeom prst="rect">
+            <a:avLst/>
+          </a:prstGeom>
+          <a:solidFill>
+            <a:schemeClr val="bg1"/>
+          </a:solidFill>
+          <a:ln>
+            <a:solidFill>
+              <a:schemeClr val="bg1">
+                <a:lumMod val="75000"/>
+              </a:schemeClr>
+            </a:solidFill>
+          </a:ln>
+        </p:spPr>
+        <p:style>
+          <a:lnRef idx="2">
+            <a:schemeClr val="accent1">
+              <a:shade val="50000"/>
+            </a:schemeClr>
+          </a:lnRef>
+          <a:fillRef idx="1">
+            <a:schemeClr val="accent1"/>
+          </a:fillRef>
+          <a:effectRef idx="0">
+            <a:schemeClr val="accent1"/>
+          </a:effectRef>
+          <a:fontRef idx="minor">
+            <a:schemeClr val="lt1"/>
+          </a:fontRef>
+        </p:style>
+        <p:txBody>
+          <a:bodyPr rtlCol="0" anchor="ctr"/>
+          <a:lstStyle/>
+          <a:p>
+            <a:pPr algn="ctr"/>
+            <a:endParaRPr kumimoji="1" lang="ko-KR" altLang="en-US"/>
+          </a:p>
+        </p:txBody>
+      </p:sp>
+      <p:sp>
+        <p:nvSpPr>
+          <p:cNvPr id="22" name="직사각형 21">
+            <a:extLst>
+              <a:ext uri="{FF2B5EF4-FFF2-40B4-BE49-F238E27FC236}">
+                <a16:creationId xmlns:a16="http://schemas.microsoft.com/office/drawing/2014/main" id="{1DF4C30D-B860-CF42-A2D2-8933EF262E6F}"/>
+              </a:ext>
+            </a:extLst>
+          </p:cNvPr>
+          <p:cNvSpPr/>
+          <p:nvPr/>
+        </p:nvSpPr>
+        <p:spPr>
+          <a:xfrm>
+            <a:off x="4894025" y="3181594"/>
+            <a:ext cx="2403951" cy="842653"/>
+          </a:xfrm>
+          <a:prstGeom prst="rect">
+            <a:avLst/>
+          </a:prstGeom>
+          <a:solidFill>
+            <a:schemeClr val="bg1"/>
+          </a:solidFill>
+          <a:ln>
+            <a:solidFill>
+              <a:schemeClr val="bg1">
+                <a:lumMod val="75000"/>
+              </a:schemeClr>
+            </a:solidFill>
+          </a:ln>
+        </p:spPr>
+        <p:style>
+          <a:lnRef idx="2">
+            <a:schemeClr val="accent1">
+              <a:shade val="50000"/>
+            </a:schemeClr>
+          </a:lnRef>
+          <a:fillRef idx="1">
+            <a:schemeClr val="accent1"/>
+          </a:fillRef>
+          <a:effectRef idx="0">
+            <a:schemeClr val="accent1"/>
+          </a:effectRef>
+          <a:fontRef idx="minor">
+            <a:schemeClr val="lt1"/>
+          </a:fontRef>
+        </p:style>
+        <p:txBody>
+          <a:bodyPr rtlCol="0" anchor="ctr"/>
+          <a:lstStyle/>
+          <a:p>
+            <a:pPr algn="ctr"/>
+            <a:endParaRPr kumimoji="1" lang="ko-KR" altLang="en-US"/>
+          </a:p>
+        </p:txBody>
+      </p:sp>
+      <p:sp>
+        <p:nvSpPr>
+          <p:cNvPr id="23" name="모서리가 둥근 직사각형 22">
+            <a:extLst>
+              <a:ext uri="{FF2B5EF4-FFF2-40B4-BE49-F238E27FC236}">
+                <a16:creationId xmlns:a16="http://schemas.microsoft.com/office/drawing/2014/main" id="{A63988F2-FAC3-5045-8EA4-4720DBA24757}"/>
+              </a:ext>
+            </a:extLst>
+          </p:cNvPr>
+          <p:cNvSpPr/>
+          <p:nvPr/>
+        </p:nvSpPr>
+        <p:spPr>
+          <a:xfrm>
+            <a:off x="5171838" y="3608719"/>
+            <a:ext cx="1848323" cy="234616"/>
+          </a:xfrm>
+          <a:prstGeom prst="roundRect">
+            <a:avLst>
+              <a:gd name="adj" fmla="val 12230"/>
+            </a:avLst>
+          </a:prstGeom>
+          <a:solidFill>
+            <a:srgbClr val="00A5FA"/>
+          </a:solidFill>
+          <a:ln>
+            <a:solidFill>
+              <a:srgbClr val="00B0F0"/>
+            </a:solidFill>
+          </a:ln>
+        </p:spPr>
+        <p:style>
+          <a:lnRef idx="2">
+            <a:schemeClr val="accent1">
+              <a:shade val="50000"/>
+            </a:schemeClr>
+          </a:lnRef>
+          <a:fillRef idx="1">
+            <a:schemeClr val="accent1"/>
+          </a:fillRef>
+          <a:effectRef idx="0">
+            <a:schemeClr val="accent1"/>
+          </a:effectRef>
+          <a:fontRef idx="minor">
+            <a:schemeClr val="lt1"/>
+          </a:fontRef>
+        </p:style>
+        <p:txBody>
+          <a:bodyPr rot="0" spcFirstLastPara="0" vertOverflow="overflow" horzOverflow="overflow" vert="horz" wrap="square" lIns="91440" tIns="45720" rIns="91440" bIns="45720" numCol="1" spcCol="0" rtlCol="0" fromWordArt="0" anchor="ctr" anchorCtr="0" forceAA="0" compatLnSpc="1">
+            <a:prstTxWarp prst="textNoShape">
+              <a:avLst/>
+            </a:prstTxWarp>
+            <a:noAutofit/>
+          </a:bodyPr>
+          <a:lstStyle/>
+          <a:p>
+            <a:pPr algn="ctr"/>
+            <a:r>
+              <a:rPr kumimoji="1" lang="ko-KR" altLang="en-US" sz="1000" dirty="0">
+                <a:solidFill>
+                  <a:schemeClr val="bg1"/>
+                </a:solidFill>
+              </a:rPr>
+              <a:t>내역 추가</a:t>
+            </a:r>
+          </a:p>
+        </p:txBody>
+      </p:sp>
+      <p:sp>
+        <p:nvSpPr>
+          <p:cNvPr id="24" name="TextBox 23">
+            <a:extLst>
+              <a:ext uri="{FF2B5EF4-FFF2-40B4-BE49-F238E27FC236}">
+                <a16:creationId xmlns:a16="http://schemas.microsoft.com/office/drawing/2014/main" id="{A10A7A5C-B1F8-864F-8E88-3E5791A48547}"/>
+              </a:ext>
+            </a:extLst>
+          </p:cNvPr>
+          <p:cNvSpPr txBox="1"/>
+          <p:nvPr/>
+        </p:nvSpPr>
+        <p:spPr>
+          <a:xfrm>
+            <a:off x="5295014" y="3337726"/>
+            <a:ext cx="1616148" cy="246221"/>
+          </a:xfrm>
+          <a:prstGeom prst="rect">
+            <a:avLst/>
+          </a:prstGeom>
+          <a:noFill/>
+        </p:spPr>
+        <p:txBody>
+          <a:bodyPr wrap="none" rtlCol="0">
+            <a:spAutoFit/>
+          </a:bodyPr>
+          <a:lstStyle/>
+          <a:p>
+            <a:pPr algn="ctr"/>
+            <a:r>
+              <a:rPr kumimoji="1" lang="ko-KR" altLang="en-US" sz="1000" dirty="0">
+                <a:solidFill>
+                  <a:schemeClr val="tx1">
+                    <a:lumMod val="65000"/>
+                    <a:lumOff val="35000"/>
+                  </a:schemeClr>
+                </a:solidFill>
+              </a:rPr>
+              <a:t>새로운 계산이 생겼다면</a:t>
+            </a:r>
+            <a:r>
+              <a:rPr kumimoji="1" lang="en-US" altLang="ko-KR" sz="1000" dirty="0">
+                <a:solidFill>
+                  <a:schemeClr val="tx1">
+                    <a:lumMod val="65000"/>
+                    <a:lumOff val="35000"/>
+                  </a:schemeClr>
+                </a:solidFill>
+              </a:rPr>
+              <a:t>?</a:t>
+            </a:r>
+            <a:endParaRPr kumimoji="1" lang="ko-KR" altLang="en-US" sz="1000" dirty="0">
+              <a:solidFill>
+                <a:schemeClr val="tx1">
+                  <a:lumMod val="65000"/>
+                  <a:lumOff val="35000"/>
+                </a:schemeClr>
+              </a:solidFill>
+            </a:endParaRPr>
+          </a:p>
+        </p:txBody>
+      </p:sp>
+      <p:sp>
+        <p:nvSpPr>
+          <p:cNvPr id="25" name="모서리가 둥근 직사각형 24">
+            <a:extLst>
+              <a:ext uri="{FF2B5EF4-FFF2-40B4-BE49-F238E27FC236}">
+                <a16:creationId xmlns:a16="http://schemas.microsoft.com/office/drawing/2014/main" id="{09A9694D-0652-AE48-A0AC-1AAC084FD95D}"/>
+              </a:ext>
+            </a:extLst>
+          </p:cNvPr>
+          <p:cNvSpPr/>
+          <p:nvPr/>
+        </p:nvSpPr>
+        <p:spPr>
+          <a:xfrm>
+            <a:off x="5079422" y="5062733"/>
+            <a:ext cx="2033155" cy="484040"/>
+          </a:xfrm>
+          <a:prstGeom prst="roundRect">
+            <a:avLst>
+              <a:gd name="adj" fmla="val 12230"/>
+            </a:avLst>
+          </a:prstGeom>
+          <a:solidFill>
+            <a:schemeClr val="bg1"/>
+          </a:solidFill>
+          <a:ln>
+            <a:solidFill>
+              <a:schemeClr val="bg1">
+                <a:lumMod val="75000"/>
+              </a:schemeClr>
+            </a:solidFill>
+          </a:ln>
+        </p:spPr>
+        <p:style>
+          <a:lnRef idx="2">
+            <a:schemeClr val="accent1">
+              <a:shade val="50000"/>
+            </a:schemeClr>
+          </a:lnRef>
+          <a:fillRef idx="1">
+            <a:schemeClr val="accent1"/>
+          </a:fillRef>
+          <a:effectRef idx="0">
+            <a:schemeClr val="accent1"/>
+          </a:effectRef>
+          <a:fontRef idx="minor">
+            <a:schemeClr val="lt1"/>
+          </a:fontRef>
+        </p:style>
+        <p:txBody>
+          <a:bodyPr rot="0" spcFirstLastPara="0" vertOverflow="overflow" horzOverflow="overflow" vert="horz" wrap="square" lIns="91440" tIns="45720" rIns="91440" bIns="45720" numCol="1" spcCol="0" rtlCol="0" fromWordArt="0" anchor="ctr" anchorCtr="0" forceAA="0" compatLnSpc="1">
+            <a:prstTxWarp prst="textNoShape">
+              <a:avLst/>
+            </a:prstTxWarp>
+            <a:noAutofit/>
+          </a:bodyPr>
+          <a:lstStyle/>
+          <a:p>
+            <a:r>
+              <a:rPr kumimoji="1" lang="ko-KR" altLang="en-US" sz="1100" b="1" dirty="0">
+                <a:solidFill>
+                  <a:schemeClr val="tx1">
+                    <a:lumMod val="75000"/>
+                    <a:lumOff val="25000"/>
+                  </a:schemeClr>
+                </a:solidFill>
+              </a:rPr>
+              <a:t>노래방</a:t>
+            </a:r>
+            <a:r>
+              <a:rPr kumimoji="1" lang="ko-KR" altLang="en-US" sz="1100" b="1" dirty="0">
+                <a:solidFill>
+                  <a:schemeClr val="bg1">
+                    <a:lumMod val="50000"/>
+                  </a:schemeClr>
+                </a:solidFill>
+              </a:rPr>
+              <a:t>  </a:t>
+            </a:r>
+            <a:r>
+              <a:rPr kumimoji="1" lang="ko-KR" altLang="en-US" sz="1100" b="1" dirty="0">
+                <a:solidFill>
+                  <a:srgbClr val="00B0F0"/>
+                </a:solidFill>
+              </a:rPr>
+              <a:t>홍진영</a:t>
+            </a:r>
+            <a:endParaRPr kumimoji="1" lang="en-US" altLang="ko-KR" sz="1100" b="1" dirty="0">
+              <a:solidFill>
+                <a:srgbClr val="00B0F0"/>
+              </a:solidFill>
+            </a:endParaRPr>
+          </a:p>
+          <a:p>
+            <a:pPr algn="r"/>
+            <a:r>
+              <a:rPr kumimoji="1" lang="en-US" altLang="ko-KR" sz="1000" dirty="0">
+                <a:solidFill>
+                  <a:schemeClr val="bg1">
+                    <a:lumMod val="50000"/>
+                  </a:schemeClr>
+                </a:solidFill>
+              </a:rPr>
+              <a:t>25,000</a:t>
+            </a:r>
+            <a:r>
+              <a:rPr kumimoji="1" lang="ko-KR" altLang="en-US" sz="1000" dirty="0">
+                <a:solidFill>
+                  <a:schemeClr val="bg1">
+                    <a:lumMod val="50000"/>
+                  </a:schemeClr>
+                </a:solidFill>
+              </a:rPr>
+              <a:t>원</a:t>
+            </a:r>
+          </a:p>
+        </p:txBody>
+      </p:sp>
+      <p:sp>
+        <p:nvSpPr>
+          <p:cNvPr id="26" name="모서리가 둥근 직사각형 25">
+            <a:extLst>
+              <a:ext uri="{FF2B5EF4-FFF2-40B4-BE49-F238E27FC236}">
+                <a16:creationId xmlns:a16="http://schemas.microsoft.com/office/drawing/2014/main" id="{2D84FF30-0FEE-3A49-937B-6991B10B5CD3}"/>
+              </a:ext>
+            </a:extLst>
+          </p:cNvPr>
+          <p:cNvSpPr/>
+          <p:nvPr/>
+        </p:nvSpPr>
+        <p:spPr>
+          <a:xfrm>
+            <a:off x="5079422" y="5648334"/>
+            <a:ext cx="2033155" cy="484040"/>
+          </a:xfrm>
+          <a:prstGeom prst="roundRect">
+            <a:avLst>
+              <a:gd name="adj" fmla="val 12230"/>
+            </a:avLst>
+          </a:prstGeom>
+          <a:solidFill>
+            <a:schemeClr val="bg1"/>
+          </a:solidFill>
+          <a:ln>
+            <a:solidFill>
+              <a:schemeClr val="bg1">
+                <a:lumMod val="75000"/>
+              </a:schemeClr>
+            </a:solidFill>
+          </a:ln>
+        </p:spPr>
+        <p:style>
+          <a:lnRef idx="2">
+            <a:schemeClr val="accent1">
+              <a:shade val="50000"/>
+            </a:schemeClr>
+          </a:lnRef>
+          <a:fillRef idx="1">
+            <a:schemeClr val="accent1"/>
+          </a:fillRef>
+          <a:effectRef idx="0">
+            <a:schemeClr val="accent1"/>
+          </a:effectRef>
+          <a:fontRef idx="minor">
+            <a:schemeClr val="lt1"/>
+          </a:fontRef>
+        </p:style>
+        <p:txBody>
+          <a:bodyPr rot="0" spcFirstLastPara="0" vertOverflow="overflow" horzOverflow="overflow" vert="horz" wrap="square" lIns="91440" tIns="45720" rIns="91440" bIns="45720" numCol="1" spcCol="0" rtlCol="0" fromWordArt="0" anchor="ctr" anchorCtr="0" forceAA="0" compatLnSpc="1">
+            <a:prstTxWarp prst="textNoShape">
+              <a:avLst/>
+            </a:prstTxWarp>
+            <a:noAutofit/>
+          </a:bodyPr>
+          <a:lstStyle/>
+          <a:p>
+            <a:r>
+              <a:rPr kumimoji="1" lang="ko-KR" altLang="en-US" sz="1100" b="1" dirty="0">
+                <a:solidFill>
+                  <a:schemeClr val="tx1">
+                    <a:lumMod val="75000"/>
+                    <a:lumOff val="25000"/>
+                  </a:schemeClr>
+                </a:solidFill>
+              </a:rPr>
+              <a:t>카페 </a:t>
+            </a:r>
+            <a:r>
+              <a:rPr kumimoji="1" lang="ko-KR" altLang="en-US" sz="1100" b="1" dirty="0">
+                <a:solidFill>
+                  <a:schemeClr val="bg1">
+                    <a:lumMod val="50000"/>
+                  </a:schemeClr>
+                </a:solidFill>
+              </a:rPr>
+              <a:t> </a:t>
+            </a:r>
+            <a:r>
+              <a:rPr kumimoji="1" lang="ko-KR" altLang="en-US" sz="1100" b="1" dirty="0" err="1">
+                <a:solidFill>
+                  <a:srgbClr val="00B0F0"/>
+                </a:solidFill>
+              </a:rPr>
+              <a:t>홍록기</a:t>
+            </a:r>
+            <a:endParaRPr kumimoji="1" lang="en-US" altLang="ko-KR" sz="1100" b="1" dirty="0">
+              <a:solidFill>
+                <a:srgbClr val="00B0F0"/>
+              </a:solidFill>
+            </a:endParaRPr>
+          </a:p>
+          <a:p>
+            <a:pPr algn="r"/>
+            <a:r>
+              <a:rPr kumimoji="1" lang="en-US" altLang="ko-KR" sz="1000" dirty="0">
+                <a:solidFill>
+                  <a:schemeClr val="bg1">
+                    <a:lumMod val="50000"/>
+                  </a:schemeClr>
+                </a:solidFill>
+              </a:rPr>
+              <a:t>30,000</a:t>
+            </a:r>
+            <a:r>
+              <a:rPr kumimoji="1" lang="ko-KR" altLang="en-US" sz="1000" dirty="0">
+                <a:solidFill>
+                  <a:schemeClr val="bg1">
+                    <a:lumMod val="50000"/>
+                  </a:schemeClr>
+                </a:solidFill>
+              </a:rPr>
+              <a:t>원 </a:t>
+            </a:r>
+          </a:p>
+        </p:txBody>
+      </p:sp>
+      <p:sp>
+        <p:nvSpPr>
+          <p:cNvPr id="27" name="직사각형 26">
+            <a:extLst>
+              <a:ext uri="{FF2B5EF4-FFF2-40B4-BE49-F238E27FC236}">
+                <a16:creationId xmlns:a16="http://schemas.microsoft.com/office/drawing/2014/main" id="{324B93C4-54CD-364D-AE04-E89369BD362F}"/>
+              </a:ext>
+            </a:extLst>
+          </p:cNvPr>
+          <p:cNvSpPr/>
+          <p:nvPr/>
+        </p:nvSpPr>
+        <p:spPr>
+          <a:xfrm>
+            <a:off x="4901105" y="5974221"/>
+            <a:ext cx="2403951" cy="253636"/>
+          </a:xfrm>
+          <a:prstGeom prst="rect">
+            <a:avLst/>
+          </a:prstGeom>
+          <a:solidFill>
+            <a:srgbClr val="F6F6F6"/>
+          </a:solidFill>
+          <a:ln>
+            <a:noFill/>
+          </a:ln>
+        </p:spPr>
+        <p:style>
+          <a:lnRef idx="2">
+            <a:schemeClr val="accent1">
+              <a:shade val="50000"/>
+            </a:schemeClr>
+          </a:lnRef>
+          <a:fillRef idx="1">
+            <a:schemeClr val="accent1"/>
+          </a:fillRef>
+          <a:effectRef idx="0">
+            <a:schemeClr val="accent1"/>
+          </a:effectRef>
+          <a:fontRef idx="minor">
+            <a:schemeClr val="lt1"/>
+          </a:fontRef>
+        </p:style>
+        <p:txBody>
+          <a:bodyPr rtlCol="0" anchor="ctr"/>
+          <a:lstStyle/>
+          <a:p>
+            <a:pPr algn="ctr"/>
+            <a:endParaRPr kumimoji="1" lang="ko-KR" altLang="en-US"/>
+          </a:p>
+        </p:txBody>
+      </p:sp>
+      <p:cxnSp>
+        <p:nvCxnSpPr>
+          <p:cNvPr id="3" name="직선 연결선[R] 2">
+            <a:extLst>
+              <a:ext uri="{FF2B5EF4-FFF2-40B4-BE49-F238E27FC236}">
+                <a16:creationId xmlns:a16="http://schemas.microsoft.com/office/drawing/2014/main" id="{703E2DF6-4AB2-EF49-A3C5-F19D70859C0E}"/>
+              </a:ext>
+            </a:extLst>
+          </p:cNvPr>
+          <p:cNvCxnSpPr/>
+          <p:nvPr/>
+        </p:nvCxnSpPr>
+        <p:spPr>
+          <a:xfrm>
+            <a:off x="4901105" y="5981148"/>
+            <a:ext cx="2403951" cy="0"/>
+          </a:xfrm>
+          <a:prstGeom prst="line">
+            <a:avLst/>
+          </a:prstGeom>
+          <a:ln w="12700">
+            <a:solidFill>
+              <a:schemeClr val="bg1">
+                <a:lumMod val="75000"/>
+              </a:schemeClr>
+            </a:solidFill>
+          </a:ln>
+        </p:spPr>
+        <p:style>
+          <a:lnRef idx="1">
+            <a:schemeClr val="accent1"/>
+          </a:lnRef>
+          <a:fillRef idx="0">
+            <a:schemeClr val="accent1"/>
+          </a:fillRef>
+          <a:effectRef idx="0">
+            <a:schemeClr val="accent1"/>
+          </a:effectRef>
+          <a:fontRef idx="minor">
+            <a:schemeClr val="tx1"/>
+          </a:fontRef>
+        </p:style>
+      </p:cxnSp>
+      <p:sp>
+        <p:nvSpPr>
+          <p:cNvPr id="28" name="모서리가 둥근 직사각형 27">
+            <a:extLst>
+              <a:ext uri="{FF2B5EF4-FFF2-40B4-BE49-F238E27FC236}">
+                <a16:creationId xmlns:a16="http://schemas.microsoft.com/office/drawing/2014/main" id="{777FA8F5-1A96-B147-83BA-21C0D5D60CB4}"/>
+              </a:ext>
+            </a:extLst>
+          </p:cNvPr>
+          <p:cNvSpPr/>
+          <p:nvPr/>
+        </p:nvSpPr>
+        <p:spPr>
+          <a:xfrm>
+            <a:off x="5079422" y="4480886"/>
+            <a:ext cx="2033155" cy="484040"/>
+          </a:xfrm>
+          <a:prstGeom prst="roundRect">
+            <a:avLst>
+              <a:gd name="adj" fmla="val 12230"/>
+            </a:avLst>
+          </a:prstGeom>
+          <a:solidFill>
+            <a:schemeClr val="bg1"/>
+          </a:solidFill>
+          <a:ln>
+            <a:solidFill>
+              <a:schemeClr val="bg1">
+                <a:lumMod val="75000"/>
+              </a:schemeClr>
+            </a:solidFill>
+          </a:ln>
+        </p:spPr>
+        <p:style>
+          <a:lnRef idx="2">
+            <a:schemeClr val="accent1">
+              <a:shade val="50000"/>
+            </a:schemeClr>
+          </a:lnRef>
+          <a:fillRef idx="1">
+            <a:schemeClr val="accent1"/>
+          </a:fillRef>
+          <a:effectRef idx="0">
+            <a:schemeClr val="accent1"/>
+          </a:effectRef>
+          <a:fontRef idx="minor">
+            <a:schemeClr val="lt1"/>
+          </a:fontRef>
+        </p:style>
+        <p:txBody>
+          <a:bodyPr rot="0" spcFirstLastPara="0" vertOverflow="overflow" horzOverflow="overflow" vert="horz" wrap="square" lIns="91440" tIns="45720" rIns="91440" bIns="45720" numCol="1" spcCol="0" rtlCol="0" fromWordArt="0" anchor="ctr" anchorCtr="0" forceAA="0" compatLnSpc="1">
+            <a:prstTxWarp prst="textNoShape">
+              <a:avLst/>
+            </a:prstTxWarp>
+            <a:noAutofit/>
+          </a:bodyPr>
+          <a:lstStyle/>
+          <a:p>
+            <a:r>
               <a:rPr kumimoji="1" lang="ko-KR" altLang="en-US" sz="1100" b="1" dirty="0">
                 <a:solidFill>
                   <a:schemeClr val="tx1">
@@ -7221,6 +8833,2028 @@
     <p:extLst>
       <p:ext uri="{BB962C8B-B14F-4D97-AF65-F5344CB8AC3E}">
         <p14:creationId xmlns:p14="http://schemas.microsoft.com/office/powerpoint/2010/main" val="372750629"/>
+      </p:ext>
+    </p:extLst>
+  </p:cSld>
+  <p:clrMapOvr>
+    <a:masterClrMapping/>
+  </p:clrMapOvr>
+</p:sld>
+</file>
+
+<file path=ppt/slides/slide6.xml><?xml version="1.0" encoding="utf-8"?>
+<p:sld xmlns:a="http://schemas.openxmlformats.org/drawingml/2006/main" xmlns:r="http://schemas.openxmlformats.org/officeDocument/2006/relationships" xmlns:p="http://schemas.openxmlformats.org/presentationml/2006/main">
+  <p:cSld>
+    <p:spTree>
+      <p:nvGrpSpPr>
+        <p:cNvPr id="1" name=""/>
+        <p:cNvGrpSpPr/>
+        <p:nvPr/>
+      </p:nvGrpSpPr>
+      <p:grpSpPr>
+        <a:xfrm>
+          <a:off x="0" y="0"/>
+          <a:ext cx="0" cy="0"/>
+          <a:chOff x="0" y="0"/>
+          <a:chExt cx="0" cy="0"/>
+        </a:xfrm>
+      </p:grpSpPr>
+      <p:sp>
+        <p:nvSpPr>
+          <p:cNvPr id="4" name="직사각형 3">
+            <a:extLst>
+              <a:ext uri="{FF2B5EF4-FFF2-40B4-BE49-F238E27FC236}">
+                <a16:creationId xmlns:a16="http://schemas.microsoft.com/office/drawing/2014/main" id="{EA2D8D37-742E-EF4A-A579-D4FCE47462A2}"/>
+              </a:ext>
+            </a:extLst>
+          </p:cNvPr>
+          <p:cNvSpPr/>
+          <p:nvPr/>
+        </p:nvSpPr>
+        <p:spPr>
+          <a:xfrm>
+            <a:off x="4894025" y="1312130"/>
+            <a:ext cx="2403951" cy="2333999"/>
+          </a:xfrm>
+          <a:prstGeom prst="rect">
+            <a:avLst/>
+          </a:prstGeom>
+          <a:solidFill>
+            <a:schemeClr val="bg1"/>
+          </a:solidFill>
+          <a:ln>
+            <a:solidFill>
+              <a:schemeClr val="bg1">
+                <a:lumMod val="75000"/>
+              </a:schemeClr>
+            </a:solidFill>
+          </a:ln>
+        </p:spPr>
+        <p:style>
+          <a:lnRef idx="2">
+            <a:schemeClr val="accent1">
+              <a:shade val="50000"/>
+            </a:schemeClr>
+          </a:lnRef>
+          <a:fillRef idx="1">
+            <a:schemeClr val="accent1"/>
+          </a:fillRef>
+          <a:effectRef idx="0">
+            <a:schemeClr val="accent1"/>
+          </a:effectRef>
+          <a:fontRef idx="minor">
+            <a:schemeClr val="lt1"/>
+          </a:fontRef>
+        </p:style>
+        <p:txBody>
+          <a:bodyPr rtlCol="0" anchor="ctr"/>
+          <a:lstStyle/>
+          <a:p>
+            <a:pPr algn="ctr"/>
+            <a:endParaRPr kumimoji="1" lang="ko-KR" altLang="en-US" dirty="0"/>
+          </a:p>
+        </p:txBody>
+      </p:sp>
+      <p:sp>
+        <p:nvSpPr>
+          <p:cNvPr id="5" name="직사각형 4">
+            <a:extLst>
+              <a:ext uri="{FF2B5EF4-FFF2-40B4-BE49-F238E27FC236}">
+                <a16:creationId xmlns:a16="http://schemas.microsoft.com/office/drawing/2014/main" id="{263AF4BD-43FD-F444-9213-EF34F45DC1F1}"/>
+              </a:ext>
+            </a:extLst>
+          </p:cNvPr>
+          <p:cNvSpPr/>
+          <p:nvPr/>
+        </p:nvSpPr>
+        <p:spPr>
+          <a:xfrm>
+            <a:off x="4894025" y="3716313"/>
+            <a:ext cx="2403951" cy="722021"/>
+          </a:xfrm>
+          <a:prstGeom prst="rect">
+            <a:avLst/>
+          </a:prstGeom>
+          <a:solidFill>
+            <a:schemeClr val="bg1"/>
+          </a:solidFill>
+          <a:ln>
+            <a:solidFill>
+              <a:schemeClr val="bg1">
+                <a:lumMod val="75000"/>
+              </a:schemeClr>
+            </a:solidFill>
+          </a:ln>
+        </p:spPr>
+        <p:style>
+          <a:lnRef idx="2">
+            <a:schemeClr val="accent1">
+              <a:shade val="50000"/>
+            </a:schemeClr>
+          </a:lnRef>
+          <a:fillRef idx="1">
+            <a:schemeClr val="accent1"/>
+          </a:fillRef>
+          <a:effectRef idx="0">
+            <a:schemeClr val="accent1"/>
+          </a:effectRef>
+          <a:fontRef idx="minor">
+            <a:schemeClr val="lt1"/>
+          </a:fontRef>
+        </p:style>
+        <p:txBody>
+          <a:bodyPr rtlCol="0" anchor="ctr"/>
+          <a:lstStyle/>
+          <a:p>
+            <a:pPr algn="ctr"/>
+            <a:endParaRPr kumimoji="1" lang="ko-KR" altLang="en-US" dirty="0"/>
+          </a:p>
+        </p:txBody>
+      </p:sp>
+      <p:sp>
+        <p:nvSpPr>
+          <p:cNvPr id="7" name="TextBox 6">
+            <a:extLst>
+              <a:ext uri="{FF2B5EF4-FFF2-40B4-BE49-F238E27FC236}">
+                <a16:creationId xmlns:a16="http://schemas.microsoft.com/office/drawing/2014/main" id="{71C06810-FA81-E844-8CB0-A63915BE67EA}"/>
+              </a:ext>
+            </a:extLst>
+          </p:cNvPr>
+          <p:cNvSpPr txBox="1"/>
+          <p:nvPr/>
+        </p:nvSpPr>
+        <p:spPr>
+          <a:xfrm>
+            <a:off x="5080205" y="3890953"/>
+            <a:ext cx="2045753" cy="246221"/>
+          </a:xfrm>
+          <a:prstGeom prst="rect">
+            <a:avLst/>
+          </a:prstGeom>
+          <a:noFill/>
+        </p:spPr>
+        <p:txBody>
+          <a:bodyPr wrap="none" rtlCol="0">
+            <a:spAutoFit/>
+          </a:bodyPr>
+          <a:lstStyle/>
+          <a:p>
+            <a:pPr algn="ctr"/>
+            <a:r>
+              <a:rPr kumimoji="1" lang="ko-KR" altLang="en-US" sz="1000" dirty="0"/>
+              <a:t>계정을 만들고 싶다면</a:t>
+            </a:r>
+            <a:r>
+              <a:rPr kumimoji="1" lang="en-US" altLang="ko-KR" sz="1000" dirty="0"/>
+              <a:t>?</a:t>
+            </a:r>
+            <a:r>
+              <a:rPr kumimoji="1" lang="ko-KR" altLang="en-US" sz="1000" dirty="0"/>
+              <a:t> </a:t>
+            </a:r>
+            <a:r>
+              <a:rPr kumimoji="1" lang="ko-KR" altLang="en-US" sz="1000" dirty="0">
+                <a:solidFill>
+                  <a:srgbClr val="00B0F0"/>
+                </a:solidFill>
+              </a:rPr>
+              <a:t>회원가입</a:t>
+            </a:r>
+          </a:p>
+        </p:txBody>
+      </p:sp>
+      <p:sp>
+        <p:nvSpPr>
+          <p:cNvPr id="12" name="모서리가 둥근 직사각형 11">
+            <a:extLst>
+              <a:ext uri="{FF2B5EF4-FFF2-40B4-BE49-F238E27FC236}">
+                <a16:creationId xmlns:a16="http://schemas.microsoft.com/office/drawing/2014/main" id="{C5488FC6-282C-7148-82F7-288317848D5E}"/>
+              </a:ext>
+            </a:extLst>
+          </p:cNvPr>
+          <p:cNvSpPr/>
+          <p:nvPr/>
+        </p:nvSpPr>
+        <p:spPr>
+          <a:xfrm>
+            <a:off x="5171838" y="3122738"/>
+            <a:ext cx="1848323" cy="234616"/>
+          </a:xfrm>
+          <a:prstGeom prst="roundRect">
+            <a:avLst>
+              <a:gd name="adj" fmla="val 12230"/>
+            </a:avLst>
+          </a:prstGeom>
+          <a:solidFill>
+            <a:srgbClr val="00A5FA"/>
+          </a:solidFill>
+          <a:ln>
+            <a:solidFill>
+              <a:srgbClr val="00B0F0"/>
+            </a:solidFill>
+          </a:ln>
+        </p:spPr>
+        <p:style>
+          <a:lnRef idx="2">
+            <a:schemeClr val="accent1">
+              <a:shade val="50000"/>
+            </a:schemeClr>
+          </a:lnRef>
+          <a:fillRef idx="1">
+            <a:schemeClr val="accent1"/>
+          </a:fillRef>
+          <a:effectRef idx="0">
+            <a:schemeClr val="accent1"/>
+          </a:effectRef>
+          <a:fontRef idx="minor">
+            <a:schemeClr val="lt1"/>
+          </a:fontRef>
+        </p:style>
+        <p:txBody>
+          <a:bodyPr rot="0" spcFirstLastPara="0" vertOverflow="overflow" horzOverflow="overflow" vert="horz" wrap="square" lIns="91440" tIns="45720" rIns="91440" bIns="45720" numCol="1" spcCol="0" rtlCol="0" fromWordArt="0" anchor="ctr" anchorCtr="0" forceAA="0" compatLnSpc="1">
+            <a:prstTxWarp prst="textNoShape">
+              <a:avLst/>
+            </a:prstTxWarp>
+            <a:noAutofit/>
+          </a:bodyPr>
+          <a:lstStyle/>
+          <a:p>
+            <a:pPr algn="ctr"/>
+            <a:r>
+              <a:rPr kumimoji="1" lang="ko-KR" altLang="en-US" sz="1000" dirty="0">
+                <a:solidFill>
+                  <a:schemeClr val="bg1"/>
+                </a:solidFill>
+              </a:rPr>
+              <a:t>로그인</a:t>
+            </a:r>
+          </a:p>
+        </p:txBody>
+      </p:sp>
+      <p:sp>
+        <p:nvSpPr>
+          <p:cNvPr id="13" name="TextBox 12">
+            <a:extLst>
+              <a:ext uri="{FF2B5EF4-FFF2-40B4-BE49-F238E27FC236}">
+                <a16:creationId xmlns:a16="http://schemas.microsoft.com/office/drawing/2014/main" id="{852B469B-6110-9446-A9BB-C28049DB396C}"/>
+              </a:ext>
+            </a:extLst>
+          </p:cNvPr>
+          <p:cNvSpPr txBox="1"/>
+          <p:nvPr/>
+        </p:nvSpPr>
+        <p:spPr>
+          <a:xfrm>
+            <a:off x="6405385" y="2831354"/>
+            <a:ext cx="673582" cy="184666"/>
+          </a:xfrm>
+          <a:prstGeom prst="rect">
+            <a:avLst/>
+          </a:prstGeom>
+          <a:noFill/>
+        </p:spPr>
+        <p:txBody>
+          <a:bodyPr wrap="none" rtlCol="0">
+            <a:spAutoFit/>
+          </a:bodyPr>
+          <a:lstStyle/>
+          <a:p>
+            <a:pPr algn="ctr"/>
+            <a:r>
+              <a:rPr kumimoji="1" lang="ko-KR" altLang="en-US" sz="600" dirty="0">
+                <a:solidFill>
+                  <a:srgbClr val="00B0F0"/>
+                </a:solidFill>
+              </a:rPr>
+              <a:t>비밀번호 찾기</a:t>
+            </a:r>
+          </a:p>
+        </p:txBody>
+      </p:sp>
+      <p:sp>
+        <p:nvSpPr>
+          <p:cNvPr id="14" name="TextBox 13">
+            <a:extLst>
+              <a:ext uri="{FF2B5EF4-FFF2-40B4-BE49-F238E27FC236}">
+                <a16:creationId xmlns:a16="http://schemas.microsoft.com/office/drawing/2014/main" id="{5B516E62-67EC-1843-A453-45B117B38417}"/>
+              </a:ext>
+            </a:extLst>
+          </p:cNvPr>
+          <p:cNvSpPr txBox="1"/>
+          <p:nvPr/>
+        </p:nvSpPr>
+        <p:spPr>
+          <a:xfrm>
+            <a:off x="5695893" y="1465272"/>
+            <a:ext cx="800219" cy="584775"/>
+          </a:xfrm>
+          <a:prstGeom prst="rect">
+            <a:avLst/>
+          </a:prstGeom>
+          <a:noFill/>
+        </p:spPr>
+        <p:txBody>
+          <a:bodyPr wrap="none" rtlCol="0">
+            <a:spAutoFit/>
+          </a:bodyPr>
+          <a:lstStyle/>
+          <a:p>
+            <a:pPr algn="ctr"/>
+            <a:r>
+              <a:rPr kumimoji="1" lang="ko-KR" altLang="en-US" sz="1600" b="1" dirty="0"/>
+              <a:t>활빈당</a:t>
+            </a:r>
+            <a:endParaRPr kumimoji="1" lang="en-US" altLang="ko-KR" sz="1600" b="1" dirty="0"/>
+          </a:p>
+          <a:p>
+            <a:pPr algn="ctr"/>
+            <a:r>
+              <a:rPr kumimoji="1" lang="ko-KR" altLang="en-US" sz="1600" b="1" dirty="0"/>
+              <a:t>입장</a:t>
+            </a:r>
+          </a:p>
+        </p:txBody>
+      </p:sp>
+      <p:sp>
+        <p:nvSpPr>
+          <p:cNvPr id="16" name="모서리가 둥근 직사각형 15">
+            <a:extLst>
+              <a:ext uri="{FF2B5EF4-FFF2-40B4-BE49-F238E27FC236}">
+                <a16:creationId xmlns:a16="http://schemas.microsoft.com/office/drawing/2014/main" id="{01A6D671-79C6-4C4A-AE77-03D0B7A9C7D5}"/>
+              </a:ext>
+            </a:extLst>
+          </p:cNvPr>
+          <p:cNvSpPr/>
+          <p:nvPr/>
+        </p:nvSpPr>
+        <p:spPr>
+          <a:xfrm>
+            <a:off x="5171838" y="2490570"/>
+            <a:ext cx="1848323" cy="234616"/>
+          </a:xfrm>
+          <a:prstGeom prst="roundRect">
+            <a:avLst>
+              <a:gd name="adj" fmla="val 12230"/>
+            </a:avLst>
+          </a:prstGeom>
+          <a:solidFill>
+            <a:srgbClr val="F6F6F6"/>
+          </a:solidFill>
+          <a:ln>
+            <a:solidFill>
+              <a:schemeClr val="bg1">
+                <a:lumMod val="75000"/>
+              </a:schemeClr>
+            </a:solidFill>
+          </a:ln>
+        </p:spPr>
+        <p:style>
+          <a:lnRef idx="2">
+            <a:schemeClr val="accent1">
+              <a:shade val="50000"/>
+            </a:schemeClr>
+          </a:lnRef>
+          <a:fillRef idx="1">
+            <a:schemeClr val="accent1"/>
+          </a:fillRef>
+          <a:effectRef idx="0">
+            <a:schemeClr val="accent1"/>
+          </a:effectRef>
+          <a:fontRef idx="minor">
+            <a:schemeClr val="lt1"/>
+          </a:fontRef>
+        </p:style>
+        <p:txBody>
+          <a:bodyPr rot="0" spcFirstLastPara="0" vertOverflow="overflow" horzOverflow="overflow" vert="horz" wrap="square" lIns="91440" tIns="45720" rIns="91440" bIns="45720" numCol="1" spcCol="0" rtlCol="0" fromWordArt="0" anchor="ctr" anchorCtr="0" forceAA="0" compatLnSpc="1">
+            <a:prstTxWarp prst="textNoShape">
+              <a:avLst/>
+            </a:prstTxWarp>
+            <a:noAutofit/>
+          </a:bodyPr>
+          <a:lstStyle/>
+          <a:p>
+            <a:pPr algn="ctr"/>
+            <a:r>
+              <a:rPr kumimoji="1" lang="en-US" altLang="ko-KR" sz="1000" dirty="0">
+                <a:solidFill>
+                  <a:schemeClr val="bg1">
+                    <a:lumMod val="50000"/>
+                  </a:schemeClr>
+                </a:solidFill>
+              </a:rPr>
+              <a:t>Password</a:t>
+            </a:r>
+            <a:endParaRPr kumimoji="1" lang="ko-KR" altLang="en-US" sz="1000" dirty="0">
+              <a:solidFill>
+                <a:schemeClr val="bg1">
+                  <a:lumMod val="50000"/>
+                </a:schemeClr>
+              </a:solidFill>
+            </a:endParaRPr>
+          </a:p>
+        </p:txBody>
+      </p:sp>
+      <p:sp>
+        <p:nvSpPr>
+          <p:cNvPr id="17" name="모서리가 둥근 직사각형 16">
+            <a:extLst>
+              <a:ext uri="{FF2B5EF4-FFF2-40B4-BE49-F238E27FC236}">
+                <a16:creationId xmlns:a16="http://schemas.microsoft.com/office/drawing/2014/main" id="{09C1CA4A-D32A-EF40-8921-7271B583A07F}"/>
+              </a:ext>
+            </a:extLst>
+          </p:cNvPr>
+          <p:cNvSpPr/>
+          <p:nvPr/>
+        </p:nvSpPr>
+        <p:spPr>
+          <a:xfrm>
+            <a:off x="5171838" y="2185770"/>
+            <a:ext cx="1848323" cy="234616"/>
+          </a:xfrm>
+          <a:prstGeom prst="roundRect">
+            <a:avLst>
+              <a:gd name="adj" fmla="val 12230"/>
+            </a:avLst>
+          </a:prstGeom>
+          <a:solidFill>
+            <a:srgbClr val="F6F6F6"/>
+          </a:solidFill>
+          <a:ln>
+            <a:solidFill>
+              <a:schemeClr val="bg1">
+                <a:lumMod val="75000"/>
+              </a:schemeClr>
+            </a:solidFill>
+          </a:ln>
+        </p:spPr>
+        <p:style>
+          <a:lnRef idx="2">
+            <a:schemeClr val="accent1">
+              <a:shade val="50000"/>
+            </a:schemeClr>
+          </a:lnRef>
+          <a:fillRef idx="1">
+            <a:schemeClr val="accent1"/>
+          </a:fillRef>
+          <a:effectRef idx="0">
+            <a:schemeClr val="accent1"/>
+          </a:effectRef>
+          <a:fontRef idx="minor">
+            <a:schemeClr val="lt1"/>
+          </a:fontRef>
+        </p:style>
+        <p:txBody>
+          <a:bodyPr rot="0" spcFirstLastPara="0" vertOverflow="overflow" horzOverflow="overflow" vert="horz" wrap="square" lIns="91440" tIns="45720" rIns="91440" bIns="45720" numCol="1" spcCol="0" rtlCol="0" fromWordArt="0" anchor="ctr" anchorCtr="0" forceAA="0" compatLnSpc="1">
+            <a:prstTxWarp prst="textNoShape">
+              <a:avLst/>
+            </a:prstTxWarp>
+            <a:noAutofit/>
+          </a:bodyPr>
+          <a:lstStyle/>
+          <a:p>
+            <a:pPr algn="ctr"/>
+            <a:r>
+              <a:rPr kumimoji="1" lang="en-US" altLang="ko-KR" sz="1000" dirty="0">
+                <a:solidFill>
+                  <a:schemeClr val="bg1">
+                    <a:lumMod val="50000"/>
+                  </a:schemeClr>
+                </a:solidFill>
+              </a:rPr>
+              <a:t>Username</a:t>
+            </a:r>
+            <a:endParaRPr kumimoji="1" lang="ko-KR" altLang="en-US" sz="1000" dirty="0">
+              <a:solidFill>
+                <a:schemeClr val="bg1">
+                  <a:lumMod val="50000"/>
+                </a:schemeClr>
+              </a:solidFill>
+            </a:endParaRPr>
+          </a:p>
+        </p:txBody>
+      </p:sp>
+      <p:sp>
+        <p:nvSpPr>
+          <p:cNvPr id="18" name="TextBox 17">
+            <a:extLst>
+              <a:ext uri="{FF2B5EF4-FFF2-40B4-BE49-F238E27FC236}">
+                <a16:creationId xmlns:a16="http://schemas.microsoft.com/office/drawing/2014/main" id="{64FA5B03-79E4-524D-960A-19138A7FD148}"/>
+              </a:ext>
+            </a:extLst>
+          </p:cNvPr>
+          <p:cNvSpPr txBox="1"/>
+          <p:nvPr/>
+        </p:nvSpPr>
+        <p:spPr>
+          <a:xfrm>
+            <a:off x="5525535" y="4131895"/>
+            <a:ext cx="1141659" cy="253916"/>
+          </a:xfrm>
+          <a:prstGeom prst="rect">
+            <a:avLst/>
+          </a:prstGeom>
+          <a:noFill/>
+        </p:spPr>
+        <p:txBody>
+          <a:bodyPr wrap="none" rtlCol="0">
+            <a:spAutoFit/>
+          </a:bodyPr>
+          <a:lstStyle/>
+          <a:p>
+            <a:r>
+              <a:rPr kumimoji="1" lang="en-US" altLang="ko-KR" sz="1050" dirty="0">
+                <a:solidFill>
+                  <a:schemeClr val="bg1">
+                    <a:lumMod val="50000"/>
+                  </a:schemeClr>
+                </a:solidFill>
+              </a:rPr>
+              <a:t>@ </a:t>
+            </a:r>
+            <a:r>
+              <a:rPr kumimoji="1" lang="en-US" altLang="ko-KR" sz="1050" dirty="0" err="1">
+                <a:solidFill>
+                  <a:schemeClr val="bg1">
+                    <a:lumMod val="50000"/>
+                  </a:schemeClr>
+                </a:solidFill>
+              </a:rPr>
+              <a:t>about_JCube</a:t>
+            </a:r>
+            <a:endParaRPr kumimoji="1" lang="en-US" altLang="ko-KR" sz="1050" dirty="0">
+              <a:solidFill>
+                <a:schemeClr val="bg1">
+                  <a:lumMod val="50000"/>
+                </a:schemeClr>
+              </a:solidFill>
+            </a:endParaRPr>
+          </a:p>
+        </p:txBody>
+      </p:sp>
+      <p:sp>
+        <p:nvSpPr>
+          <p:cNvPr id="20" name="직사각형 19">
+            <a:extLst>
+              <a:ext uri="{FF2B5EF4-FFF2-40B4-BE49-F238E27FC236}">
+                <a16:creationId xmlns:a16="http://schemas.microsoft.com/office/drawing/2014/main" id="{0E76A8CE-9DC1-A14E-991E-0850C142A1F5}"/>
+              </a:ext>
+            </a:extLst>
+          </p:cNvPr>
+          <p:cNvSpPr/>
+          <p:nvPr/>
+        </p:nvSpPr>
+        <p:spPr>
+          <a:xfrm>
+            <a:off x="4894025" y="4519769"/>
+            <a:ext cx="2403951" cy="722021"/>
+          </a:xfrm>
+          <a:prstGeom prst="rect">
+            <a:avLst/>
+          </a:prstGeom>
+          <a:solidFill>
+            <a:schemeClr val="bg1"/>
+          </a:solidFill>
+          <a:ln>
+            <a:solidFill>
+              <a:schemeClr val="bg1">
+                <a:lumMod val="75000"/>
+              </a:schemeClr>
+            </a:solidFill>
+          </a:ln>
+        </p:spPr>
+        <p:style>
+          <a:lnRef idx="2">
+            <a:schemeClr val="accent1">
+              <a:shade val="50000"/>
+            </a:schemeClr>
+          </a:lnRef>
+          <a:fillRef idx="1">
+            <a:schemeClr val="accent1"/>
+          </a:fillRef>
+          <a:effectRef idx="0">
+            <a:schemeClr val="accent1"/>
+          </a:effectRef>
+          <a:fontRef idx="minor">
+            <a:schemeClr val="lt1"/>
+          </a:fontRef>
+        </p:style>
+        <p:txBody>
+          <a:bodyPr rtlCol="0" anchor="ctr"/>
+          <a:lstStyle/>
+          <a:p>
+            <a:pPr algn="ctr"/>
+            <a:endParaRPr kumimoji="1" lang="ko-KR" altLang="en-US" dirty="0"/>
+          </a:p>
+        </p:txBody>
+      </p:sp>
+      <p:sp>
+        <p:nvSpPr>
+          <p:cNvPr id="23" name="모서리가 둥근 직사각형 22">
+            <a:extLst>
+              <a:ext uri="{FF2B5EF4-FFF2-40B4-BE49-F238E27FC236}">
+                <a16:creationId xmlns:a16="http://schemas.microsoft.com/office/drawing/2014/main" id="{3EA0C1BB-7DFA-4746-99C8-64EED33E39BD}"/>
+              </a:ext>
+            </a:extLst>
+          </p:cNvPr>
+          <p:cNvSpPr/>
+          <p:nvPr/>
+        </p:nvSpPr>
+        <p:spPr>
+          <a:xfrm>
+            <a:off x="5171838" y="4724642"/>
+            <a:ext cx="1848323" cy="312275"/>
+          </a:xfrm>
+          <a:prstGeom prst="roundRect">
+            <a:avLst>
+              <a:gd name="adj" fmla="val 12230"/>
+            </a:avLst>
+          </a:prstGeom>
+          <a:solidFill>
+            <a:srgbClr val="00A5FA"/>
+          </a:solidFill>
+          <a:ln>
+            <a:solidFill>
+              <a:srgbClr val="00B0F0"/>
+            </a:solidFill>
+          </a:ln>
+        </p:spPr>
+        <p:style>
+          <a:lnRef idx="2">
+            <a:schemeClr val="accent1">
+              <a:shade val="50000"/>
+            </a:schemeClr>
+          </a:lnRef>
+          <a:fillRef idx="1">
+            <a:schemeClr val="accent1"/>
+          </a:fillRef>
+          <a:effectRef idx="0">
+            <a:schemeClr val="accent1"/>
+          </a:effectRef>
+          <a:fontRef idx="minor">
+            <a:schemeClr val="lt1"/>
+          </a:fontRef>
+        </p:style>
+        <p:txBody>
+          <a:bodyPr rot="0" spcFirstLastPara="0" vertOverflow="overflow" horzOverflow="overflow" vert="horz" wrap="square" lIns="91440" tIns="45720" rIns="91440" bIns="45720" numCol="1" spcCol="0" rtlCol="0" fromWordArt="0" anchor="ctr" anchorCtr="0" forceAA="0" compatLnSpc="1">
+            <a:prstTxWarp prst="textNoShape">
+              <a:avLst/>
+            </a:prstTxWarp>
+            <a:noAutofit/>
+          </a:bodyPr>
+          <a:lstStyle/>
+          <a:p>
+            <a:pPr algn="ctr"/>
+            <a:r>
+              <a:rPr kumimoji="1" lang="ko-KR" altLang="en-US" sz="1000" b="1" dirty="0">
+                <a:solidFill>
+                  <a:schemeClr val="bg1"/>
+                </a:solidFill>
+              </a:rPr>
+              <a:t>비회원 입장</a:t>
+            </a:r>
+          </a:p>
+        </p:txBody>
+      </p:sp>
+    </p:spTree>
+    <p:extLst>
+      <p:ext uri="{BB962C8B-B14F-4D97-AF65-F5344CB8AC3E}">
+        <p14:creationId xmlns:p14="http://schemas.microsoft.com/office/powerpoint/2010/main" val="2207132643"/>
+      </p:ext>
+    </p:extLst>
+  </p:cSld>
+  <p:clrMapOvr>
+    <a:masterClrMapping/>
+  </p:clrMapOvr>
+</p:sld>
+</file>
+
+<file path=ppt/slides/slide7.xml><?xml version="1.0" encoding="utf-8"?>
+<p:sld xmlns:a="http://schemas.openxmlformats.org/drawingml/2006/main" xmlns:r="http://schemas.openxmlformats.org/officeDocument/2006/relationships" xmlns:p="http://schemas.openxmlformats.org/presentationml/2006/main">
+  <p:cSld>
+    <p:spTree>
+      <p:nvGrpSpPr>
+        <p:cNvPr id="1" name=""/>
+        <p:cNvGrpSpPr/>
+        <p:nvPr/>
+      </p:nvGrpSpPr>
+      <p:grpSpPr>
+        <a:xfrm>
+          <a:off x="0" y="0"/>
+          <a:ext cx="0" cy="0"/>
+          <a:chOff x="0" y="0"/>
+          <a:chExt cx="0" cy="0"/>
+        </a:xfrm>
+      </p:grpSpPr>
+      <p:sp>
+        <p:nvSpPr>
+          <p:cNvPr id="22" name="직사각형 21">
+            <a:extLst>
+              <a:ext uri="{FF2B5EF4-FFF2-40B4-BE49-F238E27FC236}">
+                <a16:creationId xmlns:a16="http://schemas.microsoft.com/office/drawing/2014/main" id="{67DAD890-3198-BA45-93A2-9FC369045AAE}"/>
+              </a:ext>
+            </a:extLst>
+          </p:cNvPr>
+          <p:cNvSpPr/>
+          <p:nvPr/>
+        </p:nvSpPr>
+        <p:spPr>
+          <a:xfrm>
+            <a:off x="4894025" y="1312130"/>
+            <a:ext cx="2403951" cy="2333999"/>
+          </a:xfrm>
+          <a:prstGeom prst="rect">
+            <a:avLst/>
+          </a:prstGeom>
+          <a:solidFill>
+            <a:schemeClr val="bg1"/>
+          </a:solidFill>
+          <a:ln>
+            <a:solidFill>
+              <a:schemeClr val="bg1">
+                <a:lumMod val="75000"/>
+              </a:schemeClr>
+            </a:solidFill>
+          </a:ln>
+        </p:spPr>
+        <p:style>
+          <a:lnRef idx="2">
+            <a:schemeClr val="accent1">
+              <a:shade val="50000"/>
+            </a:schemeClr>
+          </a:lnRef>
+          <a:fillRef idx="1">
+            <a:schemeClr val="accent1"/>
+          </a:fillRef>
+          <a:effectRef idx="0">
+            <a:schemeClr val="accent1"/>
+          </a:effectRef>
+          <a:fontRef idx="minor">
+            <a:schemeClr val="lt1"/>
+          </a:fontRef>
+        </p:style>
+        <p:txBody>
+          <a:bodyPr rtlCol="0" anchor="ctr"/>
+          <a:lstStyle/>
+          <a:p>
+            <a:pPr algn="ctr"/>
+            <a:endParaRPr kumimoji="1" lang="ko-KR" altLang="en-US" dirty="0"/>
+          </a:p>
+        </p:txBody>
+      </p:sp>
+      <p:sp>
+        <p:nvSpPr>
+          <p:cNvPr id="23" name="TextBox 22">
+            <a:extLst>
+              <a:ext uri="{FF2B5EF4-FFF2-40B4-BE49-F238E27FC236}">
+                <a16:creationId xmlns:a16="http://schemas.microsoft.com/office/drawing/2014/main" id="{0A800E18-9E00-4141-8070-3B6B1C9ADF94}"/>
+              </a:ext>
+            </a:extLst>
+          </p:cNvPr>
+          <p:cNvSpPr txBox="1"/>
+          <p:nvPr/>
+        </p:nvSpPr>
+        <p:spPr>
+          <a:xfrm>
+            <a:off x="5695893" y="1465272"/>
+            <a:ext cx="800219" cy="584775"/>
+          </a:xfrm>
+          <a:prstGeom prst="rect">
+            <a:avLst/>
+          </a:prstGeom>
+          <a:noFill/>
+        </p:spPr>
+        <p:txBody>
+          <a:bodyPr wrap="none" rtlCol="0">
+            <a:spAutoFit/>
+          </a:bodyPr>
+          <a:lstStyle/>
+          <a:p>
+            <a:pPr algn="ctr"/>
+            <a:r>
+              <a:rPr kumimoji="1" lang="ko-KR" altLang="en-US" sz="1600" b="1" dirty="0"/>
+              <a:t>활빈당</a:t>
+            </a:r>
+            <a:endParaRPr kumimoji="1" lang="en-US" altLang="ko-KR" sz="1600" b="1" dirty="0"/>
+          </a:p>
+          <a:p>
+            <a:pPr algn="ctr"/>
+            <a:r>
+              <a:rPr kumimoji="1" lang="ko-KR" altLang="en-US" sz="1600" b="1" dirty="0"/>
+              <a:t>입장</a:t>
+            </a:r>
+          </a:p>
+        </p:txBody>
+      </p:sp>
+      <p:sp>
+        <p:nvSpPr>
+          <p:cNvPr id="10" name="모서리가 둥근 직사각형 9">
+            <a:extLst>
+              <a:ext uri="{FF2B5EF4-FFF2-40B4-BE49-F238E27FC236}">
+                <a16:creationId xmlns:a16="http://schemas.microsoft.com/office/drawing/2014/main" id="{C5146231-6C8A-1246-B88B-938550474F2E}"/>
+              </a:ext>
+            </a:extLst>
+          </p:cNvPr>
+          <p:cNvSpPr/>
+          <p:nvPr/>
+        </p:nvSpPr>
+        <p:spPr>
+          <a:xfrm>
+            <a:off x="5171838" y="2489791"/>
+            <a:ext cx="1848323" cy="234616"/>
+          </a:xfrm>
+          <a:prstGeom prst="roundRect">
+            <a:avLst>
+              <a:gd name="adj" fmla="val 12230"/>
+            </a:avLst>
+          </a:prstGeom>
+          <a:solidFill>
+            <a:srgbClr val="F6F6F6"/>
+          </a:solidFill>
+          <a:ln>
+            <a:solidFill>
+              <a:schemeClr val="bg1">
+                <a:lumMod val="75000"/>
+              </a:schemeClr>
+            </a:solidFill>
+          </a:ln>
+        </p:spPr>
+        <p:style>
+          <a:lnRef idx="2">
+            <a:schemeClr val="accent1">
+              <a:shade val="50000"/>
+            </a:schemeClr>
+          </a:lnRef>
+          <a:fillRef idx="1">
+            <a:schemeClr val="accent1"/>
+          </a:fillRef>
+          <a:effectRef idx="0">
+            <a:schemeClr val="accent1"/>
+          </a:effectRef>
+          <a:fontRef idx="minor">
+            <a:schemeClr val="lt1"/>
+          </a:fontRef>
+        </p:style>
+        <p:txBody>
+          <a:bodyPr rot="0" spcFirstLastPara="0" vertOverflow="overflow" horzOverflow="overflow" vert="horz" wrap="square" lIns="91440" tIns="45720" rIns="91440" bIns="45720" numCol="1" spcCol="0" rtlCol="0" fromWordArt="0" anchor="ctr" anchorCtr="0" forceAA="0" compatLnSpc="1">
+            <a:prstTxWarp prst="textNoShape">
+              <a:avLst/>
+            </a:prstTxWarp>
+            <a:noAutofit/>
+          </a:bodyPr>
+          <a:lstStyle/>
+          <a:p>
+            <a:pPr algn="ctr"/>
+            <a:r>
+              <a:rPr kumimoji="1" lang="en-US" altLang="ko-KR" sz="1000" dirty="0">
+                <a:solidFill>
+                  <a:schemeClr val="bg1">
+                    <a:lumMod val="50000"/>
+                  </a:schemeClr>
+                </a:solidFill>
+              </a:rPr>
+              <a:t>Password</a:t>
+            </a:r>
+            <a:endParaRPr kumimoji="1" lang="ko-KR" altLang="en-US" sz="1000" dirty="0">
+              <a:solidFill>
+                <a:schemeClr val="bg1">
+                  <a:lumMod val="50000"/>
+                </a:schemeClr>
+              </a:solidFill>
+            </a:endParaRPr>
+          </a:p>
+        </p:txBody>
+      </p:sp>
+      <p:sp>
+        <p:nvSpPr>
+          <p:cNvPr id="11" name="모서리가 둥근 직사각형 10">
+            <a:extLst>
+              <a:ext uri="{FF2B5EF4-FFF2-40B4-BE49-F238E27FC236}">
+                <a16:creationId xmlns:a16="http://schemas.microsoft.com/office/drawing/2014/main" id="{431DDE67-59BE-C741-A92A-B9FDB6578F05}"/>
+              </a:ext>
+            </a:extLst>
+          </p:cNvPr>
+          <p:cNvSpPr/>
+          <p:nvPr/>
+        </p:nvSpPr>
+        <p:spPr>
+          <a:xfrm>
+            <a:off x="5171838" y="2184991"/>
+            <a:ext cx="1848323" cy="234616"/>
+          </a:xfrm>
+          <a:prstGeom prst="roundRect">
+            <a:avLst>
+              <a:gd name="adj" fmla="val 12230"/>
+            </a:avLst>
+          </a:prstGeom>
+          <a:solidFill>
+            <a:srgbClr val="F6F6F6"/>
+          </a:solidFill>
+          <a:ln>
+            <a:solidFill>
+              <a:schemeClr val="bg1">
+                <a:lumMod val="75000"/>
+              </a:schemeClr>
+            </a:solidFill>
+          </a:ln>
+        </p:spPr>
+        <p:style>
+          <a:lnRef idx="2">
+            <a:schemeClr val="accent1">
+              <a:shade val="50000"/>
+            </a:schemeClr>
+          </a:lnRef>
+          <a:fillRef idx="1">
+            <a:schemeClr val="accent1"/>
+          </a:fillRef>
+          <a:effectRef idx="0">
+            <a:schemeClr val="accent1"/>
+          </a:effectRef>
+          <a:fontRef idx="minor">
+            <a:schemeClr val="lt1"/>
+          </a:fontRef>
+        </p:style>
+        <p:txBody>
+          <a:bodyPr rot="0" spcFirstLastPara="0" vertOverflow="overflow" horzOverflow="overflow" vert="horz" wrap="square" lIns="91440" tIns="45720" rIns="91440" bIns="45720" numCol="1" spcCol="0" rtlCol="0" fromWordArt="0" anchor="ctr" anchorCtr="0" forceAA="0" compatLnSpc="1">
+            <a:prstTxWarp prst="textNoShape">
+              <a:avLst/>
+            </a:prstTxWarp>
+            <a:noAutofit/>
+          </a:bodyPr>
+          <a:lstStyle/>
+          <a:p>
+            <a:pPr algn="ctr"/>
+            <a:r>
+              <a:rPr kumimoji="1" lang="en-US" altLang="ko-KR" sz="1000" dirty="0">
+                <a:solidFill>
+                  <a:schemeClr val="bg1">
+                    <a:lumMod val="50000"/>
+                  </a:schemeClr>
+                </a:solidFill>
+              </a:rPr>
+              <a:t>Username</a:t>
+            </a:r>
+            <a:endParaRPr kumimoji="1" lang="ko-KR" altLang="en-US" sz="1000" dirty="0">
+              <a:solidFill>
+                <a:schemeClr val="bg1">
+                  <a:lumMod val="50000"/>
+                </a:schemeClr>
+              </a:solidFill>
+            </a:endParaRPr>
+          </a:p>
+        </p:txBody>
+      </p:sp>
+      <p:sp>
+        <p:nvSpPr>
+          <p:cNvPr id="12" name="모서리가 둥근 직사각형 11">
+            <a:extLst>
+              <a:ext uri="{FF2B5EF4-FFF2-40B4-BE49-F238E27FC236}">
+                <a16:creationId xmlns:a16="http://schemas.microsoft.com/office/drawing/2014/main" id="{C5488FC6-282C-7148-82F7-288317848D5E}"/>
+              </a:ext>
+            </a:extLst>
+          </p:cNvPr>
+          <p:cNvSpPr/>
+          <p:nvPr/>
+        </p:nvSpPr>
+        <p:spPr>
+          <a:xfrm>
+            <a:off x="5171838" y="3121959"/>
+            <a:ext cx="1848323" cy="234616"/>
+          </a:xfrm>
+          <a:prstGeom prst="roundRect">
+            <a:avLst>
+              <a:gd name="adj" fmla="val 12230"/>
+            </a:avLst>
+          </a:prstGeom>
+          <a:solidFill>
+            <a:srgbClr val="00A5FA"/>
+          </a:solidFill>
+          <a:ln>
+            <a:solidFill>
+              <a:srgbClr val="00B0F0"/>
+            </a:solidFill>
+          </a:ln>
+        </p:spPr>
+        <p:style>
+          <a:lnRef idx="2">
+            <a:schemeClr val="accent1">
+              <a:shade val="50000"/>
+            </a:schemeClr>
+          </a:lnRef>
+          <a:fillRef idx="1">
+            <a:schemeClr val="accent1"/>
+          </a:fillRef>
+          <a:effectRef idx="0">
+            <a:schemeClr val="accent1"/>
+          </a:effectRef>
+          <a:fontRef idx="minor">
+            <a:schemeClr val="lt1"/>
+          </a:fontRef>
+        </p:style>
+        <p:txBody>
+          <a:bodyPr rot="0" spcFirstLastPara="0" vertOverflow="overflow" horzOverflow="overflow" vert="horz" wrap="square" lIns="91440" tIns="45720" rIns="91440" bIns="45720" numCol="1" spcCol="0" rtlCol="0" fromWordArt="0" anchor="ctr" anchorCtr="0" forceAA="0" compatLnSpc="1">
+            <a:prstTxWarp prst="textNoShape">
+              <a:avLst/>
+            </a:prstTxWarp>
+            <a:noAutofit/>
+          </a:bodyPr>
+          <a:lstStyle/>
+          <a:p>
+            <a:pPr algn="ctr"/>
+            <a:r>
+              <a:rPr kumimoji="1" lang="ko-KR" altLang="en-US" sz="1000" dirty="0">
+                <a:solidFill>
+                  <a:schemeClr val="bg1"/>
+                </a:solidFill>
+              </a:rPr>
+              <a:t>로그인</a:t>
+            </a:r>
+          </a:p>
+        </p:txBody>
+      </p:sp>
+      <p:sp>
+        <p:nvSpPr>
+          <p:cNvPr id="17" name="모서리가 둥근 직사각형 16">
+            <a:extLst>
+              <a:ext uri="{FF2B5EF4-FFF2-40B4-BE49-F238E27FC236}">
+                <a16:creationId xmlns:a16="http://schemas.microsoft.com/office/drawing/2014/main" id="{E2BABE5E-2C5B-1544-9595-954E364F1BF3}"/>
+              </a:ext>
+            </a:extLst>
+          </p:cNvPr>
+          <p:cNvSpPr/>
+          <p:nvPr/>
+        </p:nvSpPr>
+        <p:spPr>
+          <a:xfrm>
+            <a:off x="5171838" y="2788037"/>
+            <a:ext cx="1848323" cy="234616"/>
+          </a:xfrm>
+          <a:prstGeom prst="roundRect">
+            <a:avLst>
+              <a:gd name="adj" fmla="val 12230"/>
+            </a:avLst>
+          </a:prstGeom>
+          <a:solidFill>
+            <a:srgbClr val="F6F6F6"/>
+          </a:solidFill>
+          <a:ln>
+            <a:solidFill>
+              <a:schemeClr val="bg1">
+                <a:lumMod val="75000"/>
+              </a:schemeClr>
+            </a:solidFill>
+          </a:ln>
+        </p:spPr>
+        <p:style>
+          <a:lnRef idx="2">
+            <a:schemeClr val="accent1">
+              <a:shade val="50000"/>
+            </a:schemeClr>
+          </a:lnRef>
+          <a:fillRef idx="1">
+            <a:schemeClr val="accent1"/>
+          </a:fillRef>
+          <a:effectRef idx="0">
+            <a:schemeClr val="accent1"/>
+          </a:effectRef>
+          <a:fontRef idx="minor">
+            <a:schemeClr val="lt1"/>
+          </a:fontRef>
+        </p:style>
+        <p:txBody>
+          <a:bodyPr rot="0" spcFirstLastPara="0" vertOverflow="overflow" horzOverflow="overflow" vert="horz" wrap="square" lIns="91440" tIns="45720" rIns="91440" bIns="45720" numCol="1" spcCol="0" rtlCol="0" fromWordArt="0" anchor="ctr" anchorCtr="0" forceAA="0" compatLnSpc="1">
+            <a:prstTxWarp prst="textNoShape">
+              <a:avLst/>
+            </a:prstTxWarp>
+            <a:noAutofit/>
+          </a:bodyPr>
+          <a:lstStyle/>
+          <a:p>
+            <a:pPr algn="ctr"/>
+            <a:r>
+              <a:rPr kumimoji="1" lang="en-US" altLang="ko-KR" sz="1000" dirty="0">
+                <a:solidFill>
+                  <a:schemeClr val="bg1">
+                    <a:lumMod val="50000"/>
+                  </a:schemeClr>
+                </a:solidFill>
+              </a:rPr>
+              <a:t>Confirm Password</a:t>
+            </a:r>
+            <a:endParaRPr kumimoji="1" lang="ko-KR" altLang="en-US" sz="1000" dirty="0">
+              <a:solidFill>
+                <a:schemeClr val="bg1">
+                  <a:lumMod val="50000"/>
+                </a:schemeClr>
+              </a:solidFill>
+            </a:endParaRPr>
+          </a:p>
+        </p:txBody>
+      </p:sp>
+      <p:sp>
+        <p:nvSpPr>
+          <p:cNvPr id="13" name="직사각형 12">
+            <a:extLst>
+              <a:ext uri="{FF2B5EF4-FFF2-40B4-BE49-F238E27FC236}">
+                <a16:creationId xmlns:a16="http://schemas.microsoft.com/office/drawing/2014/main" id="{C1198BDD-CC97-3E43-A063-3FFF1B53F206}"/>
+              </a:ext>
+            </a:extLst>
+          </p:cNvPr>
+          <p:cNvSpPr/>
+          <p:nvPr/>
+        </p:nvSpPr>
+        <p:spPr>
+          <a:xfrm>
+            <a:off x="4894025" y="3716313"/>
+            <a:ext cx="2403951" cy="722021"/>
+          </a:xfrm>
+          <a:prstGeom prst="rect">
+            <a:avLst/>
+          </a:prstGeom>
+          <a:solidFill>
+            <a:schemeClr val="bg1"/>
+          </a:solidFill>
+          <a:ln>
+            <a:solidFill>
+              <a:schemeClr val="bg1">
+                <a:lumMod val="75000"/>
+              </a:schemeClr>
+            </a:solidFill>
+          </a:ln>
+        </p:spPr>
+        <p:style>
+          <a:lnRef idx="2">
+            <a:schemeClr val="accent1">
+              <a:shade val="50000"/>
+            </a:schemeClr>
+          </a:lnRef>
+          <a:fillRef idx="1">
+            <a:schemeClr val="accent1"/>
+          </a:fillRef>
+          <a:effectRef idx="0">
+            <a:schemeClr val="accent1"/>
+          </a:effectRef>
+          <a:fontRef idx="minor">
+            <a:schemeClr val="lt1"/>
+          </a:fontRef>
+        </p:style>
+        <p:txBody>
+          <a:bodyPr rtlCol="0" anchor="ctr"/>
+          <a:lstStyle/>
+          <a:p>
+            <a:pPr algn="ctr"/>
+            <a:endParaRPr kumimoji="1" lang="ko-KR" altLang="en-US" dirty="0"/>
+          </a:p>
+        </p:txBody>
+      </p:sp>
+      <p:sp>
+        <p:nvSpPr>
+          <p:cNvPr id="14" name="TextBox 13">
+            <a:extLst>
+              <a:ext uri="{FF2B5EF4-FFF2-40B4-BE49-F238E27FC236}">
+                <a16:creationId xmlns:a16="http://schemas.microsoft.com/office/drawing/2014/main" id="{2D75EC22-FEC0-1C47-B79E-BF8D3F36BC3B}"/>
+              </a:ext>
+            </a:extLst>
+          </p:cNvPr>
+          <p:cNvSpPr txBox="1"/>
+          <p:nvPr/>
+        </p:nvSpPr>
+        <p:spPr>
+          <a:xfrm>
+            <a:off x="5080206" y="3890953"/>
+            <a:ext cx="2045753" cy="246221"/>
+          </a:xfrm>
+          <a:prstGeom prst="rect">
+            <a:avLst/>
+          </a:prstGeom>
+          <a:noFill/>
+        </p:spPr>
+        <p:txBody>
+          <a:bodyPr wrap="none" rtlCol="0">
+            <a:spAutoFit/>
+          </a:bodyPr>
+          <a:lstStyle/>
+          <a:p>
+            <a:pPr algn="ctr"/>
+            <a:r>
+              <a:rPr kumimoji="1" lang="ko-KR" altLang="en-US" sz="1000" dirty="0"/>
+              <a:t>있는 계정을 사용하려면</a:t>
+            </a:r>
+            <a:r>
+              <a:rPr kumimoji="1" lang="en-US" altLang="ko-KR" sz="1000" dirty="0"/>
+              <a:t>?</a:t>
+            </a:r>
+            <a:r>
+              <a:rPr kumimoji="1" lang="ko-KR" altLang="en-US" sz="1000" dirty="0"/>
+              <a:t> </a:t>
+            </a:r>
+            <a:r>
+              <a:rPr kumimoji="1" lang="ko-KR" altLang="en-US" sz="1000" dirty="0">
+                <a:solidFill>
+                  <a:srgbClr val="00B0F0"/>
+                </a:solidFill>
+              </a:rPr>
+              <a:t>로그인</a:t>
+            </a:r>
+          </a:p>
+        </p:txBody>
+      </p:sp>
+      <p:sp>
+        <p:nvSpPr>
+          <p:cNvPr id="15" name="TextBox 14">
+            <a:extLst>
+              <a:ext uri="{FF2B5EF4-FFF2-40B4-BE49-F238E27FC236}">
+                <a16:creationId xmlns:a16="http://schemas.microsoft.com/office/drawing/2014/main" id="{4B6ED008-8A6C-074B-B622-68BE2BA06CC7}"/>
+              </a:ext>
+            </a:extLst>
+          </p:cNvPr>
+          <p:cNvSpPr txBox="1"/>
+          <p:nvPr/>
+        </p:nvSpPr>
+        <p:spPr>
+          <a:xfrm>
+            <a:off x="5525535" y="4131895"/>
+            <a:ext cx="1141659" cy="253916"/>
+          </a:xfrm>
+          <a:prstGeom prst="rect">
+            <a:avLst/>
+          </a:prstGeom>
+          <a:noFill/>
+        </p:spPr>
+        <p:txBody>
+          <a:bodyPr wrap="none" rtlCol="0">
+            <a:spAutoFit/>
+          </a:bodyPr>
+          <a:lstStyle/>
+          <a:p>
+            <a:r>
+              <a:rPr kumimoji="1" lang="en-US" altLang="ko-KR" sz="1050" dirty="0">
+                <a:solidFill>
+                  <a:schemeClr val="bg1">
+                    <a:lumMod val="50000"/>
+                  </a:schemeClr>
+                </a:solidFill>
+              </a:rPr>
+              <a:t>@ </a:t>
+            </a:r>
+            <a:r>
+              <a:rPr kumimoji="1" lang="en-US" altLang="ko-KR" sz="1050" dirty="0" err="1">
+                <a:solidFill>
+                  <a:schemeClr val="bg1">
+                    <a:lumMod val="50000"/>
+                  </a:schemeClr>
+                </a:solidFill>
+              </a:rPr>
+              <a:t>about_JCube</a:t>
+            </a:r>
+            <a:endParaRPr kumimoji="1" lang="en-US" altLang="ko-KR" sz="1050" dirty="0">
+              <a:solidFill>
+                <a:schemeClr val="bg1">
+                  <a:lumMod val="50000"/>
+                </a:schemeClr>
+              </a:solidFill>
+            </a:endParaRPr>
+          </a:p>
+        </p:txBody>
+      </p:sp>
+      <p:sp>
+        <p:nvSpPr>
+          <p:cNvPr id="16" name="직사각형 15">
+            <a:extLst>
+              <a:ext uri="{FF2B5EF4-FFF2-40B4-BE49-F238E27FC236}">
+                <a16:creationId xmlns:a16="http://schemas.microsoft.com/office/drawing/2014/main" id="{C2A1CFDE-104A-6548-A6F5-86CCCD43C3C6}"/>
+              </a:ext>
+            </a:extLst>
+          </p:cNvPr>
+          <p:cNvSpPr/>
+          <p:nvPr/>
+        </p:nvSpPr>
+        <p:spPr>
+          <a:xfrm>
+            <a:off x="4894025" y="4519769"/>
+            <a:ext cx="2403951" cy="722021"/>
+          </a:xfrm>
+          <a:prstGeom prst="rect">
+            <a:avLst/>
+          </a:prstGeom>
+          <a:solidFill>
+            <a:schemeClr val="bg1"/>
+          </a:solidFill>
+          <a:ln>
+            <a:solidFill>
+              <a:schemeClr val="bg1">
+                <a:lumMod val="75000"/>
+              </a:schemeClr>
+            </a:solidFill>
+          </a:ln>
+        </p:spPr>
+        <p:style>
+          <a:lnRef idx="2">
+            <a:schemeClr val="accent1">
+              <a:shade val="50000"/>
+            </a:schemeClr>
+          </a:lnRef>
+          <a:fillRef idx="1">
+            <a:schemeClr val="accent1"/>
+          </a:fillRef>
+          <a:effectRef idx="0">
+            <a:schemeClr val="accent1"/>
+          </a:effectRef>
+          <a:fontRef idx="minor">
+            <a:schemeClr val="lt1"/>
+          </a:fontRef>
+        </p:style>
+        <p:txBody>
+          <a:bodyPr rtlCol="0" anchor="ctr"/>
+          <a:lstStyle/>
+          <a:p>
+            <a:pPr algn="ctr"/>
+            <a:endParaRPr kumimoji="1" lang="ko-KR" altLang="en-US" dirty="0"/>
+          </a:p>
+        </p:txBody>
+      </p:sp>
+      <p:sp>
+        <p:nvSpPr>
+          <p:cNvPr id="21" name="모서리가 둥근 직사각형 20">
+            <a:extLst>
+              <a:ext uri="{FF2B5EF4-FFF2-40B4-BE49-F238E27FC236}">
+                <a16:creationId xmlns:a16="http://schemas.microsoft.com/office/drawing/2014/main" id="{EA113DB3-6898-EF41-A8EF-F40F5C1C3CAA}"/>
+              </a:ext>
+            </a:extLst>
+          </p:cNvPr>
+          <p:cNvSpPr/>
+          <p:nvPr/>
+        </p:nvSpPr>
+        <p:spPr>
+          <a:xfrm>
+            <a:off x="5171838" y="4724642"/>
+            <a:ext cx="1848323" cy="312275"/>
+          </a:xfrm>
+          <a:prstGeom prst="roundRect">
+            <a:avLst>
+              <a:gd name="adj" fmla="val 12230"/>
+            </a:avLst>
+          </a:prstGeom>
+          <a:solidFill>
+            <a:srgbClr val="00A5FA"/>
+          </a:solidFill>
+          <a:ln>
+            <a:solidFill>
+              <a:srgbClr val="00B0F0"/>
+            </a:solidFill>
+          </a:ln>
+        </p:spPr>
+        <p:style>
+          <a:lnRef idx="2">
+            <a:schemeClr val="accent1">
+              <a:shade val="50000"/>
+            </a:schemeClr>
+          </a:lnRef>
+          <a:fillRef idx="1">
+            <a:schemeClr val="accent1"/>
+          </a:fillRef>
+          <a:effectRef idx="0">
+            <a:schemeClr val="accent1"/>
+          </a:effectRef>
+          <a:fontRef idx="minor">
+            <a:schemeClr val="lt1"/>
+          </a:fontRef>
+        </p:style>
+        <p:txBody>
+          <a:bodyPr rot="0" spcFirstLastPara="0" vertOverflow="overflow" horzOverflow="overflow" vert="horz" wrap="square" lIns="91440" tIns="45720" rIns="91440" bIns="45720" numCol="1" spcCol="0" rtlCol="0" fromWordArt="0" anchor="ctr" anchorCtr="0" forceAA="0" compatLnSpc="1">
+            <a:prstTxWarp prst="textNoShape">
+              <a:avLst/>
+            </a:prstTxWarp>
+            <a:noAutofit/>
+          </a:bodyPr>
+          <a:lstStyle/>
+          <a:p>
+            <a:pPr algn="ctr"/>
+            <a:r>
+              <a:rPr kumimoji="1" lang="ko-KR" altLang="en-US" sz="1000" b="1" dirty="0">
+                <a:solidFill>
+                  <a:schemeClr val="bg1"/>
+                </a:solidFill>
+              </a:rPr>
+              <a:t>비회원 입장</a:t>
+            </a:r>
+          </a:p>
+        </p:txBody>
+      </p:sp>
+    </p:spTree>
+    <p:extLst>
+      <p:ext uri="{BB962C8B-B14F-4D97-AF65-F5344CB8AC3E}">
+        <p14:creationId xmlns:p14="http://schemas.microsoft.com/office/powerpoint/2010/main" val="3964479482"/>
+      </p:ext>
+    </p:extLst>
+  </p:cSld>
+  <p:clrMapOvr>
+    <a:masterClrMapping/>
+  </p:clrMapOvr>
+</p:sld>
+</file>
+
+<file path=ppt/slides/slide8.xml><?xml version="1.0" encoding="utf-8"?>
+<p:sld xmlns:a="http://schemas.openxmlformats.org/drawingml/2006/main" xmlns:r="http://schemas.openxmlformats.org/officeDocument/2006/relationships" xmlns:p="http://schemas.openxmlformats.org/presentationml/2006/main">
+  <p:cSld>
+    <p:spTree>
+      <p:nvGrpSpPr>
+        <p:cNvPr id="1" name=""/>
+        <p:cNvGrpSpPr/>
+        <p:nvPr/>
+      </p:nvGrpSpPr>
+      <p:grpSpPr>
+        <a:xfrm>
+          <a:off x="0" y="0"/>
+          <a:ext cx="0" cy="0"/>
+          <a:chOff x="0" y="0"/>
+          <a:chExt cx="0" cy="0"/>
+        </a:xfrm>
+      </p:grpSpPr>
+      <p:sp>
+        <p:nvSpPr>
+          <p:cNvPr id="22" name="직사각형 21">
+            <a:extLst>
+              <a:ext uri="{FF2B5EF4-FFF2-40B4-BE49-F238E27FC236}">
+                <a16:creationId xmlns:a16="http://schemas.microsoft.com/office/drawing/2014/main" id="{67DAD890-3198-BA45-93A2-9FC369045AAE}"/>
+              </a:ext>
+            </a:extLst>
+          </p:cNvPr>
+          <p:cNvSpPr/>
+          <p:nvPr/>
+        </p:nvSpPr>
+        <p:spPr>
+          <a:xfrm>
+            <a:off x="4894025" y="1312130"/>
+            <a:ext cx="2403951" cy="2333999"/>
+          </a:xfrm>
+          <a:prstGeom prst="rect">
+            <a:avLst/>
+          </a:prstGeom>
+          <a:solidFill>
+            <a:schemeClr val="bg1"/>
+          </a:solidFill>
+          <a:ln>
+            <a:solidFill>
+              <a:schemeClr val="bg1">
+                <a:lumMod val="75000"/>
+              </a:schemeClr>
+            </a:solidFill>
+          </a:ln>
+        </p:spPr>
+        <p:style>
+          <a:lnRef idx="2">
+            <a:schemeClr val="accent1">
+              <a:shade val="50000"/>
+            </a:schemeClr>
+          </a:lnRef>
+          <a:fillRef idx="1">
+            <a:schemeClr val="accent1"/>
+          </a:fillRef>
+          <a:effectRef idx="0">
+            <a:schemeClr val="accent1"/>
+          </a:effectRef>
+          <a:fontRef idx="minor">
+            <a:schemeClr val="lt1"/>
+          </a:fontRef>
+        </p:style>
+        <p:txBody>
+          <a:bodyPr rtlCol="0" anchor="ctr"/>
+          <a:lstStyle/>
+          <a:p>
+            <a:pPr algn="ctr"/>
+            <a:endParaRPr kumimoji="1" lang="ko-KR" altLang="en-US" dirty="0"/>
+          </a:p>
+        </p:txBody>
+      </p:sp>
+      <p:sp>
+        <p:nvSpPr>
+          <p:cNvPr id="23" name="TextBox 22">
+            <a:extLst>
+              <a:ext uri="{FF2B5EF4-FFF2-40B4-BE49-F238E27FC236}">
+                <a16:creationId xmlns:a16="http://schemas.microsoft.com/office/drawing/2014/main" id="{0A800E18-9E00-4141-8070-3B6B1C9ADF94}"/>
+              </a:ext>
+            </a:extLst>
+          </p:cNvPr>
+          <p:cNvSpPr txBox="1"/>
+          <p:nvPr/>
+        </p:nvSpPr>
+        <p:spPr>
+          <a:xfrm>
+            <a:off x="5695893" y="1465272"/>
+            <a:ext cx="800219" cy="584775"/>
+          </a:xfrm>
+          <a:prstGeom prst="rect">
+            <a:avLst/>
+          </a:prstGeom>
+          <a:noFill/>
+        </p:spPr>
+        <p:txBody>
+          <a:bodyPr wrap="none" rtlCol="0">
+            <a:spAutoFit/>
+          </a:bodyPr>
+          <a:lstStyle/>
+          <a:p>
+            <a:pPr algn="ctr"/>
+            <a:r>
+              <a:rPr kumimoji="1" lang="ko-KR" altLang="en-US" sz="1600" b="1" dirty="0"/>
+              <a:t>활빈당</a:t>
+            </a:r>
+            <a:endParaRPr kumimoji="1" lang="en-US" altLang="ko-KR" sz="1600" b="1" dirty="0"/>
+          </a:p>
+          <a:p>
+            <a:pPr algn="ctr"/>
+            <a:r>
+              <a:rPr kumimoji="1" lang="ko-KR" altLang="en-US" sz="1600" b="1" dirty="0"/>
+              <a:t>입장</a:t>
+            </a:r>
+          </a:p>
+        </p:txBody>
+      </p:sp>
+      <p:sp>
+        <p:nvSpPr>
+          <p:cNvPr id="13" name="직사각형 12">
+            <a:extLst>
+              <a:ext uri="{FF2B5EF4-FFF2-40B4-BE49-F238E27FC236}">
+                <a16:creationId xmlns:a16="http://schemas.microsoft.com/office/drawing/2014/main" id="{C1198BDD-CC97-3E43-A063-3FFF1B53F206}"/>
+              </a:ext>
+            </a:extLst>
+          </p:cNvPr>
+          <p:cNvSpPr/>
+          <p:nvPr/>
+        </p:nvSpPr>
+        <p:spPr>
+          <a:xfrm>
+            <a:off x="4894025" y="3716313"/>
+            <a:ext cx="2403951" cy="722021"/>
+          </a:xfrm>
+          <a:prstGeom prst="rect">
+            <a:avLst/>
+          </a:prstGeom>
+          <a:solidFill>
+            <a:schemeClr val="bg1"/>
+          </a:solidFill>
+          <a:ln>
+            <a:solidFill>
+              <a:schemeClr val="bg1">
+                <a:lumMod val="75000"/>
+              </a:schemeClr>
+            </a:solidFill>
+          </a:ln>
+        </p:spPr>
+        <p:style>
+          <a:lnRef idx="2">
+            <a:schemeClr val="accent1">
+              <a:shade val="50000"/>
+            </a:schemeClr>
+          </a:lnRef>
+          <a:fillRef idx="1">
+            <a:schemeClr val="accent1"/>
+          </a:fillRef>
+          <a:effectRef idx="0">
+            <a:schemeClr val="accent1"/>
+          </a:effectRef>
+          <a:fontRef idx="minor">
+            <a:schemeClr val="lt1"/>
+          </a:fontRef>
+        </p:style>
+        <p:txBody>
+          <a:bodyPr rtlCol="0" anchor="ctr"/>
+          <a:lstStyle/>
+          <a:p>
+            <a:pPr algn="ctr"/>
+            <a:endParaRPr kumimoji="1" lang="ko-KR" altLang="en-US" dirty="0"/>
+          </a:p>
+        </p:txBody>
+      </p:sp>
+      <p:sp>
+        <p:nvSpPr>
+          <p:cNvPr id="14" name="TextBox 13">
+            <a:extLst>
+              <a:ext uri="{FF2B5EF4-FFF2-40B4-BE49-F238E27FC236}">
+                <a16:creationId xmlns:a16="http://schemas.microsoft.com/office/drawing/2014/main" id="{2D75EC22-FEC0-1C47-B79E-BF8D3F36BC3B}"/>
+              </a:ext>
+            </a:extLst>
+          </p:cNvPr>
+          <p:cNvSpPr txBox="1"/>
+          <p:nvPr/>
+        </p:nvSpPr>
+        <p:spPr>
+          <a:xfrm>
+            <a:off x="5080206" y="3890953"/>
+            <a:ext cx="2045753" cy="246221"/>
+          </a:xfrm>
+          <a:prstGeom prst="rect">
+            <a:avLst/>
+          </a:prstGeom>
+          <a:noFill/>
+        </p:spPr>
+        <p:txBody>
+          <a:bodyPr wrap="none" rtlCol="0">
+            <a:spAutoFit/>
+          </a:bodyPr>
+          <a:lstStyle/>
+          <a:p>
+            <a:pPr algn="ctr"/>
+            <a:r>
+              <a:rPr kumimoji="1" lang="ko-KR" altLang="en-US" sz="1000" dirty="0"/>
+              <a:t>다른 계정을 사용하려면</a:t>
+            </a:r>
+            <a:r>
+              <a:rPr kumimoji="1" lang="en-US" altLang="ko-KR" sz="1000" dirty="0"/>
+              <a:t>?</a:t>
+            </a:r>
+            <a:r>
+              <a:rPr kumimoji="1" lang="ko-KR" altLang="en-US" sz="1000" dirty="0"/>
+              <a:t> </a:t>
+            </a:r>
+            <a:r>
+              <a:rPr kumimoji="1" lang="ko-KR" altLang="en-US" sz="1000" dirty="0">
+                <a:solidFill>
+                  <a:srgbClr val="00B0F0"/>
+                </a:solidFill>
+              </a:rPr>
+              <a:t>로그인</a:t>
+            </a:r>
+          </a:p>
+        </p:txBody>
+      </p:sp>
+      <p:sp>
+        <p:nvSpPr>
+          <p:cNvPr id="15" name="TextBox 14">
+            <a:extLst>
+              <a:ext uri="{FF2B5EF4-FFF2-40B4-BE49-F238E27FC236}">
+                <a16:creationId xmlns:a16="http://schemas.microsoft.com/office/drawing/2014/main" id="{4B6ED008-8A6C-074B-B622-68BE2BA06CC7}"/>
+              </a:ext>
+            </a:extLst>
+          </p:cNvPr>
+          <p:cNvSpPr txBox="1"/>
+          <p:nvPr/>
+        </p:nvSpPr>
+        <p:spPr>
+          <a:xfrm>
+            <a:off x="5525535" y="4131895"/>
+            <a:ext cx="1141659" cy="253916"/>
+          </a:xfrm>
+          <a:prstGeom prst="rect">
+            <a:avLst/>
+          </a:prstGeom>
+          <a:noFill/>
+        </p:spPr>
+        <p:txBody>
+          <a:bodyPr wrap="none" rtlCol="0">
+            <a:spAutoFit/>
+          </a:bodyPr>
+          <a:lstStyle/>
+          <a:p>
+            <a:r>
+              <a:rPr kumimoji="1" lang="en-US" altLang="ko-KR" sz="1050" dirty="0">
+                <a:solidFill>
+                  <a:schemeClr val="bg1">
+                    <a:lumMod val="50000"/>
+                  </a:schemeClr>
+                </a:solidFill>
+              </a:rPr>
+              <a:t>@ </a:t>
+            </a:r>
+            <a:r>
+              <a:rPr kumimoji="1" lang="en-US" altLang="ko-KR" sz="1050" dirty="0" err="1">
+                <a:solidFill>
+                  <a:schemeClr val="bg1">
+                    <a:lumMod val="50000"/>
+                  </a:schemeClr>
+                </a:solidFill>
+              </a:rPr>
+              <a:t>about_JCube</a:t>
+            </a:r>
+            <a:endParaRPr kumimoji="1" lang="en-US" altLang="ko-KR" sz="1050" dirty="0">
+              <a:solidFill>
+                <a:schemeClr val="bg1">
+                  <a:lumMod val="50000"/>
+                </a:schemeClr>
+              </a:solidFill>
+            </a:endParaRPr>
+          </a:p>
+        </p:txBody>
+      </p:sp>
+      <p:sp>
+        <p:nvSpPr>
+          <p:cNvPr id="16" name="직사각형 15">
+            <a:extLst>
+              <a:ext uri="{FF2B5EF4-FFF2-40B4-BE49-F238E27FC236}">
+                <a16:creationId xmlns:a16="http://schemas.microsoft.com/office/drawing/2014/main" id="{C2A1CFDE-104A-6548-A6F5-86CCCD43C3C6}"/>
+              </a:ext>
+            </a:extLst>
+          </p:cNvPr>
+          <p:cNvSpPr/>
+          <p:nvPr/>
+        </p:nvSpPr>
+        <p:spPr>
+          <a:xfrm>
+            <a:off x="4894025" y="4519769"/>
+            <a:ext cx="2403951" cy="722021"/>
+          </a:xfrm>
+          <a:prstGeom prst="rect">
+            <a:avLst/>
+          </a:prstGeom>
+          <a:solidFill>
+            <a:schemeClr val="bg1"/>
+          </a:solidFill>
+          <a:ln>
+            <a:solidFill>
+              <a:schemeClr val="bg1">
+                <a:lumMod val="75000"/>
+              </a:schemeClr>
+            </a:solidFill>
+          </a:ln>
+        </p:spPr>
+        <p:style>
+          <a:lnRef idx="2">
+            <a:schemeClr val="accent1">
+              <a:shade val="50000"/>
+            </a:schemeClr>
+          </a:lnRef>
+          <a:fillRef idx="1">
+            <a:schemeClr val="accent1"/>
+          </a:fillRef>
+          <a:effectRef idx="0">
+            <a:schemeClr val="accent1"/>
+          </a:effectRef>
+          <a:fontRef idx="minor">
+            <a:schemeClr val="lt1"/>
+          </a:fontRef>
+        </p:style>
+        <p:txBody>
+          <a:bodyPr rtlCol="0" anchor="ctr"/>
+          <a:lstStyle/>
+          <a:p>
+            <a:pPr algn="ctr"/>
+            <a:endParaRPr kumimoji="1" lang="ko-KR" altLang="en-US" dirty="0"/>
+          </a:p>
+        </p:txBody>
+      </p:sp>
+      <p:sp>
+        <p:nvSpPr>
+          <p:cNvPr id="21" name="모서리가 둥근 직사각형 20">
+            <a:extLst>
+              <a:ext uri="{FF2B5EF4-FFF2-40B4-BE49-F238E27FC236}">
+                <a16:creationId xmlns:a16="http://schemas.microsoft.com/office/drawing/2014/main" id="{EA113DB3-6898-EF41-A8EF-F40F5C1C3CAA}"/>
+              </a:ext>
+            </a:extLst>
+          </p:cNvPr>
+          <p:cNvSpPr/>
+          <p:nvPr/>
+        </p:nvSpPr>
+        <p:spPr>
+          <a:xfrm>
+            <a:off x="5171838" y="4724642"/>
+            <a:ext cx="1848323" cy="312275"/>
+          </a:xfrm>
+          <a:prstGeom prst="roundRect">
+            <a:avLst>
+              <a:gd name="adj" fmla="val 12230"/>
+            </a:avLst>
+          </a:prstGeom>
+          <a:solidFill>
+            <a:srgbClr val="00A5FA"/>
+          </a:solidFill>
+          <a:ln>
+            <a:solidFill>
+              <a:srgbClr val="00B0F0"/>
+            </a:solidFill>
+          </a:ln>
+        </p:spPr>
+        <p:style>
+          <a:lnRef idx="2">
+            <a:schemeClr val="accent1">
+              <a:shade val="50000"/>
+            </a:schemeClr>
+          </a:lnRef>
+          <a:fillRef idx="1">
+            <a:schemeClr val="accent1"/>
+          </a:fillRef>
+          <a:effectRef idx="0">
+            <a:schemeClr val="accent1"/>
+          </a:effectRef>
+          <a:fontRef idx="minor">
+            <a:schemeClr val="lt1"/>
+          </a:fontRef>
+        </p:style>
+        <p:txBody>
+          <a:bodyPr rot="0" spcFirstLastPara="0" vertOverflow="overflow" horzOverflow="overflow" vert="horz" wrap="square" lIns="91440" tIns="45720" rIns="91440" bIns="45720" numCol="1" spcCol="0" rtlCol="0" fromWordArt="0" anchor="ctr" anchorCtr="0" forceAA="0" compatLnSpc="1">
+            <a:prstTxWarp prst="textNoShape">
+              <a:avLst/>
+            </a:prstTxWarp>
+            <a:noAutofit/>
+          </a:bodyPr>
+          <a:lstStyle/>
+          <a:p>
+            <a:pPr algn="ctr"/>
+            <a:r>
+              <a:rPr kumimoji="1" lang="ko-KR" altLang="en-US" sz="1000" b="1" dirty="0">
+                <a:solidFill>
+                  <a:schemeClr val="bg1"/>
+                </a:solidFill>
+              </a:rPr>
+              <a:t>비회원 입장</a:t>
+            </a:r>
+          </a:p>
+        </p:txBody>
+      </p:sp>
+      <p:sp>
+        <p:nvSpPr>
+          <p:cNvPr id="19" name="TextBox 18">
+            <a:extLst>
+              <a:ext uri="{FF2B5EF4-FFF2-40B4-BE49-F238E27FC236}">
+                <a16:creationId xmlns:a16="http://schemas.microsoft.com/office/drawing/2014/main" id="{314C8372-ECD8-DB49-937C-CD4D47D9B04E}"/>
+              </a:ext>
+            </a:extLst>
+          </p:cNvPr>
+          <p:cNvSpPr txBox="1"/>
+          <p:nvPr/>
+        </p:nvSpPr>
+        <p:spPr>
+          <a:xfrm>
+            <a:off x="5423250" y="2785002"/>
+            <a:ext cx="1359668" cy="246221"/>
+          </a:xfrm>
+          <a:prstGeom prst="rect">
+            <a:avLst/>
+          </a:prstGeom>
+          <a:noFill/>
+        </p:spPr>
+        <p:txBody>
+          <a:bodyPr wrap="none" rtlCol="0">
+            <a:spAutoFit/>
+          </a:bodyPr>
+          <a:lstStyle/>
+          <a:p>
+            <a:pPr algn="ctr"/>
+            <a:r>
+              <a:rPr kumimoji="1" lang="ko-KR" altLang="en-US" sz="1000" dirty="0"/>
+              <a:t>지금 계정으로 입장</a:t>
+            </a:r>
+            <a:r>
+              <a:rPr kumimoji="1" lang="en-US" altLang="ko-KR" sz="1000" dirty="0"/>
+              <a:t>?</a:t>
+            </a:r>
+            <a:endParaRPr kumimoji="1" lang="ko-KR" altLang="en-US" sz="1000" dirty="0">
+              <a:solidFill>
+                <a:srgbClr val="00B0F0"/>
+              </a:solidFill>
+            </a:endParaRPr>
+          </a:p>
+        </p:txBody>
+      </p:sp>
+      <p:sp>
+        <p:nvSpPr>
+          <p:cNvPr id="20" name="TextBox 19">
+            <a:extLst>
+              <a:ext uri="{FF2B5EF4-FFF2-40B4-BE49-F238E27FC236}">
+                <a16:creationId xmlns:a16="http://schemas.microsoft.com/office/drawing/2014/main" id="{4C2ABC4A-20F0-664E-94FD-BD2550BC8391}"/>
+              </a:ext>
+            </a:extLst>
+          </p:cNvPr>
+          <p:cNvSpPr txBox="1"/>
+          <p:nvPr/>
+        </p:nvSpPr>
+        <p:spPr>
+          <a:xfrm>
+            <a:off x="5327684" y="2246224"/>
+            <a:ext cx="1536639" cy="338554"/>
+          </a:xfrm>
+          <a:prstGeom prst="rect">
+            <a:avLst/>
+          </a:prstGeom>
+          <a:noFill/>
+        </p:spPr>
+        <p:txBody>
+          <a:bodyPr wrap="none" rtlCol="0">
+            <a:spAutoFit/>
+          </a:bodyPr>
+          <a:lstStyle/>
+          <a:p>
+            <a:pPr algn="ctr"/>
+            <a:r>
+              <a:rPr kumimoji="1" lang="en-US" altLang="ko-KR" sz="1600" dirty="0"/>
+              <a:t>redLoadEast13</a:t>
+            </a:r>
+            <a:endParaRPr kumimoji="1" lang="ko-KR" altLang="en-US" sz="1600" dirty="0"/>
+          </a:p>
+        </p:txBody>
+      </p:sp>
+      <p:cxnSp>
+        <p:nvCxnSpPr>
+          <p:cNvPr id="24" name="직선 연결선[R] 23">
+            <a:extLst>
+              <a:ext uri="{FF2B5EF4-FFF2-40B4-BE49-F238E27FC236}">
+                <a16:creationId xmlns:a16="http://schemas.microsoft.com/office/drawing/2014/main" id="{7B185AE7-DD27-6641-A29E-B889C86AEC4D}"/>
+              </a:ext>
+            </a:extLst>
+          </p:cNvPr>
+          <p:cNvCxnSpPr/>
+          <p:nvPr/>
+        </p:nvCxnSpPr>
+        <p:spPr>
+          <a:xfrm>
+            <a:off x="5325648" y="2584778"/>
+            <a:ext cx="1529947" cy="0"/>
+          </a:xfrm>
+          <a:prstGeom prst="line">
+            <a:avLst/>
+          </a:prstGeom>
+          <a:ln>
+            <a:solidFill>
+              <a:srgbClr val="00B0F0"/>
+            </a:solidFill>
+          </a:ln>
+        </p:spPr>
+        <p:style>
+          <a:lnRef idx="1">
+            <a:schemeClr val="accent1"/>
+          </a:lnRef>
+          <a:fillRef idx="0">
+            <a:schemeClr val="accent1"/>
+          </a:fillRef>
+          <a:effectRef idx="0">
+            <a:schemeClr val="accent1"/>
+          </a:effectRef>
+          <a:fontRef idx="minor">
+            <a:schemeClr val="tx1"/>
+          </a:fontRef>
+        </p:style>
+      </p:cxnSp>
+      <p:sp>
+        <p:nvSpPr>
+          <p:cNvPr id="25" name="모서리가 둥근 직사각형 24">
+            <a:extLst>
+              <a:ext uri="{FF2B5EF4-FFF2-40B4-BE49-F238E27FC236}">
+                <a16:creationId xmlns:a16="http://schemas.microsoft.com/office/drawing/2014/main" id="{4D54DDCA-05D6-254F-98FE-5846446CF0D5}"/>
+              </a:ext>
+            </a:extLst>
+          </p:cNvPr>
+          <p:cNvSpPr/>
+          <p:nvPr/>
+        </p:nvSpPr>
+        <p:spPr>
+          <a:xfrm>
+            <a:off x="5171838" y="3121959"/>
+            <a:ext cx="1848323" cy="234616"/>
+          </a:xfrm>
+          <a:prstGeom prst="roundRect">
+            <a:avLst>
+              <a:gd name="adj" fmla="val 12230"/>
+            </a:avLst>
+          </a:prstGeom>
+          <a:solidFill>
+            <a:srgbClr val="00A5FA"/>
+          </a:solidFill>
+          <a:ln>
+            <a:solidFill>
+              <a:srgbClr val="00B0F0"/>
+            </a:solidFill>
+          </a:ln>
+        </p:spPr>
+        <p:style>
+          <a:lnRef idx="2">
+            <a:schemeClr val="accent1">
+              <a:shade val="50000"/>
+            </a:schemeClr>
+          </a:lnRef>
+          <a:fillRef idx="1">
+            <a:schemeClr val="accent1"/>
+          </a:fillRef>
+          <a:effectRef idx="0">
+            <a:schemeClr val="accent1"/>
+          </a:effectRef>
+          <a:fontRef idx="minor">
+            <a:schemeClr val="lt1"/>
+          </a:fontRef>
+        </p:style>
+        <p:txBody>
+          <a:bodyPr rot="0" spcFirstLastPara="0" vertOverflow="overflow" horzOverflow="overflow" vert="horz" wrap="square" lIns="91440" tIns="45720" rIns="91440" bIns="45720" numCol="1" spcCol="0" rtlCol="0" fromWordArt="0" anchor="ctr" anchorCtr="0" forceAA="0" compatLnSpc="1">
+            <a:prstTxWarp prst="textNoShape">
+              <a:avLst/>
+            </a:prstTxWarp>
+            <a:noAutofit/>
+          </a:bodyPr>
+          <a:lstStyle/>
+          <a:p>
+            <a:pPr algn="ctr"/>
+            <a:r>
+              <a:rPr kumimoji="1" lang="ko-KR" altLang="en-US" sz="1000" dirty="0">
+                <a:solidFill>
+                  <a:schemeClr val="bg1"/>
+                </a:solidFill>
+              </a:rPr>
+              <a:t>입장</a:t>
+            </a:r>
+          </a:p>
+        </p:txBody>
+      </p:sp>
+    </p:spTree>
+    <p:extLst>
+      <p:ext uri="{BB962C8B-B14F-4D97-AF65-F5344CB8AC3E}">
+        <p14:creationId xmlns:p14="http://schemas.microsoft.com/office/powerpoint/2010/main" val="1290991164"/>
       </p:ext>
     </p:extLst>
   </p:cSld>

--- a/Documents/Design_Demo.pptx
+++ b/Documents/Design_Demo.pptx
@@ -5,7 +5,7 @@
     <p:sldMasterId id="2147483648" r:id="rId1"/>
   </p:sldMasterIdLst>
   <p:notesMasterIdLst>
-    <p:notesMasterId r:id="rId15"/>
+    <p:notesMasterId r:id="rId14"/>
   </p:notesMasterIdLst>
   <p:sldIdLst>
     <p:sldId id="257" r:id="rId2"/>
@@ -19,8 +19,7 @@
     <p:sldId id="259" r:id="rId10"/>
     <p:sldId id="268" r:id="rId11"/>
     <p:sldId id="269" r:id="rId12"/>
-    <p:sldId id="270" r:id="rId13"/>
-    <p:sldId id="271" r:id="rId14"/>
+    <p:sldId id="273" r:id="rId13"/>
   </p:sldIdLst>
   <p:sldSz cx="12192000" cy="6858000"/>
   <p:notesSz cx="6858000" cy="9144000"/>
@@ -151,13 +150,11 @@
         </p14:section>
         <p14:section name="Payment &amp; Credit" id="{CC798AB2-27DE-A54E-9EAF-A9CFFB23D6AD}">
           <p14:sldIdLst>
-            <p14:sldId id="270"/>
+            <p14:sldId id="273"/>
           </p14:sldIdLst>
         </p14:section>
         <p14:section name="Individual" id="{B67BA2C2-E31D-4949-8DB3-D6FAD28A7DDA}">
-          <p14:sldIdLst>
-            <p14:sldId id="271"/>
-          </p14:sldIdLst>
+          <p14:sldIdLst/>
         </p14:section>
       </p14:sectionLst>
     </p:ext>
@@ -261,7 +258,7 @@
           <a:p>
             <a:fld id="{CFACB741-F634-C24E-ACDA-3F21EA7175DC}" type="datetimeFigureOut">
               <a:rPr kumimoji="1" lang="ko-KR" altLang="en-US" smtClean="0"/>
-              <a:t>2019. 6. 13.</a:t>
+              <a:t>2019-06-15</a:t>
             </a:fld>
             <a:endParaRPr kumimoji="1" lang="ko-KR" altLang="en-US"/>
           </a:p>
@@ -732,8 +729,38 @@
               <a:t> </a:t>
             </a:r>
             <a:r>
-              <a:rPr kumimoji="1" lang="en-US" altLang="ko-KR" dirty="0"/>
+              <a:rPr kumimoji="1" lang="en-US" altLang="ko-KR" dirty="0" smtClean="0"/>
               <a:t>Page</a:t>
+            </a:r>
+          </a:p>
+          <a:p>
+            <a:r>
+              <a:rPr kumimoji="1" lang="en-US" altLang="ko-KR" dirty="0" smtClean="0"/>
+              <a:t>// </a:t>
+            </a:r>
+            <a:r>
+              <a:rPr kumimoji="1" lang="ko-KR" altLang="en-US" dirty="0" smtClean="0"/>
+              <a:t>방 삭제는 </a:t>
+            </a:r>
+            <a:r>
+              <a:rPr kumimoji="1" lang="en-US" altLang="ko-KR" dirty="0" smtClean="0"/>
+              <a:t>room</a:t>
+            </a:r>
+            <a:r>
+              <a:rPr kumimoji="1" lang="en-US" altLang="ko-KR" baseline="0" dirty="0" smtClean="0"/>
+              <a:t> owner </a:t>
+            </a:r>
+            <a:r>
+              <a:rPr kumimoji="1" lang="ko-KR" altLang="en-US" baseline="0" dirty="0" smtClean="0"/>
+              <a:t>일 때만</a:t>
+            </a:r>
+            <a:r>
+              <a:rPr kumimoji="1" lang="en-US" altLang="ko-KR" baseline="0" dirty="0" smtClean="0"/>
+              <a:t>, </a:t>
+            </a:r>
+            <a:r>
+              <a:rPr kumimoji="1" lang="ko-KR" altLang="en-US" baseline="0" dirty="0" smtClean="0"/>
+              <a:t>보여지는 부분</a:t>
             </a:r>
             <a:endParaRPr kumimoji="1" lang="ko-KR" altLang="en-US" dirty="0"/>
           </a:p>
@@ -766,6 +793,98 @@
     <p:extLst>
       <p:ext uri="{BB962C8B-B14F-4D97-AF65-F5344CB8AC3E}">
         <p14:creationId xmlns:p14="http://schemas.microsoft.com/office/powerpoint/2010/main" val="215955332"/>
+      </p:ext>
+    </p:extLst>
+  </p:cSld>
+  <p:clrMapOvr>
+    <a:masterClrMapping/>
+  </p:clrMapOvr>
+</p:notes>
+</file>
+
+<file path=ppt/notesSlides/notesSlide12.xml><?xml version="1.0" encoding="utf-8"?>
+<p:notes xmlns:a="http://schemas.openxmlformats.org/drawingml/2006/main" xmlns:r="http://schemas.openxmlformats.org/officeDocument/2006/relationships" xmlns:p="http://schemas.openxmlformats.org/presentationml/2006/main">
+  <p:cSld>
+    <p:spTree>
+      <p:nvGrpSpPr>
+        <p:cNvPr id="1" name=""/>
+        <p:cNvGrpSpPr/>
+        <p:nvPr/>
+      </p:nvGrpSpPr>
+      <p:grpSpPr>
+        <a:xfrm>
+          <a:off x="0" y="0"/>
+          <a:ext cx="0" cy="0"/>
+          <a:chOff x="0" y="0"/>
+          <a:chExt cx="0" cy="0"/>
+        </a:xfrm>
+      </p:grpSpPr>
+      <p:sp>
+        <p:nvSpPr>
+          <p:cNvPr id="2" name="슬라이드 이미지 개체 틀 1"/>
+          <p:cNvSpPr>
+            <a:spLocks noGrp="1" noRot="1" noChangeAspect="1"/>
+          </p:cNvSpPr>
+          <p:nvPr>
+            <p:ph type="sldImg"/>
+          </p:nvPr>
+        </p:nvSpPr>
+        <p:spPr/>
+      </p:sp>
+      <p:sp>
+        <p:nvSpPr>
+          <p:cNvPr id="3" name="슬라이드 노트 개체 틀 2"/>
+          <p:cNvSpPr>
+            <a:spLocks noGrp="1"/>
+          </p:cNvSpPr>
+          <p:nvPr>
+            <p:ph type="body" idx="1"/>
+          </p:nvPr>
+        </p:nvSpPr>
+        <p:spPr/>
+        <p:txBody>
+          <a:bodyPr/>
+          <a:lstStyle/>
+          <a:p>
+            <a:r>
+              <a:rPr kumimoji="1" lang="en-US" altLang="ko-KR" dirty="0" smtClean="0"/>
+              <a:t>Payment </a:t>
+            </a:r>
+            <a:r>
+              <a:rPr kumimoji="1" lang="en-US" altLang="ko-KR" dirty="0"/>
+              <a:t>Page</a:t>
+            </a:r>
+            <a:endParaRPr kumimoji="1" lang="ko-KR" altLang="en-US" dirty="0"/>
+          </a:p>
+        </p:txBody>
+      </p:sp>
+      <p:sp>
+        <p:nvSpPr>
+          <p:cNvPr id="4" name="슬라이드 번호 개체 틀 3"/>
+          <p:cNvSpPr>
+            <a:spLocks noGrp="1"/>
+          </p:cNvSpPr>
+          <p:nvPr>
+            <p:ph type="sldNum" sz="quarter" idx="5"/>
+          </p:nvPr>
+        </p:nvSpPr>
+        <p:spPr/>
+        <p:txBody>
+          <a:bodyPr/>
+          <a:lstStyle/>
+          <a:p>
+            <a:fld id="{BF3A642A-6642-CD43-931E-A8C786FEBA0D}" type="slidenum">
+              <a:rPr kumimoji="1" lang="ko-KR" altLang="en-US" smtClean="0"/>
+              <a:t>12</a:t>
+            </a:fld>
+            <a:endParaRPr kumimoji="1" lang="ko-KR" altLang="en-US"/>
+          </a:p>
+        </p:txBody>
+      </p:sp>
+    </p:spTree>
+    <p:extLst>
+      <p:ext uri="{BB962C8B-B14F-4D97-AF65-F5344CB8AC3E}">
+        <p14:creationId xmlns:p14="http://schemas.microsoft.com/office/powerpoint/2010/main" val="1986507392"/>
       </p:ext>
     </p:extLst>
   </p:cSld>
@@ -1638,7 +1757,7 @@
           <a:p>
             <a:fld id="{B8694C9C-6BB6-9342-9726-5E25EC0060D1}" type="datetimeFigureOut">
               <a:rPr kumimoji="1" lang="ko-KR" altLang="en-US" smtClean="0"/>
-              <a:t>2019. 6. 13.</a:t>
+              <a:t>2019-06-15</a:t>
             </a:fld>
             <a:endParaRPr kumimoji="1" lang="ko-KR" altLang="en-US"/>
           </a:p>
@@ -1811,7 +1930,7 @@
           <a:p>
             <a:fld id="{B8694C9C-6BB6-9342-9726-5E25EC0060D1}" type="datetimeFigureOut">
               <a:rPr kumimoji="1" lang="ko-KR" altLang="en-US" smtClean="0"/>
-              <a:t>2019. 6. 13.</a:t>
+              <a:t>2019-06-15</a:t>
             </a:fld>
             <a:endParaRPr kumimoji="1" lang="ko-KR" altLang="en-US"/>
           </a:p>
@@ -1994,7 +2113,7 @@
           <a:p>
             <a:fld id="{B8694C9C-6BB6-9342-9726-5E25EC0060D1}" type="datetimeFigureOut">
               <a:rPr kumimoji="1" lang="ko-KR" altLang="en-US" smtClean="0"/>
-              <a:t>2019. 6. 13.</a:t>
+              <a:t>2019-06-15</a:t>
             </a:fld>
             <a:endParaRPr kumimoji="1" lang="ko-KR" altLang="en-US"/>
           </a:p>
@@ -2167,7 +2286,7 @@
           <a:p>
             <a:fld id="{B8694C9C-6BB6-9342-9726-5E25EC0060D1}" type="datetimeFigureOut">
               <a:rPr kumimoji="1" lang="ko-KR" altLang="en-US" smtClean="0"/>
-              <a:t>2019. 6. 13.</a:t>
+              <a:t>2019-06-15</a:t>
             </a:fld>
             <a:endParaRPr kumimoji="1" lang="ko-KR" altLang="en-US"/>
           </a:p>
@@ -2445,7 +2564,7 @@
           <a:p>
             <a:fld id="{B8694C9C-6BB6-9342-9726-5E25EC0060D1}" type="datetimeFigureOut">
               <a:rPr kumimoji="1" lang="ko-KR" altLang="en-US" smtClean="0"/>
-              <a:t>2019. 6. 13.</a:t>
+              <a:t>2019-06-15</a:t>
             </a:fld>
             <a:endParaRPr kumimoji="1" lang="ko-KR" altLang="en-US"/>
           </a:p>
@@ -2660,7 +2779,7 @@
           <a:p>
             <a:fld id="{B8694C9C-6BB6-9342-9726-5E25EC0060D1}" type="datetimeFigureOut">
               <a:rPr kumimoji="1" lang="ko-KR" altLang="en-US" smtClean="0"/>
-              <a:t>2019. 6. 13.</a:t>
+              <a:t>2019-06-15</a:t>
             </a:fld>
             <a:endParaRPr kumimoji="1" lang="ko-KR" altLang="en-US"/>
           </a:p>
@@ -3028,7 +3147,7 @@
           <a:p>
             <a:fld id="{B8694C9C-6BB6-9342-9726-5E25EC0060D1}" type="datetimeFigureOut">
               <a:rPr kumimoji="1" lang="ko-KR" altLang="en-US" smtClean="0"/>
-              <a:t>2019. 6. 13.</a:t>
+              <a:t>2019-06-15</a:t>
             </a:fld>
             <a:endParaRPr kumimoji="1" lang="ko-KR" altLang="en-US"/>
           </a:p>
@@ -3169,7 +3288,7 @@
           <a:p>
             <a:fld id="{B8694C9C-6BB6-9342-9726-5E25EC0060D1}" type="datetimeFigureOut">
               <a:rPr kumimoji="1" lang="ko-KR" altLang="en-US" smtClean="0"/>
-              <a:t>2019. 6. 13.</a:t>
+              <a:t>2019-06-15</a:t>
             </a:fld>
             <a:endParaRPr kumimoji="1" lang="ko-KR" altLang="en-US"/>
           </a:p>
@@ -3282,7 +3401,7 @@
           <a:p>
             <a:fld id="{B8694C9C-6BB6-9342-9726-5E25EC0060D1}" type="datetimeFigureOut">
               <a:rPr kumimoji="1" lang="ko-KR" altLang="en-US" smtClean="0"/>
-              <a:t>2019. 6. 13.</a:t>
+              <a:t>2019-06-15</a:t>
             </a:fld>
             <a:endParaRPr kumimoji="1" lang="ko-KR" altLang="en-US"/>
           </a:p>
@@ -3571,7 +3690,7 @@
           <a:p>
             <a:fld id="{B8694C9C-6BB6-9342-9726-5E25EC0060D1}" type="datetimeFigureOut">
               <a:rPr kumimoji="1" lang="ko-KR" altLang="en-US" smtClean="0"/>
-              <a:t>2019. 6. 13.</a:t>
+              <a:t>2019-06-15</a:t>
             </a:fld>
             <a:endParaRPr kumimoji="1" lang="ko-KR" altLang="en-US"/>
           </a:p>
@@ -3862,7 +3981,7 @@
           <a:p>
             <a:fld id="{B8694C9C-6BB6-9342-9726-5E25EC0060D1}" type="datetimeFigureOut">
               <a:rPr kumimoji="1" lang="ko-KR" altLang="en-US" smtClean="0"/>
-              <a:t>2019. 6. 13.</a:t>
+              <a:t>2019-06-15</a:t>
             </a:fld>
             <a:endParaRPr kumimoji="1" lang="ko-KR" altLang="en-US"/>
           </a:p>
@@ -4081,7 +4200,7 @@
           <a:p>
             <a:fld id="{B8694C9C-6BB6-9342-9726-5E25EC0060D1}" type="datetimeFigureOut">
               <a:rPr kumimoji="1" lang="ko-KR" altLang="en-US" smtClean="0"/>
-              <a:t>2019. 6. 13.</a:t>
+              <a:t>2019-06-15</a:t>
             </a:fld>
             <a:endParaRPr kumimoji="1" lang="ko-KR" altLang="en-US"/>
           </a:p>
@@ -5040,6 +5159,13 @@
   <p:clrMapOvr>
     <a:masterClrMapping/>
   </p:clrMapOvr>
+  <p:timing>
+    <p:tnLst>
+      <p:par>
+        <p:cTn id="1" dur="indefinite" restart="never" nodeType="tmRoot"/>
+      </p:par>
+    </p:tnLst>
+  </p:timing>
 </p:sld>
 </file>
 
@@ -5074,7 +5200,7 @@
         </p:nvSpPr>
         <p:spPr>
           <a:xfrm>
-            <a:off x="4894025" y="3181594"/>
+            <a:off x="4894025" y="3388737"/>
             <a:ext cx="2403951" cy="842653"/>
           </a:xfrm>
           <a:prstGeom prst="rect">
@@ -5130,8 +5256,8 @@
         </p:nvSpPr>
         <p:spPr>
           <a:xfrm>
-            <a:off x="4894025" y="4107568"/>
-            <a:ext cx="2403951" cy="1867566"/>
+            <a:off x="4894025" y="4314710"/>
+            <a:ext cx="2403951" cy="1934599"/>
           </a:xfrm>
           <a:prstGeom prst="rect">
             <a:avLst/>
@@ -5267,104 +5393,6 @@
       </p:sp>
       <p:sp>
         <p:nvSpPr>
-          <p:cNvPr id="15" name="TextBox 14">
-            <a:extLst>
-              <a:ext uri="{FF2B5EF4-FFF2-40B4-BE49-F238E27FC236}">
-                <a16:creationId xmlns:a16="http://schemas.microsoft.com/office/drawing/2014/main" id="{001529B2-C00D-4D4F-BEB9-70140837CDB4}"/>
-              </a:ext>
-            </a:extLst>
-          </p:cNvPr>
-          <p:cNvSpPr txBox="1"/>
-          <p:nvPr/>
-        </p:nvSpPr>
-        <p:spPr>
-          <a:xfrm>
-            <a:off x="5754268" y="6227856"/>
-            <a:ext cx="697627" cy="246221"/>
-          </a:xfrm>
-          <a:prstGeom prst="rect">
-            <a:avLst/>
-          </a:prstGeom>
-          <a:noFill/>
-        </p:spPr>
-        <p:txBody>
-          <a:bodyPr wrap="none" rtlCol="0">
-            <a:spAutoFit/>
-          </a:bodyPr>
-          <a:lstStyle/>
-          <a:p>
-            <a:pPr algn="ctr"/>
-            <a:r>
-              <a:rPr kumimoji="1" lang="ko-KR" altLang="en-US" sz="1000" dirty="0">
-                <a:solidFill>
-                  <a:srgbClr val="00B0F0"/>
-                </a:solidFill>
-              </a:rPr>
-              <a:t>로그아웃</a:t>
-            </a:r>
-          </a:p>
-        </p:txBody>
-      </p:sp>
-      <p:sp>
-        <p:nvSpPr>
-          <p:cNvPr id="16" name="TextBox 15">
-            <a:extLst>
-              <a:ext uri="{FF2B5EF4-FFF2-40B4-BE49-F238E27FC236}">
-                <a16:creationId xmlns:a16="http://schemas.microsoft.com/office/drawing/2014/main" id="{69074E22-F89C-A349-8330-71928693398F}"/>
-              </a:ext>
-            </a:extLst>
-          </p:cNvPr>
-          <p:cNvSpPr txBox="1"/>
-          <p:nvPr/>
-        </p:nvSpPr>
-        <p:spPr>
-          <a:xfrm>
-            <a:off x="5525535" y="6485507"/>
-            <a:ext cx="1141659" cy="253916"/>
-          </a:xfrm>
-          <a:prstGeom prst="rect">
-            <a:avLst/>
-          </a:prstGeom>
-          <a:noFill/>
-        </p:spPr>
-        <p:txBody>
-          <a:bodyPr wrap="none" rtlCol="0">
-            <a:spAutoFit/>
-          </a:bodyPr>
-          <a:lstStyle/>
-          <a:p>
-            <a:r>
-              <a:rPr kumimoji="1" lang="en-US" altLang="ko-KR" sz="1050" dirty="0">
-                <a:solidFill>
-                  <a:schemeClr val="bg1">
-                    <a:lumMod val="50000"/>
-                  </a:schemeClr>
-                </a:solidFill>
-              </a:rPr>
-              <a:t>@ </a:t>
-            </a:r>
-            <a:r>
-              <a:rPr kumimoji="1" lang="en-US" altLang="ko-KR" sz="1050" dirty="0" err="1">
-                <a:solidFill>
-                  <a:schemeClr val="bg1">
-                    <a:lumMod val="50000"/>
-                  </a:schemeClr>
-                </a:solidFill>
-              </a:rPr>
-              <a:t>about_JCube</a:t>
-            </a:r>
-            <a:endParaRPr kumimoji="1" lang="en-US" altLang="ko-KR" sz="1050" dirty="0">
-              <a:solidFill>
-                <a:schemeClr val="bg1">
-                  <a:lumMod val="50000"/>
-                </a:schemeClr>
-              </a:solidFill>
-            </a:endParaRPr>
-          </a:p>
-        </p:txBody>
-      </p:sp>
-      <p:sp>
-        <p:nvSpPr>
           <p:cNvPr id="30" name="타원 29">
             <a:extLst>
               <a:ext uri="{FF2B5EF4-FFF2-40B4-BE49-F238E27FC236}">
@@ -5377,7 +5405,7 @@
         </p:nvSpPr>
         <p:spPr>
           <a:xfrm rot="495444">
-            <a:off x="5213914" y="739848"/>
+            <a:off x="5213914" y="946991"/>
             <a:ext cx="631510" cy="631510"/>
           </a:xfrm>
           <a:prstGeom prst="ellipse">
@@ -5433,7 +5461,7 @@
         </p:nvSpPr>
         <p:spPr>
           <a:xfrm>
-            <a:off x="6678107" y="1289050"/>
+            <a:off x="6678107" y="1496193"/>
             <a:ext cx="521909" cy="521909"/>
           </a:xfrm>
           <a:prstGeom prst="ellipse">
@@ -5489,7 +5517,7 @@
         </p:nvSpPr>
         <p:spPr>
           <a:xfrm rot="20528155">
-            <a:off x="5221973" y="1839261"/>
+            <a:off x="5221973" y="2046404"/>
             <a:ext cx="764127" cy="764127"/>
           </a:xfrm>
           <a:prstGeom prst="ellipse">
@@ -5549,7 +5577,7 @@
         </p:nvCxnSpPr>
         <p:spPr>
           <a:xfrm flipV="1">
-            <a:off x="5967680" y="1734527"/>
+            <a:off x="5967680" y="1941670"/>
             <a:ext cx="786859" cy="369596"/>
           </a:xfrm>
           <a:prstGeom prst="straightConnector1">
@@ -5598,7 +5626,7 @@
         </p:nvCxnSpPr>
         <p:spPr>
           <a:xfrm>
-            <a:off x="5842151" y="1100952"/>
+            <a:off x="5842151" y="1308095"/>
             <a:ext cx="912388" cy="264530"/>
           </a:xfrm>
           <a:prstGeom prst="straightConnector1">
@@ -5643,7 +5671,7 @@
         </p:nvSpPr>
         <p:spPr>
           <a:xfrm>
-            <a:off x="6666809" y="2876404"/>
+            <a:off x="6666809" y="3083547"/>
             <a:ext cx="607859" cy="261610"/>
           </a:xfrm>
           <a:prstGeom prst="rect">
@@ -5686,7 +5714,7 @@
         </p:nvCxnSpPr>
         <p:spPr>
           <a:xfrm>
-            <a:off x="6665891" y="3128900"/>
+            <a:off x="6665891" y="3336043"/>
             <a:ext cx="590877" cy="0"/>
           </a:xfrm>
           <a:prstGeom prst="line">
@@ -5727,7 +5755,7 @@
         </p:nvSpPr>
         <p:spPr>
           <a:xfrm rot="20282180">
-            <a:off x="6955527" y="2520100"/>
+            <a:off x="6955527" y="2727243"/>
             <a:ext cx="300348" cy="321268"/>
           </a:xfrm>
           <a:custGeom>
@@ -6174,7 +6202,7 @@
         </p:nvSpPr>
         <p:spPr>
           <a:xfrm>
-            <a:off x="4913974" y="2911521"/>
+            <a:off x="4913974" y="3118664"/>
             <a:ext cx="762080" cy="217536"/>
           </a:xfrm>
           <a:prstGeom prst="roundRect">
@@ -6242,7 +6270,7 @@
         </p:nvSpPr>
         <p:spPr>
           <a:xfrm>
-            <a:off x="5079422" y="5075869"/>
+            <a:off x="5079422" y="5269681"/>
             <a:ext cx="2033155" cy="484040"/>
           </a:xfrm>
           <a:prstGeom prst="roundRect">
@@ -6307,7 +6335,18 @@
                   </a:prstClr>
                 </a:solidFill>
               </a:rPr>
-              <a:t> 홍진영</a:t>
+              <a:t> </a:t>
+            </a:r>
+            <a:r>
+              <a:rPr kumimoji="1" lang="ko-KR" altLang="en-US" sz="1100" b="1" dirty="0" err="1" smtClean="0">
+                <a:solidFill>
+                  <a:prstClr val="black">
+                    <a:lumMod val="75000"/>
+                    <a:lumOff val="25000"/>
+                  </a:prstClr>
+                </a:solidFill>
+              </a:rPr>
+              <a:t>홍인형</a:t>
             </a:r>
             <a:endParaRPr kumimoji="1" lang="en-US" altLang="ko-KR" sz="1100" b="1" dirty="0">
               <a:solidFill>
@@ -6342,7 +6381,7 @@
         </p:nvSpPr>
         <p:spPr>
           <a:xfrm>
-            <a:off x="5079422" y="5661470"/>
+            <a:off x="5079422" y="5855282"/>
             <a:ext cx="2033155" cy="484040"/>
           </a:xfrm>
           <a:prstGeom prst="roundRect">
@@ -6410,7 +6449,7 @@
               <a:t> </a:t>
             </a:r>
             <a:r>
-              <a:rPr kumimoji="1" lang="ko-KR" altLang="en-US" sz="1100" b="1" dirty="0" err="1">
+              <a:rPr kumimoji="1" lang="ko-KR" altLang="en-US" sz="1100" b="1" dirty="0" err="1" smtClean="0">
                 <a:solidFill>
                   <a:prstClr val="black">
                     <a:lumMod val="75000"/>
@@ -6418,7 +6457,7 @@
                   </a:prstClr>
                 </a:solidFill>
               </a:rPr>
-              <a:t>홍데니스</a:t>
+              <a:t>홍판서</a:t>
             </a:r>
             <a:endParaRPr kumimoji="1" lang="en-US" altLang="ko-KR" sz="1100" b="1" dirty="0">
               <a:solidFill>
@@ -6453,7 +6492,7 @@
         </p:nvSpPr>
         <p:spPr>
           <a:xfrm>
-            <a:off x="5079422" y="4494022"/>
+            <a:off x="5079422" y="4687834"/>
             <a:ext cx="2033155" cy="484040"/>
           </a:xfrm>
           <a:prstGeom prst="roundRect">
@@ -6520,7 +6559,7 @@
               <a:t> </a:t>
             </a:r>
             <a:r>
-              <a:rPr kumimoji="1" lang="ko-KR" altLang="en-US" sz="1100" b="1" dirty="0" err="1">
+              <a:rPr kumimoji="1" lang="ko-KR" altLang="en-US" sz="1100" b="1" dirty="0" smtClean="0">
                 <a:solidFill>
                   <a:schemeClr val="tx1">
                     <a:lumMod val="75000"/>
@@ -6528,7 +6567,7 @@
                   </a:schemeClr>
                 </a:solidFill>
               </a:rPr>
-              <a:t>홍인형</a:t>
+              <a:t>홍길동</a:t>
             </a:r>
             <a:endParaRPr kumimoji="1" lang="en-US" altLang="ko-KR" sz="1100" b="1" dirty="0">
               <a:solidFill>
@@ -6563,7 +6602,7 @@
         </p:nvSpPr>
         <p:spPr>
           <a:xfrm>
-            <a:off x="4982903" y="4180405"/>
+            <a:off x="4982903" y="4374217"/>
             <a:ext cx="771365" cy="253916"/>
           </a:xfrm>
           <a:prstGeom prst="rect">
@@ -6613,7 +6652,7 @@
         </p:nvSpPr>
         <p:spPr>
           <a:xfrm>
-            <a:off x="5342435" y="3314670"/>
+            <a:off x="5342435" y="3521813"/>
             <a:ext cx="1507144" cy="338554"/>
           </a:xfrm>
           <a:prstGeom prst="rect">
@@ -6650,7 +6689,7 @@
         </p:nvSpPr>
         <p:spPr>
           <a:xfrm>
-            <a:off x="5481493" y="3286939"/>
+            <a:off x="5481493" y="3494082"/>
             <a:ext cx="1239442" cy="276999"/>
           </a:xfrm>
           <a:prstGeom prst="rect">
@@ -6699,7 +6738,7 @@
         </p:nvSpPr>
         <p:spPr>
           <a:xfrm>
-            <a:off x="4780907" y="5974221"/>
+            <a:off x="4780907" y="6194063"/>
             <a:ext cx="2644346" cy="253636"/>
           </a:xfrm>
           <a:prstGeom prst="rect">
@@ -6751,7 +6790,7 @@
         </p:nvCxnSpPr>
         <p:spPr>
           <a:xfrm>
-            <a:off x="4896218" y="5981148"/>
+            <a:off x="4896218" y="6188291"/>
             <a:ext cx="2403951" cy="0"/>
           </a:xfrm>
           <a:prstGeom prst="line">
@@ -6794,7 +6833,7 @@
         </p:nvSpPr>
         <p:spPr>
           <a:xfrm>
-            <a:off x="5171838" y="3639199"/>
+            <a:off x="5171838" y="3846342"/>
             <a:ext cx="1848323" cy="234616"/>
           </a:xfrm>
           <a:prstGeom prst="roundRect">
@@ -6848,6 +6887,104 @@
           </a:p>
         </p:txBody>
       </p:sp>
+      <p:sp>
+        <p:nvSpPr>
+          <p:cNvPr id="29" name="TextBox 28">
+            <a:extLst>
+              <a:ext uri="{FF2B5EF4-FFF2-40B4-BE49-F238E27FC236}">
+                <a16:creationId xmlns:a16="http://schemas.microsoft.com/office/drawing/2014/main" id="{001529B2-C00D-4D4F-BEB9-70140837CDB4}"/>
+              </a:ext>
+            </a:extLst>
+          </p:cNvPr>
+          <p:cNvSpPr txBox="1"/>
+          <p:nvPr/>
+        </p:nvSpPr>
+        <p:spPr>
+          <a:xfrm>
+            <a:off x="5754268" y="6299817"/>
+            <a:ext cx="697627" cy="246221"/>
+          </a:xfrm>
+          <a:prstGeom prst="rect">
+            <a:avLst/>
+          </a:prstGeom>
+          <a:noFill/>
+        </p:spPr>
+        <p:txBody>
+          <a:bodyPr wrap="none" rtlCol="0">
+            <a:spAutoFit/>
+          </a:bodyPr>
+          <a:lstStyle/>
+          <a:p>
+            <a:pPr algn="ctr"/>
+            <a:r>
+              <a:rPr kumimoji="1" lang="ko-KR" altLang="en-US" sz="1000" dirty="0">
+                <a:solidFill>
+                  <a:srgbClr val="00B0F0"/>
+                </a:solidFill>
+              </a:rPr>
+              <a:t>로그아웃</a:t>
+            </a:r>
+          </a:p>
+        </p:txBody>
+      </p:sp>
+      <p:sp>
+        <p:nvSpPr>
+          <p:cNvPr id="38" name="TextBox 37">
+            <a:extLst>
+              <a:ext uri="{FF2B5EF4-FFF2-40B4-BE49-F238E27FC236}">
+                <a16:creationId xmlns:a16="http://schemas.microsoft.com/office/drawing/2014/main" id="{69074E22-F89C-A349-8330-71928693398F}"/>
+              </a:ext>
+            </a:extLst>
+          </p:cNvPr>
+          <p:cNvSpPr txBox="1"/>
+          <p:nvPr/>
+        </p:nvSpPr>
+        <p:spPr>
+          <a:xfrm>
+            <a:off x="5525535" y="6485507"/>
+            <a:ext cx="1141659" cy="253916"/>
+          </a:xfrm>
+          <a:prstGeom prst="rect">
+            <a:avLst/>
+          </a:prstGeom>
+          <a:noFill/>
+        </p:spPr>
+        <p:txBody>
+          <a:bodyPr wrap="none" rtlCol="0">
+            <a:spAutoFit/>
+          </a:bodyPr>
+          <a:lstStyle/>
+          <a:p>
+            <a:r>
+              <a:rPr kumimoji="1" lang="en-US" altLang="ko-KR" sz="1050" dirty="0">
+                <a:solidFill>
+                  <a:schemeClr val="bg1">
+                    <a:lumMod val="50000"/>
+                  </a:schemeClr>
+                </a:solidFill>
+              </a:rPr>
+              <a:t>@ </a:t>
+            </a:r>
+            <a:r>
+              <a:rPr kumimoji="1" lang="en-US" altLang="ko-KR" sz="1050" dirty="0" err="1">
+                <a:solidFill>
+                  <a:schemeClr val="bg1">
+                    <a:lumMod val="50000"/>
+                  </a:schemeClr>
+                </a:solidFill>
+              </a:rPr>
+              <a:t>about_JCube</a:t>
+            </a:r>
+            <a:endParaRPr kumimoji="1" lang="en-US" altLang="ko-KR" sz="1050" dirty="0">
+              <a:solidFill>
+                <a:schemeClr val="bg1">
+                  <a:lumMod val="50000"/>
+                </a:schemeClr>
+              </a:solidFill>
+            </a:endParaRPr>
+          </a:p>
+        </p:txBody>
+      </p:sp>
     </p:spTree>
     <p:extLst>
       <p:ext uri="{BB962C8B-B14F-4D97-AF65-F5344CB8AC3E}">
@@ -6858,6 +6995,13 @@
   <p:clrMapOvr>
     <a:masterClrMapping/>
   </p:clrMapOvr>
+  <p:timing>
+    <p:tnLst>
+      <p:par>
+        <p:cTn id="1" dur="indefinite" restart="never" nodeType="tmRoot"/>
+      </p:par>
+    </p:tnLst>
+  </p:timing>
 </p:sld>
 </file>
 
@@ -6968,104 +7112,6 @@
               <a:t>Dutch Broomstick</a:t>
             </a:r>
             <a:endParaRPr kumimoji="1" lang="ko-KR" altLang="en-US" sz="1600" b="1" dirty="0"/>
-          </a:p>
-        </p:txBody>
-      </p:sp>
-      <p:sp>
-        <p:nvSpPr>
-          <p:cNvPr id="15" name="TextBox 14">
-            <a:extLst>
-              <a:ext uri="{FF2B5EF4-FFF2-40B4-BE49-F238E27FC236}">
-                <a16:creationId xmlns:a16="http://schemas.microsoft.com/office/drawing/2014/main" id="{001529B2-C00D-4D4F-BEB9-70140837CDB4}"/>
-              </a:ext>
-            </a:extLst>
-          </p:cNvPr>
-          <p:cNvSpPr txBox="1"/>
-          <p:nvPr/>
-        </p:nvSpPr>
-        <p:spPr>
-          <a:xfrm>
-            <a:off x="5754268" y="6227856"/>
-            <a:ext cx="697627" cy="246221"/>
-          </a:xfrm>
-          <a:prstGeom prst="rect">
-            <a:avLst/>
-          </a:prstGeom>
-          <a:noFill/>
-        </p:spPr>
-        <p:txBody>
-          <a:bodyPr wrap="none" rtlCol="0">
-            <a:spAutoFit/>
-          </a:bodyPr>
-          <a:lstStyle/>
-          <a:p>
-            <a:pPr algn="ctr"/>
-            <a:r>
-              <a:rPr kumimoji="1" lang="ko-KR" altLang="en-US" sz="1000" dirty="0">
-                <a:solidFill>
-                  <a:srgbClr val="00B0F0"/>
-                </a:solidFill>
-              </a:rPr>
-              <a:t>로그아웃</a:t>
-            </a:r>
-          </a:p>
-        </p:txBody>
-      </p:sp>
-      <p:sp>
-        <p:nvSpPr>
-          <p:cNvPr id="16" name="TextBox 15">
-            <a:extLst>
-              <a:ext uri="{FF2B5EF4-FFF2-40B4-BE49-F238E27FC236}">
-                <a16:creationId xmlns:a16="http://schemas.microsoft.com/office/drawing/2014/main" id="{69074E22-F89C-A349-8330-71928693398F}"/>
-              </a:ext>
-            </a:extLst>
-          </p:cNvPr>
-          <p:cNvSpPr txBox="1"/>
-          <p:nvPr/>
-        </p:nvSpPr>
-        <p:spPr>
-          <a:xfrm>
-            <a:off x="5525535" y="6485507"/>
-            <a:ext cx="1141659" cy="253916"/>
-          </a:xfrm>
-          <a:prstGeom prst="rect">
-            <a:avLst/>
-          </a:prstGeom>
-          <a:noFill/>
-        </p:spPr>
-        <p:txBody>
-          <a:bodyPr wrap="none" rtlCol="0">
-            <a:spAutoFit/>
-          </a:bodyPr>
-          <a:lstStyle/>
-          <a:p>
-            <a:r>
-              <a:rPr kumimoji="1" lang="en-US" altLang="ko-KR" sz="1050" dirty="0">
-                <a:solidFill>
-                  <a:schemeClr val="bg1">
-                    <a:lumMod val="50000"/>
-                  </a:schemeClr>
-                </a:solidFill>
-              </a:rPr>
-              <a:t>@ </a:t>
-            </a:r>
-            <a:r>
-              <a:rPr kumimoji="1" lang="en-US" altLang="ko-KR" sz="1050" dirty="0" err="1">
-                <a:solidFill>
-                  <a:schemeClr val="bg1">
-                    <a:lumMod val="50000"/>
-                  </a:schemeClr>
-                </a:solidFill>
-              </a:rPr>
-              <a:t>about_JCube</a:t>
-            </a:r>
-            <a:endParaRPr kumimoji="1" lang="en-US" altLang="ko-KR" sz="1050" dirty="0">
-              <a:solidFill>
-                <a:schemeClr val="bg1">
-                  <a:lumMod val="50000"/>
-                </a:schemeClr>
-              </a:solidFill>
-            </a:endParaRPr>
           </a:p>
         </p:txBody>
       </p:sp>
@@ -8863,6 +8909,104 @@
           </a:p>
         </p:txBody>
       </p:sp>
+      <p:sp>
+        <p:nvSpPr>
+          <p:cNvPr id="30" name="TextBox 29">
+            <a:extLst>
+              <a:ext uri="{FF2B5EF4-FFF2-40B4-BE49-F238E27FC236}">
+                <a16:creationId xmlns:a16="http://schemas.microsoft.com/office/drawing/2014/main" id="{001529B2-C00D-4D4F-BEB9-70140837CDB4}"/>
+              </a:ext>
+            </a:extLst>
+          </p:cNvPr>
+          <p:cNvSpPr txBox="1"/>
+          <p:nvPr/>
+        </p:nvSpPr>
+        <p:spPr>
+          <a:xfrm>
+            <a:off x="5754268" y="6299817"/>
+            <a:ext cx="697627" cy="246221"/>
+          </a:xfrm>
+          <a:prstGeom prst="rect">
+            <a:avLst/>
+          </a:prstGeom>
+          <a:noFill/>
+        </p:spPr>
+        <p:txBody>
+          <a:bodyPr wrap="none" rtlCol="0">
+            <a:spAutoFit/>
+          </a:bodyPr>
+          <a:lstStyle/>
+          <a:p>
+            <a:pPr algn="ctr"/>
+            <a:r>
+              <a:rPr kumimoji="1" lang="ko-KR" altLang="en-US" sz="1000" dirty="0">
+                <a:solidFill>
+                  <a:srgbClr val="00B0F0"/>
+                </a:solidFill>
+              </a:rPr>
+              <a:t>로그아웃</a:t>
+            </a:r>
+          </a:p>
+        </p:txBody>
+      </p:sp>
+      <p:sp>
+        <p:nvSpPr>
+          <p:cNvPr id="31" name="TextBox 30">
+            <a:extLst>
+              <a:ext uri="{FF2B5EF4-FFF2-40B4-BE49-F238E27FC236}">
+                <a16:creationId xmlns:a16="http://schemas.microsoft.com/office/drawing/2014/main" id="{69074E22-F89C-A349-8330-71928693398F}"/>
+              </a:ext>
+            </a:extLst>
+          </p:cNvPr>
+          <p:cNvSpPr txBox="1"/>
+          <p:nvPr/>
+        </p:nvSpPr>
+        <p:spPr>
+          <a:xfrm>
+            <a:off x="5525535" y="6485507"/>
+            <a:ext cx="1141659" cy="253916"/>
+          </a:xfrm>
+          <a:prstGeom prst="rect">
+            <a:avLst/>
+          </a:prstGeom>
+          <a:noFill/>
+        </p:spPr>
+        <p:txBody>
+          <a:bodyPr wrap="none" rtlCol="0">
+            <a:spAutoFit/>
+          </a:bodyPr>
+          <a:lstStyle/>
+          <a:p>
+            <a:r>
+              <a:rPr kumimoji="1" lang="en-US" altLang="ko-KR" sz="1050" dirty="0">
+                <a:solidFill>
+                  <a:schemeClr val="bg1">
+                    <a:lumMod val="50000"/>
+                  </a:schemeClr>
+                </a:solidFill>
+              </a:rPr>
+              <a:t>@ </a:t>
+            </a:r>
+            <a:r>
+              <a:rPr kumimoji="1" lang="en-US" altLang="ko-KR" sz="1050" dirty="0" err="1">
+                <a:solidFill>
+                  <a:schemeClr val="bg1">
+                    <a:lumMod val="50000"/>
+                  </a:schemeClr>
+                </a:solidFill>
+              </a:rPr>
+              <a:t>about_JCube</a:t>
+            </a:r>
+            <a:endParaRPr kumimoji="1" lang="en-US" altLang="ko-KR" sz="1050" dirty="0">
+              <a:solidFill>
+                <a:schemeClr val="bg1">
+                  <a:lumMod val="50000"/>
+                </a:schemeClr>
+              </a:solidFill>
+            </a:endParaRPr>
+          </a:p>
+        </p:txBody>
+      </p:sp>
     </p:spTree>
     <p:extLst>
       <p:ext uri="{BB962C8B-B14F-4D97-AF65-F5344CB8AC3E}">
@@ -8873,6 +9017,13 @@
   <p:clrMapOvr>
     <a:masterClrMapping/>
   </p:clrMapOvr>
+  <p:timing>
+    <p:tnLst>
+      <p:par>
+        <p:cTn id="1" dur="indefinite" restart="never" nodeType="tmRoot"/>
+      </p:par>
+    </p:tnLst>
+  </p:timing>
 </p:sld>
 </file>
 
@@ -8893,146 +9044,1694 @@
           <a:chExt cx="0" cy="0"/>
         </a:xfrm>
       </p:grpSpPr>
-      <p:sp>
-        <p:nvSpPr>
-          <p:cNvPr id="2" name="제목 1">
-            <a:extLst>
-              <a:ext uri="{FF2B5EF4-FFF2-40B4-BE49-F238E27FC236}">
-                <a16:creationId xmlns:a16="http://schemas.microsoft.com/office/drawing/2014/main" id="{9376B5B9-A36D-B042-9DBB-85717B414D9E}"/>
-              </a:ext>
-            </a:extLst>
-          </p:cNvPr>
-          <p:cNvSpPr>
-            <a:spLocks noGrp="1"/>
-          </p:cNvSpPr>
-          <p:nvPr>
-            <p:ph type="title"/>
-          </p:nvPr>
-        </p:nvSpPr>
-        <p:spPr/>
-        <p:txBody>
-          <a:bodyPr/>
-          <a:lstStyle/>
-          <a:p>
+      <p:grpSp>
+        <p:nvGrpSpPr>
+          <p:cNvPr id="2" name="그룹 1"/>
+          <p:cNvGrpSpPr/>
+          <p:nvPr/>
+        </p:nvGrpSpPr>
+        <p:grpSpPr>
+          <a:xfrm>
+            <a:off x="4886945" y="2531340"/>
+            <a:ext cx="2411031" cy="3096748"/>
+            <a:chOff x="4886945" y="2520239"/>
+            <a:chExt cx="2411031" cy="3096748"/>
+          </a:xfrm>
+        </p:grpSpPr>
+        <p:sp>
+          <p:nvSpPr>
+            <p:cNvPr id="21" name="직사각형 20">
+              <a:extLst>
+                <a:ext uri="{FF2B5EF4-FFF2-40B4-BE49-F238E27FC236}">
+                  <a16:creationId xmlns:a16="http://schemas.microsoft.com/office/drawing/2014/main" id="{A871EC61-223C-0447-B82C-FEE0B482521B}"/>
+                </a:ext>
+              </a:extLst>
+            </p:cNvPr>
+            <p:cNvSpPr/>
+            <p:nvPr/>
+          </p:nvSpPr>
+          <p:spPr>
+            <a:xfrm>
+              <a:off x="4894025" y="2524338"/>
+              <a:ext cx="2403951" cy="3092649"/>
+            </a:xfrm>
+            <a:prstGeom prst="rect">
+              <a:avLst/>
+            </a:prstGeom>
+            <a:solidFill>
+              <a:schemeClr val="bg1"/>
+            </a:solidFill>
+            <a:ln>
+              <a:solidFill>
+                <a:schemeClr val="bg1">
+                  <a:lumMod val="75000"/>
+                </a:schemeClr>
+              </a:solidFill>
+            </a:ln>
+          </p:spPr>
+          <p:style>
+            <a:lnRef idx="2">
+              <a:schemeClr val="accent1">
+                <a:shade val="50000"/>
+              </a:schemeClr>
+            </a:lnRef>
+            <a:fillRef idx="1">
+              <a:schemeClr val="accent1"/>
+            </a:fillRef>
+            <a:effectRef idx="0">
+              <a:schemeClr val="accent1"/>
+            </a:effectRef>
+            <a:fontRef idx="minor">
+              <a:schemeClr val="lt1"/>
+            </a:fontRef>
+          </p:style>
+          <p:txBody>
+            <a:bodyPr rtlCol="0" anchor="ctr"/>
+            <a:lstStyle/>
+            <a:p>
+              <a:pPr algn="ctr"/>
+              <a:endParaRPr kumimoji="1" lang="ko-KR" altLang="en-US"/>
+            </a:p>
+          </p:txBody>
+        </p:sp>
+        <p:sp>
+          <p:nvSpPr>
+            <p:cNvPr id="32" name="모서리가 둥근 직사각형 31">
+              <a:extLst>
+                <a:ext uri="{FF2B5EF4-FFF2-40B4-BE49-F238E27FC236}">
+                  <a16:creationId xmlns:a16="http://schemas.microsoft.com/office/drawing/2014/main" id="{777FA8F5-1A96-B147-83BA-21C0D5D60CB4}"/>
+                </a:ext>
+              </a:extLst>
+            </p:cNvPr>
+            <p:cNvSpPr/>
+            <p:nvPr/>
+          </p:nvSpPr>
+          <p:spPr>
+            <a:xfrm>
+              <a:off x="4886945" y="2520239"/>
+              <a:ext cx="2411031" cy="366494"/>
+            </a:xfrm>
+            <a:prstGeom prst="roundRect">
+              <a:avLst>
+                <a:gd name="adj" fmla="val 12230"/>
+              </a:avLst>
+            </a:prstGeom>
+            <a:noFill/>
+            <a:ln>
+              <a:noFill/>
+            </a:ln>
+          </p:spPr>
+          <p:style>
+            <a:lnRef idx="2">
+              <a:schemeClr val="accent1">
+                <a:shade val="50000"/>
+              </a:schemeClr>
+            </a:lnRef>
+            <a:fillRef idx="1">
+              <a:schemeClr val="accent1"/>
+            </a:fillRef>
+            <a:effectRef idx="0">
+              <a:schemeClr val="accent1"/>
+            </a:effectRef>
+            <a:fontRef idx="minor">
+              <a:schemeClr val="lt1"/>
+            </a:fontRef>
+          </p:style>
+          <p:txBody>
+            <a:bodyPr rot="0" spcFirstLastPara="0" vertOverflow="overflow" horzOverflow="overflow" vert="horz" wrap="square" lIns="91440" tIns="45720" rIns="91440" bIns="45720" numCol="1" spcCol="0" rtlCol="0" fromWordArt="0" anchor="ctr" anchorCtr="0" forceAA="0" compatLnSpc="1">
+              <a:prstTxWarp prst="textNoShape">
+                <a:avLst/>
+              </a:prstTxWarp>
+              <a:noAutofit/>
+            </a:bodyPr>
+            <a:lstStyle/>
+            <a:p>
+              <a:r>
+                <a:rPr kumimoji="1" lang="ko-KR" altLang="en-US" sz="1100" b="1" dirty="0" smtClean="0">
+                  <a:solidFill>
+                    <a:schemeClr val="tx1">
+                      <a:lumMod val="75000"/>
+                      <a:lumOff val="25000"/>
+                    </a:schemeClr>
+                  </a:solidFill>
+                </a:rPr>
+                <a:t>  남은 돈</a:t>
+              </a:r>
+              <a:r>
+                <a:rPr kumimoji="1" lang="en-US" altLang="ko-KR" sz="1100" b="1" dirty="0" smtClean="0">
+                  <a:solidFill>
+                    <a:schemeClr val="tx1">
+                      <a:lumMod val="75000"/>
+                      <a:lumOff val="25000"/>
+                    </a:schemeClr>
+                  </a:solidFill>
+                </a:rPr>
+                <a:t>	              </a:t>
+              </a:r>
+              <a:r>
+                <a:rPr kumimoji="1" lang="en-US" altLang="ko-KR" sz="1200" b="1" u="sng" dirty="0" smtClean="0">
+                  <a:solidFill>
+                    <a:schemeClr val="tx1">
+                      <a:lumMod val="75000"/>
+                      <a:lumOff val="25000"/>
+                    </a:schemeClr>
+                  </a:solidFill>
+                </a:rPr>
+                <a:t>  0  </a:t>
+              </a:r>
+              <a:r>
+                <a:rPr kumimoji="1" lang="ko-KR" altLang="en-US" sz="1200" b="1" dirty="0" smtClean="0">
+                  <a:solidFill>
+                    <a:schemeClr val="tx1">
+                      <a:lumMod val="75000"/>
+                      <a:lumOff val="25000"/>
+                    </a:schemeClr>
+                  </a:solidFill>
+                </a:rPr>
+                <a:t>원</a:t>
+              </a:r>
+              <a:endParaRPr kumimoji="1" lang="en-US" altLang="ko-KR" sz="1200" b="1" dirty="0">
+                <a:solidFill>
+                  <a:schemeClr val="tx1">
+                    <a:lumMod val="75000"/>
+                    <a:lumOff val="25000"/>
+                  </a:schemeClr>
+                </a:solidFill>
+              </a:endParaRPr>
+            </a:p>
+          </p:txBody>
+        </p:sp>
+      </p:grpSp>
+      <p:sp>
+        <p:nvSpPr>
+          <p:cNvPr id="13" name="직사각형 12">
+            <a:extLst>
+              <a:ext uri="{FF2B5EF4-FFF2-40B4-BE49-F238E27FC236}">
+                <a16:creationId xmlns:a16="http://schemas.microsoft.com/office/drawing/2014/main" id="{1A09CB1E-61C8-BF41-8166-783D974FF436}"/>
+              </a:ext>
+            </a:extLst>
+          </p:cNvPr>
+          <p:cNvSpPr/>
+          <p:nvPr/>
+        </p:nvSpPr>
+        <p:spPr>
+          <a:xfrm>
+            <a:off x="0" y="0"/>
+            <a:ext cx="12192000" cy="563417"/>
+          </a:xfrm>
+          <a:prstGeom prst="rect">
+            <a:avLst/>
+          </a:prstGeom>
+          <a:solidFill>
+            <a:schemeClr val="bg1"/>
+          </a:solidFill>
+          <a:ln>
+            <a:solidFill>
+              <a:schemeClr val="bg1">
+                <a:lumMod val="75000"/>
+              </a:schemeClr>
+            </a:solidFill>
+          </a:ln>
+        </p:spPr>
+        <p:style>
+          <a:lnRef idx="2">
+            <a:schemeClr val="accent1">
+              <a:shade val="50000"/>
+            </a:schemeClr>
+          </a:lnRef>
+          <a:fillRef idx="1">
+            <a:schemeClr val="accent1"/>
+          </a:fillRef>
+          <a:effectRef idx="0">
+            <a:schemeClr val="accent1"/>
+          </a:effectRef>
+          <a:fontRef idx="minor">
+            <a:schemeClr val="lt1"/>
+          </a:fontRef>
+        </p:style>
+        <p:txBody>
+          <a:bodyPr rtlCol="0" anchor="ctr"/>
+          <a:lstStyle/>
+          <a:p>
+            <a:pPr algn="ctr"/>
+            <a:endParaRPr kumimoji="1" lang="ko-KR" altLang="en-US" dirty="0"/>
+          </a:p>
+        </p:txBody>
+      </p:sp>
+      <p:sp>
+        <p:nvSpPr>
+          <p:cNvPr id="14" name="TextBox 13">
+            <a:extLst>
+              <a:ext uri="{FF2B5EF4-FFF2-40B4-BE49-F238E27FC236}">
+                <a16:creationId xmlns:a16="http://schemas.microsoft.com/office/drawing/2014/main" id="{D92B28E7-D15C-C445-8715-5E7C0DEAE706}"/>
+              </a:ext>
+            </a:extLst>
+          </p:cNvPr>
+          <p:cNvSpPr txBox="1"/>
+          <p:nvPr/>
+        </p:nvSpPr>
+        <p:spPr>
+          <a:xfrm>
+            <a:off x="5137336" y="112431"/>
+            <a:ext cx="1931491" cy="338554"/>
+          </a:xfrm>
+          <a:prstGeom prst="rect">
+            <a:avLst/>
+          </a:prstGeom>
+          <a:noFill/>
+        </p:spPr>
+        <p:txBody>
+          <a:bodyPr wrap="none" rtlCol="0">
+            <a:spAutoFit/>
+          </a:bodyPr>
+          <a:lstStyle/>
+          <a:p>
+            <a:pPr algn="ctr"/>
+            <a:r>
+              <a:rPr kumimoji="1" lang="en-US" altLang="ko-KR" sz="1600" b="1" dirty="0"/>
+              <a:t>Dutch Broomstick</a:t>
+            </a:r>
+            <a:endParaRPr kumimoji="1" lang="ko-KR" altLang="en-US" sz="1600" b="1" dirty="0"/>
+          </a:p>
+        </p:txBody>
+      </p:sp>
+      <p:sp>
+        <p:nvSpPr>
+          <p:cNvPr id="22" name="직사각형 21">
+            <a:extLst>
+              <a:ext uri="{FF2B5EF4-FFF2-40B4-BE49-F238E27FC236}">
+                <a16:creationId xmlns:a16="http://schemas.microsoft.com/office/drawing/2014/main" id="{1DF4C30D-B860-CF42-A2D2-8933EF262E6F}"/>
+              </a:ext>
+            </a:extLst>
+          </p:cNvPr>
+          <p:cNvSpPr/>
+          <p:nvPr/>
+        </p:nvSpPr>
+        <p:spPr>
+          <a:xfrm>
+            <a:off x="4894025" y="1046372"/>
+            <a:ext cx="2403951" cy="842653"/>
+          </a:xfrm>
+          <a:prstGeom prst="rect">
+            <a:avLst/>
+          </a:prstGeom>
+          <a:solidFill>
+            <a:schemeClr val="bg1"/>
+          </a:solidFill>
+          <a:ln>
+            <a:solidFill>
+              <a:schemeClr val="bg1">
+                <a:lumMod val="75000"/>
+              </a:schemeClr>
+            </a:solidFill>
+          </a:ln>
+        </p:spPr>
+        <p:style>
+          <a:lnRef idx="2">
+            <a:schemeClr val="accent1">
+              <a:shade val="50000"/>
+            </a:schemeClr>
+          </a:lnRef>
+          <a:fillRef idx="1">
+            <a:schemeClr val="accent1"/>
+          </a:fillRef>
+          <a:effectRef idx="0">
+            <a:schemeClr val="accent1"/>
+          </a:effectRef>
+          <a:fontRef idx="minor">
+            <a:schemeClr val="lt1"/>
+          </a:fontRef>
+        </p:style>
+        <p:txBody>
+          <a:bodyPr rtlCol="0" anchor="ctr"/>
+          <a:lstStyle/>
+          <a:p>
+            <a:pPr algn="ctr"/>
             <a:endParaRPr kumimoji="1" lang="ko-KR" altLang="en-US"/>
           </a:p>
         </p:txBody>
       </p:sp>
       <p:sp>
         <p:nvSpPr>
-          <p:cNvPr id="3" name="내용 개체 틀 2">
-            <a:extLst>
-              <a:ext uri="{FF2B5EF4-FFF2-40B4-BE49-F238E27FC236}">
-                <a16:creationId xmlns:a16="http://schemas.microsoft.com/office/drawing/2014/main" id="{B8F92B54-BB13-6F44-B086-7613A4684998}"/>
-              </a:ext>
-            </a:extLst>
-          </p:cNvPr>
-          <p:cNvSpPr>
-            <a:spLocks noGrp="1"/>
-          </p:cNvSpPr>
-          <p:nvPr>
-            <p:ph idx="1"/>
-          </p:nvPr>
-        </p:nvSpPr>
-        <p:spPr/>
-        <p:txBody>
-          <a:bodyPr/>
-          <a:lstStyle/>
-          <a:p>
+          <p:cNvPr id="25" name="모서리가 둥근 직사각형 24">
+            <a:extLst>
+              <a:ext uri="{FF2B5EF4-FFF2-40B4-BE49-F238E27FC236}">
+                <a16:creationId xmlns:a16="http://schemas.microsoft.com/office/drawing/2014/main" id="{09A9694D-0652-AE48-A0AC-1AAC084FD95D}"/>
+              </a:ext>
+            </a:extLst>
+          </p:cNvPr>
+          <p:cNvSpPr/>
+          <p:nvPr/>
+        </p:nvSpPr>
+        <p:spPr>
+          <a:xfrm>
+            <a:off x="5079422" y="2985533"/>
+            <a:ext cx="2033155" cy="484040"/>
+          </a:xfrm>
+          <a:prstGeom prst="roundRect">
+            <a:avLst>
+              <a:gd name="adj" fmla="val 12230"/>
+            </a:avLst>
+          </a:prstGeom>
+          <a:solidFill>
+            <a:schemeClr val="bg1"/>
+          </a:solidFill>
+          <a:ln>
+            <a:solidFill>
+              <a:schemeClr val="bg1">
+                <a:lumMod val="75000"/>
+              </a:schemeClr>
+            </a:solidFill>
+          </a:ln>
+        </p:spPr>
+        <p:style>
+          <a:lnRef idx="2">
+            <a:schemeClr val="accent1">
+              <a:shade val="50000"/>
+            </a:schemeClr>
+          </a:lnRef>
+          <a:fillRef idx="1">
+            <a:schemeClr val="accent1"/>
+          </a:fillRef>
+          <a:effectRef idx="0">
+            <a:schemeClr val="accent1"/>
+          </a:effectRef>
+          <a:fontRef idx="minor">
+            <a:schemeClr val="lt1"/>
+          </a:fontRef>
+        </p:style>
+        <p:txBody>
+          <a:bodyPr rot="0" spcFirstLastPara="0" vertOverflow="overflow" horzOverflow="overflow" vert="horz" wrap="square" lIns="91440" tIns="45720" rIns="91440" bIns="45720" numCol="1" spcCol="0" rtlCol="0" fromWordArt="0" anchor="ctr" anchorCtr="0" forceAA="0" compatLnSpc="1">
+            <a:prstTxWarp prst="textNoShape">
+              <a:avLst/>
+            </a:prstTxWarp>
+            <a:noAutofit/>
+          </a:bodyPr>
+          <a:lstStyle/>
+          <a:p>
+            <a:r>
+              <a:rPr kumimoji="1" lang="ko-KR" altLang="en-US" sz="1100" b="1" dirty="0" smtClean="0">
+                <a:solidFill>
+                  <a:schemeClr val="tx1">
+                    <a:lumMod val="75000"/>
+                    <a:lumOff val="25000"/>
+                  </a:schemeClr>
+                </a:solidFill>
+              </a:rPr>
+              <a:t>홍길동</a:t>
+            </a:r>
+            <a:endParaRPr kumimoji="1" lang="en-US" altLang="ko-KR" sz="1100" b="1" dirty="0">
+              <a:solidFill>
+                <a:schemeClr val="tx1">
+                  <a:lumMod val="75000"/>
+                  <a:lumOff val="25000"/>
+                </a:schemeClr>
+              </a:solidFill>
+            </a:endParaRPr>
+          </a:p>
+          <a:p>
+            <a:pPr algn="r"/>
+            <a:r>
+              <a:rPr kumimoji="1" lang="en-US" altLang="ko-KR" sz="1000" u="sng" dirty="0" smtClean="0">
+                <a:solidFill>
+                  <a:schemeClr val="tx1">
+                    <a:lumMod val="75000"/>
+                    <a:lumOff val="25000"/>
+                  </a:schemeClr>
+                </a:solidFill>
+              </a:rPr>
+              <a:t>  10,000  </a:t>
+            </a:r>
+            <a:r>
+              <a:rPr kumimoji="1" lang="ko-KR" altLang="en-US" sz="1000" dirty="0" smtClean="0">
+                <a:solidFill>
+                  <a:schemeClr val="tx1">
+                    <a:lumMod val="75000"/>
+                    <a:lumOff val="25000"/>
+                  </a:schemeClr>
+                </a:solidFill>
+              </a:rPr>
+              <a:t>원</a:t>
+            </a:r>
+            <a:endParaRPr kumimoji="1" lang="ko-KR" altLang="en-US" sz="1000" dirty="0">
+              <a:solidFill>
+                <a:schemeClr val="tx1">
+                  <a:lumMod val="75000"/>
+                  <a:lumOff val="25000"/>
+                </a:schemeClr>
+              </a:solidFill>
+            </a:endParaRPr>
+          </a:p>
+        </p:txBody>
+      </p:sp>
+      <p:sp>
+        <p:nvSpPr>
+          <p:cNvPr id="26" name="모서리가 둥근 직사각형 25">
+            <a:extLst>
+              <a:ext uri="{FF2B5EF4-FFF2-40B4-BE49-F238E27FC236}">
+                <a16:creationId xmlns:a16="http://schemas.microsoft.com/office/drawing/2014/main" id="{2D84FF30-0FEE-3A49-937B-6991B10B5CD3}"/>
+              </a:ext>
+            </a:extLst>
+          </p:cNvPr>
+          <p:cNvSpPr/>
+          <p:nvPr/>
+        </p:nvSpPr>
+        <p:spPr>
+          <a:xfrm>
+            <a:off x="5079422" y="4088268"/>
+            <a:ext cx="2033155" cy="484040"/>
+          </a:xfrm>
+          <a:prstGeom prst="roundRect">
+            <a:avLst>
+              <a:gd name="adj" fmla="val 12230"/>
+            </a:avLst>
+          </a:prstGeom>
+          <a:solidFill>
+            <a:schemeClr val="bg1"/>
+          </a:solidFill>
+          <a:ln>
+            <a:solidFill>
+              <a:schemeClr val="bg1">
+                <a:lumMod val="75000"/>
+              </a:schemeClr>
+            </a:solidFill>
+          </a:ln>
+        </p:spPr>
+        <p:style>
+          <a:lnRef idx="2">
+            <a:schemeClr val="accent1">
+              <a:shade val="50000"/>
+            </a:schemeClr>
+          </a:lnRef>
+          <a:fillRef idx="1">
+            <a:schemeClr val="accent1"/>
+          </a:fillRef>
+          <a:effectRef idx="0">
+            <a:schemeClr val="accent1"/>
+          </a:effectRef>
+          <a:fontRef idx="minor">
+            <a:schemeClr val="lt1"/>
+          </a:fontRef>
+        </p:style>
+        <p:txBody>
+          <a:bodyPr rot="0" spcFirstLastPara="0" vertOverflow="overflow" horzOverflow="overflow" vert="horz" wrap="square" lIns="91440" tIns="45720" rIns="91440" bIns="45720" numCol="1" spcCol="0" rtlCol="0" fromWordArt="0" anchor="ctr" anchorCtr="0" forceAA="0" compatLnSpc="1">
+            <a:prstTxWarp prst="textNoShape">
+              <a:avLst/>
+            </a:prstTxWarp>
+            <a:noAutofit/>
+          </a:bodyPr>
+          <a:lstStyle/>
+          <a:p>
+            <a:r>
+              <a:rPr kumimoji="1" lang="ko-KR" altLang="en-US" sz="1100" b="1" dirty="0" err="1" smtClean="0">
+                <a:solidFill>
+                  <a:schemeClr val="tx1">
+                    <a:lumMod val="75000"/>
+                    <a:lumOff val="25000"/>
+                  </a:schemeClr>
+                </a:solidFill>
+              </a:rPr>
+              <a:t>홍판서</a:t>
+            </a:r>
+            <a:endParaRPr kumimoji="1" lang="en-US" altLang="ko-KR" sz="1100" b="1" dirty="0">
+              <a:solidFill>
+                <a:schemeClr val="tx1">
+                  <a:lumMod val="75000"/>
+                  <a:lumOff val="25000"/>
+                </a:schemeClr>
+              </a:solidFill>
+            </a:endParaRPr>
+          </a:p>
+          <a:p>
+            <a:pPr algn="r"/>
+            <a:r>
+              <a:rPr kumimoji="1" lang="en-US" altLang="ko-KR" sz="1000" u="sng" dirty="0" smtClean="0">
+                <a:solidFill>
+                  <a:schemeClr val="tx1">
+                    <a:lumMod val="75000"/>
+                    <a:lumOff val="25000"/>
+                  </a:schemeClr>
+                </a:solidFill>
+              </a:rPr>
+              <a:t>  15</a:t>
+            </a:r>
+            <a:r>
+              <a:rPr kumimoji="1" lang="en-US" altLang="ko-KR" sz="1000" u="sng" dirty="0" smtClean="0">
+                <a:solidFill>
+                  <a:schemeClr val="tx1">
+                    <a:lumMod val="75000"/>
+                    <a:lumOff val="25000"/>
+                  </a:schemeClr>
+                </a:solidFill>
+              </a:rPr>
+              <a:t>,000  </a:t>
+            </a:r>
+            <a:r>
+              <a:rPr kumimoji="1" lang="ko-KR" altLang="en-US" sz="1000" dirty="0" smtClean="0">
+                <a:solidFill>
+                  <a:schemeClr val="tx1">
+                    <a:lumMod val="75000"/>
+                    <a:lumOff val="25000"/>
+                  </a:schemeClr>
+                </a:solidFill>
+              </a:rPr>
+              <a:t>원 </a:t>
+            </a:r>
+            <a:endParaRPr kumimoji="1" lang="ko-KR" altLang="en-US" sz="1000" dirty="0">
+              <a:solidFill>
+                <a:schemeClr val="tx1">
+                  <a:lumMod val="75000"/>
+                  <a:lumOff val="25000"/>
+                </a:schemeClr>
+              </a:solidFill>
+            </a:endParaRPr>
+          </a:p>
+        </p:txBody>
+      </p:sp>
+      <p:sp>
+        <p:nvSpPr>
+          <p:cNvPr id="28" name="모서리가 둥근 직사각형 27">
+            <a:extLst>
+              <a:ext uri="{FF2B5EF4-FFF2-40B4-BE49-F238E27FC236}">
+                <a16:creationId xmlns:a16="http://schemas.microsoft.com/office/drawing/2014/main" id="{777FA8F5-1A96-B147-83BA-21C0D5D60CB4}"/>
+              </a:ext>
+            </a:extLst>
+          </p:cNvPr>
+          <p:cNvSpPr/>
+          <p:nvPr/>
+        </p:nvSpPr>
+        <p:spPr>
+          <a:xfrm>
+            <a:off x="4894025" y="1046372"/>
+            <a:ext cx="2411031" cy="853955"/>
+          </a:xfrm>
+          <a:prstGeom prst="roundRect">
+            <a:avLst>
+              <a:gd name="adj" fmla="val 12230"/>
+            </a:avLst>
+          </a:prstGeom>
+          <a:noFill/>
+          <a:ln>
+            <a:noFill/>
+          </a:ln>
+        </p:spPr>
+        <p:style>
+          <a:lnRef idx="2">
+            <a:schemeClr val="accent1">
+              <a:shade val="50000"/>
+            </a:schemeClr>
+          </a:lnRef>
+          <a:fillRef idx="1">
+            <a:schemeClr val="accent1"/>
+          </a:fillRef>
+          <a:effectRef idx="0">
+            <a:schemeClr val="accent1"/>
+          </a:effectRef>
+          <a:fontRef idx="minor">
+            <a:schemeClr val="lt1"/>
+          </a:fontRef>
+        </p:style>
+        <p:txBody>
+          <a:bodyPr rot="0" spcFirstLastPara="0" vertOverflow="overflow" horzOverflow="overflow" vert="horz" wrap="square" lIns="91440" tIns="45720" rIns="91440" bIns="45720" numCol="1" spcCol="0" rtlCol="0" fromWordArt="0" anchor="ctr" anchorCtr="0" forceAA="0" compatLnSpc="1">
+            <a:prstTxWarp prst="textNoShape">
+              <a:avLst/>
+            </a:prstTxWarp>
+            <a:noAutofit/>
+          </a:bodyPr>
+          <a:lstStyle/>
+          <a:p>
+            <a:r>
+              <a:rPr kumimoji="1" lang="en-US" altLang="ko-KR" sz="1100" b="1" dirty="0" smtClean="0">
+                <a:solidFill>
+                  <a:schemeClr val="tx1">
+                    <a:lumMod val="75000"/>
+                    <a:lumOff val="25000"/>
+                  </a:schemeClr>
+                </a:solidFill>
+              </a:rPr>
+              <a:t>What.  </a:t>
+            </a:r>
+            <a:r>
+              <a:rPr kumimoji="1" lang="ko-KR" altLang="en-US" sz="1100" b="1" u="sng" dirty="0" smtClean="0">
+                <a:solidFill>
+                  <a:schemeClr val="tx1">
+                    <a:lumMod val="75000"/>
+                    <a:lumOff val="25000"/>
+                  </a:schemeClr>
+                </a:solidFill>
+              </a:rPr>
+              <a:t>삼겹살 </a:t>
+            </a:r>
+            <a:endParaRPr kumimoji="1" lang="en-US" altLang="ko-KR" sz="1100" b="1" u="sng" dirty="0">
+              <a:solidFill>
+                <a:schemeClr val="bg1">
+                  <a:lumMod val="50000"/>
+                </a:schemeClr>
+              </a:solidFill>
+            </a:endParaRPr>
+          </a:p>
+          <a:p>
+            <a:r>
+              <a:rPr kumimoji="1" lang="en-US" altLang="ko-KR" sz="1100" b="1" dirty="0" smtClean="0">
+                <a:solidFill>
+                  <a:srgbClr val="00B0F0"/>
+                </a:solidFill>
+              </a:rPr>
+              <a:t>To. </a:t>
+            </a:r>
+            <a:r>
+              <a:rPr kumimoji="1" lang="en-US" altLang="ko-KR" sz="1100" b="1" u="sng" dirty="0" smtClean="0">
+                <a:solidFill>
+                  <a:srgbClr val="00B0F0"/>
+                </a:solidFill>
+              </a:rPr>
+              <a:t> </a:t>
+            </a:r>
+            <a:r>
+              <a:rPr kumimoji="1" lang="ko-KR" altLang="en-US" sz="1100" b="1" u="sng" dirty="0" err="1" smtClean="0">
+                <a:solidFill>
+                  <a:srgbClr val="00B0F0"/>
+                </a:solidFill>
+              </a:rPr>
+              <a:t>홍인형</a:t>
+            </a:r>
+            <a:endParaRPr kumimoji="1" lang="en-US" altLang="ko-KR" sz="1100" b="1" u="sng" dirty="0" smtClean="0">
+              <a:solidFill>
+                <a:srgbClr val="00B0F0"/>
+              </a:solidFill>
+            </a:endParaRPr>
+          </a:p>
+          <a:p>
+            <a:endParaRPr kumimoji="1" lang="en-US" altLang="ko-KR" sz="500" b="1" dirty="0">
+              <a:solidFill>
+                <a:srgbClr val="00B0F0"/>
+              </a:solidFill>
+            </a:endParaRPr>
+          </a:p>
+          <a:p>
+            <a:pPr algn="r"/>
+            <a:r>
+              <a:rPr kumimoji="1" lang="en-US" altLang="ko-KR" sz="1200" b="1" u="sng" dirty="0" smtClean="0">
+                <a:solidFill>
+                  <a:schemeClr val="tx1">
+                    <a:lumMod val="75000"/>
+                    <a:lumOff val="25000"/>
+                  </a:schemeClr>
+                </a:solidFill>
+              </a:rPr>
+              <a:t>   35,000  </a:t>
+            </a:r>
+            <a:r>
+              <a:rPr kumimoji="1" lang="ko-KR" altLang="en-US" sz="1200" b="1" dirty="0" smtClean="0">
+                <a:solidFill>
+                  <a:schemeClr val="tx1">
+                    <a:lumMod val="75000"/>
+                    <a:lumOff val="25000"/>
+                  </a:schemeClr>
+                </a:solidFill>
+              </a:rPr>
+              <a:t>원</a:t>
+            </a:r>
+            <a:endParaRPr kumimoji="1" lang="en-US" altLang="ko-KR" sz="1200" b="1" dirty="0">
+              <a:solidFill>
+                <a:schemeClr val="tx1">
+                  <a:lumMod val="75000"/>
+                  <a:lumOff val="25000"/>
+                </a:schemeClr>
+              </a:solidFill>
+            </a:endParaRPr>
+          </a:p>
+        </p:txBody>
+      </p:sp>
+      <p:sp>
+        <p:nvSpPr>
+          <p:cNvPr id="17" name="자유형 16">
+            <a:extLst>
+              <a:ext uri="{FF2B5EF4-FFF2-40B4-BE49-F238E27FC236}">
+                <a16:creationId xmlns:a16="http://schemas.microsoft.com/office/drawing/2014/main" id="{D118E58B-320B-8847-9091-5DBE4CFBE0D7}"/>
+              </a:ext>
+            </a:extLst>
+          </p:cNvPr>
+          <p:cNvSpPr/>
+          <p:nvPr/>
+        </p:nvSpPr>
+        <p:spPr>
+          <a:xfrm rot="13405530">
+            <a:off x="7047294" y="1185283"/>
+            <a:ext cx="43065" cy="210710"/>
+          </a:xfrm>
+          <a:custGeom>
+            <a:avLst/>
+            <a:gdLst>
+              <a:gd name="connsiteX0" fmla="*/ 0 w 1060704"/>
+              <a:gd name="connsiteY0" fmla="*/ 5330311 h 5708910"/>
+              <a:gd name="connsiteX1" fmla="*/ 1060704 w 1060704"/>
+              <a:gd name="connsiteY1" fmla="*/ 5330311 h 5708910"/>
+              <a:gd name="connsiteX2" fmla="*/ 1060704 w 1060704"/>
+              <a:gd name="connsiteY2" fmla="*/ 5708910 h 5708910"/>
+              <a:gd name="connsiteX3" fmla="*/ 0 w 1060704"/>
+              <a:gd name="connsiteY3" fmla="*/ 5708910 h 5708910"/>
+              <a:gd name="connsiteX4" fmla="*/ 0 w 1060704"/>
+              <a:gd name="connsiteY4" fmla="*/ 1164371 h 5708910"/>
+              <a:gd name="connsiteX5" fmla="*/ 1060704 w 1060704"/>
+              <a:gd name="connsiteY5" fmla="*/ 1164371 h 5708910"/>
+              <a:gd name="connsiteX6" fmla="*/ 1060704 w 1060704"/>
+              <a:gd name="connsiteY6" fmla="*/ 5084090 h 5708910"/>
+              <a:gd name="connsiteX7" fmla="*/ 0 w 1060704"/>
+              <a:gd name="connsiteY7" fmla="*/ 5084090 h 5708910"/>
+              <a:gd name="connsiteX8" fmla="*/ 530352 w 1060704"/>
+              <a:gd name="connsiteY8" fmla="*/ 0 h 5708910"/>
+              <a:gd name="connsiteX9" fmla="*/ 1060704 w 1060704"/>
+              <a:gd name="connsiteY9" fmla="*/ 914400 h 5708910"/>
+              <a:gd name="connsiteX10" fmla="*/ 0 w 1060704"/>
+              <a:gd name="connsiteY10" fmla="*/ 914400 h 5708910"/>
+            </a:gdLst>
+            <a:ahLst/>
+            <a:cxnLst>
+              <a:cxn ang="0">
+                <a:pos x="connsiteX0" y="connsiteY0"/>
+              </a:cxn>
+              <a:cxn ang="0">
+                <a:pos x="connsiteX1" y="connsiteY1"/>
+              </a:cxn>
+              <a:cxn ang="0">
+                <a:pos x="connsiteX2" y="connsiteY2"/>
+              </a:cxn>
+              <a:cxn ang="0">
+                <a:pos x="connsiteX3" y="connsiteY3"/>
+              </a:cxn>
+              <a:cxn ang="0">
+                <a:pos x="connsiteX4" y="connsiteY4"/>
+              </a:cxn>
+              <a:cxn ang="0">
+                <a:pos x="connsiteX5" y="connsiteY5"/>
+              </a:cxn>
+              <a:cxn ang="0">
+                <a:pos x="connsiteX6" y="connsiteY6"/>
+              </a:cxn>
+              <a:cxn ang="0">
+                <a:pos x="connsiteX7" y="connsiteY7"/>
+              </a:cxn>
+              <a:cxn ang="0">
+                <a:pos x="connsiteX8" y="connsiteY8"/>
+              </a:cxn>
+              <a:cxn ang="0">
+                <a:pos x="connsiteX9" y="connsiteY9"/>
+              </a:cxn>
+              <a:cxn ang="0">
+                <a:pos x="connsiteX10" y="connsiteY10"/>
+              </a:cxn>
+            </a:cxnLst>
+            <a:rect l="l" t="t" r="r" b="b"/>
+            <a:pathLst>
+              <a:path w="1060704" h="5708910">
+                <a:moveTo>
+                  <a:pt x="0" y="5330311"/>
+                </a:moveTo>
+                <a:lnTo>
+                  <a:pt x="1060704" y="5330311"/>
+                </a:lnTo>
+                <a:lnTo>
+                  <a:pt x="1060704" y="5708910"/>
+                </a:lnTo>
+                <a:lnTo>
+                  <a:pt x="0" y="5708910"/>
+                </a:lnTo>
+                <a:close/>
+                <a:moveTo>
+                  <a:pt x="0" y="1164371"/>
+                </a:moveTo>
+                <a:lnTo>
+                  <a:pt x="1060704" y="1164371"/>
+                </a:lnTo>
+                <a:lnTo>
+                  <a:pt x="1060704" y="5084090"/>
+                </a:lnTo>
+                <a:lnTo>
+                  <a:pt x="0" y="5084090"/>
+                </a:lnTo>
+                <a:close/>
+                <a:moveTo>
+                  <a:pt x="530352" y="0"/>
+                </a:moveTo>
+                <a:lnTo>
+                  <a:pt x="1060704" y="914400"/>
+                </a:lnTo>
+                <a:lnTo>
+                  <a:pt x="0" y="914400"/>
+                </a:lnTo>
+                <a:close/>
+              </a:path>
+            </a:pathLst>
+          </a:custGeom>
+          <a:solidFill>
+            <a:schemeClr val="tx1">
+              <a:lumMod val="50000"/>
+              <a:lumOff val="50000"/>
+            </a:schemeClr>
+          </a:solidFill>
+          <a:ln>
+            <a:noFill/>
+          </a:ln>
+        </p:spPr>
+        <p:style>
+          <a:lnRef idx="2">
+            <a:schemeClr val="accent1">
+              <a:shade val="50000"/>
+            </a:schemeClr>
+          </a:lnRef>
+          <a:fillRef idx="1">
+            <a:schemeClr val="accent1"/>
+          </a:fillRef>
+          <a:effectRef idx="0">
+            <a:schemeClr val="accent1"/>
+          </a:effectRef>
+          <a:fontRef idx="minor">
+            <a:schemeClr val="lt1"/>
+          </a:fontRef>
+        </p:style>
+        <p:txBody>
+          <a:bodyPr rtlCol="0" anchor="ctr"/>
+          <a:lstStyle/>
+          <a:p>
+            <a:pPr algn="ctr"/>
             <a:endParaRPr kumimoji="1" lang="ko-KR" altLang="en-US"/>
           </a:p>
         </p:txBody>
       </p:sp>
+      <p:sp>
+        <p:nvSpPr>
+          <p:cNvPr id="18" name="모서리가 둥근 직사각형 17">
+            <a:extLst>
+              <a:ext uri="{FF2B5EF4-FFF2-40B4-BE49-F238E27FC236}">
+                <a16:creationId xmlns:a16="http://schemas.microsoft.com/office/drawing/2014/main" id="{09A9694D-0652-AE48-A0AC-1AAC084FD95D}"/>
+              </a:ext>
+            </a:extLst>
+          </p:cNvPr>
+          <p:cNvSpPr/>
+          <p:nvPr/>
+        </p:nvSpPr>
+        <p:spPr>
+          <a:xfrm>
+            <a:off x="5079422" y="3536900"/>
+            <a:ext cx="2033155" cy="484040"/>
+          </a:xfrm>
+          <a:prstGeom prst="roundRect">
+            <a:avLst>
+              <a:gd name="adj" fmla="val 12230"/>
+            </a:avLst>
+          </a:prstGeom>
+          <a:solidFill>
+            <a:schemeClr val="bg1"/>
+          </a:solidFill>
+          <a:ln>
+            <a:solidFill>
+              <a:schemeClr val="bg1">
+                <a:lumMod val="75000"/>
+              </a:schemeClr>
+            </a:solidFill>
+          </a:ln>
+        </p:spPr>
+        <p:style>
+          <a:lnRef idx="2">
+            <a:schemeClr val="accent1">
+              <a:shade val="50000"/>
+            </a:schemeClr>
+          </a:lnRef>
+          <a:fillRef idx="1">
+            <a:schemeClr val="accent1"/>
+          </a:fillRef>
+          <a:effectRef idx="0">
+            <a:schemeClr val="accent1"/>
+          </a:effectRef>
+          <a:fontRef idx="minor">
+            <a:schemeClr val="lt1"/>
+          </a:fontRef>
+        </p:style>
+        <p:txBody>
+          <a:bodyPr rot="0" spcFirstLastPara="0" vertOverflow="overflow" horzOverflow="overflow" vert="horz" wrap="square" lIns="91440" tIns="45720" rIns="91440" bIns="45720" numCol="1" spcCol="0" rtlCol="0" fromWordArt="0" anchor="ctr" anchorCtr="0" forceAA="0" compatLnSpc="1">
+            <a:prstTxWarp prst="textNoShape">
+              <a:avLst/>
+            </a:prstTxWarp>
+            <a:noAutofit/>
+          </a:bodyPr>
+          <a:lstStyle/>
+          <a:p>
+            <a:r>
+              <a:rPr kumimoji="1" lang="ko-KR" altLang="en-US" sz="1100" b="1" dirty="0" err="1" smtClean="0">
+                <a:solidFill>
+                  <a:schemeClr val="tx1">
+                    <a:lumMod val="75000"/>
+                    <a:lumOff val="25000"/>
+                  </a:schemeClr>
+                </a:solidFill>
+              </a:rPr>
+              <a:t>홍인형</a:t>
+            </a:r>
+            <a:endParaRPr kumimoji="1" lang="en-US" altLang="ko-KR" sz="1100" b="1" dirty="0">
+              <a:solidFill>
+                <a:schemeClr val="tx1">
+                  <a:lumMod val="75000"/>
+                  <a:lumOff val="25000"/>
+                </a:schemeClr>
+              </a:solidFill>
+            </a:endParaRPr>
+          </a:p>
+          <a:p>
+            <a:pPr algn="r"/>
+            <a:r>
+              <a:rPr kumimoji="1" lang="en-US" altLang="ko-KR" sz="1000" u="sng" dirty="0">
+                <a:solidFill>
+                  <a:schemeClr val="tx1">
+                    <a:lumMod val="75000"/>
+                    <a:lumOff val="25000"/>
+                  </a:schemeClr>
+                </a:solidFill>
+              </a:rPr>
+              <a:t> </a:t>
+            </a:r>
+            <a:r>
+              <a:rPr kumimoji="1" lang="en-US" altLang="ko-KR" sz="1000" u="sng" dirty="0" smtClean="0">
+                <a:solidFill>
+                  <a:schemeClr val="tx1">
+                    <a:lumMod val="75000"/>
+                    <a:lumOff val="25000"/>
+                  </a:schemeClr>
+                </a:solidFill>
+              </a:rPr>
+              <a:t> 10,00</a:t>
+            </a:r>
+            <a:r>
+              <a:rPr kumimoji="1" lang="en-US" altLang="ko-KR" sz="1000" u="sng" dirty="0" smtClean="0">
+                <a:solidFill>
+                  <a:schemeClr val="tx1">
+                    <a:lumMod val="75000"/>
+                    <a:lumOff val="25000"/>
+                  </a:schemeClr>
+                </a:solidFill>
+              </a:rPr>
+              <a:t>0  </a:t>
+            </a:r>
+            <a:r>
+              <a:rPr kumimoji="1" lang="ko-KR" altLang="en-US" sz="1000" dirty="0" smtClean="0">
+                <a:solidFill>
+                  <a:schemeClr val="tx1">
+                    <a:lumMod val="75000"/>
+                    <a:lumOff val="25000"/>
+                  </a:schemeClr>
+                </a:solidFill>
+              </a:rPr>
+              <a:t>원</a:t>
+            </a:r>
+            <a:endParaRPr kumimoji="1" lang="ko-KR" altLang="en-US" sz="1000" dirty="0">
+              <a:solidFill>
+                <a:schemeClr val="tx1">
+                  <a:lumMod val="75000"/>
+                  <a:lumOff val="25000"/>
+                </a:schemeClr>
+              </a:solidFill>
+            </a:endParaRPr>
+          </a:p>
+        </p:txBody>
+      </p:sp>
+      <p:sp>
+        <p:nvSpPr>
+          <p:cNvPr id="19" name="직사각형 18">
+            <a:extLst>
+              <a:ext uri="{FF2B5EF4-FFF2-40B4-BE49-F238E27FC236}">
+                <a16:creationId xmlns:a16="http://schemas.microsoft.com/office/drawing/2014/main" id="{1DF4C30D-B860-CF42-A2D2-8933EF262E6F}"/>
+              </a:ext>
+            </a:extLst>
+          </p:cNvPr>
+          <p:cNvSpPr/>
+          <p:nvPr/>
+        </p:nvSpPr>
+        <p:spPr>
+          <a:xfrm>
+            <a:off x="4894025" y="1972497"/>
+            <a:ext cx="2403951" cy="491303"/>
+          </a:xfrm>
+          <a:prstGeom prst="rect">
+            <a:avLst/>
+          </a:prstGeom>
+          <a:solidFill>
+            <a:schemeClr val="bg1"/>
+          </a:solidFill>
+          <a:ln>
+            <a:solidFill>
+              <a:schemeClr val="bg1">
+                <a:lumMod val="75000"/>
+              </a:schemeClr>
+            </a:solidFill>
+          </a:ln>
+        </p:spPr>
+        <p:style>
+          <a:lnRef idx="2">
+            <a:schemeClr val="accent1">
+              <a:shade val="50000"/>
+            </a:schemeClr>
+          </a:lnRef>
+          <a:fillRef idx="1">
+            <a:schemeClr val="accent1"/>
+          </a:fillRef>
+          <a:effectRef idx="0">
+            <a:schemeClr val="accent1"/>
+          </a:effectRef>
+          <a:fontRef idx="minor">
+            <a:schemeClr val="lt1"/>
+          </a:fontRef>
+        </p:style>
+        <p:txBody>
+          <a:bodyPr rtlCol="0" anchor="ctr"/>
+          <a:lstStyle/>
+          <a:p>
+            <a:pPr algn="ctr"/>
+            <a:endParaRPr kumimoji="1" lang="ko-KR" altLang="en-US"/>
+          </a:p>
+        </p:txBody>
+      </p:sp>
+      <p:sp>
+        <p:nvSpPr>
+          <p:cNvPr id="23" name="모서리가 둥근 직사각형 22">
+            <a:extLst>
+              <a:ext uri="{FF2B5EF4-FFF2-40B4-BE49-F238E27FC236}">
+                <a16:creationId xmlns:a16="http://schemas.microsoft.com/office/drawing/2014/main" id="{09A9694D-0652-AE48-A0AC-1AAC084FD95D}"/>
+              </a:ext>
+            </a:extLst>
+          </p:cNvPr>
+          <p:cNvSpPr/>
+          <p:nvPr/>
+        </p:nvSpPr>
+        <p:spPr>
+          <a:xfrm>
+            <a:off x="5009471" y="2055437"/>
+            <a:ext cx="661549" cy="294315"/>
+          </a:xfrm>
+          <a:prstGeom prst="roundRect">
+            <a:avLst>
+              <a:gd name="adj" fmla="val 12230"/>
+            </a:avLst>
+          </a:prstGeom>
+          <a:solidFill>
+            <a:schemeClr val="bg1"/>
+          </a:solidFill>
+          <a:ln>
+            <a:solidFill>
+              <a:schemeClr val="bg1">
+                <a:lumMod val="75000"/>
+              </a:schemeClr>
+            </a:solidFill>
+          </a:ln>
+        </p:spPr>
+        <p:style>
+          <a:lnRef idx="2">
+            <a:schemeClr val="accent1">
+              <a:shade val="50000"/>
+            </a:schemeClr>
+          </a:lnRef>
+          <a:fillRef idx="1">
+            <a:schemeClr val="accent1"/>
+          </a:fillRef>
+          <a:effectRef idx="0">
+            <a:schemeClr val="accent1"/>
+          </a:effectRef>
+          <a:fontRef idx="minor">
+            <a:schemeClr val="lt1"/>
+          </a:fontRef>
+        </p:style>
+        <p:txBody>
+          <a:bodyPr rot="0" spcFirstLastPara="0" vertOverflow="overflow" horzOverflow="overflow" vert="horz" wrap="square" lIns="91440" tIns="45720" rIns="91440" bIns="45720" numCol="1" spcCol="0" rtlCol="0" fromWordArt="0" anchor="ctr" anchorCtr="0" forceAA="0" compatLnSpc="1">
+            <a:prstTxWarp prst="textNoShape">
+              <a:avLst/>
+            </a:prstTxWarp>
+            <a:noAutofit/>
+          </a:bodyPr>
+          <a:lstStyle/>
+          <a:p>
+            <a:pPr algn="ctr"/>
+            <a:r>
+              <a:rPr kumimoji="1" lang="en-US" altLang="ko-KR" sz="1000" b="1" smtClean="0">
+                <a:solidFill>
+                  <a:schemeClr val="tx1">
+                    <a:lumMod val="75000"/>
+                    <a:lumOff val="25000"/>
+                  </a:schemeClr>
+                </a:solidFill>
+              </a:rPr>
+              <a:t>N</a:t>
+            </a:r>
+            <a:r>
+              <a:rPr kumimoji="1" lang="ko-KR" altLang="en-US" sz="1000" b="1" dirty="0" smtClean="0">
+                <a:solidFill>
+                  <a:schemeClr val="tx1">
+                    <a:lumMod val="75000"/>
+                    <a:lumOff val="25000"/>
+                  </a:schemeClr>
+                </a:solidFill>
+              </a:rPr>
+              <a:t>빵</a:t>
+            </a:r>
+            <a:endParaRPr kumimoji="1" lang="ko-KR" altLang="en-US" sz="1000" b="1" dirty="0">
+              <a:solidFill>
+                <a:schemeClr val="tx1">
+                  <a:lumMod val="75000"/>
+                  <a:lumOff val="25000"/>
+                </a:schemeClr>
+              </a:solidFill>
+            </a:endParaRPr>
+          </a:p>
+        </p:txBody>
+      </p:sp>
+      <p:sp>
+        <p:nvSpPr>
+          <p:cNvPr id="24" name="모서리가 둥근 직사각형 23">
+            <a:extLst>
+              <a:ext uri="{FF2B5EF4-FFF2-40B4-BE49-F238E27FC236}">
+                <a16:creationId xmlns:a16="http://schemas.microsoft.com/office/drawing/2014/main" id="{09A9694D-0652-AE48-A0AC-1AAC084FD95D}"/>
+              </a:ext>
+            </a:extLst>
+          </p:cNvPr>
+          <p:cNvSpPr/>
+          <p:nvPr/>
+        </p:nvSpPr>
+        <p:spPr>
+          <a:xfrm>
+            <a:off x="5772306" y="2055437"/>
+            <a:ext cx="661549" cy="294315"/>
+          </a:xfrm>
+          <a:prstGeom prst="roundRect">
+            <a:avLst>
+              <a:gd name="adj" fmla="val 12230"/>
+            </a:avLst>
+          </a:prstGeom>
+          <a:solidFill>
+            <a:schemeClr val="bg1"/>
+          </a:solidFill>
+          <a:ln>
+            <a:solidFill>
+              <a:schemeClr val="bg1">
+                <a:lumMod val="75000"/>
+              </a:schemeClr>
+            </a:solidFill>
+          </a:ln>
+        </p:spPr>
+        <p:style>
+          <a:lnRef idx="2">
+            <a:schemeClr val="accent1">
+              <a:shade val="50000"/>
+            </a:schemeClr>
+          </a:lnRef>
+          <a:fillRef idx="1">
+            <a:schemeClr val="accent1"/>
+          </a:fillRef>
+          <a:effectRef idx="0">
+            <a:schemeClr val="accent1"/>
+          </a:effectRef>
+          <a:fontRef idx="minor">
+            <a:schemeClr val="lt1"/>
+          </a:fontRef>
+        </p:style>
+        <p:txBody>
+          <a:bodyPr rot="0" spcFirstLastPara="0" vertOverflow="overflow" horzOverflow="overflow" vert="horz" wrap="square" lIns="91440" tIns="45720" rIns="91440" bIns="45720" numCol="1" spcCol="0" rtlCol="0" fromWordArt="0" anchor="ctr" anchorCtr="0" forceAA="0" compatLnSpc="1">
+            <a:prstTxWarp prst="textNoShape">
+              <a:avLst/>
+            </a:prstTxWarp>
+            <a:noAutofit/>
+          </a:bodyPr>
+          <a:lstStyle/>
+          <a:p>
+            <a:pPr algn="ctr"/>
+            <a:r>
+              <a:rPr kumimoji="1" lang="ko-KR" altLang="en-US" sz="1000" b="1" dirty="0" smtClean="0">
+                <a:solidFill>
+                  <a:schemeClr val="tx1">
+                    <a:lumMod val="75000"/>
+                    <a:lumOff val="25000"/>
+                  </a:schemeClr>
+                </a:solidFill>
+              </a:rPr>
+              <a:t>랜덤</a:t>
+            </a:r>
+            <a:endParaRPr kumimoji="1" lang="ko-KR" altLang="en-US" sz="1000" b="1" dirty="0">
+              <a:solidFill>
+                <a:schemeClr val="tx1">
+                  <a:lumMod val="75000"/>
+                  <a:lumOff val="25000"/>
+                </a:schemeClr>
+              </a:solidFill>
+            </a:endParaRPr>
+          </a:p>
+        </p:txBody>
+      </p:sp>
+      <p:sp>
+        <p:nvSpPr>
+          <p:cNvPr id="30" name="모서리가 둥근 직사각형 29">
+            <a:extLst>
+              <a:ext uri="{FF2B5EF4-FFF2-40B4-BE49-F238E27FC236}">
+                <a16:creationId xmlns:a16="http://schemas.microsoft.com/office/drawing/2014/main" id="{09A9694D-0652-AE48-A0AC-1AAC084FD95D}"/>
+              </a:ext>
+            </a:extLst>
+          </p:cNvPr>
+          <p:cNvSpPr/>
+          <p:nvPr/>
+        </p:nvSpPr>
+        <p:spPr>
+          <a:xfrm>
+            <a:off x="6535141" y="2055437"/>
+            <a:ext cx="661549" cy="294315"/>
+          </a:xfrm>
+          <a:prstGeom prst="roundRect">
+            <a:avLst>
+              <a:gd name="adj" fmla="val 12230"/>
+            </a:avLst>
+          </a:prstGeom>
+          <a:solidFill>
+            <a:schemeClr val="bg1"/>
+          </a:solidFill>
+          <a:ln>
+            <a:solidFill>
+              <a:schemeClr val="bg1">
+                <a:lumMod val="75000"/>
+              </a:schemeClr>
+            </a:solidFill>
+          </a:ln>
+        </p:spPr>
+        <p:style>
+          <a:lnRef idx="2">
+            <a:schemeClr val="accent1">
+              <a:shade val="50000"/>
+            </a:schemeClr>
+          </a:lnRef>
+          <a:fillRef idx="1">
+            <a:schemeClr val="accent1"/>
+          </a:fillRef>
+          <a:effectRef idx="0">
+            <a:schemeClr val="accent1"/>
+          </a:effectRef>
+          <a:fontRef idx="minor">
+            <a:schemeClr val="lt1"/>
+          </a:fontRef>
+        </p:style>
+        <p:txBody>
+          <a:bodyPr rot="0" spcFirstLastPara="0" vertOverflow="overflow" horzOverflow="overflow" vert="horz" wrap="square" lIns="91440" tIns="45720" rIns="91440" bIns="45720" numCol="1" spcCol="0" rtlCol="0" fromWordArt="0" anchor="ctr" anchorCtr="0" forceAA="0" compatLnSpc="1">
+            <a:prstTxWarp prst="textNoShape">
+              <a:avLst/>
+            </a:prstTxWarp>
+            <a:noAutofit/>
+          </a:bodyPr>
+          <a:lstStyle/>
+          <a:p>
+            <a:pPr algn="ctr"/>
+            <a:r>
+              <a:rPr kumimoji="1" lang="ko-KR" altLang="en-US" sz="1000" b="1" dirty="0" smtClean="0">
+                <a:solidFill>
+                  <a:schemeClr val="tx1">
+                    <a:lumMod val="75000"/>
+                    <a:lumOff val="25000"/>
+                  </a:schemeClr>
+                </a:solidFill>
+              </a:rPr>
+              <a:t>각자</a:t>
+            </a:r>
+            <a:endParaRPr kumimoji="1" lang="ko-KR" altLang="en-US" sz="1000" b="1" dirty="0">
+              <a:solidFill>
+                <a:schemeClr val="tx1">
+                  <a:lumMod val="75000"/>
+                  <a:lumOff val="25000"/>
+                </a:schemeClr>
+              </a:solidFill>
+            </a:endParaRPr>
+          </a:p>
+        </p:txBody>
+      </p:sp>
+      <p:sp>
+        <p:nvSpPr>
+          <p:cNvPr id="36" name="TextBox 35">
+            <a:extLst>
+              <a:ext uri="{FF2B5EF4-FFF2-40B4-BE49-F238E27FC236}">
+                <a16:creationId xmlns:a16="http://schemas.microsoft.com/office/drawing/2014/main" id="{001529B2-C00D-4D4F-BEB9-70140837CDB4}"/>
+              </a:ext>
+            </a:extLst>
+          </p:cNvPr>
+          <p:cNvSpPr txBox="1"/>
+          <p:nvPr/>
+        </p:nvSpPr>
+        <p:spPr>
+          <a:xfrm>
+            <a:off x="5754268" y="6299817"/>
+            <a:ext cx="697627" cy="246221"/>
+          </a:xfrm>
+          <a:prstGeom prst="rect">
+            <a:avLst/>
+          </a:prstGeom>
+          <a:noFill/>
+        </p:spPr>
+        <p:txBody>
+          <a:bodyPr wrap="none" rtlCol="0">
+            <a:spAutoFit/>
+          </a:bodyPr>
+          <a:lstStyle/>
+          <a:p>
+            <a:pPr algn="ctr"/>
+            <a:r>
+              <a:rPr kumimoji="1" lang="ko-KR" altLang="en-US" sz="1000" dirty="0">
+                <a:solidFill>
+                  <a:srgbClr val="00B0F0"/>
+                </a:solidFill>
+              </a:rPr>
+              <a:t>로그아웃</a:t>
+            </a:r>
+          </a:p>
+        </p:txBody>
+      </p:sp>
+      <p:sp>
+        <p:nvSpPr>
+          <p:cNvPr id="37" name="TextBox 36">
+            <a:extLst>
+              <a:ext uri="{FF2B5EF4-FFF2-40B4-BE49-F238E27FC236}">
+                <a16:creationId xmlns:a16="http://schemas.microsoft.com/office/drawing/2014/main" id="{69074E22-F89C-A349-8330-71928693398F}"/>
+              </a:ext>
+            </a:extLst>
+          </p:cNvPr>
+          <p:cNvSpPr txBox="1"/>
+          <p:nvPr/>
+        </p:nvSpPr>
+        <p:spPr>
+          <a:xfrm>
+            <a:off x="5525535" y="6485507"/>
+            <a:ext cx="1141659" cy="253916"/>
+          </a:xfrm>
+          <a:prstGeom prst="rect">
+            <a:avLst/>
+          </a:prstGeom>
+          <a:noFill/>
+        </p:spPr>
+        <p:txBody>
+          <a:bodyPr wrap="none" rtlCol="0">
+            <a:spAutoFit/>
+          </a:bodyPr>
+          <a:lstStyle/>
+          <a:p>
+            <a:r>
+              <a:rPr kumimoji="1" lang="en-US" altLang="ko-KR" sz="1050" dirty="0">
+                <a:solidFill>
+                  <a:schemeClr val="bg1">
+                    <a:lumMod val="50000"/>
+                  </a:schemeClr>
+                </a:solidFill>
+              </a:rPr>
+              <a:t>@ </a:t>
+            </a:r>
+            <a:r>
+              <a:rPr kumimoji="1" lang="en-US" altLang="ko-KR" sz="1050" dirty="0" err="1">
+                <a:solidFill>
+                  <a:schemeClr val="bg1">
+                    <a:lumMod val="50000"/>
+                  </a:schemeClr>
+                </a:solidFill>
+              </a:rPr>
+              <a:t>about_JCube</a:t>
+            </a:r>
+            <a:endParaRPr kumimoji="1" lang="en-US" altLang="ko-KR" sz="1050" dirty="0">
+              <a:solidFill>
+                <a:schemeClr val="bg1">
+                  <a:lumMod val="50000"/>
+                </a:schemeClr>
+              </a:solidFill>
+            </a:endParaRPr>
+          </a:p>
+        </p:txBody>
+      </p:sp>
+      <p:sp>
+        <p:nvSpPr>
+          <p:cNvPr id="38" name="직사각형 37">
+            <a:extLst>
+              <a:ext uri="{FF2B5EF4-FFF2-40B4-BE49-F238E27FC236}">
+                <a16:creationId xmlns:a16="http://schemas.microsoft.com/office/drawing/2014/main" id="{1DF4C30D-B860-CF42-A2D2-8933EF262E6F}"/>
+              </a:ext>
+            </a:extLst>
+          </p:cNvPr>
+          <p:cNvSpPr/>
+          <p:nvPr/>
+        </p:nvSpPr>
+        <p:spPr>
+          <a:xfrm>
+            <a:off x="4901105" y="5693037"/>
+            <a:ext cx="2403951" cy="489240"/>
+          </a:xfrm>
+          <a:prstGeom prst="rect">
+            <a:avLst/>
+          </a:prstGeom>
+          <a:solidFill>
+            <a:schemeClr val="bg1"/>
+          </a:solidFill>
+          <a:ln>
+            <a:solidFill>
+              <a:schemeClr val="bg1">
+                <a:lumMod val="75000"/>
+              </a:schemeClr>
+            </a:solidFill>
+          </a:ln>
+        </p:spPr>
+        <p:style>
+          <a:lnRef idx="2">
+            <a:schemeClr val="accent1">
+              <a:shade val="50000"/>
+            </a:schemeClr>
+          </a:lnRef>
+          <a:fillRef idx="1">
+            <a:schemeClr val="accent1"/>
+          </a:fillRef>
+          <a:effectRef idx="0">
+            <a:schemeClr val="accent1"/>
+          </a:effectRef>
+          <a:fontRef idx="minor">
+            <a:schemeClr val="lt1"/>
+          </a:fontRef>
+        </p:style>
+        <p:txBody>
+          <a:bodyPr rtlCol="0" anchor="ctr"/>
+          <a:lstStyle/>
+          <a:p>
+            <a:pPr algn="ctr"/>
+            <a:endParaRPr kumimoji="1" lang="ko-KR" altLang="en-US"/>
+          </a:p>
+        </p:txBody>
+      </p:sp>
+      <p:sp>
+        <p:nvSpPr>
+          <p:cNvPr id="39" name="모서리가 둥근 직사각형 38">
+            <a:extLst>
+              <a:ext uri="{FF2B5EF4-FFF2-40B4-BE49-F238E27FC236}">
+                <a16:creationId xmlns:a16="http://schemas.microsoft.com/office/drawing/2014/main" id="{09A9694D-0652-AE48-A0AC-1AAC084FD95D}"/>
+              </a:ext>
+            </a:extLst>
+          </p:cNvPr>
+          <p:cNvSpPr/>
+          <p:nvPr/>
+        </p:nvSpPr>
+        <p:spPr>
+          <a:xfrm>
+            <a:off x="6144004" y="5801091"/>
+            <a:ext cx="968573" cy="294315"/>
+          </a:xfrm>
+          <a:prstGeom prst="roundRect">
+            <a:avLst>
+              <a:gd name="adj" fmla="val 12230"/>
+            </a:avLst>
+          </a:prstGeom>
+          <a:solidFill>
+            <a:srgbClr val="00A5FA"/>
+          </a:solidFill>
+          <a:ln>
+            <a:solidFill>
+              <a:srgbClr val="00B0F0"/>
+            </a:solidFill>
+          </a:ln>
+        </p:spPr>
+        <p:style>
+          <a:lnRef idx="2">
+            <a:schemeClr val="accent1">
+              <a:shade val="50000"/>
+            </a:schemeClr>
+          </a:lnRef>
+          <a:fillRef idx="1">
+            <a:schemeClr val="accent1"/>
+          </a:fillRef>
+          <a:effectRef idx="0">
+            <a:schemeClr val="accent1"/>
+          </a:effectRef>
+          <a:fontRef idx="minor">
+            <a:schemeClr val="lt1"/>
+          </a:fontRef>
+        </p:style>
+        <p:txBody>
+          <a:bodyPr rot="0" spcFirstLastPara="0" vertOverflow="overflow" horzOverflow="overflow" vert="horz" wrap="square" lIns="91440" tIns="45720" rIns="91440" bIns="45720" numCol="1" spcCol="0" rtlCol="0" fromWordArt="0" anchor="ctr" anchorCtr="0" forceAA="0" compatLnSpc="1">
+            <a:prstTxWarp prst="textNoShape">
+              <a:avLst/>
+            </a:prstTxWarp>
+            <a:noAutofit/>
+          </a:bodyPr>
+          <a:lstStyle/>
+          <a:p>
+            <a:pPr algn="ctr"/>
+            <a:r>
+              <a:rPr kumimoji="1" lang="ko-KR" altLang="en-US" sz="1000" b="1" dirty="0" smtClean="0">
+                <a:solidFill>
+                  <a:schemeClr val="tx1">
+                    <a:lumMod val="75000"/>
+                    <a:lumOff val="25000"/>
+                  </a:schemeClr>
+                </a:solidFill>
+              </a:rPr>
+              <a:t>확인</a:t>
+            </a:r>
+            <a:endParaRPr kumimoji="1" lang="ko-KR" altLang="en-US" sz="1000" b="1" dirty="0">
+              <a:solidFill>
+                <a:schemeClr val="tx1">
+                  <a:lumMod val="75000"/>
+                  <a:lumOff val="25000"/>
+                </a:schemeClr>
+              </a:solidFill>
+            </a:endParaRPr>
+          </a:p>
+        </p:txBody>
+      </p:sp>
+      <p:sp>
+        <p:nvSpPr>
+          <p:cNvPr id="40" name="모서리가 둥근 직사각형 39">
+            <a:extLst>
+              <a:ext uri="{FF2B5EF4-FFF2-40B4-BE49-F238E27FC236}">
+                <a16:creationId xmlns:a16="http://schemas.microsoft.com/office/drawing/2014/main" id="{09A9694D-0652-AE48-A0AC-1AAC084FD95D}"/>
+              </a:ext>
+            </a:extLst>
+          </p:cNvPr>
+          <p:cNvSpPr/>
+          <p:nvPr/>
+        </p:nvSpPr>
+        <p:spPr>
+          <a:xfrm>
+            <a:off x="5079422" y="5801091"/>
+            <a:ext cx="968573" cy="294315"/>
+          </a:xfrm>
+          <a:prstGeom prst="roundRect">
+            <a:avLst>
+              <a:gd name="adj" fmla="val 12230"/>
+            </a:avLst>
+          </a:prstGeom>
+          <a:solidFill>
+            <a:schemeClr val="bg1"/>
+          </a:solidFill>
+          <a:ln>
+            <a:solidFill>
+              <a:schemeClr val="bg1">
+                <a:lumMod val="75000"/>
+              </a:schemeClr>
+            </a:solidFill>
+          </a:ln>
+        </p:spPr>
+        <p:style>
+          <a:lnRef idx="2">
+            <a:schemeClr val="accent1">
+              <a:shade val="50000"/>
+            </a:schemeClr>
+          </a:lnRef>
+          <a:fillRef idx="1">
+            <a:schemeClr val="accent1"/>
+          </a:fillRef>
+          <a:effectRef idx="0">
+            <a:schemeClr val="accent1"/>
+          </a:effectRef>
+          <a:fontRef idx="minor">
+            <a:schemeClr val="lt1"/>
+          </a:fontRef>
+        </p:style>
+        <p:txBody>
+          <a:bodyPr rot="0" spcFirstLastPara="0" vertOverflow="overflow" horzOverflow="overflow" vert="horz" wrap="square" lIns="91440" tIns="45720" rIns="91440" bIns="45720" numCol="1" spcCol="0" rtlCol="0" fromWordArt="0" anchor="ctr" anchorCtr="0" forceAA="0" compatLnSpc="1">
+            <a:prstTxWarp prst="textNoShape">
+              <a:avLst/>
+            </a:prstTxWarp>
+            <a:noAutofit/>
+          </a:bodyPr>
+          <a:lstStyle/>
+          <a:p>
+            <a:pPr algn="ctr"/>
+            <a:r>
+              <a:rPr kumimoji="1" lang="ko-KR" altLang="en-US" sz="1000" b="1" dirty="0" smtClean="0">
+                <a:solidFill>
+                  <a:schemeClr val="tx1">
+                    <a:lumMod val="75000"/>
+                    <a:lumOff val="25000"/>
+                  </a:schemeClr>
+                </a:solidFill>
+              </a:rPr>
+              <a:t>취소</a:t>
+            </a:r>
+            <a:endParaRPr kumimoji="1" lang="ko-KR" altLang="en-US" sz="1000" b="1" dirty="0">
+              <a:solidFill>
+                <a:schemeClr val="tx1">
+                  <a:lumMod val="75000"/>
+                  <a:lumOff val="25000"/>
+                </a:schemeClr>
+              </a:solidFill>
+            </a:endParaRPr>
+          </a:p>
+        </p:txBody>
+      </p:sp>
+      <p:cxnSp>
+        <p:nvCxnSpPr>
+          <p:cNvPr id="5" name="직선 연결선 4"/>
+          <p:cNvCxnSpPr/>
+          <p:nvPr/>
+        </p:nvCxnSpPr>
+        <p:spPr>
+          <a:xfrm>
+            <a:off x="5028567" y="2897834"/>
+            <a:ext cx="2126156" cy="0"/>
+          </a:xfrm>
+          <a:prstGeom prst="line">
+            <a:avLst/>
+          </a:prstGeom>
+          <a:ln>
+            <a:solidFill>
+              <a:schemeClr val="bg1">
+                <a:lumMod val="75000"/>
+              </a:schemeClr>
+            </a:solidFill>
+          </a:ln>
+        </p:spPr>
+        <p:style>
+          <a:lnRef idx="1">
+            <a:schemeClr val="accent1"/>
+          </a:lnRef>
+          <a:fillRef idx="0">
+            <a:schemeClr val="accent1"/>
+          </a:fillRef>
+          <a:effectRef idx="0">
+            <a:schemeClr val="accent1"/>
+          </a:effectRef>
+          <a:fontRef idx="minor">
+            <a:schemeClr val="tx1"/>
+          </a:fontRef>
+        </p:style>
+      </p:cxnSp>
     </p:spTree>
     <p:extLst>
       <p:ext uri="{BB962C8B-B14F-4D97-AF65-F5344CB8AC3E}">
-        <p14:creationId xmlns:p14="http://schemas.microsoft.com/office/powerpoint/2010/main" val="3396960544"/>
+        <p14:creationId xmlns:p14="http://schemas.microsoft.com/office/powerpoint/2010/main" val="4085856416"/>
       </p:ext>
     </p:extLst>
   </p:cSld>
   <p:clrMapOvr>
     <a:masterClrMapping/>
   </p:clrMapOvr>
-</p:sld>
-</file>
-
-<file path=ppt/slides/slide13.xml><?xml version="1.0" encoding="utf-8"?>
-<p:sld xmlns:a="http://schemas.openxmlformats.org/drawingml/2006/main" xmlns:r="http://schemas.openxmlformats.org/officeDocument/2006/relationships" xmlns:p="http://schemas.openxmlformats.org/presentationml/2006/main">
-  <p:cSld>
-    <p:spTree>
-      <p:nvGrpSpPr>
-        <p:cNvPr id="1" name=""/>
-        <p:cNvGrpSpPr/>
-        <p:nvPr/>
-      </p:nvGrpSpPr>
-      <p:grpSpPr>
-        <a:xfrm>
-          <a:off x="0" y="0"/>
-          <a:ext cx="0" cy="0"/>
-          <a:chOff x="0" y="0"/>
-          <a:chExt cx="0" cy="0"/>
-        </a:xfrm>
-      </p:grpSpPr>
-      <p:sp>
-        <p:nvSpPr>
-          <p:cNvPr id="2" name="제목 1">
-            <a:extLst>
-              <a:ext uri="{FF2B5EF4-FFF2-40B4-BE49-F238E27FC236}">
-                <a16:creationId xmlns:a16="http://schemas.microsoft.com/office/drawing/2014/main" id="{B6696ED3-0555-FC40-AA48-14ED9B5B3A50}"/>
-              </a:ext>
-            </a:extLst>
-          </p:cNvPr>
-          <p:cNvSpPr>
-            <a:spLocks noGrp="1"/>
-          </p:cNvSpPr>
-          <p:nvPr>
-            <p:ph type="title"/>
-          </p:nvPr>
-        </p:nvSpPr>
-        <p:spPr/>
-        <p:txBody>
-          <a:bodyPr/>
-          <a:lstStyle/>
-          <a:p>
-            <a:endParaRPr kumimoji="1" lang="ko-KR" altLang="en-US"/>
-          </a:p>
-        </p:txBody>
-      </p:sp>
-      <p:sp>
-        <p:nvSpPr>
-          <p:cNvPr id="3" name="내용 개체 틀 2">
-            <a:extLst>
-              <a:ext uri="{FF2B5EF4-FFF2-40B4-BE49-F238E27FC236}">
-                <a16:creationId xmlns:a16="http://schemas.microsoft.com/office/drawing/2014/main" id="{607F47F3-0D00-4947-8653-79C38CC93405}"/>
-              </a:ext>
-            </a:extLst>
-          </p:cNvPr>
-          <p:cNvSpPr>
-            <a:spLocks noGrp="1"/>
-          </p:cNvSpPr>
-          <p:nvPr>
-            <p:ph idx="1"/>
-          </p:nvPr>
-        </p:nvSpPr>
-        <p:spPr/>
-        <p:txBody>
-          <a:bodyPr/>
-          <a:lstStyle/>
-          <a:p>
-            <a:endParaRPr kumimoji="1" lang="ko-KR" altLang="en-US"/>
-          </a:p>
-        </p:txBody>
-      </p:sp>
-    </p:spTree>
-    <p:extLst>
-      <p:ext uri="{BB962C8B-B14F-4D97-AF65-F5344CB8AC3E}">
-        <p14:creationId xmlns:p14="http://schemas.microsoft.com/office/powerpoint/2010/main" val="1652025734"/>
-      </p:ext>
-    </p:extLst>
-  </p:cSld>
-  <p:clrMapOvr>
-    <a:masterClrMapping/>
-  </p:clrMapOvr>
+  <p:timing>
+    <p:tnLst>
+      <p:par>
+        <p:cTn id="1" dur="indefinite" restart="never" nodeType="tmRoot"/>
+      </p:par>
+    </p:tnLst>
+  </p:timing>
 </p:sld>
 </file>
 
@@ -9634,6 +11333,13 @@
   <p:clrMapOvr>
     <a:masterClrMapping/>
   </p:clrMapOvr>
+  <p:timing>
+    <p:tnLst>
+      <p:par>
+        <p:cTn id="1" dur="indefinite" restart="never" nodeType="tmRoot"/>
+      </p:par>
+    </p:tnLst>
+  </p:timing>
 </p:sld>
 </file>
 
@@ -10678,6 +12384,13 @@
   <p:clrMapOvr>
     <a:masterClrMapping/>
   </p:clrMapOvr>
+  <p:timing>
+    <p:tnLst>
+      <p:par>
+        <p:cTn id="1" dur="indefinite" restart="never" nodeType="tmRoot"/>
+      </p:par>
+    </p:tnLst>
+  </p:timing>
 </p:sld>
 </file>
 
@@ -12457,6 +14170,13 @@
   <p:clrMapOvr>
     <a:masterClrMapping/>
   </p:clrMapOvr>
+  <p:timing>
+    <p:tnLst>
+      <p:par>
+        <p:cTn id="1" dur="indefinite" restart="never" nodeType="tmRoot"/>
+      </p:par>
+    </p:tnLst>
+  </p:timing>
 </p:sld>
 </file>
 
@@ -13143,6 +14863,13 @@
   <p:clrMapOvr>
     <a:masterClrMapping/>
   </p:clrMapOvr>
+  <p:timing>
+    <p:tnLst>
+      <p:par>
+        <p:cTn id="1" dur="indefinite" restart="never" nodeType="tmRoot"/>
+      </p:par>
+    </p:tnLst>
+  </p:timing>
 </p:sld>
 </file>
 
@@ -13868,6 +15595,13 @@
   <p:clrMapOvr>
     <a:masterClrMapping/>
   </p:clrMapOvr>
+  <p:timing>
+    <p:tnLst>
+      <p:par>
+        <p:cTn id="1" dur="indefinite" restart="never" nodeType="tmRoot"/>
+      </p:par>
+    </p:tnLst>
+  </p:timing>
 </p:sld>
 </file>
 
@@ -14479,6 +16213,13 @@
   <p:clrMapOvr>
     <a:masterClrMapping/>
   </p:clrMapOvr>
+  <p:timing>
+    <p:tnLst>
+      <p:par>
+        <p:cTn id="1" dur="indefinite" restart="never" nodeType="tmRoot"/>
+      </p:par>
+    </p:tnLst>
+  </p:timing>
 </p:sld>
 </file>
 
@@ -14594,104 +16335,6 @@
       </p:sp>
       <p:sp>
         <p:nvSpPr>
-          <p:cNvPr id="15" name="TextBox 14">
-            <a:extLst>
-              <a:ext uri="{FF2B5EF4-FFF2-40B4-BE49-F238E27FC236}">
-                <a16:creationId xmlns:a16="http://schemas.microsoft.com/office/drawing/2014/main" id="{001529B2-C00D-4D4F-BEB9-70140837CDB4}"/>
-              </a:ext>
-            </a:extLst>
-          </p:cNvPr>
-          <p:cNvSpPr txBox="1"/>
-          <p:nvPr/>
-        </p:nvSpPr>
-        <p:spPr>
-          <a:xfrm>
-            <a:off x="5754268" y="6227856"/>
-            <a:ext cx="697627" cy="246221"/>
-          </a:xfrm>
-          <a:prstGeom prst="rect">
-            <a:avLst/>
-          </a:prstGeom>
-          <a:noFill/>
-        </p:spPr>
-        <p:txBody>
-          <a:bodyPr wrap="none" rtlCol="0">
-            <a:spAutoFit/>
-          </a:bodyPr>
-          <a:lstStyle/>
-          <a:p>
-            <a:pPr algn="ctr"/>
-            <a:r>
-              <a:rPr kumimoji="1" lang="ko-KR" altLang="en-US" sz="1000" dirty="0">
-                <a:solidFill>
-                  <a:srgbClr val="00B0F0"/>
-                </a:solidFill>
-              </a:rPr>
-              <a:t>로그아웃</a:t>
-            </a:r>
-          </a:p>
-        </p:txBody>
-      </p:sp>
-      <p:sp>
-        <p:nvSpPr>
-          <p:cNvPr id="16" name="TextBox 15">
-            <a:extLst>
-              <a:ext uri="{FF2B5EF4-FFF2-40B4-BE49-F238E27FC236}">
-                <a16:creationId xmlns:a16="http://schemas.microsoft.com/office/drawing/2014/main" id="{69074E22-F89C-A349-8330-71928693398F}"/>
-              </a:ext>
-            </a:extLst>
-          </p:cNvPr>
-          <p:cNvSpPr txBox="1"/>
-          <p:nvPr/>
-        </p:nvSpPr>
-        <p:spPr>
-          <a:xfrm>
-            <a:off x="5525535" y="6485507"/>
-            <a:ext cx="1141659" cy="253916"/>
-          </a:xfrm>
-          <a:prstGeom prst="rect">
-            <a:avLst/>
-          </a:prstGeom>
-          <a:noFill/>
-        </p:spPr>
-        <p:txBody>
-          <a:bodyPr wrap="none" rtlCol="0">
-            <a:spAutoFit/>
-          </a:bodyPr>
-          <a:lstStyle/>
-          <a:p>
-            <a:r>
-              <a:rPr kumimoji="1" lang="en-US" altLang="ko-KR" sz="1050" dirty="0">
-                <a:solidFill>
-                  <a:schemeClr val="bg1">
-                    <a:lumMod val="50000"/>
-                  </a:schemeClr>
-                </a:solidFill>
-              </a:rPr>
-              <a:t>@ </a:t>
-            </a:r>
-            <a:r>
-              <a:rPr kumimoji="1" lang="en-US" altLang="ko-KR" sz="1050" dirty="0" err="1">
-                <a:solidFill>
-                  <a:schemeClr val="bg1">
-                    <a:lumMod val="50000"/>
-                  </a:schemeClr>
-                </a:solidFill>
-              </a:rPr>
-              <a:t>about_JCube</a:t>
-            </a:r>
-            <a:endParaRPr kumimoji="1" lang="en-US" altLang="ko-KR" sz="1050" dirty="0">
-              <a:solidFill>
-                <a:schemeClr val="bg1">
-                  <a:lumMod val="50000"/>
-                </a:schemeClr>
-              </a:solidFill>
-            </a:endParaRPr>
-          </a:p>
-        </p:txBody>
-      </p:sp>
-      <p:sp>
-        <p:nvSpPr>
           <p:cNvPr id="21" name="직사각형 20">
             <a:extLst>
               <a:ext uri="{FF2B5EF4-FFF2-40B4-BE49-F238E27FC236}">
@@ -14705,7 +16348,7 @@
         <p:spPr>
           <a:xfrm>
             <a:off x="4894025" y="3995135"/>
-            <a:ext cx="2403951" cy="1867566"/>
+            <a:ext cx="2403951" cy="2304682"/>
           </a:xfrm>
           <a:prstGeom prst="rect">
             <a:avLst/>
@@ -14884,7 +16527,7 @@
         </p:nvSpPr>
         <p:spPr>
           <a:xfrm>
-            <a:off x="5079422" y="4950300"/>
+            <a:off x="5079422" y="5006821"/>
             <a:ext cx="2033155" cy="484040"/>
           </a:xfrm>
           <a:prstGeom prst="roundRect">
@@ -14949,7 +16592,18 @@
                   </a:prstClr>
                 </a:solidFill>
               </a:rPr>
-              <a:t> 홍진영</a:t>
+              <a:t> </a:t>
+            </a:r>
+            <a:r>
+              <a:rPr kumimoji="1" lang="ko-KR" altLang="en-US" sz="1100" b="1" dirty="0" err="1" smtClean="0">
+                <a:solidFill>
+                  <a:prstClr val="black">
+                    <a:lumMod val="75000"/>
+                    <a:lumOff val="25000"/>
+                  </a:prstClr>
+                </a:solidFill>
+              </a:rPr>
+              <a:t>홍인형</a:t>
             </a:r>
             <a:endParaRPr kumimoji="1" lang="en-US" altLang="ko-KR" sz="1100" b="1" dirty="0">
               <a:solidFill>
@@ -14984,7 +16638,7 @@
         </p:nvSpPr>
         <p:spPr>
           <a:xfrm>
-            <a:off x="5079422" y="5535901"/>
+            <a:off x="5079422" y="5592422"/>
             <a:ext cx="2033155" cy="484040"/>
           </a:xfrm>
           <a:prstGeom prst="roundRect">
@@ -15052,7 +16706,7 @@
               <a:t> </a:t>
             </a:r>
             <a:r>
-              <a:rPr kumimoji="1" lang="ko-KR" altLang="en-US" sz="1100" b="1" dirty="0" err="1">
+              <a:rPr kumimoji="1" lang="ko-KR" altLang="en-US" sz="1100" b="1" dirty="0" err="1" smtClean="0">
                 <a:solidFill>
                   <a:prstClr val="black">
                     <a:lumMod val="75000"/>
@@ -15060,7 +16714,7 @@
                   </a:prstClr>
                 </a:solidFill>
               </a:rPr>
-              <a:t>홍데니스</a:t>
+              <a:t>홍판서</a:t>
             </a:r>
             <a:endParaRPr kumimoji="1" lang="en-US" altLang="ko-KR" sz="1100" b="1" dirty="0">
               <a:solidFill>
@@ -15083,10 +16737,10 @@
       </p:sp>
       <p:sp>
         <p:nvSpPr>
-          <p:cNvPr id="27" name="직사각형 26">
-            <a:extLst>
-              <a:ext uri="{FF2B5EF4-FFF2-40B4-BE49-F238E27FC236}">
-                <a16:creationId xmlns:a16="http://schemas.microsoft.com/office/drawing/2014/main" id="{324B93C4-54CD-364D-AE04-E89369BD362F}"/>
+          <p:cNvPr id="28" name="모서리가 둥근 직사각형 27">
+            <a:extLst>
+              <a:ext uri="{FF2B5EF4-FFF2-40B4-BE49-F238E27FC236}">
+                <a16:creationId xmlns:a16="http://schemas.microsoft.com/office/drawing/2014/main" id="{777FA8F5-1A96-B147-83BA-21C0D5D60CB4}"/>
               </a:ext>
             </a:extLst>
           </p:cNvPr>
@@ -15095,102 +16749,7 @@
         </p:nvSpPr>
         <p:spPr>
           <a:xfrm>
-            <a:off x="4901105" y="5861788"/>
-            <a:ext cx="2403951" cy="253636"/>
-          </a:xfrm>
-          <a:prstGeom prst="rect">
-            <a:avLst/>
-          </a:prstGeom>
-          <a:solidFill>
-            <a:srgbClr val="F6F6F6"/>
-          </a:solidFill>
-          <a:ln>
-            <a:noFill/>
-          </a:ln>
-        </p:spPr>
-        <p:style>
-          <a:lnRef idx="2">
-            <a:schemeClr val="accent1">
-              <a:shade val="50000"/>
-            </a:schemeClr>
-          </a:lnRef>
-          <a:fillRef idx="1">
-            <a:schemeClr val="accent1"/>
-          </a:fillRef>
-          <a:effectRef idx="0">
-            <a:schemeClr val="accent1"/>
-          </a:effectRef>
-          <a:fontRef idx="minor">
-            <a:schemeClr val="lt1"/>
-          </a:fontRef>
-        </p:style>
-        <p:txBody>
-          <a:bodyPr rtlCol="0" anchor="ctr"/>
-          <a:lstStyle/>
-          <a:p>
-            <a:pPr algn="ctr"/>
-            <a:endParaRPr kumimoji="1" lang="ko-KR" altLang="en-US"/>
-          </a:p>
-        </p:txBody>
-      </p:sp>
-      <p:cxnSp>
-        <p:nvCxnSpPr>
-          <p:cNvPr id="3" name="직선 연결선[R] 2">
-            <a:extLst>
-              <a:ext uri="{FF2B5EF4-FFF2-40B4-BE49-F238E27FC236}">
-                <a16:creationId xmlns:a16="http://schemas.microsoft.com/office/drawing/2014/main" id="{703E2DF6-4AB2-EF49-A3C5-F19D70859C0E}"/>
-              </a:ext>
-            </a:extLst>
-          </p:cNvPr>
-          <p:cNvCxnSpPr/>
-          <p:nvPr/>
-        </p:nvCxnSpPr>
-        <p:spPr>
-          <a:xfrm>
-            <a:off x="4901105" y="5868715"/>
-            <a:ext cx="2403951" cy="0"/>
-          </a:xfrm>
-          <a:prstGeom prst="line">
-            <a:avLst/>
-          </a:prstGeom>
-          <a:ln w="12700">
-            <a:solidFill>
-              <a:schemeClr val="bg1">
-                <a:lumMod val="75000"/>
-              </a:schemeClr>
-            </a:solidFill>
-          </a:ln>
-        </p:spPr>
-        <p:style>
-          <a:lnRef idx="1">
-            <a:schemeClr val="accent1"/>
-          </a:lnRef>
-          <a:fillRef idx="0">
-            <a:schemeClr val="accent1"/>
-          </a:fillRef>
-          <a:effectRef idx="0">
-            <a:schemeClr val="accent1"/>
-          </a:effectRef>
-          <a:fontRef idx="minor">
-            <a:schemeClr val="tx1"/>
-          </a:fontRef>
-        </p:style>
-      </p:cxnSp>
-      <p:sp>
-        <p:nvSpPr>
-          <p:cNvPr id="28" name="모서리가 둥근 직사각형 27">
-            <a:extLst>
-              <a:ext uri="{FF2B5EF4-FFF2-40B4-BE49-F238E27FC236}">
-                <a16:creationId xmlns:a16="http://schemas.microsoft.com/office/drawing/2014/main" id="{777FA8F5-1A96-B147-83BA-21C0D5D60CB4}"/>
-              </a:ext>
-            </a:extLst>
-          </p:cNvPr>
-          <p:cNvSpPr/>
-          <p:nvPr/>
-        </p:nvSpPr>
-        <p:spPr>
-          <a:xfrm>
-            <a:off x="5079422" y="4368453"/>
+            <a:off x="5079422" y="4424974"/>
             <a:ext cx="2033155" cy="484040"/>
           </a:xfrm>
           <a:prstGeom prst="roundRect">
@@ -15257,7 +16816,7 @@
               <a:t> </a:t>
             </a:r>
             <a:r>
-              <a:rPr kumimoji="1" lang="ko-KR" altLang="en-US" sz="1100" b="1" dirty="0" err="1">
+              <a:rPr kumimoji="1" lang="ko-KR" altLang="en-US" sz="1100" b="1" dirty="0" smtClean="0">
                 <a:solidFill>
                   <a:schemeClr val="tx1">
                     <a:lumMod val="75000"/>
@@ -15265,7 +16824,7 @@
                   </a:schemeClr>
                 </a:solidFill>
               </a:rPr>
-              <a:t>홍인형</a:t>
+              <a:t>홍길동</a:t>
             </a:r>
             <a:endParaRPr kumimoji="1" lang="en-US" altLang="ko-KR" sz="1100" b="1" dirty="0">
               <a:solidFill>
@@ -15300,7 +16859,7 @@
         </p:nvSpPr>
         <p:spPr>
           <a:xfrm>
-            <a:off x="4982903" y="4054836"/>
+            <a:off x="4982903" y="4083097"/>
             <a:ext cx="771365" cy="253916"/>
           </a:xfrm>
           <a:prstGeom prst="rect">
@@ -15685,6 +17244,199 @@
           </a:p>
         </p:txBody>
       </p:sp>
+      <p:sp>
+        <p:nvSpPr>
+          <p:cNvPr id="32" name="TextBox 31">
+            <a:extLst>
+              <a:ext uri="{FF2B5EF4-FFF2-40B4-BE49-F238E27FC236}">
+                <a16:creationId xmlns:a16="http://schemas.microsoft.com/office/drawing/2014/main" id="{69074E22-F89C-A349-8330-71928693398F}"/>
+              </a:ext>
+            </a:extLst>
+          </p:cNvPr>
+          <p:cNvSpPr txBox="1"/>
+          <p:nvPr/>
+        </p:nvSpPr>
+        <p:spPr>
+          <a:xfrm>
+            <a:off x="5525535" y="6485507"/>
+            <a:ext cx="1141659" cy="253916"/>
+          </a:xfrm>
+          <a:prstGeom prst="rect">
+            <a:avLst/>
+          </a:prstGeom>
+          <a:noFill/>
+        </p:spPr>
+        <p:txBody>
+          <a:bodyPr wrap="none" rtlCol="0">
+            <a:spAutoFit/>
+          </a:bodyPr>
+          <a:lstStyle/>
+          <a:p>
+            <a:r>
+              <a:rPr kumimoji="1" lang="en-US" altLang="ko-KR" sz="1050" dirty="0">
+                <a:solidFill>
+                  <a:schemeClr val="bg1">
+                    <a:lumMod val="50000"/>
+                  </a:schemeClr>
+                </a:solidFill>
+              </a:rPr>
+              <a:t>@ </a:t>
+            </a:r>
+            <a:r>
+              <a:rPr kumimoji="1" lang="en-US" altLang="ko-KR" sz="1050" dirty="0" err="1">
+                <a:solidFill>
+                  <a:schemeClr val="bg1">
+                    <a:lumMod val="50000"/>
+                  </a:schemeClr>
+                </a:solidFill>
+              </a:rPr>
+              <a:t>about_JCube</a:t>
+            </a:r>
+            <a:endParaRPr kumimoji="1" lang="en-US" altLang="ko-KR" sz="1050" dirty="0">
+              <a:solidFill>
+                <a:schemeClr val="bg1">
+                  <a:lumMod val="50000"/>
+                </a:schemeClr>
+              </a:solidFill>
+            </a:endParaRPr>
+          </a:p>
+        </p:txBody>
+      </p:sp>
+      <p:sp>
+        <p:nvSpPr>
+          <p:cNvPr id="33" name="직사각형 32">
+            <a:extLst>
+              <a:ext uri="{FF2B5EF4-FFF2-40B4-BE49-F238E27FC236}">
+                <a16:creationId xmlns:a16="http://schemas.microsoft.com/office/drawing/2014/main" id="{324B93C4-54CD-364D-AE04-E89369BD362F}"/>
+              </a:ext>
+            </a:extLst>
+          </p:cNvPr>
+          <p:cNvSpPr/>
+          <p:nvPr/>
+        </p:nvSpPr>
+        <p:spPr>
+          <a:xfrm>
+            <a:off x="4780907" y="6198296"/>
+            <a:ext cx="2644346" cy="253636"/>
+          </a:xfrm>
+          <a:prstGeom prst="rect">
+            <a:avLst/>
+          </a:prstGeom>
+          <a:solidFill>
+            <a:srgbClr val="F6F6F6"/>
+          </a:solidFill>
+          <a:ln>
+            <a:noFill/>
+          </a:ln>
+        </p:spPr>
+        <p:style>
+          <a:lnRef idx="2">
+            <a:schemeClr val="accent1">
+              <a:shade val="50000"/>
+            </a:schemeClr>
+          </a:lnRef>
+          <a:fillRef idx="1">
+            <a:schemeClr val="accent1"/>
+          </a:fillRef>
+          <a:effectRef idx="0">
+            <a:schemeClr val="accent1"/>
+          </a:effectRef>
+          <a:fontRef idx="minor">
+            <a:schemeClr val="lt1"/>
+          </a:fontRef>
+        </p:style>
+        <p:txBody>
+          <a:bodyPr rtlCol="0" anchor="ctr"/>
+          <a:lstStyle/>
+          <a:p>
+            <a:pPr algn="ctr"/>
+            <a:endParaRPr kumimoji="1" lang="ko-KR" altLang="en-US"/>
+          </a:p>
+        </p:txBody>
+      </p:sp>
+      <p:cxnSp>
+        <p:nvCxnSpPr>
+          <p:cNvPr id="36" name="직선 연결선[R] 2">
+            <a:extLst>
+              <a:ext uri="{FF2B5EF4-FFF2-40B4-BE49-F238E27FC236}">
+                <a16:creationId xmlns:a16="http://schemas.microsoft.com/office/drawing/2014/main" id="{703E2DF6-4AB2-EF49-A3C5-F19D70859C0E}"/>
+              </a:ext>
+            </a:extLst>
+          </p:cNvPr>
+          <p:cNvCxnSpPr/>
+          <p:nvPr/>
+        </p:nvCxnSpPr>
+        <p:spPr>
+          <a:xfrm>
+            <a:off x="4901105" y="6188291"/>
+            <a:ext cx="2403951" cy="0"/>
+          </a:xfrm>
+          <a:prstGeom prst="line">
+            <a:avLst/>
+          </a:prstGeom>
+          <a:ln w="12700">
+            <a:solidFill>
+              <a:schemeClr val="bg1">
+                <a:lumMod val="75000"/>
+              </a:schemeClr>
+            </a:solidFill>
+          </a:ln>
+        </p:spPr>
+        <p:style>
+          <a:lnRef idx="1">
+            <a:schemeClr val="accent1"/>
+          </a:lnRef>
+          <a:fillRef idx="0">
+            <a:schemeClr val="accent1"/>
+          </a:fillRef>
+          <a:effectRef idx="0">
+            <a:schemeClr val="accent1"/>
+          </a:effectRef>
+          <a:fontRef idx="minor">
+            <a:schemeClr val="tx1"/>
+          </a:fontRef>
+        </p:style>
+      </p:cxnSp>
+      <p:sp>
+        <p:nvSpPr>
+          <p:cNvPr id="24" name="TextBox 23">
+            <a:extLst>
+              <a:ext uri="{FF2B5EF4-FFF2-40B4-BE49-F238E27FC236}">
+                <a16:creationId xmlns:a16="http://schemas.microsoft.com/office/drawing/2014/main" id="{001529B2-C00D-4D4F-BEB9-70140837CDB4}"/>
+              </a:ext>
+            </a:extLst>
+          </p:cNvPr>
+          <p:cNvSpPr txBox="1"/>
+          <p:nvPr/>
+        </p:nvSpPr>
+        <p:spPr>
+          <a:xfrm>
+            <a:off x="5754268" y="6299817"/>
+            <a:ext cx="697627" cy="246221"/>
+          </a:xfrm>
+          <a:prstGeom prst="rect">
+            <a:avLst/>
+          </a:prstGeom>
+          <a:noFill/>
+        </p:spPr>
+        <p:txBody>
+          <a:bodyPr wrap="none" rtlCol="0">
+            <a:spAutoFit/>
+          </a:bodyPr>
+          <a:lstStyle/>
+          <a:p>
+            <a:pPr algn="ctr"/>
+            <a:r>
+              <a:rPr kumimoji="1" lang="ko-KR" altLang="en-US" sz="1000" dirty="0">
+                <a:solidFill>
+                  <a:srgbClr val="00B0F0"/>
+                </a:solidFill>
+              </a:rPr>
+              <a:t>로그아웃</a:t>
+            </a:r>
+          </a:p>
+        </p:txBody>
+      </p:sp>
     </p:spTree>
     <p:extLst>
       <p:ext uri="{BB962C8B-B14F-4D97-AF65-F5344CB8AC3E}">
@@ -15695,6 +17447,13 @@
   <p:clrMapOvr>
     <a:masterClrMapping/>
   </p:clrMapOvr>
+  <p:timing>
+    <p:tnLst>
+      <p:par>
+        <p:cTn id="1" dur="indefinite" restart="never" nodeType="tmRoot"/>
+      </p:par>
+    </p:tnLst>
+  </p:timing>
 </p:sld>
 </file>
 
@@ -15810,104 +17569,6 @@
       </p:sp>
       <p:sp>
         <p:nvSpPr>
-          <p:cNvPr id="15" name="TextBox 14">
-            <a:extLst>
-              <a:ext uri="{FF2B5EF4-FFF2-40B4-BE49-F238E27FC236}">
-                <a16:creationId xmlns:a16="http://schemas.microsoft.com/office/drawing/2014/main" id="{001529B2-C00D-4D4F-BEB9-70140837CDB4}"/>
-              </a:ext>
-            </a:extLst>
-          </p:cNvPr>
-          <p:cNvSpPr txBox="1"/>
-          <p:nvPr/>
-        </p:nvSpPr>
-        <p:spPr>
-          <a:xfrm>
-            <a:off x="5754268" y="6227856"/>
-            <a:ext cx="697627" cy="246221"/>
-          </a:xfrm>
-          <a:prstGeom prst="rect">
-            <a:avLst/>
-          </a:prstGeom>
-          <a:noFill/>
-        </p:spPr>
-        <p:txBody>
-          <a:bodyPr wrap="none" rtlCol="0">
-            <a:spAutoFit/>
-          </a:bodyPr>
-          <a:lstStyle/>
-          <a:p>
-            <a:pPr algn="ctr"/>
-            <a:r>
-              <a:rPr kumimoji="1" lang="ko-KR" altLang="en-US" sz="1000" dirty="0">
-                <a:solidFill>
-                  <a:srgbClr val="00B0F0"/>
-                </a:solidFill>
-              </a:rPr>
-              <a:t>로그아웃</a:t>
-            </a:r>
-          </a:p>
-        </p:txBody>
-      </p:sp>
-      <p:sp>
-        <p:nvSpPr>
-          <p:cNvPr id="16" name="TextBox 15">
-            <a:extLst>
-              <a:ext uri="{FF2B5EF4-FFF2-40B4-BE49-F238E27FC236}">
-                <a16:creationId xmlns:a16="http://schemas.microsoft.com/office/drawing/2014/main" id="{69074E22-F89C-A349-8330-71928693398F}"/>
-              </a:ext>
-            </a:extLst>
-          </p:cNvPr>
-          <p:cNvSpPr txBox="1"/>
-          <p:nvPr/>
-        </p:nvSpPr>
-        <p:spPr>
-          <a:xfrm>
-            <a:off x="5525535" y="6485507"/>
-            <a:ext cx="1141659" cy="253916"/>
-          </a:xfrm>
-          <a:prstGeom prst="rect">
-            <a:avLst/>
-          </a:prstGeom>
-          <a:noFill/>
-        </p:spPr>
-        <p:txBody>
-          <a:bodyPr wrap="none" rtlCol="0">
-            <a:spAutoFit/>
-          </a:bodyPr>
-          <a:lstStyle/>
-          <a:p>
-            <a:r>
-              <a:rPr kumimoji="1" lang="en-US" altLang="ko-KR" sz="1050" dirty="0">
-                <a:solidFill>
-                  <a:schemeClr val="bg1">
-                    <a:lumMod val="50000"/>
-                  </a:schemeClr>
-                </a:solidFill>
-              </a:rPr>
-              <a:t>@ </a:t>
-            </a:r>
-            <a:r>
-              <a:rPr kumimoji="1" lang="en-US" altLang="ko-KR" sz="1050" dirty="0" err="1">
-                <a:solidFill>
-                  <a:schemeClr val="bg1">
-                    <a:lumMod val="50000"/>
-                  </a:schemeClr>
-                </a:solidFill>
-              </a:rPr>
-              <a:t>about_JCube</a:t>
-            </a:r>
-            <a:endParaRPr kumimoji="1" lang="en-US" altLang="ko-KR" sz="1050" dirty="0">
-              <a:solidFill>
-                <a:schemeClr val="bg1">
-                  <a:lumMod val="50000"/>
-                </a:schemeClr>
-              </a:solidFill>
-            </a:endParaRPr>
-          </a:p>
-        </p:txBody>
-      </p:sp>
-      <p:sp>
-        <p:nvSpPr>
           <p:cNvPr id="21" name="직사각형 20">
             <a:extLst>
               <a:ext uri="{FF2B5EF4-FFF2-40B4-BE49-F238E27FC236}">
@@ -15920,8 +17581,8 @@
         </p:nvSpPr>
         <p:spPr>
           <a:xfrm>
-            <a:off x="4894025" y="4107568"/>
-            <a:ext cx="2403951" cy="1867566"/>
+            <a:off x="4894025" y="4314710"/>
+            <a:ext cx="2403951" cy="1934599"/>
           </a:xfrm>
           <a:prstGeom prst="rect">
             <a:avLst/>
@@ -15976,7 +17637,7 @@
         </p:nvSpPr>
         <p:spPr>
           <a:xfrm>
-            <a:off x="4894025" y="3181594"/>
+            <a:off x="4894025" y="3388737"/>
             <a:ext cx="2403951" cy="842653"/>
           </a:xfrm>
           <a:prstGeom prst="rect">
@@ -16032,7 +17693,7 @@
         </p:nvSpPr>
         <p:spPr>
           <a:xfrm>
-            <a:off x="5171838" y="3639199"/>
+            <a:off x="5171838" y="3846342"/>
             <a:ext cx="1848323" cy="234616"/>
           </a:xfrm>
           <a:prstGeom prst="roundRect">
@@ -16100,7 +17761,7 @@
         </p:nvSpPr>
         <p:spPr>
           <a:xfrm>
-            <a:off x="5295014" y="3337726"/>
+            <a:off x="5295014" y="3544869"/>
             <a:ext cx="1616148" cy="246221"/>
           </a:xfrm>
           <a:prstGeom prst="rect">
@@ -16162,7 +17823,7 @@
         </p:nvSpPr>
         <p:spPr>
           <a:xfrm>
-            <a:off x="5079422" y="5062733"/>
+            <a:off x="5079422" y="5269876"/>
             <a:ext cx="2033155" cy="484040"/>
           </a:xfrm>
           <a:prstGeom prst="roundRect">
@@ -16228,12 +17889,12 @@
               <a:t>  </a:t>
             </a:r>
             <a:r>
-              <a:rPr kumimoji="1" lang="ko-KR" altLang="en-US" sz="1100" b="1" dirty="0">
+              <a:rPr kumimoji="1" lang="ko-KR" altLang="en-US" sz="1100" b="1" dirty="0" smtClean="0">
                 <a:solidFill>
                   <a:srgbClr val="00B0F0"/>
                 </a:solidFill>
               </a:rPr>
-              <a:t>홍진영</a:t>
+              <a:t>홍길동</a:t>
             </a:r>
             <a:endParaRPr kumimoji="1" lang="en-US" altLang="ko-KR" sz="1100" b="1" dirty="0">
               <a:solidFill>
@@ -16280,7 +17941,7 @@
         </p:nvSpPr>
         <p:spPr>
           <a:xfrm>
-            <a:off x="5079422" y="5648334"/>
+            <a:off x="5079422" y="5855477"/>
             <a:ext cx="2033155" cy="484040"/>
           </a:xfrm>
           <a:prstGeom prst="roundRect">
@@ -16346,12 +18007,12 @@
               <a:t> </a:t>
             </a:r>
             <a:r>
-              <a:rPr kumimoji="1" lang="ko-KR" altLang="en-US" sz="1100" b="1" dirty="0" err="1">
+              <a:rPr kumimoji="1" lang="ko-KR" altLang="en-US" sz="1100" b="1" dirty="0" err="1" smtClean="0">
                 <a:solidFill>
                   <a:srgbClr val="00B0F0"/>
                 </a:solidFill>
               </a:rPr>
-              <a:t>홍록기</a:t>
+              <a:t>홍판서</a:t>
             </a:r>
             <a:endParaRPr kumimoji="1" lang="en-US" altLang="ko-KR" sz="1100" b="1" dirty="0">
               <a:solidFill>
@@ -16398,8 +18059,8 @@
         </p:nvSpPr>
         <p:spPr>
           <a:xfrm>
-            <a:off x="4901105" y="5974221"/>
-            <a:ext cx="2403951" cy="253636"/>
+            <a:off x="4780907" y="6198296"/>
+            <a:ext cx="2644346" cy="253636"/>
           </a:xfrm>
           <a:prstGeom prst="rect">
             <a:avLst/>
@@ -16450,7 +18111,7 @@
         </p:nvCxnSpPr>
         <p:spPr>
           <a:xfrm>
-            <a:off x="4901105" y="5981148"/>
+            <a:off x="4901105" y="6188291"/>
             <a:ext cx="2403951" cy="0"/>
           </a:xfrm>
           <a:prstGeom prst="line">
@@ -16493,7 +18154,7 @@
         </p:nvSpPr>
         <p:spPr>
           <a:xfrm>
-            <a:off x="5079422" y="4480886"/>
+            <a:off x="5079422" y="4688029"/>
             <a:ext cx="2033155" cy="484040"/>
           </a:xfrm>
           <a:prstGeom prst="roundRect">
@@ -16611,7 +18272,7 @@
         </p:nvSpPr>
         <p:spPr>
           <a:xfrm>
-            <a:off x="4982903" y="4167269"/>
+            <a:off x="4982903" y="4374412"/>
             <a:ext cx="771365" cy="253916"/>
           </a:xfrm>
           <a:prstGeom prst="rect">
@@ -16661,7 +18322,7 @@
         </p:nvSpPr>
         <p:spPr>
           <a:xfrm rot="495444">
-            <a:off x="5213914" y="739848"/>
+            <a:off x="5213914" y="946991"/>
             <a:ext cx="631510" cy="631510"/>
           </a:xfrm>
           <a:prstGeom prst="ellipse">
@@ -16717,7 +18378,7 @@
         </p:nvSpPr>
         <p:spPr>
           <a:xfrm>
-            <a:off x="6678107" y="1289050"/>
+            <a:off x="6678107" y="1496193"/>
             <a:ext cx="521909" cy="521909"/>
           </a:xfrm>
           <a:prstGeom prst="ellipse">
@@ -16773,7 +18434,7 @@
         </p:nvSpPr>
         <p:spPr>
           <a:xfrm rot="20528155">
-            <a:off x="5221973" y="1839261"/>
+            <a:off x="5221973" y="2046404"/>
             <a:ext cx="764127" cy="764127"/>
           </a:xfrm>
           <a:prstGeom prst="ellipse">
@@ -16833,7 +18494,7 @@
         </p:nvCxnSpPr>
         <p:spPr>
           <a:xfrm flipV="1">
-            <a:off x="5967680" y="1734527"/>
+            <a:off x="5967680" y="1941670"/>
             <a:ext cx="786859" cy="369596"/>
           </a:xfrm>
           <a:prstGeom prst="straightConnector1">
@@ -16882,7 +18543,7 @@
         </p:nvCxnSpPr>
         <p:spPr>
           <a:xfrm>
-            <a:off x="5842151" y="1100952"/>
+            <a:off x="5842151" y="1308095"/>
             <a:ext cx="912388" cy="264530"/>
           </a:xfrm>
           <a:prstGeom prst="straightConnector1">
@@ -16927,7 +18588,7 @@
         </p:nvSpPr>
         <p:spPr>
           <a:xfrm>
-            <a:off x="6666809" y="2876404"/>
+            <a:off x="6666809" y="3083547"/>
             <a:ext cx="607859" cy="261610"/>
           </a:xfrm>
           <a:prstGeom prst="rect">
@@ -16970,7 +18631,7 @@
         </p:nvCxnSpPr>
         <p:spPr>
           <a:xfrm>
-            <a:off x="6665891" y="3128900"/>
+            <a:off x="6665891" y="3336043"/>
             <a:ext cx="590877" cy="0"/>
           </a:xfrm>
           <a:prstGeom prst="line">
@@ -17011,7 +18672,7 @@
         </p:nvSpPr>
         <p:spPr>
           <a:xfrm rot="20282180">
-            <a:off x="6955527" y="2520100"/>
+            <a:off x="6955527" y="2727243"/>
             <a:ext cx="300348" cy="321268"/>
           </a:xfrm>
           <a:custGeom>
@@ -17458,7 +19119,7 @@
         </p:nvSpPr>
         <p:spPr>
           <a:xfrm>
-            <a:off x="4913974" y="2911521"/>
+            <a:off x="4913974" y="3118664"/>
             <a:ext cx="762080" cy="217536"/>
           </a:xfrm>
           <a:prstGeom prst="roundRect">
@@ -17512,6 +19173,104 @@
           </a:p>
         </p:txBody>
       </p:sp>
+      <p:sp>
+        <p:nvSpPr>
+          <p:cNvPr id="40" name="TextBox 39">
+            <a:extLst>
+              <a:ext uri="{FF2B5EF4-FFF2-40B4-BE49-F238E27FC236}">
+                <a16:creationId xmlns:a16="http://schemas.microsoft.com/office/drawing/2014/main" id="{001529B2-C00D-4D4F-BEB9-70140837CDB4}"/>
+              </a:ext>
+            </a:extLst>
+          </p:cNvPr>
+          <p:cNvSpPr txBox="1"/>
+          <p:nvPr/>
+        </p:nvSpPr>
+        <p:spPr>
+          <a:xfrm>
+            <a:off x="5754268" y="6299817"/>
+            <a:ext cx="697627" cy="246221"/>
+          </a:xfrm>
+          <a:prstGeom prst="rect">
+            <a:avLst/>
+          </a:prstGeom>
+          <a:noFill/>
+        </p:spPr>
+        <p:txBody>
+          <a:bodyPr wrap="none" rtlCol="0">
+            <a:spAutoFit/>
+          </a:bodyPr>
+          <a:lstStyle/>
+          <a:p>
+            <a:pPr algn="ctr"/>
+            <a:r>
+              <a:rPr kumimoji="1" lang="ko-KR" altLang="en-US" sz="1000" dirty="0">
+                <a:solidFill>
+                  <a:srgbClr val="00B0F0"/>
+                </a:solidFill>
+              </a:rPr>
+              <a:t>로그아웃</a:t>
+            </a:r>
+          </a:p>
+        </p:txBody>
+      </p:sp>
+      <p:sp>
+        <p:nvSpPr>
+          <p:cNvPr id="41" name="TextBox 40">
+            <a:extLst>
+              <a:ext uri="{FF2B5EF4-FFF2-40B4-BE49-F238E27FC236}">
+                <a16:creationId xmlns:a16="http://schemas.microsoft.com/office/drawing/2014/main" id="{69074E22-F89C-A349-8330-71928693398F}"/>
+              </a:ext>
+            </a:extLst>
+          </p:cNvPr>
+          <p:cNvSpPr txBox="1"/>
+          <p:nvPr/>
+        </p:nvSpPr>
+        <p:spPr>
+          <a:xfrm>
+            <a:off x="5525535" y="6485507"/>
+            <a:ext cx="1141659" cy="253916"/>
+          </a:xfrm>
+          <a:prstGeom prst="rect">
+            <a:avLst/>
+          </a:prstGeom>
+          <a:noFill/>
+        </p:spPr>
+        <p:txBody>
+          <a:bodyPr wrap="none" rtlCol="0">
+            <a:spAutoFit/>
+          </a:bodyPr>
+          <a:lstStyle/>
+          <a:p>
+            <a:r>
+              <a:rPr kumimoji="1" lang="en-US" altLang="ko-KR" sz="1050" dirty="0">
+                <a:solidFill>
+                  <a:schemeClr val="bg1">
+                    <a:lumMod val="50000"/>
+                  </a:schemeClr>
+                </a:solidFill>
+              </a:rPr>
+              <a:t>@ </a:t>
+            </a:r>
+            <a:r>
+              <a:rPr kumimoji="1" lang="en-US" altLang="ko-KR" sz="1050" dirty="0" err="1">
+                <a:solidFill>
+                  <a:schemeClr val="bg1">
+                    <a:lumMod val="50000"/>
+                  </a:schemeClr>
+                </a:solidFill>
+              </a:rPr>
+              <a:t>about_JCube</a:t>
+            </a:r>
+            <a:endParaRPr kumimoji="1" lang="en-US" altLang="ko-KR" sz="1050" dirty="0">
+              <a:solidFill>
+                <a:schemeClr val="bg1">
+                  <a:lumMod val="50000"/>
+                </a:schemeClr>
+              </a:solidFill>
+            </a:endParaRPr>
+          </a:p>
+        </p:txBody>
+      </p:sp>
     </p:spTree>
     <p:extLst>
       <p:ext uri="{BB962C8B-B14F-4D97-AF65-F5344CB8AC3E}">
@@ -17522,6 +19281,13 @@
   <p:clrMapOvr>
     <a:masterClrMapping/>
   </p:clrMapOvr>
+  <p:timing>
+    <p:tnLst>
+      <p:par>
+        <p:cTn id="1" dur="indefinite" restart="never" nodeType="tmRoot"/>
+      </p:par>
+    </p:tnLst>
+  </p:timing>
 </p:sld>
 </file>
 

--- a/Documents/Design_Demo.pptx
+++ b/Documents/Design_Demo.pptx
@@ -5,7 +5,7 @@
     <p:sldMasterId id="2147483648" r:id="rId1"/>
   </p:sldMasterIdLst>
   <p:notesMasterIdLst>
-    <p:notesMasterId r:id="rId14"/>
+    <p:notesMasterId r:id="rId16"/>
   </p:notesMasterIdLst>
   <p:sldIdLst>
     <p:sldId id="257" r:id="rId2"/>
@@ -20,6 +20,8 @@
     <p:sldId id="268" r:id="rId11"/>
     <p:sldId id="269" r:id="rId12"/>
     <p:sldId id="273" r:id="rId13"/>
+    <p:sldId id="275" r:id="rId14"/>
+    <p:sldId id="274" r:id="rId15"/>
   </p:sldIdLst>
   <p:sldSz cx="12192000" cy="6858000"/>
   <p:notesSz cx="6858000" cy="9144000"/>
@@ -148,13 +150,16 @@
             <p14:sldId id="269"/>
           </p14:sldIdLst>
         </p14:section>
-        <p14:section name="Payment &amp; Credit" id="{CC798AB2-27DE-A54E-9EAF-A9CFFB23D6AD}">
+        <p14:section name="Payment" id="{CC798AB2-27DE-A54E-9EAF-A9CFFB23D6AD}">
           <p14:sldIdLst>
             <p14:sldId id="273"/>
+            <p14:sldId id="275"/>
           </p14:sldIdLst>
         </p14:section>
         <p14:section name="Individual" id="{B67BA2C2-E31D-4949-8DB3-D6FAD28A7DDA}">
-          <p14:sldIdLst/>
+          <p14:sldIdLst>
+            <p14:sldId id="274"/>
+          </p14:sldIdLst>
         </p14:section>
       </p14:sectionLst>
     </p:ext>
@@ -885,6 +890,239 @@
     <p:extLst>
       <p:ext uri="{BB962C8B-B14F-4D97-AF65-F5344CB8AC3E}">
         <p14:creationId xmlns:p14="http://schemas.microsoft.com/office/powerpoint/2010/main" val="1986507392"/>
+      </p:ext>
+    </p:extLst>
+  </p:cSld>
+  <p:clrMapOvr>
+    <a:masterClrMapping/>
+  </p:clrMapOvr>
+</p:notes>
+</file>
+
+<file path=ppt/notesSlides/notesSlide13.xml><?xml version="1.0" encoding="utf-8"?>
+<p:notes xmlns:a="http://schemas.openxmlformats.org/drawingml/2006/main" xmlns:r="http://schemas.openxmlformats.org/officeDocument/2006/relationships" xmlns:p="http://schemas.openxmlformats.org/presentationml/2006/main">
+  <p:cSld>
+    <p:spTree>
+      <p:nvGrpSpPr>
+        <p:cNvPr id="1" name=""/>
+        <p:cNvGrpSpPr/>
+        <p:nvPr/>
+      </p:nvGrpSpPr>
+      <p:grpSpPr>
+        <a:xfrm>
+          <a:off x="0" y="0"/>
+          <a:ext cx="0" cy="0"/>
+          <a:chOff x="0" y="0"/>
+          <a:chExt cx="0" cy="0"/>
+        </a:xfrm>
+      </p:grpSpPr>
+      <p:sp>
+        <p:nvSpPr>
+          <p:cNvPr id="2" name="슬라이드 이미지 개체 틀 1"/>
+          <p:cNvSpPr>
+            <a:spLocks noGrp="1" noRot="1" noChangeAspect="1"/>
+          </p:cNvSpPr>
+          <p:nvPr>
+            <p:ph type="sldImg"/>
+          </p:nvPr>
+        </p:nvSpPr>
+        <p:spPr/>
+      </p:sp>
+      <p:sp>
+        <p:nvSpPr>
+          <p:cNvPr id="3" name="슬라이드 노트 개체 틀 2"/>
+          <p:cNvSpPr>
+            <a:spLocks noGrp="1"/>
+          </p:cNvSpPr>
+          <p:nvPr>
+            <p:ph type="body" idx="1"/>
+          </p:nvPr>
+        </p:nvSpPr>
+        <p:spPr/>
+        <p:txBody>
+          <a:bodyPr/>
+          <a:lstStyle/>
+          <a:p>
+            <a:r>
+              <a:rPr kumimoji="1" lang="en-US" altLang="ko-KR" dirty="0" smtClean="0"/>
+              <a:t>Payment Page : new</a:t>
+            </a:r>
+            <a:r>
+              <a:rPr kumimoji="1" lang="en-US" altLang="ko-KR" baseline="0" dirty="0" smtClean="0"/>
+              <a:t> payment</a:t>
+            </a:r>
+          </a:p>
+          <a:p>
+            <a:r>
+              <a:rPr kumimoji="1" lang="ko-KR" altLang="en-US" baseline="0" dirty="0" smtClean="0"/>
+              <a:t>각자를 누르고 입력하는 중이</a:t>
+            </a:r>
+            <a:r>
+              <a:rPr kumimoji="1" lang="ko-KR" altLang="en-US" baseline="0" dirty="0" smtClean="0"/>
+              <a:t>거</a:t>
+            </a:r>
+            <a:r>
+              <a:rPr kumimoji="1" lang="ko-KR" altLang="en-US" baseline="0" dirty="0" smtClean="0"/>
+              <a:t>나 누군가의 액수를 수정할 경우 </a:t>
+            </a:r>
+            <a:r>
+              <a:rPr kumimoji="1" lang="en-US" altLang="ko-KR" baseline="0" dirty="0" smtClean="0"/>
+              <a:t>: </a:t>
+            </a:r>
+          </a:p>
+          <a:p>
+            <a:r>
+              <a:rPr kumimoji="1" lang="ko-KR" altLang="en-US" baseline="0" dirty="0" smtClean="0"/>
+              <a:t>남은 돈 </a:t>
+            </a:r>
+            <a:r>
+              <a:rPr kumimoji="1" lang="en-US" altLang="ko-KR" baseline="0" dirty="0" smtClean="0"/>
+              <a:t>&lt;- </a:t>
+            </a:r>
+            <a:r>
+              <a:rPr kumimoji="1" lang="ko-KR" altLang="en-US" baseline="0" dirty="0" smtClean="0"/>
+              <a:t>총액 </a:t>
+            </a:r>
+            <a:r>
+              <a:rPr kumimoji="1" lang="en-US" altLang="ko-KR" baseline="0" dirty="0" smtClean="0"/>
+              <a:t>– SIGAM { member(</a:t>
+            </a:r>
+            <a:r>
+              <a:rPr kumimoji="1" lang="en-US" altLang="ko-KR" baseline="0" dirty="0" err="1" smtClean="0"/>
+              <a:t>i</a:t>
+            </a:r>
+            <a:r>
+              <a:rPr kumimoji="1" lang="en-US" altLang="ko-KR" baseline="0" dirty="0" smtClean="0"/>
+              <a:t>) } </a:t>
+            </a:r>
+            <a:endParaRPr kumimoji="1" lang="ko-KR" altLang="en-US" dirty="0"/>
+          </a:p>
+        </p:txBody>
+      </p:sp>
+      <p:sp>
+        <p:nvSpPr>
+          <p:cNvPr id="4" name="슬라이드 번호 개체 틀 3"/>
+          <p:cNvSpPr>
+            <a:spLocks noGrp="1"/>
+          </p:cNvSpPr>
+          <p:nvPr>
+            <p:ph type="sldNum" sz="quarter" idx="5"/>
+          </p:nvPr>
+        </p:nvSpPr>
+        <p:spPr/>
+        <p:txBody>
+          <a:bodyPr/>
+          <a:lstStyle/>
+          <a:p>
+            <a:fld id="{BF3A642A-6642-CD43-931E-A8C786FEBA0D}" type="slidenum">
+              <a:rPr kumimoji="1" lang="ko-KR" altLang="en-US" smtClean="0"/>
+              <a:t>13</a:t>
+            </a:fld>
+            <a:endParaRPr kumimoji="1" lang="ko-KR" altLang="en-US"/>
+          </a:p>
+        </p:txBody>
+      </p:sp>
+    </p:spTree>
+    <p:extLst>
+      <p:ext uri="{BB962C8B-B14F-4D97-AF65-F5344CB8AC3E}">
+        <p14:creationId xmlns:p14="http://schemas.microsoft.com/office/powerpoint/2010/main" val="1330702423"/>
+      </p:ext>
+    </p:extLst>
+  </p:cSld>
+  <p:clrMapOvr>
+    <a:masterClrMapping/>
+  </p:clrMapOvr>
+</p:notes>
+</file>
+
+<file path=ppt/notesSlides/notesSlide14.xml><?xml version="1.0" encoding="utf-8"?>
+<p:notes xmlns:a="http://schemas.openxmlformats.org/drawingml/2006/main" xmlns:r="http://schemas.openxmlformats.org/officeDocument/2006/relationships" xmlns:p="http://schemas.openxmlformats.org/presentationml/2006/main">
+  <p:cSld>
+    <p:spTree>
+      <p:nvGrpSpPr>
+        <p:cNvPr id="1" name=""/>
+        <p:cNvGrpSpPr/>
+        <p:nvPr/>
+      </p:nvGrpSpPr>
+      <p:grpSpPr>
+        <a:xfrm>
+          <a:off x="0" y="0"/>
+          <a:ext cx="0" cy="0"/>
+          <a:chOff x="0" y="0"/>
+          <a:chExt cx="0" cy="0"/>
+        </a:xfrm>
+      </p:grpSpPr>
+      <p:sp>
+        <p:nvSpPr>
+          <p:cNvPr id="2" name="슬라이드 이미지 개체 틀 1"/>
+          <p:cNvSpPr>
+            <a:spLocks noGrp="1" noRot="1" noChangeAspect="1"/>
+          </p:cNvSpPr>
+          <p:nvPr>
+            <p:ph type="sldImg"/>
+          </p:nvPr>
+        </p:nvSpPr>
+        <p:spPr/>
+      </p:sp>
+      <p:sp>
+        <p:nvSpPr>
+          <p:cNvPr id="3" name="슬라이드 노트 개체 틀 2"/>
+          <p:cNvSpPr>
+            <a:spLocks noGrp="1"/>
+          </p:cNvSpPr>
+          <p:nvPr>
+            <p:ph type="body" idx="1"/>
+          </p:nvPr>
+        </p:nvSpPr>
+        <p:spPr/>
+        <p:txBody>
+          <a:bodyPr/>
+          <a:lstStyle/>
+          <a:p>
+            <a:r>
+              <a:rPr kumimoji="1" lang="en-US" altLang="ko-KR" dirty="0" smtClean="0"/>
+              <a:t>Individual Page</a:t>
+            </a:r>
+          </a:p>
+          <a:p>
+            <a:r>
+              <a:rPr kumimoji="1" lang="ko-KR" altLang="en-US" dirty="0" smtClean="0"/>
+              <a:t>실제로 보낼 돈과 받을 돈이 모두 존재할 수 없음</a:t>
+            </a:r>
+            <a:endParaRPr kumimoji="1" lang="en-US" altLang="ko-KR" dirty="0" smtClean="0"/>
+          </a:p>
+          <a:p>
+            <a:endParaRPr kumimoji="1" lang="ko-KR" altLang="en-US" dirty="0"/>
+          </a:p>
+        </p:txBody>
+      </p:sp>
+      <p:sp>
+        <p:nvSpPr>
+          <p:cNvPr id="4" name="슬라이드 번호 개체 틀 3"/>
+          <p:cNvSpPr>
+            <a:spLocks noGrp="1"/>
+          </p:cNvSpPr>
+          <p:nvPr>
+            <p:ph type="sldNum" sz="quarter" idx="5"/>
+          </p:nvPr>
+        </p:nvSpPr>
+        <p:spPr/>
+        <p:txBody>
+          <a:bodyPr/>
+          <a:lstStyle/>
+          <a:p>
+            <a:fld id="{BF3A642A-6642-CD43-931E-A8C786FEBA0D}" type="slidenum">
+              <a:rPr kumimoji="1" lang="ko-KR" altLang="en-US" smtClean="0"/>
+              <a:t>14</a:t>
+            </a:fld>
+            <a:endParaRPr kumimoji="1" lang="ko-KR" altLang="en-US"/>
+          </a:p>
+        </p:txBody>
+      </p:sp>
+    </p:spTree>
+    <p:extLst>
+      <p:ext uri="{BB962C8B-B14F-4D97-AF65-F5344CB8AC3E}">
+        <p14:creationId xmlns:p14="http://schemas.microsoft.com/office/powerpoint/2010/main" val="832641613"/>
       </p:ext>
     </p:extLst>
   </p:cSld>
@@ -10735,6 +10973,2694 @@
 </p:sld>
 </file>
 
+<file path=ppt/slides/slide13.xml><?xml version="1.0" encoding="utf-8"?>
+<p:sld xmlns:a="http://schemas.openxmlformats.org/drawingml/2006/main" xmlns:r="http://schemas.openxmlformats.org/officeDocument/2006/relationships" xmlns:p="http://schemas.openxmlformats.org/presentationml/2006/main">
+  <p:cSld>
+    <p:spTree>
+      <p:nvGrpSpPr>
+        <p:cNvPr id="1" name=""/>
+        <p:cNvGrpSpPr/>
+        <p:nvPr/>
+      </p:nvGrpSpPr>
+      <p:grpSpPr>
+        <a:xfrm>
+          <a:off x="0" y="0"/>
+          <a:ext cx="0" cy="0"/>
+          <a:chOff x="0" y="0"/>
+          <a:chExt cx="0" cy="0"/>
+        </a:xfrm>
+      </p:grpSpPr>
+      <p:grpSp>
+        <p:nvGrpSpPr>
+          <p:cNvPr id="2" name="그룹 1"/>
+          <p:cNvGrpSpPr/>
+          <p:nvPr/>
+        </p:nvGrpSpPr>
+        <p:grpSpPr>
+          <a:xfrm>
+            <a:off x="4886945" y="2531340"/>
+            <a:ext cx="2411031" cy="3096748"/>
+            <a:chOff x="4886945" y="2520239"/>
+            <a:chExt cx="2411031" cy="3096748"/>
+          </a:xfrm>
+        </p:grpSpPr>
+        <p:sp>
+          <p:nvSpPr>
+            <p:cNvPr id="21" name="직사각형 20">
+              <a:extLst>
+                <a:ext uri="{FF2B5EF4-FFF2-40B4-BE49-F238E27FC236}">
+                  <a16:creationId xmlns:a16="http://schemas.microsoft.com/office/drawing/2014/main" id="{A871EC61-223C-0447-B82C-FEE0B482521B}"/>
+                </a:ext>
+              </a:extLst>
+            </p:cNvPr>
+            <p:cNvSpPr/>
+            <p:nvPr/>
+          </p:nvSpPr>
+          <p:spPr>
+            <a:xfrm>
+              <a:off x="4894025" y="2524338"/>
+              <a:ext cx="2403951" cy="3092649"/>
+            </a:xfrm>
+            <a:prstGeom prst="rect">
+              <a:avLst/>
+            </a:prstGeom>
+            <a:solidFill>
+              <a:schemeClr val="bg1"/>
+            </a:solidFill>
+            <a:ln>
+              <a:solidFill>
+                <a:schemeClr val="bg1">
+                  <a:lumMod val="75000"/>
+                </a:schemeClr>
+              </a:solidFill>
+            </a:ln>
+          </p:spPr>
+          <p:style>
+            <a:lnRef idx="2">
+              <a:schemeClr val="accent1">
+                <a:shade val="50000"/>
+              </a:schemeClr>
+            </a:lnRef>
+            <a:fillRef idx="1">
+              <a:schemeClr val="accent1"/>
+            </a:fillRef>
+            <a:effectRef idx="0">
+              <a:schemeClr val="accent1"/>
+            </a:effectRef>
+            <a:fontRef idx="minor">
+              <a:schemeClr val="lt1"/>
+            </a:fontRef>
+          </p:style>
+          <p:txBody>
+            <a:bodyPr rtlCol="0" anchor="ctr"/>
+            <a:lstStyle/>
+            <a:p>
+              <a:pPr algn="ctr"/>
+              <a:endParaRPr kumimoji="1" lang="ko-KR" altLang="en-US"/>
+            </a:p>
+          </p:txBody>
+        </p:sp>
+        <p:sp>
+          <p:nvSpPr>
+            <p:cNvPr id="32" name="모서리가 둥근 직사각형 31">
+              <a:extLst>
+                <a:ext uri="{FF2B5EF4-FFF2-40B4-BE49-F238E27FC236}">
+                  <a16:creationId xmlns:a16="http://schemas.microsoft.com/office/drawing/2014/main" id="{777FA8F5-1A96-B147-83BA-21C0D5D60CB4}"/>
+                </a:ext>
+              </a:extLst>
+            </p:cNvPr>
+            <p:cNvSpPr/>
+            <p:nvPr/>
+          </p:nvSpPr>
+          <p:spPr>
+            <a:xfrm>
+              <a:off x="4886945" y="2520239"/>
+              <a:ext cx="2411031" cy="366494"/>
+            </a:xfrm>
+            <a:prstGeom prst="roundRect">
+              <a:avLst>
+                <a:gd name="adj" fmla="val 12230"/>
+              </a:avLst>
+            </a:prstGeom>
+            <a:noFill/>
+            <a:ln>
+              <a:noFill/>
+            </a:ln>
+          </p:spPr>
+          <p:style>
+            <a:lnRef idx="2">
+              <a:schemeClr val="accent1">
+                <a:shade val="50000"/>
+              </a:schemeClr>
+            </a:lnRef>
+            <a:fillRef idx="1">
+              <a:schemeClr val="accent1"/>
+            </a:fillRef>
+            <a:effectRef idx="0">
+              <a:schemeClr val="accent1"/>
+            </a:effectRef>
+            <a:fontRef idx="minor">
+              <a:schemeClr val="lt1"/>
+            </a:fontRef>
+          </p:style>
+          <p:txBody>
+            <a:bodyPr rot="0" spcFirstLastPara="0" vertOverflow="overflow" horzOverflow="overflow" vert="horz" wrap="square" lIns="91440" tIns="45720" rIns="91440" bIns="45720" numCol="1" spcCol="0" rtlCol="0" fromWordArt="0" anchor="ctr" anchorCtr="0" forceAA="0" compatLnSpc="1">
+              <a:prstTxWarp prst="textNoShape">
+                <a:avLst/>
+              </a:prstTxWarp>
+              <a:noAutofit/>
+            </a:bodyPr>
+            <a:lstStyle/>
+            <a:p>
+              <a:r>
+                <a:rPr kumimoji="1" lang="ko-KR" altLang="en-US" sz="1100" b="1" dirty="0" smtClean="0">
+                  <a:solidFill>
+                    <a:schemeClr val="tx1">
+                      <a:lumMod val="75000"/>
+                      <a:lumOff val="25000"/>
+                    </a:schemeClr>
+                  </a:solidFill>
+                </a:rPr>
+                <a:t>  남은 돈</a:t>
+              </a:r>
+              <a:r>
+                <a:rPr kumimoji="1" lang="en-US" altLang="ko-KR" sz="1100" b="1" dirty="0" smtClean="0">
+                  <a:solidFill>
+                    <a:schemeClr val="tx1">
+                      <a:lumMod val="75000"/>
+                      <a:lumOff val="25000"/>
+                    </a:schemeClr>
+                  </a:solidFill>
+                </a:rPr>
+                <a:t>	              </a:t>
+              </a:r>
+              <a:r>
+                <a:rPr kumimoji="1" lang="en-US" altLang="ko-KR" sz="1200" b="1" u="sng" dirty="0" smtClean="0">
+                  <a:solidFill>
+                    <a:schemeClr val="tx1">
+                      <a:lumMod val="75000"/>
+                      <a:lumOff val="25000"/>
+                    </a:schemeClr>
+                  </a:solidFill>
+                </a:rPr>
+                <a:t>  0  </a:t>
+              </a:r>
+              <a:r>
+                <a:rPr kumimoji="1" lang="ko-KR" altLang="en-US" sz="1200" b="1" dirty="0" smtClean="0">
+                  <a:solidFill>
+                    <a:schemeClr val="tx1">
+                      <a:lumMod val="75000"/>
+                      <a:lumOff val="25000"/>
+                    </a:schemeClr>
+                  </a:solidFill>
+                </a:rPr>
+                <a:t>원</a:t>
+              </a:r>
+              <a:endParaRPr kumimoji="1" lang="en-US" altLang="ko-KR" sz="1200" b="1" dirty="0">
+                <a:solidFill>
+                  <a:schemeClr val="tx1">
+                    <a:lumMod val="75000"/>
+                    <a:lumOff val="25000"/>
+                  </a:schemeClr>
+                </a:solidFill>
+              </a:endParaRPr>
+            </a:p>
+          </p:txBody>
+        </p:sp>
+      </p:grpSp>
+      <p:sp>
+        <p:nvSpPr>
+          <p:cNvPr id="13" name="직사각형 12">
+            <a:extLst>
+              <a:ext uri="{FF2B5EF4-FFF2-40B4-BE49-F238E27FC236}">
+                <a16:creationId xmlns:a16="http://schemas.microsoft.com/office/drawing/2014/main" id="{1A09CB1E-61C8-BF41-8166-783D974FF436}"/>
+              </a:ext>
+            </a:extLst>
+          </p:cNvPr>
+          <p:cNvSpPr/>
+          <p:nvPr/>
+        </p:nvSpPr>
+        <p:spPr>
+          <a:xfrm>
+            <a:off x="0" y="0"/>
+            <a:ext cx="12192000" cy="563417"/>
+          </a:xfrm>
+          <a:prstGeom prst="rect">
+            <a:avLst/>
+          </a:prstGeom>
+          <a:solidFill>
+            <a:schemeClr val="bg1"/>
+          </a:solidFill>
+          <a:ln>
+            <a:solidFill>
+              <a:schemeClr val="bg1">
+                <a:lumMod val="75000"/>
+              </a:schemeClr>
+            </a:solidFill>
+          </a:ln>
+        </p:spPr>
+        <p:style>
+          <a:lnRef idx="2">
+            <a:schemeClr val="accent1">
+              <a:shade val="50000"/>
+            </a:schemeClr>
+          </a:lnRef>
+          <a:fillRef idx="1">
+            <a:schemeClr val="accent1"/>
+          </a:fillRef>
+          <a:effectRef idx="0">
+            <a:schemeClr val="accent1"/>
+          </a:effectRef>
+          <a:fontRef idx="minor">
+            <a:schemeClr val="lt1"/>
+          </a:fontRef>
+        </p:style>
+        <p:txBody>
+          <a:bodyPr rtlCol="0" anchor="ctr"/>
+          <a:lstStyle/>
+          <a:p>
+            <a:pPr algn="ctr"/>
+            <a:endParaRPr kumimoji="1" lang="ko-KR" altLang="en-US" dirty="0"/>
+          </a:p>
+        </p:txBody>
+      </p:sp>
+      <p:sp>
+        <p:nvSpPr>
+          <p:cNvPr id="14" name="TextBox 13">
+            <a:extLst>
+              <a:ext uri="{FF2B5EF4-FFF2-40B4-BE49-F238E27FC236}">
+                <a16:creationId xmlns:a16="http://schemas.microsoft.com/office/drawing/2014/main" id="{D92B28E7-D15C-C445-8715-5E7C0DEAE706}"/>
+              </a:ext>
+            </a:extLst>
+          </p:cNvPr>
+          <p:cNvSpPr txBox="1"/>
+          <p:nvPr/>
+        </p:nvSpPr>
+        <p:spPr>
+          <a:xfrm>
+            <a:off x="5137336" y="112431"/>
+            <a:ext cx="1931491" cy="338554"/>
+          </a:xfrm>
+          <a:prstGeom prst="rect">
+            <a:avLst/>
+          </a:prstGeom>
+          <a:noFill/>
+        </p:spPr>
+        <p:txBody>
+          <a:bodyPr wrap="none" rtlCol="0">
+            <a:spAutoFit/>
+          </a:bodyPr>
+          <a:lstStyle/>
+          <a:p>
+            <a:pPr algn="ctr"/>
+            <a:r>
+              <a:rPr kumimoji="1" lang="en-US" altLang="ko-KR" sz="1600" b="1" dirty="0"/>
+              <a:t>Dutch Broomstick</a:t>
+            </a:r>
+            <a:endParaRPr kumimoji="1" lang="ko-KR" altLang="en-US" sz="1600" b="1" dirty="0"/>
+          </a:p>
+        </p:txBody>
+      </p:sp>
+      <p:sp>
+        <p:nvSpPr>
+          <p:cNvPr id="22" name="직사각형 21">
+            <a:extLst>
+              <a:ext uri="{FF2B5EF4-FFF2-40B4-BE49-F238E27FC236}">
+                <a16:creationId xmlns:a16="http://schemas.microsoft.com/office/drawing/2014/main" id="{1DF4C30D-B860-CF42-A2D2-8933EF262E6F}"/>
+              </a:ext>
+            </a:extLst>
+          </p:cNvPr>
+          <p:cNvSpPr/>
+          <p:nvPr/>
+        </p:nvSpPr>
+        <p:spPr>
+          <a:xfrm>
+            <a:off x="4894025" y="1046372"/>
+            <a:ext cx="2403951" cy="842653"/>
+          </a:xfrm>
+          <a:prstGeom prst="rect">
+            <a:avLst/>
+          </a:prstGeom>
+          <a:solidFill>
+            <a:schemeClr val="bg1"/>
+          </a:solidFill>
+          <a:ln>
+            <a:solidFill>
+              <a:schemeClr val="bg1">
+                <a:lumMod val="75000"/>
+              </a:schemeClr>
+            </a:solidFill>
+          </a:ln>
+        </p:spPr>
+        <p:style>
+          <a:lnRef idx="2">
+            <a:schemeClr val="accent1">
+              <a:shade val="50000"/>
+            </a:schemeClr>
+          </a:lnRef>
+          <a:fillRef idx="1">
+            <a:schemeClr val="accent1"/>
+          </a:fillRef>
+          <a:effectRef idx="0">
+            <a:schemeClr val="accent1"/>
+          </a:effectRef>
+          <a:fontRef idx="minor">
+            <a:schemeClr val="lt1"/>
+          </a:fontRef>
+        </p:style>
+        <p:txBody>
+          <a:bodyPr rtlCol="0" anchor="ctr"/>
+          <a:lstStyle/>
+          <a:p>
+            <a:pPr algn="ctr"/>
+            <a:endParaRPr kumimoji="1" lang="ko-KR" altLang="en-US"/>
+          </a:p>
+        </p:txBody>
+      </p:sp>
+      <p:sp>
+        <p:nvSpPr>
+          <p:cNvPr id="25" name="모서리가 둥근 직사각형 24">
+            <a:extLst>
+              <a:ext uri="{FF2B5EF4-FFF2-40B4-BE49-F238E27FC236}">
+                <a16:creationId xmlns:a16="http://schemas.microsoft.com/office/drawing/2014/main" id="{09A9694D-0652-AE48-A0AC-1AAC084FD95D}"/>
+              </a:ext>
+            </a:extLst>
+          </p:cNvPr>
+          <p:cNvSpPr/>
+          <p:nvPr/>
+        </p:nvSpPr>
+        <p:spPr>
+          <a:xfrm>
+            <a:off x="5079422" y="2985533"/>
+            <a:ext cx="2033155" cy="484040"/>
+          </a:xfrm>
+          <a:prstGeom prst="roundRect">
+            <a:avLst>
+              <a:gd name="adj" fmla="val 12230"/>
+            </a:avLst>
+          </a:prstGeom>
+          <a:solidFill>
+            <a:schemeClr val="bg1"/>
+          </a:solidFill>
+          <a:ln>
+            <a:solidFill>
+              <a:schemeClr val="bg1">
+                <a:lumMod val="75000"/>
+              </a:schemeClr>
+            </a:solidFill>
+          </a:ln>
+        </p:spPr>
+        <p:style>
+          <a:lnRef idx="2">
+            <a:schemeClr val="accent1">
+              <a:shade val="50000"/>
+            </a:schemeClr>
+          </a:lnRef>
+          <a:fillRef idx="1">
+            <a:schemeClr val="accent1"/>
+          </a:fillRef>
+          <a:effectRef idx="0">
+            <a:schemeClr val="accent1"/>
+          </a:effectRef>
+          <a:fontRef idx="minor">
+            <a:schemeClr val="lt1"/>
+          </a:fontRef>
+        </p:style>
+        <p:txBody>
+          <a:bodyPr rot="0" spcFirstLastPara="0" vertOverflow="overflow" horzOverflow="overflow" vert="horz" wrap="square" lIns="91440" tIns="45720" rIns="91440" bIns="45720" numCol="1" spcCol="0" rtlCol="0" fromWordArt="0" anchor="ctr" anchorCtr="0" forceAA="0" compatLnSpc="1">
+            <a:prstTxWarp prst="textNoShape">
+              <a:avLst/>
+            </a:prstTxWarp>
+            <a:noAutofit/>
+          </a:bodyPr>
+          <a:lstStyle/>
+          <a:p>
+            <a:r>
+              <a:rPr kumimoji="1" lang="ko-KR" altLang="en-US" sz="1100" b="1" dirty="0" smtClean="0">
+                <a:solidFill>
+                  <a:schemeClr val="tx1">
+                    <a:lumMod val="75000"/>
+                    <a:lumOff val="25000"/>
+                  </a:schemeClr>
+                </a:solidFill>
+              </a:rPr>
+              <a:t>홍길동</a:t>
+            </a:r>
+            <a:endParaRPr kumimoji="1" lang="en-US" altLang="ko-KR" sz="1100" b="1" dirty="0">
+              <a:solidFill>
+                <a:schemeClr val="tx1">
+                  <a:lumMod val="75000"/>
+                  <a:lumOff val="25000"/>
+                </a:schemeClr>
+              </a:solidFill>
+            </a:endParaRPr>
+          </a:p>
+          <a:p>
+            <a:pPr algn="r"/>
+            <a:r>
+              <a:rPr kumimoji="1" lang="en-US" altLang="ko-KR" sz="1000" u="sng" dirty="0" smtClean="0">
+                <a:solidFill>
+                  <a:schemeClr val="tx1">
+                    <a:lumMod val="75000"/>
+                    <a:lumOff val="25000"/>
+                  </a:schemeClr>
+                </a:solidFill>
+              </a:rPr>
+              <a:t>  0  </a:t>
+            </a:r>
+            <a:r>
+              <a:rPr kumimoji="1" lang="ko-KR" altLang="en-US" sz="1000" dirty="0" smtClean="0">
+                <a:solidFill>
+                  <a:schemeClr val="tx1">
+                    <a:lumMod val="75000"/>
+                    <a:lumOff val="25000"/>
+                  </a:schemeClr>
+                </a:solidFill>
+              </a:rPr>
+              <a:t>원</a:t>
+            </a:r>
+            <a:endParaRPr kumimoji="1" lang="ko-KR" altLang="en-US" sz="1000" dirty="0">
+              <a:solidFill>
+                <a:schemeClr val="tx1">
+                  <a:lumMod val="75000"/>
+                  <a:lumOff val="25000"/>
+                </a:schemeClr>
+              </a:solidFill>
+            </a:endParaRPr>
+          </a:p>
+        </p:txBody>
+      </p:sp>
+      <p:sp>
+        <p:nvSpPr>
+          <p:cNvPr id="26" name="모서리가 둥근 직사각형 25">
+            <a:extLst>
+              <a:ext uri="{FF2B5EF4-FFF2-40B4-BE49-F238E27FC236}">
+                <a16:creationId xmlns:a16="http://schemas.microsoft.com/office/drawing/2014/main" id="{2D84FF30-0FEE-3A49-937B-6991B10B5CD3}"/>
+              </a:ext>
+            </a:extLst>
+          </p:cNvPr>
+          <p:cNvSpPr/>
+          <p:nvPr/>
+        </p:nvSpPr>
+        <p:spPr>
+          <a:xfrm>
+            <a:off x="5079422" y="4088268"/>
+            <a:ext cx="2033155" cy="484040"/>
+          </a:xfrm>
+          <a:prstGeom prst="roundRect">
+            <a:avLst>
+              <a:gd name="adj" fmla="val 12230"/>
+            </a:avLst>
+          </a:prstGeom>
+          <a:solidFill>
+            <a:schemeClr val="bg1"/>
+          </a:solidFill>
+          <a:ln>
+            <a:solidFill>
+              <a:schemeClr val="bg1">
+                <a:lumMod val="75000"/>
+              </a:schemeClr>
+            </a:solidFill>
+          </a:ln>
+        </p:spPr>
+        <p:style>
+          <a:lnRef idx="2">
+            <a:schemeClr val="accent1">
+              <a:shade val="50000"/>
+            </a:schemeClr>
+          </a:lnRef>
+          <a:fillRef idx="1">
+            <a:schemeClr val="accent1"/>
+          </a:fillRef>
+          <a:effectRef idx="0">
+            <a:schemeClr val="accent1"/>
+          </a:effectRef>
+          <a:fontRef idx="minor">
+            <a:schemeClr val="lt1"/>
+          </a:fontRef>
+        </p:style>
+        <p:txBody>
+          <a:bodyPr rot="0" spcFirstLastPara="0" vertOverflow="overflow" horzOverflow="overflow" vert="horz" wrap="square" lIns="91440" tIns="45720" rIns="91440" bIns="45720" numCol="1" spcCol="0" rtlCol="0" fromWordArt="0" anchor="ctr" anchorCtr="0" forceAA="0" compatLnSpc="1">
+            <a:prstTxWarp prst="textNoShape">
+              <a:avLst/>
+            </a:prstTxWarp>
+            <a:noAutofit/>
+          </a:bodyPr>
+          <a:lstStyle/>
+          <a:p>
+            <a:r>
+              <a:rPr kumimoji="1" lang="ko-KR" altLang="en-US" sz="1100" b="1" dirty="0" err="1" smtClean="0">
+                <a:solidFill>
+                  <a:schemeClr val="tx1">
+                    <a:lumMod val="75000"/>
+                    <a:lumOff val="25000"/>
+                  </a:schemeClr>
+                </a:solidFill>
+              </a:rPr>
+              <a:t>홍판서</a:t>
+            </a:r>
+            <a:endParaRPr kumimoji="1" lang="en-US" altLang="ko-KR" sz="1100" b="1" dirty="0">
+              <a:solidFill>
+                <a:schemeClr val="tx1">
+                  <a:lumMod val="75000"/>
+                  <a:lumOff val="25000"/>
+                </a:schemeClr>
+              </a:solidFill>
+            </a:endParaRPr>
+          </a:p>
+          <a:p>
+            <a:pPr algn="r"/>
+            <a:r>
+              <a:rPr kumimoji="1" lang="en-US" altLang="ko-KR" sz="1000" u="sng" dirty="0" smtClean="0">
+                <a:solidFill>
+                  <a:schemeClr val="tx1">
+                    <a:lumMod val="75000"/>
+                    <a:lumOff val="25000"/>
+                  </a:schemeClr>
+                </a:solidFill>
+              </a:rPr>
+              <a:t>  </a:t>
+            </a:r>
+            <a:r>
+              <a:rPr kumimoji="1" lang="en-US" altLang="ko-KR" sz="1000" u="sng" dirty="0" smtClean="0">
+                <a:solidFill>
+                  <a:schemeClr val="tx1">
+                    <a:lumMod val="75000"/>
+                    <a:lumOff val="25000"/>
+                  </a:schemeClr>
+                </a:solidFill>
+              </a:rPr>
+              <a:t>0  </a:t>
+            </a:r>
+            <a:r>
+              <a:rPr kumimoji="1" lang="ko-KR" altLang="en-US" sz="1000" dirty="0" smtClean="0">
+                <a:solidFill>
+                  <a:schemeClr val="tx1">
+                    <a:lumMod val="75000"/>
+                    <a:lumOff val="25000"/>
+                  </a:schemeClr>
+                </a:solidFill>
+              </a:rPr>
+              <a:t>원 </a:t>
+            </a:r>
+            <a:endParaRPr kumimoji="1" lang="ko-KR" altLang="en-US" sz="1000" dirty="0">
+              <a:solidFill>
+                <a:schemeClr val="tx1">
+                  <a:lumMod val="75000"/>
+                  <a:lumOff val="25000"/>
+                </a:schemeClr>
+              </a:solidFill>
+            </a:endParaRPr>
+          </a:p>
+        </p:txBody>
+      </p:sp>
+      <p:sp>
+        <p:nvSpPr>
+          <p:cNvPr id="28" name="모서리가 둥근 직사각형 27">
+            <a:extLst>
+              <a:ext uri="{FF2B5EF4-FFF2-40B4-BE49-F238E27FC236}">
+                <a16:creationId xmlns:a16="http://schemas.microsoft.com/office/drawing/2014/main" id="{777FA8F5-1A96-B147-83BA-21C0D5D60CB4}"/>
+              </a:ext>
+            </a:extLst>
+          </p:cNvPr>
+          <p:cNvSpPr/>
+          <p:nvPr/>
+        </p:nvSpPr>
+        <p:spPr>
+          <a:xfrm>
+            <a:off x="4894025" y="1046372"/>
+            <a:ext cx="2411031" cy="853955"/>
+          </a:xfrm>
+          <a:prstGeom prst="roundRect">
+            <a:avLst>
+              <a:gd name="adj" fmla="val 12230"/>
+            </a:avLst>
+          </a:prstGeom>
+          <a:noFill/>
+          <a:ln>
+            <a:noFill/>
+          </a:ln>
+        </p:spPr>
+        <p:style>
+          <a:lnRef idx="2">
+            <a:schemeClr val="accent1">
+              <a:shade val="50000"/>
+            </a:schemeClr>
+          </a:lnRef>
+          <a:fillRef idx="1">
+            <a:schemeClr val="accent1"/>
+          </a:fillRef>
+          <a:effectRef idx="0">
+            <a:schemeClr val="accent1"/>
+          </a:effectRef>
+          <a:fontRef idx="minor">
+            <a:schemeClr val="lt1"/>
+          </a:fontRef>
+        </p:style>
+        <p:txBody>
+          <a:bodyPr rot="0" spcFirstLastPara="0" vertOverflow="overflow" horzOverflow="overflow" vert="horz" wrap="square" lIns="91440" tIns="45720" rIns="91440" bIns="45720" numCol="1" spcCol="0" rtlCol="0" fromWordArt="0" anchor="ctr" anchorCtr="0" forceAA="0" compatLnSpc="1">
+            <a:prstTxWarp prst="textNoShape">
+              <a:avLst/>
+            </a:prstTxWarp>
+            <a:noAutofit/>
+          </a:bodyPr>
+          <a:lstStyle/>
+          <a:p>
+            <a:r>
+              <a:rPr kumimoji="1" lang="en-US" altLang="ko-KR" sz="1100" b="1" dirty="0" smtClean="0">
+                <a:solidFill>
+                  <a:schemeClr val="tx1">
+                    <a:lumMod val="75000"/>
+                    <a:lumOff val="25000"/>
+                  </a:schemeClr>
+                </a:solidFill>
+              </a:rPr>
+              <a:t>What.  </a:t>
+            </a:r>
+            <a:r>
+              <a:rPr kumimoji="1" lang="en-US" altLang="ko-KR" sz="1100" b="1" u="sng" dirty="0" smtClean="0">
+                <a:solidFill>
+                  <a:schemeClr val="tx1">
+                    <a:lumMod val="75000"/>
+                    <a:lumOff val="25000"/>
+                  </a:schemeClr>
+                </a:solidFill>
+              </a:rPr>
+              <a:t> ?</a:t>
+            </a:r>
+            <a:r>
+              <a:rPr kumimoji="1" lang="ko-KR" altLang="en-US" sz="1100" b="1" u="sng" dirty="0" smtClean="0">
+                <a:solidFill>
+                  <a:schemeClr val="tx1">
+                    <a:lumMod val="75000"/>
+                    <a:lumOff val="25000"/>
+                  </a:schemeClr>
+                </a:solidFill>
+              </a:rPr>
+              <a:t> </a:t>
+            </a:r>
+            <a:endParaRPr kumimoji="1" lang="en-US" altLang="ko-KR" sz="1100" b="1" u="sng" dirty="0">
+              <a:solidFill>
+                <a:schemeClr val="bg1">
+                  <a:lumMod val="50000"/>
+                </a:schemeClr>
+              </a:solidFill>
+            </a:endParaRPr>
+          </a:p>
+          <a:p>
+            <a:r>
+              <a:rPr kumimoji="1" lang="en-US" altLang="ko-KR" sz="1100" b="1" dirty="0" smtClean="0">
+                <a:solidFill>
+                  <a:srgbClr val="00B0F0"/>
+                </a:solidFill>
+              </a:rPr>
+              <a:t>To. </a:t>
+            </a:r>
+            <a:r>
+              <a:rPr kumimoji="1" lang="en-US" altLang="ko-KR" sz="1100" b="1" u="sng" dirty="0" smtClean="0">
+                <a:solidFill>
+                  <a:srgbClr val="00B0F0"/>
+                </a:solidFill>
+              </a:rPr>
+              <a:t> </a:t>
+            </a:r>
+            <a:r>
+              <a:rPr kumimoji="1" lang="en-US" altLang="ko-KR" sz="1100" b="1" u="sng" dirty="0" smtClean="0">
+                <a:solidFill>
+                  <a:srgbClr val="00B0F0"/>
+                </a:solidFill>
+              </a:rPr>
+              <a:t>?</a:t>
+            </a:r>
+          </a:p>
+          <a:p>
+            <a:endParaRPr kumimoji="1" lang="en-US" altLang="ko-KR" sz="500" b="1" dirty="0">
+              <a:solidFill>
+                <a:srgbClr val="00B0F0"/>
+              </a:solidFill>
+            </a:endParaRPr>
+          </a:p>
+          <a:p>
+            <a:pPr algn="r"/>
+            <a:r>
+              <a:rPr kumimoji="1" lang="en-US" altLang="ko-KR" sz="1200" b="1" u="sng" dirty="0" smtClean="0">
+                <a:solidFill>
+                  <a:schemeClr val="tx1">
+                    <a:lumMod val="75000"/>
+                    <a:lumOff val="25000"/>
+                  </a:schemeClr>
+                </a:solidFill>
+              </a:rPr>
+              <a:t>  0  </a:t>
+            </a:r>
+            <a:r>
+              <a:rPr kumimoji="1" lang="ko-KR" altLang="en-US" sz="1200" b="1" dirty="0" smtClean="0">
+                <a:solidFill>
+                  <a:schemeClr val="tx1">
+                    <a:lumMod val="75000"/>
+                    <a:lumOff val="25000"/>
+                  </a:schemeClr>
+                </a:solidFill>
+              </a:rPr>
+              <a:t>원</a:t>
+            </a:r>
+            <a:endParaRPr kumimoji="1" lang="en-US" altLang="ko-KR" sz="1200" b="1" dirty="0">
+              <a:solidFill>
+                <a:schemeClr val="tx1">
+                  <a:lumMod val="75000"/>
+                  <a:lumOff val="25000"/>
+                </a:schemeClr>
+              </a:solidFill>
+            </a:endParaRPr>
+          </a:p>
+        </p:txBody>
+      </p:sp>
+      <p:sp>
+        <p:nvSpPr>
+          <p:cNvPr id="17" name="자유형 16">
+            <a:extLst>
+              <a:ext uri="{FF2B5EF4-FFF2-40B4-BE49-F238E27FC236}">
+                <a16:creationId xmlns:a16="http://schemas.microsoft.com/office/drawing/2014/main" id="{D118E58B-320B-8847-9091-5DBE4CFBE0D7}"/>
+              </a:ext>
+            </a:extLst>
+          </p:cNvPr>
+          <p:cNvSpPr/>
+          <p:nvPr/>
+        </p:nvSpPr>
+        <p:spPr>
+          <a:xfrm rot="13405530">
+            <a:off x="7047294" y="1185283"/>
+            <a:ext cx="43065" cy="210710"/>
+          </a:xfrm>
+          <a:custGeom>
+            <a:avLst/>
+            <a:gdLst>
+              <a:gd name="connsiteX0" fmla="*/ 0 w 1060704"/>
+              <a:gd name="connsiteY0" fmla="*/ 5330311 h 5708910"/>
+              <a:gd name="connsiteX1" fmla="*/ 1060704 w 1060704"/>
+              <a:gd name="connsiteY1" fmla="*/ 5330311 h 5708910"/>
+              <a:gd name="connsiteX2" fmla="*/ 1060704 w 1060704"/>
+              <a:gd name="connsiteY2" fmla="*/ 5708910 h 5708910"/>
+              <a:gd name="connsiteX3" fmla="*/ 0 w 1060704"/>
+              <a:gd name="connsiteY3" fmla="*/ 5708910 h 5708910"/>
+              <a:gd name="connsiteX4" fmla="*/ 0 w 1060704"/>
+              <a:gd name="connsiteY4" fmla="*/ 1164371 h 5708910"/>
+              <a:gd name="connsiteX5" fmla="*/ 1060704 w 1060704"/>
+              <a:gd name="connsiteY5" fmla="*/ 1164371 h 5708910"/>
+              <a:gd name="connsiteX6" fmla="*/ 1060704 w 1060704"/>
+              <a:gd name="connsiteY6" fmla="*/ 5084090 h 5708910"/>
+              <a:gd name="connsiteX7" fmla="*/ 0 w 1060704"/>
+              <a:gd name="connsiteY7" fmla="*/ 5084090 h 5708910"/>
+              <a:gd name="connsiteX8" fmla="*/ 530352 w 1060704"/>
+              <a:gd name="connsiteY8" fmla="*/ 0 h 5708910"/>
+              <a:gd name="connsiteX9" fmla="*/ 1060704 w 1060704"/>
+              <a:gd name="connsiteY9" fmla="*/ 914400 h 5708910"/>
+              <a:gd name="connsiteX10" fmla="*/ 0 w 1060704"/>
+              <a:gd name="connsiteY10" fmla="*/ 914400 h 5708910"/>
+            </a:gdLst>
+            <a:ahLst/>
+            <a:cxnLst>
+              <a:cxn ang="0">
+                <a:pos x="connsiteX0" y="connsiteY0"/>
+              </a:cxn>
+              <a:cxn ang="0">
+                <a:pos x="connsiteX1" y="connsiteY1"/>
+              </a:cxn>
+              <a:cxn ang="0">
+                <a:pos x="connsiteX2" y="connsiteY2"/>
+              </a:cxn>
+              <a:cxn ang="0">
+                <a:pos x="connsiteX3" y="connsiteY3"/>
+              </a:cxn>
+              <a:cxn ang="0">
+                <a:pos x="connsiteX4" y="connsiteY4"/>
+              </a:cxn>
+              <a:cxn ang="0">
+                <a:pos x="connsiteX5" y="connsiteY5"/>
+              </a:cxn>
+              <a:cxn ang="0">
+                <a:pos x="connsiteX6" y="connsiteY6"/>
+              </a:cxn>
+              <a:cxn ang="0">
+                <a:pos x="connsiteX7" y="connsiteY7"/>
+              </a:cxn>
+              <a:cxn ang="0">
+                <a:pos x="connsiteX8" y="connsiteY8"/>
+              </a:cxn>
+              <a:cxn ang="0">
+                <a:pos x="connsiteX9" y="connsiteY9"/>
+              </a:cxn>
+              <a:cxn ang="0">
+                <a:pos x="connsiteX10" y="connsiteY10"/>
+              </a:cxn>
+            </a:cxnLst>
+            <a:rect l="l" t="t" r="r" b="b"/>
+            <a:pathLst>
+              <a:path w="1060704" h="5708910">
+                <a:moveTo>
+                  <a:pt x="0" y="5330311"/>
+                </a:moveTo>
+                <a:lnTo>
+                  <a:pt x="1060704" y="5330311"/>
+                </a:lnTo>
+                <a:lnTo>
+                  <a:pt x="1060704" y="5708910"/>
+                </a:lnTo>
+                <a:lnTo>
+                  <a:pt x="0" y="5708910"/>
+                </a:lnTo>
+                <a:close/>
+                <a:moveTo>
+                  <a:pt x="0" y="1164371"/>
+                </a:moveTo>
+                <a:lnTo>
+                  <a:pt x="1060704" y="1164371"/>
+                </a:lnTo>
+                <a:lnTo>
+                  <a:pt x="1060704" y="5084090"/>
+                </a:lnTo>
+                <a:lnTo>
+                  <a:pt x="0" y="5084090"/>
+                </a:lnTo>
+                <a:close/>
+                <a:moveTo>
+                  <a:pt x="530352" y="0"/>
+                </a:moveTo>
+                <a:lnTo>
+                  <a:pt x="1060704" y="914400"/>
+                </a:lnTo>
+                <a:lnTo>
+                  <a:pt x="0" y="914400"/>
+                </a:lnTo>
+                <a:close/>
+              </a:path>
+            </a:pathLst>
+          </a:custGeom>
+          <a:solidFill>
+            <a:schemeClr val="tx1">
+              <a:lumMod val="50000"/>
+              <a:lumOff val="50000"/>
+            </a:schemeClr>
+          </a:solidFill>
+          <a:ln>
+            <a:noFill/>
+          </a:ln>
+        </p:spPr>
+        <p:style>
+          <a:lnRef idx="2">
+            <a:schemeClr val="accent1">
+              <a:shade val="50000"/>
+            </a:schemeClr>
+          </a:lnRef>
+          <a:fillRef idx="1">
+            <a:schemeClr val="accent1"/>
+          </a:fillRef>
+          <a:effectRef idx="0">
+            <a:schemeClr val="accent1"/>
+          </a:effectRef>
+          <a:fontRef idx="minor">
+            <a:schemeClr val="lt1"/>
+          </a:fontRef>
+        </p:style>
+        <p:txBody>
+          <a:bodyPr rtlCol="0" anchor="ctr"/>
+          <a:lstStyle/>
+          <a:p>
+            <a:pPr algn="ctr"/>
+            <a:endParaRPr kumimoji="1" lang="ko-KR" altLang="en-US"/>
+          </a:p>
+        </p:txBody>
+      </p:sp>
+      <p:sp>
+        <p:nvSpPr>
+          <p:cNvPr id="18" name="모서리가 둥근 직사각형 17">
+            <a:extLst>
+              <a:ext uri="{FF2B5EF4-FFF2-40B4-BE49-F238E27FC236}">
+                <a16:creationId xmlns:a16="http://schemas.microsoft.com/office/drawing/2014/main" id="{09A9694D-0652-AE48-A0AC-1AAC084FD95D}"/>
+              </a:ext>
+            </a:extLst>
+          </p:cNvPr>
+          <p:cNvSpPr/>
+          <p:nvPr/>
+        </p:nvSpPr>
+        <p:spPr>
+          <a:xfrm>
+            <a:off x="5079422" y="3536900"/>
+            <a:ext cx="2033155" cy="484040"/>
+          </a:xfrm>
+          <a:prstGeom prst="roundRect">
+            <a:avLst>
+              <a:gd name="adj" fmla="val 12230"/>
+            </a:avLst>
+          </a:prstGeom>
+          <a:solidFill>
+            <a:schemeClr val="bg1"/>
+          </a:solidFill>
+          <a:ln>
+            <a:solidFill>
+              <a:schemeClr val="bg1">
+                <a:lumMod val="75000"/>
+              </a:schemeClr>
+            </a:solidFill>
+          </a:ln>
+        </p:spPr>
+        <p:style>
+          <a:lnRef idx="2">
+            <a:schemeClr val="accent1">
+              <a:shade val="50000"/>
+            </a:schemeClr>
+          </a:lnRef>
+          <a:fillRef idx="1">
+            <a:schemeClr val="accent1"/>
+          </a:fillRef>
+          <a:effectRef idx="0">
+            <a:schemeClr val="accent1"/>
+          </a:effectRef>
+          <a:fontRef idx="minor">
+            <a:schemeClr val="lt1"/>
+          </a:fontRef>
+        </p:style>
+        <p:txBody>
+          <a:bodyPr rot="0" spcFirstLastPara="0" vertOverflow="overflow" horzOverflow="overflow" vert="horz" wrap="square" lIns="91440" tIns="45720" rIns="91440" bIns="45720" numCol="1" spcCol="0" rtlCol="0" fromWordArt="0" anchor="ctr" anchorCtr="0" forceAA="0" compatLnSpc="1">
+            <a:prstTxWarp prst="textNoShape">
+              <a:avLst/>
+            </a:prstTxWarp>
+            <a:noAutofit/>
+          </a:bodyPr>
+          <a:lstStyle/>
+          <a:p>
+            <a:r>
+              <a:rPr kumimoji="1" lang="ko-KR" altLang="en-US" sz="1100" b="1" dirty="0" err="1" smtClean="0">
+                <a:solidFill>
+                  <a:schemeClr val="tx1">
+                    <a:lumMod val="75000"/>
+                    <a:lumOff val="25000"/>
+                  </a:schemeClr>
+                </a:solidFill>
+              </a:rPr>
+              <a:t>홍인형</a:t>
+            </a:r>
+            <a:endParaRPr kumimoji="1" lang="en-US" altLang="ko-KR" sz="1100" b="1" dirty="0">
+              <a:solidFill>
+                <a:schemeClr val="tx1">
+                  <a:lumMod val="75000"/>
+                  <a:lumOff val="25000"/>
+                </a:schemeClr>
+              </a:solidFill>
+            </a:endParaRPr>
+          </a:p>
+          <a:p>
+            <a:pPr algn="r"/>
+            <a:r>
+              <a:rPr kumimoji="1" lang="en-US" altLang="ko-KR" sz="1000" u="sng" dirty="0">
+                <a:solidFill>
+                  <a:schemeClr val="tx1">
+                    <a:lumMod val="75000"/>
+                    <a:lumOff val="25000"/>
+                  </a:schemeClr>
+                </a:solidFill>
+              </a:rPr>
+              <a:t> </a:t>
+            </a:r>
+            <a:r>
+              <a:rPr kumimoji="1" lang="en-US" altLang="ko-KR" sz="1000" u="sng" dirty="0" smtClean="0">
+                <a:solidFill>
+                  <a:schemeClr val="tx1">
+                    <a:lumMod val="75000"/>
+                    <a:lumOff val="25000"/>
+                  </a:schemeClr>
+                </a:solidFill>
+              </a:rPr>
+              <a:t> </a:t>
+            </a:r>
+            <a:r>
+              <a:rPr kumimoji="1" lang="en-US" altLang="ko-KR" sz="1000" u="sng" dirty="0" smtClean="0">
+                <a:solidFill>
+                  <a:schemeClr val="tx1">
+                    <a:lumMod val="75000"/>
+                    <a:lumOff val="25000"/>
+                  </a:schemeClr>
+                </a:solidFill>
+              </a:rPr>
+              <a:t>0  </a:t>
+            </a:r>
+            <a:r>
+              <a:rPr kumimoji="1" lang="ko-KR" altLang="en-US" sz="1000" dirty="0" smtClean="0">
+                <a:solidFill>
+                  <a:schemeClr val="tx1">
+                    <a:lumMod val="75000"/>
+                    <a:lumOff val="25000"/>
+                  </a:schemeClr>
+                </a:solidFill>
+              </a:rPr>
+              <a:t>원</a:t>
+            </a:r>
+            <a:endParaRPr kumimoji="1" lang="ko-KR" altLang="en-US" sz="1000" dirty="0">
+              <a:solidFill>
+                <a:schemeClr val="tx1">
+                  <a:lumMod val="75000"/>
+                  <a:lumOff val="25000"/>
+                </a:schemeClr>
+              </a:solidFill>
+            </a:endParaRPr>
+          </a:p>
+        </p:txBody>
+      </p:sp>
+      <p:sp>
+        <p:nvSpPr>
+          <p:cNvPr id="19" name="직사각형 18">
+            <a:extLst>
+              <a:ext uri="{FF2B5EF4-FFF2-40B4-BE49-F238E27FC236}">
+                <a16:creationId xmlns:a16="http://schemas.microsoft.com/office/drawing/2014/main" id="{1DF4C30D-B860-CF42-A2D2-8933EF262E6F}"/>
+              </a:ext>
+            </a:extLst>
+          </p:cNvPr>
+          <p:cNvSpPr/>
+          <p:nvPr/>
+        </p:nvSpPr>
+        <p:spPr>
+          <a:xfrm>
+            <a:off x="4894025" y="1972497"/>
+            <a:ext cx="2403951" cy="491303"/>
+          </a:xfrm>
+          <a:prstGeom prst="rect">
+            <a:avLst/>
+          </a:prstGeom>
+          <a:solidFill>
+            <a:schemeClr val="bg1"/>
+          </a:solidFill>
+          <a:ln>
+            <a:solidFill>
+              <a:schemeClr val="bg1">
+                <a:lumMod val="75000"/>
+              </a:schemeClr>
+            </a:solidFill>
+          </a:ln>
+        </p:spPr>
+        <p:style>
+          <a:lnRef idx="2">
+            <a:schemeClr val="accent1">
+              <a:shade val="50000"/>
+            </a:schemeClr>
+          </a:lnRef>
+          <a:fillRef idx="1">
+            <a:schemeClr val="accent1"/>
+          </a:fillRef>
+          <a:effectRef idx="0">
+            <a:schemeClr val="accent1"/>
+          </a:effectRef>
+          <a:fontRef idx="minor">
+            <a:schemeClr val="lt1"/>
+          </a:fontRef>
+        </p:style>
+        <p:txBody>
+          <a:bodyPr rtlCol="0" anchor="ctr"/>
+          <a:lstStyle/>
+          <a:p>
+            <a:pPr algn="ctr"/>
+            <a:endParaRPr kumimoji="1" lang="ko-KR" altLang="en-US"/>
+          </a:p>
+        </p:txBody>
+      </p:sp>
+      <p:sp>
+        <p:nvSpPr>
+          <p:cNvPr id="23" name="모서리가 둥근 직사각형 22">
+            <a:extLst>
+              <a:ext uri="{FF2B5EF4-FFF2-40B4-BE49-F238E27FC236}">
+                <a16:creationId xmlns:a16="http://schemas.microsoft.com/office/drawing/2014/main" id="{09A9694D-0652-AE48-A0AC-1AAC084FD95D}"/>
+              </a:ext>
+            </a:extLst>
+          </p:cNvPr>
+          <p:cNvSpPr/>
+          <p:nvPr/>
+        </p:nvSpPr>
+        <p:spPr>
+          <a:xfrm>
+            <a:off x="5009471" y="2055437"/>
+            <a:ext cx="661549" cy="294315"/>
+          </a:xfrm>
+          <a:prstGeom prst="roundRect">
+            <a:avLst>
+              <a:gd name="adj" fmla="val 12230"/>
+            </a:avLst>
+          </a:prstGeom>
+          <a:solidFill>
+            <a:schemeClr val="bg1"/>
+          </a:solidFill>
+          <a:ln>
+            <a:solidFill>
+              <a:schemeClr val="bg1">
+                <a:lumMod val="75000"/>
+              </a:schemeClr>
+            </a:solidFill>
+          </a:ln>
+        </p:spPr>
+        <p:style>
+          <a:lnRef idx="2">
+            <a:schemeClr val="accent1">
+              <a:shade val="50000"/>
+            </a:schemeClr>
+          </a:lnRef>
+          <a:fillRef idx="1">
+            <a:schemeClr val="accent1"/>
+          </a:fillRef>
+          <a:effectRef idx="0">
+            <a:schemeClr val="accent1"/>
+          </a:effectRef>
+          <a:fontRef idx="minor">
+            <a:schemeClr val="lt1"/>
+          </a:fontRef>
+        </p:style>
+        <p:txBody>
+          <a:bodyPr rot="0" spcFirstLastPara="0" vertOverflow="overflow" horzOverflow="overflow" vert="horz" wrap="square" lIns="91440" tIns="45720" rIns="91440" bIns="45720" numCol="1" spcCol="0" rtlCol="0" fromWordArt="0" anchor="ctr" anchorCtr="0" forceAA="0" compatLnSpc="1">
+            <a:prstTxWarp prst="textNoShape">
+              <a:avLst/>
+            </a:prstTxWarp>
+            <a:noAutofit/>
+          </a:bodyPr>
+          <a:lstStyle/>
+          <a:p>
+            <a:pPr algn="ctr"/>
+            <a:r>
+              <a:rPr kumimoji="1" lang="en-US" altLang="ko-KR" sz="1000" b="1" smtClean="0">
+                <a:solidFill>
+                  <a:schemeClr val="tx1">
+                    <a:lumMod val="75000"/>
+                    <a:lumOff val="25000"/>
+                  </a:schemeClr>
+                </a:solidFill>
+              </a:rPr>
+              <a:t>N</a:t>
+            </a:r>
+            <a:r>
+              <a:rPr kumimoji="1" lang="ko-KR" altLang="en-US" sz="1000" b="1" dirty="0" smtClean="0">
+                <a:solidFill>
+                  <a:schemeClr val="tx1">
+                    <a:lumMod val="75000"/>
+                    <a:lumOff val="25000"/>
+                  </a:schemeClr>
+                </a:solidFill>
+              </a:rPr>
+              <a:t>빵</a:t>
+            </a:r>
+            <a:endParaRPr kumimoji="1" lang="ko-KR" altLang="en-US" sz="1000" b="1" dirty="0">
+              <a:solidFill>
+                <a:schemeClr val="tx1">
+                  <a:lumMod val="75000"/>
+                  <a:lumOff val="25000"/>
+                </a:schemeClr>
+              </a:solidFill>
+            </a:endParaRPr>
+          </a:p>
+        </p:txBody>
+      </p:sp>
+      <p:sp>
+        <p:nvSpPr>
+          <p:cNvPr id="24" name="모서리가 둥근 직사각형 23">
+            <a:extLst>
+              <a:ext uri="{FF2B5EF4-FFF2-40B4-BE49-F238E27FC236}">
+                <a16:creationId xmlns:a16="http://schemas.microsoft.com/office/drawing/2014/main" id="{09A9694D-0652-AE48-A0AC-1AAC084FD95D}"/>
+              </a:ext>
+            </a:extLst>
+          </p:cNvPr>
+          <p:cNvSpPr/>
+          <p:nvPr/>
+        </p:nvSpPr>
+        <p:spPr>
+          <a:xfrm>
+            <a:off x="5772306" y="2055437"/>
+            <a:ext cx="661549" cy="294315"/>
+          </a:xfrm>
+          <a:prstGeom prst="roundRect">
+            <a:avLst>
+              <a:gd name="adj" fmla="val 12230"/>
+            </a:avLst>
+          </a:prstGeom>
+          <a:solidFill>
+            <a:schemeClr val="bg1"/>
+          </a:solidFill>
+          <a:ln>
+            <a:solidFill>
+              <a:schemeClr val="bg1">
+                <a:lumMod val="75000"/>
+              </a:schemeClr>
+            </a:solidFill>
+          </a:ln>
+        </p:spPr>
+        <p:style>
+          <a:lnRef idx="2">
+            <a:schemeClr val="accent1">
+              <a:shade val="50000"/>
+            </a:schemeClr>
+          </a:lnRef>
+          <a:fillRef idx="1">
+            <a:schemeClr val="accent1"/>
+          </a:fillRef>
+          <a:effectRef idx="0">
+            <a:schemeClr val="accent1"/>
+          </a:effectRef>
+          <a:fontRef idx="minor">
+            <a:schemeClr val="lt1"/>
+          </a:fontRef>
+        </p:style>
+        <p:txBody>
+          <a:bodyPr rot="0" spcFirstLastPara="0" vertOverflow="overflow" horzOverflow="overflow" vert="horz" wrap="square" lIns="91440" tIns="45720" rIns="91440" bIns="45720" numCol="1" spcCol="0" rtlCol="0" fromWordArt="0" anchor="ctr" anchorCtr="0" forceAA="0" compatLnSpc="1">
+            <a:prstTxWarp prst="textNoShape">
+              <a:avLst/>
+            </a:prstTxWarp>
+            <a:noAutofit/>
+          </a:bodyPr>
+          <a:lstStyle/>
+          <a:p>
+            <a:pPr algn="ctr"/>
+            <a:r>
+              <a:rPr kumimoji="1" lang="ko-KR" altLang="en-US" sz="1000" b="1" dirty="0" smtClean="0">
+                <a:solidFill>
+                  <a:schemeClr val="tx1">
+                    <a:lumMod val="75000"/>
+                    <a:lumOff val="25000"/>
+                  </a:schemeClr>
+                </a:solidFill>
+              </a:rPr>
+              <a:t>랜덤</a:t>
+            </a:r>
+            <a:endParaRPr kumimoji="1" lang="ko-KR" altLang="en-US" sz="1000" b="1" dirty="0">
+              <a:solidFill>
+                <a:schemeClr val="tx1">
+                  <a:lumMod val="75000"/>
+                  <a:lumOff val="25000"/>
+                </a:schemeClr>
+              </a:solidFill>
+            </a:endParaRPr>
+          </a:p>
+        </p:txBody>
+      </p:sp>
+      <p:sp>
+        <p:nvSpPr>
+          <p:cNvPr id="30" name="모서리가 둥근 직사각형 29">
+            <a:extLst>
+              <a:ext uri="{FF2B5EF4-FFF2-40B4-BE49-F238E27FC236}">
+                <a16:creationId xmlns:a16="http://schemas.microsoft.com/office/drawing/2014/main" id="{09A9694D-0652-AE48-A0AC-1AAC084FD95D}"/>
+              </a:ext>
+            </a:extLst>
+          </p:cNvPr>
+          <p:cNvSpPr/>
+          <p:nvPr/>
+        </p:nvSpPr>
+        <p:spPr>
+          <a:xfrm>
+            <a:off x="6535141" y="2055437"/>
+            <a:ext cx="661549" cy="294315"/>
+          </a:xfrm>
+          <a:prstGeom prst="roundRect">
+            <a:avLst>
+              <a:gd name="adj" fmla="val 12230"/>
+            </a:avLst>
+          </a:prstGeom>
+          <a:solidFill>
+            <a:schemeClr val="bg1"/>
+          </a:solidFill>
+          <a:ln>
+            <a:solidFill>
+              <a:schemeClr val="bg1">
+                <a:lumMod val="75000"/>
+              </a:schemeClr>
+            </a:solidFill>
+          </a:ln>
+        </p:spPr>
+        <p:style>
+          <a:lnRef idx="2">
+            <a:schemeClr val="accent1">
+              <a:shade val="50000"/>
+            </a:schemeClr>
+          </a:lnRef>
+          <a:fillRef idx="1">
+            <a:schemeClr val="accent1"/>
+          </a:fillRef>
+          <a:effectRef idx="0">
+            <a:schemeClr val="accent1"/>
+          </a:effectRef>
+          <a:fontRef idx="minor">
+            <a:schemeClr val="lt1"/>
+          </a:fontRef>
+        </p:style>
+        <p:txBody>
+          <a:bodyPr rot="0" spcFirstLastPara="0" vertOverflow="overflow" horzOverflow="overflow" vert="horz" wrap="square" lIns="91440" tIns="45720" rIns="91440" bIns="45720" numCol="1" spcCol="0" rtlCol="0" fromWordArt="0" anchor="ctr" anchorCtr="0" forceAA="0" compatLnSpc="1">
+            <a:prstTxWarp prst="textNoShape">
+              <a:avLst/>
+            </a:prstTxWarp>
+            <a:noAutofit/>
+          </a:bodyPr>
+          <a:lstStyle/>
+          <a:p>
+            <a:pPr algn="ctr"/>
+            <a:r>
+              <a:rPr kumimoji="1" lang="ko-KR" altLang="en-US" sz="1000" b="1" dirty="0" smtClean="0">
+                <a:solidFill>
+                  <a:schemeClr val="tx1">
+                    <a:lumMod val="75000"/>
+                    <a:lumOff val="25000"/>
+                  </a:schemeClr>
+                </a:solidFill>
+              </a:rPr>
+              <a:t>각자</a:t>
+            </a:r>
+            <a:endParaRPr kumimoji="1" lang="ko-KR" altLang="en-US" sz="1000" b="1" dirty="0">
+              <a:solidFill>
+                <a:schemeClr val="tx1">
+                  <a:lumMod val="75000"/>
+                  <a:lumOff val="25000"/>
+                </a:schemeClr>
+              </a:solidFill>
+            </a:endParaRPr>
+          </a:p>
+        </p:txBody>
+      </p:sp>
+      <p:sp>
+        <p:nvSpPr>
+          <p:cNvPr id="36" name="TextBox 35">
+            <a:extLst>
+              <a:ext uri="{FF2B5EF4-FFF2-40B4-BE49-F238E27FC236}">
+                <a16:creationId xmlns:a16="http://schemas.microsoft.com/office/drawing/2014/main" id="{001529B2-C00D-4D4F-BEB9-70140837CDB4}"/>
+              </a:ext>
+            </a:extLst>
+          </p:cNvPr>
+          <p:cNvSpPr txBox="1"/>
+          <p:nvPr/>
+        </p:nvSpPr>
+        <p:spPr>
+          <a:xfrm>
+            <a:off x="5754268" y="6299817"/>
+            <a:ext cx="697627" cy="246221"/>
+          </a:xfrm>
+          <a:prstGeom prst="rect">
+            <a:avLst/>
+          </a:prstGeom>
+          <a:noFill/>
+        </p:spPr>
+        <p:txBody>
+          <a:bodyPr wrap="none" rtlCol="0">
+            <a:spAutoFit/>
+          </a:bodyPr>
+          <a:lstStyle/>
+          <a:p>
+            <a:pPr algn="ctr"/>
+            <a:r>
+              <a:rPr kumimoji="1" lang="ko-KR" altLang="en-US" sz="1000" dirty="0">
+                <a:solidFill>
+                  <a:srgbClr val="00B0F0"/>
+                </a:solidFill>
+              </a:rPr>
+              <a:t>로그아웃</a:t>
+            </a:r>
+          </a:p>
+        </p:txBody>
+      </p:sp>
+      <p:sp>
+        <p:nvSpPr>
+          <p:cNvPr id="37" name="TextBox 36">
+            <a:extLst>
+              <a:ext uri="{FF2B5EF4-FFF2-40B4-BE49-F238E27FC236}">
+                <a16:creationId xmlns:a16="http://schemas.microsoft.com/office/drawing/2014/main" id="{69074E22-F89C-A349-8330-71928693398F}"/>
+              </a:ext>
+            </a:extLst>
+          </p:cNvPr>
+          <p:cNvSpPr txBox="1"/>
+          <p:nvPr/>
+        </p:nvSpPr>
+        <p:spPr>
+          <a:xfrm>
+            <a:off x="5525535" y="6485507"/>
+            <a:ext cx="1141659" cy="253916"/>
+          </a:xfrm>
+          <a:prstGeom prst="rect">
+            <a:avLst/>
+          </a:prstGeom>
+          <a:noFill/>
+        </p:spPr>
+        <p:txBody>
+          <a:bodyPr wrap="none" rtlCol="0">
+            <a:spAutoFit/>
+          </a:bodyPr>
+          <a:lstStyle/>
+          <a:p>
+            <a:r>
+              <a:rPr kumimoji="1" lang="en-US" altLang="ko-KR" sz="1050" dirty="0">
+                <a:solidFill>
+                  <a:schemeClr val="bg1">
+                    <a:lumMod val="50000"/>
+                  </a:schemeClr>
+                </a:solidFill>
+              </a:rPr>
+              <a:t>@ </a:t>
+            </a:r>
+            <a:r>
+              <a:rPr kumimoji="1" lang="en-US" altLang="ko-KR" sz="1050" dirty="0" err="1">
+                <a:solidFill>
+                  <a:schemeClr val="bg1">
+                    <a:lumMod val="50000"/>
+                  </a:schemeClr>
+                </a:solidFill>
+              </a:rPr>
+              <a:t>about_JCube</a:t>
+            </a:r>
+            <a:endParaRPr kumimoji="1" lang="en-US" altLang="ko-KR" sz="1050" dirty="0">
+              <a:solidFill>
+                <a:schemeClr val="bg1">
+                  <a:lumMod val="50000"/>
+                </a:schemeClr>
+              </a:solidFill>
+            </a:endParaRPr>
+          </a:p>
+        </p:txBody>
+      </p:sp>
+      <p:sp>
+        <p:nvSpPr>
+          <p:cNvPr id="38" name="직사각형 37">
+            <a:extLst>
+              <a:ext uri="{FF2B5EF4-FFF2-40B4-BE49-F238E27FC236}">
+                <a16:creationId xmlns:a16="http://schemas.microsoft.com/office/drawing/2014/main" id="{1DF4C30D-B860-CF42-A2D2-8933EF262E6F}"/>
+              </a:ext>
+            </a:extLst>
+          </p:cNvPr>
+          <p:cNvSpPr/>
+          <p:nvPr/>
+        </p:nvSpPr>
+        <p:spPr>
+          <a:xfrm>
+            <a:off x="4901105" y="5693037"/>
+            <a:ext cx="2403951" cy="489240"/>
+          </a:xfrm>
+          <a:prstGeom prst="rect">
+            <a:avLst/>
+          </a:prstGeom>
+          <a:solidFill>
+            <a:schemeClr val="bg1"/>
+          </a:solidFill>
+          <a:ln>
+            <a:solidFill>
+              <a:schemeClr val="bg1">
+                <a:lumMod val="75000"/>
+              </a:schemeClr>
+            </a:solidFill>
+          </a:ln>
+        </p:spPr>
+        <p:style>
+          <a:lnRef idx="2">
+            <a:schemeClr val="accent1">
+              <a:shade val="50000"/>
+            </a:schemeClr>
+          </a:lnRef>
+          <a:fillRef idx="1">
+            <a:schemeClr val="accent1"/>
+          </a:fillRef>
+          <a:effectRef idx="0">
+            <a:schemeClr val="accent1"/>
+          </a:effectRef>
+          <a:fontRef idx="minor">
+            <a:schemeClr val="lt1"/>
+          </a:fontRef>
+        </p:style>
+        <p:txBody>
+          <a:bodyPr rtlCol="0" anchor="ctr"/>
+          <a:lstStyle/>
+          <a:p>
+            <a:pPr algn="ctr"/>
+            <a:endParaRPr kumimoji="1" lang="ko-KR" altLang="en-US"/>
+          </a:p>
+        </p:txBody>
+      </p:sp>
+      <p:sp>
+        <p:nvSpPr>
+          <p:cNvPr id="39" name="모서리가 둥근 직사각형 38">
+            <a:extLst>
+              <a:ext uri="{FF2B5EF4-FFF2-40B4-BE49-F238E27FC236}">
+                <a16:creationId xmlns:a16="http://schemas.microsoft.com/office/drawing/2014/main" id="{09A9694D-0652-AE48-A0AC-1AAC084FD95D}"/>
+              </a:ext>
+            </a:extLst>
+          </p:cNvPr>
+          <p:cNvSpPr/>
+          <p:nvPr/>
+        </p:nvSpPr>
+        <p:spPr>
+          <a:xfrm>
+            <a:off x="6144004" y="5801091"/>
+            <a:ext cx="968573" cy="294315"/>
+          </a:xfrm>
+          <a:prstGeom prst="roundRect">
+            <a:avLst>
+              <a:gd name="adj" fmla="val 12230"/>
+            </a:avLst>
+          </a:prstGeom>
+          <a:solidFill>
+            <a:srgbClr val="00A5FA"/>
+          </a:solidFill>
+          <a:ln>
+            <a:solidFill>
+              <a:srgbClr val="00B0F0"/>
+            </a:solidFill>
+          </a:ln>
+        </p:spPr>
+        <p:style>
+          <a:lnRef idx="2">
+            <a:schemeClr val="accent1">
+              <a:shade val="50000"/>
+            </a:schemeClr>
+          </a:lnRef>
+          <a:fillRef idx="1">
+            <a:schemeClr val="accent1"/>
+          </a:fillRef>
+          <a:effectRef idx="0">
+            <a:schemeClr val="accent1"/>
+          </a:effectRef>
+          <a:fontRef idx="minor">
+            <a:schemeClr val="lt1"/>
+          </a:fontRef>
+        </p:style>
+        <p:txBody>
+          <a:bodyPr rot="0" spcFirstLastPara="0" vertOverflow="overflow" horzOverflow="overflow" vert="horz" wrap="square" lIns="91440" tIns="45720" rIns="91440" bIns="45720" numCol="1" spcCol="0" rtlCol="0" fromWordArt="0" anchor="ctr" anchorCtr="0" forceAA="0" compatLnSpc="1">
+            <a:prstTxWarp prst="textNoShape">
+              <a:avLst/>
+            </a:prstTxWarp>
+            <a:noAutofit/>
+          </a:bodyPr>
+          <a:lstStyle/>
+          <a:p>
+            <a:pPr algn="ctr"/>
+            <a:r>
+              <a:rPr kumimoji="1" lang="ko-KR" altLang="en-US" sz="1000" b="1" dirty="0" smtClean="0">
+                <a:solidFill>
+                  <a:schemeClr val="tx1">
+                    <a:lumMod val="75000"/>
+                    <a:lumOff val="25000"/>
+                  </a:schemeClr>
+                </a:solidFill>
+              </a:rPr>
+              <a:t>확인</a:t>
+            </a:r>
+            <a:endParaRPr kumimoji="1" lang="ko-KR" altLang="en-US" sz="1000" b="1" dirty="0">
+              <a:solidFill>
+                <a:schemeClr val="tx1">
+                  <a:lumMod val="75000"/>
+                  <a:lumOff val="25000"/>
+                </a:schemeClr>
+              </a:solidFill>
+            </a:endParaRPr>
+          </a:p>
+        </p:txBody>
+      </p:sp>
+      <p:sp>
+        <p:nvSpPr>
+          <p:cNvPr id="40" name="모서리가 둥근 직사각형 39">
+            <a:extLst>
+              <a:ext uri="{FF2B5EF4-FFF2-40B4-BE49-F238E27FC236}">
+                <a16:creationId xmlns:a16="http://schemas.microsoft.com/office/drawing/2014/main" id="{09A9694D-0652-AE48-A0AC-1AAC084FD95D}"/>
+              </a:ext>
+            </a:extLst>
+          </p:cNvPr>
+          <p:cNvSpPr/>
+          <p:nvPr/>
+        </p:nvSpPr>
+        <p:spPr>
+          <a:xfrm>
+            <a:off x="5079422" y="5801091"/>
+            <a:ext cx="968573" cy="294315"/>
+          </a:xfrm>
+          <a:prstGeom prst="roundRect">
+            <a:avLst>
+              <a:gd name="adj" fmla="val 12230"/>
+            </a:avLst>
+          </a:prstGeom>
+          <a:solidFill>
+            <a:schemeClr val="bg1"/>
+          </a:solidFill>
+          <a:ln>
+            <a:solidFill>
+              <a:schemeClr val="bg1">
+                <a:lumMod val="75000"/>
+              </a:schemeClr>
+            </a:solidFill>
+          </a:ln>
+        </p:spPr>
+        <p:style>
+          <a:lnRef idx="2">
+            <a:schemeClr val="accent1">
+              <a:shade val="50000"/>
+            </a:schemeClr>
+          </a:lnRef>
+          <a:fillRef idx="1">
+            <a:schemeClr val="accent1"/>
+          </a:fillRef>
+          <a:effectRef idx="0">
+            <a:schemeClr val="accent1"/>
+          </a:effectRef>
+          <a:fontRef idx="minor">
+            <a:schemeClr val="lt1"/>
+          </a:fontRef>
+        </p:style>
+        <p:txBody>
+          <a:bodyPr rot="0" spcFirstLastPara="0" vertOverflow="overflow" horzOverflow="overflow" vert="horz" wrap="square" lIns="91440" tIns="45720" rIns="91440" bIns="45720" numCol="1" spcCol="0" rtlCol="0" fromWordArt="0" anchor="ctr" anchorCtr="0" forceAA="0" compatLnSpc="1">
+            <a:prstTxWarp prst="textNoShape">
+              <a:avLst/>
+            </a:prstTxWarp>
+            <a:noAutofit/>
+          </a:bodyPr>
+          <a:lstStyle/>
+          <a:p>
+            <a:pPr algn="ctr"/>
+            <a:r>
+              <a:rPr kumimoji="1" lang="ko-KR" altLang="en-US" sz="1000" b="1" dirty="0" smtClean="0">
+                <a:solidFill>
+                  <a:schemeClr val="tx1">
+                    <a:lumMod val="75000"/>
+                    <a:lumOff val="25000"/>
+                  </a:schemeClr>
+                </a:solidFill>
+              </a:rPr>
+              <a:t>취소</a:t>
+            </a:r>
+            <a:endParaRPr kumimoji="1" lang="ko-KR" altLang="en-US" sz="1000" b="1" dirty="0">
+              <a:solidFill>
+                <a:schemeClr val="tx1">
+                  <a:lumMod val="75000"/>
+                  <a:lumOff val="25000"/>
+                </a:schemeClr>
+              </a:solidFill>
+            </a:endParaRPr>
+          </a:p>
+        </p:txBody>
+      </p:sp>
+      <p:cxnSp>
+        <p:nvCxnSpPr>
+          <p:cNvPr id="5" name="직선 연결선 4"/>
+          <p:cNvCxnSpPr/>
+          <p:nvPr/>
+        </p:nvCxnSpPr>
+        <p:spPr>
+          <a:xfrm>
+            <a:off x="5028567" y="2897834"/>
+            <a:ext cx="2126156" cy="0"/>
+          </a:xfrm>
+          <a:prstGeom prst="line">
+            <a:avLst/>
+          </a:prstGeom>
+          <a:ln>
+            <a:solidFill>
+              <a:schemeClr val="bg1">
+                <a:lumMod val="75000"/>
+              </a:schemeClr>
+            </a:solidFill>
+          </a:ln>
+        </p:spPr>
+        <p:style>
+          <a:lnRef idx="1">
+            <a:schemeClr val="accent1"/>
+          </a:lnRef>
+          <a:fillRef idx="0">
+            <a:schemeClr val="accent1"/>
+          </a:fillRef>
+          <a:effectRef idx="0">
+            <a:schemeClr val="accent1"/>
+          </a:effectRef>
+          <a:fontRef idx="minor">
+            <a:schemeClr val="tx1"/>
+          </a:fontRef>
+        </p:style>
+      </p:cxnSp>
+    </p:spTree>
+    <p:extLst>
+      <p:ext uri="{BB962C8B-B14F-4D97-AF65-F5344CB8AC3E}">
+        <p14:creationId xmlns:p14="http://schemas.microsoft.com/office/powerpoint/2010/main" val="1718414201"/>
+      </p:ext>
+    </p:extLst>
+  </p:cSld>
+  <p:clrMapOvr>
+    <a:masterClrMapping/>
+  </p:clrMapOvr>
+  <p:timing>
+    <p:tnLst>
+      <p:par>
+        <p:cTn id="1" dur="indefinite" restart="never" nodeType="tmRoot"/>
+      </p:par>
+    </p:tnLst>
+  </p:timing>
+</p:sld>
+</file>
+
+<file path=ppt/slides/slide14.xml><?xml version="1.0" encoding="utf-8"?>
+<p:sld xmlns:a="http://schemas.openxmlformats.org/drawingml/2006/main" xmlns:r="http://schemas.openxmlformats.org/officeDocument/2006/relationships" xmlns:p="http://schemas.openxmlformats.org/presentationml/2006/main">
+  <p:cSld>
+    <p:spTree>
+      <p:nvGrpSpPr>
+        <p:cNvPr id="1" name=""/>
+        <p:cNvGrpSpPr/>
+        <p:nvPr/>
+      </p:nvGrpSpPr>
+      <p:grpSpPr>
+        <a:xfrm>
+          <a:off x="0" y="0"/>
+          <a:ext cx="0" cy="0"/>
+          <a:chOff x="0" y="0"/>
+          <a:chExt cx="0" cy="0"/>
+        </a:xfrm>
+      </p:grpSpPr>
+      <p:grpSp>
+        <p:nvGrpSpPr>
+          <p:cNvPr id="2" name="그룹 1"/>
+          <p:cNvGrpSpPr/>
+          <p:nvPr/>
+        </p:nvGrpSpPr>
+        <p:grpSpPr>
+          <a:xfrm>
+            <a:off x="4886945" y="1246314"/>
+            <a:ext cx="2411031" cy="2438177"/>
+            <a:chOff x="4886945" y="2520239"/>
+            <a:chExt cx="2411031" cy="3096748"/>
+          </a:xfrm>
+        </p:grpSpPr>
+        <p:sp>
+          <p:nvSpPr>
+            <p:cNvPr id="21" name="직사각형 20">
+              <a:extLst>
+                <a:ext uri="{FF2B5EF4-FFF2-40B4-BE49-F238E27FC236}">
+                  <a16:creationId xmlns:a16="http://schemas.microsoft.com/office/drawing/2014/main" id="{A871EC61-223C-0447-B82C-FEE0B482521B}"/>
+                </a:ext>
+              </a:extLst>
+            </p:cNvPr>
+            <p:cNvSpPr/>
+            <p:nvPr/>
+          </p:nvSpPr>
+          <p:spPr>
+            <a:xfrm>
+              <a:off x="4894025" y="2524338"/>
+              <a:ext cx="2403951" cy="3092649"/>
+            </a:xfrm>
+            <a:prstGeom prst="rect">
+              <a:avLst/>
+            </a:prstGeom>
+            <a:solidFill>
+              <a:schemeClr val="bg1"/>
+            </a:solidFill>
+            <a:ln>
+              <a:solidFill>
+                <a:schemeClr val="bg1">
+                  <a:lumMod val="75000"/>
+                </a:schemeClr>
+              </a:solidFill>
+            </a:ln>
+          </p:spPr>
+          <p:style>
+            <a:lnRef idx="2">
+              <a:schemeClr val="accent1">
+                <a:shade val="50000"/>
+              </a:schemeClr>
+            </a:lnRef>
+            <a:fillRef idx="1">
+              <a:schemeClr val="accent1"/>
+            </a:fillRef>
+            <a:effectRef idx="0">
+              <a:schemeClr val="accent1"/>
+            </a:effectRef>
+            <a:fontRef idx="minor">
+              <a:schemeClr val="lt1"/>
+            </a:fontRef>
+          </p:style>
+          <p:txBody>
+            <a:bodyPr rtlCol="0" anchor="ctr"/>
+            <a:lstStyle/>
+            <a:p>
+              <a:pPr algn="ctr"/>
+              <a:endParaRPr kumimoji="1" lang="ko-KR" altLang="en-US"/>
+            </a:p>
+          </p:txBody>
+        </p:sp>
+        <p:sp>
+          <p:nvSpPr>
+            <p:cNvPr id="32" name="모서리가 둥근 직사각형 31">
+              <a:extLst>
+                <a:ext uri="{FF2B5EF4-FFF2-40B4-BE49-F238E27FC236}">
+                  <a16:creationId xmlns:a16="http://schemas.microsoft.com/office/drawing/2014/main" id="{777FA8F5-1A96-B147-83BA-21C0D5D60CB4}"/>
+                </a:ext>
+              </a:extLst>
+            </p:cNvPr>
+            <p:cNvSpPr/>
+            <p:nvPr/>
+          </p:nvSpPr>
+          <p:spPr>
+            <a:xfrm>
+              <a:off x="4886945" y="2520239"/>
+              <a:ext cx="2411031" cy="486996"/>
+            </a:xfrm>
+            <a:prstGeom prst="roundRect">
+              <a:avLst>
+                <a:gd name="adj" fmla="val 12230"/>
+              </a:avLst>
+            </a:prstGeom>
+            <a:noFill/>
+            <a:ln>
+              <a:noFill/>
+            </a:ln>
+          </p:spPr>
+          <p:style>
+            <a:lnRef idx="2">
+              <a:schemeClr val="accent1">
+                <a:shade val="50000"/>
+              </a:schemeClr>
+            </a:lnRef>
+            <a:fillRef idx="1">
+              <a:schemeClr val="accent1"/>
+            </a:fillRef>
+            <a:effectRef idx="0">
+              <a:schemeClr val="accent1"/>
+            </a:effectRef>
+            <a:fontRef idx="minor">
+              <a:schemeClr val="lt1"/>
+            </a:fontRef>
+          </p:style>
+          <p:txBody>
+            <a:bodyPr rot="0" spcFirstLastPara="0" vertOverflow="overflow" horzOverflow="overflow" vert="horz" wrap="square" lIns="91440" tIns="45720" rIns="91440" bIns="45720" numCol="1" spcCol="0" rtlCol="0" fromWordArt="0" anchor="ctr" anchorCtr="0" forceAA="0" compatLnSpc="1">
+              <a:prstTxWarp prst="textNoShape">
+                <a:avLst/>
+              </a:prstTxWarp>
+              <a:noAutofit/>
+            </a:bodyPr>
+            <a:lstStyle/>
+            <a:p>
+              <a:r>
+                <a:rPr kumimoji="1" lang="ko-KR" altLang="en-US" sz="1100" b="1" dirty="0" smtClean="0">
+                  <a:solidFill>
+                    <a:schemeClr val="tx1">
+                      <a:lumMod val="75000"/>
+                      <a:lumOff val="25000"/>
+                    </a:schemeClr>
+                  </a:solidFill>
+                </a:rPr>
+                <a:t>  </a:t>
+              </a:r>
+              <a:r>
+                <a:rPr kumimoji="1" lang="ko-KR" altLang="en-US" sz="1100" b="1" dirty="0" smtClean="0">
+                  <a:solidFill>
+                    <a:schemeClr val="tx1">
+                      <a:lumMod val="75000"/>
+                      <a:lumOff val="25000"/>
+                    </a:schemeClr>
+                  </a:solidFill>
+                </a:rPr>
+                <a:t>보낼</a:t>
+              </a:r>
+              <a:r>
+                <a:rPr kumimoji="1" lang="ko-KR" altLang="en-US" sz="1100" b="1" dirty="0" smtClean="0">
+                  <a:solidFill>
+                    <a:schemeClr val="tx1">
+                      <a:lumMod val="75000"/>
+                      <a:lumOff val="25000"/>
+                    </a:schemeClr>
+                  </a:solidFill>
+                </a:rPr>
+                <a:t> 돈</a:t>
+              </a:r>
+              <a:r>
+                <a:rPr kumimoji="1" lang="en-US" altLang="ko-KR" sz="1100" b="1" dirty="0" smtClean="0">
+                  <a:solidFill>
+                    <a:schemeClr val="tx1">
+                      <a:lumMod val="75000"/>
+                      <a:lumOff val="25000"/>
+                    </a:schemeClr>
+                  </a:solidFill>
+                </a:rPr>
+                <a:t>	</a:t>
+              </a:r>
+              <a:r>
+                <a:rPr kumimoji="1" lang="en-US" altLang="ko-KR" sz="1100" b="1" dirty="0" smtClean="0">
+                  <a:solidFill>
+                    <a:srgbClr val="00B0F0"/>
+                  </a:solidFill>
+                </a:rPr>
+                <a:t>       </a:t>
+              </a:r>
+              <a:r>
+                <a:rPr kumimoji="1" lang="en-US" altLang="ko-KR" sz="1200" b="1" u="sng" dirty="0" smtClean="0">
+                  <a:solidFill>
+                    <a:srgbClr val="00B0F0"/>
+                  </a:solidFill>
+                </a:rPr>
+                <a:t>  11,750  </a:t>
+              </a:r>
+              <a:r>
+                <a:rPr kumimoji="1" lang="ko-KR" altLang="en-US" sz="1200" b="1" dirty="0" smtClean="0">
+                  <a:solidFill>
+                    <a:srgbClr val="00B0F0"/>
+                  </a:solidFill>
+                </a:rPr>
+                <a:t>원</a:t>
+              </a:r>
+              <a:endParaRPr kumimoji="1" lang="en-US" altLang="ko-KR" sz="1200" b="1" dirty="0">
+                <a:solidFill>
+                  <a:srgbClr val="00B0F0"/>
+                </a:solidFill>
+              </a:endParaRPr>
+            </a:p>
+          </p:txBody>
+        </p:sp>
+      </p:grpSp>
+      <p:sp>
+        <p:nvSpPr>
+          <p:cNvPr id="13" name="직사각형 12">
+            <a:extLst>
+              <a:ext uri="{FF2B5EF4-FFF2-40B4-BE49-F238E27FC236}">
+                <a16:creationId xmlns:a16="http://schemas.microsoft.com/office/drawing/2014/main" id="{1A09CB1E-61C8-BF41-8166-783D974FF436}"/>
+              </a:ext>
+            </a:extLst>
+          </p:cNvPr>
+          <p:cNvSpPr/>
+          <p:nvPr/>
+        </p:nvSpPr>
+        <p:spPr>
+          <a:xfrm>
+            <a:off x="0" y="0"/>
+            <a:ext cx="12192000" cy="563417"/>
+          </a:xfrm>
+          <a:prstGeom prst="rect">
+            <a:avLst/>
+          </a:prstGeom>
+          <a:solidFill>
+            <a:schemeClr val="bg1"/>
+          </a:solidFill>
+          <a:ln>
+            <a:solidFill>
+              <a:schemeClr val="bg1">
+                <a:lumMod val="75000"/>
+              </a:schemeClr>
+            </a:solidFill>
+          </a:ln>
+        </p:spPr>
+        <p:style>
+          <a:lnRef idx="2">
+            <a:schemeClr val="accent1">
+              <a:shade val="50000"/>
+            </a:schemeClr>
+          </a:lnRef>
+          <a:fillRef idx="1">
+            <a:schemeClr val="accent1"/>
+          </a:fillRef>
+          <a:effectRef idx="0">
+            <a:schemeClr val="accent1"/>
+          </a:effectRef>
+          <a:fontRef idx="minor">
+            <a:schemeClr val="lt1"/>
+          </a:fontRef>
+        </p:style>
+        <p:txBody>
+          <a:bodyPr rtlCol="0" anchor="ctr"/>
+          <a:lstStyle/>
+          <a:p>
+            <a:pPr algn="ctr"/>
+            <a:endParaRPr kumimoji="1" lang="ko-KR" altLang="en-US" dirty="0"/>
+          </a:p>
+        </p:txBody>
+      </p:sp>
+      <p:sp>
+        <p:nvSpPr>
+          <p:cNvPr id="14" name="TextBox 13">
+            <a:extLst>
+              <a:ext uri="{FF2B5EF4-FFF2-40B4-BE49-F238E27FC236}">
+                <a16:creationId xmlns:a16="http://schemas.microsoft.com/office/drawing/2014/main" id="{D92B28E7-D15C-C445-8715-5E7C0DEAE706}"/>
+              </a:ext>
+            </a:extLst>
+          </p:cNvPr>
+          <p:cNvSpPr txBox="1"/>
+          <p:nvPr/>
+        </p:nvSpPr>
+        <p:spPr>
+          <a:xfrm>
+            <a:off x="5137336" y="112431"/>
+            <a:ext cx="1931491" cy="338554"/>
+          </a:xfrm>
+          <a:prstGeom prst="rect">
+            <a:avLst/>
+          </a:prstGeom>
+          <a:noFill/>
+        </p:spPr>
+        <p:txBody>
+          <a:bodyPr wrap="none" rtlCol="0">
+            <a:spAutoFit/>
+          </a:bodyPr>
+          <a:lstStyle/>
+          <a:p>
+            <a:pPr algn="ctr"/>
+            <a:r>
+              <a:rPr kumimoji="1" lang="en-US" altLang="ko-KR" sz="1600" b="1" dirty="0"/>
+              <a:t>Dutch Broomstick</a:t>
+            </a:r>
+            <a:endParaRPr kumimoji="1" lang="ko-KR" altLang="en-US" sz="1600" b="1" dirty="0"/>
+          </a:p>
+        </p:txBody>
+      </p:sp>
+      <p:sp>
+        <p:nvSpPr>
+          <p:cNvPr id="25" name="모서리가 둥근 직사각형 24">
+            <a:extLst>
+              <a:ext uri="{FF2B5EF4-FFF2-40B4-BE49-F238E27FC236}">
+                <a16:creationId xmlns:a16="http://schemas.microsoft.com/office/drawing/2014/main" id="{09A9694D-0652-AE48-A0AC-1AAC084FD95D}"/>
+              </a:ext>
+            </a:extLst>
+          </p:cNvPr>
+          <p:cNvSpPr/>
+          <p:nvPr/>
+        </p:nvSpPr>
+        <p:spPr>
+          <a:xfrm>
+            <a:off x="5079422" y="1747283"/>
+            <a:ext cx="2033155" cy="484040"/>
+          </a:xfrm>
+          <a:prstGeom prst="roundRect">
+            <a:avLst>
+              <a:gd name="adj" fmla="val 12230"/>
+            </a:avLst>
+          </a:prstGeom>
+          <a:solidFill>
+            <a:schemeClr val="bg1"/>
+          </a:solidFill>
+          <a:ln>
+            <a:solidFill>
+              <a:schemeClr val="bg1">
+                <a:lumMod val="75000"/>
+              </a:schemeClr>
+            </a:solidFill>
+          </a:ln>
+        </p:spPr>
+        <p:style>
+          <a:lnRef idx="2">
+            <a:schemeClr val="accent1">
+              <a:shade val="50000"/>
+            </a:schemeClr>
+          </a:lnRef>
+          <a:fillRef idx="1">
+            <a:schemeClr val="accent1"/>
+          </a:fillRef>
+          <a:effectRef idx="0">
+            <a:schemeClr val="accent1"/>
+          </a:effectRef>
+          <a:fontRef idx="minor">
+            <a:schemeClr val="lt1"/>
+          </a:fontRef>
+        </p:style>
+        <p:txBody>
+          <a:bodyPr rot="0" spcFirstLastPara="0" vertOverflow="overflow" horzOverflow="overflow" vert="horz" wrap="square" lIns="91440" tIns="45720" rIns="91440" bIns="45720" numCol="1" spcCol="0" rtlCol="0" fromWordArt="0" anchor="ctr" anchorCtr="0" forceAA="0" compatLnSpc="1">
+            <a:prstTxWarp prst="textNoShape">
+              <a:avLst/>
+            </a:prstTxWarp>
+            <a:noAutofit/>
+          </a:bodyPr>
+          <a:lstStyle/>
+          <a:p>
+            <a:r>
+              <a:rPr kumimoji="1" lang="ko-KR" altLang="en-US" sz="1100" b="1" dirty="0" err="1" smtClean="0">
+                <a:solidFill>
+                  <a:schemeClr val="tx1">
+                    <a:lumMod val="75000"/>
+                    <a:lumOff val="25000"/>
+                  </a:schemeClr>
+                </a:solidFill>
+              </a:rPr>
+              <a:t>홍인형</a:t>
+            </a:r>
+            <a:endParaRPr kumimoji="1" lang="en-US" altLang="ko-KR" sz="1100" b="1" dirty="0">
+              <a:solidFill>
+                <a:schemeClr val="tx1">
+                  <a:lumMod val="75000"/>
+                  <a:lumOff val="25000"/>
+                </a:schemeClr>
+              </a:solidFill>
+            </a:endParaRPr>
+          </a:p>
+          <a:p>
+            <a:pPr algn="r"/>
+            <a:r>
+              <a:rPr kumimoji="1" lang="en-US" altLang="ko-KR" sz="1000" u="sng" dirty="0" smtClean="0">
+                <a:solidFill>
+                  <a:schemeClr val="tx1">
+                    <a:lumMod val="75000"/>
+                    <a:lumOff val="25000"/>
+                  </a:schemeClr>
+                </a:solidFill>
+              </a:rPr>
+              <a:t>  10,000  </a:t>
+            </a:r>
+            <a:r>
+              <a:rPr kumimoji="1" lang="ko-KR" altLang="en-US" sz="1000" dirty="0" smtClean="0">
+                <a:solidFill>
+                  <a:schemeClr val="tx1">
+                    <a:lumMod val="75000"/>
+                    <a:lumOff val="25000"/>
+                  </a:schemeClr>
+                </a:solidFill>
+              </a:rPr>
+              <a:t>원</a:t>
+            </a:r>
+            <a:endParaRPr kumimoji="1" lang="ko-KR" altLang="en-US" sz="1000" dirty="0">
+              <a:solidFill>
+                <a:schemeClr val="tx1">
+                  <a:lumMod val="75000"/>
+                  <a:lumOff val="25000"/>
+                </a:schemeClr>
+              </a:solidFill>
+            </a:endParaRPr>
+          </a:p>
+        </p:txBody>
+      </p:sp>
+      <p:sp>
+        <p:nvSpPr>
+          <p:cNvPr id="26" name="모서리가 둥근 직사각형 25">
+            <a:extLst>
+              <a:ext uri="{FF2B5EF4-FFF2-40B4-BE49-F238E27FC236}">
+                <a16:creationId xmlns:a16="http://schemas.microsoft.com/office/drawing/2014/main" id="{2D84FF30-0FEE-3A49-937B-6991B10B5CD3}"/>
+              </a:ext>
+            </a:extLst>
+          </p:cNvPr>
+          <p:cNvSpPr/>
+          <p:nvPr/>
+        </p:nvSpPr>
+        <p:spPr>
+          <a:xfrm>
+            <a:off x="5079422" y="2312640"/>
+            <a:ext cx="2033155" cy="484040"/>
+          </a:xfrm>
+          <a:prstGeom prst="roundRect">
+            <a:avLst>
+              <a:gd name="adj" fmla="val 12230"/>
+            </a:avLst>
+          </a:prstGeom>
+          <a:solidFill>
+            <a:schemeClr val="bg1"/>
+          </a:solidFill>
+          <a:ln>
+            <a:solidFill>
+              <a:schemeClr val="bg1">
+                <a:lumMod val="75000"/>
+              </a:schemeClr>
+            </a:solidFill>
+          </a:ln>
+        </p:spPr>
+        <p:style>
+          <a:lnRef idx="2">
+            <a:schemeClr val="accent1">
+              <a:shade val="50000"/>
+            </a:schemeClr>
+          </a:lnRef>
+          <a:fillRef idx="1">
+            <a:schemeClr val="accent1"/>
+          </a:fillRef>
+          <a:effectRef idx="0">
+            <a:schemeClr val="accent1"/>
+          </a:effectRef>
+          <a:fontRef idx="minor">
+            <a:schemeClr val="lt1"/>
+          </a:fontRef>
+        </p:style>
+        <p:txBody>
+          <a:bodyPr rot="0" spcFirstLastPara="0" vertOverflow="overflow" horzOverflow="overflow" vert="horz" wrap="square" lIns="91440" tIns="45720" rIns="91440" bIns="45720" numCol="1" spcCol="0" rtlCol="0" fromWordArt="0" anchor="ctr" anchorCtr="0" forceAA="0" compatLnSpc="1">
+            <a:prstTxWarp prst="textNoShape">
+              <a:avLst/>
+            </a:prstTxWarp>
+            <a:noAutofit/>
+          </a:bodyPr>
+          <a:lstStyle/>
+          <a:p>
+            <a:r>
+              <a:rPr kumimoji="1" lang="ko-KR" altLang="en-US" sz="1100" b="1" dirty="0" err="1" smtClean="0">
+                <a:solidFill>
+                  <a:schemeClr val="tx1">
+                    <a:lumMod val="75000"/>
+                    <a:lumOff val="25000"/>
+                  </a:schemeClr>
+                </a:solidFill>
+              </a:rPr>
+              <a:t>홍판서</a:t>
+            </a:r>
+            <a:endParaRPr kumimoji="1" lang="en-US" altLang="ko-KR" sz="1100" b="1" dirty="0">
+              <a:solidFill>
+                <a:schemeClr val="tx1">
+                  <a:lumMod val="75000"/>
+                  <a:lumOff val="25000"/>
+                </a:schemeClr>
+              </a:solidFill>
+            </a:endParaRPr>
+          </a:p>
+          <a:p>
+            <a:pPr algn="r"/>
+            <a:r>
+              <a:rPr kumimoji="1" lang="en-US" altLang="ko-KR" sz="1000" u="sng" dirty="0" smtClean="0">
+                <a:solidFill>
+                  <a:schemeClr val="tx1">
+                    <a:lumMod val="75000"/>
+                    <a:lumOff val="25000"/>
+                  </a:schemeClr>
+                </a:solidFill>
+              </a:rPr>
+              <a:t>  1,7</a:t>
+            </a:r>
+            <a:r>
+              <a:rPr kumimoji="1" lang="en-US" altLang="ko-KR" sz="1000" u="sng" dirty="0" smtClean="0">
+                <a:solidFill>
+                  <a:schemeClr val="tx1">
+                    <a:lumMod val="75000"/>
+                    <a:lumOff val="25000"/>
+                  </a:schemeClr>
+                </a:solidFill>
+              </a:rPr>
+              <a:t>50  </a:t>
+            </a:r>
+            <a:r>
+              <a:rPr kumimoji="1" lang="ko-KR" altLang="en-US" sz="1000" dirty="0" smtClean="0">
+                <a:solidFill>
+                  <a:schemeClr val="tx1">
+                    <a:lumMod val="75000"/>
+                    <a:lumOff val="25000"/>
+                  </a:schemeClr>
+                </a:solidFill>
+              </a:rPr>
+              <a:t>원 </a:t>
+            </a:r>
+            <a:endParaRPr kumimoji="1" lang="ko-KR" altLang="en-US" sz="1000" dirty="0">
+              <a:solidFill>
+                <a:schemeClr val="tx1">
+                  <a:lumMod val="75000"/>
+                  <a:lumOff val="25000"/>
+                </a:schemeClr>
+              </a:solidFill>
+            </a:endParaRPr>
+          </a:p>
+        </p:txBody>
+      </p:sp>
+      <p:sp>
+        <p:nvSpPr>
+          <p:cNvPr id="36" name="TextBox 35">
+            <a:extLst>
+              <a:ext uri="{FF2B5EF4-FFF2-40B4-BE49-F238E27FC236}">
+                <a16:creationId xmlns:a16="http://schemas.microsoft.com/office/drawing/2014/main" id="{001529B2-C00D-4D4F-BEB9-70140837CDB4}"/>
+              </a:ext>
+            </a:extLst>
+          </p:cNvPr>
+          <p:cNvSpPr txBox="1"/>
+          <p:nvPr/>
+        </p:nvSpPr>
+        <p:spPr>
+          <a:xfrm>
+            <a:off x="5754268" y="6299817"/>
+            <a:ext cx="697627" cy="246221"/>
+          </a:xfrm>
+          <a:prstGeom prst="rect">
+            <a:avLst/>
+          </a:prstGeom>
+          <a:noFill/>
+        </p:spPr>
+        <p:txBody>
+          <a:bodyPr wrap="none" rtlCol="0">
+            <a:spAutoFit/>
+          </a:bodyPr>
+          <a:lstStyle/>
+          <a:p>
+            <a:pPr algn="ctr"/>
+            <a:r>
+              <a:rPr kumimoji="1" lang="ko-KR" altLang="en-US" sz="1000" dirty="0">
+                <a:solidFill>
+                  <a:srgbClr val="00B0F0"/>
+                </a:solidFill>
+              </a:rPr>
+              <a:t>로그아웃</a:t>
+            </a:r>
+          </a:p>
+        </p:txBody>
+      </p:sp>
+      <p:sp>
+        <p:nvSpPr>
+          <p:cNvPr id="37" name="TextBox 36">
+            <a:extLst>
+              <a:ext uri="{FF2B5EF4-FFF2-40B4-BE49-F238E27FC236}">
+                <a16:creationId xmlns:a16="http://schemas.microsoft.com/office/drawing/2014/main" id="{69074E22-F89C-A349-8330-71928693398F}"/>
+              </a:ext>
+            </a:extLst>
+          </p:cNvPr>
+          <p:cNvSpPr txBox="1"/>
+          <p:nvPr/>
+        </p:nvSpPr>
+        <p:spPr>
+          <a:xfrm>
+            <a:off x="5525535" y="6485507"/>
+            <a:ext cx="1141659" cy="253916"/>
+          </a:xfrm>
+          <a:prstGeom prst="rect">
+            <a:avLst/>
+          </a:prstGeom>
+          <a:noFill/>
+        </p:spPr>
+        <p:txBody>
+          <a:bodyPr wrap="none" rtlCol="0">
+            <a:spAutoFit/>
+          </a:bodyPr>
+          <a:lstStyle/>
+          <a:p>
+            <a:r>
+              <a:rPr kumimoji="1" lang="en-US" altLang="ko-KR" sz="1050" dirty="0">
+                <a:solidFill>
+                  <a:schemeClr val="bg1">
+                    <a:lumMod val="50000"/>
+                  </a:schemeClr>
+                </a:solidFill>
+              </a:rPr>
+              <a:t>@ </a:t>
+            </a:r>
+            <a:r>
+              <a:rPr kumimoji="1" lang="en-US" altLang="ko-KR" sz="1050" dirty="0" err="1">
+                <a:solidFill>
+                  <a:schemeClr val="bg1">
+                    <a:lumMod val="50000"/>
+                  </a:schemeClr>
+                </a:solidFill>
+              </a:rPr>
+              <a:t>about_JCube</a:t>
+            </a:r>
+            <a:endParaRPr kumimoji="1" lang="en-US" altLang="ko-KR" sz="1050" dirty="0">
+              <a:solidFill>
+                <a:schemeClr val="bg1">
+                  <a:lumMod val="50000"/>
+                </a:schemeClr>
+              </a:solidFill>
+            </a:endParaRPr>
+          </a:p>
+        </p:txBody>
+      </p:sp>
+      <p:cxnSp>
+        <p:nvCxnSpPr>
+          <p:cNvPr id="5" name="직선 연결선 4"/>
+          <p:cNvCxnSpPr/>
+          <p:nvPr/>
+        </p:nvCxnSpPr>
+        <p:spPr>
+          <a:xfrm>
+            <a:off x="5028567" y="1636418"/>
+            <a:ext cx="2126156" cy="0"/>
+          </a:xfrm>
+          <a:prstGeom prst="line">
+            <a:avLst/>
+          </a:prstGeom>
+          <a:ln>
+            <a:solidFill>
+              <a:schemeClr val="bg1">
+                <a:lumMod val="75000"/>
+              </a:schemeClr>
+            </a:solidFill>
+          </a:ln>
+        </p:spPr>
+        <p:style>
+          <a:lnRef idx="1">
+            <a:schemeClr val="accent1"/>
+          </a:lnRef>
+          <a:fillRef idx="0">
+            <a:schemeClr val="accent1"/>
+          </a:fillRef>
+          <a:effectRef idx="0">
+            <a:schemeClr val="accent1"/>
+          </a:effectRef>
+          <a:fontRef idx="minor">
+            <a:schemeClr val="tx1"/>
+          </a:fontRef>
+        </p:style>
+      </p:cxnSp>
+      <p:sp>
+        <p:nvSpPr>
+          <p:cNvPr id="27" name="TextBox 26">
+            <a:extLst>
+              <a:ext uri="{FF2B5EF4-FFF2-40B4-BE49-F238E27FC236}">
+                <a16:creationId xmlns:a16="http://schemas.microsoft.com/office/drawing/2014/main" id="{A981D1E3-3D90-3247-975C-84C640002CD1}"/>
+              </a:ext>
+            </a:extLst>
+          </p:cNvPr>
+          <p:cNvSpPr txBox="1"/>
+          <p:nvPr/>
+        </p:nvSpPr>
+        <p:spPr>
+          <a:xfrm>
+            <a:off x="5695894" y="836828"/>
+            <a:ext cx="800219" cy="338554"/>
+          </a:xfrm>
+          <a:prstGeom prst="rect">
+            <a:avLst/>
+          </a:prstGeom>
+          <a:noFill/>
+        </p:spPr>
+        <p:txBody>
+          <a:bodyPr wrap="none" rtlCol="0">
+            <a:spAutoFit/>
+          </a:bodyPr>
+          <a:lstStyle/>
+          <a:p>
+            <a:pPr algn="ctr"/>
+            <a:r>
+              <a:rPr kumimoji="1" lang="ko-KR" altLang="en-US" sz="1600" b="1" dirty="0" smtClean="0"/>
+              <a:t>홍길동</a:t>
+            </a:r>
+            <a:endParaRPr kumimoji="1" lang="ko-KR" altLang="en-US" sz="1600" b="1" dirty="0"/>
+          </a:p>
+        </p:txBody>
+      </p:sp>
+      <p:grpSp>
+        <p:nvGrpSpPr>
+          <p:cNvPr id="45" name="그룹 44"/>
+          <p:cNvGrpSpPr/>
+          <p:nvPr/>
+        </p:nvGrpSpPr>
+        <p:grpSpPr>
+          <a:xfrm>
+            <a:off x="4886945" y="3747327"/>
+            <a:ext cx="2411031" cy="2438177"/>
+            <a:chOff x="4886945" y="2520239"/>
+            <a:chExt cx="2411031" cy="3096748"/>
+          </a:xfrm>
+        </p:grpSpPr>
+        <p:sp>
+          <p:nvSpPr>
+            <p:cNvPr id="46" name="직사각형 45">
+              <a:extLst>
+                <a:ext uri="{FF2B5EF4-FFF2-40B4-BE49-F238E27FC236}">
+                  <a16:creationId xmlns:a16="http://schemas.microsoft.com/office/drawing/2014/main" id="{A871EC61-223C-0447-B82C-FEE0B482521B}"/>
+                </a:ext>
+              </a:extLst>
+            </p:cNvPr>
+            <p:cNvSpPr/>
+            <p:nvPr/>
+          </p:nvSpPr>
+          <p:spPr>
+            <a:xfrm>
+              <a:off x="4894025" y="2524338"/>
+              <a:ext cx="2403951" cy="3092649"/>
+            </a:xfrm>
+            <a:prstGeom prst="rect">
+              <a:avLst/>
+            </a:prstGeom>
+            <a:solidFill>
+              <a:schemeClr val="bg1"/>
+            </a:solidFill>
+            <a:ln>
+              <a:solidFill>
+                <a:schemeClr val="bg1">
+                  <a:lumMod val="75000"/>
+                </a:schemeClr>
+              </a:solidFill>
+            </a:ln>
+          </p:spPr>
+          <p:style>
+            <a:lnRef idx="2">
+              <a:schemeClr val="accent1">
+                <a:shade val="50000"/>
+              </a:schemeClr>
+            </a:lnRef>
+            <a:fillRef idx="1">
+              <a:schemeClr val="accent1"/>
+            </a:fillRef>
+            <a:effectRef idx="0">
+              <a:schemeClr val="accent1"/>
+            </a:effectRef>
+            <a:fontRef idx="minor">
+              <a:schemeClr val="lt1"/>
+            </a:fontRef>
+          </p:style>
+          <p:txBody>
+            <a:bodyPr rtlCol="0" anchor="ctr"/>
+            <a:lstStyle/>
+            <a:p>
+              <a:pPr algn="ctr"/>
+              <a:endParaRPr kumimoji="1" lang="ko-KR" altLang="en-US"/>
+            </a:p>
+          </p:txBody>
+        </p:sp>
+        <p:sp>
+          <p:nvSpPr>
+            <p:cNvPr id="47" name="모서리가 둥근 직사각형 46">
+              <a:extLst>
+                <a:ext uri="{FF2B5EF4-FFF2-40B4-BE49-F238E27FC236}">
+                  <a16:creationId xmlns:a16="http://schemas.microsoft.com/office/drawing/2014/main" id="{777FA8F5-1A96-B147-83BA-21C0D5D60CB4}"/>
+                </a:ext>
+              </a:extLst>
+            </p:cNvPr>
+            <p:cNvSpPr/>
+            <p:nvPr/>
+          </p:nvSpPr>
+          <p:spPr>
+            <a:xfrm>
+              <a:off x="4886945" y="2520239"/>
+              <a:ext cx="2411031" cy="486996"/>
+            </a:xfrm>
+            <a:prstGeom prst="roundRect">
+              <a:avLst>
+                <a:gd name="adj" fmla="val 12230"/>
+              </a:avLst>
+            </a:prstGeom>
+            <a:noFill/>
+            <a:ln>
+              <a:noFill/>
+            </a:ln>
+          </p:spPr>
+          <p:style>
+            <a:lnRef idx="2">
+              <a:schemeClr val="accent1">
+                <a:shade val="50000"/>
+              </a:schemeClr>
+            </a:lnRef>
+            <a:fillRef idx="1">
+              <a:schemeClr val="accent1"/>
+            </a:fillRef>
+            <a:effectRef idx="0">
+              <a:schemeClr val="accent1"/>
+            </a:effectRef>
+            <a:fontRef idx="minor">
+              <a:schemeClr val="lt1"/>
+            </a:fontRef>
+          </p:style>
+          <p:txBody>
+            <a:bodyPr rot="0" spcFirstLastPara="0" vertOverflow="overflow" horzOverflow="overflow" vert="horz" wrap="square" lIns="91440" tIns="45720" rIns="91440" bIns="45720" numCol="1" spcCol="0" rtlCol="0" fromWordArt="0" anchor="ctr" anchorCtr="0" forceAA="0" compatLnSpc="1">
+              <a:prstTxWarp prst="textNoShape">
+                <a:avLst/>
+              </a:prstTxWarp>
+              <a:noAutofit/>
+            </a:bodyPr>
+            <a:lstStyle/>
+            <a:p>
+              <a:r>
+                <a:rPr kumimoji="1" lang="ko-KR" altLang="en-US" sz="1100" b="1" dirty="0" smtClean="0">
+                  <a:solidFill>
+                    <a:schemeClr val="tx1">
+                      <a:lumMod val="75000"/>
+                      <a:lumOff val="25000"/>
+                    </a:schemeClr>
+                  </a:solidFill>
+                </a:rPr>
+                <a:t>  </a:t>
+              </a:r>
+              <a:r>
+                <a:rPr kumimoji="1" lang="ko-KR" altLang="en-US" sz="1100" b="1" dirty="0" smtClean="0">
+                  <a:solidFill>
+                    <a:schemeClr val="tx1">
+                      <a:lumMod val="75000"/>
+                      <a:lumOff val="25000"/>
+                    </a:schemeClr>
+                  </a:solidFill>
+                </a:rPr>
+                <a:t>받을</a:t>
+              </a:r>
+              <a:r>
+                <a:rPr kumimoji="1" lang="ko-KR" altLang="en-US" sz="1100" b="1" dirty="0" smtClean="0">
+                  <a:solidFill>
+                    <a:schemeClr val="tx1">
+                      <a:lumMod val="75000"/>
+                      <a:lumOff val="25000"/>
+                    </a:schemeClr>
+                  </a:solidFill>
+                </a:rPr>
+                <a:t> 돈</a:t>
+              </a:r>
+              <a:r>
+                <a:rPr kumimoji="1" lang="en-US" altLang="ko-KR" sz="1100" b="1" dirty="0" smtClean="0">
+                  <a:solidFill>
+                    <a:schemeClr val="tx1">
+                      <a:lumMod val="75000"/>
+                      <a:lumOff val="25000"/>
+                    </a:schemeClr>
+                  </a:solidFill>
+                </a:rPr>
+                <a:t>	</a:t>
+              </a:r>
+              <a:r>
+                <a:rPr kumimoji="1" lang="en-US" altLang="ko-KR" sz="1100" b="1" dirty="0" smtClean="0">
+                  <a:solidFill>
+                    <a:srgbClr val="00B0F0"/>
+                  </a:solidFill>
+                </a:rPr>
+                <a:t>              </a:t>
+              </a:r>
+              <a:r>
+                <a:rPr kumimoji="1" lang="en-US" altLang="ko-KR" sz="1200" b="1" u="sng" dirty="0" smtClean="0">
+                  <a:solidFill>
+                    <a:srgbClr val="00B0F0"/>
+                  </a:solidFill>
+                </a:rPr>
+                <a:t>  0  </a:t>
+              </a:r>
+              <a:r>
+                <a:rPr kumimoji="1" lang="ko-KR" altLang="en-US" sz="1200" b="1" dirty="0" smtClean="0">
+                  <a:solidFill>
+                    <a:srgbClr val="00B0F0"/>
+                  </a:solidFill>
+                </a:rPr>
+                <a:t>원</a:t>
+              </a:r>
+              <a:endParaRPr kumimoji="1" lang="en-US" altLang="ko-KR" sz="1200" b="1" dirty="0">
+                <a:solidFill>
+                  <a:srgbClr val="00B0F0"/>
+                </a:solidFill>
+              </a:endParaRPr>
+            </a:p>
+          </p:txBody>
+        </p:sp>
+      </p:grpSp>
+      <p:cxnSp>
+        <p:nvCxnSpPr>
+          <p:cNvPr id="51" name="직선 연결선 50"/>
+          <p:cNvCxnSpPr/>
+          <p:nvPr/>
+        </p:nvCxnSpPr>
+        <p:spPr>
+          <a:xfrm>
+            <a:off x="5028567" y="4137431"/>
+            <a:ext cx="2126156" cy="0"/>
+          </a:xfrm>
+          <a:prstGeom prst="line">
+            <a:avLst/>
+          </a:prstGeom>
+          <a:ln>
+            <a:solidFill>
+              <a:schemeClr val="bg1">
+                <a:lumMod val="75000"/>
+              </a:schemeClr>
+            </a:solidFill>
+          </a:ln>
+        </p:spPr>
+        <p:style>
+          <a:lnRef idx="1">
+            <a:schemeClr val="accent1"/>
+          </a:lnRef>
+          <a:fillRef idx="0">
+            <a:schemeClr val="accent1"/>
+          </a:fillRef>
+          <a:effectRef idx="0">
+            <a:schemeClr val="accent1"/>
+          </a:effectRef>
+          <a:fontRef idx="minor">
+            <a:schemeClr val="tx1"/>
+          </a:fontRef>
+        </p:style>
+      </p:cxnSp>
+    </p:spTree>
+    <p:extLst>
+      <p:ext uri="{BB962C8B-B14F-4D97-AF65-F5344CB8AC3E}">
+        <p14:creationId xmlns:p14="http://schemas.microsoft.com/office/powerpoint/2010/main" val="4110024988"/>
+      </p:ext>
+    </p:extLst>
+  </p:cSld>
+  <p:clrMapOvr>
+    <a:masterClrMapping/>
+  </p:clrMapOvr>
+  <p:timing>
+    <p:tnLst>
+      <p:par>
+        <p:cTn id="1" dur="indefinite" restart="never" nodeType="tmRoot"/>
+      </p:par>
+    </p:tnLst>
+  </p:timing>
+</p:sld>
+</file>
+
 <file path=ppt/slides/slide2.xml><?xml version="1.0" encoding="utf-8"?>
 <p:sld xmlns:a="http://schemas.openxmlformats.org/drawingml/2006/main" xmlns:r="http://schemas.openxmlformats.org/officeDocument/2006/relationships" xmlns:p="http://schemas.openxmlformats.org/presentationml/2006/main">
   <p:cSld>
@@ -11506,104 +14432,6 @@
               <a:t>Dutch Broomstick</a:t>
             </a:r>
             <a:endParaRPr kumimoji="1" lang="ko-KR" altLang="en-US" sz="1600" b="1" dirty="0"/>
-          </a:p>
-        </p:txBody>
-      </p:sp>
-      <p:sp>
-        <p:nvSpPr>
-          <p:cNvPr id="19" name="TextBox 18">
-            <a:extLst>
-              <a:ext uri="{FF2B5EF4-FFF2-40B4-BE49-F238E27FC236}">
-                <a16:creationId xmlns:a16="http://schemas.microsoft.com/office/drawing/2014/main" id="{D267E09F-DCEC-D348-8198-26F7B7296F3C}"/>
-              </a:ext>
-            </a:extLst>
-          </p:cNvPr>
-          <p:cNvSpPr txBox="1"/>
-          <p:nvPr/>
-        </p:nvSpPr>
-        <p:spPr>
-          <a:xfrm>
-            <a:off x="5754268" y="6227856"/>
-            <a:ext cx="697627" cy="246221"/>
-          </a:xfrm>
-          <a:prstGeom prst="rect">
-            <a:avLst/>
-          </a:prstGeom>
-          <a:noFill/>
-        </p:spPr>
-        <p:txBody>
-          <a:bodyPr wrap="none" rtlCol="0">
-            <a:spAutoFit/>
-          </a:bodyPr>
-          <a:lstStyle/>
-          <a:p>
-            <a:pPr algn="ctr"/>
-            <a:r>
-              <a:rPr kumimoji="1" lang="ko-KR" altLang="en-US" sz="1000" dirty="0">
-                <a:solidFill>
-                  <a:srgbClr val="00B0F0"/>
-                </a:solidFill>
-              </a:rPr>
-              <a:t>로그아웃</a:t>
-            </a:r>
-          </a:p>
-        </p:txBody>
-      </p:sp>
-      <p:sp>
-        <p:nvSpPr>
-          <p:cNvPr id="20" name="TextBox 19">
-            <a:extLst>
-              <a:ext uri="{FF2B5EF4-FFF2-40B4-BE49-F238E27FC236}">
-                <a16:creationId xmlns:a16="http://schemas.microsoft.com/office/drawing/2014/main" id="{78BA95C5-988B-C34C-B3F8-B13EA895B436}"/>
-              </a:ext>
-            </a:extLst>
-          </p:cNvPr>
-          <p:cNvSpPr txBox="1"/>
-          <p:nvPr/>
-        </p:nvSpPr>
-        <p:spPr>
-          <a:xfrm>
-            <a:off x="5525535" y="6485507"/>
-            <a:ext cx="1141659" cy="253916"/>
-          </a:xfrm>
-          <a:prstGeom prst="rect">
-            <a:avLst/>
-          </a:prstGeom>
-          <a:noFill/>
-        </p:spPr>
-        <p:txBody>
-          <a:bodyPr wrap="none" rtlCol="0">
-            <a:spAutoFit/>
-          </a:bodyPr>
-          <a:lstStyle/>
-          <a:p>
-            <a:r>
-              <a:rPr kumimoji="1" lang="en-US" altLang="ko-KR" sz="1050" dirty="0">
-                <a:solidFill>
-                  <a:schemeClr val="bg1">
-                    <a:lumMod val="50000"/>
-                  </a:schemeClr>
-                </a:solidFill>
-              </a:rPr>
-              <a:t>@ </a:t>
-            </a:r>
-            <a:r>
-              <a:rPr kumimoji="1" lang="en-US" altLang="ko-KR" sz="1050" dirty="0" err="1">
-                <a:solidFill>
-                  <a:schemeClr val="bg1">
-                    <a:lumMod val="50000"/>
-                  </a:schemeClr>
-                </a:solidFill>
-              </a:rPr>
-              <a:t>about_JCube</a:t>
-            </a:r>
-            <a:endParaRPr kumimoji="1" lang="en-US" altLang="ko-KR" sz="1050" dirty="0">
-              <a:solidFill>
-                <a:schemeClr val="bg1">
-                  <a:lumMod val="50000"/>
-                </a:schemeClr>
-              </a:solidFill>
-            </a:endParaRPr>
           </a:p>
         </p:txBody>
       </p:sp>
@@ -12374,6 +15202,104 @@
           </a:p>
         </p:txBody>
       </p:sp>
+      <p:sp>
+        <p:nvSpPr>
+          <p:cNvPr id="16" name="TextBox 15">
+            <a:extLst>
+              <a:ext uri="{FF2B5EF4-FFF2-40B4-BE49-F238E27FC236}">
+                <a16:creationId xmlns:a16="http://schemas.microsoft.com/office/drawing/2014/main" id="{69074E22-F89C-A349-8330-71928693398F}"/>
+              </a:ext>
+            </a:extLst>
+          </p:cNvPr>
+          <p:cNvSpPr txBox="1"/>
+          <p:nvPr/>
+        </p:nvSpPr>
+        <p:spPr>
+          <a:xfrm>
+            <a:off x="5525535" y="6485507"/>
+            <a:ext cx="1141659" cy="253916"/>
+          </a:xfrm>
+          <a:prstGeom prst="rect">
+            <a:avLst/>
+          </a:prstGeom>
+          <a:noFill/>
+        </p:spPr>
+        <p:txBody>
+          <a:bodyPr wrap="none" rtlCol="0">
+            <a:spAutoFit/>
+          </a:bodyPr>
+          <a:lstStyle/>
+          <a:p>
+            <a:r>
+              <a:rPr kumimoji="1" lang="en-US" altLang="ko-KR" sz="1050" dirty="0">
+                <a:solidFill>
+                  <a:schemeClr val="bg1">
+                    <a:lumMod val="50000"/>
+                  </a:schemeClr>
+                </a:solidFill>
+              </a:rPr>
+              <a:t>@ </a:t>
+            </a:r>
+            <a:r>
+              <a:rPr kumimoji="1" lang="en-US" altLang="ko-KR" sz="1050" dirty="0" err="1">
+                <a:solidFill>
+                  <a:schemeClr val="bg1">
+                    <a:lumMod val="50000"/>
+                  </a:schemeClr>
+                </a:solidFill>
+              </a:rPr>
+              <a:t>about_JCube</a:t>
+            </a:r>
+            <a:endParaRPr kumimoji="1" lang="en-US" altLang="ko-KR" sz="1050" dirty="0">
+              <a:solidFill>
+                <a:schemeClr val="bg1">
+                  <a:lumMod val="50000"/>
+                </a:schemeClr>
+              </a:solidFill>
+            </a:endParaRPr>
+          </a:p>
+        </p:txBody>
+      </p:sp>
+      <p:sp>
+        <p:nvSpPr>
+          <p:cNvPr id="17" name="TextBox 16">
+            <a:extLst>
+              <a:ext uri="{FF2B5EF4-FFF2-40B4-BE49-F238E27FC236}">
+                <a16:creationId xmlns:a16="http://schemas.microsoft.com/office/drawing/2014/main" id="{001529B2-C00D-4D4F-BEB9-70140837CDB4}"/>
+              </a:ext>
+            </a:extLst>
+          </p:cNvPr>
+          <p:cNvSpPr txBox="1"/>
+          <p:nvPr/>
+        </p:nvSpPr>
+        <p:spPr>
+          <a:xfrm>
+            <a:off x="5754268" y="6299817"/>
+            <a:ext cx="697627" cy="246221"/>
+          </a:xfrm>
+          <a:prstGeom prst="rect">
+            <a:avLst/>
+          </a:prstGeom>
+          <a:noFill/>
+        </p:spPr>
+        <p:txBody>
+          <a:bodyPr wrap="none" rtlCol="0">
+            <a:spAutoFit/>
+          </a:bodyPr>
+          <a:lstStyle/>
+          <a:p>
+            <a:pPr algn="ctr"/>
+            <a:r>
+              <a:rPr kumimoji="1" lang="ko-KR" altLang="en-US" sz="1000" dirty="0">
+                <a:solidFill>
+                  <a:srgbClr val="00B0F0"/>
+                </a:solidFill>
+              </a:rPr>
+              <a:t>로그아웃</a:t>
+            </a:r>
+          </a:p>
+        </p:txBody>
+      </p:sp>
     </p:spTree>
     <p:extLst>
       <p:ext uri="{BB962C8B-B14F-4D97-AF65-F5344CB8AC3E}">
@@ -12704,104 +15630,6 @@
               <a:t>Dutch Broomstick</a:t>
             </a:r>
             <a:endParaRPr kumimoji="1" lang="ko-KR" altLang="en-US" sz="1600" b="1" dirty="0"/>
-          </a:p>
-        </p:txBody>
-      </p:sp>
-      <p:sp>
-        <p:nvSpPr>
-          <p:cNvPr id="19" name="TextBox 18">
-            <a:extLst>
-              <a:ext uri="{FF2B5EF4-FFF2-40B4-BE49-F238E27FC236}">
-                <a16:creationId xmlns:a16="http://schemas.microsoft.com/office/drawing/2014/main" id="{D267E09F-DCEC-D348-8198-26F7B7296F3C}"/>
-              </a:ext>
-            </a:extLst>
-          </p:cNvPr>
-          <p:cNvSpPr txBox="1"/>
-          <p:nvPr/>
-        </p:nvSpPr>
-        <p:spPr>
-          <a:xfrm>
-            <a:off x="5754268" y="6227856"/>
-            <a:ext cx="697627" cy="246221"/>
-          </a:xfrm>
-          <a:prstGeom prst="rect">
-            <a:avLst/>
-          </a:prstGeom>
-          <a:noFill/>
-        </p:spPr>
-        <p:txBody>
-          <a:bodyPr wrap="none" rtlCol="0">
-            <a:spAutoFit/>
-          </a:bodyPr>
-          <a:lstStyle/>
-          <a:p>
-            <a:pPr algn="ctr"/>
-            <a:r>
-              <a:rPr kumimoji="1" lang="ko-KR" altLang="en-US" sz="1000" dirty="0">
-                <a:solidFill>
-                  <a:srgbClr val="00B0F0"/>
-                </a:solidFill>
-              </a:rPr>
-              <a:t>로그아웃</a:t>
-            </a:r>
-          </a:p>
-        </p:txBody>
-      </p:sp>
-      <p:sp>
-        <p:nvSpPr>
-          <p:cNvPr id="20" name="TextBox 19">
-            <a:extLst>
-              <a:ext uri="{FF2B5EF4-FFF2-40B4-BE49-F238E27FC236}">
-                <a16:creationId xmlns:a16="http://schemas.microsoft.com/office/drawing/2014/main" id="{78BA95C5-988B-C34C-B3F8-B13EA895B436}"/>
-              </a:ext>
-            </a:extLst>
-          </p:cNvPr>
-          <p:cNvSpPr txBox="1"/>
-          <p:nvPr/>
-        </p:nvSpPr>
-        <p:spPr>
-          <a:xfrm>
-            <a:off x="5525535" y="6485507"/>
-            <a:ext cx="1141659" cy="253916"/>
-          </a:xfrm>
-          <a:prstGeom prst="rect">
-            <a:avLst/>
-          </a:prstGeom>
-          <a:noFill/>
-        </p:spPr>
-        <p:txBody>
-          <a:bodyPr wrap="none" rtlCol="0">
-            <a:spAutoFit/>
-          </a:bodyPr>
-          <a:lstStyle/>
-          <a:p>
-            <a:r>
-              <a:rPr kumimoji="1" lang="en-US" altLang="ko-KR" sz="1050" dirty="0">
-                <a:solidFill>
-                  <a:schemeClr val="bg1">
-                    <a:lumMod val="50000"/>
-                  </a:schemeClr>
-                </a:solidFill>
-              </a:rPr>
-              <a:t>@ </a:t>
-            </a:r>
-            <a:r>
-              <a:rPr kumimoji="1" lang="en-US" altLang="ko-KR" sz="1050" dirty="0" err="1">
-                <a:solidFill>
-                  <a:schemeClr val="bg1">
-                    <a:lumMod val="50000"/>
-                  </a:schemeClr>
-                </a:solidFill>
-              </a:rPr>
-              <a:t>about_JCube</a:t>
-            </a:r>
-            <a:endParaRPr kumimoji="1" lang="en-US" altLang="ko-KR" sz="1050" dirty="0">
-              <a:solidFill>
-                <a:schemeClr val="bg1">
-                  <a:lumMod val="50000"/>
-                </a:schemeClr>
-              </a:solidFill>
-            </a:endParaRPr>
           </a:p>
         </p:txBody>
       </p:sp>
@@ -14160,6 +16988,104 @@
           </a:p>
         </p:txBody>
       </p:sp>
+      <p:sp>
+        <p:nvSpPr>
+          <p:cNvPr id="25" name="TextBox 24">
+            <a:extLst>
+              <a:ext uri="{FF2B5EF4-FFF2-40B4-BE49-F238E27FC236}">
+                <a16:creationId xmlns:a16="http://schemas.microsoft.com/office/drawing/2014/main" id="{69074E22-F89C-A349-8330-71928693398F}"/>
+              </a:ext>
+            </a:extLst>
+          </p:cNvPr>
+          <p:cNvSpPr txBox="1"/>
+          <p:nvPr/>
+        </p:nvSpPr>
+        <p:spPr>
+          <a:xfrm>
+            <a:off x="5525535" y="6485507"/>
+            <a:ext cx="1141659" cy="253916"/>
+          </a:xfrm>
+          <a:prstGeom prst="rect">
+            <a:avLst/>
+          </a:prstGeom>
+          <a:noFill/>
+        </p:spPr>
+        <p:txBody>
+          <a:bodyPr wrap="none" rtlCol="0">
+            <a:spAutoFit/>
+          </a:bodyPr>
+          <a:lstStyle/>
+          <a:p>
+            <a:r>
+              <a:rPr kumimoji="1" lang="en-US" altLang="ko-KR" sz="1050" dirty="0">
+                <a:solidFill>
+                  <a:schemeClr val="bg1">
+                    <a:lumMod val="50000"/>
+                  </a:schemeClr>
+                </a:solidFill>
+              </a:rPr>
+              <a:t>@ </a:t>
+            </a:r>
+            <a:r>
+              <a:rPr kumimoji="1" lang="en-US" altLang="ko-KR" sz="1050" dirty="0" err="1">
+                <a:solidFill>
+                  <a:schemeClr val="bg1">
+                    <a:lumMod val="50000"/>
+                  </a:schemeClr>
+                </a:solidFill>
+              </a:rPr>
+              <a:t>about_JCube</a:t>
+            </a:r>
+            <a:endParaRPr kumimoji="1" lang="en-US" altLang="ko-KR" sz="1050" dirty="0">
+              <a:solidFill>
+                <a:schemeClr val="bg1">
+                  <a:lumMod val="50000"/>
+                </a:schemeClr>
+              </a:solidFill>
+            </a:endParaRPr>
+          </a:p>
+        </p:txBody>
+      </p:sp>
+      <p:sp>
+        <p:nvSpPr>
+          <p:cNvPr id="26" name="TextBox 25">
+            <a:extLst>
+              <a:ext uri="{FF2B5EF4-FFF2-40B4-BE49-F238E27FC236}">
+                <a16:creationId xmlns:a16="http://schemas.microsoft.com/office/drawing/2014/main" id="{001529B2-C00D-4D4F-BEB9-70140837CDB4}"/>
+              </a:ext>
+            </a:extLst>
+          </p:cNvPr>
+          <p:cNvSpPr txBox="1"/>
+          <p:nvPr/>
+        </p:nvSpPr>
+        <p:spPr>
+          <a:xfrm>
+            <a:off x="5754268" y="6299817"/>
+            <a:ext cx="697627" cy="246221"/>
+          </a:xfrm>
+          <a:prstGeom prst="rect">
+            <a:avLst/>
+          </a:prstGeom>
+          <a:noFill/>
+        </p:spPr>
+        <p:txBody>
+          <a:bodyPr wrap="none" rtlCol="0">
+            <a:spAutoFit/>
+          </a:bodyPr>
+          <a:lstStyle/>
+          <a:p>
+            <a:pPr algn="ctr"/>
+            <a:r>
+              <a:rPr kumimoji="1" lang="ko-KR" altLang="en-US" sz="1000" dirty="0">
+                <a:solidFill>
+                  <a:srgbClr val="00B0F0"/>
+                </a:solidFill>
+              </a:rPr>
+              <a:t>로그아웃</a:t>
+            </a:r>
+          </a:p>
+        </p:txBody>
+      </p:sp>
     </p:spTree>
     <p:extLst>
       <p:ext uri="{BB962C8B-B14F-4D97-AF65-F5344CB8AC3E}">
@@ -16347,8 +19273,8 @@
         </p:nvSpPr>
         <p:spPr>
           <a:xfrm>
-            <a:off x="4894025" y="3995135"/>
-            <a:ext cx="2403951" cy="2304682"/>
+            <a:off x="4894025" y="3667247"/>
+            <a:ext cx="2403951" cy="2632570"/>
           </a:xfrm>
           <a:prstGeom prst="rect">
             <a:avLst/>
@@ -16403,7 +19329,7 @@
         </p:nvSpPr>
         <p:spPr>
           <a:xfrm>
-            <a:off x="4894025" y="3010305"/>
+            <a:off x="4894025" y="2706596"/>
             <a:ext cx="2403951" cy="901509"/>
           </a:xfrm>
           <a:prstGeom prst="rect">
@@ -16459,7 +19385,7 @@
         </p:nvSpPr>
         <p:spPr>
           <a:xfrm>
-            <a:off x="5171838" y="3531215"/>
+            <a:off x="5171838" y="3227506"/>
             <a:ext cx="1848323" cy="234616"/>
           </a:xfrm>
           <a:prstGeom prst="roundRect">
@@ -16527,7 +19453,7 @@
         </p:nvSpPr>
         <p:spPr>
           <a:xfrm>
-            <a:off x="5079422" y="5006821"/>
+            <a:off x="5079422" y="4710862"/>
             <a:ext cx="2033155" cy="484040"/>
           </a:xfrm>
           <a:prstGeom prst="roundRect">
@@ -16638,7 +19564,7 @@
         </p:nvSpPr>
         <p:spPr>
           <a:xfrm>
-            <a:off x="5079422" y="5592422"/>
+            <a:off x="5079422" y="5296463"/>
             <a:ext cx="2033155" cy="484040"/>
           </a:xfrm>
           <a:prstGeom prst="roundRect">
@@ -16749,7 +19675,7 @@
         </p:nvSpPr>
         <p:spPr>
           <a:xfrm>
-            <a:off x="5079422" y="4424974"/>
+            <a:off x="5079422" y="4129015"/>
             <a:ext cx="2033155" cy="484040"/>
           </a:xfrm>
           <a:prstGeom prst="roundRect">
@@ -16859,7 +19785,7 @@
         </p:nvSpPr>
         <p:spPr>
           <a:xfrm>
-            <a:off x="4982903" y="4083097"/>
+            <a:off x="4982903" y="3787138"/>
             <a:ext cx="771365" cy="253916"/>
           </a:xfrm>
           <a:prstGeom prst="rect">
@@ -16909,7 +19835,7 @@
         </p:nvSpPr>
         <p:spPr>
           <a:xfrm>
-            <a:off x="4894025" y="1276420"/>
+            <a:off x="4894025" y="972711"/>
             <a:ext cx="2403951" cy="1674184"/>
           </a:xfrm>
           <a:prstGeom prst="rect">
@@ -16965,7 +19891,7 @@
         </p:nvSpPr>
         <p:spPr>
           <a:xfrm>
-            <a:off x="5171838" y="2506380"/>
+            <a:off x="5171838" y="2202671"/>
             <a:ext cx="1848323" cy="234616"/>
           </a:xfrm>
           <a:prstGeom prst="roundRect">
@@ -17046,7 +19972,7 @@
         </p:nvSpPr>
         <p:spPr>
           <a:xfrm>
-            <a:off x="5342435" y="1975906"/>
+            <a:off x="5342435" y="1672197"/>
             <a:ext cx="1507144" cy="338554"/>
           </a:xfrm>
           <a:prstGeom prst="rect">
@@ -17083,7 +20009,7 @@
         </p:nvSpPr>
         <p:spPr>
           <a:xfrm>
-            <a:off x="5659825" y="1439220"/>
+            <a:off x="5659825" y="1135511"/>
             <a:ext cx="872355" cy="338554"/>
           </a:xfrm>
           <a:prstGeom prst="rect">
@@ -17123,7 +20049,7 @@
         </p:nvSpPr>
         <p:spPr>
           <a:xfrm>
-            <a:off x="5571524" y="1958240"/>
+            <a:off x="5571524" y="1654531"/>
             <a:ext cx="1063112" cy="276999"/>
           </a:xfrm>
           <a:prstGeom prst="rect">
@@ -17172,7 +20098,7 @@
         </p:nvSpPr>
         <p:spPr>
           <a:xfrm>
-            <a:off x="5342435" y="3151001"/>
+            <a:off x="5342435" y="2847292"/>
             <a:ext cx="1507144" cy="338554"/>
           </a:xfrm>
           <a:prstGeom prst="rect">
@@ -17209,7 +20135,7 @@
         </p:nvSpPr>
         <p:spPr>
           <a:xfrm>
-            <a:off x="5481493" y="3123270"/>
+            <a:off x="5481493" y="2819561"/>
             <a:ext cx="1239442" cy="276999"/>
           </a:xfrm>
           <a:prstGeom prst="rect">

--- a/Documents/Design_Demo.pptx
+++ b/Documents/Design_Demo.pptx
@@ -5,7 +5,7 @@
     <p:sldMasterId id="2147483648" r:id="rId1"/>
   </p:sldMasterIdLst>
   <p:notesMasterIdLst>
-    <p:notesMasterId r:id="rId16"/>
+    <p:notesMasterId r:id="rId18"/>
   </p:notesMasterIdLst>
   <p:sldIdLst>
     <p:sldId id="257" r:id="rId2"/>
@@ -22,6 +22,8 @@
     <p:sldId id="273" r:id="rId13"/>
     <p:sldId id="275" r:id="rId14"/>
     <p:sldId id="274" r:id="rId15"/>
+    <p:sldId id="277" r:id="rId16"/>
+    <p:sldId id="276" r:id="rId17"/>
   </p:sldIdLst>
   <p:sldSz cx="12192000" cy="6858000"/>
   <p:notesSz cx="6858000" cy="9144000"/>
@@ -159,6 +161,8 @@
         <p14:section name="Individual" id="{B67BA2C2-E31D-4949-8DB3-D6FAD28A7DDA}">
           <p14:sldIdLst>
             <p14:sldId id="274"/>
+            <p14:sldId id="277"/>
+            <p14:sldId id="276"/>
           </p14:sldIdLst>
         </p14:section>
       </p14:sectionLst>
@@ -263,7 +267,7 @@
           <a:p>
             <a:fld id="{CFACB741-F634-C24E-ACDA-3F21EA7175DC}" type="datetimeFigureOut">
               <a:rPr kumimoji="1" lang="ko-KR" altLang="en-US" smtClean="0"/>
-              <a:t>2019-06-15</a:t>
+              <a:t>2019. 6. 15.</a:t>
             </a:fld>
             <a:endParaRPr kumimoji="1" lang="ko-KR" altLang="en-US"/>
           </a:p>
@@ -734,37 +738,37 @@
               <a:t> </a:t>
             </a:r>
             <a:r>
-              <a:rPr kumimoji="1" lang="en-US" altLang="ko-KR" dirty="0" smtClean="0"/>
+              <a:rPr kumimoji="1" lang="en-US" altLang="ko-KR" dirty="0"/>
               <a:t>Page</a:t>
             </a:r>
           </a:p>
           <a:p>
             <a:r>
-              <a:rPr kumimoji="1" lang="en-US" altLang="ko-KR" dirty="0" smtClean="0"/>
+              <a:rPr kumimoji="1" lang="en-US" altLang="ko-KR" dirty="0"/>
               <a:t>// </a:t>
             </a:r>
             <a:r>
-              <a:rPr kumimoji="1" lang="ko-KR" altLang="en-US" dirty="0" smtClean="0"/>
+              <a:rPr kumimoji="1" lang="ko-KR" altLang="en-US" dirty="0"/>
               <a:t>방 삭제는 </a:t>
             </a:r>
             <a:r>
-              <a:rPr kumimoji="1" lang="en-US" altLang="ko-KR" dirty="0" smtClean="0"/>
+              <a:rPr kumimoji="1" lang="en-US" altLang="ko-KR" dirty="0"/>
               <a:t>room</a:t>
             </a:r>
             <a:r>
-              <a:rPr kumimoji="1" lang="en-US" altLang="ko-KR" baseline="0" dirty="0" smtClean="0"/>
+              <a:rPr kumimoji="1" lang="en-US" altLang="ko-KR" baseline="0" dirty="0"/>
               <a:t> owner </a:t>
             </a:r>
             <a:r>
-              <a:rPr kumimoji="1" lang="ko-KR" altLang="en-US" baseline="0" dirty="0" smtClean="0"/>
+              <a:rPr kumimoji="1" lang="ko-KR" altLang="en-US" baseline="0" dirty="0"/>
               <a:t>일 때만</a:t>
             </a:r>
             <a:r>
-              <a:rPr kumimoji="1" lang="en-US" altLang="ko-KR" baseline="0" dirty="0" smtClean="0"/>
+              <a:rPr kumimoji="1" lang="en-US" altLang="ko-KR" baseline="0" dirty="0"/>
               <a:t>, </a:t>
             </a:r>
             <a:r>
-              <a:rPr kumimoji="1" lang="ko-KR" altLang="en-US" baseline="0" dirty="0" smtClean="0"/>
+              <a:rPr kumimoji="1" lang="ko-KR" altLang="en-US" baseline="0" dirty="0"/>
               <a:t>보여지는 부분</a:t>
             </a:r>
             <a:endParaRPr kumimoji="1" lang="ko-KR" altLang="en-US" dirty="0"/>
@@ -852,12 +856,8 @@
           <a:lstStyle/>
           <a:p>
             <a:r>
-              <a:rPr kumimoji="1" lang="en-US" altLang="ko-KR" dirty="0" smtClean="0"/>
-              <a:t>Payment </a:t>
-            </a:r>
-            <a:r>
               <a:rPr kumimoji="1" lang="en-US" altLang="ko-KR" dirty="0"/>
-              <a:t>Page</a:t>
+              <a:t>Payment Page</a:t>
             </a:r>
             <a:endParaRPr kumimoji="1" lang="ko-KR" altLang="en-US" dirty="0"/>
           </a:p>
@@ -944,55 +944,47 @@
           <a:lstStyle/>
           <a:p>
             <a:r>
-              <a:rPr kumimoji="1" lang="en-US" altLang="ko-KR" dirty="0" smtClean="0"/>
+              <a:rPr kumimoji="1" lang="en-US" altLang="ko-KR" dirty="0"/>
               <a:t>Payment Page : new</a:t>
             </a:r>
             <a:r>
-              <a:rPr kumimoji="1" lang="en-US" altLang="ko-KR" baseline="0" dirty="0" smtClean="0"/>
+              <a:rPr kumimoji="1" lang="en-US" altLang="ko-KR" baseline="0" dirty="0"/>
               <a:t> payment</a:t>
             </a:r>
           </a:p>
           <a:p>
             <a:r>
-              <a:rPr kumimoji="1" lang="ko-KR" altLang="en-US" baseline="0" dirty="0" smtClean="0"/>
-              <a:t>각자를 누르고 입력하는 중이</a:t>
-            </a:r>
-            <a:r>
-              <a:rPr kumimoji="1" lang="ko-KR" altLang="en-US" baseline="0" dirty="0" smtClean="0"/>
-              <a:t>거</a:t>
-            </a:r>
-            <a:r>
-              <a:rPr kumimoji="1" lang="ko-KR" altLang="en-US" baseline="0" dirty="0" smtClean="0"/>
-              <a:t>나 누군가의 액수를 수정할 경우 </a:t>
-            </a:r>
-            <a:r>
-              <a:rPr kumimoji="1" lang="en-US" altLang="ko-KR" baseline="0" dirty="0" smtClean="0"/>
+              <a:rPr kumimoji="1" lang="ko-KR" altLang="en-US" baseline="0" dirty="0"/>
+              <a:t>각자를 누르고 입력하는 중이거나 누군가의 액수를 수정할 경우 </a:t>
+            </a:r>
+            <a:r>
+              <a:rPr kumimoji="1" lang="en-US" altLang="ko-KR" baseline="0" dirty="0"/>
               <a:t>: </a:t>
             </a:r>
           </a:p>
           <a:p>
             <a:r>
-              <a:rPr kumimoji="1" lang="ko-KR" altLang="en-US" baseline="0" dirty="0" smtClean="0"/>
+              <a:rPr kumimoji="1" lang="ko-KR" altLang="en-US" baseline="0" dirty="0"/>
               <a:t>남은 돈 </a:t>
             </a:r>
             <a:r>
-              <a:rPr kumimoji="1" lang="en-US" altLang="ko-KR" baseline="0" dirty="0" smtClean="0"/>
+              <a:rPr kumimoji="1" lang="en-US" altLang="ko-KR" baseline="0" dirty="0"/>
               <a:t>&lt;- </a:t>
             </a:r>
             <a:r>
-              <a:rPr kumimoji="1" lang="ko-KR" altLang="en-US" baseline="0" dirty="0" smtClean="0"/>
+              <a:rPr kumimoji="1" lang="ko-KR" altLang="en-US" baseline="0" dirty="0"/>
               <a:t>총액 </a:t>
             </a:r>
             <a:r>
-              <a:rPr kumimoji="1" lang="en-US" altLang="ko-KR" baseline="0" dirty="0" smtClean="0"/>
+              <a:rPr kumimoji="1" lang="en-US" altLang="ko-KR" baseline="0" dirty="0"/>
               <a:t>– SIGAM { member(</a:t>
             </a:r>
             <a:r>
-              <a:rPr kumimoji="1" lang="en-US" altLang="ko-KR" baseline="0" dirty="0" err="1" smtClean="0"/>
+              <a:rPr kumimoji="1" lang="en-US" altLang="ko-KR" baseline="0" dirty="0" err="1"/>
               <a:t>i</a:t>
             </a:r>
             <a:r>
-              <a:rPr kumimoji="1" lang="en-US" altLang="ko-KR" baseline="0" dirty="0" smtClean="0"/>
+              <a:rPr kumimoji="1" lang="en-US" altLang="ko-KR" baseline="0" dirty="0"/>
               <a:t>) } </a:t>
             </a:r>
             <a:endParaRPr kumimoji="1" lang="ko-KR" altLang="en-US" dirty="0"/>
@@ -1080,16 +1072,16 @@
           <a:lstStyle/>
           <a:p>
             <a:r>
-              <a:rPr kumimoji="1" lang="en-US" altLang="ko-KR" dirty="0" smtClean="0"/>
+              <a:rPr kumimoji="1" lang="en-US" altLang="ko-KR" dirty="0"/>
               <a:t>Individual Page</a:t>
             </a:r>
           </a:p>
           <a:p>
             <a:r>
-              <a:rPr kumimoji="1" lang="ko-KR" altLang="en-US" dirty="0" smtClean="0"/>
+              <a:rPr kumimoji="1" lang="ko-KR" altLang="en-US" dirty="0"/>
               <a:t>실제로 보낼 돈과 받을 돈이 모두 존재할 수 없음</a:t>
             </a:r>
-            <a:endParaRPr kumimoji="1" lang="en-US" altLang="ko-KR" dirty="0" smtClean="0"/>
+            <a:endParaRPr kumimoji="1" lang="en-US" altLang="ko-KR" dirty="0"/>
           </a:p>
           <a:p>
             <a:endParaRPr kumimoji="1" lang="ko-KR" altLang="en-US" dirty="0"/>
@@ -1123,6 +1115,220 @@
     <p:extLst>
       <p:ext uri="{BB962C8B-B14F-4D97-AF65-F5344CB8AC3E}">
         <p14:creationId xmlns:p14="http://schemas.microsoft.com/office/powerpoint/2010/main" val="832641613"/>
+      </p:ext>
+    </p:extLst>
+  </p:cSld>
+  <p:clrMapOvr>
+    <a:masterClrMapping/>
+  </p:clrMapOvr>
+</p:notes>
+</file>
+
+<file path=ppt/notesSlides/notesSlide15.xml><?xml version="1.0" encoding="utf-8"?>
+<p:notes xmlns:a="http://schemas.openxmlformats.org/drawingml/2006/main" xmlns:r="http://schemas.openxmlformats.org/officeDocument/2006/relationships" xmlns:p="http://schemas.openxmlformats.org/presentationml/2006/main">
+  <p:cSld>
+    <p:spTree>
+      <p:nvGrpSpPr>
+        <p:cNvPr id="1" name=""/>
+        <p:cNvGrpSpPr/>
+        <p:nvPr/>
+      </p:nvGrpSpPr>
+      <p:grpSpPr>
+        <a:xfrm>
+          <a:off x="0" y="0"/>
+          <a:ext cx="0" cy="0"/>
+          <a:chOff x="0" y="0"/>
+          <a:chExt cx="0" cy="0"/>
+        </a:xfrm>
+      </p:grpSpPr>
+      <p:sp>
+        <p:nvSpPr>
+          <p:cNvPr id="2" name="슬라이드 이미지 개체 틀 1"/>
+          <p:cNvSpPr>
+            <a:spLocks noGrp="1" noRot="1" noChangeAspect="1"/>
+          </p:cNvSpPr>
+          <p:nvPr>
+            <p:ph type="sldImg"/>
+          </p:nvPr>
+        </p:nvSpPr>
+        <p:spPr/>
+      </p:sp>
+      <p:sp>
+        <p:nvSpPr>
+          <p:cNvPr id="3" name="슬라이드 노트 개체 틀 2"/>
+          <p:cNvSpPr>
+            <a:spLocks noGrp="1"/>
+          </p:cNvSpPr>
+          <p:nvPr>
+            <p:ph type="body" idx="1"/>
+          </p:nvPr>
+        </p:nvSpPr>
+        <p:spPr/>
+        <p:txBody>
+          <a:bodyPr/>
+          <a:lstStyle/>
+          <a:p>
+            <a:r>
+              <a:rPr kumimoji="1" lang="en-US" altLang="ko-KR" dirty="0"/>
+              <a:t>Account Page (cleaned</a:t>
+            </a:r>
+            <a:r>
+              <a:rPr kumimoji="1" lang="en-US" altLang="ko-KR" baseline="0" dirty="0"/>
+              <a:t> </a:t>
+            </a:r>
+            <a:r>
+              <a:rPr kumimoji="1" lang="en-US" altLang="ko-KR" dirty="0"/>
+              <a:t>Credit)</a:t>
+            </a:r>
+          </a:p>
+        </p:txBody>
+      </p:sp>
+      <p:sp>
+        <p:nvSpPr>
+          <p:cNvPr id="4" name="슬라이드 번호 개체 틀 3"/>
+          <p:cNvSpPr>
+            <a:spLocks noGrp="1"/>
+          </p:cNvSpPr>
+          <p:nvPr>
+            <p:ph type="sldNum" sz="quarter" idx="5"/>
+          </p:nvPr>
+        </p:nvSpPr>
+        <p:spPr/>
+        <p:txBody>
+          <a:bodyPr/>
+          <a:lstStyle/>
+          <a:p>
+            <a:fld id="{BF3A642A-6642-CD43-931E-A8C786FEBA0D}" type="slidenum">
+              <a:rPr kumimoji="1" lang="ko-KR" altLang="en-US" smtClean="0"/>
+              <a:t>15</a:t>
+            </a:fld>
+            <a:endParaRPr kumimoji="1" lang="ko-KR" altLang="en-US"/>
+          </a:p>
+        </p:txBody>
+      </p:sp>
+    </p:spTree>
+    <p:extLst>
+      <p:ext uri="{BB962C8B-B14F-4D97-AF65-F5344CB8AC3E}">
+        <p14:creationId xmlns:p14="http://schemas.microsoft.com/office/powerpoint/2010/main" val="2652658967"/>
+      </p:ext>
+    </p:extLst>
+  </p:cSld>
+  <p:clrMapOvr>
+    <a:masterClrMapping/>
+  </p:clrMapOvr>
+</p:notes>
+</file>
+
+<file path=ppt/notesSlides/notesSlide16.xml><?xml version="1.0" encoding="utf-8"?>
+<p:notes xmlns:a="http://schemas.openxmlformats.org/drawingml/2006/main" xmlns:r="http://schemas.openxmlformats.org/officeDocument/2006/relationships" xmlns:p="http://schemas.openxmlformats.org/presentationml/2006/main">
+  <p:cSld>
+    <p:spTree>
+      <p:nvGrpSpPr>
+        <p:cNvPr id="1" name=""/>
+        <p:cNvGrpSpPr/>
+        <p:nvPr/>
+      </p:nvGrpSpPr>
+      <p:grpSpPr>
+        <a:xfrm>
+          <a:off x="0" y="0"/>
+          <a:ext cx="0" cy="0"/>
+          <a:chOff x="0" y="0"/>
+          <a:chExt cx="0" cy="0"/>
+        </a:xfrm>
+      </p:grpSpPr>
+      <p:sp>
+        <p:nvSpPr>
+          <p:cNvPr id="2" name="슬라이드 이미지 개체 틀 1"/>
+          <p:cNvSpPr>
+            <a:spLocks noGrp="1" noRot="1" noChangeAspect="1"/>
+          </p:cNvSpPr>
+          <p:nvPr>
+            <p:ph type="sldImg"/>
+          </p:nvPr>
+        </p:nvSpPr>
+        <p:spPr/>
+      </p:sp>
+      <p:sp>
+        <p:nvSpPr>
+          <p:cNvPr id="3" name="슬라이드 노트 개체 틀 2"/>
+          <p:cNvSpPr>
+            <a:spLocks noGrp="1"/>
+          </p:cNvSpPr>
+          <p:nvPr>
+            <p:ph type="body" idx="1"/>
+          </p:nvPr>
+        </p:nvSpPr>
+        <p:spPr/>
+        <p:txBody>
+          <a:bodyPr/>
+          <a:lstStyle/>
+          <a:p>
+            <a:r>
+              <a:rPr kumimoji="1" lang="en-US" altLang="ko-KR" dirty="0"/>
+              <a:t>Account Page (cleaned</a:t>
+            </a:r>
+            <a:r>
+              <a:rPr kumimoji="1" lang="en-US" altLang="ko-KR" baseline="0" dirty="0"/>
+              <a:t> </a:t>
+            </a:r>
+            <a:r>
+              <a:rPr kumimoji="1" lang="en-US" altLang="ko-KR" dirty="0"/>
+              <a:t>Credit)</a:t>
+            </a:r>
+            <a:r>
+              <a:rPr kumimoji="1" lang="ko-KR" altLang="en-US" dirty="0"/>
+              <a:t> </a:t>
+            </a:r>
+            <a:endParaRPr kumimoji="1" lang="en-US" altLang="ko-KR" dirty="0"/>
+          </a:p>
+          <a:p>
+            <a:r>
+              <a:rPr kumimoji="1" lang="en-US" altLang="ko-KR" dirty="0"/>
+              <a:t>//</a:t>
+            </a:r>
+            <a:r>
+              <a:rPr kumimoji="1" lang="ko-KR" altLang="en-US" dirty="0"/>
+              <a:t> </a:t>
+            </a:r>
+            <a:r>
+              <a:rPr kumimoji="1" lang="en-US" altLang="ko-KR" dirty="0"/>
+              <a:t>with Layer</a:t>
+            </a:r>
+            <a:r>
+              <a:rPr kumimoji="1" lang="ko-KR" altLang="en-US" dirty="0"/>
+              <a:t> </a:t>
+            </a:r>
+            <a:endParaRPr kumimoji="1" lang="en-US" altLang="ko-KR" dirty="0"/>
+          </a:p>
+        </p:txBody>
+      </p:sp>
+      <p:sp>
+        <p:nvSpPr>
+          <p:cNvPr id="4" name="슬라이드 번호 개체 틀 3"/>
+          <p:cNvSpPr>
+            <a:spLocks noGrp="1"/>
+          </p:cNvSpPr>
+          <p:nvPr>
+            <p:ph type="sldNum" sz="quarter" idx="5"/>
+          </p:nvPr>
+        </p:nvSpPr>
+        <p:spPr/>
+        <p:txBody>
+          <a:bodyPr/>
+          <a:lstStyle/>
+          <a:p>
+            <a:fld id="{BF3A642A-6642-CD43-931E-A8C786FEBA0D}" type="slidenum">
+              <a:rPr kumimoji="1" lang="ko-KR" altLang="en-US" smtClean="0"/>
+              <a:t>16</a:t>
+            </a:fld>
+            <a:endParaRPr kumimoji="1" lang="ko-KR" altLang="en-US"/>
+          </a:p>
+        </p:txBody>
+      </p:sp>
+    </p:spTree>
+    <p:extLst>
+      <p:ext uri="{BB962C8B-B14F-4D97-AF65-F5344CB8AC3E}">
+        <p14:creationId xmlns:p14="http://schemas.microsoft.com/office/powerpoint/2010/main" val="3398745663"/>
       </p:ext>
     </p:extLst>
   </p:cSld>
@@ -1995,7 +2201,7 @@
           <a:p>
             <a:fld id="{B8694C9C-6BB6-9342-9726-5E25EC0060D1}" type="datetimeFigureOut">
               <a:rPr kumimoji="1" lang="ko-KR" altLang="en-US" smtClean="0"/>
-              <a:t>2019-06-15</a:t>
+              <a:t>2019. 6. 15.</a:t>
             </a:fld>
             <a:endParaRPr kumimoji="1" lang="ko-KR" altLang="en-US"/>
           </a:p>
@@ -2168,7 +2374,7 @@
           <a:p>
             <a:fld id="{B8694C9C-6BB6-9342-9726-5E25EC0060D1}" type="datetimeFigureOut">
               <a:rPr kumimoji="1" lang="ko-KR" altLang="en-US" smtClean="0"/>
-              <a:t>2019-06-15</a:t>
+              <a:t>2019. 6. 15.</a:t>
             </a:fld>
             <a:endParaRPr kumimoji="1" lang="ko-KR" altLang="en-US"/>
           </a:p>
@@ -2351,7 +2557,7 @@
           <a:p>
             <a:fld id="{B8694C9C-6BB6-9342-9726-5E25EC0060D1}" type="datetimeFigureOut">
               <a:rPr kumimoji="1" lang="ko-KR" altLang="en-US" smtClean="0"/>
-              <a:t>2019-06-15</a:t>
+              <a:t>2019. 6. 15.</a:t>
             </a:fld>
             <a:endParaRPr kumimoji="1" lang="ko-KR" altLang="en-US"/>
           </a:p>
@@ -2524,7 +2730,7 @@
           <a:p>
             <a:fld id="{B8694C9C-6BB6-9342-9726-5E25EC0060D1}" type="datetimeFigureOut">
               <a:rPr kumimoji="1" lang="ko-KR" altLang="en-US" smtClean="0"/>
-              <a:t>2019-06-15</a:t>
+              <a:t>2019. 6. 15.</a:t>
             </a:fld>
             <a:endParaRPr kumimoji="1" lang="ko-KR" altLang="en-US"/>
           </a:p>
@@ -2802,7 +3008,7 @@
           <a:p>
             <a:fld id="{B8694C9C-6BB6-9342-9726-5E25EC0060D1}" type="datetimeFigureOut">
               <a:rPr kumimoji="1" lang="ko-KR" altLang="en-US" smtClean="0"/>
-              <a:t>2019-06-15</a:t>
+              <a:t>2019. 6. 15.</a:t>
             </a:fld>
             <a:endParaRPr kumimoji="1" lang="ko-KR" altLang="en-US"/>
           </a:p>
@@ -3017,7 +3223,7 @@
           <a:p>
             <a:fld id="{B8694C9C-6BB6-9342-9726-5E25EC0060D1}" type="datetimeFigureOut">
               <a:rPr kumimoji="1" lang="ko-KR" altLang="en-US" smtClean="0"/>
-              <a:t>2019-06-15</a:t>
+              <a:t>2019. 6. 15.</a:t>
             </a:fld>
             <a:endParaRPr kumimoji="1" lang="ko-KR" altLang="en-US"/>
           </a:p>
@@ -3385,7 +3591,7 @@
           <a:p>
             <a:fld id="{B8694C9C-6BB6-9342-9726-5E25EC0060D1}" type="datetimeFigureOut">
               <a:rPr kumimoji="1" lang="ko-KR" altLang="en-US" smtClean="0"/>
-              <a:t>2019-06-15</a:t>
+              <a:t>2019. 6. 15.</a:t>
             </a:fld>
             <a:endParaRPr kumimoji="1" lang="ko-KR" altLang="en-US"/>
           </a:p>
@@ -3526,7 +3732,7 @@
           <a:p>
             <a:fld id="{B8694C9C-6BB6-9342-9726-5E25EC0060D1}" type="datetimeFigureOut">
               <a:rPr kumimoji="1" lang="ko-KR" altLang="en-US" smtClean="0"/>
-              <a:t>2019-06-15</a:t>
+              <a:t>2019. 6. 15.</a:t>
             </a:fld>
             <a:endParaRPr kumimoji="1" lang="ko-KR" altLang="en-US"/>
           </a:p>
@@ -3639,7 +3845,7 @@
           <a:p>
             <a:fld id="{B8694C9C-6BB6-9342-9726-5E25EC0060D1}" type="datetimeFigureOut">
               <a:rPr kumimoji="1" lang="ko-KR" altLang="en-US" smtClean="0"/>
-              <a:t>2019-06-15</a:t>
+              <a:t>2019. 6. 15.</a:t>
             </a:fld>
             <a:endParaRPr kumimoji="1" lang="ko-KR" altLang="en-US"/>
           </a:p>
@@ -3928,7 +4134,7 @@
           <a:p>
             <a:fld id="{B8694C9C-6BB6-9342-9726-5E25EC0060D1}" type="datetimeFigureOut">
               <a:rPr kumimoji="1" lang="ko-KR" altLang="en-US" smtClean="0"/>
-              <a:t>2019-06-15</a:t>
+              <a:t>2019. 6. 15.</a:t>
             </a:fld>
             <a:endParaRPr kumimoji="1" lang="ko-KR" altLang="en-US"/>
           </a:p>
@@ -4219,7 +4425,7 @@
           <a:p>
             <a:fld id="{B8694C9C-6BB6-9342-9726-5E25EC0060D1}" type="datetimeFigureOut">
               <a:rPr kumimoji="1" lang="ko-KR" altLang="en-US" smtClean="0"/>
-              <a:t>2019-06-15</a:t>
+              <a:t>2019. 6. 15.</a:t>
             </a:fld>
             <a:endParaRPr kumimoji="1" lang="ko-KR" altLang="en-US"/>
           </a:p>
@@ -4438,7 +4644,7 @@
           <a:p>
             <a:fld id="{B8694C9C-6BB6-9342-9726-5E25EC0060D1}" type="datetimeFigureOut">
               <a:rPr kumimoji="1" lang="ko-KR" altLang="en-US" smtClean="0"/>
-              <a:t>2019-06-15</a:t>
+              <a:t>2019. 6. 15.</a:t>
             </a:fld>
             <a:endParaRPr kumimoji="1" lang="ko-KR" altLang="en-US"/>
           </a:p>
@@ -5397,13 +5603,6 @@
   <p:clrMapOvr>
     <a:masterClrMapping/>
   </p:clrMapOvr>
-  <p:timing>
-    <p:tnLst>
-      <p:par>
-        <p:cTn id="1" dur="indefinite" restart="never" nodeType="tmRoot"/>
-      </p:par>
-    </p:tnLst>
-  </p:timing>
 </p:sld>
 </file>
 
@@ -6576,7 +6775,7 @@
               <a:t> </a:t>
             </a:r>
             <a:r>
-              <a:rPr kumimoji="1" lang="ko-KR" altLang="en-US" sz="1100" b="1" dirty="0" err="1" smtClean="0">
+              <a:rPr kumimoji="1" lang="ko-KR" altLang="en-US" sz="1100" b="1" dirty="0" err="1">
                 <a:solidFill>
                   <a:prstClr val="black">
                     <a:lumMod val="75000"/>
@@ -6687,7 +6886,7 @@
               <a:t> </a:t>
             </a:r>
             <a:r>
-              <a:rPr kumimoji="1" lang="ko-KR" altLang="en-US" sz="1100" b="1" dirty="0" err="1" smtClean="0">
+              <a:rPr kumimoji="1" lang="ko-KR" altLang="en-US" sz="1100" b="1" dirty="0" err="1">
                 <a:solidFill>
                   <a:prstClr val="black">
                     <a:lumMod val="75000"/>
@@ -6794,18 +6993,7 @@
                   </a:schemeClr>
                 </a:solidFill>
               </a:rPr>
-              <a:t> </a:t>
-            </a:r>
-            <a:r>
-              <a:rPr kumimoji="1" lang="ko-KR" altLang="en-US" sz="1100" b="1" dirty="0" smtClean="0">
-                <a:solidFill>
-                  <a:schemeClr val="tx1">
-                    <a:lumMod val="75000"/>
-                    <a:lumOff val="25000"/>
-                  </a:schemeClr>
-                </a:solidFill>
-              </a:rPr>
-              <a:t>홍길동</a:t>
+              <a:t> 홍길동</a:t>
             </a:r>
             <a:endParaRPr kumimoji="1" lang="en-US" altLang="ko-KR" sz="1100" b="1" dirty="0">
               <a:solidFill>
@@ -7233,13 +7421,6 @@
   <p:clrMapOvr>
     <a:masterClrMapping/>
   </p:clrMapOvr>
-  <p:timing>
-    <p:tnLst>
-      <p:par>
-        <p:cTn id="1" dur="indefinite" restart="never" nodeType="tmRoot"/>
-      </p:par>
-    </p:tnLst>
-  </p:timing>
 </p:sld>
 </file>
 
@@ -9255,13 +9436,6 @@
   <p:clrMapOvr>
     <a:masterClrMapping/>
   </p:clrMapOvr>
-  <p:timing>
-    <p:tnLst>
-      <p:par>
-        <p:cTn id="1" dur="indefinite" restart="never" nodeType="tmRoot"/>
-      </p:par>
-    </p:tnLst>
-  </p:timing>
 </p:sld>
 </file>
 
@@ -9405,7 +9579,7 @@
             <a:lstStyle/>
             <a:p>
               <a:r>
-                <a:rPr kumimoji="1" lang="ko-KR" altLang="en-US" sz="1100" b="1" dirty="0" smtClean="0">
+                <a:rPr kumimoji="1" lang="ko-KR" altLang="en-US" sz="1100" b="1" dirty="0">
                   <a:solidFill>
                     <a:schemeClr val="tx1">
                       <a:lumMod val="75000"/>
@@ -9416,7 +9590,7 @@
                 <a:t>  남은 돈</a:t>
               </a:r>
               <a:r>
-                <a:rPr kumimoji="1" lang="en-US" altLang="ko-KR" sz="1100" b="1" dirty="0" smtClean="0">
+                <a:rPr kumimoji="1" lang="en-US" altLang="ko-KR" sz="1100" b="1" dirty="0">
                   <a:solidFill>
                     <a:schemeClr val="tx1">
                       <a:lumMod val="75000"/>
@@ -9427,7 +9601,7 @@
                 <a:t>	              </a:t>
               </a:r>
               <a:r>
-                <a:rPr kumimoji="1" lang="en-US" altLang="ko-KR" sz="1200" b="1" u="sng" dirty="0" smtClean="0">
+                <a:rPr kumimoji="1" lang="en-US" altLang="ko-KR" sz="1200" b="1" u="sng" dirty="0">
                   <a:solidFill>
                     <a:schemeClr val="tx1">
                       <a:lumMod val="75000"/>
@@ -9438,7 +9612,7 @@
                 <a:t>  0  </a:t>
               </a:r>
               <a:r>
-                <a:rPr kumimoji="1" lang="ko-KR" altLang="en-US" sz="1200" b="1" dirty="0" smtClean="0">
+                <a:rPr kumimoji="1" lang="ko-KR" altLang="en-US" sz="1200" b="1" dirty="0">
                   <a:solidFill>
                     <a:schemeClr val="tx1">
                       <a:lumMod val="75000"/>
@@ -9668,7 +9842,7 @@
           <a:lstStyle/>
           <a:p>
             <a:r>
-              <a:rPr kumimoji="1" lang="ko-KR" altLang="en-US" sz="1100" b="1" dirty="0" smtClean="0">
+              <a:rPr kumimoji="1" lang="ko-KR" altLang="en-US" sz="1100" b="1" dirty="0">
                 <a:solidFill>
                   <a:schemeClr val="tx1">
                     <a:lumMod val="75000"/>
@@ -9690,7 +9864,7 @@
           <a:p>
             <a:pPr algn="r"/>
             <a:r>
-              <a:rPr kumimoji="1" lang="en-US" altLang="ko-KR" sz="1000" u="sng" dirty="0" smtClean="0">
+              <a:rPr kumimoji="1" lang="en-US" altLang="ko-KR" sz="1000" u="sng" dirty="0">
                 <a:solidFill>
                   <a:schemeClr val="tx1">
                     <a:lumMod val="75000"/>
@@ -9701,7 +9875,7 @@
               <a:t>  10,000  </a:t>
             </a:r>
             <a:r>
-              <a:rPr kumimoji="1" lang="ko-KR" altLang="en-US" sz="1000" dirty="0" smtClean="0">
+              <a:rPr kumimoji="1" lang="ko-KR" altLang="en-US" sz="1000" dirty="0">
                 <a:solidFill>
                   <a:schemeClr val="tx1">
                     <a:lumMod val="75000"/>
@@ -9711,14 +9885,6 @@
               </a:rPr>
               <a:t>원</a:t>
             </a:r>
-            <a:endParaRPr kumimoji="1" lang="ko-KR" altLang="en-US" sz="1000" dirty="0">
-              <a:solidFill>
-                <a:schemeClr val="tx1">
-                  <a:lumMod val="75000"/>
-                  <a:lumOff val="25000"/>
-                </a:schemeClr>
-              </a:solidFill>
-            </a:endParaRPr>
           </a:p>
         </p:txBody>
       </p:sp>
@@ -9781,7 +9947,7 @@
           <a:lstStyle/>
           <a:p>
             <a:r>
-              <a:rPr kumimoji="1" lang="ko-KR" altLang="en-US" sz="1100" b="1" dirty="0" err="1" smtClean="0">
+              <a:rPr kumimoji="1" lang="ko-KR" altLang="en-US" sz="1100" b="1" dirty="0" err="1">
                 <a:solidFill>
                   <a:schemeClr val="tx1">
                     <a:lumMod val="75000"/>
@@ -9803,7 +9969,7 @@
           <a:p>
             <a:pPr algn="r"/>
             <a:r>
-              <a:rPr kumimoji="1" lang="en-US" altLang="ko-KR" sz="1000" u="sng" dirty="0" smtClean="0">
+              <a:rPr kumimoji="1" lang="en-US" altLang="ko-KR" sz="1000" u="sng" dirty="0">
                 <a:solidFill>
                   <a:schemeClr val="tx1">
                     <a:lumMod val="75000"/>
@@ -9811,10 +9977,10 @@
                   </a:schemeClr>
                 </a:solidFill>
               </a:rPr>
-              <a:t>  15</a:t>
-            </a:r>
-            <a:r>
-              <a:rPr kumimoji="1" lang="en-US" altLang="ko-KR" sz="1000" u="sng" dirty="0" smtClean="0">
+              <a:t>  15,000  </a:t>
+            </a:r>
+            <a:r>
+              <a:rPr kumimoji="1" lang="ko-KR" altLang="en-US" sz="1000" dirty="0">
                 <a:solidFill>
                   <a:schemeClr val="tx1">
                     <a:lumMod val="75000"/>
@@ -9822,27 +9988,8 @@
                   </a:schemeClr>
                 </a:solidFill>
               </a:rPr>
-              <a:t>,000  </a:t>
-            </a:r>
-            <a:r>
-              <a:rPr kumimoji="1" lang="ko-KR" altLang="en-US" sz="1000" dirty="0" smtClean="0">
-                <a:solidFill>
-                  <a:schemeClr val="tx1">
-                    <a:lumMod val="75000"/>
-                    <a:lumOff val="25000"/>
-                  </a:schemeClr>
-                </a:solidFill>
-              </a:rPr>
               <a:t>원 </a:t>
             </a:r>
-            <a:endParaRPr kumimoji="1" lang="ko-KR" altLang="en-US" sz="1000" dirty="0">
-              <a:solidFill>
-                <a:schemeClr val="tx1">
-                  <a:lumMod val="75000"/>
-                  <a:lumOff val="25000"/>
-                </a:schemeClr>
-              </a:solidFill>
-            </a:endParaRPr>
           </a:p>
         </p:txBody>
       </p:sp>
@@ -9899,7 +10046,7 @@
           <a:lstStyle/>
           <a:p>
             <a:r>
-              <a:rPr kumimoji="1" lang="en-US" altLang="ko-KR" sz="1100" b="1" dirty="0" smtClean="0">
+              <a:rPr kumimoji="1" lang="en-US" altLang="ko-KR" sz="1100" b="1" dirty="0">
                 <a:solidFill>
                   <a:schemeClr val="tx1">
                     <a:lumMod val="75000"/>
@@ -9910,7 +10057,7 @@
               <a:t>What.  </a:t>
             </a:r>
             <a:r>
-              <a:rPr kumimoji="1" lang="ko-KR" altLang="en-US" sz="1100" b="1" u="sng" dirty="0" smtClean="0">
+              <a:rPr kumimoji="1" lang="ko-KR" altLang="en-US" sz="1100" b="1" u="sng" dirty="0">
                 <a:solidFill>
                   <a:schemeClr val="tx1">
                     <a:lumMod val="75000"/>
@@ -9930,7 +10077,7 @@
           </a:p>
           <a:p>
             <a:r>
-              <a:rPr kumimoji="1" lang="en-US" altLang="ko-KR" sz="1100" b="1" dirty="0" smtClean="0">
+              <a:rPr kumimoji="1" lang="en-US" altLang="ko-KR" sz="1100" b="1" dirty="0">
                 <a:solidFill>
                   <a:srgbClr val="00B0F0"/>
                 </a:solidFill>
@@ -9938,7 +10085,7 @@
               <a:t>To. </a:t>
             </a:r>
             <a:r>
-              <a:rPr kumimoji="1" lang="en-US" altLang="ko-KR" sz="1100" b="1" u="sng" dirty="0" smtClean="0">
+              <a:rPr kumimoji="1" lang="en-US" altLang="ko-KR" sz="1100" b="1" u="sng" dirty="0">
                 <a:solidFill>
                   <a:srgbClr val="00B0F0"/>
                 </a:solidFill>
@@ -9946,14 +10093,14 @@
               <a:t> </a:t>
             </a:r>
             <a:r>
-              <a:rPr kumimoji="1" lang="ko-KR" altLang="en-US" sz="1100" b="1" u="sng" dirty="0" err="1" smtClean="0">
+              <a:rPr kumimoji="1" lang="ko-KR" altLang="en-US" sz="1100" b="1" u="sng" dirty="0" err="1">
                 <a:solidFill>
                   <a:srgbClr val="00B0F0"/>
                 </a:solidFill>
               </a:rPr>
               <a:t>홍인형</a:t>
             </a:r>
-            <a:endParaRPr kumimoji="1" lang="en-US" altLang="ko-KR" sz="1100" b="1" u="sng" dirty="0" smtClean="0">
+            <a:endParaRPr kumimoji="1" lang="en-US" altLang="ko-KR" sz="1100" b="1" u="sng" dirty="0">
               <a:solidFill>
                 <a:srgbClr val="00B0F0"/>
               </a:solidFill>
@@ -9969,7 +10116,7 @@
           <a:p>
             <a:pPr algn="r"/>
             <a:r>
-              <a:rPr kumimoji="1" lang="en-US" altLang="ko-KR" sz="1200" b="1" u="sng" dirty="0" smtClean="0">
+              <a:rPr kumimoji="1" lang="en-US" altLang="ko-KR" sz="1200" b="1" u="sng" dirty="0">
                 <a:solidFill>
                   <a:schemeClr val="tx1">
                     <a:lumMod val="75000"/>
@@ -9980,7 +10127,7 @@
               <a:t>   35,000  </a:t>
             </a:r>
             <a:r>
-              <a:rPr kumimoji="1" lang="ko-KR" altLang="en-US" sz="1200" b="1" dirty="0" smtClean="0">
+              <a:rPr kumimoji="1" lang="ko-KR" altLang="en-US" sz="1200" b="1" dirty="0">
                 <a:solidFill>
                   <a:schemeClr val="tx1">
                     <a:lumMod val="75000"/>
@@ -10216,7 +10363,7 @@
           <a:lstStyle/>
           <a:p>
             <a:r>
-              <a:rPr kumimoji="1" lang="ko-KR" altLang="en-US" sz="1100" b="1" dirty="0" err="1" smtClean="0">
+              <a:rPr kumimoji="1" lang="ko-KR" altLang="en-US" sz="1100" b="1" dirty="0" err="1">
                 <a:solidFill>
                   <a:schemeClr val="tx1">
                     <a:lumMod val="75000"/>
@@ -10246,10 +10393,10 @@
                   </a:schemeClr>
                 </a:solidFill>
               </a:rPr>
-              <a:t> </a:t>
-            </a:r>
-            <a:r>
-              <a:rPr kumimoji="1" lang="en-US" altLang="ko-KR" sz="1000" u="sng" dirty="0" smtClean="0">
+              <a:t>  10,000  </a:t>
+            </a:r>
+            <a:r>
+              <a:rPr kumimoji="1" lang="ko-KR" altLang="en-US" sz="1000" dirty="0">
                 <a:solidFill>
                   <a:schemeClr val="tx1">
                     <a:lumMod val="75000"/>
@@ -10257,38 +10404,8 @@
                   </a:schemeClr>
                 </a:solidFill>
               </a:rPr>
-              <a:t> 10,00</a:t>
-            </a:r>
-            <a:r>
-              <a:rPr kumimoji="1" lang="en-US" altLang="ko-KR" sz="1000" u="sng" dirty="0" smtClean="0">
-                <a:solidFill>
-                  <a:schemeClr val="tx1">
-                    <a:lumMod val="75000"/>
-                    <a:lumOff val="25000"/>
-                  </a:schemeClr>
-                </a:solidFill>
-              </a:rPr>
-              <a:t>0  </a:t>
-            </a:r>
-            <a:r>
-              <a:rPr kumimoji="1" lang="ko-KR" altLang="en-US" sz="1000" dirty="0" smtClean="0">
-                <a:solidFill>
-                  <a:schemeClr val="tx1">
-                    <a:lumMod val="75000"/>
-                    <a:lumOff val="25000"/>
-                  </a:schemeClr>
-                </a:solidFill>
-              </a:rPr>
               <a:t>원</a:t>
             </a:r>
-            <a:endParaRPr kumimoji="1" lang="ko-KR" altLang="en-US" sz="1000" dirty="0">
-              <a:solidFill>
-                <a:schemeClr val="tx1">
-                  <a:lumMod val="75000"/>
-                  <a:lumOff val="25000"/>
-                </a:schemeClr>
-              </a:solidFill>
-            </a:endParaRPr>
           </a:p>
         </p:txBody>
       </p:sp>
@@ -10408,7 +10525,7 @@
           <a:p>
             <a:pPr algn="ctr"/>
             <a:r>
-              <a:rPr kumimoji="1" lang="en-US" altLang="ko-KR" sz="1000" b="1" smtClean="0">
+              <a:rPr kumimoji="1" lang="en-US" altLang="ko-KR" sz="1000" b="1">
                 <a:solidFill>
                   <a:schemeClr val="tx1">
                     <a:lumMod val="75000"/>
@@ -10419,7 +10536,7 @@
               <a:t>N</a:t>
             </a:r>
             <a:r>
-              <a:rPr kumimoji="1" lang="ko-KR" altLang="en-US" sz="1000" b="1" dirty="0" smtClean="0">
+              <a:rPr kumimoji="1" lang="ko-KR" altLang="en-US" sz="1000" b="1" dirty="0">
                 <a:solidFill>
                   <a:schemeClr val="tx1">
                     <a:lumMod val="75000"/>
@@ -10429,14 +10546,6 @@
               </a:rPr>
               <a:t>빵</a:t>
             </a:r>
-            <a:endParaRPr kumimoji="1" lang="ko-KR" altLang="en-US" sz="1000" b="1" dirty="0">
-              <a:solidFill>
-                <a:schemeClr val="tx1">
-                  <a:lumMod val="75000"/>
-                  <a:lumOff val="25000"/>
-                </a:schemeClr>
-              </a:solidFill>
-            </a:endParaRPr>
           </a:p>
         </p:txBody>
       </p:sp>
@@ -10500,7 +10609,7 @@
           <a:p>
             <a:pPr algn="ctr"/>
             <a:r>
-              <a:rPr kumimoji="1" lang="ko-KR" altLang="en-US" sz="1000" b="1" dirty="0" smtClean="0">
+              <a:rPr kumimoji="1" lang="ko-KR" altLang="en-US" sz="1000" b="1" dirty="0">
                 <a:solidFill>
                   <a:schemeClr val="tx1">
                     <a:lumMod val="75000"/>
@@ -10510,14 +10619,6 @@
               </a:rPr>
               <a:t>랜덤</a:t>
             </a:r>
-            <a:endParaRPr kumimoji="1" lang="ko-KR" altLang="en-US" sz="1000" b="1" dirty="0">
-              <a:solidFill>
-                <a:schemeClr val="tx1">
-                  <a:lumMod val="75000"/>
-                  <a:lumOff val="25000"/>
-                </a:schemeClr>
-              </a:solidFill>
-            </a:endParaRPr>
           </a:p>
         </p:txBody>
       </p:sp>
@@ -10581,7 +10682,7 @@
           <a:p>
             <a:pPr algn="ctr"/>
             <a:r>
-              <a:rPr kumimoji="1" lang="ko-KR" altLang="en-US" sz="1000" b="1" dirty="0" smtClean="0">
+              <a:rPr kumimoji="1" lang="ko-KR" altLang="en-US" sz="1000" b="1" dirty="0">
                 <a:solidFill>
                   <a:schemeClr val="tx1">
                     <a:lumMod val="75000"/>
@@ -10591,14 +10692,6 @@
               </a:rPr>
               <a:t>각자</a:t>
             </a:r>
-            <a:endParaRPr kumimoji="1" lang="ko-KR" altLang="en-US" sz="1000" b="1" dirty="0">
-              <a:solidFill>
-                <a:schemeClr val="tx1">
-                  <a:lumMod val="75000"/>
-                  <a:lumOff val="25000"/>
-                </a:schemeClr>
-              </a:solidFill>
-            </a:endParaRPr>
           </a:p>
         </p:txBody>
       </p:sp>
@@ -10814,7 +10907,7 @@
           <a:p>
             <a:pPr algn="ctr"/>
             <a:r>
-              <a:rPr kumimoji="1" lang="ko-KR" altLang="en-US" sz="1000" b="1" dirty="0" smtClean="0">
+              <a:rPr kumimoji="1" lang="ko-KR" altLang="en-US" sz="1000" b="1" dirty="0">
                 <a:solidFill>
                   <a:schemeClr val="tx1">
                     <a:lumMod val="75000"/>
@@ -10824,14 +10917,6 @@
               </a:rPr>
               <a:t>확인</a:t>
             </a:r>
-            <a:endParaRPr kumimoji="1" lang="ko-KR" altLang="en-US" sz="1000" b="1" dirty="0">
-              <a:solidFill>
-                <a:schemeClr val="tx1">
-                  <a:lumMod val="75000"/>
-                  <a:lumOff val="25000"/>
-                </a:schemeClr>
-              </a:solidFill>
-            </a:endParaRPr>
           </a:p>
         </p:txBody>
       </p:sp>
@@ -10895,7 +10980,7 @@
           <a:p>
             <a:pPr algn="ctr"/>
             <a:r>
-              <a:rPr kumimoji="1" lang="ko-KR" altLang="en-US" sz="1000" b="1" dirty="0" smtClean="0">
+              <a:rPr kumimoji="1" lang="ko-KR" altLang="en-US" sz="1000" b="1" dirty="0">
                 <a:solidFill>
                   <a:schemeClr val="tx1">
                     <a:lumMod val="75000"/>
@@ -10905,14 +10990,6 @@
               </a:rPr>
               <a:t>취소</a:t>
             </a:r>
-            <a:endParaRPr kumimoji="1" lang="ko-KR" altLang="en-US" sz="1000" b="1" dirty="0">
-              <a:solidFill>
-                <a:schemeClr val="tx1">
-                  <a:lumMod val="75000"/>
-                  <a:lumOff val="25000"/>
-                </a:schemeClr>
-              </a:solidFill>
-            </a:endParaRPr>
           </a:p>
         </p:txBody>
       </p:sp>
@@ -10963,13 +11040,6 @@
   <p:clrMapOvr>
     <a:masterClrMapping/>
   </p:clrMapOvr>
-  <p:timing>
-    <p:tnLst>
-      <p:par>
-        <p:cTn id="1" dur="indefinite" restart="never" nodeType="tmRoot"/>
-      </p:par>
-    </p:tnLst>
-  </p:timing>
 </p:sld>
 </file>
 
@@ -11113,7 +11183,7 @@
             <a:lstStyle/>
             <a:p>
               <a:r>
-                <a:rPr kumimoji="1" lang="ko-KR" altLang="en-US" sz="1100" b="1" dirty="0" smtClean="0">
+                <a:rPr kumimoji="1" lang="ko-KR" altLang="en-US" sz="1100" b="1" dirty="0">
                   <a:solidFill>
                     <a:schemeClr val="tx1">
                       <a:lumMod val="75000"/>
@@ -11124,7 +11194,7 @@
                 <a:t>  남은 돈</a:t>
               </a:r>
               <a:r>
-                <a:rPr kumimoji="1" lang="en-US" altLang="ko-KR" sz="1100" b="1" dirty="0" smtClean="0">
+                <a:rPr kumimoji="1" lang="en-US" altLang="ko-KR" sz="1100" b="1" dirty="0">
                   <a:solidFill>
                     <a:schemeClr val="tx1">
                       <a:lumMod val="75000"/>
@@ -11135,7 +11205,7 @@
                 <a:t>	              </a:t>
               </a:r>
               <a:r>
-                <a:rPr kumimoji="1" lang="en-US" altLang="ko-KR" sz="1200" b="1" u="sng" dirty="0" smtClean="0">
+                <a:rPr kumimoji="1" lang="en-US" altLang="ko-KR" sz="1200" b="1" u="sng" dirty="0">
                   <a:solidFill>
                     <a:schemeClr val="tx1">
                       <a:lumMod val="75000"/>
@@ -11146,7 +11216,7 @@
                 <a:t>  0  </a:t>
               </a:r>
               <a:r>
-                <a:rPr kumimoji="1" lang="ko-KR" altLang="en-US" sz="1200" b="1" dirty="0" smtClean="0">
+                <a:rPr kumimoji="1" lang="ko-KR" altLang="en-US" sz="1200" b="1" dirty="0">
                   <a:solidFill>
                     <a:schemeClr val="tx1">
                       <a:lumMod val="75000"/>
@@ -11376,7 +11446,7 @@
           <a:lstStyle/>
           <a:p>
             <a:r>
-              <a:rPr kumimoji="1" lang="ko-KR" altLang="en-US" sz="1100" b="1" dirty="0" smtClean="0">
+              <a:rPr kumimoji="1" lang="ko-KR" altLang="en-US" sz="1100" b="1" dirty="0">
                 <a:solidFill>
                   <a:schemeClr val="tx1">
                     <a:lumMod val="75000"/>
@@ -11398,7 +11468,7 @@
           <a:p>
             <a:pPr algn="r"/>
             <a:r>
-              <a:rPr kumimoji="1" lang="en-US" altLang="ko-KR" sz="1000" u="sng" dirty="0" smtClean="0">
+              <a:rPr kumimoji="1" lang="en-US" altLang="ko-KR" sz="1000" u="sng" dirty="0">
                 <a:solidFill>
                   <a:schemeClr val="tx1">
                     <a:lumMod val="75000"/>
@@ -11409,7 +11479,7 @@
               <a:t>  0  </a:t>
             </a:r>
             <a:r>
-              <a:rPr kumimoji="1" lang="ko-KR" altLang="en-US" sz="1000" dirty="0" smtClean="0">
+              <a:rPr kumimoji="1" lang="ko-KR" altLang="en-US" sz="1000" dirty="0">
                 <a:solidFill>
                   <a:schemeClr val="tx1">
                     <a:lumMod val="75000"/>
@@ -11419,14 +11489,6 @@
               </a:rPr>
               <a:t>원</a:t>
             </a:r>
-            <a:endParaRPr kumimoji="1" lang="ko-KR" altLang="en-US" sz="1000" dirty="0">
-              <a:solidFill>
-                <a:schemeClr val="tx1">
-                  <a:lumMod val="75000"/>
-                  <a:lumOff val="25000"/>
-                </a:schemeClr>
-              </a:solidFill>
-            </a:endParaRPr>
           </a:p>
         </p:txBody>
       </p:sp>
@@ -11489,7 +11551,7 @@
           <a:lstStyle/>
           <a:p>
             <a:r>
-              <a:rPr kumimoji="1" lang="ko-KR" altLang="en-US" sz="1100" b="1" dirty="0" err="1" smtClean="0">
+              <a:rPr kumimoji="1" lang="ko-KR" altLang="en-US" sz="1100" b="1" dirty="0" err="1">
                 <a:solidFill>
                   <a:schemeClr val="tx1">
                     <a:lumMod val="75000"/>
@@ -11511,7 +11573,7 @@
           <a:p>
             <a:pPr algn="r"/>
             <a:r>
-              <a:rPr kumimoji="1" lang="en-US" altLang="ko-KR" sz="1000" u="sng" dirty="0" smtClean="0">
+              <a:rPr kumimoji="1" lang="en-US" altLang="ko-KR" sz="1000" u="sng" dirty="0">
                 <a:solidFill>
                   <a:schemeClr val="tx1">
                     <a:lumMod val="75000"/>
@@ -11519,10 +11581,10 @@
                   </a:schemeClr>
                 </a:solidFill>
               </a:rPr>
-              <a:t>  </a:t>
-            </a:r>
-            <a:r>
-              <a:rPr kumimoji="1" lang="en-US" altLang="ko-KR" sz="1000" u="sng" dirty="0" smtClean="0">
+              <a:t>  0  </a:t>
+            </a:r>
+            <a:r>
+              <a:rPr kumimoji="1" lang="ko-KR" altLang="en-US" sz="1000" dirty="0">
                 <a:solidFill>
                   <a:schemeClr val="tx1">
                     <a:lumMod val="75000"/>
@@ -11530,27 +11592,8 @@
                   </a:schemeClr>
                 </a:solidFill>
               </a:rPr>
-              <a:t>0  </a:t>
-            </a:r>
-            <a:r>
-              <a:rPr kumimoji="1" lang="ko-KR" altLang="en-US" sz="1000" dirty="0" smtClean="0">
-                <a:solidFill>
-                  <a:schemeClr val="tx1">
-                    <a:lumMod val="75000"/>
-                    <a:lumOff val="25000"/>
-                  </a:schemeClr>
-                </a:solidFill>
-              </a:rPr>
               <a:t>원 </a:t>
             </a:r>
-            <a:endParaRPr kumimoji="1" lang="ko-KR" altLang="en-US" sz="1000" dirty="0">
-              <a:solidFill>
-                <a:schemeClr val="tx1">
-                  <a:lumMod val="75000"/>
-                  <a:lumOff val="25000"/>
-                </a:schemeClr>
-              </a:solidFill>
-            </a:endParaRPr>
           </a:p>
         </p:txBody>
       </p:sp>
@@ -11607,7 +11650,7 @@
           <a:lstStyle/>
           <a:p>
             <a:r>
-              <a:rPr kumimoji="1" lang="en-US" altLang="ko-KR" sz="1100" b="1" dirty="0" smtClean="0">
+              <a:rPr kumimoji="1" lang="en-US" altLang="ko-KR" sz="1100" b="1" dirty="0">
                 <a:solidFill>
                   <a:schemeClr val="tx1">
                     <a:lumMod val="75000"/>
@@ -11618,7 +11661,7 @@
               <a:t>What.  </a:t>
             </a:r>
             <a:r>
-              <a:rPr kumimoji="1" lang="en-US" altLang="ko-KR" sz="1100" b="1" u="sng" dirty="0" smtClean="0">
+              <a:rPr kumimoji="1" lang="en-US" altLang="ko-KR" sz="1100" b="1" u="sng" dirty="0">
                 <a:solidFill>
                   <a:schemeClr val="tx1">
                     <a:lumMod val="75000"/>
@@ -11629,7 +11672,7 @@
               <a:t> ?</a:t>
             </a:r>
             <a:r>
-              <a:rPr kumimoji="1" lang="ko-KR" altLang="en-US" sz="1100" b="1" u="sng" dirty="0" smtClean="0">
+              <a:rPr kumimoji="1" lang="ko-KR" altLang="en-US" sz="1100" b="1" u="sng" dirty="0">
                 <a:solidFill>
                   <a:schemeClr val="tx1">
                     <a:lumMod val="75000"/>
@@ -11649,7 +11692,7 @@
           </a:p>
           <a:p>
             <a:r>
-              <a:rPr kumimoji="1" lang="en-US" altLang="ko-KR" sz="1100" b="1" dirty="0" smtClean="0">
+              <a:rPr kumimoji="1" lang="en-US" altLang="ko-KR" sz="1100" b="1" dirty="0">
                 <a:solidFill>
                   <a:srgbClr val="00B0F0"/>
                 </a:solidFill>
@@ -11657,20 +11700,12 @@
               <a:t>To. </a:t>
             </a:r>
             <a:r>
-              <a:rPr kumimoji="1" lang="en-US" altLang="ko-KR" sz="1100" b="1" u="sng" dirty="0" smtClean="0">
+              <a:rPr kumimoji="1" lang="en-US" altLang="ko-KR" sz="1100" b="1" u="sng" dirty="0">
                 <a:solidFill>
                   <a:srgbClr val="00B0F0"/>
                 </a:solidFill>
               </a:rPr>
-              <a:t> </a:t>
-            </a:r>
-            <a:r>
-              <a:rPr kumimoji="1" lang="en-US" altLang="ko-KR" sz="1100" b="1" u="sng" dirty="0" smtClean="0">
-                <a:solidFill>
-                  <a:srgbClr val="00B0F0"/>
-                </a:solidFill>
-              </a:rPr>
-              <a:t>?</a:t>
+              <a:t> ?</a:t>
             </a:r>
           </a:p>
           <a:p>
@@ -11683,7 +11718,7 @@
           <a:p>
             <a:pPr algn="r"/>
             <a:r>
-              <a:rPr kumimoji="1" lang="en-US" altLang="ko-KR" sz="1200" b="1" u="sng" dirty="0" smtClean="0">
+              <a:rPr kumimoji="1" lang="en-US" altLang="ko-KR" sz="1200" b="1" u="sng" dirty="0">
                 <a:solidFill>
                   <a:schemeClr val="tx1">
                     <a:lumMod val="75000"/>
@@ -11694,7 +11729,7 @@
               <a:t>  0  </a:t>
             </a:r>
             <a:r>
-              <a:rPr kumimoji="1" lang="ko-KR" altLang="en-US" sz="1200" b="1" dirty="0" smtClean="0">
+              <a:rPr kumimoji="1" lang="ko-KR" altLang="en-US" sz="1200" b="1" dirty="0">
                 <a:solidFill>
                   <a:schemeClr val="tx1">
                     <a:lumMod val="75000"/>
@@ -11930,7 +11965,7 @@
           <a:lstStyle/>
           <a:p>
             <a:r>
-              <a:rPr kumimoji="1" lang="ko-KR" altLang="en-US" sz="1100" b="1" dirty="0" err="1" smtClean="0">
+              <a:rPr kumimoji="1" lang="ko-KR" altLang="en-US" sz="1100" b="1" dirty="0" err="1">
                 <a:solidFill>
                   <a:schemeClr val="tx1">
                     <a:lumMod val="75000"/>
@@ -11960,10 +11995,10 @@
                   </a:schemeClr>
                 </a:solidFill>
               </a:rPr>
-              <a:t> </a:t>
-            </a:r>
-            <a:r>
-              <a:rPr kumimoji="1" lang="en-US" altLang="ko-KR" sz="1000" u="sng" dirty="0" smtClean="0">
+              <a:t>  0  </a:t>
+            </a:r>
+            <a:r>
+              <a:rPr kumimoji="1" lang="ko-KR" altLang="en-US" sz="1000" dirty="0">
                 <a:solidFill>
                   <a:schemeClr val="tx1">
                     <a:lumMod val="75000"/>
@@ -11971,38 +12006,8 @@
                   </a:schemeClr>
                 </a:solidFill>
               </a:rPr>
-              <a:t> </a:t>
-            </a:r>
-            <a:r>
-              <a:rPr kumimoji="1" lang="en-US" altLang="ko-KR" sz="1000" u="sng" dirty="0" smtClean="0">
-                <a:solidFill>
-                  <a:schemeClr val="tx1">
-                    <a:lumMod val="75000"/>
-                    <a:lumOff val="25000"/>
-                  </a:schemeClr>
-                </a:solidFill>
-              </a:rPr>
-              <a:t>0  </a:t>
-            </a:r>
-            <a:r>
-              <a:rPr kumimoji="1" lang="ko-KR" altLang="en-US" sz="1000" dirty="0" smtClean="0">
-                <a:solidFill>
-                  <a:schemeClr val="tx1">
-                    <a:lumMod val="75000"/>
-                    <a:lumOff val="25000"/>
-                  </a:schemeClr>
-                </a:solidFill>
-              </a:rPr>
               <a:t>원</a:t>
             </a:r>
-            <a:endParaRPr kumimoji="1" lang="ko-KR" altLang="en-US" sz="1000" dirty="0">
-              <a:solidFill>
-                <a:schemeClr val="tx1">
-                  <a:lumMod val="75000"/>
-                  <a:lumOff val="25000"/>
-                </a:schemeClr>
-              </a:solidFill>
-            </a:endParaRPr>
           </a:p>
         </p:txBody>
       </p:sp>
@@ -12122,7 +12127,7 @@
           <a:p>
             <a:pPr algn="ctr"/>
             <a:r>
-              <a:rPr kumimoji="1" lang="en-US" altLang="ko-KR" sz="1000" b="1" smtClean="0">
+              <a:rPr kumimoji="1" lang="en-US" altLang="ko-KR" sz="1000" b="1">
                 <a:solidFill>
                   <a:schemeClr val="tx1">
                     <a:lumMod val="75000"/>
@@ -12133,7 +12138,7 @@
               <a:t>N</a:t>
             </a:r>
             <a:r>
-              <a:rPr kumimoji="1" lang="ko-KR" altLang="en-US" sz="1000" b="1" dirty="0" smtClean="0">
+              <a:rPr kumimoji="1" lang="ko-KR" altLang="en-US" sz="1000" b="1" dirty="0">
                 <a:solidFill>
                   <a:schemeClr val="tx1">
                     <a:lumMod val="75000"/>
@@ -12143,14 +12148,6 @@
               </a:rPr>
               <a:t>빵</a:t>
             </a:r>
-            <a:endParaRPr kumimoji="1" lang="ko-KR" altLang="en-US" sz="1000" b="1" dirty="0">
-              <a:solidFill>
-                <a:schemeClr val="tx1">
-                  <a:lumMod val="75000"/>
-                  <a:lumOff val="25000"/>
-                </a:schemeClr>
-              </a:solidFill>
-            </a:endParaRPr>
           </a:p>
         </p:txBody>
       </p:sp>
@@ -12214,7 +12211,7 @@
           <a:p>
             <a:pPr algn="ctr"/>
             <a:r>
-              <a:rPr kumimoji="1" lang="ko-KR" altLang="en-US" sz="1000" b="1" dirty="0" smtClean="0">
+              <a:rPr kumimoji="1" lang="ko-KR" altLang="en-US" sz="1000" b="1" dirty="0">
                 <a:solidFill>
                   <a:schemeClr val="tx1">
                     <a:lumMod val="75000"/>
@@ -12224,14 +12221,6 @@
               </a:rPr>
               <a:t>랜덤</a:t>
             </a:r>
-            <a:endParaRPr kumimoji="1" lang="ko-KR" altLang="en-US" sz="1000" b="1" dirty="0">
-              <a:solidFill>
-                <a:schemeClr val="tx1">
-                  <a:lumMod val="75000"/>
-                  <a:lumOff val="25000"/>
-                </a:schemeClr>
-              </a:solidFill>
-            </a:endParaRPr>
           </a:p>
         </p:txBody>
       </p:sp>
@@ -12295,7 +12284,7 @@
           <a:p>
             <a:pPr algn="ctr"/>
             <a:r>
-              <a:rPr kumimoji="1" lang="ko-KR" altLang="en-US" sz="1000" b="1" dirty="0" smtClean="0">
+              <a:rPr kumimoji="1" lang="ko-KR" altLang="en-US" sz="1000" b="1" dirty="0">
                 <a:solidFill>
                   <a:schemeClr val="tx1">
                     <a:lumMod val="75000"/>
@@ -12305,14 +12294,6 @@
               </a:rPr>
               <a:t>각자</a:t>
             </a:r>
-            <a:endParaRPr kumimoji="1" lang="ko-KR" altLang="en-US" sz="1000" b="1" dirty="0">
-              <a:solidFill>
-                <a:schemeClr val="tx1">
-                  <a:lumMod val="75000"/>
-                  <a:lumOff val="25000"/>
-                </a:schemeClr>
-              </a:solidFill>
-            </a:endParaRPr>
           </a:p>
         </p:txBody>
       </p:sp>
@@ -12528,7 +12509,7 @@
           <a:p>
             <a:pPr algn="ctr"/>
             <a:r>
-              <a:rPr kumimoji="1" lang="ko-KR" altLang="en-US" sz="1000" b="1" dirty="0" smtClean="0">
+              <a:rPr kumimoji="1" lang="ko-KR" altLang="en-US" sz="1000" b="1" dirty="0">
                 <a:solidFill>
                   <a:schemeClr val="tx1">
                     <a:lumMod val="75000"/>
@@ -12538,14 +12519,6 @@
               </a:rPr>
               <a:t>확인</a:t>
             </a:r>
-            <a:endParaRPr kumimoji="1" lang="ko-KR" altLang="en-US" sz="1000" b="1" dirty="0">
-              <a:solidFill>
-                <a:schemeClr val="tx1">
-                  <a:lumMod val="75000"/>
-                  <a:lumOff val="25000"/>
-                </a:schemeClr>
-              </a:solidFill>
-            </a:endParaRPr>
           </a:p>
         </p:txBody>
       </p:sp>
@@ -12609,7 +12582,7 @@
           <a:p>
             <a:pPr algn="ctr"/>
             <a:r>
-              <a:rPr kumimoji="1" lang="ko-KR" altLang="en-US" sz="1000" b="1" dirty="0" smtClean="0">
+              <a:rPr kumimoji="1" lang="ko-KR" altLang="en-US" sz="1000" b="1" dirty="0">
                 <a:solidFill>
                   <a:schemeClr val="tx1">
                     <a:lumMod val="75000"/>
@@ -12619,14 +12592,6 @@
               </a:rPr>
               <a:t>취소</a:t>
             </a:r>
-            <a:endParaRPr kumimoji="1" lang="ko-KR" altLang="en-US" sz="1000" b="1" dirty="0">
-              <a:solidFill>
-                <a:schemeClr val="tx1">
-                  <a:lumMod val="75000"/>
-                  <a:lumOff val="25000"/>
-                </a:schemeClr>
-              </a:solidFill>
-            </a:endParaRPr>
           </a:p>
         </p:txBody>
       </p:sp>
@@ -12677,13 +12642,6 @@
   <p:clrMapOvr>
     <a:masterClrMapping/>
   </p:clrMapOvr>
-  <p:timing>
-    <p:tnLst>
-      <p:par>
-        <p:cTn id="1" dur="indefinite" restart="never" nodeType="tmRoot"/>
-      </p:par>
-    </p:tnLst>
-  </p:timing>
 </p:sld>
 </file>
 
@@ -12827,7 +12785,7 @@
             <a:lstStyle/>
             <a:p>
               <a:r>
-                <a:rPr kumimoji="1" lang="ko-KR" altLang="en-US" sz="1100" b="1" dirty="0" smtClean="0">
+                <a:rPr kumimoji="1" lang="ko-KR" altLang="en-US" sz="1100" b="1" dirty="0">
                   <a:solidFill>
                     <a:schemeClr val="tx1">
                       <a:lumMod val="75000"/>
@@ -12835,32 +12793,10 @@
                     </a:schemeClr>
                   </a:solidFill>
                 </a:rPr>
-                <a:t>  </a:t>
+                <a:t>  보낼 돈</a:t>
               </a:r>
               <a:r>
-                <a:rPr kumimoji="1" lang="ko-KR" altLang="en-US" sz="1100" b="1" dirty="0" smtClean="0">
-                  <a:solidFill>
-                    <a:schemeClr val="tx1">
-                      <a:lumMod val="75000"/>
-                      <a:lumOff val="25000"/>
-                    </a:schemeClr>
-                  </a:solidFill>
-                </a:rPr>
-                <a:t>보낼</a:t>
-              </a:r>
-              <a:r>
-                <a:rPr kumimoji="1" lang="ko-KR" altLang="en-US" sz="1100" b="1" dirty="0" smtClean="0">
-                  <a:solidFill>
-                    <a:schemeClr val="tx1">
-                      <a:lumMod val="75000"/>
-                      <a:lumOff val="25000"/>
-                    </a:schemeClr>
-                  </a:solidFill>
-                </a:rPr>
-                <a:t> 돈</a:t>
-              </a:r>
-              <a:r>
-                <a:rPr kumimoji="1" lang="en-US" altLang="ko-KR" sz="1100" b="1" dirty="0" smtClean="0">
+                <a:rPr kumimoji="1" lang="en-US" altLang="ko-KR" sz="1100" b="1" dirty="0">
                   <a:solidFill>
                     <a:schemeClr val="tx1">
                       <a:lumMod val="75000"/>
@@ -12871,7 +12807,7 @@
                 <a:t>	</a:t>
               </a:r>
               <a:r>
-                <a:rPr kumimoji="1" lang="en-US" altLang="ko-KR" sz="1100" b="1" dirty="0" smtClean="0">
+                <a:rPr kumimoji="1" lang="en-US" altLang="ko-KR" sz="1100" b="1" dirty="0">
                   <a:solidFill>
                     <a:srgbClr val="00B0F0"/>
                   </a:solidFill>
@@ -12879,7 +12815,7 @@
                 <a:t>       </a:t>
               </a:r>
               <a:r>
-                <a:rPr kumimoji="1" lang="en-US" altLang="ko-KR" sz="1200" b="1" u="sng" dirty="0" smtClean="0">
+                <a:rPr kumimoji="1" lang="en-US" altLang="ko-KR" sz="1200" b="1" u="sng" dirty="0">
                   <a:solidFill>
                     <a:srgbClr val="00B0F0"/>
                   </a:solidFill>
@@ -12887,7 +12823,7 @@
                 <a:t>  11,750  </a:t>
               </a:r>
               <a:r>
-                <a:rPr kumimoji="1" lang="ko-KR" altLang="en-US" sz="1200" b="1" dirty="0" smtClean="0">
+                <a:rPr kumimoji="1" lang="ko-KR" altLang="en-US" sz="1200" b="1" dirty="0">
                   <a:solidFill>
                     <a:srgbClr val="00B0F0"/>
                   </a:solidFill>
@@ -13055,7 +12991,7 @@
           <a:lstStyle/>
           <a:p>
             <a:r>
-              <a:rPr kumimoji="1" lang="ko-KR" altLang="en-US" sz="1100" b="1" dirty="0" err="1" smtClean="0">
+              <a:rPr kumimoji="1" lang="ko-KR" altLang="en-US" sz="1100" b="1" dirty="0" err="1">
                 <a:solidFill>
                   <a:schemeClr val="tx1">
                     <a:lumMod val="75000"/>
@@ -13077,7 +13013,7 @@
           <a:p>
             <a:pPr algn="r"/>
             <a:r>
-              <a:rPr kumimoji="1" lang="en-US" altLang="ko-KR" sz="1000" u="sng" dirty="0" smtClean="0">
+              <a:rPr kumimoji="1" lang="en-US" altLang="ko-KR" sz="1000" u="sng" dirty="0">
                 <a:solidFill>
                   <a:schemeClr val="tx1">
                     <a:lumMod val="75000"/>
@@ -13088,7 +13024,7 @@
               <a:t>  10,000  </a:t>
             </a:r>
             <a:r>
-              <a:rPr kumimoji="1" lang="ko-KR" altLang="en-US" sz="1000" dirty="0" smtClean="0">
+              <a:rPr kumimoji="1" lang="ko-KR" altLang="en-US" sz="1000" dirty="0">
                 <a:solidFill>
                   <a:schemeClr val="tx1">
                     <a:lumMod val="75000"/>
@@ -13098,14 +13034,6 @@
               </a:rPr>
               <a:t>원</a:t>
             </a:r>
-            <a:endParaRPr kumimoji="1" lang="ko-KR" altLang="en-US" sz="1000" dirty="0">
-              <a:solidFill>
-                <a:schemeClr val="tx1">
-                  <a:lumMod val="75000"/>
-                  <a:lumOff val="25000"/>
-                </a:schemeClr>
-              </a:solidFill>
-            </a:endParaRPr>
           </a:p>
         </p:txBody>
       </p:sp>
@@ -13168,7 +13096,7 @@
           <a:lstStyle/>
           <a:p>
             <a:r>
-              <a:rPr kumimoji="1" lang="ko-KR" altLang="en-US" sz="1100" b="1" dirty="0" err="1" smtClean="0">
+              <a:rPr kumimoji="1" lang="ko-KR" altLang="en-US" sz="1100" b="1" dirty="0" err="1">
                 <a:solidFill>
                   <a:schemeClr val="tx1">
                     <a:lumMod val="75000"/>
@@ -13190,7 +13118,7 @@
           <a:p>
             <a:pPr algn="r"/>
             <a:r>
-              <a:rPr kumimoji="1" lang="en-US" altLang="ko-KR" sz="1000" u="sng" dirty="0" smtClean="0">
+              <a:rPr kumimoji="1" lang="en-US" altLang="ko-KR" sz="1000" u="sng" dirty="0">
                 <a:solidFill>
                   <a:schemeClr val="tx1">
                     <a:lumMod val="75000"/>
@@ -13198,10 +13126,10 @@
                   </a:schemeClr>
                 </a:solidFill>
               </a:rPr>
-              <a:t>  1,7</a:t>
-            </a:r>
-            <a:r>
-              <a:rPr kumimoji="1" lang="en-US" altLang="ko-KR" sz="1000" u="sng" dirty="0" smtClean="0">
+              <a:t>  1,750  </a:t>
+            </a:r>
+            <a:r>
+              <a:rPr kumimoji="1" lang="ko-KR" altLang="en-US" sz="1000" dirty="0">
                 <a:solidFill>
                   <a:schemeClr val="tx1">
                     <a:lumMod val="75000"/>
@@ -13209,27 +13137,8 @@
                   </a:schemeClr>
                 </a:solidFill>
               </a:rPr>
-              <a:t>50  </a:t>
-            </a:r>
-            <a:r>
-              <a:rPr kumimoji="1" lang="ko-KR" altLang="en-US" sz="1000" dirty="0" smtClean="0">
-                <a:solidFill>
-                  <a:schemeClr val="tx1">
-                    <a:lumMod val="75000"/>
-                    <a:lumOff val="25000"/>
-                  </a:schemeClr>
-                </a:solidFill>
-              </a:rPr>
               <a:t>원 </a:t>
             </a:r>
-            <a:endParaRPr kumimoji="1" lang="ko-KR" altLang="en-US" sz="1000" dirty="0">
-              <a:solidFill>
-                <a:schemeClr val="tx1">
-                  <a:lumMod val="75000"/>
-                  <a:lumOff val="25000"/>
-                </a:schemeClr>
-              </a:solidFill>
-            </a:endParaRPr>
           </a:p>
         </p:txBody>
       </p:sp>
@@ -13398,10 +13307,9 @@
           <a:p>
             <a:pPr algn="ctr"/>
             <a:r>
-              <a:rPr kumimoji="1" lang="ko-KR" altLang="en-US" sz="1600" b="1" dirty="0" smtClean="0"/>
+              <a:rPr kumimoji="1" lang="ko-KR" altLang="en-US" sz="1600" b="1" dirty="0"/>
               <a:t>홍길동</a:t>
             </a:r>
-            <a:endParaRPr kumimoji="1" lang="ko-KR" altLang="en-US" sz="1600" b="1" dirty="0"/>
           </a:p>
         </p:txBody>
       </p:sp>
@@ -13528,7 +13436,7 @@
             <a:lstStyle/>
             <a:p>
               <a:r>
-                <a:rPr kumimoji="1" lang="ko-KR" altLang="en-US" sz="1100" b="1" dirty="0" smtClean="0">
+                <a:rPr kumimoji="1" lang="ko-KR" altLang="en-US" sz="1100" b="1" dirty="0">
                   <a:solidFill>
                     <a:schemeClr val="tx1">
                       <a:lumMod val="75000"/>
@@ -13536,32 +13444,10 @@
                     </a:schemeClr>
                   </a:solidFill>
                 </a:rPr>
-                <a:t>  </a:t>
+                <a:t>  받을 돈</a:t>
               </a:r>
               <a:r>
-                <a:rPr kumimoji="1" lang="ko-KR" altLang="en-US" sz="1100" b="1" dirty="0" smtClean="0">
-                  <a:solidFill>
-                    <a:schemeClr val="tx1">
-                      <a:lumMod val="75000"/>
-                      <a:lumOff val="25000"/>
-                    </a:schemeClr>
-                  </a:solidFill>
-                </a:rPr>
-                <a:t>받을</a:t>
-              </a:r>
-              <a:r>
-                <a:rPr kumimoji="1" lang="ko-KR" altLang="en-US" sz="1100" b="1" dirty="0" smtClean="0">
-                  <a:solidFill>
-                    <a:schemeClr val="tx1">
-                      <a:lumMod val="75000"/>
-                      <a:lumOff val="25000"/>
-                    </a:schemeClr>
-                  </a:solidFill>
-                </a:rPr>
-                <a:t> 돈</a:t>
-              </a:r>
-              <a:r>
-                <a:rPr kumimoji="1" lang="en-US" altLang="ko-KR" sz="1100" b="1" dirty="0" smtClean="0">
+                <a:rPr kumimoji="1" lang="en-US" altLang="ko-KR" sz="1100" b="1" dirty="0">
                   <a:solidFill>
                     <a:schemeClr val="tx1">
                       <a:lumMod val="75000"/>
@@ -13572,7 +13458,7 @@
                 <a:t>	</a:t>
               </a:r>
               <a:r>
-                <a:rPr kumimoji="1" lang="en-US" altLang="ko-KR" sz="1100" b="1" dirty="0" smtClean="0">
+                <a:rPr kumimoji="1" lang="en-US" altLang="ko-KR" sz="1100" b="1" dirty="0">
                   <a:solidFill>
                     <a:srgbClr val="00B0F0"/>
                   </a:solidFill>
@@ -13580,7 +13466,7 @@
                 <a:t>              </a:t>
               </a:r>
               <a:r>
-                <a:rPr kumimoji="1" lang="en-US" altLang="ko-KR" sz="1200" b="1" u="sng" dirty="0" smtClean="0">
+                <a:rPr kumimoji="1" lang="en-US" altLang="ko-KR" sz="1200" b="1" u="sng" dirty="0">
                   <a:solidFill>
                     <a:srgbClr val="00B0F0"/>
                   </a:solidFill>
@@ -13588,7 +13474,7 @@
                 <a:t>  0  </a:t>
               </a:r>
               <a:r>
-                <a:rPr kumimoji="1" lang="ko-KR" altLang="en-US" sz="1200" b="1" dirty="0" smtClean="0">
+                <a:rPr kumimoji="1" lang="ko-KR" altLang="en-US" sz="1200" b="1" dirty="0">
                   <a:solidFill>
                     <a:srgbClr val="00B0F0"/>
                   </a:solidFill>
@@ -13651,13 +13537,1628 @@
   <p:clrMapOvr>
     <a:masterClrMapping/>
   </p:clrMapOvr>
-  <p:timing>
-    <p:tnLst>
-      <p:par>
-        <p:cTn id="1" dur="indefinite" restart="never" nodeType="tmRoot"/>
-      </p:par>
-    </p:tnLst>
-  </p:timing>
+</p:sld>
+</file>
+
+<file path=ppt/slides/slide15.xml><?xml version="1.0" encoding="utf-8"?>
+<p:sld xmlns:a="http://schemas.openxmlformats.org/drawingml/2006/main" xmlns:r="http://schemas.openxmlformats.org/officeDocument/2006/relationships" xmlns:p="http://schemas.openxmlformats.org/presentationml/2006/main">
+  <p:cSld>
+    <p:spTree>
+      <p:nvGrpSpPr>
+        <p:cNvPr id="1" name=""/>
+        <p:cNvGrpSpPr/>
+        <p:nvPr/>
+      </p:nvGrpSpPr>
+      <p:grpSpPr>
+        <a:xfrm>
+          <a:off x="0" y="0"/>
+          <a:ext cx="0" cy="0"/>
+          <a:chOff x="0" y="0"/>
+          <a:chExt cx="0" cy="0"/>
+        </a:xfrm>
+      </p:grpSpPr>
+      <p:sp>
+        <p:nvSpPr>
+          <p:cNvPr id="13" name="직사각형 12">
+            <a:extLst>
+              <a:ext uri="{FF2B5EF4-FFF2-40B4-BE49-F238E27FC236}">
+                <a16:creationId xmlns:a16="http://schemas.microsoft.com/office/drawing/2014/main" id="{1A09CB1E-61C8-BF41-8166-783D974FF436}"/>
+              </a:ext>
+            </a:extLst>
+          </p:cNvPr>
+          <p:cNvSpPr/>
+          <p:nvPr/>
+        </p:nvSpPr>
+        <p:spPr>
+          <a:xfrm>
+            <a:off x="0" y="0"/>
+            <a:ext cx="12192000" cy="563417"/>
+          </a:xfrm>
+          <a:prstGeom prst="rect">
+            <a:avLst/>
+          </a:prstGeom>
+          <a:solidFill>
+            <a:schemeClr val="bg1"/>
+          </a:solidFill>
+          <a:ln>
+            <a:solidFill>
+              <a:schemeClr val="bg1">
+                <a:lumMod val="75000"/>
+              </a:schemeClr>
+            </a:solidFill>
+          </a:ln>
+        </p:spPr>
+        <p:style>
+          <a:lnRef idx="2">
+            <a:schemeClr val="accent1">
+              <a:shade val="50000"/>
+            </a:schemeClr>
+          </a:lnRef>
+          <a:fillRef idx="1">
+            <a:schemeClr val="accent1"/>
+          </a:fillRef>
+          <a:effectRef idx="0">
+            <a:schemeClr val="accent1"/>
+          </a:effectRef>
+          <a:fontRef idx="minor">
+            <a:schemeClr val="lt1"/>
+          </a:fontRef>
+        </p:style>
+        <p:txBody>
+          <a:bodyPr rtlCol="0" anchor="ctr"/>
+          <a:lstStyle/>
+          <a:p>
+            <a:pPr algn="ctr"/>
+            <a:endParaRPr kumimoji="1" lang="ko-KR" altLang="en-US" dirty="0"/>
+          </a:p>
+        </p:txBody>
+      </p:sp>
+      <p:sp>
+        <p:nvSpPr>
+          <p:cNvPr id="14" name="TextBox 13">
+            <a:extLst>
+              <a:ext uri="{FF2B5EF4-FFF2-40B4-BE49-F238E27FC236}">
+                <a16:creationId xmlns:a16="http://schemas.microsoft.com/office/drawing/2014/main" id="{D92B28E7-D15C-C445-8715-5E7C0DEAE706}"/>
+              </a:ext>
+            </a:extLst>
+          </p:cNvPr>
+          <p:cNvSpPr txBox="1"/>
+          <p:nvPr/>
+        </p:nvSpPr>
+        <p:spPr>
+          <a:xfrm>
+            <a:off x="5137336" y="112431"/>
+            <a:ext cx="1931491" cy="338554"/>
+          </a:xfrm>
+          <a:prstGeom prst="rect">
+            <a:avLst/>
+          </a:prstGeom>
+          <a:noFill/>
+        </p:spPr>
+        <p:txBody>
+          <a:bodyPr wrap="none" rtlCol="0">
+            <a:spAutoFit/>
+          </a:bodyPr>
+          <a:lstStyle/>
+          <a:p>
+            <a:pPr algn="ctr"/>
+            <a:r>
+              <a:rPr kumimoji="1" lang="en-US" altLang="ko-KR" sz="1600" b="1" dirty="0"/>
+              <a:t>Dutch Broomstick</a:t>
+            </a:r>
+            <a:endParaRPr kumimoji="1" lang="ko-KR" altLang="en-US" sz="1600" b="1" dirty="0"/>
+          </a:p>
+        </p:txBody>
+      </p:sp>
+      <p:grpSp>
+        <p:nvGrpSpPr>
+          <p:cNvPr id="3" name="그룹 2"/>
+          <p:cNvGrpSpPr/>
+          <p:nvPr/>
+        </p:nvGrpSpPr>
+        <p:grpSpPr>
+          <a:xfrm>
+            <a:off x="4894025" y="1248246"/>
+            <a:ext cx="2403951" cy="2338207"/>
+            <a:chOff x="4894025" y="1249542"/>
+            <a:chExt cx="2403951" cy="2103259"/>
+          </a:xfrm>
+        </p:grpSpPr>
+        <p:sp>
+          <p:nvSpPr>
+            <p:cNvPr id="21" name="직사각형 20">
+              <a:extLst>
+                <a:ext uri="{FF2B5EF4-FFF2-40B4-BE49-F238E27FC236}">
+                  <a16:creationId xmlns:a16="http://schemas.microsoft.com/office/drawing/2014/main" id="{A871EC61-223C-0447-B82C-FEE0B482521B}"/>
+                </a:ext>
+              </a:extLst>
+            </p:cNvPr>
+            <p:cNvSpPr/>
+            <p:nvPr/>
+          </p:nvSpPr>
+          <p:spPr>
+            <a:xfrm>
+              <a:off x="4894025" y="1249542"/>
+              <a:ext cx="2403951" cy="2103259"/>
+            </a:xfrm>
+            <a:prstGeom prst="rect">
+              <a:avLst/>
+            </a:prstGeom>
+            <a:solidFill>
+              <a:schemeClr val="bg1"/>
+            </a:solidFill>
+            <a:ln>
+              <a:solidFill>
+                <a:schemeClr val="bg1">
+                  <a:lumMod val="75000"/>
+                </a:schemeClr>
+              </a:solidFill>
+            </a:ln>
+          </p:spPr>
+          <p:style>
+            <a:lnRef idx="2">
+              <a:schemeClr val="accent1">
+                <a:shade val="50000"/>
+              </a:schemeClr>
+            </a:lnRef>
+            <a:fillRef idx="1">
+              <a:schemeClr val="accent1"/>
+            </a:fillRef>
+            <a:effectRef idx="0">
+              <a:schemeClr val="accent1"/>
+            </a:effectRef>
+            <a:fontRef idx="minor">
+              <a:schemeClr val="lt1"/>
+            </a:fontRef>
+          </p:style>
+          <p:txBody>
+            <a:bodyPr rtlCol="0" anchor="ctr"/>
+            <a:lstStyle/>
+            <a:p>
+              <a:pPr algn="ctr"/>
+              <a:endParaRPr kumimoji="1" lang="ko-KR" altLang="en-US"/>
+            </a:p>
+          </p:txBody>
+        </p:sp>
+        <p:sp>
+          <p:nvSpPr>
+            <p:cNvPr id="25" name="모서리가 둥근 직사각형 24">
+              <a:extLst>
+                <a:ext uri="{FF2B5EF4-FFF2-40B4-BE49-F238E27FC236}">
+                  <a16:creationId xmlns:a16="http://schemas.microsoft.com/office/drawing/2014/main" id="{09A9694D-0652-AE48-A0AC-1AAC084FD95D}"/>
+                </a:ext>
+              </a:extLst>
+            </p:cNvPr>
+            <p:cNvSpPr/>
+            <p:nvPr/>
+          </p:nvSpPr>
+          <p:spPr>
+            <a:xfrm>
+              <a:off x="5079422" y="1290493"/>
+              <a:ext cx="2033155" cy="2017857"/>
+            </a:xfrm>
+            <a:prstGeom prst="roundRect">
+              <a:avLst>
+                <a:gd name="adj" fmla="val 12230"/>
+              </a:avLst>
+            </a:prstGeom>
+            <a:noFill/>
+            <a:ln>
+              <a:noFill/>
+            </a:ln>
+          </p:spPr>
+          <p:style>
+            <a:lnRef idx="2">
+              <a:schemeClr val="accent1">
+                <a:shade val="50000"/>
+              </a:schemeClr>
+            </a:lnRef>
+            <a:fillRef idx="1">
+              <a:schemeClr val="accent1"/>
+            </a:fillRef>
+            <a:effectRef idx="0">
+              <a:schemeClr val="accent1"/>
+            </a:effectRef>
+            <a:fontRef idx="minor">
+              <a:schemeClr val="lt1"/>
+            </a:fontRef>
+          </p:style>
+          <p:txBody>
+            <a:bodyPr rot="0" spcFirstLastPara="0" vertOverflow="overflow" horzOverflow="overflow" vert="horz" wrap="square" lIns="91440" tIns="45720" rIns="91440" bIns="45720" numCol="1" spcCol="0" rtlCol="0" fromWordArt="0" anchor="ctr" anchorCtr="0" forceAA="0" compatLnSpc="1">
+              <a:prstTxWarp prst="textNoShape">
+                <a:avLst/>
+              </a:prstTxWarp>
+              <a:noAutofit/>
+            </a:bodyPr>
+            <a:lstStyle/>
+            <a:p>
+              <a:r>
+                <a:rPr kumimoji="1" lang="en-US" altLang="ko-KR" sz="1100" b="1" dirty="0">
+                  <a:solidFill>
+                    <a:schemeClr val="tx1">
+                      <a:lumMod val="75000"/>
+                      <a:lumOff val="25000"/>
+                    </a:schemeClr>
+                  </a:solidFill>
+                </a:rPr>
+                <a:t>To. </a:t>
+              </a:r>
+              <a:r>
+                <a:rPr kumimoji="1" lang="ko-KR" altLang="en-US" sz="1100" b="1" dirty="0" err="1">
+                  <a:solidFill>
+                    <a:schemeClr val="tx1">
+                      <a:lumMod val="75000"/>
+                      <a:lumOff val="25000"/>
+                    </a:schemeClr>
+                  </a:solidFill>
+                </a:rPr>
+                <a:t>홍인형</a:t>
+              </a:r>
+              <a:endParaRPr kumimoji="1" lang="en-US" altLang="ko-KR" sz="1100" b="1" dirty="0">
+                <a:solidFill>
+                  <a:schemeClr val="tx1">
+                    <a:lumMod val="75000"/>
+                    <a:lumOff val="25000"/>
+                  </a:schemeClr>
+                </a:solidFill>
+              </a:endParaRPr>
+            </a:p>
+            <a:p>
+              <a:endParaRPr kumimoji="1" lang="en-US" altLang="ko-KR" sz="1100" b="1" dirty="0">
+                <a:solidFill>
+                  <a:schemeClr val="tx1">
+                    <a:lumMod val="75000"/>
+                    <a:lumOff val="25000"/>
+                  </a:schemeClr>
+                </a:solidFill>
+              </a:endParaRPr>
+            </a:p>
+            <a:p>
+              <a:endParaRPr kumimoji="1" lang="en-US" altLang="ko-KR" sz="1100" b="1" dirty="0">
+                <a:solidFill>
+                  <a:schemeClr val="tx1">
+                    <a:lumMod val="75000"/>
+                    <a:lumOff val="25000"/>
+                  </a:schemeClr>
+                </a:solidFill>
+              </a:endParaRPr>
+            </a:p>
+            <a:p>
+              <a:pPr algn="ctr"/>
+              <a:r>
+                <a:rPr kumimoji="1" lang="en-US" altLang="ko-KR" b="1" dirty="0">
+                  <a:solidFill>
+                    <a:schemeClr val="tx1">
+                      <a:lumMod val="75000"/>
+                      <a:lumOff val="25000"/>
+                    </a:schemeClr>
+                  </a:solidFill>
+                </a:rPr>
+                <a:t>  10,000 </a:t>
+              </a:r>
+              <a:r>
+                <a:rPr kumimoji="1" lang="ko-KR" altLang="en-US" b="1" dirty="0">
+                  <a:solidFill>
+                    <a:schemeClr val="tx1">
+                      <a:lumMod val="75000"/>
+                      <a:lumOff val="25000"/>
+                    </a:schemeClr>
+                  </a:solidFill>
+                </a:rPr>
+                <a:t>원</a:t>
+              </a:r>
+              <a:endParaRPr kumimoji="1" lang="en-US" altLang="ko-KR" b="1" dirty="0">
+                <a:solidFill>
+                  <a:schemeClr val="tx1">
+                    <a:lumMod val="75000"/>
+                    <a:lumOff val="25000"/>
+                  </a:schemeClr>
+                </a:solidFill>
+              </a:endParaRPr>
+            </a:p>
+            <a:p>
+              <a:pPr algn="ctr"/>
+              <a:endParaRPr kumimoji="1" lang="en-US" altLang="ko-KR" sz="1100" b="1" dirty="0">
+                <a:solidFill>
+                  <a:schemeClr val="tx1">
+                    <a:lumMod val="75000"/>
+                    <a:lumOff val="25000"/>
+                  </a:schemeClr>
+                </a:solidFill>
+              </a:endParaRPr>
+            </a:p>
+            <a:p>
+              <a:pPr algn="ctr"/>
+              <a:endParaRPr kumimoji="1" lang="en-US" altLang="ko-KR" sz="1100" b="1" dirty="0">
+                <a:solidFill>
+                  <a:schemeClr val="tx1">
+                    <a:lumMod val="75000"/>
+                    <a:lumOff val="25000"/>
+                  </a:schemeClr>
+                </a:solidFill>
+              </a:endParaRPr>
+            </a:p>
+            <a:p>
+              <a:pPr algn="r"/>
+              <a:r>
+                <a:rPr kumimoji="1" lang="en-US" altLang="ko-KR" sz="1100" b="1" dirty="0">
+                  <a:solidFill>
+                    <a:schemeClr val="tx1">
+                      <a:lumMod val="75000"/>
+                      <a:lumOff val="25000"/>
+                    </a:schemeClr>
+                  </a:solidFill>
+                </a:rPr>
+                <a:t>NH </a:t>
+              </a:r>
+              <a:r>
+                <a:rPr kumimoji="1" lang="ko-KR" altLang="en-US" sz="1100" b="1" dirty="0">
+                  <a:solidFill>
+                    <a:schemeClr val="tx1">
+                      <a:lumMod val="75000"/>
+                      <a:lumOff val="25000"/>
+                    </a:schemeClr>
+                  </a:solidFill>
+                </a:rPr>
+                <a:t>농협</a:t>
+              </a:r>
+              <a:endParaRPr kumimoji="1" lang="en-US" altLang="ko-KR" sz="1100" b="1" dirty="0">
+                <a:solidFill>
+                  <a:schemeClr val="tx1">
+                    <a:lumMod val="75000"/>
+                    <a:lumOff val="25000"/>
+                  </a:schemeClr>
+                </a:solidFill>
+              </a:endParaRPr>
+            </a:p>
+            <a:p>
+              <a:pPr algn="r"/>
+              <a:r>
+                <a:rPr kumimoji="1" lang="en-US" altLang="ko-KR" sz="1100" b="1" dirty="0">
+                  <a:solidFill>
+                    <a:schemeClr val="tx1">
+                      <a:lumMod val="75000"/>
+                      <a:lumOff val="25000"/>
+                    </a:schemeClr>
+                  </a:solidFill>
+                </a:rPr>
+                <a:t>320-1230-1016-0321</a:t>
+              </a:r>
+            </a:p>
+            <a:p>
+              <a:pPr algn="r"/>
+              <a:endParaRPr kumimoji="1" lang="en-US" altLang="ko-KR" sz="1100" b="1" dirty="0">
+                <a:solidFill>
+                  <a:schemeClr val="tx1">
+                    <a:lumMod val="75000"/>
+                    <a:lumOff val="25000"/>
+                  </a:schemeClr>
+                </a:solidFill>
+              </a:endParaRPr>
+            </a:p>
+          </p:txBody>
+        </p:sp>
+      </p:grpSp>
+      <p:sp>
+        <p:nvSpPr>
+          <p:cNvPr id="36" name="TextBox 35">
+            <a:extLst>
+              <a:ext uri="{FF2B5EF4-FFF2-40B4-BE49-F238E27FC236}">
+                <a16:creationId xmlns:a16="http://schemas.microsoft.com/office/drawing/2014/main" id="{001529B2-C00D-4D4F-BEB9-70140837CDB4}"/>
+              </a:ext>
+            </a:extLst>
+          </p:cNvPr>
+          <p:cNvSpPr txBox="1"/>
+          <p:nvPr/>
+        </p:nvSpPr>
+        <p:spPr>
+          <a:xfrm>
+            <a:off x="5754268" y="6299817"/>
+            <a:ext cx="697627" cy="246221"/>
+          </a:xfrm>
+          <a:prstGeom prst="rect">
+            <a:avLst/>
+          </a:prstGeom>
+          <a:noFill/>
+        </p:spPr>
+        <p:txBody>
+          <a:bodyPr wrap="none" rtlCol="0">
+            <a:spAutoFit/>
+          </a:bodyPr>
+          <a:lstStyle/>
+          <a:p>
+            <a:pPr algn="ctr"/>
+            <a:r>
+              <a:rPr kumimoji="1" lang="ko-KR" altLang="en-US" sz="1000" dirty="0">
+                <a:solidFill>
+                  <a:srgbClr val="00B0F0"/>
+                </a:solidFill>
+              </a:rPr>
+              <a:t>로그아웃</a:t>
+            </a:r>
+          </a:p>
+        </p:txBody>
+      </p:sp>
+      <p:sp>
+        <p:nvSpPr>
+          <p:cNvPr id="37" name="TextBox 36">
+            <a:extLst>
+              <a:ext uri="{FF2B5EF4-FFF2-40B4-BE49-F238E27FC236}">
+                <a16:creationId xmlns:a16="http://schemas.microsoft.com/office/drawing/2014/main" id="{69074E22-F89C-A349-8330-71928693398F}"/>
+              </a:ext>
+            </a:extLst>
+          </p:cNvPr>
+          <p:cNvSpPr txBox="1"/>
+          <p:nvPr/>
+        </p:nvSpPr>
+        <p:spPr>
+          <a:xfrm>
+            <a:off x="5525535" y="6485507"/>
+            <a:ext cx="1141659" cy="253916"/>
+          </a:xfrm>
+          <a:prstGeom prst="rect">
+            <a:avLst/>
+          </a:prstGeom>
+          <a:noFill/>
+        </p:spPr>
+        <p:txBody>
+          <a:bodyPr wrap="none" rtlCol="0">
+            <a:spAutoFit/>
+          </a:bodyPr>
+          <a:lstStyle/>
+          <a:p>
+            <a:r>
+              <a:rPr kumimoji="1" lang="en-US" altLang="ko-KR" sz="1050" dirty="0">
+                <a:solidFill>
+                  <a:schemeClr val="bg1">
+                    <a:lumMod val="50000"/>
+                  </a:schemeClr>
+                </a:solidFill>
+              </a:rPr>
+              <a:t>@ </a:t>
+            </a:r>
+            <a:r>
+              <a:rPr kumimoji="1" lang="en-US" altLang="ko-KR" sz="1050" dirty="0" err="1">
+                <a:solidFill>
+                  <a:schemeClr val="bg1">
+                    <a:lumMod val="50000"/>
+                  </a:schemeClr>
+                </a:solidFill>
+              </a:rPr>
+              <a:t>about_JCube</a:t>
+            </a:r>
+            <a:endParaRPr kumimoji="1" lang="en-US" altLang="ko-KR" sz="1050" dirty="0">
+              <a:solidFill>
+                <a:schemeClr val="bg1">
+                  <a:lumMod val="50000"/>
+                </a:schemeClr>
+              </a:solidFill>
+            </a:endParaRPr>
+          </a:p>
+        </p:txBody>
+      </p:sp>
+      <p:sp>
+        <p:nvSpPr>
+          <p:cNvPr id="27" name="TextBox 26">
+            <a:extLst>
+              <a:ext uri="{FF2B5EF4-FFF2-40B4-BE49-F238E27FC236}">
+                <a16:creationId xmlns:a16="http://schemas.microsoft.com/office/drawing/2014/main" id="{A981D1E3-3D90-3247-975C-84C640002CD1}"/>
+              </a:ext>
+            </a:extLst>
+          </p:cNvPr>
+          <p:cNvSpPr txBox="1"/>
+          <p:nvPr/>
+        </p:nvSpPr>
+        <p:spPr>
+          <a:xfrm>
+            <a:off x="5695894" y="836828"/>
+            <a:ext cx="800219" cy="338554"/>
+          </a:xfrm>
+          <a:prstGeom prst="rect">
+            <a:avLst/>
+          </a:prstGeom>
+          <a:noFill/>
+        </p:spPr>
+        <p:txBody>
+          <a:bodyPr wrap="none" rtlCol="0">
+            <a:spAutoFit/>
+          </a:bodyPr>
+          <a:lstStyle/>
+          <a:p>
+            <a:pPr algn="ctr"/>
+            <a:r>
+              <a:rPr kumimoji="1" lang="ko-KR" altLang="en-US" sz="1600" b="1" dirty="0"/>
+              <a:t>홍길동</a:t>
+            </a:r>
+          </a:p>
+        </p:txBody>
+      </p:sp>
+      <p:sp>
+        <p:nvSpPr>
+          <p:cNvPr id="17" name="직사각형 16">
+            <a:extLst>
+              <a:ext uri="{FF2B5EF4-FFF2-40B4-BE49-F238E27FC236}">
+                <a16:creationId xmlns:a16="http://schemas.microsoft.com/office/drawing/2014/main" id="{1DF4C30D-B860-CF42-A2D2-8933EF262E6F}"/>
+              </a:ext>
+            </a:extLst>
+          </p:cNvPr>
+          <p:cNvSpPr/>
+          <p:nvPr/>
+        </p:nvSpPr>
+        <p:spPr>
+          <a:xfrm>
+            <a:off x="4901105" y="3687096"/>
+            <a:ext cx="2403951" cy="573693"/>
+          </a:xfrm>
+          <a:prstGeom prst="rect">
+            <a:avLst/>
+          </a:prstGeom>
+          <a:solidFill>
+            <a:schemeClr val="bg1"/>
+          </a:solidFill>
+          <a:ln>
+            <a:solidFill>
+              <a:schemeClr val="bg1">
+                <a:lumMod val="75000"/>
+              </a:schemeClr>
+            </a:solidFill>
+          </a:ln>
+        </p:spPr>
+        <p:style>
+          <a:lnRef idx="2">
+            <a:schemeClr val="accent1">
+              <a:shade val="50000"/>
+            </a:schemeClr>
+          </a:lnRef>
+          <a:fillRef idx="1">
+            <a:schemeClr val="accent1"/>
+          </a:fillRef>
+          <a:effectRef idx="0">
+            <a:schemeClr val="accent1"/>
+          </a:effectRef>
+          <a:fontRef idx="minor">
+            <a:schemeClr val="lt1"/>
+          </a:fontRef>
+        </p:style>
+        <p:txBody>
+          <a:bodyPr rtlCol="0" anchor="ctr"/>
+          <a:lstStyle/>
+          <a:p>
+            <a:pPr algn="ctr"/>
+            <a:endParaRPr kumimoji="1" lang="ko-KR" altLang="en-US"/>
+          </a:p>
+        </p:txBody>
+      </p:sp>
+      <p:sp>
+        <p:nvSpPr>
+          <p:cNvPr id="18" name="모서리가 둥근 직사각형 17">
+            <a:extLst>
+              <a:ext uri="{FF2B5EF4-FFF2-40B4-BE49-F238E27FC236}">
+                <a16:creationId xmlns:a16="http://schemas.microsoft.com/office/drawing/2014/main" id="{09A9694D-0652-AE48-A0AC-1AAC084FD95D}"/>
+              </a:ext>
+            </a:extLst>
+          </p:cNvPr>
+          <p:cNvSpPr/>
+          <p:nvPr/>
+        </p:nvSpPr>
+        <p:spPr>
+          <a:xfrm>
+            <a:off x="5079422" y="3826784"/>
+            <a:ext cx="2033155" cy="294315"/>
+          </a:xfrm>
+          <a:prstGeom prst="roundRect">
+            <a:avLst>
+              <a:gd name="adj" fmla="val 12230"/>
+            </a:avLst>
+          </a:prstGeom>
+          <a:solidFill>
+            <a:srgbClr val="00A5FA"/>
+          </a:solidFill>
+          <a:ln>
+            <a:solidFill>
+              <a:srgbClr val="00B0F0"/>
+            </a:solidFill>
+          </a:ln>
+        </p:spPr>
+        <p:style>
+          <a:lnRef idx="2">
+            <a:schemeClr val="accent1">
+              <a:shade val="50000"/>
+            </a:schemeClr>
+          </a:lnRef>
+          <a:fillRef idx="1">
+            <a:schemeClr val="accent1"/>
+          </a:fillRef>
+          <a:effectRef idx="0">
+            <a:schemeClr val="accent1"/>
+          </a:effectRef>
+          <a:fontRef idx="minor">
+            <a:schemeClr val="lt1"/>
+          </a:fontRef>
+        </p:style>
+        <p:txBody>
+          <a:bodyPr rot="0" spcFirstLastPara="0" vertOverflow="overflow" horzOverflow="overflow" vert="horz" wrap="square" lIns="91440" tIns="45720" rIns="91440" bIns="45720" numCol="1" spcCol="0" rtlCol="0" fromWordArt="0" anchor="ctr" anchorCtr="0" forceAA="0" compatLnSpc="1">
+            <a:prstTxWarp prst="textNoShape">
+              <a:avLst/>
+            </a:prstTxWarp>
+            <a:noAutofit/>
+          </a:bodyPr>
+          <a:lstStyle/>
+          <a:p>
+            <a:pPr algn="ctr"/>
+            <a:r>
+              <a:rPr kumimoji="1" lang="ko-KR" altLang="en-US" sz="1000" b="1" dirty="0">
+                <a:solidFill>
+                  <a:schemeClr val="tx1">
+                    <a:lumMod val="75000"/>
+                    <a:lumOff val="25000"/>
+                  </a:schemeClr>
+                </a:solidFill>
+              </a:rPr>
+              <a:t>송금 내역 복사</a:t>
+            </a:r>
+          </a:p>
+        </p:txBody>
+      </p:sp>
+    </p:spTree>
+    <p:extLst>
+      <p:ext uri="{BB962C8B-B14F-4D97-AF65-F5344CB8AC3E}">
+        <p14:creationId xmlns:p14="http://schemas.microsoft.com/office/powerpoint/2010/main" val="1864413489"/>
+      </p:ext>
+    </p:extLst>
+  </p:cSld>
+  <p:clrMapOvr>
+    <a:masterClrMapping/>
+  </p:clrMapOvr>
+</p:sld>
+</file>
+
+<file path=ppt/slides/slide16.xml><?xml version="1.0" encoding="utf-8"?>
+<p:sld xmlns:a="http://schemas.openxmlformats.org/drawingml/2006/main" xmlns:r="http://schemas.openxmlformats.org/officeDocument/2006/relationships" xmlns:p="http://schemas.openxmlformats.org/presentationml/2006/main">
+  <p:cSld>
+    <p:spTree>
+      <p:nvGrpSpPr>
+        <p:cNvPr id="1" name=""/>
+        <p:cNvGrpSpPr/>
+        <p:nvPr/>
+      </p:nvGrpSpPr>
+      <p:grpSpPr>
+        <a:xfrm>
+          <a:off x="0" y="0"/>
+          <a:ext cx="0" cy="0"/>
+          <a:chOff x="0" y="0"/>
+          <a:chExt cx="0" cy="0"/>
+        </a:xfrm>
+      </p:grpSpPr>
+      <p:sp>
+        <p:nvSpPr>
+          <p:cNvPr id="13" name="직사각형 12">
+            <a:extLst>
+              <a:ext uri="{FF2B5EF4-FFF2-40B4-BE49-F238E27FC236}">
+                <a16:creationId xmlns:a16="http://schemas.microsoft.com/office/drawing/2014/main" id="{1A09CB1E-61C8-BF41-8166-783D974FF436}"/>
+              </a:ext>
+            </a:extLst>
+          </p:cNvPr>
+          <p:cNvSpPr/>
+          <p:nvPr/>
+        </p:nvSpPr>
+        <p:spPr>
+          <a:xfrm>
+            <a:off x="0" y="0"/>
+            <a:ext cx="12192000" cy="563417"/>
+          </a:xfrm>
+          <a:prstGeom prst="rect">
+            <a:avLst/>
+          </a:prstGeom>
+          <a:solidFill>
+            <a:schemeClr val="bg1"/>
+          </a:solidFill>
+          <a:ln>
+            <a:solidFill>
+              <a:schemeClr val="bg1">
+                <a:lumMod val="75000"/>
+              </a:schemeClr>
+            </a:solidFill>
+          </a:ln>
+        </p:spPr>
+        <p:style>
+          <a:lnRef idx="2">
+            <a:schemeClr val="accent1">
+              <a:shade val="50000"/>
+            </a:schemeClr>
+          </a:lnRef>
+          <a:fillRef idx="1">
+            <a:schemeClr val="accent1"/>
+          </a:fillRef>
+          <a:effectRef idx="0">
+            <a:schemeClr val="accent1"/>
+          </a:effectRef>
+          <a:fontRef idx="minor">
+            <a:schemeClr val="lt1"/>
+          </a:fontRef>
+        </p:style>
+        <p:txBody>
+          <a:bodyPr rtlCol="0" anchor="ctr"/>
+          <a:lstStyle/>
+          <a:p>
+            <a:pPr algn="ctr"/>
+            <a:endParaRPr kumimoji="1" lang="ko-KR" altLang="en-US" dirty="0"/>
+          </a:p>
+        </p:txBody>
+      </p:sp>
+      <p:sp>
+        <p:nvSpPr>
+          <p:cNvPr id="14" name="TextBox 13">
+            <a:extLst>
+              <a:ext uri="{FF2B5EF4-FFF2-40B4-BE49-F238E27FC236}">
+                <a16:creationId xmlns:a16="http://schemas.microsoft.com/office/drawing/2014/main" id="{D92B28E7-D15C-C445-8715-5E7C0DEAE706}"/>
+              </a:ext>
+            </a:extLst>
+          </p:cNvPr>
+          <p:cNvSpPr txBox="1"/>
+          <p:nvPr/>
+        </p:nvSpPr>
+        <p:spPr>
+          <a:xfrm>
+            <a:off x="5137336" y="112431"/>
+            <a:ext cx="1931491" cy="338554"/>
+          </a:xfrm>
+          <a:prstGeom prst="rect">
+            <a:avLst/>
+          </a:prstGeom>
+          <a:noFill/>
+        </p:spPr>
+        <p:txBody>
+          <a:bodyPr wrap="none" rtlCol="0">
+            <a:spAutoFit/>
+          </a:bodyPr>
+          <a:lstStyle/>
+          <a:p>
+            <a:pPr algn="ctr"/>
+            <a:r>
+              <a:rPr kumimoji="1" lang="en-US" altLang="ko-KR" sz="1600" b="1" dirty="0"/>
+              <a:t>Dutch Broomstick</a:t>
+            </a:r>
+            <a:endParaRPr kumimoji="1" lang="ko-KR" altLang="en-US" sz="1600" b="1" dirty="0"/>
+          </a:p>
+        </p:txBody>
+      </p:sp>
+      <p:grpSp>
+        <p:nvGrpSpPr>
+          <p:cNvPr id="3" name="그룹 2"/>
+          <p:cNvGrpSpPr/>
+          <p:nvPr/>
+        </p:nvGrpSpPr>
+        <p:grpSpPr>
+          <a:xfrm>
+            <a:off x="4894025" y="2695258"/>
+            <a:ext cx="2403951" cy="2338207"/>
+            <a:chOff x="4894025" y="1249542"/>
+            <a:chExt cx="2403951" cy="2103259"/>
+          </a:xfrm>
+        </p:grpSpPr>
+        <p:sp>
+          <p:nvSpPr>
+            <p:cNvPr id="21" name="직사각형 20">
+              <a:extLst>
+                <a:ext uri="{FF2B5EF4-FFF2-40B4-BE49-F238E27FC236}">
+                  <a16:creationId xmlns:a16="http://schemas.microsoft.com/office/drawing/2014/main" id="{A871EC61-223C-0447-B82C-FEE0B482521B}"/>
+                </a:ext>
+              </a:extLst>
+            </p:cNvPr>
+            <p:cNvSpPr/>
+            <p:nvPr/>
+          </p:nvSpPr>
+          <p:spPr>
+            <a:xfrm>
+              <a:off x="4894025" y="1249542"/>
+              <a:ext cx="2403951" cy="2103259"/>
+            </a:xfrm>
+            <a:prstGeom prst="rect">
+              <a:avLst/>
+            </a:prstGeom>
+            <a:solidFill>
+              <a:schemeClr val="bg1"/>
+            </a:solidFill>
+            <a:ln>
+              <a:solidFill>
+                <a:schemeClr val="bg1">
+                  <a:lumMod val="75000"/>
+                </a:schemeClr>
+              </a:solidFill>
+            </a:ln>
+          </p:spPr>
+          <p:style>
+            <a:lnRef idx="2">
+              <a:schemeClr val="accent1">
+                <a:shade val="50000"/>
+              </a:schemeClr>
+            </a:lnRef>
+            <a:fillRef idx="1">
+              <a:schemeClr val="accent1"/>
+            </a:fillRef>
+            <a:effectRef idx="0">
+              <a:schemeClr val="accent1"/>
+            </a:effectRef>
+            <a:fontRef idx="minor">
+              <a:schemeClr val="lt1"/>
+            </a:fontRef>
+          </p:style>
+          <p:txBody>
+            <a:bodyPr rtlCol="0" anchor="ctr"/>
+            <a:lstStyle/>
+            <a:p>
+              <a:pPr algn="ctr"/>
+              <a:endParaRPr kumimoji="1" lang="ko-KR" altLang="en-US"/>
+            </a:p>
+          </p:txBody>
+        </p:sp>
+        <p:sp>
+          <p:nvSpPr>
+            <p:cNvPr id="25" name="모서리가 둥근 직사각형 24">
+              <a:extLst>
+                <a:ext uri="{FF2B5EF4-FFF2-40B4-BE49-F238E27FC236}">
+                  <a16:creationId xmlns:a16="http://schemas.microsoft.com/office/drawing/2014/main" id="{09A9694D-0652-AE48-A0AC-1AAC084FD95D}"/>
+                </a:ext>
+              </a:extLst>
+            </p:cNvPr>
+            <p:cNvSpPr/>
+            <p:nvPr/>
+          </p:nvSpPr>
+          <p:spPr>
+            <a:xfrm>
+              <a:off x="5079422" y="1290493"/>
+              <a:ext cx="2033155" cy="2017857"/>
+            </a:xfrm>
+            <a:prstGeom prst="roundRect">
+              <a:avLst>
+                <a:gd name="adj" fmla="val 12230"/>
+              </a:avLst>
+            </a:prstGeom>
+            <a:noFill/>
+            <a:ln>
+              <a:noFill/>
+            </a:ln>
+          </p:spPr>
+          <p:style>
+            <a:lnRef idx="2">
+              <a:schemeClr val="accent1">
+                <a:shade val="50000"/>
+              </a:schemeClr>
+            </a:lnRef>
+            <a:fillRef idx="1">
+              <a:schemeClr val="accent1"/>
+            </a:fillRef>
+            <a:effectRef idx="0">
+              <a:schemeClr val="accent1"/>
+            </a:effectRef>
+            <a:fontRef idx="minor">
+              <a:schemeClr val="lt1"/>
+            </a:fontRef>
+          </p:style>
+          <p:txBody>
+            <a:bodyPr rot="0" spcFirstLastPara="0" vertOverflow="overflow" horzOverflow="overflow" vert="horz" wrap="square" lIns="91440" tIns="45720" rIns="91440" bIns="45720" numCol="1" spcCol="0" rtlCol="0" fromWordArt="0" anchor="ctr" anchorCtr="0" forceAA="0" compatLnSpc="1">
+              <a:prstTxWarp prst="textNoShape">
+                <a:avLst/>
+              </a:prstTxWarp>
+              <a:noAutofit/>
+            </a:bodyPr>
+            <a:lstStyle/>
+            <a:p>
+              <a:r>
+                <a:rPr kumimoji="1" lang="en-US" altLang="ko-KR" sz="1100" b="1" dirty="0">
+                  <a:solidFill>
+                    <a:schemeClr val="tx1">
+                      <a:lumMod val="75000"/>
+                      <a:lumOff val="25000"/>
+                    </a:schemeClr>
+                  </a:solidFill>
+                </a:rPr>
+                <a:t>To. </a:t>
+              </a:r>
+              <a:r>
+                <a:rPr kumimoji="1" lang="ko-KR" altLang="en-US" sz="1100" b="1" dirty="0" err="1">
+                  <a:solidFill>
+                    <a:schemeClr val="tx1">
+                      <a:lumMod val="75000"/>
+                      <a:lumOff val="25000"/>
+                    </a:schemeClr>
+                  </a:solidFill>
+                </a:rPr>
+                <a:t>홍인형</a:t>
+              </a:r>
+              <a:endParaRPr kumimoji="1" lang="en-US" altLang="ko-KR" sz="1100" b="1" dirty="0">
+                <a:solidFill>
+                  <a:schemeClr val="tx1">
+                    <a:lumMod val="75000"/>
+                    <a:lumOff val="25000"/>
+                  </a:schemeClr>
+                </a:solidFill>
+              </a:endParaRPr>
+            </a:p>
+            <a:p>
+              <a:endParaRPr kumimoji="1" lang="en-US" altLang="ko-KR" sz="1100" b="1" dirty="0">
+                <a:solidFill>
+                  <a:schemeClr val="tx1">
+                    <a:lumMod val="75000"/>
+                    <a:lumOff val="25000"/>
+                  </a:schemeClr>
+                </a:solidFill>
+              </a:endParaRPr>
+            </a:p>
+            <a:p>
+              <a:endParaRPr kumimoji="1" lang="en-US" altLang="ko-KR" sz="1100" b="1" dirty="0">
+                <a:solidFill>
+                  <a:schemeClr val="tx1">
+                    <a:lumMod val="75000"/>
+                    <a:lumOff val="25000"/>
+                  </a:schemeClr>
+                </a:solidFill>
+              </a:endParaRPr>
+            </a:p>
+            <a:p>
+              <a:pPr algn="ctr"/>
+              <a:r>
+                <a:rPr kumimoji="1" lang="en-US" altLang="ko-KR" b="1" dirty="0">
+                  <a:solidFill>
+                    <a:schemeClr val="tx1">
+                      <a:lumMod val="75000"/>
+                      <a:lumOff val="25000"/>
+                    </a:schemeClr>
+                  </a:solidFill>
+                </a:rPr>
+                <a:t>  10,000 </a:t>
+              </a:r>
+              <a:r>
+                <a:rPr kumimoji="1" lang="ko-KR" altLang="en-US" b="1" dirty="0">
+                  <a:solidFill>
+                    <a:schemeClr val="tx1">
+                      <a:lumMod val="75000"/>
+                      <a:lumOff val="25000"/>
+                    </a:schemeClr>
+                  </a:solidFill>
+                </a:rPr>
+                <a:t>원</a:t>
+              </a:r>
+              <a:endParaRPr kumimoji="1" lang="en-US" altLang="ko-KR" b="1" dirty="0">
+                <a:solidFill>
+                  <a:schemeClr val="tx1">
+                    <a:lumMod val="75000"/>
+                    <a:lumOff val="25000"/>
+                  </a:schemeClr>
+                </a:solidFill>
+              </a:endParaRPr>
+            </a:p>
+            <a:p>
+              <a:pPr algn="ctr"/>
+              <a:endParaRPr kumimoji="1" lang="en-US" altLang="ko-KR" sz="1100" b="1" dirty="0">
+                <a:solidFill>
+                  <a:schemeClr val="tx1">
+                    <a:lumMod val="75000"/>
+                    <a:lumOff val="25000"/>
+                  </a:schemeClr>
+                </a:solidFill>
+              </a:endParaRPr>
+            </a:p>
+            <a:p>
+              <a:pPr algn="ctr"/>
+              <a:endParaRPr kumimoji="1" lang="en-US" altLang="ko-KR" sz="1100" b="1" dirty="0">
+                <a:solidFill>
+                  <a:schemeClr val="tx1">
+                    <a:lumMod val="75000"/>
+                    <a:lumOff val="25000"/>
+                  </a:schemeClr>
+                </a:solidFill>
+              </a:endParaRPr>
+            </a:p>
+            <a:p>
+              <a:pPr algn="r"/>
+              <a:r>
+                <a:rPr kumimoji="1" lang="en-US" altLang="ko-KR" sz="1100" b="1" dirty="0">
+                  <a:solidFill>
+                    <a:schemeClr val="tx1">
+                      <a:lumMod val="75000"/>
+                      <a:lumOff val="25000"/>
+                    </a:schemeClr>
+                  </a:solidFill>
+                </a:rPr>
+                <a:t>NH </a:t>
+              </a:r>
+              <a:r>
+                <a:rPr kumimoji="1" lang="ko-KR" altLang="en-US" sz="1100" b="1" dirty="0">
+                  <a:solidFill>
+                    <a:schemeClr val="tx1">
+                      <a:lumMod val="75000"/>
+                      <a:lumOff val="25000"/>
+                    </a:schemeClr>
+                  </a:solidFill>
+                </a:rPr>
+                <a:t>농협</a:t>
+              </a:r>
+              <a:endParaRPr kumimoji="1" lang="en-US" altLang="ko-KR" sz="1100" b="1" dirty="0">
+                <a:solidFill>
+                  <a:schemeClr val="tx1">
+                    <a:lumMod val="75000"/>
+                    <a:lumOff val="25000"/>
+                  </a:schemeClr>
+                </a:solidFill>
+              </a:endParaRPr>
+            </a:p>
+            <a:p>
+              <a:pPr algn="r"/>
+              <a:r>
+                <a:rPr kumimoji="1" lang="en-US" altLang="ko-KR" sz="1100" b="1" dirty="0">
+                  <a:solidFill>
+                    <a:schemeClr val="tx1">
+                      <a:lumMod val="75000"/>
+                      <a:lumOff val="25000"/>
+                    </a:schemeClr>
+                  </a:solidFill>
+                </a:rPr>
+                <a:t>320-1230-1016-0321</a:t>
+              </a:r>
+            </a:p>
+            <a:p>
+              <a:pPr algn="r"/>
+              <a:endParaRPr kumimoji="1" lang="en-US" altLang="ko-KR" sz="1100" b="1" dirty="0">
+                <a:solidFill>
+                  <a:schemeClr val="tx1">
+                    <a:lumMod val="75000"/>
+                    <a:lumOff val="25000"/>
+                  </a:schemeClr>
+                </a:solidFill>
+              </a:endParaRPr>
+            </a:p>
+          </p:txBody>
+        </p:sp>
+      </p:grpSp>
+      <p:sp>
+        <p:nvSpPr>
+          <p:cNvPr id="36" name="TextBox 35">
+            <a:extLst>
+              <a:ext uri="{FF2B5EF4-FFF2-40B4-BE49-F238E27FC236}">
+                <a16:creationId xmlns:a16="http://schemas.microsoft.com/office/drawing/2014/main" id="{001529B2-C00D-4D4F-BEB9-70140837CDB4}"/>
+              </a:ext>
+            </a:extLst>
+          </p:cNvPr>
+          <p:cNvSpPr txBox="1"/>
+          <p:nvPr/>
+        </p:nvSpPr>
+        <p:spPr>
+          <a:xfrm>
+            <a:off x="5754268" y="6299817"/>
+            <a:ext cx="697627" cy="246221"/>
+          </a:xfrm>
+          <a:prstGeom prst="rect">
+            <a:avLst/>
+          </a:prstGeom>
+          <a:noFill/>
+        </p:spPr>
+        <p:txBody>
+          <a:bodyPr wrap="none" rtlCol="0">
+            <a:spAutoFit/>
+          </a:bodyPr>
+          <a:lstStyle/>
+          <a:p>
+            <a:pPr algn="ctr"/>
+            <a:r>
+              <a:rPr kumimoji="1" lang="ko-KR" altLang="en-US" sz="1000" dirty="0">
+                <a:solidFill>
+                  <a:srgbClr val="00B0F0"/>
+                </a:solidFill>
+              </a:rPr>
+              <a:t>로그아웃</a:t>
+            </a:r>
+          </a:p>
+        </p:txBody>
+      </p:sp>
+      <p:sp>
+        <p:nvSpPr>
+          <p:cNvPr id="37" name="TextBox 36">
+            <a:extLst>
+              <a:ext uri="{FF2B5EF4-FFF2-40B4-BE49-F238E27FC236}">
+                <a16:creationId xmlns:a16="http://schemas.microsoft.com/office/drawing/2014/main" id="{69074E22-F89C-A349-8330-71928693398F}"/>
+              </a:ext>
+            </a:extLst>
+          </p:cNvPr>
+          <p:cNvSpPr txBox="1"/>
+          <p:nvPr/>
+        </p:nvSpPr>
+        <p:spPr>
+          <a:xfrm>
+            <a:off x="5525535" y="6485507"/>
+            <a:ext cx="1141659" cy="253916"/>
+          </a:xfrm>
+          <a:prstGeom prst="rect">
+            <a:avLst/>
+          </a:prstGeom>
+          <a:noFill/>
+        </p:spPr>
+        <p:txBody>
+          <a:bodyPr wrap="none" rtlCol="0">
+            <a:spAutoFit/>
+          </a:bodyPr>
+          <a:lstStyle/>
+          <a:p>
+            <a:r>
+              <a:rPr kumimoji="1" lang="en-US" altLang="ko-KR" sz="1050" dirty="0">
+                <a:solidFill>
+                  <a:schemeClr val="bg1">
+                    <a:lumMod val="50000"/>
+                  </a:schemeClr>
+                </a:solidFill>
+              </a:rPr>
+              <a:t>@ </a:t>
+            </a:r>
+            <a:r>
+              <a:rPr kumimoji="1" lang="en-US" altLang="ko-KR" sz="1050" dirty="0" err="1">
+                <a:solidFill>
+                  <a:schemeClr val="bg1">
+                    <a:lumMod val="50000"/>
+                  </a:schemeClr>
+                </a:solidFill>
+              </a:rPr>
+              <a:t>about_JCube</a:t>
+            </a:r>
+            <a:endParaRPr kumimoji="1" lang="en-US" altLang="ko-KR" sz="1050" dirty="0">
+              <a:solidFill>
+                <a:schemeClr val="bg1">
+                  <a:lumMod val="50000"/>
+                </a:schemeClr>
+              </a:solidFill>
+            </a:endParaRPr>
+          </a:p>
+        </p:txBody>
+      </p:sp>
+      <p:sp>
+        <p:nvSpPr>
+          <p:cNvPr id="27" name="TextBox 26">
+            <a:extLst>
+              <a:ext uri="{FF2B5EF4-FFF2-40B4-BE49-F238E27FC236}">
+                <a16:creationId xmlns:a16="http://schemas.microsoft.com/office/drawing/2014/main" id="{A981D1E3-3D90-3247-975C-84C640002CD1}"/>
+              </a:ext>
+            </a:extLst>
+          </p:cNvPr>
+          <p:cNvSpPr txBox="1"/>
+          <p:nvPr/>
+        </p:nvSpPr>
+        <p:spPr>
+          <a:xfrm>
+            <a:off x="5695894" y="836828"/>
+            <a:ext cx="800219" cy="338554"/>
+          </a:xfrm>
+          <a:prstGeom prst="rect">
+            <a:avLst/>
+          </a:prstGeom>
+          <a:noFill/>
+        </p:spPr>
+        <p:txBody>
+          <a:bodyPr wrap="none" rtlCol="0">
+            <a:spAutoFit/>
+          </a:bodyPr>
+          <a:lstStyle/>
+          <a:p>
+            <a:pPr algn="ctr"/>
+            <a:r>
+              <a:rPr kumimoji="1" lang="ko-KR" altLang="en-US" sz="1600" b="1" dirty="0"/>
+              <a:t>홍길동</a:t>
+            </a:r>
+          </a:p>
+        </p:txBody>
+      </p:sp>
+      <p:sp>
+        <p:nvSpPr>
+          <p:cNvPr id="17" name="직사각형 16">
+            <a:extLst>
+              <a:ext uri="{FF2B5EF4-FFF2-40B4-BE49-F238E27FC236}">
+                <a16:creationId xmlns:a16="http://schemas.microsoft.com/office/drawing/2014/main" id="{1DF4C30D-B860-CF42-A2D2-8933EF262E6F}"/>
+              </a:ext>
+            </a:extLst>
+          </p:cNvPr>
+          <p:cNvSpPr/>
+          <p:nvPr/>
+        </p:nvSpPr>
+        <p:spPr>
+          <a:xfrm>
+            <a:off x="4901105" y="5134108"/>
+            <a:ext cx="2403951" cy="573693"/>
+          </a:xfrm>
+          <a:prstGeom prst="rect">
+            <a:avLst/>
+          </a:prstGeom>
+          <a:solidFill>
+            <a:schemeClr val="bg1"/>
+          </a:solidFill>
+          <a:ln>
+            <a:solidFill>
+              <a:schemeClr val="bg1">
+                <a:lumMod val="75000"/>
+              </a:schemeClr>
+            </a:solidFill>
+          </a:ln>
+        </p:spPr>
+        <p:style>
+          <a:lnRef idx="2">
+            <a:schemeClr val="accent1">
+              <a:shade val="50000"/>
+            </a:schemeClr>
+          </a:lnRef>
+          <a:fillRef idx="1">
+            <a:schemeClr val="accent1"/>
+          </a:fillRef>
+          <a:effectRef idx="0">
+            <a:schemeClr val="accent1"/>
+          </a:effectRef>
+          <a:fontRef idx="minor">
+            <a:schemeClr val="lt1"/>
+          </a:fontRef>
+        </p:style>
+        <p:txBody>
+          <a:bodyPr rtlCol="0" anchor="ctr"/>
+          <a:lstStyle/>
+          <a:p>
+            <a:pPr algn="ctr"/>
+            <a:endParaRPr kumimoji="1" lang="ko-KR" altLang="en-US"/>
+          </a:p>
+        </p:txBody>
+      </p:sp>
+      <p:sp>
+        <p:nvSpPr>
+          <p:cNvPr id="18" name="모서리가 둥근 직사각형 17">
+            <a:extLst>
+              <a:ext uri="{FF2B5EF4-FFF2-40B4-BE49-F238E27FC236}">
+                <a16:creationId xmlns:a16="http://schemas.microsoft.com/office/drawing/2014/main" id="{09A9694D-0652-AE48-A0AC-1AAC084FD95D}"/>
+              </a:ext>
+            </a:extLst>
+          </p:cNvPr>
+          <p:cNvSpPr/>
+          <p:nvPr/>
+        </p:nvSpPr>
+        <p:spPr>
+          <a:xfrm>
+            <a:off x="5079422" y="5273796"/>
+            <a:ext cx="2033155" cy="294315"/>
+          </a:xfrm>
+          <a:prstGeom prst="roundRect">
+            <a:avLst>
+              <a:gd name="adj" fmla="val 12230"/>
+            </a:avLst>
+          </a:prstGeom>
+          <a:solidFill>
+            <a:srgbClr val="00A5FA"/>
+          </a:solidFill>
+          <a:ln>
+            <a:solidFill>
+              <a:srgbClr val="00B0F0"/>
+            </a:solidFill>
+          </a:ln>
+        </p:spPr>
+        <p:style>
+          <a:lnRef idx="2">
+            <a:schemeClr val="accent1">
+              <a:shade val="50000"/>
+            </a:schemeClr>
+          </a:lnRef>
+          <a:fillRef idx="1">
+            <a:schemeClr val="accent1"/>
+          </a:fillRef>
+          <a:effectRef idx="0">
+            <a:schemeClr val="accent1"/>
+          </a:effectRef>
+          <a:fontRef idx="minor">
+            <a:schemeClr val="lt1"/>
+          </a:fontRef>
+        </p:style>
+        <p:txBody>
+          <a:bodyPr rot="0" spcFirstLastPara="0" vertOverflow="overflow" horzOverflow="overflow" vert="horz" wrap="square" lIns="91440" tIns="45720" rIns="91440" bIns="45720" numCol="1" spcCol="0" rtlCol="0" fromWordArt="0" anchor="ctr" anchorCtr="0" forceAA="0" compatLnSpc="1">
+            <a:prstTxWarp prst="textNoShape">
+              <a:avLst/>
+            </a:prstTxWarp>
+            <a:noAutofit/>
+          </a:bodyPr>
+          <a:lstStyle/>
+          <a:p>
+            <a:pPr algn="ctr"/>
+            <a:r>
+              <a:rPr kumimoji="1" lang="ko-KR" altLang="en-US" sz="1000" b="1" dirty="0">
+                <a:solidFill>
+                  <a:schemeClr val="tx1">
+                    <a:lumMod val="75000"/>
+                    <a:lumOff val="25000"/>
+                  </a:schemeClr>
+                </a:solidFill>
+              </a:rPr>
+              <a:t>송금 내역 복사</a:t>
+            </a:r>
+          </a:p>
+        </p:txBody>
+      </p:sp>
+      <p:sp>
+        <p:nvSpPr>
+          <p:cNvPr id="22" name="직사각형 21">
+            <a:extLst>
+              <a:ext uri="{FF2B5EF4-FFF2-40B4-BE49-F238E27FC236}">
+                <a16:creationId xmlns:a16="http://schemas.microsoft.com/office/drawing/2014/main" id="{A871EC61-223C-0447-B82C-FEE0B482521B}"/>
+              </a:ext>
+            </a:extLst>
+          </p:cNvPr>
+          <p:cNvSpPr/>
+          <p:nvPr/>
+        </p:nvSpPr>
+        <p:spPr>
+          <a:xfrm>
+            <a:off x="4894025" y="1249541"/>
+            <a:ext cx="2403951" cy="1351165"/>
+          </a:xfrm>
+          <a:prstGeom prst="rect">
+            <a:avLst/>
+          </a:prstGeom>
+          <a:solidFill>
+            <a:schemeClr val="bg1"/>
+          </a:solidFill>
+          <a:ln>
+            <a:solidFill>
+              <a:schemeClr val="bg1">
+                <a:lumMod val="75000"/>
+              </a:schemeClr>
+            </a:solidFill>
+          </a:ln>
+        </p:spPr>
+        <p:style>
+          <a:lnRef idx="2">
+            <a:schemeClr val="accent1">
+              <a:shade val="50000"/>
+            </a:schemeClr>
+          </a:lnRef>
+          <a:fillRef idx="1">
+            <a:schemeClr val="accent1"/>
+          </a:fillRef>
+          <a:effectRef idx="0">
+            <a:schemeClr val="accent1"/>
+          </a:effectRef>
+          <a:fontRef idx="minor">
+            <a:schemeClr val="lt1"/>
+          </a:fontRef>
+        </p:style>
+        <p:txBody>
+          <a:bodyPr rtlCol="0" anchor="ctr"/>
+          <a:lstStyle/>
+          <a:p>
+            <a:pPr algn="ctr"/>
+            <a:endParaRPr kumimoji="1" lang="ko-KR" altLang="en-US"/>
+          </a:p>
+        </p:txBody>
+      </p:sp>
+      <p:sp>
+        <p:nvSpPr>
+          <p:cNvPr id="23" name="모서리가 둥근 직사각형 22">
+            <a:extLst>
+              <a:ext uri="{FF2B5EF4-FFF2-40B4-BE49-F238E27FC236}">
+                <a16:creationId xmlns:a16="http://schemas.microsoft.com/office/drawing/2014/main" id="{09A9694D-0652-AE48-A0AC-1AAC084FD95D}"/>
+              </a:ext>
+            </a:extLst>
+          </p:cNvPr>
+          <p:cNvSpPr/>
+          <p:nvPr/>
+        </p:nvSpPr>
+        <p:spPr>
+          <a:xfrm>
+            <a:off x="4944648" y="1249542"/>
+            <a:ext cx="2305239" cy="1398382"/>
+          </a:xfrm>
+          <a:prstGeom prst="roundRect">
+            <a:avLst>
+              <a:gd name="adj" fmla="val 12230"/>
+            </a:avLst>
+          </a:prstGeom>
+          <a:noFill/>
+          <a:ln>
+            <a:noFill/>
+          </a:ln>
+        </p:spPr>
+        <p:style>
+          <a:lnRef idx="2">
+            <a:schemeClr val="accent1">
+              <a:shade val="50000"/>
+            </a:schemeClr>
+          </a:lnRef>
+          <a:fillRef idx="1">
+            <a:schemeClr val="accent1"/>
+          </a:fillRef>
+          <a:effectRef idx="0">
+            <a:schemeClr val="accent1"/>
+          </a:effectRef>
+          <a:fontRef idx="minor">
+            <a:schemeClr val="lt1"/>
+          </a:fontRef>
+        </p:style>
+        <p:txBody>
+          <a:bodyPr rot="0" spcFirstLastPara="0" vertOverflow="overflow" horzOverflow="overflow" vert="horz" wrap="square" lIns="91440" tIns="45720" rIns="91440" bIns="45720" numCol="1" spcCol="0" rtlCol="0" fromWordArt="0" anchor="ctr" anchorCtr="0" forceAA="0" compatLnSpc="1">
+            <a:prstTxWarp prst="textNoShape">
+              <a:avLst/>
+            </a:prstTxWarp>
+            <a:noAutofit/>
+          </a:bodyPr>
+          <a:lstStyle/>
+          <a:p>
+            <a:pPr algn="r"/>
+            <a:r>
+              <a:rPr kumimoji="1" lang="ko-KR" altLang="en-US" sz="1400" b="1" dirty="0">
+                <a:solidFill>
+                  <a:srgbClr val="00B0F0"/>
+                </a:solidFill>
+              </a:rPr>
+              <a:t>단위 환산</a:t>
+            </a:r>
+            <a:endParaRPr kumimoji="1" lang="en-US" altLang="ko-KR" sz="1400" b="1" dirty="0">
+              <a:solidFill>
+                <a:srgbClr val="00B0F0"/>
+              </a:solidFill>
+            </a:endParaRPr>
+          </a:p>
+          <a:p>
+            <a:pPr algn="ctr"/>
+            <a:endParaRPr kumimoji="1" lang="en-US" altLang="ko-KR" sz="1400" b="1" dirty="0">
+              <a:solidFill>
+                <a:schemeClr val="tx1">
+                  <a:lumMod val="75000"/>
+                  <a:lumOff val="25000"/>
+                </a:schemeClr>
+              </a:solidFill>
+            </a:endParaRPr>
+          </a:p>
+          <a:p>
+            <a:r>
+              <a:rPr kumimoji="1" lang="en-US" altLang="ko-KR" sz="1100" b="1" dirty="0">
+                <a:solidFill>
+                  <a:schemeClr val="tx1">
+                    <a:lumMod val="75000"/>
+                    <a:lumOff val="25000"/>
+                  </a:schemeClr>
+                </a:solidFill>
+              </a:rPr>
+              <a:t>Layer </a:t>
+            </a:r>
+            <a:r>
+              <a:rPr kumimoji="1" lang="ko-KR" altLang="en-US" sz="1100" b="1" dirty="0">
+                <a:solidFill>
+                  <a:schemeClr val="tx1">
+                    <a:lumMod val="75000"/>
+                    <a:lumOff val="25000"/>
+                  </a:schemeClr>
+                </a:solidFill>
+              </a:rPr>
+              <a:t>단위 </a:t>
+            </a:r>
+            <a:r>
+              <a:rPr kumimoji="1" lang="en-US" altLang="ko-KR" sz="1100" b="1" dirty="0">
+                <a:solidFill>
+                  <a:schemeClr val="tx1">
+                    <a:lumMod val="75000"/>
+                    <a:lumOff val="25000"/>
+                  </a:schemeClr>
+                </a:solidFill>
+              </a:rPr>
+              <a:t>	                1 </a:t>
+            </a:r>
+            <a:r>
+              <a:rPr kumimoji="1" lang="ko-KR" altLang="en-US" sz="1100" b="1" dirty="0">
+                <a:solidFill>
+                  <a:schemeClr val="tx1">
+                    <a:lumMod val="75000"/>
+                    <a:lumOff val="25000"/>
+                  </a:schemeClr>
+                </a:solidFill>
+              </a:rPr>
+              <a:t>원</a:t>
+            </a:r>
+            <a:endParaRPr kumimoji="1" lang="en-US" altLang="ko-KR" sz="1100" b="1" dirty="0">
+              <a:solidFill>
+                <a:schemeClr val="tx1">
+                  <a:lumMod val="75000"/>
+                  <a:lumOff val="25000"/>
+                </a:schemeClr>
+              </a:solidFill>
+            </a:endParaRPr>
+          </a:p>
+          <a:p>
+            <a:r>
+              <a:rPr kumimoji="1" lang="en-US" altLang="ko-KR" sz="1100" b="1" dirty="0">
+                <a:solidFill>
+                  <a:schemeClr val="tx1">
+                    <a:lumMod val="75000"/>
+                    <a:lumOff val="25000"/>
+                  </a:schemeClr>
+                </a:solidFill>
+              </a:rPr>
+              <a:t>		=</a:t>
+            </a:r>
+            <a:endParaRPr kumimoji="1" lang="en-US" altLang="ko-KR" sz="500" b="1" dirty="0">
+              <a:solidFill>
+                <a:schemeClr val="tx1">
+                  <a:lumMod val="75000"/>
+                  <a:lumOff val="25000"/>
+                </a:schemeClr>
+              </a:solidFill>
+            </a:endParaRPr>
+          </a:p>
+          <a:p>
+            <a:r>
+              <a:rPr kumimoji="1" lang="ko-KR" altLang="en-US" sz="1100" b="1" dirty="0">
+                <a:solidFill>
+                  <a:schemeClr val="tx1">
+                    <a:lumMod val="75000"/>
+                    <a:lumOff val="25000"/>
+                  </a:schemeClr>
+                </a:solidFill>
+              </a:rPr>
+              <a:t>송금 단위</a:t>
+            </a:r>
+            <a:r>
+              <a:rPr kumimoji="1" lang="en-US" altLang="ko-KR" sz="1100" b="1" dirty="0">
+                <a:solidFill>
+                  <a:schemeClr val="tx1">
+                    <a:lumMod val="75000"/>
+                    <a:lumOff val="25000"/>
+                  </a:schemeClr>
+                </a:solidFill>
+              </a:rPr>
+              <a:t>	</a:t>
+            </a:r>
+            <a:r>
+              <a:rPr kumimoji="1" lang="en-US" altLang="ko-KR" sz="1100" b="1" u="sng" dirty="0">
+                <a:solidFill>
+                  <a:schemeClr val="tx1">
+                    <a:lumMod val="75000"/>
+                    <a:lumOff val="25000"/>
+                  </a:schemeClr>
+                </a:solidFill>
+              </a:rPr>
+              <a:t>                1 </a:t>
+            </a:r>
+            <a:r>
+              <a:rPr kumimoji="1" lang="ko-KR" altLang="en-US" sz="1100" b="1" dirty="0">
+                <a:solidFill>
+                  <a:schemeClr val="tx1">
+                    <a:lumMod val="75000"/>
+                    <a:lumOff val="25000"/>
+                  </a:schemeClr>
+                </a:solidFill>
+              </a:rPr>
+              <a:t>원</a:t>
+            </a:r>
+            <a:endParaRPr kumimoji="1" lang="en-US" altLang="ko-KR" sz="1100" b="1" dirty="0">
+              <a:solidFill>
+                <a:schemeClr val="tx1">
+                  <a:lumMod val="75000"/>
+                  <a:lumOff val="25000"/>
+                </a:schemeClr>
+              </a:solidFill>
+            </a:endParaRPr>
+          </a:p>
+          <a:p>
+            <a:pPr algn="r"/>
+            <a:endParaRPr kumimoji="1" lang="en-US" altLang="ko-KR" sz="1100" b="1" dirty="0">
+              <a:solidFill>
+                <a:schemeClr val="tx1">
+                  <a:lumMod val="75000"/>
+                  <a:lumOff val="25000"/>
+                </a:schemeClr>
+              </a:solidFill>
+            </a:endParaRPr>
+          </a:p>
+        </p:txBody>
+      </p:sp>
+    </p:spTree>
+    <p:extLst>
+      <p:ext uri="{BB962C8B-B14F-4D97-AF65-F5344CB8AC3E}">
+        <p14:creationId xmlns:p14="http://schemas.microsoft.com/office/powerpoint/2010/main" val="3716580144"/>
+      </p:ext>
+    </p:extLst>
+  </p:cSld>
+  <p:clrMapOvr>
+    <a:masterClrMapping/>
+  </p:clrMapOvr>
 </p:sld>
 </file>
 
@@ -14259,13 +15760,6 @@
   <p:clrMapOvr>
     <a:masterClrMapping/>
   </p:clrMapOvr>
-  <p:timing>
-    <p:tnLst>
-      <p:par>
-        <p:cTn id="1" dur="indefinite" restart="never" nodeType="tmRoot"/>
-      </p:par>
-    </p:tnLst>
-  </p:timing>
 </p:sld>
 </file>
 
@@ -15310,13 +16804,6 @@
   <p:clrMapOvr>
     <a:masterClrMapping/>
   </p:clrMapOvr>
-  <p:timing>
-    <p:tnLst>
-      <p:par>
-        <p:cTn id="1" dur="indefinite" restart="never" nodeType="tmRoot"/>
-      </p:par>
-    </p:tnLst>
-  </p:timing>
 </p:sld>
 </file>
 
@@ -17096,13 +18583,6 @@
   <p:clrMapOvr>
     <a:masterClrMapping/>
   </p:clrMapOvr>
-  <p:timing>
-    <p:tnLst>
-      <p:par>
-        <p:cTn id="1" dur="indefinite" restart="never" nodeType="tmRoot"/>
-      </p:par>
-    </p:tnLst>
-  </p:timing>
 </p:sld>
 </file>
 
@@ -17789,13 +19269,6 @@
   <p:clrMapOvr>
     <a:masterClrMapping/>
   </p:clrMapOvr>
-  <p:timing>
-    <p:tnLst>
-      <p:par>
-        <p:cTn id="1" dur="indefinite" restart="never" nodeType="tmRoot"/>
-      </p:par>
-    </p:tnLst>
-  </p:timing>
 </p:sld>
 </file>
 
@@ -18521,13 +19994,6 @@
   <p:clrMapOvr>
     <a:masterClrMapping/>
   </p:clrMapOvr>
-  <p:timing>
-    <p:tnLst>
-      <p:par>
-        <p:cTn id="1" dur="indefinite" restart="never" nodeType="tmRoot"/>
-      </p:par>
-    </p:tnLst>
-  </p:timing>
 </p:sld>
 </file>
 
@@ -19139,13 +20605,6 @@
   <p:clrMapOvr>
     <a:masterClrMapping/>
   </p:clrMapOvr>
-  <p:timing>
-    <p:tnLst>
-      <p:par>
-        <p:cTn id="1" dur="indefinite" restart="never" nodeType="tmRoot"/>
-      </p:par>
-    </p:tnLst>
-  </p:timing>
 </p:sld>
 </file>
 
@@ -19521,7 +20980,7 @@
               <a:t> </a:t>
             </a:r>
             <a:r>
-              <a:rPr kumimoji="1" lang="ko-KR" altLang="en-US" sz="1100" b="1" dirty="0" err="1" smtClean="0">
+              <a:rPr kumimoji="1" lang="ko-KR" altLang="en-US" sz="1100" b="1" dirty="0" err="1">
                 <a:solidFill>
                   <a:prstClr val="black">
                     <a:lumMod val="75000"/>
@@ -19632,7 +21091,7 @@
               <a:t> </a:t>
             </a:r>
             <a:r>
-              <a:rPr kumimoji="1" lang="ko-KR" altLang="en-US" sz="1100" b="1" dirty="0" err="1" smtClean="0">
+              <a:rPr kumimoji="1" lang="ko-KR" altLang="en-US" sz="1100" b="1" dirty="0" err="1">
                 <a:solidFill>
                   <a:prstClr val="black">
                     <a:lumMod val="75000"/>
@@ -19739,18 +21198,7 @@
                   </a:schemeClr>
                 </a:solidFill>
               </a:rPr>
-              <a:t> </a:t>
-            </a:r>
-            <a:r>
-              <a:rPr kumimoji="1" lang="ko-KR" altLang="en-US" sz="1100" b="1" dirty="0" smtClean="0">
-                <a:solidFill>
-                  <a:schemeClr val="tx1">
-                    <a:lumMod val="75000"/>
-                    <a:lumOff val="25000"/>
-                  </a:schemeClr>
-                </a:solidFill>
-              </a:rPr>
-              <a:t>홍길동</a:t>
+              <a:t> 홍길동</a:t>
             </a:r>
             <a:endParaRPr kumimoji="1" lang="en-US" altLang="ko-KR" sz="1100" b="1" dirty="0">
               <a:solidFill>
@@ -20373,13 +21821,6 @@
   <p:clrMapOvr>
     <a:masterClrMapping/>
   </p:clrMapOvr>
-  <p:timing>
-    <p:tnLst>
-      <p:par>
-        <p:cTn id="1" dur="indefinite" restart="never" nodeType="tmRoot"/>
-      </p:par>
-    </p:tnLst>
-  </p:timing>
 </p:sld>
 </file>
 
@@ -20815,7 +22256,7 @@
               <a:t>  </a:t>
             </a:r>
             <a:r>
-              <a:rPr kumimoji="1" lang="ko-KR" altLang="en-US" sz="1100" b="1" dirty="0" smtClean="0">
+              <a:rPr kumimoji="1" lang="ko-KR" altLang="en-US" sz="1100" b="1" dirty="0">
                 <a:solidFill>
                   <a:srgbClr val="00B0F0"/>
                 </a:solidFill>
@@ -20933,7 +22374,7 @@
               <a:t> </a:t>
             </a:r>
             <a:r>
-              <a:rPr kumimoji="1" lang="ko-KR" altLang="en-US" sz="1100" b="1" dirty="0" err="1" smtClean="0">
+              <a:rPr kumimoji="1" lang="ko-KR" altLang="en-US" sz="1100" b="1" dirty="0" err="1">
                 <a:solidFill>
                   <a:srgbClr val="00B0F0"/>
                 </a:solidFill>
@@ -22207,13 +23648,6 @@
   <p:clrMapOvr>
     <a:masterClrMapping/>
   </p:clrMapOvr>
-  <p:timing>
-    <p:tnLst>
-      <p:par>
-        <p:cTn id="1" dur="indefinite" restart="never" nodeType="tmRoot"/>
-      </p:par>
-    </p:tnLst>
-  </p:timing>
 </p:sld>
 </file>
 

--- a/Documents/Design_Demo.pptx
+++ b/Documents/Design_Demo.pptx
@@ -267,7 +267,7 @@
           <a:p>
             <a:fld id="{CFACB741-F634-C24E-ACDA-3F21EA7175DC}" type="datetimeFigureOut">
               <a:rPr kumimoji="1" lang="ko-KR" altLang="en-US" smtClean="0"/>
-              <a:t>2019. 6. 15.</a:t>
+              <a:t>2019. 6. 16.</a:t>
             </a:fld>
             <a:endParaRPr kumimoji="1" lang="ko-KR" altLang="en-US"/>
           </a:p>
@@ -2076,7 +2076,7 @@
           <p:cNvPr id="2" name="제목 1">
             <a:extLst>
               <a:ext uri="{FF2B5EF4-FFF2-40B4-BE49-F238E27FC236}">
-                <a16:creationId xmlns:a16="http://schemas.microsoft.com/office/drawing/2014/main" id="{45292B71-2EE7-504C-9013-4F3CB48DC69E}"/>
+                <a16:creationId xmlns:a16="http://schemas.microsoft.com/office/drawing/2014/main" xmlns="" id="{45292B71-2EE7-504C-9013-4F3CB48DC69E}"/>
               </a:ext>
             </a:extLst>
           </p:cNvPr>
@@ -2113,7 +2113,7 @@
           <p:cNvPr id="3" name="부제목 2">
             <a:extLst>
               <a:ext uri="{FF2B5EF4-FFF2-40B4-BE49-F238E27FC236}">
-                <a16:creationId xmlns:a16="http://schemas.microsoft.com/office/drawing/2014/main" id="{23C2AB1D-8F44-2049-A0CA-C3456A9DF85A}"/>
+                <a16:creationId xmlns:a16="http://schemas.microsoft.com/office/drawing/2014/main" xmlns="" id="{23C2AB1D-8F44-2049-A0CA-C3456A9DF85A}"/>
               </a:ext>
             </a:extLst>
           </p:cNvPr>
@@ -2183,7 +2183,7 @@
           <p:cNvPr id="4" name="날짜 개체 틀 3">
             <a:extLst>
               <a:ext uri="{FF2B5EF4-FFF2-40B4-BE49-F238E27FC236}">
-                <a16:creationId xmlns:a16="http://schemas.microsoft.com/office/drawing/2014/main" id="{52A127CB-9DE3-EB40-B261-CF45768D787A}"/>
+                <a16:creationId xmlns:a16="http://schemas.microsoft.com/office/drawing/2014/main" xmlns="" id="{52A127CB-9DE3-EB40-B261-CF45768D787A}"/>
               </a:ext>
             </a:extLst>
           </p:cNvPr>
@@ -2201,7 +2201,7 @@
           <a:p>
             <a:fld id="{B8694C9C-6BB6-9342-9726-5E25EC0060D1}" type="datetimeFigureOut">
               <a:rPr kumimoji="1" lang="ko-KR" altLang="en-US" smtClean="0"/>
-              <a:t>2019. 6. 15.</a:t>
+              <a:t>2019. 6. 16.</a:t>
             </a:fld>
             <a:endParaRPr kumimoji="1" lang="ko-KR" altLang="en-US"/>
           </a:p>
@@ -2212,7 +2212,7 @@
           <p:cNvPr id="5" name="바닥글 개체 틀 4">
             <a:extLst>
               <a:ext uri="{FF2B5EF4-FFF2-40B4-BE49-F238E27FC236}">
-                <a16:creationId xmlns:a16="http://schemas.microsoft.com/office/drawing/2014/main" id="{6254231D-B1F0-414D-AB79-C158AD92BD05}"/>
+                <a16:creationId xmlns:a16="http://schemas.microsoft.com/office/drawing/2014/main" xmlns="" id="{6254231D-B1F0-414D-AB79-C158AD92BD05}"/>
               </a:ext>
             </a:extLst>
           </p:cNvPr>
@@ -2237,7 +2237,7 @@
           <p:cNvPr id="6" name="슬라이드 번호 개체 틀 5">
             <a:extLst>
               <a:ext uri="{FF2B5EF4-FFF2-40B4-BE49-F238E27FC236}">
-                <a16:creationId xmlns:a16="http://schemas.microsoft.com/office/drawing/2014/main" id="{96AA6A71-7DF2-4740-9CF7-AEA83D09CACB}"/>
+                <a16:creationId xmlns:a16="http://schemas.microsoft.com/office/drawing/2014/main" xmlns="" id="{96AA6A71-7DF2-4740-9CF7-AEA83D09CACB}"/>
               </a:ext>
             </a:extLst>
           </p:cNvPr>
@@ -2296,7 +2296,7 @@
           <p:cNvPr id="2" name="제목 1">
             <a:extLst>
               <a:ext uri="{FF2B5EF4-FFF2-40B4-BE49-F238E27FC236}">
-                <a16:creationId xmlns:a16="http://schemas.microsoft.com/office/drawing/2014/main" id="{FDBC6E95-934D-2142-8F19-8E765EFE1E2C}"/>
+                <a16:creationId xmlns:a16="http://schemas.microsoft.com/office/drawing/2014/main" xmlns="" id="{FDBC6E95-934D-2142-8F19-8E765EFE1E2C}"/>
               </a:ext>
             </a:extLst>
           </p:cNvPr>
@@ -2324,7 +2324,7 @@
           <p:cNvPr id="3" name="세로 텍스트 개체 틀 2">
             <a:extLst>
               <a:ext uri="{FF2B5EF4-FFF2-40B4-BE49-F238E27FC236}">
-                <a16:creationId xmlns:a16="http://schemas.microsoft.com/office/drawing/2014/main" id="{2A669E1B-7EAF-DF42-9B45-4ACBD8931097}"/>
+                <a16:creationId xmlns:a16="http://schemas.microsoft.com/office/drawing/2014/main" xmlns="" id="{2A669E1B-7EAF-DF42-9B45-4ACBD8931097}"/>
               </a:ext>
             </a:extLst>
           </p:cNvPr>
@@ -2356,7 +2356,7 @@
           <p:cNvPr id="4" name="날짜 개체 틀 3">
             <a:extLst>
               <a:ext uri="{FF2B5EF4-FFF2-40B4-BE49-F238E27FC236}">
-                <a16:creationId xmlns:a16="http://schemas.microsoft.com/office/drawing/2014/main" id="{3F35168D-175C-9941-AA96-43B420307836}"/>
+                <a16:creationId xmlns:a16="http://schemas.microsoft.com/office/drawing/2014/main" xmlns="" id="{3F35168D-175C-9941-AA96-43B420307836}"/>
               </a:ext>
             </a:extLst>
           </p:cNvPr>
@@ -2374,7 +2374,7 @@
           <a:p>
             <a:fld id="{B8694C9C-6BB6-9342-9726-5E25EC0060D1}" type="datetimeFigureOut">
               <a:rPr kumimoji="1" lang="ko-KR" altLang="en-US" smtClean="0"/>
-              <a:t>2019. 6. 15.</a:t>
+              <a:t>2019. 6. 16.</a:t>
             </a:fld>
             <a:endParaRPr kumimoji="1" lang="ko-KR" altLang="en-US"/>
           </a:p>
@@ -2385,7 +2385,7 @@
           <p:cNvPr id="5" name="바닥글 개체 틀 4">
             <a:extLst>
               <a:ext uri="{FF2B5EF4-FFF2-40B4-BE49-F238E27FC236}">
-                <a16:creationId xmlns:a16="http://schemas.microsoft.com/office/drawing/2014/main" id="{1C321D8C-F8C9-984C-B7C9-FDA8626D3EBB}"/>
+                <a16:creationId xmlns:a16="http://schemas.microsoft.com/office/drawing/2014/main" xmlns="" id="{1C321D8C-F8C9-984C-B7C9-FDA8626D3EBB}"/>
               </a:ext>
             </a:extLst>
           </p:cNvPr>
@@ -2410,7 +2410,7 @@
           <p:cNvPr id="6" name="슬라이드 번호 개체 틀 5">
             <a:extLst>
               <a:ext uri="{FF2B5EF4-FFF2-40B4-BE49-F238E27FC236}">
-                <a16:creationId xmlns:a16="http://schemas.microsoft.com/office/drawing/2014/main" id="{C7C8C2D0-7053-384F-A168-20014C48171A}"/>
+                <a16:creationId xmlns:a16="http://schemas.microsoft.com/office/drawing/2014/main" xmlns="" id="{C7C8C2D0-7053-384F-A168-20014C48171A}"/>
               </a:ext>
             </a:extLst>
           </p:cNvPr>
@@ -2469,7 +2469,7 @@
           <p:cNvPr id="2" name="세로 제목 1">
             <a:extLst>
               <a:ext uri="{FF2B5EF4-FFF2-40B4-BE49-F238E27FC236}">
-                <a16:creationId xmlns:a16="http://schemas.microsoft.com/office/drawing/2014/main" id="{F019E7C4-C883-4349-BCF5-0C6E34B760AD}"/>
+                <a16:creationId xmlns:a16="http://schemas.microsoft.com/office/drawing/2014/main" xmlns="" id="{F019E7C4-C883-4349-BCF5-0C6E34B760AD}"/>
               </a:ext>
             </a:extLst>
           </p:cNvPr>
@@ -2502,7 +2502,7 @@
           <p:cNvPr id="3" name="세로 텍스트 개체 틀 2">
             <a:extLst>
               <a:ext uri="{FF2B5EF4-FFF2-40B4-BE49-F238E27FC236}">
-                <a16:creationId xmlns:a16="http://schemas.microsoft.com/office/drawing/2014/main" id="{723DC5DC-4C59-DF46-9B44-0A9177756B5C}"/>
+                <a16:creationId xmlns:a16="http://schemas.microsoft.com/office/drawing/2014/main" xmlns="" id="{723DC5DC-4C59-DF46-9B44-0A9177756B5C}"/>
               </a:ext>
             </a:extLst>
           </p:cNvPr>
@@ -2539,7 +2539,7 @@
           <p:cNvPr id="4" name="날짜 개체 틀 3">
             <a:extLst>
               <a:ext uri="{FF2B5EF4-FFF2-40B4-BE49-F238E27FC236}">
-                <a16:creationId xmlns:a16="http://schemas.microsoft.com/office/drawing/2014/main" id="{3C3BDB7C-24EA-CC40-BB4D-93983A852E1B}"/>
+                <a16:creationId xmlns:a16="http://schemas.microsoft.com/office/drawing/2014/main" xmlns="" id="{3C3BDB7C-24EA-CC40-BB4D-93983A852E1B}"/>
               </a:ext>
             </a:extLst>
           </p:cNvPr>
@@ -2557,7 +2557,7 @@
           <a:p>
             <a:fld id="{B8694C9C-6BB6-9342-9726-5E25EC0060D1}" type="datetimeFigureOut">
               <a:rPr kumimoji="1" lang="ko-KR" altLang="en-US" smtClean="0"/>
-              <a:t>2019. 6. 15.</a:t>
+              <a:t>2019. 6. 16.</a:t>
             </a:fld>
             <a:endParaRPr kumimoji="1" lang="ko-KR" altLang="en-US"/>
           </a:p>
@@ -2568,7 +2568,7 @@
           <p:cNvPr id="5" name="바닥글 개체 틀 4">
             <a:extLst>
               <a:ext uri="{FF2B5EF4-FFF2-40B4-BE49-F238E27FC236}">
-                <a16:creationId xmlns:a16="http://schemas.microsoft.com/office/drawing/2014/main" id="{68A5415A-F810-2A4D-BF04-838A1630E023}"/>
+                <a16:creationId xmlns:a16="http://schemas.microsoft.com/office/drawing/2014/main" xmlns="" id="{68A5415A-F810-2A4D-BF04-838A1630E023}"/>
               </a:ext>
             </a:extLst>
           </p:cNvPr>
@@ -2593,7 +2593,7 @@
           <p:cNvPr id="6" name="슬라이드 번호 개체 틀 5">
             <a:extLst>
               <a:ext uri="{FF2B5EF4-FFF2-40B4-BE49-F238E27FC236}">
-                <a16:creationId xmlns:a16="http://schemas.microsoft.com/office/drawing/2014/main" id="{A304B850-8466-8D43-ADD1-74D9CEABAA9E}"/>
+                <a16:creationId xmlns:a16="http://schemas.microsoft.com/office/drawing/2014/main" xmlns="" id="{A304B850-8466-8D43-ADD1-74D9CEABAA9E}"/>
               </a:ext>
             </a:extLst>
           </p:cNvPr>
@@ -2652,7 +2652,7 @@
           <p:cNvPr id="2" name="제목 1">
             <a:extLst>
               <a:ext uri="{FF2B5EF4-FFF2-40B4-BE49-F238E27FC236}">
-                <a16:creationId xmlns:a16="http://schemas.microsoft.com/office/drawing/2014/main" id="{56C2262B-B9FD-5D43-B2C3-50BE3B20EF42}"/>
+                <a16:creationId xmlns:a16="http://schemas.microsoft.com/office/drawing/2014/main" xmlns="" id="{56C2262B-B9FD-5D43-B2C3-50BE3B20EF42}"/>
               </a:ext>
             </a:extLst>
           </p:cNvPr>
@@ -2680,7 +2680,7 @@
           <p:cNvPr id="3" name="내용 개체 틀 2">
             <a:extLst>
               <a:ext uri="{FF2B5EF4-FFF2-40B4-BE49-F238E27FC236}">
-                <a16:creationId xmlns:a16="http://schemas.microsoft.com/office/drawing/2014/main" id="{6522AF0F-7D2F-C940-83EE-8F13BE12DFBA}"/>
+                <a16:creationId xmlns:a16="http://schemas.microsoft.com/office/drawing/2014/main" xmlns="" id="{6522AF0F-7D2F-C940-83EE-8F13BE12DFBA}"/>
               </a:ext>
             </a:extLst>
           </p:cNvPr>
@@ -2712,7 +2712,7 @@
           <p:cNvPr id="4" name="날짜 개체 틀 3">
             <a:extLst>
               <a:ext uri="{FF2B5EF4-FFF2-40B4-BE49-F238E27FC236}">
-                <a16:creationId xmlns:a16="http://schemas.microsoft.com/office/drawing/2014/main" id="{3610B262-AA02-BC4C-BBDB-53D3040DEE10}"/>
+                <a16:creationId xmlns:a16="http://schemas.microsoft.com/office/drawing/2014/main" xmlns="" id="{3610B262-AA02-BC4C-BBDB-53D3040DEE10}"/>
               </a:ext>
             </a:extLst>
           </p:cNvPr>
@@ -2730,7 +2730,7 @@
           <a:p>
             <a:fld id="{B8694C9C-6BB6-9342-9726-5E25EC0060D1}" type="datetimeFigureOut">
               <a:rPr kumimoji="1" lang="ko-KR" altLang="en-US" smtClean="0"/>
-              <a:t>2019. 6. 15.</a:t>
+              <a:t>2019. 6. 16.</a:t>
             </a:fld>
             <a:endParaRPr kumimoji="1" lang="ko-KR" altLang="en-US"/>
           </a:p>
@@ -2741,7 +2741,7 @@
           <p:cNvPr id="5" name="바닥글 개체 틀 4">
             <a:extLst>
               <a:ext uri="{FF2B5EF4-FFF2-40B4-BE49-F238E27FC236}">
-                <a16:creationId xmlns:a16="http://schemas.microsoft.com/office/drawing/2014/main" id="{2B0F25F8-116F-DA4E-BFA8-52404B6B1271}"/>
+                <a16:creationId xmlns:a16="http://schemas.microsoft.com/office/drawing/2014/main" xmlns="" id="{2B0F25F8-116F-DA4E-BFA8-52404B6B1271}"/>
               </a:ext>
             </a:extLst>
           </p:cNvPr>
@@ -2766,7 +2766,7 @@
           <p:cNvPr id="6" name="슬라이드 번호 개체 틀 5">
             <a:extLst>
               <a:ext uri="{FF2B5EF4-FFF2-40B4-BE49-F238E27FC236}">
-                <a16:creationId xmlns:a16="http://schemas.microsoft.com/office/drawing/2014/main" id="{6EC8C4CB-4A87-B440-93F6-DD7E3004E1C5}"/>
+                <a16:creationId xmlns:a16="http://schemas.microsoft.com/office/drawing/2014/main" xmlns="" id="{6EC8C4CB-4A87-B440-93F6-DD7E3004E1C5}"/>
               </a:ext>
             </a:extLst>
           </p:cNvPr>
@@ -2825,7 +2825,7 @@
           <p:cNvPr id="2" name="제목 1">
             <a:extLst>
               <a:ext uri="{FF2B5EF4-FFF2-40B4-BE49-F238E27FC236}">
-                <a16:creationId xmlns:a16="http://schemas.microsoft.com/office/drawing/2014/main" id="{AA3582CE-13F9-844F-B7BE-05BAAB4929CE}"/>
+                <a16:creationId xmlns:a16="http://schemas.microsoft.com/office/drawing/2014/main" xmlns="" id="{AA3582CE-13F9-844F-B7BE-05BAAB4929CE}"/>
               </a:ext>
             </a:extLst>
           </p:cNvPr>
@@ -2862,7 +2862,7 @@
           <p:cNvPr id="3" name="텍스트 개체 틀 2">
             <a:extLst>
               <a:ext uri="{FF2B5EF4-FFF2-40B4-BE49-F238E27FC236}">
-                <a16:creationId xmlns:a16="http://schemas.microsoft.com/office/drawing/2014/main" id="{39DD8B0C-B11B-4846-8305-07CAA4945F74}"/>
+                <a16:creationId xmlns:a16="http://schemas.microsoft.com/office/drawing/2014/main" xmlns="" id="{39DD8B0C-B11B-4846-8305-07CAA4945F74}"/>
               </a:ext>
             </a:extLst>
           </p:cNvPr>
@@ -2990,7 +2990,7 @@
           <p:cNvPr id="4" name="날짜 개체 틀 3">
             <a:extLst>
               <a:ext uri="{FF2B5EF4-FFF2-40B4-BE49-F238E27FC236}">
-                <a16:creationId xmlns:a16="http://schemas.microsoft.com/office/drawing/2014/main" id="{3AE9AA22-6D04-E948-93A1-95D30FAE4F44}"/>
+                <a16:creationId xmlns:a16="http://schemas.microsoft.com/office/drawing/2014/main" xmlns="" id="{3AE9AA22-6D04-E948-93A1-95D30FAE4F44}"/>
               </a:ext>
             </a:extLst>
           </p:cNvPr>
@@ -3008,7 +3008,7 @@
           <a:p>
             <a:fld id="{B8694C9C-6BB6-9342-9726-5E25EC0060D1}" type="datetimeFigureOut">
               <a:rPr kumimoji="1" lang="ko-KR" altLang="en-US" smtClean="0"/>
-              <a:t>2019. 6. 15.</a:t>
+              <a:t>2019. 6. 16.</a:t>
             </a:fld>
             <a:endParaRPr kumimoji="1" lang="ko-KR" altLang="en-US"/>
           </a:p>
@@ -3019,7 +3019,7 @@
           <p:cNvPr id="5" name="바닥글 개체 틀 4">
             <a:extLst>
               <a:ext uri="{FF2B5EF4-FFF2-40B4-BE49-F238E27FC236}">
-                <a16:creationId xmlns:a16="http://schemas.microsoft.com/office/drawing/2014/main" id="{59AB3971-B7A7-8C4D-A1F3-82AC29F3B47D}"/>
+                <a16:creationId xmlns:a16="http://schemas.microsoft.com/office/drawing/2014/main" xmlns="" id="{59AB3971-B7A7-8C4D-A1F3-82AC29F3B47D}"/>
               </a:ext>
             </a:extLst>
           </p:cNvPr>
@@ -3044,7 +3044,7 @@
           <p:cNvPr id="6" name="슬라이드 번호 개체 틀 5">
             <a:extLst>
               <a:ext uri="{FF2B5EF4-FFF2-40B4-BE49-F238E27FC236}">
-                <a16:creationId xmlns:a16="http://schemas.microsoft.com/office/drawing/2014/main" id="{837FDFC9-7B8D-3A4B-A52C-42F9E2B5E57D}"/>
+                <a16:creationId xmlns:a16="http://schemas.microsoft.com/office/drawing/2014/main" xmlns="" id="{837FDFC9-7B8D-3A4B-A52C-42F9E2B5E57D}"/>
               </a:ext>
             </a:extLst>
           </p:cNvPr>
@@ -3103,7 +3103,7 @@
           <p:cNvPr id="2" name="제목 1">
             <a:extLst>
               <a:ext uri="{FF2B5EF4-FFF2-40B4-BE49-F238E27FC236}">
-                <a16:creationId xmlns:a16="http://schemas.microsoft.com/office/drawing/2014/main" id="{43E62845-35C0-394E-B41F-3FE730206697}"/>
+                <a16:creationId xmlns:a16="http://schemas.microsoft.com/office/drawing/2014/main" xmlns="" id="{43E62845-35C0-394E-B41F-3FE730206697}"/>
               </a:ext>
             </a:extLst>
           </p:cNvPr>
@@ -3131,7 +3131,7 @@
           <p:cNvPr id="3" name="내용 개체 틀 2">
             <a:extLst>
               <a:ext uri="{FF2B5EF4-FFF2-40B4-BE49-F238E27FC236}">
-                <a16:creationId xmlns:a16="http://schemas.microsoft.com/office/drawing/2014/main" id="{A091F2E4-1AD3-3B4A-91BD-E5ED71411B9D}"/>
+                <a16:creationId xmlns:a16="http://schemas.microsoft.com/office/drawing/2014/main" xmlns="" id="{A091F2E4-1AD3-3B4A-91BD-E5ED71411B9D}"/>
               </a:ext>
             </a:extLst>
           </p:cNvPr>
@@ -3168,7 +3168,7 @@
           <p:cNvPr id="4" name="내용 개체 틀 3">
             <a:extLst>
               <a:ext uri="{FF2B5EF4-FFF2-40B4-BE49-F238E27FC236}">
-                <a16:creationId xmlns:a16="http://schemas.microsoft.com/office/drawing/2014/main" id="{3F88291F-F828-8F40-840B-722E698E54B6}"/>
+                <a16:creationId xmlns:a16="http://schemas.microsoft.com/office/drawing/2014/main" xmlns="" id="{3F88291F-F828-8F40-840B-722E698E54B6}"/>
               </a:ext>
             </a:extLst>
           </p:cNvPr>
@@ -3205,7 +3205,7 @@
           <p:cNvPr id="5" name="날짜 개체 틀 4">
             <a:extLst>
               <a:ext uri="{FF2B5EF4-FFF2-40B4-BE49-F238E27FC236}">
-                <a16:creationId xmlns:a16="http://schemas.microsoft.com/office/drawing/2014/main" id="{0E7C11CE-F5E4-3F4A-814F-7F34538EDF92}"/>
+                <a16:creationId xmlns:a16="http://schemas.microsoft.com/office/drawing/2014/main" xmlns="" id="{0E7C11CE-F5E4-3F4A-814F-7F34538EDF92}"/>
               </a:ext>
             </a:extLst>
           </p:cNvPr>
@@ -3223,7 +3223,7 @@
           <a:p>
             <a:fld id="{B8694C9C-6BB6-9342-9726-5E25EC0060D1}" type="datetimeFigureOut">
               <a:rPr kumimoji="1" lang="ko-KR" altLang="en-US" smtClean="0"/>
-              <a:t>2019. 6. 15.</a:t>
+              <a:t>2019. 6. 16.</a:t>
             </a:fld>
             <a:endParaRPr kumimoji="1" lang="ko-KR" altLang="en-US"/>
           </a:p>
@@ -3234,7 +3234,7 @@
           <p:cNvPr id="6" name="바닥글 개체 틀 5">
             <a:extLst>
               <a:ext uri="{FF2B5EF4-FFF2-40B4-BE49-F238E27FC236}">
-                <a16:creationId xmlns:a16="http://schemas.microsoft.com/office/drawing/2014/main" id="{F22A3261-7737-BB45-A8FE-F8A15E81A722}"/>
+                <a16:creationId xmlns:a16="http://schemas.microsoft.com/office/drawing/2014/main" xmlns="" id="{F22A3261-7737-BB45-A8FE-F8A15E81A722}"/>
               </a:ext>
             </a:extLst>
           </p:cNvPr>
@@ -3259,7 +3259,7 @@
           <p:cNvPr id="7" name="슬라이드 번호 개체 틀 6">
             <a:extLst>
               <a:ext uri="{FF2B5EF4-FFF2-40B4-BE49-F238E27FC236}">
-                <a16:creationId xmlns:a16="http://schemas.microsoft.com/office/drawing/2014/main" id="{0860021A-0989-1C47-B92C-3732539721DF}"/>
+                <a16:creationId xmlns:a16="http://schemas.microsoft.com/office/drawing/2014/main" xmlns="" id="{0860021A-0989-1C47-B92C-3732539721DF}"/>
               </a:ext>
             </a:extLst>
           </p:cNvPr>
@@ -3318,7 +3318,7 @@
           <p:cNvPr id="2" name="제목 1">
             <a:extLst>
               <a:ext uri="{FF2B5EF4-FFF2-40B4-BE49-F238E27FC236}">
-                <a16:creationId xmlns:a16="http://schemas.microsoft.com/office/drawing/2014/main" id="{297CB384-AB38-C54B-80F0-48BA7D391A71}"/>
+                <a16:creationId xmlns:a16="http://schemas.microsoft.com/office/drawing/2014/main" xmlns="" id="{297CB384-AB38-C54B-80F0-48BA7D391A71}"/>
               </a:ext>
             </a:extLst>
           </p:cNvPr>
@@ -3351,7 +3351,7 @@
           <p:cNvPr id="3" name="텍스트 개체 틀 2">
             <a:extLst>
               <a:ext uri="{FF2B5EF4-FFF2-40B4-BE49-F238E27FC236}">
-                <a16:creationId xmlns:a16="http://schemas.microsoft.com/office/drawing/2014/main" id="{91FEE159-994C-E047-A1D1-DC993E3C421C}"/>
+                <a16:creationId xmlns:a16="http://schemas.microsoft.com/office/drawing/2014/main" xmlns="" id="{91FEE159-994C-E047-A1D1-DC993E3C421C}"/>
               </a:ext>
             </a:extLst>
           </p:cNvPr>
@@ -3425,7 +3425,7 @@
           <p:cNvPr id="4" name="내용 개체 틀 3">
             <a:extLst>
               <a:ext uri="{FF2B5EF4-FFF2-40B4-BE49-F238E27FC236}">
-                <a16:creationId xmlns:a16="http://schemas.microsoft.com/office/drawing/2014/main" id="{47DCA6B2-BD4C-D64E-8EA3-98C7F07F46EB}"/>
+                <a16:creationId xmlns:a16="http://schemas.microsoft.com/office/drawing/2014/main" xmlns="" id="{47DCA6B2-BD4C-D64E-8EA3-98C7F07F46EB}"/>
               </a:ext>
             </a:extLst>
           </p:cNvPr>
@@ -3462,7 +3462,7 @@
           <p:cNvPr id="5" name="텍스트 개체 틀 4">
             <a:extLst>
               <a:ext uri="{FF2B5EF4-FFF2-40B4-BE49-F238E27FC236}">
-                <a16:creationId xmlns:a16="http://schemas.microsoft.com/office/drawing/2014/main" id="{BEDE4996-BAD0-5947-AEE9-D406C2C15AB7}"/>
+                <a16:creationId xmlns:a16="http://schemas.microsoft.com/office/drawing/2014/main" xmlns="" id="{BEDE4996-BAD0-5947-AEE9-D406C2C15AB7}"/>
               </a:ext>
             </a:extLst>
           </p:cNvPr>
@@ -3536,7 +3536,7 @@
           <p:cNvPr id="6" name="내용 개체 틀 5">
             <a:extLst>
               <a:ext uri="{FF2B5EF4-FFF2-40B4-BE49-F238E27FC236}">
-                <a16:creationId xmlns:a16="http://schemas.microsoft.com/office/drawing/2014/main" id="{EE0602DD-B4DC-9B4F-A653-2E4AD84B5580}"/>
+                <a16:creationId xmlns:a16="http://schemas.microsoft.com/office/drawing/2014/main" xmlns="" id="{EE0602DD-B4DC-9B4F-A653-2E4AD84B5580}"/>
               </a:ext>
             </a:extLst>
           </p:cNvPr>
@@ -3573,7 +3573,7 @@
           <p:cNvPr id="7" name="날짜 개체 틀 6">
             <a:extLst>
               <a:ext uri="{FF2B5EF4-FFF2-40B4-BE49-F238E27FC236}">
-                <a16:creationId xmlns:a16="http://schemas.microsoft.com/office/drawing/2014/main" id="{35006CB6-1BDB-2E4B-BAA9-8F446FC9EF56}"/>
+                <a16:creationId xmlns:a16="http://schemas.microsoft.com/office/drawing/2014/main" xmlns="" id="{35006CB6-1BDB-2E4B-BAA9-8F446FC9EF56}"/>
               </a:ext>
             </a:extLst>
           </p:cNvPr>
@@ -3591,7 +3591,7 @@
           <a:p>
             <a:fld id="{B8694C9C-6BB6-9342-9726-5E25EC0060D1}" type="datetimeFigureOut">
               <a:rPr kumimoji="1" lang="ko-KR" altLang="en-US" smtClean="0"/>
-              <a:t>2019. 6. 15.</a:t>
+              <a:t>2019. 6. 16.</a:t>
             </a:fld>
             <a:endParaRPr kumimoji="1" lang="ko-KR" altLang="en-US"/>
           </a:p>
@@ -3602,7 +3602,7 @@
           <p:cNvPr id="8" name="바닥글 개체 틀 7">
             <a:extLst>
               <a:ext uri="{FF2B5EF4-FFF2-40B4-BE49-F238E27FC236}">
-                <a16:creationId xmlns:a16="http://schemas.microsoft.com/office/drawing/2014/main" id="{B36159E5-FEFF-2A46-9FD0-454E4BDEEABF}"/>
+                <a16:creationId xmlns:a16="http://schemas.microsoft.com/office/drawing/2014/main" xmlns="" id="{B36159E5-FEFF-2A46-9FD0-454E4BDEEABF}"/>
               </a:ext>
             </a:extLst>
           </p:cNvPr>
@@ -3627,7 +3627,7 @@
           <p:cNvPr id="9" name="슬라이드 번호 개체 틀 8">
             <a:extLst>
               <a:ext uri="{FF2B5EF4-FFF2-40B4-BE49-F238E27FC236}">
-                <a16:creationId xmlns:a16="http://schemas.microsoft.com/office/drawing/2014/main" id="{CAC11DD2-E53D-7B41-A122-14F1FE47825F}"/>
+                <a16:creationId xmlns:a16="http://schemas.microsoft.com/office/drawing/2014/main" xmlns="" id="{CAC11DD2-E53D-7B41-A122-14F1FE47825F}"/>
               </a:ext>
             </a:extLst>
           </p:cNvPr>
@@ -3686,7 +3686,7 @@
           <p:cNvPr id="2" name="제목 1">
             <a:extLst>
               <a:ext uri="{FF2B5EF4-FFF2-40B4-BE49-F238E27FC236}">
-                <a16:creationId xmlns:a16="http://schemas.microsoft.com/office/drawing/2014/main" id="{4C7759AC-DC9D-A048-B468-84EFB644720C}"/>
+                <a16:creationId xmlns:a16="http://schemas.microsoft.com/office/drawing/2014/main" xmlns="" id="{4C7759AC-DC9D-A048-B468-84EFB644720C}"/>
               </a:ext>
             </a:extLst>
           </p:cNvPr>
@@ -3714,7 +3714,7 @@
           <p:cNvPr id="3" name="날짜 개체 틀 2">
             <a:extLst>
               <a:ext uri="{FF2B5EF4-FFF2-40B4-BE49-F238E27FC236}">
-                <a16:creationId xmlns:a16="http://schemas.microsoft.com/office/drawing/2014/main" id="{3720126C-EE81-A140-A6E6-043D51E1D742}"/>
+                <a16:creationId xmlns:a16="http://schemas.microsoft.com/office/drawing/2014/main" xmlns="" id="{3720126C-EE81-A140-A6E6-043D51E1D742}"/>
               </a:ext>
             </a:extLst>
           </p:cNvPr>
@@ -3732,7 +3732,7 @@
           <a:p>
             <a:fld id="{B8694C9C-6BB6-9342-9726-5E25EC0060D1}" type="datetimeFigureOut">
               <a:rPr kumimoji="1" lang="ko-KR" altLang="en-US" smtClean="0"/>
-              <a:t>2019. 6. 15.</a:t>
+              <a:t>2019. 6. 16.</a:t>
             </a:fld>
             <a:endParaRPr kumimoji="1" lang="ko-KR" altLang="en-US"/>
           </a:p>
@@ -3743,7 +3743,7 @@
           <p:cNvPr id="4" name="바닥글 개체 틀 3">
             <a:extLst>
               <a:ext uri="{FF2B5EF4-FFF2-40B4-BE49-F238E27FC236}">
-                <a16:creationId xmlns:a16="http://schemas.microsoft.com/office/drawing/2014/main" id="{B4A1DBE4-C9E0-754A-82CB-A8D990618A51}"/>
+                <a16:creationId xmlns:a16="http://schemas.microsoft.com/office/drawing/2014/main" xmlns="" id="{B4A1DBE4-C9E0-754A-82CB-A8D990618A51}"/>
               </a:ext>
             </a:extLst>
           </p:cNvPr>
@@ -3768,7 +3768,7 @@
           <p:cNvPr id="5" name="슬라이드 번호 개체 틀 4">
             <a:extLst>
               <a:ext uri="{FF2B5EF4-FFF2-40B4-BE49-F238E27FC236}">
-                <a16:creationId xmlns:a16="http://schemas.microsoft.com/office/drawing/2014/main" id="{C821733E-1345-2F46-81C9-2D0685C1EC55}"/>
+                <a16:creationId xmlns:a16="http://schemas.microsoft.com/office/drawing/2014/main" xmlns="" id="{C821733E-1345-2F46-81C9-2D0685C1EC55}"/>
               </a:ext>
             </a:extLst>
           </p:cNvPr>
@@ -3827,7 +3827,7 @@
           <p:cNvPr id="2" name="날짜 개체 틀 1">
             <a:extLst>
               <a:ext uri="{FF2B5EF4-FFF2-40B4-BE49-F238E27FC236}">
-                <a16:creationId xmlns:a16="http://schemas.microsoft.com/office/drawing/2014/main" id="{DE1BC423-CF97-484E-BAFF-BA72FDB3EDFB}"/>
+                <a16:creationId xmlns:a16="http://schemas.microsoft.com/office/drawing/2014/main" xmlns="" id="{DE1BC423-CF97-484E-BAFF-BA72FDB3EDFB}"/>
               </a:ext>
             </a:extLst>
           </p:cNvPr>
@@ -3845,7 +3845,7 @@
           <a:p>
             <a:fld id="{B8694C9C-6BB6-9342-9726-5E25EC0060D1}" type="datetimeFigureOut">
               <a:rPr kumimoji="1" lang="ko-KR" altLang="en-US" smtClean="0"/>
-              <a:t>2019. 6. 15.</a:t>
+              <a:t>2019. 6. 16.</a:t>
             </a:fld>
             <a:endParaRPr kumimoji="1" lang="ko-KR" altLang="en-US"/>
           </a:p>
@@ -3856,7 +3856,7 @@
           <p:cNvPr id="3" name="바닥글 개체 틀 2">
             <a:extLst>
               <a:ext uri="{FF2B5EF4-FFF2-40B4-BE49-F238E27FC236}">
-                <a16:creationId xmlns:a16="http://schemas.microsoft.com/office/drawing/2014/main" id="{316FEB1C-E727-314D-8B43-127233E3F577}"/>
+                <a16:creationId xmlns:a16="http://schemas.microsoft.com/office/drawing/2014/main" xmlns="" id="{316FEB1C-E727-314D-8B43-127233E3F577}"/>
               </a:ext>
             </a:extLst>
           </p:cNvPr>
@@ -3881,7 +3881,7 @@
           <p:cNvPr id="4" name="슬라이드 번호 개체 틀 3">
             <a:extLst>
               <a:ext uri="{FF2B5EF4-FFF2-40B4-BE49-F238E27FC236}">
-                <a16:creationId xmlns:a16="http://schemas.microsoft.com/office/drawing/2014/main" id="{E73092E2-8B1A-BD47-A139-ED9F7934B206}"/>
+                <a16:creationId xmlns:a16="http://schemas.microsoft.com/office/drawing/2014/main" xmlns="" id="{E73092E2-8B1A-BD47-A139-ED9F7934B206}"/>
               </a:ext>
             </a:extLst>
           </p:cNvPr>
@@ -3940,7 +3940,7 @@
           <p:cNvPr id="2" name="제목 1">
             <a:extLst>
               <a:ext uri="{FF2B5EF4-FFF2-40B4-BE49-F238E27FC236}">
-                <a16:creationId xmlns:a16="http://schemas.microsoft.com/office/drawing/2014/main" id="{086BE91E-ECC4-B84F-B4BF-296701D7EB30}"/>
+                <a16:creationId xmlns:a16="http://schemas.microsoft.com/office/drawing/2014/main" xmlns="" id="{086BE91E-ECC4-B84F-B4BF-296701D7EB30}"/>
               </a:ext>
             </a:extLst>
           </p:cNvPr>
@@ -3977,7 +3977,7 @@
           <p:cNvPr id="3" name="내용 개체 틀 2">
             <a:extLst>
               <a:ext uri="{FF2B5EF4-FFF2-40B4-BE49-F238E27FC236}">
-                <a16:creationId xmlns:a16="http://schemas.microsoft.com/office/drawing/2014/main" id="{D04F0AA2-1552-F84B-97B3-3D884B8C532F}"/>
+                <a16:creationId xmlns:a16="http://schemas.microsoft.com/office/drawing/2014/main" xmlns="" id="{D04F0AA2-1552-F84B-97B3-3D884B8C532F}"/>
               </a:ext>
             </a:extLst>
           </p:cNvPr>
@@ -4042,7 +4042,7 @@
           <p:cNvPr id="4" name="텍스트 개체 틀 3">
             <a:extLst>
               <a:ext uri="{FF2B5EF4-FFF2-40B4-BE49-F238E27FC236}">
-                <a16:creationId xmlns:a16="http://schemas.microsoft.com/office/drawing/2014/main" id="{8968FD92-430F-F849-A0A3-A44DC96AABF6}"/>
+                <a16:creationId xmlns:a16="http://schemas.microsoft.com/office/drawing/2014/main" xmlns="" id="{8968FD92-430F-F849-A0A3-A44DC96AABF6}"/>
               </a:ext>
             </a:extLst>
           </p:cNvPr>
@@ -4116,7 +4116,7 @@
           <p:cNvPr id="5" name="날짜 개체 틀 4">
             <a:extLst>
               <a:ext uri="{FF2B5EF4-FFF2-40B4-BE49-F238E27FC236}">
-                <a16:creationId xmlns:a16="http://schemas.microsoft.com/office/drawing/2014/main" id="{440D3DDD-8C25-284D-B649-AF3C025A8A23}"/>
+                <a16:creationId xmlns:a16="http://schemas.microsoft.com/office/drawing/2014/main" xmlns="" id="{440D3DDD-8C25-284D-B649-AF3C025A8A23}"/>
               </a:ext>
             </a:extLst>
           </p:cNvPr>
@@ -4134,7 +4134,7 @@
           <a:p>
             <a:fld id="{B8694C9C-6BB6-9342-9726-5E25EC0060D1}" type="datetimeFigureOut">
               <a:rPr kumimoji="1" lang="ko-KR" altLang="en-US" smtClean="0"/>
-              <a:t>2019. 6. 15.</a:t>
+              <a:t>2019. 6. 16.</a:t>
             </a:fld>
             <a:endParaRPr kumimoji="1" lang="ko-KR" altLang="en-US"/>
           </a:p>
@@ -4145,7 +4145,7 @@
           <p:cNvPr id="6" name="바닥글 개체 틀 5">
             <a:extLst>
               <a:ext uri="{FF2B5EF4-FFF2-40B4-BE49-F238E27FC236}">
-                <a16:creationId xmlns:a16="http://schemas.microsoft.com/office/drawing/2014/main" id="{BF986E84-7088-B243-B6F3-84D41EAF46A2}"/>
+                <a16:creationId xmlns:a16="http://schemas.microsoft.com/office/drawing/2014/main" xmlns="" id="{BF986E84-7088-B243-B6F3-84D41EAF46A2}"/>
               </a:ext>
             </a:extLst>
           </p:cNvPr>
@@ -4170,7 +4170,7 @@
           <p:cNvPr id="7" name="슬라이드 번호 개체 틀 6">
             <a:extLst>
               <a:ext uri="{FF2B5EF4-FFF2-40B4-BE49-F238E27FC236}">
-                <a16:creationId xmlns:a16="http://schemas.microsoft.com/office/drawing/2014/main" id="{9E50569F-0C3A-7C41-9E3C-FC8E4DF4DB16}"/>
+                <a16:creationId xmlns:a16="http://schemas.microsoft.com/office/drawing/2014/main" xmlns="" id="{9E50569F-0C3A-7C41-9E3C-FC8E4DF4DB16}"/>
               </a:ext>
             </a:extLst>
           </p:cNvPr>
@@ -4229,7 +4229,7 @@
           <p:cNvPr id="2" name="제목 1">
             <a:extLst>
               <a:ext uri="{FF2B5EF4-FFF2-40B4-BE49-F238E27FC236}">
-                <a16:creationId xmlns:a16="http://schemas.microsoft.com/office/drawing/2014/main" id="{396AEA37-0151-FD4B-891F-F8F8D1A3B9AE}"/>
+                <a16:creationId xmlns:a16="http://schemas.microsoft.com/office/drawing/2014/main" xmlns="" id="{396AEA37-0151-FD4B-891F-F8F8D1A3B9AE}"/>
               </a:ext>
             </a:extLst>
           </p:cNvPr>
@@ -4266,7 +4266,7 @@
           <p:cNvPr id="3" name="그림 개체 틀 2">
             <a:extLst>
               <a:ext uri="{FF2B5EF4-FFF2-40B4-BE49-F238E27FC236}">
-                <a16:creationId xmlns:a16="http://schemas.microsoft.com/office/drawing/2014/main" id="{D2D650A5-EA6F-E743-9C2B-2CFCD8E8D5B8}"/>
+                <a16:creationId xmlns:a16="http://schemas.microsoft.com/office/drawing/2014/main" xmlns="" id="{D2D650A5-EA6F-E743-9C2B-2CFCD8E8D5B8}"/>
               </a:ext>
             </a:extLst>
           </p:cNvPr>
@@ -4333,7 +4333,7 @@
           <p:cNvPr id="4" name="텍스트 개체 틀 3">
             <a:extLst>
               <a:ext uri="{FF2B5EF4-FFF2-40B4-BE49-F238E27FC236}">
-                <a16:creationId xmlns:a16="http://schemas.microsoft.com/office/drawing/2014/main" id="{9B85984F-2D80-1543-885D-174761388C0E}"/>
+                <a16:creationId xmlns:a16="http://schemas.microsoft.com/office/drawing/2014/main" xmlns="" id="{9B85984F-2D80-1543-885D-174761388C0E}"/>
               </a:ext>
             </a:extLst>
           </p:cNvPr>
@@ -4407,7 +4407,7 @@
           <p:cNvPr id="5" name="날짜 개체 틀 4">
             <a:extLst>
               <a:ext uri="{FF2B5EF4-FFF2-40B4-BE49-F238E27FC236}">
-                <a16:creationId xmlns:a16="http://schemas.microsoft.com/office/drawing/2014/main" id="{AD41D584-5992-5E49-9AB8-5ACA68E6F957}"/>
+                <a16:creationId xmlns:a16="http://schemas.microsoft.com/office/drawing/2014/main" xmlns="" id="{AD41D584-5992-5E49-9AB8-5ACA68E6F957}"/>
               </a:ext>
             </a:extLst>
           </p:cNvPr>
@@ -4425,7 +4425,7 @@
           <a:p>
             <a:fld id="{B8694C9C-6BB6-9342-9726-5E25EC0060D1}" type="datetimeFigureOut">
               <a:rPr kumimoji="1" lang="ko-KR" altLang="en-US" smtClean="0"/>
-              <a:t>2019. 6. 15.</a:t>
+              <a:t>2019. 6. 16.</a:t>
             </a:fld>
             <a:endParaRPr kumimoji="1" lang="ko-KR" altLang="en-US"/>
           </a:p>
@@ -4436,7 +4436,7 @@
           <p:cNvPr id="6" name="바닥글 개체 틀 5">
             <a:extLst>
               <a:ext uri="{FF2B5EF4-FFF2-40B4-BE49-F238E27FC236}">
-                <a16:creationId xmlns:a16="http://schemas.microsoft.com/office/drawing/2014/main" id="{956614AF-2E99-6642-9AB2-A32D424D7F8B}"/>
+                <a16:creationId xmlns:a16="http://schemas.microsoft.com/office/drawing/2014/main" xmlns="" id="{956614AF-2E99-6642-9AB2-A32D424D7F8B}"/>
               </a:ext>
             </a:extLst>
           </p:cNvPr>
@@ -4461,7 +4461,7 @@
           <p:cNvPr id="7" name="슬라이드 번호 개체 틀 6">
             <a:extLst>
               <a:ext uri="{FF2B5EF4-FFF2-40B4-BE49-F238E27FC236}">
-                <a16:creationId xmlns:a16="http://schemas.microsoft.com/office/drawing/2014/main" id="{B9A32EAA-D24C-6D43-AAF8-815FBD95AE0C}"/>
+                <a16:creationId xmlns:a16="http://schemas.microsoft.com/office/drawing/2014/main" xmlns="" id="{B9A32EAA-D24C-6D43-AAF8-815FBD95AE0C}"/>
               </a:ext>
             </a:extLst>
           </p:cNvPr>
@@ -4528,7 +4528,7 @@
           <p:cNvPr id="2" name="제목 개체 틀 1">
             <a:extLst>
               <a:ext uri="{FF2B5EF4-FFF2-40B4-BE49-F238E27FC236}">
-                <a16:creationId xmlns:a16="http://schemas.microsoft.com/office/drawing/2014/main" id="{77EB893A-8635-4C47-AB9F-79DD45F137F6}"/>
+                <a16:creationId xmlns:a16="http://schemas.microsoft.com/office/drawing/2014/main" xmlns="" id="{77EB893A-8635-4C47-AB9F-79DD45F137F6}"/>
               </a:ext>
             </a:extLst>
           </p:cNvPr>
@@ -4566,7 +4566,7 @@
           <p:cNvPr id="3" name="텍스트 개체 틀 2">
             <a:extLst>
               <a:ext uri="{FF2B5EF4-FFF2-40B4-BE49-F238E27FC236}">
-                <a16:creationId xmlns:a16="http://schemas.microsoft.com/office/drawing/2014/main" id="{B3CF3F97-E0D7-5240-BE35-711152EEE042}"/>
+                <a16:creationId xmlns:a16="http://schemas.microsoft.com/office/drawing/2014/main" xmlns="" id="{B3CF3F97-E0D7-5240-BE35-711152EEE042}"/>
               </a:ext>
             </a:extLst>
           </p:cNvPr>
@@ -4608,7 +4608,7 @@
           <p:cNvPr id="4" name="날짜 개체 틀 3">
             <a:extLst>
               <a:ext uri="{FF2B5EF4-FFF2-40B4-BE49-F238E27FC236}">
-                <a16:creationId xmlns:a16="http://schemas.microsoft.com/office/drawing/2014/main" id="{2AFE6831-5729-BA40-AE40-73A706B4EBD6}"/>
+                <a16:creationId xmlns:a16="http://schemas.microsoft.com/office/drawing/2014/main" xmlns="" id="{2AFE6831-5729-BA40-AE40-73A706B4EBD6}"/>
               </a:ext>
             </a:extLst>
           </p:cNvPr>
@@ -4644,7 +4644,7 @@
           <a:p>
             <a:fld id="{B8694C9C-6BB6-9342-9726-5E25EC0060D1}" type="datetimeFigureOut">
               <a:rPr kumimoji="1" lang="ko-KR" altLang="en-US" smtClean="0"/>
-              <a:t>2019. 6. 15.</a:t>
+              <a:t>2019. 6. 16.</a:t>
             </a:fld>
             <a:endParaRPr kumimoji="1" lang="ko-KR" altLang="en-US"/>
           </a:p>
@@ -4655,7 +4655,7 @@
           <p:cNvPr id="5" name="바닥글 개체 틀 4">
             <a:extLst>
               <a:ext uri="{FF2B5EF4-FFF2-40B4-BE49-F238E27FC236}">
-                <a16:creationId xmlns:a16="http://schemas.microsoft.com/office/drawing/2014/main" id="{89EC6802-FC29-224A-91D6-57BEC3CA4A1A}"/>
+                <a16:creationId xmlns:a16="http://schemas.microsoft.com/office/drawing/2014/main" xmlns="" id="{89EC6802-FC29-224A-91D6-57BEC3CA4A1A}"/>
               </a:ext>
             </a:extLst>
           </p:cNvPr>
@@ -4698,7 +4698,7 @@
           <p:cNvPr id="6" name="슬라이드 번호 개체 틀 5">
             <a:extLst>
               <a:ext uri="{FF2B5EF4-FFF2-40B4-BE49-F238E27FC236}">
-                <a16:creationId xmlns:a16="http://schemas.microsoft.com/office/drawing/2014/main" id="{B9B6408E-1F16-3C4F-9C19-98105F272E2C}"/>
+                <a16:creationId xmlns:a16="http://schemas.microsoft.com/office/drawing/2014/main" xmlns="" id="{B9B6408E-1F16-3C4F-9C19-98105F272E2C}"/>
               </a:ext>
             </a:extLst>
           </p:cNvPr>
@@ -5066,7 +5066,7 @@
           <p:cNvPr id="4" name="직사각형 3">
             <a:extLst>
               <a:ext uri="{FF2B5EF4-FFF2-40B4-BE49-F238E27FC236}">
-                <a16:creationId xmlns:a16="http://schemas.microsoft.com/office/drawing/2014/main" id="{EA2D8D37-742E-EF4A-A579-D4FCE47462A2}"/>
+                <a16:creationId xmlns:a16="http://schemas.microsoft.com/office/drawing/2014/main" xmlns="" id="{EA2D8D37-742E-EF4A-A579-D4FCE47462A2}"/>
               </a:ext>
             </a:extLst>
           </p:cNvPr>
@@ -5122,7 +5122,7 @@
           <p:cNvPr id="5" name="직사각형 4">
             <a:extLst>
               <a:ext uri="{FF2B5EF4-FFF2-40B4-BE49-F238E27FC236}">
-                <a16:creationId xmlns:a16="http://schemas.microsoft.com/office/drawing/2014/main" id="{263AF4BD-43FD-F444-9213-EF34F45DC1F1}"/>
+                <a16:creationId xmlns:a16="http://schemas.microsoft.com/office/drawing/2014/main" xmlns="" id="{263AF4BD-43FD-F444-9213-EF34F45DC1F1}"/>
               </a:ext>
             </a:extLst>
           </p:cNvPr>
@@ -5178,7 +5178,7 @@
           <p:cNvPr id="7" name="TextBox 6">
             <a:extLst>
               <a:ext uri="{FF2B5EF4-FFF2-40B4-BE49-F238E27FC236}">
-                <a16:creationId xmlns:a16="http://schemas.microsoft.com/office/drawing/2014/main" id="{71C06810-FA81-E844-8CB0-A63915BE67EA}"/>
+                <a16:creationId xmlns:a16="http://schemas.microsoft.com/office/drawing/2014/main" xmlns="" id="{71C06810-FA81-E844-8CB0-A63915BE67EA}"/>
               </a:ext>
             </a:extLst>
           </p:cNvPr>
@@ -5230,7 +5230,7 @@
           <p:cNvPr id="12" name="모서리가 둥근 직사각형 11">
             <a:extLst>
               <a:ext uri="{FF2B5EF4-FFF2-40B4-BE49-F238E27FC236}">
-                <a16:creationId xmlns:a16="http://schemas.microsoft.com/office/drawing/2014/main" id="{C5488FC6-282C-7148-82F7-288317848D5E}"/>
+                <a16:creationId xmlns:a16="http://schemas.microsoft.com/office/drawing/2014/main" xmlns="" id="{C5488FC6-282C-7148-82F7-288317848D5E}"/>
               </a:ext>
             </a:extLst>
           </p:cNvPr>
@@ -5298,7 +5298,7 @@
           <p:cNvPr id="13" name="TextBox 12">
             <a:extLst>
               <a:ext uri="{FF2B5EF4-FFF2-40B4-BE49-F238E27FC236}">
-                <a16:creationId xmlns:a16="http://schemas.microsoft.com/office/drawing/2014/main" id="{852B469B-6110-9446-A9BB-C28049DB396C}"/>
+                <a16:creationId xmlns:a16="http://schemas.microsoft.com/office/drawing/2014/main" xmlns="" id="{852B469B-6110-9446-A9BB-C28049DB396C}"/>
               </a:ext>
             </a:extLst>
           </p:cNvPr>
@@ -5338,7 +5338,7 @@
           <p:cNvPr id="14" name="TextBox 13">
             <a:extLst>
               <a:ext uri="{FF2B5EF4-FFF2-40B4-BE49-F238E27FC236}">
-                <a16:creationId xmlns:a16="http://schemas.microsoft.com/office/drawing/2014/main" id="{5B516E62-67EC-1843-A453-45B117B38417}"/>
+                <a16:creationId xmlns:a16="http://schemas.microsoft.com/office/drawing/2014/main" xmlns="" id="{5B516E62-67EC-1843-A453-45B117B38417}"/>
               </a:ext>
             </a:extLst>
           </p:cNvPr>
@@ -5382,7 +5382,7 @@
           <p:cNvPr id="16" name="모서리가 둥근 직사각형 15">
             <a:extLst>
               <a:ext uri="{FF2B5EF4-FFF2-40B4-BE49-F238E27FC236}">
-                <a16:creationId xmlns:a16="http://schemas.microsoft.com/office/drawing/2014/main" id="{01A6D671-79C6-4C4A-AE77-03D0B7A9C7D5}"/>
+                <a16:creationId xmlns:a16="http://schemas.microsoft.com/office/drawing/2014/main" xmlns="" id="{01A6D671-79C6-4C4A-AE77-03D0B7A9C7D5}"/>
               </a:ext>
             </a:extLst>
           </p:cNvPr>
@@ -5461,7 +5461,7 @@
           <p:cNvPr id="17" name="모서리가 둥근 직사각형 16">
             <a:extLst>
               <a:ext uri="{FF2B5EF4-FFF2-40B4-BE49-F238E27FC236}">
-                <a16:creationId xmlns:a16="http://schemas.microsoft.com/office/drawing/2014/main" id="{09C1CA4A-D32A-EF40-8921-7271B583A07F}"/>
+                <a16:creationId xmlns:a16="http://schemas.microsoft.com/office/drawing/2014/main" xmlns="" id="{09C1CA4A-D32A-EF40-8921-7271B583A07F}"/>
               </a:ext>
             </a:extLst>
           </p:cNvPr>
@@ -5540,7 +5540,7 @@
           <p:cNvPr id="18" name="TextBox 17">
             <a:extLst>
               <a:ext uri="{FF2B5EF4-FFF2-40B4-BE49-F238E27FC236}">
-                <a16:creationId xmlns:a16="http://schemas.microsoft.com/office/drawing/2014/main" id="{64FA5B03-79E4-524D-960A-19138A7FD148}"/>
+                <a16:creationId xmlns:a16="http://schemas.microsoft.com/office/drawing/2014/main" xmlns="" id="{64FA5B03-79E4-524D-960A-19138A7FD148}"/>
               </a:ext>
             </a:extLst>
           </p:cNvPr>
@@ -5628,7 +5628,7 @@
           <p:cNvPr id="51" name="직사각형 50">
             <a:extLst>
               <a:ext uri="{FF2B5EF4-FFF2-40B4-BE49-F238E27FC236}">
-                <a16:creationId xmlns:a16="http://schemas.microsoft.com/office/drawing/2014/main" id="{6BAFDF80-BFB7-8540-AF87-40B2B429A674}"/>
+                <a16:creationId xmlns:a16="http://schemas.microsoft.com/office/drawing/2014/main" xmlns="" id="{6BAFDF80-BFB7-8540-AF87-40B2B429A674}"/>
               </a:ext>
             </a:extLst>
           </p:cNvPr>
@@ -5684,7 +5684,7 @@
           <p:cNvPr id="52" name="직사각형 51">
             <a:extLst>
               <a:ext uri="{FF2B5EF4-FFF2-40B4-BE49-F238E27FC236}">
-                <a16:creationId xmlns:a16="http://schemas.microsoft.com/office/drawing/2014/main" id="{9C8C66D1-0B5B-4D40-9BD8-7DC86F08AB86}"/>
+                <a16:creationId xmlns:a16="http://schemas.microsoft.com/office/drawing/2014/main" xmlns="" id="{9C8C66D1-0B5B-4D40-9BD8-7DC86F08AB86}"/>
               </a:ext>
             </a:extLst>
           </p:cNvPr>
@@ -5740,7 +5740,7 @@
           <p:cNvPr id="13" name="직사각형 12">
             <a:extLst>
               <a:ext uri="{FF2B5EF4-FFF2-40B4-BE49-F238E27FC236}">
-                <a16:creationId xmlns:a16="http://schemas.microsoft.com/office/drawing/2014/main" id="{1A09CB1E-61C8-BF41-8166-783D974FF436}"/>
+                <a16:creationId xmlns:a16="http://schemas.microsoft.com/office/drawing/2014/main" xmlns="" id="{1A09CB1E-61C8-BF41-8166-783D974FF436}"/>
               </a:ext>
             </a:extLst>
           </p:cNvPr>
@@ -5796,7 +5796,7 @@
           <p:cNvPr id="14" name="TextBox 13">
             <a:extLst>
               <a:ext uri="{FF2B5EF4-FFF2-40B4-BE49-F238E27FC236}">
-                <a16:creationId xmlns:a16="http://schemas.microsoft.com/office/drawing/2014/main" id="{D92B28E7-D15C-C445-8715-5E7C0DEAE706}"/>
+                <a16:creationId xmlns:a16="http://schemas.microsoft.com/office/drawing/2014/main" xmlns="" id="{D92B28E7-D15C-C445-8715-5E7C0DEAE706}"/>
               </a:ext>
             </a:extLst>
           </p:cNvPr>
@@ -5833,7 +5833,7 @@
           <p:cNvPr id="30" name="타원 29">
             <a:extLst>
               <a:ext uri="{FF2B5EF4-FFF2-40B4-BE49-F238E27FC236}">
-                <a16:creationId xmlns:a16="http://schemas.microsoft.com/office/drawing/2014/main" id="{4378C55F-C43E-3645-A977-16D320171DCA}"/>
+                <a16:creationId xmlns:a16="http://schemas.microsoft.com/office/drawing/2014/main" xmlns="" id="{4378C55F-C43E-3645-A977-16D320171DCA}"/>
               </a:ext>
             </a:extLst>
           </p:cNvPr>
@@ -5889,7 +5889,7 @@
           <p:cNvPr id="31" name="타원 30">
             <a:extLst>
               <a:ext uri="{FF2B5EF4-FFF2-40B4-BE49-F238E27FC236}">
-                <a16:creationId xmlns:a16="http://schemas.microsoft.com/office/drawing/2014/main" id="{9D665A84-4DD5-744D-95F4-C99B5584D600}"/>
+                <a16:creationId xmlns:a16="http://schemas.microsoft.com/office/drawing/2014/main" xmlns="" id="{9D665A84-4DD5-744D-95F4-C99B5584D600}"/>
               </a:ext>
             </a:extLst>
           </p:cNvPr>
@@ -5945,7 +5945,7 @@
           <p:cNvPr id="32" name="타원 31">
             <a:extLst>
               <a:ext uri="{FF2B5EF4-FFF2-40B4-BE49-F238E27FC236}">
-                <a16:creationId xmlns:a16="http://schemas.microsoft.com/office/drawing/2014/main" id="{E3D6360C-A35B-8747-9D88-9602F5D7F2F9}"/>
+                <a16:creationId xmlns:a16="http://schemas.microsoft.com/office/drawing/2014/main" xmlns="" id="{E3D6360C-A35B-8747-9D88-9602F5D7F2F9}"/>
               </a:ext>
             </a:extLst>
           </p:cNvPr>
@@ -6001,7 +6001,7 @@
           <p:cNvPr id="6" name="직선 화살표 연결선 5">
             <a:extLst>
               <a:ext uri="{FF2B5EF4-FFF2-40B4-BE49-F238E27FC236}">
-                <a16:creationId xmlns:a16="http://schemas.microsoft.com/office/drawing/2014/main" id="{9DD873BD-4080-5D47-BE24-FA181ACEB8EB}"/>
+                <a16:creationId xmlns:a16="http://schemas.microsoft.com/office/drawing/2014/main" xmlns="" id="{9DD873BD-4080-5D47-BE24-FA181ACEB8EB}"/>
               </a:ext>
             </a:extLst>
           </p:cNvPr>
@@ -6050,7 +6050,7 @@
           <p:cNvPr id="33" name="직선 화살표 연결선 32">
             <a:extLst>
               <a:ext uri="{FF2B5EF4-FFF2-40B4-BE49-F238E27FC236}">
-                <a16:creationId xmlns:a16="http://schemas.microsoft.com/office/drawing/2014/main" id="{146458F6-23DD-AB45-BC92-EBD3FF4E8A36}"/>
+                <a16:creationId xmlns:a16="http://schemas.microsoft.com/office/drawing/2014/main" xmlns="" id="{146458F6-23DD-AB45-BC92-EBD3FF4E8A36}"/>
               </a:ext>
             </a:extLst>
           </p:cNvPr>
@@ -6099,7 +6099,7 @@
           <p:cNvPr id="34" name="TextBox 33">
             <a:extLst>
               <a:ext uri="{FF2B5EF4-FFF2-40B4-BE49-F238E27FC236}">
-                <a16:creationId xmlns:a16="http://schemas.microsoft.com/office/drawing/2014/main" id="{1954F35E-9DA2-3540-A484-957BB46180E5}"/>
+                <a16:creationId xmlns:a16="http://schemas.microsoft.com/office/drawing/2014/main" xmlns="" id="{1954F35E-9DA2-3540-A484-957BB46180E5}"/>
               </a:ext>
             </a:extLst>
           </p:cNvPr>
@@ -6142,7 +6142,7 @@
           <p:cNvPr id="35" name="직선 연결선[R] 34">
             <a:extLst>
               <a:ext uri="{FF2B5EF4-FFF2-40B4-BE49-F238E27FC236}">
-                <a16:creationId xmlns:a16="http://schemas.microsoft.com/office/drawing/2014/main" id="{D5C25C5E-5EA5-8C4A-A06D-EA3467249313}"/>
+                <a16:creationId xmlns:a16="http://schemas.microsoft.com/office/drawing/2014/main" xmlns="" id="{D5C25C5E-5EA5-8C4A-A06D-EA3467249313}"/>
               </a:ext>
             </a:extLst>
           </p:cNvPr>
@@ -6183,7 +6183,7 @@
           <p:cNvPr id="36" name="자유형 35">
             <a:extLst>
               <a:ext uri="{FF2B5EF4-FFF2-40B4-BE49-F238E27FC236}">
-                <a16:creationId xmlns:a16="http://schemas.microsoft.com/office/drawing/2014/main" id="{C4838C43-421E-4B45-B7E3-F96CFB9AB6AE}"/>
+                <a16:creationId xmlns:a16="http://schemas.microsoft.com/office/drawing/2014/main" xmlns="" id="{C4838C43-421E-4B45-B7E3-F96CFB9AB6AE}"/>
               </a:ext>
             </a:extLst>
           </p:cNvPr>
@@ -6630,7 +6630,7 @@
           <p:cNvPr id="37" name="모서리가 둥근 직사각형 36">
             <a:extLst>
               <a:ext uri="{FF2B5EF4-FFF2-40B4-BE49-F238E27FC236}">
-                <a16:creationId xmlns:a16="http://schemas.microsoft.com/office/drawing/2014/main" id="{1649BF16-D703-B24E-B497-9C838E93A014}"/>
+                <a16:creationId xmlns:a16="http://schemas.microsoft.com/office/drawing/2014/main" xmlns="" id="{1649BF16-D703-B24E-B497-9C838E93A014}"/>
               </a:ext>
             </a:extLst>
           </p:cNvPr>
@@ -6698,7 +6698,7 @@
           <p:cNvPr id="41" name="모서리가 둥근 직사각형 40">
             <a:extLst>
               <a:ext uri="{FF2B5EF4-FFF2-40B4-BE49-F238E27FC236}">
-                <a16:creationId xmlns:a16="http://schemas.microsoft.com/office/drawing/2014/main" id="{96CEB80C-CC14-B645-99F5-43F4B6486D60}"/>
+                <a16:creationId xmlns:a16="http://schemas.microsoft.com/office/drawing/2014/main" xmlns="" id="{96CEB80C-CC14-B645-99F5-43F4B6486D60}"/>
               </a:ext>
             </a:extLst>
           </p:cNvPr>
@@ -6809,7 +6809,7 @@
           <p:cNvPr id="42" name="모서리가 둥근 직사각형 41">
             <a:extLst>
               <a:ext uri="{FF2B5EF4-FFF2-40B4-BE49-F238E27FC236}">
-                <a16:creationId xmlns:a16="http://schemas.microsoft.com/office/drawing/2014/main" id="{1305C814-0944-634A-81C5-CCC6628B7C73}"/>
+                <a16:creationId xmlns:a16="http://schemas.microsoft.com/office/drawing/2014/main" xmlns="" id="{1305C814-0944-634A-81C5-CCC6628B7C73}"/>
               </a:ext>
             </a:extLst>
           </p:cNvPr>
@@ -6920,7 +6920,7 @@
           <p:cNvPr id="45" name="모서리가 둥근 직사각형 44">
             <a:extLst>
               <a:ext uri="{FF2B5EF4-FFF2-40B4-BE49-F238E27FC236}">
-                <a16:creationId xmlns:a16="http://schemas.microsoft.com/office/drawing/2014/main" id="{8951F066-94EB-0145-BBE4-D5B66790FC8E}"/>
+                <a16:creationId xmlns:a16="http://schemas.microsoft.com/office/drawing/2014/main" xmlns="" id="{8951F066-94EB-0145-BBE4-D5B66790FC8E}"/>
               </a:ext>
             </a:extLst>
           </p:cNvPr>
@@ -7019,7 +7019,7 @@
           <p:cNvPr id="46" name="TextBox 45">
             <a:extLst>
               <a:ext uri="{FF2B5EF4-FFF2-40B4-BE49-F238E27FC236}">
-                <a16:creationId xmlns:a16="http://schemas.microsoft.com/office/drawing/2014/main" id="{BC60D99E-7852-524D-9FA4-9C09ED819AF3}"/>
+                <a16:creationId xmlns:a16="http://schemas.microsoft.com/office/drawing/2014/main" xmlns="" id="{BC60D99E-7852-524D-9FA4-9C09ED819AF3}"/>
               </a:ext>
             </a:extLst>
           </p:cNvPr>
@@ -7069,7 +7069,7 @@
           <p:cNvPr id="47" name="TextBox 46">
             <a:extLst>
               <a:ext uri="{FF2B5EF4-FFF2-40B4-BE49-F238E27FC236}">
-                <a16:creationId xmlns:a16="http://schemas.microsoft.com/office/drawing/2014/main" id="{5A60C7BE-814A-FB4B-BC86-0DCE77A71ADB}"/>
+                <a16:creationId xmlns:a16="http://schemas.microsoft.com/office/drawing/2014/main" xmlns="" id="{5A60C7BE-814A-FB4B-BC86-0DCE77A71ADB}"/>
               </a:ext>
             </a:extLst>
           </p:cNvPr>
@@ -7106,7 +7106,7 @@
           <p:cNvPr id="48" name="TextBox 47">
             <a:extLst>
               <a:ext uri="{FF2B5EF4-FFF2-40B4-BE49-F238E27FC236}">
-                <a16:creationId xmlns:a16="http://schemas.microsoft.com/office/drawing/2014/main" id="{33C38E3D-81B7-5842-8A87-8B5FF37130A7}"/>
+                <a16:creationId xmlns:a16="http://schemas.microsoft.com/office/drawing/2014/main" xmlns="" id="{33C38E3D-81B7-5842-8A87-8B5FF37130A7}"/>
               </a:ext>
             </a:extLst>
           </p:cNvPr>
@@ -7155,7 +7155,7 @@
           <p:cNvPr id="49" name="직사각형 48">
             <a:extLst>
               <a:ext uri="{FF2B5EF4-FFF2-40B4-BE49-F238E27FC236}">
-                <a16:creationId xmlns:a16="http://schemas.microsoft.com/office/drawing/2014/main" id="{14F53B52-BB57-7544-9ADD-9CB7E45FCB50}"/>
+                <a16:creationId xmlns:a16="http://schemas.microsoft.com/office/drawing/2014/main" xmlns="" id="{14F53B52-BB57-7544-9ADD-9CB7E45FCB50}"/>
               </a:ext>
             </a:extLst>
           </p:cNvPr>
@@ -7207,7 +7207,7 @@
           <p:cNvPr id="50" name="직선 연결선[R] 49">
             <a:extLst>
               <a:ext uri="{FF2B5EF4-FFF2-40B4-BE49-F238E27FC236}">
-                <a16:creationId xmlns:a16="http://schemas.microsoft.com/office/drawing/2014/main" id="{77DAF59A-5D5B-6848-824C-67B16B23923E}"/>
+                <a16:creationId xmlns:a16="http://schemas.microsoft.com/office/drawing/2014/main" xmlns="" id="{77DAF59A-5D5B-6848-824C-67B16B23923E}"/>
               </a:ext>
             </a:extLst>
           </p:cNvPr>
@@ -7250,7 +7250,7 @@
           <p:cNvPr id="53" name="모서리가 둥근 직사각형 52">
             <a:extLst>
               <a:ext uri="{FF2B5EF4-FFF2-40B4-BE49-F238E27FC236}">
-                <a16:creationId xmlns:a16="http://schemas.microsoft.com/office/drawing/2014/main" id="{F8C686D9-20FF-FE43-B214-B00595840842}"/>
+                <a16:creationId xmlns:a16="http://schemas.microsoft.com/office/drawing/2014/main" xmlns="" id="{F8C686D9-20FF-FE43-B214-B00595840842}"/>
               </a:ext>
             </a:extLst>
           </p:cNvPr>
@@ -7318,7 +7318,7 @@
           <p:cNvPr id="29" name="TextBox 28">
             <a:extLst>
               <a:ext uri="{FF2B5EF4-FFF2-40B4-BE49-F238E27FC236}">
-                <a16:creationId xmlns:a16="http://schemas.microsoft.com/office/drawing/2014/main" id="{001529B2-C00D-4D4F-BEB9-70140837CDB4}"/>
+                <a16:creationId xmlns:a16="http://schemas.microsoft.com/office/drawing/2014/main" xmlns="" id="{001529B2-C00D-4D4F-BEB9-70140837CDB4}"/>
               </a:ext>
             </a:extLst>
           </p:cNvPr>
@@ -7358,7 +7358,7 @@
           <p:cNvPr id="38" name="TextBox 37">
             <a:extLst>
               <a:ext uri="{FF2B5EF4-FFF2-40B4-BE49-F238E27FC236}">
-                <a16:creationId xmlns:a16="http://schemas.microsoft.com/office/drawing/2014/main" id="{69074E22-F89C-A349-8330-71928693398F}"/>
+                <a16:creationId xmlns:a16="http://schemas.microsoft.com/office/drawing/2014/main" xmlns="" id="{69074E22-F89C-A349-8330-71928693398F}"/>
               </a:ext>
             </a:extLst>
           </p:cNvPr>
@@ -7406,6 +7406,79 @@
                 <a:schemeClr val="bg1">
                   <a:lumMod val="50000"/>
                 </a:schemeClr>
+              </a:solidFill>
+            </a:endParaRPr>
+          </a:p>
+        </p:txBody>
+      </p:sp>
+      <p:sp>
+        <p:nvSpPr>
+          <p:cNvPr id="26" name="모서리가 둥근 직사각형 25">
+            <a:extLst>
+              <a:ext uri="{FF2B5EF4-FFF2-40B4-BE49-F238E27FC236}">
+                <a16:creationId xmlns:a16="http://schemas.microsoft.com/office/drawing/2014/main" xmlns="" id="{1649BF16-D703-B24E-B497-9C838E93A014}"/>
+              </a:ext>
+            </a:extLst>
+          </p:cNvPr>
+          <p:cNvSpPr/>
+          <p:nvPr/>
+        </p:nvSpPr>
+        <p:spPr>
+          <a:xfrm>
+            <a:off x="6535896" y="657529"/>
+            <a:ext cx="762080" cy="217536"/>
+          </a:xfrm>
+          <a:prstGeom prst="roundRect">
+            <a:avLst>
+              <a:gd name="adj" fmla="val 12230"/>
+            </a:avLst>
+          </a:prstGeom>
+          <a:solidFill>
+            <a:srgbClr val="00A5FA"/>
+          </a:solidFill>
+          <a:ln>
+            <a:solidFill>
+              <a:srgbClr val="00B0F0"/>
+            </a:solidFill>
+          </a:ln>
+        </p:spPr>
+        <p:style>
+          <a:lnRef idx="2">
+            <a:schemeClr val="accent1">
+              <a:shade val="50000"/>
+            </a:schemeClr>
+          </a:lnRef>
+          <a:fillRef idx="1">
+            <a:schemeClr val="accent1"/>
+          </a:fillRef>
+          <a:effectRef idx="0">
+            <a:schemeClr val="accent1"/>
+          </a:effectRef>
+          <a:fontRef idx="minor">
+            <a:schemeClr val="lt1"/>
+          </a:fontRef>
+        </p:style>
+        <p:txBody>
+          <a:bodyPr rot="0" spcFirstLastPara="0" vertOverflow="overflow" horzOverflow="overflow" vert="horz" wrap="square" lIns="91440" tIns="45720" rIns="91440" bIns="45720" numCol="1" spcCol="0" rtlCol="0" fromWordArt="0" anchor="ctr" anchorCtr="0" forceAA="0" compatLnSpc="1">
+            <a:prstTxWarp prst="textNoShape">
+              <a:avLst/>
+            </a:prstTxWarp>
+            <a:noAutofit/>
+          </a:bodyPr>
+          <a:lstStyle/>
+          <a:p>
+            <a:pPr algn="ctr"/>
+            <a:r>
+              <a:rPr kumimoji="1" lang="ko-KR" altLang="en-US" sz="1000" dirty="0" smtClean="0">
+                <a:solidFill>
+                  <a:schemeClr val="bg1"/>
+                </a:solidFill>
+              </a:rPr>
+              <a:t>링크 복사</a:t>
+            </a:r>
+            <a:endParaRPr kumimoji="1" lang="ko-KR" altLang="en-US" sz="1000" dirty="0">
+              <a:solidFill>
+                <a:schemeClr val="bg1"/>
               </a:solidFill>
             </a:endParaRPr>
           </a:p>
@@ -7446,7 +7519,7 @@
           <p:cNvPr id="13" name="직사각형 12">
             <a:extLst>
               <a:ext uri="{FF2B5EF4-FFF2-40B4-BE49-F238E27FC236}">
-                <a16:creationId xmlns:a16="http://schemas.microsoft.com/office/drawing/2014/main" id="{1A09CB1E-61C8-BF41-8166-783D974FF436}"/>
+                <a16:creationId xmlns:a16="http://schemas.microsoft.com/office/drawing/2014/main" xmlns="" id="{1A09CB1E-61C8-BF41-8166-783D974FF436}"/>
               </a:ext>
             </a:extLst>
           </p:cNvPr>
@@ -7502,7 +7575,7 @@
           <p:cNvPr id="14" name="TextBox 13">
             <a:extLst>
               <a:ext uri="{FF2B5EF4-FFF2-40B4-BE49-F238E27FC236}">
-                <a16:creationId xmlns:a16="http://schemas.microsoft.com/office/drawing/2014/main" id="{D92B28E7-D15C-C445-8715-5E7C0DEAE706}"/>
+                <a16:creationId xmlns:a16="http://schemas.microsoft.com/office/drawing/2014/main" xmlns="" id="{D92B28E7-D15C-C445-8715-5E7C0DEAE706}"/>
               </a:ext>
             </a:extLst>
           </p:cNvPr>
@@ -7539,7 +7612,7 @@
           <p:cNvPr id="21" name="직사각형 20">
             <a:extLst>
               <a:ext uri="{FF2B5EF4-FFF2-40B4-BE49-F238E27FC236}">
-                <a16:creationId xmlns:a16="http://schemas.microsoft.com/office/drawing/2014/main" id="{A871EC61-223C-0447-B82C-FEE0B482521B}"/>
+                <a16:creationId xmlns:a16="http://schemas.microsoft.com/office/drawing/2014/main" xmlns="" id="{A871EC61-223C-0447-B82C-FEE0B482521B}"/>
               </a:ext>
             </a:extLst>
           </p:cNvPr>
@@ -7595,7 +7668,7 @@
           <p:cNvPr id="39" name="자유형 38">
             <a:extLst>
               <a:ext uri="{FF2B5EF4-FFF2-40B4-BE49-F238E27FC236}">
-                <a16:creationId xmlns:a16="http://schemas.microsoft.com/office/drawing/2014/main" id="{F01CBAAC-16CC-C243-A5ED-D0B15F1CFB90}"/>
+                <a16:creationId xmlns:a16="http://schemas.microsoft.com/office/drawing/2014/main" xmlns="" id="{F01CBAAC-16CC-C243-A5ED-D0B15F1CFB90}"/>
               </a:ext>
             </a:extLst>
           </p:cNvPr>
@@ -7898,7 +7971,7 @@
           <p:cNvPr id="41" name="자유형 40">
             <a:extLst>
               <a:ext uri="{FF2B5EF4-FFF2-40B4-BE49-F238E27FC236}">
-                <a16:creationId xmlns:a16="http://schemas.microsoft.com/office/drawing/2014/main" id="{707B7328-3B58-114E-AACD-588358DE2C85}"/>
+                <a16:creationId xmlns:a16="http://schemas.microsoft.com/office/drawing/2014/main" xmlns="" id="{707B7328-3B58-114E-AACD-588358DE2C85}"/>
               </a:ext>
             </a:extLst>
           </p:cNvPr>
@@ -8190,7 +8263,7 @@
           <p:cNvPr id="27" name="직사각형 26">
             <a:extLst>
               <a:ext uri="{FF2B5EF4-FFF2-40B4-BE49-F238E27FC236}">
-                <a16:creationId xmlns:a16="http://schemas.microsoft.com/office/drawing/2014/main" id="{324B93C4-54CD-364D-AE04-E89369BD362F}"/>
+                <a16:creationId xmlns:a16="http://schemas.microsoft.com/office/drawing/2014/main" xmlns="" id="{324B93C4-54CD-364D-AE04-E89369BD362F}"/>
               </a:ext>
             </a:extLst>
           </p:cNvPr>
@@ -8242,7 +8315,7 @@
           <p:cNvPr id="3" name="직선 연결선[R] 2">
             <a:extLst>
               <a:ext uri="{FF2B5EF4-FFF2-40B4-BE49-F238E27FC236}">
-                <a16:creationId xmlns:a16="http://schemas.microsoft.com/office/drawing/2014/main" id="{703E2DF6-4AB2-EF49-A3C5-F19D70859C0E}"/>
+                <a16:creationId xmlns:a16="http://schemas.microsoft.com/office/drawing/2014/main" xmlns="" id="{703E2DF6-4AB2-EF49-A3C5-F19D70859C0E}"/>
               </a:ext>
             </a:extLst>
           </p:cNvPr>
@@ -8285,7 +8358,7 @@
           <p:cNvPr id="38" name="자유형 37">
             <a:extLst>
               <a:ext uri="{FF2B5EF4-FFF2-40B4-BE49-F238E27FC236}">
-                <a16:creationId xmlns:a16="http://schemas.microsoft.com/office/drawing/2014/main" id="{39ED7C97-C917-C740-AAC7-BAA87FCBD74F}"/>
+                <a16:creationId xmlns:a16="http://schemas.microsoft.com/office/drawing/2014/main" xmlns="" id="{39ED7C97-C917-C740-AAC7-BAA87FCBD74F}"/>
               </a:ext>
             </a:extLst>
           </p:cNvPr>
@@ -8590,7 +8663,7 @@
           <p:cNvPr id="29" name="TextBox 28">
             <a:extLst>
               <a:ext uri="{FF2B5EF4-FFF2-40B4-BE49-F238E27FC236}">
-                <a16:creationId xmlns:a16="http://schemas.microsoft.com/office/drawing/2014/main" id="{ADA8295D-F93C-3047-AEE6-7A0499D3324A}"/>
+                <a16:creationId xmlns:a16="http://schemas.microsoft.com/office/drawing/2014/main" xmlns="" id="{ADA8295D-F93C-3047-AEE6-7A0499D3324A}"/>
               </a:ext>
             </a:extLst>
           </p:cNvPr>
@@ -8640,7 +8713,7 @@
           <p:cNvPr id="34" name="직사각형 33">
             <a:extLst>
               <a:ext uri="{FF2B5EF4-FFF2-40B4-BE49-F238E27FC236}">
-                <a16:creationId xmlns:a16="http://schemas.microsoft.com/office/drawing/2014/main" id="{85AE415A-F52E-6849-89F6-B7DF9B5D0D2D}"/>
+                <a16:creationId xmlns:a16="http://schemas.microsoft.com/office/drawing/2014/main" xmlns="" id="{85AE415A-F52E-6849-89F6-B7DF9B5D0D2D}"/>
               </a:ext>
             </a:extLst>
           </p:cNvPr>
@@ -8696,7 +8769,7 @@
           <p:cNvPr id="35" name="모서리가 둥근 직사각형 34">
             <a:extLst>
               <a:ext uri="{FF2B5EF4-FFF2-40B4-BE49-F238E27FC236}">
-                <a16:creationId xmlns:a16="http://schemas.microsoft.com/office/drawing/2014/main" id="{A4971372-9237-B048-B2E9-0A06977A32A0}"/>
+                <a16:creationId xmlns:a16="http://schemas.microsoft.com/office/drawing/2014/main" xmlns="" id="{A4971372-9237-B048-B2E9-0A06977A32A0}"/>
               </a:ext>
             </a:extLst>
           </p:cNvPr>
@@ -8764,7 +8837,7 @@
           <p:cNvPr id="37" name="TextBox 36">
             <a:extLst>
               <a:ext uri="{FF2B5EF4-FFF2-40B4-BE49-F238E27FC236}">
-                <a16:creationId xmlns:a16="http://schemas.microsoft.com/office/drawing/2014/main" id="{985B151C-01C4-014A-B006-E8E125897B00}"/>
+                <a16:creationId xmlns:a16="http://schemas.microsoft.com/office/drawing/2014/main" xmlns="" id="{985B151C-01C4-014A-B006-E8E125897B00}"/>
               </a:ext>
             </a:extLst>
           </p:cNvPr>
@@ -8801,7 +8874,7 @@
           <p:cNvPr id="40" name="TextBox 39">
             <a:extLst>
               <a:ext uri="{FF2B5EF4-FFF2-40B4-BE49-F238E27FC236}">
-                <a16:creationId xmlns:a16="http://schemas.microsoft.com/office/drawing/2014/main" id="{FF2CD8B2-D563-3246-A9AF-E3C8601CB67D}"/>
+                <a16:creationId xmlns:a16="http://schemas.microsoft.com/office/drawing/2014/main" xmlns="" id="{FF2CD8B2-D563-3246-A9AF-E3C8601CB67D}"/>
               </a:ext>
             </a:extLst>
           </p:cNvPr>
@@ -8837,7 +8910,7 @@
           <p:cNvPr id="2" name="TextBox 1">
             <a:extLst>
               <a:ext uri="{FF2B5EF4-FFF2-40B4-BE49-F238E27FC236}">
-                <a16:creationId xmlns:a16="http://schemas.microsoft.com/office/drawing/2014/main" id="{342D94B4-3572-1345-95DA-6137D8C8DE3B}"/>
+                <a16:creationId xmlns:a16="http://schemas.microsoft.com/office/drawing/2014/main" xmlns="" id="{342D94B4-3572-1345-95DA-6137D8C8DE3B}"/>
               </a:ext>
             </a:extLst>
           </p:cNvPr>
@@ -8886,7 +8959,7 @@
           <p:cNvPr id="24" name="TextBox 23">
             <a:extLst>
               <a:ext uri="{FF2B5EF4-FFF2-40B4-BE49-F238E27FC236}">
-                <a16:creationId xmlns:a16="http://schemas.microsoft.com/office/drawing/2014/main" id="{A981D1E3-3D90-3247-975C-84C640002CD1}"/>
+                <a16:creationId xmlns:a16="http://schemas.microsoft.com/office/drawing/2014/main" xmlns="" id="{A981D1E3-3D90-3247-975C-84C640002CD1}"/>
               </a:ext>
             </a:extLst>
           </p:cNvPr>
@@ -8922,7 +8995,7 @@
           <p:cNvPr id="32" name="모서리가 둥근 직사각형 31">
             <a:extLst>
               <a:ext uri="{FF2B5EF4-FFF2-40B4-BE49-F238E27FC236}">
-                <a16:creationId xmlns:a16="http://schemas.microsoft.com/office/drawing/2014/main" id="{B59F14F9-9C33-A149-BB80-3F36949E7F3B}"/>
+                <a16:creationId xmlns:a16="http://schemas.microsoft.com/office/drawing/2014/main" xmlns="" id="{B59F14F9-9C33-A149-BB80-3F36949E7F3B}"/>
               </a:ext>
             </a:extLst>
           </p:cNvPr>
@@ -9001,7 +9074,7 @@
           <p:cNvPr id="22" name="직사각형 21">
             <a:extLst>
               <a:ext uri="{FF2B5EF4-FFF2-40B4-BE49-F238E27FC236}">
-                <a16:creationId xmlns:a16="http://schemas.microsoft.com/office/drawing/2014/main" id="{1DF4C30D-B860-CF42-A2D2-8933EF262E6F}"/>
+                <a16:creationId xmlns:a16="http://schemas.microsoft.com/office/drawing/2014/main" xmlns="" id="{1DF4C30D-B860-CF42-A2D2-8933EF262E6F}"/>
               </a:ext>
             </a:extLst>
           </p:cNvPr>
@@ -9057,7 +9130,7 @@
           <p:cNvPr id="23" name="모서리가 둥근 직사각형 22">
             <a:extLst>
               <a:ext uri="{FF2B5EF4-FFF2-40B4-BE49-F238E27FC236}">
-                <a16:creationId xmlns:a16="http://schemas.microsoft.com/office/drawing/2014/main" id="{A63988F2-FAC3-5045-8EA4-4720DBA24757}"/>
+                <a16:creationId xmlns:a16="http://schemas.microsoft.com/office/drawing/2014/main" xmlns="" id="{A63988F2-FAC3-5045-8EA4-4720DBA24757}"/>
               </a:ext>
             </a:extLst>
           </p:cNvPr>
@@ -9125,7 +9198,7 @@
           <p:cNvPr id="8" name="타원 7">
             <a:extLst>
               <a:ext uri="{FF2B5EF4-FFF2-40B4-BE49-F238E27FC236}">
-                <a16:creationId xmlns:a16="http://schemas.microsoft.com/office/drawing/2014/main" id="{17CBA615-565C-AB45-868B-9C6119032236}"/>
+                <a16:creationId xmlns:a16="http://schemas.microsoft.com/office/drawing/2014/main" xmlns="" id="{17CBA615-565C-AB45-868B-9C6119032236}"/>
               </a:ext>
             </a:extLst>
           </p:cNvPr>
@@ -9177,7 +9250,7 @@
           <p:cNvPr id="42" name="자유형 41">
             <a:extLst>
               <a:ext uri="{FF2B5EF4-FFF2-40B4-BE49-F238E27FC236}">
-                <a16:creationId xmlns:a16="http://schemas.microsoft.com/office/drawing/2014/main" id="{D118E58B-320B-8847-9091-5DBE4CFBE0D7}"/>
+                <a16:creationId xmlns:a16="http://schemas.microsoft.com/office/drawing/2014/main" xmlns="" id="{D118E58B-320B-8847-9091-5DBE4CFBE0D7}"/>
               </a:ext>
             </a:extLst>
           </p:cNvPr>
@@ -9333,7 +9406,7 @@
           <p:cNvPr id="30" name="TextBox 29">
             <a:extLst>
               <a:ext uri="{FF2B5EF4-FFF2-40B4-BE49-F238E27FC236}">
-                <a16:creationId xmlns:a16="http://schemas.microsoft.com/office/drawing/2014/main" id="{001529B2-C00D-4D4F-BEB9-70140837CDB4}"/>
+                <a16:creationId xmlns:a16="http://schemas.microsoft.com/office/drawing/2014/main" xmlns="" id="{001529B2-C00D-4D4F-BEB9-70140837CDB4}"/>
               </a:ext>
             </a:extLst>
           </p:cNvPr>
@@ -9373,7 +9446,7 @@
           <p:cNvPr id="31" name="TextBox 30">
             <a:extLst>
               <a:ext uri="{FF2B5EF4-FFF2-40B4-BE49-F238E27FC236}">
-                <a16:creationId xmlns:a16="http://schemas.microsoft.com/office/drawing/2014/main" id="{69074E22-F89C-A349-8330-71928693398F}"/>
+                <a16:creationId xmlns:a16="http://schemas.microsoft.com/office/drawing/2014/main" xmlns="" id="{69074E22-F89C-A349-8330-71928693398F}"/>
               </a:ext>
             </a:extLst>
           </p:cNvPr>
@@ -9475,7 +9548,7 @@
             <p:cNvPr id="21" name="직사각형 20">
               <a:extLst>
                 <a:ext uri="{FF2B5EF4-FFF2-40B4-BE49-F238E27FC236}">
-                  <a16:creationId xmlns:a16="http://schemas.microsoft.com/office/drawing/2014/main" id="{A871EC61-223C-0447-B82C-FEE0B482521B}"/>
+                  <a16:creationId xmlns:a16="http://schemas.microsoft.com/office/drawing/2014/main" xmlns="" id="{A871EC61-223C-0447-B82C-FEE0B482521B}"/>
                 </a:ext>
               </a:extLst>
             </p:cNvPr>
@@ -9531,7 +9604,7 @@
             <p:cNvPr id="32" name="모서리가 둥근 직사각형 31">
               <a:extLst>
                 <a:ext uri="{FF2B5EF4-FFF2-40B4-BE49-F238E27FC236}">
-                  <a16:creationId xmlns:a16="http://schemas.microsoft.com/office/drawing/2014/main" id="{777FA8F5-1A96-B147-83BA-21C0D5D60CB4}"/>
+                  <a16:creationId xmlns:a16="http://schemas.microsoft.com/office/drawing/2014/main" xmlns="" id="{777FA8F5-1A96-B147-83BA-21C0D5D60CB4}"/>
                 </a:ext>
               </a:extLst>
             </p:cNvPr>
@@ -9639,7 +9712,7 @@
           <p:cNvPr id="13" name="직사각형 12">
             <a:extLst>
               <a:ext uri="{FF2B5EF4-FFF2-40B4-BE49-F238E27FC236}">
-                <a16:creationId xmlns:a16="http://schemas.microsoft.com/office/drawing/2014/main" id="{1A09CB1E-61C8-BF41-8166-783D974FF436}"/>
+                <a16:creationId xmlns:a16="http://schemas.microsoft.com/office/drawing/2014/main" xmlns="" id="{1A09CB1E-61C8-BF41-8166-783D974FF436}"/>
               </a:ext>
             </a:extLst>
           </p:cNvPr>
@@ -9695,7 +9768,7 @@
           <p:cNvPr id="14" name="TextBox 13">
             <a:extLst>
               <a:ext uri="{FF2B5EF4-FFF2-40B4-BE49-F238E27FC236}">
-                <a16:creationId xmlns:a16="http://schemas.microsoft.com/office/drawing/2014/main" id="{D92B28E7-D15C-C445-8715-5E7C0DEAE706}"/>
+                <a16:creationId xmlns:a16="http://schemas.microsoft.com/office/drawing/2014/main" xmlns="" id="{D92B28E7-D15C-C445-8715-5E7C0DEAE706}"/>
               </a:ext>
             </a:extLst>
           </p:cNvPr>
@@ -9732,7 +9805,7 @@
           <p:cNvPr id="22" name="직사각형 21">
             <a:extLst>
               <a:ext uri="{FF2B5EF4-FFF2-40B4-BE49-F238E27FC236}">
-                <a16:creationId xmlns:a16="http://schemas.microsoft.com/office/drawing/2014/main" id="{1DF4C30D-B860-CF42-A2D2-8933EF262E6F}"/>
+                <a16:creationId xmlns:a16="http://schemas.microsoft.com/office/drawing/2014/main" xmlns="" id="{1DF4C30D-B860-CF42-A2D2-8933EF262E6F}"/>
               </a:ext>
             </a:extLst>
           </p:cNvPr>
@@ -9788,7 +9861,7 @@
           <p:cNvPr id="25" name="모서리가 둥근 직사각형 24">
             <a:extLst>
               <a:ext uri="{FF2B5EF4-FFF2-40B4-BE49-F238E27FC236}">
-                <a16:creationId xmlns:a16="http://schemas.microsoft.com/office/drawing/2014/main" id="{09A9694D-0652-AE48-A0AC-1AAC084FD95D}"/>
+                <a16:creationId xmlns:a16="http://schemas.microsoft.com/office/drawing/2014/main" xmlns="" id="{09A9694D-0652-AE48-A0AC-1AAC084FD95D}"/>
               </a:ext>
             </a:extLst>
           </p:cNvPr>
@@ -9893,7 +9966,7 @@
           <p:cNvPr id="26" name="모서리가 둥근 직사각형 25">
             <a:extLst>
               <a:ext uri="{FF2B5EF4-FFF2-40B4-BE49-F238E27FC236}">
-                <a16:creationId xmlns:a16="http://schemas.microsoft.com/office/drawing/2014/main" id="{2D84FF30-0FEE-3A49-937B-6991B10B5CD3}"/>
+                <a16:creationId xmlns:a16="http://schemas.microsoft.com/office/drawing/2014/main" xmlns="" id="{2D84FF30-0FEE-3A49-937B-6991B10B5CD3}"/>
               </a:ext>
             </a:extLst>
           </p:cNvPr>
@@ -9998,7 +10071,7 @@
           <p:cNvPr id="28" name="모서리가 둥근 직사각형 27">
             <a:extLst>
               <a:ext uri="{FF2B5EF4-FFF2-40B4-BE49-F238E27FC236}">
-                <a16:creationId xmlns:a16="http://schemas.microsoft.com/office/drawing/2014/main" id="{777FA8F5-1A96-B147-83BA-21C0D5D60CB4}"/>
+                <a16:creationId xmlns:a16="http://schemas.microsoft.com/office/drawing/2014/main" xmlns="" id="{777FA8F5-1A96-B147-83BA-21C0D5D60CB4}"/>
               </a:ext>
             </a:extLst>
           </p:cNvPr>
@@ -10153,7 +10226,7 @@
           <p:cNvPr id="17" name="자유형 16">
             <a:extLst>
               <a:ext uri="{FF2B5EF4-FFF2-40B4-BE49-F238E27FC236}">
-                <a16:creationId xmlns:a16="http://schemas.microsoft.com/office/drawing/2014/main" id="{D118E58B-320B-8847-9091-5DBE4CFBE0D7}"/>
+                <a16:creationId xmlns:a16="http://schemas.microsoft.com/office/drawing/2014/main" xmlns="" id="{D118E58B-320B-8847-9091-5DBE4CFBE0D7}"/>
               </a:ext>
             </a:extLst>
           </p:cNvPr>
@@ -10309,7 +10382,7 @@
           <p:cNvPr id="18" name="모서리가 둥근 직사각형 17">
             <a:extLst>
               <a:ext uri="{FF2B5EF4-FFF2-40B4-BE49-F238E27FC236}">
-                <a16:creationId xmlns:a16="http://schemas.microsoft.com/office/drawing/2014/main" id="{09A9694D-0652-AE48-A0AC-1AAC084FD95D}"/>
+                <a16:creationId xmlns:a16="http://schemas.microsoft.com/office/drawing/2014/main" xmlns="" id="{09A9694D-0652-AE48-A0AC-1AAC084FD95D}"/>
               </a:ext>
             </a:extLst>
           </p:cNvPr>
@@ -10414,7 +10487,7 @@
           <p:cNvPr id="19" name="직사각형 18">
             <a:extLst>
               <a:ext uri="{FF2B5EF4-FFF2-40B4-BE49-F238E27FC236}">
-                <a16:creationId xmlns:a16="http://schemas.microsoft.com/office/drawing/2014/main" id="{1DF4C30D-B860-CF42-A2D2-8933EF262E6F}"/>
+                <a16:creationId xmlns:a16="http://schemas.microsoft.com/office/drawing/2014/main" xmlns="" id="{1DF4C30D-B860-CF42-A2D2-8933EF262E6F}"/>
               </a:ext>
             </a:extLst>
           </p:cNvPr>
@@ -10470,7 +10543,7 @@
           <p:cNvPr id="23" name="모서리가 둥근 직사각형 22">
             <a:extLst>
               <a:ext uri="{FF2B5EF4-FFF2-40B4-BE49-F238E27FC236}">
-                <a16:creationId xmlns:a16="http://schemas.microsoft.com/office/drawing/2014/main" id="{09A9694D-0652-AE48-A0AC-1AAC084FD95D}"/>
+                <a16:creationId xmlns:a16="http://schemas.microsoft.com/office/drawing/2014/main" xmlns="" id="{09A9694D-0652-AE48-A0AC-1AAC084FD95D}"/>
               </a:ext>
             </a:extLst>
           </p:cNvPr>
@@ -10554,7 +10627,7 @@
           <p:cNvPr id="24" name="모서리가 둥근 직사각형 23">
             <a:extLst>
               <a:ext uri="{FF2B5EF4-FFF2-40B4-BE49-F238E27FC236}">
-                <a16:creationId xmlns:a16="http://schemas.microsoft.com/office/drawing/2014/main" id="{09A9694D-0652-AE48-A0AC-1AAC084FD95D}"/>
+                <a16:creationId xmlns:a16="http://schemas.microsoft.com/office/drawing/2014/main" xmlns="" id="{09A9694D-0652-AE48-A0AC-1AAC084FD95D}"/>
               </a:ext>
             </a:extLst>
           </p:cNvPr>
@@ -10627,7 +10700,7 @@
           <p:cNvPr id="30" name="모서리가 둥근 직사각형 29">
             <a:extLst>
               <a:ext uri="{FF2B5EF4-FFF2-40B4-BE49-F238E27FC236}">
-                <a16:creationId xmlns:a16="http://schemas.microsoft.com/office/drawing/2014/main" id="{09A9694D-0652-AE48-A0AC-1AAC084FD95D}"/>
+                <a16:creationId xmlns:a16="http://schemas.microsoft.com/office/drawing/2014/main" xmlns="" id="{09A9694D-0652-AE48-A0AC-1AAC084FD95D}"/>
               </a:ext>
             </a:extLst>
           </p:cNvPr>
@@ -10700,7 +10773,7 @@
           <p:cNvPr id="36" name="TextBox 35">
             <a:extLst>
               <a:ext uri="{FF2B5EF4-FFF2-40B4-BE49-F238E27FC236}">
-                <a16:creationId xmlns:a16="http://schemas.microsoft.com/office/drawing/2014/main" id="{001529B2-C00D-4D4F-BEB9-70140837CDB4}"/>
+                <a16:creationId xmlns:a16="http://schemas.microsoft.com/office/drawing/2014/main" xmlns="" id="{001529B2-C00D-4D4F-BEB9-70140837CDB4}"/>
               </a:ext>
             </a:extLst>
           </p:cNvPr>
@@ -10740,7 +10813,7 @@
           <p:cNvPr id="37" name="TextBox 36">
             <a:extLst>
               <a:ext uri="{FF2B5EF4-FFF2-40B4-BE49-F238E27FC236}">
-                <a16:creationId xmlns:a16="http://schemas.microsoft.com/office/drawing/2014/main" id="{69074E22-F89C-A349-8330-71928693398F}"/>
+                <a16:creationId xmlns:a16="http://schemas.microsoft.com/office/drawing/2014/main" xmlns="" id="{69074E22-F89C-A349-8330-71928693398F}"/>
               </a:ext>
             </a:extLst>
           </p:cNvPr>
@@ -10798,7 +10871,7 @@
           <p:cNvPr id="38" name="직사각형 37">
             <a:extLst>
               <a:ext uri="{FF2B5EF4-FFF2-40B4-BE49-F238E27FC236}">
-                <a16:creationId xmlns:a16="http://schemas.microsoft.com/office/drawing/2014/main" id="{1DF4C30D-B860-CF42-A2D2-8933EF262E6F}"/>
+                <a16:creationId xmlns:a16="http://schemas.microsoft.com/office/drawing/2014/main" xmlns="" id="{1DF4C30D-B860-CF42-A2D2-8933EF262E6F}"/>
               </a:ext>
             </a:extLst>
           </p:cNvPr>
@@ -10854,7 +10927,7 @@
           <p:cNvPr id="39" name="모서리가 둥근 직사각형 38">
             <a:extLst>
               <a:ext uri="{FF2B5EF4-FFF2-40B4-BE49-F238E27FC236}">
-                <a16:creationId xmlns:a16="http://schemas.microsoft.com/office/drawing/2014/main" id="{09A9694D-0652-AE48-A0AC-1AAC084FD95D}"/>
+                <a16:creationId xmlns:a16="http://schemas.microsoft.com/office/drawing/2014/main" xmlns="" id="{09A9694D-0652-AE48-A0AC-1AAC084FD95D}"/>
               </a:ext>
             </a:extLst>
           </p:cNvPr>
@@ -10925,7 +10998,7 @@
           <p:cNvPr id="40" name="모서리가 둥근 직사각형 39">
             <a:extLst>
               <a:ext uri="{FF2B5EF4-FFF2-40B4-BE49-F238E27FC236}">
-                <a16:creationId xmlns:a16="http://schemas.microsoft.com/office/drawing/2014/main" id="{09A9694D-0652-AE48-A0AC-1AAC084FD95D}"/>
+                <a16:creationId xmlns:a16="http://schemas.microsoft.com/office/drawing/2014/main" xmlns="" id="{09A9694D-0652-AE48-A0AC-1AAC084FD95D}"/>
               </a:ext>
             </a:extLst>
           </p:cNvPr>
@@ -11079,7 +11152,7 @@
             <p:cNvPr id="21" name="직사각형 20">
               <a:extLst>
                 <a:ext uri="{FF2B5EF4-FFF2-40B4-BE49-F238E27FC236}">
-                  <a16:creationId xmlns:a16="http://schemas.microsoft.com/office/drawing/2014/main" id="{A871EC61-223C-0447-B82C-FEE0B482521B}"/>
+                  <a16:creationId xmlns:a16="http://schemas.microsoft.com/office/drawing/2014/main" xmlns="" id="{A871EC61-223C-0447-B82C-FEE0B482521B}"/>
                 </a:ext>
               </a:extLst>
             </p:cNvPr>
@@ -11135,7 +11208,7 @@
             <p:cNvPr id="32" name="모서리가 둥근 직사각형 31">
               <a:extLst>
                 <a:ext uri="{FF2B5EF4-FFF2-40B4-BE49-F238E27FC236}">
-                  <a16:creationId xmlns:a16="http://schemas.microsoft.com/office/drawing/2014/main" id="{777FA8F5-1A96-B147-83BA-21C0D5D60CB4}"/>
+                  <a16:creationId xmlns:a16="http://schemas.microsoft.com/office/drawing/2014/main" xmlns="" id="{777FA8F5-1A96-B147-83BA-21C0D5D60CB4}"/>
                 </a:ext>
               </a:extLst>
             </p:cNvPr>
@@ -11243,7 +11316,7 @@
           <p:cNvPr id="13" name="직사각형 12">
             <a:extLst>
               <a:ext uri="{FF2B5EF4-FFF2-40B4-BE49-F238E27FC236}">
-                <a16:creationId xmlns:a16="http://schemas.microsoft.com/office/drawing/2014/main" id="{1A09CB1E-61C8-BF41-8166-783D974FF436}"/>
+                <a16:creationId xmlns:a16="http://schemas.microsoft.com/office/drawing/2014/main" xmlns="" id="{1A09CB1E-61C8-BF41-8166-783D974FF436}"/>
               </a:ext>
             </a:extLst>
           </p:cNvPr>
@@ -11299,7 +11372,7 @@
           <p:cNvPr id="14" name="TextBox 13">
             <a:extLst>
               <a:ext uri="{FF2B5EF4-FFF2-40B4-BE49-F238E27FC236}">
-                <a16:creationId xmlns:a16="http://schemas.microsoft.com/office/drawing/2014/main" id="{D92B28E7-D15C-C445-8715-5E7C0DEAE706}"/>
+                <a16:creationId xmlns:a16="http://schemas.microsoft.com/office/drawing/2014/main" xmlns="" id="{D92B28E7-D15C-C445-8715-5E7C0DEAE706}"/>
               </a:ext>
             </a:extLst>
           </p:cNvPr>
@@ -11336,7 +11409,7 @@
           <p:cNvPr id="22" name="직사각형 21">
             <a:extLst>
               <a:ext uri="{FF2B5EF4-FFF2-40B4-BE49-F238E27FC236}">
-                <a16:creationId xmlns:a16="http://schemas.microsoft.com/office/drawing/2014/main" id="{1DF4C30D-B860-CF42-A2D2-8933EF262E6F}"/>
+                <a16:creationId xmlns:a16="http://schemas.microsoft.com/office/drawing/2014/main" xmlns="" id="{1DF4C30D-B860-CF42-A2D2-8933EF262E6F}"/>
               </a:ext>
             </a:extLst>
           </p:cNvPr>
@@ -11392,7 +11465,7 @@
           <p:cNvPr id="25" name="모서리가 둥근 직사각형 24">
             <a:extLst>
               <a:ext uri="{FF2B5EF4-FFF2-40B4-BE49-F238E27FC236}">
-                <a16:creationId xmlns:a16="http://schemas.microsoft.com/office/drawing/2014/main" id="{09A9694D-0652-AE48-A0AC-1AAC084FD95D}"/>
+                <a16:creationId xmlns:a16="http://schemas.microsoft.com/office/drawing/2014/main" xmlns="" id="{09A9694D-0652-AE48-A0AC-1AAC084FD95D}"/>
               </a:ext>
             </a:extLst>
           </p:cNvPr>
@@ -11497,7 +11570,7 @@
           <p:cNvPr id="26" name="모서리가 둥근 직사각형 25">
             <a:extLst>
               <a:ext uri="{FF2B5EF4-FFF2-40B4-BE49-F238E27FC236}">
-                <a16:creationId xmlns:a16="http://schemas.microsoft.com/office/drawing/2014/main" id="{2D84FF30-0FEE-3A49-937B-6991B10B5CD3}"/>
+                <a16:creationId xmlns:a16="http://schemas.microsoft.com/office/drawing/2014/main" xmlns="" id="{2D84FF30-0FEE-3A49-937B-6991B10B5CD3}"/>
               </a:ext>
             </a:extLst>
           </p:cNvPr>
@@ -11602,7 +11675,7 @@
           <p:cNvPr id="28" name="모서리가 둥근 직사각형 27">
             <a:extLst>
               <a:ext uri="{FF2B5EF4-FFF2-40B4-BE49-F238E27FC236}">
-                <a16:creationId xmlns:a16="http://schemas.microsoft.com/office/drawing/2014/main" id="{777FA8F5-1A96-B147-83BA-21C0D5D60CB4}"/>
+                <a16:creationId xmlns:a16="http://schemas.microsoft.com/office/drawing/2014/main" xmlns="" id="{777FA8F5-1A96-B147-83BA-21C0D5D60CB4}"/>
               </a:ext>
             </a:extLst>
           </p:cNvPr>
@@ -11755,7 +11828,7 @@
           <p:cNvPr id="17" name="자유형 16">
             <a:extLst>
               <a:ext uri="{FF2B5EF4-FFF2-40B4-BE49-F238E27FC236}">
-                <a16:creationId xmlns:a16="http://schemas.microsoft.com/office/drawing/2014/main" id="{D118E58B-320B-8847-9091-5DBE4CFBE0D7}"/>
+                <a16:creationId xmlns:a16="http://schemas.microsoft.com/office/drawing/2014/main" xmlns="" id="{D118E58B-320B-8847-9091-5DBE4CFBE0D7}"/>
               </a:ext>
             </a:extLst>
           </p:cNvPr>
@@ -11911,7 +11984,7 @@
           <p:cNvPr id="18" name="모서리가 둥근 직사각형 17">
             <a:extLst>
               <a:ext uri="{FF2B5EF4-FFF2-40B4-BE49-F238E27FC236}">
-                <a16:creationId xmlns:a16="http://schemas.microsoft.com/office/drawing/2014/main" id="{09A9694D-0652-AE48-A0AC-1AAC084FD95D}"/>
+                <a16:creationId xmlns:a16="http://schemas.microsoft.com/office/drawing/2014/main" xmlns="" id="{09A9694D-0652-AE48-A0AC-1AAC084FD95D}"/>
               </a:ext>
             </a:extLst>
           </p:cNvPr>
@@ -12016,7 +12089,7 @@
           <p:cNvPr id="19" name="직사각형 18">
             <a:extLst>
               <a:ext uri="{FF2B5EF4-FFF2-40B4-BE49-F238E27FC236}">
-                <a16:creationId xmlns:a16="http://schemas.microsoft.com/office/drawing/2014/main" id="{1DF4C30D-B860-CF42-A2D2-8933EF262E6F}"/>
+                <a16:creationId xmlns:a16="http://schemas.microsoft.com/office/drawing/2014/main" xmlns="" id="{1DF4C30D-B860-CF42-A2D2-8933EF262E6F}"/>
               </a:ext>
             </a:extLst>
           </p:cNvPr>
@@ -12072,7 +12145,7 @@
           <p:cNvPr id="23" name="모서리가 둥근 직사각형 22">
             <a:extLst>
               <a:ext uri="{FF2B5EF4-FFF2-40B4-BE49-F238E27FC236}">
-                <a16:creationId xmlns:a16="http://schemas.microsoft.com/office/drawing/2014/main" id="{09A9694D-0652-AE48-A0AC-1AAC084FD95D}"/>
+                <a16:creationId xmlns:a16="http://schemas.microsoft.com/office/drawing/2014/main" xmlns="" id="{09A9694D-0652-AE48-A0AC-1AAC084FD95D}"/>
               </a:ext>
             </a:extLst>
           </p:cNvPr>
@@ -12156,7 +12229,7 @@
           <p:cNvPr id="24" name="모서리가 둥근 직사각형 23">
             <a:extLst>
               <a:ext uri="{FF2B5EF4-FFF2-40B4-BE49-F238E27FC236}">
-                <a16:creationId xmlns:a16="http://schemas.microsoft.com/office/drawing/2014/main" id="{09A9694D-0652-AE48-A0AC-1AAC084FD95D}"/>
+                <a16:creationId xmlns:a16="http://schemas.microsoft.com/office/drawing/2014/main" xmlns="" id="{09A9694D-0652-AE48-A0AC-1AAC084FD95D}"/>
               </a:ext>
             </a:extLst>
           </p:cNvPr>
@@ -12229,7 +12302,7 @@
           <p:cNvPr id="30" name="모서리가 둥근 직사각형 29">
             <a:extLst>
               <a:ext uri="{FF2B5EF4-FFF2-40B4-BE49-F238E27FC236}">
-                <a16:creationId xmlns:a16="http://schemas.microsoft.com/office/drawing/2014/main" id="{09A9694D-0652-AE48-A0AC-1AAC084FD95D}"/>
+                <a16:creationId xmlns:a16="http://schemas.microsoft.com/office/drawing/2014/main" xmlns="" id="{09A9694D-0652-AE48-A0AC-1AAC084FD95D}"/>
               </a:ext>
             </a:extLst>
           </p:cNvPr>
@@ -12302,7 +12375,7 @@
           <p:cNvPr id="36" name="TextBox 35">
             <a:extLst>
               <a:ext uri="{FF2B5EF4-FFF2-40B4-BE49-F238E27FC236}">
-                <a16:creationId xmlns:a16="http://schemas.microsoft.com/office/drawing/2014/main" id="{001529B2-C00D-4D4F-BEB9-70140837CDB4}"/>
+                <a16:creationId xmlns:a16="http://schemas.microsoft.com/office/drawing/2014/main" xmlns="" id="{001529B2-C00D-4D4F-BEB9-70140837CDB4}"/>
               </a:ext>
             </a:extLst>
           </p:cNvPr>
@@ -12342,7 +12415,7 @@
           <p:cNvPr id="37" name="TextBox 36">
             <a:extLst>
               <a:ext uri="{FF2B5EF4-FFF2-40B4-BE49-F238E27FC236}">
-                <a16:creationId xmlns:a16="http://schemas.microsoft.com/office/drawing/2014/main" id="{69074E22-F89C-A349-8330-71928693398F}"/>
+                <a16:creationId xmlns:a16="http://schemas.microsoft.com/office/drawing/2014/main" xmlns="" id="{69074E22-F89C-A349-8330-71928693398F}"/>
               </a:ext>
             </a:extLst>
           </p:cNvPr>
@@ -12400,7 +12473,7 @@
           <p:cNvPr id="38" name="직사각형 37">
             <a:extLst>
               <a:ext uri="{FF2B5EF4-FFF2-40B4-BE49-F238E27FC236}">
-                <a16:creationId xmlns:a16="http://schemas.microsoft.com/office/drawing/2014/main" id="{1DF4C30D-B860-CF42-A2D2-8933EF262E6F}"/>
+                <a16:creationId xmlns:a16="http://schemas.microsoft.com/office/drawing/2014/main" xmlns="" id="{1DF4C30D-B860-CF42-A2D2-8933EF262E6F}"/>
               </a:ext>
             </a:extLst>
           </p:cNvPr>
@@ -12456,7 +12529,7 @@
           <p:cNvPr id="39" name="모서리가 둥근 직사각형 38">
             <a:extLst>
               <a:ext uri="{FF2B5EF4-FFF2-40B4-BE49-F238E27FC236}">
-                <a16:creationId xmlns:a16="http://schemas.microsoft.com/office/drawing/2014/main" id="{09A9694D-0652-AE48-A0AC-1AAC084FD95D}"/>
+                <a16:creationId xmlns:a16="http://schemas.microsoft.com/office/drawing/2014/main" xmlns="" id="{09A9694D-0652-AE48-A0AC-1AAC084FD95D}"/>
               </a:ext>
             </a:extLst>
           </p:cNvPr>
@@ -12527,7 +12600,7 @@
           <p:cNvPr id="40" name="모서리가 둥근 직사각형 39">
             <a:extLst>
               <a:ext uri="{FF2B5EF4-FFF2-40B4-BE49-F238E27FC236}">
-                <a16:creationId xmlns:a16="http://schemas.microsoft.com/office/drawing/2014/main" id="{09A9694D-0652-AE48-A0AC-1AAC084FD95D}"/>
+                <a16:creationId xmlns:a16="http://schemas.microsoft.com/office/drawing/2014/main" xmlns="" id="{09A9694D-0652-AE48-A0AC-1AAC084FD95D}"/>
               </a:ext>
             </a:extLst>
           </p:cNvPr>
@@ -12681,7 +12754,7 @@
             <p:cNvPr id="21" name="직사각형 20">
               <a:extLst>
                 <a:ext uri="{FF2B5EF4-FFF2-40B4-BE49-F238E27FC236}">
-                  <a16:creationId xmlns:a16="http://schemas.microsoft.com/office/drawing/2014/main" id="{A871EC61-223C-0447-B82C-FEE0B482521B}"/>
+                  <a16:creationId xmlns:a16="http://schemas.microsoft.com/office/drawing/2014/main" xmlns="" id="{A871EC61-223C-0447-B82C-FEE0B482521B}"/>
                 </a:ext>
               </a:extLst>
             </p:cNvPr>
@@ -12737,7 +12810,7 @@
             <p:cNvPr id="32" name="모서리가 둥근 직사각형 31">
               <a:extLst>
                 <a:ext uri="{FF2B5EF4-FFF2-40B4-BE49-F238E27FC236}">
-                  <a16:creationId xmlns:a16="http://schemas.microsoft.com/office/drawing/2014/main" id="{777FA8F5-1A96-B147-83BA-21C0D5D60CB4}"/>
+                  <a16:creationId xmlns:a16="http://schemas.microsoft.com/office/drawing/2014/main" xmlns="" id="{777FA8F5-1A96-B147-83BA-21C0D5D60CB4}"/>
                 </a:ext>
               </a:extLst>
             </p:cNvPr>
@@ -12844,7 +12917,7 @@
           <p:cNvPr id="13" name="직사각형 12">
             <a:extLst>
               <a:ext uri="{FF2B5EF4-FFF2-40B4-BE49-F238E27FC236}">
-                <a16:creationId xmlns:a16="http://schemas.microsoft.com/office/drawing/2014/main" id="{1A09CB1E-61C8-BF41-8166-783D974FF436}"/>
+                <a16:creationId xmlns:a16="http://schemas.microsoft.com/office/drawing/2014/main" xmlns="" id="{1A09CB1E-61C8-BF41-8166-783D974FF436}"/>
               </a:ext>
             </a:extLst>
           </p:cNvPr>
@@ -12900,7 +12973,7 @@
           <p:cNvPr id="14" name="TextBox 13">
             <a:extLst>
               <a:ext uri="{FF2B5EF4-FFF2-40B4-BE49-F238E27FC236}">
-                <a16:creationId xmlns:a16="http://schemas.microsoft.com/office/drawing/2014/main" id="{D92B28E7-D15C-C445-8715-5E7C0DEAE706}"/>
+                <a16:creationId xmlns:a16="http://schemas.microsoft.com/office/drawing/2014/main" xmlns="" id="{D92B28E7-D15C-C445-8715-5E7C0DEAE706}"/>
               </a:ext>
             </a:extLst>
           </p:cNvPr>
@@ -12937,7 +13010,7 @@
           <p:cNvPr id="25" name="모서리가 둥근 직사각형 24">
             <a:extLst>
               <a:ext uri="{FF2B5EF4-FFF2-40B4-BE49-F238E27FC236}">
-                <a16:creationId xmlns:a16="http://schemas.microsoft.com/office/drawing/2014/main" id="{09A9694D-0652-AE48-A0AC-1AAC084FD95D}"/>
+                <a16:creationId xmlns:a16="http://schemas.microsoft.com/office/drawing/2014/main" xmlns="" id="{09A9694D-0652-AE48-A0AC-1AAC084FD95D}"/>
               </a:ext>
             </a:extLst>
           </p:cNvPr>
@@ -13042,7 +13115,7 @@
           <p:cNvPr id="26" name="모서리가 둥근 직사각형 25">
             <a:extLst>
               <a:ext uri="{FF2B5EF4-FFF2-40B4-BE49-F238E27FC236}">
-                <a16:creationId xmlns:a16="http://schemas.microsoft.com/office/drawing/2014/main" id="{2D84FF30-0FEE-3A49-937B-6991B10B5CD3}"/>
+                <a16:creationId xmlns:a16="http://schemas.microsoft.com/office/drawing/2014/main" xmlns="" id="{2D84FF30-0FEE-3A49-937B-6991B10B5CD3}"/>
               </a:ext>
             </a:extLst>
           </p:cNvPr>
@@ -13147,7 +13220,7 @@
           <p:cNvPr id="36" name="TextBox 35">
             <a:extLst>
               <a:ext uri="{FF2B5EF4-FFF2-40B4-BE49-F238E27FC236}">
-                <a16:creationId xmlns:a16="http://schemas.microsoft.com/office/drawing/2014/main" id="{001529B2-C00D-4D4F-BEB9-70140837CDB4}"/>
+                <a16:creationId xmlns:a16="http://schemas.microsoft.com/office/drawing/2014/main" xmlns="" id="{001529B2-C00D-4D4F-BEB9-70140837CDB4}"/>
               </a:ext>
             </a:extLst>
           </p:cNvPr>
@@ -13187,7 +13260,7 @@
           <p:cNvPr id="37" name="TextBox 36">
             <a:extLst>
               <a:ext uri="{FF2B5EF4-FFF2-40B4-BE49-F238E27FC236}">
-                <a16:creationId xmlns:a16="http://schemas.microsoft.com/office/drawing/2014/main" id="{69074E22-F89C-A349-8330-71928693398F}"/>
+                <a16:creationId xmlns:a16="http://schemas.microsoft.com/office/drawing/2014/main" xmlns="" id="{69074E22-F89C-A349-8330-71928693398F}"/>
               </a:ext>
             </a:extLst>
           </p:cNvPr>
@@ -13282,7 +13355,7 @@
           <p:cNvPr id="27" name="TextBox 26">
             <a:extLst>
               <a:ext uri="{FF2B5EF4-FFF2-40B4-BE49-F238E27FC236}">
-                <a16:creationId xmlns:a16="http://schemas.microsoft.com/office/drawing/2014/main" id="{A981D1E3-3D90-3247-975C-84C640002CD1}"/>
+                <a16:creationId xmlns:a16="http://schemas.microsoft.com/office/drawing/2014/main" xmlns="" id="{A981D1E3-3D90-3247-975C-84C640002CD1}"/>
               </a:ext>
             </a:extLst>
           </p:cNvPr>
@@ -13332,7 +13405,7 @@
             <p:cNvPr id="46" name="직사각형 45">
               <a:extLst>
                 <a:ext uri="{FF2B5EF4-FFF2-40B4-BE49-F238E27FC236}">
-                  <a16:creationId xmlns:a16="http://schemas.microsoft.com/office/drawing/2014/main" id="{A871EC61-223C-0447-B82C-FEE0B482521B}"/>
+                  <a16:creationId xmlns:a16="http://schemas.microsoft.com/office/drawing/2014/main" xmlns="" id="{A871EC61-223C-0447-B82C-FEE0B482521B}"/>
                 </a:ext>
               </a:extLst>
             </p:cNvPr>
@@ -13388,7 +13461,7 @@
             <p:cNvPr id="47" name="모서리가 둥근 직사각형 46">
               <a:extLst>
                 <a:ext uri="{FF2B5EF4-FFF2-40B4-BE49-F238E27FC236}">
-                  <a16:creationId xmlns:a16="http://schemas.microsoft.com/office/drawing/2014/main" id="{777FA8F5-1A96-B147-83BA-21C0D5D60CB4}"/>
+                  <a16:creationId xmlns:a16="http://schemas.microsoft.com/office/drawing/2014/main" xmlns="" id="{777FA8F5-1A96-B147-83BA-21C0D5D60CB4}"/>
                 </a:ext>
               </a:extLst>
             </p:cNvPr>
@@ -13562,7 +13635,7 @@
           <p:cNvPr id="13" name="직사각형 12">
             <a:extLst>
               <a:ext uri="{FF2B5EF4-FFF2-40B4-BE49-F238E27FC236}">
-                <a16:creationId xmlns:a16="http://schemas.microsoft.com/office/drawing/2014/main" id="{1A09CB1E-61C8-BF41-8166-783D974FF436}"/>
+                <a16:creationId xmlns:a16="http://schemas.microsoft.com/office/drawing/2014/main" xmlns="" id="{1A09CB1E-61C8-BF41-8166-783D974FF436}"/>
               </a:ext>
             </a:extLst>
           </p:cNvPr>
@@ -13618,7 +13691,7 @@
           <p:cNvPr id="14" name="TextBox 13">
             <a:extLst>
               <a:ext uri="{FF2B5EF4-FFF2-40B4-BE49-F238E27FC236}">
-                <a16:creationId xmlns:a16="http://schemas.microsoft.com/office/drawing/2014/main" id="{D92B28E7-D15C-C445-8715-5E7C0DEAE706}"/>
+                <a16:creationId xmlns:a16="http://schemas.microsoft.com/office/drawing/2014/main" xmlns="" id="{D92B28E7-D15C-C445-8715-5E7C0DEAE706}"/>
               </a:ext>
             </a:extLst>
           </p:cNvPr>
@@ -13669,7 +13742,7 @@
             <p:cNvPr id="21" name="직사각형 20">
               <a:extLst>
                 <a:ext uri="{FF2B5EF4-FFF2-40B4-BE49-F238E27FC236}">
-                  <a16:creationId xmlns:a16="http://schemas.microsoft.com/office/drawing/2014/main" id="{A871EC61-223C-0447-B82C-FEE0B482521B}"/>
+                  <a16:creationId xmlns:a16="http://schemas.microsoft.com/office/drawing/2014/main" xmlns="" id="{A871EC61-223C-0447-B82C-FEE0B482521B}"/>
                 </a:ext>
               </a:extLst>
             </p:cNvPr>
@@ -13725,7 +13798,7 @@
             <p:cNvPr id="25" name="모서리가 둥근 직사각형 24">
               <a:extLst>
                 <a:ext uri="{FF2B5EF4-FFF2-40B4-BE49-F238E27FC236}">
-                  <a16:creationId xmlns:a16="http://schemas.microsoft.com/office/drawing/2014/main" id="{09A9694D-0652-AE48-A0AC-1AAC084FD95D}"/>
+                  <a16:creationId xmlns:a16="http://schemas.microsoft.com/office/drawing/2014/main" xmlns="" id="{09A9694D-0652-AE48-A0AC-1AAC084FD95D}"/>
                 </a:ext>
               </a:extLst>
             </p:cNvPr>
@@ -13944,7 +14017,7 @@
           <p:cNvPr id="36" name="TextBox 35">
             <a:extLst>
               <a:ext uri="{FF2B5EF4-FFF2-40B4-BE49-F238E27FC236}">
-                <a16:creationId xmlns:a16="http://schemas.microsoft.com/office/drawing/2014/main" id="{001529B2-C00D-4D4F-BEB9-70140837CDB4}"/>
+                <a16:creationId xmlns:a16="http://schemas.microsoft.com/office/drawing/2014/main" xmlns="" id="{001529B2-C00D-4D4F-BEB9-70140837CDB4}"/>
               </a:ext>
             </a:extLst>
           </p:cNvPr>
@@ -13984,7 +14057,7 @@
           <p:cNvPr id="37" name="TextBox 36">
             <a:extLst>
               <a:ext uri="{FF2B5EF4-FFF2-40B4-BE49-F238E27FC236}">
-                <a16:creationId xmlns:a16="http://schemas.microsoft.com/office/drawing/2014/main" id="{69074E22-F89C-A349-8330-71928693398F}"/>
+                <a16:creationId xmlns:a16="http://schemas.microsoft.com/office/drawing/2014/main" xmlns="" id="{69074E22-F89C-A349-8330-71928693398F}"/>
               </a:ext>
             </a:extLst>
           </p:cNvPr>
@@ -14042,7 +14115,7 @@
           <p:cNvPr id="27" name="TextBox 26">
             <a:extLst>
               <a:ext uri="{FF2B5EF4-FFF2-40B4-BE49-F238E27FC236}">
-                <a16:creationId xmlns:a16="http://schemas.microsoft.com/office/drawing/2014/main" id="{A981D1E3-3D90-3247-975C-84C640002CD1}"/>
+                <a16:creationId xmlns:a16="http://schemas.microsoft.com/office/drawing/2014/main" xmlns="" id="{A981D1E3-3D90-3247-975C-84C640002CD1}"/>
               </a:ext>
             </a:extLst>
           </p:cNvPr>
@@ -14078,7 +14151,7 @@
           <p:cNvPr id="17" name="직사각형 16">
             <a:extLst>
               <a:ext uri="{FF2B5EF4-FFF2-40B4-BE49-F238E27FC236}">
-                <a16:creationId xmlns:a16="http://schemas.microsoft.com/office/drawing/2014/main" id="{1DF4C30D-B860-CF42-A2D2-8933EF262E6F}"/>
+                <a16:creationId xmlns:a16="http://schemas.microsoft.com/office/drawing/2014/main" xmlns="" id="{1DF4C30D-B860-CF42-A2D2-8933EF262E6F}"/>
               </a:ext>
             </a:extLst>
           </p:cNvPr>
@@ -14134,7 +14207,7 @@
           <p:cNvPr id="18" name="모서리가 둥근 직사각형 17">
             <a:extLst>
               <a:ext uri="{FF2B5EF4-FFF2-40B4-BE49-F238E27FC236}">
-                <a16:creationId xmlns:a16="http://schemas.microsoft.com/office/drawing/2014/main" id="{09A9694D-0652-AE48-A0AC-1AAC084FD95D}"/>
+                <a16:creationId xmlns:a16="http://schemas.microsoft.com/office/drawing/2014/main" xmlns="" id="{09A9694D-0652-AE48-A0AC-1AAC084FD95D}"/>
               </a:ext>
             </a:extLst>
           </p:cNvPr>
@@ -14235,7 +14308,7 @@
           <p:cNvPr id="13" name="직사각형 12">
             <a:extLst>
               <a:ext uri="{FF2B5EF4-FFF2-40B4-BE49-F238E27FC236}">
-                <a16:creationId xmlns:a16="http://schemas.microsoft.com/office/drawing/2014/main" id="{1A09CB1E-61C8-BF41-8166-783D974FF436}"/>
+                <a16:creationId xmlns:a16="http://schemas.microsoft.com/office/drawing/2014/main" xmlns="" id="{1A09CB1E-61C8-BF41-8166-783D974FF436}"/>
               </a:ext>
             </a:extLst>
           </p:cNvPr>
@@ -14291,7 +14364,7 @@
           <p:cNvPr id="14" name="TextBox 13">
             <a:extLst>
               <a:ext uri="{FF2B5EF4-FFF2-40B4-BE49-F238E27FC236}">
-                <a16:creationId xmlns:a16="http://schemas.microsoft.com/office/drawing/2014/main" id="{D92B28E7-D15C-C445-8715-5E7C0DEAE706}"/>
+                <a16:creationId xmlns:a16="http://schemas.microsoft.com/office/drawing/2014/main" xmlns="" id="{D92B28E7-D15C-C445-8715-5E7C0DEAE706}"/>
               </a:ext>
             </a:extLst>
           </p:cNvPr>
@@ -14342,7 +14415,7 @@
             <p:cNvPr id="21" name="직사각형 20">
               <a:extLst>
                 <a:ext uri="{FF2B5EF4-FFF2-40B4-BE49-F238E27FC236}">
-                  <a16:creationId xmlns:a16="http://schemas.microsoft.com/office/drawing/2014/main" id="{A871EC61-223C-0447-B82C-FEE0B482521B}"/>
+                  <a16:creationId xmlns:a16="http://schemas.microsoft.com/office/drawing/2014/main" xmlns="" id="{A871EC61-223C-0447-B82C-FEE0B482521B}"/>
                 </a:ext>
               </a:extLst>
             </p:cNvPr>
@@ -14398,7 +14471,7 @@
             <p:cNvPr id="25" name="모서리가 둥근 직사각형 24">
               <a:extLst>
                 <a:ext uri="{FF2B5EF4-FFF2-40B4-BE49-F238E27FC236}">
-                  <a16:creationId xmlns:a16="http://schemas.microsoft.com/office/drawing/2014/main" id="{09A9694D-0652-AE48-A0AC-1AAC084FD95D}"/>
+                  <a16:creationId xmlns:a16="http://schemas.microsoft.com/office/drawing/2014/main" xmlns="" id="{09A9694D-0652-AE48-A0AC-1AAC084FD95D}"/>
                 </a:ext>
               </a:extLst>
             </p:cNvPr>
@@ -14617,7 +14690,7 @@
           <p:cNvPr id="36" name="TextBox 35">
             <a:extLst>
               <a:ext uri="{FF2B5EF4-FFF2-40B4-BE49-F238E27FC236}">
-                <a16:creationId xmlns:a16="http://schemas.microsoft.com/office/drawing/2014/main" id="{001529B2-C00D-4D4F-BEB9-70140837CDB4}"/>
+                <a16:creationId xmlns:a16="http://schemas.microsoft.com/office/drawing/2014/main" xmlns="" id="{001529B2-C00D-4D4F-BEB9-70140837CDB4}"/>
               </a:ext>
             </a:extLst>
           </p:cNvPr>
@@ -14657,7 +14730,7 @@
           <p:cNvPr id="37" name="TextBox 36">
             <a:extLst>
               <a:ext uri="{FF2B5EF4-FFF2-40B4-BE49-F238E27FC236}">
-                <a16:creationId xmlns:a16="http://schemas.microsoft.com/office/drawing/2014/main" id="{69074E22-F89C-A349-8330-71928693398F}"/>
+                <a16:creationId xmlns:a16="http://schemas.microsoft.com/office/drawing/2014/main" xmlns="" id="{69074E22-F89C-A349-8330-71928693398F}"/>
               </a:ext>
             </a:extLst>
           </p:cNvPr>
@@ -14715,7 +14788,7 @@
           <p:cNvPr id="27" name="TextBox 26">
             <a:extLst>
               <a:ext uri="{FF2B5EF4-FFF2-40B4-BE49-F238E27FC236}">
-                <a16:creationId xmlns:a16="http://schemas.microsoft.com/office/drawing/2014/main" id="{A981D1E3-3D90-3247-975C-84C640002CD1}"/>
+                <a16:creationId xmlns:a16="http://schemas.microsoft.com/office/drawing/2014/main" xmlns="" id="{A981D1E3-3D90-3247-975C-84C640002CD1}"/>
               </a:ext>
             </a:extLst>
           </p:cNvPr>
@@ -14751,7 +14824,7 @@
           <p:cNvPr id="17" name="직사각형 16">
             <a:extLst>
               <a:ext uri="{FF2B5EF4-FFF2-40B4-BE49-F238E27FC236}">
-                <a16:creationId xmlns:a16="http://schemas.microsoft.com/office/drawing/2014/main" id="{1DF4C30D-B860-CF42-A2D2-8933EF262E6F}"/>
+                <a16:creationId xmlns:a16="http://schemas.microsoft.com/office/drawing/2014/main" xmlns="" id="{1DF4C30D-B860-CF42-A2D2-8933EF262E6F}"/>
               </a:ext>
             </a:extLst>
           </p:cNvPr>
@@ -14807,7 +14880,7 @@
           <p:cNvPr id="18" name="모서리가 둥근 직사각형 17">
             <a:extLst>
               <a:ext uri="{FF2B5EF4-FFF2-40B4-BE49-F238E27FC236}">
-                <a16:creationId xmlns:a16="http://schemas.microsoft.com/office/drawing/2014/main" id="{09A9694D-0652-AE48-A0AC-1AAC084FD95D}"/>
+                <a16:creationId xmlns:a16="http://schemas.microsoft.com/office/drawing/2014/main" xmlns="" id="{09A9694D-0652-AE48-A0AC-1AAC084FD95D}"/>
               </a:ext>
             </a:extLst>
           </p:cNvPr>
@@ -14878,7 +14951,7 @@
           <p:cNvPr id="22" name="직사각형 21">
             <a:extLst>
               <a:ext uri="{FF2B5EF4-FFF2-40B4-BE49-F238E27FC236}">
-                <a16:creationId xmlns:a16="http://schemas.microsoft.com/office/drawing/2014/main" id="{A871EC61-223C-0447-B82C-FEE0B482521B}"/>
+                <a16:creationId xmlns:a16="http://schemas.microsoft.com/office/drawing/2014/main" xmlns="" id="{A871EC61-223C-0447-B82C-FEE0B482521B}"/>
               </a:ext>
             </a:extLst>
           </p:cNvPr>
@@ -14934,7 +15007,7 @@
           <p:cNvPr id="23" name="모서리가 둥근 직사각형 22">
             <a:extLst>
               <a:ext uri="{FF2B5EF4-FFF2-40B4-BE49-F238E27FC236}">
-                <a16:creationId xmlns:a16="http://schemas.microsoft.com/office/drawing/2014/main" id="{09A9694D-0652-AE48-A0AC-1AAC084FD95D}"/>
+                <a16:creationId xmlns:a16="http://schemas.microsoft.com/office/drawing/2014/main" xmlns="" id="{09A9694D-0652-AE48-A0AC-1AAC084FD95D}"/>
               </a:ext>
             </a:extLst>
           </p:cNvPr>
@@ -15184,7 +15257,7 @@
           <p:cNvPr id="4" name="직사각형 3">
             <a:extLst>
               <a:ext uri="{FF2B5EF4-FFF2-40B4-BE49-F238E27FC236}">
-                <a16:creationId xmlns:a16="http://schemas.microsoft.com/office/drawing/2014/main" id="{EA2D8D37-742E-EF4A-A579-D4FCE47462A2}"/>
+                <a16:creationId xmlns:a16="http://schemas.microsoft.com/office/drawing/2014/main" xmlns="" id="{EA2D8D37-742E-EF4A-A579-D4FCE47462A2}"/>
               </a:ext>
             </a:extLst>
           </p:cNvPr>
@@ -15240,7 +15313,7 @@
           <p:cNvPr id="8" name="TextBox 7">
             <a:extLst>
               <a:ext uri="{FF2B5EF4-FFF2-40B4-BE49-F238E27FC236}">
-                <a16:creationId xmlns:a16="http://schemas.microsoft.com/office/drawing/2014/main" id="{2719254F-8374-AF4D-8DE1-35E108E43518}"/>
+                <a16:creationId xmlns:a16="http://schemas.microsoft.com/office/drawing/2014/main" xmlns="" id="{2719254F-8374-AF4D-8DE1-35E108E43518}"/>
               </a:ext>
             </a:extLst>
           </p:cNvPr>
@@ -15284,7 +15357,7 @@
           <p:cNvPr id="10" name="모서리가 둥근 직사각형 9">
             <a:extLst>
               <a:ext uri="{FF2B5EF4-FFF2-40B4-BE49-F238E27FC236}">
-                <a16:creationId xmlns:a16="http://schemas.microsoft.com/office/drawing/2014/main" id="{C5146231-6C8A-1246-B88B-938550474F2E}"/>
+                <a16:creationId xmlns:a16="http://schemas.microsoft.com/office/drawing/2014/main" xmlns="" id="{C5146231-6C8A-1246-B88B-938550474F2E}"/>
               </a:ext>
             </a:extLst>
           </p:cNvPr>
@@ -15363,7 +15436,7 @@
           <p:cNvPr id="11" name="모서리가 둥근 직사각형 10">
             <a:extLst>
               <a:ext uri="{FF2B5EF4-FFF2-40B4-BE49-F238E27FC236}">
-                <a16:creationId xmlns:a16="http://schemas.microsoft.com/office/drawing/2014/main" id="{431DDE67-59BE-C741-A92A-B9FDB6578F05}"/>
+                <a16:creationId xmlns:a16="http://schemas.microsoft.com/office/drawing/2014/main" xmlns="" id="{431DDE67-59BE-C741-A92A-B9FDB6578F05}"/>
               </a:ext>
             </a:extLst>
           </p:cNvPr>
@@ -15442,7 +15515,7 @@
           <p:cNvPr id="12" name="모서리가 둥근 직사각형 11">
             <a:extLst>
               <a:ext uri="{FF2B5EF4-FFF2-40B4-BE49-F238E27FC236}">
-                <a16:creationId xmlns:a16="http://schemas.microsoft.com/office/drawing/2014/main" id="{C5488FC6-282C-7148-82F7-288317848D5E}"/>
+                <a16:creationId xmlns:a16="http://schemas.microsoft.com/office/drawing/2014/main" xmlns="" id="{C5488FC6-282C-7148-82F7-288317848D5E}"/>
               </a:ext>
             </a:extLst>
           </p:cNvPr>
@@ -15510,7 +15583,7 @@
           <p:cNvPr id="17" name="모서리가 둥근 직사각형 16">
             <a:extLst>
               <a:ext uri="{FF2B5EF4-FFF2-40B4-BE49-F238E27FC236}">
-                <a16:creationId xmlns:a16="http://schemas.microsoft.com/office/drawing/2014/main" id="{E2BABE5E-2C5B-1544-9595-954E364F1BF3}"/>
+                <a16:creationId xmlns:a16="http://schemas.microsoft.com/office/drawing/2014/main" xmlns="" id="{E2BABE5E-2C5B-1544-9595-954E364F1BF3}"/>
               </a:ext>
             </a:extLst>
           </p:cNvPr>
@@ -15589,7 +15662,7 @@
           <p:cNvPr id="18" name="직사각형 17">
             <a:extLst>
               <a:ext uri="{FF2B5EF4-FFF2-40B4-BE49-F238E27FC236}">
-                <a16:creationId xmlns:a16="http://schemas.microsoft.com/office/drawing/2014/main" id="{94CC8541-38E6-5E43-8CE8-D0B034C3220B}"/>
+                <a16:creationId xmlns:a16="http://schemas.microsoft.com/office/drawing/2014/main" xmlns="" id="{94CC8541-38E6-5E43-8CE8-D0B034C3220B}"/>
               </a:ext>
             </a:extLst>
           </p:cNvPr>
@@ -15645,7 +15718,7 @@
           <p:cNvPr id="19" name="TextBox 18">
             <a:extLst>
               <a:ext uri="{FF2B5EF4-FFF2-40B4-BE49-F238E27FC236}">
-                <a16:creationId xmlns:a16="http://schemas.microsoft.com/office/drawing/2014/main" id="{D267E09F-DCEC-D348-8198-26F7B7296F3C}"/>
+                <a16:creationId xmlns:a16="http://schemas.microsoft.com/office/drawing/2014/main" xmlns="" id="{D267E09F-DCEC-D348-8198-26F7B7296F3C}"/>
               </a:ext>
             </a:extLst>
           </p:cNvPr>
@@ -15697,7 +15770,7 @@
           <p:cNvPr id="20" name="TextBox 19">
             <a:extLst>
               <a:ext uri="{FF2B5EF4-FFF2-40B4-BE49-F238E27FC236}">
-                <a16:creationId xmlns:a16="http://schemas.microsoft.com/office/drawing/2014/main" id="{78BA95C5-988B-C34C-B3F8-B13EA895B436}"/>
+                <a16:creationId xmlns:a16="http://schemas.microsoft.com/office/drawing/2014/main" xmlns="" id="{78BA95C5-988B-C34C-B3F8-B13EA895B436}"/>
               </a:ext>
             </a:extLst>
           </p:cNvPr>
@@ -15785,7 +15858,7 @@
           <p:cNvPr id="18" name="직사각형 17">
             <a:extLst>
               <a:ext uri="{FF2B5EF4-FFF2-40B4-BE49-F238E27FC236}">
-                <a16:creationId xmlns:a16="http://schemas.microsoft.com/office/drawing/2014/main" id="{94CC8541-38E6-5E43-8CE8-D0B034C3220B}"/>
+                <a16:creationId xmlns:a16="http://schemas.microsoft.com/office/drawing/2014/main" xmlns="" id="{94CC8541-38E6-5E43-8CE8-D0B034C3220B}"/>
               </a:ext>
             </a:extLst>
           </p:cNvPr>
@@ -15841,7 +15914,7 @@
           <p:cNvPr id="4" name="직사각형 3">
             <a:extLst>
               <a:ext uri="{FF2B5EF4-FFF2-40B4-BE49-F238E27FC236}">
-                <a16:creationId xmlns:a16="http://schemas.microsoft.com/office/drawing/2014/main" id="{EA2D8D37-742E-EF4A-A579-D4FCE47462A2}"/>
+                <a16:creationId xmlns:a16="http://schemas.microsoft.com/office/drawing/2014/main" xmlns="" id="{EA2D8D37-742E-EF4A-A579-D4FCE47462A2}"/>
               </a:ext>
             </a:extLst>
           </p:cNvPr>
@@ -15897,7 +15970,7 @@
           <p:cNvPr id="8" name="TextBox 7">
             <a:extLst>
               <a:ext uri="{FF2B5EF4-FFF2-40B4-BE49-F238E27FC236}">
-                <a16:creationId xmlns:a16="http://schemas.microsoft.com/office/drawing/2014/main" id="{2719254F-8374-AF4D-8DE1-35E108E43518}"/>
+                <a16:creationId xmlns:a16="http://schemas.microsoft.com/office/drawing/2014/main" xmlns="" id="{2719254F-8374-AF4D-8DE1-35E108E43518}"/>
               </a:ext>
             </a:extLst>
           </p:cNvPr>
@@ -15934,7 +16007,7 @@
           <p:cNvPr id="2" name="타원 1">
             <a:extLst>
               <a:ext uri="{FF2B5EF4-FFF2-40B4-BE49-F238E27FC236}">
-                <a16:creationId xmlns:a16="http://schemas.microsoft.com/office/drawing/2014/main" id="{B1E60D62-FE22-E048-88E9-0DD5F5BCAD9B}"/>
+                <a16:creationId xmlns:a16="http://schemas.microsoft.com/office/drawing/2014/main" xmlns="" id="{B1E60D62-FE22-E048-88E9-0DD5F5BCAD9B}"/>
               </a:ext>
             </a:extLst>
           </p:cNvPr>
@@ -15990,7 +16063,7 @@
           <p:cNvPr id="3" name="TextBox 2">
             <a:extLst>
               <a:ext uri="{FF2B5EF4-FFF2-40B4-BE49-F238E27FC236}">
-                <a16:creationId xmlns:a16="http://schemas.microsoft.com/office/drawing/2014/main" id="{1E856193-7D66-474C-B81B-812565E29730}"/>
+                <a16:creationId xmlns:a16="http://schemas.microsoft.com/office/drawing/2014/main" xmlns="" id="{1E856193-7D66-474C-B81B-812565E29730}"/>
               </a:ext>
             </a:extLst>
           </p:cNvPr>
@@ -16032,7 +16105,7 @@
           <p:cNvPr id="13" name="직사각형 12">
             <a:extLst>
               <a:ext uri="{FF2B5EF4-FFF2-40B4-BE49-F238E27FC236}">
-                <a16:creationId xmlns:a16="http://schemas.microsoft.com/office/drawing/2014/main" id="{8F233606-B346-4F46-B031-5FB758227888}"/>
+                <a16:creationId xmlns:a16="http://schemas.microsoft.com/office/drawing/2014/main" xmlns="" id="{8F233606-B346-4F46-B031-5FB758227888}"/>
               </a:ext>
             </a:extLst>
           </p:cNvPr>
@@ -16088,7 +16161,7 @@
           <p:cNvPr id="14" name="TextBox 13">
             <a:extLst>
               <a:ext uri="{FF2B5EF4-FFF2-40B4-BE49-F238E27FC236}">
-                <a16:creationId xmlns:a16="http://schemas.microsoft.com/office/drawing/2014/main" id="{1CA1A22B-0D6C-F14D-9A1B-6A8AE894BDA5}"/>
+                <a16:creationId xmlns:a16="http://schemas.microsoft.com/office/drawing/2014/main" xmlns="" id="{1CA1A22B-0D6C-F14D-9A1B-6A8AE894BDA5}"/>
               </a:ext>
             </a:extLst>
           </p:cNvPr>
@@ -16139,7 +16212,7 @@
           <p:cNvPr id="23" name="자유형 22">
             <a:extLst>
               <a:ext uri="{FF2B5EF4-FFF2-40B4-BE49-F238E27FC236}">
-                <a16:creationId xmlns:a16="http://schemas.microsoft.com/office/drawing/2014/main" id="{5E9A23AE-BAC6-E245-89C0-DB5FE7E85968}"/>
+                <a16:creationId xmlns:a16="http://schemas.microsoft.com/office/drawing/2014/main" xmlns="" id="{5E9A23AE-BAC6-E245-89C0-DB5FE7E85968}"/>
               </a:ext>
             </a:extLst>
           </p:cNvPr>
@@ -16334,7 +16407,7 @@
           <p:cNvPr id="12" name="모서리가 둥근 직사각형 11">
             <a:extLst>
               <a:ext uri="{FF2B5EF4-FFF2-40B4-BE49-F238E27FC236}">
-                <a16:creationId xmlns:a16="http://schemas.microsoft.com/office/drawing/2014/main" id="{C5488FC6-282C-7148-82F7-288317848D5E}"/>
+                <a16:creationId xmlns:a16="http://schemas.microsoft.com/office/drawing/2014/main" xmlns="" id="{C5488FC6-282C-7148-82F7-288317848D5E}"/>
               </a:ext>
             </a:extLst>
           </p:cNvPr>
@@ -16402,7 +16475,7 @@
           <p:cNvPr id="25" name="TextBox 24">
             <a:extLst>
               <a:ext uri="{FF2B5EF4-FFF2-40B4-BE49-F238E27FC236}">
-                <a16:creationId xmlns:a16="http://schemas.microsoft.com/office/drawing/2014/main" id="{39E75C3F-FA95-8447-9B24-FB475B7F29A0}"/>
+                <a16:creationId xmlns:a16="http://schemas.microsoft.com/office/drawing/2014/main" xmlns="" id="{39E75C3F-FA95-8447-9B24-FB475B7F29A0}"/>
               </a:ext>
             </a:extLst>
           </p:cNvPr>
@@ -16464,7 +16537,7 @@
           <p:cNvPr id="28" name="모서리가 둥근 직사각형 27">
             <a:extLst>
               <a:ext uri="{FF2B5EF4-FFF2-40B4-BE49-F238E27FC236}">
-                <a16:creationId xmlns:a16="http://schemas.microsoft.com/office/drawing/2014/main" id="{5EA70F12-2295-E046-9411-913AA836BD3F}"/>
+                <a16:creationId xmlns:a16="http://schemas.microsoft.com/office/drawing/2014/main" xmlns="" id="{5EA70F12-2295-E046-9411-913AA836BD3F}"/>
               </a:ext>
             </a:extLst>
           </p:cNvPr>
@@ -16577,7 +16650,7 @@
           <p:cNvPr id="29" name="모서리가 둥근 직사각형 28">
             <a:extLst>
               <a:ext uri="{FF2B5EF4-FFF2-40B4-BE49-F238E27FC236}">
-                <a16:creationId xmlns:a16="http://schemas.microsoft.com/office/drawing/2014/main" id="{C52A8C88-D55D-0544-80B9-A1D53A49E471}"/>
+                <a16:creationId xmlns:a16="http://schemas.microsoft.com/office/drawing/2014/main" xmlns="" id="{C52A8C88-D55D-0544-80B9-A1D53A49E471}"/>
               </a:ext>
             </a:extLst>
           </p:cNvPr>
@@ -16701,7 +16774,7 @@
           <p:cNvPr id="16" name="TextBox 15">
             <a:extLst>
               <a:ext uri="{FF2B5EF4-FFF2-40B4-BE49-F238E27FC236}">
-                <a16:creationId xmlns:a16="http://schemas.microsoft.com/office/drawing/2014/main" id="{69074E22-F89C-A349-8330-71928693398F}"/>
+                <a16:creationId xmlns:a16="http://schemas.microsoft.com/office/drawing/2014/main" xmlns="" id="{69074E22-F89C-A349-8330-71928693398F}"/>
               </a:ext>
             </a:extLst>
           </p:cNvPr>
@@ -16759,7 +16832,7 @@
           <p:cNvPr id="17" name="TextBox 16">
             <a:extLst>
               <a:ext uri="{FF2B5EF4-FFF2-40B4-BE49-F238E27FC236}">
-                <a16:creationId xmlns:a16="http://schemas.microsoft.com/office/drawing/2014/main" id="{001529B2-C00D-4D4F-BEB9-70140837CDB4}"/>
+                <a16:creationId xmlns:a16="http://schemas.microsoft.com/office/drawing/2014/main" xmlns="" id="{001529B2-C00D-4D4F-BEB9-70140837CDB4}"/>
               </a:ext>
             </a:extLst>
           </p:cNvPr>
@@ -16829,7 +16902,7 @@
           <p:cNvPr id="38" name="직사각형 37">
             <a:extLst>
               <a:ext uri="{FF2B5EF4-FFF2-40B4-BE49-F238E27FC236}">
-                <a16:creationId xmlns:a16="http://schemas.microsoft.com/office/drawing/2014/main" id="{52919ADA-A117-254A-84FC-71EE71F8346F}"/>
+                <a16:creationId xmlns:a16="http://schemas.microsoft.com/office/drawing/2014/main" xmlns="" id="{52919ADA-A117-254A-84FC-71EE71F8346F}"/>
               </a:ext>
             </a:extLst>
           </p:cNvPr>
@@ -16885,7 +16958,7 @@
           <p:cNvPr id="39" name="모서리가 둥근 직사각형 38">
             <a:extLst>
               <a:ext uri="{FF2B5EF4-FFF2-40B4-BE49-F238E27FC236}">
-                <a16:creationId xmlns:a16="http://schemas.microsoft.com/office/drawing/2014/main" id="{A57A353F-B8A9-1642-BF40-B9FC5F3C0495}"/>
+                <a16:creationId xmlns:a16="http://schemas.microsoft.com/office/drawing/2014/main" xmlns="" id="{A57A353F-B8A9-1642-BF40-B9FC5F3C0495}"/>
               </a:ext>
             </a:extLst>
           </p:cNvPr>
@@ -16953,7 +17026,7 @@
           <p:cNvPr id="40" name="모서리가 둥근 직사각형 39">
             <a:extLst>
               <a:ext uri="{FF2B5EF4-FFF2-40B4-BE49-F238E27FC236}">
-                <a16:creationId xmlns:a16="http://schemas.microsoft.com/office/drawing/2014/main" id="{263F1F28-BB77-6849-9FD7-D3AF6D0E89C0}"/>
+                <a16:creationId xmlns:a16="http://schemas.microsoft.com/office/drawing/2014/main" xmlns="" id="{263F1F28-BB77-6849-9FD7-D3AF6D0E89C0}"/>
               </a:ext>
             </a:extLst>
           </p:cNvPr>
@@ -17032,7 +17105,7 @@
           <p:cNvPr id="4" name="직사각형 3">
             <a:extLst>
               <a:ext uri="{FF2B5EF4-FFF2-40B4-BE49-F238E27FC236}">
-                <a16:creationId xmlns:a16="http://schemas.microsoft.com/office/drawing/2014/main" id="{EA2D8D37-742E-EF4A-A579-D4FCE47462A2}"/>
+                <a16:creationId xmlns:a16="http://schemas.microsoft.com/office/drawing/2014/main" xmlns="" id="{EA2D8D37-742E-EF4A-A579-D4FCE47462A2}"/>
               </a:ext>
             </a:extLst>
           </p:cNvPr>
@@ -17088,7 +17161,7 @@
           <p:cNvPr id="8" name="TextBox 7">
             <a:extLst>
               <a:ext uri="{FF2B5EF4-FFF2-40B4-BE49-F238E27FC236}">
-                <a16:creationId xmlns:a16="http://schemas.microsoft.com/office/drawing/2014/main" id="{2719254F-8374-AF4D-8DE1-35E108E43518}"/>
+                <a16:creationId xmlns:a16="http://schemas.microsoft.com/office/drawing/2014/main" xmlns="" id="{2719254F-8374-AF4D-8DE1-35E108E43518}"/>
               </a:ext>
             </a:extLst>
           </p:cNvPr>
@@ -17125,7 +17198,7 @@
           <p:cNvPr id="2" name="타원 1">
             <a:extLst>
               <a:ext uri="{FF2B5EF4-FFF2-40B4-BE49-F238E27FC236}">
-                <a16:creationId xmlns:a16="http://schemas.microsoft.com/office/drawing/2014/main" id="{B1E60D62-FE22-E048-88E9-0DD5F5BCAD9B}"/>
+                <a16:creationId xmlns:a16="http://schemas.microsoft.com/office/drawing/2014/main" xmlns="" id="{B1E60D62-FE22-E048-88E9-0DD5F5BCAD9B}"/>
               </a:ext>
             </a:extLst>
           </p:cNvPr>
@@ -17181,7 +17254,7 @@
           <p:cNvPr id="3" name="TextBox 2">
             <a:extLst>
               <a:ext uri="{FF2B5EF4-FFF2-40B4-BE49-F238E27FC236}">
-                <a16:creationId xmlns:a16="http://schemas.microsoft.com/office/drawing/2014/main" id="{1E856193-7D66-474C-B81B-812565E29730}"/>
+                <a16:creationId xmlns:a16="http://schemas.microsoft.com/office/drawing/2014/main" xmlns="" id="{1E856193-7D66-474C-B81B-812565E29730}"/>
               </a:ext>
             </a:extLst>
           </p:cNvPr>
@@ -17223,7 +17296,7 @@
           <p:cNvPr id="14" name="TextBox 13">
             <a:extLst>
               <a:ext uri="{FF2B5EF4-FFF2-40B4-BE49-F238E27FC236}">
-                <a16:creationId xmlns:a16="http://schemas.microsoft.com/office/drawing/2014/main" id="{1CA1A22B-0D6C-F14D-9A1B-6A8AE894BDA5}"/>
+                <a16:creationId xmlns:a16="http://schemas.microsoft.com/office/drawing/2014/main" xmlns="" id="{1CA1A22B-0D6C-F14D-9A1B-6A8AE894BDA5}"/>
               </a:ext>
             </a:extLst>
           </p:cNvPr>
@@ -17274,7 +17347,7 @@
           <p:cNvPr id="23" name="자유형 22">
             <a:extLst>
               <a:ext uri="{FF2B5EF4-FFF2-40B4-BE49-F238E27FC236}">
-                <a16:creationId xmlns:a16="http://schemas.microsoft.com/office/drawing/2014/main" id="{5E9A23AE-BAC6-E245-89C0-DB5FE7E85968}"/>
+                <a16:creationId xmlns:a16="http://schemas.microsoft.com/office/drawing/2014/main" xmlns="" id="{5E9A23AE-BAC6-E245-89C0-DB5FE7E85968}"/>
               </a:ext>
             </a:extLst>
           </p:cNvPr>
@@ -17469,7 +17542,7 @@
           <p:cNvPr id="16" name="직사각형 15">
             <a:extLst>
               <a:ext uri="{FF2B5EF4-FFF2-40B4-BE49-F238E27FC236}">
-                <a16:creationId xmlns:a16="http://schemas.microsoft.com/office/drawing/2014/main" id="{6F5F9F6A-CCD1-9D47-9528-9CCA314EA8B3}"/>
+                <a16:creationId xmlns:a16="http://schemas.microsoft.com/office/drawing/2014/main" xmlns="" id="{6F5F9F6A-CCD1-9D47-9528-9CCA314EA8B3}"/>
               </a:ext>
             </a:extLst>
           </p:cNvPr>
@@ -17525,7 +17598,7 @@
           <p:cNvPr id="21" name="TextBox 20">
             <a:extLst>
               <a:ext uri="{FF2B5EF4-FFF2-40B4-BE49-F238E27FC236}">
-                <a16:creationId xmlns:a16="http://schemas.microsoft.com/office/drawing/2014/main" id="{EAEB2F1C-0656-1C44-A4A8-9F17D5ECF8EA}"/>
+                <a16:creationId xmlns:a16="http://schemas.microsoft.com/office/drawing/2014/main" xmlns="" id="{EAEB2F1C-0656-1C44-A4A8-9F17D5ECF8EA}"/>
               </a:ext>
             </a:extLst>
           </p:cNvPr>
@@ -17568,7 +17641,7 @@
           <p:cNvPr id="22" name="직사각형 21">
             <a:extLst>
               <a:ext uri="{FF2B5EF4-FFF2-40B4-BE49-F238E27FC236}">
-                <a16:creationId xmlns:a16="http://schemas.microsoft.com/office/drawing/2014/main" id="{E2FC0CAE-FB47-C640-9D55-2BE2138C084C}"/>
+                <a16:creationId xmlns:a16="http://schemas.microsoft.com/office/drawing/2014/main" xmlns="" id="{E2FC0CAE-FB47-C640-9D55-2BE2138C084C}"/>
               </a:ext>
             </a:extLst>
           </p:cNvPr>
@@ -17624,7 +17697,7 @@
           <p:cNvPr id="24" name="모서리가 둥근 직사각형 23">
             <a:extLst>
               <a:ext uri="{FF2B5EF4-FFF2-40B4-BE49-F238E27FC236}">
-                <a16:creationId xmlns:a16="http://schemas.microsoft.com/office/drawing/2014/main" id="{3F61A55F-FE8C-A948-B8F3-C63ED8D89A73}"/>
+                <a16:creationId xmlns:a16="http://schemas.microsoft.com/office/drawing/2014/main" xmlns="" id="{3F61A55F-FE8C-A948-B8F3-C63ED8D89A73}"/>
               </a:ext>
             </a:extLst>
           </p:cNvPr>
@@ -17692,7 +17765,7 @@
           <p:cNvPr id="5" name="TextBox 4">
             <a:extLst>
               <a:ext uri="{FF2B5EF4-FFF2-40B4-BE49-F238E27FC236}">
-                <a16:creationId xmlns:a16="http://schemas.microsoft.com/office/drawing/2014/main" id="{2345FB5A-9B88-114F-A895-84140DA47405}"/>
+                <a16:creationId xmlns:a16="http://schemas.microsoft.com/office/drawing/2014/main" xmlns="" id="{2345FB5A-9B88-114F-A895-84140DA47405}"/>
               </a:ext>
             </a:extLst>
           </p:cNvPr>
@@ -17771,7 +17844,7 @@
           <p:cNvPr id="27" name="모서리가 둥근 직사각형 26">
             <a:extLst>
               <a:ext uri="{FF2B5EF4-FFF2-40B4-BE49-F238E27FC236}">
-                <a16:creationId xmlns:a16="http://schemas.microsoft.com/office/drawing/2014/main" id="{E9F8B3E1-B4B3-B149-A1FB-5E80A693149E}"/>
+                <a16:creationId xmlns:a16="http://schemas.microsoft.com/office/drawing/2014/main" xmlns="" id="{E9F8B3E1-B4B3-B149-A1FB-5E80A693149E}"/>
               </a:ext>
             </a:extLst>
           </p:cNvPr>
@@ -17870,7 +17943,7 @@
           <p:cNvPr id="7" name="직선 연결선[R] 6">
             <a:extLst>
               <a:ext uri="{FF2B5EF4-FFF2-40B4-BE49-F238E27FC236}">
-                <a16:creationId xmlns:a16="http://schemas.microsoft.com/office/drawing/2014/main" id="{C37948BC-65C1-2448-A2EC-23EA3452E453}"/>
+                <a16:creationId xmlns:a16="http://schemas.microsoft.com/office/drawing/2014/main" xmlns="" id="{C37948BC-65C1-2448-A2EC-23EA3452E453}"/>
               </a:ext>
             </a:extLst>
           </p:cNvPr>
@@ -17911,7 +17984,7 @@
           <p:cNvPr id="32" name="자유형 31">
             <a:extLst>
               <a:ext uri="{FF2B5EF4-FFF2-40B4-BE49-F238E27FC236}">
-                <a16:creationId xmlns:a16="http://schemas.microsoft.com/office/drawing/2014/main" id="{667A8658-5E69-F440-A283-007B7061E1AC}"/>
+                <a16:creationId xmlns:a16="http://schemas.microsoft.com/office/drawing/2014/main" xmlns="" id="{667A8658-5E69-F440-A283-007B7061E1AC}"/>
               </a:ext>
             </a:extLst>
           </p:cNvPr>
@@ -18059,7 +18132,7 @@
           <p:cNvPr id="34" name="자유형 33">
             <a:extLst>
               <a:ext uri="{FF2B5EF4-FFF2-40B4-BE49-F238E27FC236}">
-                <a16:creationId xmlns:a16="http://schemas.microsoft.com/office/drawing/2014/main" id="{FBE03D53-FB4E-EC47-B450-141E936B4217}"/>
+                <a16:creationId xmlns:a16="http://schemas.microsoft.com/office/drawing/2014/main" xmlns="" id="{FBE03D53-FB4E-EC47-B450-141E936B4217}"/>
               </a:ext>
             </a:extLst>
           </p:cNvPr>
@@ -18189,7 +18262,7 @@
           <p:cNvPr id="9" name="삼각형 8">
             <a:extLst>
               <a:ext uri="{FF2B5EF4-FFF2-40B4-BE49-F238E27FC236}">
-                <a16:creationId xmlns:a16="http://schemas.microsoft.com/office/drawing/2014/main" id="{88083F91-A303-4646-8621-C44DA320BF0A}"/>
+                <a16:creationId xmlns:a16="http://schemas.microsoft.com/office/drawing/2014/main" xmlns="" id="{88083F91-A303-4646-8621-C44DA320BF0A}"/>
               </a:ext>
             </a:extLst>
           </p:cNvPr>
@@ -18245,7 +18318,7 @@
           <p:cNvPr id="37" name="모서리가 둥근 직사각형 36">
             <a:extLst>
               <a:ext uri="{FF2B5EF4-FFF2-40B4-BE49-F238E27FC236}">
-                <a16:creationId xmlns:a16="http://schemas.microsoft.com/office/drawing/2014/main" id="{9A63A9A5-7F92-784A-9914-64730658121F}"/>
+                <a16:creationId xmlns:a16="http://schemas.microsoft.com/office/drawing/2014/main" xmlns="" id="{9A63A9A5-7F92-784A-9914-64730658121F}"/>
               </a:ext>
             </a:extLst>
           </p:cNvPr>
@@ -18324,7 +18397,7 @@
           <p:cNvPr id="45" name="자유형 44">
             <a:extLst>
               <a:ext uri="{FF2B5EF4-FFF2-40B4-BE49-F238E27FC236}">
-                <a16:creationId xmlns:a16="http://schemas.microsoft.com/office/drawing/2014/main" id="{795094E0-E2BC-6F4A-9605-45B68F1A5415}"/>
+                <a16:creationId xmlns:a16="http://schemas.microsoft.com/office/drawing/2014/main" xmlns="" id="{795094E0-E2BC-6F4A-9605-45B68F1A5415}"/>
               </a:ext>
             </a:extLst>
           </p:cNvPr>
@@ -18480,7 +18553,7 @@
           <p:cNvPr id="25" name="TextBox 24">
             <a:extLst>
               <a:ext uri="{FF2B5EF4-FFF2-40B4-BE49-F238E27FC236}">
-                <a16:creationId xmlns:a16="http://schemas.microsoft.com/office/drawing/2014/main" id="{69074E22-F89C-A349-8330-71928693398F}"/>
+                <a16:creationId xmlns:a16="http://schemas.microsoft.com/office/drawing/2014/main" xmlns="" id="{69074E22-F89C-A349-8330-71928693398F}"/>
               </a:ext>
             </a:extLst>
           </p:cNvPr>
@@ -18538,7 +18611,7 @@
           <p:cNvPr id="26" name="TextBox 25">
             <a:extLst>
               <a:ext uri="{FF2B5EF4-FFF2-40B4-BE49-F238E27FC236}">
-                <a16:creationId xmlns:a16="http://schemas.microsoft.com/office/drawing/2014/main" id="{001529B2-C00D-4D4F-BEB9-70140837CDB4}"/>
+                <a16:creationId xmlns:a16="http://schemas.microsoft.com/office/drawing/2014/main" xmlns="" id="{001529B2-C00D-4D4F-BEB9-70140837CDB4}"/>
               </a:ext>
             </a:extLst>
           </p:cNvPr>
@@ -18608,7 +18681,7 @@
           <p:cNvPr id="4" name="직사각형 3">
             <a:extLst>
               <a:ext uri="{FF2B5EF4-FFF2-40B4-BE49-F238E27FC236}">
-                <a16:creationId xmlns:a16="http://schemas.microsoft.com/office/drawing/2014/main" id="{EA2D8D37-742E-EF4A-A579-D4FCE47462A2}"/>
+                <a16:creationId xmlns:a16="http://schemas.microsoft.com/office/drawing/2014/main" xmlns="" id="{EA2D8D37-742E-EF4A-A579-D4FCE47462A2}"/>
               </a:ext>
             </a:extLst>
           </p:cNvPr>
@@ -18664,7 +18737,7 @@
           <p:cNvPr id="5" name="직사각형 4">
             <a:extLst>
               <a:ext uri="{FF2B5EF4-FFF2-40B4-BE49-F238E27FC236}">
-                <a16:creationId xmlns:a16="http://schemas.microsoft.com/office/drawing/2014/main" id="{263AF4BD-43FD-F444-9213-EF34F45DC1F1}"/>
+                <a16:creationId xmlns:a16="http://schemas.microsoft.com/office/drawing/2014/main" xmlns="" id="{263AF4BD-43FD-F444-9213-EF34F45DC1F1}"/>
               </a:ext>
             </a:extLst>
           </p:cNvPr>
@@ -18720,7 +18793,7 @@
           <p:cNvPr id="7" name="TextBox 6">
             <a:extLst>
               <a:ext uri="{FF2B5EF4-FFF2-40B4-BE49-F238E27FC236}">
-                <a16:creationId xmlns:a16="http://schemas.microsoft.com/office/drawing/2014/main" id="{71C06810-FA81-E844-8CB0-A63915BE67EA}"/>
+                <a16:creationId xmlns:a16="http://schemas.microsoft.com/office/drawing/2014/main" xmlns="" id="{71C06810-FA81-E844-8CB0-A63915BE67EA}"/>
               </a:ext>
             </a:extLst>
           </p:cNvPr>
@@ -18772,7 +18845,7 @@
           <p:cNvPr id="12" name="모서리가 둥근 직사각형 11">
             <a:extLst>
               <a:ext uri="{FF2B5EF4-FFF2-40B4-BE49-F238E27FC236}">
-                <a16:creationId xmlns:a16="http://schemas.microsoft.com/office/drawing/2014/main" id="{C5488FC6-282C-7148-82F7-288317848D5E}"/>
+                <a16:creationId xmlns:a16="http://schemas.microsoft.com/office/drawing/2014/main" xmlns="" id="{C5488FC6-282C-7148-82F7-288317848D5E}"/>
               </a:ext>
             </a:extLst>
           </p:cNvPr>
@@ -18840,7 +18913,7 @@
           <p:cNvPr id="13" name="TextBox 12">
             <a:extLst>
               <a:ext uri="{FF2B5EF4-FFF2-40B4-BE49-F238E27FC236}">
-                <a16:creationId xmlns:a16="http://schemas.microsoft.com/office/drawing/2014/main" id="{852B469B-6110-9446-A9BB-C28049DB396C}"/>
+                <a16:creationId xmlns:a16="http://schemas.microsoft.com/office/drawing/2014/main" xmlns="" id="{852B469B-6110-9446-A9BB-C28049DB396C}"/>
               </a:ext>
             </a:extLst>
           </p:cNvPr>
@@ -18880,7 +18953,7 @@
           <p:cNvPr id="14" name="TextBox 13">
             <a:extLst>
               <a:ext uri="{FF2B5EF4-FFF2-40B4-BE49-F238E27FC236}">
-                <a16:creationId xmlns:a16="http://schemas.microsoft.com/office/drawing/2014/main" id="{5B516E62-67EC-1843-A453-45B117B38417}"/>
+                <a16:creationId xmlns:a16="http://schemas.microsoft.com/office/drawing/2014/main" xmlns="" id="{5B516E62-67EC-1843-A453-45B117B38417}"/>
               </a:ext>
             </a:extLst>
           </p:cNvPr>
@@ -18924,7 +18997,7 @@
           <p:cNvPr id="16" name="모서리가 둥근 직사각형 15">
             <a:extLst>
               <a:ext uri="{FF2B5EF4-FFF2-40B4-BE49-F238E27FC236}">
-                <a16:creationId xmlns:a16="http://schemas.microsoft.com/office/drawing/2014/main" id="{01A6D671-79C6-4C4A-AE77-03D0B7A9C7D5}"/>
+                <a16:creationId xmlns:a16="http://schemas.microsoft.com/office/drawing/2014/main" xmlns="" id="{01A6D671-79C6-4C4A-AE77-03D0B7A9C7D5}"/>
               </a:ext>
             </a:extLst>
           </p:cNvPr>
@@ -19003,7 +19076,7 @@
           <p:cNvPr id="17" name="모서리가 둥근 직사각형 16">
             <a:extLst>
               <a:ext uri="{FF2B5EF4-FFF2-40B4-BE49-F238E27FC236}">
-                <a16:creationId xmlns:a16="http://schemas.microsoft.com/office/drawing/2014/main" id="{09C1CA4A-D32A-EF40-8921-7271B583A07F}"/>
+                <a16:creationId xmlns:a16="http://schemas.microsoft.com/office/drawing/2014/main" xmlns="" id="{09C1CA4A-D32A-EF40-8921-7271B583A07F}"/>
               </a:ext>
             </a:extLst>
           </p:cNvPr>
@@ -19082,7 +19155,7 @@
           <p:cNvPr id="18" name="TextBox 17">
             <a:extLst>
               <a:ext uri="{FF2B5EF4-FFF2-40B4-BE49-F238E27FC236}">
-                <a16:creationId xmlns:a16="http://schemas.microsoft.com/office/drawing/2014/main" id="{64FA5B03-79E4-524D-960A-19138A7FD148}"/>
+                <a16:creationId xmlns:a16="http://schemas.microsoft.com/office/drawing/2014/main" xmlns="" id="{64FA5B03-79E4-524D-960A-19138A7FD148}"/>
               </a:ext>
             </a:extLst>
           </p:cNvPr>
@@ -19140,7 +19213,7 @@
           <p:cNvPr id="20" name="직사각형 19">
             <a:extLst>
               <a:ext uri="{FF2B5EF4-FFF2-40B4-BE49-F238E27FC236}">
-                <a16:creationId xmlns:a16="http://schemas.microsoft.com/office/drawing/2014/main" id="{0E76A8CE-9DC1-A14E-991E-0850C142A1F5}"/>
+                <a16:creationId xmlns:a16="http://schemas.microsoft.com/office/drawing/2014/main" xmlns="" id="{0E76A8CE-9DC1-A14E-991E-0850C142A1F5}"/>
               </a:ext>
             </a:extLst>
           </p:cNvPr>
@@ -19196,7 +19269,7 @@
           <p:cNvPr id="23" name="모서리가 둥근 직사각형 22">
             <a:extLst>
               <a:ext uri="{FF2B5EF4-FFF2-40B4-BE49-F238E27FC236}">
-                <a16:creationId xmlns:a16="http://schemas.microsoft.com/office/drawing/2014/main" id="{3EA0C1BB-7DFA-4746-99C8-64EED33E39BD}"/>
+                <a16:creationId xmlns:a16="http://schemas.microsoft.com/office/drawing/2014/main" xmlns="" id="{3EA0C1BB-7DFA-4746-99C8-64EED33E39BD}"/>
               </a:ext>
             </a:extLst>
           </p:cNvPr>
@@ -19294,7 +19367,7 @@
           <p:cNvPr id="22" name="직사각형 21">
             <a:extLst>
               <a:ext uri="{FF2B5EF4-FFF2-40B4-BE49-F238E27FC236}">
-                <a16:creationId xmlns:a16="http://schemas.microsoft.com/office/drawing/2014/main" id="{67DAD890-3198-BA45-93A2-9FC369045AAE}"/>
+                <a16:creationId xmlns:a16="http://schemas.microsoft.com/office/drawing/2014/main" xmlns="" id="{67DAD890-3198-BA45-93A2-9FC369045AAE}"/>
               </a:ext>
             </a:extLst>
           </p:cNvPr>
@@ -19350,7 +19423,7 @@
           <p:cNvPr id="23" name="TextBox 22">
             <a:extLst>
               <a:ext uri="{FF2B5EF4-FFF2-40B4-BE49-F238E27FC236}">
-                <a16:creationId xmlns:a16="http://schemas.microsoft.com/office/drawing/2014/main" id="{0A800E18-9E00-4141-8070-3B6B1C9ADF94}"/>
+                <a16:creationId xmlns:a16="http://schemas.microsoft.com/office/drawing/2014/main" xmlns="" id="{0A800E18-9E00-4141-8070-3B6B1C9ADF94}"/>
               </a:ext>
             </a:extLst>
           </p:cNvPr>
@@ -19394,7 +19467,7 @@
           <p:cNvPr id="10" name="모서리가 둥근 직사각형 9">
             <a:extLst>
               <a:ext uri="{FF2B5EF4-FFF2-40B4-BE49-F238E27FC236}">
-                <a16:creationId xmlns:a16="http://schemas.microsoft.com/office/drawing/2014/main" id="{C5146231-6C8A-1246-B88B-938550474F2E}"/>
+                <a16:creationId xmlns:a16="http://schemas.microsoft.com/office/drawing/2014/main" xmlns="" id="{C5146231-6C8A-1246-B88B-938550474F2E}"/>
               </a:ext>
             </a:extLst>
           </p:cNvPr>
@@ -19473,7 +19546,7 @@
           <p:cNvPr id="11" name="모서리가 둥근 직사각형 10">
             <a:extLst>
               <a:ext uri="{FF2B5EF4-FFF2-40B4-BE49-F238E27FC236}">
-                <a16:creationId xmlns:a16="http://schemas.microsoft.com/office/drawing/2014/main" id="{431DDE67-59BE-C741-A92A-B9FDB6578F05}"/>
+                <a16:creationId xmlns:a16="http://schemas.microsoft.com/office/drawing/2014/main" xmlns="" id="{431DDE67-59BE-C741-A92A-B9FDB6578F05}"/>
               </a:ext>
             </a:extLst>
           </p:cNvPr>
@@ -19552,7 +19625,7 @@
           <p:cNvPr id="12" name="모서리가 둥근 직사각형 11">
             <a:extLst>
               <a:ext uri="{FF2B5EF4-FFF2-40B4-BE49-F238E27FC236}">
-                <a16:creationId xmlns:a16="http://schemas.microsoft.com/office/drawing/2014/main" id="{C5488FC6-282C-7148-82F7-288317848D5E}"/>
+                <a16:creationId xmlns:a16="http://schemas.microsoft.com/office/drawing/2014/main" xmlns="" id="{C5488FC6-282C-7148-82F7-288317848D5E}"/>
               </a:ext>
             </a:extLst>
           </p:cNvPr>
@@ -19620,7 +19693,7 @@
           <p:cNvPr id="17" name="모서리가 둥근 직사각형 16">
             <a:extLst>
               <a:ext uri="{FF2B5EF4-FFF2-40B4-BE49-F238E27FC236}">
-                <a16:creationId xmlns:a16="http://schemas.microsoft.com/office/drawing/2014/main" id="{E2BABE5E-2C5B-1544-9595-954E364F1BF3}"/>
+                <a16:creationId xmlns:a16="http://schemas.microsoft.com/office/drawing/2014/main" xmlns="" id="{E2BABE5E-2C5B-1544-9595-954E364F1BF3}"/>
               </a:ext>
             </a:extLst>
           </p:cNvPr>
@@ -19699,7 +19772,7 @@
           <p:cNvPr id="13" name="직사각형 12">
             <a:extLst>
               <a:ext uri="{FF2B5EF4-FFF2-40B4-BE49-F238E27FC236}">
-                <a16:creationId xmlns:a16="http://schemas.microsoft.com/office/drawing/2014/main" id="{C1198BDD-CC97-3E43-A063-3FFF1B53F206}"/>
+                <a16:creationId xmlns:a16="http://schemas.microsoft.com/office/drawing/2014/main" xmlns="" id="{C1198BDD-CC97-3E43-A063-3FFF1B53F206}"/>
               </a:ext>
             </a:extLst>
           </p:cNvPr>
@@ -19755,7 +19828,7 @@
           <p:cNvPr id="14" name="TextBox 13">
             <a:extLst>
               <a:ext uri="{FF2B5EF4-FFF2-40B4-BE49-F238E27FC236}">
-                <a16:creationId xmlns:a16="http://schemas.microsoft.com/office/drawing/2014/main" id="{2D75EC22-FEC0-1C47-B79E-BF8D3F36BC3B}"/>
+                <a16:creationId xmlns:a16="http://schemas.microsoft.com/office/drawing/2014/main" xmlns="" id="{2D75EC22-FEC0-1C47-B79E-BF8D3F36BC3B}"/>
               </a:ext>
             </a:extLst>
           </p:cNvPr>
@@ -19807,7 +19880,7 @@
           <p:cNvPr id="15" name="TextBox 14">
             <a:extLst>
               <a:ext uri="{FF2B5EF4-FFF2-40B4-BE49-F238E27FC236}">
-                <a16:creationId xmlns:a16="http://schemas.microsoft.com/office/drawing/2014/main" id="{4B6ED008-8A6C-074B-B622-68BE2BA06CC7}"/>
+                <a16:creationId xmlns:a16="http://schemas.microsoft.com/office/drawing/2014/main" xmlns="" id="{4B6ED008-8A6C-074B-B622-68BE2BA06CC7}"/>
               </a:ext>
             </a:extLst>
           </p:cNvPr>
@@ -19865,7 +19938,7 @@
           <p:cNvPr id="16" name="직사각형 15">
             <a:extLst>
               <a:ext uri="{FF2B5EF4-FFF2-40B4-BE49-F238E27FC236}">
-                <a16:creationId xmlns:a16="http://schemas.microsoft.com/office/drawing/2014/main" id="{C2A1CFDE-104A-6548-A6F5-86CCCD43C3C6}"/>
+                <a16:creationId xmlns:a16="http://schemas.microsoft.com/office/drawing/2014/main" xmlns="" id="{C2A1CFDE-104A-6548-A6F5-86CCCD43C3C6}"/>
               </a:ext>
             </a:extLst>
           </p:cNvPr>
@@ -19921,7 +19994,7 @@
           <p:cNvPr id="21" name="모서리가 둥근 직사각형 20">
             <a:extLst>
               <a:ext uri="{FF2B5EF4-FFF2-40B4-BE49-F238E27FC236}">
-                <a16:creationId xmlns:a16="http://schemas.microsoft.com/office/drawing/2014/main" id="{EA113DB3-6898-EF41-A8EF-F40F5C1C3CAA}"/>
+                <a16:creationId xmlns:a16="http://schemas.microsoft.com/office/drawing/2014/main" xmlns="" id="{EA113DB3-6898-EF41-A8EF-F40F5C1C3CAA}"/>
               </a:ext>
             </a:extLst>
           </p:cNvPr>
@@ -20019,7 +20092,7 @@
           <p:cNvPr id="22" name="직사각형 21">
             <a:extLst>
               <a:ext uri="{FF2B5EF4-FFF2-40B4-BE49-F238E27FC236}">
-                <a16:creationId xmlns:a16="http://schemas.microsoft.com/office/drawing/2014/main" id="{67DAD890-3198-BA45-93A2-9FC369045AAE}"/>
+                <a16:creationId xmlns:a16="http://schemas.microsoft.com/office/drawing/2014/main" xmlns="" id="{67DAD890-3198-BA45-93A2-9FC369045AAE}"/>
               </a:ext>
             </a:extLst>
           </p:cNvPr>
@@ -20075,7 +20148,7 @@
           <p:cNvPr id="23" name="TextBox 22">
             <a:extLst>
               <a:ext uri="{FF2B5EF4-FFF2-40B4-BE49-F238E27FC236}">
-                <a16:creationId xmlns:a16="http://schemas.microsoft.com/office/drawing/2014/main" id="{0A800E18-9E00-4141-8070-3B6B1C9ADF94}"/>
+                <a16:creationId xmlns:a16="http://schemas.microsoft.com/office/drawing/2014/main" xmlns="" id="{0A800E18-9E00-4141-8070-3B6B1C9ADF94}"/>
               </a:ext>
             </a:extLst>
           </p:cNvPr>
@@ -20119,7 +20192,7 @@
           <p:cNvPr id="13" name="직사각형 12">
             <a:extLst>
               <a:ext uri="{FF2B5EF4-FFF2-40B4-BE49-F238E27FC236}">
-                <a16:creationId xmlns:a16="http://schemas.microsoft.com/office/drawing/2014/main" id="{C1198BDD-CC97-3E43-A063-3FFF1B53F206}"/>
+                <a16:creationId xmlns:a16="http://schemas.microsoft.com/office/drawing/2014/main" xmlns="" id="{C1198BDD-CC97-3E43-A063-3FFF1B53F206}"/>
               </a:ext>
             </a:extLst>
           </p:cNvPr>
@@ -20175,7 +20248,7 @@
           <p:cNvPr id="14" name="TextBox 13">
             <a:extLst>
               <a:ext uri="{FF2B5EF4-FFF2-40B4-BE49-F238E27FC236}">
-                <a16:creationId xmlns:a16="http://schemas.microsoft.com/office/drawing/2014/main" id="{2D75EC22-FEC0-1C47-B79E-BF8D3F36BC3B}"/>
+                <a16:creationId xmlns:a16="http://schemas.microsoft.com/office/drawing/2014/main" xmlns="" id="{2D75EC22-FEC0-1C47-B79E-BF8D3F36BC3B}"/>
               </a:ext>
             </a:extLst>
           </p:cNvPr>
@@ -20227,7 +20300,7 @@
           <p:cNvPr id="15" name="TextBox 14">
             <a:extLst>
               <a:ext uri="{FF2B5EF4-FFF2-40B4-BE49-F238E27FC236}">
-                <a16:creationId xmlns:a16="http://schemas.microsoft.com/office/drawing/2014/main" id="{4B6ED008-8A6C-074B-B622-68BE2BA06CC7}"/>
+                <a16:creationId xmlns:a16="http://schemas.microsoft.com/office/drawing/2014/main" xmlns="" id="{4B6ED008-8A6C-074B-B622-68BE2BA06CC7}"/>
               </a:ext>
             </a:extLst>
           </p:cNvPr>
@@ -20285,7 +20358,7 @@
           <p:cNvPr id="16" name="직사각형 15">
             <a:extLst>
               <a:ext uri="{FF2B5EF4-FFF2-40B4-BE49-F238E27FC236}">
-                <a16:creationId xmlns:a16="http://schemas.microsoft.com/office/drawing/2014/main" id="{C2A1CFDE-104A-6548-A6F5-86CCCD43C3C6}"/>
+                <a16:creationId xmlns:a16="http://schemas.microsoft.com/office/drawing/2014/main" xmlns="" id="{C2A1CFDE-104A-6548-A6F5-86CCCD43C3C6}"/>
               </a:ext>
             </a:extLst>
           </p:cNvPr>
@@ -20341,7 +20414,7 @@
           <p:cNvPr id="21" name="모서리가 둥근 직사각형 20">
             <a:extLst>
               <a:ext uri="{FF2B5EF4-FFF2-40B4-BE49-F238E27FC236}">
-                <a16:creationId xmlns:a16="http://schemas.microsoft.com/office/drawing/2014/main" id="{EA113DB3-6898-EF41-A8EF-F40F5C1C3CAA}"/>
+                <a16:creationId xmlns:a16="http://schemas.microsoft.com/office/drawing/2014/main" xmlns="" id="{EA113DB3-6898-EF41-A8EF-F40F5C1C3CAA}"/>
               </a:ext>
             </a:extLst>
           </p:cNvPr>
@@ -20409,7 +20482,7 @@
           <p:cNvPr id="19" name="TextBox 18">
             <a:extLst>
               <a:ext uri="{FF2B5EF4-FFF2-40B4-BE49-F238E27FC236}">
-                <a16:creationId xmlns:a16="http://schemas.microsoft.com/office/drawing/2014/main" id="{314C8372-ECD8-DB49-937C-CD4D47D9B04E}"/>
+                <a16:creationId xmlns:a16="http://schemas.microsoft.com/office/drawing/2014/main" xmlns="" id="{314C8372-ECD8-DB49-937C-CD4D47D9B04E}"/>
               </a:ext>
             </a:extLst>
           </p:cNvPr>
@@ -20454,7 +20527,7 @@
           <p:cNvPr id="20" name="TextBox 19">
             <a:extLst>
               <a:ext uri="{FF2B5EF4-FFF2-40B4-BE49-F238E27FC236}">
-                <a16:creationId xmlns:a16="http://schemas.microsoft.com/office/drawing/2014/main" id="{4C2ABC4A-20F0-664E-94FD-BD2550BC8391}"/>
+                <a16:creationId xmlns:a16="http://schemas.microsoft.com/office/drawing/2014/main" xmlns="" id="{4C2ABC4A-20F0-664E-94FD-BD2550BC8391}"/>
               </a:ext>
             </a:extLst>
           </p:cNvPr>
@@ -20491,7 +20564,7 @@
           <p:cNvPr id="24" name="직선 연결선[R] 23">
             <a:extLst>
               <a:ext uri="{FF2B5EF4-FFF2-40B4-BE49-F238E27FC236}">
-                <a16:creationId xmlns:a16="http://schemas.microsoft.com/office/drawing/2014/main" id="{7B185AE7-DD27-6641-A29E-B889C86AEC4D}"/>
+                <a16:creationId xmlns:a16="http://schemas.microsoft.com/office/drawing/2014/main" xmlns="" id="{7B185AE7-DD27-6641-A29E-B889C86AEC4D}"/>
               </a:ext>
             </a:extLst>
           </p:cNvPr>
@@ -20532,7 +20605,7 @@
           <p:cNvPr id="25" name="모서리가 둥근 직사각형 24">
             <a:extLst>
               <a:ext uri="{FF2B5EF4-FFF2-40B4-BE49-F238E27FC236}">
-                <a16:creationId xmlns:a16="http://schemas.microsoft.com/office/drawing/2014/main" id="{4D54DDCA-05D6-254F-98FE-5846446CF0D5}"/>
+                <a16:creationId xmlns:a16="http://schemas.microsoft.com/office/drawing/2014/main" xmlns="" id="{4D54DDCA-05D6-254F-98FE-5846446CF0D5}"/>
               </a:ext>
             </a:extLst>
           </p:cNvPr>
@@ -20630,7 +20703,7 @@
           <p:cNvPr id="13" name="직사각형 12">
             <a:extLst>
               <a:ext uri="{FF2B5EF4-FFF2-40B4-BE49-F238E27FC236}">
-                <a16:creationId xmlns:a16="http://schemas.microsoft.com/office/drawing/2014/main" id="{1A09CB1E-61C8-BF41-8166-783D974FF436}"/>
+                <a16:creationId xmlns:a16="http://schemas.microsoft.com/office/drawing/2014/main" xmlns="" id="{1A09CB1E-61C8-BF41-8166-783D974FF436}"/>
               </a:ext>
             </a:extLst>
           </p:cNvPr>
@@ -20686,7 +20759,7 @@
           <p:cNvPr id="14" name="TextBox 13">
             <a:extLst>
               <a:ext uri="{FF2B5EF4-FFF2-40B4-BE49-F238E27FC236}">
-                <a16:creationId xmlns:a16="http://schemas.microsoft.com/office/drawing/2014/main" id="{D92B28E7-D15C-C445-8715-5E7C0DEAE706}"/>
+                <a16:creationId xmlns:a16="http://schemas.microsoft.com/office/drawing/2014/main" xmlns="" id="{D92B28E7-D15C-C445-8715-5E7C0DEAE706}"/>
               </a:ext>
             </a:extLst>
           </p:cNvPr>
@@ -20723,7 +20796,7 @@
           <p:cNvPr id="21" name="직사각형 20">
             <a:extLst>
               <a:ext uri="{FF2B5EF4-FFF2-40B4-BE49-F238E27FC236}">
-                <a16:creationId xmlns:a16="http://schemas.microsoft.com/office/drawing/2014/main" id="{A871EC61-223C-0447-B82C-FEE0B482521B}"/>
+                <a16:creationId xmlns:a16="http://schemas.microsoft.com/office/drawing/2014/main" xmlns="" id="{A871EC61-223C-0447-B82C-FEE0B482521B}"/>
               </a:ext>
             </a:extLst>
           </p:cNvPr>
@@ -20779,7 +20852,7 @@
           <p:cNvPr id="22" name="직사각형 21">
             <a:extLst>
               <a:ext uri="{FF2B5EF4-FFF2-40B4-BE49-F238E27FC236}">
-                <a16:creationId xmlns:a16="http://schemas.microsoft.com/office/drawing/2014/main" id="{1DF4C30D-B860-CF42-A2D2-8933EF262E6F}"/>
+                <a16:creationId xmlns:a16="http://schemas.microsoft.com/office/drawing/2014/main" xmlns="" id="{1DF4C30D-B860-CF42-A2D2-8933EF262E6F}"/>
               </a:ext>
             </a:extLst>
           </p:cNvPr>
@@ -20835,7 +20908,7 @@
           <p:cNvPr id="23" name="모서리가 둥근 직사각형 22">
             <a:extLst>
               <a:ext uri="{FF2B5EF4-FFF2-40B4-BE49-F238E27FC236}">
-                <a16:creationId xmlns:a16="http://schemas.microsoft.com/office/drawing/2014/main" id="{A63988F2-FAC3-5045-8EA4-4720DBA24757}"/>
+                <a16:creationId xmlns:a16="http://schemas.microsoft.com/office/drawing/2014/main" xmlns="" id="{A63988F2-FAC3-5045-8EA4-4720DBA24757}"/>
               </a:ext>
             </a:extLst>
           </p:cNvPr>
@@ -20903,7 +20976,7 @@
           <p:cNvPr id="25" name="모서리가 둥근 직사각형 24">
             <a:extLst>
               <a:ext uri="{FF2B5EF4-FFF2-40B4-BE49-F238E27FC236}">
-                <a16:creationId xmlns:a16="http://schemas.microsoft.com/office/drawing/2014/main" id="{09A9694D-0652-AE48-A0AC-1AAC084FD95D}"/>
+                <a16:creationId xmlns:a16="http://schemas.microsoft.com/office/drawing/2014/main" xmlns="" id="{09A9694D-0652-AE48-A0AC-1AAC084FD95D}"/>
               </a:ext>
             </a:extLst>
           </p:cNvPr>
@@ -21014,7 +21087,7 @@
           <p:cNvPr id="26" name="모서리가 둥근 직사각형 25">
             <a:extLst>
               <a:ext uri="{FF2B5EF4-FFF2-40B4-BE49-F238E27FC236}">
-                <a16:creationId xmlns:a16="http://schemas.microsoft.com/office/drawing/2014/main" id="{2D84FF30-0FEE-3A49-937B-6991B10B5CD3}"/>
+                <a16:creationId xmlns:a16="http://schemas.microsoft.com/office/drawing/2014/main" xmlns="" id="{2D84FF30-0FEE-3A49-937B-6991B10B5CD3}"/>
               </a:ext>
             </a:extLst>
           </p:cNvPr>
@@ -21125,7 +21198,7 @@
           <p:cNvPr id="28" name="모서리가 둥근 직사각형 27">
             <a:extLst>
               <a:ext uri="{FF2B5EF4-FFF2-40B4-BE49-F238E27FC236}">
-                <a16:creationId xmlns:a16="http://schemas.microsoft.com/office/drawing/2014/main" id="{777FA8F5-1A96-B147-83BA-21C0D5D60CB4}"/>
+                <a16:creationId xmlns:a16="http://schemas.microsoft.com/office/drawing/2014/main" xmlns="" id="{777FA8F5-1A96-B147-83BA-21C0D5D60CB4}"/>
               </a:ext>
             </a:extLst>
           </p:cNvPr>
@@ -21224,7 +21297,7 @@
           <p:cNvPr id="29" name="TextBox 28">
             <a:extLst>
               <a:ext uri="{FF2B5EF4-FFF2-40B4-BE49-F238E27FC236}">
-                <a16:creationId xmlns:a16="http://schemas.microsoft.com/office/drawing/2014/main" id="{ADA8295D-F93C-3047-AEE6-7A0499D3324A}"/>
+                <a16:creationId xmlns:a16="http://schemas.microsoft.com/office/drawing/2014/main" xmlns="" id="{ADA8295D-F93C-3047-AEE6-7A0499D3324A}"/>
               </a:ext>
             </a:extLst>
           </p:cNvPr>
@@ -21274,7 +21347,7 @@
           <p:cNvPr id="34" name="직사각형 33">
             <a:extLst>
               <a:ext uri="{FF2B5EF4-FFF2-40B4-BE49-F238E27FC236}">
-                <a16:creationId xmlns:a16="http://schemas.microsoft.com/office/drawing/2014/main" id="{85AE415A-F52E-6849-89F6-B7DF9B5D0D2D}"/>
+                <a16:creationId xmlns:a16="http://schemas.microsoft.com/office/drawing/2014/main" xmlns="" id="{85AE415A-F52E-6849-89F6-B7DF9B5D0D2D}"/>
               </a:ext>
             </a:extLst>
           </p:cNvPr>
@@ -21330,7 +21403,7 @@
           <p:cNvPr id="35" name="모서리가 둥근 직사각형 34">
             <a:extLst>
               <a:ext uri="{FF2B5EF4-FFF2-40B4-BE49-F238E27FC236}">
-                <a16:creationId xmlns:a16="http://schemas.microsoft.com/office/drawing/2014/main" id="{A4971372-9237-B048-B2E9-0A06977A32A0}"/>
+                <a16:creationId xmlns:a16="http://schemas.microsoft.com/office/drawing/2014/main" xmlns="" id="{A4971372-9237-B048-B2E9-0A06977A32A0}"/>
               </a:ext>
             </a:extLst>
           </p:cNvPr>
@@ -21411,7 +21484,7 @@
           <p:cNvPr id="37" name="TextBox 36">
             <a:extLst>
               <a:ext uri="{FF2B5EF4-FFF2-40B4-BE49-F238E27FC236}">
-                <a16:creationId xmlns:a16="http://schemas.microsoft.com/office/drawing/2014/main" id="{985B151C-01C4-014A-B006-E8E125897B00}"/>
+                <a16:creationId xmlns:a16="http://schemas.microsoft.com/office/drawing/2014/main" xmlns="" id="{985B151C-01C4-014A-B006-E8E125897B00}"/>
               </a:ext>
             </a:extLst>
           </p:cNvPr>
@@ -21448,7 +21521,7 @@
           <p:cNvPr id="40" name="TextBox 39">
             <a:extLst>
               <a:ext uri="{FF2B5EF4-FFF2-40B4-BE49-F238E27FC236}">
-                <a16:creationId xmlns:a16="http://schemas.microsoft.com/office/drawing/2014/main" id="{FF2CD8B2-D563-3246-A9AF-E3C8601CB67D}"/>
+                <a16:creationId xmlns:a16="http://schemas.microsoft.com/office/drawing/2014/main" xmlns="" id="{FF2CD8B2-D563-3246-A9AF-E3C8601CB67D}"/>
               </a:ext>
             </a:extLst>
           </p:cNvPr>
@@ -21488,7 +21561,7 @@
           <p:cNvPr id="2" name="TextBox 1">
             <a:extLst>
               <a:ext uri="{FF2B5EF4-FFF2-40B4-BE49-F238E27FC236}">
-                <a16:creationId xmlns:a16="http://schemas.microsoft.com/office/drawing/2014/main" id="{342D94B4-3572-1345-95DA-6137D8C8DE3B}"/>
+                <a16:creationId xmlns:a16="http://schemas.microsoft.com/office/drawing/2014/main" xmlns="" id="{342D94B4-3572-1345-95DA-6137D8C8DE3B}"/>
               </a:ext>
             </a:extLst>
           </p:cNvPr>
@@ -21537,7 +21610,7 @@
           <p:cNvPr id="30" name="TextBox 29">
             <a:extLst>
               <a:ext uri="{FF2B5EF4-FFF2-40B4-BE49-F238E27FC236}">
-                <a16:creationId xmlns:a16="http://schemas.microsoft.com/office/drawing/2014/main" id="{7EA72A3F-E96E-304A-A796-093F9BD31F91}"/>
+                <a16:creationId xmlns:a16="http://schemas.microsoft.com/office/drawing/2014/main" xmlns="" id="{7EA72A3F-E96E-304A-A796-093F9BD31F91}"/>
               </a:ext>
             </a:extLst>
           </p:cNvPr>
@@ -21574,7 +21647,7 @@
           <p:cNvPr id="31" name="TextBox 30">
             <a:extLst>
               <a:ext uri="{FF2B5EF4-FFF2-40B4-BE49-F238E27FC236}">
-                <a16:creationId xmlns:a16="http://schemas.microsoft.com/office/drawing/2014/main" id="{5D2E1DD5-0404-C645-B052-08F3ACE0FF8C}"/>
+                <a16:creationId xmlns:a16="http://schemas.microsoft.com/office/drawing/2014/main" xmlns="" id="{5D2E1DD5-0404-C645-B052-08F3ACE0FF8C}"/>
               </a:ext>
             </a:extLst>
           </p:cNvPr>
@@ -21623,7 +21696,7 @@
           <p:cNvPr id="32" name="TextBox 31">
             <a:extLst>
               <a:ext uri="{FF2B5EF4-FFF2-40B4-BE49-F238E27FC236}">
-                <a16:creationId xmlns:a16="http://schemas.microsoft.com/office/drawing/2014/main" id="{69074E22-F89C-A349-8330-71928693398F}"/>
+                <a16:creationId xmlns:a16="http://schemas.microsoft.com/office/drawing/2014/main" xmlns="" id="{69074E22-F89C-A349-8330-71928693398F}"/>
               </a:ext>
             </a:extLst>
           </p:cNvPr>
@@ -21681,7 +21754,7 @@
           <p:cNvPr id="33" name="직사각형 32">
             <a:extLst>
               <a:ext uri="{FF2B5EF4-FFF2-40B4-BE49-F238E27FC236}">
-                <a16:creationId xmlns:a16="http://schemas.microsoft.com/office/drawing/2014/main" id="{324B93C4-54CD-364D-AE04-E89369BD362F}"/>
+                <a16:creationId xmlns:a16="http://schemas.microsoft.com/office/drawing/2014/main" xmlns="" id="{324B93C4-54CD-364D-AE04-E89369BD362F}"/>
               </a:ext>
             </a:extLst>
           </p:cNvPr>
@@ -21733,7 +21806,7 @@
           <p:cNvPr id="36" name="직선 연결선[R] 2">
             <a:extLst>
               <a:ext uri="{FF2B5EF4-FFF2-40B4-BE49-F238E27FC236}">
-                <a16:creationId xmlns:a16="http://schemas.microsoft.com/office/drawing/2014/main" id="{703E2DF6-4AB2-EF49-A3C5-F19D70859C0E}"/>
+                <a16:creationId xmlns:a16="http://schemas.microsoft.com/office/drawing/2014/main" xmlns="" id="{703E2DF6-4AB2-EF49-A3C5-F19D70859C0E}"/>
               </a:ext>
             </a:extLst>
           </p:cNvPr>
@@ -21776,7 +21849,7 @@
           <p:cNvPr id="24" name="TextBox 23">
             <a:extLst>
               <a:ext uri="{FF2B5EF4-FFF2-40B4-BE49-F238E27FC236}">
-                <a16:creationId xmlns:a16="http://schemas.microsoft.com/office/drawing/2014/main" id="{001529B2-C00D-4D4F-BEB9-70140837CDB4}"/>
+                <a16:creationId xmlns:a16="http://schemas.microsoft.com/office/drawing/2014/main" xmlns="" id="{001529B2-C00D-4D4F-BEB9-70140837CDB4}"/>
               </a:ext>
             </a:extLst>
           </p:cNvPr>
@@ -21846,7 +21919,7 @@
           <p:cNvPr id="13" name="직사각형 12">
             <a:extLst>
               <a:ext uri="{FF2B5EF4-FFF2-40B4-BE49-F238E27FC236}">
-                <a16:creationId xmlns:a16="http://schemas.microsoft.com/office/drawing/2014/main" id="{1A09CB1E-61C8-BF41-8166-783D974FF436}"/>
+                <a16:creationId xmlns:a16="http://schemas.microsoft.com/office/drawing/2014/main" xmlns="" id="{1A09CB1E-61C8-BF41-8166-783D974FF436}"/>
               </a:ext>
             </a:extLst>
           </p:cNvPr>
@@ -21902,7 +21975,7 @@
           <p:cNvPr id="14" name="TextBox 13">
             <a:extLst>
               <a:ext uri="{FF2B5EF4-FFF2-40B4-BE49-F238E27FC236}">
-                <a16:creationId xmlns:a16="http://schemas.microsoft.com/office/drawing/2014/main" id="{D92B28E7-D15C-C445-8715-5E7C0DEAE706}"/>
+                <a16:creationId xmlns:a16="http://schemas.microsoft.com/office/drawing/2014/main" xmlns="" id="{D92B28E7-D15C-C445-8715-5E7C0DEAE706}"/>
               </a:ext>
             </a:extLst>
           </p:cNvPr>
@@ -21939,7 +22012,7 @@
           <p:cNvPr id="21" name="직사각형 20">
             <a:extLst>
               <a:ext uri="{FF2B5EF4-FFF2-40B4-BE49-F238E27FC236}">
-                <a16:creationId xmlns:a16="http://schemas.microsoft.com/office/drawing/2014/main" id="{A871EC61-223C-0447-B82C-FEE0B482521B}"/>
+                <a16:creationId xmlns:a16="http://schemas.microsoft.com/office/drawing/2014/main" xmlns="" id="{A871EC61-223C-0447-B82C-FEE0B482521B}"/>
               </a:ext>
             </a:extLst>
           </p:cNvPr>
@@ -21995,7 +22068,7 @@
           <p:cNvPr id="22" name="직사각형 21">
             <a:extLst>
               <a:ext uri="{FF2B5EF4-FFF2-40B4-BE49-F238E27FC236}">
-                <a16:creationId xmlns:a16="http://schemas.microsoft.com/office/drawing/2014/main" id="{1DF4C30D-B860-CF42-A2D2-8933EF262E6F}"/>
+                <a16:creationId xmlns:a16="http://schemas.microsoft.com/office/drawing/2014/main" xmlns="" id="{1DF4C30D-B860-CF42-A2D2-8933EF262E6F}"/>
               </a:ext>
             </a:extLst>
           </p:cNvPr>
@@ -22051,7 +22124,7 @@
           <p:cNvPr id="23" name="모서리가 둥근 직사각형 22">
             <a:extLst>
               <a:ext uri="{FF2B5EF4-FFF2-40B4-BE49-F238E27FC236}">
-                <a16:creationId xmlns:a16="http://schemas.microsoft.com/office/drawing/2014/main" id="{A63988F2-FAC3-5045-8EA4-4720DBA24757}"/>
+                <a16:creationId xmlns:a16="http://schemas.microsoft.com/office/drawing/2014/main" xmlns="" id="{A63988F2-FAC3-5045-8EA4-4720DBA24757}"/>
               </a:ext>
             </a:extLst>
           </p:cNvPr>
@@ -22119,7 +22192,7 @@
           <p:cNvPr id="24" name="TextBox 23">
             <a:extLst>
               <a:ext uri="{FF2B5EF4-FFF2-40B4-BE49-F238E27FC236}">
-                <a16:creationId xmlns:a16="http://schemas.microsoft.com/office/drawing/2014/main" id="{A10A7A5C-B1F8-864F-8E88-3E5791A48547}"/>
+                <a16:creationId xmlns:a16="http://schemas.microsoft.com/office/drawing/2014/main" xmlns="" id="{A10A7A5C-B1F8-864F-8E88-3E5791A48547}"/>
               </a:ext>
             </a:extLst>
           </p:cNvPr>
@@ -22181,7 +22254,7 @@
           <p:cNvPr id="25" name="모서리가 둥근 직사각형 24">
             <a:extLst>
               <a:ext uri="{FF2B5EF4-FFF2-40B4-BE49-F238E27FC236}">
-                <a16:creationId xmlns:a16="http://schemas.microsoft.com/office/drawing/2014/main" id="{09A9694D-0652-AE48-A0AC-1AAC084FD95D}"/>
+                <a16:creationId xmlns:a16="http://schemas.microsoft.com/office/drawing/2014/main" xmlns="" id="{09A9694D-0652-AE48-A0AC-1AAC084FD95D}"/>
               </a:ext>
             </a:extLst>
           </p:cNvPr>
@@ -22299,7 +22372,7 @@
           <p:cNvPr id="26" name="모서리가 둥근 직사각형 25">
             <a:extLst>
               <a:ext uri="{FF2B5EF4-FFF2-40B4-BE49-F238E27FC236}">
-                <a16:creationId xmlns:a16="http://schemas.microsoft.com/office/drawing/2014/main" id="{2D84FF30-0FEE-3A49-937B-6991B10B5CD3}"/>
+                <a16:creationId xmlns:a16="http://schemas.microsoft.com/office/drawing/2014/main" xmlns="" id="{2D84FF30-0FEE-3A49-937B-6991B10B5CD3}"/>
               </a:ext>
             </a:extLst>
           </p:cNvPr>
@@ -22417,7 +22490,7 @@
           <p:cNvPr id="27" name="직사각형 26">
             <a:extLst>
               <a:ext uri="{FF2B5EF4-FFF2-40B4-BE49-F238E27FC236}">
-                <a16:creationId xmlns:a16="http://schemas.microsoft.com/office/drawing/2014/main" id="{324B93C4-54CD-364D-AE04-E89369BD362F}"/>
+                <a16:creationId xmlns:a16="http://schemas.microsoft.com/office/drawing/2014/main" xmlns="" id="{324B93C4-54CD-364D-AE04-E89369BD362F}"/>
               </a:ext>
             </a:extLst>
           </p:cNvPr>
@@ -22469,7 +22542,7 @@
           <p:cNvPr id="3" name="직선 연결선[R] 2">
             <a:extLst>
               <a:ext uri="{FF2B5EF4-FFF2-40B4-BE49-F238E27FC236}">
-                <a16:creationId xmlns:a16="http://schemas.microsoft.com/office/drawing/2014/main" id="{703E2DF6-4AB2-EF49-A3C5-F19D70859C0E}"/>
+                <a16:creationId xmlns:a16="http://schemas.microsoft.com/office/drawing/2014/main" xmlns="" id="{703E2DF6-4AB2-EF49-A3C5-F19D70859C0E}"/>
               </a:ext>
             </a:extLst>
           </p:cNvPr>
@@ -22512,7 +22585,7 @@
           <p:cNvPr id="28" name="모서리가 둥근 직사각형 27">
             <a:extLst>
               <a:ext uri="{FF2B5EF4-FFF2-40B4-BE49-F238E27FC236}">
-                <a16:creationId xmlns:a16="http://schemas.microsoft.com/office/drawing/2014/main" id="{777FA8F5-1A96-B147-83BA-21C0D5D60CB4}"/>
+                <a16:creationId xmlns:a16="http://schemas.microsoft.com/office/drawing/2014/main" xmlns="" id="{777FA8F5-1A96-B147-83BA-21C0D5D60CB4}"/>
               </a:ext>
             </a:extLst>
           </p:cNvPr>
@@ -22630,7 +22703,7 @@
           <p:cNvPr id="29" name="TextBox 28">
             <a:extLst>
               <a:ext uri="{FF2B5EF4-FFF2-40B4-BE49-F238E27FC236}">
-                <a16:creationId xmlns:a16="http://schemas.microsoft.com/office/drawing/2014/main" id="{ADA8295D-F93C-3047-AEE6-7A0499D3324A}"/>
+                <a16:creationId xmlns:a16="http://schemas.microsoft.com/office/drawing/2014/main" xmlns="" id="{ADA8295D-F93C-3047-AEE6-7A0499D3324A}"/>
               </a:ext>
             </a:extLst>
           </p:cNvPr>
@@ -22680,7 +22753,7 @@
           <p:cNvPr id="30" name="타원 29">
             <a:extLst>
               <a:ext uri="{FF2B5EF4-FFF2-40B4-BE49-F238E27FC236}">
-                <a16:creationId xmlns:a16="http://schemas.microsoft.com/office/drawing/2014/main" id="{4378C55F-C43E-3645-A977-16D320171DCA}"/>
+                <a16:creationId xmlns:a16="http://schemas.microsoft.com/office/drawing/2014/main" xmlns="" id="{4378C55F-C43E-3645-A977-16D320171DCA}"/>
               </a:ext>
             </a:extLst>
           </p:cNvPr>
@@ -22736,7 +22809,7 @@
           <p:cNvPr id="31" name="타원 30">
             <a:extLst>
               <a:ext uri="{FF2B5EF4-FFF2-40B4-BE49-F238E27FC236}">
-                <a16:creationId xmlns:a16="http://schemas.microsoft.com/office/drawing/2014/main" id="{9D665A84-4DD5-744D-95F4-C99B5584D600}"/>
+                <a16:creationId xmlns:a16="http://schemas.microsoft.com/office/drawing/2014/main" xmlns="" id="{9D665A84-4DD5-744D-95F4-C99B5584D600}"/>
               </a:ext>
             </a:extLst>
           </p:cNvPr>
@@ -22792,7 +22865,7 @@
           <p:cNvPr id="32" name="타원 31">
             <a:extLst>
               <a:ext uri="{FF2B5EF4-FFF2-40B4-BE49-F238E27FC236}">
-                <a16:creationId xmlns:a16="http://schemas.microsoft.com/office/drawing/2014/main" id="{E3D6360C-A35B-8747-9D88-9602F5D7F2F9}"/>
+                <a16:creationId xmlns:a16="http://schemas.microsoft.com/office/drawing/2014/main" xmlns="" id="{E3D6360C-A35B-8747-9D88-9602F5D7F2F9}"/>
               </a:ext>
             </a:extLst>
           </p:cNvPr>
@@ -22848,7 +22921,7 @@
           <p:cNvPr id="6" name="직선 화살표 연결선 5">
             <a:extLst>
               <a:ext uri="{FF2B5EF4-FFF2-40B4-BE49-F238E27FC236}">
-                <a16:creationId xmlns:a16="http://schemas.microsoft.com/office/drawing/2014/main" id="{9DD873BD-4080-5D47-BE24-FA181ACEB8EB}"/>
+                <a16:creationId xmlns:a16="http://schemas.microsoft.com/office/drawing/2014/main" xmlns="" id="{9DD873BD-4080-5D47-BE24-FA181ACEB8EB}"/>
               </a:ext>
             </a:extLst>
           </p:cNvPr>
@@ -22897,7 +22970,7 @@
           <p:cNvPr id="33" name="직선 화살표 연결선 32">
             <a:extLst>
               <a:ext uri="{FF2B5EF4-FFF2-40B4-BE49-F238E27FC236}">
-                <a16:creationId xmlns:a16="http://schemas.microsoft.com/office/drawing/2014/main" id="{146458F6-23DD-AB45-BC92-EBD3FF4E8A36}"/>
+                <a16:creationId xmlns:a16="http://schemas.microsoft.com/office/drawing/2014/main" xmlns="" id="{146458F6-23DD-AB45-BC92-EBD3FF4E8A36}"/>
               </a:ext>
             </a:extLst>
           </p:cNvPr>
@@ -22946,7 +23019,7 @@
           <p:cNvPr id="34" name="TextBox 33">
             <a:extLst>
               <a:ext uri="{FF2B5EF4-FFF2-40B4-BE49-F238E27FC236}">
-                <a16:creationId xmlns:a16="http://schemas.microsoft.com/office/drawing/2014/main" id="{1954F35E-9DA2-3540-A484-957BB46180E5}"/>
+                <a16:creationId xmlns:a16="http://schemas.microsoft.com/office/drawing/2014/main" xmlns="" id="{1954F35E-9DA2-3540-A484-957BB46180E5}"/>
               </a:ext>
             </a:extLst>
           </p:cNvPr>
@@ -22989,7 +23062,7 @@
           <p:cNvPr id="35" name="직선 연결선[R] 34">
             <a:extLst>
               <a:ext uri="{FF2B5EF4-FFF2-40B4-BE49-F238E27FC236}">
-                <a16:creationId xmlns:a16="http://schemas.microsoft.com/office/drawing/2014/main" id="{D5C25C5E-5EA5-8C4A-A06D-EA3467249313}"/>
+                <a16:creationId xmlns:a16="http://schemas.microsoft.com/office/drawing/2014/main" xmlns="" id="{D5C25C5E-5EA5-8C4A-A06D-EA3467249313}"/>
               </a:ext>
             </a:extLst>
           </p:cNvPr>
@@ -23030,7 +23103,7 @@
           <p:cNvPr id="36" name="자유형 35">
             <a:extLst>
               <a:ext uri="{FF2B5EF4-FFF2-40B4-BE49-F238E27FC236}">
-                <a16:creationId xmlns:a16="http://schemas.microsoft.com/office/drawing/2014/main" id="{C4838C43-421E-4B45-B7E3-F96CFB9AB6AE}"/>
+                <a16:creationId xmlns:a16="http://schemas.microsoft.com/office/drawing/2014/main" xmlns="" id="{C4838C43-421E-4B45-B7E3-F96CFB9AB6AE}"/>
               </a:ext>
             </a:extLst>
           </p:cNvPr>
@@ -23477,7 +23550,7 @@
           <p:cNvPr id="37" name="모서리가 둥근 직사각형 36">
             <a:extLst>
               <a:ext uri="{FF2B5EF4-FFF2-40B4-BE49-F238E27FC236}">
-                <a16:creationId xmlns:a16="http://schemas.microsoft.com/office/drawing/2014/main" id="{1649BF16-D703-B24E-B497-9C838E93A014}"/>
+                <a16:creationId xmlns:a16="http://schemas.microsoft.com/office/drawing/2014/main" xmlns="" id="{1649BF16-D703-B24E-B497-9C838E93A014}"/>
               </a:ext>
             </a:extLst>
           </p:cNvPr>
@@ -23545,7 +23618,7 @@
           <p:cNvPr id="40" name="TextBox 39">
             <a:extLst>
               <a:ext uri="{FF2B5EF4-FFF2-40B4-BE49-F238E27FC236}">
-                <a16:creationId xmlns:a16="http://schemas.microsoft.com/office/drawing/2014/main" id="{001529B2-C00D-4D4F-BEB9-70140837CDB4}"/>
+                <a16:creationId xmlns:a16="http://schemas.microsoft.com/office/drawing/2014/main" xmlns="" id="{001529B2-C00D-4D4F-BEB9-70140837CDB4}"/>
               </a:ext>
             </a:extLst>
           </p:cNvPr>
@@ -23585,7 +23658,7 @@
           <p:cNvPr id="41" name="TextBox 40">
             <a:extLst>
               <a:ext uri="{FF2B5EF4-FFF2-40B4-BE49-F238E27FC236}">
-                <a16:creationId xmlns:a16="http://schemas.microsoft.com/office/drawing/2014/main" id="{69074E22-F89C-A349-8330-71928693398F}"/>
+                <a16:creationId xmlns:a16="http://schemas.microsoft.com/office/drawing/2014/main" xmlns="" id="{69074E22-F89C-A349-8330-71928693398F}"/>
               </a:ext>
             </a:extLst>
           </p:cNvPr>

--- a/Documents/Design_Demo.pptx
+++ b/Documents/Design_Demo.pptx
@@ -5,26 +5,27 @@
     <p:sldMasterId id="2147483648" r:id="rId1"/>
   </p:sldMasterIdLst>
   <p:notesMasterIdLst>
-    <p:notesMasterId r:id="rId19"/>
+    <p:notesMasterId r:id="rId20"/>
   </p:notesMasterIdLst>
   <p:sldIdLst>
     <p:sldId id="257" r:id="rId2"/>
     <p:sldId id="256" r:id="rId3"/>
     <p:sldId id="258" r:id="rId4"/>
-    <p:sldId id="266" r:id="rId5"/>
-    <p:sldId id="265" r:id="rId6"/>
-    <p:sldId id="259" r:id="rId7"/>
-    <p:sldId id="268" r:id="rId8"/>
-    <p:sldId id="278" r:id="rId9"/>
-    <p:sldId id="269" r:id="rId10"/>
-    <p:sldId id="261" r:id="rId11"/>
-    <p:sldId id="262" r:id="rId12"/>
-    <p:sldId id="264" r:id="rId13"/>
-    <p:sldId id="273" r:id="rId14"/>
-    <p:sldId id="275" r:id="rId15"/>
-    <p:sldId id="274" r:id="rId16"/>
-    <p:sldId id="277" r:id="rId17"/>
-    <p:sldId id="276" r:id="rId18"/>
+    <p:sldId id="279" r:id="rId5"/>
+    <p:sldId id="266" r:id="rId6"/>
+    <p:sldId id="265" r:id="rId7"/>
+    <p:sldId id="259" r:id="rId8"/>
+    <p:sldId id="268" r:id="rId9"/>
+    <p:sldId id="278" r:id="rId10"/>
+    <p:sldId id="269" r:id="rId11"/>
+    <p:sldId id="261" r:id="rId12"/>
+    <p:sldId id="262" r:id="rId13"/>
+    <p:sldId id="264" r:id="rId14"/>
+    <p:sldId id="273" r:id="rId15"/>
+    <p:sldId id="275" r:id="rId16"/>
+    <p:sldId id="274" r:id="rId17"/>
+    <p:sldId id="277" r:id="rId18"/>
+    <p:sldId id="276" r:id="rId19"/>
   </p:sldIdLst>
   <p:sldSz cx="12192000" cy="6858000"/>
   <p:notesSz cx="6858000" cy="9144000"/>
@@ -135,6 +136,7 @@
         <p14:section name=" User Page" id="{DB35F89F-8527-0A43-AB01-9E65E8DE7C37}">
           <p14:sldIdLst>
             <p14:sldId id="258"/>
+            <p14:sldId id="279"/>
             <p14:sldId id="266"/>
           </p14:sldIdLst>
         </p14:section>
@@ -645,7 +647,45 @@
           <a:p>
             <a:r>
               <a:rPr kumimoji="1" lang="en-US" altLang="ko-KR" dirty="0"/>
-              <a:t>Entrance Page : main</a:t>
+              <a:t>Room Create</a:t>
+            </a:r>
+            <a:r>
+              <a:rPr kumimoji="1" lang="ko-KR" altLang="en-US" dirty="0"/>
+              <a:t> </a:t>
+            </a:r>
+            <a:r>
+              <a:rPr kumimoji="1" lang="en-US" altLang="ko-KR" dirty="0"/>
+              <a:t>Page</a:t>
+            </a:r>
+          </a:p>
+          <a:p>
+            <a:r>
+              <a:rPr kumimoji="1" lang="en-US" altLang="ko-KR" dirty="0"/>
+              <a:t>// </a:t>
+            </a:r>
+            <a:r>
+              <a:rPr kumimoji="1" lang="ko-KR" altLang="en-US" dirty="0"/>
+              <a:t>방 삭제는 </a:t>
+            </a:r>
+            <a:r>
+              <a:rPr kumimoji="1" lang="en-US" altLang="ko-KR" dirty="0"/>
+              <a:t>room</a:t>
+            </a:r>
+            <a:r>
+              <a:rPr kumimoji="1" lang="en-US" altLang="ko-KR" baseline="0" dirty="0"/>
+              <a:t> owner </a:t>
+            </a:r>
+            <a:r>
+              <a:rPr kumimoji="1" lang="ko-KR" altLang="en-US" baseline="0" dirty="0"/>
+              <a:t>일 때만</a:t>
+            </a:r>
+            <a:r>
+              <a:rPr kumimoji="1" lang="en-US" altLang="ko-KR" baseline="0" dirty="0"/>
+              <a:t>, </a:t>
+            </a:r>
+            <a:r>
+              <a:rPr kumimoji="1" lang="ko-KR" altLang="en-US" baseline="0" dirty="0"/>
+              <a:t>보여지는 부분</a:t>
             </a:r>
             <a:endParaRPr kumimoji="1" lang="ko-KR" altLang="en-US" dirty="0"/>
           </a:p>
@@ -677,7 +717,7 @@
     </p:spTree>
     <p:extLst>
       <p:ext uri="{BB962C8B-B14F-4D97-AF65-F5344CB8AC3E}">
-        <p14:creationId xmlns:p14="http://schemas.microsoft.com/office/powerpoint/2010/main" val="242833347"/>
+        <p14:creationId xmlns:p14="http://schemas.microsoft.com/office/powerpoint/2010/main" val="215955332"/>
       </p:ext>
     </p:extLst>
   </p:cSld>
@@ -733,7 +773,7 @@
           <a:p>
             <a:r>
               <a:rPr kumimoji="1" lang="en-US" altLang="ko-KR" dirty="0"/>
-              <a:t>Entrance Page : signup</a:t>
+              <a:t>Entrance Page : main</a:t>
             </a:r>
             <a:endParaRPr kumimoji="1" lang="ko-KR" altLang="en-US" dirty="0"/>
           </a:p>
@@ -765,7 +805,7 @@
     </p:spTree>
     <p:extLst>
       <p:ext uri="{BB962C8B-B14F-4D97-AF65-F5344CB8AC3E}">
-        <p14:creationId xmlns:p14="http://schemas.microsoft.com/office/powerpoint/2010/main" val="961999558"/>
+        <p14:creationId xmlns:p14="http://schemas.microsoft.com/office/powerpoint/2010/main" val="242833347"/>
       </p:ext>
     </p:extLst>
   </p:cSld>
@@ -821,11 +861,7 @@
           <a:p>
             <a:r>
               <a:rPr kumimoji="1" lang="en-US" altLang="ko-KR" dirty="0"/>
-              <a:t>Entrance Page : already </a:t>
-            </a:r>
-            <a:r>
-              <a:rPr kumimoji="1" lang="en-US" altLang="ko-KR" dirty="0" err="1"/>
-              <a:t>signin</a:t>
+              <a:t>Entrance Page : signup</a:t>
             </a:r>
             <a:endParaRPr kumimoji="1" lang="ko-KR" altLang="en-US" dirty="0"/>
           </a:p>
@@ -857,7 +893,7 @@
     </p:spTree>
     <p:extLst>
       <p:ext uri="{BB962C8B-B14F-4D97-AF65-F5344CB8AC3E}">
-        <p14:creationId xmlns:p14="http://schemas.microsoft.com/office/powerpoint/2010/main" val="643733136"/>
+        <p14:creationId xmlns:p14="http://schemas.microsoft.com/office/powerpoint/2010/main" val="961999558"/>
       </p:ext>
     </p:extLst>
   </p:cSld>
@@ -913,7 +949,11 @@
           <a:p>
             <a:r>
               <a:rPr kumimoji="1" lang="en-US" altLang="ko-KR" dirty="0"/>
-              <a:t>Payment Page</a:t>
+              <a:t>Entrance Page : already </a:t>
+            </a:r>
+            <a:r>
+              <a:rPr kumimoji="1" lang="en-US" altLang="ko-KR" dirty="0" err="1"/>
+              <a:t>signin</a:t>
             </a:r>
             <a:endParaRPr kumimoji="1" lang="ko-KR" altLang="en-US" dirty="0"/>
           </a:p>
@@ -945,7 +985,7 @@
     </p:spTree>
     <p:extLst>
       <p:ext uri="{BB962C8B-B14F-4D97-AF65-F5344CB8AC3E}">
-        <p14:creationId xmlns:p14="http://schemas.microsoft.com/office/powerpoint/2010/main" val="1986507392"/>
+        <p14:creationId xmlns:p14="http://schemas.microsoft.com/office/powerpoint/2010/main" val="643733136"/>
       </p:ext>
     </p:extLst>
   </p:cSld>
@@ -1001,47 +1041,7 @@
           <a:p>
             <a:r>
               <a:rPr kumimoji="1" lang="en-US" altLang="ko-KR" dirty="0"/>
-              <a:t>Payment Page : new</a:t>
-            </a:r>
-            <a:r>
-              <a:rPr kumimoji="1" lang="en-US" altLang="ko-KR" baseline="0" dirty="0"/>
-              <a:t> payment</a:t>
-            </a:r>
-          </a:p>
-          <a:p>
-            <a:r>
-              <a:rPr kumimoji="1" lang="ko-KR" altLang="en-US" baseline="0" dirty="0"/>
-              <a:t>각자를 누르고 입력하는 중이거나 누군가의 액수를 수정할 경우 </a:t>
-            </a:r>
-            <a:r>
-              <a:rPr kumimoji="1" lang="en-US" altLang="ko-KR" baseline="0" dirty="0"/>
-              <a:t>: </a:t>
-            </a:r>
-          </a:p>
-          <a:p>
-            <a:r>
-              <a:rPr kumimoji="1" lang="ko-KR" altLang="en-US" baseline="0" dirty="0"/>
-              <a:t>남은 돈 </a:t>
-            </a:r>
-            <a:r>
-              <a:rPr kumimoji="1" lang="en-US" altLang="ko-KR" baseline="0" dirty="0"/>
-              <a:t>&lt;- </a:t>
-            </a:r>
-            <a:r>
-              <a:rPr kumimoji="1" lang="ko-KR" altLang="en-US" baseline="0" dirty="0"/>
-              <a:t>총액 </a:t>
-            </a:r>
-            <a:r>
-              <a:rPr kumimoji="1" lang="en-US" altLang="ko-KR" baseline="0" dirty="0"/>
-              <a:t>– SIGAM { member(</a:t>
-            </a:r>
-            <a:r>
-              <a:rPr kumimoji="1" lang="en-US" altLang="ko-KR" baseline="0" dirty="0" err="1"/>
-              <a:t>i</a:t>
-            </a:r>
-            <a:r>
-              <a:rPr kumimoji="1" lang="en-US" altLang="ko-KR" baseline="0" dirty="0"/>
-              <a:t>) } </a:t>
+              <a:t>Payment Page</a:t>
             </a:r>
             <a:endParaRPr kumimoji="1" lang="ko-KR" altLang="en-US" dirty="0"/>
           </a:p>
@@ -1073,7 +1073,7 @@
     </p:spTree>
     <p:extLst>
       <p:ext uri="{BB962C8B-B14F-4D97-AF65-F5344CB8AC3E}">
-        <p14:creationId xmlns:p14="http://schemas.microsoft.com/office/powerpoint/2010/main" val="1330702423"/>
+        <p14:creationId xmlns:p14="http://schemas.microsoft.com/office/powerpoint/2010/main" val="1986507392"/>
       </p:ext>
     </p:extLst>
   </p:cSld>
@@ -1129,17 +1129,48 @@
           <a:p>
             <a:r>
               <a:rPr kumimoji="1" lang="en-US" altLang="ko-KR" dirty="0"/>
-              <a:t>Individual Page</a:t>
-            </a:r>
-          </a:p>
-          <a:p>
-            <a:r>
-              <a:rPr kumimoji="1" lang="ko-KR" altLang="en-US" dirty="0"/>
-              <a:t>실제로 보낼 돈과 받을 돈이 모두 존재할 수 없음</a:t>
-            </a:r>
-            <a:endParaRPr kumimoji="1" lang="en-US" altLang="ko-KR" dirty="0"/>
-          </a:p>
-          <a:p>
+              <a:t>Payment Page : new</a:t>
+            </a:r>
+            <a:r>
+              <a:rPr kumimoji="1" lang="en-US" altLang="ko-KR" baseline="0" dirty="0"/>
+              <a:t> payment</a:t>
+            </a:r>
+          </a:p>
+          <a:p>
+            <a:r>
+              <a:rPr kumimoji="1" lang="ko-KR" altLang="en-US" baseline="0" dirty="0"/>
+              <a:t>각자를 누르고 입력하는 중이거나 누군가의 액수를 수정할 경우 </a:t>
+            </a:r>
+            <a:r>
+              <a:rPr kumimoji="1" lang="en-US" altLang="ko-KR" baseline="0" dirty="0"/>
+              <a:t>: </a:t>
+            </a:r>
+          </a:p>
+          <a:p>
+            <a:r>
+              <a:rPr kumimoji="1" lang="ko-KR" altLang="en-US" baseline="0" dirty="0"/>
+              <a:t>남은 돈 </a:t>
+            </a:r>
+            <a:r>
+              <a:rPr kumimoji="1" lang="en-US" altLang="ko-KR" baseline="0" dirty="0"/>
+              <a:t>&lt;- </a:t>
+            </a:r>
+            <a:r>
+              <a:rPr kumimoji="1" lang="ko-KR" altLang="en-US" baseline="0" dirty="0"/>
+              <a:t>총액 </a:t>
+            </a:r>
+            <a:r>
+              <a:rPr kumimoji="1" lang="en-US" altLang="ko-KR" baseline="0" dirty="0"/>
+              <a:t>– SIGAM { member(</a:t>
+            </a:r>
+            <a:r>
+              <a:rPr kumimoji="1" lang="en-US" altLang="ko-KR" baseline="0" dirty="0" err="1"/>
+              <a:t>i</a:t>
+            </a:r>
+            <a:r>
+              <a:rPr kumimoji="1" lang="en-US" altLang="ko-KR" baseline="0" dirty="0"/>
+              <a:t>) } </a:t>
+            </a:r>
             <a:endParaRPr kumimoji="1" lang="ko-KR" altLang="en-US" dirty="0"/>
           </a:p>
         </p:txBody>
@@ -1170,7 +1201,7 @@
     </p:spTree>
     <p:extLst>
       <p:ext uri="{BB962C8B-B14F-4D97-AF65-F5344CB8AC3E}">
-        <p14:creationId xmlns:p14="http://schemas.microsoft.com/office/powerpoint/2010/main" val="832641613"/>
+        <p14:creationId xmlns:p14="http://schemas.microsoft.com/office/powerpoint/2010/main" val="1330702423"/>
       </p:ext>
     </p:extLst>
   </p:cSld>
@@ -1226,16 +1257,18 @@
           <a:p>
             <a:r>
               <a:rPr kumimoji="1" lang="en-US" altLang="ko-KR" dirty="0"/>
-              <a:t>Account Page (cleaned</a:t>
-            </a:r>
-            <a:r>
-              <a:rPr kumimoji="1" lang="en-US" altLang="ko-KR" baseline="0" dirty="0"/>
-              <a:t> </a:t>
-            </a:r>
-            <a:r>
-              <a:rPr kumimoji="1" lang="en-US" altLang="ko-KR" dirty="0"/>
-              <a:t>Credit)</a:t>
-            </a:r>
+              <a:t>Individual Page</a:t>
+            </a:r>
+          </a:p>
+          <a:p>
+            <a:r>
+              <a:rPr kumimoji="1" lang="ko-KR" altLang="en-US" dirty="0"/>
+              <a:t>실제로 보낼 돈과 받을 돈이 모두 존재할 수 없음</a:t>
+            </a:r>
+            <a:endParaRPr kumimoji="1" lang="en-US" altLang="ko-KR" dirty="0"/>
+          </a:p>
+          <a:p>
+            <a:endParaRPr kumimoji="1" lang="ko-KR" altLang="en-US" dirty="0"/>
           </a:p>
         </p:txBody>
       </p:sp>
@@ -1265,7 +1298,7 @@
     </p:spTree>
     <p:extLst>
       <p:ext uri="{BB962C8B-B14F-4D97-AF65-F5344CB8AC3E}">
-        <p14:creationId xmlns:p14="http://schemas.microsoft.com/office/powerpoint/2010/main" val="2652658967"/>
+        <p14:creationId xmlns:p14="http://schemas.microsoft.com/office/powerpoint/2010/main" val="832641613"/>
       </p:ext>
     </p:extLst>
   </p:cSld>
@@ -1331,30 +1364,6 @@
               <a:rPr kumimoji="1" lang="en-US" altLang="ko-KR" dirty="0"/>
               <a:t>Credit)</a:t>
             </a:r>
-            <a:r>
-              <a:rPr kumimoji="1" lang="ko-KR" altLang="en-US" dirty="0"/>
-              <a:t> </a:t>
-            </a:r>
-            <a:endParaRPr kumimoji="1" lang="en-US" altLang="ko-KR" dirty="0"/>
-          </a:p>
-          <a:p>
-            <a:r>
-              <a:rPr kumimoji="1" lang="en-US" altLang="ko-KR" dirty="0"/>
-              <a:t>//</a:t>
-            </a:r>
-            <a:r>
-              <a:rPr kumimoji="1" lang="ko-KR" altLang="en-US" dirty="0"/>
-              <a:t> </a:t>
-            </a:r>
-            <a:r>
-              <a:rPr kumimoji="1" lang="en-US" altLang="ko-KR" dirty="0"/>
-              <a:t>with Layer</a:t>
-            </a:r>
-            <a:r>
-              <a:rPr kumimoji="1" lang="ko-KR" altLang="en-US" dirty="0"/>
-              <a:t> </a:t>
-            </a:r>
-            <a:endParaRPr kumimoji="1" lang="en-US" altLang="ko-KR" dirty="0"/>
           </a:p>
         </p:txBody>
       </p:sp>
@@ -1376,6 +1385,125 @@
             <a:fld id="{BF3A642A-6642-CD43-931E-A8C786FEBA0D}" type="slidenum">
               <a:rPr kumimoji="1" lang="ko-KR" altLang="en-US" smtClean="0"/>
               <a:t>17</a:t>
+            </a:fld>
+            <a:endParaRPr kumimoji="1" lang="ko-KR" altLang="en-US"/>
+          </a:p>
+        </p:txBody>
+      </p:sp>
+    </p:spTree>
+    <p:extLst>
+      <p:ext uri="{BB962C8B-B14F-4D97-AF65-F5344CB8AC3E}">
+        <p14:creationId xmlns:p14="http://schemas.microsoft.com/office/powerpoint/2010/main" val="2652658967"/>
+      </p:ext>
+    </p:extLst>
+  </p:cSld>
+  <p:clrMapOvr>
+    <a:masterClrMapping/>
+  </p:clrMapOvr>
+</p:notes>
+</file>
+
+<file path=ppt/notesSlides/notesSlide18.xml><?xml version="1.0" encoding="utf-8"?>
+<p:notes xmlns:a="http://schemas.openxmlformats.org/drawingml/2006/main" xmlns:r="http://schemas.openxmlformats.org/officeDocument/2006/relationships" xmlns:p="http://schemas.openxmlformats.org/presentationml/2006/main">
+  <p:cSld>
+    <p:spTree>
+      <p:nvGrpSpPr>
+        <p:cNvPr id="1" name=""/>
+        <p:cNvGrpSpPr/>
+        <p:nvPr/>
+      </p:nvGrpSpPr>
+      <p:grpSpPr>
+        <a:xfrm>
+          <a:off x="0" y="0"/>
+          <a:ext cx="0" cy="0"/>
+          <a:chOff x="0" y="0"/>
+          <a:chExt cx="0" cy="0"/>
+        </a:xfrm>
+      </p:grpSpPr>
+      <p:sp>
+        <p:nvSpPr>
+          <p:cNvPr id="2" name="슬라이드 이미지 개체 틀 1"/>
+          <p:cNvSpPr>
+            <a:spLocks noGrp="1" noRot="1" noChangeAspect="1"/>
+          </p:cNvSpPr>
+          <p:nvPr>
+            <p:ph type="sldImg"/>
+          </p:nvPr>
+        </p:nvSpPr>
+        <p:spPr/>
+      </p:sp>
+      <p:sp>
+        <p:nvSpPr>
+          <p:cNvPr id="3" name="슬라이드 노트 개체 틀 2"/>
+          <p:cNvSpPr>
+            <a:spLocks noGrp="1"/>
+          </p:cNvSpPr>
+          <p:nvPr>
+            <p:ph type="body" idx="1"/>
+          </p:nvPr>
+        </p:nvSpPr>
+        <p:spPr/>
+        <p:txBody>
+          <a:bodyPr/>
+          <a:lstStyle/>
+          <a:p>
+            <a:r>
+              <a:rPr kumimoji="1" lang="en-US" altLang="ko-KR" dirty="0"/>
+              <a:t>Account Page (cleaned</a:t>
+            </a:r>
+            <a:r>
+              <a:rPr kumimoji="1" lang="en-US" altLang="ko-KR" baseline="0" dirty="0"/>
+              <a:t> </a:t>
+            </a:r>
+            <a:r>
+              <a:rPr kumimoji="1" lang="en-US" altLang="ko-KR" dirty="0"/>
+              <a:t>Credit)</a:t>
+            </a:r>
+            <a:r>
+              <a:rPr kumimoji="1" lang="ko-KR" altLang="en-US" dirty="0"/>
+              <a:t> </a:t>
+            </a:r>
+            <a:endParaRPr kumimoji="1" lang="en-US" altLang="ko-KR" dirty="0"/>
+          </a:p>
+          <a:p>
+            <a:r>
+              <a:rPr kumimoji="1" lang="en-US" altLang="ko-KR" dirty="0"/>
+              <a:t>//</a:t>
+            </a:r>
+            <a:r>
+              <a:rPr kumimoji="1" lang="ko-KR" altLang="en-US" dirty="0"/>
+              <a:t> </a:t>
+            </a:r>
+            <a:r>
+              <a:rPr kumimoji="1" lang="en-US" altLang="ko-KR" dirty="0"/>
+              <a:t>with Layer</a:t>
+            </a:r>
+            <a:r>
+              <a:rPr kumimoji="1" lang="ko-KR" altLang="en-US" dirty="0"/>
+              <a:t> </a:t>
+            </a:r>
+            <a:endParaRPr kumimoji="1" lang="en-US" altLang="ko-KR" dirty="0"/>
+          </a:p>
+        </p:txBody>
+      </p:sp>
+      <p:sp>
+        <p:nvSpPr>
+          <p:cNvPr id="4" name="슬라이드 번호 개체 틀 3"/>
+          <p:cNvSpPr>
+            <a:spLocks noGrp="1"/>
+          </p:cNvSpPr>
+          <p:nvPr>
+            <p:ph type="sldNum" sz="quarter" idx="5"/>
+          </p:nvPr>
+        </p:nvSpPr>
+        <p:spPr/>
+        <p:txBody>
+          <a:bodyPr/>
+          <a:lstStyle/>
+          <a:p>
+            <a:fld id="{BF3A642A-6642-CD43-931E-A8C786FEBA0D}" type="slidenum">
+              <a:rPr kumimoji="1" lang="ko-KR" altLang="en-US" smtClean="0"/>
+              <a:t>18</a:t>
             </a:fld>
             <a:endParaRPr kumimoji="1" lang="ko-KR" altLang="en-US"/>
           </a:p>
@@ -1648,7 +1776,7 @@
     </p:spTree>
     <p:extLst>
       <p:ext uri="{BB962C8B-B14F-4D97-AF65-F5344CB8AC3E}">
-        <p14:creationId xmlns:p14="http://schemas.microsoft.com/office/powerpoint/2010/main" val="2829576025"/>
+        <p14:creationId xmlns:p14="http://schemas.microsoft.com/office/powerpoint/2010/main" val="708919608"/>
       </p:ext>
     </p:extLst>
   </p:cSld>
@@ -1704,15 +1832,7 @@
           <a:p>
             <a:r>
               <a:rPr kumimoji="1" lang="en-US" altLang="ko-KR" dirty="0"/>
-              <a:t>Room Create</a:t>
-            </a:r>
-            <a:r>
-              <a:rPr kumimoji="1" lang="ko-KR" altLang="en-US" dirty="0"/>
-              <a:t> </a:t>
-            </a:r>
-            <a:r>
-              <a:rPr kumimoji="1" lang="en-US" altLang="ko-KR" dirty="0"/>
-              <a:t>Page</a:t>
+              <a:t>User Info Page</a:t>
             </a:r>
             <a:endParaRPr kumimoji="1" lang="ko-KR" altLang="en-US" dirty="0"/>
           </a:p>
@@ -1744,7 +1864,7 @@
     </p:spTree>
     <p:extLst>
       <p:ext uri="{BB962C8B-B14F-4D97-AF65-F5344CB8AC3E}">
-        <p14:creationId xmlns:p14="http://schemas.microsoft.com/office/powerpoint/2010/main" val="4233698825"/>
+        <p14:creationId xmlns:p14="http://schemas.microsoft.com/office/powerpoint/2010/main" val="2829576025"/>
       </p:ext>
     </p:extLst>
   </p:cSld>
@@ -1800,7 +1920,15 @@
           <a:p>
             <a:r>
               <a:rPr kumimoji="1" lang="en-US" altLang="ko-KR" dirty="0"/>
-              <a:t>Room Page</a:t>
+              <a:t>Room Create</a:t>
+            </a:r>
+            <a:r>
+              <a:rPr kumimoji="1" lang="ko-KR" altLang="en-US" dirty="0"/>
+              <a:t> </a:t>
+            </a:r>
+            <a:r>
+              <a:rPr kumimoji="1" lang="en-US" altLang="ko-KR" dirty="0"/>
+              <a:t>Page</a:t>
             </a:r>
             <a:endParaRPr kumimoji="1" lang="ko-KR" altLang="en-US" dirty="0"/>
           </a:p>
@@ -1832,7 +1960,7 @@
     </p:spTree>
     <p:extLst>
       <p:ext uri="{BB962C8B-B14F-4D97-AF65-F5344CB8AC3E}">
-        <p14:creationId xmlns:p14="http://schemas.microsoft.com/office/powerpoint/2010/main" val="3799409945"/>
+        <p14:creationId xmlns:p14="http://schemas.microsoft.com/office/powerpoint/2010/main" val="4233698825"/>
       </p:ext>
     </p:extLst>
   </p:cSld>
@@ -1920,7 +2048,7 @@
     </p:spTree>
     <p:extLst>
       <p:ext uri="{BB962C8B-B14F-4D97-AF65-F5344CB8AC3E}">
-        <p14:creationId xmlns:p14="http://schemas.microsoft.com/office/powerpoint/2010/main" val="2644374751"/>
+        <p14:creationId xmlns:p14="http://schemas.microsoft.com/office/powerpoint/2010/main" val="3799409945"/>
       </p:ext>
     </p:extLst>
   </p:cSld>
@@ -1976,25 +2104,7 @@
           <a:p>
             <a:r>
               <a:rPr kumimoji="1" lang="en-US" altLang="ko-KR" dirty="0"/>
-              <a:t>Room Create</a:t>
-            </a:r>
-            <a:r>
-              <a:rPr kumimoji="1" lang="ko-KR" altLang="en-US" dirty="0"/>
-              <a:t> </a:t>
-            </a:r>
-            <a:r>
-              <a:rPr kumimoji="1" lang="en-US" altLang="ko-KR" dirty="0"/>
-              <a:t>Page</a:t>
-            </a:r>
-          </a:p>
-          <a:p>
-            <a:r>
-              <a:rPr kumimoji="1" lang="en-US" altLang="ko-KR" dirty="0" smtClean="0"/>
-              <a:t>//</a:t>
-            </a:r>
-            <a:r>
-              <a:rPr kumimoji="1" lang="ko-KR" altLang="en-US" baseline="0" smtClean="0"/>
-              <a:t> 레이어 기능 숨김</a:t>
+              <a:t>Room Page</a:t>
             </a:r>
             <a:endParaRPr kumimoji="1" lang="ko-KR" altLang="en-US" dirty="0"/>
           </a:p>
@@ -2026,7 +2136,7 @@
     </p:spTree>
     <p:extLst>
       <p:ext uri="{BB962C8B-B14F-4D97-AF65-F5344CB8AC3E}">
-        <p14:creationId xmlns:p14="http://schemas.microsoft.com/office/powerpoint/2010/main" val="1245248081"/>
+        <p14:creationId xmlns:p14="http://schemas.microsoft.com/office/powerpoint/2010/main" val="2644374751"/>
       </p:ext>
     </p:extLst>
   </p:cSld>
@@ -2095,32 +2205,12 @@
           </a:p>
           <a:p>
             <a:r>
-              <a:rPr kumimoji="1" lang="en-US" altLang="ko-KR" dirty="0"/>
-              <a:t>// </a:t>
-            </a:r>
-            <a:r>
-              <a:rPr kumimoji="1" lang="ko-KR" altLang="en-US" dirty="0"/>
-              <a:t>방 삭제는 </a:t>
-            </a:r>
-            <a:r>
-              <a:rPr kumimoji="1" lang="en-US" altLang="ko-KR" dirty="0"/>
-              <a:t>room</a:t>
-            </a:r>
-            <a:r>
-              <a:rPr kumimoji="1" lang="en-US" altLang="ko-KR" baseline="0" dirty="0"/>
-              <a:t> owner </a:t>
-            </a:r>
-            <a:r>
-              <a:rPr kumimoji="1" lang="ko-KR" altLang="en-US" baseline="0" dirty="0"/>
-              <a:t>일 때만</a:t>
-            </a:r>
-            <a:r>
-              <a:rPr kumimoji="1" lang="en-US" altLang="ko-KR" baseline="0" dirty="0"/>
-              <a:t>, </a:t>
-            </a:r>
-            <a:r>
-              <a:rPr kumimoji="1" lang="ko-KR" altLang="en-US" baseline="0" dirty="0"/>
-              <a:t>보여지는 부분</a:t>
+              <a:rPr kumimoji="1" lang="en-US" altLang="ko-KR" dirty="0" smtClean="0"/>
+              <a:t>//</a:t>
+            </a:r>
+            <a:r>
+              <a:rPr kumimoji="1" lang="ko-KR" altLang="en-US" baseline="0" dirty="0" smtClean="0"/>
+              <a:t> 레이어 기능 숨김</a:t>
             </a:r>
             <a:endParaRPr kumimoji="1" lang="ko-KR" altLang="en-US" dirty="0"/>
           </a:p>
@@ -2152,7 +2242,7 @@
     </p:spTree>
     <p:extLst>
       <p:ext uri="{BB962C8B-B14F-4D97-AF65-F5344CB8AC3E}">
-        <p14:creationId xmlns:p14="http://schemas.microsoft.com/office/powerpoint/2010/main" val="215955332"/>
+        <p14:creationId xmlns:p14="http://schemas.microsoft.com/office/powerpoint/2010/main" val="1245248081"/>
       </p:ext>
     </p:extLst>
   </p:cSld>
@@ -5733,10 +5823,10 @@
       </p:grpSpPr>
       <p:sp>
         <p:nvSpPr>
-          <p:cNvPr id="4" name="직사각형 3">
-            <a:extLst>
-              <a:ext uri="{FF2B5EF4-FFF2-40B4-BE49-F238E27FC236}">
-                <a16:creationId xmlns:a16="http://schemas.microsoft.com/office/drawing/2014/main" xmlns="" id="{EA2D8D37-742E-EF4A-A579-D4FCE47462A2}"/>
+          <p:cNvPr id="13" name="직사각형 12">
+            <a:extLst>
+              <a:ext uri="{FF2B5EF4-FFF2-40B4-BE49-F238E27FC236}">
+                <a16:creationId xmlns:a16="http://schemas.microsoft.com/office/drawing/2014/main" xmlns="" id="{1A09CB1E-61C8-BF41-8166-783D974FF436}"/>
               </a:ext>
             </a:extLst>
           </p:cNvPr>
@@ -5745,8 +5835,8 @@
         </p:nvSpPr>
         <p:spPr>
           <a:xfrm>
-            <a:off x="4894025" y="1312130"/>
-            <a:ext cx="2403951" cy="2333999"/>
+            <a:off x="0" y="0"/>
+            <a:ext cx="12192000" cy="563417"/>
           </a:xfrm>
           <a:prstGeom prst="rect">
             <a:avLst/>
@@ -5789,10 +5879,47 @@
       </p:sp>
       <p:sp>
         <p:nvSpPr>
-          <p:cNvPr id="5" name="직사각형 4">
-            <a:extLst>
-              <a:ext uri="{FF2B5EF4-FFF2-40B4-BE49-F238E27FC236}">
-                <a16:creationId xmlns:a16="http://schemas.microsoft.com/office/drawing/2014/main" xmlns="" id="{263AF4BD-43FD-F444-9213-EF34F45DC1F1}"/>
+          <p:cNvPr id="14" name="TextBox 13">
+            <a:extLst>
+              <a:ext uri="{FF2B5EF4-FFF2-40B4-BE49-F238E27FC236}">
+                <a16:creationId xmlns:a16="http://schemas.microsoft.com/office/drawing/2014/main" xmlns="" id="{D92B28E7-D15C-C445-8715-5E7C0DEAE706}"/>
+              </a:ext>
+            </a:extLst>
+          </p:cNvPr>
+          <p:cNvSpPr txBox="1"/>
+          <p:nvPr/>
+        </p:nvSpPr>
+        <p:spPr>
+          <a:xfrm>
+            <a:off x="5137336" y="112431"/>
+            <a:ext cx="1931491" cy="338554"/>
+          </a:xfrm>
+          <a:prstGeom prst="rect">
+            <a:avLst/>
+          </a:prstGeom>
+          <a:noFill/>
+        </p:spPr>
+        <p:txBody>
+          <a:bodyPr wrap="none" rtlCol="0">
+            <a:spAutoFit/>
+          </a:bodyPr>
+          <a:lstStyle/>
+          <a:p>
+            <a:pPr algn="ctr"/>
+            <a:r>
+              <a:rPr kumimoji="1" lang="en-US" altLang="ko-KR" sz="1600" b="1" dirty="0"/>
+              <a:t>Dutch Broomstick</a:t>
+            </a:r>
+            <a:endParaRPr kumimoji="1" lang="ko-KR" altLang="en-US" sz="1600" b="1" dirty="0"/>
+          </a:p>
+        </p:txBody>
+      </p:sp>
+      <p:sp>
+        <p:nvSpPr>
+          <p:cNvPr id="21" name="직사각형 20">
+            <a:extLst>
+              <a:ext uri="{FF2B5EF4-FFF2-40B4-BE49-F238E27FC236}">
+                <a16:creationId xmlns:a16="http://schemas.microsoft.com/office/drawing/2014/main" xmlns="" id="{A871EC61-223C-0447-B82C-FEE0B482521B}"/>
               </a:ext>
             </a:extLst>
           </p:cNvPr>
@@ -5801,8 +5928,8 @@
         </p:nvSpPr>
         <p:spPr>
           <a:xfrm>
-            <a:off x="4894025" y="3716313"/>
-            <a:ext cx="2403951" cy="722021"/>
+            <a:off x="4894025" y="3028780"/>
+            <a:ext cx="2403951" cy="2581193"/>
           </a:xfrm>
           <a:prstGeom prst="rect">
             <a:avLst/>
@@ -5845,10 +5972,1005 @@
       </p:sp>
       <p:sp>
         <p:nvSpPr>
-          <p:cNvPr id="7" name="TextBox 6">
-            <a:extLst>
-              <a:ext uri="{FF2B5EF4-FFF2-40B4-BE49-F238E27FC236}">
-                <a16:creationId xmlns:a16="http://schemas.microsoft.com/office/drawing/2014/main" xmlns="" id="{71C06810-FA81-E844-8CB0-A63915BE67EA}"/>
+          <p:cNvPr id="39" name="자유형 38">
+            <a:extLst>
+              <a:ext uri="{FF2B5EF4-FFF2-40B4-BE49-F238E27FC236}">
+                <a16:creationId xmlns:a16="http://schemas.microsoft.com/office/drawing/2014/main" xmlns="" id="{F01CBAAC-16CC-C243-A5ED-D0B15F1CFB90}"/>
+              </a:ext>
+            </a:extLst>
+          </p:cNvPr>
+          <p:cNvSpPr/>
+          <p:nvPr/>
+        </p:nvSpPr>
+        <p:spPr>
+          <a:xfrm>
+            <a:off x="5079422" y="4130809"/>
+            <a:ext cx="2033155" cy="585688"/>
+          </a:xfrm>
+          <a:custGeom>
+            <a:avLst/>
+            <a:gdLst>
+              <a:gd name="connsiteX0" fmla="*/ 1874303 w 2033155"/>
+              <a:gd name="connsiteY0" fmla="*/ 71218 h 585688"/>
+              <a:gd name="connsiteX1" fmla="*/ 1789532 w 2033155"/>
+              <a:gd name="connsiteY1" fmla="*/ 155989 h 585688"/>
+              <a:gd name="connsiteX2" fmla="*/ 1874303 w 2033155"/>
+              <a:gd name="connsiteY2" fmla="*/ 240760 h 585688"/>
+              <a:gd name="connsiteX3" fmla="*/ 1959074 w 2033155"/>
+              <a:gd name="connsiteY3" fmla="*/ 155989 h 585688"/>
+              <a:gd name="connsiteX4" fmla="*/ 1874303 w 2033155"/>
+              <a:gd name="connsiteY4" fmla="*/ 71218 h 585688"/>
+              <a:gd name="connsiteX5" fmla="*/ 71630 w 2033155"/>
+              <a:gd name="connsiteY5" fmla="*/ 0 h 585688"/>
+              <a:gd name="connsiteX6" fmla="*/ 1961525 w 2033155"/>
+              <a:gd name="connsiteY6" fmla="*/ 0 h 585688"/>
+              <a:gd name="connsiteX7" fmla="*/ 2033155 w 2033155"/>
+              <a:gd name="connsiteY7" fmla="*/ 71630 h 585688"/>
+              <a:gd name="connsiteX8" fmla="*/ 2033155 w 2033155"/>
+              <a:gd name="connsiteY8" fmla="*/ 514058 h 585688"/>
+              <a:gd name="connsiteX9" fmla="*/ 1961525 w 2033155"/>
+              <a:gd name="connsiteY9" fmla="*/ 585688 h 585688"/>
+              <a:gd name="connsiteX10" fmla="*/ 71630 w 2033155"/>
+              <a:gd name="connsiteY10" fmla="*/ 585688 h 585688"/>
+              <a:gd name="connsiteX11" fmla="*/ 0 w 2033155"/>
+              <a:gd name="connsiteY11" fmla="*/ 514058 h 585688"/>
+              <a:gd name="connsiteX12" fmla="*/ 0 w 2033155"/>
+              <a:gd name="connsiteY12" fmla="*/ 71630 h 585688"/>
+              <a:gd name="connsiteX13" fmla="*/ 71630 w 2033155"/>
+              <a:gd name="connsiteY13" fmla="*/ 0 h 585688"/>
+            </a:gdLst>
+            <a:ahLst/>
+            <a:cxnLst>
+              <a:cxn ang="0">
+                <a:pos x="connsiteX0" y="connsiteY0"/>
+              </a:cxn>
+              <a:cxn ang="0">
+                <a:pos x="connsiteX1" y="connsiteY1"/>
+              </a:cxn>
+              <a:cxn ang="0">
+                <a:pos x="connsiteX2" y="connsiteY2"/>
+              </a:cxn>
+              <a:cxn ang="0">
+                <a:pos x="connsiteX3" y="connsiteY3"/>
+              </a:cxn>
+              <a:cxn ang="0">
+                <a:pos x="connsiteX4" y="connsiteY4"/>
+              </a:cxn>
+              <a:cxn ang="0">
+                <a:pos x="connsiteX5" y="connsiteY5"/>
+              </a:cxn>
+              <a:cxn ang="0">
+                <a:pos x="connsiteX6" y="connsiteY6"/>
+              </a:cxn>
+              <a:cxn ang="0">
+                <a:pos x="connsiteX7" y="connsiteY7"/>
+              </a:cxn>
+              <a:cxn ang="0">
+                <a:pos x="connsiteX8" y="connsiteY8"/>
+              </a:cxn>
+              <a:cxn ang="0">
+                <a:pos x="connsiteX9" y="connsiteY9"/>
+              </a:cxn>
+              <a:cxn ang="0">
+                <a:pos x="connsiteX10" y="connsiteY10"/>
+              </a:cxn>
+              <a:cxn ang="0">
+                <a:pos x="connsiteX11" y="connsiteY11"/>
+              </a:cxn>
+              <a:cxn ang="0">
+                <a:pos x="connsiteX12" y="connsiteY12"/>
+              </a:cxn>
+              <a:cxn ang="0">
+                <a:pos x="connsiteX13" y="connsiteY13"/>
+              </a:cxn>
+            </a:cxnLst>
+            <a:rect l="l" t="t" r="r" b="b"/>
+            <a:pathLst>
+              <a:path w="2033155" h="585688">
+                <a:moveTo>
+                  <a:pt x="1874303" y="71218"/>
+                </a:moveTo>
+                <a:cubicBezTo>
+                  <a:pt x="1827485" y="71218"/>
+                  <a:pt x="1789532" y="109171"/>
+                  <a:pt x="1789532" y="155989"/>
+                </a:cubicBezTo>
+                <a:cubicBezTo>
+                  <a:pt x="1789532" y="202807"/>
+                  <a:pt x="1827485" y="240760"/>
+                  <a:pt x="1874303" y="240760"/>
+                </a:cubicBezTo>
+                <a:cubicBezTo>
+                  <a:pt x="1921121" y="240760"/>
+                  <a:pt x="1959074" y="202807"/>
+                  <a:pt x="1959074" y="155989"/>
+                </a:cubicBezTo>
+                <a:cubicBezTo>
+                  <a:pt x="1959074" y="109171"/>
+                  <a:pt x="1921121" y="71218"/>
+                  <a:pt x="1874303" y="71218"/>
+                </a:cubicBezTo>
+                <a:close/>
+                <a:moveTo>
+                  <a:pt x="71630" y="0"/>
+                </a:moveTo>
+                <a:lnTo>
+                  <a:pt x="1961525" y="0"/>
+                </a:lnTo>
+                <a:cubicBezTo>
+                  <a:pt x="2001085" y="0"/>
+                  <a:pt x="2033155" y="32070"/>
+                  <a:pt x="2033155" y="71630"/>
+                </a:cubicBezTo>
+                <a:lnTo>
+                  <a:pt x="2033155" y="514058"/>
+                </a:lnTo>
+                <a:cubicBezTo>
+                  <a:pt x="2033155" y="553618"/>
+                  <a:pt x="2001085" y="585688"/>
+                  <a:pt x="1961525" y="585688"/>
+                </a:cubicBezTo>
+                <a:lnTo>
+                  <a:pt x="71630" y="585688"/>
+                </a:lnTo>
+                <a:cubicBezTo>
+                  <a:pt x="32070" y="585688"/>
+                  <a:pt x="0" y="553618"/>
+                  <a:pt x="0" y="514058"/>
+                </a:cubicBezTo>
+                <a:lnTo>
+                  <a:pt x="0" y="71630"/>
+                </a:lnTo>
+                <a:cubicBezTo>
+                  <a:pt x="0" y="32070"/>
+                  <a:pt x="32070" y="0"/>
+                  <a:pt x="71630" y="0"/>
+                </a:cubicBezTo>
+                <a:close/>
+              </a:path>
+            </a:pathLst>
+          </a:custGeom>
+          <a:solidFill>
+            <a:schemeClr val="bg1"/>
+          </a:solidFill>
+          <a:ln>
+            <a:solidFill>
+              <a:schemeClr val="bg1">
+                <a:lumMod val="75000"/>
+              </a:schemeClr>
+            </a:solidFill>
+          </a:ln>
+        </p:spPr>
+        <p:style>
+          <a:lnRef idx="2">
+            <a:schemeClr val="accent1">
+              <a:shade val="50000"/>
+            </a:schemeClr>
+          </a:lnRef>
+          <a:fillRef idx="1">
+            <a:schemeClr val="accent1"/>
+          </a:fillRef>
+          <a:effectRef idx="0">
+            <a:schemeClr val="accent1"/>
+          </a:effectRef>
+          <a:fontRef idx="minor">
+            <a:schemeClr val="lt1"/>
+          </a:fontRef>
+        </p:style>
+        <p:txBody>
+          <a:bodyPr rot="0" spcFirstLastPara="0" vertOverflow="overflow" horzOverflow="overflow" vert="horz" wrap="square" lIns="91440" tIns="45720" rIns="91440" bIns="45720" numCol="1" spcCol="0" rtlCol="0" fromWordArt="0" anchor="ctr" anchorCtr="0" forceAA="0" compatLnSpc="1">
+            <a:prstTxWarp prst="textNoShape">
+              <a:avLst/>
+            </a:prstTxWarp>
+            <a:noAutofit/>
+          </a:bodyPr>
+          <a:lstStyle/>
+          <a:p>
+            <a:pPr lvl="0"/>
+            <a:r>
+              <a:rPr kumimoji="1" lang="en-US" altLang="ko-KR" sz="1100" b="1" dirty="0">
+                <a:solidFill>
+                  <a:prstClr val="black">
+                    <a:lumMod val="75000"/>
+                    <a:lumOff val="25000"/>
+                  </a:prstClr>
+                </a:solidFill>
+              </a:rPr>
+              <a:t>2.</a:t>
+            </a:r>
+            <a:r>
+              <a:rPr kumimoji="1" lang="ko-KR" altLang="en-US" sz="1100" b="1" dirty="0">
+                <a:solidFill>
+                  <a:prstClr val="black">
+                    <a:lumMod val="75000"/>
+                    <a:lumOff val="25000"/>
+                  </a:prstClr>
+                </a:solidFill>
+              </a:rPr>
+              <a:t> 레이어 빔</a:t>
+            </a:r>
+            <a:endParaRPr kumimoji="1" lang="en-US" altLang="ko-KR" sz="1000" b="1" dirty="0">
+              <a:solidFill>
+                <a:srgbClr val="FF0000"/>
+              </a:solidFill>
+            </a:endParaRPr>
+          </a:p>
+          <a:p>
+            <a:r>
+              <a:rPr kumimoji="1" lang="ko-KR" altLang="en-US" sz="1100" b="1" dirty="0">
+                <a:solidFill>
+                  <a:schemeClr val="tx1">
+                    <a:lumMod val="75000"/>
+                    <a:lumOff val="25000"/>
+                  </a:schemeClr>
+                </a:solidFill>
+              </a:rPr>
+              <a:t>돈 단위 </a:t>
+            </a:r>
+            <a:r>
+              <a:rPr kumimoji="1" lang="en-US" altLang="ko-KR" sz="1100" b="1" dirty="0">
+                <a:solidFill>
+                  <a:schemeClr val="tx1">
+                    <a:lumMod val="75000"/>
+                    <a:lumOff val="25000"/>
+                  </a:schemeClr>
+                </a:solidFill>
+              </a:rPr>
+              <a:t>:</a:t>
+            </a:r>
+            <a:r>
+              <a:rPr kumimoji="1" lang="ko-KR" altLang="en-US" sz="1100" b="1" dirty="0">
+                <a:solidFill>
+                  <a:schemeClr val="tx1">
+                    <a:lumMod val="75000"/>
+                    <a:lumOff val="25000"/>
+                  </a:schemeClr>
+                </a:solidFill>
+              </a:rPr>
+              <a:t> </a:t>
+            </a:r>
+            <a:r>
+              <a:rPr kumimoji="1" lang="ko-KR" altLang="en-US" sz="1100" b="1" u="sng" dirty="0">
+                <a:solidFill>
+                  <a:schemeClr val="tx1">
+                    <a:lumMod val="75000"/>
+                    <a:lumOff val="25000"/>
+                  </a:schemeClr>
+                </a:solidFill>
+              </a:rPr>
+              <a:t> 엔</a:t>
+            </a:r>
+            <a:r>
+              <a:rPr kumimoji="1" lang="en-US" altLang="ko-KR" sz="1100" b="1" u="sng" dirty="0">
+                <a:solidFill>
+                  <a:schemeClr val="tx1">
+                    <a:lumMod val="75000"/>
+                    <a:lumOff val="25000"/>
+                  </a:schemeClr>
+                </a:solidFill>
+              </a:rPr>
+              <a:t>	</a:t>
+            </a:r>
+            <a:r>
+              <a:rPr kumimoji="1" lang="ko-KR" altLang="en-US" sz="1100" b="1" dirty="0">
+                <a:solidFill>
+                  <a:schemeClr val="tx1">
+                    <a:lumMod val="75000"/>
+                    <a:lumOff val="25000"/>
+                  </a:schemeClr>
+                </a:solidFill>
+              </a:rPr>
+              <a:t>            </a:t>
+            </a:r>
+            <a:r>
+              <a:rPr kumimoji="1" lang="ko-KR" altLang="en-US" sz="1000" b="1" dirty="0">
+                <a:solidFill>
+                  <a:srgbClr val="FF0000"/>
+                </a:solidFill>
+              </a:rPr>
+              <a:t>삭제</a:t>
+            </a:r>
+          </a:p>
+        </p:txBody>
+      </p:sp>
+      <p:sp>
+        <p:nvSpPr>
+          <p:cNvPr id="41" name="자유형 40">
+            <a:extLst>
+              <a:ext uri="{FF2B5EF4-FFF2-40B4-BE49-F238E27FC236}">
+                <a16:creationId xmlns:a16="http://schemas.microsoft.com/office/drawing/2014/main" xmlns="" id="{707B7328-3B58-114E-AACD-588358DE2C85}"/>
+              </a:ext>
+            </a:extLst>
+          </p:cNvPr>
+          <p:cNvSpPr/>
+          <p:nvPr/>
+        </p:nvSpPr>
+        <p:spPr>
+          <a:xfrm>
+            <a:off x="5079422" y="4772140"/>
+            <a:ext cx="2033155" cy="585688"/>
+          </a:xfrm>
+          <a:custGeom>
+            <a:avLst/>
+            <a:gdLst>
+              <a:gd name="connsiteX0" fmla="*/ 1874303 w 2033155"/>
+              <a:gd name="connsiteY0" fmla="*/ 77542 h 585688"/>
+              <a:gd name="connsiteX1" fmla="*/ 1789532 w 2033155"/>
+              <a:gd name="connsiteY1" fmla="*/ 162313 h 585688"/>
+              <a:gd name="connsiteX2" fmla="*/ 1874303 w 2033155"/>
+              <a:gd name="connsiteY2" fmla="*/ 247084 h 585688"/>
+              <a:gd name="connsiteX3" fmla="*/ 1959074 w 2033155"/>
+              <a:gd name="connsiteY3" fmla="*/ 162313 h 585688"/>
+              <a:gd name="connsiteX4" fmla="*/ 1874303 w 2033155"/>
+              <a:gd name="connsiteY4" fmla="*/ 77542 h 585688"/>
+              <a:gd name="connsiteX5" fmla="*/ 71630 w 2033155"/>
+              <a:gd name="connsiteY5" fmla="*/ 0 h 585688"/>
+              <a:gd name="connsiteX6" fmla="*/ 1961525 w 2033155"/>
+              <a:gd name="connsiteY6" fmla="*/ 0 h 585688"/>
+              <a:gd name="connsiteX7" fmla="*/ 2033155 w 2033155"/>
+              <a:gd name="connsiteY7" fmla="*/ 71630 h 585688"/>
+              <a:gd name="connsiteX8" fmla="*/ 2033155 w 2033155"/>
+              <a:gd name="connsiteY8" fmla="*/ 514058 h 585688"/>
+              <a:gd name="connsiteX9" fmla="*/ 1961525 w 2033155"/>
+              <a:gd name="connsiteY9" fmla="*/ 585688 h 585688"/>
+              <a:gd name="connsiteX10" fmla="*/ 71630 w 2033155"/>
+              <a:gd name="connsiteY10" fmla="*/ 585688 h 585688"/>
+              <a:gd name="connsiteX11" fmla="*/ 0 w 2033155"/>
+              <a:gd name="connsiteY11" fmla="*/ 514058 h 585688"/>
+              <a:gd name="connsiteX12" fmla="*/ 0 w 2033155"/>
+              <a:gd name="connsiteY12" fmla="*/ 71630 h 585688"/>
+              <a:gd name="connsiteX13" fmla="*/ 71630 w 2033155"/>
+              <a:gd name="connsiteY13" fmla="*/ 0 h 585688"/>
+            </a:gdLst>
+            <a:ahLst/>
+            <a:cxnLst>
+              <a:cxn ang="0">
+                <a:pos x="connsiteX0" y="connsiteY0"/>
+              </a:cxn>
+              <a:cxn ang="0">
+                <a:pos x="connsiteX1" y="connsiteY1"/>
+              </a:cxn>
+              <a:cxn ang="0">
+                <a:pos x="connsiteX2" y="connsiteY2"/>
+              </a:cxn>
+              <a:cxn ang="0">
+                <a:pos x="connsiteX3" y="connsiteY3"/>
+              </a:cxn>
+              <a:cxn ang="0">
+                <a:pos x="connsiteX4" y="connsiteY4"/>
+              </a:cxn>
+              <a:cxn ang="0">
+                <a:pos x="connsiteX5" y="connsiteY5"/>
+              </a:cxn>
+              <a:cxn ang="0">
+                <a:pos x="connsiteX6" y="connsiteY6"/>
+              </a:cxn>
+              <a:cxn ang="0">
+                <a:pos x="connsiteX7" y="connsiteY7"/>
+              </a:cxn>
+              <a:cxn ang="0">
+                <a:pos x="connsiteX8" y="connsiteY8"/>
+              </a:cxn>
+              <a:cxn ang="0">
+                <a:pos x="connsiteX9" y="connsiteY9"/>
+              </a:cxn>
+              <a:cxn ang="0">
+                <a:pos x="connsiteX10" y="connsiteY10"/>
+              </a:cxn>
+              <a:cxn ang="0">
+                <a:pos x="connsiteX11" y="connsiteY11"/>
+              </a:cxn>
+              <a:cxn ang="0">
+                <a:pos x="connsiteX12" y="connsiteY12"/>
+              </a:cxn>
+              <a:cxn ang="0">
+                <a:pos x="connsiteX13" y="connsiteY13"/>
+              </a:cxn>
+            </a:cxnLst>
+            <a:rect l="l" t="t" r="r" b="b"/>
+            <a:pathLst>
+              <a:path w="2033155" h="585688">
+                <a:moveTo>
+                  <a:pt x="1874303" y="77542"/>
+                </a:moveTo>
+                <a:cubicBezTo>
+                  <a:pt x="1827485" y="77542"/>
+                  <a:pt x="1789532" y="115495"/>
+                  <a:pt x="1789532" y="162313"/>
+                </a:cubicBezTo>
+                <a:cubicBezTo>
+                  <a:pt x="1789532" y="209131"/>
+                  <a:pt x="1827485" y="247084"/>
+                  <a:pt x="1874303" y="247084"/>
+                </a:cubicBezTo>
+                <a:cubicBezTo>
+                  <a:pt x="1921121" y="247084"/>
+                  <a:pt x="1959074" y="209131"/>
+                  <a:pt x="1959074" y="162313"/>
+                </a:cubicBezTo>
+                <a:cubicBezTo>
+                  <a:pt x="1959074" y="115495"/>
+                  <a:pt x="1921121" y="77542"/>
+                  <a:pt x="1874303" y="77542"/>
+                </a:cubicBezTo>
+                <a:close/>
+                <a:moveTo>
+                  <a:pt x="71630" y="0"/>
+                </a:moveTo>
+                <a:lnTo>
+                  <a:pt x="1961525" y="0"/>
+                </a:lnTo>
+                <a:cubicBezTo>
+                  <a:pt x="2001085" y="0"/>
+                  <a:pt x="2033155" y="32070"/>
+                  <a:pt x="2033155" y="71630"/>
+                </a:cubicBezTo>
+                <a:lnTo>
+                  <a:pt x="2033155" y="514058"/>
+                </a:lnTo>
+                <a:cubicBezTo>
+                  <a:pt x="2033155" y="553618"/>
+                  <a:pt x="2001085" y="585688"/>
+                  <a:pt x="1961525" y="585688"/>
+                </a:cubicBezTo>
+                <a:lnTo>
+                  <a:pt x="71630" y="585688"/>
+                </a:lnTo>
+                <a:cubicBezTo>
+                  <a:pt x="32070" y="585688"/>
+                  <a:pt x="0" y="553618"/>
+                  <a:pt x="0" y="514058"/>
+                </a:cubicBezTo>
+                <a:lnTo>
+                  <a:pt x="0" y="71630"/>
+                </a:lnTo>
+                <a:cubicBezTo>
+                  <a:pt x="0" y="32070"/>
+                  <a:pt x="32070" y="0"/>
+                  <a:pt x="71630" y="0"/>
+                </a:cubicBezTo>
+                <a:close/>
+              </a:path>
+            </a:pathLst>
+          </a:custGeom>
+          <a:solidFill>
+            <a:schemeClr val="bg1"/>
+          </a:solidFill>
+          <a:ln>
+            <a:solidFill>
+              <a:schemeClr val="bg1">
+                <a:lumMod val="75000"/>
+              </a:schemeClr>
+            </a:solidFill>
+          </a:ln>
+        </p:spPr>
+        <p:style>
+          <a:lnRef idx="2">
+            <a:schemeClr val="accent1">
+              <a:shade val="50000"/>
+            </a:schemeClr>
+          </a:lnRef>
+          <a:fillRef idx="1">
+            <a:schemeClr val="accent1"/>
+          </a:fillRef>
+          <a:effectRef idx="0">
+            <a:schemeClr val="accent1"/>
+          </a:effectRef>
+          <a:fontRef idx="minor">
+            <a:schemeClr val="lt1"/>
+          </a:fontRef>
+        </p:style>
+        <p:txBody>
+          <a:bodyPr rot="0" spcFirstLastPara="0" vertOverflow="overflow" horzOverflow="overflow" vert="horz" wrap="square" lIns="91440" tIns="45720" rIns="91440" bIns="45720" numCol="1" spcCol="0" rtlCol="0" fromWordArt="0" anchor="ctr" anchorCtr="0" forceAA="0" compatLnSpc="1">
+            <a:prstTxWarp prst="textNoShape">
+              <a:avLst/>
+            </a:prstTxWarp>
+            <a:noAutofit/>
+          </a:bodyPr>
+          <a:lstStyle/>
+          <a:p>
+            <a:pPr lvl="0"/>
+            <a:r>
+              <a:rPr kumimoji="1" lang="en-US" altLang="ko-KR" sz="1100" b="1" dirty="0">
+                <a:solidFill>
+                  <a:prstClr val="black">
+                    <a:lumMod val="75000"/>
+                    <a:lumOff val="25000"/>
+                  </a:prstClr>
+                </a:solidFill>
+              </a:rPr>
+              <a:t>3.</a:t>
+            </a:r>
+            <a:r>
+              <a:rPr kumimoji="1" lang="ko-KR" altLang="en-US" sz="1100" b="1" dirty="0">
+                <a:solidFill>
+                  <a:prstClr val="black">
+                    <a:lumMod val="75000"/>
+                    <a:lumOff val="25000"/>
+                  </a:prstClr>
+                </a:solidFill>
+              </a:rPr>
+              <a:t> 톰 레이어</a:t>
+            </a:r>
+            <a:endParaRPr kumimoji="1" lang="en-US" altLang="ko-KR" sz="1000" b="1" dirty="0">
+              <a:solidFill>
+                <a:srgbClr val="FF0000"/>
+              </a:solidFill>
+            </a:endParaRPr>
+          </a:p>
+          <a:p>
+            <a:r>
+              <a:rPr kumimoji="1" lang="ko-KR" altLang="en-US" sz="1100" b="1" dirty="0">
+                <a:solidFill>
+                  <a:schemeClr val="tx1">
+                    <a:lumMod val="75000"/>
+                    <a:lumOff val="25000"/>
+                  </a:schemeClr>
+                </a:solidFill>
+              </a:rPr>
+              <a:t>돈 단위 </a:t>
+            </a:r>
+            <a:r>
+              <a:rPr kumimoji="1" lang="en-US" altLang="ko-KR" sz="1100" b="1" dirty="0">
+                <a:solidFill>
+                  <a:schemeClr val="tx1">
+                    <a:lumMod val="75000"/>
+                    <a:lumOff val="25000"/>
+                  </a:schemeClr>
+                </a:solidFill>
+              </a:rPr>
+              <a:t>:</a:t>
+            </a:r>
+            <a:r>
+              <a:rPr kumimoji="1" lang="ko-KR" altLang="en-US" sz="1100" b="1" dirty="0">
+                <a:solidFill>
+                  <a:schemeClr val="tx1">
+                    <a:lumMod val="75000"/>
+                    <a:lumOff val="25000"/>
+                  </a:schemeClr>
+                </a:solidFill>
+              </a:rPr>
+              <a:t> </a:t>
+            </a:r>
+            <a:r>
+              <a:rPr kumimoji="1" lang="ko-KR" altLang="en-US" sz="1100" b="1" u="sng" dirty="0">
+                <a:solidFill>
+                  <a:schemeClr val="tx1">
+                    <a:lumMod val="75000"/>
+                    <a:lumOff val="25000"/>
+                  </a:schemeClr>
+                </a:solidFill>
+              </a:rPr>
+              <a:t> 달러</a:t>
+            </a:r>
+            <a:r>
+              <a:rPr kumimoji="1" lang="ko-KR" altLang="en-US" sz="1100" b="1" dirty="0">
+                <a:solidFill>
+                  <a:schemeClr val="tx1">
+                    <a:lumMod val="75000"/>
+                    <a:lumOff val="25000"/>
+                  </a:schemeClr>
+                </a:solidFill>
+              </a:rPr>
+              <a:t>            </a:t>
+            </a:r>
+            <a:r>
+              <a:rPr kumimoji="1" lang="ko-KR" altLang="en-US" sz="1000" b="1" dirty="0">
+                <a:solidFill>
+                  <a:srgbClr val="FF0000"/>
+                </a:solidFill>
+              </a:rPr>
+              <a:t>삭제</a:t>
+            </a:r>
+          </a:p>
+        </p:txBody>
+      </p:sp>
+      <p:sp>
+        <p:nvSpPr>
+          <p:cNvPr id="27" name="직사각형 26">
+            <a:extLst>
+              <a:ext uri="{FF2B5EF4-FFF2-40B4-BE49-F238E27FC236}">
+                <a16:creationId xmlns:a16="http://schemas.microsoft.com/office/drawing/2014/main" xmlns="" id="{324B93C4-54CD-364D-AE04-E89369BD362F}"/>
+              </a:ext>
+            </a:extLst>
+          </p:cNvPr>
+          <p:cNvSpPr/>
+          <p:nvPr/>
+        </p:nvSpPr>
+        <p:spPr>
+          <a:xfrm>
+            <a:off x="4901105" y="5603047"/>
+            <a:ext cx="2403951" cy="253636"/>
+          </a:xfrm>
+          <a:prstGeom prst="rect">
+            <a:avLst/>
+          </a:prstGeom>
+          <a:solidFill>
+            <a:srgbClr val="F6F6F6"/>
+          </a:solidFill>
+          <a:ln>
+            <a:noFill/>
+          </a:ln>
+        </p:spPr>
+        <p:style>
+          <a:lnRef idx="2">
+            <a:schemeClr val="accent1">
+              <a:shade val="50000"/>
+            </a:schemeClr>
+          </a:lnRef>
+          <a:fillRef idx="1">
+            <a:schemeClr val="accent1"/>
+          </a:fillRef>
+          <a:effectRef idx="0">
+            <a:schemeClr val="accent1"/>
+          </a:effectRef>
+          <a:fontRef idx="minor">
+            <a:schemeClr val="lt1"/>
+          </a:fontRef>
+        </p:style>
+        <p:txBody>
+          <a:bodyPr rtlCol="0" anchor="ctr"/>
+          <a:lstStyle/>
+          <a:p>
+            <a:pPr algn="ctr"/>
+            <a:endParaRPr kumimoji="1" lang="ko-KR" altLang="en-US"/>
+          </a:p>
+        </p:txBody>
+      </p:sp>
+      <p:cxnSp>
+        <p:nvCxnSpPr>
+          <p:cNvPr id="3" name="직선 연결선[R] 2">
+            <a:extLst>
+              <a:ext uri="{FF2B5EF4-FFF2-40B4-BE49-F238E27FC236}">
+                <a16:creationId xmlns:a16="http://schemas.microsoft.com/office/drawing/2014/main" xmlns="" id="{703E2DF6-4AB2-EF49-A3C5-F19D70859C0E}"/>
+              </a:ext>
+            </a:extLst>
+          </p:cNvPr>
+          <p:cNvCxnSpPr/>
+          <p:nvPr/>
+        </p:nvCxnSpPr>
+        <p:spPr>
+          <a:xfrm>
+            <a:off x="4901105" y="5609974"/>
+            <a:ext cx="2403951" cy="0"/>
+          </a:xfrm>
+          <a:prstGeom prst="line">
+            <a:avLst/>
+          </a:prstGeom>
+          <a:ln w="12700">
+            <a:solidFill>
+              <a:schemeClr val="bg1">
+                <a:lumMod val="75000"/>
+              </a:schemeClr>
+            </a:solidFill>
+          </a:ln>
+        </p:spPr>
+        <p:style>
+          <a:lnRef idx="1">
+            <a:schemeClr val="accent1"/>
+          </a:lnRef>
+          <a:fillRef idx="0">
+            <a:schemeClr val="accent1"/>
+          </a:fillRef>
+          <a:effectRef idx="0">
+            <a:schemeClr val="accent1"/>
+          </a:effectRef>
+          <a:fontRef idx="minor">
+            <a:schemeClr val="tx1"/>
+          </a:fontRef>
+        </p:style>
+      </p:cxnSp>
+      <p:sp>
+        <p:nvSpPr>
+          <p:cNvPr id="38" name="자유형 37">
+            <a:extLst>
+              <a:ext uri="{FF2B5EF4-FFF2-40B4-BE49-F238E27FC236}">
+                <a16:creationId xmlns:a16="http://schemas.microsoft.com/office/drawing/2014/main" xmlns="" id="{39ED7C97-C917-C740-AAC7-BAA87FCBD74F}"/>
+              </a:ext>
+            </a:extLst>
+          </p:cNvPr>
+          <p:cNvSpPr/>
+          <p:nvPr/>
+        </p:nvSpPr>
+        <p:spPr>
+          <a:xfrm>
+            <a:off x="5079422" y="3471557"/>
+            <a:ext cx="2033155" cy="585688"/>
+          </a:xfrm>
+          <a:custGeom>
+            <a:avLst/>
+            <a:gdLst>
+              <a:gd name="connsiteX0" fmla="*/ 1874303 w 2033155"/>
+              <a:gd name="connsiteY0" fmla="*/ 71218 h 585688"/>
+              <a:gd name="connsiteX1" fmla="*/ 1789532 w 2033155"/>
+              <a:gd name="connsiteY1" fmla="*/ 155989 h 585688"/>
+              <a:gd name="connsiteX2" fmla="*/ 1874303 w 2033155"/>
+              <a:gd name="connsiteY2" fmla="*/ 240760 h 585688"/>
+              <a:gd name="connsiteX3" fmla="*/ 1959074 w 2033155"/>
+              <a:gd name="connsiteY3" fmla="*/ 155989 h 585688"/>
+              <a:gd name="connsiteX4" fmla="*/ 1874303 w 2033155"/>
+              <a:gd name="connsiteY4" fmla="*/ 71218 h 585688"/>
+              <a:gd name="connsiteX5" fmla="*/ 71630 w 2033155"/>
+              <a:gd name="connsiteY5" fmla="*/ 0 h 585688"/>
+              <a:gd name="connsiteX6" fmla="*/ 1961525 w 2033155"/>
+              <a:gd name="connsiteY6" fmla="*/ 0 h 585688"/>
+              <a:gd name="connsiteX7" fmla="*/ 2033155 w 2033155"/>
+              <a:gd name="connsiteY7" fmla="*/ 71630 h 585688"/>
+              <a:gd name="connsiteX8" fmla="*/ 2033155 w 2033155"/>
+              <a:gd name="connsiteY8" fmla="*/ 514058 h 585688"/>
+              <a:gd name="connsiteX9" fmla="*/ 1961525 w 2033155"/>
+              <a:gd name="connsiteY9" fmla="*/ 585688 h 585688"/>
+              <a:gd name="connsiteX10" fmla="*/ 71630 w 2033155"/>
+              <a:gd name="connsiteY10" fmla="*/ 585688 h 585688"/>
+              <a:gd name="connsiteX11" fmla="*/ 0 w 2033155"/>
+              <a:gd name="connsiteY11" fmla="*/ 514058 h 585688"/>
+              <a:gd name="connsiteX12" fmla="*/ 0 w 2033155"/>
+              <a:gd name="connsiteY12" fmla="*/ 71630 h 585688"/>
+              <a:gd name="connsiteX13" fmla="*/ 71630 w 2033155"/>
+              <a:gd name="connsiteY13" fmla="*/ 0 h 585688"/>
+            </a:gdLst>
+            <a:ahLst/>
+            <a:cxnLst>
+              <a:cxn ang="0">
+                <a:pos x="connsiteX0" y="connsiteY0"/>
+              </a:cxn>
+              <a:cxn ang="0">
+                <a:pos x="connsiteX1" y="connsiteY1"/>
+              </a:cxn>
+              <a:cxn ang="0">
+                <a:pos x="connsiteX2" y="connsiteY2"/>
+              </a:cxn>
+              <a:cxn ang="0">
+                <a:pos x="connsiteX3" y="connsiteY3"/>
+              </a:cxn>
+              <a:cxn ang="0">
+                <a:pos x="connsiteX4" y="connsiteY4"/>
+              </a:cxn>
+              <a:cxn ang="0">
+                <a:pos x="connsiteX5" y="connsiteY5"/>
+              </a:cxn>
+              <a:cxn ang="0">
+                <a:pos x="connsiteX6" y="connsiteY6"/>
+              </a:cxn>
+              <a:cxn ang="0">
+                <a:pos x="connsiteX7" y="connsiteY7"/>
+              </a:cxn>
+              <a:cxn ang="0">
+                <a:pos x="connsiteX8" y="connsiteY8"/>
+              </a:cxn>
+              <a:cxn ang="0">
+                <a:pos x="connsiteX9" y="connsiteY9"/>
+              </a:cxn>
+              <a:cxn ang="0">
+                <a:pos x="connsiteX10" y="connsiteY10"/>
+              </a:cxn>
+              <a:cxn ang="0">
+                <a:pos x="connsiteX11" y="connsiteY11"/>
+              </a:cxn>
+              <a:cxn ang="0">
+                <a:pos x="connsiteX12" y="connsiteY12"/>
+              </a:cxn>
+              <a:cxn ang="0">
+                <a:pos x="connsiteX13" y="connsiteY13"/>
+              </a:cxn>
+            </a:cxnLst>
+            <a:rect l="l" t="t" r="r" b="b"/>
+            <a:pathLst>
+              <a:path w="2033155" h="585688">
+                <a:moveTo>
+                  <a:pt x="1874303" y="71218"/>
+                </a:moveTo>
+                <a:cubicBezTo>
+                  <a:pt x="1827485" y="71218"/>
+                  <a:pt x="1789532" y="109171"/>
+                  <a:pt x="1789532" y="155989"/>
+                </a:cubicBezTo>
+                <a:cubicBezTo>
+                  <a:pt x="1789532" y="202807"/>
+                  <a:pt x="1827485" y="240760"/>
+                  <a:pt x="1874303" y="240760"/>
+                </a:cubicBezTo>
+                <a:cubicBezTo>
+                  <a:pt x="1921121" y="240760"/>
+                  <a:pt x="1959074" y="202807"/>
+                  <a:pt x="1959074" y="155989"/>
+                </a:cubicBezTo>
+                <a:cubicBezTo>
+                  <a:pt x="1959074" y="109171"/>
+                  <a:pt x="1921121" y="71218"/>
+                  <a:pt x="1874303" y="71218"/>
+                </a:cubicBezTo>
+                <a:close/>
+                <a:moveTo>
+                  <a:pt x="71630" y="0"/>
+                </a:moveTo>
+                <a:lnTo>
+                  <a:pt x="1961525" y="0"/>
+                </a:lnTo>
+                <a:cubicBezTo>
+                  <a:pt x="2001085" y="0"/>
+                  <a:pt x="2033155" y="32070"/>
+                  <a:pt x="2033155" y="71630"/>
+                </a:cubicBezTo>
+                <a:lnTo>
+                  <a:pt x="2033155" y="514058"/>
+                </a:lnTo>
+                <a:cubicBezTo>
+                  <a:pt x="2033155" y="553618"/>
+                  <a:pt x="2001085" y="585688"/>
+                  <a:pt x="1961525" y="585688"/>
+                </a:cubicBezTo>
+                <a:lnTo>
+                  <a:pt x="71630" y="585688"/>
+                </a:lnTo>
+                <a:cubicBezTo>
+                  <a:pt x="32070" y="585688"/>
+                  <a:pt x="0" y="553618"/>
+                  <a:pt x="0" y="514058"/>
+                </a:cubicBezTo>
+                <a:lnTo>
+                  <a:pt x="0" y="71630"/>
+                </a:lnTo>
+                <a:cubicBezTo>
+                  <a:pt x="0" y="32070"/>
+                  <a:pt x="32070" y="0"/>
+                  <a:pt x="71630" y="0"/>
+                </a:cubicBezTo>
+                <a:close/>
+              </a:path>
+            </a:pathLst>
+          </a:custGeom>
+          <a:solidFill>
+            <a:schemeClr val="bg1"/>
+          </a:solidFill>
+          <a:ln>
+            <a:solidFill>
+              <a:schemeClr val="bg1">
+                <a:lumMod val="75000"/>
+              </a:schemeClr>
+            </a:solidFill>
+          </a:ln>
+        </p:spPr>
+        <p:style>
+          <a:lnRef idx="2">
+            <a:schemeClr val="accent1">
+              <a:shade val="50000"/>
+            </a:schemeClr>
+          </a:lnRef>
+          <a:fillRef idx="1">
+            <a:schemeClr val="accent1"/>
+          </a:fillRef>
+          <a:effectRef idx="0">
+            <a:schemeClr val="accent1"/>
+          </a:effectRef>
+          <a:fontRef idx="minor">
+            <a:schemeClr val="lt1"/>
+          </a:fontRef>
+        </p:style>
+        <p:txBody>
+          <a:bodyPr rot="0" spcFirstLastPara="0" vertOverflow="overflow" horzOverflow="overflow" vert="horz" wrap="square" lIns="91440" tIns="45720" rIns="91440" bIns="45720" numCol="1" spcCol="0" rtlCol="0" fromWordArt="0" anchor="ctr" anchorCtr="0" forceAA="0" compatLnSpc="1">
+            <a:prstTxWarp prst="textNoShape">
+              <a:avLst/>
+            </a:prstTxWarp>
+            <a:noAutofit/>
+          </a:bodyPr>
+          <a:lstStyle/>
+          <a:p>
+            <a:r>
+              <a:rPr kumimoji="1" lang="en-US" altLang="ko-KR" sz="1100" b="1" dirty="0">
+                <a:solidFill>
+                  <a:schemeClr val="tx1">
+                    <a:lumMod val="75000"/>
+                    <a:lumOff val="25000"/>
+                  </a:schemeClr>
+                </a:solidFill>
+              </a:rPr>
+              <a:t>1.</a:t>
+            </a:r>
+            <a:r>
+              <a:rPr kumimoji="1" lang="ko-KR" altLang="en-US" sz="1100" b="1" dirty="0">
+                <a:solidFill>
+                  <a:schemeClr val="tx1">
+                    <a:lumMod val="75000"/>
+                    <a:lumOff val="25000"/>
+                  </a:schemeClr>
+                </a:solidFill>
+              </a:rPr>
+              <a:t> 기본 레이어</a:t>
+            </a:r>
+            <a:endParaRPr kumimoji="1" lang="en-US" altLang="ko-KR" sz="1100" b="1" dirty="0">
+              <a:solidFill>
+                <a:schemeClr val="tx1">
+                  <a:lumMod val="75000"/>
+                  <a:lumOff val="25000"/>
+                </a:schemeClr>
+              </a:solidFill>
+            </a:endParaRPr>
+          </a:p>
+          <a:p>
+            <a:r>
+              <a:rPr kumimoji="1" lang="ko-KR" altLang="en-US" sz="1100" b="1" dirty="0">
+                <a:solidFill>
+                  <a:schemeClr val="tx1">
+                    <a:lumMod val="75000"/>
+                    <a:lumOff val="25000"/>
+                  </a:schemeClr>
+                </a:solidFill>
+              </a:rPr>
+              <a:t>돈 단위 </a:t>
+            </a:r>
+            <a:r>
+              <a:rPr kumimoji="1" lang="en-US" altLang="ko-KR" sz="1100" b="1" dirty="0">
+                <a:solidFill>
+                  <a:schemeClr val="tx1">
+                    <a:lumMod val="75000"/>
+                    <a:lumOff val="25000"/>
+                  </a:schemeClr>
+                </a:solidFill>
+              </a:rPr>
+              <a:t>:</a:t>
+            </a:r>
+            <a:r>
+              <a:rPr kumimoji="1" lang="ko-KR" altLang="en-US" sz="1100" b="1" dirty="0">
+                <a:solidFill>
+                  <a:schemeClr val="tx1">
+                    <a:lumMod val="75000"/>
+                    <a:lumOff val="25000"/>
+                  </a:schemeClr>
+                </a:solidFill>
+              </a:rPr>
+              <a:t> </a:t>
+            </a:r>
+            <a:r>
+              <a:rPr kumimoji="1" lang="ko-KR" altLang="en-US" sz="1100" b="1" u="sng" dirty="0">
+                <a:solidFill>
+                  <a:schemeClr val="tx1">
+                    <a:lumMod val="75000"/>
+                    <a:lumOff val="25000"/>
+                  </a:schemeClr>
+                </a:solidFill>
+              </a:rPr>
+              <a:t> 원</a:t>
+            </a:r>
+            <a:r>
+              <a:rPr kumimoji="1" lang="en-US" altLang="ko-KR" sz="1100" b="1" u="sng" dirty="0">
+                <a:solidFill>
+                  <a:schemeClr val="tx1">
+                    <a:lumMod val="75000"/>
+                    <a:lumOff val="25000"/>
+                  </a:schemeClr>
+                </a:solidFill>
+              </a:rPr>
+              <a:t>	</a:t>
+            </a:r>
+            <a:r>
+              <a:rPr kumimoji="1" lang="ko-KR" altLang="en-US" sz="1100" b="1" dirty="0">
+                <a:solidFill>
+                  <a:schemeClr val="tx1">
+                    <a:lumMod val="75000"/>
+                    <a:lumOff val="25000"/>
+                  </a:schemeClr>
+                </a:solidFill>
+              </a:rPr>
+              <a:t>            </a:t>
+            </a:r>
+            <a:r>
+              <a:rPr kumimoji="1" lang="ko-KR" altLang="en-US" sz="1000" b="1" dirty="0">
+                <a:solidFill>
+                  <a:srgbClr val="FF0000"/>
+                </a:solidFill>
+              </a:rPr>
+              <a:t>삭제</a:t>
+            </a:r>
+          </a:p>
+        </p:txBody>
+      </p:sp>
+      <p:sp>
+        <p:nvSpPr>
+          <p:cNvPr id="29" name="TextBox 28">
+            <a:extLst>
+              <a:ext uri="{FF2B5EF4-FFF2-40B4-BE49-F238E27FC236}">
+                <a16:creationId xmlns:a16="http://schemas.microsoft.com/office/drawing/2014/main" xmlns="" id="{ADA8295D-F93C-3047-AEE6-7A0499D3324A}"/>
               </a:ext>
             </a:extLst>
           </p:cNvPr>
@@ -5857,8 +6979,8 @@
         </p:nvSpPr>
         <p:spPr>
           <a:xfrm>
-            <a:off x="5080205" y="3890953"/>
-            <a:ext cx="2045753" cy="246221"/>
+            <a:off x="4982903" y="3141823"/>
+            <a:ext cx="906017" cy="253916"/>
           </a:xfrm>
           <a:prstGeom prst="rect">
             <a:avLst/>
@@ -5871,36 +6993,90 @@
           </a:bodyPr>
           <a:lstStyle/>
           <a:p>
+            <a:r>
+              <a:rPr kumimoji="1" lang="ko-KR" altLang="en-US" sz="1050" dirty="0">
+                <a:solidFill>
+                  <a:schemeClr val="tx1">
+                    <a:lumMod val="75000"/>
+                    <a:lumOff val="25000"/>
+                  </a:schemeClr>
+                </a:solidFill>
+              </a:rPr>
+              <a:t>레이어 목록</a:t>
+            </a:r>
+            <a:endParaRPr kumimoji="1" lang="en-US" altLang="ko-KR" sz="1050" dirty="0">
+              <a:solidFill>
+                <a:schemeClr val="tx1">
+                  <a:lumMod val="75000"/>
+                  <a:lumOff val="25000"/>
+                </a:schemeClr>
+              </a:solidFill>
+            </a:endParaRPr>
+          </a:p>
+        </p:txBody>
+      </p:sp>
+      <p:sp>
+        <p:nvSpPr>
+          <p:cNvPr id="34" name="직사각형 33">
+            <a:extLst>
+              <a:ext uri="{FF2B5EF4-FFF2-40B4-BE49-F238E27FC236}">
+                <a16:creationId xmlns:a16="http://schemas.microsoft.com/office/drawing/2014/main" xmlns="" id="{85AE415A-F52E-6849-89F6-B7DF9B5D0D2D}"/>
+              </a:ext>
+            </a:extLst>
+          </p:cNvPr>
+          <p:cNvSpPr/>
+          <p:nvPr/>
+        </p:nvSpPr>
+        <p:spPr>
+          <a:xfrm>
+            <a:off x="4894025" y="1276420"/>
+            <a:ext cx="2403951" cy="1674184"/>
+          </a:xfrm>
+          <a:prstGeom prst="rect">
+            <a:avLst/>
+          </a:prstGeom>
+          <a:solidFill>
+            <a:schemeClr val="bg1"/>
+          </a:solidFill>
+          <a:ln>
+            <a:solidFill>
+              <a:schemeClr val="bg1">
+                <a:lumMod val="75000"/>
+              </a:schemeClr>
+            </a:solidFill>
+          </a:ln>
+        </p:spPr>
+        <p:style>
+          <a:lnRef idx="2">
+            <a:schemeClr val="accent1">
+              <a:shade val="50000"/>
+            </a:schemeClr>
+          </a:lnRef>
+          <a:fillRef idx="1">
+            <a:schemeClr val="accent1"/>
+          </a:fillRef>
+          <a:effectRef idx="0">
+            <a:schemeClr val="accent1"/>
+          </a:effectRef>
+          <a:fontRef idx="minor">
+            <a:schemeClr val="lt1"/>
+          </a:fontRef>
+        </p:style>
+        <p:txBody>
+          <a:bodyPr rtlCol="0" anchor="ctr"/>
+          <a:lstStyle/>
+          <a:p>
             <a:pPr algn="ctr"/>
-            <a:r>
-              <a:rPr kumimoji="1" lang="ko-KR" altLang="en-US" sz="1000" dirty="0"/>
-              <a:t>계정을 만들고 싶다면</a:t>
-            </a:r>
-            <a:r>
-              <a:rPr kumimoji="1" lang="en-US" altLang="ko-KR" sz="1000" dirty="0"/>
-              <a:t>?</a:t>
-            </a:r>
-            <a:r>
-              <a:rPr kumimoji="1" lang="ko-KR" altLang="en-US" sz="1000" dirty="0"/>
-              <a:t> </a:t>
-            </a:r>
-            <a:r>
-              <a:rPr kumimoji="1" lang="ko-KR" altLang="en-US" sz="1000" dirty="0">
-                <a:solidFill>
-                  <a:srgbClr val="00B0F0"/>
-                </a:solidFill>
-              </a:rPr>
-              <a:t>회원가입</a:t>
-            </a:r>
-          </a:p>
-        </p:txBody>
-      </p:sp>
-      <p:sp>
-        <p:nvSpPr>
-          <p:cNvPr id="12" name="모서리가 둥근 직사각형 11">
-            <a:extLst>
-              <a:ext uri="{FF2B5EF4-FFF2-40B4-BE49-F238E27FC236}">
-                <a16:creationId xmlns:a16="http://schemas.microsoft.com/office/drawing/2014/main" xmlns="" id="{C5488FC6-282C-7148-82F7-288317848D5E}"/>
+            <a:endParaRPr kumimoji="1" lang="ko-KR" altLang="en-US" dirty="0"/>
+          </a:p>
+        </p:txBody>
+      </p:sp>
+      <p:sp>
+        <p:nvSpPr>
+          <p:cNvPr id="35" name="모서리가 둥근 직사각형 34">
+            <a:extLst>
+              <a:ext uri="{FF2B5EF4-FFF2-40B4-BE49-F238E27FC236}">
+                <a16:creationId xmlns:a16="http://schemas.microsoft.com/office/drawing/2014/main" xmlns="" id="{A4971372-9237-B048-B2E9-0A06977A32A0}"/>
               </a:ext>
             </a:extLst>
           </p:cNvPr>
@@ -5909,7 +7085,7 @@
         </p:nvSpPr>
         <p:spPr>
           <a:xfrm>
-            <a:off x="5171838" y="3122738"/>
+            <a:off x="5171838" y="2506380"/>
             <a:ext cx="1848323" cy="234616"/>
           </a:xfrm>
           <a:prstGeom prst="roundRect">
@@ -5958,17 +7134,17 @@
                   <a:schemeClr val="bg1"/>
                 </a:solidFill>
               </a:rPr>
-              <a:t>로그인</a:t>
-            </a:r>
-          </a:p>
-        </p:txBody>
-      </p:sp>
-      <p:sp>
-        <p:nvSpPr>
-          <p:cNvPr id="13" name="TextBox 12">
-            <a:extLst>
-              <a:ext uri="{FF2B5EF4-FFF2-40B4-BE49-F238E27FC236}">
-                <a16:creationId xmlns:a16="http://schemas.microsoft.com/office/drawing/2014/main" xmlns="" id="{852B469B-6110-9446-A9BB-C28049DB396C}"/>
+              <a:t>추가</a:t>
+            </a:r>
+          </a:p>
+        </p:txBody>
+      </p:sp>
+      <p:sp>
+        <p:nvSpPr>
+          <p:cNvPr id="37" name="TextBox 36">
+            <a:extLst>
+              <a:ext uri="{FF2B5EF4-FFF2-40B4-BE49-F238E27FC236}">
+                <a16:creationId xmlns:a16="http://schemas.microsoft.com/office/drawing/2014/main" xmlns="" id="{985B151C-01C4-014A-B006-E8E125897B00}"/>
               </a:ext>
             </a:extLst>
           </p:cNvPr>
@@ -5977,8 +7153,8 @@
         </p:nvSpPr>
         <p:spPr>
           <a:xfrm>
-            <a:off x="6405385" y="2831354"/>
-            <a:ext cx="673582" cy="184666"/>
+            <a:off x="5342435" y="1755119"/>
+            <a:ext cx="1507144" cy="338554"/>
           </a:xfrm>
           <a:prstGeom prst="rect">
             <a:avLst/>
@@ -5993,22 +7169,19 @@
           <a:p>
             <a:pPr algn="ctr"/>
             <a:r>
-              <a:rPr kumimoji="1" lang="ko-KR" altLang="en-US" sz="600" dirty="0">
-                <a:solidFill>
-                  <a:srgbClr val="00B0F0"/>
-                </a:solidFill>
-              </a:rPr>
-              <a:t>비밀번호 찾기</a:t>
-            </a:r>
-          </a:p>
-        </p:txBody>
-      </p:sp>
-      <p:sp>
-        <p:nvSpPr>
-          <p:cNvPr id="14" name="TextBox 13">
-            <a:extLst>
-              <a:ext uri="{FF2B5EF4-FFF2-40B4-BE49-F238E27FC236}">
-                <a16:creationId xmlns:a16="http://schemas.microsoft.com/office/drawing/2014/main" xmlns="" id="{5B516E62-67EC-1843-A453-45B117B38417}"/>
+              <a:rPr kumimoji="1" lang="en-US" altLang="ko-KR" sz="1600" b="1" dirty="0"/>
+              <a:t>_______________</a:t>
+            </a:r>
+            <a:endParaRPr kumimoji="1" lang="ko-KR" altLang="en-US" sz="1600" b="1" dirty="0"/>
+          </a:p>
+        </p:txBody>
+      </p:sp>
+      <p:sp>
+        <p:nvSpPr>
+          <p:cNvPr id="40" name="TextBox 39">
+            <a:extLst>
+              <a:ext uri="{FF2B5EF4-FFF2-40B4-BE49-F238E27FC236}">
+                <a16:creationId xmlns:a16="http://schemas.microsoft.com/office/drawing/2014/main" xmlns="" id="{FF2CD8B2-D563-3246-A9AF-E3C8601CB67D}"/>
               </a:ext>
             </a:extLst>
           </p:cNvPr>
@@ -6017,8 +7190,8 @@
         </p:nvSpPr>
         <p:spPr>
           <a:xfrm>
-            <a:off x="5695893" y="1465272"/>
-            <a:ext cx="800219" cy="584775"/>
+            <a:off x="4982903" y="1410132"/>
+            <a:ext cx="1008609" cy="276999"/>
           </a:xfrm>
           <a:prstGeom prst="rect">
             <a:avLst/>
@@ -6033,26 +7206,103 @@
           <a:p>
             <a:pPr algn="ctr"/>
             <a:r>
+              <a:rPr kumimoji="1" lang="ko-KR" altLang="en-US" sz="1200" dirty="0"/>
+              <a:t>레이어 추가</a:t>
+            </a:r>
+          </a:p>
+        </p:txBody>
+      </p:sp>
+      <p:sp>
+        <p:nvSpPr>
+          <p:cNvPr id="2" name="TextBox 1">
+            <a:extLst>
+              <a:ext uri="{FF2B5EF4-FFF2-40B4-BE49-F238E27FC236}">
+                <a16:creationId xmlns:a16="http://schemas.microsoft.com/office/drawing/2014/main" xmlns="" id="{342D94B4-3572-1345-95DA-6137D8C8DE3B}"/>
+              </a:ext>
+            </a:extLst>
+          </p:cNvPr>
+          <p:cNvSpPr txBox="1"/>
+          <p:nvPr/>
+        </p:nvSpPr>
+        <p:spPr>
+          <a:xfrm>
+            <a:off x="5594383" y="1737453"/>
+            <a:ext cx="1017394" cy="276999"/>
+          </a:xfrm>
+          <a:prstGeom prst="rect">
+            <a:avLst/>
+          </a:prstGeom>
+          <a:noFill/>
+        </p:spPr>
+        <p:txBody>
+          <a:bodyPr wrap="none" rtlCol="0">
+            <a:spAutoFit/>
+          </a:bodyPr>
+          <a:lstStyle/>
+          <a:p>
+            <a:pPr algn="ctr"/>
+            <a:r>
+              <a:rPr kumimoji="1" lang="en-US" altLang="ko-KR" sz="1200" dirty="0">
+                <a:solidFill>
+                  <a:schemeClr val="bg1">
+                    <a:lumMod val="75000"/>
+                  </a:schemeClr>
+                </a:solidFill>
+              </a:rPr>
+              <a:t>Layer Name</a:t>
+            </a:r>
+            <a:endParaRPr kumimoji="1" lang="ko-KR" altLang="en-US" sz="1200" dirty="0">
+              <a:solidFill>
+                <a:schemeClr val="bg1">
+                  <a:lumMod val="75000"/>
+                </a:schemeClr>
+              </a:solidFill>
+            </a:endParaRPr>
+          </a:p>
+        </p:txBody>
+      </p:sp>
+      <p:sp>
+        <p:nvSpPr>
+          <p:cNvPr id="24" name="TextBox 23">
+            <a:extLst>
+              <a:ext uri="{FF2B5EF4-FFF2-40B4-BE49-F238E27FC236}">
+                <a16:creationId xmlns:a16="http://schemas.microsoft.com/office/drawing/2014/main" xmlns="" id="{A981D1E3-3D90-3247-975C-84C640002CD1}"/>
+              </a:ext>
+            </a:extLst>
+          </p:cNvPr>
+          <p:cNvSpPr txBox="1"/>
+          <p:nvPr/>
+        </p:nvSpPr>
+        <p:spPr>
+          <a:xfrm>
+            <a:off x="5695894" y="836828"/>
+            <a:ext cx="800219" cy="338554"/>
+          </a:xfrm>
+          <a:prstGeom prst="rect">
+            <a:avLst/>
+          </a:prstGeom>
+          <a:noFill/>
+        </p:spPr>
+        <p:txBody>
+          <a:bodyPr wrap="none" rtlCol="0">
+            <a:spAutoFit/>
+          </a:bodyPr>
+          <a:lstStyle/>
+          <a:p>
+            <a:pPr algn="ctr"/>
+            <a:r>
               <a:rPr kumimoji="1" lang="ko-KR" altLang="en-US" sz="1600" b="1" dirty="0"/>
               <a:t>활빈당</a:t>
             </a:r>
-            <a:endParaRPr kumimoji="1" lang="en-US" altLang="ko-KR" sz="1600" b="1" dirty="0"/>
-          </a:p>
-          <a:p>
-            <a:pPr algn="ctr"/>
-            <a:r>
-              <a:rPr kumimoji="1" lang="ko-KR" altLang="en-US" sz="1600" b="1" dirty="0"/>
-              <a:t>입장</a:t>
-            </a:r>
-          </a:p>
-        </p:txBody>
-      </p:sp>
-      <p:sp>
-        <p:nvSpPr>
-          <p:cNvPr id="16" name="모서리가 둥근 직사각형 15">
-            <a:extLst>
-              <a:ext uri="{FF2B5EF4-FFF2-40B4-BE49-F238E27FC236}">
-                <a16:creationId xmlns:a16="http://schemas.microsoft.com/office/drawing/2014/main" xmlns="" id="{01A6D671-79C6-4C4A-AE77-03D0B7A9C7D5}"/>
+          </a:p>
+        </p:txBody>
+      </p:sp>
+      <p:sp>
+        <p:nvSpPr>
+          <p:cNvPr id="32" name="모서리가 둥근 직사각형 31">
+            <a:extLst>
+              <a:ext uri="{FF2B5EF4-FFF2-40B4-BE49-F238E27FC236}">
+                <a16:creationId xmlns:a16="http://schemas.microsoft.com/office/drawing/2014/main" xmlns="" id="{B59F14F9-9C33-A149-BB80-3F36949E7F3B}"/>
               </a:ext>
             </a:extLst>
           </p:cNvPr>
@@ -6061,7 +7311,7 @@
         </p:nvSpPr>
         <p:spPr>
           <a:xfrm>
-            <a:off x="5171838" y="2490570"/>
+            <a:off x="5178918" y="2148741"/>
             <a:ext cx="1848323" cy="234616"/>
           </a:xfrm>
           <a:prstGeom prst="roundRect">
@@ -6114,7 +7364,7 @@
                   </a:schemeClr>
                 </a:solidFill>
               </a:rPr>
-              <a:t>Password</a:t>
+              <a:t>Currency</a:t>
             </a:r>
             <a:endParaRPr kumimoji="1" lang="ko-KR" altLang="en-US" sz="1000" dirty="0">
               <a:solidFill>
@@ -6128,10 +7378,10 @@
       </p:sp>
       <p:sp>
         <p:nvSpPr>
-          <p:cNvPr id="17" name="모서리가 둥근 직사각형 16">
-            <a:extLst>
-              <a:ext uri="{FF2B5EF4-FFF2-40B4-BE49-F238E27FC236}">
-                <a16:creationId xmlns:a16="http://schemas.microsoft.com/office/drawing/2014/main" xmlns="" id="{09C1CA4A-D32A-EF40-8921-7271B583A07F}"/>
+          <p:cNvPr id="22" name="직사각형 21">
+            <a:extLst>
+              <a:ext uri="{FF2B5EF4-FFF2-40B4-BE49-F238E27FC236}">
+                <a16:creationId xmlns:a16="http://schemas.microsoft.com/office/drawing/2014/main" xmlns="" id="{1DF4C30D-B860-CF42-A2D2-8933EF262E6F}"/>
               </a:ext>
             </a:extLst>
           </p:cNvPr>
@@ -6140,145 +7390,8 @@
         </p:nvSpPr>
         <p:spPr>
           <a:xfrm>
-            <a:off x="5171838" y="2185770"/>
-            <a:ext cx="1848323" cy="234616"/>
-          </a:xfrm>
-          <a:prstGeom prst="roundRect">
-            <a:avLst>
-              <a:gd name="adj" fmla="val 12230"/>
-            </a:avLst>
-          </a:prstGeom>
-          <a:solidFill>
-            <a:srgbClr val="F6F6F6"/>
-          </a:solidFill>
-          <a:ln>
-            <a:solidFill>
-              <a:schemeClr val="bg1">
-                <a:lumMod val="75000"/>
-              </a:schemeClr>
-            </a:solidFill>
-          </a:ln>
-        </p:spPr>
-        <p:style>
-          <a:lnRef idx="2">
-            <a:schemeClr val="accent1">
-              <a:shade val="50000"/>
-            </a:schemeClr>
-          </a:lnRef>
-          <a:fillRef idx="1">
-            <a:schemeClr val="accent1"/>
-          </a:fillRef>
-          <a:effectRef idx="0">
-            <a:schemeClr val="accent1"/>
-          </a:effectRef>
-          <a:fontRef idx="minor">
-            <a:schemeClr val="lt1"/>
-          </a:fontRef>
-        </p:style>
-        <p:txBody>
-          <a:bodyPr rot="0" spcFirstLastPara="0" vertOverflow="overflow" horzOverflow="overflow" vert="horz" wrap="square" lIns="91440" tIns="45720" rIns="91440" bIns="45720" numCol="1" spcCol="0" rtlCol="0" fromWordArt="0" anchor="ctr" anchorCtr="0" forceAA="0" compatLnSpc="1">
-            <a:prstTxWarp prst="textNoShape">
-              <a:avLst/>
-            </a:prstTxWarp>
-            <a:noAutofit/>
-          </a:bodyPr>
-          <a:lstStyle/>
-          <a:p>
-            <a:pPr algn="ctr"/>
-            <a:r>
-              <a:rPr kumimoji="1" lang="en-US" altLang="ko-KR" sz="1000" dirty="0">
-                <a:solidFill>
-                  <a:schemeClr val="bg1">
-                    <a:lumMod val="50000"/>
-                  </a:schemeClr>
-                </a:solidFill>
-              </a:rPr>
-              <a:t>Username</a:t>
-            </a:r>
-            <a:endParaRPr kumimoji="1" lang="ko-KR" altLang="en-US" sz="1000" dirty="0">
-              <a:solidFill>
-                <a:schemeClr val="bg1">
-                  <a:lumMod val="50000"/>
-                </a:schemeClr>
-              </a:solidFill>
-            </a:endParaRPr>
-          </a:p>
-        </p:txBody>
-      </p:sp>
-      <p:sp>
-        <p:nvSpPr>
-          <p:cNvPr id="18" name="TextBox 17">
-            <a:extLst>
-              <a:ext uri="{FF2B5EF4-FFF2-40B4-BE49-F238E27FC236}">
-                <a16:creationId xmlns:a16="http://schemas.microsoft.com/office/drawing/2014/main" xmlns="" id="{64FA5B03-79E4-524D-960A-19138A7FD148}"/>
-              </a:ext>
-            </a:extLst>
-          </p:cNvPr>
-          <p:cNvSpPr txBox="1"/>
-          <p:nvPr/>
-        </p:nvSpPr>
-        <p:spPr>
-          <a:xfrm>
-            <a:off x="5525535" y="4131895"/>
-            <a:ext cx="1141659" cy="253916"/>
-          </a:xfrm>
-          <a:prstGeom prst="rect">
-            <a:avLst/>
-          </a:prstGeom>
-          <a:noFill/>
-        </p:spPr>
-        <p:txBody>
-          <a:bodyPr wrap="none" rtlCol="0">
-            <a:spAutoFit/>
-          </a:bodyPr>
-          <a:lstStyle/>
-          <a:p>
-            <a:r>
-              <a:rPr kumimoji="1" lang="en-US" altLang="ko-KR" sz="1050" dirty="0">
-                <a:solidFill>
-                  <a:schemeClr val="bg1">
-                    <a:lumMod val="50000"/>
-                  </a:schemeClr>
-                </a:solidFill>
-              </a:rPr>
-              <a:t>@ </a:t>
-            </a:r>
-            <a:r>
-              <a:rPr kumimoji="1" lang="en-US" altLang="ko-KR" sz="1050" dirty="0" err="1">
-                <a:solidFill>
-                  <a:schemeClr val="bg1">
-                    <a:lumMod val="50000"/>
-                  </a:schemeClr>
-                </a:solidFill>
-              </a:rPr>
-              <a:t>about_JCube</a:t>
-            </a:r>
-            <a:endParaRPr kumimoji="1" lang="en-US" altLang="ko-KR" sz="1050" dirty="0">
-              <a:solidFill>
-                <a:schemeClr val="bg1">
-                  <a:lumMod val="50000"/>
-                </a:schemeClr>
-              </a:solidFill>
-            </a:endParaRPr>
-          </a:p>
-        </p:txBody>
-      </p:sp>
-      <p:sp>
-        <p:nvSpPr>
-          <p:cNvPr id="20" name="직사각형 19">
-            <a:extLst>
-              <a:ext uri="{FF2B5EF4-FFF2-40B4-BE49-F238E27FC236}">
-                <a16:creationId xmlns:a16="http://schemas.microsoft.com/office/drawing/2014/main" xmlns="" id="{0E76A8CE-9DC1-A14E-991E-0850C142A1F5}"/>
-              </a:ext>
-            </a:extLst>
-          </p:cNvPr>
-          <p:cNvSpPr/>
-          <p:nvPr/>
-        </p:nvSpPr>
-        <p:spPr>
-          <a:xfrm>
-            <a:off x="4894025" y="4519769"/>
-            <a:ext cx="2403951" cy="722021"/>
+            <a:off x="4901105" y="5693037"/>
+            <a:ext cx="2403951" cy="489240"/>
           </a:xfrm>
           <a:prstGeom prst="rect">
             <a:avLst/>
@@ -6315,7 +7428,7 @@
           <a:lstStyle/>
           <a:p>
             <a:pPr algn="ctr"/>
-            <a:endParaRPr kumimoji="1" lang="ko-KR" altLang="en-US" dirty="0"/>
+            <a:endParaRPr kumimoji="1" lang="ko-KR" altLang="en-US"/>
           </a:p>
         </p:txBody>
       </p:sp>
@@ -6324,7 +7437,7 @@
           <p:cNvPr id="23" name="모서리가 둥근 직사각형 22">
             <a:extLst>
               <a:ext uri="{FF2B5EF4-FFF2-40B4-BE49-F238E27FC236}">
-                <a16:creationId xmlns:a16="http://schemas.microsoft.com/office/drawing/2014/main" xmlns="" id="{3EA0C1BB-7DFA-4746-99C8-64EED33E39BD}"/>
+                <a16:creationId xmlns:a16="http://schemas.microsoft.com/office/drawing/2014/main" xmlns="" id="{A63988F2-FAC3-5045-8EA4-4720DBA24757}"/>
               </a:ext>
             </a:extLst>
           </p:cNvPr>
@@ -6333,8 +7446,8 @@
         </p:nvSpPr>
         <p:spPr>
           <a:xfrm>
-            <a:off x="5171838" y="4724642"/>
-            <a:ext cx="1848323" cy="312275"/>
+            <a:off x="5178918" y="5824538"/>
+            <a:ext cx="1848323" cy="234616"/>
           </a:xfrm>
           <a:prstGeom prst="roundRect">
             <a:avLst>
@@ -6342,11 +7455,11 @@
             </a:avLst>
           </a:prstGeom>
           <a:solidFill>
-            <a:srgbClr val="00A5FA"/>
+            <a:srgbClr val="FF0000"/>
           </a:solidFill>
           <a:ln>
             <a:solidFill>
-              <a:srgbClr val="00B0F0"/>
+              <a:srgbClr val="FF4F48"/>
             </a:solidFill>
           </a:ln>
         </p:spPr>
@@ -6377,20 +7490,326 @@
           <a:p>
             <a:pPr algn="ctr"/>
             <a:r>
-              <a:rPr kumimoji="1" lang="ko-KR" altLang="en-US" sz="1000" b="1" dirty="0">
+              <a:rPr kumimoji="1" lang="ko-KR" altLang="en-US" sz="1000" dirty="0">
                 <a:solidFill>
                   <a:schemeClr val="bg1"/>
                 </a:solidFill>
               </a:rPr>
-              <a:t>비회원 입장</a:t>
-            </a:r>
+              <a:t>방 삭제</a:t>
+            </a:r>
+          </a:p>
+        </p:txBody>
+      </p:sp>
+      <p:sp>
+        <p:nvSpPr>
+          <p:cNvPr id="8" name="타원 7">
+            <a:extLst>
+              <a:ext uri="{FF2B5EF4-FFF2-40B4-BE49-F238E27FC236}">
+                <a16:creationId xmlns:a16="http://schemas.microsoft.com/office/drawing/2014/main" xmlns="" id="{17CBA615-565C-AB45-868B-9C6119032236}"/>
+              </a:ext>
+            </a:extLst>
+          </p:cNvPr>
+          <p:cNvSpPr/>
+          <p:nvPr/>
+        </p:nvSpPr>
+        <p:spPr>
+          <a:xfrm>
+            <a:off x="6892004" y="4225921"/>
+            <a:ext cx="121754" cy="121754"/>
+          </a:xfrm>
+          <a:prstGeom prst="ellipse">
+            <a:avLst/>
+          </a:prstGeom>
+          <a:solidFill>
+            <a:srgbClr val="00B0F0"/>
+          </a:solidFill>
+          <a:ln>
+            <a:noFill/>
+          </a:ln>
+        </p:spPr>
+        <p:style>
+          <a:lnRef idx="2">
+            <a:schemeClr val="accent1">
+              <a:shade val="50000"/>
+            </a:schemeClr>
+          </a:lnRef>
+          <a:fillRef idx="1">
+            <a:schemeClr val="accent1"/>
+          </a:fillRef>
+          <a:effectRef idx="0">
+            <a:schemeClr val="accent1"/>
+          </a:effectRef>
+          <a:fontRef idx="minor">
+            <a:schemeClr val="lt1"/>
+          </a:fontRef>
+        </p:style>
+        <p:txBody>
+          <a:bodyPr rtlCol="0" anchor="ctr"/>
+          <a:lstStyle/>
+          <a:p>
+            <a:pPr algn="ctr"/>
+            <a:endParaRPr kumimoji="1" lang="ko-KR" altLang="en-US"/>
+          </a:p>
+        </p:txBody>
+      </p:sp>
+      <p:sp>
+        <p:nvSpPr>
+          <p:cNvPr id="42" name="자유형 41">
+            <a:extLst>
+              <a:ext uri="{FF2B5EF4-FFF2-40B4-BE49-F238E27FC236}">
+                <a16:creationId xmlns:a16="http://schemas.microsoft.com/office/drawing/2014/main" xmlns="" id="{D118E58B-320B-8847-9091-5DBE4CFBE0D7}"/>
+              </a:ext>
+            </a:extLst>
+          </p:cNvPr>
+          <p:cNvSpPr/>
+          <p:nvPr/>
+        </p:nvSpPr>
+        <p:spPr>
+          <a:xfrm rot="13405530">
+            <a:off x="6484005" y="916556"/>
+            <a:ext cx="43065" cy="210710"/>
+          </a:xfrm>
+          <a:custGeom>
+            <a:avLst/>
+            <a:gdLst>
+              <a:gd name="connsiteX0" fmla="*/ 0 w 1060704"/>
+              <a:gd name="connsiteY0" fmla="*/ 5330311 h 5708910"/>
+              <a:gd name="connsiteX1" fmla="*/ 1060704 w 1060704"/>
+              <a:gd name="connsiteY1" fmla="*/ 5330311 h 5708910"/>
+              <a:gd name="connsiteX2" fmla="*/ 1060704 w 1060704"/>
+              <a:gd name="connsiteY2" fmla="*/ 5708910 h 5708910"/>
+              <a:gd name="connsiteX3" fmla="*/ 0 w 1060704"/>
+              <a:gd name="connsiteY3" fmla="*/ 5708910 h 5708910"/>
+              <a:gd name="connsiteX4" fmla="*/ 0 w 1060704"/>
+              <a:gd name="connsiteY4" fmla="*/ 1164371 h 5708910"/>
+              <a:gd name="connsiteX5" fmla="*/ 1060704 w 1060704"/>
+              <a:gd name="connsiteY5" fmla="*/ 1164371 h 5708910"/>
+              <a:gd name="connsiteX6" fmla="*/ 1060704 w 1060704"/>
+              <a:gd name="connsiteY6" fmla="*/ 5084090 h 5708910"/>
+              <a:gd name="connsiteX7" fmla="*/ 0 w 1060704"/>
+              <a:gd name="connsiteY7" fmla="*/ 5084090 h 5708910"/>
+              <a:gd name="connsiteX8" fmla="*/ 530352 w 1060704"/>
+              <a:gd name="connsiteY8" fmla="*/ 0 h 5708910"/>
+              <a:gd name="connsiteX9" fmla="*/ 1060704 w 1060704"/>
+              <a:gd name="connsiteY9" fmla="*/ 914400 h 5708910"/>
+              <a:gd name="connsiteX10" fmla="*/ 0 w 1060704"/>
+              <a:gd name="connsiteY10" fmla="*/ 914400 h 5708910"/>
+            </a:gdLst>
+            <a:ahLst/>
+            <a:cxnLst>
+              <a:cxn ang="0">
+                <a:pos x="connsiteX0" y="connsiteY0"/>
+              </a:cxn>
+              <a:cxn ang="0">
+                <a:pos x="connsiteX1" y="connsiteY1"/>
+              </a:cxn>
+              <a:cxn ang="0">
+                <a:pos x="connsiteX2" y="connsiteY2"/>
+              </a:cxn>
+              <a:cxn ang="0">
+                <a:pos x="connsiteX3" y="connsiteY3"/>
+              </a:cxn>
+              <a:cxn ang="0">
+                <a:pos x="connsiteX4" y="connsiteY4"/>
+              </a:cxn>
+              <a:cxn ang="0">
+                <a:pos x="connsiteX5" y="connsiteY5"/>
+              </a:cxn>
+              <a:cxn ang="0">
+                <a:pos x="connsiteX6" y="connsiteY6"/>
+              </a:cxn>
+              <a:cxn ang="0">
+                <a:pos x="connsiteX7" y="connsiteY7"/>
+              </a:cxn>
+              <a:cxn ang="0">
+                <a:pos x="connsiteX8" y="connsiteY8"/>
+              </a:cxn>
+              <a:cxn ang="0">
+                <a:pos x="connsiteX9" y="connsiteY9"/>
+              </a:cxn>
+              <a:cxn ang="0">
+                <a:pos x="connsiteX10" y="connsiteY10"/>
+              </a:cxn>
+            </a:cxnLst>
+            <a:rect l="l" t="t" r="r" b="b"/>
+            <a:pathLst>
+              <a:path w="1060704" h="5708910">
+                <a:moveTo>
+                  <a:pt x="0" y="5330311"/>
+                </a:moveTo>
+                <a:lnTo>
+                  <a:pt x="1060704" y="5330311"/>
+                </a:lnTo>
+                <a:lnTo>
+                  <a:pt x="1060704" y="5708910"/>
+                </a:lnTo>
+                <a:lnTo>
+                  <a:pt x="0" y="5708910"/>
+                </a:lnTo>
+                <a:close/>
+                <a:moveTo>
+                  <a:pt x="0" y="1164371"/>
+                </a:moveTo>
+                <a:lnTo>
+                  <a:pt x="1060704" y="1164371"/>
+                </a:lnTo>
+                <a:lnTo>
+                  <a:pt x="1060704" y="5084090"/>
+                </a:lnTo>
+                <a:lnTo>
+                  <a:pt x="0" y="5084090"/>
+                </a:lnTo>
+                <a:close/>
+                <a:moveTo>
+                  <a:pt x="530352" y="0"/>
+                </a:moveTo>
+                <a:lnTo>
+                  <a:pt x="1060704" y="914400"/>
+                </a:lnTo>
+                <a:lnTo>
+                  <a:pt x="0" y="914400"/>
+                </a:lnTo>
+                <a:close/>
+              </a:path>
+            </a:pathLst>
+          </a:custGeom>
+          <a:solidFill>
+            <a:schemeClr val="tx1">
+              <a:lumMod val="50000"/>
+              <a:lumOff val="50000"/>
+            </a:schemeClr>
+          </a:solidFill>
+          <a:ln>
+            <a:noFill/>
+          </a:ln>
+        </p:spPr>
+        <p:style>
+          <a:lnRef idx="2">
+            <a:schemeClr val="accent1">
+              <a:shade val="50000"/>
+            </a:schemeClr>
+          </a:lnRef>
+          <a:fillRef idx="1">
+            <a:schemeClr val="accent1"/>
+          </a:fillRef>
+          <a:effectRef idx="0">
+            <a:schemeClr val="accent1"/>
+          </a:effectRef>
+          <a:fontRef idx="minor">
+            <a:schemeClr val="lt1"/>
+          </a:fontRef>
+        </p:style>
+        <p:txBody>
+          <a:bodyPr rtlCol="0" anchor="ctr"/>
+          <a:lstStyle/>
+          <a:p>
+            <a:pPr algn="ctr"/>
+            <a:endParaRPr kumimoji="1" lang="ko-KR" altLang="en-US"/>
+          </a:p>
+        </p:txBody>
+      </p:sp>
+      <p:sp>
+        <p:nvSpPr>
+          <p:cNvPr id="30" name="TextBox 29">
+            <a:extLst>
+              <a:ext uri="{FF2B5EF4-FFF2-40B4-BE49-F238E27FC236}">
+                <a16:creationId xmlns:a16="http://schemas.microsoft.com/office/drawing/2014/main" xmlns="" id="{001529B2-C00D-4D4F-BEB9-70140837CDB4}"/>
+              </a:ext>
+            </a:extLst>
+          </p:cNvPr>
+          <p:cNvSpPr txBox="1"/>
+          <p:nvPr/>
+        </p:nvSpPr>
+        <p:spPr>
+          <a:xfrm>
+            <a:off x="5754268" y="6299817"/>
+            <a:ext cx="697627" cy="246221"/>
+          </a:xfrm>
+          <a:prstGeom prst="rect">
+            <a:avLst/>
+          </a:prstGeom>
+          <a:noFill/>
+        </p:spPr>
+        <p:txBody>
+          <a:bodyPr wrap="none" rtlCol="0">
+            <a:spAutoFit/>
+          </a:bodyPr>
+          <a:lstStyle/>
+          <a:p>
+            <a:pPr algn="ctr"/>
+            <a:r>
+              <a:rPr kumimoji="1" lang="ko-KR" altLang="en-US" sz="1000" dirty="0">
+                <a:solidFill>
+                  <a:srgbClr val="00B0F0"/>
+                </a:solidFill>
+              </a:rPr>
+              <a:t>로그아웃</a:t>
+            </a:r>
+          </a:p>
+        </p:txBody>
+      </p:sp>
+      <p:sp>
+        <p:nvSpPr>
+          <p:cNvPr id="31" name="TextBox 30">
+            <a:extLst>
+              <a:ext uri="{FF2B5EF4-FFF2-40B4-BE49-F238E27FC236}">
+                <a16:creationId xmlns:a16="http://schemas.microsoft.com/office/drawing/2014/main" xmlns="" id="{69074E22-F89C-A349-8330-71928693398F}"/>
+              </a:ext>
+            </a:extLst>
+          </p:cNvPr>
+          <p:cNvSpPr txBox="1"/>
+          <p:nvPr/>
+        </p:nvSpPr>
+        <p:spPr>
+          <a:xfrm>
+            <a:off x="5525535" y="6485507"/>
+            <a:ext cx="1141659" cy="253916"/>
+          </a:xfrm>
+          <a:prstGeom prst="rect">
+            <a:avLst/>
+          </a:prstGeom>
+          <a:noFill/>
+        </p:spPr>
+        <p:txBody>
+          <a:bodyPr wrap="none" rtlCol="0">
+            <a:spAutoFit/>
+          </a:bodyPr>
+          <a:lstStyle/>
+          <a:p>
+            <a:r>
+              <a:rPr kumimoji="1" lang="en-US" altLang="ko-KR" sz="1050" dirty="0">
+                <a:solidFill>
+                  <a:schemeClr val="bg1">
+                    <a:lumMod val="50000"/>
+                  </a:schemeClr>
+                </a:solidFill>
+              </a:rPr>
+              <a:t>@ </a:t>
+            </a:r>
+            <a:r>
+              <a:rPr kumimoji="1" lang="en-US" altLang="ko-KR" sz="1050" dirty="0" err="1">
+                <a:solidFill>
+                  <a:schemeClr val="bg1">
+                    <a:lumMod val="50000"/>
+                  </a:schemeClr>
+                </a:solidFill>
+              </a:rPr>
+              <a:t>about_JCube</a:t>
+            </a:r>
+            <a:endParaRPr kumimoji="1" lang="en-US" altLang="ko-KR" sz="1050" dirty="0">
+              <a:solidFill>
+                <a:schemeClr val="bg1">
+                  <a:lumMod val="50000"/>
+                </a:schemeClr>
+              </a:solidFill>
+            </a:endParaRPr>
           </a:p>
         </p:txBody>
       </p:sp>
     </p:spTree>
     <p:extLst>
       <p:ext uri="{BB962C8B-B14F-4D97-AF65-F5344CB8AC3E}">
-        <p14:creationId xmlns:p14="http://schemas.microsoft.com/office/powerpoint/2010/main" val="2207132643"/>
+        <p14:creationId xmlns:p14="http://schemas.microsoft.com/office/powerpoint/2010/main" val="3091943180"/>
       </p:ext>
     </p:extLst>
   </p:cSld>
@@ -6419,10 +7838,10 @@
       </p:grpSpPr>
       <p:sp>
         <p:nvSpPr>
-          <p:cNvPr id="22" name="직사각형 21">
-            <a:extLst>
-              <a:ext uri="{FF2B5EF4-FFF2-40B4-BE49-F238E27FC236}">
-                <a16:creationId xmlns:a16="http://schemas.microsoft.com/office/drawing/2014/main" xmlns="" id="{67DAD890-3198-BA45-93A2-9FC369045AAE}"/>
+          <p:cNvPr id="4" name="직사각형 3">
+            <a:extLst>
+              <a:ext uri="{FF2B5EF4-FFF2-40B4-BE49-F238E27FC236}">
+                <a16:creationId xmlns:a16="http://schemas.microsoft.com/office/drawing/2014/main" xmlns="" id="{EA2D8D37-742E-EF4A-A579-D4FCE47462A2}"/>
               </a:ext>
             </a:extLst>
           </p:cNvPr>
@@ -6475,10 +7894,66 @@
       </p:sp>
       <p:sp>
         <p:nvSpPr>
-          <p:cNvPr id="23" name="TextBox 22">
-            <a:extLst>
-              <a:ext uri="{FF2B5EF4-FFF2-40B4-BE49-F238E27FC236}">
-                <a16:creationId xmlns:a16="http://schemas.microsoft.com/office/drawing/2014/main" xmlns="" id="{0A800E18-9E00-4141-8070-3B6B1C9ADF94}"/>
+          <p:cNvPr id="5" name="직사각형 4">
+            <a:extLst>
+              <a:ext uri="{FF2B5EF4-FFF2-40B4-BE49-F238E27FC236}">
+                <a16:creationId xmlns:a16="http://schemas.microsoft.com/office/drawing/2014/main" xmlns="" id="{263AF4BD-43FD-F444-9213-EF34F45DC1F1}"/>
+              </a:ext>
+            </a:extLst>
+          </p:cNvPr>
+          <p:cNvSpPr/>
+          <p:nvPr/>
+        </p:nvSpPr>
+        <p:spPr>
+          <a:xfrm>
+            <a:off x="4894025" y="3716313"/>
+            <a:ext cx="2403951" cy="722021"/>
+          </a:xfrm>
+          <a:prstGeom prst="rect">
+            <a:avLst/>
+          </a:prstGeom>
+          <a:solidFill>
+            <a:schemeClr val="bg1"/>
+          </a:solidFill>
+          <a:ln>
+            <a:solidFill>
+              <a:schemeClr val="bg1">
+                <a:lumMod val="75000"/>
+              </a:schemeClr>
+            </a:solidFill>
+          </a:ln>
+        </p:spPr>
+        <p:style>
+          <a:lnRef idx="2">
+            <a:schemeClr val="accent1">
+              <a:shade val="50000"/>
+            </a:schemeClr>
+          </a:lnRef>
+          <a:fillRef idx="1">
+            <a:schemeClr val="accent1"/>
+          </a:fillRef>
+          <a:effectRef idx="0">
+            <a:schemeClr val="accent1"/>
+          </a:effectRef>
+          <a:fontRef idx="minor">
+            <a:schemeClr val="lt1"/>
+          </a:fontRef>
+        </p:style>
+        <p:txBody>
+          <a:bodyPr rtlCol="0" anchor="ctr"/>
+          <a:lstStyle/>
+          <a:p>
+            <a:pPr algn="ctr"/>
+            <a:endParaRPr kumimoji="1" lang="ko-KR" altLang="en-US" dirty="0"/>
+          </a:p>
+        </p:txBody>
+      </p:sp>
+      <p:sp>
+        <p:nvSpPr>
+          <p:cNvPr id="7" name="TextBox 6">
+            <a:extLst>
+              <a:ext uri="{FF2B5EF4-FFF2-40B4-BE49-F238E27FC236}">
+                <a16:creationId xmlns:a16="http://schemas.microsoft.com/office/drawing/2014/main" xmlns="" id="{71C06810-FA81-E844-8CB0-A63915BE67EA}"/>
               </a:ext>
             </a:extLst>
           </p:cNvPr>
@@ -6487,8 +7962,8 @@
         </p:nvSpPr>
         <p:spPr>
           <a:xfrm>
-            <a:off x="5695893" y="1465272"/>
-            <a:ext cx="800219" cy="584775"/>
+            <a:off x="5080205" y="3890953"/>
+            <a:ext cx="2045753" cy="246221"/>
           </a:xfrm>
           <a:prstGeom prst="rect">
             <a:avLst/>
@@ -6503,6 +7978,166 @@
           <a:p>
             <a:pPr algn="ctr"/>
             <a:r>
+              <a:rPr kumimoji="1" lang="ko-KR" altLang="en-US" sz="1000" dirty="0"/>
+              <a:t>계정을 만들고 싶다면</a:t>
+            </a:r>
+            <a:r>
+              <a:rPr kumimoji="1" lang="en-US" altLang="ko-KR" sz="1000" dirty="0"/>
+              <a:t>?</a:t>
+            </a:r>
+            <a:r>
+              <a:rPr kumimoji="1" lang="ko-KR" altLang="en-US" sz="1000" dirty="0"/>
+              <a:t> </a:t>
+            </a:r>
+            <a:r>
+              <a:rPr kumimoji="1" lang="ko-KR" altLang="en-US" sz="1000" dirty="0">
+                <a:solidFill>
+                  <a:srgbClr val="00B0F0"/>
+                </a:solidFill>
+              </a:rPr>
+              <a:t>회원가입</a:t>
+            </a:r>
+          </a:p>
+        </p:txBody>
+      </p:sp>
+      <p:sp>
+        <p:nvSpPr>
+          <p:cNvPr id="12" name="모서리가 둥근 직사각형 11">
+            <a:extLst>
+              <a:ext uri="{FF2B5EF4-FFF2-40B4-BE49-F238E27FC236}">
+                <a16:creationId xmlns:a16="http://schemas.microsoft.com/office/drawing/2014/main" xmlns="" id="{C5488FC6-282C-7148-82F7-288317848D5E}"/>
+              </a:ext>
+            </a:extLst>
+          </p:cNvPr>
+          <p:cNvSpPr/>
+          <p:nvPr/>
+        </p:nvSpPr>
+        <p:spPr>
+          <a:xfrm>
+            <a:off x="5171838" y="3122738"/>
+            <a:ext cx="1848323" cy="234616"/>
+          </a:xfrm>
+          <a:prstGeom prst="roundRect">
+            <a:avLst>
+              <a:gd name="adj" fmla="val 12230"/>
+            </a:avLst>
+          </a:prstGeom>
+          <a:solidFill>
+            <a:srgbClr val="00A5FA"/>
+          </a:solidFill>
+          <a:ln>
+            <a:solidFill>
+              <a:srgbClr val="00B0F0"/>
+            </a:solidFill>
+          </a:ln>
+        </p:spPr>
+        <p:style>
+          <a:lnRef idx="2">
+            <a:schemeClr val="accent1">
+              <a:shade val="50000"/>
+            </a:schemeClr>
+          </a:lnRef>
+          <a:fillRef idx="1">
+            <a:schemeClr val="accent1"/>
+          </a:fillRef>
+          <a:effectRef idx="0">
+            <a:schemeClr val="accent1"/>
+          </a:effectRef>
+          <a:fontRef idx="minor">
+            <a:schemeClr val="lt1"/>
+          </a:fontRef>
+        </p:style>
+        <p:txBody>
+          <a:bodyPr rot="0" spcFirstLastPara="0" vertOverflow="overflow" horzOverflow="overflow" vert="horz" wrap="square" lIns="91440" tIns="45720" rIns="91440" bIns="45720" numCol="1" spcCol="0" rtlCol="0" fromWordArt="0" anchor="ctr" anchorCtr="0" forceAA="0" compatLnSpc="1">
+            <a:prstTxWarp prst="textNoShape">
+              <a:avLst/>
+            </a:prstTxWarp>
+            <a:noAutofit/>
+          </a:bodyPr>
+          <a:lstStyle/>
+          <a:p>
+            <a:pPr algn="ctr"/>
+            <a:r>
+              <a:rPr kumimoji="1" lang="ko-KR" altLang="en-US" sz="1000" dirty="0">
+                <a:solidFill>
+                  <a:schemeClr val="bg1"/>
+                </a:solidFill>
+              </a:rPr>
+              <a:t>로그인</a:t>
+            </a:r>
+          </a:p>
+        </p:txBody>
+      </p:sp>
+      <p:sp>
+        <p:nvSpPr>
+          <p:cNvPr id="13" name="TextBox 12">
+            <a:extLst>
+              <a:ext uri="{FF2B5EF4-FFF2-40B4-BE49-F238E27FC236}">
+                <a16:creationId xmlns:a16="http://schemas.microsoft.com/office/drawing/2014/main" xmlns="" id="{852B469B-6110-9446-A9BB-C28049DB396C}"/>
+              </a:ext>
+            </a:extLst>
+          </p:cNvPr>
+          <p:cNvSpPr txBox="1"/>
+          <p:nvPr/>
+        </p:nvSpPr>
+        <p:spPr>
+          <a:xfrm>
+            <a:off x="6405385" y="2831354"/>
+            <a:ext cx="673582" cy="184666"/>
+          </a:xfrm>
+          <a:prstGeom prst="rect">
+            <a:avLst/>
+          </a:prstGeom>
+          <a:noFill/>
+        </p:spPr>
+        <p:txBody>
+          <a:bodyPr wrap="none" rtlCol="0">
+            <a:spAutoFit/>
+          </a:bodyPr>
+          <a:lstStyle/>
+          <a:p>
+            <a:pPr algn="ctr"/>
+            <a:r>
+              <a:rPr kumimoji="1" lang="ko-KR" altLang="en-US" sz="600" dirty="0">
+                <a:solidFill>
+                  <a:srgbClr val="00B0F0"/>
+                </a:solidFill>
+              </a:rPr>
+              <a:t>비밀번호 찾기</a:t>
+            </a:r>
+          </a:p>
+        </p:txBody>
+      </p:sp>
+      <p:sp>
+        <p:nvSpPr>
+          <p:cNvPr id="14" name="TextBox 13">
+            <a:extLst>
+              <a:ext uri="{FF2B5EF4-FFF2-40B4-BE49-F238E27FC236}">
+                <a16:creationId xmlns:a16="http://schemas.microsoft.com/office/drawing/2014/main" xmlns="" id="{5B516E62-67EC-1843-A453-45B117B38417}"/>
+              </a:ext>
+            </a:extLst>
+          </p:cNvPr>
+          <p:cNvSpPr txBox="1"/>
+          <p:nvPr/>
+        </p:nvSpPr>
+        <p:spPr>
+          <a:xfrm>
+            <a:off x="5695893" y="1465272"/>
+            <a:ext cx="800219" cy="584775"/>
+          </a:xfrm>
+          <a:prstGeom prst="rect">
+            <a:avLst/>
+          </a:prstGeom>
+          <a:noFill/>
+        </p:spPr>
+        <p:txBody>
+          <a:bodyPr wrap="none" rtlCol="0">
+            <a:spAutoFit/>
+          </a:bodyPr>
+          <a:lstStyle/>
+          <a:p>
+            <a:pPr algn="ctr"/>
+            <a:r>
               <a:rPr kumimoji="1" lang="ko-KR" altLang="en-US" sz="1600" b="1" dirty="0"/>
               <a:t>활빈당</a:t>
             </a:r>
@@ -6519,10 +8154,10 @@
       </p:sp>
       <p:sp>
         <p:nvSpPr>
-          <p:cNvPr id="10" name="모서리가 둥근 직사각형 9">
-            <a:extLst>
-              <a:ext uri="{FF2B5EF4-FFF2-40B4-BE49-F238E27FC236}">
-                <a16:creationId xmlns:a16="http://schemas.microsoft.com/office/drawing/2014/main" xmlns="" id="{C5146231-6C8A-1246-B88B-938550474F2E}"/>
+          <p:cNvPr id="16" name="모서리가 둥근 직사각형 15">
+            <a:extLst>
+              <a:ext uri="{FF2B5EF4-FFF2-40B4-BE49-F238E27FC236}">
+                <a16:creationId xmlns:a16="http://schemas.microsoft.com/office/drawing/2014/main" xmlns="" id="{01A6D671-79C6-4C4A-AE77-03D0B7A9C7D5}"/>
               </a:ext>
             </a:extLst>
           </p:cNvPr>
@@ -6531,7 +8166,7 @@
         </p:nvSpPr>
         <p:spPr>
           <a:xfrm>
-            <a:off x="5171838" y="2489791"/>
+            <a:off x="5171838" y="2490570"/>
             <a:ext cx="1848323" cy="234616"/>
           </a:xfrm>
           <a:prstGeom prst="roundRect">
@@ -6598,10 +8233,10 @@
       </p:sp>
       <p:sp>
         <p:nvSpPr>
-          <p:cNvPr id="11" name="모서리가 둥근 직사각형 10">
-            <a:extLst>
-              <a:ext uri="{FF2B5EF4-FFF2-40B4-BE49-F238E27FC236}">
-                <a16:creationId xmlns:a16="http://schemas.microsoft.com/office/drawing/2014/main" xmlns="" id="{431DDE67-59BE-C741-A92A-B9FDB6578F05}"/>
+          <p:cNvPr id="17" name="모서리가 둥근 직사각형 16">
+            <a:extLst>
+              <a:ext uri="{FF2B5EF4-FFF2-40B4-BE49-F238E27FC236}">
+                <a16:creationId xmlns:a16="http://schemas.microsoft.com/office/drawing/2014/main" xmlns="" id="{09C1CA4A-D32A-EF40-8921-7271B583A07F}"/>
               </a:ext>
             </a:extLst>
           </p:cNvPr>
@@ -6610,7 +8245,7 @@
         </p:nvSpPr>
         <p:spPr>
           <a:xfrm>
-            <a:off x="5171838" y="2184991"/>
+            <a:off x="5171838" y="2185770"/>
             <a:ext cx="1848323" cy="234616"/>
           </a:xfrm>
           <a:prstGeom prst="roundRect">
@@ -6677,10 +8312,68 @@
       </p:sp>
       <p:sp>
         <p:nvSpPr>
-          <p:cNvPr id="12" name="모서리가 둥근 직사각형 11">
-            <a:extLst>
-              <a:ext uri="{FF2B5EF4-FFF2-40B4-BE49-F238E27FC236}">
-                <a16:creationId xmlns:a16="http://schemas.microsoft.com/office/drawing/2014/main" xmlns="" id="{C5488FC6-282C-7148-82F7-288317848D5E}"/>
+          <p:cNvPr id="18" name="TextBox 17">
+            <a:extLst>
+              <a:ext uri="{FF2B5EF4-FFF2-40B4-BE49-F238E27FC236}">
+                <a16:creationId xmlns:a16="http://schemas.microsoft.com/office/drawing/2014/main" xmlns="" id="{64FA5B03-79E4-524D-960A-19138A7FD148}"/>
+              </a:ext>
+            </a:extLst>
+          </p:cNvPr>
+          <p:cNvSpPr txBox="1"/>
+          <p:nvPr/>
+        </p:nvSpPr>
+        <p:spPr>
+          <a:xfrm>
+            <a:off x="5525535" y="4131895"/>
+            <a:ext cx="1141659" cy="253916"/>
+          </a:xfrm>
+          <a:prstGeom prst="rect">
+            <a:avLst/>
+          </a:prstGeom>
+          <a:noFill/>
+        </p:spPr>
+        <p:txBody>
+          <a:bodyPr wrap="none" rtlCol="0">
+            <a:spAutoFit/>
+          </a:bodyPr>
+          <a:lstStyle/>
+          <a:p>
+            <a:r>
+              <a:rPr kumimoji="1" lang="en-US" altLang="ko-KR" sz="1050" dirty="0">
+                <a:solidFill>
+                  <a:schemeClr val="bg1">
+                    <a:lumMod val="50000"/>
+                  </a:schemeClr>
+                </a:solidFill>
+              </a:rPr>
+              <a:t>@ </a:t>
+            </a:r>
+            <a:r>
+              <a:rPr kumimoji="1" lang="en-US" altLang="ko-KR" sz="1050" dirty="0" err="1">
+                <a:solidFill>
+                  <a:schemeClr val="bg1">
+                    <a:lumMod val="50000"/>
+                  </a:schemeClr>
+                </a:solidFill>
+              </a:rPr>
+              <a:t>about_JCube</a:t>
+            </a:r>
+            <a:endParaRPr kumimoji="1" lang="en-US" altLang="ko-KR" sz="1050" dirty="0">
+              <a:solidFill>
+                <a:schemeClr val="bg1">
+                  <a:lumMod val="50000"/>
+                </a:schemeClr>
+              </a:solidFill>
+            </a:endParaRPr>
+          </a:p>
+        </p:txBody>
+      </p:sp>
+      <p:sp>
+        <p:nvSpPr>
+          <p:cNvPr id="20" name="직사각형 19">
+            <a:extLst>
+              <a:ext uri="{FF2B5EF4-FFF2-40B4-BE49-F238E27FC236}">
+                <a16:creationId xmlns:a16="http://schemas.microsoft.com/office/drawing/2014/main" xmlns="" id="{0E76A8CE-9DC1-A14E-991E-0850C142A1F5}"/>
               </a:ext>
             </a:extLst>
           </p:cNvPr>
@@ -6689,8 +8382,64 @@
         </p:nvSpPr>
         <p:spPr>
           <a:xfrm>
-            <a:off x="5171838" y="3121959"/>
-            <a:ext cx="1848323" cy="234616"/>
+            <a:off x="4894025" y="4519769"/>
+            <a:ext cx="2403951" cy="722021"/>
+          </a:xfrm>
+          <a:prstGeom prst="rect">
+            <a:avLst/>
+          </a:prstGeom>
+          <a:solidFill>
+            <a:schemeClr val="bg1"/>
+          </a:solidFill>
+          <a:ln>
+            <a:solidFill>
+              <a:schemeClr val="bg1">
+                <a:lumMod val="75000"/>
+              </a:schemeClr>
+            </a:solidFill>
+          </a:ln>
+        </p:spPr>
+        <p:style>
+          <a:lnRef idx="2">
+            <a:schemeClr val="accent1">
+              <a:shade val="50000"/>
+            </a:schemeClr>
+          </a:lnRef>
+          <a:fillRef idx="1">
+            <a:schemeClr val="accent1"/>
+          </a:fillRef>
+          <a:effectRef idx="0">
+            <a:schemeClr val="accent1"/>
+          </a:effectRef>
+          <a:fontRef idx="minor">
+            <a:schemeClr val="lt1"/>
+          </a:fontRef>
+        </p:style>
+        <p:txBody>
+          <a:bodyPr rtlCol="0" anchor="ctr"/>
+          <a:lstStyle/>
+          <a:p>
+            <a:pPr algn="ctr"/>
+            <a:endParaRPr kumimoji="1" lang="ko-KR" altLang="en-US" dirty="0"/>
+          </a:p>
+        </p:txBody>
+      </p:sp>
+      <p:sp>
+        <p:nvSpPr>
+          <p:cNvPr id="23" name="모서리가 둥근 직사각형 22">
+            <a:extLst>
+              <a:ext uri="{FF2B5EF4-FFF2-40B4-BE49-F238E27FC236}">
+                <a16:creationId xmlns:a16="http://schemas.microsoft.com/office/drawing/2014/main" xmlns="" id="{3EA0C1BB-7DFA-4746-99C8-64EED33E39BD}"/>
+              </a:ext>
+            </a:extLst>
+          </p:cNvPr>
+          <p:cNvSpPr/>
+          <p:nvPr/>
+        </p:nvSpPr>
+        <p:spPr>
+          <a:xfrm>
+            <a:off x="5171838" y="4724642"/>
+            <a:ext cx="1848323" cy="312275"/>
           </a:xfrm>
           <a:prstGeom prst="roundRect">
             <a:avLst>
@@ -6733,375 +8482,6 @@
           <a:p>
             <a:pPr algn="ctr"/>
             <a:r>
-              <a:rPr kumimoji="1" lang="ko-KR" altLang="en-US" sz="1000" dirty="0">
-                <a:solidFill>
-                  <a:schemeClr val="bg1"/>
-                </a:solidFill>
-              </a:rPr>
-              <a:t>로그인</a:t>
-            </a:r>
-          </a:p>
-        </p:txBody>
-      </p:sp>
-      <p:sp>
-        <p:nvSpPr>
-          <p:cNvPr id="17" name="모서리가 둥근 직사각형 16">
-            <a:extLst>
-              <a:ext uri="{FF2B5EF4-FFF2-40B4-BE49-F238E27FC236}">
-                <a16:creationId xmlns:a16="http://schemas.microsoft.com/office/drawing/2014/main" xmlns="" id="{E2BABE5E-2C5B-1544-9595-954E364F1BF3}"/>
-              </a:ext>
-            </a:extLst>
-          </p:cNvPr>
-          <p:cNvSpPr/>
-          <p:nvPr/>
-        </p:nvSpPr>
-        <p:spPr>
-          <a:xfrm>
-            <a:off x="5171838" y="2788037"/>
-            <a:ext cx="1848323" cy="234616"/>
-          </a:xfrm>
-          <a:prstGeom prst="roundRect">
-            <a:avLst>
-              <a:gd name="adj" fmla="val 12230"/>
-            </a:avLst>
-          </a:prstGeom>
-          <a:solidFill>
-            <a:srgbClr val="F6F6F6"/>
-          </a:solidFill>
-          <a:ln>
-            <a:solidFill>
-              <a:schemeClr val="bg1">
-                <a:lumMod val="75000"/>
-              </a:schemeClr>
-            </a:solidFill>
-          </a:ln>
-        </p:spPr>
-        <p:style>
-          <a:lnRef idx="2">
-            <a:schemeClr val="accent1">
-              <a:shade val="50000"/>
-            </a:schemeClr>
-          </a:lnRef>
-          <a:fillRef idx="1">
-            <a:schemeClr val="accent1"/>
-          </a:fillRef>
-          <a:effectRef idx="0">
-            <a:schemeClr val="accent1"/>
-          </a:effectRef>
-          <a:fontRef idx="minor">
-            <a:schemeClr val="lt1"/>
-          </a:fontRef>
-        </p:style>
-        <p:txBody>
-          <a:bodyPr rot="0" spcFirstLastPara="0" vertOverflow="overflow" horzOverflow="overflow" vert="horz" wrap="square" lIns="91440" tIns="45720" rIns="91440" bIns="45720" numCol="1" spcCol="0" rtlCol="0" fromWordArt="0" anchor="ctr" anchorCtr="0" forceAA="0" compatLnSpc="1">
-            <a:prstTxWarp prst="textNoShape">
-              <a:avLst/>
-            </a:prstTxWarp>
-            <a:noAutofit/>
-          </a:bodyPr>
-          <a:lstStyle/>
-          <a:p>
-            <a:pPr algn="ctr"/>
-            <a:r>
-              <a:rPr kumimoji="1" lang="en-US" altLang="ko-KR" sz="1000" dirty="0">
-                <a:solidFill>
-                  <a:schemeClr val="bg1">
-                    <a:lumMod val="50000"/>
-                  </a:schemeClr>
-                </a:solidFill>
-              </a:rPr>
-              <a:t>Confirm Password</a:t>
-            </a:r>
-            <a:endParaRPr kumimoji="1" lang="ko-KR" altLang="en-US" sz="1000" dirty="0">
-              <a:solidFill>
-                <a:schemeClr val="bg1">
-                  <a:lumMod val="50000"/>
-                </a:schemeClr>
-              </a:solidFill>
-            </a:endParaRPr>
-          </a:p>
-        </p:txBody>
-      </p:sp>
-      <p:sp>
-        <p:nvSpPr>
-          <p:cNvPr id="13" name="직사각형 12">
-            <a:extLst>
-              <a:ext uri="{FF2B5EF4-FFF2-40B4-BE49-F238E27FC236}">
-                <a16:creationId xmlns:a16="http://schemas.microsoft.com/office/drawing/2014/main" xmlns="" id="{C1198BDD-CC97-3E43-A063-3FFF1B53F206}"/>
-              </a:ext>
-            </a:extLst>
-          </p:cNvPr>
-          <p:cNvSpPr/>
-          <p:nvPr/>
-        </p:nvSpPr>
-        <p:spPr>
-          <a:xfrm>
-            <a:off x="4894025" y="3716313"/>
-            <a:ext cx="2403951" cy="722021"/>
-          </a:xfrm>
-          <a:prstGeom prst="rect">
-            <a:avLst/>
-          </a:prstGeom>
-          <a:solidFill>
-            <a:schemeClr val="bg1"/>
-          </a:solidFill>
-          <a:ln>
-            <a:solidFill>
-              <a:schemeClr val="bg1">
-                <a:lumMod val="75000"/>
-              </a:schemeClr>
-            </a:solidFill>
-          </a:ln>
-        </p:spPr>
-        <p:style>
-          <a:lnRef idx="2">
-            <a:schemeClr val="accent1">
-              <a:shade val="50000"/>
-            </a:schemeClr>
-          </a:lnRef>
-          <a:fillRef idx="1">
-            <a:schemeClr val="accent1"/>
-          </a:fillRef>
-          <a:effectRef idx="0">
-            <a:schemeClr val="accent1"/>
-          </a:effectRef>
-          <a:fontRef idx="minor">
-            <a:schemeClr val="lt1"/>
-          </a:fontRef>
-        </p:style>
-        <p:txBody>
-          <a:bodyPr rtlCol="0" anchor="ctr"/>
-          <a:lstStyle/>
-          <a:p>
-            <a:pPr algn="ctr"/>
-            <a:endParaRPr kumimoji="1" lang="ko-KR" altLang="en-US" dirty="0"/>
-          </a:p>
-        </p:txBody>
-      </p:sp>
-      <p:sp>
-        <p:nvSpPr>
-          <p:cNvPr id="14" name="TextBox 13">
-            <a:extLst>
-              <a:ext uri="{FF2B5EF4-FFF2-40B4-BE49-F238E27FC236}">
-                <a16:creationId xmlns:a16="http://schemas.microsoft.com/office/drawing/2014/main" xmlns="" id="{2D75EC22-FEC0-1C47-B79E-BF8D3F36BC3B}"/>
-              </a:ext>
-            </a:extLst>
-          </p:cNvPr>
-          <p:cNvSpPr txBox="1"/>
-          <p:nvPr/>
-        </p:nvSpPr>
-        <p:spPr>
-          <a:xfrm>
-            <a:off x="5080206" y="3890953"/>
-            <a:ext cx="2045753" cy="246221"/>
-          </a:xfrm>
-          <a:prstGeom prst="rect">
-            <a:avLst/>
-          </a:prstGeom>
-          <a:noFill/>
-        </p:spPr>
-        <p:txBody>
-          <a:bodyPr wrap="none" rtlCol="0">
-            <a:spAutoFit/>
-          </a:bodyPr>
-          <a:lstStyle/>
-          <a:p>
-            <a:pPr algn="ctr"/>
-            <a:r>
-              <a:rPr kumimoji="1" lang="ko-KR" altLang="en-US" sz="1000" dirty="0"/>
-              <a:t>있는 계정을 사용하려면</a:t>
-            </a:r>
-            <a:r>
-              <a:rPr kumimoji="1" lang="en-US" altLang="ko-KR" sz="1000" dirty="0"/>
-              <a:t>?</a:t>
-            </a:r>
-            <a:r>
-              <a:rPr kumimoji="1" lang="ko-KR" altLang="en-US" sz="1000" dirty="0"/>
-              <a:t> </a:t>
-            </a:r>
-            <a:r>
-              <a:rPr kumimoji="1" lang="ko-KR" altLang="en-US" sz="1000" dirty="0">
-                <a:solidFill>
-                  <a:srgbClr val="00B0F0"/>
-                </a:solidFill>
-              </a:rPr>
-              <a:t>로그인</a:t>
-            </a:r>
-          </a:p>
-        </p:txBody>
-      </p:sp>
-      <p:sp>
-        <p:nvSpPr>
-          <p:cNvPr id="15" name="TextBox 14">
-            <a:extLst>
-              <a:ext uri="{FF2B5EF4-FFF2-40B4-BE49-F238E27FC236}">
-                <a16:creationId xmlns:a16="http://schemas.microsoft.com/office/drawing/2014/main" xmlns="" id="{4B6ED008-8A6C-074B-B622-68BE2BA06CC7}"/>
-              </a:ext>
-            </a:extLst>
-          </p:cNvPr>
-          <p:cNvSpPr txBox="1"/>
-          <p:nvPr/>
-        </p:nvSpPr>
-        <p:spPr>
-          <a:xfrm>
-            <a:off x="5525535" y="4131895"/>
-            <a:ext cx="1141659" cy="253916"/>
-          </a:xfrm>
-          <a:prstGeom prst="rect">
-            <a:avLst/>
-          </a:prstGeom>
-          <a:noFill/>
-        </p:spPr>
-        <p:txBody>
-          <a:bodyPr wrap="none" rtlCol="0">
-            <a:spAutoFit/>
-          </a:bodyPr>
-          <a:lstStyle/>
-          <a:p>
-            <a:r>
-              <a:rPr kumimoji="1" lang="en-US" altLang="ko-KR" sz="1050" dirty="0">
-                <a:solidFill>
-                  <a:schemeClr val="bg1">
-                    <a:lumMod val="50000"/>
-                  </a:schemeClr>
-                </a:solidFill>
-              </a:rPr>
-              <a:t>@ </a:t>
-            </a:r>
-            <a:r>
-              <a:rPr kumimoji="1" lang="en-US" altLang="ko-KR" sz="1050" dirty="0" err="1">
-                <a:solidFill>
-                  <a:schemeClr val="bg1">
-                    <a:lumMod val="50000"/>
-                  </a:schemeClr>
-                </a:solidFill>
-              </a:rPr>
-              <a:t>about_JCube</a:t>
-            </a:r>
-            <a:endParaRPr kumimoji="1" lang="en-US" altLang="ko-KR" sz="1050" dirty="0">
-              <a:solidFill>
-                <a:schemeClr val="bg1">
-                  <a:lumMod val="50000"/>
-                </a:schemeClr>
-              </a:solidFill>
-            </a:endParaRPr>
-          </a:p>
-        </p:txBody>
-      </p:sp>
-      <p:sp>
-        <p:nvSpPr>
-          <p:cNvPr id="16" name="직사각형 15">
-            <a:extLst>
-              <a:ext uri="{FF2B5EF4-FFF2-40B4-BE49-F238E27FC236}">
-                <a16:creationId xmlns:a16="http://schemas.microsoft.com/office/drawing/2014/main" xmlns="" id="{C2A1CFDE-104A-6548-A6F5-86CCCD43C3C6}"/>
-              </a:ext>
-            </a:extLst>
-          </p:cNvPr>
-          <p:cNvSpPr/>
-          <p:nvPr/>
-        </p:nvSpPr>
-        <p:spPr>
-          <a:xfrm>
-            <a:off x="4894025" y="4519769"/>
-            <a:ext cx="2403951" cy="722021"/>
-          </a:xfrm>
-          <a:prstGeom prst="rect">
-            <a:avLst/>
-          </a:prstGeom>
-          <a:solidFill>
-            <a:schemeClr val="bg1"/>
-          </a:solidFill>
-          <a:ln>
-            <a:solidFill>
-              <a:schemeClr val="bg1">
-                <a:lumMod val="75000"/>
-              </a:schemeClr>
-            </a:solidFill>
-          </a:ln>
-        </p:spPr>
-        <p:style>
-          <a:lnRef idx="2">
-            <a:schemeClr val="accent1">
-              <a:shade val="50000"/>
-            </a:schemeClr>
-          </a:lnRef>
-          <a:fillRef idx="1">
-            <a:schemeClr val="accent1"/>
-          </a:fillRef>
-          <a:effectRef idx="0">
-            <a:schemeClr val="accent1"/>
-          </a:effectRef>
-          <a:fontRef idx="minor">
-            <a:schemeClr val="lt1"/>
-          </a:fontRef>
-        </p:style>
-        <p:txBody>
-          <a:bodyPr rtlCol="0" anchor="ctr"/>
-          <a:lstStyle/>
-          <a:p>
-            <a:pPr algn="ctr"/>
-            <a:endParaRPr kumimoji="1" lang="ko-KR" altLang="en-US" dirty="0"/>
-          </a:p>
-        </p:txBody>
-      </p:sp>
-      <p:sp>
-        <p:nvSpPr>
-          <p:cNvPr id="21" name="모서리가 둥근 직사각형 20">
-            <a:extLst>
-              <a:ext uri="{FF2B5EF4-FFF2-40B4-BE49-F238E27FC236}">
-                <a16:creationId xmlns:a16="http://schemas.microsoft.com/office/drawing/2014/main" xmlns="" id="{EA113DB3-6898-EF41-A8EF-F40F5C1C3CAA}"/>
-              </a:ext>
-            </a:extLst>
-          </p:cNvPr>
-          <p:cNvSpPr/>
-          <p:nvPr/>
-        </p:nvSpPr>
-        <p:spPr>
-          <a:xfrm>
-            <a:off x="5171838" y="4724642"/>
-            <a:ext cx="1848323" cy="312275"/>
-          </a:xfrm>
-          <a:prstGeom prst="roundRect">
-            <a:avLst>
-              <a:gd name="adj" fmla="val 12230"/>
-            </a:avLst>
-          </a:prstGeom>
-          <a:solidFill>
-            <a:srgbClr val="00A5FA"/>
-          </a:solidFill>
-          <a:ln>
-            <a:solidFill>
-              <a:srgbClr val="00B0F0"/>
-            </a:solidFill>
-          </a:ln>
-        </p:spPr>
-        <p:style>
-          <a:lnRef idx="2">
-            <a:schemeClr val="accent1">
-              <a:shade val="50000"/>
-            </a:schemeClr>
-          </a:lnRef>
-          <a:fillRef idx="1">
-            <a:schemeClr val="accent1"/>
-          </a:fillRef>
-          <a:effectRef idx="0">
-            <a:schemeClr val="accent1"/>
-          </a:effectRef>
-          <a:fontRef idx="minor">
-            <a:schemeClr val="lt1"/>
-          </a:fontRef>
-        </p:style>
-        <p:txBody>
-          <a:bodyPr rot="0" spcFirstLastPara="0" vertOverflow="overflow" horzOverflow="overflow" vert="horz" wrap="square" lIns="91440" tIns="45720" rIns="91440" bIns="45720" numCol="1" spcCol="0" rtlCol="0" fromWordArt="0" anchor="ctr" anchorCtr="0" forceAA="0" compatLnSpc="1">
-            <a:prstTxWarp prst="textNoShape">
-              <a:avLst/>
-            </a:prstTxWarp>
-            <a:noAutofit/>
-          </a:bodyPr>
-          <a:lstStyle/>
-          <a:p>
-            <a:pPr algn="ctr"/>
-            <a:r>
               <a:rPr kumimoji="1" lang="ko-KR" altLang="en-US" sz="1000" b="1" dirty="0">
                 <a:solidFill>
                   <a:schemeClr val="bg1"/>
@@ -7115,7 +8495,7 @@
     </p:spTree>
     <p:extLst>
       <p:ext uri="{BB962C8B-B14F-4D97-AF65-F5344CB8AC3E}">
-        <p14:creationId xmlns:p14="http://schemas.microsoft.com/office/powerpoint/2010/main" val="3964479482"/>
+        <p14:creationId xmlns:p14="http://schemas.microsoft.com/office/powerpoint/2010/main" val="2207132643"/>
       </p:ext>
     </p:extLst>
   </p:cSld>
@@ -7244,6 +8624,311 @@
       </p:sp>
       <p:sp>
         <p:nvSpPr>
+          <p:cNvPr id="10" name="모서리가 둥근 직사각형 9">
+            <a:extLst>
+              <a:ext uri="{FF2B5EF4-FFF2-40B4-BE49-F238E27FC236}">
+                <a16:creationId xmlns:a16="http://schemas.microsoft.com/office/drawing/2014/main" xmlns="" id="{C5146231-6C8A-1246-B88B-938550474F2E}"/>
+              </a:ext>
+            </a:extLst>
+          </p:cNvPr>
+          <p:cNvSpPr/>
+          <p:nvPr/>
+        </p:nvSpPr>
+        <p:spPr>
+          <a:xfrm>
+            <a:off x="5171838" y="2489791"/>
+            <a:ext cx="1848323" cy="234616"/>
+          </a:xfrm>
+          <a:prstGeom prst="roundRect">
+            <a:avLst>
+              <a:gd name="adj" fmla="val 12230"/>
+            </a:avLst>
+          </a:prstGeom>
+          <a:solidFill>
+            <a:srgbClr val="F6F6F6"/>
+          </a:solidFill>
+          <a:ln>
+            <a:solidFill>
+              <a:schemeClr val="bg1">
+                <a:lumMod val="75000"/>
+              </a:schemeClr>
+            </a:solidFill>
+          </a:ln>
+        </p:spPr>
+        <p:style>
+          <a:lnRef idx="2">
+            <a:schemeClr val="accent1">
+              <a:shade val="50000"/>
+            </a:schemeClr>
+          </a:lnRef>
+          <a:fillRef idx="1">
+            <a:schemeClr val="accent1"/>
+          </a:fillRef>
+          <a:effectRef idx="0">
+            <a:schemeClr val="accent1"/>
+          </a:effectRef>
+          <a:fontRef idx="minor">
+            <a:schemeClr val="lt1"/>
+          </a:fontRef>
+        </p:style>
+        <p:txBody>
+          <a:bodyPr rot="0" spcFirstLastPara="0" vertOverflow="overflow" horzOverflow="overflow" vert="horz" wrap="square" lIns="91440" tIns="45720" rIns="91440" bIns="45720" numCol="1" spcCol="0" rtlCol="0" fromWordArt="0" anchor="ctr" anchorCtr="0" forceAA="0" compatLnSpc="1">
+            <a:prstTxWarp prst="textNoShape">
+              <a:avLst/>
+            </a:prstTxWarp>
+            <a:noAutofit/>
+          </a:bodyPr>
+          <a:lstStyle/>
+          <a:p>
+            <a:pPr algn="ctr"/>
+            <a:r>
+              <a:rPr kumimoji="1" lang="en-US" altLang="ko-KR" sz="1000" dirty="0">
+                <a:solidFill>
+                  <a:schemeClr val="bg1">
+                    <a:lumMod val="50000"/>
+                  </a:schemeClr>
+                </a:solidFill>
+              </a:rPr>
+              <a:t>Password</a:t>
+            </a:r>
+            <a:endParaRPr kumimoji="1" lang="ko-KR" altLang="en-US" sz="1000" dirty="0">
+              <a:solidFill>
+                <a:schemeClr val="bg1">
+                  <a:lumMod val="50000"/>
+                </a:schemeClr>
+              </a:solidFill>
+            </a:endParaRPr>
+          </a:p>
+        </p:txBody>
+      </p:sp>
+      <p:sp>
+        <p:nvSpPr>
+          <p:cNvPr id="11" name="모서리가 둥근 직사각형 10">
+            <a:extLst>
+              <a:ext uri="{FF2B5EF4-FFF2-40B4-BE49-F238E27FC236}">
+                <a16:creationId xmlns:a16="http://schemas.microsoft.com/office/drawing/2014/main" xmlns="" id="{431DDE67-59BE-C741-A92A-B9FDB6578F05}"/>
+              </a:ext>
+            </a:extLst>
+          </p:cNvPr>
+          <p:cNvSpPr/>
+          <p:nvPr/>
+        </p:nvSpPr>
+        <p:spPr>
+          <a:xfrm>
+            <a:off x="5171838" y="2184991"/>
+            <a:ext cx="1848323" cy="234616"/>
+          </a:xfrm>
+          <a:prstGeom prst="roundRect">
+            <a:avLst>
+              <a:gd name="adj" fmla="val 12230"/>
+            </a:avLst>
+          </a:prstGeom>
+          <a:solidFill>
+            <a:srgbClr val="F6F6F6"/>
+          </a:solidFill>
+          <a:ln>
+            <a:solidFill>
+              <a:schemeClr val="bg1">
+                <a:lumMod val="75000"/>
+              </a:schemeClr>
+            </a:solidFill>
+          </a:ln>
+        </p:spPr>
+        <p:style>
+          <a:lnRef idx="2">
+            <a:schemeClr val="accent1">
+              <a:shade val="50000"/>
+            </a:schemeClr>
+          </a:lnRef>
+          <a:fillRef idx="1">
+            <a:schemeClr val="accent1"/>
+          </a:fillRef>
+          <a:effectRef idx="0">
+            <a:schemeClr val="accent1"/>
+          </a:effectRef>
+          <a:fontRef idx="minor">
+            <a:schemeClr val="lt1"/>
+          </a:fontRef>
+        </p:style>
+        <p:txBody>
+          <a:bodyPr rot="0" spcFirstLastPara="0" vertOverflow="overflow" horzOverflow="overflow" vert="horz" wrap="square" lIns="91440" tIns="45720" rIns="91440" bIns="45720" numCol="1" spcCol="0" rtlCol="0" fromWordArt="0" anchor="ctr" anchorCtr="0" forceAA="0" compatLnSpc="1">
+            <a:prstTxWarp prst="textNoShape">
+              <a:avLst/>
+            </a:prstTxWarp>
+            <a:noAutofit/>
+          </a:bodyPr>
+          <a:lstStyle/>
+          <a:p>
+            <a:pPr algn="ctr"/>
+            <a:r>
+              <a:rPr kumimoji="1" lang="en-US" altLang="ko-KR" sz="1000" dirty="0">
+                <a:solidFill>
+                  <a:schemeClr val="bg1">
+                    <a:lumMod val="50000"/>
+                  </a:schemeClr>
+                </a:solidFill>
+              </a:rPr>
+              <a:t>Username</a:t>
+            </a:r>
+            <a:endParaRPr kumimoji="1" lang="ko-KR" altLang="en-US" sz="1000" dirty="0">
+              <a:solidFill>
+                <a:schemeClr val="bg1">
+                  <a:lumMod val="50000"/>
+                </a:schemeClr>
+              </a:solidFill>
+            </a:endParaRPr>
+          </a:p>
+        </p:txBody>
+      </p:sp>
+      <p:sp>
+        <p:nvSpPr>
+          <p:cNvPr id="12" name="모서리가 둥근 직사각형 11">
+            <a:extLst>
+              <a:ext uri="{FF2B5EF4-FFF2-40B4-BE49-F238E27FC236}">
+                <a16:creationId xmlns:a16="http://schemas.microsoft.com/office/drawing/2014/main" xmlns="" id="{C5488FC6-282C-7148-82F7-288317848D5E}"/>
+              </a:ext>
+            </a:extLst>
+          </p:cNvPr>
+          <p:cNvSpPr/>
+          <p:nvPr/>
+        </p:nvSpPr>
+        <p:spPr>
+          <a:xfrm>
+            <a:off x="5171838" y="3121959"/>
+            <a:ext cx="1848323" cy="234616"/>
+          </a:xfrm>
+          <a:prstGeom prst="roundRect">
+            <a:avLst>
+              <a:gd name="adj" fmla="val 12230"/>
+            </a:avLst>
+          </a:prstGeom>
+          <a:solidFill>
+            <a:srgbClr val="00A5FA"/>
+          </a:solidFill>
+          <a:ln>
+            <a:solidFill>
+              <a:srgbClr val="00B0F0"/>
+            </a:solidFill>
+          </a:ln>
+        </p:spPr>
+        <p:style>
+          <a:lnRef idx="2">
+            <a:schemeClr val="accent1">
+              <a:shade val="50000"/>
+            </a:schemeClr>
+          </a:lnRef>
+          <a:fillRef idx="1">
+            <a:schemeClr val="accent1"/>
+          </a:fillRef>
+          <a:effectRef idx="0">
+            <a:schemeClr val="accent1"/>
+          </a:effectRef>
+          <a:fontRef idx="minor">
+            <a:schemeClr val="lt1"/>
+          </a:fontRef>
+        </p:style>
+        <p:txBody>
+          <a:bodyPr rot="0" spcFirstLastPara="0" vertOverflow="overflow" horzOverflow="overflow" vert="horz" wrap="square" lIns="91440" tIns="45720" rIns="91440" bIns="45720" numCol="1" spcCol="0" rtlCol="0" fromWordArt="0" anchor="ctr" anchorCtr="0" forceAA="0" compatLnSpc="1">
+            <a:prstTxWarp prst="textNoShape">
+              <a:avLst/>
+            </a:prstTxWarp>
+            <a:noAutofit/>
+          </a:bodyPr>
+          <a:lstStyle/>
+          <a:p>
+            <a:pPr algn="ctr"/>
+            <a:r>
+              <a:rPr kumimoji="1" lang="ko-KR" altLang="en-US" sz="1000" dirty="0">
+                <a:solidFill>
+                  <a:schemeClr val="bg1"/>
+                </a:solidFill>
+              </a:rPr>
+              <a:t>로그인</a:t>
+            </a:r>
+          </a:p>
+        </p:txBody>
+      </p:sp>
+      <p:sp>
+        <p:nvSpPr>
+          <p:cNvPr id="17" name="모서리가 둥근 직사각형 16">
+            <a:extLst>
+              <a:ext uri="{FF2B5EF4-FFF2-40B4-BE49-F238E27FC236}">
+                <a16:creationId xmlns:a16="http://schemas.microsoft.com/office/drawing/2014/main" xmlns="" id="{E2BABE5E-2C5B-1544-9595-954E364F1BF3}"/>
+              </a:ext>
+            </a:extLst>
+          </p:cNvPr>
+          <p:cNvSpPr/>
+          <p:nvPr/>
+        </p:nvSpPr>
+        <p:spPr>
+          <a:xfrm>
+            <a:off x="5171838" y="2788037"/>
+            <a:ext cx="1848323" cy="234616"/>
+          </a:xfrm>
+          <a:prstGeom prst="roundRect">
+            <a:avLst>
+              <a:gd name="adj" fmla="val 12230"/>
+            </a:avLst>
+          </a:prstGeom>
+          <a:solidFill>
+            <a:srgbClr val="F6F6F6"/>
+          </a:solidFill>
+          <a:ln>
+            <a:solidFill>
+              <a:schemeClr val="bg1">
+                <a:lumMod val="75000"/>
+              </a:schemeClr>
+            </a:solidFill>
+          </a:ln>
+        </p:spPr>
+        <p:style>
+          <a:lnRef idx="2">
+            <a:schemeClr val="accent1">
+              <a:shade val="50000"/>
+            </a:schemeClr>
+          </a:lnRef>
+          <a:fillRef idx="1">
+            <a:schemeClr val="accent1"/>
+          </a:fillRef>
+          <a:effectRef idx="0">
+            <a:schemeClr val="accent1"/>
+          </a:effectRef>
+          <a:fontRef idx="minor">
+            <a:schemeClr val="lt1"/>
+          </a:fontRef>
+        </p:style>
+        <p:txBody>
+          <a:bodyPr rot="0" spcFirstLastPara="0" vertOverflow="overflow" horzOverflow="overflow" vert="horz" wrap="square" lIns="91440" tIns="45720" rIns="91440" bIns="45720" numCol="1" spcCol="0" rtlCol="0" fromWordArt="0" anchor="ctr" anchorCtr="0" forceAA="0" compatLnSpc="1">
+            <a:prstTxWarp prst="textNoShape">
+              <a:avLst/>
+            </a:prstTxWarp>
+            <a:noAutofit/>
+          </a:bodyPr>
+          <a:lstStyle/>
+          <a:p>
+            <a:pPr algn="ctr"/>
+            <a:r>
+              <a:rPr kumimoji="1" lang="en-US" altLang="ko-KR" sz="1000" dirty="0">
+                <a:solidFill>
+                  <a:schemeClr val="bg1">
+                    <a:lumMod val="50000"/>
+                  </a:schemeClr>
+                </a:solidFill>
+              </a:rPr>
+              <a:t>Confirm Password</a:t>
+            </a:r>
+            <a:endParaRPr kumimoji="1" lang="ko-KR" altLang="en-US" sz="1000" dirty="0">
+              <a:solidFill>
+                <a:schemeClr val="bg1">
+                  <a:lumMod val="50000"/>
+                </a:schemeClr>
+              </a:solidFill>
+            </a:endParaRPr>
+          </a:p>
+        </p:txBody>
+      </p:sp>
+      <p:sp>
+        <p:nvSpPr>
           <p:cNvPr id="13" name="직사각형 12">
             <a:extLst>
               <a:ext uri="{FF2B5EF4-FFF2-40B4-BE49-F238E27FC236}">
@@ -7329,7 +9014,7 @@
             <a:pPr algn="ctr"/>
             <a:r>
               <a:rPr kumimoji="1" lang="ko-KR" altLang="en-US" sz="1000" dirty="0"/>
-              <a:t>다른 계정을 사용하려면</a:t>
+              <a:t>있는 계정을 사용하려면</a:t>
             </a:r>
             <a:r>
               <a:rPr kumimoji="1" lang="en-US" altLang="ko-KR" sz="1000" dirty="0"/>
@@ -7532,12 +9217,98 @@
           </a:p>
         </p:txBody>
       </p:sp>
-      <p:sp>
-        <p:nvSpPr>
-          <p:cNvPr id="19" name="TextBox 18">
-            <a:extLst>
-              <a:ext uri="{FF2B5EF4-FFF2-40B4-BE49-F238E27FC236}">
-                <a16:creationId xmlns:a16="http://schemas.microsoft.com/office/drawing/2014/main" xmlns="" id="{314C8372-ECD8-DB49-937C-CD4D47D9B04E}"/>
+    </p:spTree>
+    <p:extLst>
+      <p:ext uri="{BB962C8B-B14F-4D97-AF65-F5344CB8AC3E}">
+        <p14:creationId xmlns:p14="http://schemas.microsoft.com/office/powerpoint/2010/main" val="3964479482"/>
+      </p:ext>
+    </p:extLst>
+  </p:cSld>
+  <p:clrMapOvr>
+    <a:masterClrMapping/>
+  </p:clrMapOvr>
+</p:sld>
+</file>
+
+<file path=ppt/slides/slide13.xml><?xml version="1.0" encoding="utf-8"?>
+<p:sld xmlns:a="http://schemas.openxmlformats.org/drawingml/2006/main" xmlns:r="http://schemas.openxmlformats.org/officeDocument/2006/relationships" xmlns:p="http://schemas.openxmlformats.org/presentationml/2006/main">
+  <p:cSld>
+    <p:spTree>
+      <p:nvGrpSpPr>
+        <p:cNvPr id="1" name=""/>
+        <p:cNvGrpSpPr/>
+        <p:nvPr/>
+      </p:nvGrpSpPr>
+      <p:grpSpPr>
+        <a:xfrm>
+          <a:off x="0" y="0"/>
+          <a:ext cx="0" cy="0"/>
+          <a:chOff x="0" y="0"/>
+          <a:chExt cx="0" cy="0"/>
+        </a:xfrm>
+      </p:grpSpPr>
+      <p:sp>
+        <p:nvSpPr>
+          <p:cNvPr id="22" name="직사각형 21">
+            <a:extLst>
+              <a:ext uri="{FF2B5EF4-FFF2-40B4-BE49-F238E27FC236}">
+                <a16:creationId xmlns:a16="http://schemas.microsoft.com/office/drawing/2014/main" xmlns="" id="{67DAD890-3198-BA45-93A2-9FC369045AAE}"/>
+              </a:ext>
+            </a:extLst>
+          </p:cNvPr>
+          <p:cNvSpPr/>
+          <p:nvPr/>
+        </p:nvSpPr>
+        <p:spPr>
+          <a:xfrm>
+            <a:off x="4894025" y="1312130"/>
+            <a:ext cx="2403951" cy="2333999"/>
+          </a:xfrm>
+          <a:prstGeom prst="rect">
+            <a:avLst/>
+          </a:prstGeom>
+          <a:solidFill>
+            <a:schemeClr val="bg1"/>
+          </a:solidFill>
+          <a:ln>
+            <a:solidFill>
+              <a:schemeClr val="bg1">
+                <a:lumMod val="75000"/>
+              </a:schemeClr>
+            </a:solidFill>
+          </a:ln>
+        </p:spPr>
+        <p:style>
+          <a:lnRef idx="2">
+            <a:schemeClr val="accent1">
+              <a:shade val="50000"/>
+            </a:schemeClr>
+          </a:lnRef>
+          <a:fillRef idx="1">
+            <a:schemeClr val="accent1"/>
+          </a:fillRef>
+          <a:effectRef idx="0">
+            <a:schemeClr val="accent1"/>
+          </a:effectRef>
+          <a:fontRef idx="minor">
+            <a:schemeClr val="lt1"/>
+          </a:fontRef>
+        </p:style>
+        <p:txBody>
+          <a:bodyPr rtlCol="0" anchor="ctr"/>
+          <a:lstStyle/>
+          <a:p>
+            <a:pPr algn="ctr"/>
+            <a:endParaRPr kumimoji="1" lang="ko-KR" altLang="en-US" dirty="0"/>
+          </a:p>
+        </p:txBody>
+      </p:sp>
+      <p:sp>
+        <p:nvSpPr>
+          <p:cNvPr id="23" name="TextBox 22">
+            <a:extLst>
+              <a:ext uri="{FF2B5EF4-FFF2-40B4-BE49-F238E27FC236}">
+                <a16:creationId xmlns:a16="http://schemas.microsoft.com/office/drawing/2014/main" xmlns="" id="{0A800E18-9E00-4141-8070-3B6B1C9ADF94}"/>
               </a:ext>
             </a:extLst>
           </p:cNvPr>
@@ -7546,8 +9317,8 @@
         </p:nvSpPr>
         <p:spPr>
           <a:xfrm>
-            <a:off x="5423250" y="2785002"/>
-            <a:ext cx="1359668" cy="246221"/>
+            <a:off x="5695893" y="1465272"/>
+            <a:ext cx="800219" cy="584775"/>
           </a:xfrm>
           <a:prstGeom prst="rect">
             <a:avLst/>
@@ -7562,27 +9333,82 @@
           <a:p>
             <a:pPr algn="ctr"/>
             <a:r>
-              <a:rPr kumimoji="1" lang="ko-KR" altLang="en-US" sz="1000" dirty="0"/>
-              <a:t>지금 계정으로 입장</a:t>
-            </a:r>
-            <a:r>
-              <a:rPr kumimoji="1" lang="en-US" altLang="ko-KR" sz="1000" dirty="0"/>
-              <a:t>?</a:t>
-            </a:r>
-            <a:endParaRPr kumimoji="1" lang="ko-KR" altLang="en-US" sz="1000" dirty="0">
-              <a:solidFill>
-                <a:srgbClr val="00B0F0"/>
-              </a:solidFill>
-            </a:endParaRPr>
-          </a:p>
-        </p:txBody>
-      </p:sp>
-      <p:sp>
-        <p:nvSpPr>
-          <p:cNvPr id="20" name="TextBox 19">
-            <a:extLst>
-              <a:ext uri="{FF2B5EF4-FFF2-40B4-BE49-F238E27FC236}">
-                <a16:creationId xmlns:a16="http://schemas.microsoft.com/office/drawing/2014/main" xmlns="" id="{4C2ABC4A-20F0-664E-94FD-BD2550BC8391}"/>
+              <a:rPr kumimoji="1" lang="ko-KR" altLang="en-US" sz="1600" b="1" dirty="0"/>
+              <a:t>활빈당</a:t>
+            </a:r>
+            <a:endParaRPr kumimoji="1" lang="en-US" altLang="ko-KR" sz="1600" b="1" dirty="0"/>
+          </a:p>
+          <a:p>
+            <a:pPr algn="ctr"/>
+            <a:r>
+              <a:rPr kumimoji="1" lang="ko-KR" altLang="en-US" sz="1600" b="1" dirty="0"/>
+              <a:t>입장</a:t>
+            </a:r>
+          </a:p>
+        </p:txBody>
+      </p:sp>
+      <p:sp>
+        <p:nvSpPr>
+          <p:cNvPr id="13" name="직사각형 12">
+            <a:extLst>
+              <a:ext uri="{FF2B5EF4-FFF2-40B4-BE49-F238E27FC236}">
+                <a16:creationId xmlns:a16="http://schemas.microsoft.com/office/drawing/2014/main" xmlns="" id="{C1198BDD-CC97-3E43-A063-3FFF1B53F206}"/>
+              </a:ext>
+            </a:extLst>
+          </p:cNvPr>
+          <p:cNvSpPr/>
+          <p:nvPr/>
+        </p:nvSpPr>
+        <p:spPr>
+          <a:xfrm>
+            <a:off x="4894025" y="3716313"/>
+            <a:ext cx="2403951" cy="722021"/>
+          </a:xfrm>
+          <a:prstGeom prst="rect">
+            <a:avLst/>
+          </a:prstGeom>
+          <a:solidFill>
+            <a:schemeClr val="bg1"/>
+          </a:solidFill>
+          <a:ln>
+            <a:solidFill>
+              <a:schemeClr val="bg1">
+                <a:lumMod val="75000"/>
+              </a:schemeClr>
+            </a:solidFill>
+          </a:ln>
+        </p:spPr>
+        <p:style>
+          <a:lnRef idx="2">
+            <a:schemeClr val="accent1">
+              <a:shade val="50000"/>
+            </a:schemeClr>
+          </a:lnRef>
+          <a:fillRef idx="1">
+            <a:schemeClr val="accent1"/>
+          </a:fillRef>
+          <a:effectRef idx="0">
+            <a:schemeClr val="accent1"/>
+          </a:effectRef>
+          <a:fontRef idx="minor">
+            <a:schemeClr val="lt1"/>
+          </a:fontRef>
+        </p:style>
+        <p:txBody>
+          <a:bodyPr rtlCol="0" anchor="ctr"/>
+          <a:lstStyle/>
+          <a:p>
+            <a:pPr algn="ctr"/>
+            <a:endParaRPr kumimoji="1" lang="ko-KR" altLang="en-US" dirty="0"/>
+          </a:p>
+        </p:txBody>
+      </p:sp>
+      <p:sp>
+        <p:nvSpPr>
+          <p:cNvPr id="14" name="TextBox 13">
+            <a:extLst>
+              <a:ext uri="{FF2B5EF4-FFF2-40B4-BE49-F238E27FC236}">
+                <a16:creationId xmlns:a16="http://schemas.microsoft.com/office/drawing/2014/main" xmlns="" id="{2D75EC22-FEC0-1C47-B79E-BF8D3F36BC3B}"/>
               </a:ext>
             </a:extLst>
           </p:cNvPr>
@@ -7591,8 +9417,8 @@
         </p:nvSpPr>
         <p:spPr>
           <a:xfrm>
-            <a:off x="5327684" y="2246224"/>
-            <a:ext cx="1536639" cy="338554"/>
+            <a:off x="5080206" y="3890953"/>
+            <a:ext cx="2045753" cy="246221"/>
           </a:xfrm>
           <a:prstGeom prst="rect">
             <a:avLst/>
@@ -7607,60 +9433,148 @@
           <a:p>
             <a:pPr algn="ctr"/>
             <a:r>
-              <a:rPr kumimoji="1" lang="en-US" altLang="ko-KR" sz="1600" dirty="0"/>
-              <a:t>redLoadEast13</a:t>
-            </a:r>
-            <a:endParaRPr kumimoji="1" lang="ko-KR" altLang="en-US" sz="1600" dirty="0"/>
-          </a:p>
-        </p:txBody>
-      </p:sp>
-      <p:cxnSp>
-        <p:nvCxnSpPr>
-          <p:cNvPr id="24" name="직선 연결선[R] 23">
-            <a:extLst>
-              <a:ext uri="{FF2B5EF4-FFF2-40B4-BE49-F238E27FC236}">
-                <a16:creationId xmlns:a16="http://schemas.microsoft.com/office/drawing/2014/main" xmlns="" id="{7B185AE7-DD27-6641-A29E-B889C86AEC4D}"/>
-              </a:ext>
-            </a:extLst>
-          </p:cNvPr>
-          <p:cNvCxnSpPr/>
-          <p:nvPr/>
-        </p:nvCxnSpPr>
-        <p:spPr>
-          <a:xfrm>
-            <a:off x="5325648" y="2584778"/>
-            <a:ext cx="1529947" cy="0"/>
-          </a:xfrm>
-          <a:prstGeom prst="line">
+              <a:rPr kumimoji="1" lang="ko-KR" altLang="en-US" sz="1000" dirty="0"/>
+              <a:t>다른 계정을 사용하려면</a:t>
+            </a:r>
+            <a:r>
+              <a:rPr kumimoji="1" lang="en-US" altLang="ko-KR" sz="1000" dirty="0"/>
+              <a:t>?</a:t>
+            </a:r>
+            <a:r>
+              <a:rPr kumimoji="1" lang="ko-KR" altLang="en-US" sz="1000" dirty="0"/>
+              <a:t> </a:t>
+            </a:r>
+            <a:r>
+              <a:rPr kumimoji="1" lang="ko-KR" altLang="en-US" sz="1000" dirty="0">
+                <a:solidFill>
+                  <a:srgbClr val="00B0F0"/>
+                </a:solidFill>
+              </a:rPr>
+              <a:t>로그인</a:t>
+            </a:r>
+          </a:p>
+        </p:txBody>
+      </p:sp>
+      <p:sp>
+        <p:nvSpPr>
+          <p:cNvPr id="15" name="TextBox 14">
+            <a:extLst>
+              <a:ext uri="{FF2B5EF4-FFF2-40B4-BE49-F238E27FC236}">
+                <a16:creationId xmlns:a16="http://schemas.microsoft.com/office/drawing/2014/main" xmlns="" id="{4B6ED008-8A6C-074B-B622-68BE2BA06CC7}"/>
+              </a:ext>
+            </a:extLst>
+          </p:cNvPr>
+          <p:cNvSpPr txBox="1"/>
+          <p:nvPr/>
+        </p:nvSpPr>
+        <p:spPr>
+          <a:xfrm>
+            <a:off x="5525535" y="4131895"/>
+            <a:ext cx="1141659" cy="253916"/>
+          </a:xfrm>
+          <a:prstGeom prst="rect">
             <a:avLst/>
           </a:prstGeom>
+          <a:noFill/>
+        </p:spPr>
+        <p:txBody>
+          <a:bodyPr wrap="none" rtlCol="0">
+            <a:spAutoFit/>
+          </a:bodyPr>
+          <a:lstStyle/>
+          <a:p>
+            <a:r>
+              <a:rPr kumimoji="1" lang="en-US" altLang="ko-KR" sz="1050" dirty="0">
+                <a:solidFill>
+                  <a:schemeClr val="bg1">
+                    <a:lumMod val="50000"/>
+                  </a:schemeClr>
+                </a:solidFill>
+              </a:rPr>
+              <a:t>@ </a:t>
+            </a:r>
+            <a:r>
+              <a:rPr kumimoji="1" lang="en-US" altLang="ko-KR" sz="1050" dirty="0" err="1">
+                <a:solidFill>
+                  <a:schemeClr val="bg1">
+                    <a:lumMod val="50000"/>
+                  </a:schemeClr>
+                </a:solidFill>
+              </a:rPr>
+              <a:t>about_JCube</a:t>
+            </a:r>
+            <a:endParaRPr kumimoji="1" lang="en-US" altLang="ko-KR" sz="1050" dirty="0">
+              <a:solidFill>
+                <a:schemeClr val="bg1">
+                  <a:lumMod val="50000"/>
+                </a:schemeClr>
+              </a:solidFill>
+            </a:endParaRPr>
+          </a:p>
+        </p:txBody>
+      </p:sp>
+      <p:sp>
+        <p:nvSpPr>
+          <p:cNvPr id="16" name="직사각형 15">
+            <a:extLst>
+              <a:ext uri="{FF2B5EF4-FFF2-40B4-BE49-F238E27FC236}">
+                <a16:creationId xmlns:a16="http://schemas.microsoft.com/office/drawing/2014/main" xmlns="" id="{C2A1CFDE-104A-6548-A6F5-86CCCD43C3C6}"/>
+              </a:ext>
+            </a:extLst>
+          </p:cNvPr>
+          <p:cNvSpPr/>
+          <p:nvPr/>
+        </p:nvSpPr>
+        <p:spPr>
+          <a:xfrm>
+            <a:off x="4894025" y="4519769"/>
+            <a:ext cx="2403951" cy="722021"/>
+          </a:xfrm>
+          <a:prstGeom prst="rect">
+            <a:avLst/>
+          </a:prstGeom>
+          <a:solidFill>
+            <a:schemeClr val="bg1"/>
+          </a:solidFill>
           <a:ln>
             <a:solidFill>
-              <a:srgbClr val="00B0F0"/>
+              <a:schemeClr val="bg1">
+                <a:lumMod val="75000"/>
+              </a:schemeClr>
             </a:solidFill>
           </a:ln>
         </p:spPr>
         <p:style>
-          <a:lnRef idx="1">
-            <a:schemeClr val="accent1"/>
+          <a:lnRef idx="2">
+            <a:schemeClr val="accent1">
+              <a:shade val="50000"/>
+            </a:schemeClr>
           </a:lnRef>
-          <a:fillRef idx="0">
+          <a:fillRef idx="1">
             <a:schemeClr val="accent1"/>
           </a:fillRef>
           <a:effectRef idx="0">
             <a:schemeClr val="accent1"/>
           </a:effectRef>
           <a:fontRef idx="minor">
-            <a:schemeClr val="tx1"/>
+            <a:schemeClr val="lt1"/>
           </a:fontRef>
         </p:style>
-      </p:cxnSp>
-      <p:sp>
-        <p:nvSpPr>
-          <p:cNvPr id="25" name="모서리가 둥근 직사각형 24">
-            <a:extLst>
-              <a:ext uri="{FF2B5EF4-FFF2-40B4-BE49-F238E27FC236}">
-                <a16:creationId xmlns:a16="http://schemas.microsoft.com/office/drawing/2014/main" xmlns="" id="{4D54DDCA-05D6-254F-98FE-5846446CF0D5}"/>
+        <p:txBody>
+          <a:bodyPr rtlCol="0" anchor="ctr"/>
+          <a:lstStyle/>
+          <a:p>
+            <a:pPr algn="ctr"/>
+            <a:endParaRPr kumimoji="1" lang="ko-KR" altLang="en-US" dirty="0"/>
+          </a:p>
+        </p:txBody>
+      </p:sp>
+      <p:sp>
+        <p:nvSpPr>
+          <p:cNvPr id="21" name="모서리가 둥근 직사각형 20">
+            <a:extLst>
+              <a:ext uri="{FF2B5EF4-FFF2-40B4-BE49-F238E27FC236}">
+                <a16:creationId xmlns:a16="http://schemas.microsoft.com/office/drawing/2014/main" xmlns="" id="{EA113DB3-6898-EF41-A8EF-F40F5C1C3CAA}"/>
               </a:ext>
             </a:extLst>
           </p:cNvPr>
@@ -7669,8 +9583,8 @@
         </p:nvSpPr>
         <p:spPr>
           <a:xfrm>
-            <a:off x="5171838" y="3121959"/>
-            <a:ext cx="1848323" cy="234616"/>
+            <a:off x="5171838" y="4724642"/>
+            <a:ext cx="1848323" cy="312275"/>
           </a:xfrm>
           <a:prstGeom prst="roundRect">
             <a:avLst>
@@ -7713,6 +9627,197 @@
           <a:p>
             <a:pPr algn="ctr"/>
             <a:r>
+              <a:rPr kumimoji="1" lang="ko-KR" altLang="en-US" sz="1000" b="1" dirty="0">
+                <a:solidFill>
+                  <a:schemeClr val="bg1"/>
+                </a:solidFill>
+              </a:rPr>
+              <a:t>비회원 입장</a:t>
+            </a:r>
+          </a:p>
+        </p:txBody>
+      </p:sp>
+      <p:sp>
+        <p:nvSpPr>
+          <p:cNvPr id="19" name="TextBox 18">
+            <a:extLst>
+              <a:ext uri="{FF2B5EF4-FFF2-40B4-BE49-F238E27FC236}">
+                <a16:creationId xmlns:a16="http://schemas.microsoft.com/office/drawing/2014/main" xmlns="" id="{314C8372-ECD8-DB49-937C-CD4D47D9B04E}"/>
+              </a:ext>
+            </a:extLst>
+          </p:cNvPr>
+          <p:cNvSpPr txBox="1"/>
+          <p:nvPr/>
+        </p:nvSpPr>
+        <p:spPr>
+          <a:xfrm>
+            <a:off x="5423250" y="2785002"/>
+            <a:ext cx="1359668" cy="246221"/>
+          </a:xfrm>
+          <a:prstGeom prst="rect">
+            <a:avLst/>
+          </a:prstGeom>
+          <a:noFill/>
+        </p:spPr>
+        <p:txBody>
+          <a:bodyPr wrap="none" rtlCol="0">
+            <a:spAutoFit/>
+          </a:bodyPr>
+          <a:lstStyle/>
+          <a:p>
+            <a:pPr algn="ctr"/>
+            <a:r>
+              <a:rPr kumimoji="1" lang="ko-KR" altLang="en-US" sz="1000" dirty="0"/>
+              <a:t>지금 계정으로 입장</a:t>
+            </a:r>
+            <a:r>
+              <a:rPr kumimoji="1" lang="en-US" altLang="ko-KR" sz="1000" dirty="0"/>
+              <a:t>?</a:t>
+            </a:r>
+            <a:endParaRPr kumimoji="1" lang="ko-KR" altLang="en-US" sz="1000" dirty="0">
+              <a:solidFill>
+                <a:srgbClr val="00B0F0"/>
+              </a:solidFill>
+            </a:endParaRPr>
+          </a:p>
+        </p:txBody>
+      </p:sp>
+      <p:sp>
+        <p:nvSpPr>
+          <p:cNvPr id="20" name="TextBox 19">
+            <a:extLst>
+              <a:ext uri="{FF2B5EF4-FFF2-40B4-BE49-F238E27FC236}">
+                <a16:creationId xmlns:a16="http://schemas.microsoft.com/office/drawing/2014/main" xmlns="" id="{4C2ABC4A-20F0-664E-94FD-BD2550BC8391}"/>
+              </a:ext>
+            </a:extLst>
+          </p:cNvPr>
+          <p:cNvSpPr txBox="1"/>
+          <p:nvPr/>
+        </p:nvSpPr>
+        <p:spPr>
+          <a:xfrm>
+            <a:off x="5327684" y="2246224"/>
+            <a:ext cx="1536639" cy="338554"/>
+          </a:xfrm>
+          <a:prstGeom prst="rect">
+            <a:avLst/>
+          </a:prstGeom>
+          <a:noFill/>
+        </p:spPr>
+        <p:txBody>
+          <a:bodyPr wrap="none" rtlCol="0">
+            <a:spAutoFit/>
+          </a:bodyPr>
+          <a:lstStyle/>
+          <a:p>
+            <a:pPr algn="ctr"/>
+            <a:r>
+              <a:rPr kumimoji="1" lang="en-US" altLang="ko-KR" sz="1600" dirty="0"/>
+              <a:t>redLoadEast13</a:t>
+            </a:r>
+            <a:endParaRPr kumimoji="1" lang="ko-KR" altLang="en-US" sz="1600" dirty="0"/>
+          </a:p>
+        </p:txBody>
+      </p:sp>
+      <p:cxnSp>
+        <p:nvCxnSpPr>
+          <p:cNvPr id="24" name="직선 연결선[R] 23">
+            <a:extLst>
+              <a:ext uri="{FF2B5EF4-FFF2-40B4-BE49-F238E27FC236}">
+                <a16:creationId xmlns:a16="http://schemas.microsoft.com/office/drawing/2014/main" xmlns="" id="{7B185AE7-DD27-6641-A29E-B889C86AEC4D}"/>
+              </a:ext>
+            </a:extLst>
+          </p:cNvPr>
+          <p:cNvCxnSpPr/>
+          <p:nvPr/>
+        </p:nvCxnSpPr>
+        <p:spPr>
+          <a:xfrm>
+            <a:off x="5325648" y="2584778"/>
+            <a:ext cx="1529947" cy="0"/>
+          </a:xfrm>
+          <a:prstGeom prst="line">
+            <a:avLst/>
+          </a:prstGeom>
+          <a:ln>
+            <a:solidFill>
+              <a:srgbClr val="00B0F0"/>
+            </a:solidFill>
+          </a:ln>
+        </p:spPr>
+        <p:style>
+          <a:lnRef idx="1">
+            <a:schemeClr val="accent1"/>
+          </a:lnRef>
+          <a:fillRef idx="0">
+            <a:schemeClr val="accent1"/>
+          </a:fillRef>
+          <a:effectRef idx="0">
+            <a:schemeClr val="accent1"/>
+          </a:effectRef>
+          <a:fontRef idx="minor">
+            <a:schemeClr val="tx1"/>
+          </a:fontRef>
+        </p:style>
+      </p:cxnSp>
+      <p:sp>
+        <p:nvSpPr>
+          <p:cNvPr id="25" name="모서리가 둥근 직사각형 24">
+            <a:extLst>
+              <a:ext uri="{FF2B5EF4-FFF2-40B4-BE49-F238E27FC236}">
+                <a16:creationId xmlns:a16="http://schemas.microsoft.com/office/drawing/2014/main" xmlns="" id="{4D54DDCA-05D6-254F-98FE-5846446CF0D5}"/>
+              </a:ext>
+            </a:extLst>
+          </p:cNvPr>
+          <p:cNvSpPr/>
+          <p:nvPr/>
+        </p:nvSpPr>
+        <p:spPr>
+          <a:xfrm>
+            <a:off x="5171838" y="3121959"/>
+            <a:ext cx="1848323" cy="234616"/>
+          </a:xfrm>
+          <a:prstGeom prst="roundRect">
+            <a:avLst>
+              <a:gd name="adj" fmla="val 12230"/>
+            </a:avLst>
+          </a:prstGeom>
+          <a:solidFill>
+            <a:srgbClr val="00A5FA"/>
+          </a:solidFill>
+          <a:ln>
+            <a:solidFill>
+              <a:srgbClr val="00B0F0"/>
+            </a:solidFill>
+          </a:ln>
+        </p:spPr>
+        <p:style>
+          <a:lnRef idx="2">
+            <a:schemeClr val="accent1">
+              <a:shade val="50000"/>
+            </a:schemeClr>
+          </a:lnRef>
+          <a:fillRef idx="1">
+            <a:schemeClr val="accent1"/>
+          </a:fillRef>
+          <a:effectRef idx="0">
+            <a:schemeClr val="accent1"/>
+          </a:effectRef>
+          <a:fontRef idx="minor">
+            <a:schemeClr val="lt1"/>
+          </a:fontRef>
+        </p:style>
+        <p:txBody>
+          <a:bodyPr rot="0" spcFirstLastPara="0" vertOverflow="overflow" horzOverflow="overflow" vert="horz" wrap="square" lIns="91440" tIns="45720" rIns="91440" bIns="45720" numCol="1" spcCol="0" rtlCol="0" fromWordArt="0" anchor="ctr" anchorCtr="0" forceAA="0" compatLnSpc="1">
+            <a:prstTxWarp prst="textNoShape">
+              <a:avLst/>
+            </a:prstTxWarp>
+            <a:noAutofit/>
+          </a:bodyPr>
+          <a:lstStyle/>
+          <a:p>
+            <a:pPr algn="ctr"/>
+            <a:r>
               <a:rPr kumimoji="1" lang="ko-KR" altLang="en-US" sz="1000" dirty="0">
                 <a:solidFill>
                   <a:schemeClr val="bg1"/>
@@ -7736,7 +9841,7 @@
 </p:sld>
 </file>
 
-<file path=ppt/slides/slide13.xml><?xml version="1.0" encoding="utf-8"?>
+<file path=ppt/slides/slide14.xml><?xml version="1.0" encoding="utf-8"?>
 <p:sld xmlns:a="http://schemas.openxmlformats.org/drawingml/2006/main" xmlns:r="http://schemas.openxmlformats.org/officeDocument/2006/relationships" xmlns:p="http://schemas.openxmlformats.org/presentationml/2006/main">
   <p:cSld>
     <p:spTree>
@@ -9340,7 +11445,7 @@
 </p:sld>
 </file>
 
-<file path=ppt/slides/slide14.xml><?xml version="1.0" encoding="utf-8"?>
+<file path=ppt/slides/slide15.xml><?xml version="1.0" encoding="utf-8"?>
 <p:sld xmlns:a="http://schemas.openxmlformats.org/drawingml/2006/main" xmlns:r="http://schemas.openxmlformats.org/officeDocument/2006/relationships" xmlns:p="http://schemas.openxmlformats.org/presentationml/2006/main">
   <p:cSld>
     <p:spTree>
@@ -10942,7 +13047,7 @@
 </p:sld>
 </file>
 
-<file path=ppt/slides/slide15.xml><?xml version="1.0" encoding="utf-8"?>
+<file path=ppt/slides/slide16.xml><?xml version="1.0" encoding="utf-8"?>
 <p:sld xmlns:a="http://schemas.openxmlformats.org/drawingml/2006/main" xmlns:r="http://schemas.openxmlformats.org/officeDocument/2006/relationships" xmlns:p="http://schemas.openxmlformats.org/presentationml/2006/main">
   <p:cSld>
     <p:spTree>
@@ -11837,7 +13942,7 @@
 </p:sld>
 </file>
 
-<file path=ppt/slides/slide16.xml><?xml version="1.0" encoding="utf-8"?>
+<file path=ppt/slides/slide17.xml><?xml version="1.0" encoding="utf-8"?>
 <p:sld xmlns:a="http://schemas.openxmlformats.org/drawingml/2006/main" xmlns:r="http://schemas.openxmlformats.org/officeDocument/2006/relationships" xmlns:p="http://schemas.openxmlformats.org/presentationml/2006/main">
   <p:cSld>
     <p:spTree>
@@ -12510,7 +14615,7 @@
 </p:sld>
 </file>
 
-<file path=ppt/slides/slide17.xml><?xml version="1.0" encoding="utf-8"?>
+<file path=ppt/slides/slide18.xml><?xml version="1.0" encoding="utf-8"?>
 <p:sld xmlns:a="http://schemas.openxmlformats.org/drawingml/2006/main" xmlns:r="http://schemas.openxmlformats.org/officeDocument/2006/relationships" xmlns:p="http://schemas.openxmlformats.org/presentationml/2006/main">
   <p:cSld>
     <p:spTree>
@@ -15135,7 +17240,7 @@
         </p:nvSpPr>
         <p:spPr>
           <a:xfrm>
-            <a:off x="4894025" y="4381766"/>
+            <a:off x="4894025" y="4115159"/>
             <a:ext cx="2403951" cy="1241794"/>
           </a:xfrm>
           <a:prstGeom prst="rect">
@@ -15191,7 +17296,7 @@
         </p:nvSpPr>
         <p:spPr>
           <a:xfrm>
-            <a:off x="5171838" y="5214683"/>
+            <a:off x="5171838" y="4948076"/>
             <a:ext cx="1848323" cy="234616"/>
           </a:xfrm>
           <a:prstGeom prst="roundRect">
@@ -15259,7 +17364,7 @@
         </p:nvSpPr>
         <p:spPr>
           <a:xfrm>
-            <a:off x="5178918" y="4878589"/>
+            <a:off x="5178918" y="4611982"/>
             <a:ext cx="1848323" cy="234616"/>
           </a:xfrm>
           <a:prstGeom prst="roundRect">
@@ -15874,8 +17979,8 @@
         </p:nvSpPr>
         <p:spPr>
           <a:xfrm>
-            <a:off x="4894025" y="3114213"/>
-            <a:ext cx="2403951" cy="1203280"/>
+            <a:off x="4894025" y="3135083"/>
+            <a:ext cx="2403951" cy="887054"/>
           </a:xfrm>
           <a:prstGeom prst="rect">
             <a:avLst/>
@@ -15930,7 +18035,7 @@
         </p:nvSpPr>
         <p:spPr>
           <a:xfrm>
-            <a:off x="5171838" y="3932977"/>
+            <a:off x="5171838" y="3650074"/>
             <a:ext cx="1848323" cy="234616"/>
           </a:xfrm>
           <a:prstGeom prst="roundRect">
@@ -16077,7 +18182,7 @@
         </p:nvSpPr>
         <p:spPr>
           <a:xfrm>
-            <a:off x="5178918" y="3597810"/>
+            <a:off x="5178918" y="3322436"/>
             <a:ext cx="1848323" cy="234616"/>
           </a:xfrm>
           <a:prstGeom prst="roundRect">
@@ -16123,7 +18228,7 @@
           <a:p>
             <a:pPr algn="ctr"/>
             <a:r>
-              <a:rPr kumimoji="1" lang="en-US" altLang="ko-KR" sz="1000" dirty="0">
+              <a:rPr kumimoji="1" lang="en-US" altLang="ko-KR" sz="1000" smtClean="0">
                 <a:solidFill>
                   <a:schemeClr val="bg1">
                     <a:lumMod val="50000"/>
@@ -16131,26 +18236,6 @@
                 </a:solidFill>
               </a:rPr>
               <a:t>Account</a:t>
-            </a:r>
-            <a:r>
-              <a:rPr kumimoji="1" lang="ko-KR" altLang="en-US" sz="1000" dirty="0">
-                <a:solidFill>
-                  <a:schemeClr val="bg1">
-                    <a:lumMod val="50000"/>
-                  </a:schemeClr>
-                </a:solidFill>
-              </a:rPr>
-              <a:t> </a:t>
-            </a:r>
-            <a:r>
-              <a:rPr kumimoji="1" lang="en-US" altLang="ko-KR" sz="1000" dirty="0">
-                <a:solidFill>
-                  <a:schemeClr val="bg1">
-                    <a:lumMod val="50000"/>
-                  </a:schemeClr>
-                </a:solidFill>
-              </a:rPr>
-              <a:t>Number</a:t>
             </a:r>
             <a:endParaRPr kumimoji="1" lang="ko-KR" altLang="en-US" sz="1000" dirty="0">
               <a:solidFill>
@@ -16205,10 +18290,10 @@
       </p:cxnSp>
       <p:sp>
         <p:nvSpPr>
-          <p:cNvPr id="32" name="자유형 31">
-            <a:extLst>
-              <a:ext uri="{FF2B5EF4-FFF2-40B4-BE49-F238E27FC236}">
-                <a16:creationId xmlns:a16="http://schemas.microsoft.com/office/drawing/2014/main" xmlns="" id="{667A8658-5E69-F440-A283-007B7061E1AC}"/>
+          <p:cNvPr id="37" name="모서리가 둥근 직사각형 36">
+            <a:extLst>
+              <a:ext uri="{FF2B5EF4-FFF2-40B4-BE49-F238E27FC236}">
+                <a16:creationId xmlns:a16="http://schemas.microsoft.com/office/drawing/2014/main" xmlns="" id="{9A63A9A5-7F92-784A-9914-64730658121F}"/>
               </a:ext>
             </a:extLst>
           </p:cNvPr>
@@ -16217,341 +18302,7 @@
         </p:nvSpPr>
         <p:spPr>
           <a:xfrm>
-            <a:off x="5178918" y="3294558"/>
-            <a:ext cx="1601869" cy="234616"/>
-          </a:xfrm>
-          <a:custGeom>
-            <a:avLst/>
-            <a:gdLst>
-              <a:gd name="connsiteX0" fmla="*/ 28694 w 1601869"/>
-              <a:gd name="connsiteY0" fmla="*/ 0 h 234616"/>
-              <a:gd name="connsiteX1" fmla="*/ 1601869 w 1601869"/>
-              <a:gd name="connsiteY1" fmla="*/ 0 h 234616"/>
-              <a:gd name="connsiteX2" fmla="*/ 1601869 w 1601869"/>
-              <a:gd name="connsiteY2" fmla="*/ 234616 h 234616"/>
-              <a:gd name="connsiteX3" fmla="*/ 28694 w 1601869"/>
-              <a:gd name="connsiteY3" fmla="*/ 234616 h 234616"/>
-              <a:gd name="connsiteX4" fmla="*/ 0 w 1601869"/>
-              <a:gd name="connsiteY4" fmla="*/ 205922 h 234616"/>
-              <a:gd name="connsiteX5" fmla="*/ 0 w 1601869"/>
-              <a:gd name="connsiteY5" fmla="*/ 28694 h 234616"/>
-              <a:gd name="connsiteX6" fmla="*/ 28694 w 1601869"/>
-              <a:gd name="connsiteY6" fmla="*/ 0 h 234616"/>
-            </a:gdLst>
-            <a:ahLst/>
-            <a:cxnLst>
-              <a:cxn ang="0">
-                <a:pos x="connsiteX0" y="connsiteY0"/>
-              </a:cxn>
-              <a:cxn ang="0">
-                <a:pos x="connsiteX1" y="connsiteY1"/>
-              </a:cxn>
-              <a:cxn ang="0">
-                <a:pos x="connsiteX2" y="connsiteY2"/>
-              </a:cxn>
-              <a:cxn ang="0">
-                <a:pos x="connsiteX3" y="connsiteY3"/>
-              </a:cxn>
-              <a:cxn ang="0">
-                <a:pos x="connsiteX4" y="connsiteY4"/>
-              </a:cxn>
-              <a:cxn ang="0">
-                <a:pos x="connsiteX5" y="connsiteY5"/>
-              </a:cxn>
-              <a:cxn ang="0">
-                <a:pos x="connsiteX6" y="connsiteY6"/>
-              </a:cxn>
-            </a:cxnLst>
-            <a:rect l="l" t="t" r="r" b="b"/>
-            <a:pathLst>
-              <a:path w="1601869" h="234616">
-                <a:moveTo>
-                  <a:pt x="28694" y="0"/>
-                </a:moveTo>
-                <a:lnTo>
-                  <a:pt x="1601869" y="0"/>
-                </a:lnTo>
-                <a:lnTo>
-                  <a:pt x="1601869" y="234616"/>
-                </a:lnTo>
-                <a:lnTo>
-                  <a:pt x="28694" y="234616"/>
-                </a:lnTo>
-                <a:cubicBezTo>
-                  <a:pt x="12847" y="234616"/>
-                  <a:pt x="0" y="221769"/>
-                  <a:pt x="0" y="205922"/>
-                </a:cubicBezTo>
-                <a:lnTo>
-                  <a:pt x="0" y="28694"/>
-                </a:lnTo>
-                <a:cubicBezTo>
-                  <a:pt x="0" y="12847"/>
-                  <a:pt x="12847" y="0"/>
-                  <a:pt x="28694" y="0"/>
-                </a:cubicBezTo>
-                <a:close/>
-              </a:path>
-            </a:pathLst>
-          </a:custGeom>
-          <a:solidFill>
-            <a:srgbClr val="F6F6F6"/>
-          </a:solidFill>
-          <a:ln>
-            <a:solidFill>
-              <a:schemeClr val="bg1">
-                <a:lumMod val="75000"/>
-              </a:schemeClr>
-            </a:solidFill>
-          </a:ln>
-        </p:spPr>
-        <p:style>
-          <a:lnRef idx="2">
-            <a:schemeClr val="accent1">
-              <a:shade val="50000"/>
-            </a:schemeClr>
-          </a:lnRef>
-          <a:fillRef idx="1">
-            <a:schemeClr val="accent1"/>
-          </a:fillRef>
-          <a:effectRef idx="0">
-            <a:schemeClr val="accent1"/>
-          </a:effectRef>
-          <a:fontRef idx="minor">
-            <a:schemeClr val="lt1"/>
-          </a:fontRef>
-        </p:style>
-        <p:txBody>
-          <a:bodyPr rot="0" spcFirstLastPara="0" vertOverflow="overflow" horzOverflow="overflow" vert="horz" wrap="square" lIns="91440" tIns="45720" rIns="91440" bIns="45720" numCol="1" spcCol="0" rtlCol="0" fromWordArt="0" anchor="ctr" anchorCtr="0" forceAA="0" compatLnSpc="1">
-            <a:prstTxWarp prst="textNoShape">
-              <a:avLst/>
-            </a:prstTxWarp>
-            <a:noAutofit/>
-          </a:bodyPr>
-          <a:lstStyle/>
-          <a:p>
-            <a:pPr algn="ctr"/>
-            <a:r>
-              <a:rPr kumimoji="1" lang="en-US" altLang="ko-KR" sz="1000" dirty="0">
-                <a:solidFill>
-                  <a:schemeClr val="bg1">
-                    <a:lumMod val="50000"/>
-                  </a:schemeClr>
-                </a:solidFill>
-              </a:rPr>
-              <a:t>Bank Name</a:t>
-            </a:r>
-            <a:endParaRPr kumimoji="1" lang="ko-KR" altLang="en-US" sz="1000" dirty="0">
-              <a:solidFill>
-                <a:schemeClr val="bg1">
-                  <a:lumMod val="50000"/>
-                </a:schemeClr>
-              </a:solidFill>
-            </a:endParaRPr>
-          </a:p>
-        </p:txBody>
-      </p:sp>
-      <p:sp>
-        <p:nvSpPr>
-          <p:cNvPr id="34" name="자유형 33">
-            <a:extLst>
-              <a:ext uri="{FF2B5EF4-FFF2-40B4-BE49-F238E27FC236}">
-                <a16:creationId xmlns:a16="http://schemas.microsoft.com/office/drawing/2014/main" xmlns="" id="{FBE03D53-FB4E-EC47-B450-141E936B4217}"/>
-              </a:ext>
-            </a:extLst>
-          </p:cNvPr>
-          <p:cNvSpPr/>
-          <p:nvPr/>
-        </p:nvSpPr>
-        <p:spPr>
-          <a:xfrm>
-            <a:off x="6800779" y="3294558"/>
-            <a:ext cx="226462" cy="234616"/>
-          </a:xfrm>
-          <a:custGeom>
-            <a:avLst/>
-            <a:gdLst>
-              <a:gd name="connsiteX0" fmla="*/ 0 w 226462"/>
-              <a:gd name="connsiteY0" fmla="*/ 0 h 234616"/>
-              <a:gd name="connsiteX1" fmla="*/ 197768 w 226462"/>
-              <a:gd name="connsiteY1" fmla="*/ 0 h 234616"/>
-              <a:gd name="connsiteX2" fmla="*/ 226462 w 226462"/>
-              <a:gd name="connsiteY2" fmla="*/ 28694 h 234616"/>
-              <a:gd name="connsiteX3" fmla="*/ 226462 w 226462"/>
-              <a:gd name="connsiteY3" fmla="*/ 205922 h 234616"/>
-              <a:gd name="connsiteX4" fmla="*/ 197768 w 226462"/>
-              <a:gd name="connsiteY4" fmla="*/ 234616 h 234616"/>
-              <a:gd name="connsiteX5" fmla="*/ 0 w 226462"/>
-              <a:gd name="connsiteY5" fmla="*/ 234616 h 234616"/>
-            </a:gdLst>
-            <a:ahLst/>
-            <a:cxnLst>
-              <a:cxn ang="0">
-                <a:pos x="connsiteX0" y="connsiteY0"/>
-              </a:cxn>
-              <a:cxn ang="0">
-                <a:pos x="connsiteX1" y="connsiteY1"/>
-              </a:cxn>
-              <a:cxn ang="0">
-                <a:pos x="connsiteX2" y="connsiteY2"/>
-              </a:cxn>
-              <a:cxn ang="0">
-                <a:pos x="connsiteX3" y="connsiteY3"/>
-              </a:cxn>
-              <a:cxn ang="0">
-                <a:pos x="connsiteX4" y="connsiteY4"/>
-              </a:cxn>
-              <a:cxn ang="0">
-                <a:pos x="connsiteX5" y="connsiteY5"/>
-              </a:cxn>
-            </a:cxnLst>
-            <a:rect l="l" t="t" r="r" b="b"/>
-            <a:pathLst>
-              <a:path w="226462" h="234616">
-                <a:moveTo>
-                  <a:pt x="0" y="0"/>
-                </a:moveTo>
-                <a:lnTo>
-                  <a:pt x="197768" y="0"/>
-                </a:lnTo>
-                <a:cubicBezTo>
-                  <a:pt x="213615" y="0"/>
-                  <a:pt x="226462" y="12847"/>
-                  <a:pt x="226462" y="28694"/>
-                </a:cubicBezTo>
-                <a:lnTo>
-                  <a:pt x="226462" y="205922"/>
-                </a:lnTo>
-                <a:cubicBezTo>
-                  <a:pt x="226462" y="221769"/>
-                  <a:pt x="213615" y="234616"/>
-                  <a:pt x="197768" y="234616"/>
-                </a:cubicBezTo>
-                <a:lnTo>
-                  <a:pt x="0" y="234616"/>
-                </a:lnTo>
-                <a:close/>
-              </a:path>
-            </a:pathLst>
-          </a:custGeom>
-          <a:solidFill>
-            <a:srgbClr val="F6F6F6"/>
-          </a:solidFill>
-          <a:ln>
-            <a:solidFill>
-              <a:schemeClr val="bg1">
-                <a:lumMod val="75000"/>
-              </a:schemeClr>
-            </a:solidFill>
-          </a:ln>
-        </p:spPr>
-        <p:style>
-          <a:lnRef idx="2">
-            <a:schemeClr val="accent1">
-              <a:shade val="50000"/>
-            </a:schemeClr>
-          </a:lnRef>
-          <a:fillRef idx="1">
-            <a:schemeClr val="accent1"/>
-          </a:fillRef>
-          <a:effectRef idx="0">
-            <a:schemeClr val="accent1"/>
-          </a:effectRef>
-          <a:fontRef idx="minor">
-            <a:schemeClr val="lt1"/>
-          </a:fontRef>
-        </p:style>
-        <p:txBody>
-          <a:bodyPr rot="0" spcFirstLastPara="0" vertOverflow="overflow" horzOverflow="overflow" vert="horz" wrap="square" lIns="91440" tIns="45720" rIns="91440" bIns="45720" numCol="1" spcCol="0" rtlCol="0" fromWordArt="0" anchor="ctr" anchorCtr="0" forceAA="0" compatLnSpc="1">
-            <a:prstTxWarp prst="textNoShape">
-              <a:avLst/>
-            </a:prstTxWarp>
-            <a:noAutofit/>
-          </a:bodyPr>
-          <a:lstStyle/>
-          <a:p>
-            <a:pPr algn="ctr"/>
-            <a:endParaRPr kumimoji="1" lang="ko-KR" altLang="en-US" sz="1000" dirty="0">
-              <a:solidFill>
-                <a:schemeClr val="bg1">
-                  <a:lumMod val="50000"/>
-                </a:schemeClr>
-              </a:solidFill>
-            </a:endParaRPr>
-          </a:p>
-        </p:txBody>
-      </p:sp>
-      <p:sp>
-        <p:nvSpPr>
-          <p:cNvPr id="9" name="삼각형 8">
-            <a:extLst>
-              <a:ext uri="{FF2B5EF4-FFF2-40B4-BE49-F238E27FC236}">
-                <a16:creationId xmlns:a16="http://schemas.microsoft.com/office/drawing/2014/main" xmlns="" id="{88083F91-A303-4646-8621-C44DA320BF0A}"/>
-              </a:ext>
-            </a:extLst>
-          </p:cNvPr>
-          <p:cNvSpPr/>
-          <p:nvPr/>
-        </p:nvSpPr>
-        <p:spPr>
-          <a:xfrm flipV="1">
-            <a:off x="6842252" y="3358831"/>
-            <a:ext cx="138219" cy="123593"/>
-          </a:xfrm>
-          <a:prstGeom prst="triangle">
-            <a:avLst/>
-          </a:prstGeom>
-          <a:solidFill>
-            <a:schemeClr val="bg1"/>
-          </a:solidFill>
-          <a:ln>
-            <a:solidFill>
-              <a:schemeClr val="bg1">
-                <a:lumMod val="75000"/>
-              </a:schemeClr>
-            </a:solidFill>
-          </a:ln>
-        </p:spPr>
-        <p:style>
-          <a:lnRef idx="2">
-            <a:schemeClr val="accent1">
-              <a:shade val="50000"/>
-            </a:schemeClr>
-          </a:lnRef>
-          <a:fillRef idx="1">
-            <a:schemeClr val="accent1"/>
-          </a:fillRef>
-          <a:effectRef idx="0">
-            <a:schemeClr val="accent1"/>
-          </a:effectRef>
-          <a:fontRef idx="minor">
-            <a:schemeClr val="lt1"/>
-          </a:fontRef>
-        </p:style>
-        <p:txBody>
-          <a:bodyPr rtlCol="0" anchor="ctr"/>
-          <a:lstStyle/>
-          <a:p>
-            <a:pPr algn="ctr"/>
-            <a:endParaRPr kumimoji="1" lang="ko-KR" altLang="en-US"/>
-          </a:p>
-        </p:txBody>
-      </p:sp>
-      <p:sp>
-        <p:nvSpPr>
-          <p:cNvPr id="37" name="모서리가 둥근 직사각형 36">
-            <a:extLst>
-              <a:ext uri="{FF2B5EF4-FFF2-40B4-BE49-F238E27FC236}">
-                <a16:creationId xmlns:a16="http://schemas.microsoft.com/office/drawing/2014/main" xmlns="" id="{9A63A9A5-7F92-784A-9914-64730658121F}"/>
-              </a:ext>
-            </a:extLst>
-          </p:cNvPr>
-          <p:cNvSpPr/>
-          <p:nvPr/>
-        </p:nvSpPr>
-        <p:spPr>
-          <a:xfrm>
-            <a:off x="5178918" y="4555915"/>
+            <a:off x="5178918" y="4289308"/>
             <a:ext cx="1848323" cy="234616"/>
           </a:xfrm>
           <a:prstGeom prst="roundRect">
@@ -16873,7 +18624,7 @@
     </p:spTree>
     <p:extLst>
       <p:ext uri="{BB962C8B-B14F-4D97-AF65-F5344CB8AC3E}">
-        <p14:creationId xmlns:p14="http://schemas.microsoft.com/office/powerpoint/2010/main" val="275240030"/>
+        <p14:creationId xmlns:p14="http://schemas.microsoft.com/office/powerpoint/2010/main" val="245366664"/>
       </p:ext>
     </p:extLst>
   </p:cSld>
@@ -16902,6 +18653,1785 @@
       </p:grpSpPr>
       <p:sp>
         <p:nvSpPr>
+          <p:cNvPr id="38" name="직사각형 37">
+            <a:extLst>
+              <a:ext uri="{FF2B5EF4-FFF2-40B4-BE49-F238E27FC236}">
+                <a16:creationId xmlns:a16="http://schemas.microsoft.com/office/drawing/2014/main" xmlns="" id="{52919ADA-A117-254A-84FC-71EE71F8346F}"/>
+              </a:ext>
+            </a:extLst>
+          </p:cNvPr>
+          <p:cNvSpPr/>
+          <p:nvPr/>
+        </p:nvSpPr>
+        <p:spPr>
+          <a:xfrm>
+            <a:off x="4894025" y="4381766"/>
+            <a:ext cx="2403951" cy="1241794"/>
+          </a:xfrm>
+          <a:prstGeom prst="rect">
+            <a:avLst/>
+          </a:prstGeom>
+          <a:solidFill>
+            <a:schemeClr val="bg1"/>
+          </a:solidFill>
+          <a:ln>
+            <a:solidFill>
+              <a:schemeClr val="bg1">
+                <a:lumMod val="75000"/>
+              </a:schemeClr>
+            </a:solidFill>
+          </a:ln>
+        </p:spPr>
+        <p:style>
+          <a:lnRef idx="2">
+            <a:schemeClr val="accent1">
+              <a:shade val="50000"/>
+            </a:schemeClr>
+          </a:lnRef>
+          <a:fillRef idx="1">
+            <a:schemeClr val="accent1"/>
+          </a:fillRef>
+          <a:effectRef idx="0">
+            <a:schemeClr val="accent1"/>
+          </a:effectRef>
+          <a:fontRef idx="minor">
+            <a:schemeClr val="lt1"/>
+          </a:fontRef>
+        </p:style>
+        <p:txBody>
+          <a:bodyPr rtlCol="0" anchor="ctr"/>
+          <a:lstStyle/>
+          <a:p>
+            <a:pPr algn="ctr"/>
+            <a:endParaRPr kumimoji="1" lang="ko-KR" altLang="en-US"/>
+          </a:p>
+        </p:txBody>
+      </p:sp>
+      <p:sp>
+        <p:nvSpPr>
+          <p:cNvPr id="39" name="모서리가 둥근 직사각형 38">
+            <a:extLst>
+              <a:ext uri="{FF2B5EF4-FFF2-40B4-BE49-F238E27FC236}">
+                <a16:creationId xmlns:a16="http://schemas.microsoft.com/office/drawing/2014/main" xmlns="" id="{A57A353F-B8A9-1642-BF40-B9FC5F3C0495}"/>
+              </a:ext>
+            </a:extLst>
+          </p:cNvPr>
+          <p:cNvSpPr/>
+          <p:nvPr/>
+        </p:nvSpPr>
+        <p:spPr>
+          <a:xfrm>
+            <a:off x="5171838" y="5214683"/>
+            <a:ext cx="1848323" cy="234616"/>
+          </a:xfrm>
+          <a:prstGeom prst="roundRect">
+            <a:avLst>
+              <a:gd name="adj" fmla="val 12230"/>
+            </a:avLst>
+          </a:prstGeom>
+          <a:solidFill>
+            <a:srgbClr val="00A5FA"/>
+          </a:solidFill>
+          <a:ln>
+            <a:solidFill>
+              <a:srgbClr val="00B0F0"/>
+            </a:solidFill>
+          </a:ln>
+        </p:spPr>
+        <p:style>
+          <a:lnRef idx="2">
+            <a:schemeClr val="accent1">
+              <a:shade val="50000"/>
+            </a:schemeClr>
+          </a:lnRef>
+          <a:fillRef idx="1">
+            <a:schemeClr val="accent1"/>
+          </a:fillRef>
+          <a:effectRef idx="0">
+            <a:schemeClr val="accent1"/>
+          </a:effectRef>
+          <a:fontRef idx="minor">
+            <a:schemeClr val="lt1"/>
+          </a:fontRef>
+        </p:style>
+        <p:txBody>
+          <a:bodyPr rot="0" spcFirstLastPara="0" vertOverflow="overflow" horzOverflow="overflow" vert="horz" wrap="square" lIns="91440" tIns="45720" rIns="91440" bIns="45720" numCol="1" spcCol="0" rtlCol="0" fromWordArt="0" anchor="ctr" anchorCtr="0" forceAA="0" compatLnSpc="1">
+            <a:prstTxWarp prst="textNoShape">
+              <a:avLst/>
+            </a:prstTxWarp>
+            <a:noAutofit/>
+          </a:bodyPr>
+          <a:lstStyle/>
+          <a:p>
+            <a:pPr algn="ctr"/>
+            <a:r>
+              <a:rPr kumimoji="1" lang="ko-KR" altLang="en-US" sz="1000" dirty="0">
+                <a:solidFill>
+                  <a:schemeClr val="bg1"/>
+                </a:solidFill>
+              </a:rPr>
+              <a:t>암호 변경</a:t>
+            </a:r>
+          </a:p>
+        </p:txBody>
+      </p:sp>
+      <p:sp>
+        <p:nvSpPr>
+          <p:cNvPr id="40" name="모서리가 둥근 직사각형 39">
+            <a:extLst>
+              <a:ext uri="{FF2B5EF4-FFF2-40B4-BE49-F238E27FC236}">
+                <a16:creationId xmlns:a16="http://schemas.microsoft.com/office/drawing/2014/main" xmlns="" id="{263F1F28-BB77-6849-9FD7-D3AF6D0E89C0}"/>
+              </a:ext>
+            </a:extLst>
+          </p:cNvPr>
+          <p:cNvSpPr/>
+          <p:nvPr/>
+        </p:nvSpPr>
+        <p:spPr>
+          <a:xfrm>
+            <a:off x="5178918" y="4878589"/>
+            <a:ext cx="1848323" cy="234616"/>
+          </a:xfrm>
+          <a:prstGeom prst="roundRect">
+            <a:avLst>
+              <a:gd name="adj" fmla="val 12230"/>
+            </a:avLst>
+          </a:prstGeom>
+          <a:solidFill>
+            <a:srgbClr val="F6F6F6"/>
+          </a:solidFill>
+          <a:ln>
+            <a:solidFill>
+              <a:schemeClr val="bg1">
+                <a:lumMod val="75000"/>
+              </a:schemeClr>
+            </a:solidFill>
+          </a:ln>
+        </p:spPr>
+        <p:style>
+          <a:lnRef idx="2">
+            <a:schemeClr val="accent1">
+              <a:shade val="50000"/>
+            </a:schemeClr>
+          </a:lnRef>
+          <a:fillRef idx="1">
+            <a:schemeClr val="accent1"/>
+          </a:fillRef>
+          <a:effectRef idx="0">
+            <a:schemeClr val="accent1"/>
+          </a:effectRef>
+          <a:fontRef idx="minor">
+            <a:schemeClr val="lt1"/>
+          </a:fontRef>
+        </p:style>
+        <p:txBody>
+          <a:bodyPr rot="0" spcFirstLastPara="0" vertOverflow="overflow" horzOverflow="overflow" vert="horz" wrap="square" lIns="91440" tIns="45720" rIns="91440" bIns="45720" numCol="1" spcCol="0" rtlCol="0" fromWordArt="0" anchor="ctr" anchorCtr="0" forceAA="0" compatLnSpc="1">
+            <a:prstTxWarp prst="textNoShape">
+              <a:avLst/>
+            </a:prstTxWarp>
+            <a:noAutofit/>
+          </a:bodyPr>
+          <a:lstStyle/>
+          <a:p>
+            <a:pPr algn="ctr"/>
+            <a:r>
+              <a:rPr kumimoji="1" lang="en-US" altLang="ko-KR" sz="1000" dirty="0">
+                <a:solidFill>
+                  <a:schemeClr val="bg1">
+                    <a:lumMod val="50000"/>
+                  </a:schemeClr>
+                </a:solidFill>
+              </a:rPr>
+              <a:t>Confirm Password</a:t>
+            </a:r>
+            <a:endParaRPr kumimoji="1" lang="ko-KR" altLang="en-US" sz="1000" dirty="0">
+              <a:solidFill>
+                <a:schemeClr val="bg1">
+                  <a:lumMod val="50000"/>
+                </a:schemeClr>
+              </a:solidFill>
+            </a:endParaRPr>
+          </a:p>
+        </p:txBody>
+      </p:sp>
+      <p:sp>
+        <p:nvSpPr>
+          <p:cNvPr id="4" name="직사각형 3">
+            <a:extLst>
+              <a:ext uri="{FF2B5EF4-FFF2-40B4-BE49-F238E27FC236}">
+                <a16:creationId xmlns:a16="http://schemas.microsoft.com/office/drawing/2014/main" xmlns="" id="{EA2D8D37-742E-EF4A-A579-D4FCE47462A2}"/>
+              </a:ext>
+            </a:extLst>
+          </p:cNvPr>
+          <p:cNvSpPr/>
+          <p:nvPr/>
+        </p:nvSpPr>
+        <p:spPr>
+          <a:xfrm>
+            <a:off x="0" y="0"/>
+            <a:ext cx="12192000" cy="563417"/>
+          </a:xfrm>
+          <a:prstGeom prst="rect">
+            <a:avLst/>
+          </a:prstGeom>
+          <a:solidFill>
+            <a:schemeClr val="bg1"/>
+          </a:solidFill>
+          <a:ln>
+            <a:solidFill>
+              <a:schemeClr val="bg1">
+                <a:lumMod val="75000"/>
+              </a:schemeClr>
+            </a:solidFill>
+          </a:ln>
+        </p:spPr>
+        <p:style>
+          <a:lnRef idx="2">
+            <a:schemeClr val="accent1">
+              <a:shade val="50000"/>
+            </a:schemeClr>
+          </a:lnRef>
+          <a:fillRef idx="1">
+            <a:schemeClr val="accent1"/>
+          </a:fillRef>
+          <a:effectRef idx="0">
+            <a:schemeClr val="accent1"/>
+          </a:effectRef>
+          <a:fontRef idx="minor">
+            <a:schemeClr val="lt1"/>
+          </a:fontRef>
+        </p:style>
+        <p:txBody>
+          <a:bodyPr rtlCol="0" anchor="ctr"/>
+          <a:lstStyle/>
+          <a:p>
+            <a:pPr algn="ctr"/>
+            <a:endParaRPr kumimoji="1" lang="ko-KR" altLang="en-US" dirty="0"/>
+          </a:p>
+        </p:txBody>
+      </p:sp>
+      <p:sp>
+        <p:nvSpPr>
+          <p:cNvPr id="8" name="TextBox 7">
+            <a:extLst>
+              <a:ext uri="{FF2B5EF4-FFF2-40B4-BE49-F238E27FC236}">
+                <a16:creationId xmlns:a16="http://schemas.microsoft.com/office/drawing/2014/main" xmlns="" id="{2719254F-8374-AF4D-8DE1-35E108E43518}"/>
+              </a:ext>
+            </a:extLst>
+          </p:cNvPr>
+          <p:cNvSpPr txBox="1"/>
+          <p:nvPr/>
+        </p:nvSpPr>
+        <p:spPr>
+          <a:xfrm>
+            <a:off x="5137336" y="112431"/>
+            <a:ext cx="1931491" cy="338554"/>
+          </a:xfrm>
+          <a:prstGeom prst="rect">
+            <a:avLst/>
+          </a:prstGeom>
+          <a:noFill/>
+        </p:spPr>
+        <p:txBody>
+          <a:bodyPr wrap="none" rtlCol="0">
+            <a:spAutoFit/>
+          </a:bodyPr>
+          <a:lstStyle/>
+          <a:p>
+            <a:pPr algn="ctr"/>
+            <a:r>
+              <a:rPr kumimoji="1" lang="en-US" altLang="ko-KR" sz="1600" b="1" dirty="0"/>
+              <a:t>Dutch Broomstick</a:t>
+            </a:r>
+            <a:endParaRPr kumimoji="1" lang="ko-KR" altLang="en-US" sz="1600" b="1" dirty="0"/>
+          </a:p>
+        </p:txBody>
+      </p:sp>
+      <p:sp>
+        <p:nvSpPr>
+          <p:cNvPr id="2" name="타원 1">
+            <a:extLst>
+              <a:ext uri="{FF2B5EF4-FFF2-40B4-BE49-F238E27FC236}">
+                <a16:creationId xmlns:a16="http://schemas.microsoft.com/office/drawing/2014/main" xmlns="" id="{B1E60D62-FE22-E048-88E9-0DD5F5BCAD9B}"/>
+              </a:ext>
+            </a:extLst>
+          </p:cNvPr>
+          <p:cNvSpPr/>
+          <p:nvPr/>
+        </p:nvSpPr>
+        <p:spPr>
+          <a:xfrm>
+            <a:off x="5780244" y="776420"/>
+            <a:ext cx="631510" cy="631510"/>
+          </a:xfrm>
+          <a:prstGeom prst="ellipse">
+            <a:avLst/>
+          </a:prstGeom>
+          <a:solidFill>
+            <a:schemeClr val="bg1"/>
+          </a:solidFill>
+          <a:ln>
+            <a:solidFill>
+              <a:schemeClr val="bg1">
+                <a:lumMod val="75000"/>
+              </a:schemeClr>
+            </a:solidFill>
+          </a:ln>
+        </p:spPr>
+        <p:style>
+          <a:lnRef idx="2">
+            <a:schemeClr val="accent1">
+              <a:shade val="50000"/>
+            </a:schemeClr>
+          </a:lnRef>
+          <a:fillRef idx="1">
+            <a:schemeClr val="accent1"/>
+          </a:fillRef>
+          <a:effectRef idx="0">
+            <a:schemeClr val="accent1"/>
+          </a:effectRef>
+          <a:fontRef idx="minor">
+            <a:schemeClr val="lt1"/>
+          </a:fontRef>
+        </p:style>
+        <p:txBody>
+          <a:bodyPr rtlCol="0" anchor="ctr"/>
+          <a:lstStyle/>
+          <a:p>
+            <a:pPr algn="ctr"/>
+            <a:endParaRPr kumimoji="1" lang="ko-KR" altLang="en-US"/>
+          </a:p>
+        </p:txBody>
+      </p:sp>
+      <p:sp>
+        <p:nvSpPr>
+          <p:cNvPr id="3" name="TextBox 2">
+            <a:extLst>
+              <a:ext uri="{FF2B5EF4-FFF2-40B4-BE49-F238E27FC236}">
+                <a16:creationId xmlns:a16="http://schemas.microsoft.com/office/drawing/2014/main" xmlns="" id="{1E856193-7D66-474C-B81B-812565E29730}"/>
+              </a:ext>
+            </a:extLst>
+          </p:cNvPr>
+          <p:cNvSpPr txBox="1"/>
+          <p:nvPr/>
+        </p:nvSpPr>
+        <p:spPr>
+          <a:xfrm>
+            <a:off x="5770596" y="1506462"/>
+            <a:ext cx="646331" cy="276999"/>
+          </a:xfrm>
+          <a:prstGeom prst="rect">
+            <a:avLst/>
+          </a:prstGeom>
+          <a:noFill/>
+        </p:spPr>
+        <p:txBody>
+          <a:bodyPr wrap="none" rtlCol="0">
+            <a:spAutoFit/>
+          </a:bodyPr>
+          <a:lstStyle/>
+          <a:p>
+            <a:pPr algn="l"/>
+            <a:r>
+              <a:rPr kumimoji="1" lang="ko-KR" altLang="en-US" sz="1200" dirty="0">
+                <a:solidFill>
+                  <a:schemeClr val="bg1">
+                    <a:lumMod val="50000"/>
+                  </a:schemeClr>
+                </a:solidFill>
+              </a:rPr>
+              <a:t>홍길동</a:t>
+            </a:r>
+          </a:p>
+        </p:txBody>
+      </p:sp>
+      <p:sp>
+        <p:nvSpPr>
+          <p:cNvPr id="14" name="TextBox 13">
+            <a:extLst>
+              <a:ext uri="{FF2B5EF4-FFF2-40B4-BE49-F238E27FC236}">
+                <a16:creationId xmlns:a16="http://schemas.microsoft.com/office/drawing/2014/main" xmlns="" id="{1CA1A22B-0D6C-F14D-9A1B-6A8AE894BDA5}"/>
+              </a:ext>
+            </a:extLst>
+          </p:cNvPr>
+          <p:cNvSpPr txBox="1"/>
+          <p:nvPr/>
+        </p:nvSpPr>
+        <p:spPr>
+          <a:xfrm>
+            <a:off x="5535457" y="1730074"/>
+            <a:ext cx="1135247" cy="261610"/>
+          </a:xfrm>
+          <a:prstGeom prst="rect">
+            <a:avLst/>
+          </a:prstGeom>
+          <a:noFill/>
+        </p:spPr>
+        <p:txBody>
+          <a:bodyPr wrap="none" rtlCol="0">
+            <a:spAutoFit/>
+          </a:bodyPr>
+          <a:lstStyle/>
+          <a:p>
+            <a:pPr algn="l"/>
+            <a:r>
+              <a:rPr kumimoji="1" lang="en-US" altLang="ko-KR" sz="1050" dirty="0">
+                <a:solidFill>
+                  <a:schemeClr val="tx1">
+                    <a:lumMod val="65000"/>
+                    <a:lumOff val="35000"/>
+                  </a:schemeClr>
+                </a:solidFill>
+              </a:rPr>
+              <a:t>redRoadEast13</a:t>
+            </a:r>
+            <a:endParaRPr kumimoji="1" lang="ko-KR" altLang="en-US" sz="1050" dirty="0">
+              <a:solidFill>
+                <a:schemeClr val="tx1">
+                  <a:lumMod val="65000"/>
+                  <a:lumOff val="35000"/>
+                </a:schemeClr>
+              </a:solidFill>
+            </a:endParaRPr>
+          </a:p>
+        </p:txBody>
+      </p:sp>
+      <p:sp>
+        <p:nvSpPr>
+          <p:cNvPr id="23" name="자유형 22">
+            <a:extLst>
+              <a:ext uri="{FF2B5EF4-FFF2-40B4-BE49-F238E27FC236}">
+                <a16:creationId xmlns:a16="http://schemas.microsoft.com/office/drawing/2014/main" xmlns="" id="{5E9A23AE-BAC6-E245-89C0-DB5FE7E85968}"/>
+              </a:ext>
+            </a:extLst>
+          </p:cNvPr>
+          <p:cNvSpPr/>
+          <p:nvPr/>
+        </p:nvSpPr>
+        <p:spPr>
+          <a:xfrm>
+            <a:off x="5900142" y="957345"/>
+            <a:ext cx="391715" cy="450585"/>
+          </a:xfrm>
+          <a:custGeom>
+            <a:avLst/>
+            <a:gdLst>
+              <a:gd name="connsiteX0" fmla="*/ 286755 w 573510"/>
+              <a:gd name="connsiteY0" fmla="*/ 416016 h 659701"/>
+              <a:gd name="connsiteX1" fmla="*/ 567734 w 573510"/>
+              <a:gd name="connsiteY1" fmla="*/ 543224 h 659701"/>
+              <a:gd name="connsiteX2" fmla="*/ 573510 w 573510"/>
+              <a:gd name="connsiteY2" fmla="*/ 555934 h 659701"/>
+              <a:gd name="connsiteX3" fmla="*/ 542380 w 573510"/>
+              <a:gd name="connsiteY3" fmla="*/ 581619 h 659701"/>
+              <a:gd name="connsiteX4" fmla="*/ 286755 w 573510"/>
+              <a:gd name="connsiteY4" fmla="*/ 659701 h 659701"/>
+              <a:gd name="connsiteX5" fmla="*/ 31130 w 573510"/>
+              <a:gd name="connsiteY5" fmla="*/ 581619 h 659701"/>
+              <a:gd name="connsiteX6" fmla="*/ 0 w 573510"/>
+              <a:gd name="connsiteY6" fmla="*/ 555934 h 659701"/>
+              <a:gd name="connsiteX7" fmla="*/ 5776 w 573510"/>
+              <a:gd name="connsiteY7" fmla="*/ 543224 h 659701"/>
+              <a:gd name="connsiteX8" fmla="*/ 286755 w 573510"/>
+              <a:gd name="connsiteY8" fmla="*/ 416016 h 659701"/>
+              <a:gd name="connsiteX9" fmla="*/ 286754 w 573510"/>
+              <a:gd name="connsiteY9" fmla="*/ 0 h 659701"/>
+              <a:gd name="connsiteX10" fmla="*/ 476099 w 573510"/>
+              <a:gd name="connsiteY10" fmla="*/ 189345 h 659701"/>
+              <a:gd name="connsiteX11" fmla="*/ 286754 w 573510"/>
+              <a:gd name="connsiteY11" fmla="*/ 378690 h 659701"/>
+              <a:gd name="connsiteX12" fmla="*/ 97409 w 573510"/>
+              <a:gd name="connsiteY12" fmla="*/ 189345 h 659701"/>
+              <a:gd name="connsiteX13" fmla="*/ 286754 w 573510"/>
+              <a:gd name="connsiteY13" fmla="*/ 0 h 659701"/>
+            </a:gdLst>
+            <a:ahLst/>
+            <a:cxnLst>
+              <a:cxn ang="0">
+                <a:pos x="connsiteX0" y="connsiteY0"/>
+              </a:cxn>
+              <a:cxn ang="0">
+                <a:pos x="connsiteX1" y="connsiteY1"/>
+              </a:cxn>
+              <a:cxn ang="0">
+                <a:pos x="connsiteX2" y="connsiteY2"/>
+              </a:cxn>
+              <a:cxn ang="0">
+                <a:pos x="connsiteX3" y="connsiteY3"/>
+              </a:cxn>
+              <a:cxn ang="0">
+                <a:pos x="connsiteX4" y="connsiteY4"/>
+              </a:cxn>
+              <a:cxn ang="0">
+                <a:pos x="connsiteX5" y="connsiteY5"/>
+              </a:cxn>
+              <a:cxn ang="0">
+                <a:pos x="connsiteX6" y="connsiteY6"/>
+              </a:cxn>
+              <a:cxn ang="0">
+                <a:pos x="connsiteX7" y="connsiteY7"/>
+              </a:cxn>
+              <a:cxn ang="0">
+                <a:pos x="connsiteX8" y="connsiteY8"/>
+              </a:cxn>
+              <a:cxn ang="0">
+                <a:pos x="connsiteX9" y="connsiteY9"/>
+              </a:cxn>
+              <a:cxn ang="0">
+                <a:pos x="connsiteX10" y="connsiteY10"/>
+              </a:cxn>
+              <a:cxn ang="0">
+                <a:pos x="connsiteX11" y="connsiteY11"/>
+              </a:cxn>
+              <a:cxn ang="0">
+                <a:pos x="connsiteX12" y="connsiteY12"/>
+              </a:cxn>
+              <a:cxn ang="0">
+                <a:pos x="connsiteX13" y="connsiteY13"/>
+              </a:cxn>
+            </a:cxnLst>
+            <a:rect l="l" t="t" r="r" b="b"/>
+            <a:pathLst>
+              <a:path w="573510" h="659701">
+                <a:moveTo>
+                  <a:pt x="286755" y="416016"/>
+                </a:moveTo>
+                <a:cubicBezTo>
+                  <a:pt x="413066" y="416016"/>
+                  <a:pt x="521441" y="468469"/>
+                  <a:pt x="567734" y="543224"/>
+                </a:cubicBezTo>
+                <a:lnTo>
+                  <a:pt x="573510" y="555934"/>
+                </a:lnTo>
+                <a:lnTo>
+                  <a:pt x="542380" y="581619"/>
+                </a:lnTo>
+                <a:cubicBezTo>
+                  <a:pt x="469410" y="630916"/>
+                  <a:pt x="381444" y="659701"/>
+                  <a:pt x="286755" y="659701"/>
+                </a:cubicBezTo>
+                <a:cubicBezTo>
+                  <a:pt x="192066" y="659701"/>
+                  <a:pt x="104100" y="630916"/>
+                  <a:pt x="31130" y="581619"/>
+                </a:cubicBezTo>
+                <a:lnTo>
+                  <a:pt x="0" y="555934"/>
+                </a:lnTo>
+                <a:lnTo>
+                  <a:pt x="5776" y="543224"/>
+                </a:lnTo>
+                <a:cubicBezTo>
+                  <a:pt x="52069" y="468469"/>
+                  <a:pt x="160444" y="416016"/>
+                  <a:pt x="286755" y="416016"/>
+                </a:cubicBezTo>
+                <a:close/>
+                <a:moveTo>
+                  <a:pt x="286754" y="0"/>
+                </a:moveTo>
+                <a:cubicBezTo>
+                  <a:pt x="391326" y="0"/>
+                  <a:pt x="476099" y="84773"/>
+                  <a:pt x="476099" y="189345"/>
+                </a:cubicBezTo>
+                <a:cubicBezTo>
+                  <a:pt x="476099" y="293917"/>
+                  <a:pt x="391326" y="378690"/>
+                  <a:pt x="286754" y="378690"/>
+                </a:cubicBezTo>
+                <a:cubicBezTo>
+                  <a:pt x="182182" y="378690"/>
+                  <a:pt x="97409" y="293917"/>
+                  <a:pt x="97409" y="189345"/>
+                </a:cubicBezTo>
+                <a:cubicBezTo>
+                  <a:pt x="97409" y="84773"/>
+                  <a:pt x="182182" y="0"/>
+                  <a:pt x="286754" y="0"/>
+                </a:cubicBezTo>
+                <a:close/>
+              </a:path>
+            </a:pathLst>
+          </a:custGeom>
+          <a:solidFill>
+            <a:schemeClr val="tx1">
+              <a:lumMod val="50000"/>
+              <a:lumOff val="50000"/>
+            </a:schemeClr>
+          </a:solidFill>
+          <a:ln>
+            <a:noFill/>
+          </a:ln>
+        </p:spPr>
+        <p:style>
+          <a:lnRef idx="2">
+            <a:schemeClr val="accent1">
+              <a:shade val="50000"/>
+            </a:schemeClr>
+          </a:lnRef>
+          <a:fillRef idx="1">
+            <a:schemeClr val="accent1"/>
+          </a:fillRef>
+          <a:effectRef idx="0">
+            <a:schemeClr val="accent1"/>
+          </a:effectRef>
+          <a:fontRef idx="minor">
+            <a:schemeClr val="lt1"/>
+          </a:fontRef>
+        </p:style>
+        <p:txBody>
+          <a:bodyPr rtlCol="0" anchor="ctr"/>
+          <a:lstStyle/>
+          <a:p>
+            <a:pPr algn="ctr"/>
+            <a:endParaRPr kumimoji="1" lang="ko-KR" altLang="en-US"/>
+          </a:p>
+        </p:txBody>
+      </p:sp>
+      <p:sp>
+        <p:nvSpPr>
+          <p:cNvPr id="16" name="직사각형 15">
+            <a:extLst>
+              <a:ext uri="{FF2B5EF4-FFF2-40B4-BE49-F238E27FC236}">
+                <a16:creationId xmlns:a16="http://schemas.microsoft.com/office/drawing/2014/main" xmlns="" id="{6F5F9F6A-CCD1-9D47-9528-9CCA314EA8B3}"/>
+              </a:ext>
+            </a:extLst>
+          </p:cNvPr>
+          <p:cNvSpPr/>
+          <p:nvPr/>
+        </p:nvSpPr>
+        <p:spPr>
+          <a:xfrm>
+            <a:off x="4894025" y="2147745"/>
+            <a:ext cx="2403951" cy="898484"/>
+          </a:xfrm>
+          <a:prstGeom prst="rect">
+            <a:avLst/>
+          </a:prstGeom>
+          <a:solidFill>
+            <a:schemeClr val="bg1"/>
+          </a:solidFill>
+          <a:ln>
+            <a:solidFill>
+              <a:schemeClr val="bg1">
+                <a:lumMod val="75000"/>
+              </a:schemeClr>
+            </a:solidFill>
+          </a:ln>
+        </p:spPr>
+        <p:style>
+          <a:lnRef idx="2">
+            <a:schemeClr val="accent1">
+              <a:shade val="50000"/>
+            </a:schemeClr>
+          </a:lnRef>
+          <a:fillRef idx="1">
+            <a:schemeClr val="accent1"/>
+          </a:fillRef>
+          <a:effectRef idx="0">
+            <a:schemeClr val="accent1"/>
+          </a:effectRef>
+          <a:fontRef idx="minor">
+            <a:schemeClr val="lt1"/>
+          </a:fontRef>
+        </p:style>
+        <p:txBody>
+          <a:bodyPr rtlCol="0" anchor="ctr"/>
+          <a:lstStyle/>
+          <a:p>
+            <a:pPr algn="ctr"/>
+            <a:endParaRPr kumimoji="1" lang="ko-KR" altLang="en-US"/>
+          </a:p>
+        </p:txBody>
+      </p:sp>
+      <p:sp>
+        <p:nvSpPr>
+          <p:cNvPr id="21" name="TextBox 20">
+            <a:extLst>
+              <a:ext uri="{FF2B5EF4-FFF2-40B4-BE49-F238E27FC236}">
+                <a16:creationId xmlns:a16="http://schemas.microsoft.com/office/drawing/2014/main" xmlns="" id="{EAEB2F1C-0656-1C44-A4A8-9F17D5ECF8EA}"/>
+              </a:ext>
+            </a:extLst>
+          </p:cNvPr>
+          <p:cNvSpPr txBox="1"/>
+          <p:nvPr/>
+        </p:nvSpPr>
+        <p:spPr>
+          <a:xfrm>
+            <a:off x="4938362" y="2195474"/>
+            <a:ext cx="998992" cy="246221"/>
+          </a:xfrm>
+          <a:prstGeom prst="rect">
+            <a:avLst/>
+          </a:prstGeom>
+          <a:noFill/>
+        </p:spPr>
+        <p:txBody>
+          <a:bodyPr wrap="none" rtlCol="0">
+            <a:spAutoFit/>
+          </a:bodyPr>
+          <a:lstStyle/>
+          <a:p>
+            <a:pPr algn="ctr"/>
+            <a:r>
+              <a:rPr kumimoji="1" lang="ko-KR" altLang="en-US" sz="1000" dirty="0">
+                <a:solidFill>
+                  <a:schemeClr val="tx1">
+                    <a:lumMod val="65000"/>
+                    <a:lumOff val="35000"/>
+                  </a:schemeClr>
+                </a:solidFill>
+              </a:rPr>
+              <a:t>선호하는 계좌</a:t>
+            </a:r>
+          </a:p>
+        </p:txBody>
+      </p:sp>
+      <p:sp>
+        <p:nvSpPr>
+          <p:cNvPr id="22" name="직사각형 21">
+            <a:extLst>
+              <a:ext uri="{FF2B5EF4-FFF2-40B4-BE49-F238E27FC236}">
+                <a16:creationId xmlns:a16="http://schemas.microsoft.com/office/drawing/2014/main" xmlns="" id="{E2FC0CAE-FB47-C640-9D55-2BE2138C084C}"/>
+              </a:ext>
+            </a:extLst>
+          </p:cNvPr>
+          <p:cNvSpPr/>
+          <p:nvPr/>
+        </p:nvSpPr>
+        <p:spPr>
+          <a:xfrm>
+            <a:off x="4894025" y="3114213"/>
+            <a:ext cx="2403951" cy="1203280"/>
+          </a:xfrm>
+          <a:prstGeom prst="rect">
+            <a:avLst/>
+          </a:prstGeom>
+          <a:solidFill>
+            <a:schemeClr val="bg1"/>
+          </a:solidFill>
+          <a:ln>
+            <a:solidFill>
+              <a:schemeClr val="bg1">
+                <a:lumMod val="75000"/>
+              </a:schemeClr>
+            </a:solidFill>
+          </a:ln>
+        </p:spPr>
+        <p:style>
+          <a:lnRef idx="2">
+            <a:schemeClr val="accent1">
+              <a:shade val="50000"/>
+            </a:schemeClr>
+          </a:lnRef>
+          <a:fillRef idx="1">
+            <a:schemeClr val="accent1"/>
+          </a:fillRef>
+          <a:effectRef idx="0">
+            <a:schemeClr val="accent1"/>
+          </a:effectRef>
+          <a:fontRef idx="minor">
+            <a:schemeClr val="lt1"/>
+          </a:fontRef>
+        </p:style>
+        <p:txBody>
+          <a:bodyPr rtlCol="0" anchor="ctr"/>
+          <a:lstStyle/>
+          <a:p>
+            <a:pPr algn="ctr"/>
+            <a:endParaRPr kumimoji="1" lang="ko-KR" altLang="en-US"/>
+          </a:p>
+        </p:txBody>
+      </p:sp>
+      <p:sp>
+        <p:nvSpPr>
+          <p:cNvPr id="24" name="모서리가 둥근 직사각형 23">
+            <a:extLst>
+              <a:ext uri="{FF2B5EF4-FFF2-40B4-BE49-F238E27FC236}">
+                <a16:creationId xmlns:a16="http://schemas.microsoft.com/office/drawing/2014/main" xmlns="" id="{3F61A55F-FE8C-A948-B8F3-C63ED8D89A73}"/>
+              </a:ext>
+            </a:extLst>
+          </p:cNvPr>
+          <p:cNvSpPr/>
+          <p:nvPr/>
+        </p:nvSpPr>
+        <p:spPr>
+          <a:xfrm>
+            <a:off x="5171838" y="3932977"/>
+            <a:ext cx="1848323" cy="234616"/>
+          </a:xfrm>
+          <a:prstGeom prst="roundRect">
+            <a:avLst>
+              <a:gd name="adj" fmla="val 12230"/>
+            </a:avLst>
+          </a:prstGeom>
+          <a:solidFill>
+            <a:srgbClr val="00A5FA"/>
+          </a:solidFill>
+          <a:ln>
+            <a:solidFill>
+              <a:srgbClr val="00B0F0"/>
+            </a:solidFill>
+          </a:ln>
+        </p:spPr>
+        <p:style>
+          <a:lnRef idx="2">
+            <a:schemeClr val="accent1">
+              <a:shade val="50000"/>
+            </a:schemeClr>
+          </a:lnRef>
+          <a:fillRef idx="1">
+            <a:schemeClr val="accent1"/>
+          </a:fillRef>
+          <a:effectRef idx="0">
+            <a:schemeClr val="accent1"/>
+          </a:effectRef>
+          <a:fontRef idx="minor">
+            <a:schemeClr val="lt1"/>
+          </a:fontRef>
+        </p:style>
+        <p:txBody>
+          <a:bodyPr rot="0" spcFirstLastPara="0" vertOverflow="overflow" horzOverflow="overflow" vert="horz" wrap="square" lIns="91440" tIns="45720" rIns="91440" bIns="45720" numCol="1" spcCol="0" rtlCol="0" fromWordArt="0" anchor="ctr" anchorCtr="0" forceAA="0" compatLnSpc="1">
+            <a:prstTxWarp prst="textNoShape">
+              <a:avLst/>
+            </a:prstTxWarp>
+            <a:noAutofit/>
+          </a:bodyPr>
+          <a:lstStyle/>
+          <a:p>
+            <a:pPr algn="ctr"/>
+            <a:r>
+              <a:rPr kumimoji="1" lang="ko-KR" altLang="en-US" sz="1000" dirty="0">
+                <a:solidFill>
+                  <a:schemeClr val="bg1"/>
+                </a:solidFill>
+              </a:rPr>
+              <a:t>선호 계좌 변경</a:t>
+            </a:r>
+          </a:p>
+        </p:txBody>
+      </p:sp>
+      <p:sp>
+        <p:nvSpPr>
+          <p:cNvPr id="5" name="TextBox 4">
+            <a:extLst>
+              <a:ext uri="{FF2B5EF4-FFF2-40B4-BE49-F238E27FC236}">
+                <a16:creationId xmlns:a16="http://schemas.microsoft.com/office/drawing/2014/main" xmlns="" id="{2345FB5A-9B88-114F-A895-84140DA47405}"/>
+              </a:ext>
+            </a:extLst>
+          </p:cNvPr>
+          <p:cNvSpPr txBox="1"/>
+          <p:nvPr/>
+        </p:nvSpPr>
+        <p:spPr>
+          <a:xfrm>
+            <a:off x="5588451" y="2495673"/>
+            <a:ext cx="1646605" cy="461665"/>
+          </a:xfrm>
+          <a:prstGeom prst="rect">
+            <a:avLst/>
+          </a:prstGeom>
+          <a:noFill/>
+        </p:spPr>
+        <p:txBody>
+          <a:bodyPr wrap="none" rtlCol="0">
+            <a:spAutoFit/>
+          </a:bodyPr>
+          <a:lstStyle/>
+          <a:p>
+            <a:pPr algn="r"/>
+            <a:r>
+              <a:rPr kumimoji="1" lang="en-US" altLang="ko-KR" sz="1200" dirty="0">
+                <a:solidFill>
+                  <a:schemeClr val="bg1">
+                    <a:lumMod val="50000"/>
+                  </a:schemeClr>
+                </a:solidFill>
+              </a:rPr>
+              <a:t>NH </a:t>
+            </a:r>
+            <a:r>
+              <a:rPr kumimoji="1" lang="ko-KR" altLang="en-US" sz="1200" dirty="0">
+                <a:solidFill>
+                  <a:schemeClr val="bg1">
+                    <a:lumMod val="50000"/>
+                  </a:schemeClr>
+                </a:solidFill>
+              </a:rPr>
+              <a:t>농협</a:t>
+            </a:r>
+            <a:endParaRPr kumimoji="1" lang="en-US" altLang="ko-KR" sz="1200" dirty="0">
+              <a:solidFill>
+                <a:schemeClr val="bg1">
+                  <a:lumMod val="50000"/>
+                </a:schemeClr>
+              </a:solidFill>
+            </a:endParaRPr>
+          </a:p>
+          <a:p>
+            <a:pPr algn="r"/>
+            <a:r>
+              <a:rPr kumimoji="1" lang="en-US" altLang="ko-KR" sz="1200" dirty="0">
+                <a:solidFill>
+                  <a:schemeClr val="bg1">
+                    <a:lumMod val="50000"/>
+                  </a:schemeClr>
+                </a:solidFill>
+              </a:rPr>
+              <a:t>302-1016-0321-1230</a:t>
+            </a:r>
+            <a:endParaRPr kumimoji="1" lang="ko-KR" altLang="en-US" sz="1200" dirty="0">
+              <a:solidFill>
+                <a:schemeClr val="bg1">
+                  <a:lumMod val="50000"/>
+                </a:schemeClr>
+              </a:solidFill>
+            </a:endParaRPr>
+          </a:p>
+        </p:txBody>
+      </p:sp>
+      <p:sp>
+        <p:nvSpPr>
+          <p:cNvPr id="27" name="모서리가 둥근 직사각형 26">
+            <a:extLst>
+              <a:ext uri="{FF2B5EF4-FFF2-40B4-BE49-F238E27FC236}">
+                <a16:creationId xmlns:a16="http://schemas.microsoft.com/office/drawing/2014/main" xmlns="" id="{E9F8B3E1-B4B3-B149-A1FB-5E80A693149E}"/>
+              </a:ext>
+            </a:extLst>
+          </p:cNvPr>
+          <p:cNvSpPr/>
+          <p:nvPr/>
+        </p:nvSpPr>
+        <p:spPr>
+          <a:xfrm>
+            <a:off x="5178918" y="3597810"/>
+            <a:ext cx="1848323" cy="234616"/>
+          </a:xfrm>
+          <a:prstGeom prst="roundRect">
+            <a:avLst>
+              <a:gd name="adj" fmla="val 12230"/>
+            </a:avLst>
+          </a:prstGeom>
+          <a:solidFill>
+            <a:srgbClr val="F6F6F6"/>
+          </a:solidFill>
+          <a:ln>
+            <a:solidFill>
+              <a:schemeClr val="bg1">
+                <a:lumMod val="75000"/>
+              </a:schemeClr>
+            </a:solidFill>
+          </a:ln>
+        </p:spPr>
+        <p:style>
+          <a:lnRef idx="2">
+            <a:schemeClr val="accent1">
+              <a:shade val="50000"/>
+            </a:schemeClr>
+          </a:lnRef>
+          <a:fillRef idx="1">
+            <a:schemeClr val="accent1"/>
+          </a:fillRef>
+          <a:effectRef idx="0">
+            <a:schemeClr val="accent1"/>
+          </a:effectRef>
+          <a:fontRef idx="minor">
+            <a:schemeClr val="lt1"/>
+          </a:fontRef>
+        </p:style>
+        <p:txBody>
+          <a:bodyPr rot="0" spcFirstLastPara="0" vertOverflow="overflow" horzOverflow="overflow" vert="horz" wrap="square" lIns="91440" tIns="45720" rIns="91440" bIns="45720" numCol="1" spcCol="0" rtlCol="0" fromWordArt="0" anchor="ctr" anchorCtr="0" forceAA="0" compatLnSpc="1">
+            <a:prstTxWarp prst="textNoShape">
+              <a:avLst/>
+            </a:prstTxWarp>
+            <a:noAutofit/>
+          </a:bodyPr>
+          <a:lstStyle/>
+          <a:p>
+            <a:pPr algn="ctr"/>
+            <a:r>
+              <a:rPr kumimoji="1" lang="en-US" altLang="ko-KR" sz="1000" dirty="0">
+                <a:solidFill>
+                  <a:schemeClr val="bg1">
+                    <a:lumMod val="50000"/>
+                  </a:schemeClr>
+                </a:solidFill>
+              </a:rPr>
+              <a:t>Account</a:t>
+            </a:r>
+            <a:r>
+              <a:rPr kumimoji="1" lang="ko-KR" altLang="en-US" sz="1000" dirty="0">
+                <a:solidFill>
+                  <a:schemeClr val="bg1">
+                    <a:lumMod val="50000"/>
+                  </a:schemeClr>
+                </a:solidFill>
+              </a:rPr>
+              <a:t> </a:t>
+            </a:r>
+            <a:r>
+              <a:rPr kumimoji="1" lang="en-US" altLang="ko-KR" sz="1000" dirty="0">
+                <a:solidFill>
+                  <a:schemeClr val="bg1">
+                    <a:lumMod val="50000"/>
+                  </a:schemeClr>
+                </a:solidFill>
+              </a:rPr>
+              <a:t>Number</a:t>
+            </a:r>
+            <a:endParaRPr kumimoji="1" lang="ko-KR" altLang="en-US" sz="1000" dirty="0">
+              <a:solidFill>
+                <a:schemeClr val="bg1">
+                  <a:lumMod val="50000"/>
+                </a:schemeClr>
+              </a:solidFill>
+            </a:endParaRPr>
+          </a:p>
+        </p:txBody>
+      </p:sp>
+      <p:cxnSp>
+        <p:nvCxnSpPr>
+          <p:cNvPr id="7" name="직선 연결선[R] 6">
+            <a:extLst>
+              <a:ext uri="{FF2B5EF4-FFF2-40B4-BE49-F238E27FC236}">
+                <a16:creationId xmlns:a16="http://schemas.microsoft.com/office/drawing/2014/main" xmlns="" id="{C37948BC-65C1-2448-A2EC-23EA3452E453}"/>
+              </a:ext>
+            </a:extLst>
+          </p:cNvPr>
+          <p:cNvCxnSpPr/>
+          <p:nvPr/>
+        </p:nvCxnSpPr>
+        <p:spPr>
+          <a:xfrm>
+            <a:off x="4986670" y="2416637"/>
+            <a:ext cx="951614" cy="0"/>
+          </a:xfrm>
+          <a:prstGeom prst="line">
+            <a:avLst/>
+          </a:prstGeom>
+          <a:ln>
+            <a:solidFill>
+              <a:schemeClr val="tx1"/>
+            </a:solidFill>
+          </a:ln>
+        </p:spPr>
+        <p:style>
+          <a:lnRef idx="1">
+            <a:schemeClr val="accent1"/>
+          </a:lnRef>
+          <a:fillRef idx="0">
+            <a:schemeClr val="accent1"/>
+          </a:fillRef>
+          <a:effectRef idx="0">
+            <a:schemeClr val="accent1"/>
+          </a:effectRef>
+          <a:fontRef idx="minor">
+            <a:schemeClr val="tx1"/>
+          </a:fontRef>
+        </p:style>
+      </p:cxnSp>
+      <p:sp>
+        <p:nvSpPr>
+          <p:cNvPr id="32" name="자유형 31">
+            <a:extLst>
+              <a:ext uri="{FF2B5EF4-FFF2-40B4-BE49-F238E27FC236}">
+                <a16:creationId xmlns:a16="http://schemas.microsoft.com/office/drawing/2014/main" xmlns="" id="{667A8658-5E69-F440-A283-007B7061E1AC}"/>
+              </a:ext>
+            </a:extLst>
+          </p:cNvPr>
+          <p:cNvSpPr/>
+          <p:nvPr/>
+        </p:nvSpPr>
+        <p:spPr>
+          <a:xfrm>
+            <a:off x="5178918" y="3294558"/>
+            <a:ext cx="1601869" cy="234616"/>
+          </a:xfrm>
+          <a:custGeom>
+            <a:avLst/>
+            <a:gdLst>
+              <a:gd name="connsiteX0" fmla="*/ 28694 w 1601869"/>
+              <a:gd name="connsiteY0" fmla="*/ 0 h 234616"/>
+              <a:gd name="connsiteX1" fmla="*/ 1601869 w 1601869"/>
+              <a:gd name="connsiteY1" fmla="*/ 0 h 234616"/>
+              <a:gd name="connsiteX2" fmla="*/ 1601869 w 1601869"/>
+              <a:gd name="connsiteY2" fmla="*/ 234616 h 234616"/>
+              <a:gd name="connsiteX3" fmla="*/ 28694 w 1601869"/>
+              <a:gd name="connsiteY3" fmla="*/ 234616 h 234616"/>
+              <a:gd name="connsiteX4" fmla="*/ 0 w 1601869"/>
+              <a:gd name="connsiteY4" fmla="*/ 205922 h 234616"/>
+              <a:gd name="connsiteX5" fmla="*/ 0 w 1601869"/>
+              <a:gd name="connsiteY5" fmla="*/ 28694 h 234616"/>
+              <a:gd name="connsiteX6" fmla="*/ 28694 w 1601869"/>
+              <a:gd name="connsiteY6" fmla="*/ 0 h 234616"/>
+            </a:gdLst>
+            <a:ahLst/>
+            <a:cxnLst>
+              <a:cxn ang="0">
+                <a:pos x="connsiteX0" y="connsiteY0"/>
+              </a:cxn>
+              <a:cxn ang="0">
+                <a:pos x="connsiteX1" y="connsiteY1"/>
+              </a:cxn>
+              <a:cxn ang="0">
+                <a:pos x="connsiteX2" y="connsiteY2"/>
+              </a:cxn>
+              <a:cxn ang="0">
+                <a:pos x="connsiteX3" y="connsiteY3"/>
+              </a:cxn>
+              <a:cxn ang="0">
+                <a:pos x="connsiteX4" y="connsiteY4"/>
+              </a:cxn>
+              <a:cxn ang="0">
+                <a:pos x="connsiteX5" y="connsiteY5"/>
+              </a:cxn>
+              <a:cxn ang="0">
+                <a:pos x="connsiteX6" y="connsiteY6"/>
+              </a:cxn>
+            </a:cxnLst>
+            <a:rect l="l" t="t" r="r" b="b"/>
+            <a:pathLst>
+              <a:path w="1601869" h="234616">
+                <a:moveTo>
+                  <a:pt x="28694" y="0"/>
+                </a:moveTo>
+                <a:lnTo>
+                  <a:pt x="1601869" y="0"/>
+                </a:lnTo>
+                <a:lnTo>
+                  <a:pt x="1601869" y="234616"/>
+                </a:lnTo>
+                <a:lnTo>
+                  <a:pt x="28694" y="234616"/>
+                </a:lnTo>
+                <a:cubicBezTo>
+                  <a:pt x="12847" y="234616"/>
+                  <a:pt x="0" y="221769"/>
+                  <a:pt x="0" y="205922"/>
+                </a:cubicBezTo>
+                <a:lnTo>
+                  <a:pt x="0" y="28694"/>
+                </a:lnTo>
+                <a:cubicBezTo>
+                  <a:pt x="0" y="12847"/>
+                  <a:pt x="12847" y="0"/>
+                  <a:pt x="28694" y="0"/>
+                </a:cubicBezTo>
+                <a:close/>
+              </a:path>
+            </a:pathLst>
+          </a:custGeom>
+          <a:solidFill>
+            <a:srgbClr val="F6F6F6"/>
+          </a:solidFill>
+          <a:ln>
+            <a:solidFill>
+              <a:schemeClr val="bg1">
+                <a:lumMod val="75000"/>
+              </a:schemeClr>
+            </a:solidFill>
+          </a:ln>
+        </p:spPr>
+        <p:style>
+          <a:lnRef idx="2">
+            <a:schemeClr val="accent1">
+              <a:shade val="50000"/>
+            </a:schemeClr>
+          </a:lnRef>
+          <a:fillRef idx="1">
+            <a:schemeClr val="accent1"/>
+          </a:fillRef>
+          <a:effectRef idx="0">
+            <a:schemeClr val="accent1"/>
+          </a:effectRef>
+          <a:fontRef idx="minor">
+            <a:schemeClr val="lt1"/>
+          </a:fontRef>
+        </p:style>
+        <p:txBody>
+          <a:bodyPr rot="0" spcFirstLastPara="0" vertOverflow="overflow" horzOverflow="overflow" vert="horz" wrap="square" lIns="91440" tIns="45720" rIns="91440" bIns="45720" numCol="1" spcCol="0" rtlCol="0" fromWordArt="0" anchor="ctr" anchorCtr="0" forceAA="0" compatLnSpc="1">
+            <a:prstTxWarp prst="textNoShape">
+              <a:avLst/>
+            </a:prstTxWarp>
+            <a:noAutofit/>
+          </a:bodyPr>
+          <a:lstStyle/>
+          <a:p>
+            <a:pPr algn="ctr"/>
+            <a:r>
+              <a:rPr kumimoji="1" lang="en-US" altLang="ko-KR" sz="1000" dirty="0">
+                <a:solidFill>
+                  <a:schemeClr val="bg1">
+                    <a:lumMod val="50000"/>
+                  </a:schemeClr>
+                </a:solidFill>
+              </a:rPr>
+              <a:t>Bank Name</a:t>
+            </a:r>
+            <a:endParaRPr kumimoji="1" lang="ko-KR" altLang="en-US" sz="1000" dirty="0">
+              <a:solidFill>
+                <a:schemeClr val="bg1">
+                  <a:lumMod val="50000"/>
+                </a:schemeClr>
+              </a:solidFill>
+            </a:endParaRPr>
+          </a:p>
+        </p:txBody>
+      </p:sp>
+      <p:sp>
+        <p:nvSpPr>
+          <p:cNvPr id="34" name="자유형 33">
+            <a:extLst>
+              <a:ext uri="{FF2B5EF4-FFF2-40B4-BE49-F238E27FC236}">
+                <a16:creationId xmlns:a16="http://schemas.microsoft.com/office/drawing/2014/main" xmlns="" id="{FBE03D53-FB4E-EC47-B450-141E936B4217}"/>
+              </a:ext>
+            </a:extLst>
+          </p:cNvPr>
+          <p:cNvSpPr/>
+          <p:nvPr/>
+        </p:nvSpPr>
+        <p:spPr>
+          <a:xfrm>
+            <a:off x="6800779" y="3294558"/>
+            <a:ext cx="226462" cy="234616"/>
+          </a:xfrm>
+          <a:custGeom>
+            <a:avLst/>
+            <a:gdLst>
+              <a:gd name="connsiteX0" fmla="*/ 0 w 226462"/>
+              <a:gd name="connsiteY0" fmla="*/ 0 h 234616"/>
+              <a:gd name="connsiteX1" fmla="*/ 197768 w 226462"/>
+              <a:gd name="connsiteY1" fmla="*/ 0 h 234616"/>
+              <a:gd name="connsiteX2" fmla="*/ 226462 w 226462"/>
+              <a:gd name="connsiteY2" fmla="*/ 28694 h 234616"/>
+              <a:gd name="connsiteX3" fmla="*/ 226462 w 226462"/>
+              <a:gd name="connsiteY3" fmla="*/ 205922 h 234616"/>
+              <a:gd name="connsiteX4" fmla="*/ 197768 w 226462"/>
+              <a:gd name="connsiteY4" fmla="*/ 234616 h 234616"/>
+              <a:gd name="connsiteX5" fmla="*/ 0 w 226462"/>
+              <a:gd name="connsiteY5" fmla="*/ 234616 h 234616"/>
+            </a:gdLst>
+            <a:ahLst/>
+            <a:cxnLst>
+              <a:cxn ang="0">
+                <a:pos x="connsiteX0" y="connsiteY0"/>
+              </a:cxn>
+              <a:cxn ang="0">
+                <a:pos x="connsiteX1" y="connsiteY1"/>
+              </a:cxn>
+              <a:cxn ang="0">
+                <a:pos x="connsiteX2" y="connsiteY2"/>
+              </a:cxn>
+              <a:cxn ang="0">
+                <a:pos x="connsiteX3" y="connsiteY3"/>
+              </a:cxn>
+              <a:cxn ang="0">
+                <a:pos x="connsiteX4" y="connsiteY4"/>
+              </a:cxn>
+              <a:cxn ang="0">
+                <a:pos x="connsiteX5" y="connsiteY5"/>
+              </a:cxn>
+            </a:cxnLst>
+            <a:rect l="l" t="t" r="r" b="b"/>
+            <a:pathLst>
+              <a:path w="226462" h="234616">
+                <a:moveTo>
+                  <a:pt x="0" y="0"/>
+                </a:moveTo>
+                <a:lnTo>
+                  <a:pt x="197768" y="0"/>
+                </a:lnTo>
+                <a:cubicBezTo>
+                  <a:pt x="213615" y="0"/>
+                  <a:pt x="226462" y="12847"/>
+                  <a:pt x="226462" y="28694"/>
+                </a:cubicBezTo>
+                <a:lnTo>
+                  <a:pt x="226462" y="205922"/>
+                </a:lnTo>
+                <a:cubicBezTo>
+                  <a:pt x="226462" y="221769"/>
+                  <a:pt x="213615" y="234616"/>
+                  <a:pt x="197768" y="234616"/>
+                </a:cubicBezTo>
+                <a:lnTo>
+                  <a:pt x="0" y="234616"/>
+                </a:lnTo>
+                <a:close/>
+              </a:path>
+            </a:pathLst>
+          </a:custGeom>
+          <a:solidFill>
+            <a:srgbClr val="F6F6F6"/>
+          </a:solidFill>
+          <a:ln>
+            <a:solidFill>
+              <a:schemeClr val="bg1">
+                <a:lumMod val="75000"/>
+              </a:schemeClr>
+            </a:solidFill>
+          </a:ln>
+        </p:spPr>
+        <p:style>
+          <a:lnRef idx="2">
+            <a:schemeClr val="accent1">
+              <a:shade val="50000"/>
+            </a:schemeClr>
+          </a:lnRef>
+          <a:fillRef idx="1">
+            <a:schemeClr val="accent1"/>
+          </a:fillRef>
+          <a:effectRef idx="0">
+            <a:schemeClr val="accent1"/>
+          </a:effectRef>
+          <a:fontRef idx="minor">
+            <a:schemeClr val="lt1"/>
+          </a:fontRef>
+        </p:style>
+        <p:txBody>
+          <a:bodyPr rot="0" spcFirstLastPara="0" vertOverflow="overflow" horzOverflow="overflow" vert="horz" wrap="square" lIns="91440" tIns="45720" rIns="91440" bIns="45720" numCol="1" spcCol="0" rtlCol="0" fromWordArt="0" anchor="ctr" anchorCtr="0" forceAA="0" compatLnSpc="1">
+            <a:prstTxWarp prst="textNoShape">
+              <a:avLst/>
+            </a:prstTxWarp>
+            <a:noAutofit/>
+          </a:bodyPr>
+          <a:lstStyle/>
+          <a:p>
+            <a:pPr algn="ctr"/>
+            <a:endParaRPr kumimoji="1" lang="ko-KR" altLang="en-US" sz="1000" dirty="0">
+              <a:solidFill>
+                <a:schemeClr val="bg1">
+                  <a:lumMod val="50000"/>
+                </a:schemeClr>
+              </a:solidFill>
+            </a:endParaRPr>
+          </a:p>
+        </p:txBody>
+      </p:sp>
+      <p:sp>
+        <p:nvSpPr>
+          <p:cNvPr id="9" name="삼각형 8">
+            <a:extLst>
+              <a:ext uri="{FF2B5EF4-FFF2-40B4-BE49-F238E27FC236}">
+                <a16:creationId xmlns:a16="http://schemas.microsoft.com/office/drawing/2014/main" xmlns="" id="{88083F91-A303-4646-8621-C44DA320BF0A}"/>
+              </a:ext>
+            </a:extLst>
+          </p:cNvPr>
+          <p:cNvSpPr/>
+          <p:nvPr/>
+        </p:nvSpPr>
+        <p:spPr>
+          <a:xfrm flipV="1">
+            <a:off x="6842252" y="3358831"/>
+            <a:ext cx="138219" cy="123593"/>
+          </a:xfrm>
+          <a:prstGeom prst="triangle">
+            <a:avLst/>
+          </a:prstGeom>
+          <a:solidFill>
+            <a:schemeClr val="bg1"/>
+          </a:solidFill>
+          <a:ln>
+            <a:solidFill>
+              <a:schemeClr val="bg1">
+                <a:lumMod val="75000"/>
+              </a:schemeClr>
+            </a:solidFill>
+          </a:ln>
+        </p:spPr>
+        <p:style>
+          <a:lnRef idx="2">
+            <a:schemeClr val="accent1">
+              <a:shade val="50000"/>
+            </a:schemeClr>
+          </a:lnRef>
+          <a:fillRef idx="1">
+            <a:schemeClr val="accent1"/>
+          </a:fillRef>
+          <a:effectRef idx="0">
+            <a:schemeClr val="accent1"/>
+          </a:effectRef>
+          <a:fontRef idx="minor">
+            <a:schemeClr val="lt1"/>
+          </a:fontRef>
+        </p:style>
+        <p:txBody>
+          <a:bodyPr rtlCol="0" anchor="ctr"/>
+          <a:lstStyle/>
+          <a:p>
+            <a:pPr algn="ctr"/>
+            <a:endParaRPr kumimoji="1" lang="ko-KR" altLang="en-US"/>
+          </a:p>
+        </p:txBody>
+      </p:sp>
+      <p:sp>
+        <p:nvSpPr>
+          <p:cNvPr id="37" name="모서리가 둥근 직사각형 36">
+            <a:extLst>
+              <a:ext uri="{FF2B5EF4-FFF2-40B4-BE49-F238E27FC236}">
+                <a16:creationId xmlns:a16="http://schemas.microsoft.com/office/drawing/2014/main" xmlns="" id="{9A63A9A5-7F92-784A-9914-64730658121F}"/>
+              </a:ext>
+            </a:extLst>
+          </p:cNvPr>
+          <p:cNvSpPr/>
+          <p:nvPr/>
+        </p:nvSpPr>
+        <p:spPr>
+          <a:xfrm>
+            <a:off x="5178918" y="4555915"/>
+            <a:ext cx="1848323" cy="234616"/>
+          </a:xfrm>
+          <a:prstGeom prst="roundRect">
+            <a:avLst>
+              <a:gd name="adj" fmla="val 12230"/>
+            </a:avLst>
+          </a:prstGeom>
+          <a:solidFill>
+            <a:srgbClr val="F6F6F6"/>
+          </a:solidFill>
+          <a:ln>
+            <a:solidFill>
+              <a:schemeClr val="bg1">
+                <a:lumMod val="75000"/>
+              </a:schemeClr>
+            </a:solidFill>
+          </a:ln>
+        </p:spPr>
+        <p:style>
+          <a:lnRef idx="2">
+            <a:schemeClr val="accent1">
+              <a:shade val="50000"/>
+            </a:schemeClr>
+          </a:lnRef>
+          <a:fillRef idx="1">
+            <a:schemeClr val="accent1"/>
+          </a:fillRef>
+          <a:effectRef idx="0">
+            <a:schemeClr val="accent1"/>
+          </a:effectRef>
+          <a:fontRef idx="minor">
+            <a:schemeClr val="lt1"/>
+          </a:fontRef>
+        </p:style>
+        <p:txBody>
+          <a:bodyPr rot="0" spcFirstLastPara="0" vertOverflow="overflow" horzOverflow="overflow" vert="horz" wrap="square" lIns="91440" tIns="45720" rIns="91440" bIns="45720" numCol="1" spcCol="0" rtlCol="0" fromWordArt="0" anchor="ctr" anchorCtr="0" forceAA="0" compatLnSpc="1">
+            <a:prstTxWarp prst="textNoShape">
+              <a:avLst/>
+            </a:prstTxWarp>
+            <a:noAutofit/>
+          </a:bodyPr>
+          <a:lstStyle/>
+          <a:p>
+            <a:pPr algn="ctr"/>
+            <a:r>
+              <a:rPr kumimoji="1" lang="en-US" altLang="ko-KR" sz="1000" dirty="0">
+                <a:solidFill>
+                  <a:schemeClr val="bg1">
+                    <a:lumMod val="50000"/>
+                  </a:schemeClr>
+                </a:solidFill>
+              </a:rPr>
+              <a:t>Password</a:t>
+            </a:r>
+            <a:endParaRPr kumimoji="1" lang="ko-KR" altLang="en-US" sz="1000" dirty="0">
+              <a:solidFill>
+                <a:schemeClr val="bg1">
+                  <a:lumMod val="50000"/>
+                </a:schemeClr>
+              </a:solidFill>
+            </a:endParaRPr>
+          </a:p>
+        </p:txBody>
+      </p:sp>
+      <p:sp>
+        <p:nvSpPr>
+          <p:cNvPr id="45" name="자유형 44">
+            <a:extLst>
+              <a:ext uri="{FF2B5EF4-FFF2-40B4-BE49-F238E27FC236}">
+                <a16:creationId xmlns:a16="http://schemas.microsoft.com/office/drawing/2014/main" xmlns="" id="{795094E0-E2BC-6F4A-9605-45B68F1A5415}"/>
+              </a:ext>
+            </a:extLst>
+          </p:cNvPr>
+          <p:cNvSpPr/>
+          <p:nvPr/>
+        </p:nvSpPr>
+        <p:spPr>
+          <a:xfrm rot="13405530">
+            <a:off x="6390221" y="1537875"/>
+            <a:ext cx="43065" cy="210710"/>
+          </a:xfrm>
+          <a:custGeom>
+            <a:avLst/>
+            <a:gdLst>
+              <a:gd name="connsiteX0" fmla="*/ 0 w 1060704"/>
+              <a:gd name="connsiteY0" fmla="*/ 5330311 h 5708910"/>
+              <a:gd name="connsiteX1" fmla="*/ 1060704 w 1060704"/>
+              <a:gd name="connsiteY1" fmla="*/ 5330311 h 5708910"/>
+              <a:gd name="connsiteX2" fmla="*/ 1060704 w 1060704"/>
+              <a:gd name="connsiteY2" fmla="*/ 5708910 h 5708910"/>
+              <a:gd name="connsiteX3" fmla="*/ 0 w 1060704"/>
+              <a:gd name="connsiteY3" fmla="*/ 5708910 h 5708910"/>
+              <a:gd name="connsiteX4" fmla="*/ 0 w 1060704"/>
+              <a:gd name="connsiteY4" fmla="*/ 1164371 h 5708910"/>
+              <a:gd name="connsiteX5" fmla="*/ 1060704 w 1060704"/>
+              <a:gd name="connsiteY5" fmla="*/ 1164371 h 5708910"/>
+              <a:gd name="connsiteX6" fmla="*/ 1060704 w 1060704"/>
+              <a:gd name="connsiteY6" fmla="*/ 5084090 h 5708910"/>
+              <a:gd name="connsiteX7" fmla="*/ 0 w 1060704"/>
+              <a:gd name="connsiteY7" fmla="*/ 5084090 h 5708910"/>
+              <a:gd name="connsiteX8" fmla="*/ 530352 w 1060704"/>
+              <a:gd name="connsiteY8" fmla="*/ 0 h 5708910"/>
+              <a:gd name="connsiteX9" fmla="*/ 1060704 w 1060704"/>
+              <a:gd name="connsiteY9" fmla="*/ 914400 h 5708910"/>
+              <a:gd name="connsiteX10" fmla="*/ 0 w 1060704"/>
+              <a:gd name="connsiteY10" fmla="*/ 914400 h 5708910"/>
+            </a:gdLst>
+            <a:ahLst/>
+            <a:cxnLst>
+              <a:cxn ang="0">
+                <a:pos x="connsiteX0" y="connsiteY0"/>
+              </a:cxn>
+              <a:cxn ang="0">
+                <a:pos x="connsiteX1" y="connsiteY1"/>
+              </a:cxn>
+              <a:cxn ang="0">
+                <a:pos x="connsiteX2" y="connsiteY2"/>
+              </a:cxn>
+              <a:cxn ang="0">
+                <a:pos x="connsiteX3" y="connsiteY3"/>
+              </a:cxn>
+              <a:cxn ang="0">
+                <a:pos x="connsiteX4" y="connsiteY4"/>
+              </a:cxn>
+              <a:cxn ang="0">
+                <a:pos x="connsiteX5" y="connsiteY5"/>
+              </a:cxn>
+              <a:cxn ang="0">
+                <a:pos x="connsiteX6" y="connsiteY6"/>
+              </a:cxn>
+              <a:cxn ang="0">
+                <a:pos x="connsiteX7" y="connsiteY7"/>
+              </a:cxn>
+              <a:cxn ang="0">
+                <a:pos x="connsiteX8" y="connsiteY8"/>
+              </a:cxn>
+              <a:cxn ang="0">
+                <a:pos x="connsiteX9" y="connsiteY9"/>
+              </a:cxn>
+              <a:cxn ang="0">
+                <a:pos x="connsiteX10" y="connsiteY10"/>
+              </a:cxn>
+            </a:cxnLst>
+            <a:rect l="l" t="t" r="r" b="b"/>
+            <a:pathLst>
+              <a:path w="1060704" h="5708910">
+                <a:moveTo>
+                  <a:pt x="0" y="5330311"/>
+                </a:moveTo>
+                <a:lnTo>
+                  <a:pt x="1060704" y="5330311"/>
+                </a:lnTo>
+                <a:lnTo>
+                  <a:pt x="1060704" y="5708910"/>
+                </a:lnTo>
+                <a:lnTo>
+                  <a:pt x="0" y="5708910"/>
+                </a:lnTo>
+                <a:close/>
+                <a:moveTo>
+                  <a:pt x="0" y="1164371"/>
+                </a:moveTo>
+                <a:lnTo>
+                  <a:pt x="1060704" y="1164371"/>
+                </a:lnTo>
+                <a:lnTo>
+                  <a:pt x="1060704" y="5084090"/>
+                </a:lnTo>
+                <a:lnTo>
+                  <a:pt x="0" y="5084090"/>
+                </a:lnTo>
+                <a:close/>
+                <a:moveTo>
+                  <a:pt x="530352" y="0"/>
+                </a:moveTo>
+                <a:lnTo>
+                  <a:pt x="1060704" y="914400"/>
+                </a:lnTo>
+                <a:lnTo>
+                  <a:pt x="0" y="914400"/>
+                </a:lnTo>
+                <a:close/>
+              </a:path>
+            </a:pathLst>
+          </a:custGeom>
+          <a:solidFill>
+            <a:schemeClr val="tx1">
+              <a:lumMod val="50000"/>
+              <a:lumOff val="50000"/>
+            </a:schemeClr>
+          </a:solidFill>
+          <a:ln>
+            <a:noFill/>
+          </a:ln>
+        </p:spPr>
+        <p:style>
+          <a:lnRef idx="2">
+            <a:schemeClr val="accent1">
+              <a:shade val="50000"/>
+            </a:schemeClr>
+          </a:lnRef>
+          <a:fillRef idx="1">
+            <a:schemeClr val="accent1"/>
+          </a:fillRef>
+          <a:effectRef idx="0">
+            <a:schemeClr val="accent1"/>
+          </a:effectRef>
+          <a:fontRef idx="minor">
+            <a:schemeClr val="lt1"/>
+          </a:fontRef>
+        </p:style>
+        <p:txBody>
+          <a:bodyPr rtlCol="0" anchor="ctr"/>
+          <a:lstStyle/>
+          <a:p>
+            <a:pPr algn="ctr"/>
+            <a:endParaRPr kumimoji="1" lang="ko-KR" altLang="en-US"/>
+          </a:p>
+        </p:txBody>
+      </p:sp>
+      <p:sp>
+        <p:nvSpPr>
+          <p:cNvPr id="25" name="TextBox 24">
+            <a:extLst>
+              <a:ext uri="{FF2B5EF4-FFF2-40B4-BE49-F238E27FC236}">
+                <a16:creationId xmlns:a16="http://schemas.microsoft.com/office/drawing/2014/main" xmlns="" id="{69074E22-F89C-A349-8330-71928693398F}"/>
+              </a:ext>
+            </a:extLst>
+          </p:cNvPr>
+          <p:cNvSpPr txBox="1"/>
+          <p:nvPr/>
+        </p:nvSpPr>
+        <p:spPr>
+          <a:xfrm>
+            <a:off x="5525535" y="6485507"/>
+            <a:ext cx="1141659" cy="253916"/>
+          </a:xfrm>
+          <a:prstGeom prst="rect">
+            <a:avLst/>
+          </a:prstGeom>
+          <a:noFill/>
+        </p:spPr>
+        <p:txBody>
+          <a:bodyPr wrap="none" rtlCol="0">
+            <a:spAutoFit/>
+          </a:bodyPr>
+          <a:lstStyle/>
+          <a:p>
+            <a:r>
+              <a:rPr kumimoji="1" lang="en-US" altLang="ko-KR" sz="1050" dirty="0">
+                <a:solidFill>
+                  <a:schemeClr val="bg1">
+                    <a:lumMod val="50000"/>
+                  </a:schemeClr>
+                </a:solidFill>
+              </a:rPr>
+              <a:t>@ </a:t>
+            </a:r>
+            <a:r>
+              <a:rPr kumimoji="1" lang="en-US" altLang="ko-KR" sz="1050" dirty="0" err="1">
+                <a:solidFill>
+                  <a:schemeClr val="bg1">
+                    <a:lumMod val="50000"/>
+                  </a:schemeClr>
+                </a:solidFill>
+              </a:rPr>
+              <a:t>about_JCube</a:t>
+            </a:r>
+            <a:endParaRPr kumimoji="1" lang="en-US" altLang="ko-KR" sz="1050" dirty="0">
+              <a:solidFill>
+                <a:schemeClr val="bg1">
+                  <a:lumMod val="50000"/>
+                </a:schemeClr>
+              </a:solidFill>
+            </a:endParaRPr>
+          </a:p>
+        </p:txBody>
+      </p:sp>
+      <p:sp>
+        <p:nvSpPr>
+          <p:cNvPr id="26" name="TextBox 25">
+            <a:extLst>
+              <a:ext uri="{FF2B5EF4-FFF2-40B4-BE49-F238E27FC236}">
+                <a16:creationId xmlns:a16="http://schemas.microsoft.com/office/drawing/2014/main" xmlns="" id="{001529B2-C00D-4D4F-BEB9-70140837CDB4}"/>
+              </a:ext>
+            </a:extLst>
+          </p:cNvPr>
+          <p:cNvSpPr txBox="1"/>
+          <p:nvPr/>
+        </p:nvSpPr>
+        <p:spPr>
+          <a:xfrm>
+            <a:off x="5754268" y="6299817"/>
+            <a:ext cx="697627" cy="246221"/>
+          </a:xfrm>
+          <a:prstGeom prst="rect">
+            <a:avLst/>
+          </a:prstGeom>
+          <a:noFill/>
+        </p:spPr>
+        <p:txBody>
+          <a:bodyPr wrap="none" rtlCol="0">
+            <a:spAutoFit/>
+          </a:bodyPr>
+          <a:lstStyle/>
+          <a:p>
+            <a:pPr algn="ctr"/>
+            <a:r>
+              <a:rPr kumimoji="1" lang="ko-KR" altLang="en-US" sz="1000" dirty="0">
+                <a:solidFill>
+                  <a:srgbClr val="00B0F0"/>
+                </a:solidFill>
+              </a:rPr>
+              <a:t>로그아웃</a:t>
+            </a:r>
+          </a:p>
+        </p:txBody>
+      </p:sp>
+    </p:spTree>
+    <p:extLst>
+      <p:ext uri="{BB962C8B-B14F-4D97-AF65-F5344CB8AC3E}">
+        <p14:creationId xmlns:p14="http://schemas.microsoft.com/office/powerpoint/2010/main" val="275240030"/>
+      </p:ext>
+    </p:extLst>
+  </p:cSld>
+  <p:clrMapOvr>
+    <a:masterClrMapping/>
+  </p:clrMapOvr>
+</p:sld>
+</file>
+
+<file path=ppt/slides/slide6.xml><?xml version="1.0" encoding="utf-8"?>
+<p:sld xmlns:a="http://schemas.openxmlformats.org/drawingml/2006/main" xmlns:r="http://schemas.openxmlformats.org/officeDocument/2006/relationships" xmlns:p="http://schemas.openxmlformats.org/presentationml/2006/main">
+  <p:cSld>
+    <p:spTree>
+      <p:nvGrpSpPr>
+        <p:cNvPr id="1" name=""/>
+        <p:cNvGrpSpPr/>
+        <p:nvPr/>
+      </p:nvGrpSpPr>
+      <p:grpSpPr>
+        <a:xfrm>
+          <a:off x="0" y="0"/>
+          <a:ext cx="0" cy="0"/>
+          <a:chOff x="0" y="0"/>
+          <a:chExt cx="0" cy="0"/>
+        </a:xfrm>
+      </p:grpSpPr>
+      <p:sp>
+        <p:nvSpPr>
           <p:cNvPr id="13" name="직사각형 12">
             <a:extLst>
               <a:ext uri="{FF2B5EF4-FFF2-40B4-BE49-F238E27FC236}">
@@ -18099,7 +21629,7 @@
 </p:sld>
 </file>
 
-<file path=ppt/slides/slide6.xml><?xml version="1.0" encoding="utf-8"?>
+<file path=ppt/slides/slide7.xml><?xml version="1.0" encoding="utf-8"?>
 <p:sld xmlns:a="http://schemas.openxmlformats.org/drawingml/2006/main" xmlns:r="http://schemas.openxmlformats.org/officeDocument/2006/relationships" xmlns:p="http://schemas.openxmlformats.org/presentationml/2006/main">
   <p:cSld>
     <p:spTree>
@@ -19913,6 +23443,79 @@
           </a:p>
         </p:txBody>
       </p:sp>
+      <p:sp>
+        <p:nvSpPr>
+          <p:cNvPr id="38" name="모서리가 둥근 직사각형 37">
+            <a:extLst>
+              <a:ext uri="{FF2B5EF4-FFF2-40B4-BE49-F238E27FC236}">
+                <a16:creationId xmlns:a16="http://schemas.microsoft.com/office/drawing/2014/main" xmlns="" id="{1649BF16-D703-B24E-B497-9C838E93A014}"/>
+              </a:ext>
+            </a:extLst>
+          </p:cNvPr>
+          <p:cNvSpPr/>
+          <p:nvPr/>
+        </p:nvSpPr>
+        <p:spPr>
+          <a:xfrm>
+            <a:off x="6535896" y="657529"/>
+            <a:ext cx="762080" cy="217536"/>
+          </a:xfrm>
+          <a:prstGeom prst="roundRect">
+            <a:avLst>
+              <a:gd name="adj" fmla="val 12230"/>
+            </a:avLst>
+          </a:prstGeom>
+          <a:solidFill>
+            <a:srgbClr val="00A5FA"/>
+          </a:solidFill>
+          <a:ln>
+            <a:solidFill>
+              <a:srgbClr val="00B0F0"/>
+            </a:solidFill>
+          </a:ln>
+        </p:spPr>
+        <p:style>
+          <a:lnRef idx="2">
+            <a:schemeClr val="accent1">
+              <a:shade val="50000"/>
+            </a:schemeClr>
+          </a:lnRef>
+          <a:fillRef idx="1">
+            <a:schemeClr val="accent1"/>
+          </a:fillRef>
+          <a:effectRef idx="0">
+            <a:schemeClr val="accent1"/>
+          </a:effectRef>
+          <a:fontRef idx="minor">
+            <a:schemeClr val="lt1"/>
+          </a:fontRef>
+        </p:style>
+        <p:txBody>
+          <a:bodyPr rot="0" spcFirstLastPara="0" vertOverflow="overflow" horzOverflow="overflow" vert="horz" wrap="square" lIns="91440" tIns="45720" rIns="91440" bIns="45720" numCol="1" spcCol="0" rtlCol="0" fromWordArt="0" anchor="ctr" anchorCtr="0" forceAA="0" compatLnSpc="1">
+            <a:prstTxWarp prst="textNoShape">
+              <a:avLst/>
+            </a:prstTxWarp>
+            <a:noAutofit/>
+          </a:bodyPr>
+          <a:lstStyle/>
+          <a:p>
+            <a:pPr algn="ctr"/>
+            <a:r>
+              <a:rPr kumimoji="1" lang="ko-KR" altLang="en-US" sz="1000" dirty="0" smtClean="0">
+                <a:solidFill>
+                  <a:schemeClr val="bg1"/>
+                </a:solidFill>
+              </a:rPr>
+              <a:t>링크 복사</a:t>
+            </a:r>
+            <a:endParaRPr kumimoji="1" lang="ko-KR" altLang="en-US" sz="1000" dirty="0">
+              <a:solidFill>
+                <a:schemeClr val="bg1"/>
+              </a:solidFill>
+            </a:endParaRPr>
+          </a:p>
+        </p:txBody>
+      </p:sp>
     </p:spTree>
     <p:extLst>
       <p:ext uri="{BB962C8B-B14F-4D97-AF65-F5344CB8AC3E}">
@@ -19926,7 +23529,7 @@
 </p:sld>
 </file>
 
-<file path=ppt/slides/slide7.xml><?xml version="1.0" encoding="utf-8"?>
+<file path=ppt/slides/slide8.xml><?xml version="1.0" encoding="utf-8"?>
 <p:sld xmlns:a="http://schemas.openxmlformats.org/drawingml/2006/main" xmlns:r="http://schemas.openxmlformats.org/officeDocument/2006/relationships" xmlns:p="http://schemas.openxmlformats.org/presentationml/2006/main">
   <p:cSld>
     <p:spTree>
@@ -21817,7 +25420,7 @@
 </p:sld>
 </file>
 
-<file path=ppt/slides/slide8.xml><?xml version="1.0" encoding="utf-8"?>
+<file path=ppt/slides/slide9.xml><?xml version="1.0" encoding="utf-8"?>
 <p:sld xmlns:a="http://schemas.openxmlformats.org/drawingml/2006/main" xmlns:r="http://schemas.openxmlformats.org/officeDocument/2006/relationships" xmlns:p="http://schemas.openxmlformats.org/presentationml/2006/main">
   <p:cSld>
     <p:spTree>
@@ -22585,2021 +26188,6 @@
     <p:extLst>
       <p:ext uri="{BB962C8B-B14F-4D97-AF65-F5344CB8AC3E}">
         <p14:creationId xmlns:p14="http://schemas.microsoft.com/office/powerpoint/2010/main" val="305963057"/>
-      </p:ext>
-    </p:extLst>
-  </p:cSld>
-  <p:clrMapOvr>
-    <a:masterClrMapping/>
-  </p:clrMapOvr>
-</p:sld>
-</file>
-
-<file path=ppt/slides/slide9.xml><?xml version="1.0" encoding="utf-8"?>
-<p:sld xmlns:a="http://schemas.openxmlformats.org/drawingml/2006/main" xmlns:r="http://schemas.openxmlformats.org/officeDocument/2006/relationships" xmlns:p="http://schemas.openxmlformats.org/presentationml/2006/main">
-  <p:cSld>
-    <p:spTree>
-      <p:nvGrpSpPr>
-        <p:cNvPr id="1" name=""/>
-        <p:cNvGrpSpPr/>
-        <p:nvPr/>
-      </p:nvGrpSpPr>
-      <p:grpSpPr>
-        <a:xfrm>
-          <a:off x="0" y="0"/>
-          <a:ext cx="0" cy="0"/>
-          <a:chOff x="0" y="0"/>
-          <a:chExt cx="0" cy="0"/>
-        </a:xfrm>
-      </p:grpSpPr>
-      <p:sp>
-        <p:nvSpPr>
-          <p:cNvPr id="13" name="직사각형 12">
-            <a:extLst>
-              <a:ext uri="{FF2B5EF4-FFF2-40B4-BE49-F238E27FC236}">
-                <a16:creationId xmlns:a16="http://schemas.microsoft.com/office/drawing/2014/main" xmlns="" id="{1A09CB1E-61C8-BF41-8166-783D974FF436}"/>
-              </a:ext>
-            </a:extLst>
-          </p:cNvPr>
-          <p:cNvSpPr/>
-          <p:nvPr/>
-        </p:nvSpPr>
-        <p:spPr>
-          <a:xfrm>
-            <a:off x="0" y="0"/>
-            <a:ext cx="12192000" cy="563417"/>
-          </a:xfrm>
-          <a:prstGeom prst="rect">
-            <a:avLst/>
-          </a:prstGeom>
-          <a:solidFill>
-            <a:schemeClr val="bg1"/>
-          </a:solidFill>
-          <a:ln>
-            <a:solidFill>
-              <a:schemeClr val="bg1">
-                <a:lumMod val="75000"/>
-              </a:schemeClr>
-            </a:solidFill>
-          </a:ln>
-        </p:spPr>
-        <p:style>
-          <a:lnRef idx="2">
-            <a:schemeClr val="accent1">
-              <a:shade val="50000"/>
-            </a:schemeClr>
-          </a:lnRef>
-          <a:fillRef idx="1">
-            <a:schemeClr val="accent1"/>
-          </a:fillRef>
-          <a:effectRef idx="0">
-            <a:schemeClr val="accent1"/>
-          </a:effectRef>
-          <a:fontRef idx="minor">
-            <a:schemeClr val="lt1"/>
-          </a:fontRef>
-        </p:style>
-        <p:txBody>
-          <a:bodyPr rtlCol="0" anchor="ctr"/>
-          <a:lstStyle/>
-          <a:p>
-            <a:pPr algn="ctr"/>
-            <a:endParaRPr kumimoji="1" lang="ko-KR" altLang="en-US" dirty="0"/>
-          </a:p>
-        </p:txBody>
-      </p:sp>
-      <p:sp>
-        <p:nvSpPr>
-          <p:cNvPr id="14" name="TextBox 13">
-            <a:extLst>
-              <a:ext uri="{FF2B5EF4-FFF2-40B4-BE49-F238E27FC236}">
-                <a16:creationId xmlns:a16="http://schemas.microsoft.com/office/drawing/2014/main" xmlns="" id="{D92B28E7-D15C-C445-8715-5E7C0DEAE706}"/>
-              </a:ext>
-            </a:extLst>
-          </p:cNvPr>
-          <p:cNvSpPr txBox="1"/>
-          <p:nvPr/>
-        </p:nvSpPr>
-        <p:spPr>
-          <a:xfrm>
-            <a:off x="5137336" y="112431"/>
-            <a:ext cx="1931491" cy="338554"/>
-          </a:xfrm>
-          <a:prstGeom prst="rect">
-            <a:avLst/>
-          </a:prstGeom>
-          <a:noFill/>
-        </p:spPr>
-        <p:txBody>
-          <a:bodyPr wrap="none" rtlCol="0">
-            <a:spAutoFit/>
-          </a:bodyPr>
-          <a:lstStyle/>
-          <a:p>
-            <a:pPr algn="ctr"/>
-            <a:r>
-              <a:rPr kumimoji="1" lang="en-US" altLang="ko-KR" sz="1600" b="1" dirty="0"/>
-              <a:t>Dutch Broomstick</a:t>
-            </a:r>
-            <a:endParaRPr kumimoji="1" lang="ko-KR" altLang="en-US" sz="1600" b="1" dirty="0"/>
-          </a:p>
-        </p:txBody>
-      </p:sp>
-      <p:sp>
-        <p:nvSpPr>
-          <p:cNvPr id="21" name="직사각형 20">
-            <a:extLst>
-              <a:ext uri="{FF2B5EF4-FFF2-40B4-BE49-F238E27FC236}">
-                <a16:creationId xmlns:a16="http://schemas.microsoft.com/office/drawing/2014/main" xmlns="" id="{A871EC61-223C-0447-B82C-FEE0B482521B}"/>
-              </a:ext>
-            </a:extLst>
-          </p:cNvPr>
-          <p:cNvSpPr/>
-          <p:nvPr/>
-        </p:nvSpPr>
-        <p:spPr>
-          <a:xfrm>
-            <a:off x="4894025" y="3028780"/>
-            <a:ext cx="2403951" cy="2581193"/>
-          </a:xfrm>
-          <a:prstGeom prst="rect">
-            <a:avLst/>
-          </a:prstGeom>
-          <a:solidFill>
-            <a:schemeClr val="bg1"/>
-          </a:solidFill>
-          <a:ln>
-            <a:solidFill>
-              <a:schemeClr val="bg1">
-                <a:lumMod val="75000"/>
-              </a:schemeClr>
-            </a:solidFill>
-          </a:ln>
-        </p:spPr>
-        <p:style>
-          <a:lnRef idx="2">
-            <a:schemeClr val="accent1">
-              <a:shade val="50000"/>
-            </a:schemeClr>
-          </a:lnRef>
-          <a:fillRef idx="1">
-            <a:schemeClr val="accent1"/>
-          </a:fillRef>
-          <a:effectRef idx="0">
-            <a:schemeClr val="accent1"/>
-          </a:effectRef>
-          <a:fontRef idx="minor">
-            <a:schemeClr val="lt1"/>
-          </a:fontRef>
-        </p:style>
-        <p:txBody>
-          <a:bodyPr rtlCol="0" anchor="ctr"/>
-          <a:lstStyle/>
-          <a:p>
-            <a:pPr algn="ctr"/>
-            <a:endParaRPr kumimoji="1" lang="ko-KR" altLang="en-US" dirty="0"/>
-          </a:p>
-        </p:txBody>
-      </p:sp>
-      <p:sp>
-        <p:nvSpPr>
-          <p:cNvPr id="39" name="자유형 38">
-            <a:extLst>
-              <a:ext uri="{FF2B5EF4-FFF2-40B4-BE49-F238E27FC236}">
-                <a16:creationId xmlns:a16="http://schemas.microsoft.com/office/drawing/2014/main" xmlns="" id="{F01CBAAC-16CC-C243-A5ED-D0B15F1CFB90}"/>
-              </a:ext>
-            </a:extLst>
-          </p:cNvPr>
-          <p:cNvSpPr/>
-          <p:nvPr/>
-        </p:nvSpPr>
-        <p:spPr>
-          <a:xfrm>
-            <a:off x="5079422" y="4130809"/>
-            <a:ext cx="2033155" cy="585688"/>
-          </a:xfrm>
-          <a:custGeom>
-            <a:avLst/>
-            <a:gdLst>
-              <a:gd name="connsiteX0" fmla="*/ 1874303 w 2033155"/>
-              <a:gd name="connsiteY0" fmla="*/ 71218 h 585688"/>
-              <a:gd name="connsiteX1" fmla="*/ 1789532 w 2033155"/>
-              <a:gd name="connsiteY1" fmla="*/ 155989 h 585688"/>
-              <a:gd name="connsiteX2" fmla="*/ 1874303 w 2033155"/>
-              <a:gd name="connsiteY2" fmla="*/ 240760 h 585688"/>
-              <a:gd name="connsiteX3" fmla="*/ 1959074 w 2033155"/>
-              <a:gd name="connsiteY3" fmla="*/ 155989 h 585688"/>
-              <a:gd name="connsiteX4" fmla="*/ 1874303 w 2033155"/>
-              <a:gd name="connsiteY4" fmla="*/ 71218 h 585688"/>
-              <a:gd name="connsiteX5" fmla="*/ 71630 w 2033155"/>
-              <a:gd name="connsiteY5" fmla="*/ 0 h 585688"/>
-              <a:gd name="connsiteX6" fmla="*/ 1961525 w 2033155"/>
-              <a:gd name="connsiteY6" fmla="*/ 0 h 585688"/>
-              <a:gd name="connsiteX7" fmla="*/ 2033155 w 2033155"/>
-              <a:gd name="connsiteY7" fmla="*/ 71630 h 585688"/>
-              <a:gd name="connsiteX8" fmla="*/ 2033155 w 2033155"/>
-              <a:gd name="connsiteY8" fmla="*/ 514058 h 585688"/>
-              <a:gd name="connsiteX9" fmla="*/ 1961525 w 2033155"/>
-              <a:gd name="connsiteY9" fmla="*/ 585688 h 585688"/>
-              <a:gd name="connsiteX10" fmla="*/ 71630 w 2033155"/>
-              <a:gd name="connsiteY10" fmla="*/ 585688 h 585688"/>
-              <a:gd name="connsiteX11" fmla="*/ 0 w 2033155"/>
-              <a:gd name="connsiteY11" fmla="*/ 514058 h 585688"/>
-              <a:gd name="connsiteX12" fmla="*/ 0 w 2033155"/>
-              <a:gd name="connsiteY12" fmla="*/ 71630 h 585688"/>
-              <a:gd name="connsiteX13" fmla="*/ 71630 w 2033155"/>
-              <a:gd name="connsiteY13" fmla="*/ 0 h 585688"/>
-            </a:gdLst>
-            <a:ahLst/>
-            <a:cxnLst>
-              <a:cxn ang="0">
-                <a:pos x="connsiteX0" y="connsiteY0"/>
-              </a:cxn>
-              <a:cxn ang="0">
-                <a:pos x="connsiteX1" y="connsiteY1"/>
-              </a:cxn>
-              <a:cxn ang="0">
-                <a:pos x="connsiteX2" y="connsiteY2"/>
-              </a:cxn>
-              <a:cxn ang="0">
-                <a:pos x="connsiteX3" y="connsiteY3"/>
-              </a:cxn>
-              <a:cxn ang="0">
-                <a:pos x="connsiteX4" y="connsiteY4"/>
-              </a:cxn>
-              <a:cxn ang="0">
-                <a:pos x="connsiteX5" y="connsiteY5"/>
-              </a:cxn>
-              <a:cxn ang="0">
-                <a:pos x="connsiteX6" y="connsiteY6"/>
-              </a:cxn>
-              <a:cxn ang="0">
-                <a:pos x="connsiteX7" y="connsiteY7"/>
-              </a:cxn>
-              <a:cxn ang="0">
-                <a:pos x="connsiteX8" y="connsiteY8"/>
-              </a:cxn>
-              <a:cxn ang="0">
-                <a:pos x="connsiteX9" y="connsiteY9"/>
-              </a:cxn>
-              <a:cxn ang="0">
-                <a:pos x="connsiteX10" y="connsiteY10"/>
-              </a:cxn>
-              <a:cxn ang="0">
-                <a:pos x="connsiteX11" y="connsiteY11"/>
-              </a:cxn>
-              <a:cxn ang="0">
-                <a:pos x="connsiteX12" y="connsiteY12"/>
-              </a:cxn>
-              <a:cxn ang="0">
-                <a:pos x="connsiteX13" y="connsiteY13"/>
-              </a:cxn>
-            </a:cxnLst>
-            <a:rect l="l" t="t" r="r" b="b"/>
-            <a:pathLst>
-              <a:path w="2033155" h="585688">
-                <a:moveTo>
-                  <a:pt x="1874303" y="71218"/>
-                </a:moveTo>
-                <a:cubicBezTo>
-                  <a:pt x="1827485" y="71218"/>
-                  <a:pt x="1789532" y="109171"/>
-                  <a:pt x="1789532" y="155989"/>
-                </a:cubicBezTo>
-                <a:cubicBezTo>
-                  <a:pt x="1789532" y="202807"/>
-                  <a:pt x="1827485" y="240760"/>
-                  <a:pt x="1874303" y="240760"/>
-                </a:cubicBezTo>
-                <a:cubicBezTo>
-                  <a:pt x="1921121" y="240760"/>
-                  <a:pt x="1959074" y="202807"/>
-                  <a:pt x="1959074" y="155989"/>
-                </a:cubicBezTo>
-                <a:cubicBezTo>
-                  <a:pt x="1959074" y="109171"/>
-                  <a:pt x="1921121" y="71218"/>
-                  <a:pt x="1874303" y="71218"/>
-                </a:cubicBezTo>
-                <a:close/>
-                <a:moveTo>
-                  <a:pt x="71630" y="0"/>
-                </a:moveTo>
-                <a:lnTo>
-                  <a:pt x="1961525" y="0"/>
-                </a:lnTo>
-                <a:cubicBezTo>
-                  <a:pt x="2001085" y="0"/>
-                  <a:pt x="2033155" y="32070"/>
-                  <a:pt x="2033155" y="71630"/>
-                </a:cubicBezTo>
-                <a:lnTo>
-                  <a:pt x="2033155" y="514058"/>
-                </a:lnTo>
-                <a:cubicBezTo>
-                  <a:pt x="2033155" y="553618"/>
-                  <a:pt x="2001085" y="585688"/>
-                  <a:pt x="1961525" y="585688"/>
-                </a:cubicBezTo>
-                <a:lnTo>
-                  <a:pt x="71630" y="585688"/>
-                </a:lnTo>
-                <a:cubicBezTo>
-                  <a:pt x="32070" y="585688"/>
-                  <a:pt x="0" y="553618"/>
-                  <a:pt x="0" y="514058"/>
-                </a:cubicBezTo>
-                <a:lnTo>
-                  <a:pt x="0" y="71630"/>
-                </a:lnTo>
-                <a:cubicBezTo>
-                  <a:pt x="0" y="32070"/>
-                  <a:pt x="32070" y="0"/>
-                  <a:pt x="71630" y="0"/>
-                </a:cubicBezTo>
-                <a:close/>
-              </a:path>
-            </a:pathLst>
-          </a:custGeom>
-          <a:solidFill>
-            <a:schemeClr val="bg1"/>
-          </a:solidFill>
-          <a:ln>
-            <a:solidFill>
-              <a:schemeClr val="bg1">
-                <a:lumMod val="75000"/>
-              </a:schemeClr>
-            </a:solidFill>
-          </a:ln>
-        </p:spPr>
-        <p:style>
-          <a:lnRef idx="2">
-            <a:schemeClr val="accent1">
-              <a:shade val="50000"/>
-            </a:schemeClr>
-          </a:lnRef>
-          <a:fillRef idx="1">
-            <a:schemeClr val="accent1"/>
-          </a:fillRef>
-          <a:effectRef idx="0">
-            <a:schemeClr val="accent1"/>
-          </a:effectRef>
-          <a:fontRef idx="minor">
-            <a:schemeClr val="lt1"/>
-          </a:fontRef>
-        </p:style>
-        <p:txBody>
-          <a:bodyPr rot="0" spcFirstLastPara="0" vertOverflow="overflow" horzOverflow="overflow" vert="horz" wrap="square" lIns="91440" tIns="45720" rIns="91440" bIns="45720" numCol="1" spcCol="0" rtlCol="0" fromWordArt="0" anchor="ctr" anchorCtr="0" forceAA="0" compatLnSpc="1">
-            <a:prstTxWarp prst="textNoShape">
-              <a:avLst/>
-            </a:prstTxWarp>
-            <a:noAutofit/>
-          </a:bodyPr>
-          <a:lstStyle/>
-          <a:p>
-            <a:pPr lvl="0"/>
-            <a:r>
-              <a:rPr kumimoji="1" lang="en-US" altLang="ko-KR" sz="1100" b="1" dirty="0">
-                <a:solidFill>
-                  <a:prstClr val="black">
-                    <a:lumMod val="75000"/>
-                    <a:lumOff val="25000"/>
-                  </a:prstClr>
-                </a:solidFill>
-              </a:rPr>
-              <a:t>2.</a:t>
-            </a:r>
-            <a:r>
-              <a:rPr kumimoji="1" lang="ko-KR" altLang="en-US" sz="1100" b="1" dirty="0">
-                <a:solidFill>
-                  <a:prstClr val="black">
-                    <a:lumMod val="75000"/>
-                    <a:lumOff val="25000"/>
-                  </a:prstClr>
-                </a:solidFill>
-              </a:rPr>
-              <a:t> 레이어 빔</a:t>
-            </a:r>
-            <a:endParaRPr kumimoji="1" lang="en-US" altLang="ko-KR" sz="1000" b="1" dirty="0">
-              <a:solidFill>
-                <a:srgbClr val="FF0000"/>
-              </a:solidFill>
-            </a:endParaRPr>
-          </a:p>
-          <a:p>
-            <a:r>
-              <a:rPr kumimoji="1" lang="ko-KR" altLang="en-US" sz="1100" b="1" dirty="0">
-                <a:solidFill>
-                  <a:schemeClr val="tx1">
-                    <a:lumMod val="75000"/>
-                    <a:lumOff val="25000"/>
-                  </a:schemeClr>
-                </a:solidFill>
-              </a:rPr>
-              <a:t>돈 단위 </a:t>
-            </a:r>
-            <a:r>
-              <a:rPr kumimoji="1" lang="en-US" altLang="ko-KR" sz="1100" b="1" dirty="0">
-                <a:solidFill>
-                  <a:schemeClr val="tx1">
-                    <a:lumMod val="75000"/>
-                    <a:lumOff val="25000"/>
-                  </a:schemeClr>
-                </a:solidFill>
-              </a:rPr>
-              <a:t>:</a:t>
-            </a:r>
-            <a:r>
-              <a:rPr kumimoji="1" lang="ko-KR" altLang="en-US" sz="1100" b="1" dirty="0">
-                <a:solidFill>
-                  <a:schemeClr val="tx1">
-                    <a:lumMod val="75000"/>
-                    <a:lumOff val="25000"/>
-                  </a:schemeClr>
-                </a:solidFill>
-              </a:rPr>
-              <a:t> </a:t>
-            </a:r>
-            <a:r>
-              <a:rPr kumimoji="1" lang="ko-KR" altLang="en-US" sz="1100" b="1" u="sng" dirty="0">
-                <a:solidFill>
-                  <a:schemeClr val="tx1">
-                    <a:lumMod val="75000"/>
-                    <a:lumOff val="25000"/>
-                  </a:schemeClr>
-                </a:solidFill>
-              </a:rPr>
-              <a:t> 엔</a:t>
-            </a:r>
-            <a:r>
-              <a:rPr kumimoji="1" lang="en-US" altLang="ko-KR" sz="1100" b="1" u="sng" dirty="0">
-                <a:solidFill>
-                  <a:schemeClr val="tx1">
-                    <a:lumMod val="75000"/>
-                    <a:lumOff val="25000"/>
-                  </a:schemeClr>
-                </a:solidFill>
-              </a:rPr>
-              <a:t>	</a:t>
-            </a:r>
-            <a:r>
-              <a:rPr kumimoji="1" lang="ko-KR" altLang="en-US" sz="1100" b="1" dirty="0">
-                <a:solidFill>
-                  <a:schemeClr val="tx1">
-                    <a:lumMod val="75000"/>
-                    <a:lumOff val="25000"/>
-                  </a:schemeClr>
-                </a:solidFill>
-              </a:rPr>
-              <a:t>            </a:t>
-            </a:r>
-            <a:r>
-              <a:rPr kumimoji="1" lang="ko-KR" altLang="en-US" sz="1000" b="1" dirty="0">
-                <a:solidFill>
-                  <a:srgbClr val="FF0000"/>
-                </a:solidFill>
-              </a:rPr>
-              <a:t>삭제</a:t>
-            </a:r>
-          </a:p>
-        </p:txBody>
-      </p:sp>
-      <p:sp>
-        <p:nvSpPr>
-          <p:cNvPr id="41" name="자유형 40">
-            <a:extLst>
-              <a:ext uri="{FF2B5EF4-FFF2-40B4-BE49-F238E27FC236}">
-                <a16:creationId xmlns:a16="http://schemas.microsoft.com/office/drawing/2014/main" xmlns="" id="{707B7328-3B58-114E-AACD-588358DE2C85}"/>
-              </a:ext>
-            </a:extLst>
-          </p:cNvPr>
-          <p:cNvSpPr/>
-          <p:nvPr/>
-        </p:nvSpPr>
-        <p:spPr>
-          <a:xfrm>
-            <a:off x="5079422" y="4772140"/>
-            <a:ext cx="2033155" cy="585688"/>
-          </a:xfrm>
-          <a:custGeom>
-            <a:avLst/>
-            <a:gdLst>
-              <a:gd name="connsiteX0" fmla="*/ 1874303 w 2033155"/>
-              <a:gd name="connsiteY0" fmla="*/ 77542 h 585688"/>
-              <a:gd name="connsiteX1" fmla="*/ 1789532 w 2033155"/>
-              <a:gd name="connsiteY1" fmla="*/ 162313 h 585688"/>
-              <a:gd name="connsiteX2" fmla="*/ 1874303 w 2033155"/>
-              <a:gd name="connsiteY2" fmla="*/ 247084 h 585688"/>
-              <a:gd name="connsiteX3" fmla="*/ 1959074 w 2033155"/>
-              <a:gd name="connsiteY3" fmla="*/ 162313 h 585688"/>
-              <a:gd name="connsiteX4" fmla="*/ 1874303 w 2033155"/>
-              <a:gd name="connsiteY4" fmla="*/ 77542 h 585688"/>
-              <a:gd name="connsiteX5" fmla="*/ 71630 w 2033155"/>
-              <a:gd name="connsiteY5" fmla="*/ 0 h 585688"/>
-              <a:gd name="connsiteX6" fmla="*/ 1961525 w 2033155"/>
-              <a:gd name="connsiteY6" fmla="*/ 0 h 585688"/>
-              <a:gd name="connsiteX7" fmla="*/ 2033155 w 2033155"/>
-              <a:gd name="connsiteY7" fmla="*/ 71630 h 585688"/>
-              <a:gd name="connsiteX8" fmla="*/ 2033155 w 2033155"/>
-              <a:gd name="connsiteY8" fmla="*/ 514058 h 585688"/>
-              <a:gd name="connsiteX9" fmla="*/ 1961525 w 2033155"/>
-              <a:gd name="connsiteY9" fmla="*/ 585688 h 585688"/>
-              <a:gd name="connsiteX10" fmla="*/ 71630 w 2033155"/>
-              <a:gd name="connsiteY10" fmla="*/ 585688 h 585688"/>
-              <a:gd name="connsiteX11" fmla="*/ 0 w 2033155"/>
-              <a:gd name="connsiteY11" fmla="*/ 514058 h 585688"/>
-              <a:gd name="connsiteX12" fmla="*/ 0 w 2033155"/>
-              <a:gd name="connsiteY12" fmla="*/ 71630 h 585688"/>
-              <a:gd name="connsiteX13" fmla="*/ 71630 w 2033155"/>
-              <a:gd name="connsiteY13" fmla="*/ 0 h 585688"/>
-            </a:gdLst>
-            <a:ahLst/>
-            <a:cxnLst>
-              <a:cxn ang="0">
-                <a:pos x="connsiteX0" y="connsiteY0"/>
-              </a:cxn>
-              <a:cxn ang="0">
-                <a:pos x="connsiteX1" y="connsiteY1"/>
-              </a:cxn>
-              <a:cxn ang="0">
-                <a:pos x="connsiteX2" y="connsiteY2"/>
-              </a:cxn>
-              <a:cxn ang="0">
-                <a:pos x="connsiteX3" y="connsiteY3"/>
-              </a:cxn>
-              <a:cxn ang="0">
-                <a:pos x="connsiteX4" y="connsiteY4"/>
-              </a:cxn>
-              <a:cxn ang="0">
-                <a:pos x="connsiteX5" y="connsiteY5"/>
-              </a:cxn>
-              <a:cxn ang="0">
-                <a:pos x="connsiteX6" y="connsiteY6"/>
-              </a:cxn>
-              <a:cxn ang="0">
-                <a:pos x="connsiteX7" y="connsiteY7"/>
-              </a:cxn>
-              <a:cxn ang="0">
-                <a:pos x="connsiteX8" y="connsiteY8"/>
-              </a:cxn>
-              <a:cxn ang="0">
-                <a:pos x="connsiteX9" y="connsiteY9"/>
-              </a:cxn>
-              <a:cxn ang="0">
-                <a:pos x="connsiteX10" y="connsiteY10"/>
-              </a:cxn>
-              <a:cxn ang="0">
-                <a:pos x="connsiteX11" y="connsiteY11"/>
-              </a:cxn>
-              <a:cxn ang="0">
-                <a:pos x="connsiteX12" y="connsiteY12"/>
-              </a:cxn>
-              <a:cxn ang="0">
-                <a:pos x="connsiteX13" y="connsiteY13"/>
-              </a:cxn>
-            </a:cxnLst>
-            <a:rect l="l" t="t" r="r" b="b"/>
-            <a:pathLst>
-              <a:path w="2033155" h="585688">
-                <a:moveTo>
-                  <a:pt x="1874303" y="77542"/>
-                </a:moveTo>
-                <a:cubicBezTo>
-                  <a:pt x="1827485" y="77542"/>
-                  <a:pt x="1789532" y="115495"/>
-                  <a:pt x="1789532" y="162313"/>
-                </a:cubicBezTo>
-                <a:cubicBezTo>
-                  <a:pt x="1789532" y="209131"/>
-                  <a:pt x="1827485" y="247084"/>
-                  <a:pt x="1874303" y="247084"/>
-                </a:cubicBezTo>
-                <a:cubicBezTo>
-                  <a:pt x="1921121" y="247084"/>
-                  <a:pt x="1959074" y="209131"/>
-                  <a:pt x="1959074" y="162313"/>
-                </a:cubicBezTo>
-                <a:cubicBezTo>
-                  <a:pt x="1959074" y="115495"/>
-                  <a:pt x="1921121" y="77542"/>
-                  <a:pt x="1874303" y="77542"/>
-                </a:cubicBezTo>
-                <a:close/>
-                <a:moveTo>
-                  <a:pt x="71630" y="0"/>
-                </a:moveTo>
-                <a:lnTo>
-                  <a:pt x="1961525" y="0"/>
-                </a:lnTo>
-                <a:cubicBezTo>
-                  <a:pt x="2001085" y="0"/>
-                  <a:pt x="2033155" y="32070"/>
-                  <a:pt x="2033155" y="71630"/>
-                </a:cubicBezTo>
-                <a:lnTo>
-                  <a:pt x="2033155" y="514058"/>
-                </a:lnTo>
-                <a:cubicBezTo>
-                  <a:pt x="2033155" y="553618"/>
-                  <a:pt x="2001085" y="585688"/>
-                  <a:pt x="1961525" y="585688"/>
-                </a:cubicBezTo>
-                <a:lnTo>
-                  <a:pt x="71630" y="585688"/>
-                </a:lnTo>
-                <a:cubicBezTo>
-                  <a:pt x="32070" y="585688"/>
-                  <a:pt x="0" y="553618"/>
-                  <a:pt x="0" y="514058"/>
-                </a:cubicBezTo>
-                <a:lnTo>
-                  <a:pt x="0" y="71630"/>
-                </a:lnTo>
-                <a:cubicBezTo>
-                  <a:pt x="0" y="32070"/>
-                  <a:pt x="32070" y="0"/>
-                  <a:pt x="71630" y="0"/>
-                </a:cubicBezTo>
-                <a:close/>
-              </a:path>
-            </a:pathLst>
-          </a:custGeom>
-          <a:solidFill>
-            <a:schemeClr val="bg1"/>
-          </a:solidFill>
-          <a:ln>
-            <a:solidFill>
-              <a:schemeClr val="bg1">
-                <a:lumMod val="75000"/>
-              </a:schemeClr>
-            </a:solidFill>
-          </a:ln>
-        </p:spPr>
-        <p:style>
-          <a:lnRef idx="2">
-            <a:schemeClr val="accent1">
-              <a:shade val="50000"/>
-            </a:schemeClr>
-          </a:lnRef>
-          <a:fillRef idx="1">
-            <a:schemeClr val="accent1"/>
-          </a:fillRef>
-          <a:effectRef idx="0">
-            <a:schemeClr val="accent1"/>
-          </a:effectRef>
-          <a:fontRef idx="minor">
-            <a:schemeClr val="lt1"/>
-          </a:fontRef>
-        </p:style>
-        <p:txBody>
-          <a:bodyPr rot="0" spcFirstLastPara="0" vertOverflow="overflow" horzOverflow="overflow" vert="horz" wrap="square" lIns="91440" tIns="45720" rIns="91440" bIns="45720" numCol="1" spcCol="0" rtlCol="0" fromWordArt="0" anchor="ctr" anchorCtr="0" forceAA="0" compatLnSpc="1">
-            <a:prstTxWarp prst="textNoShape">
-              <a:avLst/>
-            </a:prstTxWarp>
-            <a:noAutofit/>
-          </a:bodyPr>
-          <a:lstStyle/>
-          <a:p>
-            <a:pPr lvl="0"/>
-            <a:r>
-              <a:rPr kumimoji="1" lang="en-US" altLang="ko-KR" sz="1100" b="1" dirty="0">
-                <a:solidFill>
-                  <a:prstClr val="black">
-                    <a:lumMod val="75000"/>
-                    <a:lumOff val="25000"/>
-                  </a:prstClr>
-                </a:solidFill>
-              </a:rPr>
-              <a:t>3.</a:t>
-            </a:r>
-            <a:r>
-              <a:rPr kumimoji="1" lang="ko-KR" altLang="en-US" sz="1100" b="1" dirty="0">
-                <a:solidFill>
-                  <a:prstClr val="black">
-                    <a:lumMod val="75000"/>
-                    <a:lumOff val="25000"/>
-                  </a:prstClr>
-                </a:solidFill>
-              </a:rPr>
-              <a:t> 톰 레이어</a:t>
-            </a:r>
-            <a:endParaRPr kumimoji="1" lang="en-US" altLang="ko-KR" sz="1000" b="1" dirty="0">
-              <a:solidFill>
-                <a:srgbClr val="FF0000"/>
-              </a:solidFill>
-            </a:endParaRPr>
-          </a:p>
-          <a:p>
-            <a:r>
-              <a:rPr kumimoji="1" lang="ko-KR" altLang="en-US" sz="1100" b="1" dirty="0">
-                <a:solidFill>
-                  <a:schemeClr val="tx1">
-                    <a:lumMod val="75000"/>
-                    <a:lumOff val="25000"/>
-                  </a:schemeClr>
-                </a:solidFill>
-              </a:rPr>
-              <a:t>돈 단위 </a:t>
-            </a:r>
-            <a:r>
-              <a:rPr kumimoji="1" lang="en-US" altLang="ko-KR" sz="1100" b="1" dirty="0">
-                <a:solidFill>
-                  <a:schemeClr val="tx1">
-                    <a:lumMod val="75000"/>
-                    <a:lumOff val="25000"/>
-                  </a:schemeClr>
-                </a:solidFill>
-              </a:rPr>
-              <a:t>:</a:t>
-            </a:r>
-            <a:r>
-              <a:rPr kumimoji="1" lang="ko-KR" altLang="en-US" sz="1100" b="1" dirty="0">
-                <a:solidFill>
-                  <a:schemeClr val="tx1">
-                    <a:lumMod val="75000"/>
-                    <a:lumOff val="25000"/>
-                  </a:schemeClr>
-                </a:solidFill>
-              </a:rPr>
-              <a:t> </a:t>
-            </a:r>
-            <a:r>
-              <a:rPr kumimoji="1" lang="ko-KR" altLang="en-US" sz="1100" b="1" u="sng" dirty="0">
-                <a:solidFill>
-                  <a:schemeClr val="tx1">
-                    <a:lumMod val="75000"/>
-                    <a:lumOff val="25000"/>
-                  </a:schemeClr>
-                </a:solidFill>
-              </a:rPr>
-              <a:t> 달러</a:t>
-            </a:r>
-            <a:r>
-              <a:rPr kumimoji="1" lang="ko-KR" altLang="en-US" sz="1100" b="1" dirty="0">
-                <a:solidFill>
-                  <a:schemeClr val="tx1">
-                    <a:lumMod val="75000"/>
-                    <a:lumOff val="25000"/>
-                  </a:schemeClr>
-                </a:solidFill>
-              </a:rPr>
-              <a:t>            </a:t>
-            </a:r>
-            <a:r>
-              <a:rPr kumimoji="1" lang="ko-KR" altLang="en-US" sz="1000" b="1" dirty="0">
-                <a:solidFill>
-                  <a:srgbClr val="FF0000"/>
-                </a:solidFill>
-              </a:rPr>
-              <a:t>삭제</a:t>
-            </a:r>
-          </a:p>
-        </p:txBody>
-      </p:sp>
-      <p:sp>
-        <p:nvSpPr>
-          <p:cNvPr id="27" name="직사각형 26">
-            <a:extLst>
-              <a:ext uri="{FF2B5EF4-FFF2-40B4-BE49-F238E27FC236}">
-                <a16:creationId xmlns:a16="http://schemas.microsoft.com/office/drawing/2014/main" xmlns="" id="{324B93C4-54CD-364D-AE04-E89369BD362F}"/>
-              </a:ext>
-            </a:extLst>
-          </p:cNvPr>
-          <p:cNvSpPr/>
-          <p:nvPr/>
-        </p:nvSpPr>
-        <p:spPr>
-          <a:xfrm>
-            <a:off x="4901105" y="5603047"/>
-            <a:ext cx="2403951" cy="253636"/>
-          </a:xfrm>
-          <a:prstGeom prst="rect">
-            <a:avLst/>
-          </a:prstGeom>
-          <a:solidFill>
-            <a:srgbClr val="F6F6F6"/>
-          </a:solidFill>
-          <a:ln>
-            <a:noFill/>
-          </a:ln>
-        </p:spPr>
-        <p:style>
-          <a:lnRef idx="2">
-            <a:schemeClr val="accent1">
-              <a:shade val="50000"/>
-            </a:schemeClr>
-          </a:lnRef>
-          <a:fillRef idx="1">
-            <a:schemeClr val="accent1"/>
-          </a:fillRef>
-          <a:effectRef idx="0">
-            <a:schemeClr val="accent1"/>
-          </a:effectRef>
-          <a:fontRef idx="minor">
-            <a:schemeClr val="lt1"/>
-          </a:fontRef>
-        </p:style>
-        <p:txBody>
-          <a:bodyPr rtlCol="0" anchor="ctr"/>
-          <a:lstStyle/>
-          <a:p>
-            <a:pPr algn="ctr"/>
-            <a:endParaRPr kumimoji="1" lang="ko-KR" altLang="en-US"/>
-          </a:p>
-        </p:txBody>
-      </p:sp>
-      <p:cxnSp>
-        <p:nvCxnSpPr>
-          <p:cNvPr id="3" name="직선 연결선[R] 2">
-            <a:extLst>
-              <a:ext uri="{FF2B5EF4-FFF2-40B4-BE49-F238E27FC236}">
-                <a16:creationId xmlns:a16="http://schemas.microsoft.com/office/drawing/2014/main" xmlns="" id="{703E2DF6-4AB2-EF49-A3C5-F19D70859C0E}"/>
-              </a:ext>
-            </a:extLst>
-          </p:cNvPr>
-          <p:cNvCxnSpPr/>
-          <p:nvPr/>
-        </p:nvCxnSpPr>
-        <p:spPr>
-          <a:xfrm>
-            <a:off x="4901105" y="5609974"/>
-            <a:ext cx="2403951" cy="0"/>
-          </a:xfrm>
-          <a:prstGeom prst="line">
-            <a:avLst/>
-          </a:prstGeom>
-          <a:ln w="12700">
-            <a:solidFill>
-              <a:schemeClr val="bg1">
-                <a:lumMod val="75000"/>
-              </a:schemeClr>
-            </a:solidFill>
-          </a:ln>
-        </p:spPr>
-        <p:style>
-          <a:lnRef idx="1">
-            <a:schemeClr val="accent1"/>
-          </a:lnRef>
-          <a:fillRef idx="0">
-            <a:schemeClr val="accent1"/>
-          </a:fillRef>
-          <a:effectRef idx="0">
-            <a:schemeClr val="accent1"/>
-          </a:effectRef>
-          <a:fontRef idx="minor">
-            <a:schemeClr val="tx1"/>
-          </a:fontRef>
-        </p:style>
-      </p:cxnSp>
-      <p:sp>
-        <p:nvSpPr>
-          <p:cNvPr id="38" name="자유형 37">
-            <a:extLst>
-              <a:ext uri="{FF2B5EF4-FFF2-40B4-BE49-F238E27FC236}">
-                <a16:creationId xmlns:a16="http://schemas.microsoft.com/office/drawing/2014/main" xmlns="" id="{39ED7C97-C917-C740-AAC7-BAA87FCBD74F}"/>
-              </a:ext>
-            </a:extLst>
-          </p:cNvPr>
-          <p:cNvSpPr/>
-          <p:nvPr/>
-        </p:nvSpPr>
-        <p:spPr>
-          <a:xfrm>
-            <a:off x="5079422" y="3471557"/>
-            <a:ext cx="2033155" cy="585688"/>
-          </a:xfrm>
-          <a:custGeom>
-            <a:avLst/>
-            <a:gdLst>
-              <a:gd name="connsiteX0" fmla="*/ 1874303 w 2033155"/>
-              <a:gd name="connsiteY0" fmla="*/ 71218 h 585688"/>
-              <a:gd name="connsiteX1" fmla="*/ 1789532 w 2033155"/>
-              <a:gd name="connsiteY1" fmla="*/ 155989 h 585688"/>
-              <a:gd name="connsiteX2" fmla="*/ 1874303 w 2033155"/>
-              <a:gd name="connsiteY2" fmla="*/ 240760 h 585688"/>
-              <a:gd name="connsiteX3" fmla="*/ 1959074 w 2033155"/>
-              <a:gd name="connsiteY3" fmla="*/ 155989 h 585688"/>
-              <a:gd name="connsiteX4" fmla="*/ 1874303 w 2033155"/>
-              <a:gd name="connsiteY4" fmla="*/ 71218 h 585688"/>
-              <a:gd name="connsiteX5" fmla="*/ 71630 w 2033155"/>
-              <a:gd name="connsiteY5" fmla="*/ 0 h 585688"/>
-              <a:gd name="connsiteX6" fmla="*/ 1961525 w 2033155"/>
-              <a:gd name="connsiteY6" fmla="*/ 0 h 585688"/>
-              <a:gd name="connsiteX7" fmla="*/ 2033155 w 2033155"/>
-              <a:gd name="connsiteY7" fmla="*/ 71630 h 585688"/>
-              <a:gd name="connsiteX8" fmla="*/ 2033155 w 2033155"/>
-              <a:gd name="connsiteY8" fmla="*/ 514058 h 585688"/>
-              <a:gd name="connsiteX9" fmla="*/ 1961525 w 2033155"/>
-              <a:gd name="connsiteY9" fmla="*/ 585688 h 585688"/>
-              <a:gd name="connsiteX10" fmla="*/ 71630 w 2033155"/>
-              <a:gd name="connsiteY10" fmla="*/ 585688 h 585688"/>
-              <a:gd name="connsiteX11" fmla="*/ 0 w 2033155"/>
-              <a:gd name="connsiteY11" fmla="*/ 514058 h 585688"/>
-              <a:gd name="connsiteX12" fmla="*/ 0 w 2033155"/>
-              <a:gd name="connsiteY12" fmla="*/ 71630 h 585688"/>
-              <a:gd name="connsiteX13" fmla="*/ 71630 w 2033155"/>
-              <a:gd name="connsiteY13" fmla="*/ 0 h 585688"/>
-            </a:gdLst>
-            <a:ahLst/>
-            <a:cxnLst>
-              <a:cxn ang="0">
-                <a:pos x="connsiteX0" y="connsiteY0"/>
-              </a:cxn>
-              <a:cxn ang="0">
-                <a:pos x="connsiteX1" y="connsiteY1"/>
-              </a:cxn>
-              <a:cxn ang="0">
-                <a:pos x="connsiteX2" y="connsiteY2"/>
-              </a:cxn>
-              <a:cxn ang="0">
-                <a:pos x="connsiteX3" y="connsiteY3"/>
-              </a:cxn>
-              <a:cxn ang="0">
-                <a:pos x="connsiteX4" y="connsiteY4"/>
-              </a:cxn>
-              <a:cxn ang="0">
-                <a:pos x="connsiteX5" y="connsiteY5"/>
-              </a:cxn>
-              <a:cxn ang="0">
-                <a:pos x="connsiteX6" y="connsiteY6"/>
-              </a:cxn>
-              <a:cxn ang="0">
-                <a:pos x="connsiteX7" y="connsiteY7"/>
-              </a:cxn>
-              <a:cxn ang="0">
-                <a:pos x="connsiteX8" y="connsiteY8"/>
-              </a:cxn>
-              <a:cxn ang="0">
-                <a:pos x="connsiteX9" y="connsiteY9"/>
-              </a:cxn>
-              <a:cxn ang="0">
-                <a:pos x="connsiteX10" y="connsiteY10"/>
-              </a:cxn>
-              <a:cxn ang="0">
-                <a:pos x="connsiteX11" y="connsiteY11"/>
-              </a:cxn>
-              <a:cxn ang="0">
-                <a:pos x="connsiteX12" y="connsiteY12"/>
-              </a:cxn>
-              <a:cxn ang="0">
-                <a:pos x="connsiteX13" y="connsiteY13"/>
-              </a:cxn>
-            </a:cxnLst>
-            <a:rect l="l" t="t" r="r" b="b"/>
-            <a:pathLst>
-              <a:path w="2033155" h="585688">
-                <a:moveTo>
-                  <a:pt x="1874303" y="71218"/>
-                </a:moveTo>
-                <a:cubicBezTo>
-                  <a:pt x="1827485" y="71218"/>
-                  <a:pt x="1789532" y="109171"/>
-                  <a:pt x="1789532" y="155989"/>
-                </a:cubicBezTo>
-                <a:cubicBezTo>
-                  <a:pt x="1789532" y="202807"/>
-                  <a:pt x="1827485" y="240760"/>
-                  <a:pt x="1874303" y="240760"/>
-                </a:cubicBezTo>
-                <a:cubicBezTo>
-                  <a:pt x="1921121" y="240760"/>
-                  <a:pt x="1959074" y="202807"/>
-                  <a:pt x="1959074" y="155989"/>
-                </a:cubicBezTo>
-                <a:cubicBezTo>
-                  <a:pt x="1959074" y="109171"/>
-                  <a:pt x="1921121" y="71218"/>
-                  <a:pt x="1874303" y="71218"/>
-                </a:cubicBezTo>
-                <a:close/>
-                <a:moveTo>
-                  <a:pt x="71630" y="0"/>
-                </a:moveTo>
-                <a:lnTo>
-                  <a:pt x="1961525" y="0"/>
-                </a:lnTo>
-                <a:cubicBezTo>
-                  <a:pt x="2001085" y="0"/>
-                  <a:pt x="2033155" y="32070"/>
-                  <a:pt x="2033155" y="71630"/>
-                </a:cubicBezTo>
-                <a:lnTo>
-                  <a:pt x="2033155" y="514058"/>
-                </a:lnTo>
-                <a:cubicBezTo>
-                  <a:pt x="2033155" y="553618"/>
-                  <a:pt x="2001085" y="585688"/>
-                  <a:pt x="1961525" y="585688"/>
-                </a:cubicBezTo>
-                <a:lnTo>
-                  <a:pt x="71630" y="585688"/>
-                </a:lnTo>
-                <a:cubicBezTo>
-                  <a:pt x="32070" y="585688"/>
-                  <a:pt x="0" y="553618"/>
-                  <a:pt x="0" y="514058"/>
-                </a:cubicBezTo>
-                <a:lnTo>
-                  <a:pt x="0" y="71630"/>
-                </a:lnTo>
-                <a:cubicBezTo>
-                  <a:pt x="0" y="32070"/>
-                  <a:pt x="32070" y="0"/>
-                  <a:pt x="71630" y="0"/>
-                </a:cubicBezTo>
-                <a:close/>
-              </a:path>
-            </a:pathLst>
-          </a:custGeom>
-          <a:solidFill>
-            <a:schemeClr val="bg1"/>
-          </a:solidFill>
-          <a:ln>
-            <a:solidFill>
-              <a:schemeClr val="bg1">
-                <a:lumMod val="75000"/>
-              </a:schemeClr>
-            </a:solidFill>
-          </a:ln>
-        </p:spPr>
-        <p:style>
-          <a:lnRef idx="2">
-            <a:schemeClr val="accent1">
-              <a:shade val="50000"/>
-            </a:schemeClr>
-          </a:lnRef>
-          <a:fillRef idx="1">
-            <a:schemeClr val="accent1"/>
-          </a:fillRef>
-          <a:effectRef idx="0">
-            <a:schemeClr val="accent1"/>
-          </a:effectRef>
-          <a:fontRef idx="minor">
-            <a:schemeClr val="lt1"/>
-          </a:fontRef>
-        </p:style>
-        <p:txBody>
-          <a:bodyPr rot="0" spcFirstLastPara="0" vertOverflow="overflow" horzOverflow="overflow" vert="horz" wrap="square" lIns="91440" tIns="45720" rIns="91440" bIns="45720" numCol="1" spcCol="0" rtlCol="0" fromWordArt="0" anchor="ctr" anchorCtr="0" forceAA="0" compatLnSpc="1">
-            <a:prstTxWarp prst="textNoShape">
-              <a:avLst/>
-            </a:prstTxWarp>
-            <a:noAutofit/>
-          </a:bodyPr>
-          <a:lstStyle/>
-          <a:p>
-            <a:r>
-              <a:rPr kumimoji="1" lang="en-US" altLang="ko-KR" sz="1100" b="1" dirty="0">
-                <a:solidFill>
-                  <a:schemeClr val="tx1">
-                    <a:lumMod val="75000"/>
-                    <a:lumOff val="25000"/>
-                  </a:schemeClr>
-                </a:solidFill>
-              </a:rPr>
-              <a:t>1.</a:t>
-            </a:r>
-            <a:r>
-              <a:rPr kumimoji="1" lang="ko-KR" altLang="en-US" sz="1100" b="1" dirty="0">
-                <a:solidFill>
-                  <a:schemeClr val="tx1">
-                    <a:lumMod val="75000"/>
-                    <a:lumOff val="25000"/>
-                  </a:schemeClr>
-                </a:solidFill>
-              </a:rPr>
-              <a:t> 기본 레이어</a:t>
-            </a:r>
-            <a:endParaRPr kumimoji="1" lang="en-US" altLang="ko-KR" sz="1100" b="1" dirty="0">
-              <a:solidFill>
-                <a:schemeClr val="tx1">
-                  <a:lumMod val="75000"/>
-                  <a:lumOff val="25000"/>
-                </a:schemeClr>
-              </a:solidFill>
-            </a:endParaRPr>
-          </a:p>
-          <a:p>
-            <a:r>
-              <a:rPr kumimoji="1" lang="ko-KR" altLang="en-US" sz="1100" b="1" dirty="0">
-                <a:solidFill>
-                  <a:schemeClr val="tx1">
-                    <a:lumMod val="75000"/>
-                    <a:lumOff val="25000"/>
-                  </a:schemeClr>
-                </a:solidFill>
-              </a:rPr>
-              <a:t>돈 단위 </a:t>
-            </a:r>
-            <a:r>
-              <a:rPr kumimoji="1" lang="en-US" altLang="ko-KR" sz="1100" b="1" dirty="0">
-                <a:solidFill>
-                  <a:schemeClr val="tx1">
-                    <a:lumMod val="75000"/>
-                    <a:lumOff val="25000"/>
-                  </a:schemeClr>
-                </a:solidFill>
-              </a:rPr>
-              <a:t>:</a:t>
-            </a:r>
-            <a:r>
-              <a:rPr kumimoji="1" lang="ko-KR" altLang="en-US" sz="1100" b="1" dirty="0">
-                <a:solidFill>
-                  <a:schemeClr val="tx1">
-                    <a:lumMod val="75000"/>
-                    <a:lumOff val="25000"/>
-                  </a:schemeClr>
-                </a:solidFill>
-              </a:rPr>
-              <a:t> </a:t>
-            </a:r>
-            <a:r>
-              <a:rPr kumimoji="1" lang="ko-KR" altLang="en-US" sz="1100" b="1" u="sng" dirty="0">
-                <a:solidFill>
-                  <a:schemeClr val="tx1">
-                    <a:lumMod val="75000"/>
-                    <a:lumOff val="25000"/>
-                  </a:schemeClr>
-                </a:solidFill>
-              </a:rPr>
-              <a:t> 원</a:t>
-            </a:r>
-            <a:r>
-              <a:rPr kumimoji="1" lang="en-US" altLang="ko-KR" sz="1100" b="1" u="sng" dirty="0">
-                <a:solidFill>
-                  <a:schemeClr val="tx1">
-                    <a:lumMod val="75000"/>
-                    <a:lumOff val="25000"/>
-                  </a:schemeClr>
-                </a:solidFill>
-              </a:rPr>
-              <a:t>	</a:t>
-            </a:r>
-            <a:r>
-              <a:rPr kumimoji="1" lang="ko-KR" altLang="en-US" sz="1100" b="1" dirty="0">
-                <a:solidFill>
-                  <a:schemeClr val="tx1">
-                    <a:lumMod val="75000"/>
-                    <a:lumOff val="25000"/>
-                  </a:schemeClr>
-                </a:solidFill>
-              </a:rPr>
-              <a:t>            </a:t>
-            </a:r>
-            <a:r>
-              <a:rPr kumimoji="1" lang="ko-KR" altLang="en-US" sz="1000" b="1" dirty="0">
-                <a:solidFill>
-                  <a:srgbClr val="FF0000"/>
-                </a:solidFill>
-              </a:rPr>
-              <a:t>삭제</a:t>
-            </a:r>
-          </a:p>
-        </p:txBody>
-      </p:sp>
-      <p:sp>
-        <p:nvSpPr>
-          <p:cNvPr id="29" name="TextBox 28">
-            <a:extLst>
-              <a:ext uri="{FF2B5EF4-FFF2-40B4-BE49-F238E27FC236}">
-                <a16:creationId xmlns:a16="http://schemas.microsoft.com/office/drawing/2014/main" xmlns="" id="{ADA8295D-F93C-3047-AEE6-7A0499D3324A}"/>
-              </a:ext>
-            </a:extLst>
-          </p:cNvPr>
-          <p:cNvSpPr txBox="1"/>
-          <p:nvPr/>
-        </p:nvSpPr>
-        <p:spPr>
-          <a:xfrm>
-            <a:off x="4982903" y="3141823"/>
-            <a:ext cx="906017" cy="253916"/>
-          </a:xfrm>
-          <a:prstGeom prst="rect">
-            <a:avLst/>
-          </a:prstGeom>
-          <a:noFill/>
-        </p:spPr>
-        <p:txBody>
-          <a:bodyPr wrap="none" rtlCol="0">
-            <a:spAutoFit/>
-          </a:bodyPr>
-          <a:lstStyle/>
-          <a:p>
-            <a:r>
-              <a:rPr kumimoji="1" lang="ko-KR" altLang="en-US" sz="1050" dirty="0">
-                <a:solidFill>
-                  <a:schemeClr val="tx1">
-                    <a:lumMod val="75000"/>
-                    <a:lumOff val="25000"/>
-                  </a:schemeClr>
-                </a:solidFill>
-              </a:rPr>
-              <a:t>레이어 목록</a:t>
-            </a:r>
-            <a:endParaRPr kumimoji="1" lang="en-US" altLang="ko-KR" sz="1050" dirty="0">
-              <a:solidFill>
-                <a:schemeClr val="tx1">
-                  <a:lumMod val="75000"/>
-                  <a:lumOff val="25000"/>
-                </a:schemeClr>
-              </a:solidFill>
-            </a:endParaRPr>
-          </a:p>
-        </p:txBody>
-      </p:sp>
-      <p:sp>
-        <p:nvSpPr>
-          <p:cNvPr id="34" name="직사각형 33">
-            <a:extLst>
-              <a:ext uri="{FF2B5EF4-FFF2-40B4-BE49-F238E27FC236}">
-                <a16:creationId xmlns:a16="http://schemas.microsoft.com/office/drawing/2014/main" xmlns="" id="{85AE415A-F52E-6849-89F6-B7DF9B5D0D2D}"/>
-              </a:ext>
-            </a:extLst>
-          </p:cNvPr>
-          <p:cNvSpPr/>
-          <p:nvPr/>
-        </p:nvSpPr>
-        <p:spPr>
-          <a:xfrm>
-            <a:off x="4894025" y="1276420"/>
-            <a:ext cx="2403951" cy="1674184"/>
-          </a:xfrm>
-          <a:prstGeom prst="rect">
-            <a:avLst/>
-          </a:prstGeom>
-          <a:solidFill>
-            <a:schemeClr val="bg1"/>
-          </a:solidFill>
-          <a:ln>
-            <a:solidFill>
-              <a:schemeClr val="bg1">
-                <a:lumMod val="75000"/>
-              </a:schemeClr>
-            </a:solidFill>
-          </a:ln>
-        </p:spPr>
-        <p:style>
-          <a:lnRef idx="2">
-            <a:schemeClr val="accent1">
-              <a:shade val="50000"/>
-            </a:schemeClr>
-          </a:lnRef>
-          <a:fillRef idx="1">
-            <a:schemeClr val="accent1"/>
-          </a:fillRef>
-          <a:effectRef idx="0">
-            <a:schemeClr val="accent1"/>
-          </a:effectRef>
-          <a:fontRef idx="minor">
-            <a:schemeClr val="lt1"/>
-          </a:fontRef>
-        </p:style>
-        <p:txBody>
-          <a:bodyPr rtlCol="0" anchor="ctr"/>
-          <a:lstStyle/>
-          <a:p>
-            <a:pPr algn="ctr"/>
-            <a:endParaRPr kumimoji="1" lang="ko-KR" altLang="en-US" dirty="0"/>
-          </a:p>
-        </p:txBody>
-      </p:sp>
-      <p:sp>
-        <p:nvSpPr>
-          <p:cNvPr id="35" name="모서리가 둥근 직사각형 34">
-            <a:extLst>
-              <a:ext uri="{FF2B5EF4-FFF2-40B4-BE49-F238E27FC236}">
-                <a16:creationId xmlns:a16="http://schemas.microsoft.com/office/drawing/2014/main" xmlns="" id="{A4971372-9237-B048-B2E9-0A06977A32A0}"/>
-              </a:ext>
-            </a:extLst>
-          </p:cNvPr>
-          <p:cNvSpPr/>
-          <p:nvPr/>
-        </p:nvSpPr>
-        <p:spPr>
-          <a:xfrm>
-            <a:off x="5171838" y="2506380"/>
-            <a:ext cx="1848323" cy="234616"/>
-          </a:xfrm>
-          <a:prstGeom prst="roundRect">
-            <a:avLst>
-              <a:gd name="adj" fmla="val 12230"/>
-            </a:avLst>
-          </a:prstGeom>
-          <a:solidFill>
-            <a:srgbClr val="00A5FA"/>
-          </a:solidFill>
-          <a:ln>
-            <a:solidFill>
-              <a:srgbClr val="00B0F0"/>
-            </a:solidFill>
-          </a:ln>
-        </p:spPr>
-        <p:style>
-          <a:lnRef idx="2">
-            <a:schemeClr val="accent1">
-              <a:shade val="50000"/>
-            </a:schemeClr>
-          </a:lnRef>
-          <a:fillRef idx="1">
-            <a:schemeClr val="accent1"/>
-          </a:fillRef>
-          <a:effectRef idx="0">
-            <a:schemeClr val="accent1"/>
-          </a:effectRef>
-          <a:fontRef idx="minor">
-            <a:schemeClr val="lt1"/>
-          </a:fontRef>
-        </p:style>
-        <p:txBody>
-          <a:bodyPr rot="0" spcFirstLastPara="0" vertOverflow="overflow" horzOverflow="overflow" vert="horz" wrap="square" lIns="91440" tIns="45720" rIns="91440" bIns="45720" numCol="1" spcCol="0" rtlCol="0" fromWordArt="0" anchor="ctr" anchorCtr="0" forceAA="0" compatLnSpc="1">
-            <a:prstTxWarp prst="textNoShape">
-              <a:avLst/>
-            </a:prstTxWarp>
-            <a:noAutofit/>
-          </a:bodyPr>
-          <a:lstStyle/>
-          <a:p>
-            <a:pPr algn="ctr"/>
-            <a:r>
-              <a:rPr kumimoji="1" lang="ko-KR" altLang="en-US" sz="1000" dirty="0">
-                <a:solidFill>
-                  <a:schemeClr val="bg1"/>
-                </a:solidFill>
-              </a:rPr>
-              <a:t>추가</a:t>
-            </a:r>
-          </a:p>
-        </p:txBody>
-      </p:sp>
-      <p:sp>
-        <p:nvSpPr>
-          <p:cNvPr id="37" name="TextBox 36">
-            <a:extLst>
-              <a:ext uri="{FF2B5EF4-FFF2-40B4-BE49-F238E27FC236}">
-                <a16:creationId xmlns:a16="http://schemas.microsoft.com/office/drawing/2014/main" xmlns="" id="{985B151C-01C4-014A-B006-E8E125897B00}"/>
-              </a:ext>
-            </a:extLst>
-          </p:cNvPr>
-          <p:cNvSpPr txBox="1"/>
-          <p:nvPr/>
-        </p:nvSpPr>
-        <p:spPr>
-          <a:xfrm>
-            <a:off x="5342435" y="1755119"/>
-            <a:ext cx="1507144" cy="338554"/>
-          </a:xfrm>
-          <a:prstGeom prst="rect">
-            <a:avLst/>
-          </a:prstGeom>
-          <a:noFill/>
-        </p:spPr>
-        <p:txBody>
-          <a:bodyPr wrap="none" rtlCol="0">
-            <a:spAutoFit/>
-          </a:bodyPr>
-          <a:lstStyle/>
-          <a:p>
-            <a:pPr algn="ctr"/>
-            <a:r>
-              <a:rPr kumimoji="1" lang="en-US" altLang="ko-KR" sz="1600" b="1" dirty="0"/>
-              <a:t>_______________</a:t>
-            </a:r>
-            <a:endParaRPr kumimoji="1" lang="ko-KR" altLang="en-US" sz="1600" b="1" dirty="0"/>
-          </a:p>
-        </p:txBody>
-      </p:sp>
-      <p:sp>
-        <p:nvSpPr>
-          <p:cNvPr id="40" name="TextBox 39">
-            <a:extLst>
-              <a:ext uri="{FF2B5EF4-FFF2-40B4-BE49-F238E27FC236}">
-                <a16:creationId xmlns:a16="http://schemas.microsoft.com/office/drawing/2014/main" xmlns="" id="{FF2CD8B2-D563-3246-A9AF-E3C8601CB67D}"/>
-              </a:ext>
-            </a:extLst>
-          </p:cNvPr>
-          <p:cNvSpPr txBox="1"/>
-          <p:nvPr/>
-        </p:nvSpPr>
-        <p:spPr>
-          <a:xfrm>
-            <a:off x="4982903" y="1410132"/>
-            <a:ext cx="1008609" cy="276999"/>
-          </a:xfrm>
-          <a:prstGeom prst="rect">
-            <a:avLst/>
-          </a:prstGeom>
-          <a:noFill/>
-        </p:spPr>
-        <p:txBody>
-          <a:bodyPr wrap="none" rtlCol="0">
-            <a:spAutoFit/>
-          </a:bodyPr>
-          <a:lstStyle/>
-          <a:p>
-            <a:pPr algn="ctr"/>
-            <a:r>
-              <a:rPr kumimoji="1" lang="ko-KR" altLang="en-US" sz="1200" dirty="0"/>
-              <a:t>레이어 추가</a:t>
-            </a:r>
-          </a:p>
-        </p:txBody>
-      </p:sp>
-      <p:sp>
-        <p:nvSpPr>
-          <p:cNvPr id="2" name="TextBox 1">
-            <a:extLst>
-              <a:ext uri="{FF2B5EF4-FFF2-40B4-BE49-F238E27FC236}">
-                <a16:creationId xmlns:a16="http://schemas.microsoft.com/office/drawing/2014/main" xmlns="" id="{342D94B4-3572-1345-95DA-6137D8C8DE3B}"/>
-              </a:ext>
-            </a:extLst>
-          </p:cNvPr>
-          <p:cNvSpPr txBox="1"/>
-          <p:nvPr/>
-        </p:nvSpPr>
-        <p:spPr>
-          <a:xfrm>
-            <a:off x="5594383" y="1737453"/>
-            <a:ext cx="1017394" cy="276999"/>
-          </a:xfrm>
-          <a:prstGeom prst="rect">
-            <a:avLst/>
-          </a:prstGeom>
-          <a:noFill/>
-        </p:spPr>
-        <p:txBody>
-          <a:bodyPr wrap="none" rtlCol="0">
-            <a:spAutoFit/>
-          </a:bodyPr>
-          <a:lstStyle/>
-          <a:p>
-            <a:pPr algn="ctr"/>
-            <a:r>
-              <a:rPr kumimoji="1" lang="en-US" altLang="ko-KR" sz="1200" dirty="0">
-                <a:solidFill>
-                  <a:schemeClr val="bg1">
-                    <a:lumMod val="75000"/>
-                  </a:schemeClr>
-                </a:solidFill>
-              </a:rPr>
-              <a:t>Layer Name</a:t>
-            </a:r>
-            <a:endParaRPr kumimoji="1" lang="ko-KR" altLang="en-US" sz="1200" dirty="0">
-              <a:solidFill>
-                <a:schemeClr val="bg1">
-                  <a:lumMod val="75000"/>
-                </a:schemeClr>
-              </a:solidFill>
-            </a:endParaRPr>
-          </a:p>
-        </p:txBody>
-      </p:sp>
-      <p:sp>
-        <p:nvSpPr>
-          <p:cNvPr id="24" name="TextBox 23">
-            <a:extLst>
-              <a:ext uri="{FF2B5EF4-FFF2-40B4-BE49-F238E27FC236}">
-                <a16:creationId xmlns:a16="http://schemas.microsoft.com/office/drawing/2014/main" xmlns="" id="{A981D1E3-3D90-3247-975C-84C640002CD1}"/>
-              </a:ext>
-            </a:extLst>
-          </p:cNvPr>
-          <p:cNvSpPr txBox="1"/>
-          <p:nvPr/>
-        </p:nvSpPr>
-        <p:spPr>
-          <a:xfrm>
-            <a:off x="5695894" y="836828"/>
-            <a:ext cx="800219" cy="338554"/>
-          </a:xfrm>
-          <a:prstGeom prst="rect">
-            <a:avLst/>
-          </a:prstGeom>
-          <a:noFill/>
-        </p:spPr>
-        <p:txBody>
-          <a:bodyPr wrap="none" rtlCol="0">
-            <a:spAutoFit/>
-          </a:bodyPr>
-          <a:lstStyle/>
-          <a:p>
-            <a:pPr algn="ctr"/>
-            <a:r>
-              <a:rPr kumimoji="1" lang="ko-KR" altLang="en-US" sz="1600" b="1" dirty="0"/>
-              <a:t>활빈당</a:t>
-            </a:r>
-          </a:p>
-        </p:txBody>
-      </p:sp>
-      <p:sp>
-        <p:nvSpPr>
-          <p:cNvPr id="32" name="모서리가 둥근 직사각형 31">
-            <a:extLst>
-              <a:ext uri="{FF2B5EF4-FFF2-40B4-BE49-F238E27FC236}">
-                <a16:creationId xmlns:a16="http://schemas.microsoft.com/office/drawing/2014/main" xmlns="" id="{B59F14F9-9C33-A149-BB80-3F36949E7F3B}"/>
-              </a:ext>
-            </a:extLst>
-          </p:cNvPr>
-          <p:cNvSpPr/>
-          <p:nvPr/>
-        </p:nvSpPr>
-        <p:spPr>
-          <a:xfrm>
-            <a:off x="5178918" y="2148741"/>
-            <a:ext cx="1848323" cy="234616"/>
-          </a:xfrm>
-          <a:prstGeom prst="roundRect">
-            <a:avLst>
-              <a:gd name="adj" fmla="val 12230"/>
-            </a:avLst>
-          </a:prstGeom>
-          <a:solidFill>
-            <a:srgbClr val="F6F6F6"/>
-          </a:solidFill>
-          <a:ln>
-            <a:solidFill>
-              <a:schemeClr val="bg1">
-                <a:lumMod val="75000"/>
-              </a:schemeClr>
-            </a:solidFill>
-          </a:ln>
-        </p:spPr>
-        <p:style>
-          <a:lnRef idx="2">
-            <a:schemeClr val="accent1">
-              <a:shade val="50000"/>
-            </a:schemeClr>
-          </a:lnRef>
-          <a:fillRef idx="1">
-            <a:schemeClr val="accent1"/>
-          </a:fillRef>
-          <a:effectRef idx="0">
-            <a:schemeClr val="accent1"/>
-          </a:effectRef>
-          <a:fontRef idx="minor">
-            <a:schemeClr val="lt1"/>
-          </a:fontRef>
-        </p:style>
-        <p:txBody>
-          <a:bodyPr rot="0" spcFirstLastPara="0" vertOverflow="overflow" horzOverflow="overflow" vert="horz" wrap="square" lIns="91440" tIns="45720" rIns="91440" bIns="45720" numCol="1" spcCol="0" rtlCol="0" fromWordArt="0" anchor="ctr" anchorCtr="0" forceAA="0" compatLnSpc="1">
-            <a:prstTxWarp prst="textNoShape">
-              <a:avLst/>
-            </a:prstTxWarp>
-            <a:noAutofit/>
-          </a:bodyPr>
-          <a:lstStyle/>
-          <a:p>
-            <a:pPr algn="ctr"/>
-            <a:r>
-              <a:rPr kumimoji="1" lang="en-US" altLang="ko-KR" sz="1000" dirty="0">
-                <a:solidFill>
-                  <a:schemeClr val="bg1">
-                    <a:lumMod val="50000"/>
-                  </a:schemeClr>
-                </a:solidFill>
-              </a:rPr>
-              <a:t>Currency</a:t>
-            </a:r>
-            <a:endParaRPr kumimoji="1" lang="ko-KR" altLang="en-US" sz="1000" dirty="0">
-              <a:solidFill>
-                <a:schemeClr val="bg1">
-                  <a:lumMod val="50000"/>
-                </a:schemeClr>
-              </a:solidFill>
-            </a:endParaRPr>
-          </a:p>
-        </p:txBody>
-      </p:sp>
-      <p:sp>
-        <p:nvSpPr>
-          <p:cNvPr id="22" name="직사각형 21">
-            <a:extLst>
-              <a:ext uri="{FF2B5EF4-FFF2-40B4-BE49-F238E27FC236}">
-                <a16:creationId xmlns:a16="http://schemas.microsoft.com/office/drawing/2014/main" xmlns="" id="{1DF4C30D-B860-CF42-A2D2-8933EF262E6F}"/>
-              </a:ext>
-            </a:extLst>
-          </p:cNvPr>
-          <p:cNvSpPr/>
-          <p:nvPr/>
-        </p:nvSpPr>
-        <p:spPr>
-          <a:xfrm>
-            <a:off x="4901105" y="5693037"/>
-            <a:ext cx="2403951" cy="489240"/>
-          </a:xfrm>
-          <a:prstGeom prst="rect">
-            <a:avLst/>
-          </a:prstGeom>
-          <a:solidFill>
-            <a:schemeClr val="bg1"/>
-          </a:solidFill>
-          <a:ln>
-            <a:solidFill>
-              <a:schemeClr val="bg1">
-                <a:lumMod val="75000"/>
-              </a:schemeClr>
-            </a:solidFill>
-          </a:ln>
-        </p:spPr>
-        <p:style>
-          <a:lnRef idx="2">
-            <a:schemeClr val="accent1">
-              <a:shade val="50000"/>
-            </a:schemeClr>
-          </a:lnRef>
-          <a:fillRef idx="1">
-            <a:schemeClr val="accent1"/>
-          </a:fillRef>
-          <a:effectRef idx="0">
-            <a:schemeClr val="accent1"/>
-          </a:effectRef>
-          <a:fontRef idx="minor">
-            <a:schemeClr val="lt1"/>
-          </a:fontRef>
-        </p:style>
-        <p:txBody>
-          <a:bodyPr rtlCol="0" anchor="ctr"/>
-          <a:lstStyle/>
-          <a:p>
-            <a:pPr algn="ctr"/>
-            <a:endParaRPr kumimoji="1" lang="ko-KR" altLang="en-US"/>
-          </a:p>
-        </p:txBody>
-      </p:sp>
-      <p:sp>
-        <p:nvSpPr>
-          <p:cNvPr id="23" name="모서리가 둥근 직사각형 22">
-            <a:extLst>
-              <a:ext uri="{FF2B5EF4-FFF2-40B4-BE49-F238E27FC236}">
-                <a16:creationId xmlns:a16="http://schemas.microsoft.com/office/drawing/2014/main" xmlns="" id="{A63988F2-FAC3-5045-8EA4-4720DBA24757}"/>
-              </a:ext>
-            </a:extLst>
-          </p:cNvPr>
-          <p:cNvSpPr/>
-          <p:nvPr/>
-        </p:nvSpPr>
-        <p:spPr>
-          <a:xfrm>
-            <a:off x="5178918" y="5824538"/>
-            <a:ext cx="1848323" cy="234616"/>
-          </a:xfrm>
-          <a:prstGeom prst="roundRect">
-            <a:avLst>
-              <a:gd name="adj" fmla="val 12230"/>
-            </a:avLst>
-          </a:prstGeom>
-          <a:solidFill>
-            <a:srgbClr val="FF0000"/>
-          </a:solidFill>
-          <a:ln>
-            <a:solidFill>
-              <a:srgbClr val="FF4F48"/>
-            </a:solidFill>
-          </a:ln>
-        </p:spPr>
-        <p:style>
-          <a:lnRef idx="2">
-            <a:schemeClr val="accent1">
-              <a:shade val="50000"/>
-            </a:schemeClr>
-          </a:lnRef>
-          <a:fillRef idx="1">
-            <a:schemeClr val="accent1"/>
-          </a:fillRef>
-          <a:effectRef idx="0">
-            <a:schemeClr val="accent1"/>
-          </a:effectRef>
-          <a:fontRef idx="minor">
-            <a:schemeClr val="lt1"/>
-          </a:fontRef>
-        </p:style>
-        <p:txBody>
-          <a:bodyPr rot="0" spcFirstLastPara="0" vertOverflow="overflow" horzOverflow="overflow" vert="horz" wrap="square" lIns="91440" tIns="45720" rIns="91440" bIns="45720" numCol="1" spcCol="0" rtlCol="0" fromWordArt="0" anchor="ctr" anchorCtr="0" forceAA="0" compatLnSpc="1">
-            <a:prstTxWarp prst="textNoShape">
-              <a:avLst/>
-            </a:prstTxWarp>
-            <a:noAutofit/>
-          </a:bodyPr>
-          <a:lstStyle/>
-          <a:p>
-            <a:pPr algn="ctr"/>
-            <a:r>
-              <a:rPr kumimoji="1" lang="ko-KR" altLang="en-US" sz="1000" dirty="0">
-                <a:solidFill>
-                  <a:schemeClr val="bg1"/>
-                </a:solidFill>
-              </a:rPr>
-              <a:t>방 삭제</a:t>
-            </a:r>
-          </a:p>
-        </p:txBody>
-      </p:sp>
-      <p:sp>
-        <p:nvSpPr>
-          <p:cNvPr id="8" name="타원 7">
-            <a:extLst>
-              <a:ext uri="{FF2B5EF4-FFF2-40B4-BE49-F238E27FC236}">
-                <a16:creationId xmlns:a16="http://schemas.microsoft.com/office/drawing/2014/main" xmlns="" id="{17CBA615-565C-AB45-868B-9C6119032236}"/>
-              </a:ext>
-            </a:extLst>
-          </p:cNvPr>
-          <p:cNvSpPr/>
-          <p:nvPr/>
-        </p:nvSpPr>
-        <p:spPr>
-          <a:xfrm>
-            <a:off x="6892004" y="4225921"/>
-            <a:ext cx="121754" cy="121754"/>
-          </a:xfrm>
-          <a:prstGeom prst="ellipse">
-            <a:avLst/>
-          </a:prstGeom>
-          <a:solidFill>
-            <a:srgbClr val="00B0F0"/>
-          </a:solidFill>
-          <a:ln>
-            <a:noFill/>
-          </a:ln>
-        </p:spPr>
-        <p:style>
-          <a:lnRef idx="2">
-            <a:schemeClr val="accent1">
-              <a:shade val="50000"/>
-            </a:schemeClr>
-          </a:lnRef>
-          <a:fillRef idx="1">
-            <a:schemeClr val="accent1"/>
-          </a:fillRef>
-          <a:effectRef idx="0">
-            <a:schemeClr val="accent1"/>
-          </a:effectRef>
-          <a:fontRef idx="minor">
-            <a:schemeClr val="lt1"/>
-          </a:fontRef>
-        </p:style>
-        <p:txBody>
-          <a:bodyPr rtlCol="0" anchor="ctr"/>
-          <a:lstStyle/>
-          <a:p>
-            <a:pPr algn="ctr"/>
-            <a:endParaRPr kumimoji="1" lang="ko-KR" altLang="en-US"/>
-          </a:p>
-        </p:txBody>
-      </p:sp>
-      <p:sp>
-        <p:nvSpPr>
-          <p:cNvPr id="42" name="자유형 41">
-            <a:extLst>
-              <a:ext uri="{FF2B5EF4-FFF2-40B4-BE49-F238E27FC236}">
-                <a16:creationId xmlns:a16="http://schemas.microsoft.com/office/drawing/2014/main" xmlns="" id="{D118E58B-320B-8847-9091-5DBE4CFBE0D7}"/>
-              </a:ext>
-            </a:extLst>
-          </p:cNvPr>
-          <p:cNvSpPr/>
-          <p:nvPr/>
-        </p:nvSpPr>
-        <p:spPr>
-          <a:xfrm rot="13405530">
-            <a:off x="6484005" y="916556"/>
-            <a:ext cx="43065" cy="210710"/>
-          </a:xfrm>
-          <a:custGeom>
-            <a:avLst/>
-            <a:gdLst>
-              <a:gd name="connsiteX0" fmla="*/ 0 w 1060704"/>
-              <a:gd name="connsiteY0" fmla="*/ 5330311 h 5708910"/>
-              <a:gd name="connsiteX1" fmla="*/ 1060704 w 1060704"/>
-              <a:gd name="connsiteY1" fmla="*/ 5330311 h 5708910"/>
-              <a:gd name="connsiteX2" fmla="*/ 1060704 w 1060704"/>
-              <a:gd name="connsiteY2" fmla="*/ 5708910 h 5708910"/>
-              <a:gd name="connsiteX3" fmla="*/ 0 w 1060704"/>
-              <a:gd name="connsiteY3" fmla="*/ 5708910 h 5708910"/>
-              <a:gd name="connsiteX4" fmla="*/ 0 w 1060704"/>
-              <a:gd name="connsiteY4" fmla="*/ 1164371 h 5708910"/>
-              <a:gd name="connsiteX5" fmla="*/ 1060704 w 1060704"/>
-              <a:gd name="connsiteY5" fmla="*/ 1164371 h 5708910"/>
-              <a:gd name="connsiteX6" fmla="*/ 1060704 w 1060704"/>
-              <a:gd name="connsiteY6" fmla="*/ 5084090 h 5708910"/>
-              <a:gd name="connsiteX7" fmla="*/ 0 w 1060704"/>
-              <a:gd name="connsiteY7" fmla="*/ 5084090 h 5708910"/>
-              <a:gd name="connsiteX8" fmla="*/ 530352 w 1060704"/>
-              <a:gd name="connsiteY8" fmla="*/ 0 h 5708910"/>
-              <a:gd name="connsiteX9" fmla="*/ 1060704 w 1060704"/>
-              <a:gd name="connsiteY9" fmla="*/ 914400 h 5708910"/>
-              <a:gd name="connsiteX10" fmla="*/ 0 w 1060704"/>
-              <a:gd name="connsiteY10" fmla="*/ 914400 h 5708910"/>
-            </a:gdLst>
-            <a:ahLst/>
-            <a:cxnLst>
-              <a:cxn ang="0">
-                <a:pos x="connsiteX0" y="connsiteY0"/>
-              </a:cxn>
-              <a:cxn ang="0">
-                <a:pos x="connsiteX1" y="connsiteY1"/>
-              </a:cxn>
-              <a:cxn ang="0">
-                <a:pos x="connsiteX2" y="connsiteY2"/>
-              </a:cxn>
-              <a:cxn ang="0">
-                <a:pos x="connsiteX3" y="connsiteY3"/>
-              </a:cxn>
-              <a:cxn ang="0">
-                <a:pos x="connsiteX4" y="connsiteY4"/>
-              </a:cxn>
-              <a:cxn ang="0">
-                <a:pos x="connsiteX5" y="connsiteY5"/>
-              </a:cxn>
-              <a:cxn ang="0">
-                <a:pos x="connsiteX6" y="connsiteY6"/>
-              </a:cxn>
-              <a:cxn ang="0">
-                <a:pos x="connsiteX7" y="connsiteY7"/>
-              </a:cxn>
-              <a:cxn ang="0">
-                <a:pos x="connsiteX8" y="connsiteY8"/>
-              </a:cxn>
-              <a:cxn ang="0">
-                <a:pos x="connsiteX9" y="connsiteY9"/>
-              </a:cxn>
-              <a:cxn ang="0">
-                <a:pos x="connsiteX10" y="connsiteY10"/>
-              </a:cxn>
-            </a:cxnLst>
-            <a:rect l="l" t="t" r="r" b="b"/>
-            <a:pathLst>
-              <a:path w="1060704" h="5708910">
-                <a:moveTo>
-                  <a:pt x="0" y="5330311"/>
-                </a:moveTo>
-                <a:lnTo>
-                  <a:pt x="1060704" y="5330311"/>
-                </a:lnTo>
-                <a:lnTo>
-                  <a:pt x="1060704" y="5708910"/>
-                </a:lnTo>
-                <a:lnTo>
-                  <a:pt x="0" y="5708910"/>
-                </a:lnTo>
-                <a:close/>
-                <a:moveTo>
-                  <a:pt x="0" y="1164371"/>
-                </a:moveTo>
-                <a:lnTo>
-                  <a:pt x="1060704" y="1164371"/>
-                </a:lnTo>
-                <a:lnTo>
-                  <a:pt x="1060704" y="5084090"/>
-                </a:lnTo>
-                <a:lnTo>
-                  <a:pt x="0" y="5084090"/>
-                </a:lnTo>
-                <a:close/>
-                <a:moveTo>
-                  <a:pt x="530352" y="0"/>
-                </a:moveTo>
-                <a:lnTo>
-                  <a:pt x="1060704" y="914400"/>
-                </a:lnTo>
-                <a:lnTo>
-                  <a:pt x="0" y="914400"/>
-                </a:lnTo>
-                <a:close/>
-              </a:path>
-            </a:pathLst>
-          </a:custGeom>
-          <a:solidFill>
-            <a:schemeClr val="tx1">
-              <a:lumMod val="50000"/>
-              <a:lumOff val="50000"/>
-            </a:schemeClr>
-          </a:solidFill>
-          <a:ln>
-            <a:noFill/>
-          </a:ln>
-        </p:spPr>
-        <p:style>
-          <a:lnRef idx="2">
-            <a:schemeClr val="accent1">
-              <a:shade val="50000"/>
-            </a:schemeClr>
-          </a:lnRef>
-          <a:fillRef idx="1">
-            <a:schemeClr val="accent1"/>
-          </a:fillRef>
-          <a:effectRef idx="0">
-            <a:schemeClr val="accent1"/>
-          </a:effectRef>
-          <a:fontRef idx="minor">
-            <a:schemeClr val="lt1"/>
-          </a:fontRef>
-        </p:style>
-        <p:txBody>
-          <a:bodyPr rtlCol="0" anchor="ctr"/>
-          <a:lstStyle/>
-          <a:p>
-            <a:pPr algn="ctr"/>
-            <a:endParaRPr kumimoji="1" lang="ko-KR" altLang="en-US"/>
-          </a:p>
-        </p:txBody>
-      </p:sp>
-      <p:sp>
-        <p:nvSpPr>
-          <p:cNvPr id="30" name="TextBox 29">
-            <a:extLst>
-              <a:ext uri="{FF2B5EF4-FFF2-40B4-BE49-F238E27FC236}">
-                <a16:creationId xmlns:a16="http://schemas.microsoft.com/office/drawing/2014/main" xmlns="" id="{001529B2-C00D-4D4F-BEB9-70140837CDB4}"/>
-              </a:ext>
-            </a:extLst>
-          </p:cNvPr>
-          <p:cNvSpPr txBox="1"/>
-          <p:nvPr/>
-        </p:nvSpPr>
-        <p:spPr>
-          <a:xfrm>
-            <a:off x="5754268" y="6299817"/>
-            <a:ext cx="697627" cy="246221"/>
-          </a:xfrm>
-          <a:prstGeom prst="rect">
-            <a:avLst/>
-          </a:prstGeom>
-          <a:noFill/>
-        </p:spPr>
-        <p:txBody>
-          <a:bodyPr wrap="none" rtlCol="0">
-            <a:spAutoFit/>
-          </a:bodyPr>
-          <a:lstStyle/>
-          <a:p>
-            <a:pPr algn="ctr"/>
-            <a:r>
-              <a:rPr kumimoji="1" lang="ko-KR" altLang="en-US" sz="1000" dirty="0">
-                <a:solidFill>
-                  <a:srgbClr val="00B0F0"/>
-                </a:solidFill>
-              </a:rPr>
-              <a:t>로그아웃</a:t>
-            </a:r>
-          </a:p>
-        </p:txBody>
-      </p:sp>
-      <p:sp>
-        <p:nvSpPr>
-          <p:cNvPr id="31" name="TextBox 30">
-            <a:extLst>
-              <a:ext uri="{FF2B5EF4-FFF2-40B4-BE49-F238E27FC236}">
-                <a16:creationId xmlns:a16="http://schemas.microsoft.com/office/drawing/2014/main" xmlns="" id="{69074E22-F89C-A349-8330-71928693398F}"/>
-              </a:ext>
-            </a:extLst>
-          </p:cNvPr>
-          <p:cNvSpPr txBox="1"/>
-          <p:nvPr/>
-        </p:nvSpPr>
-        <p:spPr>
-          <a:xfrm>
-            <a:off x="5525535" y="6485507"/>
-            <a:ext cx="1141659" cy="253916"/>
-          </a:xfrm>
-          <a:prstGeom prst="rect">
-            <a:avLst/>
-          </a:prstGeom>
-          <a:noFill/>
-        </p:spPr>
-        <p:txBody>
-          <a:bodyPr wrap="none" rtlCol="0">
-            <a:spAutoFit/>
-          </a:bodyPr>
-          <a:lstStyle/>
-          <a:p>
-            <a:r>
-              <a:rPr kumimoji="1" lang="en-US" altLang="ko-KR" sz="1050" dirty="0">
-                <a:solidFill>
-                  <a:schemeClr val="bg1">
-                    <a:lumMod val="50000"/>
-                  </a:schemeClr>
-                </a:solidFill>
-              </a:rPr>
-              <a:t>@ </a:t>
-            </a:r>
-            <a:r>
-              <a:rPr kumimoji="1" lang="en-US" altLang="ko-KR" sz="1050" dirty="0" err="1">
-                <a:solidFill>
-                  <a:schemeClr val="bg1">
-                    <a:lumMod val="50000"/>
-                  </a:schemeClr>
-                </a:solidFill>
-              </a:rPr>
-              <a:t>about_JCube</a:t>
-            </a:r>
-            <a:endParaRPr kumimoji="1" lang="en-US" altLang="ko-KR" sz="1050" dirty="0">
-              <a:solidFill>
-                <a:schemeClr val="bg1">
-                  <a:lumMod val="50000"/>
-                </a:schemeClr>
-              </a:solidFill>
-            </a:endParaRPr>
-          </a:p>
-        </p:txBody>
-      </p:sp>
-    </p:spTree>
-    <p:extLst>
-      <p:ext uri="{BB962C8B-B14F-4D97-AF65-F5344CB8AC3E}">
-        <p14:creationId xmlns:p14="http://schemas.microsoft.com/office/powerpoint/2010/main" val="3091943180"/>
       </p:ext>
     </p:extLst>
   </p:cSld>

--- a/Documents/Design_Demo.pptx
+++ b/Documents/Design_Demo.pptx
@@ -5,27 +5,26 @@
     <p:sldMasterId id="2147483648" r:id="rId1"/>
   </p:sldMasterIdLst>
   <p:notesMasterIdLst>
-    <p:notesMasterId r:id="rId20"/>
+    <p:notesMasterId r:id="rId19"/>
   </p:notesMasterIdLst>
   <p:sldIdLst>
     <p:sldId id="257" r:id="rId2"/>
     <p:sldId id="256" r:id="rId3"/>
     <p:sldId id="258" r:id="rId4"/>
     <p:sldId id="279" r:id="rId5"/>
-    <p:sldId id="266" r:id="rId6"/>
-    <p:sldId id="265" r:id="rId7"/>
-    <p:sldId id="259" r:id="rId8"/>
-    <p:sldId id="268" r:id="rId9"/>
-    <p:sldId id="278" r:id="rId10"/>
-    <p:sldId id="269" r:id="rId11"/>
-    <p:sldId id="261" r:id="rId12"/>
-    <p:sldId id="262" r:id="rId13"/>
-    <p:sldId id="264" r:id="rId14"/>
-    <p:sldId id="273" r:id="rId15"/>
-    <p:sldId id="275" r:id="rId16"/>
-    <p:sldId id="274" r:id="rId17"/>
-    <p:sldId id="277" r:id="rId18"/>
-    <p:sldId id="276" r:id="rId19"/>
+    <p:sldId id="265" r:id="rId6"/>
+    <p:sldId id="259" r:id="rId7"/>
+    <p:sldId id="268" r:id="rId8"/>
+    <p:sldId id="278" r:id="rId9"/>
+    <p:sldId id="269" r:id="rId10"/>
+    <p:sldId id="261" r:id="rId11"/>
+    <p:sldId id="262" r:id="rId12"/>
+    <p:sldId id="264" r:id="rId13"/>
+    <p:sldId id="273" r:id="rId14"/>
+    <p:sldId id="275" r:id="rId15"/>
+    <p:sldId id="274" r:id="rId16"/>
+    <p:sldId id="277" r:id="rId17"/>
+    <p:sldId id="276" r:id="rId18"/>
   </p:sldIdLst>
   <p:sldSz cx="12192000" cy="6858000"/>
   <p:notesSz cx="6858000" cy="9144000"/>
@@ -137,7 +136,6 @@
           <p14:sldIdLst>
             <p14:sldId id="258"/>
             <p14:sldId id="279"/>
-            <p14:sldId id="266"/>
           </p14:sldIdLst>
         </p14:section>
         <p14:section name="Room Page" id="{93E26BFF-8C5C-2249-BFF9-AC14FC198EDA}">
@@ -647,45 +645,7 @@
           <a:p>
             <a:r>
               <a:rPr kumimoji="1" lang="en-US" altLang="ko-KR" dirty="0"/>
-              <a:t>Room Create</a:t>
-            </a:r>
-            <a:r>
-              <a:rPr kumimoji="1" lang="ko-KR" altLang="en-US" dirty="0"/>
-              <a:t> </a:t>
-            </a:r>
-            <a:r>
-              <a:rPr kumimoji="1" lang="en-US" altLang="ko-KR" dirty="0"/>
-              <a:t>Page</a:t>
-            </a:r>
-          </a:p>
-          <a:p>
-            <a:r>
-              <a:rPr kumimoji="1" lang="en-US" altLang="ko-KR" dirty="0"/>
-              <a:t>// </a:t>
-            </a:r>
-            <a:r>
-              <a:rPr kumimoji="1" lang="ko-KR" altLang="en-US" dirty="0"/>
-              <a:t>방 삭제는 </a:t>
-            </a:r>
-            <a:r>
-              <a:rPr kumimoji="1" lang="en-US" altLang="ko-KR" dirty="0"/>
-              <a:t>room</a:t>
-            </a:r>
-            <a:r>
-              <a:rPr kumimoji="1" lang="en-US" altLang="ko-KR" baseline="0" dirty="0"/>
-              <a:t> owner </a:t>
-            </a:r>
-            <a:r>
-              <a:rPr kumimoji="1" lang="ko-KR" altLang="en-US" baseline="0" dirty="0"/>
-              <a:t>일 때만</a:t>
-            </a:r>
-            <a:r>
-              <a:rPr kumimoji="1" lang="en-US" altLang="ko-KR" baseline="0" dirty="0"/>
-              <a:t>, </a:t>
-            </a:r>
-            <a:r>
-              <a:rPr kumimoji="1" lang="ko-KR" altLang="en-US" baseline="0" dirty="0"/>
-              <a:t>보여지는 부분</a:t>
+              <a:t>Entrance Page : main</a:t>
             </a:r>
             <a:endParaRPr kumimoji="1" lang="ko-KR" altLang="en-US" dirty="0"/>
           </a:p>
@@ -717,7 +677,7 @@
     </p:spTree>
     <p:extLst>
       <p:ext uri="{BB962C8B-B14F-4D97-AF65-F5344CB8AC3E}">
-        <p14:creationId xmlns:p14="http://schemas.microsoft.com/office/powerpoint/2010/main" val="215955332"/>
+        <p14:creationId xmlns:p14="http://schemas.microsoft.com/office/powerpoint/2010/main" val="242833347"/>
       </p:ext>
     </p:extLst>
   </p:cSld>
@@ -773,7 +733,7 @@
           <a:p>
             <a:r>
               <a:rPr kumimoji="1" lang="en-US" altLang="ko-KR" dirty="0"/>
-              <a:t>Entrance Page : main</a:t>
+              <a:t>Entrance Page : signup</a:t>
             </a:r>
             <a:endParaRPr kumimoji="1" lang="ko-KR" altLang="en-US" dirty="0"/>
           </a:p>
@@ -805,7 +765,7 @@
     </p:spTree>
     <p:extLst>
       <p:ext uri="{BB962C8B-B14F-4D97-AF65-F5344CB8AC3E}">
-        <p14:creationId xmlns:p14="http://schemas.microsoft.com/office/powerpoint/2010/main" val="242833347"/>
+        <p14:creationId xmlns:p14="http://schemas.microsoft.com/office/powerpoint/2010/main" val="961999558"/>
       </p:ext>
     </p:extLst>
   </p:cSld>
@@ -861,7 +821,11 @@
           <a:p>
             <a:r>
               <a:rPr kumimoji="1" lang="en-US" altLang="ko-KR" dirty="0"/>
-              <a:t>Entrance Page : signup</a:t>
+              <a:t>Entrance Page : already </a:t>
+            </a:r>
+            <a:r>
+              <a:rPr kumimoji="1" lang="en-US" altLang="ko-KR" dirty="0" err="1"/>
+              <a:t>signin</a:t>
             </a:r>
             <a:endParaRPr kumimoji="1" lang="ko-KR" altLang="en-US" dirty="0"/>
           </a:p>
@@ -893,7 +857,7 @@
     </p:spTree>
     <p:extLst>
       <p:ext uri="{BB962C8B-B14F-4D97-AF65-F5344CB8AC3E}">
-        <p14:creationId xmlns:p14="http://schemas.microsoft.com/office/powerpoint/2010/main" val="961999558"/>
+        <p14:creationId xmlns:p14="http://schemas.microsoft.com/office/powerpoint/2010/main" val="643733136"/>
       </p:ext>
     </p:extLst>
   </p:cSld>
@@ -949,11 +913,7 @@
           <a:p>
             <a:r>
               <a:rPr kumimoji="1" lang="en-US" altLang="ko-KR" dirty="0"/>
-              <a:t>Entrance Page : already </a:t>
-            </a:r>
-            <a:r>
-              <a:rPr kumimoji="1" lang="en-US" altLang="ko-KR" dirty="0" err="1"/>
-              <a:t>signin</a:t>
+              <a:t>Payment Page</a:t>
             </a:r>
             <a:endParaRPr kumimoji="1" lang="ko-KR" altLang="en-US" dirty="0"/>
           </a:p>
@@ -985,7 +945,7 @@
     </p:spTree>
     <p:extLst>
       <p:ext uri="{BB962C8B-B14F-4D97-AF65-F5344CB8AC3E}">
-        <p14:creationId xmlns:p14="http://schemas.microsoft.com/office/powerpoint/2010/main" val="643733136"/>
+        <p14:creationId xmlns:p14="http://schemas.microsoft.com/office/powerpoint/2010/main" val="1986507392"/>
       </p:ext>
     </p:extLst>
   </p:cSld>
@@ -1041,7 +1001,47 @@
           <a:p>
             <a:r>
               <a:rPr kumimoji="1" lang="en-US" altLang="ko-KR" dirty="0"/>
-              <a:t>Payment Page</a:t>
+              <a:t>Payment Page : new</a:t>
+            </a:r>
+            <a:r>
+              <a:rPr kumimoji="1" lang="en-US" altLang="ko-KR" baseline="0" dirty="0"/>
+              <a:t> payment</a:t>
+            </a:r>
+          </a:p>
+          <a:p>
+            <a:r>
+              <a:rPr kumimoji="1" lang="ko-KR" altLang="en-US" baseline="0" dirty="0"/>
+              <a:t>각자를 누르고 입력하는 중이거나 누군가의 액수를 수정할 경우 </a:t>
+            </a:r>
+            <a:r>
+              <a:rPr kumimoji="1" lang="en-US" altLang="ko-KR" baseline="0" dirty="0"/>
+              <a:t>: </a:t>
+            </a:r>
+          </a:p>
+          <a:p>
+            <a:r>
+              <a:rPr kumimoji="1" lang="ko-KR" altLang="en-US" baseline="0" dirty="0"/>
+              <a:t>남은 돈 </a:t>
+            </a:r>
+            <a:r>
+              <a:rPr kumimoji="1" lang="en-US" altLang="ko-KR" baseline="0" dirty="0"/>
+              <a:t>&lt;- </a:t>
+            </a:r>
+            <a:r>
+              <a:rPr kumimoji="1" lang="ko-KR" altLang="en-US" baseline="0" dirty="0"/>
+              <a:t>총액 </a:t>
+            </a:r>
+            <a:r>
+              <a:rPr kumimoji="1" lang="en-US" altLang="ko-KR" baseline="0" dirty="0"/>
+              <a:t>– SIGAM { member(</a:t>
+            </a:r>
+            <a:r>
+              <a:rPr kumimoji="1" lang="en-US" altLang="ko-KR" baseline="0" dirty="0" err="1"/>
+              <a:t>i</a:t>
+            </a:r>
+            <a:r>
+              <a:rPr kumimoji="1" lang="en-US" altLang="ko-KR" baseline="0" dirty="0"/>
+              <a:t>) } </a:t>
             </a:r>
             <a:endParaRPr kumimoji="1" lang="ko-KR" altLang="en-US" dirty="0"/>
           </a:p>
@@ -1073,7 +1073,7 @@
     </p:spTree>
     <p:extLst>
       <p:ext uri="{BB962C8B-B14F-4D97-AF65-F5344CB8AC3E}">
-        <p14:creationId xmlns:p14="http://schemas.microsoft.com/office/powerpoint/2010/main" val="1986507392"/>
+        <p14:creationId xmlns:p14="http://schemas.microsoft.com/office/powerpoint/2010/main" val="1330702423"/>
       </p:ext>
     </p:extLst>
   </p:cSld>
@@ -1129,48 +1129,17 @@
           <a:p>
             <a:r>
               <a:rPr kumimoji="1" lang="en-US" altLang="ko-KR" dirty="0"/>
-              <a:t>Payment Page : new</a:t>
-            </a:r>
-            <a:r>
-              <a:rPr kumimoji="1" lang="en-US" altLang="ko-KR" baseline="0" dirty="0"/>
-              <a:t> payment</a:t>
-            </a:r>
-          </a:p>
-          <a:p>
-            <a:r>
-              <a:rPr kumimoji="1" lang="ko-KR" altLang="en-US" baseline="0" dirty="0"/>
-              <a:t>각자를 누르고 입력하는 중이거나 누군가의 액수를 수정할 경우 </a:t>
-            </a:r>
-            <a:r>
-              <a:rPr kumimoji="1" lang="en-US" altLang="ko-KR" baseline="0" dirty="0"/>
-              <a:t>: </a:t>
-            </a:r>
-          </a:p>
-          <a:p>
-            <a:r>
-              <a:rPr kumimoji="1" lang="ko-KR" altLang="en-US" baseline="0" dirty="0"/>
-              <a:t>남은 돈 </a:t>
-            </a:r>
-            <a:r>
-              <a:rPr kumimoji="1" lang="en-US" altLang="ko-KR" baseline="0" dirty="0"/>
-              <a:t>&lt;- </a:t>
-            </a:r>
-            <a:r>
-              <a:rPr kumimoji="1" lang="ko-KR" altLang="en-US" baseline="0" dirty="0"/>
-              <a:t>총액 </a:t>
-            </a:r>
-            <a:r>
-              <a:rPr kumimoji="1" lang="en-US" altLang="ko-KR" baseline="0" dirty="0"/>
-              <a:t>– SIGAM { member(</a:t>
-            </a:r>
-            <a:r>
-              <a:rPr kumimoji="1" lang="en-US" altLang="ko-KR" baseline="0" dirty="0" err="1"/>
-              <a:t>i</a:t>
-            </a:r>
-            <a:r>
-              <a:rPr kumimoji="1" lang="en-US" altLang="ko-KR" baseline="0" dirty="0"/>
-              <a:t>) } </a:t>
-            </a:r>
+              <a:t>Individual Page</a:t>
+            </a:r>
+          </a:p>
+          <a:p>
+            <a:r>
+              <a:rPr kumimoji="1" lang="ko-KR" altLang="en-US" dirty="0"/>
+              <a:t>실제로 보낼 돈과 받을 돈이 모두 존재할 수 없음</a:t>
+            </a:r>
+            <a:endParaRPr kumimoji="1" lang="en-US" altLang="ko-KR" dirty="0"/>
+          </a:p>
+          <a:p>
             <a:endParaRPr kumimoji="1" lang="ko-KR" altLang="en-US" dirty="0"/>
           </a:p>
         </p:txBody>
@@ -1201,7 +1170,7 @@
     </p:spTree>
     <p:extLst>
       <p:ext uri="{BB962C8B-B14F-4D97-AF65-F5344CB8AC3E}">
-        <p14:creationId xmlns:p14="http://schemas.microsoft.com/office/powerpoint/2010/main" val="1330702423"/>
+        <p14:creationId xmlns:p14="http://schemas.microsoft.com/office/powerpoint/2010/main" val="832641613"/>
       </p:ext>
     </p:extLst>
   </p:cSld>
@@ -1257,18 +1226,16 @@
           <a:p>
             <a:r>
               <a:rPr kumimoji="1" lang="en-US" altLang="ko-KR" dirty="0"/>
-              <a:t>Individual Page</a:t>
-            </a:r>
-          </a:p>
-          <a:p>
-            <a:r>
-              <a:rPr kumimoji="1" lang="ko-KR" altLang="en-US" dirty="0"/>
-              <a:t>실제로 보낼 돈과 받을 돈이 모두 존재할 수 없음</a:t>
-            </a:r>
-            <a:endParaRPr kumimoji="1" lang="en-US" altLang="ko-KR" dirty="0"/>
-          </a:p>
-          <a:p>
-            <a:endParaRPr kumimoji="1" lang="ko-KR" altLang="en-US" dirty="0"/>
+              <a:t>Account Page (cleaned</a:t>
+            </a:r>
+            <a:r>
+              <a:rPr kumimoji="1" lang="en-US" altLang="ko-KR" baseline="0" dirty="0"/>
+              <a:t> </a:t>
+            </a:r>
+            <a:r>
+              <a:rPr kumimoji="1" lang="en-US" altLang="ko-KR" dirty="0"/>
+              <a:t>Credit)</a:t>
+            </a:r>
           </a:p>
         </p:txBody>
       </p:sp>
@@ -1298,7 +1265,7 @@
     </p:spTree>
     <p:extLst>
       <p:ext uri="{BB962C8B-B14F-4D97-AF65-F5344CB8AC3E}">
-        <p14:creationId xmlns:p14="http://schemas.microsoft.com/office/powerpoint/2010/main" val="832641613"/>
+        <p14:creationId xmlns:p14="http://schemas.microsoft.com/office/powerpoint/2010/main" val="2652658967"/>
       </p:ext>
     </p:extLst>
   </p:cSld>
@@ -1364,6 +1331,30 @@
               <a:rPr kumimoji="1" lang="en-US" altLang="ko-KR" dirty="0"/>
               <a:t>Credit)</a:t>
             </a:r>
+            <a:r>
+              <a:rPr kumimoji="1" lang="ko-KR" altLang="en-US" dirty="0"/>
+              <a:t> </a:t>
+            </a:r>
+            <a:endParaRPr kumimoji="1" lang="en-US" altLang="ko-KR" dirty="0"/>
+          </a:p>
+          <a:p>
+            <a:r>
+              <a:rPr kumimoji="1" lang="en-US" altLang="ko-KR" dirty="0"/>
+              <a:t>//</a:t>
+            </a:r>
+            <a:r>
+              <a:rPr kumimoji="1" lang="ko-KR" altLang="en-US" dirty="0"/>
+              <a:t> </a:t>
+            </a:r>
+            <a:r>
+              <a:rPr kumimoji="1" lang="en-US" altLang="ko-KR" dirty="0"/>
+              <a:t>with Layer</a:t>
+            </a:r>
+            <a:r>
+              <a:rPr kumimoji="1" lang="ko-KR" altLang="en-US" dirty="0"/>
+              <a:t> </a:t>
+            </a:r>
+            <a:endParaRPr kumimoji="1" lang="en-US" altLang="ko-KR" dirty="0"/>
           </a:p>
         </p:txBody>
       </p:sp>
@@ -1385,125 +1376,6 @@
             <a:fld id="{BF3A642A-6642-CD43-931E-A8C786FEBA0D}" type="slidenum">
               <a:rPr kumimoji="1" lang="ko-KR" altLang="en-US" smtClean="0"/>
               <a:t>17</a:t>
-            </a:fld>
-            <a:endParaRPr kumimoji="1" lang="ko-KR" altLang="en-US"/>
-          </a:p>
-        </p:txBody>
-      </p:sp>
-    </p:spTree>
-    <p:extLst>
-      <p:ext uri="{BB962C8B-B14F-4D97-AF65-F5344CB8AC3E}">
-        <p14:creationId xmlns:p14="http://schemas.microsoft.com/office/powerpoint/2010/main" val="2652658967"/>
-      </p:ext>
-    </p:extLst>
-  </p:cSld>
-  <p:clrMapOvr>
-    <a:masterClrMapping/>
-  </p:clrMapOvr>
-</p:notes>
-</file>
-
-<file path=ppt/notesSlides/notesSlide18.xml><?xml version="1.0" encoding="utf-8"?>
-<p:notes xmlns:a="http://schemas.openxmlformats.org/drawingml/2006/main" xmlns:r="http://schemas.openxmlformats.org/officeDocument/2006/relationships" xmlns:p="http://schemas.openxmlformats.org/presentationml/2006/main">
-  <p:cSld>
-    <p:spTree>
-      <p:nvGrpSpPr>
-        <p:cNvPr id="1" name=""/>
-        <p:cNvGrpSpPr/>
-        <p:nvPr/>
-      </p:nvGrpSpPr>
-      <p:grpSpPr>
-        <a:xfrm>
-          <a:off x="0" y="0"/>
-          <a:ext cx="0" cy="0"/>
-          <a:chOff x="0" y="0"/>
-          <a:chExt cx="0" cy="0"/>
-        </a:xfrm>
-      </p:grpSpPr>
-      <p:sp>
-        <p:nvSpPr>
-          <p:cNvPr id="2" name="슬라이드 이미지 개체 틀 1"/>
-          <p:cNvSpPr>
-            <a:spLocks noGrp="1" noRot="1" noChangeAspect="1"/>
-          </p:cNvSpPr>
-          <p:nvPr>
-            <p:ph type="sldImg"/>
-          </p:nvPr>
-        </p:nvSpPr>
-        <p:spPr/>
-      </p:sp>
-      <p:sp>
-        <p:nvSpPr>
-          <p:cNvPr id="3" name="슬라이드 노트 개체 틀 2"/>
-          <p:cNvSpPr>
-            <a:spLocks noGrp="1"/>
-          </p:cNvSpPr>
-          <p:nvPr>
-            <p:ph type="body" idx="1"/>
-          </p:nvPr>
-        </p:nvSpPr>
-        <p:spPr/>
-        <p:txBody>
-          <a:bodyPr/>
-          <a:lstStyle/>
-          <a:p>
-            <a:r>
-              <a:rPr kumimoji="1" lang="en-US" altLang="ko-KR" dirty="0"/>
-              <a:t>Account Page (cleaned</a:t>
-            </a:r>
-            <a:r>
-              <a:rPr kumimoji="1" lang="en-US" altLang="ko-KR" baseline="0" dirty="0"/>
-              <a:t> </a:t>
-            </a:r>
-            <a:r>
-              <a:rPr kumimoji="1" lang="en-US" altLang="ko-KR" dirty="0"/>
-              <a:t>Credit)</a:t>
-            </a:r>
-            <a:r>
-              <a:rPr kumimoji="1" lang="ko-KR" altLang="en-US" dirty="0"/>
-              <a:t> </a:t>
-            </a:r>
-            <a:endParaRPr kumimoji="1" lang="en-US" altLang="ko-KR" dirty="0"/>
-          </a:p>
-          <a:p>
-            <a:r>
-              <a:rPr kumimoji="1" lang="en-US" altLang="ko-KR" dirty="0"/>
-              <a:t>//</a:t>
-            </a:r>
-            <a:r>
-              <a:rPr kumimoji="1" lang="ko-KR" altLang="en-US" dirty="0"/>
-              <a:t> </a:t>
-            </a:r>
-            <a:r>
-              <a:rPr kumimoji="1" lang="en-US" altLang="ko-KR" dirty="0"/>
-              <a:t>with Layer</a:t>
-            </a:r>
-            <a:r>
-              <a:rPr kumimoji="1" lang="ko-KR" altLang="en-US" dirty="0"/>
-              <a:t> </a:t>
-            </a:r>
-            <a:endParaRPr kumimoji="1" lang="en-US" altLang="ko-KR" dirty="0"/>
-          </a:p>
-        </p:txBody>
-      </p:sp>
-      <p:sp>
-        <p:nvSpPr>
-          <p:cNvPr id="4" name="슬라이드 번호 개체 틀 3"/>
-          <p:cNvSpPr>
-            <a:spLocks noGrp="1"/>
-          </p:cNvSpPr>
-          <p:nvPr>
-            <p:ph type="sldNum" sz="quarter" idx="5"/>
-          </p:nvPr>
-        </p:nvSpPr>
-        <p:spPr/>
-        <p:txBody>
-          <a:bodyPr/>
-          <a:lstStyle/>
-          <a:p>
-            <a:fld id="{BF3A642A-6642-CD43-931E-A8C786FEBA0D}" type="slidenum">
-              <a:rPr kumimoji="1" lang="ko-KR" altLang="en-US" smtClean="0"/>
-              <a:t>18</a:t>
             </a:fld>
             <a:endParaRPr kumimoji="1" lang="ko-KR" altLang="en-US"/>
           </a:p>
@@ -1832,7 +1704,15 @@
           <a:p>
             <a:r>
               <a:rPr kumimoji="1" lang="en-US" altLang="ko-KR" dirty="0"/>
-              <a:t>User Info Page</a:t>
+              <a:t>Room Create</a:t>
+            </a:r>
+            <a:r>
+              <a:rPr kumimoji="1" lang="ko-KR" altLang="en-US" dirty="0"/>
+              <a:t> </a:t>
+            </a:r>
+            <a:r>
+              <a:rPr kumimoji="1" lang="en-US" altLang="ko-KR" dirty="0"/>
+              <a:t>Page</a:t>
             </a:r>
             <a:endParaRPr kumimoji="1" lang="ko-KR" altLang="en-US" dirty="0"/>
           </a:p>
@@ -1864,7 +1744,7 @@
     </p:spTree>
     <p:extLst>
       <p:ext uri="{BB962C8B-B14F-4D97-AF65-F5344CB8AC3E}">
-        <p14:creationId xmlns:p14="http://schemas.microsoft.com/office/powerpoint/2010/main" val="2829576025"/>
+        <p14:creationId xmlns:p14="http://schemas.microsoft.com/office/powerpoint/2010/main" val="4233698825"/>
       </p:ext>
     </p:extLst>
   </p:cSld>
@@ -1920,15 +1800,7 @@
           <a:p>
             <a:r>
               <a:rPr kumimoji="1" lang="en-US" altLang="ko-KR" dirty="0"/>
-              <a:t>Room Create</a:t>
-            </a:r>
-            <a:r>
-              <a:rPr kumimoji="1" lang="ko-KR" altLang="en-US" dirty="0"/>
-              <a:t> </a:t>
-            </a:r>
-            <a:r>
-              <a:rPr kumimoji="1" lang="en-US" altLang="ko-KR" dirty="0"/>
-              <a:t>Page</a:t>
+              <a:t>Room Page</a:t>
             </a:r>
             <a:endParaRPr kumimoji="1" lang="ko-KR" altLang="en-US" dirty="0"/>
           </a:p>
@@ -1960,7 +1832,7 @@
     </p:spTree>
     <p:extLst>
       <p:ext uri="{BB962C8B-B14F-4D97-AF65-F5344CB8AC3E}">
-        <p14:creationId xmlns:p14="http://schemas.microsoft.com/office/powerpoint/2010/main" val="4233698825"/>
+        <p14:creationId xmlns:p14="http://schemas.microsoft.com/office/powerpoint/2010/main" val="3799409945"/>
       </p:ext>
     </p:extLst>
   </p:cSld>
@@ -2048,7 +1920,7 @@
     </p:spTree>
     <p:extLst>
       <p:ext uri="{BB962C8B-B14F-4D97-AF65-F5344CB8AC3E}">
-        <p14:creationId xmlns:p14="http://schemas.microsoft.com/office/powerpoint/2010/main" val="3799409945"/>
+        <p14:creationId xmlns:p14="http://schemas.microsoft.com/office/powerpoint/2010/main" val="2644374751"/>
       </p:ext>
     </p:extLst>
   </p:cSld>
@@ -2104,7 +1976,25 @@
           <a:p>
             <a:r>
               <a:rPr kumimoji="1" lang="en-US" altLang="ko-KR" dirty="0"/>
-              <a:t>Room Page</a:t>
+              <a:t>Room Create</a:t>
+            </a:r>
+            <a:r>
+              <a:rPr kumimoji="1" lang="ko-KR" altLang="en-US" dirty="0"/>
+              <a:t> </a:t>
+            </a:r>
+            <a:r>
+              <a:rPr kumimoji="1" lang="en-US" altLang="ko-KR" dirty="0"/>
+              <a:t>Page</a:t>
+            </a:r>
+          </a:p>
+          <a:p>
+            <a:r>
+              <a:rPr kumimoji="1" lang="en-US" altLang="ko-KR" dirty="0" smtClean="0"/>
+              <a:t>//</a:t>
+            </a:r>
+            <a:r>
+              <a:rPr kumimoji="1" lang="ko-KR" altLang="en-US" baseline="0" dirty="0" smtClean="0"/>
+              <a:t> 레이어 기능 숨김</a:t>
             </a:r>
             <a:endParaRPr kumimoji="1" lang="ko-KR" altLang="en-US" dirty="0"/>
           </a:p>
@@ -2136,7 +2026,7 @@
     </p:spTree>
     <p:extLst>
       <p:ext uri="{BB962C8B-B14F-4D97-AF65-F5344CB8AC3E}">
-        <p14:creationId xmlns:p14="http://schemas.microsoft.com/office/powerpoint/2010/main" val="2644374751"/>
+        <p14:creationId xmlns:p14="http://schemas.microsoft.com/office/powerpoint/2010/main" val="1245248081"/>
       </p:ext>
     </p:extLst>
   </p:cSld>
@@ -2205,12 +2095,32 @@
           </a:p>
           <a:p>
             <a:r>
-              <a:rPr kumimoji="1" lang="en-US" altLang="ko-KR" dirty="0" smtClean="0"/>
-              <a:t>//</a:t>
-            </a:r>
-            <a:r>
-              <a:rPr kumimoji="1" lang="ko-KR" altLang="en-US" baseline="0" dirty="0" smtClean="0"/>
-              <a:t> 레이어 기능 숨김</a:t>
+              <a:rPr kumimoji="1" lang="en-US" altLang="ko-KR" dirty="0"/>
+              <a:t>// </a:t>
+            </a:r>
+            <a:r>
+              <a:rPr kumimoji="1" lang="ko-KR" altLang="en-US" dirty="0"/>
+              <a:t>방 삭제는 </a:t>
+            </a:r>
+            <a:r>
+              <a:rPr kumimoji="1" lang="en-US" altLang="ko-KR" dirty="0"/>
+              <a:t>room</a:t>
+            </a:r>
+            <a:r>
+              <a:rPr kumimoji="1" lang="en-US" altLang="ko-KR" baseline="0" dirty="0"/>
+              <a:t> owner </a:t>
+            </a:r>
+            <a:r>
+              <a:rPr kumimoji="1" lang="ko-KR" altLang="en-US" baseline="0" dirty="0"/>
+              <a:t>일 때만</a:t>
+            </a:r>
+            <a:r>
+              <a:rPr kumimoji="1" lang="en-US" altLang="ko-KR" baseline="0" dirty="0"/>
+              <a:t>, </a:t>
+            </a:r>
+            <a:r>
+              <a:rPr kumimoji="1" lang="ko-KR" altLang="en-US" baseline="0" dirty="0"/>
+              <a:t>보여지는 부분</a:t>
             </a:r>
             <a:endParaRPr kumimoji="1" lang="ko-KR" altLang="en-US" dirty="0"/>
           </a:p>
@@ -2242,7 +2152,7 @@
     </p:spTree>
     <p:extLst>
       <p:ext uri="{BB962C8B-B14F-4D97-AF65-F5344CB8AC3E}">
-        <p14:creationId xmlns:p14="http://schemas.microsoft.com/office/powerpoint/2010/main" val="1245248081"/>
+        <p14:creationId xmlns:p14="http://schemas.microsoft.com/office/powerpoint/2010/main" val="215955332"/>
       </p:ext>
     </p:extLst>
   </p:cSld>
@@ -5823,10 +5733,10 @@
       </p:grpSpPr>
       <p:sp>
         <p:nvSpPr>
-          <p:cNvPr id="13" name="직사각형 12">
-            <a:extLst>
-              <a:ext uri="{FF2B5EF4-FFF2-40B4-BE49-F238E27FC236}">
-                <a16:creationId xmlns:a16="http://schemas.microsoft.com/office/drawing/2014/main" xmlns="" id="{1A09CB1E-61C8-BF41-8166-783D974FF436}"/>
+          <p:cNvPr id="4" name="직사각형 3">
+            <a:extLst>
+              <a:ext uri="{FF2B5EF4-FFF2-40B4-BE49-F238E27FC236}">
+                <a16:creationId xmlns:a16="http://schemas.microsoft.com/office/drawing/2014/main" xmlns="" id="{EA2D8D37-742E-EF4A-A579-D4FCE47462A2}"/>
               </a:ext>
             </a:extLst>
           </p:cNvPr>
@@ -5835,8 +5745,8 @@
         </p:nvSpPr>
         <p:spPr>
           <a:xfrm>
-            <a:off x="0" y="0"/>
-            <a:ext cx="12192000" cy="563417"/>
+            <a:off x="4894025" y="1312130"/>
+            <a:ext cx="2403951" cy="2333999"/>
           </a:xfrm>
           <a:prstGeom prst="rect">
             <a:avLst/>
@@ -5879,47 +5789,10 @@
       </p:sp>
       <p:sp>
         <p:nvSpPr>
-          <p:cNvPr id="14" name="TextBox 13">
-            <a:extLst>
-              <a:ext uri="{FF2B5EF4-FFF2-40B4-BE49-F238E27FC236}">
-                <a16:creationId xmlns:a16="http://schemas.microsoft.com/office/drawing/2014/main" xmlns="" id="{D92B28E7-D15C-C445-8715-5E7C0DEAE706}"/>
-              </a:ext>
-            </a:extLst>
-          </p:cNvPr>
-          <p:cNvSpPr txBox="1"/>
-          <p:nvPr/>
-        </p:nvSpPr>
-        <p:spPr>
-          <a:xfrm>
-            <a:off x="5137336" y="112431"/>
-            <a:ext cx="1931491" cy="338554"/>
-          </a:xfrm>
-          <a:prstGeom prst="rect">
-            <a:avLst/>
-          </a:prstGeom>
-          <a:noFill/>
-        </p:spPr>
-        <p:txBody>
-          <a:bodyPr wrap="none" rtlCol="0">
-            <a:spAutoFit/>
-          </a:bodyPr>
-          <a:lstStyle/>
-          <a:p>
-            <a:pPr algn="ctr"/>
-            <a:r>
-              <a:rPr kumimoji="1" lang="en-US" altLang="ko-KR" sz="1600" b="1" dirty="0"/>
-              <a:t>Dutch Broomstick</a:t>
-            </a:r>
-            <a:endParaRPr kumimoji="1" lang="ko-KR" altLang="en-US" sz="1600" b="1" dirty="0"/>
-          </a:p>
-        </p:txBody>
-      </p:sp>
-      <p:sp>
-        <p:nvSpPr>
-          <p:cNvPr id="21" name="직사각형 20">
-            <a:extLst>
-              <a:ext uri="{FF2B5EF4-FFF2-40B4-BE49-F238E27FC236}">
-                <a16:creationId xmlns:a16="http://schemas.microsoft.com/office/drawing/2014/main" xmlns="" id="{A871EC61-223C-0447-B82C-FEE0B482521B}"/>
+          <p:cNvPr id="5" name="직사각형 4">
+            <a:extLst>
+              <a:ext uri="{FF2B5EF4-FFF2-40B4-BE49-F238E27FC236}">
+                <a16:creationId xmlns:a16="http://schemas.microsoft.com/office/drawing/2014/main" xmlns="" id="{263AF4BD-43FD-F444-9213-EF34F45DC1F1}"/>
               </a:ext>
             </a:extLst>
           </p:cNvPr>
@@ -5928,8 +5801,8 @@
         </p:nvSpPr>
         <p:spPr>
           <a:xfrm>
-            <a:off x="4894025" y="3028780"/>
-            <a:ext cx="2403951" cy="2581193"/>
+            <a:off x="4894025" y="3716313"/>
+            <a:ext cx="2403951" cy="722021"/>
           </a:xfrm>
           <a:prstGeom prst="rect">
             <a:avLst/>
@@ -5972,1005 +5845,10 @@
       </p:sp>
       <p:sp>
         <p:nvSpPr>
-          <p:cNvPr id="39" name="자유형 38">
-            <a:extLst>
-              <a:ext uri="{FF2B5EF4-FFF2-40B4-BE49-F238E27FC236}">
-                <a16:creationId xmlns:a16="http://schemas.microsoft.com/office/drawing/2014/main" xmlns="" id="{F01CBAAC-16CC-C243-A5ED-D0B15F1CFB90}"/>
-              </a:ext>
-            </a:extLst>
-          </p:cNvPr>
-          <p:cNvSpPr/>
-          <p:nvPr/>
-        </p:nvSpPr>
-        <p:spPr>
-          <a:xfrm>
-            <a:off x="5079422" y="4130809"/>
-            <a:ext cx="2033155" cy="585688"/>
-          </a:xfrm>
-          <a:custGeom>
-            <a:avLst/>
-            <a:gdLst>
-              <a:gd name="connsiteX0" fmla="*/ 1874303 w 2033155"/>
-              <a:gd name="connsiteY0" fmla="*/ 71218 h 585688"/>
-              <a:gd name="connsiteX1" fmla="*/ 1789532 w 2033155"/>
-              <a:gd name="connsiteY1" fmla="*/ 155989 h 585688"/>
-              <a:gd name="connsiteX2" fmla="*/ 1874303 w 2033155"/>
-              <a:gd name="connsiteY2" fmla="*/ 240760 h 585688"/>
-              <a:gd name="connsiteX3" fmla="*/ 1959074 w 2033155"/>
-              <a:gd name="connsiteY3" fmla="*/ 155989 h 585688"/>
-              <a:gd name="connsiteX4" fmla="*/ 1874303 w 2033155"/>
-              <a:gd name="connsiteY4" fmla="*/ 71218 h 585688"/>
-              <a:gd name="connsiteX5" fmla="*/ 71630 w 2033155"/>
-              <a:gd name="connsiteY5" fmla="*/ 0 h 585688"/>
-              <a:gd name="connsiteX6" fmla="*/ 1961525 w 2033155"/>
-              <a:gd name="connsiteY6" fmla="*/ 0 h 585688"/>
-              <a:gd name="connsiteX7" fmla="*/ 2033155 w 2033155"/>
-              <a:gd name="connsiteY7" fmla="*/ 71630 h 585688"/>
-              <a:gd name="connsiteX8" fmla="*/ 2033155 w 2033155"/>
-              <a:gd name="connsiteY8" fmla="*/ 514058 h 585688"/>
-              <a:gd name="connsiteX9" fmla="*/ 1961525 w 2033155"/>
-              <a:gd name="connsiteY9" fmla="*/ 585688 h 585688"/>
-              <a:gd name="connsiteX10" fmla="*/ 71630 w 2033155"/>
-              <a:gd name="connsiteY10" fmla="*/ 585688 h 585688"/>
-              <a:gd name="connsiteX11" fmla="*/ 0 w 2033155"/>
-              <a:gd name="connsiteY11" fmla="*/ 514058 h 585688"/>
-              <a:gd name="connsiteX12" fmla="*/ 0 w 2033155"/>
-              <a:gd name="connsiteY12" fmla="*/ 71630 h 585688"/>
-              <a:gd name="connsiteX13" fmla="*/ 71630 w 2033155"/>
-              <a:gd name="connsiteY13" fmla="*/ 0 h 585688"/>
-            </a:gdLst>
-            <a:ahLst/>
-            <a:cxnLst>
-              <a:cxn ang="0">
-                <a:pos x="connsiteX0" y="connsiteY0"/>
-              </a:cxn>
-              <a:cxn ang="0">
-                <a:pos x="connsiteX1" y="connsiteY1"/>
-              </a:cxn>
-              <a:cxn ang="0">
-                <a:pos x="connsiteX2" y="connsiteY2"/>
-              </a:cxn>
-              <a:cxn ang="0">
-                <a:pos x="connsiteX3" y="connsiteY3"/>
-              </a:cxn>
-              <a:cxn ang="0">
-                <a:pos x="connsiteX4" y="connsiteY4"/>
-              </a:cxn>
-              <a:cxn ang="0">
-                <a:pos x="connsiteX5" y="connsiteY5"/>
-              </a:cxn>
-              <a:cxn ang="0">
-                <a:pos x="connsiteX6" y="connsiteY6"/>
-              </a:cxn>
-              <a:cxn ang="0">
-                <a:pos x="connsiteX7" y="connsiteY7"/>
-              </a:cxn>
-              <a:cxn ang="0">
-                <a:pos x="connsiteX8" y="connsiteY8"/>
-              </a:cxn>
-              <a:cxn ang="0">
-                <a:pos x="connsiteX9" y="connsiteY9"/>
-              </a:cxn>
-              <a:cxn ang="0">
-                <a:pos x="connsiteX10" y="connsiteY10"/>
-              </a:cxn>
-              <a:cxn ang="0">
-                <a:pos x="connsiteX11" y="connsiteY11"/>
-              </a:cxn>
-              <a:cxn ang="0">
-                <a:pos x="connsiteX12" y="connsiteY12"/>
-              </a:cxn>
-              <a:cxn ang="0">
-                <a:pos x="connsiteX13" y="connsiteY13"/>
-              </a:cxn>
-            </a:cxnLst>
-            <a:rect l="l" t="t" r="r" b="b"/>
-            <a:pathLst>
-              <a:path w="2033155" h="585688">
-                <a:moveTo>
-                  <a:pt x="1874303" y="71218"/>
-                </a:moveTo>
-                <a:cubicBezTo>
-                  <a:pt x="1827485" y="71218"/>
-                  <a:pt x="1789532" y="109171"/>
-                  <a:pt x="1789532" y="155989"/>
-                </a:cubicBezTo>
-                <a:cubicBezTo>
-                  <a:pt x="1789532" y="202807"/>
-                  <a:pt x="1827485" y="240760"/>
-                  <a:pt x="1874303" y="240760"/>
-                </a:cubicBezTo>
-                <a:cubicBezTo>
-                  <a:pt x="1921121" y="240760"/>
-                  <a:pt x="1959074" y="202807"/>
-                  <a:pt x="1959074" y="155989"/>
-                </a:cubicBezTo>
-                <a:cubicBezTo>
-                  <a:pt x="1959074" y="109171"/>
-                  <a:pt x="1921121" y="71218"/>
-                  <a:pt x="1874303" y="71218"/>
-                </a:cubicBezTo>
-                <a:close/>
-                <a:moveTo>
-                  <a:pt x="71630" y="0"/>
-                </a:moveTo>
-                <a:lnTo>
-                  <a:pt x="1961525" y="0"/>
-                </a:lnTo>
-                <a:cubicBezTo>
-                  <a:pt x="2001085" y="0"/>
-                  <a:pt x="2033155" y="32070"/>
-                  <a:pt x="2033155" y="71630"/>
-                </a:cubicBezTo>
-                <a:lnTo>
-                  <a:pt x="2033155" y="514058"/>
-                </a:lnTo>
-                <a:cubicBezTo>
-                  <a:pt x="2033155" y="553618"/>
-                  <a:pt x="2001085" y="585688"/>
-                  <a:pt x="1961525" y="585688"/>
-                </a:cubicBezTo>
-                <a:lnTo>
-                  <a:pt x="71630" y="585688"/>
-                </a:lnTo>
-                <a:cubicBezTo>
-                  <a:pt x="32070" y="585688"/>
-                  <a:pt x="0" y="553618"/>
-                  <a:pt x="0" y="514058"/>
-                </a:cubicBezTo>
-                <a:lnTo>
-                  <a:pt x="0" y="71630"/>
-                </a:lnTo>
-                <a:cubicBezTo>
-                  <a:pt x="0" y="32070"/>
-                  <a:pt x="32070" y="0"/>
-                  <a:pt x="71630" y="0"/>
-                </a:cubicBezTo>
-                <a:close/>
-              </a:path>
-            </a:pathLst>
-          </a:custGeom>
-          <a:solidFill>
-            <a:schemeClr val="bg1"/>
-          </a:solidFill>
-          <a:ln>
-            <a:solidFill>
-              <a:schemeClr val="bg1">
-                <a:lumMod val="75000"/>
-              </a:schemeClr>
-            </a:solidFill>
-          </a:ln>
-        </p:spPr>
-        <p:style>
-          <a:lnRef idx="2">
-            <a:schemeClr val="accent1">
-              <a:shade val="50000"/>
-            </a:schemeClr>
-          </a:lnRef>
-          <a:fillRef idx="1">
-            <a:schemeClr val="accent1"/>
-          </a:fillRef>
-          <a:effectRef idx="0">
-            <a:schemeClr val="accent1"/>
-          </a:effectRef>
-          <a:fontRef idx="minor">
-            <a:schemeClr val="lt1"/>
-          </a:fontRef>
-        </p:style>
-        <p:txBody>
-          <a:bodyPr rot="0" spcFirstLastPara="0" vertOverflow="overflow" horzOverflow="overflow" vert="horz" wrap="square" lIns="91440" tIns="45720" rIns="91440" bIns="45720" numCol="1" spcCol="0" rtlCol="0" fromWordArt="0" anchor="ctr" anchorCtr="0" forceAA="0" compatLnSpc="1">
-            <a:prstTxWarp prst="textNoShape">
-              <a:avLst/>
-            </a:prstTxWarp>
-            <a:noAutofit/>
-          </a:bodyPr>
-          <a:lstStyle/>
-          <a:p>
-            <a:pPr lvl="0"/>
-            <a:r>
-              <a:rPr kumimoji="1" lang="en-US" altLang="ko-KR" sz="1100" b="1" dirty="0">
-                <a:solidFill>
-                  <a:prstClr val="black">
-                    <a:lumMod val="75000"/>
-                    <a:lumOff val="25000"/>
-                  </a:prstClr>
-                </a:solidFill>
-              </a:rPr>
-              <a:t>2.</a:t>
-            </a:r>
-            <a:r>
-              <a:rPr kumimoji="1" lang="ko-KR" altLang="en-US" sz="1100" b="1" dirty="0">
-                <a:solidFill>
-                  <a:prstClr val="black">
-                    <a:lumMod val="75000"/>
-                    <a:lumOff val="25000"/>
-                  </a:prstClr>
-                </a:solidFill>
-              </a:rPr>
-              <a:t> 레이어 빔</a:t>
-            </a:r>
-            <a:endParaRPr kumimoji="1" lang="en-US" altLang="ko-KR" sz="1000" b="1" dirty="0">
-              <a:solidFill>
-                <a:srgbClr val="FF0000"/>
-              </a:solidFill>
-            </a:endParaRPr>
-          </a:p>
-          <a:p>
-            <a:r>
-              <a:rPr kumimoji="1" lang="ko-KR" altLang="en-US" sz="1100" b="1" dirty="0">
-                <a:solidFill>
-                  <a:schemeClr val="tx1">
-                    <a:lumMod val="75000"/>
-                    <a:lumOff val="25000"/>
-                  </a:schemeClr>
-                </a:solidFill>
-              </a:rPr>
-              <a:t>돈 단위 </a:t>
-            </a:r>
-            <a:r>
-              <a:rPr kumimoji="1" lang="en-US" altLang="ko-KR" sz="1100" b="1" dirty="0">
-                <a:solidFill>
-                  <a:schemeClr val="tx1">
-                    <a:lumMod val="75000"/>
-                    <a:lumOff val="25000"/>
-                  </a:schemeClr>
-                </a:solidFill>
-              </a:rPr>
-              <a:t>:</a:t>
-            </a:r>
-            <a:r>
-              <a:rPr kumimoji="1" lang="ko-KR" altLang="en-US" sz="1100" b="1" dirty="0">
-                <a:solidFill>
-                  <a:schemeClr val="tx1">
-                    <a:lumMod val="75000"/>
-                    <a:lumOff val="25000"/>
-                  </a:schemeClr>
-                </a:solidFill>
-              </a:rPr>
-              <a:t> </a:t>
-            </a:r>
-            <a:r>
-              <a:rPr kumimoji="1" lang="ko-KR" altLang="en-US" sz="1100" b="1" u="sng" dirty="0">
-                <a:solidFill>
-                  <a:schemeClr val="tx1">
-                    <a:lumMod val="75000"/>
-                    <a:lumOff val="25000"/>
-                  </a:schemeClr>
-                </a:solidFill>
-              </a:rPr>
-              <a:t> 엔</a:t>
-            </a:r>
-            <a:r>
-              <a:rPr kumimoji="1" lang="en-US" altLang="ko-KR" sz="1100" b="1" u="sng" dirty="0">
-                <a:solidFill>
-                  <a:schemeClr val="tx1">
-                    <a:lumMod val="75000"/>
-                    <a:lumOff val="25000"/>
-                  </a:schemeClr>
-                </a:solidFill>
-              </a:rPr>
-              <a:t>	</a:t>
-            </a:r>
-            <a:r>
-              <a:rPr kumimoji="1" lang="ko-KR" altLang="en-US" sz="1100" b="1" dirty="0">
-                <a:solidFill>
-                  <a:schemeClr val="tx1">
-                    <a:lumMod val="75000"/>
-                    <a:lumOff val="25000"/>
-                  </a:schemeClr>
-                </a:solidFill>
-              </a:rPr>
-              <a:t>            </a:t>
-            </a:r>
-            <a:r>
-              <a:rPr kumimoji="1" lang="ko-KR" altLang="en-US" sz="1000" b="1" dirty="0">
-                <a:solidFill>
-                  <a:srgbClr val="FF0000"/>
-                </a:solidFill>
-              </a:rPr>
-              <a:t>삭제</a:t>
-            </a:r>
-          </a:p>
-        </p:txBody>
-      </p:sp>
-      <p:sp>
-        <p:nvSpPr>
-          <p:cNvPr id="41" name="자유형 40">
-            <a:extLst>
-              <a:ext uri="{FF2B5EF4-FFF2-40B4-BE49-F238E27FC236}">
-                <a16:creationId xmlns:a16="http://schemas.microsoft.com/office/drawing/2014/main" xmlns="" id="{707B7328-3B58-114E-AACD-588358DE2C85}"/>
-              </a:ext>
-            </a:extLst>
-          </p:cNvPr>
-          <p:cNvSpPr/>
-          <p:nvPr/>
-        </p:nvSpPr>
-        <p:spPr>
-          <a:xfrm>
-            <a:off x="5079422" y="4772140"/>
-            <a:ext cx="2033155" cy="585688"/>
-          </a:xfrm>
-          <a:custGeom>
-            <a:avLst/>
-            <a:gdLst>
-              <a:gd name="connsiteX0" fmla="*/ 1874303 w 2033155"/>
-              <a:gd name="connsiteY0" fmla="*/ 77542 h 585688"/>
-              <a:gd name="connsiteX1" fmla="*/ 1789532 w 2033155"/>
-              <a:gd name="connsiteY1" fmla="*/ 162313 h 585688"/>
-              <a:gd name="connsiteX2" fmla="*/ 1874303 w 2033155"/>
-              <a:gd name="connsiteY2" fmla="*/ 247084 h 585688"/>
-              <a:gd name="connsiteX3" fmla="*/ 1959074 w 2033155"/>
-              <a:gd name="connsiteY3" fmla="*/ 162313 h 585688"/>
-              <a:gd name="connsiteX4" fmla="*/ 1874303 w 2033155"/>
-              <a:gd name="connsiteY4" fmla="*/ 77542 h 585688"/>
-              <a:gd name="connsiteX5" fmla="*/ 71630 w 2033155"/>
-              <a:gd name="connsiteY5" fmla="*/ 0 h 585688"/>
-              <a:gd name="connsiteX6" fmla="*/ 1961525 w 2033155"/>
-              <a:gd name="connsiteY6" fmla="*/ 0 h 585688"/>
-              <a:gd name="connsiteX7" fmla="*/ 2033155 w 2033155"/>
-              <a:gd name="connsiteY7" fmla="*/ 71630 h 585688"/>
-              <a:gd name="connsiteX8" fmla="*/ 2033155 w 2033155"/>
-              <a:gd name="connsiteY8" fmla="*/ 514058 h 585688"/>
-              <a:gd name="connsiteX9" fmla="*/ 1961525 w 2033155"/>
-              <a:gd name="connsiteY9" fmla="*/ 585688 h 585688"/>
-              <a:gd name="connsiteX10" fmla="*/ 71630 w 2033155"/>
-              <a:gd name="connsiteY10" fmla="*/ 585688 h 585688"/>
-              <a:gd name="connsiteX11" fmla="*/ 0 w 2033155"/>
-              <a:gd name="connsiteY11" fmla="*/ 514058 h 585688"/>
-              <a:gd name="connsiteX12" fmla="*/ 0 w 2033155"/>
-              <a:gd name="connsiteY12" fmla="*/ 71630 h 585688"/>
-              <a:gd name="connsiteX13" fmla="*/ 71630 w 2033155"/>
-              <a:gd name="connsiteY13" fmla="*/ 0 h 585688"/>
-            </a:gdLst>
-            <a:ahLst/>
-            <a:cxnLst>
-              <a:cxn ang="0">
-                <a:pos x="connsiteX0" y="connsiteY0"/>
-              </a:cxn>
-              <a:cxn ang="0">
-                <a:pos x="connsiteX1" y="connsiteY1"/>
-              </a:cxn>
-              <a:cxn ang="0">
-                <a:pos x="connsiteX2" y="connsiteY2"/>
-              </a:cxn>
-              <a:cxn ang="0">
-                <a:pos x="connsiteX3" y="connsiteY3"/>
-              </a:cxn>
-              <a:cxn ang="0">
-                <a:pos x="connsiteX4" y="connsiteY4"/>
-              </a:cxn>
-              <a:cxn ang="0">
-                <a:pos x="connsiteX5" y="connsiteY5"/>
-              </a:cxn>
-              <a:cxn ang="0">
-                <a:pos x="connsiteX6" y="connsiteY6"/>
-              </a:cxn>
-              <a:cxn ang="0">
-                <a:pos x="connsiteX7" y="connsiteY7"/>
-              </a:cxn>
-              <a:cxn ang="0">
-                <a:pos x="connsiteX8" y="connsiteY8"/>
-              </a:cxn>
-              <a:cxn ang="0">
-                <a:pos x="connsiteX9" y="connsiteY9"/>
-              </a:cxn>
-              <a:cxn ang="0">
-                <a:pos x="connsiteX10" y="connsiteY10"/>
-              </a:cxn>
-              <a:cxn ang="0">
-                <a:pos x="connsiteX11" y="connsiteY11"/>
-              </a:cxn>
-              <a:cxn ang="0">
-                <a:pos x="connsiteX12" y="connsiteY12"/>
-              </a:cxn>
-              <a:cxn ang="0">
-                <a:pos x="connsiteX13" y="connsiteY13"/>
-              </a:cxn>
-            </a:cxnLst>
-            <a:rect l="l" t="t" r="r" b="b"/>
-            <a:pathLst>
-              <a:path w="2033155" h="585688">
-                <a:moveTo>
-                  <a:pt x="1874303" y="77542"/>
-                </a:moveTo>
-                <a:cubicBezTo>
-                  <a:pt x="1827485" y="77542"/>
-                  <a:pt x="1789532" y="115495"/>
-                  <a:pt x="1789532" y="162313"/>
-                </a:cubicBezTo>
-                <a:cubicBezTo>
-                  <a:pt x="1789532" y="209131"/>
-                  <a:pt x="1827485" y="247084"/>
-                  <a:pt x="1874303" y="247084"/>
-                </a:cubicBezTo>
-                <a:cubicBezTo>
-                  <a:pt x="1921121" y="247084"/>
-                  <a:pt x="1959074" y="209131"/>
-                  <a:pt x="1959074" y="162313"/>
-                </a:cubicBezTo>
-                <a:cubicBezTo>
-                  <a:pt x="1959074" y="115495"/>
-                  <a:pt x="1921121" y="77542"/>
-                  <a:pt x="1874303" y="77542"/>
-                </a:cubicBezTo>
-                <a:close/>
-                <a:moveTo>
-                  <a:pt x="71630" y="0"/>
-                </a:moveTo>
-                <a:lnTo>
-                  <a:pt x="1961525" y="0"/>
-                </a:lnTo>
-                <a:cubicBezTo>
-                  <a:pt x="2001085" y="0"/>
-                  <a:pt x="2033155" y="32070"/>
-                  <a:pt x="2033155" y="71630"/>
-                </a:cubicBezTo>
-                <a:lnTo>
-                  <a:pt x="2033155" y="514058"/>
-                </a:lnTo>
-                <a:cubicBezTo>
-                  <a:pt x="2033155" y="553618"/>
-                  <a:pt x="2001085" y="585688"/>
-                  <a:pt x="1961525" y="585688"/>
-                </a:cubicBezTo>
-                <a:lnTo>
-                  <a:pt x="71630" y="585688"/>
-                </a:lnTo>
-                <a:cubicBezTo>
-                  <a:pt x="32070" y="585688"/>
-                  <a:pt x="0" y="553618"/>
-                  <a:pt x="0" y="514058"/>
-                </a:cubicBezTo>
-                <a:lnTo>
-                  <a:pt x="0" y="71630"/>
-                </a:lnTo>
-                <a:cubicBezTo>
-                  <a:pt x="0" y="32070"/>
-                  <a:pt x="32070" y="0"/>
-                  <a:pt x="71630" y="0"/>
-                </a:cubicBezTo>
-                <a:close/>
-              </a:path>
-            </a:pathLst>
-          </a:custGeom>
-          <a:solidFill>
-            <a:schemeClr val="bg1"/>
-          </a:solidFill>
-          <a:ln>
-            <a:solidFill>
-              <a:schemeClr val="bg1">
-                <a:lumMod val="75000"/>
-              </a:schemeClr>
-            </a:solidFill>
-          </a:ln>
-        </p:spPr>
-        <p:style>
-          <a:lnRef idx="2">
-            <a:schemeClr val="accent1">
-              <a:shade val="50000"/>
-            </a:schemeClr>
-          </a:lnRef>
-          <a:fillRef idx="1">
-            <a:schemeClr val="accent1"/>
-          </a:fillRef>
-          <a:effectRef idx="0">
-            <a:schemeClr val="accent1"/>
-          </a:effectRef>
-          <a:fontRef idx="minor">
-            <a:schemeClr val="lt1"/>
-          </a:fontRef>
-        </p:style>
-        <p:txBody>
-          <a:bodyPr rot="0" spcFirstLastPara="0" vertOverflow="overflow" horzOverflow="overflow" vert="horz" wrap="square" lIns="91440" tIns="45720" rIns="91440" bIns="45720" numCol="1" spcCol="0" rtlCol="0" fromWordArt="0" anchor="ctr" anchorCtr="0" forceAA="0" compatLnSpc="1">
-            <a:prstTxWarp prst="textNoShape">
-              <a:avLst/>
-            </a:prstTxWarp>
-            <a:noAutofit/>
-          </a:bodyPr>
-          <a:lstStyle/>
-          <a:p>
-            <a:pPr lvl="0"/>
-            <a:r>
-              <a:rPr kumimoji="1" lang="en-US" altLang="ko-KR" sz="1100" b="1" dirty="0">
-                <a:solidFill>
-                  <a:prstClr val="black">
-                    <a:lumMod val="75000"/>
-                    <a:lumOff val="25000"/>
-                  </a:prstClr>
-                </a:solidFill>
-              </a:rPr>
-              <a:t>3.</a:t>
-            </a:r>
-            <a:r>
-              <a:rPr kumimoji="1" lang="ko-KR" altLang="en-US" sz="1100" b="1" dirty="0">
-                <a:solidFill>
-                  <a:prstClr val="black">
-                    <a:lumMod val="75000"/>
-                    <a:lumOff val="25000"/>
-                  </a:prstClr>
-                </a:solidFill>
-              </a:rPr>
-              <a:t> 톰 레이어</a:t>
-            </a:r>
-            <a:endParaRPr kumimoji="1" lang="en-US" altLang="ko-KR" sz="1000" b="1" dirty="0">
-              <a:solidFill>
-                <a:srgbClr val="FF0000"/>
-              </a:solidFill>
-            </a:endParaRPr>
-          </a:p>
-          <a:p>
-            <a:r>
-              <a:rPr kumimoji="1" lang="ko-KR" altLang="en-US" sz="1100" b="1" dirty="0">
-                <a:solidFill>
-                  <a:schemeClr val="tx1">
-                    <a:lumMod val="75000"/>
-                    <a:lumOff val="25000"/>
-                  </a:schemeClr>
-                </a:solidFill>
-              </a:rPr>
-              <a:t>돈 단위 </a:t>
-            </a:r>
-            <a:r>
-              <a:rPr kumimoji="1" lang="en-US" altLang="ko-KR" sz="1100" b="1" dirty="0">
-                <a:solidFill>
-                  <a:schemeClr val="tx1">
-                    <a:lumMod val="75000"/>
-                    <a:lumOff val="25000"/>
-                  </a:schemeClr>
-                </a:solidFill>
-              </a:rPr>
-              <a:t>:</a:t>
-            </a:r>
-            <a:r>
-              <a:rPr kumimoji="1" lang="ko-KR" altLang="en-US" sz="1100" b="1" dirty="0">
-                <a:solidFill>
-                  <a:schemeClr val="tx1">
-                    <a:lumMod val="75000"/>
-                    <a:lumOff val="25000"/>
-                  </a:schemeClr>
-                </a:solidFill>
-              </a:rPr>
-              <a:t> </a:t>
-            </a:r>
-            <a:r>
-              <a:rPr kumimoji="1" lang="ko-KR" altLang="en-US" sz="1100" b="1" u="sng" dirty="0">
-                <a:solidFill>
-                  <a:schemeClr val="tx1">
-                    <a:lumMod val="75000"/>
-                    <a:lumOff val="25000"/>
-                  </a:schemeClr>
-                </a:solidFill>
-              </a:rPr>
-              <a:t> 달러</a:t>
-            </a:r>
-            <a:r>
-              <a:rPr kumimoji="1" lang="ko-KR" altLang="en-US" sz="1100" b="1" dirty="0">
-                <a:solidFill>
-                  <a:schemeClr val="tx1">
-                    <a:lumMod val="75000"/>
-                    <a:lumOff val="25000"/>
-                  </a:schemeClr>
-                </a:solidFill>
-              </a:rPr>
-              <a:t>            </a:t>
-            </a:r>
-            <a:r>
-              <a:rPr kumimoji="1" lang="ko-KR" altLang="en-US" sz="1000" b="1" dirty="0">
-                <a:solidFill>
-                  <a:srgbClr val="FF0000"/>
-                </a:solidFill>
-              </a:rPr>
-              <a:t>삭제</a:t>
-            </a:r>
-          </a:p>
-        </p:txBody>
-      </p:sp>
-      <p:sp>
-        <p:nvSpPr>
-          <p:cNvPr id="27" name="직사각형 26">
-            <a:extLst>
-              <a:ext uri="{FF2B5EF4-FFF2-40B4-BE49-F238E27FC236}">
-                <a16:creationId xmlns:a16="http://schemas.microsoft.com/office/drawing/2014/main" xmlns="" id="{324B93C4-54CD-364D-AE04-E89369BD362F}"/>
-              </a:ext>
-            </a:extLst>
-          </p:cNvPr>
-          <p:cNvSpPr/>
-          <p:nvPr/>
-        </p:nvSpPr>
-        <p:spPr>
-          <a:xfrm>
-            <a:off x="4901105" y="5603047"/>
-            <a:ext cx="2403951" cy="253636"/>
-          </a:xfrm>
-          <a:prstGeom prst="rect">
-            <a:avLst/>
-          </a:prstGeom>
-          <a:solidFill>
-            <a:srgbClr val="F6F6F6"/>
-          </a:solidFill>
-          <a:ln>
-            <a:noFill/>
-          </a:ln>
-        </p:spPr>
-        <p:style>
-          <a:lnRef idx="2">
-            <a:schemeClr val="accent1">
-              <a:shade val="50000"/>
-            </a:schemeClr>
-          </a:lnRef>
-          <a:fillRef idx="1">
-            <a:schemeClr val="accent1"/>
-          </a:fillRef>
-          <a:effectRef idx="0">
-            <a:schemeClr val="accent1"/>
-          </a:effectRef>
-          <a:fontRef idx="minor">
-            <a:schemeClr val="lt1"/>
-          </a:fontRef>
-        </p:style>
-        <p:txBody>
-          <a:bodyPr rtlCol="0" anchor="ctr"/>
-          <a:lstStyle/>
-          <a:p>
-            <a:pPr algn="ctr"/>
-            <a:endParaRPr kumimoji="1" lang="ko-KR" altLang="en-US"/>
-          </a:p>
-        </p:txBody>
-      </p:sp>
-      <p:cxnSp>
-        <p:nvCxnSpPr>
-          <p:cNvPr id="3" name="직선 연결선[R] 2">
-            <a:extLst>
-              <a:ext uri="{FF2B5EF4-FFF2-40B4-BE49-F238E27FC236}">
-                <a16:creationId xmlns:a16="http://schemas.microsoft.com/office/drawing/2014/main" xmlns="" id="{703E2DF6-4AB2-EF49-A3C5-F19D70859C0E}"/>
-              </a:ext>
-            </a:extLst>
-          </p:cNvPr>
-          <p:cNvCxnSpPr/>
-          <p:nvPr/>
-        </p:nvCxnSpPr>
-        <p:spPr>
-          <a:xfrm>
-            <a:off x="4901105" y="5609974"/>
-            <a:ext cx="2403951" cy="0"/>
-          </a:xfrm>
-          <a:prstGeom prst="line">
-            <a:avLst/>
-          </a:prstGeom>
-          <a:ln w="12700">
-            <a:solidFill>
-              <a:schemeClr val="bg1">
-                <a:lumMod val="75000"/>
-              </a:schemeClr>
-            </a:solidFill>
-          </a:ln>
-        </p:spPr>
-        <p:style>
-          <a:lnRef idx="1">
-            <a:schemeClr val="accent1"/>
-          </a:lnRef>
-          <a:fillRef idx="0">
-            <a:schemeClr val="accent1"/>
-          </a:fillRef>
-          <a:effectRef idx="0">
-            <a:schemeClr val="accent1"/>
-          </a:effectRef>
-          <a:fontRef idx="minor">
-            <a:schemeClr val="tx1"/>
-          </a:fontRef>
-        </p:style>
-      </p:cxnSp>
-      <p:sp>
-        <p:nvSpPr>
-          <p:cNvPr id="38" name="자유형 37">
-            <a:extLst>
-              <a:ext uri="{FF2B5EF4-FFF2-40B4-BE49-F238E27FC236}">
-                <a16:creationId xmlns:a16="http://schemas.microsoft.com/office/drawing/2014/main" xmlns="" id="{39ED7C97-C917-C740-AAC7-BAA87FCBD74F}"/>
-              </a:ext>
-            </a:extLst>
-          </p:cNvPr>
-          <p:cNvSpPr/>
-          <p:nvPr/>
-        </p:nvSpPr>
-        <p:spPr>
-          <a:xfrm>
-            <a:off x="5079422" y="3471557"/>
-            <a:ext cx="2033155" cy="585688"/>
-          </a:xfrm>
-          <a:custGeom>
-            <a:avLst/>
-            <a:gdLst>
-              <a:gd name="connsiteX0" fmla="*/ 1874303 w 2033155"/>
-              <a:gd name="connsiteY0" fmla="*/ 71218 h 585688"/>
-              <a:gd name="connsiteX1" fmla="*/ 1789532 w 2033155"/>
-              <a:gd name="connsiteY1" fmla="*/ 155989 h 585688"/>
-              <a:gd name="connsiteX2" fmla="*/ 1874303 w 2033155"/>
-              <a:gd name="connsiteY2" fmla="*/ 240760 h 585688"/>
-              <a:gd name="connsiteX3" fmla="*/ 1959074 w 2033155"/>
-              <a:gd name="connsiteY3" fmla="*/ 155989 h 585688"/>
-              <a:gd name="connsiteX4" fmla="*/ 1874303 w 2033155"/>
-              <a:gd name="connsiteY4" fmla="*/ 71218 h 585688"/>
-              <a:gd name="connsiteX5" fmla="*/ 71630 w 2033155"/>
-              <a:gd name="connsiteY5" fmla="*/ 0 h 585688"/>
-              <a:gd name="connsiteX6" fmla="*/ 1961525 w 2033155"/>
-              <a:gd name="connsiteY6" fmla="*/ 0 h 585688"/>
-              <a:gd name="connsiteX7" fmla="*/ 2033155 w 2033155"/>
-              <a:gd name="connsiteY7" fmla="*/ 71630 h 585688"/>
-              <a:gd name="connsiteX8" fmla="*/ 2033155 w 2033155"/>
-              <a:gd name="connsiteY8" fmla="*/ 514058 h 585688"/>
-              <a:gd name="connsiteX9" fmla="*/ 1961525 w 2033155"/>
-              <a:gd name="connsiteY9" fmla="*/ 585688 h 585688"/>
-              <a:gd name="connsiteX10" fmla="*/ 71630 w 2033155"/>
-              <a:gd name="connsiteY10" fmla="*/ 585688 h 585688"/>
-              <a:gd name="connsiteX11" fmla="*/ 0 w 2033155"/>
-              <a:gd name="connsiteY11" fmla="*/ 514058 h 585688"/>
-              <a:gd name="connsiteX12" fmla="*/ 0 w 2033155"/>
-              <a:gd name="connsiteY12" fmla="*/ 71630 h 585688"/>
-              <a:gd name="connsiteX13" fmla="*/ 71630 w 2033155"/>
-              <a:gd name="connsiteY13" fmla="*/ 0 h 585688"/>
-            </a:gdLst>
-            <a:ahLst/>
-            <a:cxnLst>
-              <a:cxn ang="0">
-                <a:pos x="connsiteX0" y="connsiteY0"/>
-              </a:cxn>
-              <a:cxn ang="0">
-                <a:pos x="connsiteX1" y="connsiteY1"/>
-              </a:cxn>
-              <a:cxn ang="0">
-                <a:pos x="connsiteX2" y="connsiteY2"/>
-              </a:cxn>
-              <a:cxn ang="0">
-                <a:pos x="connsiteX3" y="connsiteY3"/>
-              </a:cxn>
-              <a:cxn ang="0">
-                <a:pos x="connsiteX4" y="connsiteY4"/>
-              </a:cxn>
-              <a:cxn ang="0">
-                <a:pos x="connsiteX5" y="connsiteY5"/>
-              </a:cxn>
-              <a:cxn ang="0">
-                <a:pos x="connsiteX6" y="connsiteY6"/>
-              </a:cxn>
-              <a:cxn ang="0">
-                <a:pos x="connsiteX7" y="connsiteY7"/>
-              </a:cxn>
-              <a:cxn ang="0">
-                <a:pos x="connsiteX8" y="connsiteY8"/>
-              </a:cxn>
-              <a:cxn ang="0">
-                <a:pos x="connsiteX9" y="connsiteY9"/>
-              </a:cxn>
-              <a:cxn ang="0">
-                <a:pos x="connsiteX10" y="connsiteY10"/>
-              </a:cxn>
-              <a:cxn ang="0">
-                <a:pos x="connsiteX11" y="connsiteY11"/>
-              </a:cxn>
-              <a:cxn ang="0">
-                <a:pos x="connsiteX12" y="connsiteY12"/>
-              </a:cxn>
-              <a:cxn ang="0">
-                <a:pos x="connsiteX13" y="connsiteY13"/>
-              </a:cxn>
-            </a:cxnLst>
-            <a:rect l="l" t="t" r="r" b="b"/>
-            <a:pathLst>
-              <a:path w="2033155" h="585688">
-                <a:moveTo>
-                  <a:pt x="1874303" y="71218"/>
-                </a:moveTo>
-                <a:cubicBezTo>
-                  <a:pt x="1827485" y="71218"/>
-                  <a:pt x="1789532" y="109171"/>
-                  <a:pt x="1789532" y="155989"/>
-                </a:cubicBezTo>
-                <a:cubicBezTo>
-                  <a:pt x="1789532" y="202807"/>
-                  <a:pt x="1827485" y="240760"/>
-                  <a:pt x="1874303" y="240760"/>
-                </a:cubicBezTo>
-                <a:cubicBezTo>
-                  <a:pt x="1921121" y="240760"/>
-                  <a:pt x="1959074" y="202807"/>
-                  <a:pt x="1959074" y="155989"/>
-                </a:cubicBezTo>
-                <a:cubicBezTo>
-                  <a:pt x="1959074" y="109171"/>
-                  <a:pt x="1921121" y="71218"/>
-                  <a:pt x="1874303" y="71218"/>
-                </a:cubicBezTo>
-                <a:close/>
-                <a:moveTo>
-                  <a:pt x="71630" y="0"/>
-                </a:moveTo>
-                <a:lnTo>
-                  <a:pt x="1961525" y="0"/>
-                </a:lnTo>
-                <a:cubicBezTo>
-                  <a:pt x="2001085" y="0"/>
-                  <a:pt x="2033155" y="32070"/>
-                  <a:pt x="2033155" y="71630"/>
-                </a:cubicBezTo>
-                <a:lnTo>
-                  <a:pt x="2033155" y="514058"/>
-                </a:lnTo>
-                <a:cubicBezTo>
-                  <a:pt x="2033155" y="553618"/>
-                  <a:pt x="2001085" y="585688"/>
-                  <a:pt x="1961525" y="585688"/>
-                </a:cubicBezTo>
-                <a:lnTo>
-                  <a:pt x="71630" y="585688"/>
-                </a:lnTo>
-                <a:cubicBezTo>
-                  <a:pt x="32070" y="585688"/>
-                  <a:pt x="0" y="553618"/>
-                  <a:pt x="0" y="514058"/>
-                </a:cubicBezTo>
-                <a:lnTo>
-                  <a:pt x="0" y="71630"/>
-                </a:lnTo>
-                <a:cubicBezTo>
-                  <a:pt x="0" y="32070"/>
-                  <a:pt x="32070" y="0"/>
-                  <a:pt x="71630" y="0"/>
-                </a:cubicBezTo>
-                <a:close/>
-              </a:path>
-            </a:pathLst>
-          </a:custGeom>
-          <a:solidFill>
-            <a:schemeClr val="bg1"/>
-          </a:solidFill>
-          <a:ln>
-            <a:solidFill>
-              <a:schemeClr val="bg1">
-                <a:lumMod val="75000"/>
-              </a:schemeClr>
-            </a:solidFill>
-          </a:ln>
-        </p:spPr>
-        <p:style>
-          <a:lnRef idx="2">
-            <a:schemeClr val="accent1">
-              <a:shade val="50000"/>
-            </a:schemeClr>
-          </a:lnRef>
-          <a:fillRef idx="1">
-            <a:schemeClr val="accent1"/>
-          </a:fillRef>
-          <a:effectRef idx="0">
-            <a:schemeClr val="accent1"/>
-          </a:effectRef>
-          <a:fontRef idx="minor">
-            <a:schemeClr val="lt1"/>
-          </a:fontRef>
-        </p:style>
-        <p:txBody>
-          <a:bodyPr rot="0" spcFirstLastPara="0" vertOverflow="overflow" horzOverflow="overflow" vert="horz" wrap="square" lIns="91440" tIns="45720" rIns="91440" bIns="45720" numCol="1" spcCol="0" rtlCol="0" fromWordArt="0" anchor="ctr" anchorCtr="0" forceAA="0" compatLnSpc="1">
-            <a:prstTxWarp prst="textNoShape">
-              <a:avLst/>
-            </a:prstTxWarp>
-            <a:noAutofit/>
-          </a:bodyPr>
-          <a:lstStyle/>
-          <a:p>
-            <a:r>
-              <a:rPr kumimoji="1" lang="en-US" altLang="ko-KR" sz="1100" b="1" dirty="0">
-                <a:solidFill>
-                  <a:schemeClr val="tx1">
-                    <a:lumMod val="75000"/>
-                    <a:lumOff val="25000"/>
-                  </a:schemeClr>
-                </a:solidFill>
-              </a:rPr>
-              <a:t>1.</a:t>
-            </a:r>
-            <a:r>
-              <a:rPr kumimoji="1" lang="ko-KR" altLang="en-US" sz="1100" b="1" dirty="0">
-                <a:solidFill>
-                  <a:schemeClr val="tx1">
-                    <a:lumMod val="75000"/>
-                    <a:lumOff val="25000"/>
-                  </a:schemeClr>
-                </a:solidFill>
-              </a:rPr>
-              <a:t> 기본 레이어</a:t>
-            </a:r>
-            <a:endParaRPr kumimoji="1" lang="en-US" altLang="ko-KR" sz="1100" b="1" dirty="0">
-              <a:solidFill>
-                <a:schemeClr val="tx1">
-                  <a:lumMod val="75000"/>
-                  <a:lumOff val="25000"/>
-                </a:schemeClr>
-              </a:solidFill>
-            </a:endParaRPr>
-          </a:p>
-          <a:p>
-            <a:r>
-              <a:rPr kumimoji="1" lang="ko-KR" altLang="en-US" sz="1100" b="1" dirty="0">
-                <a:solidFill>
-                  <a:schemeClr val="tx1">
-                    <a:lumMod val="75000"/>
-                    <a:lumOff val="25000"/>
-                  </a:schemeClr>
-                </a:solidFill>
-              </a:rPr>
-              <a:t>돈 단위 </a:t>
-            </a:r>
-            <a:r>
-              <a:rPr kumimoji="1" lang="en-US" altLang="ko-KR" sz="1100" b="1" dirty="0">
-                <a:solidFill>
-                  <a:schemeClr val="tx1">
-                    <a:lumMod val="75000"/>
-                    <a:lumOff val="25000"/>
-                  </a:schemeClr>
-                </a:solidFill>
-              </a:rPr>
-              <a:t>:</a:t>
-            </a:r>
-            <a:r>
-              <a:rPr kumimoji="1" lang="ko-KR" altLang="en-US" sz="1100" b="1" dirty="0">
-                <a:solidFill>
-                  <a:schemeClr val="tx1">
-                    <a:lumMod val="75000"/>
-                    <a:lumOff val="25000"/>
-                  </a:schemeClr>
-                </a:solidFill>
-              </a:rPr>
-              <a:t> </a:t>
-            </a:r>
-            <a:r>
-              <a:rPr kumimoji="1" lang="ko-KR" altLang="en-US" sz="1100" b="1" u="sng" dirty="0">
-                <a:solidFill>
-                  <a:schemeClr val="tx1">
-                    <a:lumMod val="75000"/>
-                    <a:lumOff val="25000"/>
-                  </a:schemeClr>
-                </a:solidFill>
-              </a:rPr>
-              <a:t> 원</a:t>
-            </a:r>
-            <a:r>
-              <a:rPr kumimoji="1" lang="en-US" altLang="ko-KR" sz="1100" b="1" u="sng" dirty="0">
-                <a:solidFill>
-                  <a:schemeClr val="tx1">
-                    <a:lumMod val="75000"/>
-                    <a:lumOff val="25000"/>
-                  </a:schemeClr>
-                </a:solidFill>
-              </a:rPr>
-              <a:t>	</a:t>
-            </a:r>
-            <a:r>
-              <a:rPr kumimoji="1" lang="ko-KR" altLang="en-US" sz="1100" b="1" dirty="0">
-                <a:solidFill>
-                  <a:schemeClr val="tx1">
-                    <a:lumMod val="75000"/>
-                    <a:lumOff val="25000"/>
-                  </a:schemeClr>
-                </a:solidFill>
-              </a:rPr>
-              <a:t>            </a:t>
-            </a:r>
-            <a:r>
-              <a:rPr kumimoji="1" lang="ko-KR" altLang="en-US" sz="1000" b="1" dirty="0">
-                <a:solidFill>
-                  <a:srgbClr val="FF0000"/>
-                </a:solidFill>
-              </a:rPr>
-              <a:t>삭제</a:t>
-            </a:r>
-          </a:p>
-        </p:txBody>
-      </p:sp>
-      <p:sp>
-        <p:nvSpPr>
-          <p:cNvPr id="29" name="TextBox 28">
-            <a:extLst>
-              <a:ext uri="{FF2B5EF4-FFF2-40B4-BE49-F238E27FC236}">
-                <a16:creationId xmlns:a16="http://schemas.microsoft.com/office/drawing/2014/main" xmlns="" id="{ADA8295D-F93C-3047-AEE6-7A0499D3324A}"/>
+          <p:cNvPr id="7" name="TextBox 6">
+            <a:extLst>
+              <a:ext uri="{FF2B5EF4-FFF2-40B4-BE49-F238E27FC236}">
+                <a16:creationId xmlns:a16="http://schemas.microsoft.com/office/drawing/2014/main" xmlns="" id="{71C06810-FA81-E844-8CB0-A63915BE67EA}"/>
               </a:ext>
             </a:extLst>
           </p:cNvPr>
@@ -6979,8 +5857,8 @@
         </p:nvSpPr>
         <p:spPr>
           <a:xfrm>
-            <a:off x="4982903" y="3141823"/>
-            <a:ext cx="906017" cy="253916"/>
+            <a:off x="5080205" y="3890953"/>
+            <a:ext cx="2045753" cy="246221"/>
           </a:xfrm>
           <a:prstGeom prst="rect">
             <a:avLst/>
@@ -6993,34 +5871,36 @@
           </a:bodyPr>
           <a:lstStyle/>
           <a:p>
-            <a:r>
-              <a:rPr kumimoji="1" lang="ko-KR" altLang="en-US" sz="1050" dirty="0">
-                <a:solidFill>
-                  <a:schemeClr val="tx1">
-                    <a:lumMod val="75000"/>
-                    <a:lumOff val="25000"/>
-                  </a:schemeClr>
-                </a:solidFill>
-              </a:rPr>
-              <a:t>레이어 목록</a:t>
-            </a:r>
-            <a:endParaRPr kumimoji="1" lang="en-US" altLang="ko-KR" sz="1050" dirty="0">
-              <a:solidFill>
-                <a:schemeClr val="tx1">
-                  <a:lumMod val="75000"/>
-                  <a:lumOff val="25000"/>
-                </a:schemeClr>
-              </a:solidFill>
-            </a:endParaRPr>
-          </a:p>
-        </p:txBody>
-      </p:sp>
-      <p:sp>
-        <p:nvSpPr>
-          <p:cNvPr id="34" name="직사각형 33">
-            <a:extLst>
-              <a:ext uri="{FF2B5EF4-FFF2-40B4-BE49-F238E27FC236}">
-                <a16:creationId xmlns:a16="http://schemas.microsoft.com/office/drawing/2014/main" xmlns="" id="{85AE415A-F52E-6849-89F6-B7DF9B5D0D2D}"/>
+            <a:pPr algn="ctr"/>
+            <a:r>
+              <a:rPr kumimoji="1" lang="ko-KR" altLang="en-US" sz="1000" dirty="0"/>
+              <a:t>계정을 만들고 싶다면</a:t>
+            </a:r>
+            <a:r>
+              <a:rPr kumimoji="1" lang="en-US" altLang="ko-KR" sz="1000" dirty="0"/>
+              <a:t>?</a:t>
+            </a:r>
+            <a:r>
+              <a:rPr kumimoji="1" lang="ko-KR" altLang="en-US" sz="1000" dirty="0"/>
+              <a:t> </a:t>
+            </a:r>
+            <a:r>
+              <a:rPr kumimoji="1" lang="ko-KR" altLang="en-US" sz="1000" dirty="0">
+                <a:solidFill>
+                  <a:srgbClr val="00B0F0"/>
+                </a:solidFill>
+              </a:rPr>
+              <a:t>회원가입</a:t>
+            </a:r>
+          </a:p>
+        </p:txBody>
+      </p:sp>
+      <p:sp>
+        <p:nvSpPr>
+          <p:cNvPr id="12" name="모서리가 둥근 직사각형 11">
+            <a:extLst>
+              <a:ext uri="{FF2B5EF4-FFF2-40B4-BE49-F238E27FC236}">
+                <a16:creationId xmlns:a16="http://schemas.microsoft.com/office/drawing/2014/main" xmlns="" id="{C5488FC6-282C-7148-82F7-288317848D5E}"/>
               </a:ext>
             </a:extLst>
           </p:cNvPr>
@@ -7029,63 +5909,7 @@
         </p:nvSpPr>
         <p:spPr>
           <a:xfrm>
-            <a:off x="4894025" y="1276420"/>
-            <a:ext cx="2403951" cy="1674184"/>
-          </a:xfrm>
-          <a:prstGeom prst="rect">
-            <a:avLst/>
-          </a:prstGeom>
-          <a:solidFill>
-            <a:schemeClr val="bg1"/>
-          </a:solidFill>
-          <a:ln>
-            <a:solidFill>
-              <a:schemeClr val="bg1">
-                <a:lumMod val="75000"/>
-              </a:schemeClr>
-            </a:solidFill>
-          </a:ln>
-        </p:spPr>
-        <p:style>
-          <a:lnRef idx="2">
-            <a:schemeClr val="accent1">
-              <a:shade val="50000"/>
-            </a:schemeClr>
-          </a:lnRef>
-          <a:fillRef idx="1">
-            <a:schemeClr val="accent1"/>
-          </a:fillRef>
-          <a:effectRef idx="0">
-            <a:schemeClr val="accent1"/>
-          </a:effectRef>
-          <a:fontRef idx="minor">
-            <a:schemeClr val="lt1"/>
-          </a:fontRef>
-        </p:style>
-        <p:txBody>
-          <a:bodyPr rtlCol="0" anchor="ctr"/>
-          <a:lstStyle/>
-          <a:p>
-            <a:pPr algn="ctr"/>
-            <a:endParaRPr kumimoji="1" lang="ko-KR" altLang="en-US" dirty="0"/>
-          </a:p>
-        </p:txBody>
-      </p:sp>
-      <p:sp>
-        <p:nvSpPr>
-          <p:cNvPr id="35" name="모서리가 둥근 직사각형 34">
-            <a:extLst>
-              <a:ext uri="{FF2B5EF4-FFF2-40B4-BE49-F238E27FC236}">
-                <a16:creationId xmlns:a16="http://schemas.microsoft.com/office/drawing/2014/main" xmlns="" id="{A4971372-9237-B048-B2E9-0A06977A32A0}"/>
-              </a:ext>
-            </a:extLst>
-          </p:cNvPr>
-          <p:cNvSpPr/>
-          <p:nvPr/>
-        </p:nvSpPr>
-        <p:spPr>
-          <a:xfrm>
-            <a:off x="5171838" y="2506380"/>
+            <a:off x="5171838" y="3122738"/>
             <a:ext cx="1848323" cy="234616"/>
           </a:xfrm>
           <a:prstGeom prst="roundRect">
@@ -7134,17 +5958,17 @@
                   <a:schemeClr val="bg1"/>
                 </a:solidFill>
               </a:rPr>
-              <a:t>추가</a:t>
-            </a:r>
-          </a:p>
-        </p:txBody>
-      </p:sp>
-      <p:sp>
-        <p:nvSpPr>
-          <p:cNvPr id="37" name="TextBox 36">
-            <a:extLst>
-              <a:ext uri="{FF2B5EF4-FFF2-40B4-BE49-F238E27FC236}">
-                <a16:creationId xmlns:a16="http://schemas.microsoft.com/office/drawing/2014/main" xmlns="" id="{985B151C-01C4-014A-B006-E8E125897B00}"/>
+              <a:t>로그인</a:t>
+            </a:r>
+          </a:p>
+        </p:txBody>
+      </p:sp>
+      <p:sp>
+        <p:nvSpPr>
+          <p:cNvPr id="13" name="TextBox 12">
+            <a:extLst>
+              <a:ext uri="{FF2B5EF4-FFF2-40B4-BE49-F238E27FC236}">
+                <a16:creationId xmlns:a16="http://schemas.microsoft.com/office/drawing/2014/main" xmlns="" id="{852B469B-6110-9446-A9BB-C28049DB396C}"/>
               </a:ext>
             </a:extLst>
           </p:cNvPr>
@@ -7153,8 +5977,8 @@
         </p:nvSpPr>
         <p:spPr>
           <a:xfrm>
-            <a:off x="5342435" y="1755119"/>
-            <a:ext cx="1507144" cy="338554"/>
+            <a:off x="6405385" y="2831354"/>
+            <a:ext cx="673582" cy="184666"/>
           </a:xfrm>
           <a:prstGeom prst="rect">
             <a:avLst/>
@@ -7169,19 +5993,22 @@
           <a:p>
             <a:pPr algn="ctr"/>
             <a:r>
-              <a:rPr kumimoji="1" lang="en-US" altLang="ko-KR" sz="1600" b="1" dirty="0"/>
-              <a:t>_______________</a:t>
-            </a:r>
-            <a:endParaRPr kumimoji="1" lang="ko-KR" altLang="en-US" sz="1600" b="1" dirty="0"/>
-          </a:p>
-        </p:txBody>
-      </p:sp>
-      <p:sp>
-        <p:nvSpPr>
-          <p:cNvPr id="40" name="TextBox 39">
-            <a:extLst>
-              <a:ext uri="{FF2B5EF4-FFF2-40B4-BE49-F238E27FC236}">
-                <a16:creationId xmlns:a16="http://schemas.microsoft.com/office/drawing/2014/main" xmlns="" id="{FF2CD8B2-D563-3246-A9AF-E3C8601CB67D}"/>
+              <a:rPr kumimoji="1" lang="ko-KR" altLang="en-US" sz="600" dirty="0">
+                <a:solidFill>
+                  <a:srgbClr val="00B0F0"/>
+                </a:solidFill>
+              </a:rPr>
+              <a:t>비밀번호 찾기</a:t>
+            </a:r>
+          </a:p>
+        </p:txBody>
+      </p:sp>
+      <p:sp>
+        <p:nvSpPr>
+          <p:cNvPr id="14" name="TextBox 13">
+            <a:extLst>
+              <a:ext uri="{FF2B5EF4-FFF2-40B4-BE49-F238E27FC236}">
+                <a16:creationId xmlns:a16="http://schemas.microsoft.com/office/drawing/2014/main" xmlns="" id="{5B516E62-67EC-1843-A453-45B117B38417}"/>
               </a:ext>
             </a:extLst>
           </p:cNvPr>
@@ -7190,8 +6017,8 @@
         </p:nvSpPr>
         <p:spPr>
           <a:xfrm>
-            <a:off x="4982903" y="1410132"/>
-            <a:ext cx="1008609" cy="276999"/>
+            <a:off x="5695893" y="1465272"/>
+            <a:ext cx="800219" cy="584775"/>
           </a:xfrm>
           <a:prstGeom prst="rect">
             <a:avLst/>
@@ -7206,103 +6033,26 @@
           <a:p>
             <a:pPr algn="ctr"/>
             <a:r>
-              <a:rPr kumimoji="1" lang="ko-KR" altLang="en-US" sz="1200" dirty="0"/>
-              <a:t>레이어 추가</a:t>
-            </a:r>
-          </a:p>
-        </p:txBody>
-      </p:sp>
-      <p:sp>
-        <p:nvSpPr>
-          <p:cNvPr id="2" name="TextBox 1">
-            <a:extLst>
-              <a:ext uri="{FF2B5EF4-FFF2-40B4-BE49-F238E27FC236}">
-                <a16:creationId xmlns:a16="http://schemas.microsoft.com/office/drawing/2014/main" xmlns="" id="{342D94B4-3572-1345-95DA-6137D8C8DE3B}"/>
-              </a:ext>
-            </a:extLst>
-          </p:cNvPr>
-          <p:cNvSpPr txBox="1"/>
-          <p:nvPr/>
-        </p:nvSpPr>
-        <p:spPr>
-          <a:xfrm>
-            <a:off x="5594383" y="1737453"/>
-            <a:ext cx="1017394" cy="276999"/>
-          </a:xfrm>
-          <a:prstGeom prst="rect">
-            <a:avLst/>
-          </a:prstGeom>
-          <a:noFill/>
-        </p:spPr>
-        <p:txBody>
-          <a:bodyPr wrap="none" rtlCol="0">
-            <a:spAutoFit/>
-          </a:bodyPr>
-          <a:lstStyle/>
-          <a:p>
-            <a:pPr algn="ctr"/>
-            <a:r>
-              <a:rPr kumimoji="1" lang="en-US" altLang="ko-KR" sz="1200" dirty="0">
-                <a:solidFill>
-                  <a:schemeClr val="bg1">
-                    <a:lumMod val="75000"/>
-                  </a:schemeClr>
-                </a:solidFill>
-              </a:rPr>
-              <a:t>Layer Name</a:t>
-            </a:r>
-            <a:endParaRPr kumimoji="1" lang="ko-KR" altLang="en-US" sz="1200" dirty="0">
-              <a:solidFill>
-                <a:schemeClr val="bg1">
-                  <a:lumMod val="75000"/>
-                </a:schemeClr>
-              </a:solidFill>
-            </a:endParaRPr>
-          </a:p>
-        </p:txBody>
-      </p:sp>
-      <p:sp>
-        <p:nvSpPr>
-          <p:cNvPr id="24" name="TextBox 23">
-            <a:extLst>
-              <a:ext uri="{FF2B5EF4-FFF2-40B4-BE49-F238E27FC236}">
-                <a16:creationId xmlns:a16="http://schemas.microsoft.com/office/drawing/2014/main" xmlns="" id="{A981D1E3-3D90-3247-975C-84C640002CD1}"/>
-              </a:ext>
-            </a:extLst>
-          </p:cNvPr>
-          <p:cNvSpPr txBox="1"/>
-          <p:nvPr/>
-        </p:nvSpPr>
-        <p:spPr>
-          <a:xfrm>
-            <a:off x="5695894" y="836828"/>
-            <a:ext cx="800219" cy="338554"/>
-          </a:xfrm>
-          <a:prstGeom prst="rect">
-            <a:avLst/>
-          </a:prstGeom>
-          <a:noFill/>
-        </p:spPr>
-        <p:txBody>
-          <a:bodyPr wrap="none" rtlCol="0">
-            <a:spAutoFit/>
-          </a:bodyPr>
-          <a:lstStyle/>
-          <a:p>
-            <a:pPr algn="ctr"/>
-            <a:r>
               <a:rPr kumimoji="1" lang="ko-KR" altLang="en-US" sz="1600" b="1" dirty="0"/>
               <a:t>활빈당</a:t>
             </a:r>
-          </a:p>
-        </p:txBody>
-      </p:sp>
-      <p:sp>
-        <p:nvSpPr>
-          <p:cNvPr id="32" name="모서리가 둥근 직사각형 31">
-            <a:extLst>
-              <a:ext uri="{FF2B5EF4-FFF2-40B4-BE49-F238E27FC236}">
-                <a16:creationId xmlns:a16="http://schemas.microsoft.com/office/drawing/2014/main" xmlns="" id="{B59F14F9-9C33-A149-BB80-3F36949E7F3B}"/>
+            <a:endParaRPr kumimoji="1" lang="en-US" altLang="ko-KR" sz="1600" b="1" dirty="0"/>
+          </a:p>
+          <a:p>
+            <a:pPr algn="ctr"/>
+            <a:r>
+              <a:rPr kumimoji="1" lang="ko-KR" altLang="en-US" sz="1600" b="1" dirty="0"/>
+              <a:t>입장</a:t>
+            </a:r>
+          </a:p>
+        </p:txBody>
+      </p:sp>
+      <p:sp>
+        <p:nvSpPr>
+          <p:cNvPr id="16" name="모서리가 둥근 직사각형 15">
+            <a:extLst>
+              <a:ext uri="{FF2B5EF4-FFF2-40B4-BE49-F238E27FC236}">
+                <a16:creationId xmlns:a16="http://schemas.microsoft.com/office/drawing/2014/main" xmlns="" id="{01A6D671-79C6-4C4A-AE77-03D0B7A9C7D5}"/>
               </a:ext>
             </a:extLst>
           </p:cNvPr>
@@ -7311,7 +6061,7 @@
         </p:nvSpPr>
         <p:spPr>
           <a:xfrm>
-            <a:off x="5178918" y="2148741"/>
+            <a:off x="5171838" y="2490570"/>
             <a:ext cx="1848323" cy="234616"/>
           </a:xfrm>
           <a:prstGeom prst="roundRect">
@@ -7364,7 +6114,7 @@
                   </a:schemeClr>
                 </a:solidFill>
               </a:rPr>
-              <a:t>Currency</a:t>
+              <a:t>Password</a:t>
             </a:r>
             <a:endParaRPr kumimoji="1" lang="ko-KR" altLang="en-US" sz="1000" dirty="0">
               <a:solidFill>
@@ -7378,10 +6128,10 @@
       </p:sp>
       <p:sp>
         <p:nvSpPr>
-          <p:cNvPr id="22" name="직사각형 21">
-            <a:extLst>
-              <a:ext uri="{FF2B5EF4-FFF2-40B4-BE49-F238E27FC236}">
-                <a16:creationId xmlns:a16="http://schemas.microsoft.com/office/drawing/2014/main" xmlns="" id="{1DF4C30D-B860-CF42-A2D2-8933EF262E6F}"/>
+          <p:cNvPr id="17" name="모서리가 둥근 직사각형 16">
+            <a:extLst>
+              <a:ext uri="{FF2B5EF4-FFF2-40B4-BE49-F238E27FC236}">
+                <a16:creationId xmlns:a16="http://schemas.microsoft.com/office/drawing/2014/main" xmlns="" id="{09C1CA4A-D32A-EF40-8921-7271B583A07F}"/>
               </a:ext>
             </a:extLst>
           </p:cNvPr>
@@ -7390,8 +6140,145 @@
         </p:nvSpPr>
         <p:spPr>
           <a:xfrm>
-            <a:off x="4901105" y="5693037"/>
-            <a:ext cx="2403951" cy="489240"/>
+            <a:off x="5171838" y="2185770"/>
+            <a:ext cx="1848323" cy="234616"/>
+          </a:xfrm>
+          <a:prstGeom prst="roundRect">
+            <a:avLst>
+              <a:gd name="adj" fmla="val 12230"/>
+            </a:avLst>
+          </a:prstGeom>
+          <a:solidFill>
+            <a:srgbClr val="F6F6F6"/>
+          </a:solidFill>
+          <a:ln>
+            <a:solidFill>
+              <a:schemeClr val="bg1">
+                <a:lumMod val="75000"/>
+              </a:schemeClr>
+            </a:solidFill>
+          </a:ln>
+        </p:spPr>
+        <p:style>
+          <a:lnRef idx="2">
+            <a:schemeClr val="accent1">
+              <a:shade val="50000"/>
+            </a:schemeClr>
+          </a:lnRef>
+          <a:fillRef idx="1">
+            <a:schemeClr val="accent1"/>
+          </a:fillRef>
+          <a:effectRef idx="0">
+            <a:schemeClr val="accent1"/>
+          </a:effectRef>
+          <a:fontRef idx="minor">
+            <a:schemeClr val="lt1"/>
+          </a:fontRef>
+        </p:style>
+        <p:txBody>
+          <a:bodyPr rot="0" spcFirstLastPara="0" vertOverflow="overflow" horzOverflow="overflow" vert="horz" wrap="square" lIns="91440" tIns="45720" rIns="91440" bIns="45720" numCol="1" spcCol="0" rtlCol="0" fromWordArt="0" anchor="ctr" anchorCtr="0" forceAA="0" compatLnSpc="1">
+            <a:prstTxWarp prst="textNoShape">
+              <a:avLst/>
+            </a:prstTxWarp>
+            <a:noAutofit/>
+          </a:bodyPr>
+          <a:lstStyle/>
+          <a:p>
+            <a:pPr algn="ctr"/>
+            <a:r>
+              <a:rPr kumimoji="1" lang="en-US" altLang="ko-KR" sz="1000" dirty="0">
+                <a:solidFill>
+                  <a:schemeClr val="bg1">
+                    <a:lumMod val="50000"/>
+                  </a:schemeClr>
+                </a:solidFill>
+              </a:rPr>
+              <a:t>Username</a:t>
+            </a:r>
+            <a:endParaRPr kumimoji="1" lang="ko-KR" altLang="en-US" sz="1000" dirty="0">
+              <a:solidFill>
+                <a:schemeClr val="bg1">
+                  <a:lumMod val="50000"/>
+                </a:schemeClr>
+              </a:solidFill>
+            </a:endParaRPr>
+          </a:p>
+        </p:txBody>
+      </p:sp>
+      <p:sp>
+        <p:nvSpPr>
+          <p:cNvPr id="18" name="TextBox 17">
+            <a:extLst>
+              <a:ext uri="{FF2B5EF4-FFF2-40B4-BE49-F238E27FC236}">
+                <a16:creationId xmlns:a16="http://schemas.microsoft.com/office/drawing/2014/main" xmlns="" id="{64FA5B03-79E4-524D-960A-19138A7FD148}"/>
+              </a:ext>
+            </a:extLst>
+          </p:cNvPr>
+          <p:cNvSpPr txBox="1"/>
+          <p:nvPr/>
+        </p:nvSpPr>
+        <p:spPr>
+          <a:xfrm>
+            <a:off x="5525535" y="4131895"/>
+            <a:ext cx="1141659" cy="253916"/>
+          </a:xfrm>
+          <a:prstGeom prst="rect">
+            <a:avLst/>
+          </a:prstGeom>
+          <a:noFill/>
+        </p:spPr>
+        <p:txBody>
+          <a:bodyPr wrap="none" rtlCol="0">
+            <a:spAutoFit/>
+          </a:bodyPr>
+          <a:lstStyle/>
+          <a:p>
+            <a:r>
+              <a:rPr kumimoji="1" lang="en-US" altLang="ko-KR" sz="1050" dirty="0">
+                <a:solidFill>
+                  <a:schemeClr val="bg1">
+                    <a:lumMod val="50000"/>
+                  </a:schemeClr>
+                </a:solidFill>
+              </a:rPr>
+              <a:t>@ </a:t>
+            </a:r>
+            <a:r>
+              <a:rPr kumimoji="1" lang="en-US" altLang="ko-KR" sz="1050" dirty="0" err="1">
+                <a:solidFill>
+                  <a:schemeClr val="bg1">
+                    <a:lumMod val="50000"/>
+                  </a:schemeClr>
+                </a:solidFill>
+              </a:rPr>
+              <a:t>about_JCube</a:t>
+            </a:r>
+            <a:endParaRPr kumimoji="1" lang="en-US" altLang="ko-KR" sz="1050" dirty="0">
+              <a:solidFill>
+                <a:schemeClr val="bg1">
+                  <a:lumMod val="50000"/>
+                </a:schemeClr>
+              </a:solidFill>
+            </a:endParaRPr>
+          </a:p>
+        </p:txBody>
+      </p:sp>
+      <p:sp>
+        <p:nvSpPr>
+          <p:cNvPr id="20" name="직사각형 19">
+            <a:extLst>
+              <a:ext uri="{FF2B5EF4-FFF2-40B4-BE49-F238E27FC236}">
+                <a16:creationId xmlns:a16="http://schemas.microsoft.com/office/drawing/2014/main" xmlns="" id="{0E76A8CE-9DC1-A14E-991E-0850C142A1F5}"/>
+              </a:ext>
+            </a:extLst>
+          </p:cNvPr>
+          <p:cNvSpPr/>
+          <p:nvPr/>
+        </p:nvSpPr>
+        <p:spPr>
+          <a:xfrm>
+            <a:off x="4894025" y="4519769"/>
+            <a:ext cx="2403951" cy="722021"/>
           </a:xfrm>
           <a:prstGeom prst="rect">
             <a:avLst/>
@@ -7428,7 +6315,7 @@
           <a:lstStyle/>
           <a:p>
             <a:pPr algn="ctr"/>
-            <a:endParaRPr kumimoji="1" lang="ko-KR" altLang="en-US"/>
+            <a:endParaRPr kumimoji="1" lang="ko-KR" altLang="en-US" dirty="0"/>
           </a:p>
         </p:txBody>
       </p:sp>
@@ -7437,7 +6324,7 @@
           <p:cNvPr id="23" name="모서리가 둥근 직사각형 22">
             <a:extLst>
               <a:ext uri="{FF2B5EF4-FFF2-40B4-BE49-F238E27FC236}">
-                <a16:creationId xmlns:a16="http://schemas.microsoft.com/office/drawing/2014/main" xmlns="" id="{A63988F2-FAC3-5045-8EA4-4720DBA24757}"/>
+                <a16:creationId xmlns:a16="http://schemas.microsoft.com/office/drawing/2014/main" xmlns="" id="{3EA0C1BB-7DFA-4746-99C8-64EED33E39BD}"/>
               </a:ext>
             </a:extLst>
           </p:cNvPr>
@@ -7446,8 +6333,8 @@
         </p:nvSpPr>
         <p:spPr>
           <a:xfrm>
-            <a:off x="5178918" y="5824538"/>
-            <a:ext cx="1848323" cy="234616"/>
+            <a:off x="5171838" y="4724642"/>
+            <a:ext cx="1848323" cy="312275"/>
           </a:xfrm>
           <a:prstGeom prst="roundRect">
             <a:avLst>
@@ -7455,11 +6342,11 @@
             </a:avLst>
           </a:prstGeom>
           <a:solidFill>
-            <a:srgbClr val="FF0000"/>
+            <a:srgbClr val="00A5FA"/>
           </a:solidFill>
           <a:ln>
             <a:solidFill>
-              <a:srgbClr val="FF4F48"/>
+              <a:srgbClr val="00B0F0"/>
             </a:solidFill>
           </a:ln>
         </p:spPr>
@@ -7490,326 +6377,20 @@
           <a:p>
             <a:pPr algn="ctr"/>
             <a:r>
-              <a:rPr kumimoji="1" lang="ko-KR" altLang="en-US" sz="1000" dirty="0">
+              <a:rPr kumimoji="1" lang="ko-KR" altLang="en-US" sz="1000" b="1" dirty="0">
                 <a:solidFill>
                   <a:schemeClr val="bg1"/>
                 </a:solidFill>
               </a:rPr>
-              <a:t>방 삭제</a:t>
-            </a:r>
-          </a:p>
-        </p:txBody>
-      </p:sp>
-      <p:sp>
-        <p:nvSpPr>
-          <p:cNvPr id="8" name="타원 7">
-            <a:extLst>
-              <a:ext uri="{FF2B5EF4-FFF2-40B4-BE49-F238E27FC236}">
-                <a16:creationId xmlns:a16="http://schemas.microsoft.com/office/drawing/2014/main" xmlns="" id="{17CBA615-565C-AB45-868B-9C6119032236}"/>
-              </a:ext>
-            </a:extLst>
-          </p:cNvPr>
-          <p:cNvSpPr/>
-          <p:nvPr/>
-        </p:nvSpPr>
-        <p:spPr>
-          <a:xfrm>
-            <a:off x="6892004" y="4225921"/>
-            <a:ext cx="121754" cy="121754"/>
-          </a:xfrm>
-          <a:prstGeom prst="ellipse">
-            <a:avLst/>
-          </a:prstGeom>
-          <a:solidFill>
-            <a:srgbClr val="00B0F0"/>
-          </a:solidFill>
-          <a:ln>
-            <a:noFill/>
-          </a:ln>
-        </p:spPr>
-        <p:style>
-          <a:lnRef idx="2">
-            <a:schemeClr val="accent1">
-              <a:shade val="50000"/>
-            </a:schemeClr>
-          </a:lnRef>
-          <a:fillRef idx="1">
-            <a:schemeClr val="accent1"/>
-          </a:fillRef>
-          <a:effectRef idx="0">
-            <a:schemeClr val="accent1"/>
-          </a:effectRef>
-          <a:fontRef idx="minor">
-            <a:schemeClr val="lt1"/>
-          </a:fontRef>
-        </p:style>
-        <p:txBody>
-          <a:bodyPr rtlCol="0" anchor="ctr"/>
-          <a:lstStyle/>
-          <a:p>
-            <a:pPr algn="ctr"/>
-            <a:endParaRPr kumimoji="1" lang="ko-KR" altLang="en-US"/>
-          </a:p>
-        </p:txBody>
-      </p:sp>
-      <p:sp>
-        <p:nvSpPr>
-          <p:cNvPr id="42" name="자유형 41">
-            <a:extLst>
-              <a:ext uri="{FF2B5EF4-FFF2-40B4-BE49-F238E27FC236}">
-                <a16:creationId xmlns:a16="http://schemas.microsoft.com/office/drawing/2014/main" xmlns="" id="{D118E58B-320B-8847-9091-5DBE4CFBE0D7}"/>
-              </a:ext>
-            </a:extLst>
-          </p:cNvPr>
-          <p:cNvSpPr/>
-          <p:nvPr/>
-        </p:nvSpPr>
-        <p:spPr>
-          <a:xfrm rot="13405530">
-            <a:off x="6484005" y="916556"/>
-            <a:ext cx="43065" cy="210710"/>
-          </a:xfrm>
-          <a:custGeom>
-            <a:avLst/>
-            <a:gdLst>
-              <a:gd name="connsiteX0" fmla="*/ 0 w 1060704"/>
-              <a:gd name="connsiteY0" fmla="*/ 5330311 h 5708910"/>
-              <a:gd name="connsiteX1" fmla="*/ 1060704 w 1060704"/>
-              <a:gd name="connsiteY1" fmla="*/ 5330311 h 5708910"/>
-              <a:gd name="connsiteX2" fmla="*/ 1060704 w 1060704"/>
-              <a:gd name="connsiteY2" fmla="*/ 5708910 h 5708910"/>
-              <a:gd name="connsiteX3" fmla="*/ 0 w 1060704"/>
-              <a:gd name="connsiteY3" fmla="*/ 5708910 h 5708910"/>
-              <a:gd name="connsiteX4" fmla="*/ 0 w 1060704"/>
-              <a:gd name="connsiteY4" fmla="*/ 1164371 h 5708910"/>
-              <a:gd name="connsiteX5" fmla="*/ 1060704 w 1060704"/>
-              <a:gd name="connsiteY5" fmla="*/ 1164371 h 5708910"/>
-              <a:gd name="connsiteX6" fmla="*/ 1060704 w 1060704"/>
-              <a:gd name="connsiteY6" fmla="*/ 5084090 h 5708910"/>
-              <a:gd name="connsiteX7" fmla="*/ 0 w 1060704"/>
-              <a:gd name="connsiteY7" fmla="*/ 5084090 h 5708910"/>
-              <a:gd name="connsiteX8" fmla="*/ 530352 w 1060704"/>
-              <a:gd name="connsiteY8" fmla="*/ 0 h 5708910"/>
-              <a:gd name="connsiteX9" fmla="*/ 1060704 w 1060704"/>
-              <a:gd name="connsiteY9" fmla="*/ 914400 h 5708910"/>
-              <a:gd name="connsiteX10" fmla="*/ 0 w 1060704"/>
-              <a:gd name="connsiteY10" fmla="*/ 914400 h 5708910"/>
-            </a:gdLst>
-            <a:ahLst/>
-            <a:cxnLst>
-              <a:cxn ang="0">
-                <a:pos x="connsiteX0" y="connsiteY0"/>
-              </a:cxn>
-              <a:cxn ang="0">
-                <a:pos x="connsiteX1" y="connsiteY1"/>
-              </a:cxn>
-              <a:cxn ang="0">
-                <a:pos x="connsiteX2" y="connsiteY2"/>
-              </a:cxn>
-              <a:cxn ang="0">
-                <a:pos x="connsiteX3" y="connsiteY3"/>
-              </a:cxn>
-              <a:cxn ang="0">
-                <a:pos x="connsiteX4" y="connsiteY4"/>
-              </a:cxn>
-              <a:cxn ang="0">
-                <a:pos x="connsiteX5" y="connsiteY5"/>
-              </a:cxn>
-              <a:cxn ang="0">
-                <a:pos x="connsiteX6" y="connsiteY6"/>
-              </a:cxn>
-              <a:cxn ang="0">
-                <a:pos x="connsiteX7" y="connsiteY7"/>
-              </a:cxn>
-              <a:cxn ang="0">
-                <a:pos x="connsiteX8" y="connsiteY8"/>
-              </a:cxn>
-              <a:cxn ang="0">
-                <a:pos x="connsiteX9" y="connsiteY9"/>
-              </a:cxn>
-              <a:cxn ang="0">
-                <a:pos x="connsiteX10" y="connsiteY10"/>
-              </a:cxn>
-            </a:cxnLst>
-            <a:rect l="l" t="t" r="r" b="b"/>
-            <a:pathLst>
-              <a:path w="1060704" h="5708910">
-                <a:moveTo>
-                  <a:pt x="0" y="5330311"/>
-                </a:moveTo>
-                <a:lnTo>
-                  <a:pt x="1060704" y="5330311"/>
-                </a:lnTo>
-                <a:lnTo>
-                  <a:pt x="1060704" y="5708910"/>
-                </a:lnTo>
-                <a:lnTo>
-                  <a:pt x="0" y="5708910"/>
-                </a:lnTo>
-                <a:close/>
-                <a:moveTo>
-                  <a:pt x="0" y="1164371"/>
-                </a:moveTo>
-                <a:lnTo>
-                  <a:pt x="1060704" y="1164371"/>
-                </a:lnTo>
-                <a:lnTo>
-                  <a:pt x="1060704" y="5084090"/>
-                </a:lnTo>
-                <a:lnTo>
-                  <a:pt x="0" y="5084090"/>
-                </a:lnTo>
-                <a:close/>
-                <a:moveTo>
-                  <a:pt x="530352" y="0"/>
-                </a:moveTo>
-                <a:lnTo>
-                  <a:pt x="1060704" y="914400"/>
-                </a:lnTo>
-                <a:lnTo>
-                  <a:pt x="0" y="914400"/>
-                </a:lnTo>
-                <a:close/>
-              </a:path>
-            </a:pathLst>
-          </a:custGeom>
-          <a:solidFill>
-            <a:schemeClr val="tx1">
-              <a:lumMod val="50000"/>
-              <a:lumOff val="50000"/>
-            </a:schemeClr>
-          </a:solidFill>
-          <a:ln>
-            <a:noFill/>
-          </a:ln>
-        </p:spPr>
-        <p:style>
-          <a:lnRef idx="2">
-            <a:schemeClr val="accent1">
-              <a:shade val="50000"/>
-            </a:schemeClr>
-          </a:lnRef>
-          <a:fillRef idx="1">
-            <a:schemeClr val="accent1"/>
-          </a:fillRef>
-          <a:effectRef idx="0">
-            <a:schemeClr val="accent1"/>
-          </a:effectRef>
-          <a:fontRef idx="minor">
-            <a:schemeClr val="lt1"/>
-          </a:fontRef>
-        </p:style>
-        <p:txBody>
-          <a:bodyPr rtlCol="0" anchor="ctr"/>
-          <a:lstStyle/>
-          <a:p>
-            <a:pPr algn="ctr"/>
-            <a:endParaRPr kumimoji="1" lang="ko-KR" altLang="en-US"/>
-          </a:p>
-        </p:txBody>
-      </p:sp>
-      <p:sp>
-        <p:nvSpPr>
-          <p:cNvPr id="30" name="TextBox 29">
-            <a:extLst>
-              <a:ext uri="{FF2B5EF4-FFF2-40B4-BE49-F238E27FC236}">
-                <a16:creationId xmlns:a16="http://schemas.microsoft.com/office/drawing/2014/main" xmlns="" id="{001529B2-C00D-4D4F-BEB9-70140837CDB4}"/>
-              </a:ext>
-            </a:extLst>
-          </p:cNvPr>
-          <p:cNvSpPr txBox="1"/>
-          <p:nvPr/>
-        </p:nvSpPr>
-        <p:spPr>
-          <a:xfrm>
-            <a:off x="5754268" y="6299817"/>
-            <a:ext cx="697627" cy="246221"/>
-          </a:xfrm>
-          <a:prstGeom prst="rect">
-            <a:avLst/>
-          </a:prstGeom>
-          <a:noFill/>
-        </p:spPr>
-        <p:txBody>
-          <a:bodyPr wrap="none" rtlCol="0">
-            <a:spAutoFit/>
-          </a:bodyPr>
-          <a:lstStyle/>
-          <a:p>
-            <a:pPr algn="ctr"/>
-            <a:r>
-              <a:rPr kumimoji="1" lang="ko-KR" altLang="en-US" sz="1000" dirty="0">
-                <a:solidFill>
-                  <a:srgbClr val="00B0F0"/>
-                </a:solidFill>
-              </a:rPr>
-              <a:t>로그아웃</a:t>
-            </a:r>
-          </a:p>
-        </p:txBody>
-      </p:sp>
-      <p:sp>
-        <p:nvSpPr>
-          <p:cNvPr id="31" name="TextBox 30">
-            <a:extLst>
-              <a:ext uri="{FF2B5EF4-FFF2-40B4-BE49-F238E27FC236}">
-                <a16:creationId xmlns:a16="http://schemas.microsoft.com/office/drawing/2014/main" xmlns="" id="{69074E22-F89C-A349-8330-71928693398F}"/>
-              </a:ext>
-            </a:extLst>
-          </p:cNvPr>
-          <p:cNvSpPr txBox="1"/>
-          <p:nvPr/>
-        </p:nvSpPr>
-        <p:spPr>
-          <a:xfrm>
-            <a:off x="5525535" y="6485507"/>
-            <a:ext cx="1141659" cy="253916"/>
-          </a:xfrm>
-          <a:prstGeom prst="rect">
-            <a:avLst/>
-          </a:prstGeom>
-          <a:noFill/>
-        </p:spPr>
-        <p:txBody>
-          <a:bodyPr wrap="none" rtlCol="0">
-            <a:spAutoFit/>
-          </a:bodyPr>
-          <a:lstStyle/>
-          <a:p>
-            <a:r>
-              <a:rPr kumimoji="1" lang="en-US" altLang="ko-KR" sz="1050" dirty="0">
-                <a:solidFill>
-                  <a:schemeClr val="bg1">
-                    <a:lumMod val="50000"/>
-                  </a:schemeClr>
-                </a:solidFill>
-              </a:rPr>
-              <a:t>@ </a:t>
-            </a:r>
-            <a:r>
-              <a:rPr kumimoji="1" lang="en-US" altLang="ko-KR" sz="1050" dirty="0" err="1">
-                <a:solidFill>
-                  <a:schemeClr val="bg1">
-                    <a:lumMod val="50000"/>
-                  </a:schemeClr>
-                </a:solidFill>
-              </a:rPr>
-              <a:t>about_JCube</a:t>
-            </a:r>
-            <a:endParaRPr kumimoji="1" lang="en-US" altLang="ko-KR" sz="1050" dirty="0">
-              <a:solidFill>
-                <a:schemeClr val="bg1">
-                  <a:lumMod val="50000"/>
-                </a:schemeClr>
-              </a:solidFill>
-            </a:endParaRPr>
+              <a:t>비회원 입장</a:t>
+            </a:r>
           </a:p>
         </p:txBody>
       </p:sp>
     </p:spTree>
     <p:extLst>
       <p:ext uri="{BB962C8B-B14F-4D97-AF65-F5344CB8AC3E}">
-        <p14:creationId xmlns:p14="http://schemas.microsoft.com/office/powerpoint/2010/main" val="3091943180"/>
+        <p14:creationId xmlns:p14="http://schemas.microsoft.com/office/powerpoint/2010/main" val="2207132643"/>
       </p:ext>
     </p:extLst>
   </p:cSld>
@@ -7838,10 +6419,10 @@
       </p:grpSpPr>
       <p:sp>
         <p:nvSpPr>
-          <p:cNvPr id="4" name="직사각형 3">
-            <a:extLst>
-              <a:ext uri="{FF2B5EF4-FFF2-40B4-BE49-F238E27FC236}">
-                <a16:creationId xmlns:a16="http://schemas.microsoft.com/office/drawing/2014/main" xmlns="" id="{EA2D8D37-742E-EF4A-A579-D4FCE47462A2}"/>
+          <p:cNvPr id="22" name="직사각형 21">
+            <a:extLst>
+              <a:ext uri="{FF2B5EF4-FFF2-40B4-BE49-F238E27FC236}">
+                <a16:creationId xmlns:a16="http://schemas.microsoft.com/office/drawing/2014/main" xmlns="" id="{67DAD890-3198-BA45-93A2-9FC369045AAE}"/>
               </a:ext>
             </a:extLst>
           </p:cNvPr>
@@ -7894,66 +6475,10 @@
       </p:sp>
       <p:sp>
         <p:nvSpPr>
-          <p:cNvPr id="5" name="직사각형 4">
-            <a:extLst>
-              <a:ext uri="{FF2B5EF4-FFF2-40B4-BE49-F238E27FC236}">
-                <a16:creationId xmlns:a16="http://schemas.microsoft.com/office/drawing/2014/main" xmlns="" id="{263AF4BD-43FD-F444-9213-EF34F45DC1F1}"/>
-              </a:ext>
-            </a:extLst>
-          </p:cNvPr>
-          <p:cNvSpPr/>
-          <p:nvPr/>
-        </p:nvSpPr>
-        <p:spPr>
-          <a:xfrm>
-            <a:off x="4894025" y="3716313"/>
-            <a:ext cx="2403951" cy="722021"/>
-          </a:xfrm>
-          <a:prstGeom prst="rect">
-            <a:avLst/>
-          </a:prstGeom>
-          <a:solidFill>
-            <a:schemeClr val="bg1"/>
-          </a:solidFill>
-          <a:ln>
-            <a:solidFill>
-              <a:schemeClr val="bg1">
-                <a:lumMod val="75000"/>
-              </a:schemeClr>
-            </a:solidFill>
-          </a:ln>
-        </p:spPr>
-        <p:style>
-          <a:lnRef idx="2">
-            <a:schemeClr val="accent1">
-              <a:shade val="50000"/>
-            </a:schemeClr>
-          </a:lnRef>
-          <a:fillRef idx="1">
-            <a:schemeClr val="accent1"/>
-          </a:fillRef>
-          <a:effectRef idx="0">
-            <a:schemeClr val="accent1"/>
-          </a:effectRef>
-          <a:fontRef idx="minor">
-            <a:schemeClr val="lt1"/>
-          </a:fontRef>
-        </p:style>
-        <p:txBody>
-          <a:bodyPr rtlCol="0" anchor="ctr"/>
-          <a:lstStyle/>
-          <a:p>
-            <a:pPr algn="ctr"/>
-            <a:endParaRPr kumimoji="1" lang="ko-KR" altLang="en-US" dirty="0"/>
-          </a:p>
-        </p:txBody>
-      </p:sp>
-      <p:sp>
-        <p:nvSpPr>
-          <p:cNvPr id="7" name="TextBox 6">
-            <a:extLst>
-              <a:ext uri="{FF2B5EF4-FFF2-40B4-BE49-F238E27FC236}">
-                <a16:creationId xmlns:a16="http://schemas.microsoft.com/office/drawing/2014/main" xmlns="" id="{71C06810-FA81-E844-8CB0-A63915BE67EA}"/>
+          <p:cNvPr id="23" name="TextBox 22">
+            <a:extLst>
+              <a:ext uri="{FF2B5EF4-FFF2-40B4-BE49-F238E27FC236}">
+                <a16:creationId xmlns:a16="http://schemas.microsoft.com/office/drawing/2014/main" xmlns="" id="{0A800E18-9E00-4141-8070-3B6B1C9ADF94}"/>
               </a:ext>
             </a:extLst>
           </p:cNvPr>
@@ -7962,8 +6487,8 @@
         </p:nvSpPr>
         <p:spPr>
           <a:xfrm>
-            <a:off x="5080205" y="3890953"/>
-            <a:ext cx="2045753" cy="246221"/>
+            <a:off x="5695893" y="1465272"/>
+            <a:ext cx="800219" cy="584775"/>
           </a:xfrm>
           <a:prstGeom prst="rect">
             <a:avLst/>
@@ -7978,166 +6503,6 @@
           <a:p>
             <a:pPr algn="ctr"/>
             <a:r>
-              <a:rPr kumimoji="1" lang="ko-KR" altLang="en-US" sz="1000" dirty="0"/>
-              <a:t>계정을 만들고 싶다면</a:t>
-            </a:r>
-            <a:r>
-              <a:rPr kumimoji="1" lang="en-US" altLang="ko-KR" sz="1000" dirty="0"/>
-              <a:t>?</a:t>
-            </a:r>
-            <a:r>
-              <a:rPr kumimoji="1" lang="ko-KR" altLang="en-US" sz="1000" dirty="0"/>
-              <a:t> </a:t>
-            </a:r>
-            <a:r>
-              <a:rPr kumimoji="1" lang="ko-KR" altLang="en-US" sz="1000" dirty="0">
-                <a:solidFill>
-                  <a:srgbClr val="00B0F0"/>
-                </a:solidFill>
-              </a:rPr>
-              <a:t>회원가입</a:t>
-            </a:r>
-          </a:p>
-        </p:txBody>
-      </p:sp>
-      <p:sp>
-        <p:nvSpPr>
-          <p:cNvPr id="12" name="모서리가 둥근 직사각형 11">
-            <a:extLst>
-              <a:ext uri="{FF2B5EF4-FFF2-40B4-BE49-F238E27FC236}">
-                <a16:creationId xmlns:a16="http://schemas.microsoft.com/office/drawing/2014/main" xmlns="" id="{C5488FC6-282C-7148-82F7-288317848D5E}"/>
-              </a:ext>
-            </a:extLst>
-          </p:cNvPr>
-          <p:cNvSpPr/>
-          <p:nvPr/>
-        </p:nvSpPr>
-        <p:spPr>
-          <a:xfrm>
-            <a:off x="5171838" y="3122738"/>
-            <a:ext cx="1848323" cy="234616"/>
-          </a:xfrm>
-          <a:prstGeom prst="roundRect">
-            <a:avLst>
-              <a:gd name="adj" fmla="val 12230"/>
-            </a:avLst>
-          </a:prstGeom>
-          <a:solidFill>
-            <a:srgbClr val="00A5FA"/>
-          </a:solidFill>
-          <a:ln>
-            <a:solidFill>
-              <a:srgbClr val="00B0F0"/>
-            </a:solidFill>
-          </a:ln>
-        </p:spPr>
-        <p:style>
-          <a:lnRef idx="2">
-            <a:schemeClr val="accent1">
-              <a:shade val="50000"/>
-            </a:schemeClr>
-          </a:lnRef>
-          <a:fillRef idx="1">
-            <a:schemeClr val="accent1"/>
-          </a:fillRef>
-          <a:effectRef idx="0">
-            <a:schemeClr val="accent1"/>
-          </a:effectRef>
-          <a:fontRef idx="minor">
-            <a:schemeClr val="lt1"/>
-          </a:fontRef>
-        </p:style>
-        <p:txBody>
-          <a:bodyPr rot="0" spcFirstLastPara="0" vertOverflow="overflow" horzOverflow="overflow" vert="horz" wrap="square" lIns="91440" tIns="45720" rIns="91440" bIns="45720" numCol="1" spcCol="0" rtlCol="0" fromWordArt="0" anchor="ctr" anchorCtr="0" forceAA="0" compatLnSpc="1">
-            <a:prstTxWarp prst="textNoShape">
-              <a:avLst/>
-            </a:prstTxWarp>
-            <a:noAutofit/>
-          </a:bodyPr>
-          <a:lstStyle/>
-          <a:p>
-            <a:pPr algn="ctr"/>
-            <a:r>
-              <a:rPr kumimoji="1" lang="ko-KR" altLang="en-US" sz="1000" dirty="0">
-                <a:solidFill>
-                  <a:schemeClr val="bg1"/>
-                </a:solidFill>
-              </a:rPr>
-              <a:t>로그인</a:t>
-            </a:r>
-          </a:p>
-        </p:txBody>
-      </p:sp>
-      <p:sp>
-        <p:nvSpPr>
-          <p:cNvPr id="13" name="TextBox 12">
-            <a:extLst>
-              <a:ext uri="{FF2B5EF4-FFF2-40B4-BE49-F238E27FC236}">
-                <a16:creationId xmlns:a16="http://schemas.microsoft.com/office/drawing/2014/main" xmlns="" id="{852B469B-6110-9446-A9BB-C28049DB396C}"/>
-              </a:ext>
-            </a:extLst>
-          </p:cNvPr>
-          <p:cNvSpPr txBox="1"/>
-          <p:nvPr/>
-        </p:nvSpPr>
-        <p:spPr>
-          <a:xfrm>
-            <a:off x="6405385" y="2831354"/>
-            <a:ext cx="673582" cy="184666"/>
-          </a:xfrm>
-          <a:prstGeom prst="rect">
-            <a:avLst/>
-          </a:prstGeom>
-          <a:noFill/>
-        </p:spPr>
-        <p:txBody>
-          <a:bodyPr wrap="none" rtlCol="0">
-            <a:spAutoFit/>
-          </a:bodyPr>
-          <a:lstStyle/>
-          <a:p>
-            <a:pPr algn="ctr"/>
-            <a:r>
-              <a:rPr kumimoji="1" lang="ko-KR" altLang="en-US" sz="600" dirty="0">
-                <a:solidFill>
-                  <a:srgbClr val="00B0F0"/>
-                </a:solidFill>
-              </a:rPr>
-              <a:t>비밀번호 찾기</a:t>
-            </a:r>
-          </a:p>
-        </p:txBody>
-      </p:sp>
-      <p:sp>
-        <p:nvSpPr>
-          <p:cNvPr id="14" name="TextBox 13">
-            <a:extLst>
-              <a:ext uri="{FF2B5EF4-FFF2-40B4-BE49-F238E27FC236}">
-                <a16:creationId xmlns:a16="http://schemas.microsoft.com/office/drawing/2014/main" xmlns="" id="{5B516E62-67EC-1843-A453-45B117B38417}"/>
-              </a:ext>
-            </a:extLst>
-          </p:cNvPr>
-          <p:cNvSpPr txBox="1"/>
-          <p:nvPr/>
-        </p:nvSpPr>
-        <p:spPr>
-          <a:xfrm>
-            <a:off x="5695893" y="1465272"/>
-            <a:ext cx="800219" cy="584775"/>
-          </a:xfrm>
-          <a:prstGeom prst="rect">
-            <a:avLst/>
-          </a:prstGeom>
-          <a:noFill/>
-        </p:spPr>
-        <p:txBody>
-          <a:bodyPr wrap="none" rtlCol="0">
-            <a:spAutoFit/>
-          </a:bodyPr>
-          <a:lstStyle/>
-          <a:p>
-            <a:pPr algn="ctr"/>
-            <a:r>
               <a:rPr kumimoji="1" lang="ko-KR" altLang="en-US" sz="1600" b="1" dirty="0"/>
               <a:t>활빈당</a:t>
             </a:r>
@@ -8154,10 +6519,10 @@
       </p:sp>
       <p:sp>
         <p:nvSpPr>
-          <p:cNvPr id="16" name="모서리가 둥근 직사각형 15">
-            <a:extLst>
-              <a:ext uri="{FF2B5EF4-FFF2-40B4-BE49-F238E27FC236}">
-                <a16:creationId xmlns:a16="http://schemas.microsoft.com/office/drawing/2014/main" xmlns="" id="{01A6D671-79C6-4C4A-AE77-03D0B7A9C7D5}"/>
+          <p:cNvPr id="10" name="모서리가 둥근 직사각형 9">
+            <a:extLst>
+              <a:ext uri="{FF2B5EF4-FFF2-40B4-BE49-F238E27FC236}">
+                <a16:creationId xmlns:a16="http://schemas.microsoft.com/office/drawing/2014/main" xmlns="" id="{C5146231-6C8A-1246-B88B-938550474F2E}"/>
               </a:ext>
             </a:extLst>
           </p:cNvPr>
@@ -8166,7 +6531,7 @@
         </p:nvSpPr>
         <p:spPr>
           <a:xfrm>
-            <a:off x="5171838" y="2490570"/>
+            <a:off x="5171838" y="2489791"/>
             <a:ext cx="1848323" cy="234616"/>
           </a:xfrm>
           <a:prstGeom prst="roundRect">
@@ -8233,10 +6598,10 @@
       </p:sp>
       <p:sp>
         <p:nvSpPr>
-          <p:cNvPr id="17" name="모서리가 둥근 직사각형 16">
-            <a:extLst>
-              <a:ext uri="{FF2B5EF4-FFF2-40B4-BE49-F238E27FC236}">
-                <a16:creationId xmlns:a16="http://schemas.microsoft.com/office/drawing/2014/main" xmlns="" id="{09C1CA4A-D32A-EF40-8921-7271B583A07F}"/>
+          <p:cNvPr id="11" name="모서리가 둥근 직사각형 10">
+            <a:extLst>
+              <a:ext uri="{FF2B5EF4-FFF2-40B4-BE49-F238E27FC236}">
+                <a16:creationId xmlns:a16="http://schemas.microsoft.com/office/drawing/2014/main" xmlns="" id="{431DDE67-59BE-C741-A92A-B9FDB6578F05}"/>
               </a:ext>
             </a:extLst>
           </p:cNvPr>
@@ -8245,7 +6610,7 @@
         </p:nvSpPr>
         <p:spPr>
           <a:xfrm>
-            <a:off x="5171838" y="2185770"/>
+            <a:off x="5171838" y="2184991"/>
             <a:ext cx="1848323" cy="234616"/>
           </a:xfrm>
           <a:prstGeom prst="roundRect">
@@ -8312,53 +6677,142 @@
       </p:sp>
       <p:sp>
         <p:nvSpPr>
-          <p:cNvPr id="18" name="TextBox 17">
-            <a:extLst>
-              <a:ext uri="{FF2B5EF4-FFF2-40B4-BE49-F238E27FC236}">
-                <a16:creationId xmlns:a16="http://schemas.microsoft.com/office/drawing/2014/main" xmlns="" id="{64FA5B03-79E4-524D-960A-19138A7FD148}"/>
-              </a:ext>
-            </a:extLst>
-          </p:cNvPr>
-          <p:cNvSpPr txBox="1"/>
-          <p:nvPr/>
-        </p:nvSpPr>
-        <p:spPr>
-          <a:xfrm>
-            <a:off x="5525535" y="4131895"/>
-            <a:ext cx="1141659" cy="253916"/>
-          </a:xfrm>
-          <a:prstGeom prst="rect">
-            <a:avLst/>
+          <p:cNvPr id="12" name="모서리가 둥근 직사각형 11">
+            <a:extLst>
+              <a:ext uri="{FF2B5EF4-FFF2-40B4-BE49-F238E27FC236}">
+                <a16:creationId xmlns:a16="http://schemas.microsoft.com/office/drawing/2014/main" xmlns="" id="{C5488FC6-282C-7148-82F7-288317848D5E}"/>
+              </a:ext>
+            </a:extLst>
+          </p:cNvPr>
+          <p:cNvSpPr/>
+          <p:nvPr/>
+        </p:nvSpPr>
+        <p:spPr>
+          <a:xfrm>
+            <a:off x="5171838" y="3121959"/>
+            <a:ext cx="1848323" cy="234616"/>
+          </a:xfrm>
+          <a:prstGeom prst="roundRect">
+            <a:avLst>
+              <a:gd name="adj" fmla="val 12230"/>
+            </a:avLst>
           </a:prstGeom>
-          <a:noFill/>
-        </p:spPr>
-        <p:txBody>
-          <a:bodyPr wrap="none" rtlCol="0">
-            <a:spAutoFit/>
+          <a:solidFill>
+            <a:srgbClr val="00A5FA"/>
+          </a:solidFill>
+          <a:ln>
+            <a:solidFill>
+              <a:srgbClr val="00B0F0"/>
+            </a:solidFill>
+          </a:ln>
+        </p:spPr>
+        <p:style>
+          <a:lnRef idx="2">
+            <a:schemeClr val="accent1">
+              <a:shade val="50000"/>
+            </a:schemeClr>
+          </a:lnRef>
+          <a:fillRef idx="1">
+            <a:schemeClr val="accent1"/>
+          </a:fillRef>
+          <a:effectRef idx="0">
+            <a:schemeClr val="accent1"/>
+          </a:effectRef>
+          <a:fontRef idx="minor">
+            <a:schemeClr val="lt1"/>
+          </a:fontRef>
+        </p:style>
+        <p:txBody>
+          <a:bodyPr rot="0" spcFirstLastPara="0" vertOverflow="overflow" horzOverflow="overflow" vert="horz" wrap="square" lIns="91440" tIns="45720" rIns="91440" bIns="45720" numCol="1" spcCol="0" rtlCol="0" fromWordArt="0" anchor="ctr" anchorCtr="0" forceAA="0" compatLnSpc="1">
+            <a:prstTxWarp prst="textNoShape">
+              <a:avLst/>
+            </a:prstTxWarp>
+            <a:noAutofit/>
           </a:bodyPr>
           <a:lstStyle/>
           <a:p>
-            <a:r>
-              <a:rPr kumimoji="1" lang="en-US" altLang="ko-KR" sz="1050" dirty="0">
+            <a:pPr algn="ctr"/>
+            <a:r>
+              <a:rPr kumimoji="1" lang="ko-KR" altLang="en-US" sz="1000" dirty="0">
+                <a:solidFill>
+                  <a:schemeClr val="bg1"/>
+                </a:solidFill>
+              </a:rPr>
+              <a:t>로그인</a:t>
+            </a:r>
+          </a:p>
+        </p:txBody>
+      </p:sp>
+      <p:sp>
+        <p:nvSpPr>
+          <p:cNvPr id="17" name="모서리가 둥근 직사각형 16">
+            <a:extLst>
+              <a:ext uri="{FF2B5EF4-FFF2-40B4-BE49-F238E27FC236}">
+                <a16:creationId xmlns:a16="http://schemas.microsoft.com/office/drawing/2014/main" xmlns="" id="{E2BABE5E-2C5B-1544-9595-954E364F1BF3}"/>
+              </a:ext>
+            </a:extLst>
+          </p:cNvPr>
+          <p:cNvSpPr/>
+          <p:nvPr/>
+        </p:nvSpPr>
+        <p:spPr>
+          <a:xfrm>
+            <a:off x="5171838" y="2788037"/>
+            <a:ext cx="1848323" cy="234616"/>
+          </a:xfrm>
+          <a:prstGeom prst="roundRect">
+            <a:avLst>
+              <a:gd name="adj" fmla="val 12230"/>
+            </a:avLst>
+          </a:prstGeom>
+          <a:solidFill>
+            <a:srgbClr val="F6F6F6"/>
+          </a:solidFill>
+          <a:ln>
+            <a:solidFill>
+              <a:schemeClr val="bg1">
+                <a:lumMod val="75000"/>
+              </a:schemeClr>
+            </a:solidFill>
+          </a:ln>
+        </p:spPr>
+        <p:style>
+          <a:lnRef idx="2">
+            <a:schemeClr val="accent1">
+              <a:shade val="50000"/>
+            </a:schemeClr>
+          </a:lnRef>
+          <a:fillRef idx="1">
+            <a:schemeClr val="accent1"/>
+          </a:fillRef>
+          <a:effectRef idx="0">
+            <a:schemeClr val="accent1"/>
+          </a:effectRef>
+          <a:fontRef idx="minor">
+            <a:schemeClr val="lt1"/>
+          </a:fontRef>
+        </p:style>
+        <p:txBody>
+          <a:bodyPr rot="0" spcFirstLastPara="0" vertOverflow="overflow" horzOverflow="overflow" vert="horz" wrap="square" lIns="91440" tIns="45720" rIns="91440" bIns="45720" numCol="1" spcCol="0" rtlCol="0" fromWordArt="0" anchor="ctr" anchorCtr="0" forceAA="0" compatLnSpc="1">
+            <a:prstTxWarp prst="textNoShape">
+              <a:avLst/>
+            </a:prstTxWarp>
+            <a:noAutofit/>
+          </a:bodyPr>
+          <a:lstStyle/>
+          <a:p>
+            <a:pPr algn="ctr"/>
+            <a:r>
+              <a:rPr kumimoji="1" lang="en-US" altLang="ko-KR" sz="1000" dirty="0">
                 <a:solidFill>
                   <a:schemeClr val="bg1">
                     <a:lumMod val="50000"/>
                   </a:schemeClr>
                 </a:solidFill>
               </a:rPr>
-              <a:t>@ </a:t>
-            </a:r>
-            <a:r>
-              <a:rPr kumimoji="1" lang="en-US" altLang="ko-KR" sz="1050" dirty="0" err="1">
-                <a:solidFill>
-                  <a:schemeClr val="bg1">
-                    <a:lumMod val="50000"/>
-                  </a:schemeClr>
-                </a:solidFill>
-              </a:rPr>
-              <a:t>about_JCube</a:t>
-            </a:r>
-            <a:endParaRPr kumimoji="1" lang="en-US" altLang="ko-KR" sz="1050" dirty="0">
+              <a:t>Confirm Password</a:t>
+            </a:r>
+            <a:endParaRPr kumimoji="1" lang="ko-KR" altLang="en-US" sz="1000" dirty="0">
               <a:solidFill>
                 <a:schemeClr val="bg1">
                   <a:lumMod val="50000"/>
@@ -8370,10 +6824,10 @@
       </p:sp>
       <p:sp>
         <p:nvSpPr>
-          <p:cNvPr id="20" name="직사각형 19">
-            <a:extLst>
-              <a:ext uri="{FF2B5EF4-FFF2-40B4-BE49-F238E27FC236}">
-                <a16:creationId xmlns:a16="http://schemas.microsoft.com/office/drawing/2014/main" xmlns="" id="{0E76A8CE-9DC1-A14E-991E-0850C142A1F5}"/>
+          <p:cNvPr id="13" name="직사각형 12">
+            <a:extLst>
+              <a:ext uri="{FF2B5EF4-FFF2-40B4-BE49-F238E27FC236}">
+                <a16:creationId xmlns:a16="http://schemas.microsoft.com/office/drawing/2014/main" xmlns="" id="{C1198BDD-CC97-3E43-A063-3FFF1B53F206}"/>
               </a:ext>
             </a:extLst>
           </p:cNvPr>
@@ -8382,7 +6836,7 @@
         </p:nvSpPr>
         <p:spPr>
           <a:xfrm>
-            <a:off x="4894025" y="4519769"/>
+            <a:off x="4894025" y="3716313"/>
             <a:ext cx="2403951" cy="722021"/>
           </a:xfrm>
           <a:prstGeom prst="rect">
@@ -8426,10 +6880,176 @@
       </p:sp>
       <p:sp>
         <p:nvSpPr>
-          <p:cNvPr id="23" name="모서리가 둥근 직사각형 22">
-            <a:extLst>
-              <a:ext uri="{FF2B5EF4-FFF2-40B4-BE49-F238E27FC236}">
-                <a16:creationId xmlns:a16="http://schemas.microsoft.com/office/drawing/2014/main" xmlns="" id="{3EA0C1BB-7DFA-4746-99C8-64EED33E39BD}"/>
+          <p:cNvPr id="14" name="TextBox 13">
+            <a:extLst>
+              <a:ext uri="{FF2B5EF4-FFF2-40B4-BE49-F238E27FC236}">
+                <a16:creationId xmlns:a16="http://schemas.microsoft.com/office/drawing/2014/main" xmlns="" id="{2D75EC22-FEC0-1C47-B79E-BF8D3F36BC3B}"/>
+              </a:ext>
+            </a:extLst>
+          </p:cNvPr>
+          <p:cNvSpPr txBox="1"/>
+          <p:nvPr/>
+        </p:nvSpPr>
+        <p:spPr>
+          <a:xfrm>
+            <a:off x="5080206" y="3890953"/>
+            <a:ext cx="2045753" cy="246221"/>
+          </a:xfrm>
+          <a:prstGeom prst="rect">
+            <a:avLst/>
+          </a:prstGeom>
+          <a:noFill/>
+        </p:spPr>
+        <p:txBody>
+          <a:bodyPr wrap="none" rtlCol="0">
+            <a:spAutoFit/>
+          </a:bodyPr>
+          <a:lstStyle/>
+          <a:p>
+            <a:pPr algn="ctr"/>
+            <a:r>
+              <a:rPr kumimoji="1" lang="ko-KR" altLang="en-US" sz="1000" dirty="0"/>
+              <a:t>있는 계정을 사용하려면</a:t>
+            </a:r>
+            <a:r>
+              <a:rPr kumimoji="1" lang="en-US" altLang="ko-KR" sz="1000" dirty="0"/>
+              <a:t>?</a:t>
+            </a:r>
+            <a:r>
+              <a:rPr kumimoji="1" lang="ko-KR" altLang="en-US" sz="1000" dirty="0"/>
+              <a:t> </a:t>
+            </a:r>
+            <a:r>
+              <a:rPr kumimoji="1" lang="ko-KR" altLang="en-US" sz="1000" dirty="0">
+                <a:solidFill>
+                  <a:srgbClr val="00B0F0"/>
+                </a:solidFill>
+              </a:rPr>
+              <a:t>로그인</a:t>
+            </a:r>
+          </a:p>
+        </p:txBody>
+      </p:sp>
+      <p:sp>
+        <p:nvSpPr>
+          <p:cNvPr id="15" name="TextBox 14">
+            <a:extLst>
+              <a:ext uri="{FF2B5EF4-FFF2-40B4-BE49-F238E27FC236}">
+                <a16:creationId xmlns:a16="http://schemas.microsoft.com/office/drawing/2014/main" xmlns="" id="{4B6ED008-8A6C-074B-B622-68BE2BA06CC7}"/>
+              </a:ext>
+            </a:extLst>
+          </p:cNvPr>
+          <p:cNvSpPr txBox="1"/>
+          <p:nvPr/>
+        </p:nvSpPr>
+        <p:spPr>
+          <a:xfrm>
+            <a:off x="5525535" y="4131895"/>
+            <a:ext cx="1141659" cy="253916"/>
+          </a:xfrm>
+          <a:prstGeom prst="rect">
+            <a:avLst/>
+          </a:prstGeom>
+          <a:noFill/>
+        </p:spPr>
+        <p:txBody>
+          <a:bodyPr wrap="none" rtlCol="0">
+            <a:spAutoFit/>
+          </a:bodyPr>
+          <a:lstStyle/>
+          <a:p>
+            <a:r>
+              <a:rPr kumimoji="1" lang="en-US" altLang="ko-KR" sz="1050" dirty="0">
+                <a:solidFill>
+                  <a:schemeClr val="bg1">
+                    <a:lumMod val="50000"/>
+                  </a:schemeClr>
+                </a:solidFill>
+              </a:rPr>
+              <a:t>@ </a:t>
+            </a:r>
+            <a:r>
+              <a:rPr kumimoji="1" lang="en-US" altLang="ko-KR" sz="1050" dirty="0" err="1">
+                <a:solidFill>
+                  <a:schemeClr val="bg1">
+                    <a:lumMod val="50000"/>
+                  </a:schemeClr>
+                </a:solidFill>
+              </a:rPr>
+              <a:t>about_JCube</a:t>
+            </a:r>
+            <a:endParaRPr kumimoji="1" lang="en-US" altLang="ko-KR" sz="1050" dirty="0">
+              <a:solidFill>
+                <a:schemeClr val="bg1">
+                  <a:lumMod val="50000"/>
+                </a:schemeClr>
+              </a:solidFill>
+            </a:endParaRPr>
+          </a:p>
+        </p:txBody>
+      </p:sp>
+      <p:sp>
+        <p:nvSpPr>
+          <p:cNvPr id="16" name="직사각형 15">
+            <a:extLst>
+              <a:ext uri="{FF2B5EF4-FFF2-40B4-BE49-F238E27FC236}">
+                <a16:creationId xmlns:a16="http://schemas.microsoft.com/office/drawing/2014/main" xmlns="" id="{C2A1CFDE-104A-6548-A6F5-86CCCD43C3C6}"/>
+              </a:ext>
+            </a:extLst>
+          </p:cNvPr>
+          <p:cNvSpPr/>
+          <p:nvPr/>
+        </p:nvSpPr>
+        <p:spPr>
+          <a:xfrm>
+            <a:off x="4894025" y="4519769"/>
+            <a:ext cx="2403951" cy="722021"/>
+          </a:xfrm>
+          <a:prstGeom prst="rect">
+            <a:avLst/>
+          </a:prstGeom>
+          <a:solidFill>
+            <a:schemeClr val="bg1"/>
+          </a:solidFill>
+          <a:ln>
+            <a:solidFill>
+              <a:schemeClr val="bg1">
+                <a:lumMod val="75000"/>
+              </a:schemeClr>
+            </a:solidFill>
+          </a:ln>
+        </p:spPr>
+        <p:style>
+          <a:lnRef idx="2">
+            <a:schemeClr val="accent1">
+              <a:shade val="50000"/>
+            </a:schemeClr>
+          </a:lnRef>
+          <a:fillRef idx="1">
+            <a:schemeClr val="accent1"/>
+          </a:fillRef>
+          <a:effectRef idx="0">
+            <a:schemeClr val="accent1"/>
+          </a:effectRef>
+          <a:fontRef idx="minor">
+            <a:schemeClr val="lt1"/>
+          </a:fontRef>
+        </p:style>
+        <p:txBody>
+          <a:bodyPr rtlCol="0" anchor="ctr"/>
+          <a:lstStyle/>
+          <a:p>
+            <a:pPr algn="ctr"/>
+            <a:endParaRPr kumimoji="1" lang="ko-KR" altLang="en-US" dirty="0"/>
+          </a:p>
+        </p:txBody>
+      </p:sp>
+      <p:sp>
+        <p:nvSpPr>
+          <p:cNvPr id="21" name="모서리가 둥근 직사각형 20">
+            <a:extLst>
+              <a:ext uri="{FF2B5EF4-FFF2-40B4-BE49-F238E27FC236}">
+                <a16:creationId xmlns:a16="http://schemas.microsoft.com/office/drawing/2014/main" xmlns="" id="{EA113DB3-6898-EF41-A8EF-F40F5C1C3CAA}"/>
               </a:ext>
             </a:extLst>
           </p:cNvPr>
@@ -8495,7 +7115,7 @@
     </p:spTree>
     <p:extLst>
       <p:ext uri="{BB962C8B-B14F-4D97-AF65-F5344CB8AC3E}">
-        <p14:creationId xmlns:p14="http://schemas.microsoft.com/office/powerpoint/2010/main" val="2207132643"/>
+        <p14:creationId xmlns:p14="http://schemas.microsoft.com/office/powerpoint/2010/main" val="3964479482"/>
       </p:ext>
     </p:extLst>
   </p:cSld>
@@ -8624,10 +7244,10 @@
       </p:sp>
       <p:sp>
         <p:nvSpPr>
-          <p:cNvPr id="10" name="모서리가 둥근 직사각형 9">
-            <a:extLst>
-              <a:ext uri="{FF2B5EF4-FFF2-40B4-BE49-F238E27FC236}">
-                <a16:creationId xmlns:a16="http://schemas.microsoft.com/office/drawing/2014/main" xmlns="" id="{C5146231-6C8A-1246-B88B-938550474F2E}"/>
+          <p:cNvPr id="13" name="직사각형 12">
+            <a:extLst>
+              <a:ext uri="{FF2B5EF4-FFF2-40B4-BE49-F238E27FC236}">
+                <a16:creationId xmlns:a16="http://schemas.microsoft.com/office/drawing/2014/main" xmlns="" id="{C1198BDD-CC97-3E43-A063-3FFF1B53F206}"/>
               </a:ext>
             </a:extLst>
           </p:cNvPr>
@@ -8636,16 +7256,14 @@
         </p:nvSpPr>
         <p:spPr>
           <a:xfrm>
-            <a:off x="5171838" y="2489791"/>
-            <a:ext cx="1848323" cy="234616"/>
-          </a:xfrm>
-          <a:prstGeom prst="roundRect">
-            <a:avLst>
-              <a:gd name="adj" fmla="val 12230"/>
-            </a:avLst>
+            <a:off x="4894025" y="3716313"/>
+            <a:ext cx="2403951" cy="722021"/>
+          </a:xfrm>
+          <a:prstGeom prst="rect">
+            <a:avLst/>
           </a:prstGeom>
           <a:solidFill>
-            <a:srgbClr val="F6F6F6"/>
+            <a:schemeClr val="bg1"/>
           </a:solidFill>
           <a:ln>
             <a:solidFill>
@@ -8672,26 +7290,115 @@
           </a:fontRef>
         </p:style>
         <p:txBody>
-          <a:bodyPr rot="0" spcFirstLastPara="0" vertOverflow="overflow" horzOverflow="overflow" vert="horz" wrap="square" lIns="91440" tIns="45720" rIns="91440" bIns="45720" numCol="1" spcCol="0" rtlCol="0" fromWordArt="0" anchor="ctr" anchorCtr="0" forceAA="0" compatLnSpc="1">
-            <a:prstTxWarp prst="textNoShape">
-              <a:avLst/>
-            </a:prstTxWarp>
-            <a:noAutofit/>
+          <a:bodyPr rtlCol="0" anchor="ctr"/>
+          <a:lstStyle/>
+          <a:p>
+            <a:pPr algn="ctr"/>
+            <a:endParaRPr kumimoji="1" lang="ko-KR" altLang="en-US" dirty="0"/>
+          </a:p>
+        </p:txBody>
+      </p:sp>
+      <p:sp>
+        <p:nvSpPr>
+          <p:cNvPr id="14" name="TextBox 13">
+            <a:extLst>
+              <a:ext uri="{FF2B5EF4-FFF2-40B4-BE49-F238E27FC236}">
+                <a16:creationId xmlns:a16="http://schemas.microsoft.com/office/drawing/2014/main" xmlns="" id="{2D75EC22-FEC0-1C47-B79E-BF8D3F36BC3B}"/>
+              </a:ext>
+            </a:extLst>
+          </p:cNvPr>
+          <p:cNvSpPr txBox="1"/>
+          <p:nvPr/>
+        </p:nvSpPr>
+        <p:spPr>
+          <a:xfrm>
+            <a:off x="5080206" y="3890953"/>
+            <a:ext cx="2045753" cy="246221"/>
+          </a:xfrm>
+          <a:prstGeom prst="rect">
+            <a:avLst/>
+          </a:prstGeom>
+          <a:noFill/>
+        </p:spPr>
+        <p:txBody>
+          <a:bodyPr wrap="none" rtlCol="0">
+            <a:spAutoFit/>
           </a:bodyPr>
           <a:lstStyle/>
           <a:p>
             <a:pPr algn="ctr"/>
             <a:r>
-              <a:rPr kumimoji="1" lang="en-US" altLang="ko-KR" sz="1000" dirty="0">
+              <a:rPr kumimoji="1" lang="ko-KR" altLang="en-US" sz="1000" dirty="0"/>
+              <a:t>다른 계정을 사용하려면</a:t>
+            </a:r>
+            <a:r>
+              <a:rPr kumimoji="1" lang="en-US" altLang="ko-KR" sz="1000" dirty="0"/>
+              <a:t>?</a:t>
+            </a:r>
+            <a:r>
+              <a:rPr kumimoji="1" lang="ko-KR" altLang="en-US" sz="1000" dirty="0"/>
+              <a:t> </a:t>
+            </a:r>
+            <a:r>
+              <a:rPr kumimoji="1" lang="ko-KR" altLang="en-US" sz="1000" dirty="0">
+                <a:solidFill>
+                  <a:srgbClr val="00B0F0"/>
+                </a:solidFill>
+              </a:rPr>
+              <a:t>로그인</a:t>
+            </a:r>
+          </a:p>
+        </p:txBody>
+      </p:sp>
+      <p:sp>
+        <p:nvSpPr>
+          <p:cNvPr id="15" name="TextBox 14">
+            <a:extLst>
+              <a:ext uri="{FF2B5EF4-FFF2-40B4-BE49-F238E27FC236}">
+                <a16:creationId xmlns:a16="http://schemas.microsoft.com/office/drawing/2014/main" xmlns="" id="{4B6ED008-8A6C-074B-B622-68BE2BA06CC7}"/>
+              </a:ext>
+            </a:extLst>
+          </p:cNvPr>
+          <p:cNvSpPr txBox="1"/>
+          <p:nvPr/>
+        </p:nvSpPr>
+        <p:spPr>
+          <a:xfrm>
+            <a:off x="5525535" y="4131895"/>
+            <a:ext cx="1141659" cy="253916"/>
+          </a:xfrm>
+          <a:prstGeom prst="rect">
+            <a:avLst/>
+          </a:prstGeom>
+          <a:noFill/>
+        </p:spPr>
+        <p:txBody>
+          <a:bodyPr wrap="none" rtlCol="0">
+            <a:spAutoFit/>
+          </a:bodyPr>
+          <a:lstStyle/>
+          <a:p>
+            <a:r>
+              <a:rPr kumimoji="1" lang="en-US" altLang="ko-KR" sz="1050" dirty="0">
                 <a:solidFill>
                   <a:schemeClr val="bg1">
                     <a:lumMod val="50000"/>
                   </a:schemeClr>
                 </a:solidFill>
               </a:rPr>
-              <a:t>Password</a:t>
-            </a:r>
-            <a:endParaRPr kumimoji="1" lang="ko-KR" altLang="en-US" sz="1000" dirty="0">
+              <a:t>@ </a:t>
+            </a:r>
+            <a:r>
+              <a:rPr kumimoji="1" lang="en-US" altLang="ko-KR" sz="1050" dirty="0" err="1">
+                <a:solidFill>
+                  <a:schemeClr val="bg1">
+                    <a:lumMod val="50000"/>
+                  </a:schemeClr>
+                </a:solidFill>
+              </a:rPr>
+              <a:t>about_JCube</a:t>
+            </a:r>
+            <a:endParaRPr kumimoji="1" lang="en-US" altLang="ko-KR" sz="1050" dirty="0">
               <a:solidFill>
                 <a:schemeClr val="bg1">
                   <a:lumMod val="50000"/>
@@ -8703,10 +7410,10 @@
       </p:sp>
       <p:sp>
         <p:nvSpPr>
-          <p:cNvPr id="11" name="모서리가 둥근 직사각형 10">
-            <a:extLst>
-              <a:ext uri="{FF2B5EF4-FFF2-40B4-BE49-F238E27FC236}">
-                <a16:creationId xmlns:a16="http://schemas.microsoft.com/office/drawing/2014/main" xmlns="" id="{431DDE67-59BE-C741-A92A-B9FDB6578F05}"/>
+          <p:cNvPr id="16" name="직사각형 15">
+            <a:extLst>
+              <a:ext uri="{FF2B5EF4-FFF2-40B4-BE49-F238E27FC236}">
+                <a16:creationId xmlns:a16="http://schemas.microsoft.com/office/drawing/2014/main" xmlns="" id="{C2A1CFDE-104A-6548-A6F5-86CCCD43C3C6}"/>
               </a:ext>
             </a:extLst>
           </p:cNvPr>
@@ -8715,16 +7422,14 @@
         </p:nvSpPr>
         <p:spPr>
           <a:xfrm>
-            <a:off x="5171838" y="2184991"/>
-            <a:ext cx="1848323" cy="234616"/>
-          </a:xfrm>
-          <a:prstGeom prst="roundRect">
-            <a:avLst>
-              <a:gd name="adj" fmla="val 12230"/>
-            </a:avLst>
+            <a:off x="4894025" y="4519769"/>
+            <a:ext cx="2403951" cy="722021"/>
+          </a:xfrm>
+          <a:prstGeom prst="rect">
+            <a:avLst/>
           </a:prstGeom>
           <a:solidFill>
-            <a:srgbClr val="F6F6F6"/>
+            <a:schemeClr val="bg1"/>
           </a:solidFill>
           <a:ln>
             <a:solidFill>
@@ -8751,41 +7456,20 @@
           </a:fontRef>
         </p:style>
         <p:txBody>
-          <a:bodyPr rot="0" spcFirstLastPara="0" vertOverflow="overflow" horzOverflow="overflow" vert="horz" wrap="square" lIns="91440" tIns="45720" rIns="91440" bIns="45720" numCol="1" spcCol="0" rtlCol="0" fromWordArt="0" anchor="ctr" anchorCtr="0" forceAA="0" compatLnSpc="1">
-            <a:prstTxWarp prst="textNoShape">
-              <a:avLst/>
-            </a:prstTxWarp>
-            <a:noAutofit/>
-          </a:bodyPr>
+          <a:bodyPr rtlCol="0" anchor="ctr"/>
           <a:lstStyle/>
           <a:p>
             <a:pPr algn="ctr"/>
-            <a:r>
-              <a:rPr kumimoji="1" lang="en-US" altLang="ko-KR" sz="1000" dirty="0">
-                <a:solidFill>
-                  <a:schemeClr val="bg1">
-                    <a:lumMod val="50000"/>
-                  </a:schemeClr>
-                </a:solidFill>
-              </a:rPr>
-              <a:t>Username</a:t>
-            </a:r>
-            <a:endParaRPr kumimoji="1" lang="ko-KR" altLang="en-US" sz="1000" dirty="0">
-              <a:solidFill>
-                <a:schemeClr val="bg1">
-                  <a:lumMod val="50000"/>
-                </a:schemeClr>
-              </a:solidFill>
-            </a:endParaRPr>
-          </a:p>
-        </p:txBody>
-      </p:sp>
-      <p:sp>
-        <p:nvSpPr>
-          <p:cNvPr id="12" name="모서리가 둥근 직사각형 11">
-            <a:extLst>
-              <a:ext uri="{FF2B5EF4-FFF2-40B4-BE49-F238E27FC236}">
-                <a16:creationId xmlns:a16="http://schemas.microsoft.com/office/drawing/2014/main" xmlns="" id="{C5488FC6-282C-7148-82F7-288317848D5E}"/>
+            <a:endParaRPr kumimoji="1" lang="ko-KR" altLang="en-US" dirty="0"/>
+          </a:p>
+        </p:txBody>
+      </p:sp>
+      <p:sp>
+        <p:nvSpPr>
+          <p:cNvPr id="21" name="모서리가 둥근 직사각형 20">
+            <a:extLst>
+              <a:ext uri="{FF2B5EF4-FFF2-40B4-BE49-F238E27FC236}">
+                <a16:creationId xmlns:a16="http://schemas.microsoft.com/office/drawing/2014/main" xmlns="" id="{EA113DB3-6898-EF41-A8EF-F40F5C1C3CAA}"/>
               </a:ext>
             </a:extLst>
           </p:cNvPr>
@@ -8794,8 +7478,8 @@
         </p:nvSpPr>
         <p:spPr>
           <a:xfrm>
-            <a:off x="5171838" y="3121959"/>
-            <a:ext cx="1848323" cy="234616"/>
+            <a:off x="5171838" y="4724642"/>
+            <a:ext cx="1848323" cy="312275"/>
           </a:xfrm>
           <a:prstGeom prst="roundRect">
             <a:avLst>
@@ -8838,157 +7522,22 @@
           <a:p>
             <a:pPr algn="ctr"/>
             <a:r>
-              <a:rPr kumimoji="1" lang="ko-KR" altLang="en-US" sz="1000" dirty="0">
+              <a:rPr kumimoji="1" lang="ko-KR" altLang="en-US" sz="1000" b="1" dirty="0">
                 <a:solidFill>
                   <a:schemeClr val="bg1"/>
                 </a:solidFill>
               </a:rPr>
-              <a:t>로그인</a:t>
-            </a:r>
-          </a:p>
-        </p:txBody>
-      </p:sp>
-      <p:sp>
-        <p:nvSpPr>
-          <p:cNvPr id="17" name="모서리가 둥근 직사각형 16">
-            <a:extLst>
-              <a:ext uri="{FF2B5EF4-FFF2-40B4-BE49-F238E27FC236}">
-                <a16:creationId xmlns:a16="http://schemas.microsoft.com/office/drawing/2014/main" xmlns="" id="{E2BABE5E-2C5B-1544-9595-954E364F1BF3}"/>
-              </a:ext>
-            </a:extLst>
-          </p:cNvPr>
-          <p:cNvSpPr/>
-          <p:nvPr/>
-        </p:nvSpPr>
-        <p:spPr>
-          <a:xfrm>
-            <a:off x="5171838" y="2788037"/>
-            <a:ext cx="1848323" cy="234616"/>
-          </a:xfrm>
-          <a:prstGeom prst="roundRect">
-            <a:avLst>
-              <a:gd name="adj" fmla="val 12230"/>
-            </a:avLst>
-          </a:prstGeom>
-          <a:solidFill>
-            <a:srgbClr val="F6F6F6"/>
-          </a:solidFill>
-          <a:ln>
-            <a:solidFill>
-              <a:schemeClr val="bg1">
-                <a:lumMod val="75000"/>
-              </a:schemeClr>
-            </a:solidFill>
-          </a:ln>
-        </p:spPr>
-        <p:style>
-          <a:lnRef idx="2">
-            <a:schemeClr val="accent1">
-              <a:shade val="50000"/>
-            </a:schemeClr>
-          </a:lnRef>
-          <a:fillRef idx="1">
-            <a:schemeClr val="accent1"/>
-          </a:fillRef>
-          <a:effectRef idx="0">
-            <a:schemeClr val="accent1"/>
-          </a:effectRef>
-          <a:fontRef idx="minor">
-            <a:schemeClr val="lt1"/>
-          </a:fontRef>
-        </p:style>
-        <p:txBody>
-          <a:bodyPr rot="0" spcFirstLastPara="0" vertOverflow="overflow" horzOverflow="overflow" vert="horz" wrap="square" lIns="91440" tIns="45720" rIns="91440" bIns="45720" numCol="1" spcCol="0" rtlCol="0" fromWordArt="0" anchor="ctr" anchorCtr="0" forceAA="0" compatLnSpc="1">
-            <a:prstTxWarp prst="textNoShape">
-              <a:avLst/>
-            </a:prstTxWarp>
-            <a:noAutofit/>
-          </a:bodyPr>
-          <a:lstStyle/>
-          <a:p>
-            <a:pPr algn="ctr"/>
-            <a:r>
-              <a:rPr kumimoji="1" lang="en-US" altLang="ko-KR" sz="1000" dirty="0">
-                <a:solidFill>
-                  <a:schemeClr val="bg1">
-                    <a:lumMod val="50000"/>
-                  </a:schemeClr>
-                </a:solidFill>
-              </a:rPr>
-              <a:t>Confirm Password</a:t>
-            </a:r>
-            <a:endParaRPr kumimoji="1" lang="ko-KR" altLang="en-US" sz="1000" dirty="0">
-              <a:solidFill>
-                <a:schemeClr val="bg1">
-                  <a:lumMod val="50000"/>
-                </a:schemeClr>
-              </a:solidFill>
-            </a:endParaRPr>
-          </a:p>
-        </p:txBody>
-      </p:sp>
-      <p:sp>
-        <p:nvSpPr>
-          <p:cNvPr id="13" name="직사각형 12">
-            <a:extLst>
-              <a:ext uri="{FF2B5EF4-FFF2-40B4-BE49-F238E27FC236}">
-                <a16:creationId xmlns:a16="http://schemas.microsoft.com/office/drawing/2014/main" xmlns="" id="{C1198BDD-CC97-3E43-A063-3FFF1B53F206}"/>
-              </a:ext>
-            </a:extLst>
-          </p:cNvPr>
-          <p:cNvSpPr/>
-          <p:nvPr/>
-        </p:nvSpPr>
-        <p:spPr>
-          <a:xfrm>
-            <a:off x="4894025" y="3716313"/>
-            <a:ext cx="2403951" cy="722021"/>
-          </a:xfrm>
-          <a:prstGeom prst="rect">
-            <a:avLst/>
-          </a:prstGeom>
-          <a:solidFill>
-            <a:schemeClr val="bg1"/>
-          </a:solidFill>
-          <a:ln>
-            <a:solidFill>
-              <a:schemeClr val="bg1">
-                <a:lumMod val="75000"/>
-              </a:schemeClr>
-            </a:solidFill>
-          </a:ln>
-        </p:spPr>
-        <p:style>
-          <a:lnRef idx="2">
-            <a:schemeClr val="accent1">
-              <a:shade val="50000"/>
-            </a:schemeClr>
-          </a:lnRef>
-          <a:fillRef idx="1">
-            <a:schemeClr val="accent1"/>
-          </a:fillRef>
-          <a:effectRef idx="0">
-            <a:schemeClr val="accent1"/>
-          </a:effectRef>
-          <a:fontRef idx="minor">
-            <a:schemeClr val="lt1"/>
-          </a:fontRef>
-        </p:style>
-        <p:txBody>
-          <a:bodyPr rtlCol="0" anchor="ctr"/>
-          <a:lstStyle/>
-          <a:p>
-            <a:pPr algn="ctr"/>
-            <a:endParaRPr kumimoji="1" lang="ko-KR" altLang="en-US" dirty="0"/>
-          </a:p>
-        </p:txBody>
-      </p:sp>
-      <p:sp>
-        <p:nvSpPr>
-          <p:cNvPr id="14" name="TextBox 13">
-            <a:extLst>
-              <a:ext uri="{FF2B5EF4-FFF2-40B4-BE49-F238E27FC236}">
-                <a16:creationId xmlns:a16="http://schemas.microsoft.com/office/drawing/2014/main" xmlns="" id="{2D75EC22-FEC0-1C47-B79E-BF8D3F36BC3B}"/>
+              <a:t>비회원 입장</a:t>
+            </a:r>
+          </a:p>
+        </p:txBody>
+      </p:sp>
+      <p:sp>
+        <p:nvSpPr>
+          <p:cNvPr id="19" name="TextBox 18">
+            <a:extLst>
+              <a:ext uri="{FF2B5EF4-FFF2-40B4-BE49-F238E27FC236}">
+                <a16:creationId xmlns:a16="http://schemas.microsoft.com/office/drawing/2014/main" xmlns="" id="{314C8372-ECD8-DB49-937C-CD4D47D9B04E}"/>
               </a:ext>
             </a:extLst>
           </p:cNvPr>
@@ -8997,8 +7546,8 @@
         </p:nvSpPr>
         <p:spPr>
           <a:xfrm>
-            <a:off x="5080206" y="3890953"/>
-            <a:ext cx="2045753" cy="246221"/>
+            <a:off x="5423250" y="2785002"/>
+            <a:ext cx="1359668" cy="246221"/>
           </a:xfrm>
           <a:prstGeom prst="rect">
             <a:avLst/>
@@ -9014,33 +7563,26 @@
             <a:pPr algn="ctr"/>
             <a:r>
               <a:rPr kumimoji="1" lang="ko-KR" altLang="en-US" sz="1000" dirty="0"/>
-              <a:t>있는 계정을 사용하려면</a:t>
+              <a:t>지금 계정으로 입장</a:t>
             </a:r>
             <a:r>
               <a:rPr kumimoji="1" lang="en-US" altLang="ko-KR" sz="1000" dirty="0"/>
               <a:t>?</a:t>
             </a:r>
-            <a:r>
-              <a:rPr kumimoji="1" lang="ko-KR" altLang="en-US" sz="1000" dirty="0"/>
-              <a:t> </a:t>
-            </a:r>
-            <a:r>
-              <a:rPr kumimoji="1" lang="ko-KR" altLang="en-US" sz="1000" dirty="0">
-                <a:solidFill>
-                  <a:srgbClr val="00B0F0"/>
-                </a:solidFill>
-              </a:rPr>
-              <a:t>로그인</a:t>
-            </a:r>
-          </a:p>
-        </p:txBody>
-      </p:sp>
-      <p:sp>
-        <p:nvSpPr>
-          <p:cNvPr id="15" name="TextBox 14">
-            <a:extLst>
-              <a:ext uri="{FF2B5EF4-FFF2-40B4-BE49-F238E27FC236}">
-                <a16:creationId xmlns:a16="http://schemas.microsoft.com/office/drawing/2014/main" xmlns="" id="{4B6ED008-8A6C-074B-B622-68BE2BA06CC7}"/>
+            <a:endParaRPr kumimoji="1" lang="ko-KR" altLang="en-US" sz="1000" dirty="0">
+              <a:solidFill>
+                <a:srgbClr val="00B0F0"/>
+              </a:solidFill>
+            </a:endParaRPr>
+          </a:p>
+        </p:txBody>
+      </p:sp>
+      <p:sp>
+        <p:nvSpPr>
+          <p:cNvPr id="20" name="TextBox 19">
+            <a:extLst>
+              <a:ext uri="{FF2B5EF4-FFF2-40B4-BE49-F238E27FC236}">
+                <a16:creationId xmlns:a16="http://schemas.microsoft.com/office/drawing/2014/main" xmlns="" id="{4C2ABC4A-20F0-664E-94FD-BD2550BC8391}"/>
               </a:ext>
             </a:extLst>
           </p:cNvPr>
@@ -9049,8 +7591,8 @@
         </p:nvSpPr>
         <p:spPr>
           <a:xfrm>
-            <a:off x="5525535" y="4131895"/>
-            <a:ext cx="1141659" cy="253916"/>
+            <a:off x="5327684" y="2246224"/>
+            <a:ext cx="1536639" cy="338554"/>
           </a:xfrm>
           <a:prstGeom prst="rect">
             <a:avLst/>
@@ -9063,98 +7605,62 @@
           </a:bodyPr>
           <a:lstStyle/>
           <a:p>
-            <a:r>
-              <a:rPr kumimoji="1" lang="en-US" altLang="ko-KR" sz="1050" dirty="0">
-                <a:solidFill>
-                  <a:schemeClr val="bg1">
-                    <a:lumMod val="50000"/>
-                  </a:schemeClr>
-                </a:solidFill>
-              </a:rPr>
-              <a:t>@ </a:t>
-            </a:r>
-            <a:r>
-              <a:rPr kumimoji="1" lang="en-US" altLang="ko-KR" sz="1050" dirty="0" err="1">
-                <a:solidFill>
-                  <a:schemeClr val="bg1">
-                    <a:lumMod val="50000"/>
-                  </a:schemeClr>
-                </a:solidFill>
-              </a:rPr>
-              <a:t>about_JCube</a:t>
-            </a:r>
-            <a:endParaRPr kumimoji="1" lang="en-US" altLang="ko-KR" sz="1050" dirty="0">
-              <a:solidFill>
-                <a:schemeClr val="bg1">
-                  <a:lumMod val="50000"/>
-                </a:schemeClr>
-              </a:solidFill>
-            </a:endParaRPr>
-          </a:p>
-        </p:txBody>
-      </p:sp>
-      <p:sp>
-        <p:nvSpPr>
-          <p:cNvPr id="16" name="직사각형 15">
-            <a:extLst>
-              <a:ext uri="{FF2B5EF4-FFF2-40B4-BE49-F238E27FC236}">
-                <a16:creationId xmlns:a16="http://schemas.microsoft.com/office/drawing/2014/main" xmlns="" id="{C2A1CFDE-104A-6548-A6F5-86CCCD43C3C6}"/>
-              </a:ext>
-            </a:extLst>
-          </p:cNvPr>
-          <p:cNvSpPr/>
-          <p:nvPr/>
-        </p:nvSpPr>
-        <p:spPr>
-          <a:xfrm>
-            <a:off x="4894025" y="4519769"/>
-            <a:ext cx="2403951" cy="722021"/>
-          </a:xfrm>
-          <a:prstGeom prst="rect">
+            <a:pPr algn="ctr"/>
+            <a:r>
+              <a:rPr kumimoji="1" lang="en-US" altLang="ko-KR" sz="1600" dirty="0"/>
+              <a:t>redLoadEast13</a:t>
+            </a:r>
+            <a:endParaRPr kumimoji="1" lang="ko-KR" altLang="en-US" sz="1600" dirty="0"/>
+          </a:p>
+        </p:txBody>
+      </p:sp>
+      <p:cxnSp>
+        <p:nvCxnSpPr>
+          <p:cNvPr id="24" name="직선 연결선[R] 23">
+            <a:extLst>
+              <a:ext uri="{FF2B5EF4-FFF2-40B4-BE49-F238E27FC236}">
+                <a16:creationId xmlns:a16="http://schemas.microsoft.com/office/drawing/2014/main" xmlns="" id="{7B185AE7-DD27-6641-A29E-B889C86AEC4D}"/>
+              </a:ext>
+            </a:extLst>
+          </p:cNvPr>
+          <p:cNvCxnSpPr/>
+          <p:nvPr/>
+        </p:nvCxnSpPr>
+        <p:spPr>
+          <a:xfrm>
+            <a:off x="5325648" y="2584778"/>
+            <a:ext cx="1529947" cy="0"/>
+          </a:xfrm>
+          <a:prstGeom prst="line">
             <a:avLst/>
           </a:prstGeom>
-          <a:solidFill>
-            <a:schemeClr val="bg1"/>
-          </a:solidFill>
           <a:ln>
             <a:solidFill>
-              <a:schemeClr val="bg1">
-                <a:lumMod val="75000"/>
-              </a:schemeClr>
+              <a:srgbClr val="00B0F0"/>
             </a:solidFill>
           </a:ln>
         </p:spPr>
         <p:style>
-          <a:lnRef idx="2">
-            <a:schemeClr val="accent1">
-              <a:shade val="50000"/>
-            </a:schemeClr>
+          <a:lnRef idx="1">
+            <a:schemeClr val="accent1"/>
           </a:lnRef>
-          <a:fillRef idx="1">
+          <a:fillRef idx="0">
             <a:schemeClr val="accent1"/>
           </a:fillRef>
           <a:effectRef idx="0">
             <a:schemeClr val="accent1"/>
           </a:effectRef>
           <a:fontRef idx="minor">
-            <a:schemeClr val="lt1"/>
+            <a:schemeClr val="tx1"/>
           </a:fontRef>
         </p:style>
-        <p:txBody>
-          <a:bodyPr rtlCol="0" anchor="ctr"/>
-          <a:lstStyle/>
-          <a:p>
-            <a:pPr algn="ctr"/>
-            <a:endParaRPr kumimoji="1" lang="ko-KR" altLang="en-US" dirty="0"/>
-          </a:p>
-        </p:txBody>
-      </p:sp>
-      <p:sp>
-        <p:nvSpPr>
-          <p:cNvPr id="21" name="모서리가 둥근 직사각형 20">
-            <a:extLst>
-              <a:ext uri="{FF2B5EF4-FFF2-40B4-BE49-F238E27FC236}">
-                <a16:creationId xmlns:a16="http://schemas.microsoft.com/office/drawing/2014/main" xmlns="" id="{EA113DB3-6898-EF41-A8EF-F40F5C1C3CAA}"/>
+      </p:cxnSp>
+      <p:sp>
+        <p:nvSpPr>
+          <p:cNvPr id="25" name="모서리가 둥근 직사각형 24">
+            <a:extLst>
+              <a:ext uri="{FF2B5EF4-FFF2-40B4-BE49-F238E27FC236}">
+                <a16:creationId xmlns:a16="http://schemas.microsoft.com/office/drawing/2014/main" xmlns="" id="{4D54DDCA-05D6-254F-98FE-5846446CF0D5}"/>
               </a:ext>
             </a:extLst>
           </p:cNvPr>
@@ -9163,8 +7669,8 @@
         </p:nvSpPr>
         <p:spPr>
           <a:xfrm>
-            <a:off x="5171838" y="4724642"/>
-            <a:ext cx="1848323" cy="312275"/>
+            <a:off x="5171838" y="3121959"/>
+            <a:ext cx="1848323" cy="234616"/>
           </a:xfrm>
           <a:prstGeom prst="roundRect">
             <a:avLst>
@@ -9207,617 +7713,6 @@
           <a:p>
             <a:pPr algn="ctr"/>
             <a:r>
-              <a:rPr kumimoji="1" lang="ko-KR" altLang="en-US" sz="1000" b="1" dirty="0">
-                <a:solidFill>
-                  <a:schemeClr val="bg1"/>
-                </a:solidFill>
-              </a:rPr>
-              <a:t>비회원 입장</a:t>
-            </a:r>
-          </a:p>
-        </p:txBody>
-      </p:sp>
-    </p:spTree>
-    <p:extLst>
-      <p:ext uri="{BB962C8B-B14F-4D97-AF65-F5344CB8AC3E}">
-        <p14:creationId xmlns:p14="http://schemas.microsoft.com/office/powerpoint/2010/main" val="3964479482"/>
-      </p:ext>
-    </p:extLst>
-  </p:cSld>
-  <p:clrMapOvr>
-    <a:masterClrMapping/>
-  </p:clrMapOvr>
-</p:sld>
-</file>
-
-<file path=ppt/slides/slide13.xml><?xml version="1.0" encoding="utf-8"?>
-<p:sld xmlns:a="http://schemas.openxmlformats.org/drawingml/2006/main" xmlns:r="http://schemas.openxmlformats.org/officeDocument/2006/relationships" xmlns:p="http://schemas.openxmlformats.org/presentationml/2006/main">
-  <p:cSld>
-    <p:spTree>
-      <p:nvGrpSpPr>
-        <p:cNvPr id="1" name=""/>
-        <p:cNvGrpSpPr/>
-        <p:nvPr/>
-      </p:nvGrpSpPr>
-      <p:grpSpPr>
-        <a:xfrm>
-          <a:off x="0" y="0"/>
-          <a:ext cx="0" cy="0"/>
-          <a:chOff x="0" y="0"/>
-          <a:chExt cx="0" cy="0"/>
-        </a:xfrm>
-      </p:grpSpPr>
-      <p:sp>
-        <p:nvSpPr>
-          <p:cNvPr id="22" name="직사각형 21">
-            <a:extLst>
-              <a:ext uri="{FF2B5EF4-FFF2-40B4-BE49-F238E27FC236}">
-                <a16:creationId xmlns:a16="http://schemas.microsoft.com/office/drawing/2014/main" xmlns="" id="{67DAD890-3198-BA45-93A2-9FC369045AAE}"/>
-              </a:ext>
-            </a:extLst>
-          </p:cNvPr>
-          <p:cNvSpPr/>
-          <p:nvPr/>
-        </p:nvSpPr>
-        <p:spPr>
-          <a:xfrm>
-            <a:off x="4894025" y="1312130"/>
-            <a:ext cx="2403951" cy="2333999"/>
-          </a:xfrm>
-          <a:prstGeom prst="rect">
-            <a:avLst/>
-          </a:prstGeom>
-          <a:solidFill>
-            <a:schemeClr val="bg1"/>
-          </a:solidFill>
-          <a:ln>
-            <a:solidFill>
-              <a:schemeClr val="bg1">
-                <a:lumMod val="75000"/>
-              </a:schemeClr>
-            </a:solidFill>
-          </a:ln>
-        </p:spPr>
-        <p:style>
-          <a:lnRef idx="2">
-            <a:schemeClr val="accent1">
-              <a:shade val="50000"/>
-            </a:schemeClr>
-          </a:lnRef>
-          <a:fillRef idx="1">
-            <a:schemeClr val="accent1"/>
-          </a:fillRef>
-          <a:effectRef idx="0">
-            <a:schemeClr val="accent1"/>
-          </a:effectRef>
-          <a:fontRef idx="minor">
-            <a:schemeClr val="lt1"/>
-          </a:fontRef>
-        </p:style>
-        <p:txBody>
-          <a:bodyPr rtlCol="0" anchor="ctr"/>
-          <a:lstStyle/>
-          <a:p>
-            <a:pPr algn="ctr"/>
-            <a:endParaRPr kumimoji="1" lang="ko-KR" altLang="en-US" dirty="0"/>
-          </a:p>
-        </p:txBody>
-      </p:sp>
-      <p:sp>
-        <p:nvSpPr>
-          <p:cNvPr id="23" name="TextBox 22">
-            <a:extLst>
-              <a:ext uri="{FF2B5EF4-FFF2-40B4-BE49-F238E27FC236}">
-                <a16:creationId xmlns:a16="http://schemas.microsoft.com/office/drawing/2014/main" xmlns="" id="{0A800E18-9E00-4141-8070-3B6B1C9ADF94}"/>
-              </a:ext>
-            </a:extLst>
-          </p:cNvPr>
-          <p:cNvSpPr txBox="1"/>
-          <p:nvPr/>
-        </p:nvSpPr>
-        <p:spPr>
-          <a:xfrm>
-            <a:off x="5695893" y="1465272"/>
-            <a:ext cx="800219" cy="584775"/>
-          </a:xfrm>
-          <a:prstGeom prst="rect">
-            <a:avLst/>
-          </a:prstGeom>
-          <a:noFill/>
-        </p:spPr>
-        <p:txBody>
-          <a:bodyPr wrap="none" rtlCol="0">
-            <a:spAutoFit/>
-          </a:bodyPr>
-          <a:lstStyle/>
-          <a:p>
-            <a:pPr algn="ctr"/>
-            <a:r>
-              <a:rPr kumimoji="1" lang="ko-KR" altLang="en-US" sz="1600" b="1" dirty="0"/>
-              <a:t>활빈당</a:t>
-            </a:r>
-            <a:endParaRPr kumimoji="1" lang="en-US" altLang="ko-KR" sz="1600" b="1" dirty="0"/>
-          </a:p>
-          <a:p>
-            <a:pPr algn="ctr"/>
-            <a:r>
-              <a:rPr kumimoji="1" lang="ko-KR" altLang="en-US" sz="1600" b="1" dirty="0"/>
-              <a:t>입장</a:t>
-            </a:r>
-          </a:p>
-        </p:txBody>
-      </p:sp>
-      <p:sp>
-        <p:nvSpPr>
-          <p:cNvPr id="13" name="직사각형 12">
-            <a:extLst>
-              <a:ext uri="{FF2B5EF4-FFF2-40B4-BE49-F238E27FC236}">
-                <a16:creationId xmlns:a16="http://schemas.microsoft.com/office/drawing/2014/main" xmlns="" id="{C1198BDD-CC97-3E43-A063-3FFF1B53F206}"/>
-              </a:ext>
-            </a:extLst>
-          </p:cNvPr>
-          <p:cNvSpPr/>
-          <p:nvPr/>
-        </p:nvSpPr>
-        <p:spPr>
-          <a:xfrm>
-            <a:off x="4894025" y="3716313"/>
-            <a:ext cx="2403951" cy="722021"/>
-          </a:xfrm>
-          <a:prstGeom prst="rect">
-            <a:avLst/>
-          </a:prstGeom>
-          <a:solidFill>
-            <a:schemeClr val="bg1"/>
-          </a:solidFill>
-          <a:ln>
-            <a:solidFill>
-              <a:schemeClr val="bg1">
-                <a:lumMod val="75000"/>
-              </a:schemeClr>
-            </a:solidFill>
-          </a:ln>
-        </p:spPr>
-        <p:style>
-          <a:lnRef idx="2">
-            <a:schemeClr val="accent1">
-              <a:shade val="50000"/>
-            </a:schemeClr>
-          </a:lnRef>
-          <a:fillRef idx="1">
-            <a:schemeClr val="accent1"/>
-          </a:fillRef>
-          <a:effectRef idx="0">
-            <a:schemeClr val="accent1"/>
-          </a:effectRef>
-          <a:fontRef idx="minor">
-            <a:schemeClr val="lt1"/>
-          </a:fontRef>
-        </p:style>
-        <p:txBody>
-          <a:bodyPr rtlCol="0" anchor="ctr"/>
-          <a:lstStyle/>
-          <a:p>
-            <a:pPr algn="ctr"/>
-            <a:endParaRPr kumimoji="1" lang="ko-KR" altLang="en-US" dirty="0"/>
-          </a:p>
-        </p:txBody>
-      </p:sp>
-      <p:sp>
-        <p:nvSpPr>
-          <p:cNvPr id="14" name="TextBox 13">
-            <a:extLst>
-              <a:ext uri="{FF2B5EF4-FFF2-40B4-BE49-F238E27FC236}">
-                <a16:creationId xmlns:a16="http://schemas.microsoft.com/office/drawing/2014/main" xmlns="" id="{2D75EC22-FEC0-1C47-B79E-BF8D3F36BC3B}"/>
-              </a:ext>
-            </a:extLst>
-          </p:cNvPr>
-          <p:cNvSpPr txBox="1"/>
-          <p:nvPr/>
-        </p:nvSpPr>
-        <p:spPr>
-          <a:xfrm>
-            <a:off x="5080206" y="3890953"/>
-            <a:ext cx="2045753" cy="246221"/>
-          </a:xfrm>
-          <a:prstGeom prst="rect">
-            <a:avLst/>
-          </a:prstGeom>
-          <a:noFill/>
-        </p:spPr>
-        <p:txBody>
-          <a:bodyPr wrap="none" rtlCol="0">
-            <a:spAutoFit/>
-          </a:bodyPr>
-          <a:lstStyle/>
-          <a:p>
-            <a:pPr algn="ctr"/>
-            <a:r>
-              <a:rPr kumimoji="1" lang="ko-KR" altLang="en-US" sz="1000" dirty="0"/>
-              <a:t>다른 계정을 사용하려면</a:t>
-            </a:r>
-            <a:r>
-              <a:rPr kumimoji="1" lang="en-US" altLang="ko-KR" sz="1000" dirty="0"/>
-              <a:t>?</a:t>
-            </a:r>
-            <a:r>
-              <a:rPr kumimoji="1" lang="ko-KR" altLang="en-US" sz="1000" dirty="0"/>
-              <a:t> </a:t>
-            </a:r>
-            <a:r>
-              <a:rPr kumimoji="1" lang="ko-KR" altLang="en-US" sz="1000" dirty="0">
-                <a:solidFill>
-                  <a:srgbClr val="00B0F0"/>
-                </a:solidFill>
-              </a:rPr>
-              <a:t>로그인</a:t>
-            </a:r>
-          </a:p>
-        </p:txBody>
-      </p:sp>
-      <p:sp>
-        <p:nvSpPr>
-          <p:cNvPr id="15" name="TextBox 14">
-            <a:extLst>
-              <a:ext uri="{FF2B5EF4-FFF2-40B4-BE49-F238E27FC236}">
-                <a16:creationId xmlns:a16="http://schemas.microsoft.com/office/drawing/2014/main" xmlns="" id="{4B6ED008-8A6C-074B-B622-68BE2BA06CC7}"/>
-              </a:ext>
-            </a:extLst>
-          </p:cNvPr>
-          <p:cNvSpPr txBox="1"/>
-          <p:nvPr/>
-        </p:nvSpPr>
-        <p:spPr>
-          <a:xfrm>
-            <a:off x="5525535" y="4131895"/>
-            <a:ext cx="1141659" cy="253916"/>
-          </a:xfrm>
-          <a:prstGeom prst="rect">
-            <a:avLst/>
-          </a:prstGeom>
-          <a:noFill/>
-        </p:spPr>
-        <p:txBody>
-          <a:bodyPr wrap="none" rtlCol="0">
-            <a:spAutoFit/>
-          </a:bodyPr>
-          <a:lstStyle/>
-          <a:p>
-            <a:r>
-              <a:rPr kumimoji="1" lang="en-US" altLang="ko-KR" sz="1050" dirty="0">
-                <a:solidFill>
-                  <a:schemeClr val="bg1">
-                    <a:lumMod val="50000"/>
-                  </a:schemeClr>
-                </a:solidFill>
-              </a:rPr>
-              <a:t>@ </a:t>
-            </a:r>
-            <a:r>
-              <a:rPr kumimoji="1" lang="en-US" altLang="ko-KR" sz="1050" dirty="0" err="1">
-                <a:solidFill>
-                  <a:schemeClr val="bg1">
-                    <a:lumMod val="50000"/>
-                  </a:schemeClr>
-                </a:solidFill>
-              </a:rPr>
-              <a:t>about_JCube</a:t>
-            </a:r>
-            <a:endParaRPr kumimoji="1" lang="en-US" altLang="ko-KR" sz="1050" dirty="0">
-              <a:solidFill>
-                <a:schemeClr val="bg1">
-                  <a:lumMod val="50000"/>
-                </a:schemeClr>
-              </a:solidFill>
-            </a:endParaRPr>
-          </a:p>
-        </p:txBody>
-      </p:sp>
-      <p:sp>
-        <p:nvSpPr>
-          <p:cNvPr id="16" name="직사각형 15">
-            <a:extLst>
-              <a:ext uri="{FF2B5EF4-FFF2-40B4-BE49-F238E27FC236}">
-                <a16:creationId xmlns:a16="http://schemas.microsoft.com/office/drawing/2014/main" xmlns="" id="{C2A1CFDE-104A-6548-A6F5-86CCCD43C3C6}"/>
-              </a:ext>
-            </a:extLst>
-          </p:cNvPr>
-          <p:cNvSpPr/>
-          <p:nvPr/>
-        </p:nvSpPr>
-        <p:spPr>
-          <a:xfrm>
-            <a:off x="4894025" y="4519769"/>
-            <a:ext cx="2403951" cy="722021"/>
-          </a:xfrm>
-          <a:prstGeom prst="rect">
-            <a:avLst/>
-          </a:prstGeom>
-          <a:solidFill>
-            <a:schemeClr val="bg1"/>
-          </a:solidFill>
-          <a:ln>
-            <a:solidFill>
-              <a:schemeClr val="bg1">
-                <a:lumMod val="75000"/>
-              </a:schemeClr>
-            </a:solidFill>
-          </a:ln>
-        </p:spPr>
-        <p:style>
-          <a:lnRef idx="2">
-            <a:schemeClr val="accent1">
-              <a:shade val="50000"/>
-            </a:schemeClr>
-          </a:lnRef>
-          <a:fillRef idx="1">
-            <a:schemeClr val="accent1"/>
-          </a:fillRef>
-          <a:effectRef idx="0">
-            <a:schemeClr val="accent1"/>
-          </a:effectRef>
-          <a:fontRef idx="minor">
-            <a:schemeClr val="lt1"/>
-          </a:fontRef>
-        </p:style>
-        <p:txBody>
-          <a:bodyPr rtlCol="0" anchor="ctr"/>
-          <a:lstStyle/>
-          <a:p>
-            <a:pPr algn="ctr"/>
-            <a:endParaRPr kumimoji="1" lang="ko-KR" altLang="en-US" dirty="0"/>
-          </a:p>
-        </p:txBody>
-      </p:sp>
-      <p:sp>
-        <p:nvSpPr>
-          <p:cNvPr id="21" name="모서리가 둥근 직사각형 20">
-            <a:extLst>
-              <a:ext uri="{FF2B5EF4-FFF2-40B4-BE49-F238E27FC236}">
-                <a16:creationId xmlns:a16="http://schemas.microsoft.com/office/drawing/2014/main" xmlns="" id="{EA113DB3-6898-EF41-A8EF-F40F5C1C3CAA}"/>
-              </a:ext>
-            </a:extLst>
-          </p:cNvPr>
-          <p:cNvSpPr/>
-          <p:nvPr/>
-        </p:nvSpPr>
-        <p:spPr>
-          <a:xfrm>
-            <a:off x="5171838" y="4724642"/>
-            <a:ext cx="1848323" cy="312275"/>
-          </a:xfrm>
-          <a:prstGeom prst="roundRect">
-            <a:avLst>
-              <a:gd name="adj" fmla="val 12230"/>
-            </a:avLst>
-          </a:prstGeom>
-          <a:solidFill>
-            <a:srgbClr val="00A5FA"/>
-          </a:solidFill>
-          <a:ln>
-            <a:solidFill>
-              <a:srgbClr val="00B0F0"/>
-            </a:solidFill>
-          </a:ln>
-        </p:spPr>
-        <p:style>
-          <a:lnRef idx="2">
-            <a:schemeClr val="accent1">
-              <a:shade val="50000"/>
-            </a:schemeClr>
-          </a:lnRef>
-          <a:fillRef idx="1">
-            <a:schemeClr val="accent1"/>
-          </a:fillRef>
-          <a:effectRef idx="0">
-            <a:schemeClr val="accent1"/>
-          </a:effectRef>
-          <a:fontRef idx="minor">
-            <a:schemeClr val="lt1"/>
-          </a:fontRef>
-        </p:style>
-        <p:txBody>
-          <a:bodyPr rot="0" spcFirstLastPara="0" vertOverflow="overflow" horzOverflow="overflow" vert="horz" wrap="square" lIns="91440" tIns="45720" rIns="91440" bIns="45720" numCol="1" spcCol="0" rtlCol="0" fromWordArt="0" anchor="ctr" anchorCtr="0" forceAA="0" compatLnSpc="1">
-            <a:prstTxWarp prst="textNoShape">
-              <a:avLst/>
-            </a:prstTxWarp>
-            <a:noAutofit/>
-          </a:bodyPr>
-          <a:lstStyle/>
-          <a:p>
-            <a:pPr algn="ctr"/>
-            <a:r>
-              <a:rPr kumimoji="1" lang="ko-KR" altLang="en-US" sz="1000" b="1" dirty="0">
-                <a:solidFill>
-                  <a:schemeClr val="bg1"/>
-                </a:solidFill>
-              </a:rPr>
-              <a:t>비회원 입장</a:t>
-            </a:r>
-          </a:p>
-        </p:txBody>
-      </p:sp>
-      <p:sp>
-        <p:nvSpPr>
-          <p:cNvPr id="19" name="TextBox 18">
-            <a:extLst>
-              <a:ext uri="{FF2B5EF4-FFF2-40B4-BE49-F238E27FC236}">
-                <a16:creationId xmlns:a16="http://schemas.microsoft.com/office/drawing/2014/main" xmlns="" id="{314C8372-ECD8-DB49-937C-CD4D47D9B04E}"/>
-              </a:ext>
-            </a:extLst>
-          </p:cNvPr>
-          <p:cNvSpPr txBox="1"/>
-          <p:nvPr/>
-        </p:nvSpPr>
-        <p:spPr>
-          <a:xfrm>
-            <a:off x="5423250" y="2785002"/>
-            <a:ext cx="1359668" cy="246221"/>
-          </a:xfrm>
-          <a:prstGeom prst="rect">
-            <a:avLst/>
-          </a:prstGeom>
-          <a:noFill/>
-        </p:spPr>
-        <p:txBody>
-          <a:bodyPr wrap="none" rtlCol="0">
-            <a:spAutoFit/>
-          </a:bodyPr>
-          <a:lstStyle/>
-          <a:p>
-            <a:pPr algn="ctr"/>
-            <a:r>
-              <a:rPr kumimoji="1" lang="ko-KR" altLang="en-US" sz="1000" dirty="0"/>
-              <a:t>지금 계정으로 입장</a:t>
-            </a:r>
-            <a:r>
-              <a:rPr kumimoji="1" lang="en-US" altLang="ko-KR" sz="1000" dirty="0"/>
-              <a:t>?</a:t>
-            </a:r>
-            <a:endParaRPr kumimoji="1" lang="ko-KR" altLang="en-US" sz="1000" dirty="0">
-              <a:solidFill>
-                <a:srgbClr val="00B0F0"/>
-              </a:solidFill>
-            </a:endParaRPr>
-          </a:p>
-        </p:txBody>
-      </p:sp>
-      <p:sp>
-        <p:nvSpPr>
-          <p:cNvPr id="20" name="TextBox 19">
-            <a:extLst>
-              <a:ext uri="{FF2B5EF4-FFF2-40B4-BE49-F238E27FC236}">
-                <a16:creationId xmlns:a16="http://schemas.microsoft.com/office/drawing/2014/main" xmlns="" id="{4C2ABC4A-20F0-664E-94FD-BD2550BC8391}"/>
-              </a:ext>
-            </a:extLst>
-          </p:cNvPr>
-          <p:cNvSpPr txBox="1"/>
-          <p:nvPr/>
-        </p:nvSpPr>
-        <p:spPr>
-          <a:xfrm>
-            <a:off x="5327684" y="2246224"/>
-            <a:ext cx="1536639" cy="338554"/>
-          </a:xfrm>
-          <a:prstGeom prst="rect">
-            <a:avLst/>
-          </a:prstGeom>
-          <a:noFill/>
-        </p:spPr>
-        <p:txBody>
-          <a:bodyPr wrap="none" rtlCol="0">
-            <a:spAutoFit/>
-          </a:bodyPr>
-          <a:lstStyle/>
-          <a:p>
-            <a:pPr algn="ctr"/>
-            <a:r>
-              <a:rPr kumimoji="1" lang="en-US" altLang="ko-KR" sz="1600" dirty="0"/>
-              <a:t>redLoadEast13</a:t>
-            </a:r>
-            <a:endParaRPr kumimoji="1" lang="ko-KR" altLang="en-US" sz="1600" dirty="0"/>
-          </a:p>
-        </p:txBody>
-      </p:sp>
-      <p:cxnSp>
-        <p:nvCxnSpPr>
-          <p:cNvPr id="24" name="직선 연결선[R] 23">
-            <a:extLst>
-              <a:ext uri="{FF2B5EF4-FFF2-40B4-BE49-F238E27FC236}">
-                <a16:creationId xmlns:a16="http://schemas.microsoft.com/office/drawing/2014/main" xmlns="" id="{7B185AE7-DD27-6641-A29E-B889C86AEC4D}"/>
-              </a:ext>
-            </a:extLst>
-          </p:cNvPr>
-          <p:cNvCxnSpPr/>
-          <p:nvPr/>
-        </p:nvCxnSpPr>
-        <p:spPr>
-          <a:xfrm>
-            <a:off x="5325648" y="2584778"/>
-            <a:ext cx="1529947" cy="0"/>
-          </a:xfrm>
-          <a:prstGeom prst="line">
-            <a:avLst/>
-          </a:prstGeom>
-          <a:ln>
-            <a:solidFill>
-              <a:srgbClr val="00B0F0"/>
-            </a:solidFill>
-          </a:ln>
-        </p:spPr>
-        <p:style>
-          <a:lnRef idx="1">
-            <a:schemeClr val="accent1"/>
-          </a:lnRef>
-          <a:fillRef idx="0">
-            <a:schemeClr val="accent1"/>
-          </a:fillRef>
-          <a:effectRef idx="0">
-            <a:schemeClr val="accent1"/>
-          </a:effectRef>
-          <a:fontRef idx="minor">
-            <a:schemeClr val="tx1"/>
-          </a:fontRef>
-        </p:style>
-      </p:cxnSp>
-      <p:sp>
-        <p:nvSpPr>
-          <p:cNvPr id="25" name="모서리가 둥근 직사각형 24">
-            <a:extLst>
-              <a:ext uri="{FF2B5EF4-FFF2-40B4-BE49-F238E27FC236}">
-                <a16:creationId xmlns:a16="http://schemas.microsoft.com/office/drawing/2014/main" xmlns="" id="{4D54DDCA-05D6-254F-98FE-5846446CF0D5}"/>
-              </a:ext>
-            </a:extLst>
-          </p:cNvPr>
-          <p:cNvSpPr/>
-          <p:nvPr/>
-        </p:nvSpPr>
-        <p:spPr>
-          <a:xfrm>
-            <a:off x="5171838" y="3121959"/>
-            <a:ext cx="1848323" cy="234616"/>
-          </a:xfrm>
-          <a:prstGeom prst="roundRect">
-            <a:avLst>
-              <a:gd name="adj" fmla="val 12230"/>
-            </a:avLst>
-          </a:prstGeom>
-          <a:solidFill>
-            <a:srgbClr val="00A5FA"/>
-          </a:solidFill>
-          <a:ln>
-            <a:solidFill>
-              <a:srgbClr val="00B0F0"/>
-            </a:solidFill>
-          </a:ln>
-        </p:spPr>
-        <p:style>
-          <a:lnRef idx="2">
-            <a:schemeClr val="accent1">
-              <a:shade val="50000"/>
-            </a:schemeClr>
-          </a:lnRef>
-          <a:fillRef idx="1">
-            <a:schemeClr val="accent1"/>
-          </a:fillRef>
-          <a:effectRef idx="0">
-            <a:schemeClr val="accent1"/>
-          </a:effectRef>
-          <a:fontRef idx="minor">
-            <a:schemeClr val="lt1"/>
-          </a:fontRef>
-        </p:style>
-        <p:txBody>
-          <a:bodyPr rot="0" spcFirstLastPara="0" vertOverflow="overflow" horzOverflow="overflow" vert="horz" wrap="square" lIns="91440" tIns="45720" rIns="91440" bIns="45720" numCol="1" spcCol="0" rtlCol="0" fromWordArt="0" anchor="ctr" anchorCtr="0" forceAA="0" compatLnSpc="1">
-            <a:prstTxWarp prst="textNoShape">
-              <a:avLst/>
-            </a:prstTxWarp>
-            <a:noAutofit/>
-          </a:bodyPr>
-          <a:lstStyle/>
-          <a:p>
-            <a:pPr algn="ctr"/>
-            <a:r>
               <a:rPr kumimoji="1" lang="ko-KR" altLang="en-US" sz="1000" dirty="0">
                 <a:solidFill>
                   <a:schemeClr val="bg1"/>
@@ -9841,7 +7736,7 @@
 </p:sld>
 </file>
 
-<file path=ppt/slides/slide14.xml><?xml version="1.0" encoding="utf-8"?>
+<file path=ppt/slides/slide13.xml><?xml version="1.0" encoding="utf-8"?>
 <p:sld xmlns:a="http://schemas.openxmlformats.org/drawingml/2006/main" xmlns:r="http://schemas.openxmlformats.org/officeDocument/2006/relationships" xmlns:p="http://schemas.openxmlformats.org/presentationml/2006/main">
   <p:cSld>
     <p:spTree>
@@ -11445,7 +9340,7 @@
 </p:sld>
 </file>
 
-<file path=ppt/slides/slide15.xml><?xml version="1.0" encoding="utf-8"?>
+<file path=ppt/slides/slide14.xml><?xml version="1.0" encoding="utf-8"?>
 <p:sld xmlns:a="http://schemas.openxmlformats.org/drawingml/2006/main" xmlns:r="http://schemas.openxmlformats.org/officeDocument/2006/relationships" xmlns:p="http://schemas.openxmlformats.org/presentationml/2006/main">
   <p:cSld>
     <p:spTree>
@@ -13047,7 +10942,7 @@
 </p:sld>
 </file>
 
-<file path=ppt/slides/slide16.xml><?xml version="1.0" encoding="utf-8"?>
+<file path=ppt/slides/slide15.xml><?xml version="1.0" encoding="utf-8"?>
 <p:sld xmlns:a="http://schemas.openxmlformats.org/drawingml/2006/main" xmlns:r="http://schemas.openxmlformats.org/officeDocument/2006/relationships" xmlns:p="http://schemas.openxmlformats.org/presentationml/2006/main">
   <p:cSld>
     <p:spTree>
@@ -13942,7 +11837,7 @@
 </p:sld>
 </file>
 
-<file path=ppt/slides/slide17.xml><?xml version="1.0" encoding="utf-8"?>
+<file path=ppt/slides/slide16.xml><?xml version="1.0" encoding="utf-8"?>
 <p:sld xmlns:a="http://schemas.openxmlformats.org/drawingml/2006/main" xmlns:r="http://schemas.openxmlformats.org/officeDocument/2006/relationships" xmlns:p="http://schemas.openxmlformats.org/presentationml/2006/main">
   <p:cSld>
     <p:spTree>
@@ -14615,7 +12510,7 @@
 </p:sld>
 </file>
 
-<file path=ppt/slides/slide18.xml><?xml version="1.0" encoding="utf-8"?>
+<file path=ppt/slides/slide17.xml><?xml version="1.0" encoding="utf-8"?>
 <p:sld xmlns:a="http://schemas.openxmlformats.org/drawingml/2006/main" xmlns:r="http://schemas.openxmlformats.org/officeDocument/2006/relationships" xmlns:p="http://schemas.openxmlformats.org/presentationml/2006/main">
   <p:cSld>
     <p:spTree>
@@ -17240,8 +15135,8 @@
         </p:nvSpPr>
         <p:spPr>
           <a:xfrm>
-            <a:off x="4894025" y="4115159"/>
-            <a:ext cx="2403951" cy="1241794"/>
+            <a:off x="4894025" y="4115158"/>
+            <a:ext cx="2403951" cy="1610581"/>
           </a:xfrm>
           <a:prstGeom prst="rect">
             <a:avLst/>
@@ -17296,7 +15191,7 @@
         </p:nvSpPr>
         <p:spPr>
           <a:xfrm>
-            <a:off x="5171838" y="4948076"/>
+            <a:off x="5171838" y="5295174"/>
             <a:ext cx="1848323" cy="234616"/>
           </a:xfrm>
           <a:prstGeom prst="roundRect">
@@ -17340,12 +15235,20 @@
           <a:p>
             <a:pPr algn="ctr"/>
             <a:r>
+              <a:rPr kumimoji="1" lang="ko-KR" altLang="en-US" sz="1000" dirty="0" smtClean="0">
+                <a:solidFill>
+                  <a:schemeClr val="bg1"/>
+                </a:solidFill>
+              </a:rPr>
+              <a:t>계정 </a:t>
+            </a:r>
+            <a:r>
               <a:rPr kumimoji="1" lang="ko-KR" altLang="en-US" sz="1000" dirty="0">
                 <a:solidFill>
                   <a:schemeClr val="bg1"/>
                 </a:solidFill>
               </a:rPr>
-              <a:t>암호 변경</a:t>
+              <a:t>변경</a:t>
             </a:r>
           </a:p>
         </p:txBody>
@@ -17364,7 +15267,7 @@
         </p:nvSpPr>
         <p:spPr>
           <a:xfrm>
-            <a:off x="5178918" y="4611982"/>
+            <a:off x="5178918" y="4959080"/>
             <a:ext cx="1848323" cy="234616"/>
           </a:xfrm>
           <a:prstGeom prst="roundRect">
@@ -18302,7 +16205,7 @@
         </p:nvSpPr>
         <p:spPr>
           <a:xfrm>
-            <a:off x="5178918" y="4289308"/>
+            <a:off x="5178918" y="4636406"/>
             <a:ext cx="1848323" cy="234616"/>
           </a:xfrm>
           <a:prstGeom prst="roundRect">
@@ -18621,6 +16524,85 @@
           </a:p>
         </p:txBody>
       </p:sp>
+      <p:sp>
+        <p:nvSpPr>
+          <p:cNvPr id="28" name="모서리가 둥근 직사각형 27">
+            <a:extLst>
+              <a:ext uri="{FF2B5EF4-FFF2-40B4-BE49-F238E27FC236}">
+                <a16:creationId xmlns:a16="http://schemas.microsoft.com/office/drawing/2014/main" xmlns="" id="{9A63A9A5-7F92-784A-9914-64730658121F}"/>
+              </a:ext>
+            </a:extLst>
+          </p:cNvPr>
+          <p:cNvSpPr/>
+          <p:nvPr/>
+        </p:nvSpPr>
+        <p:spPr>
+          <a:xfrm>
+            <a:off x="5178918" y="4310028"/>
+            <a:ext cx="1848323" cy="234616"/>
+          </a:xfrm>
+          <a:prstGeom prst="roundRect">
+            <a:avLst>
+              <a:gd name="adj" fmla="val 12230"/>
+            </a:avLst>
+          </a:prstGeom>
+          <a:solidFill>
+            <a:srgbClr val="F6F6F6"/>
+          </a:solidFill>
+          <a:ln>
+            <a:solidFill>
+              <a:schemeClr val="bg1">
+                <a:lumMod val="75000"/>
+              </a:schemeClr>
+            </a:solidFill>
+          </a:ln>
+        </p:spPr>
+        <p:style>
+          <a:lnRef idx="2">
+            <a:schemeClr val="accent1">
+              <a:shade val="50000"/>
+            </a:schemeClr>
+          </a:lnRef>
+          <a:fillRef idx="1">
+            <a:schemeClr val="accent1"/>
+          </a:fillRef>
+          <a:effectRef idx="0">
+            <a:schemeClr val="accent1"/>
+          </a:effectRef>
+          <a:fontRef idx="minor">
+            <a:schemeClr val="lt1"/>
+          </a:fontRef>
+        </p:style>
+        <p:txBody>
+          <a:bodyPr rot="0" spcFirstLastPara="0" vertOverflow="overflow" horzOverflow="overflow" vert="horz" wrap="square" lIns="91440" tIns="45720" rIns="91440" bIns="45720" numCol="1" spcCol="0" rtlCol="0" fromWordArt="0" anchor="ctr" anchorCtr="0" forceAA="0" compatLnSpc="1">
+            <a:prstTxWarp prst="textNoShape">
+              <a:avLst/>
+            </a:prstTxWarp>
+            <a:noAutofit/>
+          </a:bodyPr>
+          <a:lstStyle/>
+          <a:p>
+            <a:pPr algn="ctr"/>
+            <a:r>
+              <a:rPr kumimoji="1" lang="en-US" altLang="ko-KR" sz="1000" dirty="0" smtClean="0">
+                <a:solidFill>
+                  <a:schemeClr val="bg1">
+                    <a:lumMod val="50000"/>
+                  </a:schemeClr>
+                </a:solidFill>
+              </a:rPr>
+              <a:t>Username</a:t>
+            </a:r>
+            <a:endParaRPr kumimoji="1" lang="ko-KR" altLang="en-US" sz="1000" dirty="0">
+              <a:solidFill>
+                <a:schemeClr val="bg1">
+                  <a:lumMod val="50000"/>
+                </a:schemeClr>
+              </a:solidFill>
+            </a:endParaRPr>
+          </a:p>
+        </p:txBody>
+      </p:sp>
     </p:spTree>
     <p:extLst>
       <p:ext uri="{BB962C8B-B14F-4D97-AF65-F5344CB8AC3E}">
@@ -18653,1785 +16635,6 @@
       </p:grpSpPr>
       <p:sp>
         <p:nvSpPr>
-          <p:cNvPr id="38" name="직사각형 37">
-            <a:extLst>
-              <a:ext uri="{FF2B5EF4-FFF2-40B4-BE49-F238E27FC236}">
-                <a16:creationId xmlns:a16="http://schemas.microsoft.com/office/drawing/2014/main" xmlns="" id="{52919ADA-A117-254A-84FC-71EE71F8346F}"/>
-              </a:ext>
-            </a:extLst>
-          </p:cNvPr>
-          <p:cNvSpPr/>
-          <p:nvPr/>
-        </p:nvSpPr>
-        <p:spPr>
-          <a:xfrm>
-            <a:off x="4894025" y="4381766"/>
-            <a:ext cx="2403951" cy="1241794"/>
-          </a:xfrm>
-          <a:prstGeom prst="rect">
-            <a:avLst/>
-          </a:prstGeom>
-          <a:solidFill>
-            <a:schemeClr val="bg1"/>
-          </a:solidFill>
-          <a:ln>
-            <a:solidFill>
-              <a:schemeClr val="bg1">
-                <a:lumMod val="75000"/>
-              </a:schemeClr>
-            </a:solidFill>
-          </a:ln>
-        </p:spPr>
-        <p:style>
-          <a:lnRef idx="2">
-            <a:schemeClr val="accent1">
-              <a:shade val="50000"/>
-            </a:schemeClr>
-          </a:lnRef>
-          <a:fillRef idx="1">
-            <a:schemeClr val="accent1"/>
-          </a:fillRef>
-          <a:effectRef idx="0">
-            <a:schemeClr val="accent1"/>
-          </a:effectRef>
-          <a:fontRef idx="minor">
-            <a:schemeClr val="lt1"/>
-          </a:fontRef>
-        </p:style>
-        <p:txBody>
-          <a:bodyPr rtlCol="0" anchor="ctr"/>
-          <a:lstStyle/>
-          <a:p>
-            <a:pPr algn="ctr"/>
-            <a:endParaRPr kumimoji="1" lang="ko-KR" altLang="en-US"/>
-          </a:p>
-        </p:txBody>
-      </p:sp>
-      <p:sp>
-        <p:nvSpPr>
-          <p:cNvPr id="39" name="모서리가 둥근 직사각형 38">
-            <a:extLst>
-              <a:ext uri="{FF2B5EF4-FFF2-40B4-BE49-F238E27FC236}">
-                <a16:creationId xmlns:a16="http://schemas.microsoft.com/office/drawing/2014/main" xmlns="" id="{A57A353F-B8A9-1642-BF40-B9FC5F3C0495}"/>
-              </a:ext>
-            </a:extLst>
-          </p:cNvPr>
-          <p:cNvSpPr/>
-          <p:nvPr/>
-        </p:nvSpPr>
-        <p:spPr>
-          <a:xfrm>
-            <a:off x="5171838" y="5214683"/>
-            <a:ext cx="1848323" cy="234616"/>
-          </a:xfrm>
-          <a:prstGeom prst="roundRect">
-            <a:avLst>
-              <a:gd name="adj" fmla="val 12230"/>
-            </a:avLst>
-          </a:prstGeom>
-          <a:solidFill>
-            <a:srgbClr val="00A5FA"/>
-          </a:solidFill>
-          <a:ln>
-            <a:solidFill>
-              <a:srgbClr val="00B0F0"/>
-            </a:solidFill>
-          </a:ln>
-        </p:spPr>
-        <p:style>
-          <a:lnRef idx="2">
-            <a:schemeClr val="accent1">
-              <a:shade val="50000"/>
-            </a:schemeClr>
-          </a:lnRef>
-          <a:fillRef idx="1">
-            <a:schemeClr val="accent1"/>
-          </a:fillRef>
-          <a:effectRef idx="0">
-            <a:schemeClr val="accent1"/>
-          </a:effectRef>
-          <a:fontRef idx="minor">
-            <a:schemeClr val="lt1"/>
-          </a:fontRef>
-        </p:style>
-        <p:txBody>
-          <a:bodyPr rot="0" spcFirstLastPara="0" vertOverflow="overflow" horzOverflow="overflow" vert="horz" wrap="square" lIns="91440" tIns="45720" rIns="91440" bIns="45720" numCol="1" spcCol="0" rtlCol="0" fromWordArt="0" anchor="ctr" anchorCtr="0" forceAA="0" compatLnSpc="1">
-            <a:prstTxWarp prst="textNoShape">
-              <a:avLst/>
-            </a:prstTxWarp>
-            <a:noAutofit/>
-          </a:bodyPr>
-          <a:lstStyle/>
-          <a:p>
-            <a:pPr algn="ctr"/>
-            <a:r>
-              <a:rPr kumimoji="1" lang="ko-KR" altLang="en-US" sz="1000" dirty="0">
-                <a:solidFill>
-                  <a:schemeClr val="bg1"/>
-                </a:solidFill>
-              </a:rPr>
-              <a:t>암호 변경</a:t>
-            </a:r>
-          </a:p>
-        </p:txBody>
-      </p:sp>
-      <p:sp>
-        <p:nvSpPr>
-          <p:cNvPr id="40" name="모서리가 둥근 직사각형 39">
-            <a:extLst>
-              <a:ext uri="{FF2B5EF4-FFF2-40B4-BE49-F238E27FC236}">
-                <a16:creationId xmlns:a16="http://schemas.microsoft.com/office/drawing/2014/main" xmlns="" id="{263F1F28-BB77-6849-9FD7-D3AF6D0E89C0}"/>
-              </a:ext>
-            </a:extLst>
-          </p:cNvPr>
-          <p:cNvSpPr/>
-          <p:nvPr/>
-        </p:nvSpPr>
-        <p:spPr>
-          <a:xfrm>
-            <a:off x="5178918" y="4878589"/>
-            <a:ext cx="1848323" cy="234616"/>
-          </a:xfrm>
-          <a:prstGeom prst="roundRect">
-            <a:avLst>
-              <a:gd name="adj" fmla="val 12230"/>
-            </a:avLst>
-          </a:prstGeom>
-          <a:solidFill>
-            <a:srgbClr val="F6F6F6"/>
-          </a:solidFill>
-          <a:ln>
-            <a:solidFill>
-              <a:schemeClr val="bg1">
-                <a:lumMod val="75000"/>
-              </a:schemeClr>
-            </a:solidFill>
-          </a:ln>
-        </p:spPr>
-        <p:style>
-          <a:lnRef idx="2">
-            <a:schemeClr val="accent1">
-              <a:shade val="50000"/>
-            </a:schemeClr>
-          </a:lnRef>
-          <a:fillRef idx="1">
-            <a:schemeClr val="accent1"/>
-          </a:fillRef>
-          <a:effectRef idx="0">
-            <a:schemeClr val="accent1"/>
-          </a:effectRef>
-          <a:fontRef idx="minor">
-            <a:schemeClr val="lt1"/>
-          </a:fontRef>
-        </p:style>
-        <p:txBody>
-          <a:bodyPr rot="0" spcFirstLastPara="0" vertOverflow="overflow" horzOverflow="overflow" vert="horz" wrap="square" lIns="91440" tIns="45720" rIns="91440" bIns="45720" numCol="1" spcCol="0" rtlCol="0" fromWordArt="0" anchor="ctr" anchorCtr="0" forceAA="0" compatLnSpc="1">
-            <a:prstTxWarp prst="textNoShape">
-              <a:avLst/>
-            </a:prstTxWarp>
-            <a:noAutofit/>
-          </a:bodyPr>
-          <a:lstStyle/>
-          <a:p>
-            <a:pPr algn="ctr"/>
-            <a:r>
-              <a:rPr kumimoji="1" lang="en-US" altLang="ko-KR" sz="1000" dirty="0">
-                <a:solidFill>
-                  <a:schemeClr val="bg1">
-                    <a:lumMod val="50000"/>
-                  </a:schemeClr>
-                </a:solidFill>
-              </a:rPr>
-              <a:t>Confirm Password</a:t>
-            </a:r>
-            <a:endParaRPr kumimoji="1" lang="ko-KR" altLang="en-US" sz="1000" dirty="0">
-              <a:solidFill>
-                <a:schemeClr val="bg1">
-                  <a:lumMod val="50000"/>
-                </a:schemeClr>
-              </a:solidFill>
-            </a:endParaRPr>
-          </a:p>
-        </p:txBody>
-      </p:sp>
-      <p:sp>
-        <p:nvSpPr>
-          <p:cNvPr id="4" name="직사각형 3">
-            <a:extLst>
-              <a:ext uri="{FF2B5EF4-FFF2-40B4-BE49-F238E27FC236}">
-                <a16:creationId xmlns:a16="http://schemas.microsoft.com/office/drawing/2014/main" xmlns="" id="{EA2D8D37-742E-EF4A-A579-D4FCE47462A2}"/>
-              </a:ext>
-            </a:extLst>
-          </p:cNvPr>
-          <p:cNvSpPr/>
-          <p:nvPr/>
-        </p:nvSpPr>
-        <p:spPr>
-          <a:xfrm>
-            <a:off x="0" y="0"/>
-            <a:ext cx="12192000" cy="563417"/>
-          </a:xfrm>
-          <a:prstGeom prst="rect">
-            <a:avLst/>
-          </a:prstGeom>
-          <a:solidFill>
-            <a:schemeClr val="bg1"/>
-          </a:solidFill>
-          <a:ln>
-            <a:solidFill>
-              <a:schemeClr val="bg1">
-                <a:lumMod val="75000"/>
-              </a:schemeClr>
-            </a:solidFill>
-          </a:ln>
-        </p:spPr>
-        <p:style>
-          <a:lnRef idx="2">
-            <a:schemeClr val="accent1">
-              <a:shade val="50000"/>
-            </a:schemeClr>
-          </a:lnRef>
-          <a:fillRef idx="1">
-            <a:schemeClr val="accent1"/>
-          </a:fillRef>
-          <a:effectRef idx="0">
-            <a:schemeClr val="accent1"/>
-          </a:effectRef>
-          <a:fontRef idx="minor">
-            <a:schemeClr val="lt1"/>
-          </a:fontRef>
-        </p:style>
-        <p:txBody>
-          <a:bodyPr rtlCol="0" anchor="ctr"/>
-          <a:lstStyle/>
-          <a:p>
-            <a:pPr algn="ctr"/>
-            <a:endParaRPr kumimoji="1" lang="ko-KR" altLang="en-US" dirty="0"/>
-          </a:p>
-        </p:txBody>
-      </p:sp>
-      <p:sp>
-        <p:nvSpPr>
-          <p:cNvPr id="8" name="TextBox 7">
-            <a:extLst>
-              <a:ext uri="{FF2B5EF4-FFF2-40B4-BE49-F238E27FC236}">
-                <a16:creationId xmlns:a16="http://schemas.microsoft.com/office/drawing/2014/main" xmlns="" id="{2719254F-8374-AF4D-8DE1-35E108E43518}"/>
-              </a:ext>
-            </a:extLst>
-          </p:cNvPr>
-          <p:cNvSpPr txBox="1"/>
-          <p:nvPr/>
-        </p:nvSpPr>
-        <p:spPr>
-          <a:xfrm>
-            <a:off x="5137336" y="112431"/>
-            <a:ext cx="1931491" cy="338554"/>
-          </a:xfrm>
-          <a:prstGeom prst="rect">
-            <a:avLst/>
-          </a:prstGeom>
-          <a:noFill/>
-        </p:spPr>
-        <p:txBody>
-          <a:bodyPr wrap="none" rtlCol="0">
-            <a:spAutoFit/>
-          </a:bodyPr>
-          <a:lstStyle/>
-          <a:p>
-            <a:pPr algn="ctr"/>
-            <a:r>
-              <a:rPr kumimoji="1" lang="en-US" altLang="ko-KR" sz="1600" b="1" dirty="0"/>
-              <a:t>Dutch Broomstick</a:t>
-            </a:r>
-            <a:endParaRPr kumimoji="1" lang="ko-KR" altLang="en-US" sz="1600" b="1" dirty="0"/>
-          </a:p>
-        </p:txBody>
-      </p:sp>
-      <p:sp>
-        <p:nvSpPr>
-          <p:cNvPr id="2" name="타원 1">
-            <a:extLst>
-              <a:ext uri="{FF2B5EF4-FFF2-40B4-BE49-F238E27FC236}">
-                <a16:creationId xmlns:a16="http://schemas.microsoft.com/office/drawing/2014/main" xmlns="" id="{B1E60D62-FE22-E048-88E9-0DD5F5BCAD9B}"/>
-              </a:ext>
-            </a:extLst>
-          </p:cNvPr>
-          <p:cNvSpPr/>
-          <p:nvPr/>
-        </p:nvSpPr>
-        <p:spPr>
-          <a:xfrm>
-            <a:off x="5780244" y="776420"/>
-            <a:ext cx="631510" cy="631510"/>
-          </a:xfrm>
-          <a:prstGeom prst="ellipse">
-            <a:avLst/>
-          </a:prstGeom>
-          <a:solidFill>
-            <a:schemeClr val="bg1"/>
-          </a:solidFill>
-          <a:ln>
-            <a:solidFill>
-              <a:schemeClr val="bg1">
-                <a:lumMod val="75000"/>
-              </a:schemeClr>
-            </a:solidFill>
-          </a:ln>
-        </p:spPr>
-        <p:style>
-          <a:lnRef idx="2">
-            <a:schemeClr val="accent1">
-              <a:shade val="50000"/>
-            </a:schemeClr>
-          </a:lnRef>
-          <a:fillRef idx="1">
-            <a:schemeClr val="accent1"/>
-          </a:fillRef>
-          <a:effectRef idx="0">
-            <a:schemeClr val="accent1"/>
-          </a:effectRef>
-          <a:fontRef idx="minor">
-            <a:schemeClr val="lt1"/>
-          </a:fontRef>
-        </p:style>
-        <p:txBody>
-          <a:bodyPr rtlCol="0" anchor="ctr"/>
-          <a:lstStyle/>
-          <a:p>
-            <a:pPr algn="ctr"/>
-            <a:endParaRPr kumimoji="1" lang="ko-KR" altLang="en-US"/>
-          </a:p>
-        </p:txBody>
-      </p:sp>
-      <p:sp>
-        <p:nvSpPr>
-          <p:cNvPr id="3" name="TextBox 2">
-            <a:extLst>
-              <a:ext uri="{FF2B5EF4-FFF2-40B4-BE49-F238E27FC236}">
-                <a16:creationId xmlns:a16="http://schemas.microsoft.com/office/drawing/2014/main" xmlns="" id="{1E856193-7D66-474C-B81B-812565E29730}"/>
-              </a:ext>
-            </a:extLst>
-          </p:cNvPr>
-          <p:cNvSpPr txBox="1"/>
-          <p:nvPr/>
-        </p:nvSpPr>
-        <p:spPr>
-          <a:xfrm>
-            <a:off x="5770596" y="1506462"/>
-            <a:ext cx="646331" cy="276999"/>
-          </a:xfrm>
-          <a:prstGeom prst="rect">
-            <a:avLst/>
-          </a:prstGeom>
-          <a:noFill/>
-        </p:spPr>
-        <p:txBody>
-          <a:bodyPr wrap="none" rtlCol="0">
-            <a:spAutoFit/>
-          </a:bodyPr>
-          <a:lstStyle/>
-          <a:p>
-            <a:pPr algn="l"/>
-            <a:r>
-              <a:rPr kumimoji="1" lang="ko-KR" altLang="en-US" sz="1200" dirty="0">
-                <a:solidFill>
-                  <a:schemeClr val="bg1">
-                    <a:lumMod val="50000"/>
-                  </a:schemeClr>
-                </a:solidFill>
-              </a:rPr>
-              <a:t>홍길동</a:t>
-            </a:r>
-          </a:p>
-        </p:txBody>
-      </p:sp>
-      <p:sp>
-        <p:nvSpPr>
-          <p:cNvPr id="14" name="TextBox 13">
-            <a:extLst>
-              <a:ext uri="{FF2B5EF4-FFF2-40B4-BE49-F238E27FC236}">
-                <a16:creationId xmlns:a16="http://schemas.microsoft.com/office/drawing/2014/main" xmlns="" id="{1CA1A22B-0D6C-F14D-9A1B-6A8AE894BDA5}"/>
-              </a:ext>
-            </a:extLst>
-          </p:cNvPr>
-          <p:cNvSpPr txBox="1"/>
-          <p:nvPr/>
-        </p:nvSpPr>
-        <p:spPr>
-          <a:xfrm>
-            <a:off x="5535457" y="1730074"/>
-            <a:ext cx="1135247" cy="261610"/>
-          </a:xfrm>
-          <a:prstGeom prst="rect">
-            <a:avLst/>
-          </a:prstGeom>
-          <a:noFill/>
-        </p:spPr>
-        <p:txBody>
-          <a:bodyPr wrap="none" rtlCol="0">
-            <a:spAutoFit/>
-          </a:bodyPr>
-          <a:lstStyle/>
-          <a:p>
-            <a:pPr algn="l"/>
-            <a:r>
-              <a:rPr kumimoji="1" lang="en-US" altLang="ko-KR" sz="1050" dirty="0">
-                <a:solidFill>
-                  <a:schemeClr val="tx1">
-                    <a:lumMod val="65000"/>
-                    <a:lumOff val="35000"/>
-                  </a:schemeClr>
-                </a:solidFill>
-              </a:rPr>
-              <a:t>redRoadEast13</a:t>
-            </a:r>
-            <a:endParaRPr kumimoji="1" lang="ko-KR" altLang="en-US" sz="1050" dirty="0">
-              <a:solidFill>
-                <a:schemeClr val="tx1">
-                  <a:lumMod val="65000"/>
-                  <a:lumOff val="35000"/>
-                </a:schemeClr>
-              </a:solidFill>
-            </a:endParaRPr>
-          </a:p>
-        </p:txBody>
-      </p:sp>
-      <p:sp>
-        <p:nvSpPr>
-          <p:cNvPr id="23" name="자유형 22">
-            <a:extLst>
-              <a:ext uri="{FF2B5EF4-FFF2-40B4-BE49-F238E27FC236}">
-                <a16:creationId xmlns:a16="http://schemas.microsoft.com/office/drawing/2014/main" xmlns="" id="{5E9A23AE-BAC6-E245-89C0-DB5FE7E85968}"/>
-              </a:ext>
-            </a:extLst>
-          </p:cNvPr>
-          <p:cNvSpPr/>
-          <p:nvPr/>
-        </p:nvSpPr>
-        <p:spPr>
-          <a:xfrm>
-            <a:off x="5900142" y="957345"/>
-            <a:ext cx="391715" cy="450585"/>
-          </a:xfrm>
-          <a:custGeom>
-            <a:avLst/>
-            <a:gdLst>
-              <a:gd name="connsiteX0" fmla="*/ 286755 w 573510"/>
-              <a:gd name="connsiteY0" fmla="*/ 416016 h 659701"/>
-              <a:gd name="connsiteX1" fmla="*/ 567734 w 573510"/>
-              <a:gd name="connsiteY1" fmla="*/ 543224 h 659701"/>
-              <a:gd name="connsiteX2" fmla="*/ 573510 w 573510"/>
-              <a:gd name="connsiteY2" fmla="*/ 555934 h 659701"/>
-              <a:gd name="connsiteX3" fmla="*/ 542380 w 573510"/>
-              <a:gd name="connsiteY3" fmla="*/ 581619 h 659701"/>
-              <a:gd name="connsiteX4" fmla="*/ 286755 w 573510"/>
-              <a:gd name="connsiteY4" fmla="*/ 659701 h 659701"/>
-              <a:gd name="connsiteX5" fmla="*/ 31130 w 573510"/>
-              <a:gd name="connsiteY5" fmla="*/ 581619 h 659701"/>
-              <a:gd name="connsiteX6" fmla="*/ 0 w 573510"/>
-              <a:gd name="connsiteY6" fmla="*/ 555934 h 659701"/>
-              <a:gd name="connsiteX7" fmla="*/ 5776 w 573510"/>
-              <a:gd name="connsiteY7" fmla="*/ 543224 h 659701"/>
-              <a:gd name="connsiteX8" fmla="*/ 286755 w 573510"/>
-              <a:gd name="connsiteY8" fmla="*/ 416016 h 659701"/>
-              <a:gd name="connsiteX9" fmla="*/ 286754 w 573510"/>
-              <a:gd name="connsiteY9" fmla="*/ 0 h 659701"/>
-              <a:gd name="connsiteX10" fmla="*/ 476099 w 573510"/>
-              <a:gd name="connsiteY10" fmla="*/ 189345 h 659701"/>
-              <a:gd name="connsiteX11" fmla="*/ 286754 w 573510"/>
-              <a:gd name="connsiteY11" fmla="*/ 378690 h 659701"/>
-              <a:gd name="connsiteX12" fmla="*/ 97409 w 573510"/>
-              <a:gd name="connsiteY12" fmla="*/ 189345 h 659701"/>
-              <a:gd name="connsiteX13" fmla="*/ 286754 w 573510"/>
-              <a:gd name="connsiteY13" fmla="*/ 0 h 659701"/>
-            </a:gdLst>
-            <a:ahLst/>
-            <a:cxnLst>
-              <a:cxn ang="0">
-                <a:pos x="connsiteX0" y="connsiteY0"/>
-              </a:cxn>
-              <a:cxn ang="0">
-                <a:pos x="connsiteX1" y="connsiteY1"/>
-              </a:cxn>
-              <a:cxn ang="0">
-                <a:pos x="connsiteX2" y="connsiteY2"/>
-              </a:cxn>
-              <a:cxn ang="0">
-                <a:pos x="connsiteX3" y="connsiteY3"/>
-              </a:cxn>
-              <a:cxn ang="0">
-                <a:pos x="connsiteX4" y="connsiteY4"/>
-              </a:cxn>
-              <a:cxn ang="0">
-                <a:pos x="connsiteX5" y="connsiteY5"/>
-              </a:cxn>
-              <a:cxn ang="0">
-                <a:pos x="connsiteX6" y="connsiteY6"/>
-              </a:cxn>
-              <a:cxn ang="0">
-                <a:pos x="connsiteX7" y="connsiteY7"/>
-              </a:cxn>
-              <a:cxn ang="0">
-                <a:pos x="connsiteX8" y="connsiteY8"/>
-              </a:cxn>
-              <a:cxn ang="0">
-                <a:pos x="connsiteX9" y="connsiteY9"/>
-              </a:cxn>
-              <a:cxn ang="0">
-                <a:pos x="connsiteX10" y="connsiteY10"/>
-              </a:cxn>
-              <a:cxn ang="0">
-                <a:pos x="connsiteX11" y="connsiteY11"/>
-              </a:cxn>
-              <a:cxn ang="0">
-                <a:pos x="connsiteX12" y="connsiteY12"/>
-              </a:cxn>
-              <a:cxn ang="0">
-                <a:pos x="connsiteX13" y="connsiteY13"/>
-              </a:cxn>
-            </a:cxnLst>
-            <a:rect l="l" t="t" r="r" b="b"/>
-            <a:pathLst>
-              <a:path w="573510" h="659701">
-                <a:moveTo>
-                  <a:pt x="286755" y="416016"/>
-                </a:moveTo>
-                <a:cubicBezTo>
-                  <a:pt x="413066" y="416016"/>
-                  <a:pt x="521441" y="468469"/>
-                  <a:pt x="567734" y="543224"/>
-                </a:cubicBezTo>
-                <a:lnTo>
-                  <a:pt x="573510" y="555934"/>
-                </a:lnTo>
-                <a:lnTo>
-                  <a:pt x="542380" y="581619"/>
-                </a:lnTo>
-                <a:cubicBezTo>
-                  <a:pt x="469410" y="630916"/>
-                  <a:pt x="381444" y="659701"/>
-                  <a:pt x="286755" y="659701"/>
-                </a:cubicBezTo>
-                <a:cubicBezTo>
-                  <a:pt x="192066" y="659701"/>
-                  <a:pt x="104100" y="630916"/>
-                  <a:pt x="31130" y="581619"/>
-                </a:cubicBezTo>
-                <a:lnTo>
-                  <a:pt x="0" y="555934"/>
-                </a:lnTo>
-                <a:lnTo>
-                  <a:pt x="5776" y="543224"/>
-                </a:lnTo>
-                <a:cubicBezTo>
-                  <a:pt x="52069" y="468469"/>
-                  <a:pt x="160444" y="416016"/>
-                  <a:pt x="286755" y="416016"/>
-                </a:cubicBezTo>
-                <a:close/>
-                <a:moveTo>
-                  <a:pt x="286754" y="0"/>
-                </a:moveTo>
-                <a:cubicBezTo>
-                  <a:pt x="391326" y="0"/>
-                  <a:pt x="476099" y="84773"/>
-                  <a:pt x="476099" y="189345"/>
-                </a:cubicBezTo>
-                <a:cubicBezTo>
-                  <a:pt x="476099" y="293917"/>
-                  <a:pt x="391326" y="378690"/>
-                  <a:pt x="286754" y="378690"/>
-                </a:cubicBezTo>
-                <a:cubicBezTo>
-                  <a:pt x="182182" y="378690"/>
-                  <a:pt x="97409" y="293917"/>
-                  <a:pt x="97409" y="189345"/>
-                </a:cubicBezTo>
-                <a:cubicBezTo>
-                  <a:pt x="97409" y="84773"/>
-                  <a:pt x="182182" y="0"/>
-                  <a:pt x="286754" y="0"/>
-                </a:cubicBezTo>
-                <a:close/>
-              </a:path>
-            </a:pathLst>
-          </a:custGeom>
-          <a:solidFill>
-            <a:schemeClr val="tx1">
-              <a:lumMod val="50000"/>
-              <a:lumOff val="50000"/>
-            </a:schemeClr>
-          </a:solidFill>
-          <a:ln>
-            <a:noFill/>
-          </a:ln>
-        </p:spPr>
-        <p:style>
-          <a:lnRef idx="2">
-            <a:schemeClr val="accent1">
-              <a:shade val="50000"/>
-            </a:schemeClr>
-          </a:lnRef>
-          <a:fillRef idx="1">
-            <a:schemeClr val="accent1"/>
-          </a:fillRef>
-          <a:effectRef idx="0">
-            <a:schemeClr val="accent1"/>
-          </a:effectRef>
-          <a:fontRef idx="minor">
-            <a:schemeClr val="lt1"/>
-          </a:fontRef>
-        </p:style>
-        <p:txBody>
-          <a:bodyPr rtlCol="0" anchor="ctr"/>
-          <a:lstStyle/>
-          <a:p>
-            <a:pPr algn="ctr"/>
-            <a:endParaRPr kumimoji="1" lang="ko-KR" altLang="en-US"/>
-          </a:p>
-        </p:txBody>
-      </p:sp>
-      <p:sp>
-        <p:nvSpPr>
-          <p:cNvPr id="16" name="직사각형 15">
-            <a:extLst>
-              <a:ext uri="{FF2B5EF4-FFF2-40B4-BE49-F238E27FC236}">
-                <a16:creationId xmlns:a16="http://schemas.microsoft.com/office/drawing/2014/main" xmlns="" id="{6F5F9F6A-CCD1-9D47-9528-9CCA314EA8B3}"/>
-              </a:ext>
-            </a:extLst>
-          </p:cNvPr>
-          <p:cNvSpPr/>
-          <p:nvPr/>
-        </p:nvSpPr>
-        <p:spPr>
-          <a:xfrm>
-            <a:off x="4894025" y="2147745"/>
-            <a:ext cx="2403951" cy="898484"/>
-          </a:xfrm>
-          <a:prstGeom prst="rect">
-            <a:avLst/>
-          </a:prstGeom>
-          <a:solidFill>
-            <a:schemeClr val="bg1"/>
-          </a:solidFill>
-          <a:ln>
-            <a:solidFill>
-              <a:schemeClr val="bg1">
-                <a:lumMod val="75000"/>
-              </a:schemeClr>
-            </a:solidFill>
-          </a:ln>
-        </p:spPr>
-        <p:style>
-          <a:lnRef idx="2">
-            <a:schemeClr val="accent1">
-              <a:shade val="50000"/>
-            </a:schemeClr>
-          </a:lnRef>
-          <a:fillRef idx="1">
-            <a:schemeClr val="accent1"/>
-          </a:fillRef>
-          <a:effectRef idx="0">
-            <a:schemeClr val="accent1"/>
-          </a:effectRef>
-          <a:fontRef idx="minor">
-            <a:schemeClr val="lt1"/>
-          </a:fontRef>
-        </p:style>
-        <p:txBody>
-          <a:bodyPr rtlCol="0" anchor="ctr"/>
-          <a:lstStyle/>
-          <a:p>
-            <a:pPr algn="ctr"/>
-            <a:endParaRPr kumimoji="1" lang="ko-KR" altLang="en-US"/>
-          </a:p>
-        </p:txBody>
-      </p:sp>
-      <p:sp>
-        <p:nvSpPr>
-          <p:cNvPr id="21" name="TextBox 20">
-            <a:extLst>
-              <a:ext uri="{FF2B5EF4-FFF2-40B4-BE49-F238E27FC236}">
-                <a16:creationId xmlns:a16="http://schemas.microsoft.com/office/drawing/2014/main" xmlns="" id="{EAEB2F1C-0656-1C44-A4A8-9F17D5ECF8EA}"/>
-              </a:ext>
-            </a:extLst>
-          </p:cNvPr>
-          <p:cNvSpPr txBox="1"/>
-          <p:nvPr/>
-        </p:nvSpPr>
-        <p:spPr>
-          <a:xfrm>
-            <a:off x="4938362" y="2195474"/>
-            <a:ext cx="998992" cy="246221"/>
-          </a:xfrm>
-          <a:prstGeom prst="rect">
-            <a:avLst/>
-          </a:prstGeom>
-          <a:noFill/>
-        </p:spPr>
-        <p:txBody>
-          <a:bodyPr wrap="none" rtlCol="0">
-            <a:spAutoFit/>
-          </a:bodyPr>
-          <a:lstStyle/>
-          <a:p>
-            <a:pPr algn="ctr"/>
-            <a:r>
-              <a:rPr kumimoji="1" lang="ko-KR" altLang="en-US" sz="1000" dirty="0">
-                <a:solidFill>
-                  <a:schemeClr val="tx1">
-                    <a:lumMod val="65000"/>
-                    <a:lumOff val="35000"/>
-                  </a:schemeClr>
-                </a:solidFill>
-              </a:rPr>
-              <a:t>선호하는 계좌</a:t>
-            </a:r>
-          </a:p>
-        </p:txBody>
-      </p:sp>
-      <p:sp>
-        <p:nvSpPr>
-          <p:cNvPr id="22" name="직사각형 21">
-            <a:extLst>
-              <a:ext uri="{FF2B5EF4-FFF2-40B4-BE49-F238E27FC236}">
-                <a16:creationId xmlns:a16="http://schemas.microsoft.com/office/drawing/2014/main" xmlns="" id="{E2FC0CAE-FB47-C640-9D55-2BE2138C084C}"/>
-              </a:ext>
-            </a:extLst>
-          </p:cNvPr>
-          <p:cNvSpPr/>
-          <p:nvPr/>
-        </p:nvSpPr>
-        <p:spPr>
-          <a:xfrm>
-            <a:off x="4894025" y="3114213"/>
-            <a:ext cx="2403951" cy="1203280"/>
-          </a:xfrm>
-          <a:prstGeom prst="rect">
-            <a:avLst/>
-          </a:prstGeom>
-          <a:solidFill>
-            <a:schemeClr val="bg1"/>
-          </a:solidFill>
-          <a:ln>
-            <a:solidFill>
-              <a:schemeClr val="bg1">
-                <a:lumMod val="75000"/>
-              </a:schemeClr>
-            </a:solidFill>
-          </a:ln>
-        </p:spPr>
-        <p:style>
-          <a:lnRef idx="2">
-            <a:schemeClr val="accent1">
-              <a:shade val="50000"/>
-            </a:schemeClr>
-          </a:lnRef>
-          <a:fillRef idx="1">
-            <a:schemeClr val="accent1"/>
-          </a:fillRef>
-          <a:effectRef idx="0">
-            <a:schemeClr val="accent1"/>
-          </a:effectRef>
-          <a:fontRef idx="minor">
-            <a:schemeClr val="lt1"/>
-          </a:fontRef>
-        </p:style>
-        <p:txBody>
-          <a:bodyPr rtlCol="0" anchor="ctr"/>
-          <a:lstStyle/>
-          <a:p>
-            <a:pPr algn="ctr"/>
-            <a:endParaRPr kumimoji="1" lang="ko-KR" altLang="en-US"/>
-          </a:p>
-        </p:txBody>
-      </p:sp>
-      <p:sp>
-        <p:nvSpPr>
-          <p:cNvPr id="24" name="모서리가 둥근 직사각형 23">
-            <a:extLst>
-              <a:ext uri="{FF2B5EF4-FFF2-40B4-BE49-F238E27FC236}">
-                <a16:creationId xmlns:a16="http://schemas.microsoft.com/office/drawing/2014/main" xmlns="" id="{3F61A55F-FE8C-A948-B8F3-C63ED8D89A73}"/>
-              </a:ext>
-            </a:extLst>
-          </p:cNvPr>
-          <p:cNvSpPr/>
-          <p:nvPr/>
-        </p:nvSpPr>
-        <p:spPr>
-          <a:xfrm>
-            <a:off x="5171838" y="3932977"/>
-            <a:ext cx="1848323" cy="234616"/>
-          </a:xfrm>
-          <a:prstGeom prst="roundRect">
-            <a:avLst>
-              <a:gd name="adj" fmla="val 12230"/>
-            </a:avLst>
-          </a:prstGeom>
-          <a:solidFill>
-            <a:srgbClr val="00A5FA"/>
-          </a:solidFill>
-          <a:ln>
-            <a:solidFill>
-              <a:srgbClr val="00B0F0"/>
-            </a:solidFill>
-          </a:ln>
-        </p:spPr>
-        <p:style>
-          <a:lnRef idx="2">
-            <a:schemeClr val="accent1">
-              <a:shade val="50000"/>
-            </a:schemeClr>
-          </a:lnRef>
-          <a:fillRef idx="1">
-            <a:schemeClr val="accent1"/>
-          </a:fillRef>
-          <a:effectRef idx="0">
-            <a:schemeClr val="accent1"/>
-          </a:effectRef>
-          <a:fontRef idx="minor">
-            <a:schemeClr val="lt1"/>
-          </a:fontRef>
-        </p:style>
-        <p:txBody>
-          <a:bodyPr rot="0" spcFirstLastPara="0" vertOverflow="overflow" horzOverflow="overflow" vert="horz" wrap="square" lIns="91440" tIns="45720" rIns="91440" bIns="45720" numCol="1" spcCol="0" rtlCol="0" fromWordArt="0" anchor="ctr" anchorCtr="0" forceAA="0" compatLnSpc="1">
-            <a:prstTxWarp prst="textNoShape">
-              <a:avLst/>
-            </a:prstTxWarp>
-            <a:noAutofit/>
-          </a:bodyPr>
-          <a:lstStyle/>
-          <a:p>
-            <a:pPr algn="ctr"/>
-            <a:r>
-              <a:rPr kumimoji="1" lang="ko-KR" altLang="en-US" sz="1000" dirty="0">
-                <a:solidFill>
-                  <a:schemeClr val="bg1"/>
-                </a:solidFill>
-              </a:rPr>
-              <a:t>선호 계좌 변경</a:t>
-            </a:r>
-          </a:p>
-        </p:txBody>
-      </p:sp>
-      <p:sp>
-        <p:nvSpPr>
-          <p:cNvPr id="5" name="TextBox 4">
-            <a:extLst>
-              <a:ext uri="{FF2B5EF4-FFF2-40B4-BE49-F238E27FC236}">
-                <a16:creationId xmlns:a16="http://schemas.microsoft.com/office/drawing/2014/main" xmlns="" id="{2345FB5A-9B88-114F-A895-84140DA47405}"/>
-              </a:ext>
-            </a:extLst>
-          </p:cNvPr>
-          <p:cNvSpPr txBox="1"/>
-          <p:nvPr/>
-        </p:nvSpPr>
-        <p:spPr>
-          <a:xfrm>
-            <a:off x="5588451" y="2495673"/>
-            <a:ext cx="1646605" cy="461665"/>
-          </a:xfrm>
-          <a:prstGeom prst="rect">
-            <a:avLst/>
-          </a:prstGeom>
-          <a:noFill/>
-        </p:spPr>
-        <p:txBody>
-          <a:bodyPr wrap="none" rtlCol="0">
-            <a:spAutoFit/>
-          </a:bodyPr>
-          <a:lstStyle/>
-          <a:p>
-            <a:pPr algn="r"/>
-            <a:r>
-              <a:rPr kumimoji="1" lang="en-US" altLang="ko-KR" sz="1200" dirty="0">
-                <a:solidFill>
-                  <a:schemeClr val="bg1">
-                    <a:lumMod val="50000"/>
-                  </a:schemeClr>
-                </a:solidFill>
-              </a:rPr>
-              <a:t>NH </a:t>
-            </a:r>
-            <a:r>
-              <a:rPr kumimoji="1" lang="ko-KR" altLang="en-US" sz="1200" dirty="0">
-                <a:solidFill>
-                  <a:schemeClr val="bg1">
-                    <a:lumMod val="50000"/>
-                  </a:schemeClr>
-                </a:solidFill>
-              </a:rPr>
-              <a:t>농협</a:t>
-            </a:r>
-            <a:endParaRPr kumimoji="1" lang="en-US" altLang="ko-KR" sz="1200" dirty="0">
-              <a:solidFill>
-                <a:schemeClr val="bg1">
-                  <a:lumMod val="50000"/>
-                </a:schemeClr>
-              </a:solidFill>
-            </a:endParaRPr>
-          </a:p>
-          <a:p>
-            <a:pPr algn="r"/>
-            <a:r>
-              <a:rPr kumimoji="1" lang="en-US" altLang="ko-KR" sz="1200" dirty="0">
-                <a:solidFill>
-                  <a:schemeClr val="bg1">
-                    <a:lumMod val="50000"/>
-                  </a:schemeClr>
-                </a:solidFill>
-              </a:rPr>
-              <a:t>302-1016-0321-1230</a:t>
-            </a:r>
-            <a:endParaRPr kumimoji="1" lang="ko-KR" altLang="en-US" sz="1200" dirty="0">
-              <a:solidFill>
-                <a:schemeClr val="bg1">
-                  <a:lumMod val="50000"/>
-                </a:schemeClr>
-              </a:solidFill>
-            </a:endParaRPr>
-          </a:p>
-        </p:txBody>
-      </p:sp>
-      <p:sp>
-        <p:nvSpPr>
-          <p:cNvPr id="27" name="모서리가 둥근 직사각형 26">
-            <a:extLst>
-              <a:ext uri="{FF2B5EF4-FFF2-40B4-BE49-F238E27FC236}">
-                <a16:creationId xmlns:a16="http://schemas.microsoft.com/office/drawing/2014/main" xmlns="" id="{E9F8B3E1-B4B3-B149-A1FB-5E80A693149E}"/>
-              </a:ext>
-            </a:extLst>
-          </p:cNvPr>
-          <p:cNvSpPr/>
-          <p:nvPr/>
-        </p:nvSpPr>
-        <p:spPr>
-          <a:xfrm>
-            <a:off x="5178918" y="3597810"/>
-            <a:ext cx="1848323" cy="234616"/>
-          </a:xfrm>
-          <a:prstGeom prst="roundRect">
-            <a:avLst>
-              <a:gd name="adj" fmla="val 12230"/>
-            </a:avLst>
-          </a:prstGeom>
-          <a:solidFill>
-            <a:srgbClr val="F6F6F6"/>
-          </a:solidFill>
-          <a:ln>
-            <a:solidFill>
-              <a:schemeClr val="bg1">
-                <a:lumMod val="75000"/>
-              </a:schemeClr>
-            </a:solidFill>
-          </a:ln>
-        </p:spPr>
-        <p:style>
-          <a:lnRef idx="2">
-            <a:schemeClr val="accent1">
-              <a:shade val="50000"/>
-            </a:schemeClr>
-          </a:lnRef>
-          <a:fillRef idx="1">
-            <a:schemeClr val="accent1"/>
-          </a:fillRef>
-          <a:effectRef idx="0">
-            <a:schemeClr val="accent1"/>
-          </a:effectRef>
-          <a:fontRef idx="minor">
-            <a:schemeClr val="lt1"/>
-          </a:fontRef>
-        </p:style>
-        <p:txBody>
-          <a:bodyPr rot="0" spcFirstLastPara="0" vertOverflow="overflow" horzOverflow="overflow" vert="horz" wrap="square" lIns="91440" tIns="45720" rIns="91440" bIns="45720" numCol="1" spcCol="0" rtlCol="0" fromWordArt="0" anchor="ctr" anchorCtr="0" forceAA="0" compatLnSpc="1">
-            <a:prstTxWarp prst="textNoShape">
-              <a:avLst/>
-            </a:prstTxWarp>
-            <a:noAutofit/>
-          </a:bodyPr>
-          <a:lstStyle/>
-          <a:p>
-            <a:pPr algn="ctr"/>
-            <a:r>
-              <a:rPr kumimoji="1" lang="en-US" altLang="ko-KR" sz="1000" dirty="0">
-                <a:solidFill>
-                  <a:schemeClr val="bg1">
-                    <a:lumMod val="50000"/>
-                  </a:schemeClr>
-                </a:solidFill>
-              </a:rPr>
-              <a:t>Account</a:t>
-            </a:r>
-            <a:r>
-              <a:rPr kumimoji="1" lang="ko-KR" altLang="en-US" sz="1000" dirty="0">
-                <a:solidFill>
-                  <a:schemeClr val="bg1">
-                    <a:lumMod val="50000"/>
-                  </a:schemeClr>
-                </a:solidFill>
-              </a:rPr>
-              <a:t> </a:t>
-            </a:r>
-            <a:r>
-              <a:rPr kumimoji="1" lang="en-US" altLang="ko-KR" sz="1000" dirty="0">
-                <a:solidFill>
-                  <a:schemeClr val="bg1">
-                    <a:lumMod val="50000"/>
-                  </a:schemeClr>
-                </a:solidFill>
-              </a:rPr>
-              <a:t>Number</a:t>
-            </a:r>
-            <a:endParaRPr kumimoji="1" lang="ko-KR" altLang="en-US" sz="1000" dirty="0">
-              <a:solidFill>
-                <a:schemeClr val="bg1">
-                  <a:lumMod val="50000"/>
-                </a:schemeClr>
-              </a:solidFill>
-            </a:endParaRPr>
-          </a:p>
-        </p:txBody>
-      </p:sp>
-      <p:cxnSp>
-        <p:nvCxnSpPr>
-          <p:cNvPr id="7" name="직선 연결선[R] 6">
-            <a:extLst>
-              <a:ext uri="{FF2B5EF4-FFF2-40B4-BE49-F238E27FC236}">
-                <a16:creationId xmlns:a16="http://schemas.microsoft.com/office/drawing/2014/main" xmlns="" id="{C37948BC-65C1-2448-A2EC-23EA3452E453}"/>
-              </a:ext>
-            </a:extLst>
-          </p:cNvPr>
-          <p:cNvCxnSpPr/>
-          <p:nvPr/>
-        </p:nvCxnSpPr>
-        <p:spPr>
-          <a:xfrm>
-            <a:off x="4986670" y="2416637"/>
-            <a:ext cx="951614" cy="0"/>
-          </a:xfrm>
-          <a:prstGeom prst="line">
-            <a:avLst/>
-          </a:prstGeom>
-          <a:ln>
-            <a:solidFill>
-              <a:schemeClr val="tx1"/>
-            </a:solidFill>
-          </a:ln>
-        </p:spPr>
-        <p:style>
-          <a:lnRef idx="1">
-            <a:schemeClr val="accent1"/>
-          </a:lnRef>
-          <a:fillRef idx="0">
-            <a:schemeClr val="accent1"/>
-          </a:fillRef>
-          <a:effectRef idx="0">
-            <a:schemeClr val="accent1"/>
-          </a:effectRef>
-          <a:fontRef idx="minor">
-            <a:schemeClr val="tx1"/>
-          </a:fontRef>
-        </p:style>
-      </p:cxnSp>
-      <p:sp>
-        <p:nvSpPr>
-          <p:cNvPr id="32" name="자유형 31">
-            <a:extLst>
-              <a:ext uri="{FF2B5EF4-FFF2-40B4-BE49-F238E27FC236}">
-                <a16:creationId xmlns:a16="http://schemas.microsoft.com/office/drawing/2014/main" xmlns="" id="{667A8658-5E69-F440-A283-007B7061E1AC}"/>
-              </a:ext>
-            </a:extLst>
-          </p:cNvPr>
-          <p:cNvSpPr/>
-          <p:nvPr/>
-        </p:nvSpPr>
-        <p:spPr>
-          <a:xfrm>
-            <a:off x="5178918" y="3294558"/>
-            <a:ext cx="1601869" cy="234616"/>
-          </a:xfrm>
-          <a:custGeom>
-            <a:avLst/>
-            <a:gdLst>
-              <a:gd name="connsiteX0" fmla="*/ 28694 w 1601869"/>
-              <a:gd name="connsiteY0" fmla="*/ 0 h 234616"/>
-              <a:gd name="connsiteX1" fmla="*/ 1601869 w 1601869"/>
-              <a:gd name="connsiteY1" fmla="*/ 0 h 234616"/>
-              <a:gd name="connsiteX2" fmla="*/ 1601869 w 1601869"/>
-              <a:gd name="connsiteY2" fmla="*/ 234616 h 234616"/>
-              <a:gd name="connsiteX3" fmla="*/ 28694 w 1601869"/>
-              <a:gd name="connsiteY3" fmla="*/ 234616 h 234616"/>
-              <a:gd name="connsiteX4" fmla="*/ 0 w 1601869"/>
-              <a:gd name="connsiteY4" fmla="*/ 205922 h 234616"/>
-              <a:gd name="connsiteX5" fmla="*/ 0 w 1601869"/>
-              <a:gd name="connsiteY5" fmla="*/ 28694 h 234616"/>
-              <a:gd name="connsiteX6" fmla="*/ 28694 w 1601869"/>
-              <a:gd name="connsiteY6" fmla="*/ 0 h 234616"/>
-            </a:gdLst>
-            <a:ahLst/>
-            <a:cxnLst>
-              <a:cxn ang="0">
-                <a:pos x="connsiteX0" y="connsiteY0"/>
-              </a:cxn>
-              <a:cxn ang="0">
-                <a:pos x="connsiteX1" y="connsiteY1"/>
-              </a:cxn>
-              <a:cxn ang="0">
-                <a:pos x="connsiteX2" y="connsiteY2"/>
-              </a:cxn>
-              <a:cxn ang="0">
-                <a:pos x="connsiteX3" y="connsiteY3"/>
-              </a:cxn>
-              <a:cxn ang="0">
-                <a:pos x="connsiteX4" y="connsiteY4"/>
-              </a:cxn>
-              <a:cxn ang="0">
-                <a:pos x="connsiteX5" y="connsiteY5"/>
-              </a:cxn>
-              <a:cxn ang="0">
-                <a:pos x="connsiteX6" y="connsiteY6"/>
-              </a:cxn>
-            </a:cxnLst>
-            <a:rect l="l" t="t" r="r" b="b"/>
-            <a:pathLst>
-              <a:path w="1601869" h="234616">
-                <a:moveTo>
-                  <a:pt x="28694" y="0"/>
-                </a:moveTo>
-                <a:lnTo>
-                  <a:pt x="1601869" y="0"/>
-                </a:lnTo>
-                <a:lnTo>
-                  <a:pt x="1601869" y="234616"/>
-                </a:lnTo>
-                <a:lnTo>
-                  <a:pt x="28694" y="234616"/>
-                </a:lnTo>
-                <a:cubicBezTo>
-                  <a:pt x="12847" y="234616"/>
-                  <a:pt x="0" y="221769"/>
-                  <a:pt x="0" y="205922"/>
-                </a:cubicBezTo>
-                <a:lnTo>
-                  <a:pt x="0" y="28694"/>
-                </a:lnTo>
-                <a:cubicBezTo>
-                  <a:pt x="0" y="12847"/>
-                  <a:pt x="12847" y="0"/>
-                  <a:pt x="28694" y="0"/>
-                </a:cubicBezTo>
-                <a:close/>
-              </a:path>
-            </a:pathLst>
-          </a:custGeom>
-          <a:solidFill>
-            <a:srgbClr val="F6F6F6"/>
-          </a:solidFill>
-          <a:ln>
-            <a:solidFill>
-              <a:schemeClr val="bg1">
-                <a:lumMod val="75000"/>
-              </a:schemeClr>
-            </a:solidFill>
-          </a:ln>
-        </p:spPr>
-        <p:style>
-          <a:lnRef idx="2">
-            <a:schemeClr val="accent1">
-              <a:shade val="50000"/>
-            </a:schemeClr>
-          </a:lnRef>
-          <a:fillRef idx="1">
-            <a:schemeClr val="accent1"/>
-          </a:fillRef>
-          <a:effectRef idx="0">
-            <a:schemeClr val="accent1"/>
-          </a:effectRef>
-          <a:fontRef idx="minor">
-            <a:schemeClr val="lt1"/>
-          </a:fontRef>
-        </p:style>
-        <p:txBody>
-          <a:bodyPr rot="0" spcFirstLastPara="0" vertOverflow="overflow" horzOverflow="overflow" vert="horz" wrap="square" lIns="91440" tIns="45720" rIns="91440" bIns="45720" numCol="1" spcCol="0" rtlCol="0" fromWordArt="0" anchor="ctr" anchorCtr="0" forceAA="0" compatLnSpc="1">
-            <a:prstTxWarp prst="textNoShape">
-              <a:avLst/>
-            </a:prstTxWarp>
-            <a:noAutofit/>
-          </a:bodyPr>
-          <a:lstStyle/>
-          <a:p>
-            <a:pPr algn="ctr"/>
-            <a:r>
-              <a:rPr kumimoji="1" lang="en-US" altLang="ko-KR" sz="1000" dirty="0">
-                <a:solidFill>
-                  <a:schemeClr val="bg1">
-                    <a:lumMod val="50000"/>
-                  </a:schemeClr>
-                </a:solidFill>
-              </a:rPr>
-              <a:t>Bank Name</a:t>
-            </a:r>
-            <a:endParaRPr kumimoji="1" lang="ko-KR" altLang="en-US" sz="1000" dirty="0">
-              <a:solidFill>
-                <a:schemeClr val="bg1">
-                  <a:lumMod val="50000"/>
-                </a:schemeClr>
-              </a:solidFill>
-            </a:endParaRPr>
-          </a:p>
-        </p:txBody>
-      </p:sp>
-      <p:sp>
-        <p:nvSpPr>
-          <p:cNvPr id="34" name="자유형 33">
-            <a:extLst>
-              <a:ext uri="{FF2B5EF4-FFF2-40B4-BE49-F238E27FC236}">
-                <a16:creationId xmlns:a16="http://schemas.microsoft.com/office/drawing/2014/main" xmlns="" id="{FBE03D53-FB4E-EC47-B450-141E936B4217}"/>
-              </a:ext>
-            </a:extLst>
-          </p:cNvPr>
-          <p:cNvSpPr/>
-          <p:nvPr/>
-        </p:nvSpPr>
-        <p:spPr>
-          <a:xfrm>
-            <a:off x="6800779" y="3294558"/>
-            <a:ext cx="226462" cy="234616"/>
-          </a:xfrm>
-          <a:custGeom>
-            <a:avLst/>
-            <a:gdLst>
-              <a:gd name="connsiteX0" fmla="*/ 0 w 226462"/>
-              <a:gd name="connsiteY0" fmla="*/ 0 h 234616"/>
-              <a:gd name="connsiteX1" fmla="*/ 197768 w 226462"/>
-              <a:gd name="connsiteY1" fmla="*/ 0 h 234616"/>
-              <a:gd name="connsiteX2" fmla="*/ 226462 w 226462"/>
-              <a:gd name="connsiteY2" fmla="*/ 28694 h 234616"/>
-              <a:gd name="connsiteX3" fmla="*/ 226462 w 226462"/>
-              <a:gd name="connsiteY3" fmla="*/ 205922 h 234616"/>
-              <a:gd name="connsiteX4" fmla="*/ 197768 w 226462"/>
-              <a:gd name="connsiteY4" fmla="*/ 234616 h 234616"/>
-              <a:gd name="connsiteX5" fmla="*/ 0 w 226462"/>
-              <a:gd name="connsiteY5" fmla="*/ 234616 h 234616"/>
-            </a:gdLst>
-            <a:ahLst/>
-            <a:cxnLst>
-              <a:cxn ang="0">
-                <a:pos x="connsiteX0" y="connsiteY0"/>
-              </a:cxn>
-              <a:cxn ang="0">
-                <a:pos x="connsiteX1" y="connsiteY1"/>
-              </a:cxn>
-              <a:cxn ang="0">
-                <a:pos x="connsiteX2" y="connsiteY2"/>
-              </a:cxn>
-              <a:cxn ang="0">
-                <a:pos x="connsiteX3" y="connsiteY3"/>
-              </a:cxn>
-              <a:cxn ang="0">
-                <a:pos x="connsiteX4" y="connsiteY4"/>
-              </a:cxn>
-              <a:cxn ang="0">
-                <a:pos x="connsiteX5" y="connsiteY5"/>
-              </a:cxn>
-            </a:cxnLst>
-            <a:rect l="l" t="t" r="r" b="b"/>
-            <a:pathLst>
-              <a:path w="226462" h="234616">
-                <a:moveTo>
-                  <a:pt x="0" y="0"/>
-                </a:moveTo>
-                <a:lnTo>
-                  <a:pt x="197768" y="0"/>
-                </a:lnTo>
-                <a:cubicBezTo>
-                  <a:pt x="213615" y="0"/>
-                  <a:pt x="226462" y="12847"/>
-                  <a:pt x="226462" y="28694"/>
-                </a:cubicBezTo>
-                <a:lnTo>
-                  <a:pt x="226462" y="205922"/>
-                </a:lnTo>
-                <a:cubicBezTo>
-                  <a:pt x="226462" y="221769"/>
-                  <a:pt x="213615" y="234616"/>
-                  <a:pt x="197768" y="234616"/>
-                </a:cubicBezTo>
-                <a:lnTo>
-                  <a:pt x="0" y="234616"/>
-                </a:lnTo>
-                <a:close/>
-              </a:path>
-            </a:pathLst>
-          </a:custGeom>
-          <a:solidFill>
-            <a:srgbClr val="F6F6F6"/>
-          </a:solidFill>
-          <a:ln>
-            <a:solidFill>
-              <a:schemeClr val="bg1">
-                <a:lumMod val="75000"/>
-              </a:schemeClr>
-            </a:solidFill>
-          </a:ln>
-        </p:spPr>
-        <p:style>
-          <a:lnRef idx="2">
-            <a:schemeClr val="accent1">
-              <a:shade val="50000"/>
-            </a:schemeClr>
-          </a:lnRef>
-          <a:fillRef idx="1">
-            <a:schemeClr val="accent1"/>
-          </a:fillRef>
-          <a:effectRef idx="0">
-            <a:schemeClr val="accent1"/>
-          </a:effectRef>
-          <a:fontRef idx="minor">
-            <a:schemeClr val="lt1"/>
-          </a:fontRef>
-        </p:style>
-        <p:txBody>
-          <a:bodyPr rot="0" spcFirstLastPara="0" vertOverflow="overflow" horzOverflow="overflow" vert="horz" wrap="square" lIns="91440" tIns="45720" rIns="91440" bIns="45720" numCol="1" spcCol="0" rtlCol="0" fromWordArt="0" anchor="ctr" anchorCtr="0" forceAA="0" compatLnSpc="1">
-            <a:prstTxWarp prst="textNoShape">
-              <a:avLst/>
-            </a:prstTxWarp>
-            <a:noAutofit/>
-          </a:bodyPr>
-          <a:lstStyle/>
-          <a:p>
-            <a:pPr algn="ctr"/>
-            <a:endParaRPr kumimoji="1" lang="ko-KR" altLang="en-US" sz="1000" dirty="0">
-              <a:solidFill>
-                <a:schemeClr val="bg1">
-                  <a:lumMod val="50000"/>
-                </a:schemeClr>
-              </a:solidFill>
-            </a:endParaRPr>
-          </a:p>
-        </p:txBody>
-      </p:sp>
-      <p:sp>
-        <p:nvSpPr>
-          <p:cNvPr id="9" name="삼각형 8">
-            <a:extLst>
-              <a:ext uri="{FF2B5EF4-FFF2-40B4-BE49-F238E27FC236}">
-                <a16:creationId xmlns:a16="http://schemas.microsoft.com/office/drawing/2014/main" xmlns="" id="{88083F91-A303-4646-8621-C44DA320BF0A}"/>
-              </a:ext>
-            </a:extLst>
-          </p:cNvPr>
-          <p:cNvSpPr/>
-          <p:nvPr/>
-        </p:nvSpPr>
-        <p:spPr>
-          <a:xfrm flipV="1">
-            <a:off x="6842252" y="3358831"/>
-            <a:ext cx="138219" cy="123593"/>
-          </a:xfrm>
-          <a:prstGeom prst="triangle">
-            <a:avLst/>
-          </a:prstGeom>
-          <a:solidFill>
-            <a:schemeClr val="bg1"/>
-          </a:solidFill>
-          <a:ln>
-            <a:solidFill>
-              <a:schemeClr val="bg1">
-                <a:lumMod val="75000"/>
-              </a:schemeClr>
-            </a:solidFill>
-          </a:ln>
-        </p:spPr>
-        <p:style>
-          <a:lnRef idx="2">
-            <a:schemeClr val="accent1">
-              <a:shade val="50000"/>
-            </a:schemeClr>
-          </a:lnRef>
-          <a:fillRef idx="1">
-            <a:schemeClr val="accent1"/>
-          </a:fillRef>
-          <a:effectRef idx="0">
-            <a:schemeClr val="accent1"/>
-          </a:effectRef>
-          <a:fontRef idx="minor">
-            <a:schemeClr val="lt1"/>
-          </a:fontRef>
-        </p:style>
-        <p:txBody>
-          <a:bodyPr rtlCol="0" anchor="ctr"/>
-          <a:lstStyle/>
-          <a:p>
-            <a:pPr algn="ctr"/>
-            <a:endParaRPr kumimoji="1" lang="ko-KR" altLang="en-US"/>
-          </a:p>
-        </p:txBody>
-      </p:sp>
-      <p:sp>
-        <p:nvSpPr>
-          <p:cNvPr id="37" name="모서리가 둥근 직사각형 36">
-            <a:extLst>
-              <a:ext uri="{FF2B5EF4-FFF2-40B4-BE49-F238E27FC236}">
-                <a16:creationId xmlns:a16="http://schemas.microsoft.com/office/drawing/2014/main" xmlns="" id="{9A63A9A5-7F92-784A-9914-64730658121F}"/>
-              </a:ext>
-            </a:extLst>
-          </p:cNvPr>
-          <p:cNvSpPr/>
-          <p:nvPr/>
-        </p:nvSpPr>
-        <p:spPr>
-          <a:xfrm>
-            <a:off x="5178918" y="4555915"/>
-            <a:ext cx="1848323" cy="234616"/>
-          </a:xfrm>
-          <a:prstGeom prst="roundRect">
-            <a:avLst>
-              <a:gd name="adj" fmla="val 12230"/>
-            </a:avLst>
-          </a:prstGeom>
-          <a:solidFill>
-            <a:srgbClr val="F6F6F6"/>
-          </a:solidFill>
-          <a:ln>
-            <a:solidFill>
-              <a:schemeClr val="bg1">
-                <a:lumMod val="75000"/>
-              </a:schemeClr>
-            </a:solidFill>
-          </a:ln>
-        </p:spPr>
-        <p:style>
-          <a:lnRef idx="2">
-            <a:schemeClr val="accent1">
-              <a:shade val="50000"/>
-            </a:schemeClr>
-          </a:lnRef>
-          <a:fillRef idx="1">
-            <a:schemeClr val="accent1"/>
-          </a:fillRef>
-          <a:effectRef idx="0">
-            <a:schemeClr val="accent1"/>
-          </a:effectRef>
-          <a:fontRef idx="minor">
-            <a:schemeClr val="lt1"/>
-          </a:fontRef>
-        </p:style>
-        <p:txBody>
-          <a:bodyPr rot="0" spcFirstLastPara="0" vertOverflow="overflow" horzOverflow="overflow" vert="horz" wrap="square" lIns="91440" tIns="45720" rIns="91440" bIns="45720" numCol="1" spcCol="0" rtlCol="0" fromWordArt="0" anchor="ctr" anchorCtr="0" forceAA="0" compatLnSpc="1">
-            <a:prstTxWarp prst="textNoShape">
-              <a:avLst/>
-            </a:prstTxWarp>
-            <a:noAutofit/>
-          </a:bodyPr>
-          <a:lstStyle/>
-          <a:p>
-            <a:pPr algn="ctr"/>
-            <a:r>
-              <a:rPr kumimoji="1" lang="en-US" altLang="ko-KR" sz="1000" dirty="0">
-                <a:solidFill>
-                  <a:schemeClr val="bg1">
-                    <a:lumMod val="50000"/>
-                  </a:schemeClr>
-                </a:solidFill>
-              </a:rPr>
-              <a:t>Password</a:t>
-            </a:r>
-            <a:endParaRPr kumimoji="1" lang="ko-KR" altLang="en-US" sz="1000" dirty="0">
-              <a:solidFill>
-                <a:schemeClr val="bg1">
-                  <a:lumMod val="50000"/>
-                </a:schemeClr>
-              </a:solidFill>
-            </a:endParaRPr>
-          </a:p>
-        </p:txBody>
-      </p:sp>
-      <p:sp>
-        <p:nvSpPr>
-          <p:cNvPr id="45" name="자유형 44">
-            <a:extLst>
-              <a:ext uri="{FF2B5EF4-FFF2-40B4-BE49-F238E27FC236}">
-                <a16:creationId xmlns:a16="http://schemas.microsoft.com/office/drawing/2014/main" xmlns="" id="{795094E0-E2BC-6F4A-9605-45B68F1A5415}"/>
-              </a:ext>
-            </a:extLst>
-          </p:cNvPr>
-          <p:cNvSpPr/>
-          <p:nvPr/>
-        </p:nvSpPr>
-        <p:spPr>
-          <a:xfrm rot="13405530">
-            <a:off x="6390221" y="1537875"/>
-            <a:ext cx="43065" cy="210710"/>
-          </a:xfrm>
-          <a:custGeom>
-            <a:avLst/>
-            <a:gdLst>
-              <a:gd name="connsiteX0" fmla="*/ 0 w 1060704"/>
-              <a:gd name="connsiteY0" fmla="*/ 5330311 h 5708910"/>
-              <a:gd name="connsiteX1" fmla="*/ 1060704 w 1060704"/>
-              <a:gd name="connsiteY1" fmla="*/ 5330311 h 5708910"/>
-              <a:gd name="connsiteX2" fmla="*/ 1060704 w 1060704"/>
-              <a:gd name="connsiteY2" fmla="*/ 5708910 h 5708910"/>
-              <a:gd name="connsiteX3" fmla="*/ 0 w 1060704"/>
-              <a:gd name="connsiteY3" fmla="*/ 5708910 h 5708910"/>
-              <a:gd name="connsiteX4" fmla="*/ 0 w 1060704"/>
-              <a:gd name="connsiteY4" fmla="*/ 1164371 h 5708910"/>
-              <a:gd name="connsiteX5" fmla="*/ 1060704 w 1060704"/>
-              <a:gd name="connsiteY5" fmla="*/ 1164371 h 5708910"/>
-              <a:gd name="connsiteX6" fmla="*/ 1060704 w 1060704"/>
-              <a:gd name="connsiteY6" fmla="*/ 5084090 h 5708910"/>
-              <a:gd name="connsiteX7" fmla="*/ 0 w 1060704"/>
-              <a:gd name="connsiteY7" fmla="*/ 5084090 h 5708910"/>
-              <a:gd name="connsiteX8" fmla="*/ 530352 w 1060704"/>
-              <a:gd name="connsiteY8" fmla="*/ 0 h 5708910"/>
-              <a:gd name="connsiteX9" fmla="*/ 1060704 w 1060704"/>
-              <a:gd name="connsiteY9" fmla="*/ 914400 h 5708910"/>
-              <a:gd name="connsiteX10" fmla="*/ 0 w 1060704"/>
-              <a:gd name="connsiteY10" fmla="*/ 914400 h 5708910"/>
-            </a:gdLst>
-            <a:ahLst/>
-            <a:cxnLst>
-              <a:cxn ang="0">
-                <a:pos x="connsiteX0" y="connsiteY0"/>
-              </a:cxn>
-              <a:cxn ang="0">
-                <a:pos x="connsiteX1" y="connsiteY1"/>
-              </a:cxn>
-              <a:cxn ang="0">
-                <a:pos x="connsiteX2" y="connsiteY2"/>
-              </a:cxn>
-              <a:cxn ang="0">
-                <a:pos x="connsiteX3" y="connsiteY3"/>
-              </a:cxn>
-              <a:cxn ang="0">
-                <a:pos x="connsiteX4" y="connsiteY4"/>
-              </a:cxn>
-              <a:cxn ang="0">
-                <a:pos x="connsiteX5" y="connsiteY5"/>
-              </a:cxn>
-              <a:cxn ang="0">
-                <a:pos x="connsiteX6" y="connsiteY6"/>
-              </a:cxn>
-              <a:cxn ang="0">
-                <a:pos x="connsiteX7" y="connsiteY7"/>
-              </a:cxn>
-              <a:cxn ang="0">
-                <a:pos x="connsiteX8" y="connsiteY8"/>
-              </a:cxn>
-              <a:cxn ang="0">
-                <a:pos x="connsiteX9" y="connsiteY9"/>
-              </a:cxn>
-              <a:cxn ang="0">
-                <a:pos x="connsiteX10" y="connsiteY10"/>
-              </a:cxn>
-            </a:cxnLst>
-            <a:rect l="l" t="t" r="r" b="b"/>
-            <a:pathLst>
-              <a:path w="1060704" h="5708910">
-                <a:moveTo>
-                  <a:pt x="0" y="5330311"/>
-                </a:moveTo>
-                <a:lnTo>
-                  <a:pt x="1060704" y="5330311"/>
-                </a:lnTo>
-                <a:lnTo>
-                  <a:pt x="1060704" y="5708910"/>
-                </a:lnTo>
-                <a:lnTo>
-                  <a:pt x="0" y="5708910"/>
-                </a:lnTo>
-                <a:close/>
-                <a:moveTo>
-                  <a:pt x="0" y="1164371"/>
-                </a:moveTo>
-                <a:lnTo>
-                  <a:pt x="1060704" y="1164371"/>
-                </a:lnTo>
-                <a:lnTo>
-                  <a:pt x="1060704" y="5084090"/>
-                </a:lnTo>
-                <a:lnTo>
-                  <a:pt x="0" y="5084090"/>
-                </a:lnTo>
-                <a:close/>
-                <a:moveTo>
-                  <a:pt x="530352" y="0"/>
-                </a:moveTo>
-                <a:lnTo>
-                  <a:pt x="1060704" y="914400"/>
-                </a:lnTo>
-                <a:lnTo>
-                  <a:pt x="0" y="914400"/>
-                </a:lnTo>
-                <a:close/>
-              </a:path>
-            </a:pathLst>
-          </a:custGeom>
-          <a:solidFill>
-            <a:schemeClr val="tx1">
-              <a:lumMod val="50000"/>
-              <a:lumOff val="50000"/>
-            </a:schemeClr>
-          </a:solidFill>
-          <a:ln>
-            <a:noFill/>
-          </a:ln>
-        </p:spPr>
-        <p:style>
-          <a:lnRef idx="2">
-            <a:schemeClr val="accent1">
-              <a:shade val="50000"/>
-            </a:schemeClr>
-          </a:lnRef>
-          <a:fillRef idx="1">
-            <a:schemeClr val="accent1"/>
-          </a:fillRef>
-          <a:effectRef idx="0">
-            <a:schemeClr val="accent1"/>
-          </a:effectRef>
-          <a:fontRef idx="minor">
-            <a:schemeClr val="lt1"/>
-          </a:fontRef>
-        </p:style>
-        <p:txBody>
-          <a:bodyPr rtlCol="0" anchor="ctr"/>
-          <a:lstStyle/>
-          <a:p>
-            <a:pPr algn="ctr"/>
-            <a:endParaRPr kumimoji="1" lang="ko-KR" altLang="en-US"/>
-          </a:p>
-        </p:txBody>
-      </p:sp>
-      <p:sp>
-        <p:nvSpPr>
-          <p:cNvPr id="25" name="TextBox 24">
-            <a:extLst>
-              <a:ext uri="{FF2B5EF4-FFF2-40B4-BE49-F238E27FC236}">
-                <a16:creationId xmlns:a16="http://schemas.microsoft.com/office/drawing/2014/main" xmlns="" id="{69074E22-F89C-A349-8330-71928693398F}"/>
-              </a:ext>
-            </a:extLst>
-          </p:cNvPr>
-          <p:cNvSpPr txBox="1"/>
-          <p:nvPr/>
-        </p:nvSpPr>
-        <p:spPr>
-          <a:xfrm>
-            <a:off x="5525535" y="6485507"/>
-            <a:ext cx="1141659" cy="253916"/>
-          </a:xfrm>
-          <a:prstGeom prst="rect">
-            <a:avLst/>
-          </a:prstGeom>
-          <a:noFill/>
-        </p:spPr>
-        <p:txBody>
-          <a:bodyPr wrap="none" rtlCol="0">
-            <a:spAutoFit/>
-          </a:bodyPr>
-          <a:lstStyle/>
-          <a:p>
-            <a:r>
-              <a:rPr kumimoji="1" lang="en-US" altLang="ko-KR" sz="1050" dirty="0">
-                <a:solidFill>
-                  <a:schemeClr val="bg1">
-                    <a:lumMod val="50000"/>
-                  </a:schemeClr>
-                </a:solidFill>
-              </a:rPr>
-              <a:t>@ </a:t>
-            </a:r>
-            <a:r>
-              <a:rPr kumimoji="1" lang="en-US" altLang="ko-KR" sz="1050" dirty="0" err="1">
-                <a:solidFill>
-                  <a:schemeClr val="bg1">
-                    <a:lumMod val="50000"/>
-                  </a:schemeClr>
-                </a:solidFill>
-              </a:rPr>
-              <a:t>about_JCube</a:t>
-            </a:r>
-            <a:endParaRPr kumimoji="1" lang="en-US" altLang="ko-KR" sz="1050" dirty="0">
-              <a:solidFill>
-                <a:schemeClr val="bg1">
-                  <a:lumMod val="50000"/>
-                </a:schemeClr>
-              </a:solidFill>
-            </a:endParaRPr>
-          </a:p>
-        </p:txBody>
-      </p:sp>
-      <p:sp>
-        <p:nvSpPr>
-          <p:cNvPr id="26" name="TextBox 25">
-            <a:extLst>
-              <a:ext uri="{FF2B5EF4-FFF2-40B4-BE49-F238E27FC236}">
-                <a16:creationId xmlns:a16="http://schemas.microsoft.com/office/drawing/2014/main" xmlns="" id="{001529B2-C00D-4D4F-BEB9-70140837CDB4}"/>
-              </a:ext>
-            </a:extLst>
-          </p:cNvPr>
-          <p:cNvSpPr txBox="1"/>
-          <p:nvPr/>
-        </p:nvSpPr>
-        <p:spPr>
-          <a:xfrm>
-            <a:off x="5754268" y="6299817"/>
-            <a:ext cx="697627" cy="246221"/>
-          </a:xfrm>
-          <a:prstGeom prst="rect">
-            <a:avLst/>
-          </a:prstGeom>
-          <a:noFill/>
-        </p:spPr>
-        <p:txBody>
-          <a:bodyPr wrap="none" rtlCol="0">
-            <a:spAutoFit/>
-          </a:bodyPr>
-          <a:lstStyle/>
-          <a:p>
-            <a:pPr algn="ctr"/>
-            <a:r>
-              <a:rPr kumimoji="1" lang="ko-KR" altLang="en-US" sz="1000" dirty="0">
-                <a:solidFill>
-                  <a:srgbClr val="00B0F0"/>
-                </a:solidFill>
-              </a:rPr>
-              <a:t>로그아웃</a:t>
-            </a:r>
-          </a:p>
-        </p:txBody>
-      </p:sp>
-    </p:spTree>
-    <p:extLst>
-      <p:ext uri="{BB962C8B-B14F-4D97-AF65-F5344CB8AC3E}">
-        <p14:creationId xmlns:p14="http://schemas.microsoft.com/office/powerpoint/2010/main" val="275240030"/>
-      </p:ext>
-    </p:extLst>
-  </p:cSld>
-  <p:clrMapOvr>
-    <a:masterClrMapping/>
-  </p:clrMapOvr>
-</p:sld>
-</file>
-
-<file path=ppt/slides/slide6.xml><?xml version="1.0" encoding="utf-8"?>
-<p:sld xmlns:a="http://schemas.openxmlformats.org/drawingml/2006/main" xmlns:r="http://schemas.openxmlformats.org/officeDocument/2006/relationships" xmlns:p="http://schemas.openxmlformats.org/presentationml/2006/main">
-  <p:cSld>
-    <p:spTree>
-      <p:nvGrpSpPr>
-        <p:cNvPr id="1" name=""/>
-        <p:cNvGrpSpPr/>
-        <p:nvPr/>
-      </p:nvGrpSpPr>
-      <p:grpSpPr>
-        <a:xfrm>
-          <a:off x="0" y="0"/>
-          <a:ext cx="0" cy="0"/>
-          <a:chOff x="0" y="0"/>
-          <a:chExt cx="0" cy="0"/>
-        </a:xfrm>
-      </p:grpSpPr>
-      <p:sp>
-        <p:nvSpPr>
           <p:cNvPr id="13" name="직사각형 12">
             <a:extLst>
               <a:ext uri="{FF2B5EF4-FFF2-40B4-BE49-F238E27FC236}">
@@ -21629,7 +17832,7 @@
 </p:sld>
 </file>
 
-<file path=ppt/slides/slide7.xml><?xml version="1.0" encoding="utf-8"?>
+<file path=ppt/slides/slide6.xml><?xml version="1.0" encoding="utf-8"?>
 <p:sld xmlns:a="http://schemas.openxmlformats.org/drawingml/2006/main" xmlns:r="http://schemas.openxmlformats.org/officeDocument/2006/relationships" xmlns:p="http://schemas.openxmlformats.org/presentationml/2006/main">
   <p:cSld>
     <p:spTree>
@@ -23529,7 +19732,7 @@
 </p:sld>
 </file>
 
-<file path=ppt/slides/slide8.xml><?xml version="1.0" encoding="utf-8"?>
+<file path=ppt/slides/slide7.xml><?xml version="1.0" encoding="utf-8"?>
 <p:sld xmlns:a="http://schemas.openxmlformats.org/drawingml/2006/main" xmlns:r="http://schemas.openxmlformats.org/officeDocument/2006/relationships" xmlns:p="http://schemas.openxmlformats.org/presentationml/2006/main">
   <p:cSld>
     <p:spTree>
@@ -25420,7 +21623,7 @@
 </p:sld>
 </file>
 
-<file path=ppt/slides/slide9.xml><?xml version="1.0" encoding="utf-8"?>
+<file path=ppt/slides/slide8.xml><?xml version="1.0" encoding="utf-8"?>
 <p:sld xmlns:a="http://schemas.openxmlformats.org/drawingml/2006/main" xmlns:r="http://schemas.openxmlformats.org/officeDocument/2006/relationships" xmlns:p="http://schemas.openxmlformats.org/presentationml/2006/main">
   <p:cSld>
     <p:spTree>
@@ -26188,6 +22391,2021 @@
     <p:extLst>
       <p:ext uri="{BB962C8B-B14F-4D97-AF65-F5344CB8AC3E}">
         <p14:creationId xmlns:p14="http://schemas.microsoft.com/office/powerpoint/2010/main" val="305963057"/>
+      </p:ext>
+    </p:extLst>
+  </p:cSld>
+  <p:clrMapOvr>
+    <a:masterClrMapping/>
+  </p:clrMapOvr>
+</p:sld>
+</file>
+
+<file path=ppt/slides/slide9.xml><?xml version="1.0" encoding="utf-8"?>
+<p:sld xmlns:a="http://schemas.openxmlformats.org/drawingml/2006/main" xmlns:r="http://schemas.openxmlformats.org/officeDocument/2006/relationships" xmlns:p="http://schemas.openxmlformats.org/presentationml/2006/main">
+  <p:cSld>
+    <p:spTree>
+      <p:nvGrpSpPr>
+        <p:cNvPr id="1" name=""/>
+        <p:cNvGrpSpPr/>
+        <p:nvPr/>
+      </p:nvGrpSpPr>
+      <p:grpSpPr>
+        <a:xfrm>
+          <a:off x="0" y="0"/>
+          <a:ext cx="0" cy="0"/>
+          <a:chOff x="0" y="0"/>
+          <a:chExt cx="0" cy="0"/>
+        </a:xfrm>
+      </p:grpSpPr>
+      <p:sp>
+        <p:nvSpPr>
+          <p:cNvPr id="13" name="직사각형 12">
+            <a:extLst>
+              <a:ext uri="{FF2B5EF4-FFF2-40B4-BE49-F238E27FC236}">
+                <a16:creationId xmlns:a16="http://schemas.microsoft.com/office/drawing/2014/main" xmlns="" id="{1A09CB1E-61C8-BF41-8166-783D974FF436}"/>
+              </a:ext>
+            </a:extLst>
+          </p:cNvPr>
+          <p:cNvSpPr/>
+          <p:nvPr/>
+        </p:nvSpPr>
+        <p:spPr>
+          <a:xfrm>
+            <a:off x="0" y="0"/>
+            <a:ext cx="12192000" cy="563417"/>
+          </a:xfrm>
+          <a:prstGeom prst="rect">
+            <a:avLst/>
+          </a:prstGeom>
+          <a:solidFill>
+            <a:schemeClr val="bg1"/>
+          </a:solidFill>
+          <a:ln>
+            <a:solidFill>
+              <a:schemeClr val="bg1">
+                <a:lumMod val="75000"/>
+              </a:schemeClr>
+            </a:solidFill>
+          </a:ln>
+        </p:spPr>
+        <p:style>
+          <a:lnRef idx="2">
+            <a:schemeClr val="accent1">
+              <a:shade val="50000"/>
+            </a:schemeClr>
+          </a:lnRef>
+          <a:fillRef idx="1">
+            <a:schemeClr val="accent1"/>
+          </a:fillRef>
+          <a:effectRef idx="0">
+            <a:schemeClr val="accent1"/>
+          </a:effectRef>
+          <a:fontRef idx="minor">
+            <a:schemeClr val="lt1"/>
+          </a:fontRef>
+        </p:style>
+        <p:txBody>
+          <a:bodyPr rtlCol="0" anchor="ctr"/>
+          <a:lstStyle/>
+          <a:p>
+            <a:pPr algn="ctr"/>
+            <a:endParaRPr kumimoji="1" lang="ko-KR" altLang="en-US" dirty="0"/>
+          </a:p>
+        </p:txBody>
+      </p:sp>
+      <p:sp>
+        <p:nvSpPr>
+          <p:cNvPr id="14" name="TextBox 13">
+            <a:extLst>
+              <a:ext uri="{FF2B5EF4-FFF2-40B4-BE49-F238E27FC236}">
+                <a16:creationId xmlns:a16="http://schemas.microsoft.com/office/drawing/2014/main" xmlns="" id="{D92B28E7-D15C-C445-8715-5E7C0DEAE706}"/>
+              </a:ext>
+            </a:extLst>
+          </p:cNvPr>
+          <p:cNvSpPr txBox="1"/>
+          <p:nvPr/>
+        </p:nvSpPr>
+        <p:spPr>
+          <a:xfrm>
+            <a:off x="5137336" y="112431"/>
+            <a:ext cx="1931491" cy="338554"/>
+          </a:xfrm>
+          <a:prstGeom prst="rect">
+            <a:avLst/>
+          </a:prstGeom>
+          <a:noFill/>
+        </p:spPr>
+        <p:txBody>
+          <a:bodyPr wrap="none" rtlCol="0">
+            <a:spAutoFit/>
+          </a:bodyPr>
+          <a:lstStyle/>
+          <a:p>
+            <a:pPr algn="ctr"/>
+            <a:r>
+              <a:rPr kumimoji="1" lang="en-US" altLang="ko-KR" sz="1600" b="1" dirty="0"/>
+              <a:t>Dutch Broomstick</a:t>
+            </a:r>
+            <a:endParaRPr kumimoji="1" lang="ko-KR" altLang="en-US" sz="1600" b="1" dirty="0"/>
+          </a:p>
+        </p:txBody>
+      </p:sp>
+      <p:sp>
+        <p:nvSpPr>
+          <p:cNvPr id="21" name="직사각형 20">
+            <a:extLst>
+              <a:ext uri="{FF2B5EF4-FFF2-40B4-BE49-F238E27FC236}">
+                <a16:creationId xmlns:a16="http://schemas.microsoft.com/office/drawing/2014/main" xmlns="" id="{A871EC61-223C-0447-B82C-FEE0B482521B}"/>
+              </a:ext>
+            </a:extLst>
+          </p:cNvPr>
+          <p:cNvSpPr/>
+          <p:nvPr/>
+        </p:nvSpPr>
+        <p:spPr>
+          <a:xfrm>
+            <a:off x="4894025" y="3028780"/>
+            <a:ext cx="2403951" cy="2581193"/>
+          </a:xfrm>
+          <a:prstGeom prst="rect">
+            <a:avLst/>
+          </a:prstGeom>
+          <a:solidFill>
+            <a:schemeClr val="bg1"/>
+          </a:solidFill>
+          <a:ln>
+            <a:solidFill>
+              <a:schemeClr val="bg1">
+                <a:lumMod val="75000"/>
+              </a:schemeClr>
+            </a:solidFill>
+          </a:ln>
+        </p:spPr>
+        <p:style>
+          <a:lnRef idx="2">
+            <a:schemeClr val="accent1">
+              <a:shade val="50000"/>
+            </a:schemeClr>
+          </a:lnRef>
+          <a:fillRef idx="1">
+            <a:schemeClr val="accent1"/>
+          </a:fillRef>
+          <a:effectRef idx="0">
+            <a:schemeClr val="accent1"/>
+          </a:effectRef>
+          <a:fontRef idx="minor">
+            <a:schemeClr val="lt1"/>
+          </a:fontRef>
+        </p:style>
+        <p:txBody>
+          <a:bodyPr rtlCol="0" anchor="ctr"/>
+          <a:lstStyle/>
+          <a:p>
+            <a:pPr algn="ctr"/>
+            <a:endParaRPr kumimoji="1" lang="ko-KR" altLang="en-US" dirty="0"/>
+          </a:p>
+        </p:txBody>
+      </p:sp>
+      <p:sp>
+        <p:nvSpPr>
+          <p:cNvPr id="39" name="자유형 38">
+            <a:extLst>
+              <a:ext uri="{FF2B5EF4-FFF2-40B4-BE49-F238E27FC236}">
+                <a16:creationId xmlns:a16="http://schemas.microsoft.com/office/drawing/2014/main" xmlns="" id="{F01CBAAC-16CC-C243-A5ED-D0B15F1CFB90}"/>
+              </a:ext>
+            </a:extLst>
+          </p:cNvPr>
+          <p:cNvSpPr/>
+          <p:nvPr/>
+        </p:nvSpPr>
+        <p:spPr>
+          <a:xfrm>
+            <a:off x="5079422" y="4130809"/>
+            <a:ext cx="2033155" cy="585688"/>
+          </a:xfrm>
+          <a:custGeom>
+            <a:avLst/>
+            <a:gdLst>
+              <a:gd name="connsiteX0" fmla="*/ 1874303 w 2033155"/>
+              <a:gd name="connsiteY0" fmla="*/ 71218 h 585688"/>
+              <a:gd name="connsiteX1" fmla="*/ 1789532 w 2033155"/>
+              <a:gd name="connsiteY1" fmla="*/ 155989 h 585688"/>
+              <a:gd name="connsiteX2" fmla="*/ 1874303 w 2033155"/>
+              <a:gd name="connsiteY2" fmla="*/ 240760 h 585688"/>
+              <a:gd name="connsiteX3" fmla="*/ 1959074 w 2033155"/>
+              <a:gd name="connsiteY3" fmla="*/ 155989 h 585688"/>
+              <a:gd name="connsiteX4" fmla="*/ 1874303 w 2033155"/>
+              <a:gd name="connsiteY4" fmla="*/ 71218 h 585688"/>
+              <a:gd name="connsiteX5" fmla="*/ 71630 w 2033155"/>
+              <a:gd name="connsiteY5" fmla="*/ 0 h 585688"/>
+              <a:gd name="connsiteX6" fmla="*/ 1961525 w 2033155"/>
+              <a:gd name="connsiteY6" fmla="*/ 0 h 585688"/>
+              <a:gd name="connsiteX7" fmla="*/ 2033155 w 2033155"/>
+              <a:gd name="connsiteY7" fmla="*/ 71630 h 585688"/>
+              <a:gd name="connsiteX8" fmla="*/ 2033155 w 2033155"/>
+              <a:gd name="connsiteY8" fmla="*/ 514058 h 585688"/>
+              <a:gd name="connsiteX9" fmla="*/ 1961525 w 2033155"/>
+              <a:gd name="connsiteY9" fmla="*/ 585688 h 585688"/>
+              <a:gd name="connsiteX10" fmla="*/ 71630 w 2033155"/>
+              <a:gd name="connsiteY10" fmla="*/ 585688 h 585688"/>
+              <a:gd name="connsiteX11" fmla="*/ 0 w 2033155"/>
+              <a:gd name="connsiteY11" fmla="*/ 514058 h 585688"/>
+              <a:gd name="connsiteX12" fmla="*/ 0 w 2033155"/>
+              <a:gd name="connsiteY12" fmla="*/ 71630 h 585688"/>
+              <a:gd name="connsiteX13" fmla="*/ 71630 w 2033155"/>
+              <a:gd name="connsiteY13" fmla="*/ 0 h 585688"/>
+            </a:gdLst>
+            <a:ahLst/>
+            <a:cxnLst>
+              <a:cxn ang="0">
+                <a:pos x="connsiteX0" y="connsiteY0"/>
+              </a:cxn>
+              <a:cxn ang="0">
+                <a:pos x="connsiteX1" y="connsiteY1"/>
+              </a:cxn>
+              <a:cxn ang="0">
+                <a:pos x="connsiteX2" y="connsiteY2"/>
+              </a:cxn>
+              <a:cxn ang="0">
+                <a:pos x="connsiteX3" y="connsiteY3"/>
+              </a:cxn>
+              <a:cxn ang="0">
+                <a:pos x="connsiteX4" y="connsiteY4"/>
+              </a:cxn>
+              <a:cxn ang="0">
+                <a:pos x="connsiteX5" y="connsiteY5"/>
+              </a:cxn>
+              <a:cxn ang="0">
+                <a:pos x="connsiteX6" y="connsiteY6"/>
+              </a:cxn>
+              <a:cxn ang="0">
+                <a:pos x="connsiteX7" y="connsiteY7"/>
+              </a:cxn>
+              <a:cxn ang="0">
+                <a:pos x="connsiteX8" y="connsiteY8"/>
+              </a:cxn>
+              <a:cxn ang="0">
+                <a:pos x="connsiteX9" y="connsiteY9"/>
+              </a:cxn>
+              <a:cxn ang="0">
+                <a:pos x="connsiteX10" y="connsiteY10"/>
+              </a:cxn>
+              <a:cxn ang="0">
+                <a:pos x="connsiteX11" y="connsiteY11"/>
+              </a:cxn>
+              <a:cxn ang="0">
+                <a:pos x="connsiteX12" y="connsiteY12"/>
+              </a:cxn>
+              <a:cxn ang="0">
+                <a:pos x="connsiteX13" y="connsiteY13"/>
+              </a:cxn>
+            </a:cxnLst>
+            <a:rect l="l" t="t" r="r" b="b"/>
+            <a:pathLst>
+              <a:path w="2033155" h="585688">
+                <a:moveTo>
+                  <a:pt x="1874303" y="71218"/>
+                </a:moveTo>
+                <a:cubicBezTo>
+                  <a:pt x="1827485" y="71218"/>
+                  <a:pt x="1789532" y="109171"/>
+                  <a:pt x="1789532" y="155989"/>
+                </a:cubicBezTo>
+                <a:cubicBezTo>
+                  <a:pt x="1789532" y="202807"/>
+                  <a:pt x="1827485" y="240760"/>
+                  <a:pt x="1874303" y="240760"/>
+                </a:cubicBezTo>
+                <a:cubicBezTo>
+                  <a:pt x="1921121" y="240760"/>
+                  <a:pt x="1959074" y="202807"/>
+                  <a:pt x="1959074" y="155989"/>
+                </a:cubicBezTo>
+                <a:cubicBezTo>
+                  <a:pt x="1959074" y="109171"/>
+                  <a:pt x="1921121" y="71218"/>
+                  <a:pt x="1874303" y="71218"/>
+                </a:cubicBezTo>
+                <a:close/>
+                <a:moveTo>
+                  <a:pt x="71630" y="0"/>
+                </a:moveTo>
+                <a:lnTo>
+                  <a:pt x="1961525" y="0"/>
+                </a:lnTo>
+                <a:cubicBezTo>
+                  <a:pt x="2001085" y="0"/>
+                  <a:pt x="2033155" y="32070"/>
+                  <a:pt x="2033155" y="71630"/>
+                </a:cubicBezTo>
+                <a:lnTo>
+                  <a:pt x="2033155" y="514058"/>
+                </a:lnTo>
+                <a:cubicBezTo>
+                  <a:pt x="2033155" y="553618"/>
+                  <a:pt x="2001085" y="585688"/>
+                  <a:pt x="1961525" y="585688"/>
+                </a:cubicBezTo>
+                <a:lnTo>
+                  <a:pt x="71630" y="585688"/>
+                </a:lnTo>
+                <a:cubicBezTo>
+                  <a:pt x="32070" y="585688"/>
+                  <a:pt x="0" y="553618"/>
+                  <a:pt x="0" y="514058"/>
+                </a:cubicBezTo>
+                <a:lnTo>
+                  <a:pt x="0" y="71630"/>
+                </a:lnTo>
+                <a:cubicBezTo>
+                  <a:pt x="0" y="32070"/>
+                  <a:pt x="32070" y="0"/>
+                  <a:pt x="71630" y="0"/>
+                </a:cubicBezTo>
+                <a:close/>
+              </a:path>
+            </a:pathLst>
+          </a:custGeom>
+          <a:solidFill>
+            <a:schemeClr val="bg1"/>
+          </a:solidFill>
+          <a:ln>
+            <a:solidFill>
+              <a:schemeClr val="bg1">
+                <a:lumMod val="75000"/>
+              </a:schemeClr>
+            </a:solidFill>
+          </a:ln>
+        </p:spPr>
+        <p:style>
+          <a:lnRef idx="2">
+            <a:schemeClr val="accent1">
+              <a:shade val="50000"/>
+            </a:schemeClr>
+          </a:lnRef>
+          <a:fillRef idx="1">
+            <a:schemeClr val="accent1"/>
+          </a:fillRef>
+          <a:effectRef idx="0">
+            <a:schemeClr val="accent1"/>
+          </a:effectRef>
+          <a:fontRef idx="minor">
+            <a:schemeClr val="lt1"/>
+          </a:fontRef>
+        </p:style>
+        <p:txBody>
+          <a:bodyPr rot="0" spcFirstLastPara="0" vertOverflow="overflow" horzOverflow="overflow" vert="horz" wrap="square" lIns="91440" tIns="45720" rIns="91440" bIns="45720" numCol="1" spcCol="0" rtlCol="0" fromWordArt="0" anchor="ctr" anchorCtr="0" forceAA="0" compatLnSpc="1">
+            <a:prstTxWarp prst="textNoShape">
+              <a:avLst/>
+            </a:prstTxWarp>
+            <a:noAutofit/>
+          </a:bodyPr>
+          <a:lstStyle/>
+          <a:p>
+            <a:pPr lvl="0"/>
+            <a:r>
+              <a:rPr kumimoji="1" lang="en-US" altLang="ko-KR" sz="1100" b="1" dirty="0">
+                <a:solidFill>
+                  <a:prstClr val="black">
+                    <a:lumMod val="75000"/>
+                    <a:lumOff val="25000"/>
+                  </a:prstClr>
+                </a:solidFill>
+              </a:rPr>
+              <a:t>2.</a:t>
+            </a:r>
+            <a:r>
+              <a:rPr kumimoji="1" lang="ko-KR" altLang="en-US" sz="1100" b="1" dirty="0">
+                <a:solidFill>
+                  <a:prstClr val="black">
+                    <a:lumMod val="75000"/>
+                    <a:lumOff val="25000"/>
+                  </a:prstClr>
+                </a:solidFill>
+              </a:rPr>
+              <a:t> 레이어 빔</a:t>
+            </a:r>
+            <a:endParaRPr kumimoji="1" lang="en-US" altLang="ko-KR" sz="1000" b="1" dirty="0">
+              <a:solidFill>
+                <a:srgbClr val="FF0000"/>
+              </a:solidFill>
+            </a:endParaRPr>
+          </a:p>
+          <a:p>
+            <a:r>
+              <a:rPr kumimoji="1" lang="ko-KR" altLang="en-US" sz="1100" b="1" dirty="0">
+                <a:solidFill>
+                  <a:schemeClr val="tx1">
+                    <a:lumMod val="75000"/>
+                    <a:lumOff val="25000"/>
+                  </a:schemeClr>
+                </a:solidFill>
+              </a:rPr>
+              <a:t>돈 단위 </a:t>
+            </a:r>
+            <a:r>
+              <a:rPr kumimoji="1" lang="en-US" altLang="ko-KR" sz="1100" b="1" dirty="0">
+                <a:solidFill>
+                  <a:schemeClr val="tx1">
+                    <a:lumMod val="75000"/>
+                    <a:lumOff val="25000"/>
+                  </a:schemeClr>
+                </a:solidFill>
+              </a:rPr>
+              <a:t>:</a:t>
+            </a:r>
+            <a:r>
+              <a:rPr kumimoji="1" lang="ko-KR" altLang="en-US" sz="1100" b="1" dirty="0">
+                <a:solidFill>
+                  <a:schemeClr val="tx1">
+                    <a:lumMod val="75000"/>
+                    <a:lumOff val="25000"/>
+                  </a:schemeClr>
+                </a:solidFill>
+              </a:rPr>
+              <a:t> </a:t>
+            </a:r>
+            <a:r>
+              <a:rPr kumimoji="1" lang="ko-KR" altLang="en-US" sz="1100" b="1" u="sng" dirty="0">
+                <a:solidFill>
+                  <a:schemeClr val="tx1">
+                    <a:lumMod val="75000"/>
+                    <a:lumOff val="25000"/>
+                  </a:schemeClr>
+                </a:solidFill>
+              </a:rPr>
+              <a:t> 엔</a:t>
+            </a:r>
+            <a:r>
+              <a:rPr kumimoji="1" lang="en-US" altLang="ko-KR" sz="1100" b="1" u="sng" dirty="0">
+                <a:solidFill>
+                  <a:schemeClr val="tx1">
+                    <a:lumMod val="75000"/>
+                    <a:lumOff val="25000"/>
+                  </a:schemeClr>
+                </a:solidFill>
+              </a:rPr>
+              <a:t>	</a:t>
+            </a:r>
+            <a:r>
+              <a:rPr kumimoji="1" lang="ko-KR" altLang="en-US" sz="1100" b="1" dirty="0">
+                <a:solidFill>
+                  <a:schemeClr val="tx1">
+                    <a:lumMod val="75000"/>
+                    <a:lumOff val="25000"/>
+                  </a:schemeClr>
+                </a:solidFill>
+              </a:rPr>
+              <a:t>            </a:t>
+            </a:r>
+            <a:r>
+              <a:rPr kumimoji="1" lang="ko-KR" altLang="en-US" sz="1000" b="1" dirty="0">
+                <a:solidFill>
+                  <a:srgbClr val="FF0000"/>
+                </a:solidFill>
+              </a:rPr>
+              <a:t>삭제</a:t>
+            </a:r>
+          </a:p>
+        </p:txBody>
+      </p:sp>
+      <p:sp>
+        <p:nvSpPr>
+          <p:cNvPr id="41" name="자유형 40">
+            <a:extLst>
+              <a:ext uri="{FF2B5EF4-FFF2-40B4-BE49-F238E27FC236}">
+                <a16:creationId xmlns:a16="http://schemas.microsoft.com/office/drawing/2014/main" xmlns="" id="{707B7328-3B58-114E-AACD-588358DE2C85}"/>
+              </a:ext>
+            </a:extLst>
+          </p:cNvPr>
+          <p:cNvSpPr/>
+          <p:nvPr/>
+        </p:nvSpPr>
+        <p:spPr>
+          <a:xfrm>
+            <a:off x="5079422" y="4772140"/>
+            <a:ext cx="2033155" cy="585688"/>
+          </a:xfrm>
+          <a:custGeom>
+            <a:avLst/>
+            <a:gdLst>
+              <a:gd name="connsiteX0" fmla="*/ 1874303 w 2033155"/>
+              <a:gd name="connsiteY0" fmla="*/ 77542 h 585688"/>
+              <a:gd name="connsiteX1" fmla="*/ 1789532 w 2033155"/>
+              <a:gd name="connsiteY1" fmla="*/ 162313 h 585688"/>
+              <a:gd name="connsiteX2" fmla="*/ 1874303 w 2033155"/>
+              <a:gd name="connsiteY2" fmla="*/ 247084 h 585688"/>
+              <a:gd name="connsiteX3" fmla="*/ 1959074 w 2033155"/>
+              <a:gd name="connsiteY3" fmla="*/ 162313 h 585688"/>
+              <a:gd name="connsiteX4" fmla="*/ 1874303 w 2033155"/>
+              <a:gd name="connsiteY4" fmla="*/ 77542 h 585688"/>
+              <a:gd name="connsiteX5" fmla="*/ 71630 w 2033155"/>
+              <a:gd name="connsiteY5" fmla="*/ 0 h 585688"/>
+              <a:gd name="connsiteX6" fmla="*/ 1961525 w 2033155"/>
+              <a:gd name="connsiteY6" fmla="*/ 0 h 585688"/>
+              <a:gd name="connsiteX7" fmla="*/ 2033155 w 2033155"/>
+              <a:gd name="connsiteY7" fmla="*/ 71630 h 585688"/>
+              <a:gd name="connsiteX8" fmla="*/ 2033155 w 2033155"/>
+              <a:gd name="connsiteY8" fmla="*/ 514058 h 585688"/>
+              <a:gd name="connsiteX9" fmla="*/ 1961525 w 2033155"/>
+              <a:gd name="connsiteY9" fmla="*/ 585688 h 585688"/>
+              <a:gd name="connsiteX10" fmla="*/ 71630 w 2033155"/>
+              <a:gd name="connsiteY10" fmla="*/ 585688 h 585688"/>
+              <a:gd name="connsiteX11" fmla="*/ 0 w 2033155"/>
+              <a:gd name="connsiteY11" fmla="*/ 514058 h 585688"/>
+              <a:gd name="connsiteX12" fmla="*/ 0 w 2033155"/>
+              <a:gd name="connsiteY12" fmla="*/ 71630 h 585688"/>
+              <a:gd name="connsiteX13" fmla="*/ 71630 w 2033155"/>
+              <a:gd name="connsiteY13" fmla="*/ 0 h 585688"/>
+            </a:gdLst>
+            <a:ahLst/>
+            <a:cxnLst>
+              <a:cxn ang="0">
+                <a:pos x="connsiteX0" y="connsiteY0"/>
+              </a:cxn>
+              <a:cxn ang="0">
+                <a:pos x="connsiteX1" y="connsiteY1"/>
+              </a:cxn>
+              <a:cxn ang="0">
+                <a:pos x="connsiteX2" y="connsiteY2"/>
+              </a:cxn>
+              <a:cxn ang="0">
+                <a:pos x="connsiteX3" y="connsiteY3"/>
+              </a:cxn>
+              <a:cxn ang="0">
+                <a:pos x="connsiteX4" y="connsiteY4"/>
+              </a:cxn>
+              <a:cxn ang="0">
+                <a:pos x="connsiteX5" y="connsiteY5"/>
+              </a:cxn>
+              <a:cxn ang="0">
+                <a:pos x="connsiteX6" y="connsiteY6"/>
+              </a:cxn>
+              <a:cxn ang="0">
+                <a:pos x="connsiteX7" y="connsiteY7"/>
+              </a:cxn>
+              <a:cxn ang="0">
+                <a:pos x="connsiteX8" y="connsiteY8"/>
+              </a:cxn>
+              <a:cxn ang="0">
+                <a:pos x="connsiteX9" y="connsiteY9"/>
+              </a:cxn>
+              <a:cxn ang="0">
+                <a:pos x="connsiteX10" y="connsiteY10"/>
+              </a:cxn>
+              <a:cxn ang="0">
+                <a:pos x="connsiteX11" y="connsiteY11"/>
+              </a:cxn>
+              <a:cxn ang="0">
+                <a:pos x="connsiteX12" y="connsiteY12"/>
+              </a:cxn>
+              <a:cxn ang="0">
+                <a:pos x="connsiteX13" y="connsiteY13"/>
+              </a:cxn>
+            </a:cxnLst>
+            <a:rect l="l" t="t" r="r" b="b"/>
+            <a:pathLst>
+              <a:path w="2033155" h="585688">
+                <a:moveTo>
+                  <a:pt x="1874303" y="77542"/>
+                </a:moveTo>
+                <a:cubicBezTo>
+                  <a:pt x="1827485" y="77542"/>
+                  <a:pt x="1789532" y="115495"/>
+                  <a:pt x="1789532" y="162313"/>
+                </a:cubicBezTo>
+                <a:cubicBezTo>
+                  <a:pt x="1789532" y="209131"/>
+                  <a:pt x="1827485" y="247084"/>
+                  <a:pt x="1874303" y="247084"/>
+                </a:cubicBezTo>
+                <a:cubicBezTo>
+                  <a:pt x="1921121" y="247084"/>
+                  <a:pt x="1959074" y="209131"/>
+                  <a:pt x="1959074" y="162313"/>
+                </a:cubicBezTo>
+                <a:cubicBezTo>
+                  <a:pt x="1959074" y="115495"/>
+                  <a:pt x="1921121" y="77542"/>
+                  <a:pt x="1874303" y="77542"/>
+                </a:cubicBezTo>
+                <a:close/>
+                <a:moveTo>
+                  <a:pt x="71630" y="0"/>
+                </a:moveTo>
+                <a:lnTo>
+                  <a:pt x="1961525" y="0"/>
+                </a:lnTo>
+                <a:cubicBezTo>
+                  <a:pt x="2001085" y="0"/>
+                  <a:pt x="2033155" y="32070"/>
+                  <a:pt x="2033155" y="71630"/>
+                </a:cubicBezTo>
+                <a:lnTo>
+                  <a:pt x="2033155" y="514058"/>
+                </a:lnTo>
+                <a:cubicBezTo>
+                  <a:pt x="2033155" y="553618"/>
+                  <a:pt x="2001085" y="585688"/>
+                  <a:pt x="1961525" y="585688"/>
+                </a:cubicBezTo>
+                <a:lnTo>
+                  <a:pt x="71630" y="585688"/>
+                </a:lnTo>
+                <a:cubicBezTo>
+                  <a:pt x="32070" y="585688"/>
+                  <a:pt x="0" y="553618"/>
+                  <a:pt x="0" y="514058"/>
+                </a:cubicBezTo>
+                <a:lnTo>
+                  <a:pt x="0" y="71630"/>
+                </a:lnTo>
+                <a:cubicBezTo>
+                  <a:pt x="0" y="32070"/>
+                  <a:pt x="32070" y="0"/>
+                  <a:pt x="71630" y="0"/>
+                </a:cubicBezTo>
+                <a:close/>
+              </a:path>
+            </a:pathLst>
+          </a:custGeom>
+          <a:solidFill>
+            <a:schemeClr val="bg1"/>
+          </a:solidFill>
+          <a:ln>
+            <a:solidFill>
+              <a:schemeClr val="bg1">
+                <a:lumMod val="75000"/>
+              </a:schemeClr>
+            </a:solidFill>
+          </a:ln>
+        </p:spPr>
+        <p:style>
+          <a:lnRef idx="2">
+            <a:schemeClr val="accent1">
+              <a:shade val="50000"/>
+            </a:schemeClr>
+          </a:lnRef>
+          <a:fillRef idx="1">
+            <a:schemeClr val="accent1"/>
+          </a:fillRef>
+          <a:effectRef idx="0">
+            <a:schemeClr val="accent1"/>
+          </a:effectRef>
+          <a:fontRef idx="minor">
+            <a:schemeClr val="lt1"/>
+          </a:fontRef>
+        </p:style>
+        <p:txBody>
+          <a:bodyPr rot="0" spcFirstLastPara="0" vertOverflow="overflow" horzOverflow="overflow" vert="horz" wrap="square" lIns="91440" tIns="45720" rIns="91440" bIns="45720" numCol="1" spcCol="0" rtlCol="0" fromWordArt="0" anchor="ctr" anchorCtr="0" forceAA="0" compatLnSpc="1">
+            <a:prstTxWarp prst="textNoShape">
+              <a:avLst/>
+            </a:prstTxWarp>
+            <a:noAutofit/>
+          </a:bodyPr>
+          <a:lstStyle/>
+          <a:p>
+            <a:pPr lvl="0"/>
+            <a:r>
+              <a:rPr kumimoji="1" lang="en-US" altLang="ko-KR" sz="1100" b="1" dirty="0">
+                <a:solidFill>
+                  <a:prstClr val="black">
+                    <a:lumMod val="75000"/>
+                    <a:lumOff val="25000"/>
+                  </a:prstClr>
+                </a:solidFill>
+              </a:rPr>
+              <a:t>3.</a:t>
+            </a:r>
+            <a:r>
+              <a:rPr kumimoji="1" lang="ko-KR" altLang="en-US" sz="1100" b="1" dirty="0">
+                <a:solidFill>
+                  <a:prstClr val="black">
+                    <a:lumMod val="75000"/>
+                    <a:lumOff val="25000"/>
+                  </a:prstClr>
+                </a:solidFill>
+              </a:rPr>
+              <a:t> 톰 레이어</a:t>
+            </a:r>
+            <a:endParaRPr kumimoji="1" lang="en-US" altLang="ko-KR" sz="1000" b="1" dirty="0">
+              <a:solidFill>
+                <a:srgbClr val="FF0000"/>
+              </a:solidFill>
+            </a:endParaRPr>
+          </a:p>
+          <a:p>
+            <a:r>
+              <a:rPr kumimoji="1" lang="ko-KR" altLang="en-US" sz="1100" b="1" dirty="0">
+                <a:solidFill>
+                  <a:schemeClr val="tx1">
+                    <a:lumMod val="75000"/>
+                    <a:lumOff val="25000"/>
+                  </a:schemeClr>
+                </a:solidFill>
+              </a:rPr>
+              <a:t>돈 단위 </a:t>
+            </a:r>
+            <a:r>
+              <a:rPr kumimoji="1" lang="en-US" altLang="ko-KR" sz="1100" b="1" dirty="0">
+                <a:solidFill>
+                  <a:schemeClr val="tx1">
+                    <a:lumMod val="75000"/>
+                    <a:lumOff val="25000"/>
+                  </a:schemeClr>
+                </a:solidFill>
+              </a:rPr>
+              <a:t>:</a:t>
+            </a:r>
+            <a:r>
+              <a:rPr kumimoji="1" lang="ko-KR" altLang="en-US" sz="1100" b="1" dirty="0">
+                <a:solidFill>
+                  <a:schemeClr val="tx1">
+                    <a:lumMod val="75000"/>
+                    <a:lumOff val="25000"/>
+                  </a:schemeClr>
+                </a:solidFill>
+              </a:rPr>
+              <a:t> </a:t>
+            </a:r>
+            <a:r>
+              <a:rPr kumimoji="1" lang="ko-KR" altLang="en-US" sz="1100" b="1" u="sng" dirty="0">
+                <a:solidFill>
+                  <a:schemeClr val="tx1">
+                    <a:lumMod val="75000"/>
+                    <a:lumOff val="25000"/>
+                  </a:schemeClr>
+                </a:solidFill>
+              </a:rPr>
+              <a:t> 달러</a:t>
+            </a:r>
+            <a:r>
+              <a:rPr kumimoji="1" lang="ko-KR" altLang="en-US" sz="1100" b="1" dirty="0">
+                <a:solidFill>
+                  <a:schemeClr val="tx1">
+                    <a:lumMod val="75000"/>
+                    <a:lumOff val="25000"/>
+                  </a:schemeClr>
+                </a:solidFill>
+              </a:rPr>
+              <a:t>            </a:t>
+            </a:r>
+            <a:r>
+              <a:rPr kumimoji="1" lang="ko-KR" altLang="en-US" sz="1000" b="1" dirty="0">
+                <a:solidFill>
+                  <a:srgbClr val="FF0000"/>
+                </a:solidFill>
+              </a:rPr>
+              <a:t>삭제</a:t>
+            </a:r>
+          </a:p>
+        </p:txBody>
+      </p:sp>
+      <p:sp>
+        <p:nvSpPr>
+          <p:cNvPr id="27" name="직사각형 26">
+            <a:extLst>
+              <a:ext uri="{FF2B5EF4-FFF2-40B4-BE49-F238E27FC236}">
+                <a16:creationId xmlns:a16="http://schemas.microsoft.com/office/drawing/2014/main" xmlns="" id="{324B93C4-54CD-364D-AE04-E89369BD362F}"/>
+              </a:ext>
+            </a:extLst>
+          </p:cNvPr>
+          <p:cNvSpPr/>
+          <p:nvPr/>
+        </p:nvSpPr>
+        <p:spPr>
+          <a:xfrm>
+            <a:off x="4901105" y="5603047"/>
+            <a:ext cx="2403951" cy="253636"/>
+          </a:xfrm>
+          <a:prstGeom prst="rect">
+            <a:avLst/>
+          </a:prstGeom>
+          <a:solidFill>
+            <a:srgbClr val="F6F6F6"/>
+          </a:solidFill>
+          <a:ln>
+            <a:noFill/>
+          </a:ln>
+        </p:spPr>
+        <p:style>
+          <a:lnRef idx="2">
+            <a:schemeClr val="accent1">
+              <a:shade val="50000"/>
+            </a:schemeClr>
+          </a:lnRef>
+          <a:fillRef idx="1">
+            <a:schemeClr val="accent1"/>
+          </a:fillRef>
+          <a:effectRef idx="0">
+            <a:schemeClr val="accent1"/>
+          </a:effectRef>
+          <a:fontRef idx="minor">
+            <a:schemeClr val="lt1"/>
+          </a:fontRef>
+        </p:style>
+        <p:txBody>
+          <a:bodyPr rtlCol="0" anchor="ctr"/>
+          <a:lstStyle/>
+          <a:p>
+            <a:pPr algn="ctr"/>
+            <a:endParaRPr kumimoji="1" lang="ko-KR" altLang="en-US"/>
+          </a:p>
+        </p:txBody>
+      </p:sp>
+      <p:cxnSp>
+        <p:nvCxnSpPr>
+          <p:cNvPr id="3" name="직선 연결선[R] 2">
+            <a:extLst>
+              <a:ext uri="{FF2B5EF4-FFF2-40B4-BE49-F238E27FC236}">
+                <a16:creationId xmlns:a16="http://schemas.microsoft.com/office/drawing/2014/main" xmlns="" id="{703E2DF6-4AB2-EF49-A3C5-F19D70859C0E}"/>
+              </a:ext>
+            </a:extLst>
+          </p:cNvPr>
+          <p:cNvCxnSpPr/>
+          <p:nvPr/>
+        </p:nvCxnSpPr>
+        <p:spPr>
+          <a:xfrm>
+            <a:off x="4901105" y="5609974"/>
+            <a:ext cx="2403951" cy="0"/>
+          </a:xfrm>
+          <a:prstGeom prst="line">
+            <a:avLst/>
+          </a:prstGeom>
+          <a:ln w="12700">
+            <a:solidFill>
+              <a:schemeClr val="bg1">
+                <a:lumMod val="75000"/>
+              </a:schemeClr>
+            </a:solidFill>
+          </a:ln>
+        </p:spPr>
+        <p:style>
+          <a:lnRef idx="1">
+            <a:schemeClr val="accent1"/>
+          </a:lnRef>
+          <a:fillRef idx="0">
+            <a:schemeClr val="accent1"/>
+          </a:fillRef>
+          <a:effectRef idx="0">
+            <a:schemeClr val="accent1"/>
+          </a:effectRef>
+          <a:fontRef idx="minor">
+            <a:schemeClr val="tx1"/>
+          </a:fontRef>
+        </p:style>
+      </p:cxnSp>
+      <p:sp>
+        <p:nvSpPr>
+          <p:cNvPr id="38" name="자유형 37">
+            <a:extLst>
+              <a:ext uri="{FF2B5EF4-FFF2-40B4-BE49-F238E27FC236}">
+                <a16:creationId xmlns:a16="http://schemas.microsoft.com/office/drawing/2014/main" xmlns="" id="{39ED7C97-C917-C740-AAC7-BAA87FCBD74F}"/>
+              </a:ext>
+            </a:extLst>
+          </p:cNvPr>
+          <p:cNvSpPr/>
+          <p:nvPr/>
+        </p:nvSpPr>
+        <p:spPr>
+          <a:xfrm>
+            <a:off x="5079422" y="3471557"/>
+            <a:ext cx="2033155" cy="585688"/>
+          </a:xfrm>
+          <a:custGeom>
+            <a:avLst/>
+            <a:gdLst>
+              <a:gd name="connsiteX0" fmla="*/ 1874303 w 2033155"/>
+              <a:gd name="connsiteY0" fmla="*/ 71218 h 585688"/>
+              <a:gd name="connsiteX1" fmla="*/ 1789532 w 2033155"/>
+              <a:gd name="connsiteY1" fmla="*/ 155989 h 585688"/>
+              <a:gd name="connsiteX2" fmla="*/ 1874303 w 2033155"/>
+              <a:gd name="connsiteY2" fmla="*/ 240760 h 585688"/>
+              <a:gd name="connsiteX3" fmla="*/ 1959074 w 2033155"/>
+              <a:gd name="connsiteY3" fmla="*/ 155989 h 585688"/>
+              <a:gd name="connsiteX4" fmla="*/ 1874303 w 2033155"/>
+              <a:gd name="connsiteY4" fmla="*/ 71218 h 585688"/>
+              <a:gd name="connsiteX5" fmla="*/ 71630 w 2033155"/>
+              <a:gd name="connsiteY5" fmla="*/ 0 h 585688"/>
+              <a:gd name="connsiteX6" fmla="*/ 1961525 w 2033155"/>
+              <a:gd name="connsiteY6" fmla="*/ 0 h 585688"/>
+              <a:gd name="connsiteX7" fmla="*/ 2033155 w 2033155"/>
+              <a:gd name="connsiteY7" fmla="*/ 71630 h 585688"/>
+              <a:gd name="connsiteX8" fmla="*/ 2033155 w 2033155"/>
+              <a:gd name="connsiteY8" fmla="*/ 514058 h 585688"/>
+              <a:gd name="connsiteX9" fmla="*/ 1961525 w 2033155"/>
+              <a:gd name="connsiteY9" fmla="*/ 585688 h 585688"/>
+              <a:gd name="connsiteX10" fmla="*/ 71630 w 2033155"/>
+              <a:gd name="connsiteY10" fmla="*/ 585688 h 585688"/>
+              <a:gd name="connsiteX11" fmla="*/ 0 w 2033155"/>
+              <a:gd name="connsiteY11" fmla="*/ 514058 h 585688"/>
+              <a:gd name="connsiteX12" fmla="*/ 0 w 2033155"/>
+              <a:gd name="connsiteY12" fmla="*/ 71630 h 585688"/>
+              <a:gd name="connsiteX13" fmla="*/ 71630 w 2033155"/>
+              <a:gd name="connsiteY13" fmla="*/ 0 h 585688"/>
+            </a:gdLst>
+            <a:ahLst/>
+            <a:cxnLst>
+              <a:cxn ang="0">
+                <a:pos x="connsiteX0" y="connsiteY0"/>
+              </a:cxn>
+              <a:cxn ang="0">
+                <a:pos x="connsiteX1" y="connsiteY1"/>
+              </a:cxn>
+              <a:cxn ang="0">
+                <a:pos x="connsiteX2" y="connsiteY2"/>
+              </a:cxn>
+              <a:cxn ang="0">
+                <a:pos x="connsiteX3" y="connsiteY3"/>
+              </a:cxn>
+              <a:cxn ang="0">
+                <a:pos x="connsiteX4" y="connsiteY4"/>
+              </a:cxn>
+              <a:cxn ang="0">
+                <a:pos x="connsiteX5" y="connsiteY5"/>
+              </a:cxn>
+              <a:cxn ang="0">
+                <a:pos x="connsiteX6" y="connsiteY6"/>
+              </a:cxn>
+              <a:cxn ang="0">
+                <a:pos x="connsiteX7" y="connsiteY7"/>
+              </a:cxn>
+              <a:cxn ang="0">
+                <a:pos x="connsiteX8" y="connsiteY8"/>
+              </a:cxn>
+              <a:cxn ang="0">
+                <a:pos x="connsiteX9" y="connsiteY9"/>
+              </a:cxn>
+              <a:cxn ang="0">
+                <a:pos x="connsiteX10" y="connsiteY10"/>
+              </a:cxn>
+              <a:cxn ang="0">
+                <a:pos x="connsiteX11" y="connsiteY11"/>
+              </a:cxn>
+              <a:cxn ang="0">
+                <a:pos x="connsiteX12" y="connsiteY12"/>
+              </a:cxn>
+              <a:cxn ang="0">
+                <a:pos x="connsiteX13" y="connsiteY13"/>
+              </a:cxn>
+            </a:cxnLst>
+            <a:rect l="l" t="t" r="r" b="b"/>
+            <a:pathLst>
+              <a:path w="2033155" h="585688">
+                <a:moveTo>
+                  <a:pt x="1874303" y="71218"/>
+                </a:moveTo>
+                <a:cubicBezTo>
+                  <a:pt x="1827485" y="71218"/>
+                  <a:pt x="1789532" y="109171"/>
+                  <a:pt x="1789532" y="155989"/>
+                </a:cubicBezTo>
+                <a:cubicBezTo>
+                  <a:pt x="1789532" y="202807"/>
+                  <a:pt x="1827485" y="240760"/>
+                  <a:pt x="1874303" y="240760"/>
+                </a:cubicBezTo>
+                <a:cubicBezTo>
+                  <a:pt x="1921121" y="240760"/>
+                  <a:pt x="1959074" y="202807"/>
+                  <a:pt x="1959074" y="155989"/>
+                </a:cubicBezTo>
+                <a:cubicBezTo>
+                  <a:pt x="1959074" y="109171"/>
+                  <a:pt x="1921121" y="71218"/>
+                  <a:pt x="1874303" y="71218"/>
+                </a:cubicBezTo>
+                <a:close/>
+                <a:moveTo>
+                  <a:pt x="71630" y="0"/>
+                </a:moveTo>
+                <a:lnTo>
+                  <a:pt x="1961525" y="0"/>
+                </a:lnTo>
+                <a:cubicBezTo>
+                  <a:pt x="2001085" y="0"/>
+                  <a:pt x="2033155" y="32070"/>
+                  <a:pt x="2033155" y="71630"/>
+                </a:cubicBezTo>
+                <a:lnTo>
+                  <a:pt x="2033155" y="514058"/>
+                </a:lnTo>
+                <a:cubicBezTo>
+                  <a:pt x="2033155" y="553618"/>
+                  <a:pt x="2001085" y="585688"/>
+                  <a:pt x="1961525" y="585688"/>
+                </a:cubicBezTo>
+                <a:lnTo>
+                  <a:pt x="71630" y="585688"/>
+                </a:lnTo>
+                <a:cubicBezTo>
+                  <a:pt x="32070" y="585688"/>
+                  <a:pt x="0" y="553618"/>
+                  <a:pt x="0" y="514058"/>
+                </a:cubicBezTo>
+                <a:lnTo>
+                  <a:pt x="0" y="71630"/>
+                </a:lnTo>
+                <a:cubicBezTo>
+                  <a:pt x="0" y="32070"/>
+                  <a:pt x="32070" y="0"/>
+                  <a:pt x="71630" y="0"/>
+                </a:cubicBezTo>
+                <a:close/>
+              </a:path>
+            </a:pathLst>
+          </a:custGeom>
+          <a:solidFill>
+            <a:schemeClr val="bg1"/>
+          </a:solidFill>
+          <a:ln>
+            <a:solidFill>
+              <a:schemeClr val="bg1">
+                <a:lumMod val="75000"/>
+              </a:schemeClr>
+            </a:solidFill>
+          </a:ln>
+        </p:spPr>
+        <p:style>
+          <a:lnRef idx="2">
+            <a:schemeClr val="accent1">
+              <a:shade val="50000"/>
+            </a:schemeClr>
+          </a:lnRef>
+          <a:fillRef idx="1">
+            <a:schemeClr val="accent1"/>
+          </a:fillRef>
+          <a:effectRef idx="0">
+            <a:schemeClr val="accent1"/>
+          </a:effectRef>
+          <a:fontRef idx="minor">
+            <a:schemeClr val="lt1"/>
+          </a:fontRef>
+        </p:style>
+        <p:txBody>
+          <a:bodyPr rot="0" spcFirstLastPara="0" vertOverflow="overflow" horzOverflow="overflow" vert="horz" wrap="square" lIns="91440" tIns="45720" rIns="91440" bIns="45720" numCol="1" spcCol="0" rtlCol="0" fromWordArt="0" anchor="ctr" anchorCtr="0" forceAA="0" compatLnSpc="1">
+            <a:prstTxWarp prst="textNoShape">
+              <a:avLst/>
+            </a:prstTxWarp>
+            <a:noAutofit/>
+          </a:bodyPr>
+          <a:lstStyle/>
+          <a:p>
+            <a:r>
+              <a:rPr kumimoji="1" lang="en-US" altLang="ko-KR" sz="1100" b="1" dirty="0">
+                <a:solidFill>
+                  <a:schemeClr val="tx1">
+                    <a:lumMod val="75000"/>
+                    <a:lumOff val="25000"/>
+                  </a:schemeClr>
+                </a:solidFill>
+              </a:rPr>
+              <a:t>1.</a:t>
+            </a:r>
+            <a:r>
+              <a:rPr kumimoji="1" lang="ko-KR" altLang="en-US" sz="1100" b="1" dirty="0">
+                <a:solidFill>
+                  <a:schemeClr val="tx1">
+                    <a:lumMod val="75000"/>
+                    <a:lumOff val="25000"/>
+                  </a:schemeClr>
+                </a:solidFill>
+              </a:rPr>
+              <a:t> 기본 레이어</a:t>
+            </a:r>
+            <a:endParaRPr kumimoji="1" lang="en-US" altLang="ko-KR" sz="1100" b="1" dirty="0">
+              <a:solidFill>
+                <a:schemeClr val="tx1">
+                  <a:lumMod val="75000"/>
+                  <a:lumOff val="25000"/>
+                </a:schemeClr>
+              </a:solidFill>
+            </a:endParaRPr>
+          </a:p>
+          <a:p>
+            <a:r>
+              <a:rPr kumimoji="1" lang="ko-KR" altLang="en-US" sz="1100" b="1" dirty="0">
+                <a:solidFill>
+                  <a:schemeClr val="tx1">
+                    <a:lumMod val="75000"/>
+                    <a:lumOff val="25000"/>
+                  </a:schemeClr>
+                </a:solidFill>
+              </a:rPr>
+              <a:t>돈 단위 </a:t>
+            </a:r>
+            <a:r>
+              <a:rPr kumimoji="1" lang="en-US" altLang="ko-KR" sz="1100" b="1" dirty="0">
+                <a:solidFill>
+                  <a:schemeClr val="tx1">
+                    <a:lumMod val="75000"/>
+                    <a:lumOff val="25000"/>
+                  </a:schemeClr>
+                </a:solidFill>
+              </a:rPr>
+              <a:t>:</a:t>
+            </a:r>
+            <a:r>
+              <a:rPr kumimoji="1" lang="ko-KR" altLang="en-US" sz="1100" b="1" dirty="0">
+                <a:solidFill>
+                  <a:schemeClr val="tx1">
+                    <a:lumMod val="75000"/>
+                    <a:lumOff val="25000"/>
+                  </a:schemeClr>
+                </a:solidFill>
+              </a:rPr>
+              <a:t> </a:t>
+            </a:r>
+            <a:r>
+              <a:rPr kumimoji="1" lang="ko-KR" altLang="en-US" sz="1100" b="1" u="sng" dirty="0">
+                <a:solidFill>
+                  <a:schemeClr val="tx1">
+                    <a:lumMod val="75000"/>
+                    <a:lumOff val="25000"/>
+                  </a:schemeClr>
+                </a:solidFill>
+              </a:rPr>
+              <a:t> 원</a:t>
+            </a:r>
+            <a:r>
+              <a:rPr kumimoji="1" lang="en-US" altLang="ko-KR" sz="1100" b="1" u="sng" dirty="0">
+                <a:solidFill>
+                  <a:schemeClr val="tx1">
+                    <a:lumMod val="75000"/>
+                    <a:lumOff val="25000"/>
+                  </a:schemeClr>
+                </a:solidFill>
+              </a:rPr>
+              <a:t>	</a:t>
+            </a:r>
+            <a:r>
+              <a:rPr kumimoji="1" lang="ko-KR" altLang="en-US" sz="1100" b="1" dirty="0">
+                <a:solidFill>
+                  <a:schemeClr val="tx1">
+                    <a:lumMod val="75000"/>
+                    <a:lumOff val="25000"/>
+                  </a:schemeClr>
+                </a:solidFill>
+              </a:rPr>
+              <a:t>            </a:t>
+            </a:r>
+            <a:r>
+              <a:rPr kumimoji="1" lang="ko-KR" altLang="en-US" sz="1000" b="1" dirty="0">
+                <a:solidFill>
+                  <a:srgbClr val="FF0000"/>
+                </a:solidFill>
+              </a:rPr>
+              <a:t>삭제</a:t>
+            </a:r>
+          </a:p>
+        </p:txBody>
+      </p:sp>
+      <p:sp>
+        <p:nvSpPr>
+          <p:cNvPr id="29" name="TextBox 28">
+            <a:extLst>
+              <a:ext uri="{FF2B5EF4-FFF2-40B4-BE49-F238E27FC236}">
+                <a16:creationId xmlns:a16="http://schemas.microsoft.com/office/drawing/2014/main" xmlns="" id="{ADA8295D-F93C-3047-AEE6-7A0499D3324A}"/>
+              </a:ext>
+            </a:extLst>
+          </p:cNvPr>
+          <p:cNvSpPr txBox="1"/>
+          <p:nvPr/>
+        </p:nvSpPr>
+        <p:spPr>
+          <a:xfrm>
+            <a:off x="4982903" y="3141823"/>
+            <a:ext cx="906017" cy="253916"/>
+          </a:xfrm>
+          <a:prstGeom prst="rect">
+            <a:avLst/>
+          </a:prstGeom>
+          <a:noFill/>
+        </p:spPr>
+        <p:txBody>
+          <a:bodyPr wrap="none" rtlCol="0">
+            <a:spAutoFit/>
+          </a:bodyPr>
+          <a:lstStyle/>
+          <a:p>
+            <a:r>
+              <a:rPr kumimoji="1" lang="ko-KR" altLang="en-US" sz="1050" dirty="0">
+                <a:solidFill>
+                  <a:schemeClr val="tx1">
+                    <a:lumMod val="75000"/>
+                    <a:lumOff val="25000"/>
+                  </a:schemeClr>
+                </a:solidFill>
+              </a:rPr>
+              <a:t>레이어 목록</a:t>
+            </a:r>
+            <a:endParaRPr kumimoji="1" lang="en-US" altLang="ko-KR" sz="1050" dirty="0">
+              <a:solidFill>
+                <a:schemeClr val="tx1">
+                  <a:lumMod val="75000"/>
+                  <a:lumOff val="25000"/>
+                </a:schemeClr>
+              </a:solidFill>
+            </a:endParaRPr>
+          </a:p>
+        </p:txBody>
+      </p:sp>
+      <p:sp>
+        <p:nvSpPr>
+          <p:cNvPr id="34" name="직사각형 33">
+            <a:extLst>
+              <a:ext uri="{FF2B5EF4-FFF2-40B4-BE49-F238E27FC236}">
+                <a16:creationId xmlns:a16="http://schemas.microsoft.com/office/drawing/2014/main" xmlns="" id="{85AE415A-F52E-6849-89F6-B7DF9B5D0D2D}"/>
+              </a:ext>
+            </a:extLst>
+          </p:cNvPr>
+          <p:cNvSpPr/>
+          <p:nvPr/>
+        </p:nvSpPr>
+        <p:spPr>
+          <a:xfrm>
+            <a:off x="4894025" y="1276420"/>
+            <a:ext cx="2403951" cy="1674184"/>
+          </a:xfrm>
+          <a:prstGeom prst="rect">
+            <a:avLst/>
+          </a:prstGeom>
+          <a:solidFill>
+            <a:schemeClr val="bg1"/>
+          </a:solidFill>
+          <a:ln>
+            <a:solidFill>
+              <a:schemeClr val="bg1">
+                <a:lumMod val="75000"/>
+              </a:schemeClr>
+            </a:solidFill>
+          </a:ln>
+        </p:spPr>
+        <p:style>
+          <a:lnRef idx="2">
+            <a:schemeClr val="accent1">
+              <a:shade val="50000"/>
+            </a:schemeClr>
+          </a:lnRef>
+          <a:fillRef idx="1">
+            <a:schemeClr val="accent1"/>
+          </a:fillRef>
+          <a:effectRef idx="0">
+            <a:schemeClr val="accent1"/>
+          </a:effectRef>
+          <a:fontRef idx="minor">
+            <a:schemeClr val="lt1"/>
+          </a:fontRef>
+        </p:style>
+        <p:txBody>
+          <a:bodyPr rtlCol="0" anchor="ctr"/>
+          <a:lstStyle/>
+          <a:p>
+            <a:pPr algn="ctr"/>
+            <a:endParaRPr kumimoji="1" lang="ko-KR" altLang="en-US" dirty="0"/>
+          </a:p>
+        </p:txBody>
+      </p:sp>
+      <p:sp>
+        <p:nvSpPr>
+          <p:cNvPr id="35" name="모서리가 둥근 직사각형 34">
+            <a:extLst>
+              <a:ext uri="{FF2B5EF4-FFF2-40B4-BE49-F238E27FC236}">
+                <a16:creationId xmlns:a16="http://schemas.microsoft.com/office/drawing/2014/main" xmlns="" id="{A4971372-9237-B048-B2E9-0A06977A32A0}"/>
+              </a:ext>
+            </a:extLst>
+          </p:cNvPr>
+          <p:cNvSpPr/>
+          <p:nvPr/>
+        </p:nvSpPr>
+        <p:spPr>
+          <a:xfrm>
+            <a:off x="5171838" y="2506380"/>
+            <a:ext cx="1848323" cy="234616"/>
+          </a:xfrm>
+          <a:prstGeom prst="roundRect">
+            <a:avLst>
+              <a:gd name="adj" fmla="val 12230"/>
+            </a:avLst>
+          </a:prstGeom>
+          <a:solidFill>
+            <a:srgbClr val="00A5FA"/>
+          </a:solidFill>
+          <a:ln>
+            <a:solidFill>
+              <a:srgbClr val="00B0F0"/>
+            </a:solidFill>
+          </a:ln>
+        </p:spPr>
+        <p:style>
+          <a:lnRef idx="2">
+            <a:schemeClr val="accent1">
+              <a:shade val="50000"/>
+            </a:schemeClr>
+          </a:lnRef>
+          <a:fillRef idx="1">
+            <a:schemeClr val="accent1"/>
+          </a:fillRef>
+          <a:effectRef idx="0">
+            <a:schemeClr val="accent1"/>
+          </a:effectRef>
+          <a:fontRef idx="minor">
+            <a:schemeClr val="lt1"/>
+          </a:fontRef>
+        </p:style>
+        <p:txBody>
+          <a:bodyPr rot="0" spcFirstLastPara="0" vertOverflow="overflow" horzOverflow="overflow" vert="horz" wrap="square" lIns="91440" tIns="45720" rIns="91440" bIns="45720" numCol="1" spcCol="0" rtlCol="0" fromWordArt="0" anchor="ctr" anchorCtr="0" forceAA="0" compatLnSpc="1">
+            <a:prstTxWarp prst="textNoShape">
+              <a:avLst/>
+            </a:prstTxWarp>
+            <a:noAutofit/>
+          </a:bodyPr>
+          <a:lstStyle/>
+          <a:p>
+            <a:pPr algn="ctr"/>
+            <a:r>
+              <a:rPr kumimoji="1" lang="ko-KR" altLang="en-US" sz="1000" dirty="0">
+                <a:solidFill>
+                  <a:schemeClr val="bg1"/>
+                </a:solidFill>
+              </a:rPr>
+              <a:t>추가</a:t>
+            </a:r>
+          </a:p>
+        </p:txBody>
+      </p:sp>
+      <p:sp>
+        <p:nvSpPr>
+          <p:cNvPr id="37" name="TextBox 36">
+            <a:extLst>
+              <a:ext uri="{FF2B5EF4-FFF2-40B4-BE49-F238E27FC236}">
+                <a16:creationId xmlns:a16="http://schemas.microsoft.com/office/drawing/2014/main" xmlns="" id="{985B151C-01C4-014A-B006-E8E125897B00}"/>
+              </a:ext>
+            </a:extLst>
+          </p:cNvPr>
+          <p:cNvSpPr txBox="1"/>
+          <p:nvPr/>
+        </p:nvSpPr>
+        <p:spPr>
+          <a:xfrm>
+            <a:off x="5342435" y="1755119"/>
+            <a:ext cx="1507144" cy="338554"/>
+          </a:xfrm>
+          <a:prstGeom prst="rect">
+            <a:avLst/>
+          </a:prstGeom>
+          <a:noFill/>
+        </p:spPr>
+        <p:txBody>
+          <a:bodyPr wrap="none" rtlCol="0">
+            <a:spAutoFit/>
+          </a:bodyPr>
+          <a:lstStyle/>
+          <a:p>
+            <a:pPr algn="ctr"/>
+            <a:r>
+              <a:rPr kumimoji="1" lang="en-US" altLang="ko-KR" sz="1600" b="1" dirty="0"/>
+              <a:t>_______________</a:t>
+            </a:r>
+            <a:endParaRPr kumimoji="1" lang="ko-KR" altLang="en-US" sz="1600" b="1" dirty="0"/>
+          </a:p>
+        </p:txBody>
+      </p:sp>
+      <p:sp>
+        <p:nvSpPr>
+          <p:cNvPr id="40" name="TextBox 39">
+            <a:extLst>
+              <a:ext uri="{FF2B5EF4-FFF2-40B4-BE49-F238E27FC236}">
+                <a16:creationId xmlns:a16="http://schemas.microsoft.com/office/drawing/2014/main" xmlns="" id="{FF2CD8B2-D563-3246-A9AF-E3C8601CB67D}"/>
+              </a:ext>
+            </a:extLst>
+          </p:cNvPr>
+          <p:cNvSpPr txBox="1"/>
+          <p:nvPr/>
+        </p:nvSpPr>
+        <p:spPr>
+          <a:xfrm>
+            <a:off x="4982903" y="1410132"/>
+            <a:ext cx="1008609" cy="276999"/>
+          </a:xfrm>
+          <a:prstGeom prst="rect">
+            <a:avLst/>
+          </a:prstGeom>
+          <a:noFill/>
+        </p:spPr>
+        <p:txBody>
+          <a:bodyPr wrap="none" rtlCol="0">
+            <a:spAutoFit/>
+          </a:bodyPr>
+          <a:lstStyle/>
+          <a:p>
+            <a:pPr algn="ctr"/>
+            <a:r>
+              <a:rPr kumimoji="1" lang="ko-KR" altLang="en-US" sz="1200" dirty="0"/>
+              <a:t>레이어 추가</a:t>
+            </a:r>
+          </a:p>
+        </p:txBody>
+      </p:sp>
+      <p:sp>
+        <p:nvSpPr>
+          <p:cNvPr id="2" name="TextBox 1">
+            <a:extLst>
+              <a:ext uri="{FF2B5EF4-FFF2-40B4-BE49-F238E27FC236}">
+                <a16:creationId xmlns:a16="http://schemas.microsoft.com/office/drawing/2014/main" xmlns="" id="{342D94B4-3572-1345-95DA-6137D8C8DE3B}"/>
+              </a:ext>
+            </a:extLst>
+          </p:cNvPr>
+          <p:cNvSpPr txBox="1"/>
+          <p:nvPr/>
+        </p:nvSpPr>
+        <p:spPr>
+          <a:xfrm>
+            <a:off x="5594383" y="1737453"/>
+            <a:ext cx="1017394" cy="276999"/>
+          </a:xfrm>
+          <a:prstGeom prst="rect">
+            <a:avLst/>
+          </a:prstGeom>
+          <a:noFill/>
+        </p:spPr>
+        <p:txBody>
+          <a:bodyPr wrap="none" rtlCol="0">
+            <a:spAutoFit/>
+          </a:bodyPr>
+          <a:lstStyle/>
+          <a:p>
+            <a:pPr algn="ctr"/>
+            <a:r>
+              <a:rPr kumimoji="1" lang="en-US" altLang="ko-KR" sz="1200" dirty="0">
+                <a:solidFill>
+                  <a:schemeClr val="bg1">
+                    <a:lumMod val="75000"/>
+                  </a:schemeClr>
+                </a:solidFill>
+              </a:rPr>
+              <a:t>Layer Name</a:t>
+            </a:r>
+            <a:endParaRPr kumimoji="1" lang="ko-KR" altLang="en-US" sz="1200" dirty="0">
+              <a:solidFill>
+                <a:schemeClr val="bg1">
+                  <a:lumMod val="75000"/>
+                </a:schemeClr>
+              </a:solidFill>
+            </a:endParaRPr>
+          </a:p>
+        </p:txBody>
+      </p:sp>
+      <p:sp>
+        <p:nvSpPr>
+          <p:cNvPr id="24" name="TextBox 23">
+            <a:extLst>
+              <a:ext uri="{FF2B5EF4-FFF2-40B4-BE49-F238E27FC236}">
+                <a16:creationId xmlns:a16="http://schemas.microsoft.com/office/drawing/2014/main" xmlns="" id="{A981D1E3-3D90-3247-975C-84C640002CD1}"/>
+              </a:ext>
+            </a:extLst>
+          </p:cNvPr>
+          <p:cNvSpPr txBox="1"/>
+          <p:nvPr/>
+        </p:nvSpPr>
+        <p:spPr>
+          <a:xfrm>
+            <a:off x="5695894" y="836828"/>
+            <a:ext cx="800219" cy="338554"/>
+          </a:xfrm>
+          <a:prstGeom prst="rect">
+            <a:avLst/>
+          </a:prstGeom>
+          <a:noFill/>
+        </p:spPr>
+        <p:txBody>
+          <a:bodyPr wrap="none" rtlCol="0">
+            <a:spAutoFit/>
+          </a:bodyPr>
+          <a:lstStyle/>
+          <a:p>
+            <a:pPr algn="ctr"/>
+            <a:r>
+              <a:rPr kumimoji="1" lang="ko-KR" altLang="en-US" sz="1600" b="1" dirty="0"/>
+              <a:t>활빈당</a:t>
+            </a:r>
+          </a:p>
+        </p:txBody>
+      </p:sp>
+      <p:sp>
+        <p:nvSpPr>
+          <p:cNvPr id="32" name="모서리가 둥근 직사각형 31">
+            <a:extLst>
+              <a:ext uri="{FF2B5EF4-FFF2-40B4-BE49-F238E27FC236}">
+                <a16:creationId xmlns:a16="http://schemas.microsoft.com/office/drawing/2014/main" xmlns="" id="{B59F14F9-9C33-A149-BB80-3F36949E7F3B}"/>
+              </a:ext>
+            </a:extLst>
+          </p:cNvPr>
+          <p:cNvSpPr/>
+          <p:nvPr/>
+        </p:nvSpPr>
+        <p:spPr>
+          <a:xfrm>
+            <a:off x="5178918" y="2148741"/>
+            <a:ext cx="1848323" cy="234616"/>
+          </a:xfrm>
+          <a:prstGeom prst="roundRect">
+            <a:avLst>
+              <a:gd name="adj" fmla="val 12230"/>
+            </a:avLst>
+          </a:prstGeom>
+          <a:solidFill>
+            <a:srgbClr val="F6F6F6"/>
+          </a:solidFill>
+          <a:ln>
+            <a:solidFill>
+              <a:schemeClr val="bg1">
+                <a:lumMod val="75000"/>
+              </a:schemeClr>
+            </a:solidFill>
+          </a:ln>
+        </p:spPr>
+        <p:style>
+          <a:lnRef idx="2">
+            <a:schemeClr val="accent1">
+              <a:shade val="50000"/>
+            </a:schemeClr>
+          </a:lnRef>
+          <a:fillRef idx="1">
+            <a:schemeClr val="accent1"/>
+          </a:fillRef>
+          <a:effectRef idx="0">
+            <a:schemeClr val="accent1"/>
+          </a:effectRef>
+          <a:fontRef idx="minor">
+            <a:schemeClr val="lt1"/>
+          </a:fontRef>
+        </p:style>
+        <p:txBody>
+          <a:bodyPr rot="0" spcFirstLastPara="0" vertOverflow="overflow" horzOverflow="overflow" vert="horz" wrap="square" lIns="91440" tIns="45720" rIns="91440" bIns="45720" numCol="1" spcCol="0" rtlCol="0" fromWordArt="0" anchor="ctr" anchorCtr="0" forceAA="0" compatLnSpc="1">
+            <a:prstTxWarp prst="textNoShape">
+              <a:avLst/>
+            </a:prstTxWarp>
+            <a:noAutofit/>
+          </a:bodyPr>
+          <a:lstStyle/>
+          <a:p>
+            <a:pPr algn="ctr"/>
+            <a:r>
+              <a:rPr kumimoji="1" lang="en-US" altLang="ko-KR" sz="1000" dirty="0">
+                <a:solidFill>
+                  <a:schemeClr val="bg1">
+                    <a:lumMod val="50000"/>
+                  </a:schemeClr>
+                </a:solidFill>
+              </a:rPr>
+              <a:t>Currency</a:t>
+            </a:r>
+            <a:endParaRPr kumimoji="1" lang="ko-KR" altLang="en-US" sz="1000" dirty="0">
+              <a:solidFill>
+                <a:schemeClr val="bg1">
+                  <a:lumMod val="50000"/>
+                </a:schemeClr>
+              </a:solidFill>
+            </a:endParaRPr>
+          </a:p>
+        </p:txBody>
+      </p:sp>
+      <p:sp>
+        <p:nvSpPr>
+          <p:cNvPr id="22" name="직사각형 21">
+            <a:extLst>
+              <a:ext uri="{FF2B5EF4-FFF2-40B4-BE49-F238E27FC236}">
+                <a16:creationId xmlns:a16="http://schemas.microsoft.com/office/drawing/2014/main" xmlns="" id="{1DF4C30D-B860-CF42-A2D2-8933EF262E6F}"/>
+              </a:ext>
+            </a:extLst>
+          </p:cNvPr>
+          <p:cNvSpPr/>
+          <p:nvPr/>
+        </p:nvSpPr>
+        <p:spPr>
+          <a:xfrm>
+            <a:off x="4901105" y="5693037"/>
+            <a:ext cx="2403951" cy="489240"/>
+          </a:xfrm>
+          <a:prstGeom prst="rect">
+            <a:avLst/>
+          </a:prstGeom>
+          <a:solidFill>
+            <a:schemeClr val="bg1"/>
+          </a:solidFill>
+          <a:ln>
+            <a:solidFill>
+              <a:schemeClr val="bg1">
+                <a:lumMod val="75000"/>
+              </a:schemeClr>
+            </a:solidFill>
+          </a:ln>
+        </p:spPr>
+        <p:style>
+          <a:lnRef idx="2">
+            <a:schemeClr val="accent1">
+              <a:shade val="50000"/>
+            </a:schemeClr>
+          </a:lnRef>
+          <a:fillRef idx="1">
+            <a:schemeClr val="accent1"/>
+          </a:fillRef>
+          <a:effectRef idx="0">
+            <a:schemeClr val="accent1"/>
+          </a:effectRef>
+          <a:fontRef idx="minor">
+            <a:schemeClr val="lt1"/>
+          </a:fontRef>
+        </p:style>
+        <p:txBody>
+          <a:bodyPr rtlCol="0" anchor="ctr"/>
+          <a:lstStyle/>
+          <a:p>
+            <a:pPr algn="ctr"/>
+            <a:endParaRPr kumimoji="1" lang="ko-KR" altLang="en-US"/>
+          </a:p>
+        </p:txBody>
+      </p:sp>
+      <p:sp>
+        <p:nvSpPr>
+          <p:cNvPr id="23" name="모서리가 둥근 직사각형 22">
+            <a:extLst>
+              <a:ext uri="{FF2B5EF4-FFF2-40B4-BE49-F238E27FC236}">
+                <a16:creationId xmlns:a16="http://schemas.microsoft.com/office/drawing/2014/main" xmlns="" id="{A63988F2-FAC3-5045-8EA4-4720DBA24757}"/>
+              </a:ext>
+            </a:extLst>
+          </p:cNvPr>
+          <p:cNvSpPr/>
+          <p:nvPr/>
+        </p:nvSpPr>
+        <p:spPr>
+          <a:xfrm>
+            <a:off x="5178918" y="5824538"/>
+            <a:ext cx="1848323" cy="234616"/>
+          </a:xfrm>
+          <a:prstGeom prst="roundRect">
+            <a:avLst>
+              <a:gd name="adj" fmla="val 12230"/>
+            </a:avLst>
+          </a:prstGeom>
+          <a:solidFill>
+            <a:srgbClr val="FF0000"/>
+          </a:solidFill>
+          <a:ln>
+            <a:solidFill>
+              <a:srgbClr val="FF4F48"/>
+            </a:solidFill>
+          </a:ln>
+        </p:spPr>
+        <p:style>
+          <a:lnRef idx="2">
+            <a:schemeClr val="accent1">
+              <a:shade val="50000"/>
+            </a:schemeClr>
+          </a:lnRef>
+          <a:fillRef idx="1">
+            <a:schemeClr val="accent1"/>
+          </a:fillRef>
+          <a:effectRef idx="0">
+            <a:schemeClr val="accent1"/>
+          </a:effectRef>
+          <a:fontRef idx="minor">
+            <a:schemeClr val="lt1"/>
+          </a:fontRef>
+        </p:style>
+        <p:txBody>
+          <a:bodyPr rot="0" spcFirstLastPara="0" vertOverflow="overflow" horzOverflow="overflow" vert="horz" wrap="square" lIns="91440" tIns="45720" rIns="91440" bIns="45720" numCol="1" spcCol="0" rtlCol="0" fromWordArt="0" anchor="ctr" anchorCtr="0" forceAA="0" compatLnSpc="1">
+            <a:prstTxWarp prst="textNoShape">
+              <a:avLst/>
+            </a:prstTxWarp>
+            <a:noAutofit/>
+          </a:bodyPr>
+          <a:lstStyle/>
+          <a:p>
+            <a:pPr algn="ctr"/>
+            <a:r>
+              <a:rPr kumimoji="1" lang="ko-KR" altLang="en-US" sz="1000" dirty="0">
+                <a:solidFill>
+                  <a:schemeClr val="bg1"/>
+                </a:solidFill>
+              </a:rPr>
+              <a:t>방 삭제</a:t>
+            </a:r>
+          </a:p>
+        </p:txBody>
+      </p:sp>
+      <p:sp>
+        <p:nvSpPr>
+          <p:cNvPr id="8" name="타원 7">
+            <a:extLst>
+              <a:ext uri="{FF2B5EF4-FFF2-40B4-BE49-F238E27FC236}">
+                <a16:creationId xmlns:a16="http://schemas.microsoft.com/office/drawing/2014/main" xmlns="" id="{17CBA615-565C-AB45-868B-9C6119032236}"/>
+              </a:ext>
+            </a:extLst>
+          </p:cNvPr>
+          <p:cNvSpPr/>
+          <p:nvPr/>
+        </p:nvSpPr>
+        <p:spPr>
+          <a:xfrm>
+            <a:off x="6892004" y="4225921"/>
+            <a:ext cx="121754" cy="121754"/>
+          </a:xfrm>
+          <a:prstGeom prst="ellipse">
+            <a:avLst/>
+          </a:prstGeom>
+          <a:solidFill>
+            <a:srgbClr val="00B0F0"/>
+          </a:solidFill>
+          <a:ln>
+            <a:noFill/>
+          </a:ln>
+        </p:spPr>
+        <p:style>
+          <a:lnRef idx="2">
+            <a:schemeClr val="accent1">
+              <a:shade val="50000"/>
+            </a:schemeClr>
+          </a:lnRef>
+          <a:fillRef idx="1">
+            <a:schemeClr val="accent1"/>
+          </a:fillRef>
+          <a:effectRef idx="0">
+            <a:schemeClr val="accent1"/>
+          </a:effectRef>
+          <a:fontRef idx="minor">
+            <a:schemeClr val="lt1"/>
+          </a:fontRef>
+        </p:style>
+        <p:txBody>
+          <a:bodyPr rtlCol="0" anchor="ctr"/>
+          <a:lstStyle/>
+          <a:p>
+            <a:pPr algn="ctr"/>
+            <a:endParaRPr kumimoji="1" lang="ko-KR" altLang="en-US"/>
+          </a:p>
+        </p:txBody>
+      </p:sp>
+      <p:sp>
+        <p:nvSpPr>
+          <p:cNvPr id="42" name="자유형 41">
+            <a:extLst>
+              <a:ext uri="{FF2B5EF4-FFF2-40B4-BE49-F238E27FC236}">
+                <a16:creationId xmlns:a16="http://schemas.microsoft.com/office/drawing/2014/main" xmlns="" id="{D118E58B-320B-8847-9091-5DBE4CFBE0D7}"/>
+              </a:ext>
+            </a:extLst>
+          </p:cNvPr>
+          <p:cNvSpPr/>
+          <p:nvPr/>
+        </p:nvSpPr>
+        <p:spPr>
+          <a:xfrm rot="13405530">
+            <a:off x="6484005" y="916556"/>
+            <a:ext cx="43065" cy="210710"/>
+          </a:xfrm>
+          <a:custGeom>
+            <a:avLst/>
+            <a:gdLst>
+              <a:gd name="connsiteX0" fmla="*/ 0 w 1060704"/>
+              <a:gd name="connsiteY0" fmla="*/ 5330311 h 5708910"/>
+              <a:gd name="connsiteX1" fmla="*/ 1060704 w 1060704"/>
+              <a:gd name="connsiteY1" fmla="*/ 5330311 h 5708910"/>
+              <a:gd name="connsiteX2" fmla="*/ 1060704 w 1060704"/>
+              <a:gd name="connsiteY2" fmla="*/ 5708910 h 5708910"/>
+              <a:gd name="connsiteX3" fmla="*/ 0 w 1060704"/>
+              <a:gd name="connsiteY3" fmla="*/ 5708910 h 5708910"/>
+              <a:gd name="connsiteX4" fmla="*/ 0 w 1060704"/>
+              <a:gd name="connsiteY4" fmla="*/ 1164371 h 5708910"/>
+              <a:gd name="connsiteX5" fmla="*/ 1060704 w 1060704"/>
+              <a:gd name="connsiteY5" fmla="*/ 1164371 h 5708910"/>
+              <a:gd name="connsiteX6" fmla="*/ 1060704 w 1060704"/>
+              <a:gd name="connsiteY6" fmla="*/ 5084090 h 5708910"/>
+              <a:gd name="connsiteX7" fmla="*/ 0 w 1060704"/>
+              <a:gd name="connsiteY7" fmla="*/ 5084090 h 5708910"/>
+              <a:gd name="connsiteX8" fmla="*/ 530352 w 1060704"/>
+              <a:gd name="connsiteY8" fmla="*/ 0 h 5708910"/>
+              <a:gd name="connsiteX9" fmla="*/ 1060704 w 1060704"/>
+              <a:gd name="connsiteY9" fmla="*/ 914400 h 5708910"/>
+              <a:gd name="connsiteX10" fmla="*/ 0 w 1060704"/>
+              <a:gd name="connsiteY10" fmla="*/ 914400 h 5708910"/>
+            </a:gdLst>
+            <a:ahLst/>
+            <a:cxnLst>
+              <a:cxn ang="0">
+                <a:pos x="connsiteX0" y="connsiteY0"/>
+              </a:cxn>
+              <a:cxn ang="0">
+                <a:pos x="connsiteX1" y="connsiteY1"/>
+              </a:cxn>
+              <a:cxn ang="0">
+                <a:pos x="connsiteX2" y="connsiteY2"/>
+              </a:cxn>
+              <a:cxn ang="0">
+                <a:pos x="connsiteX3" y="connsiteY3"/>
+              </a:cxn>
+              <a:cxn ang="0">
+                <a:pos x="connsiteX4" y="connsiteY4"/>
+              </a:cxn>
+              <a:cxn ang="0">
+                <a:pos x="connsiteX5" y="connsiteY5"/>
+              </a:cxn>
+              <a:cxn ang="0">
+                <a:pos x="connsiteX6" y="connsiteY6"/>
+              </a:cxn>
+              <a:cxn ang="0">
+                <a:pos x="connsiteX7" y="connsiteY7"/>
+              </a:cxn>
+              <a:cxn ang="0">
+                <a:pos x="connsiteX8" y="connsiteY8"/>
+              </a:cxn>
+              <a:cxn ang="0">
+                <a:pos x="connsiteX9" y="connsiteY9"/>
+              </a:cxn>
+              <a:cxn ang="0">
+                <a:pos x="connsiteX10" y="connsiteY10"/>
+              </a:cxn>
+            </a:cxnLst>
+            <a:rect l="l" t="t" r="r" b="b"/>
+            <a:pathLst>
+              <a:path w="1060704" h="5708910">
+                <a:moveTo>
+                  <a:pt x="0" y="5330311"/>
+                </a:moveTo>
+                <a:lnTo>
+                  <a:pt x="1060704" y="5330311"/>
+                </a:lnTo>
+                <a:lnTo>
+                  <a:pt x="1060704" y="5708910"/>
+                </a:lnTo>
+                <a:lnTo>
+                  <a:pt x="0" y="5708910"/>
+                </a:lnTo>
+                <a:close/>
+                <a:moveTo>
+                  <a:pt x="0" y="1164371"/>
+                </a:moveTo>
+                <a:lnTo>
+                  <a:pt x="1060704" y="1164371"/>
+                </a:lnTo>
+                <a:lnTo>
+                  <a:pt x="1060704" y="5084090"/>
+                </a:lnTo>
+                <a:lnTo>
+                  <a:pt x="0" y="5084090"/>
+                </a:lnTo>
+                <a:close/>
+                <a:moveTo>
+                  <a:pt x="530352" y="0"/>
+                </a:moveTo>
+                <a:lnTo>
+                  <a:pt x="1060704" y="914400"/>
+                </a:lnTo>
+                <a:lnTo>
+                  <a:pt x="0" y="914400"/>
+                </a:lnTo>
+                <a:close/>
+              </a:path>
+            </a:pathLst>
+          </a:custGeom>
+          <a:solidFill>
+            <a:schemeClr val="tx1">
+              <a:lumMod val="50000"/>
+              <a:lumOff val="50000"/>
+            </a:schemeClr>
+          </a:solidFill>
+          <a:ln>
+            <a:noFill/>
+          </a:ln>
+        </p:spPr>
+        <p:style>
+          <a:lnRef idx="2">
+            <a:schemeClr val="accent1">
+              <a:shade val="50000"/>
+            </a:schemeClr>
+          </a:lnRef>
+          <a:fillRef idx="1">
+            <a:schemeClr val="accent1"/>
+          </a:fillRef>
+          <a:effectRef idx="0">
+            <a:schemeClr val="accent1"/>
+          </a:effectRef>
+          <a:fontRef idx="minor">
+            <a:schemeClr val="lt1"/>
+          </a:fontRef>
+        </p:style>
+        <p:txBody>
+          <a:bodyPr rtlCol="0" anchor="ctr"/>
+          <a:lstStyle/>
+          <a:p>
+            <a:pPr algn="ctr"/>
+            <a:endParaRPr kumimoji="1" lang="ko-KR" altLang="en-US"/>
+          </a:p>
+        </p:txBody>
+      </p:sp>
+      <p:sp>
+        <p:nvSpPr>
+          <p:cNvPr id="30" name="TextBox 29">
+            <a:extLst>
+              <a:ext uri="{FF2B5EF4-FFF2-40B4-BE49-F238E27FC236}">
+                <a16:creationId xmlns:a16="http://schemas.microsoft.com/office/drawing/2014/main" xmlns="" id="{001529B2-C00D-4D4F-BEB9-70140837CDB4}"/>
+              </a:ext>
+            </a:extLst>
+          </p:cNvPr>
+          <p:cNvSpPr txBox="1"/>
+          <p:nvPr/>
+        </p:nvSpPr>
+        <p:spPr>
+          <a:xfrm>
+            <a:off x="5754268" y="6299817"/>
+            <a:ext cx="697627" cy="246221"/>
+          </a:xfrm>
+          <a:prstGeom prst="rect">
+            <a:avLst/>
+          </a:prstGeom>
+          <a:noFill/>
+        </p:spPr>
+        <p:txBody>
+          <a:bodyPr wrap="none" rtlCol="0">
+            <a:spAutoFit/>
+          </a:bodyPr>
+          <a:lstStyle/>
+          <a:p>
+            <a:pPr algn="ctr"/>
+            <a:r>
+              <a:rPr kumimoji="1" lang="ko-KR" altLang="en-US" sz="1000" dirty="0">
+                <a:solidFill>
+                  <a:srgbClr val="00B0F0"/>
+                </a:solidFill>
+              </a:rPr>
+              <a:t>로그아웃</a:t>
+            </a:r>
+          </a:p>
+        </p:txBody>
+      </p:sp>
+      <p:sp>
+        <p:nvSpPr>
+          <p:cNvPr id="31" name="TextBox 30">
+            <a:extLst>
+              <a:ext uri="{FF2B5EF4-FFF2-40B4-BE49-F238E27FC236}">
+                <a16:creationId xmlns:a16="http://schemas.microsoft.com/office/drawing/2014/main" xmlns="" id="{69074E22-F89C-A349-8330-71928693398F}"/>
+              </a:ext>
+            </a:extLst>
+          </p:cNvPr>
+          <p:cNvSpPr txBox="1"/>
+          <p:nvPr/>
+        </p:nvSpPr>
+        <p:spPr>
+          <a:xfrm>
+            <a:off x="5525535" y="6485507"/>
+            <a:ext cx="1141659" cy="253916"/>
+          </a:xfrm>
+          <a:prstGeom prst="rect">
+            <a:avLst/>
+          </a:prstGeom>
+          <a:noFill/>
+        </p:spPr>
+        <p:txBody>
+          <a:bodyPr wrap="none" rtlCol="0">
+            <a:spAutoFit/>
+          </a:bodyPr>
+          <a:lstStyle/>
+          <a:p>
+            <a:r>
+              <a:rPr kumimoji="1" lang="en-US" altLang="ko-KR" sz="1050" dirty="0">
+                <a:solidFill>
+                  <a:schemeClr val="bg1">
+                    <a:lumMod val="50000"/>
+                  </a:schemeClr>
+                </a:solidFill>
+              </a:rPr>
+              <a:t>@ </a:t>
+            </a:r>
+            <a:r>
+              <a:rPr kumimoji="1" lang="en-US" altLang="ko-KR" sz="1050" dirty="0" err="1">
+                <a:solidFill>
+                  <a:schemeClr val="bg1">
+                    <a:lumMod val="50000"/>
+                  </a:schemeClr>
+                </a:solidFill>
+              </a:rPr>
+              <a:t>about_JCube</a:t>
+            </a:r>
+            <a:endParaRPr kumimoji="1" lang="en-US" altLang="ko-KR" sz="1050" dirty="0">
+              <a:solidFill>
+                <a:schemeClr val="bg1">
+                  <a:lumMod val="50000"/>
+                </a:schemeClr>
+              </a:solidFill>
+            </a:endParaRPr>
+          </a:p>
+        </p:txBody>
+      </p:sp>
+    </p:spTree>
+    <p:extLst>
+      <p:ext uri="{BB962C8B-B14F-4D97-AF65-F5344CB8AC3E}">
+        <p14:creationId xmlns:p14="http://schemas.microsoft.com/office/powerpoint/2010/main" val="3091943180"/>
       </p:ext>
     </p:extLst>
   </p:cSld>
